--- a/Presentazione.pptx
+++ b/Presentazione.pptx
@@ -2,20 +2,21 @@
 <file path=ppt/presentation.xml><?xml version="1.0" encoding="utf-8"?>
 <p:presentation xmlns:a="http://schemas.openxmlformats.org/drawingml/2006/main" xmlns:r="http://schemas.openxmlformats.org/officeDocument/2006/relationships" xmlns:p="http://schemas.openxmlformats.org/presentationml/2006/main" saveSubsetFonts="1">
   <p:sldMasterIdLst>
-    <p:sldMasterId id="2147483672" r:id="rId1"/>
+    <p:sldMasterId id="2147483726" r:id="rId1"/>
   </p:sldMasterIdLst>
   <p:sldIdLst>
     <p:sldId id="256" r:id="rId2"/>
     <p:sldId id="257" r:id="rId3"/>
-    <p:sldId id="258" r:id="rId4"/>
-    <p:sldId id="259" r:id="rId5"/>
+    <p:sldId id="259" r:id="rId4"/>
+    <p:sldId id="258" r:id="rId5"/>
     <p:sldId id="260" r:id="rId6"/>
     <p:sldId id="266" r:id="rId7"/>
     <p:sldId id="267" r:id="rId8"/>
     <p:sldId id="268" r:id="rId9"/>
     <p:sldId id="269" r:id="rId10"/>
     <p:sldId id="261" r:id="rId11"/>
-    <p:sldId id="265" r:id="rId12"/>
+    <p:sldId id="270" r:id="rId12"/>
+    <p:sldId id="265" r:id="rId13"/>
   </p:sldIdLst>
   <p:sldSz cx="12192000" cy="6858000"/>
   <p:notesSz cx="6858000" cy="9144000"/>
@@ -3870,6 +3871,753 @@
 </file>
 
 <file path=ppt/diagrams/colors6.xml><?xml version="1.0" encoding="utf-8"?>
+<dgm:colorsDef xmlns:dgm="http://schemas.openxmlformats.org/drawingml/2006/diagram" xmlns:a="http://schemas.openxmlformats.org/drawingml/2006/main" uniqueId="urn:microsoft.com/office/officeart/2005/8/colors/accent1_2">
+  <dgm:title val=""/>
+  <dgm:desc val=""/>
+  <dgm:catLst>
+    <dgm:cat type="accent1" pri="11200"/>
+  </dgm:catLst>
+  <dgm:styleLbl name="node0">
+    <dgm:fillClrLst meth="repeat">
+      <a:schemeClr val="accent1"/>
+    </dgm:fillClrLst>
+    <dgm:linClrLst meth="repeat">
+      <a:schemeClr val="lt1"/>
+    </dgm:linClrLst>
+    <dgm:effectClrLst/>
+    <dgm:txLinClrLst/>
+    <dgm:txFillClrLst/>
+    <dgm:txEffectClrLst/>
+  </dgm:styleLbl>
+  <dgm:styleLbl name="alignNode1">
+    <dgm:fillClrLst meth="repeat">
+      <a:schemeClr val="accent1"/>
+    </dgm:fillClrLst>
+    <dgm:linClrLst meth="repeat">
+      <a:schemeClr val="accent1"/>
+    </dgm:linClrLst>
+    <dgm:effectClrLst/>
+    <dgm:txLinClrLst/>
+    <dgm:txFillClrLst/>
+    <dgm:txEffectClrLst/>
+  </dgm:styleLbl>
+  <dgm:styleLbl name="node1">
+    <dgm:fillClrLst meth="repeat">
+      <a:schemeClr val="accent1"/>
+    </dgm:fillClrLst>
+    <dgm:linClrLst meth="repeat">
+      <a:schemeClr val="lt1"/>
+    </dgm:linClrLst>
+    <dgm:effectClrLst/>
+    <dgm:txLinClrLst/>
+    <dgm:txFillClrLst/>
+    <dgm:txEffectClrLst/>
+  </dgm:styleLbl>
+  <dgm:styleLbl name="lnNode1">
+    <dgm:fillClrLst meth="repeat">
+      <a:schemeClr val="accent1"/>
+    </dgm:fillClrLst>
+    <dgm:linClrLst meth="repeat">
+      <a:schemeClr val="lt1"/>
+    </dgm:linClrLst>
+    <dgm:effectClrLst/>
+    <dgm:txLinClrLst/>
+    <dgm:txFillClrLst/>
+    <dgm:txEffectClrLst/>
+  </dgm:styleLbl>
+  <dgm:styleLbl name="vennNode1">
+    <dgm:fillClrLst meth="repeat">
+      <a:schemeClr val="accent1">
+        <a:alpha val="50000"/>
+      </a:schemeClr>
+    </dgm:fillClrLst>
+    <dgm:linClrLst meth="repeat">
+      <a:schemeClr val="lt1"/>
+    </dgm:linClrLst>
+    <dgm:effectClrLst/>
+    <dgm:txLinClrLst/>
+    <dgm:txFillClrLst/>
+    <dgm:txEffectClrLst/>
+  </dgm:styleLbl>
+  <dgm:styleLbl name="node2">
+    <dgm:fillClrLst meth="repeat">
+      <a:schemeClr val="accent1"/>
+    </dgm:fillClrLst>
+    <dgm:linClrLst meth="repeat">
+      <a:schemeClr val="lt1"/>
+    </dgm:linClrLst>
+    <dgm:effectClrLst/>
+    <dgm:txLinClrLst/>
+    <dgm:txFillClrLst/>
+    <dgm:txEffectClrLst/>
+  </dgm:styleLbl>
+  <dgm:styleLbl name="node3">
+    <dgm:fillClrLst meth="repeat">
+      <a:schemeClr val="accent1"/>
+    </dgm:fillClrLst>
+    <dgm:linClrLst meth="repeat">
+      <a:schemeClr val="lt1"/>
+    </dgm:linClrLst>
+    <dgm:effectClrLst/>
+    <dgm:txLinClrLst/>
+    <dgm:txFillClrLst/>
+    <dgm:txEffectClrLst/>
+  </dgm:styleLbl>
+  <dgm:styleLbl name="node4">
+    <dgm:fillClrLst meth="repeat">
+      <a:schemeClr val="accent1"/>
+    </dgm:fillClrLst>
+    <dgm:linClrLst meth="repeat">
+      <a:schemeClr val="lt1"/>
+    </dgm:linClrLst>
+    <dgm:effectClrLst/>
+    <dgm:txLinClrLst/>
+    <dgm:txFillClrLst/>
+    <dgm:txEffectClrLst/>
+  </dgm:styleLbl>
+  <dgm:styleLbl name="fgImgPlace1">
+    <dgm:fillClrLst meth="repeat">
+      <a:schemeClr val="accent1">
+        <a:tint val="50000"/>
+      </a:schemeClr>
+    </dgm:fillClrLst>
+    <dgm:linClrLst meth="repeat">
+      <a:schemeClr val="lt1"/>
+    </dgm:linClrLst>
+    <dgm:effectClrLst/>
+    <dgm:txLinClrLst/>
+    <dgm:txFillClrLst meth="repeat">
+      <a:schemeClr val="lt1"/>
+    </dgm:txFillClrLst>
+    <dgm:txEffectClrLst/>
+  </dgm:styleLbl>
+  <dgm:styleLbl name="alignImgPlace1">
+    <dgm:fillClrLst meth="repeat">
+      <a:schemeClr val="accent1">
+        <a:tint val="50000"/>
+      </a:schemeClr>
+    </dgm:fillClrLst>
+    <dgm:linClrLst meth="repeat">
+      <a:schemeClr val="lt1"/>
+    </dgm:linClrLst>
+    <dgm:effectClrLst/>
+    <dgm:txLinClrLst/>
+    <dgm:txFillClrLst meth="repeat">
+      <a:schemeClr val="lt1"/>
+    </dgm:txFillClrLst>
+    <dgm:txEffectClrLst/>
+  </dgm:styleLbl>
+  <dgm:styleLbl name="bgImgPlace1">
+    <dgm:fillClrLst meth="repeat">
+      <a:schemeClr val="accent1">
+        <a:tint val="50000"/>
+      </a:schemeClr>
+    </dgm:fillClrLst>
+    <dgm:linClrLst meth="repeat">
+      <a:schemeClr val="lt1"/>
+    </dgm:linClrLst>
+    <dgm:effectClrLst/>
+    <dgm:txLinClrLst/>
+    <dgm:txFillClrLst meth="repeat">
+      <a:schemeClr val="lt1"/>
+    </dgm:txFillClrLst>
+    <dgm:txEffectClrLst/>
+  </dgm:styleLbl>
+  <dgm:styleLbl name="sibTrans2D1">
+    <dgm:fillClrLst meth="repeat">
+      <a:schemeClr val="accent1">
+        <a:tint val="60000"/>
+      </a:schemeClr>
+    </dgm:fillClrLst>
+    <dgm:linClrLst meth="repeat">
+      <a:schemeClr val="accent1">
+        <a:tint val="60000"/>
+      </a:schemeClr>
+    </dgm:linClrLst>
+    <dgm:effectClrLst/>
+    <dgm:txLinClrLst/>
+    <dgm:txFillClrLst/>
+    <dgm:txEffectClrLst/>
+  </dgm:styleLbl>
+  <dgm:styleLbl name="fgSibTrans2D1">
+    <dgm:fillClrLst meth="repeat">
+      <a:schemeClr val="accent1">
+        <a:tint val="60000"/>
+      </a:schemeClr>
+    </dgm:fillClrLst>
+    <dgm:linClrLst meth="repeat">
+      <a:schemeClr val="accent1">
+        <a:tint val="60000"/>
+      </a:schemeClr>
+    </dgm:linClrLst>
+    <dgm:effectClrLst/>
+    <dgm:txLinClrLst/>
+    <dgm:txFillClrLst/>
+    <dgm:txEffectClrLst/>
+  </dgm:styleLbl>
+  <dgm:styleLbl name="bgSibTrans2D1">
+    <dgm:fillClrLst meth="repeat">
+      <a:schemeClr val="accent1">
+        <a:tint val="60000"/>
+      </a:schemeClr>
+    </dgm:fillClrLst>
+    <dgm:linClrLst meth="repeat">
+      <a:schemeClr val="accent1">
+        <a:tint val="60000"/>
+      </a:schemeClr>
+    </dgm:linClrLst>
+    <dgm:effectClrLst/>
+    <dgm:txLinClrLst/>
+    <dgm:txFillClrLst/>
+    <dgm:txEffectClrLst/>
+  </dgm:styleLbl>
+  <dgm:styleLbl name="sibTrans1D1">
+    <dgm:fillClrLst meth="repeat">
+      <a:schemeClr val="accent1"/>
+    </dgm:fillClrLst>
+    <dgm:linClrLst meth="repeat">
+      <a:schemeClr val="accent1"/>
+    </dgm:linClrLst>
+    <dgm:effectClrLst/>
+    <dgm:txLinClrLst/>
+    <dgm:txFillClrLst meth="repeat">
+      <a:schemeClr val="tx1"/>
+    </dgm:txFillClrLst>
+    <dgm:txEffectClrLst/>
+  </dgm:styleLbl>
+  <dgm:styleLbl name="callout">
+    <dgm:fillClrLst meth="repeat">
+      <a:schemeClr val="accent1"/>
+    </dgm:fillClrLst>
+    <dgm:linClrLst meth="repeat">
+      <a:schemeClr val="accent1">
+        <a:tint val="50000"/>
+      </a:schemeClr>
+    </dgm:linClrLst>
+    <dgm:effectClrLst/>
+    <dgm:txLinClrLst/>
+    <dgm:txFillClrLst meth="repeat">
+      <a:schemeClr val="tx1"/>
+    </dgm:txFillClrLst>
+    <dgm:txEffectClrLst/>
+  </dgm:styleLbl>
+  <dgm:styleLbl name="asst0">
+    <dgm:fillClrLst meth="repeat">
+      <a:schemeClr val="accent1"/>
+    </dgm:fillClrLst>
+    <dgm:linClrLst meth="repeat">
+      <a:schemeClr val="lt1"/>
+    </dgm:linClrLst>
+    <dgm:effectClrLst/>
+    <dgm:txLinClrLst/>
+    <dgm:txFillClrLst/>
+    <dgm:txEffectClrLst/>
+  </dgm:styleLbl>
+  <dgm:styleLbl name="asst1">
+    <dgm:fillClrLst meth="repeat">
+      <a:schemeClr val="accent1"/>
+    </dgm:fillClrLst>
+    <dgm:linClrLst meth="repeat">
+      <a:schemeClr val="lt1"/>
+    </dgm:linClrLst>
+    <dgm:effectClrLst/>
+    <dgm:txLinClrLst/>
+    <dgm:txFillClrLst/>
+    <dgm:txEffectClrLst/>
+  </dgm:styleLbl>
+  <dgm:styleLbl name="asst2">
+    <dgm:fillClrLst meth="repeat">
+      <a:schemeClr val="accent1"/>
+    </dgm:fillClrLst>
+    <dgm:linClrLst meth="repeat">
+      <a:schemeClr val="lt1"/>
+    </dgm:linClrLst>
+    <dgm:effectClrLst/>
+    <dgm:txLinClrLst/>
+    <dgm:txFillClrLst/>
+    <dgm:txEffectClrLst/>
+  </dgm:styleLbl>
+  <dgm:styleLbl name="asst3">
+    <dgm:fillClrLst meth="repeat">
+      <a:schemeClr val="accent1"/>
+    </dgm:fillClrLst>
+    <dgm:linClrLst meth="repeat">
+      <a:schemeClr val="lt1"/>
+    </dgm:linClrLst>
+    <dgm:effectClrLst/>
+    <dgm:txLinClrLst/>
+    <dgm:txFillClrLst/>
+    <dgm:txEffectClrLst/>
+  </dgm:styleLbl>
+  <dgm:styleLbl name="asst4">
+    <dgm:fillClrLst meth="repeat">
+      <a:schemeClr val="accent1"/>
+    </dgm:fillClrLst>
+    <dgm:linClrLst meth="repeat">
+      <a:schemeClr val="lt1"/>
+    </dgm:linClrLst>
+    <dgm:effectClrLst/>
+    <dgm:txLinClrLst/>
+    <dgm:txFillClrLst/>
+    <dgm:txEffectClrLst/>
+  </dgm:styleLbl>
+  <dgm:styleLbl name="parChTrans2D1">
+    <dgm:fillClrLst meth="repeat">
+      <a:schemeClr val="accent1">
+        <a:tint val="60000"/>
+      </a:schemeClr>
+    </dgm:fillClrLst>
+    <dgm:linClrLst meth="repeat">
+      <a:schemeClr val="accent1">
+        <a:tint val="60000"/>
+      </a:schemeClr>
+    </dgm:linClrLst>
+    <dgm:effectClrLst/>
+    <dgm:txLinClrLst/>
+    <dgm:txFillClrLst meth="repeat">
+      <a:schemeClr val="lt1"/>
+    </dgm:txFillClrLst>
+    <dgm:txEffectClrLst/>
+  </dgm:styleLbl>
+  <dgm:styleLbl name="parChTrans2D2">
+    <dgm:fillClrLst meth="repeat">
+      <a:schemeClr val="accent1"/>
+    </dgm:fillClrLst>
+    <dgm:linClrLst meth="repeat">
+      <a:schemeClr val="accent1"/>
+    </dgm:linClrLst>
+    <dgm:effectClrLst/>
+    <dgm:txLinClrLst/>
+    <dgm:txFillClrLst meth="repeat">
+      <a:schemeClr val="lt1"/>
+    </dgm:txFillClrLst>
+    <dgm:txEffectClrLst/>
+  </dgm:styleLbl>
+  <dgm:styleLbl name="parChTrans2D3">
+    <dgm:fillClrLst meth="repeat">
+      <a:schemeClr val="accent1"/>
+    </dgm:fillClrLst>
+    <dgm:linClrLst meth="repeat">
+      <a:schemeClr val="accent1"/>
+    </dgm:linClrLst>
+    <dgm:effectClrLst/>
+    <dgm:txLinClrLst/>
+    <dgm:txFillClrLst meth="repeat">
+      <a:schemeClr val="lt1"/>
+    </dgm:txFillClrLst>
+    <dgm:txEffectClrLst/>
+  </dgm:styleLbl>
+  <dgm:styleLbl name="parChTrans2D4">
+    <dgm:fillClrLst meth="repeat">
+      <a:schemeClr val="accent1"/>
+    </dgm:fillClrLst>
+    <dgm:linClrLst meth="repeat">
+      <a:schemeClr val="accent1"/>
+    </dgm:linClrLst>
+    <dgm:effectClrLst/>
+    <dgm:txLinClrLst/>
+    <dgm:txFillClrLst meth="repeat">
+      <a:schemeClr val="lt1"/>
+    </dgm:txFillClrLst>
+    <dgm:txEffectClrLst/>
+  </dgm:styleLbl>
+  <dgm:styleLbl name="parChTrans1D1">
+    <dgm:fillClrLst meth="repeat">
+      <a:schemeClr val="accent1"/>
+    </dgm:fillClrLst>
+    <dgm:linClrLst meth="repeat">
+      <a:schemeClr val="accent1">
+        <a:shade val="60000"/>
+      </a:schemeClr>
+    </dgm:linClrLst>
+    <dgm:effectClrLst/>
+    <dgm:txLinClrLst/>
+    <dgm:txFillClrLst meth="repeat">
+      <a:schemeClr val="tx1"/>
+    </dgm:txFillClrLst>
+    <dgm:txEffectClrLst/>
+  </dgm:styleLbl>
+  <dgm:styleLbl name="parChTrans1D2">
+    <dgm:fillClrLst meth="repeat">
+      <a:schemeClr val="accent1"/>
+    </dgm:fillClrLst>
+    <dgm:linClrLst meth="repeat">
+      <a:schemeClr val="accent1">
+        <a:shade val="60000"/>
+      </a:schemeClr>
+    </dgm:linClrLst>
+    <dgm:effectClrLst/>
+    <dgm:txLinClrLst/>
+    <dgm:txFillClrLst meth="repeat">
+      <a:schemeClr val="tx1"/>
+    </dgm:txFillClrLst>
+    <dgm:txEffectClrLst/>
+  </dgm:styleLbl>
+  <dgm:styleLbl name="parChTrans1D3">
+    <dgm:fillClrLst meth="repeat">
+      <a:schemeClr val="accent1"/>
+    </dgm:fillClrLst>
+    <dgm:linClrLst meth="repeat">
+      <a:schemeClr val="accent1">
+        <a:shade val="80000"/>
+      </a:schemeClr>
+    </dgm:linClrLst>
+    <dgm:effectClrLst/>
+    <dgm:txLinClrLst/>
+    <dgm:txFillClrLst meth="repeat">
+      <a:schemeClr val="tx1"/>
+    </dgm:txFillClrLst>
+    <dgm:txEffectClrLst/>
+  </dgm:styleLbl>
+  <dgm:styleLbl name="parChTrans1D4">
+    <dgm:fillClrLst meth="repeat">
+      <a:schemeClr val="accent1"/>
+    </dgm:fillClrLst>
+    <dgm:linClrLst meth="repeat">
+      <a:schemeClr val="accent1">
+        <a:shade val="80000"/>
+      </a:schemeClr>
+    </dgm:linClrLst>
+    <dgm:effectClrLst/>
+    <dgm:txLinClrLst/>
+    <dgm:txFillClrLst meth="repeat">
+      <a:schemeClr val="tx1"/>
+    </dgm:txFillClrLst>
+    <dgm:txEffectClrLst/>
+  </dgm:styleLbl>
+  <dgm:styleLbl name="fgAcc1">
+    <dgm:fillClrLst meth="repeat">
+      <a:schemeClr val="lt1">
+        <a:alpha val="90000"/>
+      </a:schemeClr>
+    </dgm:fillClrLst>
+    <dgm:linClrLst meth="repeat">
+      <a:schemeClr val="accent1"/>
+    </dgm:linClrLst>
+    <dgm:effectClrLst/>
+    <dgm:txLinClrLst/>
+    <dgm:txFillClrLst meth="repeat">
+      <a:schemeClr val="dk1"/>
+    </dgm:txFillClrLst>
+    <dgm:txEffectClrLst/>
+  </dgm:styleLbl>
+  <dgm:styleLbl name="conFgAcc1">
+    <dgm:fillClrLst meth="repeat">
+      <a:schemeClr val="lt1">
+        <a:alpha val="90000"/>
+      </a:schemeClr>
+    </dgm:fillClrLst>
+    <dgm:linClrLst meth="repeat">
+      <a:schemeClr val="accent1"/>
+    </dgm:linClrLst>
+    <dgm:effectClrLst/>
+    <dgm:txLinClrLst/>
+    <dgm:txFillClrLst meth="repeat">
+      <a:schemeClr val="dk1"/>
+    </dgm:txFillClrLst>
+    <dgm:txEffectClrLst/>
+  </dgm:styleLbl>
+  <dgm:styleLbl name="alignAcc1">
+    <dgm:fillClrLst meth="repeat">
+      <a:schemeClr val="lt1">
+        <a:alpha val="90000"/>
+      </a:schemeClr>
+    </dgm:fillClrLst>
+    <dgm:linClrLst meth="repeat">
+      <a:schemeClr val="accent1"/>
+    </dgm:linClrLst>
+    <dgm:effectClrLst/>
+    <dgm:txLinClrLst/>
+    <dgm:txFillClrLst meth="repeat">
+      <a:schemeClr val="dk1"/>
+    </dgm:txFillClrLst>
+    <dgm:txEffectClrLst/>
+  </dgm:styleLbl>
+  <dgm:styleLbl name="trAlignAcc1">
+    <dgm:fillClrLst meth="repeat">
+      <a:schemeClr val="lt1">
+        <a:alpha val="40000"/>
+      </a:schemeClr>
+    </dgm:fillClrLst>
+    <dgm:linClrLst meth="repeat">
+      <a:schemeClr val="accent1"/>
+    </dgm:linClrLst>
+    <dgm:effectClrLst/>
+    <dgm:txLinClrLst/>
+    <dgm:txFillClrLst meth="repeat">
+      <a:schemeClr val="dk1"/>
+    </dgm:txFillClrLst>
+    <dgm:txEffectClrLst/>
+  </dgm:styleLbl>
+  <dgm:styleLbl name="bgAcc1">
+    <dgm:fillClrLst meth="repeat">
+      <a:schemeClr val="lt1">
+        <a:alpha val="90000"/>
+      </a:schemeClr>
+    </dgm:fillClrLst>
+    <dgm:linClrLst meth="repeat">
+      <a:schemeClr val="accent1"/>
+    </dgm:linClrLst>
+    <dgm:effectClrLst/>
+    <dgm:txLinClrLst/>
+    <dgm:txFillClrLst meth="repeat">
+      <a:schemeClr val="dk1"/>
+    </dgm:txFillClrLst>
+    <dgm:txEffectClrLst/>
+  </dgm:styleLbl>
+  <dgm:styleLbl name="solidFgAcc1">
+    <dgm:fillClrLst meth="repeat">
+      <a:schemeClr val="lt1"/>
+    </dgm:fillClrLst>
+    <dgm:linClrLst meth="repeat">
+      <a:schemeClr val="accent1"/>
+    </dgm:linClrLst>
+    <dgm:effectClrLst/>
+    <dgm:txLinClrLst/>
+    <dgm:txFillClrLst meth="repeat">
+      <a:schemeClr val="dk1"/>
+    </dgm:txFillClrLst>
+    <dgm:txEffectClrLst/>
+  </dgm:styleLbl>
+  <dgm:styleLbl name="solidAlignAcc1">
+    <dgm:fillClrLst meth="repeat">
+      <a:schemeClr val="lt1"/>
+    </dgm:fillClrLst>
+    <dgm:linClrLst meth="repeat">
+      <a:schemeClr val="accent1"/>
+    </dgm:linClrLst>
+    <dgm:effectClrLst/>
+    <dgm:txLinClrLst/>
+    <dgm:txFillClrLst meth="repeat">
+      <a:schemeClr val="dk1"/>
+    </dgm:txFillClrLst>
+    <dgm:txEffectClrLst/>
+  </dgm:styleLbl>
+  <dgm:styleLbl name="solidBgAcc1">
+    <dgm:fillClrLst meth="repeat">
+      <a:schemeClr val="lt1"/>
+    </dgm:fillClrLst>
+    <dgm:linClrLst meth="repeat">
+      <a:schemeClr val="accent1"/>
+    </dgm:linClrLst>
+    <dgm:effectClrLst/>
+    <dgm:txLinClrLst/>
+    <dgm:txFillClrLst meth="repeat">
+      <a:schemeClr val="dk1"/>
+    </dgm:txFillClrLst>
+    <dgm:txEffectClrLst/>
+  </dgm:styleLbl>
+  <dgm:styleLbl name="fgAccFollowNode1">
+    <dgm:fillClrLst meth="repeat">
+      <a:schemeClr val="accent1">
+        <a:alpha val="90000"/>
+        <a:tint val="40000"/>
+      </a:schemeClr>
+    </dgm:fillClrLst>
+    <dgm:linClrLst meth="repeat">
+      <a:schemeClr val="accent1">
+        <a:alpha val="90000"/>
+        <a:tint val="40000"/>
+      </a:schemeClr>
+    </dgm:linClrLst>
+    <dgm:effectClrLst/>
+    <dgm:txLinClrLst/>
+    <dgm:txFillClrLst meth="repeat">
+      <a:schemeClr val="dk1"/>
+    </dgm:txFillClrLst>
+    <dgm:txEffectClrLst/>
+  </dgm:styleLbl>
+  <dgm:styleLbl name="alignAccFollowNode1">
+    <dgm:fillClrLst meth="repeat">
+      <a:schemeClr val="accent1">
+        <a:alpha val="90000"/>
+        <a:tint val="40000"/>
+      </a:schemeClr>
+    </dgm:fillClrLst>
+    <dgm:linClrLst meth="repeat">
+      <a:schemeClr val="accent1">
+        <a:alpha val="90000"/>
+        <a:tint val="40000"/>
+      </a:schemeClr>
+    </dgm:linClrLst>
+    <dgm:effectClrLst/>
+    <dgm:txLinClrLst/>
+    <dgm:txFillClrLst meth="repeat">
+      <a:schemeClr val="dk1"/>
+    </dgm:txFillClrLst>
+    <dgm:txEffectClrLst/>
+  </dgm:styleLbl>
+  <dgm:styleLbl name="bgAccFollowNode1">
+    <dgm:fillClrLst meth="repeat">
+      <a:schemeClr val="accent1">
+        <a:alpha val="90000"/>
+        <a:tint val="40000"/>
+      </a:schemeClr>
+    </dgm:fillClrLst>
+    <dgm:linClrLst meth="repeat">
+      <a:schemeClr val="accent1">
+        <a:alpha val="90000"/>
+        <a:tint val="40000"/>
+      </a:schemeClr>
+    </dgm:linClrLst>
+    <dgm:effectClrLst/>
+    <dgm:txLinClrLst/>
+    <dgm:txFillClrLst meth="repeat">
+      <a:schemeClr val="dk1"/>
+    </dgm:txFillClrLst>
+    <dgm:txEffectClrLst/>
+  </dgm:styleLbl>
+  <dgm:styleLbl name="fgAcc0">
+    <dgm:fillClrLst meth="repeat">
+      <a:schemeClr val="lt1">
+        <a:alpha val="90000"/>
+      </a:schemeClr>
+    </dgm:fillClrLst>
+    <dgm:linClrLst meth="repeat">
+      <a:schemeClr val="accent1"/>
+    </dgm:linClrLst>
+    <dgm:effectClrLst/>
+    <dgm:txLinClrLst/>
+    <dgm:txFillClrLst meth="repeat">
+      <a:schemeClr val="dk1"/>
+    </dgm:txFillClrLst>
+    <dgm:txEffectClrLst/>
+  </dgm:styleLbl>
+  <dgm:styleLbl name="fgAcc2">
+    <dgm:fillClrLst meth="repeat">
+      <a:schemeClr val="lt1">
+        <a:alpha val="90000"/>
+      </a:schemeClr>
+    </dgm:fillClrLst>
+    <dgm:linClrLst meth="repeat">
+      <a:schemeClr val="accent1"/>
+    </dgm:linClrLst>
+    <dgm:effectClrLst/>
+    <dgm:txLinClrLst/>
+    <dgm:txFillClrLst meth="repeat">
+      <a:schemeClr val="dk1"/>
+    </dgm:txFillClrLst>
+    <dgm:txEffectClrLst/>
+  </dgm:styleLbl>
+  <dgm:styleLbl name="fgAcc3">
+    <dgm:fillClrLst meth="repeat">
+      <a:schemeClr val="lt1">
+        <a:alpha val="90000"/>
+      </a:schemeClr>
+    </dgm:fillClrLst>
+    <dgm:linClrLst meth="repeat">
+      <a:schemeClr val="accent1"/>
+    </dgm:linClrLst>
+    <dgm:effectClrLst/>
+    <dgm:txLinClrLst/>
+    <dgm:txFillClrLst meth="repeat">
+      <a:schemeClr val="dk1"/>
+    </dgm:txFillClrLst>
+    <dgm:txEffectClrLst/>
+  </dgm:styleLbl>
+  <dgm:styleLbl name="fgAcc4">
+    <dgm:fillClrLst meth="repeat">
+      <a:schemeClr val="lt1">
+        <a:alpha val="90000"/>
+      </a:schemeClr>
+    </dgm:fillClrLst>
+    <dgm:linClrLst meth="repeat">
+      <a:schemeClr val="accent1"/>
+    </dgm:linClrLst>
+    <dgm:effectClrLst/>
+    <dgm:txLinClrLst/>
+    <dgm:txFillClrLst meth="repeat">
+      <a:schemeClr val="dk1"/>
+    </dgm:txFillClrLst>
+    <dgm:txEffectClrLst/>
+  </dgm:styleLbl>
+  <dgm:styleLbl name="bgShp">
+    <dgm:fillClrLst meth="repeat">
+      <a:schemeClr val="accent1">
+        <a:tint val="40000"/>
+      </a:schemeClr>
+    </dgm:fillClrLst>
+    <dgm:linClrLst meth="repeat">
+      <a:schemeClr val="accent1"/>
+    </dgm:linClrLst>
+    <dgm:effectClrLst/>
+    <dgm:txLinClrLst/>
+    <dgm:txFillClrLst meth="repeat">
+      <a:schemeClr val="dk1"/>
+    </dgm:txFillClrLst>
+    <dgm:txEffectClrLst/>
+  </dgm:styleLbl>
+  <dgm:styleLbl name="dkBgShp">
+    <dgm:fillClrLst meth="repeat">
+      <a:schemeClr val="accent1">
+        <a:shade val="80000"/>
+      </a:schemeClr>
+    </dgm:fillClrLst>
+    <dgm:linClrLst meth="repeat">
+      <a:schemeClr val="accent1"/>
+    </dgm:linClrLst>
+    <dgm:effectClrLst/>
+    <dgm:txLinClrLst/>
+    <dgm:txFillClrLst meth="repeat">
+      <a:schemeClr val="lt1"/>
+    </dgm:txFillClrLst>
+    <dgm:txEffectClrLst/>
+  </dgm:styleLbl>
+  <dgm:styleLbl name="trBgShp">
+    <dgm:fillClrLst meth="repeat">
+      <a:schemeClr val="accent1">
+        <a:tint val="50000"/>
+        <a:alpha val="40000"/>
+      </a:schemeClr>
+    </dgm:fillClrLst>
+    <dgm:linClrLst meth="repeat">
+      <a:schemeClr val="accent1"/>
+    </dgm:linClrLst>
+    <dgm:effectClrLst/>
+    <dgm:txLinClrLst/>
+    <dgm:txFillClrLst meth="repeat">
+      <a:schemeClr val="lt1"/>
+    </dgm:txFillClrLst>
+    <dgm:txEffectClrLst/>
+  </dgm:styleLbl>
+  <dgm:styleLbl name="fgShp">
+    <dgm:fillClrLst meth="repeat">
+      <a:schemeClr val="accent1">
+        <a:tint val="60000"/>
+      </a:schemeClr>
+    </dgm:fillClrLst>
+    <dgm:linClrLst meth="repeat">
+      <a:schemeClr val="lt1"/>
+    </dgm:linClrLst>
+    <dgm:effectClrLst/>
+    <dgm:txLinClrLst/>
+    <dgm:txFillClrLst meth="repeat">
+      <a:schemeClr val="dk1"/>
+    </dgm:txFillClrLst>
+    <dgm:txEffectClrLst/>
+  </dgm:styleLbl>
+  <dgm:styleLbl name="revTx">
+    <dgm:fillClrLst meth="repeat">
+      <a:schemeClr val="lt1">
+        <a:alpha val="0"/>
+      </a:schemeClr>
+    </dgm:fillClrLst>
+    <dgm:linClrLst meth="repeat">
+      <a:schemeClr val="dk1">
+        <a:alpha val="0"/>
+      </a:schemeClr>
+    </dgm:linClrLst>
+    <dgm:effectClrLst/>
+    <dgm:txLinClrLst/>
+    <dgm:txFillClrLst meth="repeat">
+      <a:schemeClr val="tx1"/>
+    </dgm:txFillClrLst>
+    <dgm:txEffectClrLst/>
+  </dgm:styleLbl>
+</dgm:colorsDef>
+</file>
+
+<file path=ppt/diagrams/colors7.xml><?xml version="1.0" encoding="utf-8"?>
 <dgm:colorsDef xmlns:dgm="http://schemas.openxmlformats.org/drawingml/2006/diagram" xmlns:a="http://schemas.openxmlformats.org/drawingml/2006/main" uniqueId="urn:microsoft.com/office/officeart/2005/8/colors/accent2_1">
   <dgm:title val=""/>
   <dgm:desc val=""/>
@@ -4676,7 +5424,7 @@
 </dgm:colorsDef>
 </file>
 
-<file path=ppt/diagrams/colors7.xml><?xml version="1.0" encoding="utf-8"?>
+<file path=ppt/diagrams/colors8.xml><?xml version="1.0" encoding="utf-8"?>
 <dgm:colorsDef xmlns:dgm="http://schemas.openxmlformats.org/drawingml/2006/diagram" xmlns:a="http://schemas.openxmlformats.org/drawingml/2006/main" uniqueId="urn:microsoft.com/office/officeart/2005/8/colors/accent2_1">
   <dgm:title val=""/>
   <dgm:desc val=""/>
@@ -6119,8 +6867,8 @@
     <dgm:cxn modelId="{55A4A526-DBCB-4034-B76C-111514717BF7}" type="presOf" srcId="{C1E74283-34C2-4B6B-824E-8A3A0CAA4C47}" destId="{682EFCA5-4480-4143-A4E9-10407FF10317}" srcOrd="0" destOrd="0" presId="urn:microsoft.com/office/officeart/2005/8/layout/vList3"/>
     <dgm:cxn modelId="{EA88B914-FF66-4DEA-B73C-CFEE31058797}" srcId="{C1E74283-34C2-4B6B-824E-8A3A0CAA4C47}" destId="{8E484CC2-4880-4788-9F1E-EC97410D3C1D}" srcOrd="1" destOrd="0" parTransId="{0CC924A9-5630-47EC-9E91-7468A83EAE83}" sibTransId="{98165F5E-50AA-4280-91A9-ECBFA817FCA5}"/>
     <dgm:cxn modelId="{E70320EA-17F4-4E2E-877F-3424F5E502A0}" type="presOf" srcId="{B2079462-142E-4D7B-9996-9C99A029BF6F}" destId="{52B751A2-17B2-49AB-9E83-FFDB1F39AAFE}" srcOrd="0" destOrd="0" presId="urn:microsoft.com/office/officeart/2005/8/layout/vList3"/>
+    <dgm:cxn modelId="{6DF717D3-04A2-46E9-A54E-3F8A9AB5F8D2}" srcId="{B2079462-142E-4D7B-9996-9C99A029BF6F}" destId="{964EA730-3A99-4377-8251-00CE88C4E7E7}" srcOrd="1" destOrd="0" parTransId="{7A6545C7-E8E3-4407-B30A-E4628E8F3360}" sibTransId="{2061BF0A-4355-4CE9-88FD-92C6DDBCA3CF}"/>
     <dgm:cxn modelId="{577ED7CF-B87F-4381-B8A1-4A174B49D7A3}" type="presOf" srcId="{1463B004-17EA-4970-B49F-58B505D76058}" destId="{101D2F62-E594-4FDA-8570-21F34C9E15C4}" srcOrd="0" destOrd="2" presId="urn:microsoft.com/office/officeart/2005/8/layout/vList3"/>
-    <dgm:cxn modelId="{6DF717D3-04A2-46E9-A54E-3F8A9AB5F8D2}" srcId="{B2079462-142E-4D7B-9996-9C99A029BF6F}" destId="{964EA730-3A99-4377-8251-00CE88C4E7E7}" srcOrd="1" destOrd="0" parTransId="{7A6545C7-E8E3-4407-B30A-E4628E8F3360}" sibTransId="{2061BF0A-4355-4CE9-88FD-92C6DDBCA3CF}"/>
     <dgm:cxn modelId="{42D20928-515F-46DD-996A-4A8BF44ACDC7}" srcId="{C199A171-67F7-4423-AF31-780683EDB700}" destId="{2E0CE22B-08E2-45CC-875E-02E41EEC5B4D}" srcOrd="0" destOrd="0" parTransId="{1DCC7462-B869-41D0-AE24-7B9A5803A8FA}" sibTransId="{5FC30D50-33F9-403D-99F6-BE949780BC7C}"/>
     <dgm:cxn modelId="{755E50C7-6F72-4E9C-BD67-0B75EBBE57DB}" type="presOf" srcId="{8E484CC2-4880-4788-9F1E-EC97410D3C1D}" destId="{101D2F62-E594-4FDA-8570-21F34C9E15C4}" srcOrd="0" destOrd="0" presId="urn:microsoft.com/office/officeart/2005/8/layout/vList3"/>
     <dgm:cxn modelId="{F90C3C7B-4F6D-4276-BFB5-9C64C1033841}" srcId="{B2079462-142E-4D7B-9996-9C99A029BF6F}" destId="{74866BF1-226A-4975-B66B-54889B80A38C}" srcOrd="0" destOrd="0" parTransId="{5C999F6F-F51D-4EEA-8392-526741D8C41C}" sibTransId="{894E6D57-CFE4-4767-8079-93E55524EF14}"/>
@@ -6560,8 +7308,8 @@
     <dgm:cxn modelId="{B9DCFA9F-A2F4-44AC-BF23-A1256613CC76}" type="presOf" srcId="{96853F03-5054-4C2A-BBB3-50B29B977C23}" destId="{EF18BA51-7C21-4A6A-A1F9-0649EB04AE8D}" srcOrd="1" destOrd="0" presId="urn:microsoft.com/office/officeart/2005/8/layout/vList4"/>
     <dgm:cxn modelId="{B1F05730-1DCF-4E2C-A9D8-655A3BAE0A02}" type="presOf" srcId="{F722ABF6-7F76-438C-946A-FD1D23A99B76}" destId="{C4ADF65A-16C2-40C3-82DA-9577490A3F65}" srcOrd="1" destOrd="0" presId="urn:microsoft.com/office/officeart/2005/8/layout/vList4"/>
     <dgm:cxn modelId="{139952CB-DBD1-4458-84A6-FDD86ECEB723}" srcId="{66232A97-2DBF-4428-A578-1181F3EE34C0}" destId="{96853F03-5054-4C2A-BBB3-50B29B977C23}" srcOrd="0" destOrd="0" parTransId="{46DADFF2-3F55-4C36-9642-05AE84E1CBCC}" sibTransId="{89063134-7CE1-46E0-A60B-AEE1A631D440}"/>
+    <dgm:cxn modelId="{F700D290-2B95-4FFE-A18F-666A89DF8290}" type="presOf" srcId="{D4CF1CA6-06DB-470F-87F8-00567EC04FBF}" destId="{A730751C-6463-4F22-B459-4D7966287D43}" srcOrd="1" destOrd="0" presId="urn:microsoft.com/office/officeart/2005/8/layout/vList4"/>
     <dgm:cxn modelId="{39A49FA0-20C1-4AF6-8DA5-2FFE909C5499}" srcId="{66232A97-2DBF-4428-A578-1181F3EE34C0}" destId="{D4CF1CA6-06DB-470F-87F8-00567EC04FBF}" srcOrd="2" destOrd="0" parTransId="{D2E44A88-3F39-4150-855A-33F98565B5FE}" sibTransId="{C0BE2CB9-69B7-46E4-B8FA-73B4F0A56989}"/>
-    <dgm:cxn modelId="{F700D290-2B95-4FFE-A18F-666A89DF8290}" type="presOf" srcId="{D4CF1CA6-06DB-470F-87F8-00567EC04FBF}" destId="{A730751C-6463-4F22-B459-4D7966287D43}" srcOrd="1" destOrd="0" presId="urn:microsoft.com/office/officeart/2005/8/layout/vList4"/>
     <dgm:cxn modelId="{CC897960-A432-407F-B866-B61EC9043D58}" type="presOf" srcId="{F722ABF6-7F76-438C-946A-FD1D23A99B76}" destId="{FA36D0CE-3C74-4292-B5FA-58EC36427987}" srcOrd="0" destOrd="0" presId="urn:microsoft.com/office/officeart/2005/8/layout/vList4"/>
     <dgm:cxn modelId="{D04C4B7A-5A14-4F21-A4C6-5455CA587823}" srcId="{66232A97-2DBF-4428-A578-1181F3EE34C0}" destId="{F722ABF6-7F76-438C-946A-FD1D23A99B76}" srcOrd="1" destOrd="0" parTransId="{A3494E9A-9B27-4E22-B59E-A8E53B3507E4}" sibTransId="{8B42C179-45F3-4B0F-9DFD-D77B2FBF8228}"/>
     <dgm:cxn modelId="{73F2BED5-A7EC-45C8-9FAE-EAC8FC86908F}" type="presParOf" srcId="{3FED98CF-2B2A-4D34-BEEE-B39162FAE9FE}" destId="{9A231B84-C3E9-4C58-B5BF-095955962F0D}" srcOrd="0" destOrd="0" presId="urn:microsoft.com/office/officeart/2005/8/layout/vList4"/>
@@ -7003,16 +7751,16 @@
     </dgm:pt>
   </dgm:ptLst>
   <dgm:cxnLst>
+    <dgm:cxn modelId="{26CCB887-A6FC-4D9D-903C-6BC8F59CC773}" type="presOf" srcId="{D4CF1CA6-06DB-470F-87F8-00567EC04FBF}" destId="{129B5F3E-1A31-4AB9-84A6-9C20B2CA77AE}" srcOrd="0" destOrd="0" presId="urn:microsoft.com/office/officeart/2005/8/layout/vList4"/>
+    <dgm:cxn modelId="{D04C4B7A-5A14-4F21-A4C6-5455CA587823}" srcId="{66232A97-2DBF-4428-A578-1181F3EE34C0}" destId="{F722ABF6-7F76-438C-946A-FD1D23A99B76}" srcOrd="1" destOrd="0" parTransId="{A3494E9A-9B27-4E22-B59E-A8E53B3507E4}" sibTransId="{8B42C179-45F3-4B0F-9DFD-D77B2FBF8228}"/>
+    <dgm:cxn modelId="{02617CE1-894F-4E73-AD8E-7FA33A0B46FC}" type="presOf" srcId="{F722ABF6-7F76-438C-946A-FD1D23A99B76}" destId="{C4ADF65A-16C2-40C3-82DA-9577490A3F65}" srcOrd="1" destOrd="0" presId="urn:microsoft.com/office/officeart/2005/8/layout/vList4"/>
+    <dgm:cxn modelId="{21EEB1CC-2515-4F4A-9DEF-9A0583EE9B29}" type="presOf" srcId="{96853F03-5054-4C2A-BBB3-50B29B977C23}" destId="{85B8A7D0-D87E-476D-8CD5-C36200C50AC1}" srcOrd="0" destOrd="0" presId="urn:microsoft.com/office/officeart/2005/8/layout/vList4"/>
+    <dgm:cxn modelId="{BCE86581-1033-485D-8E49-4C6CBD79BD66}" type="presOf" srcId="{96853F03-5054-4C2A-BBB3-50B29B977C23}" destId="{EF18BA51-7C21-4A6A-A1F9-0649EB04AE8D}" srcOrd="1" destOrd="0" presId="urn:microsoft.com/office/officeart/2005/8/layout/vList4"/>
     <dgm:cxn modelId="{B99A6828-3212-49FF-B603-0B1B51414D0C}" type="presOf" srcId="{F722ABF6-7F76-438C-946A-FD1D23A99B76}" destId="{FA36D0CE-3C74-4292-B5FA-58EC36427987}" srcOrd="0" destOrd="0" presId="urn:microsoft.com/office/officeart/2005/8/layout/vList4"/>
-    <dgm:cxn modelId="{02617CE1-894F-4E73-AD8E-7FA33A0B46FC}" type="presOf" srcId="{F722ABF6-7F76-438C-946A-FD1D23A99B76}" destId="{C4ADF65A-16C2-40C3-82DA-9577490A3F65}" srcOrd="1" destOrd="0" presId="urn:microsoft.com/office/officeart/2005/8/layout/vList4"/>
-    <dgm:cxn modelId="{26CCB887-A6FC-4D9D-903C-6BC8F59CC773}" type="presOf" srcId="{D4CF1CA6-06DB-470F-87F8-00567EC04FBF}" destId="{129B5F3E-1A31-4AB9-84A6-9C20B2CA77AE}" srcOrd="0" destOrd="0" presId="urn:microsoft.com/office/officeart/2005/8/layout/vList4"/>
-    <dgm:cxn modelId="{21EEB1CC-2515-4F4A-9DEF-9A0583EE9B29}" type="presOf" srcId="{96853F03-5054-4C2A-BBB3-50B29B977C23}" destId="{85B8A7D0-D87E-476D-8CD5-C36200C50AC1}" srcOrd="0" destOrd="0" presId="urn:microsoft.com/office/officeart/2005/8/layout/vList4"/>
+    <dgm:cxn modelId="{39A49FA0-20C1-4AF6-8DA5-2FFE909C5499}" srcId="{66232A97-2DBF-4428-A578-1181F3EE34C0}" destId="{D4CF1CA6-06DB-470F-87F8-00567EC04FBF}" srcOrd="2" destOrd="0" parTransId="{D2E44A88-3F39-4150-855A-33F98565B5FE}" sibTransId="{C0BE2CB9-69B7-46E4-B8FA-73B4F0A56989}"/>
     <dgm:cxn modelId="{139952CB-DBD1-4458-84A6-FDD86ECEB723}" srcId="{66232A97-2DBF-4428-A578-1181F3EE34C0}" destId="{96853F03-5054-4C2A-BBB3-50B29B977C23}" srcOrd="0" destOrd="0" parTransId="{46DADFF2-3F55-4C36-9642-05AE84E1CBCC}" sibTransId="{89063134-7CE1-46E0-A60B-AEE1A631D440}"/>
     <dgm:cxn modelId="{27842462-0C33-44F8-AB2D-D223D0C71A15}" type="presOf" srcId="{D4CF1CA6-06DB-470F-87F8-00567EC04FBF}" destId="{A730751C-6463-4F22-B459-4D7966287D43}" srcOrd="1" destOrd="0" presId="urn:microsoft.com/office/officeart/2005/8/layout/vList4"/>
-    <dgm:cxn modelId="{D04C4B7A-5A14-4F21-A4C6-5455CA587823}" srcId="{66232A97-2DBF-4428-A578-1181F3EE34C0}" destId="{F722ABF6-7F76-438C-946A-FD1D23A99B76}" srcOrd="1" destOrd="0" parTransId="{A3494E9A-9B27-4E22-B59E-A8E53B3507E4}" sibTransId="{8B42C179-45F3-4B0F-9DFD-D77B2FBF8228}"/>
     <dgm:cxn modelId="{B9C093B2-9E5D-4248-9836-A0E72DB4A5E9}" type="presOf" srcId="{66232A97-2DBF-4428-A578-1181F3EE34C0}" destId="{3FED98CF-2B2A-4D34-BEEE-B39162FAE9FE}" srcOrd="0" destOrd="0" presId="urn:microsoft.com/office/officeart/2005/8/layout/vList4"/>
-    <dgm:cxn modelId="{BCE86581-1033-485D-8E49-4C6CBD79BD66}" type="presOf" srcId="{96853F03-5054-4C2A-BBB3-50B29B977C23}" destId="{EF18BA51-7C21-4A6A-A1F9-0649EB04AE8D}" srcOrd="1" destOrd="0" presId="urn:microsoft.com/office/officeart/2005/8/layout/vList4"/>
-    <dgm:cxn modelId="{39A49FA0-20C1-4AF6-8DA5-2FFE909C5499}" srcId="{66232A97-2DBF-4428-A578-1181F3EE34C0}" destId="{D4CF1CA6-06DB-470F-87F8-00567EC04FBF}" srcOrd="2" destOrd="0" parTransId="{D2E44A88-3F39-4150-855A-33F98565B5FE}" sibTransId="{C0BE2CB9-69B7-46E4-B8FA-73B4F0A56989}"/>
     <dgm:cxn modelId="{42296263-215C-4D12-A767-880D2DB043E2}" type="presParOf" srcId="{3FED98CF-2B2A-4D34-BEEE-B39162FAE9FE}" destId="{9A231B84-C3E9-4C58-B5BF-095955962F0D}" srcOrd="0" destOrd="0" presId="urn:microsoft.com/office/officeart/2005/8/layout/vList4"/>
     <dgm:cxn modelId="{B12B1D02-DBBC-4E74-80C1-8C5BBE893397}" type="presParOf" srcId="{9A231B84-C3E9-4C58-B5BF-095955962F0D}" destId="{85B8A7D0-D87E-476D-8CD5-C36200C50AC1}" srcOrd="0" destOrd="0" presId="urn:microsoft.com/office/officeart/2005/8/layout/vList4"/>
     <dgm:cxn modelId="{B0667CB9-6AF4-4BD3-8CE3-8D29739B9EF9}" type="presParOf" srcId="{9A231B84-C3E9-4C58-B5BF-095955962F0D}" destId="{0326A0ED-A227-4CDF-9AC3-B9761DF1636A}" srcOrd="1" destOrd="0" presId="urn:microsoft.com/office/officeart/2005/8/layout/vList4"/>
@@ -7871,16 +8619,16 @@
     </dgm:pt>
   </dgm:ptLst>
   <dgm:cxnLst>
-    <dgm:cxn modelId="{90C05F66-8AC1-4D7D-B41D-1DD360DAA579}" type="presOf" srcId="{F722ABF6-7F76-438C-946A-FD1D23A99B76}" destId="{FA36D0CE-3C74-4292-B5FA-58EC36427987}" srcOrd="0" destOrd="0" presId="urn:microsoft.com/office/officeart/2005/8/layout/vList4"/>
     <dgm:cxn modelId="{4DE687BB-8A2A-4E1B-A676-9A63C26D8825}" type="presOf" srcId="{96853F03-5054-4C2A-BBB3-50B29B977C23}" destId="{85B8A7D0-D87E-476D-8CD5-C36200C50AC1}" srcOrd="0" destOrd="0" presId="urn:microsoft.com/office/officeart/2005/8/layout/vList4"/>
     <dgm:cxn modelId="{55EE1F94-8850-4538-9AC2-1F433CCD161E}" type="presOf" srcId="{96853F03-5054-4C2A-BBB3-50B29B977C23}" destId="{EF18BA51-7C21-4A6A-A1F9-0649EB04AE8D}" srcOrd="1" destOrd="0" presId="urn:microsoft.com/office/officeart/2005/8/layout/vList4"/>
     <dgm:cxn modelId="{D93502AF-A1B7-4F61-92E6-EDC7405442A6}" type="presOf" srcId="{D4CF1CA6-06DB-470F-87F8-00567EC04FBF}" destId="{A730751C-6463-4F22-B459-4D7966287D43}" srcOrd="1" destOrd="0" presId="urn:microsoft.com/office/officeart/2005/8/layout/vList4"/>
     <dgm:cxn modelId="{139952CB-DBD1-4458-84A6-FDD86ECEB723}" srcId="{66232A97-2DBF-4428-A578-1181F3EE34C0}" destId="{96853F03-5054-4C2A-BBB3-50B29B977C23}" srcOrd="0" destOrd="0" parTransId="{46DADFF2-3F55-4C36-9642-05AE84E1CBCC}" sibTransId="{89063134-7CE1-46E0-A60B-AEE1A631D440}"/>
+    <dgm:cxn modelId="{9FA8885D-999D-47B7-87E8-172EB89865FE}" type="presOf" srcId="{66232A97-2DBF-4428-A578-1181F3EE34C0}" destId="{3FED98CF-2B2A-4D34-BEEE-B39162FAE9FE}" srcOrd="0" destOrd="0" presId="urn:microsoft.com/office/officeart/2005/8/layout/vList4"/>
+    <dgm:cxn modelId="{E8799112-1849-45A6-B096-766FF20C49BC}" type="presOf" srcId="{F722ABF6-7F76-438C-946A-FD1D23A99B76}" destId="{C4ADF65A-16C2-40C3-82DA-9577490A3F65}" srcOrd="1" destOrd="0" presId="urn:microsoft.com/office/officeart/2005/8/layout/vList4"/>
+    <dgm:cxn modelId="{90C05F66-8AC1-4D7D-B41D-1DD360DAA579}" type="presOf" srcId="{F722ABF6-7F76-438C-946A-FD1D23A99B76}" destId="{FA36D0CE-3C74-4292-B5FA-58EC36427987}" srcOrd="0" destOrd="0" presId="urn:microsoft.com/office/officeart/2005/8/layout/vList4"/>
+    <dgm:cxn modelId="{02FBBB44-4EA2-4DAB-9647-B857C3D8D4AE}" type="presOf" srcId="{D4CF1CA6-06DB-470F-87F8-00567EC04FBF}" destId="{129B5F3E-1A31-4AB9-84A6-9C20B2CA77AE}" srcOrd="0" destOrd="0" presId="urn:microsoft.com/office/officeart/2005/8/layout/vList4"/>
+    <dgm:cxn modelId="{39A49FA0-20C1-4AF6-8DA5-2FFE909C5499}" srcId="{66232A97-2DBF-4428-A578-1181F3EE34C0}" destId="{D4CF1CA6-06DB-470F-87F8-00567EC04FBF}" srcOrd="2" destOrd="0" parTransId="{D2E44A88-3F39-4150-855A-33F98565B5FE}" sibTransId="{C0BE2CB9-69B7-46E4-B8FA-73B4F0A56989}"/>
     <dgm:cxn modelId="{D04C4B7A-5A14-4F21-A4C6-5455CA587823}" srcId="{66232A97-2DBF-4428-A578-1181F3EE34C0}" destId="{F722ABF6-7F76-438C-946A-FD1D23A99B76}" srcOrd="1" destOrd="0" parTransId="{A3494E9A-9B27-4E22-B59E-A8E53B3507E4}" sibTransId="{8B42C179-45F3-4B0F-9DFD-D77B2FBF8228}"/>
-    <dgm:cxn modelId="{E8799112-1849-45A6-B096-766FF20C49BC}" type="presOf" srcId="{F722ABF6-7F76-438C-946A-FD1D23A99B76}" destId="{C4ADF65A-16C2-40C3-82DA-9577490A3F65}" srcOrd="1" destOrd="0" presId="urn:microsoft.com/office/officeart/2005/8/layout/vList4"/>
-    <dgm:cxn modelId="{02FBBB44-4EA2-4DAB-9647-B857C3D8D4AE}" type="presOf" srcId="{D4CF1CA6-06DB-470F-87F8-00567EC04FBF}" destId="{129B5F3E-1A31-4AB9-84A6-9C20B2CA77AE}" srcOrd="0" destOrd="0" presId="urn:microsoft.com/office/officeart/2005/8/layout/vList4"/>
-    <dgm:cxn modelId="{9FA8885D-999D-47B7-87E8-172EB89865FE}" type="presOf" srcId="{66232A97-2DBF-4428-A578-1181F3EE34C0}" destId="{3FED98CF-2B2A-4D34-BEEE-B39162FAE9FE}" srcOrd="0" destOrd="0" presId="urn:microsoft.com/office/officeart/2005/8/layout/vList4"/>
-    <dgm:cxn modelId="{39A49FA0-20C1-4AF6-8DA5-2FFE909C5499}" srcId="{66232A97-2DBF-4428-A578-1181F3EE34C0}" destId="{D4CF1CA6-06DB-470F-87F8-00567EC04FBF}" srcOrd="2" destOrd="0" parTransId="{D2E44A88-3F39-4150-855A-33F98565B5FE}" sibTransId="{C0BE2CB9-69B7-46E4-B8FA-73B4F0A56989}"/>
     <dgm:cxn modelId="{6C709550-DC47-4AA3-9B19-8299C4B99980}" type="presParOf" srcId="{3FED98CF-2B2A-4D34-BEEE-B39162FAE9FE}" destId="{9A231B84-C3E9-4C58-B5BF-095955962F0D}" srcOrd="0" destOrd="0" presId="urn:microsoft.com/office/officeart/2005/8/layout/vList4"/>
     <dgm:cxn modelId="{F64A0F0F-E06B-4D08-9F52-EA0FD37C4752}" type="presParOf" srcId="{9A231B84-C3E9-4C58-B5BF-095955962F0D}" destId="{85B8A7D0-D87E-476D-8CD5-C36200C50AC1}" srcOrd="0" destOrd="0" presId="urn:microsoft.com/office/officeart/2005/8/layout/vList4"/>
     <dgm:cxn modelId="{EC8C73F2-1E9C-42ED-BE3E-1840020F5D1C}" type="presParOf" srcId="{9A231B84-C3E9-4C58-B5BF-095955962F0D}" destId="{0326A0ED-A227-4CDF-9AC3-B9761DF1636A}" srcOrd="1" destOrd="0" presId="urn:microsoft.com/office/officeart/2005/8/layout/vList4"/>
@@ -7907,6 +8655,505 @@
 </file>
 
 <file path=ppt/diagrams/data6.xml><?xml version="1.0" encoding="utf-8"?>
+<dgm:dataModel xmlns:dgm="http://schemas.openxmlformats.org/drawingml/2006/diagram" xmlns:a="http://schemas.openxmlformats.org/drawingml/2006/main">
+  <dgm:ptLst>
+    <dgm:pt modelId="{EEE8A3FA-F383-4D0F-B67A-40AD33C5E313}" type="doc">
+      <dgm:prSet loTypeId="urn:microsoft.com/office/officeart/2005/8/layout/vList5" loCatId="list" qsTypeId="urn:microsoft.com/office/officeart/2005/8/quickstyle/simple1" qsCatId="simple" csTypeId="urn:microsoft.com/office/officeart/2005/8/colors/accent1_2" csCatId="accent1" phldr="1"/>
+      <dgm:spPr/>
+      <dgm:t>
+        <a:bodyPr/>
+        <a:lstStyle/>
+        <a:p>
+          <a:endParaRPr lang="it-IT"/>
+        </a:p>
+      </dgm:t>
+    </dgm:pt>
+    <dgm:pt modelId="{C7897C54-F800-44B8-B2E0-E3F6280CA0C8}">
+      <dgm:prSet phldrT="[Text]"/>
+      <dgm:spPr/>
+      <dgm:t>
+        <a:bodyPr/>
+        <a:lstStyle/>
+        <a:p>
+          <a:r>
+            <a:rPr lang="it-IT" dirty="0" smtClean="0"/>
+            <a:t>Prodotto</a:t>
+          </a:r>
+          <a:endParaRPr lang="it-IT" dirty="0"/>
+        </a:p>
+      </dgm:t>
+    </dgm:pt>
+    <dgm:pt modelId="{B538B416-3964-486B-B3A4-0CF22326C761}" type="parTrans" cxnId="{C15160EE-E6D8-4FAE-A151-D3A7080B0A99}">
+      <dgm:prSet/>
+      <dgm:spPr/>
+      <dgm:t>
+        <a:bodyPr/>
+        <a:lstStyle/>
+        <a:p>
+          <a:endParaRPr lang="it-IT"/>
+        </a:p>
+      </dgm:t>
+    </dgm:pt>
+    <dgm:pt modelId="{8874BCF8-81F5-4A6B-B3C3-5FDED006647A}" type="sibTrans" cxnId="{C15160EE-E6D8-4FAE-A151-D3A7080B0A99}">
+      <dgm:prSet/>
+      <dgm:spPr/>
+      <dgm:t>
+        <a:bodyPr/>
+        <a:lstStyle/>
+        <a:p>
+          <a:endParaRPr lang="it-IT"/>
+        </a:p>
+      </dgm:t>
+    </dgm:pt>
+    <dgm:pt modelId="{A0AA2172-E60F-4EE6-997C-5F090CFF3574}">
+      <dgm:prSet phldrT="[Text]"/>
+      <dgm:spPr/>
+      <dgm:t>
+        <a:bodyPr/>
+        <a:lstStyle/>
+        <a:p>
+          <a:r>
+            <a:rPr lang="it-IT" dirty="0" smtClean="0"/>
+            <a:t>Gratuito</a:t>
+          </a:r>
+          <a:endParaRPr lang="it-IT" dirty="0"/>
+        </a:p>
+      </dgm:t>
+    </dgm:pt>
+    <dgm:pt modelId="{768D02CB-52CC-4206-B8CA-AFA5F65CA0C9}" type="parTrans" cxnId="{F339A4E5-37F9-43A7-AC7E-47E72C4207F1}">
+      <dgm:prSet/>
+      <dgm:spPr/>
+      <dgm:t>
+        <a:bodyPr/>
+        <a:lstStyle/>
+        <a:p>
+          <a:endParaRPr lang="it-IT"/>
+        </a:p>
+      </dgm:t>
+    </dgm:pt>
+    <dgm:pt modelId="{F2A80081-5E49-4D88-BBFF-B694C9F0DE43}" type="sibTrans" cxnId="{F339A4E5-37F9-43A7-AC7E-47E72C4207F1}">
+      <dgm:prSet/>
+      <dgm:spPr/>
+      <dgm:t>
+        <a:bodyPr/>
+        <a:lstStyle/>
+        <a:p>
+          <a:endParaRPr lang="it-IT"/>
+        </a:p>
+      </dgm:t>
+    </dgm:pt>
+    <dgm:pt modelId="{BC491DEC-2DE0-4650-8339-783DCFD8374B}">
+      <dgm:prSet phldrT="[Text]"/>
+      <dgm:spPr/>
+      <dgm:t>
+        <a:bodyPr/>
+        <a:lstStyle/>
+        <a:p>
+          <a:r>
+            <a:rPr lang="it-IT" dirty="0" smtClean="0"/>
+            <a:t>Preferibilmente Open Source</a:t>
+          </a:r>
+          <a:endParaRPr lang="it-IT" dirty="0"/>
+        </a:p>
+      </dgm:t>
+    </dgm:pt>
+    <dgm:pt modelId="{4ADB86D3-83DC-4CFA-9509-46BE32E09462}" type="parTrans" cxnId="{E521E888-6BF8-47D0-91A9-8DDF6A1AFBE2}">
+      <dgm:prSet/>
+      <dgm:spPr/>
+      <dgm:t>
+        <a:bodyPr/>
+        <a:lstStyle/>
+        <a:p>
+          <a:endParaRPr lang="it-IT"/>
+        </a:p>
+      </dgm:t>
+    </dgm:pt>
+    <dgm:pt modelId="{1AB16834-9CDF-434C-9DE7-82B4383238F5}" type="sibTrans" cxnId="{E521E888-6BF8-47D0-91A9-8DDF6A1AFBE2}">
+      <dgm:prSet/>
+      <dgm:spPr/>
+      <dgm:t>
+        <a:bodyPr/>
+        <a:lstStyle/>
+        <a:p>
+          <a:endParaRPr lang="it-IT"/>
+        </a:p>
+      </dgm:t>
+    </dgm:pt>
+    <dgm:pt modelId="{EAE98432-45EF-49FC-84CF-CAFF81DB5CD7}">
+      <dgm:prSet phldrT="[Text]"/>
+      <dgm:spPr/>
+      <dgm:t>
+        <a:bodyPr/>
+        <a:lstStyle/>
+        <a:p>
+          <a:r>
+            <a:rPr lang="it-IT" dirty="0" smtClean="0"/>
+            <a:t>Sviluppo</a:t>
+          </a:r>
+          <a:endParaRPr lang="it-IT" dirty="0"/>
+        </a:p>
+      </dgm:t>
+    </dgm:pt>
+    <dgm:pt modelId="{0B7295D3-AB6A-408E-B4E1-36D0BF9BED6E}" type="parTrans" cxnId="{1633A6CD-F59F-482B-A821-7C54C90514DF}">
+      <dgm:prSet/>
+      <dgm:spPr/>
+      <dgm:t>
+        <a:bodyPr/>
+        <a:lstStyle/>
+        <a:p>
+          <a:endParaRPr lang="it-IT"/>
+        </a:p>
+      </dgm:t>
+    </dgm:pt>
+    <dgm:pt modelId="{2057EE9D-E2B0-4FBA-9B4A-EC037242B740}" type="sibTrans" cxnId="{1633A6CD-F59F-482B-A821-7C54C90514DF}">
+      <dgm:prSet/>
+      <dgm:spPr/>
+      <dgm:t>
+        <a:bodyPr/>
+        <a:lstStyle/>
+        <a:p>
+          <a:endParaRPr lang="it-IT"/>
+        </a:p>
+      </dgm:t>
+    </dgm:pt>
+    <dgm:pt modelId="{D0DF8467-DA3A-437F-B3BE-2D4E4C36AE23}">
+      <dgm:prSet phldrT="[Text]"/>
+      <dgm:spPr/>
+      <dgm:t>
+        <a:bodyPr/>
+        <a:lstStyle/>
+        <a:p>
+          <a:r>
+            <a:rPr lang="it-IT" dirty="0" smtClean="0"/>
+            <a:t>Correntemente attivo ed in evoluzione</a:t>
+          </a:r>
+          <a:endParaRPr lang="it-IT" dirty="0"/>
+        </a:p>
+      </dgm:t>
+    </dgm:pt>
+    <dgm:pt modelId="{5A2CB50E-3A3A-41B2-B052-07A44CB96E45}" type="parTrans" cxnId="{0E68D9FF-0B9D-4E81-B687-E83107DD8E8C}">
+      <dgm:prSet/>
+      <dgm:spPr/>
+      <dgm:t>
+        <a:bodyPr/>
+        <a:lstStyle/>
+        <a:p>
+          <a:endParaRPr lang="it-IT"/>
+        </a:p>
+      </dgm:t>
+    </dgm:pt>
+    <dgm:pt modelId="{66DDADC9-0E8B-42D4-B1EA-74A3270B8D9E}" type="sibTrans" cxnId="{0E68D9FF-0B9D-4E81-B687-E83107DD8E8C}">
+      <dgm:prSet/>
+      <dgm:spPr/>
+      <dgm:t>
+        <a:bodyPr/>
+        <a:lstStyle/>
+        <a:p>
+          <a:endParaRPr lang="it-IT"/>
+        </a:p>
+      </dgm:t>
+    </dgm:pt>
+    <dgm:pt modelId="{5CA24573-BC92-4A10-A1B3-2B7F5A92872F}">
+      <dgm:prSet phldrT="[Text]"/>
+      <dgm:spPr/>
+      <dgm:t>
+        <a:bodyPr/>
+        <a:lstStyle/>
+        <a:p>
+          <a:r>
+            <a:rPr lang="it-IT" dirty="0" smtClean="0"/>
+            <a:t>Al passo con i tempi e le nuove tecnologie</a:t>
+          </a:r>
+          <a:endParaRPr lang="it-IT" dirty="0"/>
+        </a:p>
+      </dgm:t>
+    </dgm:pt>
+    <dgm:pt modelId="{59C34C33-CF9C-4B06-993D-E9167933D4A6}" type="parTrans" cxnId="{A8509B04-2146-4093-952C-B45A98B5261A}">
+      <dgm:prSet/>
+      <dgm:spPr/>
+      <dgm:t>
+        <a:bodyPr/>
+        <a:lstStyle/>
+        <a:p>
+          <a:endParaRPr lang="it-IT"/>
+        </a:p>
+      </dgm:t>
+    </dgm:pt>
+    <dgm:pt modelId="{AE0EC781-1BB0-4A1D-BEF1-E22640B4A60A}" type="sibTrans" cxnId="{A8509B04-2146-4093-952C-B45A98B5261A}">
+      <dgm:prSet/>
+      <dgm:spPr/>
+      <dgm:t>
+        <a:bodyPr/>
+        <a:lstStyle/>
+        <a:p>
+          <a:endParaRPr lang="it-IT"/>
+        </a:p>
+      </dgm:t>
+    </dgm:pt>
+    <dgm:pt modelId="{0F152F44-1198-43AC-86E7-8E96A8CB883F}">
+      <dgm:prSet phldrT="[Text]"/>
+      <dgm:spPr/>
+      <dgm:t>
+        <a:bodyPr/>
+        <a:lstStyle/>
+        <a:p>
+          <a:r>
+            <a:rPr lang="it-IT" dirty="0" smtClean="0"/>
+            <a:t>Comunità</a:t>
+          </a:r>
+          <a:endParaRPr lang="it-IT" dirty="0"/>
+        </a:p>
+      </dgm:t>
+    </dgm:pt>
+    <dgm:pt modelId="{255219C8-00D9-4D6E-8429-5D9B2A9DD4C9}" type="parTrans" cxnId="{3A88C447-9A89-4EC9-9943-D4846AD04A36}">
+      <dgm:prSet/>
+      <dgm:spPr/>
+      <dgm:t>
+        <a:bodyPr/>
+        <a:lstStyle/>
+        <a:p>
+          <a:endParaRPr lang="it-IT"/>
+        </a:p>
+      </dgm:t>
+    </dgm:pt>
+    <dgm:pt modelId="{CEEF77D7-AFC1-4328-B282-96AAECA29424}" type="sibTrans" cxnId="{3A88C447-9A89-4EC9-9943-D4846AD04A36}">
+      <dgm:prSet/>
+      <dgm:spPr/>
+      <dgm:t>
+        <a:bodyPr/>
+        <a:lstStyle/>
+        <a:p>
+          <a:endParaRPr lang="it-IT"/>
+        </a:p>
+      </dgm:t>
+    </dgm:pt>
+    <dgm:pt modelId="{4A7424E4-33FE-4962-8C87-8F65E64E05A4}">
+      <dgm:prSet phldrT="[Text]"/>
+      <dgm:spPr/>
+      <dgm:t>
+        <a:bodyPr/>
+        <a:lstStyle/>
+        <a:p>
+          <a:r>
+            <a:rPr lang="it-IT" dirty="0" smtClean="0"/>
+            <a:t>Esistente ed attiva</a:t>
+          </a:r>
+          <a:endParaRPr lang="it-IT" dirty="0"/>
+        </a:p>
+      </dgm:t>
+    </dgm:pt>
+    <dgm:pt modelId="{F0B2D6AB-5F2F-4713-B45E-30DA114C481F}" type="parTrans" cxnId="{14D34CDC-DDE0-4DE9-81F7-7B8151BD0D17}">
+      <dgm:prSet/>
+      <dgm:spPr/>
+      <dgm:t>
+        <a:bodyPr/>
+        <a:lstStyle/>
+        <a:p>
+          <a:endParaRPr lang="it-IT"/>
+        </a:p>
+      </dgm:t>
+    </dgm:pt>
+    <dgm:pt modelId="{3C0C09AD-99F4-4527-8671-FA4FF5A98971}" type="sibTrans" cxnId="{14D34CDC-DDE0-4DE9-81F7-7B8151BD0D17}">
+      <dgm:prSet/>
+      <dgm:spPr/>
+      <dgm:t>
+        <a:bodyPr/>
+        <a:lstStyle/>
+        <a:p>
+          <a:endParaRPr lang="it-IT"/>
+        </a:p>
+      </dgm:t>
+    </dgm:pt>
+    <dgm:pt modelId="{60C267EA-503E-40EE-A033-A0D69762F4DE}">
+      <dgm:prSet phldrT="[Text]"/>
+      <dgm:spPr/>
+      <dgm:t>
+        <a:bodyPr/>
+        <a:lstStyle/>
+        <a:p>
+          <a:r>
+            <a:rPr lang="it-IT" dirty="0" smtClean="0"/>
+            <a:t>Partecipe allo sviluppo</a:t>
+          </a:r>
+          <a:endParaRPr lang="it-IT" dirty="0"/>
+        </a:p>
+      </dgm:t>
+    </dgm:pt>
+    <dgm:pt modelId="{C1103FC2-D532-4D8D-9065-6C47D17A2331}" type="parTrans" cxnId="{DD126B35-DDAF-4A09-98E6-EAAAA1F0C85E}">
+      <dgm:prSet/>
+      <dgm:spPr/>
+      <dgm:t>
+        <a:bodyPr/>
+        <a:lstStyle/>
+        <a:p>
+          <a:endParaRPr lang="it-IT"/>
+        </a:p>
+      </dgm:t>
+    </dgm:pt>
+    <dgm:pt modelId="{A3B6FC1C-ECE9-4880-9A67-B011E171FB83}" type="sibTrans" cxnId="{DD126B35-DDAF-4A09-98E6-EAAAA1F0C85E}">
+      <dgm:prSet/>
+      <dgm:spPr/>
+      <dgm:t>
+        <a:bodyPr/>
+        <a:lstStyle/>
+        <a:p>
+          <a:endParaRPr lang="it-IT"/>
+        </a:p>
+      </dgm:t>
+    </dgm:pt>
+    <dgm:pt modelId="{F733AC26-86E5-4483-9535-2A97BBA27B1D}" type="pres">
+      <dgm:prSet presAssocID="{EEE8A3FA-F383-4D0F-B67A-40AD33C5E313}" presName="Name0" presStyleCnt="0">
+        <dgm:presLayoutVars>
+          <dgm:dir/>
+          <dgm:animLvl val="lvl"/>
+          <dgm:resizeHandles val="exact"/>
+        </dgm:presLayoutVars>
+      </dgm:prSet>
+      <dgm:spPr/>
+    </dgm:pt>
+    <dgm:pt modelId="{180908C7-BEE4-4F09-9D4E-DE602BA01834}" type="pres">
+      <dgm:prSet presAssocID="{C7897C54-F800-44B8-B2E0-E3F6280CA0C8}" presName="linNode" presStyleCnt="0"/>
+      <dgm:spPr/>
+    </dgm:pt>
+    <dgm:pt modelId="{F11A811D-BF03-46F9-903E-86A9AAAF8A3D}" type="pres">
+      <dgm:prSet presAssocID="{C7897C54-F800-44B8-B2E0-E3F6280CA0C8}" presName="parentText" presStyleLbl="node1" presStyleIdx="0" presStyleCnt="3">
+        <dgm:presLayoutVars>
+          <dgm:chMax val="1"/>
+          <dgm:bulletEnabled val="1"/>
+        </dgm:presLayoutVars>
+      </dgm:prSet>
+      <dgm:spPr/>
+      <dgm:t>
+        <a:bodyPr/>
+        <a:lstStyle/>
+        <a:p>
+          <a:endParaRPr lang="it-IT"/>
+        </a:p>
+      </dgm:t>
+    </dgm:pt>
+    <dgm:pt modelId="{84E8FD5B-F47E-455E-849A-EF1F394AFB08}" type="pres">
+      <dgm:prSet presAssocID="{C7897C54-F800-44B8-B2E0-E3F6280CA0C8}" presName="descendantText" presStyleLbl="alignAccFollowNode1" presStyleIdx="0" presStyleCnt="3">
+        <dgm:presLayoutVars>
+          <dgm:bulletEnabled val="1"/>
+        </dgm:presLayoutVars>
+      </dgm:prSet>
+      <dgm:spPr/>
+    </dgm:pt>
+    <dgm:pt modelId="{70E1AE9D-A729-45FD-A9AF-BA05702B8525}" type="pres">
+      <dgm:prSet presAssocID="{8874BCF8-81F5-4A6B-B3C3-5FDED006647A}" presName="sp" presStyleCnt="0"/>
+      <dgm:spPr/>
+    </dgm:pt>
+    <dgm:pt modelId="{0B6032FF-CB46-499C-BAD7-61F4111F427F}" type="pres">
+      <dgm:prSet presAssocID="{EAE98432-45EF-49FC-84CF-CAFF81DB5CD7}" presName="linNode" presStyleCnt="0"/>
+      <dgm:spPr/>
+    </dgm:pt>
+    <dgm:pt modelId="{D5BA7D7F-A832-4CB0-971D-4F0DE6BF012E}" type="pres">
+      <dgm:prSet presAssocID="{EAE98432-45EF-49FC-84CF-CAFF81DB5CD7}" presName="parentText" presStyleLbl="node1" presStyleIdx="1" presStyleCnt="3">
+        <dgm:presLayoutVars>
+          <dgm:chMax val="1"/>
+          <dgm:bulletEnabled val="1"/>
+        </dgm:presLayoutVars>
+      </dgm:prSet>
+      <dgm:spPr/>
+    </dgm:pt>
+    <dgm:pt modelId="{84047048-3489-45FD-AD42-23C8F293A5F6}" type="pres">
+      <dgm:prSet presAssocID="{EAE98432-45EF-49FC-84CF-CAFF81DB5CD7}" presName="descendantText" presStyleLbl="alignAccFollowNode1" presStyleIdx="1" presStyleCnt="3">
+        <dgm:presLayoutVars>
+          <dgm:bulletEnabled val="1"/>
+        </dgm:presLayoutVars>
+      </dgm:prSet>
+      <dgm:spPr/>
+      <dgm:t>
+        <a:bodyPr/>
+        <a:lstStyle/>
+        <a:p>
+          <a:endParaRPr lang="it-IT"/>
+        </a:p>
+      </dgm:t>
+    </dgm:pt>
+    <dgm:pt modelId="{37DEEDC1-1A62-4467-BEAF-9DE45E8A8E5E}" type="pres">
+      <dgm:prSet presAssocID="{2057EE9D-E2B0-4FBA-9B4A-EC037242B740}" presName="sp" presStyleCnt="0"/>
+      <dgm:spPr/>
+    </dgm:pt>
+    <dgm:pt modelId="{18F276F7-7329-41EE-9862-7D1207B3BD8B}" type="pres">
+      <dgm:prSet presAssocID="{0F152F44-1198-43AC-86E7-8E96A8CB883F}" presName="linNode" presStyleCnt="0"/>
+      <dgm:spPr/>
+    </dgm:pt>
+    <dgm:pt modelId="{B6BE7333-28CC-4023-A7F5-52E95F94DCDE}" type="pres">
+      <dgm:prSet presAssocID="{0F152F44-1198-43AC-86E7-8E96A8CB883F}" presName="parentText" presStyleLbl="node1" presStyleIdx="2" presStyleCnt="3">
+        <dgm:presLayoutVars>
+          <dgm:chMax val="1"/>
+          <dgm:bulletEnabled val="1"/>
+        </dgm:presLayoutVars>
+      </dgm:prSet>
+      <dgm:spPr/>
+      <dgm:t>
+        <a:bodyPr/>
+        <a:lstStyle/>
+        <a:p>
+          <a:endParaRPr lang="it-IT"/>
+        </a:p>
+      </dgm:t>
+    </dgm:pt>
+    <dgm:pt modelId="{3DCABB5E-815A-4018-894D-BB2152A05B74}" type="pres">
+      <dgm:prSet presAssocID="{0F152F44-1198-43AC-86E7-8E96A8CB883F}" presName="descendantText" presStyleLbl="alignAccFollowNode1" presStyleIdx="2" presStyleCnt="3">
+        <dgm:presLayoutVars>
+          <dgm:bulletEnabled val="1"/>
+        </dgm:presLayoutVars>
+      </dgm:prSet>
+      <dgm:spPr/>
+      <dgm:t>
+        <a:bodyPr/>
+        <a:lstStyle/>
+        <a:p>
+          <a:endParaRPr lang="it-IT"/>
+        </a:p>
+      </dgm:t>
+    </dgm:pt>
+  </dgm:ptLst>
+  <dgm:cxnLst>
+    <dgm:cxn modelId="{582372E9-5AA5-4FD6-9726-8F7A03DE974F}" type="presOf" srcId="{60C267EA-503E-40EE-A033-A0D69762F4DE}" destId="{3DCABB5E-815A-4018-894D-BB2152A05B74}" srcOrd="0" destOrd="1" presId="urn:microsoft.com/office/officeart/2005/8/layout/vList5"/>
+    <dgm:cxn modelId="{EE3D5F84-4287-4B55-B023-7875064AD5BB}" type="presOf" srcId="{A0AA2172-E60F-4EE6-997C-5F090CFF3574}" destId="{84E8FD5B-F47E-455E-849A-EF1F394AFB08}" srcOrd="0" destOrd="0" presId="urn:microsoft.com/office/officeart/2005/8/layout/vList5"/>
+    <dgm:cxn modelId="{A8509B04-2146-4093-952C-B45A98B5261A}" srcId="{EAE98432-45EF-49FC-84CF-CAFF81DB5CD7}" destId="{5CA24573-BC92-4A10-A1B3-2B7F5A92872F}" srcOrd="1" destOrd="0" parTransId="{59C34C33-CF9C-4B06-993D-E9167933D4A6}" sibTransId="{AE0EC781-1BB0-4A1D-BEF1-E22640B4A60A}"/>
+    <dgm:cxn modelId="{2389203F-74E3-464B-A439-71969A57CFC9}" type="presOf" srcId="{4A7424E4-33FE-4962-8C87-8F65E64E05A4}" destId="{3DCABB5E-815A-4018-894D-BB2152A05B74}" srcOrd="0" destOrd="0" presId="urn:microsoft.com/office/officeart/2005/8/layout/vList5"/>
+    <dgm:cxn modelId="{D5F49355-8AE6-466F-A51C-35CC6EDD7CC8}" type="presOf" srcId="{EEE8A3FA-F383-4D0F-B67A-40AD33C5E313}" destId="{F733AC26-86E5-4483-9535-2A97BBA27B1D}" srcOrd="0" destOrd="0" presId="urn:microsoft.com/office/officeart/2005/8/layout/vList5"/>
+    <dgm:cxn modelId="{DBAB86BD-49FE-400F-A142-34120B5BF832}" type="presOf" srcId="{D0DF8467-DA3A-437F-B3BE-2D4E4C36AE23}" destId="{84047048-3489-45FD-AD42-23C8F293A5F6}" srcOrd="0" destOrd="0" presId="urn:microsoft.com/office/officeart/2005/8/layout/vList5"/>
+    <dgm:cxn modelId="{3A88C447-9A89-4EC9-9943-D4846AD04A36}" srcId="{EEE8A3FA-F383-4D0F-B67A-40AD33C5E313}" destId="{0F152F44-1198-43AC-86E7-8E96A8CB883F}" srcOrd="2" destOrd="0" parTransId="{255219C8-00D9-4D6E-8429-5D9B2A9DD4C9}" sibTransId="{CEEF77D7-AFC1-4328-B282-96AAECA29424}"/>
+    <dgm:cxn modelId="{14D34CDC-DDE0-4DE9-81F7-7B8151BD0D17}" srcId="{0F152F44-1198-43AC-86E7-8E96A8CB883F}" destId="{4A7424E4-33FE-4962-8C87-8F65E64E05A4}" srcOrd="0" destOrd="0" parTransId="{F0B2D6AB-5F2F-4713-B45E-30DA114C481F}" sibTransId="{3C0C09AD-99F4-4527-8671-FA4FF5A98971}"/>
+    <dgm:cxn modelId="{C9A65338-A148-4C28-8AAA-65F212680BEF}" type="presOf" srcId="{C7897C54-F800-44B8-B2E0-E3F6280CA0C8}" destId="{F11A811D-BF03-46F9-903E-86A9AAAF8A3D}" srcOrd="0" destOrd="0" presId="urn:microsoft.com/office/officeart/2005/8/layout/vList5"/>
+    <dgm:cxn modelId="{DBF7F01A-A691-4CAE-A333-56E19FE45680}" type="presOf" srcId="{0F152F44-1198-43AC-86E7-8E96A8CB883F}" destId="{B6BE7333-28CC-4023-A7F5-52E95F94DCDE}" srcOrd="0" destOrd="0" presId="urn:microsoft.com/office/officeart/2005/8/layout/vList5"/>
+    <dgm:cxn modelId="{C15160EE-E6D8-4FAE-A151-D3A7080B0A99}" srcId="{EEE8A3FA-F383-4D0F-B67A-40AD33C5E313}" destId="{C7897C54-F800-44B8-B2E0-E3F6280CA0C8}" srcOrd="0" destOrd="0" parTransId="{B538B416-3964-486B-B3A4-0CF22326C761}" sibTransId="{8874BCF8-81F5-4A6B-B3C3-5FDED006647A}"/>
+    <dgm:cxn modelId="{1633A6CD-F59F-482B-A821-7C54C90514DF}" srcId="{EEE8A3FA-F383-4D0F-B67A-40AD33C5E313}" destId="{EAE98432-45EF-49FC-84CF-CAFF81DB5CD7}" srcOrd="1" destOrd="0" parTransId="{0B7295D3-AB6A-408E-B4E1-36D0BF9BED6E}" sibTransId="{2057EE9D-E2B0-4FBA-9B4A-EC037242B740}"/>
+    <dgm:cxn modelId="{8B8C56C6-02E8-4B27-975C-B8C808A6B68F}" type="presOf" srcId="{BC491DEC-2DE0-4650-8339-783DCFD8374B}" destId="{84E8FD5B-F47E-455E-849A-EF1F394AFB08}" srcOrd="0" destOrd="1" presId="urn:microsoft.com/office/officeart/2005/8/layout/vList5"/>
+    <dgm:cxn modelId="{F339A4E5-37F9-43A7-AC7E-47E72C4207F1}" srcId="{C7897C54-F800-44B8-B2E0-E3F6280CA0C8}" destId="{A0AA2172-E60F-4EE6-997C-5F090CFF3574}" srcOrd="0" destOrd="0" parTransId="{768D02CB-52CC-4206-B8CA-AFA5F65CA0C9}" sibTransId="{F2A80081-5E49-4D88-BBFF-B694C9F0DE43}"/>
+    <dgm:cxn modelId="{DD126B35-DDAF-4A09-98E6-EAAAA1F0C85E}" srcId="{0F152F44-1198-43AC-86E7-8E96A8CB883F}" destId="{60C267EA-503E-40EE-A033-A0D69762F4DE}" srcOrd="1" destOrd="0" parTransId="{C1103FC2-D532-4D8D-9065-6C47D17A2331}" sibTransId="{A3B6FC1C-ECE9-4880-9A67-B011E171FB83}"/>
+    <dgm:cxn modelId="{E521E888-6BF8-47D0-91A9-8DDF6A1AFBE2}" srcId="{C7897C54-F800-44B8-B2E0-E3F6280CA0C8}" destId="{BC491DEC-2DE0-4650-8339-783DCFD8374B}" srcOrd="1" destOrd="0" parTransId="{4ADB86D3-83DC-4CFA-9509-46BE32E09462}" sibTransId="{1AB16834-9CDF-434C-9DE7-82B4383238F5}"/>
+    <dgm:cxn modelId="{0E68D9FF-0B9D-4E81-B687-E83107DD8E8C}" srcId="{EAE98432-45EF-49FC-84CF-CAFF81DB5CD7}" destId="{D0DF8467-DA3A-437F-B3BE-2D4E4C36AE23}" srcOrd="0" destOrd="0" parTransId="{5A2CB50E-3A3A-41B2-B052-07A44CB96E45}" sibTransId="{66DDADC9-0E8B-42D4-B1EA-74A3270B8D9E}"/>
+    <dgm:cxn modelId="{A5F32142-12BC-425D-8490-97E883A97E62}" type="presOf" srcId="{EAE98432-45EF-49FC-84CF-CAFF81DB5CD7}" destId="{D5BA7D7F-A832-4CB0-971D-4F0DE6BF012E}" srcOrd="0" destOrd="0" presId="urn:microsoft.com/office/officeart/2005/8/layout/vList5"/>
+    <dgm:cxn modelId="{BEAC364D-7BE1-44AB-8350-521CDA18CE36}" type="presOf" srcId="{5CA24573-BC92-4A10-A1B3-2B7F5A92872F}" destId="{84047048-3489-45FD-AD42-23C8F293A5F6}" srcOrd="0" destOrd="1" presId="urn:microsoft.com/office/officeart/2005/8/layout/vList5"/>
+    <dgm:cxn modelId="{4121EC55-83B5-4942-A2B5-6A0641B932C1}" type="presParOf" srcId="{F733AC26-86E5-4483-9535-2A97BBA27B1D}" destId="{180908C7-BEE4-4F09-9D4E-DE602BA01834}" srcOrd="0" destOrd="0" presId="urn:microsoft.com/office/officeart/2005/8/layout/vList5"/>
+    <dgm:cxn modelId="{64D2F2A9-7178-4B1E-AAB3-D0CCE39B8351}" type="presParOf" srcId="{180908C7-BEE4-4F09-9D4E-DE602BA01834}" destId="{F11A811D-BF03-46F9-903E-86A9AAAF8A3D}" srcOrd="0" destOrd="0" presId="urn:microsoft.com/office/officeart/2005/8/layout/vList5"/>
+    <dgm:cxn modelId="{9EA16BD2-3DD6-4C1B-81CE-4C87DC1F3CCB}" type="presParOf" srcId="{180908C7-BEE4-4F09-9D4E-DE602BA01834}" destId="{84E8FD5B-F47E-455E-849A-EF1F394AFB08}" srcOrd="1" destOrd="0" presId="urn:microsoft.com/office/officeart/2005/8/layout/vList5"/>
+    <dgm:cxn modelId="{7F871DCE-EF71-43BF-B7B9-8897918CAF57}" type="presParOf" srcId="{F733AC26-86E5-4483-9535-2A97BBA27B1D}" destId="{70E1AE9D-A729-45FD-A9AF-BA05702B8525}" srcOrd="1" destOrd="0" presId="urn:microsoft.com/office/officeart/2005/8/layout/vList5"/>
+    <dgm:cxn modelId="{9C38F548-E174-4F1E-829B-27EE9E789708}" type="presParOf" srcId="{F733AC26-86E5-4483-9535-2A97BBA27B1D}" destId="{0B6032FF-CB46-499C-BAD7-61F4111F427F}" srcOrd="2" destOrd="0" presId="urn:microsoft.com/office/officeart/2005/8/layout/vList5"/>
+    <dgm:cxn modelId="{0D240A53-7237-4F7D-AEB7-50C8C59E2398}" type="presParOf" srcId="{0B6032FF-CB46-499C-BAD7-61F4111F427F}" destId="{D5BA7D7F-A832-4CB0-971D-4F0DE6BF012E}" srcOrd="0" destOrd="0" presId="urn:microsoft.com/office/officeart/2005/8/layout/vList5"/>
+    <dgm:cxn modelId="{6FECE3C1-51D7-4C52-9AF4-93F241342D58}" type="presParOf" srcId="{0B6032FF-CB46-499C-BAD7-61F4111F427F}" destId="{84047048-3489-45FD-AD42-23C8F293A5F6}" srcOrd="1" destOrd="0" presId="urn:microsoft.com/office/officeart/2005/8/layout/vList5"/>
+    <dgm:cxn modelId="{23C503E2-43BC-48BF-9BBF-3913CBB87288}" type="presParOf" srcId="{F733AC26-86E5-4483-9535-2A97BBA27B1D}" destId="{37DEEDC1-1A62-4467-BEAF-9DE45E8A8E5E}" srcOrd="3" destOrd="0" presId="urn:microsoft.com/office/officeart/2005/8/layout/vList5"/>
+    <dgm:cxn modelId="{C978F4F8-980F-4A9E-8DB1-CEDD53DB3DC3}" type="presParOf" srcId="{F733AC26-86E5-4483-9535-2A97BBA27B1D}" destId="{18F276F7-7329-41EE-9862-7D1207B3BD8B}" srcOrd="4" destOrd="0" presId="urn:microsoft.com/office/officeart/2005/8/layout/vList5"/>
+    <dgm:cxn modelId="{764DCD8F-7A47-4287-907D-27341D75B741}" type="presParOf" srcId="{18F276F7-7329-41EE-9862-7D1207B3BD8B}" destId="{B6BE7333-28CC-4023-A7F5-52E95F94DCDE}" srcOrd="0" destOrd="0" presId="urn:microsoft.com/office/officeart/2005/8/layout/vList5"/>
+    <dgm:cxn modelId="{FF3FE725-C97A-4F80-8598-5D280E39108B}" type="presParOf" srcId="{18F276F7-7329-41EE-9862-7D1207B3BD8B}" destId="{3DCABB5E-815A-4018-894D-BB2152A05B74}" srcOrd="1" destOrd="0" presId="urn:microsoft.com/office/officeart/2005/8/layout/vList5"/>
+  </dgm:cxnLst>
+  <dgm:bg/>
+  <dgm:whole/>
+  <dgm:extLst>
+    <a:ext uri="http://schemas.microsoft.com/office/drawing/2008/diagram">
+      <dsp:dataModelExt xmlns:dsp="http://schemas.microsoft.com/office/drawing/2008/diagram" relId="rId6" minVer="http://schemas.openxmlformats.org/drawingml/2006/diagram"/>
+    </a:ext>
+  </dgm:extLst>
+</dgm:dataModel>
+</file>
+
+<file path=ppt/diagrams/data7.xml><?xml version="1.0" encoding="utf-8"?>
 <dgm:dataModel xmlns:dgm="http://schemas.openxmlformats.org/drawingml/2006/diagram" xmlns:a="http://schemas.openxmlformats.org/drawingml/2006/main">
   <dgm:ptLst>
     <dgm:pt modelId="{B342B404-18AA-413C-945D-CD72F2C93D08}" type="doc">
@@ -8141,16 +9388,12 @@
             <a:t>Web </a:t>
           </a:r>
           <a:r>
-            <a:rPr lang="it-IT" smtClean="0"/>
+            <a:rPr lang="it-IT" dirty="0" err="1" smtClean="0"/>
             <a:t>Browsing</a:t>
           </a:r>
           <a:r>
             <a:rPr lang="it-IT" dirty="0" smtClean="0"/>
-            <a:t> </a:t>
-          </a:r>
-          <a:r>
-            <a:rPr lang="it-IT" dirty="0" smtClean="0"/>
-            <a:t>Automation</a:t>
+            <a:t> Automation</a:t>
           </a:r>
           <a:endParaRPr lang="it-IT" dirty="0"/>
         </a:p>
@@ -8640,51 +9883,51 @@
     </dgm:pt>
   </dgm:ptLst>
   <dgm:cxnLst>
-    <dgm:cxn modelId="{E6D77912-E0FE-4C27-AA3D-E4360D9EAEDD}" type="presOf" srcId="{68B53E48-986C-41BA-B23A-346AD8398B0A}" destId="{8A9EE0B1-FECF-45E2-A1AD-E15FF30DA4D7}" srcOrd="0" destOrd="0" presId="urn:microsoft.com/office/officeart/2005/8/layout/process4"/>
-    <dgm:cxn modelId="{0EA4F3D2-6258-4333-840C-5F940EAFDDAA}" type="presOf" srcId="{A94DCD9D-3A95-4127-AA00-8012839C93F2}" destId="{BF339E84-85A7-4002-8711-4AF0A870EDD2}" srcOrd="0" destOrd="0" presId="urn:microsoft.com/office/officeart/2005/8/layout/process4"/>
-    <dgm:cxn modelId="{BBB4B7D0-49E0-4BDE-A285-97577DA26555}" type="presOf" srcId="{68B53E48-986C-41BA-B23A-346AD8398B0A}" destId="{60416D04-39CC-4776-A889-E2362D7EA31D}" srcOrd="1" destOrd="0" presId="urn:microsoft.com/office/officeart/2005/8/layout/process4"/>
-    <dgm:cxn modelId="{AE911B44-D739-4C91-834C-659CF85ACDAF}" type="presOf" srcId="{B342B404-18AA-413C-945D-CD72F2C93D08}" destId="{AF698AA4-1516-4993-8603-32221BD03F0E}" srcOrd="0" destOrd="0" presId="urn:microsoft.com/office/officeart/2005/8/layout/process4"/>
-    <dgm:cxn modelId="{D60F056E-108B-44D9-B45B-C44A8B0E3041}" type="presOf" srcId="{1FADB0BD-B473-4ED6-8A0B-3DC5CC84C43A}" destId="{490A8EDA-B215-48F5-9DB1-AC1BE94FCF43}" srcOrd="0" destOrd="0" presId="urn:microsoft.com/office/officeart/2005/8/layout/process4"/>
+    <dgm:cxn modelId="{08029E31-D622-4D35-8DF9-1F775B35F597}" srcId="{3845991D-A732-46C7-A6D5-AE3BCF7F68A9}" destId="{7B06B76E-B0CA-4321-9239-AD72C2C4C742}" srcOrd="0" destOrd="0" parTransId="{603F7FD8-7751-4704-BE78-3ECC1CC01F8C}" sibTransId="{571D3479-5A93-4C71-AF5E-41C1BAD64D2F}"/>
+    <dgm:cxn modelId="{B2471730-CAA1-4268-8635-A0131F8E4ED7}" type="presOf" srcId="{35F5A152-1DA0-4E5A-92AA-3F960FCAE983}" destId="{5B51244A-DD67-4296-A7B9-556F22B84B51}" srcOrd="0" destOrd="0" presId="urn:microsoft.com/office/officeart/2005/8/layout/process4"/>
+    <dgm:cxn modelId="{880A7194-27F7-44DD-8A58-695992C61A2A}" type="presOf" srcId="{7B06B76E-B0CA-4321-9239-AD72C2C4C742}" destId="{C073383B-0A00-42A3-9829-F4F71E2A2DB8}" srcOrd="0" destOrd="0" presId="urn:microsoft.com/office/officeart/2005/8/layout/process4"/>
+    <dgm:cxn modelId="{DDD1E094-FB8D-4B64-84AF-A69341A86F5B}" type="presOf" srcId="{3845991D-A732-46C7-A6D5-AE3BCF7F68A9}" destId="{1EA30F96-72A7-4796-9932-46B98EEA3F23}" srcOrd="1" destOrd="0" presId="urn:microsoft.com/office/officeart/2005/8/layout/process4"/>
+    <dgm:cxn modelId="{5A99696F-53FE-4DA6-97DC-A79F87F463FF}" srcId="{35F5A152-1DA0-4E5A-92AA-3F960FCAE983}" destId="{23B585BB-07F5-4CC9-8420-B6E5B5D04DA0}" srcOrd="0" destOrd="0" parTransId="{A733D4FA-4D55-470B-8AE4-5EF8B8C5CF0C}" sibTransId="{8B6465E5-7C7D-45D7-B674-E20D1BC2EEF2}"/>
+    <dgm:cxn modelId="{A65C5AE0-EADD-43A6-9F33-8A3D8A064FCB}" type="presOf" srcId="{3845991D-A732-46C7-A6D5-AE3BCF7F68A9}" destId="{D41FF3EB-7790-4A25-84E3-F88A5D9CF464}" srcOrd="0" destOrd="0" presId="urn:microsoft.com/office/officeart/2005/8/layout/process4"/>
+    <dgm:cxn modelId="{9D186C6A-91E5-4697-A5A5-6A1100190A25}" type="presOf" srcId="{3E3BEF03-2DBC-4943-B1E2-F24F98CDDB48}" destId="{1127738B-00CC-49E2-9424-AFF2BC6B8BFE}" srcOrd="0" destOrd="0" presId="urn:microsoft.com/office/officeart/2005/8/layout/process4"/>
+    <dgm:cxn modelId="{7F9C1F05-8D04-4AA0-B0E2-37D44E3A1174}" type="presOf" srcId="{23B585BB-07F5-4CC9-8420-B6E5B5D04DA0}" destId="{D45FE1A8-B0DD-4BB0-A61A-750F3B44491F}" srcOrd="0" destOrd="0" presId="urn:microsoft.com/office/officeart/2005/8/layout/process4"/>
+    <dgm:cxn modelId="{7F448548-93C3-4FF4-B093-3D213152C55E}" type="presOf" srcId="{68B53E48-986C-41BA-B23A-346AD8398B0A}" destId="{8A9EE0B1-FECF-45E2-A1AD-E15FF30DA4D7}" srcOrd="0" destOrd="0" presId="urn:microsoft.com/office/officeart/2005/8/layout/process4"/>
+    <dgm:cxn modelId="{D1B0E518-49C8-439C-91F1-35EC672A5D89}" type="presOf" srcId="{54C605E6-D99F-4B07-AF61-492E5AEB7EBC}" destId="{20A5544F-F7CA-4A17-A4C0-1EBAE0A5050C}" srcOrd="0" destOrd="0" presId="urn:microsoft.com/office/officeart/2005/8/layout/process4"/>
     <dgm:cxn modelId="{170D131B-79F2-4160-BE7B-085C01627D44}" srcId="{68B53E48-986C-41BA-B23A-346AD8398B0A}" destId="{54C605E6-D99F-4B07-AF61-492E5AEB7EBC}" srcOrd="1" destOrd="0" parTransId="{51575121-890B-4CAF-A4AE-645489D621FE}" sibTransId="{0E08563C-88A8-467E-B879-B7A31E8D08E5}"/>
+    <dgm:cxn modelId="{709F8E95-D5AC-4CCC-9237-203BE4110DF8}" srcId="{68B53E48-986C-41BA-B23A-346AD8398B0A}" destId="{3E3BEF03-2DBC-4943-B1E2-F24F98CDDB48}" srcOrd="0" destOrd="0" parTransId="{2ED12CFF-5B54-46B4-B113-5D2EAE229BCE}" sibTransId="{ED9984DF-0163-45B5-9EDD-95EABE3D0FFA}"/>
+    <dgm:cxn modelId="{4F5B63E9-23C4-445C-B48C-F74F16F69620}" type="presOf" srcId="{A94DCD9D-3A95-4127-AA00-8012839C93F2}" destId="{BF339E84-85A7-4002-8711-4AF0A870EDD2}" srcOrd="0" destOrd="0" presId="urn:microsoft.com/office/officeart/2005/8/layout/process4"/>
+    <dgm:cxn modelId="{BC13E0B7-27D7-43E6-BD72-210EB2272776}" srcId="{3845991D-A732-46C7-A6D5-AE3BCF7F68A9}" destId="{1FADB0BD-B473-4ED6-8A0B-3DC5CC84C43A}" srcOrd="1" destOrd="0" parTransId="{1C04E863-49E5-416D-9AFB-09914265D8F8}" sibTransId="{EFD976B0-890E-4378-B5D8-2278D2974EB1}"/>
+    <dgm:cxn modelId="{17969821-241C-4A87-A074-6837056FE20C}" type="presOf" srcId="{E947A4B8-7938-4322-AED1-1A41D1347B66}" destId="{BBDAF390-725F-4269-A40B-34C18BB3AFFC}" srcOrd="0" destOrd="0" presId="urn:microsoft.com/office/officeart/2005/8/layout/process4"/>
+    <dgm:cxn modelId="{C81667D2-6166-4905-9090-F099426AD9A6}" type="presOf" srcId="{68B53E48-986C-41BA-B23A-346AD8398B0A}" destId="{60416D04-39CC-4776-A889-E2362D7EA31D}" srcOrd="1" destOrd="0" presId="urn:microsoft.com/office/officeart/2005/8/layout/process4"/>
+    <dgm:cxn modelId="{7F9B799C-5454-4992-B59C-D8524A8BCFFF}" type="presOf" srcId="{B342B404-18AA-413C-945D-CD72F2C93D08}" destId="{AF698AA4-1516-4993-8603-32221BD03F0E}" srcOrd="0" destOrd="0" presId="urn:microsoft.com/office/officeart/2005/8/layout/process4"/>
+    <dgm:cxn modelId="{584BE5D9-1D0C-49B0-AF8D-9B061FDA2C83}" srcId="{68B53E48-986C-41BA-B23A-346AD8398B0A}" destId="{E947A4B8-7938-4322-AED1-1A41D1347B66}" srcOrd="2" destOrd="0" parTransId="{2DA1A87F-9A06-48BB-B07F-1C981830C7EE}" sibTransId="{EA5DF763-9EE2-4DFC-A772-1C34ED7062E6}"/>
     <dgm:cxn modelId="{4071CED5-51CE-4F8C-9888-D53A4B41A2FB}" srcId="{3845991D-A732-46C7-A6D5-AE3BCF7F68A9}" destId="{A94DCD9D-3A95-4127-AA00-8012839C93F2}" srcOrd="2" destOrd="0" parTransId="{2EAC3B9A-67E7-41D3-93D2-45B94AC66674}" sibTransId="{B3827FA0-8AA9-4483-BF17-D2D20FA2CF42}"/>
-    <dgm:cxn modelId="{08029E31-D622-4D35-8DF9-1F775B35F597}" srcId="{3845991D-A732-46C7-A6D5-AE3BCF7F68A9}" destId="{7B06B76E-B0CA-4321-9239-AD72C2C4C742}" srcOrd="0" destOrd="0" parTransId="{603F7FD8-7751-4704-BE78-3ECC1CC01F8C}" sibTransId="{571D3479-5A93-4C71-AF5E-41C1BAD64D2F}"/>
-    <dgm:cxn modelId="{19A04A95-A853-493A-B383-7CFFF00FE124}" type="presOf" srcId="{E947A4B8-7938-4322-AED1-1A41D1347B66}" destId="{BBDAF390-725F-4269-A40B-34C18BB3AFFC}" srcOrd="0" destOrd="0" presId="urn:microsoft.com/office/officeart/2005/8/layout/process4"/>
-    <dgm:cxn modelId="{1C31EABB-F9C4-4E67-9535-0A86ED44A752}" type="presOf" srcId="{54C605E6-D99F-4B07-AF61-492E5AEB7EBC}" destId="{20A5544F-F7CA-4A17-A4C0-1EBAE0A5050C}" srcOrd="0" destOrd="0" presId="urn:microsoft.com/office/officeart/2005/8/layout/process4"/>
-    <dgm:cxn modelId="{22C3DDC0-33DC-4A4F-9DB7-36B0280007CC}" type="presOf" srcId="{7B06B76E-B0CA-4321-9239-AD72C2C4C742}" destId="{C073383B-0A00-42A3-9829-F4F71E2A2DB8}" srcOrd="0" destOrd="0" presId="urn:microsoft.com/office/officeart/2005/8/layout/process4"/>
-    <dgm:cxn modelId="{CEDC0D38-F808-4236-A594-39B8A3E62A6D}" type="presOf" srcId="{3E3BEF03-2DBC-4943-B1E2-F24F98CDDB48}" destId="{1127738B-00CC-49E2-9424-AFF2BC6B8BFE}" srcOrd="0" destOrd="0" presId="urn:microsoft.com/office/officeart/2005/8/layout/process4"/>
-    <dgm:cxn modelId="{B2DA745C-F9B0-4AD4-97D7-CC8AE3C340E6}" type="presOf" srcId="{23B585BB-07F5-4CC9-8420-B6E5B5D04DA0}" destId="{D45FE1A8-B0DD-4BB0-A61A-750F3B44491F}" srcOrd="0" destOrd="0" presId="urn:microsoft.com/office/officeart/2005/8/layout/process4"/>
-    <dgm:cxn modelId="{BC13E0B7-27D7-43E6-BD72-210EB2272776}" srcId="{3845991D-A732-46C7-A6D5-AE3BCF7F68A9}" destId="{1FADB0BD-B473-4ED6-8A0B-3DC5CC84C43A}" srcOrd="1" destOrd="0" parTransId="{1C04E863-49E5-416D-9AFB-09914265D8F8}" sibTransId="{EFD976B0-890E-4378-B5D8-2278D2974EB1}"/>
     <dgm:cxn modelId="{3C5B84D9-E734-4E6D-AD8E-E42B0D5C6766}" srcId="{B342B404-18AA-413C-945D-CD72F2C93D08}" destId="{3845991D-A732-46C7-A6D5-AE3BCF7F68A9}" srcOrd="1" destOrd="0" parTransId="{46D759DB-1C0E-4346-9AAC-2448A6307E2C}" sibTransId="{43E4DD5A-FA60-4AFD-8BFF-1AFA1CC50183}"/>
+    <dgm:cxn modelId="{BBE34D87-3CC3-45A2-8AC0-3BD69751CB0E}" type="presOf" srcId="{1FADB0BD-B473-4ED6-8A0B-3DC5CC84C43A}" destId="{490A8EDA-B215-48F5-9DB1-AC1BE94FCF43}" srcOrd="0" destOrd="0" presId="urn:microsoft.com/office/officeart/2005/8/layout/process4"/>
+    <dgm:cxn modelId="{CF089FE1-70BE-4880-8C9B-8F5E390358A9}" srcId="{B342B404-18AA-413C-945D-CD72F2C93D08}" destId="{68B53E48-986C-41BA-B23A-346AD8398B0A}" srcOrd="2" destOrd="0" parTransId="{61C6A4BF-E27B-4E77-BEA8-B159C48E3B0F}" sibTransId="{872D67D0-0A1C-4A82-B309-9BB8670020D5}"/>
+    <dgm:cxn modelId="{B54E5821-60D4-4DF2-9733-0BC09D559E77}" type="presOf" srcId="{35F5A152-1DA0-4E5A-92AA-3F960FCAE983}" destId="{CA7E9E6B-86BA-4567-94A4-341370B2FA56}" srcOrd="1" destOrd="0" presId="urn:microsoft.com/office/officeart/2005/8/layout/process4"/>
     <dgm:cxn modelId="{B050CE90-99B4-4954-A1D4-E1D39F7AF9E2}" srcId="{B342B404-18AA-413C-945D-CD72F2C93D08}" destId="{35F5A152-1DA0-4E5A-92AA-3F960FCAE983}" srcOrd="0" destOrd="0" parTransId="{3234329C-751F-49C4-B6AF-D1108D5E82D1}" sibTransId="{B35863D0-EE01-4DCE-A092-BCF50F2E3D94}"/>
-    <dgm:cxn modelId="{709F8E95-D5AC-4CCC-9237-203BE4110DF8}" srcId="{68B53E48-986C-41BA-B23A-346AD8398B0A}" destId="{3E3BEF03-2DBC-4943-B1E2-F24F98CDDB48}" srcOrd="0" destOrd="0" parTransId="{2ED12CFF-5B54-46B4-B113-5D2EAE229BCE}" sibTransId="{ED9984DF-0163-45B5-9EDD-95EABE3D0FFA}"/>
-    <dgm:cxn modelId="{8D5249C4-8CFE-474D-80AA-D9591D149F28}" type="presOf" srcId="{35F5A152-1DA0-4E5A-92AA-3F960FCAE983}" destId="{5B51244A-DD67-4296-A7B9-556F22B84B51}" srcOrd="0" destOrd="0" presId="urn:microsoft.com/office/officeart/2005/8/layout/process4"/>
-    <dgm:cxn modelId="{570B26DF-D989-4465-9401-183DB083CFCF}" type="presOf" srcId="{3845991D-A732-46C7-A6D5-AE3BCF7F68A9}" destId="{D41FF3EB-7790-4A25-84E3-F88A5D9CF464}" srcOrd="0" destOrd="0" presId="urn:microsoft.com/office/officeart/2005/8/layout/process4"/>
-    <dgm:cxn modelId="{E6564B2E-CF55-4E51-9D61-6F679D513DC4}" type="presOf" srcId="{3845991D-A732-46C7-A6D5-AE3BCF7F68A9}" destId="{1EA30F96-72A7-4796-9932-46B98EEA3F23}" srcOrd="1" destOrd="0" presId="urn:microsoft.com/office/officeart/2005/8/layout/process4"/>
-    <dgm:cxn modelId="{5A99696F-53FE-4DA6-97DC-A79F87F463FF}" srcId="{35F5A152-1DA0-4E5A-92AA-3F960FCAE983}" destId="{23B585BB-07F5-4CC9-8420-B6E5B5D04DA0}" srcOrd="0" destOrd="0" parTransId="{A733D4FA-4D55-470B-8AE4-5EF8B8C5CF0C}" sibTransId="{8B6465E5-7C7D-45D7-B674-E20D1BC2EEF2}"/>
-    <dgm:cxn modelId="{45851881-6BB3-4018-874B-4D863B9C9462}" type="presOf" srcId="{35F5A152-1DA0-4E5A-92AA-3F960FCAE983}" destId="{CA7E9E6B-86BA-4567-94A4-341370B2FA56}" srcOrd="1" destOrd="0" presId="urn:microsoft.com/office/officeart/2005/8/layout/process4"/>
-    <dgm:cxn modelId="{584BE5D9-1D0C-49B0-AF8D-9B061FDA2C83}" srcId="{68B53E48-986C-41BA-B23A-346AD8398B0A}" destId="{E947A4B8-7938-4322-AED1-1A41D1347B66}" srcOrd="2" destOrd="0" parTransId="{2DA1A87F-9A06-48BB-B07F-1C981830C7EE}" sibTransId="{EA5DF763-9EE2-4DFC-A772-1C34ED7062E6}"/>
-    <dgm:cxn modelId="{CF089FE1-70BE-4880-8C9B-8F5E390358A9}" srcId="{B342B404-18AA-413C-945D-CD72F2C93D08}" destId="{68B53E48-986C-41BA-B23A-346AD8398B0A}" srcOrd="2" destOrd="0" parTransId="{61C6A4BF-E27B-4E77-BEA8-B159C48E3B0F}" sibTransId="{872D67D0-0A1C-4A82-B309-9BB8670020D5}"/>
-    <dgm:cxn modelId="{E8BE78FE-B1F8-4C0A-B232-33F25AA5AC04}" type="presParOf" srcId="{AF698AA4-1516-4993-8603-32221BD03F0E}" destId="{7450B4AE-7EE0-4865-9B41-177050A479AD}" srcOrd="0" destOrd="0" presId="urn:microsoft.com/office/officeart/2005/8/layout/process4"/>
-    <dgm:cxn modelId="{A1450C87-5178-4465-8D4E-8C036A66EE2E}" type="presParOf" srcId="{7450B4AE-7EE0-4865-9B41-177050A479AD}" destId="{8A9EE0B1-FECF-45E2-A1AD-E15FF30DA4D7}" srcOrd="0" destOrd="0" presId="urn:microsoft.com/office/officeart/2005/8/layout/process4"/>
-    <dgm:cxn modelId="{DC5D8C50-C203-44A4-BECC-F7202AB04BF7}" type="presParOf" srcId="{7450B4AE-7EE0-4865-9B41-177050A479AD}" destId="{60416D04-39CC-4776-A889-E2362D7EA31D}" srcOrd="1" destOrd="0" presId="urn:microsoft.com/office/officeart/2005/8/layout/process4"/>
-    <dgm:cxn modelId="{76E1508C-0CAA-4405-9120-8B5137DE70AE}" type="presParOf" srcId="{7450B4AE-7EE0-4865-9B41-177050A479AD}" destId="{0728668A-FC17-44CA-9939-0521539E0558}" srcOrd="2" destOrd="0" presId="urn:microsoft.com/office/officeart/2005/8/layout/process4"/>
-    <dgm:cxn modelId="{8517D5A4-1228-4571-9830-69BF32946AA5}" type="presParOf" srcId="{0728668A-FC17-44CA-9939-0521539E0558}" destId="{1127738B-00CC-49E2-9424-AFF2BC6B8BFE}" srcOrd="0" destOrd="0" presId="urn:microsoft.com/office/officeart/2005/8/layout/process4"/>
-    <dgm:cxn modelId="{305391F2-D2BF-4514-BE08-7F0150C198C4}" type="presParOf" srcId="{0728668A-FC17-44CA-9939-0521539E0558}" destId="{20A5544F-F7CA-4A17-A4C0-1EBAE0A5050C}" srcOrd="1" destOrd="0" presId="urn:microsoft.com/office/officeart/2005/8/layout/process4"/>
-    <dgm:cxn modelId="{ED43D5AB-92F4-4570-9D1A-5A01F7479B2A}" type="presParOf" srcId="{0728668A-FC17-44CA-9939-0521539E0558}" destId="{BBDAF390-725F-4269-A40B-34C18BB3AFFC}" srcOrd="2" destOrd="0" presId="urn:microsoft.com/office/officeart/2005/8/layout/process4"/>
-    <dgm:cxn modelId="{37A1FD24-5042-4A3A-A0EC-8C160135B0C0}" type="presParOf" srcId="{AF698AA4-1516-4993-8603-32221BD03F0E}" destId="{135054A9-8944-4A70-80C0-73F080B097A8}" srcOrd="1" destOrd="0" presId="urn:microsoft.com/office/officeart/2005/8/layout/process4"/>
-    <dgm:cxn modelId="{91151189-870F-4607-BC6D-4EF32FA0D88D}" type="presParOf" srcId="{AF698AA4-1516-4993-8603-32221BD03F0E}" destId="{E5C60BBC-E031-4211-BBC2-09C78C6B321F}" srcOrd="2" destOrd="0" presId="urn:microsoft.com/office/officeart/2005/8/layout/process4"/>
-    <dgm:cxn modelId="{75E787E1-34F3-46C3-8558-64CF3B3F21DD}" type="presParOf" srcId="{E5C60BBC-E031-4211-BBC2-09C78C6B321F}" destId="{D41FF3EB-7790-4A25-84E3-F88A5D9CF464}" srcOrd="0" destOrd="0" presId="urn:microsoft.com/office/officeart/2005/8/layout/process4"/>
-    <dgm:cxn modelId="{1B9A6504-7838-44F7-9283-265EBF87664B}" type="presParOf" srcId="{E5C60BBC-E031-4211-BBC2-09C78C6B321F}" destId="{1EA30F96-72A7-4796-9932-46B98EEA3F23}" srcOrd="1" destOrd="0" presId="urn:microsoft.com/office/officeart/2005/8/layout/process4"/>
-    <dgm:cxn modelId="{C9831CD4-1030-4CB9-9A83-3A4C8D96562A}" type="presParOf" srcId="{E5C60BBC-E031-4211-BBC2-09C78C6B321F}" destId="{FCD856B6-4340-4092-BE22-A3FC906EEAAC}" srcOrd="2" destOrd="0" presId="urn:microsoft.com/office/officeart/2005/8/layout/process4"/>
-    <dgm:cxn modelId="{4328A0BF-3D19-4290-9EAA-48B2ABE9B9B8}" type="presParOf" srcId="{FCD856B6-4340-4092-BE22-A3FC906EEAAC}" destId="{C073383B-0A00-42A3-9829-F4F71E2A2DB8}" srcOrd="0" destOrd="0" presId="urn:microsoft.com/office/officeart/2005/8/layout/process4"/>
-    <dgm:cxn modelId="{FD9CA1A2-C2D5-4BF5-84AC-2F010B1E9AD8}" type="presParOf" srcId="{FCD856B6-4340-4092-BE22-A3FC906EEAAC}" destId="{490A8EDA-B215-48F5-9DB1-AC1BE94FCF43}" srcOrd="1" destOrd="0" presId="urn:microsoft.com/office/officeart/2005/8/layout/process4"/>
-    <dgm:cxn modelId="{81FB5E64-95EB-442A-AB5F-CD2DBFC1241B}" type="presParOf" srcId="{FCD856B6-4340-4092-BE22-A3FC906EEAAC}" destId="{BF339E84-85A7-4002-8711-4AF0A870EDD2}" srcOrd="2" destOrd="0" presId="urn:microsoft.com/office/officeart/2005/8/layout/process4"/>
-    <dgm:cxn modelId="{33851D3E-08D2-4004-AD69-1BFAA8398ADF}" type="presParOf" srcId="{AF698AA4-1516-4993-8603-32221BD03F0E}" destId="{7C2FD7CC-BDE1-45B5-8FED-DAF35B954226}" srcOrd="3" destOrd="0" presId="urn:microsoft.com/office/officeart/2005/8/layout/process4"/>
-    <dgm:cxn modelId="{167E948C-B76F-4112-A531-E7C630D4866E}" type="presParOf" srcId="{AF698AA4-1516-4993-8603-32221BD03F0E}" destId="{86E72A78-EA70-4963-A127-20D0B7B22874}" srcOrd="4" destOrd="0" presId="urn:microsoft.com/office/officeart/2005/8/layout/process4"/>
-    <dgm:cxn modelId="{959C9194-D07A-4971-BB57-157D0FCACD62}" type="presParOf" srcId="{86E72A78-EA70-4963-A127-20D0B7B22874}" destId="{5B51244A-DD67-4296-A7B9-556F22B84B51}" srcOrd="0" destOrd="0" presId="urn:microsoft.com/office/officeart/2005/8/layout/process4"/>
-    <dgm:cxn modelId="{DD73A0FF-604C-401F-BCE3-428FB2A919FB}" type="presParOf" srcId="{86E72A78-EA70-4963-A127-20D0B7B22874}" destId="{CA7E9E6B-86BA-4567-94A4-341370B2FA56}" srcOrd="1" destOrd="0" presId="urn:microsoft.com/office/officeart/2005/8/layout/process4"/>
-    <dgm:cxn modelId="{30ED2DDD-C306-4F38-BF8F-7281278537C3}" type="presParOf" srcId="{86E72A78-EA70-4963-A127-20D0B7B22874}" destId="{B5B2E992-A91E-4CEA-984C-F05BC773E39E}" srcOrd="2" destOrd="0" presId="urn:microsoft.com/office/officeart/2005/8/layout/process4"/>
-    <dgm:cxn modelId="{4D39378D-3C0A-47D4-93BE-C0CA98322CEE}" type="presParOf" srcId="{B5B2E992-A91E-4CEA-984C-F05BC773E39E}" destId="{D45FE1A8-B0DD-4BB0-A61A-750F3B44491F}" srcOrd="0" destOrd="0" presId="urn:microsoft.com/office/officeart/2005/8/layout/process4"/>
+    <dgm:cxn modelId="{46F313A2-345E-4E51-AAA5-20C95BA03D68}" type="presParOf" srcId="{AF698AA4-1516-4993-8603-32221BD03F0E}" destId="{7450B4AE-7EE0-4865-9B41-177050A479AD}" srcOrd="0" destOrd="0" presId="urn:microsoft.com/office/officeart/2005/8/layout/process4"/>
+    <dgm:cxn modelId="{607E2BDA-2425-4708-A39C-2ED8B0BA3AEC}" type="presParOf" srcId="{7450B4AE-7EE0-4865-9B41-177050A479AD}" destId="{8A9EE0B1-FECF-45E2-A1AD-E15FF30DA4D7}" srcOrd="0" destOrd="0" presId="urn:microsoft.com/office/officeart/2005/8/layout/process4"/>
+    <dgm:cxn modelId="{BAC34B42-C8DB-4437-89DD-81B235E9F939}" type="presParOf" srcId="{7450B4AE-7EE0-4865-9B41-177050A479AD}" destId="{60416D04-39CC-4776-A889-E2362D7EA31D}" srcOrd="1" destOrd="0" presId="urn:microsoft.com/office/officeart/2005/8/layout/process4"/>
+    <dgm:cxn modelId="{07E38071-0CC5-45B8-AE0F-C2260F0DB6D4}" type="presParOf" srcId="{7450B4AE-7EE0-4865-9B41-177050A479AD}" destId="{0728668A-FC17-44CA-9939-0521539E0558}" srcOrd="2" destOrd="0" presId="urn:microsoft.com/office/officeart/2005/8/layout/process4"/>
+    <dgm:cxn modelId="{A710672C-12FF-4DE5-8111-7379B007D1F8}" type="presParOf" srcId="{0728668A-FC17-44CA-9939-0521539E0558}" destId="{1127738B-00CC-49E2-9424-AFF2BC6B8BFE}" srcOrd="0" destOrd="0" presId="urn:microsoft.com/office/officeart/2005/8/layout/process4"/>
+    <dgm:cxn modelId="{488D98BE-D328-4413-9A15-7B4C52A17957}" type="presParOf" srcId="{0728668A-FC17-44CA-9939-0521539E0558}" destId="{20A5544F-F7CA-4A17-A4C0-1EBAE0A5050C}" srcOrd="1" destOrd="0" presId="urn:microsoft.com/office/officeart/2005/8/layout/process4"/>
+    <dgm:cxn modelId="{A8D5E28E-00AA-4989-AE3A-07B9025A94A0}" type="presParOf" srcId="{0728668A-FC17-44CA-9939-0521539E0558}" destId="{BBDAF390-725F-4269-A40B-34C18BB3AFFC}" srcOrd="2" destOrd="0" presId="urn:microsoft.com/office/officeart/2005/8/layout/process4"/>
+    <dgm:cxn modelId="{67AA7B7C-C480-4DF5-81C4-0A6256F0E027}" type="presParOf" srcId="{AF698AA4-1516-4993-8603-32221BD03F0E}" destId="{135054A9-8944-4A70-80C0-73F080B097A8}" srcOrd="1" destOrd="0" presId="urn:microsoft.com/office/officeart/2005/8/layout/process4"/>
+    <dgm:cxn modelId="{70A403C2-634E-47AD-BF0F-9CA3D48DFC0D}" type="presParOf" srcId="{AF698AA4-1516-4993-8603-32221BD03F0E}" destId="{E5C60BBC-E031-4211-BBC2-09C78C6B321F}" srcOrd="2" destOrd="0" presId="urn:microsoft.com/office/officeart/2005/8/layout/process4"/>
+    <dgm:cxn modelId="{EB81C2A1-5820-4299-9655-81353E9CF9EB}" type="presParOf" srcId="{E5C60BBC-E031-4211-BBC2-09C78C6B321F}" destId="{D41FF3EB-7790-4A25-84E3-F88A5D9CF464}" srcOrd="0" destOrd="0" presId="urn:microsoft.com/office/officeart/2005/8/layout/process4"/>
+    <dgm:cxn modelId="{6E7A208E-7202-4EB4-A68E-91CE4C8CCCE0}" type="presParOf" srcId="{E5C60BBC-E031-4211-BBC2-09C78C6B321F}" destId="{1EA30F96-72A7-4796-9932-46B98EEA3F23}" srcOrd="1" destOrd="0" presId="urn:microsoft.com/office/officeart/2005/8/layout/process4"/>
+    <dgm:cxn modelId="{FD685A29-B8F3-43BC-A3A8-B800C63039BF}" type="presParOf" srcId="{E5C60BBC-E031-4211-BBC2-09C78C6B321F}" destId="{FCD856B6-4340-4092-BE22-A3FC906EEAAC}" srcOrd="2" destOrd="0" presId="urn:microsoft.com/office/officeart/2005/8/layout/process4"/>
+    <dgm:cxn modelId="{1EAF6D8C-BA72-4A5C-9519-D47CBFB5A8CB}" type="presParOf" srcId="{FCD856B6-4340-4092-BE22-A3FC906EEAAC}" destId="{C073383B-0A00-42A3-9829-F4F71E2A2DB8}" srcOrd="0" destOrd="0" presId="urn:microsoft.com/office/officeart/2005/8/layout/process4"/>
+    <dgm:cxn modelId="{02B2D5BE-D5E8-4C33-9D41-B40AAE6FF081}" type="presParOf" srcId="{FCD856B6-4340-4092-BE22-A3FC906EEAAC}" destId="{490A8EDA-B215-48F5-9DB1-AC1BE94FCF43}" srcOrd="1" destOrd="0" presId="urn:microsoft.com/office/officeart/2005/8/layout/process4"/>
+    <dgm:cxn modelId="{8CEE5621-35E3-4F64-B5AB-69290071A906}" type="presParOf" srcId="{FCD856B6-4340-4092-BE22-A3FC906EEAAC}" destId="{BF339E84-85A7-4002-8711-4AF0A870EDD2}" srcOrd="2" destOrd="0" presId="urn:microsoft.com/office/officeart/2005/8/layout/process4"/>
+    <dgm:cxn modelId="{BB3BD8F5-0350-4EB2-9AE7-972A9EFB0198}" type="presParOf" srcId="{AF698AA4-1516-4993-8603-32221BD03F0E}" destId="{7C2FD7CC-BDE1-45B5-8FED-DAF35B954226}" srcOrd="3" destOrd="0" presId="urn:microsoft.com/office/officeart/2005/8/layout/process4"/>
+    <dgm:cxn modelId="{0B083F47-57CA-412D-BB93-7AB5B38276C8}" type="presParOf" srcId="{AF698AA4-1516-4993-8603-32221BD03F0E}" destId="{86E72A78-EA70-4963-A127-20D0B7B22874}" srcOrd="4" destOrd="0" presId="urn:microsoft.com/office/officeart/2005/8/layout/process4"/>
+    <dgm:cxn modelId="{86E168F1-66EE-41B8-83DF-C66A684BA4B0}" type="presParOf" srcId="{86E72A78-EA70-4963-A127-20D0B7B22874}" destId="{5B51244A-DD67-4296-A7B9-556F22B84B51}" srcOrd="0" destOrd="0" presId="urn:microsoft.com/office/officeart/2005/8/layout/process4"/>
+    <dgm:cxn modelId="{F28AF62C-4004-4B2E-87BE-FA6969F11343}" type="presParOf" srcId="{86E72A78-EA70-4963-A127-20D0B7B22874}" destId="{CA7E9E6B-86BA-4567-94A4-341370B2FA56}" srcOrd="1" destOrd="0" presId="urn:microsoft.com/office/officeart/2005/8/layout/process4"/>
+    <dgm:cxn modelId="{5A46A7A6-DE40-4414-A43D-5C167CFFC858}" type="presParOf" srcId="{86E72A78-EA70-4963-A127-20D0B7B22874}" destId="{B5B2E992-A91E-4CEA-984C-F05BC773E39E}" srcOrd="2" destOrd="0" presId="urn:microsoft.com/office/officeart/2005/8/layout/process4"/>
+    <dgm:cxn modelId="{73105709-D03A-4B12-8CC9-7B31AF95833A}" type="presParOf" srcId="{B5B2E992-A91E-4CEA-984C-F05BC773E39E}" destId="{D45FE1A8-B0DD-4BB0-A61A-750F3B44491F}" srcOrd="0" destOrd="0" presId="urn:microsoft.com/office/officeart/2005/8/layout/process4"/>
   </dgm:cxnLst>
   <dgm:bg/>
   <dgm:whole/>
@@ -8696,7 +9939,7 @@
 </dgm:dataModel>
 </file>
 
-<file path=ppt/diagrams/data7.xml><?xml version="1.0" encoding="utf-8"?>
+<file path=ppt/diagrams/data8.xml><?xml version="1.0" encoding="utf-8"?>
 <dgm:dataModel xmlns:dgm="http://schemas.openxmlformats.org/drawingml/2006/diagram" xmlns:a="http://schemas.openxmlformats.org/drawingml/2006/main">
   <dgm:ptLst>
     <dgm:pt modelId="{B342B404-18AA-413C-945D-CD72F2C93D08}" type="doc">
@@ -9521,12 +10764,12 @@
         </a:fontRef>
       </dsp:style>
       <dsp:txBody>
-        <a:bodyPr spcFirstLastPara="0" vert="horz" wrap="square" lIns="536927" tIns="91440" rIns="170688" bIns="91440" numCol="1" spcCol="1270" anchor="t" anchorCtr="0">
+        <a:bodyPr spcFirstLastPara="0" vert="horz" wrap="square" lIns="536927" tIns="87630" rIns="163576" bIns="87630" numCol="1" spcCol="1270" anchor="t" anchorCtr="0">
           <a:noAutofit/>
         </a:bodyPr>
         <a:lstStyle/>
         <a:p>
-          <a:pPr lvl="0" algn="l" defTabSz="1066800">
+          <a:pPr lvl="0" algn="l" defTabSz="1022350">
             <a:lnSpc>
               <a:spcPct val="90000"/>
             </a:lnSpc>
@@ -9538,13 +10781,13 @@
             </a:spcAft>
           </a:pPr>
           <a:r>
-            <a:rPr lang="it-IT" sz="2400" kern="1200" dirty="0" err="1" smtClean="0"/>
+            <a:rPr lang="it-IT" sz="2300" kern="1200" dirty="0" err="1" smtClean="0"/>
             <a:t>RBlog</a:t>
           </a:r>
-          <a:endParaRPr lang="it-IT" sz="2400" kern="1200" dirty="0"/>
+          <a:endParaRPr lang="it-IT" sz="2300" kern="1200" dirty="0"/>
         </a:p>
         <a:p>
-          <a:pPr marL="171450" lvl="1" indent="-171450" algn="l" defTabSz="844550">
+          <a:pPr marL="171450" lvl="1" indent="-171450" algn="l" defTabSz="800100">
             <a:lnSpc>
               <a:spcPct val="90000"/>
             </a:lnSpc>
@@ -9557,13 +10800,13 @@
             <a:buChar char="••"/>
           </a:pPr>
           <a:r>
-            <a:rPr lang="it-IT" sz="1900" kern="1200" dirty="0" err="1" smtClean="0"/>
+            <a:rPr lang="it-IT" sz="1800" kern="1200" dirty="0" err="1" smtClean="0"/>
             <a:t>RoR</a:t>
           </a:r>
-          <a:endParaRPr lang="it-IT" sz="1900" kern="1200" dirty="0"/>
+          <a:endParaRPr lang="it-IT" sz="1800" kern="1200" dirty="0"/>
         </a:p>
         <a:p>
-          <a:pPr marL="171450" lvl="1" indent="-171450" algn="l" defTabSz="844550">
+          <a:pPr marL="171450" lvl="1" indent="-171450" algn="l" defTabSz="800100">
             <a:lnSpc>
               <a:spcPct val="90000"/>
             </a:lnSpc>
@@ -9576,10 +10819,10 @@
             <a:buChar char="••"/>
           </a:pPr>
           <a:r>
-            <a:rPr lang="it-IT" sz="1900" kern="1200" dirty="0" smtClean="0"/>
+            <a:rPr lang="it-IT" sz="1800" kern="1200" dirty="0" smtClean="0"/>
             <a:t>Ruby</a:t>
           </a:r>
-          <a:endParaRPr lang="it-IT" sz="1900" kern="1200" dirty="0"/>
+          <a:endParaRPr lang="it-IT" sz="1800" kern="1200" dirty="0"/>
         </a:p>
       </dsp:txBody>
       <dsp:txXfrm rot="10800000">
@@ -9671,12 +10914,12 @@
         </a:fontRef>
       </dsp:style>
       <dsp:txBody>
-        <a:bodyPr spcFirstLastPara="0" vert="horz" wrap="square" lIns="536927" tIns="91440" rIns="170688" bIns="91440" numCol="1" spcCol="1270" anchor="t" anchorCtr="0">
+        <a:bodyPr spcFirstLastPara="0" vert="horz" wrap="square" lIns="536927" tIns="87630" rIns="163576" bIns="87630" numCol="1" spcCol="1270" anchor="t" anchorCtr="0">
           <a:noAutofit/>
         </a:bodyPr>
         <a:lstStyle/>
         <a:p>
-          <a:pPr lvl="0" algn="l" defTabSz="1066800">
+          <a:pPr lvl="0" algn="l" defTabSz="1022350">
             <a:lnSpc>
               <a:spcPct val="90000"/>
             </a:lnSpc>
@@ -9688,13 +10931,13 @@
             </a:spcAft>
           </a:pPr>
           <a:r>
-            <a:rPr lang="it-IT" sz="2400" kern="1200" dirty="0" err="1" smtClean="0"/>
+            <a:rPr lang="it-IT" sz="2300" kern="1200" dirty="0" err="1" smtClean="0"/>
             <a:t>SBlog</a:t>
           </a:r>
-          <a:endParaRPr lang="it-IT" sz="2400" kern="1200" dirty="0"/>
+          <a:endParaRPr lang="it-IT" sz="2300" kern="1200" dirty="0"/>
         </a:p>
         <a:p>
-          <a:pPr marL="171450" lvl="1" indent="-171450" algn="l" defTabSz="844550">
+          <a:pPr marL="171450" lvl="1" indent="-171450" algn="l" defTabSz="800100">
             <a:lnSpc>
               <a:spcPct val="90000"/>
             </a:lnSpc>
@@ -9707,13 +10950,13 @@
             <a:buChar char="••"/>
           </a:pPr>
           <a:r>
-            <a:rPr lang="it-IT" sz="1900" kern="1200" dirty="0" smtClean="0"/>
+            <a:rPr lang="it-IT" sz="1800" kern="1200" dirty="0" smtClean="0"/>
             <a:t>Spring</a:t>
           </a:r>
-          <a:endParaRPr lang="it-IT" sz="1900" kern="1200" dirty="0"/>
+          <a:endParaRPr lang="it-IT" sz="1800" kern="1200" dirty="0"/>
         </a:p>
         <a:p>
-          <a:pPr marL="171450" lvl="1" indent="-171450" algn="l" defTabSz="844550">
+          <a:pPr marL="171450" lvl="1" indent="-171450" algn="l" defTabSz="800100">
             <a:lnSpc>
               <a:spcPct val="90000"/>
             </a:lnSpc>
@@ -9726,10 +10969,10 @@
             <a:buChar char="••"/>
           </a:pPr>
           <a:r>
-            <a:rPr lang="it-IT" sz="1900" kern="1200" dirty="0" smtClean="0"/>
+            <a:rPr lang="it-IT" sz="1800" kern="1200" dirty="0" smtClean="0"/>
             <a:t>Java</a:t>
           </a:r>
-          <a:endParaRPr lang="it-IT" sz="1900" kern="1200" dirty="0"/>
+          <a:endParaRPr lang="it-IT" sz="1800" kern="1200" dirty="0"/>
         </a:p>
       </dsp:txBody>
       <dsp:txXfrm rot="10800000">
@@ -9821,12 +11064,12 @@
         </a:fontRef>
       </dsp:style>
       <dsp:txBody>
-        <a:bodyPr spcFirstLastPara="0" vert="horz" wrap="square" lIns="536927" tIns="91440" rIns="170688" bIns="91440" numCol="1" spcCol="1270" anchor="t" anchorCtr="0">
+        <a:bodyPr spcFirstLastPara="0" vert="horz" wrap="square" lIns="536927" tIns="87630" rIns="163576" bIns="87630" numCol="1" spcCol="1270" anchor="t" anchorCtr="0">
           <a:noAutofit/>
         </a:bodyPr>
         <a:lstStyle/>
         <a:p>
-          <a:pPr lvl="0" algn="l" defTabSz="1066800">
+          <a:pPr lvl="0" algn="l" defTabSz="1022350">
             <a:lnSpc>
               <a:spcPct val="90000"/>
             </a:lnSpc>
@@ -9838,13 +11081,13 @@
             </a:spcAft>
           </a:pPr>
           <a:r>
-            <a:rPr lang="it-IT" sz="2400" kern="1200" dirty="0" err="1" smtClean="0"/>
+            <a:rPr lang="it-IT" sz="2300" kern="1200" dirty="0" err="1" smtClean="0"/>
             <a:t>CSBlog</a:t>
           </a:r>
-          <a:endParaRPr lang="it-IT" sz="2400" kern="1200" dirty="0"/>
+          <a:endParaRPr lang="it-IT" sz="2300" kern="1200" dirty="0"/>
         </a:p>
         <a:p>
-          <a:pPr marL="171450" lvl="1" indent="-171450" algn="l" defTabSz="844550">
+          <a:pPr marL="171450" lvl="1" indent="-171450" algn="l" defTabSz="800100">
             <a:lnSpc>
               <a:spcPct val="90000"/>
             </a:lnSpc>
@@ -9857,13 +11100,13 @@
             <a:buChar char="••"/>
           </a:pPr>
           <a:r>
-            <a:rPr lang="it-IT" sz="1900" kern="1200" dirty="0" smtClean="0"/>
+            <a:rPr lang="it-IT" sz="1800" kern="1200" dirty="0" smtClean="0"/>
             <a:t>ASP.NET MVC5</a:t>
           </a:r>
-          <a:endParaRPr lang="it-IT" sz="1900" kern="1200" dirty="0"/>
+          <a:endParaRPr lang="it-IT" sz="1800" kern="1200" dirty="0"/>
         </a:p>
         <a:p>
-          <a:pPr marL="171450" lvl="1" indent="-171450" algn="l" defTabSz="844550">
+          <a:pPr marL="171450" lvl="1" indent="-171450" algn="l" defTabSz="800100">
             <a:lnSpc>
               <a:spcPct val="90000"/>
             </a:lnSpc>
@@ -9876,10 +11119,10 @@
             <a:buChar char="••"/>
           </a:pPr>
           <a:r>
-            <a:rPr lang="it-IT" sz="1900" kern="1200" dirty="0" smtClean="0"/>
+            <a:rPr lang="it-IT" sz="1800" kern="1200" dirty="0" smtClean="0"/>
             <a:t>C#</a:t>
           </a:r>
-          <a:endParaRPr lang="it-IT" sz="1900" kern="1200" dirty="0"/>
+          <a:endParaRPr lang="it-IT" sz="1800" kern="1200" dirty="0"/>
         </a:p>
       </dsp:txBody>
       <dsp:txXfrm rot="10800000">
@@ -11446,12 +12689,12 @@
         </a:fontRef>
       </dsp:style>
       <dsp:txBody>
-        <a:bodyPr spcFirstLastPara="0" vert="horz" wrap="square" lIns="144780" tIns="144780" rIns="144780" bIns="144780" numCol="1" spcCol="1270" anchor="ctr" anchorCtr="0">
+        <a:bodyPr spcFirstLastPara="0" vert="horz" wrap="square" lIns="175260" tIns="175260" rIns="175260" bIns="175260" numCol="1" spcCol="1270" anchor="ctr" anchorCtr="0">
           <a:noAutofit/>
         </a:bodyPr>
         <a:lstStyle/>
         <a:p>
-          <a:pPr lvl="0" algn="l" defTabSz="1689100">
+          <a:pPr lvl="0" algn="l" defTabSz="2044700">
             <a:lnSpc>
               <a:spcPct val="90000"/>
             </a:lnSpc>
@@ -11463,10 +12706,10 @@
             </a:spcAft>
           </a:pPr>
           <a:r>
-            <a:rPr lang="it-IT" sz="3800" kern="1200" dirty="0" err="1" smtClean="0"/>
+            <a:rPr lang="it-IT" sz="4600" kern="1200" dirty="0" err="1" smtClean="0"/>
             <a:t>RubyMine</a:t>
           </a:r>
-          <a:endParaRPr lang="it-IT" sz="3800" kern="1200" dirty="0" smtClean="0"/>
+          <a:endParaRPr lang="it-IT" sz="4600" kern="1200" dirty="0" smtClean="0"/>
         </a:p>
       </dsp:txBody>
       <dsp:txXfrm>
@@ -11574,12 +12817,12 @@
         </a:fontRef>
       </dsp:style>
       <dsp:txBody>
-        <a:bodyPr spcFirstLastPara="0" vert="horz" wrap="square" lIns="144780" tIns="144780" rIns="144780" bIns="144780" numCol="1" spcCol="1270" anchor="ctr" anchorCtr="0">
+        <a:bodyPr spcFirstLastPara="0" vert="horz" wrap="square" lIns="175260" tIns="175260" rIns="175260" bIns="175260" numCol="1" spcCol="1270" anchor="ctr" anchorCtr="0">
           <a:noAutofit/>
         </a:bodyPr>
         <a:lstStyle/>
         <a:p>
-          <a:pPr lvl="0" algn="l" defTabSz="1689100">
+          <a:pPr lvl="0" algn="l" defTabSz="2044700">
             <a:lnSpc>
               <a:spcPct val="90000"/>
             </a:lnSpc>
@@ -11591,22 +12834,22 @@
             </a:spcAft>
           </a:pPr>
           <a:r>
-            <a:rPr lang="it-IT" sz="3800" kern="1200" dirty="0" err="1" smtClean="0"/>
+            <a:rPr lang="it-IT" sz="4600" kern="1200" dirty="0" err="1" smtClean="0"/>
             <a:t>Eclipse</a:t>
           </a:r>
           <a:r>
-            <a:rPr lang="it-IT" sz="3800" kern="1200" dirty="0" smtClean="0"/>
+            <a:rPr lang="it-IT" sz="4600" kern="1200" dirty="0" smtClean="0"/>
             <a:t> Luna + Spring </a:t>
           </a:r>
           <a:r>
-            <a:rPr lang="it-IT" sz="3800" kern="1200" dirty="0" err="1" smtClean="0"/>
+            <a:rPr lang="it-IT" sz="4600" kern="1200" dirty="0" err="1" smtClean="0"/>
             <a:t>Tool</a:t>
           </a:r>
           <a:r>
-            <a:rPr lang="it-IT" sz="3800" kern="1200" dirty="0" smtClean="0"/>
+            <a:rPr lang="it-IT" sz="4600" kern="1200" dirty="0" smtClean="0"/>
             <a:t> Suite</a:t>
           </a:r>
-          <a:endParaRPr lang="it-IT" sz="3800" kern="1200" dirty="0"/>
+          <a:endParaRPr lang="it-IT" sz="4600" kern="1200" dirty="0"/>
         </a:p>
       </dsp:txBody>
       <dsp:txXfrm>
@@ -11720,12 +12963,12 @@
         </a:fontRef>
       </dsp:style>
       <dsp:txBody>
-        <a:bodyPr spcFirstLastPara="0" vert="horz" wrap="square" lIns="144780" tIns="144780" rIns="144780" bIns="144780" numCol="1" spcCol="1270" anchor="ctr" anchorCtr="0">
+        <a:bodyPr spcFirstLastPara="0" vert="horz" wrap="square" lIns="175260" tIns="175260" rIns="175260" bIns="175260" numCol="1" spcCol="1270" anchor="ctr" anchorCtr="0">
           <a:noAutofit/>
         </a:bodyPr>
         <a:lstStyle/>
         <a:p>
-          <a:pPr lvl="0" algn="l" defTabSz="1689100">
+          <a:pPr lvl="0" algn="l" defTabSz="2044700">
             <a:lnSpc>
               <a:spcPct val="90000"/>
             </a:lnSpc>
@@ -11737,10 +12980,10 @@
             </a:spcAft>
           </a:pPr>
           <a:r>
-            <a:rPr lang="it-IT" sz="3800" kern="1200" dirty="0" smtClean="0"/>
+            <a:rPr lang="it-IT" sz="4600" kern="1200" dirty="0" smtClean="0"/>
             <a:t>Visual Studio 2013 Ultimate Ed.</a:t>
           </a:r>
-          <a:endParaRPr lang="it-IT" sz="3800" kern="1200" dirty="0"/>
+          <a:endParaRPr lang="it-IT" sz="4600" kern="1200" dirty="0"/>
         </a:p>
       </dsp:txBody>
       <dsp:txXfrm>
@@ -11814,6 +13057,546 @@
       <dsp:cNvGrpSpPr/>
     </dsp:nvGrpSpPr>
     <dsp:grpSpPr/>
+    <dsp:sp modelId="{84E8FD5B-F47E-455E-849A-EF1F394AFB08}">
+      <dsp:nvSpPr>
+        <dsp:cNvPr id="0" name=""/>
+        <dsp:cNvSpPr/>
+      </dsp:nvSpPr>
+      <dsp:spPr>
+        <a:xfrm rot="5400000">
+          <a:off x="6185954" y="-2471675"/>
+          <a:ext cx="1121965" cy="6350058"/>
+        </a:xfrm>
+        <a:prstGeom prst="round2SameRect">
+          <a:avLst/>
+        </a:prstGeom>
+        <a:solidFill>
+          <a:schemeClr val="accent1">
+            <a:alpha val="90000"/>
+            <a:tint val="40000"/>
+            <a:hueOff val="0"/>
+            <a:satOff val="0"/>
+            <a:lumOff val="0"/>
+            <a:alphaOff val="0"/>
+          </a:schemeClr>
+        </a:solidFill>
+        <a:ln w="15875" cap="flat" cmpd="sng" algn="ctr">
+          <a:solidFill>
+            <a:schemeClr val="accent1">
+              <a:alpha val="90000"/>
+              <a:tint val="40000"/>
+              <a:hueOff val="0"/>
+              <a:satOff val="0"/>
+              <a:lumOff val="0"/>
+              <a:alphaOff val="0"/>
+            </a:schemeClr>
+          </a:solidFill>
+          <a:prstDash val="solid"/>
+        </a:ln>
+        <a:effectLst/>
+      </dsp:spPr>
+      <dsp:style>
+        <a:lnRef idx="2">
+          <a:scrgbClr r="0" g="0" b="0"/>
+        </a:lnRef>
+        <a:fillRef idx="1">
+          <a:scrgbClr r="0" g="0" b="0"/>
+        </a:fillRef>
+        <a:effectRef idx="0">
+          <a:scrgbClr r="0" g="0" b="0"/>
+        </a:effectRef>
+        <a:fontRef idx="minor"/>
+      </dsp:style>
+      <dsp:txBody>
+        <a:bodyPr spcFirstLastPara="0" vert="horz" wrap="square" lIns="102870" tIns="51435" rIns="102870" bIns="51435" numCol="1" spcCol="1270" anchor="ctr" anchorCtr="0">
+          <a:noAutofit/>
+        </a:bodyPr>
+        <a:lstStyle/>
+        <a:p>
+          <a:pPr marL="228600" lvl="1" indent="-228600" algn="l" defTabSz="1200150">
+            <a:lnSpc>
+              <a:spcPct val="90000"/>
+            </a:lnSpc>
+            <a:spcBef>
+              <a:spcPct val="0"/>
+            </a:spcBef>
+            <a:spcAft>
+              <a:spcPct val="15000"/>
+            </a:spcAft>
+            <a:buChar char="••"/>
+          </a:pPr>
+          <a:r>
+            <a:rPr lang="it-IT" sz="2700" kern="1200" dirty="0" smtClean="0"/>
+            <a:t>Gratuito</a:t>
+          </a:r>
+          <a:endParaRPr lang="it-IT" sz="2700" kern="1200" dirty="0"/>
+        </a:p>
+        <a:p>
+          <a:pPr marL="228600" lvl="1" indent="-228600" algn="l" defTabSz="1200150">
+            <a:lnSpc>
+              <a:spcPct val="90000"/>
+            </a:lnSpc>
+            <a:spcBef>
+              <a:spcPct val="0"/>
+            </a:spcBef>
+            <a:spcAft>
+              <a:spcPct val="15000"/>
+            </a:spcAft>
+            <a:buChar char="••"/>
+          </a:pPr>
+          <a:r>
+            <a:rPr lang="it-IT" sz="2700" kern="1200" dirty="0" smtClean="0"/>
+            <a:t>Preferibilmente Open Source</a:t>
+          </a:r>
+          <a:endParaRPr lang="it-IT" sz="2700" kern="1200" dirty="0"/>
+        </a:p>
+      </dsp:txBody>
+      <dsp:txXfrm rot="-5400000">
+        <a:off x="3571908" y="197141"/>
+        <a:ext cx="6295288" cy="1012425"/>
+      </dsp:txXfrm>
+    </dsp:sp>
+    <dsp:sp modelId="{F11A811D-BF03-46F9-903E-86A9AAAF8A3D}">
+      <dsp:nvSpPr>
+        <dsp:cNvPr id="0" name=""/>
+        <dsp:cNvSpPr/>
+      </dsp:nvSpPr>
+      <dsp:spPr>
+        <a:xfrm>
+          <a:off x="0" y="2124"/>
+          <a:ext cx="3571907" cy="1402456"/>
+        </a:xfrm>
+        <a:prstGeom prst="roundRect">
+          <a:avLst/>
+        </a:prstGeom>
+        <a:solidFill>
+          <a:schemeClr val="accent1">
+            <a:hueOff val="0"/>
+            <a:satOff val="0"/>
+            <a:lumOff val="0"/>
+            <a:alphaOff val="0"/>
+          </a:schemeClr>
+        </a:solidFill>
+        <a:ln w="15875" cap="flat" cmpd="sng" algn="ctr">
+          <a:solidFill>
+            <a:schemeClr val="lt1">
+              <a:hueOff val="0"/>
+              <a:satOff val="0"/>
+              <a:lumOff val="0"/>
+              <a:alphaOff val="0"/>
+            </a:schemeClr>
+          </a:solidFill>
+          <a:prstDash val="solid"/>
+        </a:ln>
+        <a:effectLst/>
+      </dsp:spPr>
+      <dsp:style>
+        <a:lnRef idx="2">
+          <a:scrgbClr r="0" g="0" b="0"/>
+        </a:lnRef>
+        <a:fillRef idx="1">
+          <a:scrgbClr r="0" g="0" b="0"/>
+        </a:fillRef>
+        <a:effectRef idx="0">
+          <a:scrgbClr r="0" g="0" b="0"/>
+        </a:effectRef>
+        <a:fontRef idx="minor">
+          <a:schemeClr val="lt1"/>
+        </a:fontRef>
+      </dsp:style>
+      <dsp:txBody>
+        <a:bodyPr spcFirstLastPara="0" vert="horz" wrap="square" lIns="209550" tIns="104775" rIns="209550" bIns="104775" numCol="1" spcCol="1270" anchor="ctr" anchorCtr="0">
+          <a:noAutofit/>
+        </a:bodyPr>
+        <a:lstStyle/>
+        <a:p>
+          <a:pPr lvl="0" algn="ctr" defTabSz="2444750">
+            <a:lnSpc>
+              <a:spcPct val="90000"/>
+            </a:lnSpc>
+            <a:spcBef>
+              <a:spcPct val="0"/>
+            </a:spcBef>
+            <a:spcAft>
+              <a:spcPct val="35000"/>
+            </a:spcAft>
+          </a:pPr>
+          <a:r>
+            <a:rPr lang="it-IT" sz="5500" kern="1200" dirty="0" smtClean="0"/>
+            <a:t>Prodotto</a:t>
+          </a:r>
+          <a:endParaRPr lang="it-IT" sz="5500" kern="1200" dirty="0"/>
+        </a:p>
+      </dsp:txBody>
+      <dsp:txXfrm>
+        <a:off x="68462" y="70586"/>
+        <a:ext cx="3434983" cy="1265532"/>
+      </dsp:txXfrm>
+    </dsp:sp>
+    <dsp:sp modelId="{84047048-3489-45FD-AD42-23C8F293A5F6}">
+      <dsp:nvSpPr>
+        <dsp:cNvPr id="0" name=""/>
+        <dsp:cNvSpPr/>
+      </dsp:nvSpPr>
+      <dsp:spPr>
+        <a:xfrm rot="5400000">
+          <a:off x="6185954" y="-999096"/>
+          <a:ext cx="1121965" cy="6350058"/>
+        </a:xfrm>
+        <a:prstGeom prst="round2SameRect">
+          <a:avLst/>
+        </a:prstGeom>
+        <a:solidFill>
+          <a:schemeClr val="accent1">
+            <a:alpha val="90000"/>
+            <a:tint val="40000"/>
+            <a:hueOff val="0"/>
+            <a:satOff val="0"/>
+            <a:lumOff val="0"/>
+            <a:alphaOff val="0"/>
+          </a:schemeClr>
+        </a:solidFill>
+        <a:ln w="15875" cap="flat" cmpd="sng" algn="ctr">
+          <a:solidFill>
+            <a:schemeClr val="accent1">
+              <a:alpha val="90000"/>
+              <a:tint val="40000"/>
+              <a:hueOff val="0"/>
+              <a:satOff val="0"/>
+              <a:lumOff val="0"/>
+              <a:alphaOff val="0"/>
+            </a:schemeClr>
+          </a:solidFill>
+          <a:prstDash val="solid"/>
+        </a:ln>
+        <a:effectLst/>
+      </dsp:spPr>
+      <dsp:style>
+        <a:lnRef idx="2">
+          <a:scrgbClr r="0" g="0" b="0"/>
+        </a:lnRef>
+        <a:fillRef idx="1">
+          <a:scrgbClr r="0" g="0" b="0"/>
+        </a:fillRef>
+        <a:effectRef idx="0">
+          <a:scrgbClr r="0" g="0" b="0"/>
+        </a:effectRef>
+        <a:fontRef idx="minor"/>
+      </dsp:style>
+      <dsp:txBody>
+        <a:bodyPr spcFirstLastPara="0" vert="horz" wrap="square" lIns="102870" tIns="51435" rIns="102870" bIns="51435" numCol="1" spcCol="1270" anchor="ctr" anchorCtr="0">
+          <a:noAutofit/>
+        </a:bodyPr>
+        <a:lstStyle/>
+        <a:p>
+          <a:pPr marL="228600" lvl="1" indent="-228600" algn="l" defTabSz="1200150">
+            <a:lnSpc>
+              <a:spcPct val="90000"/>
+            </a:lnSpc>
+            <a:spcBef>
+              <a:spcPct val="0"/>
+            </a:spcBef>
+            <a:spcAft>
+              <a:spcPct val="15000"/>
+            </a:spcAft>
+            <a:buChar char="••"/>
+          </a:pPr>
+          <a:r>
+            <a:rPr lang="it-IT" sz="2700" kern="1200" dirty="0" smtClean="0"/>
+            <a:t>Correntemente attivo ed in evoluzione</a:t>
+          </a:r>
+          <a:endParaRPr lang="it-IT" sz="2700" kern="1200" dirty="0"/>
+        </a:p>
+        <a:p>
+          <a:pPr marL="228600" lvl="1" indent="-228600" algn="l" defTabSz="1200150">
+            <a:lnSpc>
+              <a:spcPct val="90000"/>
+            </a:lnSpc>
+            <a:spcBef>
+              <a:spcPct val="0"/>
+            </a:spcBef>
+            <a:spcAft>
+              <a:spcPct val="15000"/>
+            </a:spcAft>
+            <a:buChar char="••"/>
+          </a:pPr>
+          <a:r>
+            <a:rPr lang="it-IT" sz="2700" kern="1200" dirty="0" smtClean="0"/>
+            <a:t>Al passo con i tempi e le nuove tecnologie</a:t>
+          </a:r>
+          <a:endParaRPr lang="it-IT" sz="2700" kern="1200" dirty="0"/>
+        </a:p>
+      </dsp:txBody>
+      <dsp:txXfrm rot="-5400000">
+        <a:off x="3571908" y="1669720"/>
+        <a:ext cx="6295288" cy="1012425"/>
+      </dsp:txXfrm>
+    </dsp:sp>
+    <dsp:sp modelId="{D5BA7D7F-A832-4CB0-971D-4F0DE6BF012E}">
+      <dsp:nvSpPr>
+        <dsp:cNvPr id="0" name=""/>
+        <dsp:cNvSpPr/>
+      </dsp:nvSpPr>
+      <dsp:spPr>
+        <a:xfrm>
+          <a:off x="0" y="1474704"/>
+          <a:ext cx="3571907" cy="1402456"/>
+        </a:xfrm>
+        <a:prstGeom prst="roundRect">
+          <a:avLst/>
+        </a:prstGeom>
+        <a:solidFill>
+          <a:schemeClr val="accent1">
+            <a:hueOff val="0"/>
+            <a:satOff val="0"/>
+            <a:lumOff val="0"/>
+            <a:alphaOff val="0"/>
+          </a:schemeClr>
+        </a:solidFill>
+        <a:ln w="15875" cap="flat" cmpd="sng" algn="ctr">
+          <a:solidFill>
+            <a:schemeClr val="lt1">
+              <a:hueOff val="0"/>
+              <a:satOff val="0"/>
+              <a:lumOff val="0"/>
+              <a:alphaOff val="0"/>
+            </a:schemeClr>
+          </a:solidFill>
+          <a:prstDash val="solid"/>
+        </a:ln>
+        <a:effectLst/>
+      </dsp:spPr>
+      <dsp:style>
+        <a:lnRef idx="2">
+          <a:scrgbClr r="0" g="0" b="0"/>
+        </a:lnRef>
+        <a:fillRef idx="1">
+          <a:scrgbClr r="0" g="0" b="0"/>
+        </a:fillRef>
+        <a:effectRef idx="0">
+          <a:scrgbClr r="0" g="0" b="0"/>
+        </a:effectRef>
+        <a:fontRef idx="minor">
+          <a:schemeClr val="lt1"/>
+        </a:fontRef>
+      </dsp:style>
+      <dsp:txBody>
+        <a:bodyPr spcFirstLastPara="0" vert="horz" wrap="square" lIns="209550" tIns="104775" rIns="209550" bIns="104775" numCol="1" spcCol="1270" anchor="ctr" anchorCtr="0">
+          <a:noAutofit/>
+        </a:bodyPr>
+        <a:lstStyle/>
+        <a:p>
+          <a:pPr lvl="0" algn="ctr" defTabSz="2444750">
+            <a:lnSpc>
+              <a:spcPct val="90000"/>
+            </a:lnSpc>
+            <a:spcBef>
+              <a:spcPct val="0"/>
+            </a:spcBef>
+            <a:spcAft>
+              <a:spcPct val="35000"/>
+            </a:spcAft>
+          </a:pPr>
+          <a:r>
+            <a:rPr lang="it-IT" sz="5500" kern="1200" dirty="0" smtClean="0"/>
+            <a:t>Sviluppo</a:t>
+          </a:r>
+          <a:endParaRPr lang="it-IT" sz="5500" kern="1200" dirty="0"/>
+        </a:p>
+      </dsp:txBody>
+      <dsp:txXfrm>
+        <a:off x="68462" y="1543166"/>
+        <a:ext cx="3434983" cy="1265532"/>
+      </dsp:txXfrm>
+    </dsp:sp>
+    <dsp:sp modelId="{3DCABB5E-815A-4018-894D-BB2152A05B74}">
+      <dsp:nvSpPr>
+        <dsp:cNvPr id="0" name=""/>
+        <dsp:cNvSpPr/>
+      </dsp:nvSpPr>
+      <dsp:spPr>
+        <a:xfrm rot="5400000">
+          <a:off x="6185954" y="473483"/>
+          <a:ext cx="1121965" cy="6350058"/>
+        </a:xfrm>
+        <a:prstGeom prst="round2SameRect">
+          <a:avLst/>
+        </a:prstGeom>
+        <a:solidFill>
+          <a:schemeClr val="accent1">
+            <a:alpha val="90000"/>
+            <a:tint val="40000"/>
+            <a:hueOff val="0"/>
+            <a:satOff val="0"/>
+            <a:lumOff val="0"/>
+            <a:alphaOff val="0"/>
+          </a:schemeClr>
+        </a:solidFill>
+        <a:ln w="15875" cap="flat" cmpd="sng" algn="ctr">
+          <a:solidFill>
+            <a:schemeClr val="accent1">
+              <a:alpha val="90000"/>
+              <a:tint val="40000"/>
+              <a:hueOff val="0"/>
+              <a:satOff val="0"/>
+              <a:lumOff val="0"/>
+              <a:alphaOff val="0"/>
+            </a:schemeClr>
+          </a:solidFill>
+          <a:prstDash val="solid"/>
+        </a:ln>
+        <a:effectLst/>
+      </dsp:spPr>
+      <dsp:style>
+        <a:lnRef idx="2">
+          <a:scrgbClr r="0" g="0" b="0"/>
+        </a:lnRef>
+        <a:fillRef idx="1">
+          <a:scrgbClr r="0" g="0" b="0"/>
+        </a:fillRef>
+        <a:effectRef idx="0">
+          <a:scrgbClr r="0" g="0" b="0"/>
+        </a:effectRef>
+        <a:fontRef idx="minor"/>
+      </dsp:style>
+      <dsp:txBody>
+        <a:bodyPr spcFirstLastPara="0" vert="horz" wrap="square" lIns="102870" tIns="51435" rIns="102870" bIns="51435" numCol="1" spcCol="1270" anchor="ctr" anchorCtr="0">
+          <a:noAutofit/>
+        </a:bodyPr>
+        <a:lstStyle/>
+        <a:p>
+          <a:pPr marL="228600" lvl="1" indent="-228600" algn="l" defTabSz="1200150">
+            <a:lnSpc>
+              <a:spcPct val="90000"/>
+            </a:lnSpc>
+            <a:spcBef>
+              <a:spcPct val="0"/>
+            </a:spcBef>
+            <a:spcAft>
+              <a:spcPct val="15000"/>
+            </a:spcAft>
+            <a:buChar char="••"/>
+          </a:pPr>
+          <a:r>
+            <a:rPr lang="it-IT" sz="2700" kern="1200" dirty="0" smtClean="0"/>
+            <a:t>Esistente ed attiva</a:t>
+          </a:r>
+          <a:endParaRPr lang="it-IT" sz="2700" kern="1200" dirty="0"/>
+        </a:p>
+        <a:p>
+          <a:pPr marL="228600" lvl="1" indent="-228600" algn="l" defTabSz="1200150">
+            <a:lnSpc>
+              <a:spcPct val="90000"/>
+            </a:lnSpc>
+            <a:spcBef>
+              <a:spcPct val="0"/>
+            </a:spcBef>
+            <a:spcAft>
+              <a:spcPct val="15000"/>
+            </a:spcAft>
+            <a:buChar char="••"/>
+          </a:pPr>
+          <a:r>
+            <a:rPr lang="it-IT" sz="2700" kern="1200" dirty="0" smtClean="0"/>
+            <a:t>Partecipe allo sviluppo</a:t>
+          </a:r>
+          <a:endParaRPr lang="it-IT" sz="2700" kern="1200" dirty="0"/>
+        </a:p>
+      </dsp:txBody>
+      <dsp:txXfrm rot="-5400000">
+        <a:off x="3571908" y="3142299"/>
+        <a:ext cx="6295288" cy="1012425"/>
+      </dsp:txXfrm>
+    </dsp:sp>
+    <dsp:sp modelId="{B6BE7333-28CC-4023-A7F5-52E95F94DCDE}">
+      <dsp:nvSpPr>
+        <dsp:cNvPr id="0" name=""/>
+        <dsp:cNvSpPr/>
+      </dsp:nvSpPr>
+      <dsp:spPr>
+        <a:xfrm>
+          <a:off x="0" y="2947284"/>
+          <a:ext cx="3571907" cy="1402456"/>
+        </a:xfrm>
+        <a:prstGeom prst="roundRect">
+          <a:avLst/>
+        </a:prstGeom>
+        <a:solidFill>
+          <a:schemeClr val="accent1">
+            <a:hueOff val="0"/>
+            <a:satOff val="0"/>
+            <a:lumOff val="0"/>
+            <a:alphaOff val="0"/>
+          </a:schemeClr>
+        </a:solidFill>
+        <a:ln w="15875" cap="flat" cmpd="sng" algn="ctr">
+          <a:solidFill>
+            <a:schemeClr val="lt1">
+              <a:hueOff val="0"/>
+              <a:satOff val="0"/>
+              <a:lumOff val="0"/>
+              <a:alphaOff val="0"/>
+            </a:schemeClr>
+          </a:solidFill>
+          <a:prstDash val="solid"/>
+        </a:ln>
+        <a:effectLst/>
+      </dsp:spPr>
+      <dsp:style>
+        <a:lnRef idx="2">
+          <a:scrgbClr r="0" g="0" b="0"/>
+        </a:lnRef>
+        <a:fillRef idx="1">
+          <a:scrgbClr r="0" g="0" b="0"/>
+        </a:fillRef>
+        <a:effectRef idx="0">
+          <a:scrgbClr r="0" g="0" b="0"/>
+        </a:effectRef>
+        <a:fontRef idx="minor">
+          <a:schemeClr val="lt1"/>
+        </a:fontRef>
+      </dsp:style>
+      <dsp:txBody>
+        <a:bodyPr spcFirstLastPara="0" vert="horz" wrap="square" lIns="209550" tIns="104775" rIns="209550" bIns="104775" numCol="1" spcCol="1270" anchor="ctr" anchorCtr="0">
+          <a:noAutofit/>
+        </a:bodyPr>
+        <a:lstStyle/>
+        <a:p>
+          <a:pPr lvl="0" algn="ctr" defTabSz="2444750">
+            <a:lnSpc>
+              <a:spcPct val="90000"/>
+            </a:lnSpc>
+            <a:spcBef>
+              <a:spcPct val="0"/>
+            </a:spcBef>
+            <a:spcAft>
+              <a:spcPct val="35000"/>
+            </a:spcAft>
+          </a:pPr>
+          <a:r>
+            <a:rPr lang="it-IT" sz="5500" kern="1200" dirty="0" smtClean="0"/>
+            <a:t>Comunità</a:t>
+          </a:r>
+          <a:endParaRPr lang="it-IT" sz="5500" kern="1200" dirty="0"/>
+        </a:p>
+      </dsp:txBody>
+      <dsp:txXfrm>
+        <a:off x="68462" y="3015746"/>
+        <a:ext cx="3434983" cy="1265532"/>
+      </dsp:txXfrm>
+    </dsp:sp>
+  </dsp:spTree>
+</dsp:drawing>
+</file>
+
+<file path=ppt/diagrams/drawing7.xml><?xml version="1.0" encoding="utf-8"?>
+<dsp:drawing xmlns:dgm="http://schemas.openxmlformats.org/drawingml/2006/diagram" xmlns:dsp="http://schemas.microsoft.com/office/drawing/2008/diagram" xmlns:a="http://schemas.openxmlformats.org/drawingml/2006/main">
+  <dsp:spTree>
+    <dsp:nvGrpSpPr>
+      <dsp:cNvPr id="0" name=""/>
+      <dsp:cNvGrpSpPr/>
+    </dsp:nvGrpSpPr>
+    <dsp:grpSpPr/>
     <dsp:sp modelId="{60416D04-39CC-4776-A889-E2362D7EA31D}">
       <dsp:nvSpPr>
         <dsp:cNvPr id="0" name=""/>
@@ -11821,8 +13604,8 @@
       </dsp:nvSpPr>
       <dsp:spPr>
         <a:xfrm>
-          <a:off x="0" y="2327715"/>
-          <a:ext cx="9961880" cy="764008"/>
+          <a:off x="0" y="3231266"/>
+          <a:ext cx="9961880" cy="1060573"/>
         </a:xfrm>
         <a:prstGeom prst="rect">
           <a:avLst/>
@@ -11902,12 +13685,12 @@
         </a:fontRef>
       </dsp:style>
       <dsp:txBody>
-        <a:bodyPr spcFirstLastPara="0" vert="horz" wrap="square" lIns="99568" tIns="99568" rIns="99568" bIns="99568" numCol="1" spcCol="1270" anchor="ctr" anchorCtr="0">
+        <a:bodyPr spcFirstLastPara="0" vert="horz" wrap="square" lIns="142240" tIns="142240" rIns="142240" bIns="142240" numCol="1" spcCol="1270" anchor="ctr" anchorCtr="0">
           <a:noAutofit/>
         </a:bodyPr>
         <a:lstStyle/>
         <a:p>
-          <a:pPr lvl="0" algn="ctr" defTabSz="622300">
+          <a:pPr lvl="0" algn="ctr" defTabSz="889000">
             <a:lnSpc>
               <a:spcPct val="90000"/>
             </a:lnSpc>
@@ -11919,27 +13702,23 @@
             </a:spcAft>
           </a:pPr>
           <a:r>
-            <a:rPr lang="it-IT" sz="1400" kern="1200" dirty="0" smtClean="0"/>
+            <a:rPr lang="it-IT" sz="2000" kern="1200" dirty="0" smtClean="0"/>
             <a:t>Web </a:t>
           </a:r>
           <a:r>
-            <a:rPr lang="it-IT" sz="1400" kern="1200" smtClean="0"/>
+            <a:rPr lang="it-IT" sz="2000" kern="1200" dirty="0" err="1" smtClean="0"/>
             <a:t>Browsing</a:t>
           </a:r>
           <a:r>
-            <a:rPr lang="it-IT" sz="1400" kern="1200" dirty="0" smtClean="0"/>
-            <a:t> </a:t>
+            <a:rPr lang="it-IT" sz="2000" kern="1200" dirty="0" smtClean="0"/>
+            <a:t> Automation</a:t>
           </a:r>
-          <a:r>
-            <a:rPr lang="it-IT" sz="1400" kern="1200" dirty="0" smtClean="0"/>
-            <a:t>Automation</a:t>
-          </a:r>
-          <a:endParaRPr lang="it-IT" sz="1400" kern="1200" dirty="0"/>
+          <a:endParaRPr lang="it-IT" sz="2000" kern="1200" dirty="0"/>
         </a:p>
       </dsp:txBody>
       <dsp:txXfrm>
-        <a:off x="0" y="2327715"/>
-        <a:ext cx="9961880" cy="412564"/>
+        <a:off x="0" y="3231266"/>
+        <a:ext cx="9961880" cy="572709"/>
       </dsp:txXfrm>
     </dsp:sp>
     <dsp:sp modelId="{1127738B-00CC-49E2-9424-AFF2BC6B8BFE}">
@@ -11949,8 +13728,8 @@
       </dsp:nvSpPr>
       <dsp:spPr>
         <a:xfrm>
-          <a:off x="4864" y="2724999"/>
-          <a:ext cx="3317383" cy="351443"/>
+          <a:off x="4864" y="3782764"/>
+          <a:ext cx="3317383" cy="487863"/>
         </a:xfrm>
         <a:prstGeom prst="rect">
           <a:avLst/>
@@ -11988,12 +13767,12 @@
         <a:fontRef idx="minor"/>
       </dsp:style>
       <dsp:txBody>
-        <a:bodyPr spcFirstLastPara="0" vert="horz" wrap="square" lIns="149352" tIns="26670" rIns="149352" bIns="26670" numCol="1" spcCol="1270" anchor="ctr" anchorCtr="0">
+        <a:bodyPr spcFirstLastPara="0" vert="horz" wrap="square" lIns="206248" tIns="36830" rIns="206248" bIns="36830" numCol="1" spcCol="1270" anchor="ctr" anchorCtr="0">
           <a:noAutofit/>
         </a:bodyPr>
         <a:lstStyle/>
         <a:p>
-          <a:pPr lvl="0" algn="ctr" defTabSz="933450">
+          <a:pPr lvl="0" algn="ctr" defTabSz="1289050">
             <a:lnSpc>
               <a:spcPct val="90000"/>
             </a:lnSpc>
@@ -12005,15 +13784,15 @@
             </a:spcAft>
           </a:pPr>
           <a:r>
-            <a:rPr lang="it-IT" sz="2100" kern="1200" dirty="0" err="1" smtClean="0"/>
+            <a:rPr lang="it-IT" sz="2900" kern="1200" dirty="0" err="1" smtClean="0"/>
             <a:t>Capybara</a:t>
           </a:r>
-          <a:endParaRPr lang="it-IT" sz="2100" kern="1200" dirty="0"/>
+          <a:endParaRPr lang="it-IT" sz="2900" kern="1200" dirty="0"/>
         </a:p>
       </dsp:txBody>
       <dsp:txXfrm>
-        <a:off x="4864" y="2724999"/>
-        <a:ext cx="3317383" cy="351443"/>
+        <a:off x="4864" y="3782764"/>
+        <a:ext cx="3317383" cy="487863"/>
       </dsp:txXfrm>
     </dsp:sp>
     <dsp:sp modelId="{20A5544F-F7CA-4A17-A4C0-1EBAE0A5050C}">
@@ -12023,8 +13802,8 @@
       </dsp:nvSpPr>
       <dsp:spPr>
         <a:xfrm>
-          <a:off x="3322248" y="2724999"/>
-          <a:ext cx="3317383" cy="351443"/>
+          <a:off x="3322248" y="3782764"/>
+          <a:ext cx="3317383" cy="487863"/>
         </a:xfrm>
         <a:prstGeom prst="rect">
           <a:avLst/>
@@ -12062,12 +13841,12 @@
         <a:fontRef idx="minor"/>
       </dsp:style>
       <dsp:txBody>
-        <a:bodyPr spcFirstLastPara="0" vert="horz" wrap="square" lIns="149352" tIns="26670" rIns="149352" bIns="26670" numCol="1" spcCol="1270" anchor="ctr" anchorCtr="0">
+        <a:bodyPr spcFirstLastPara="0" vert="horz" wrap="square" lIns="206248" tIns="36830" rIns="206248" bIns="36830" numCol="1" spcCol="1270" anchor="ctr" anchorCtr="0">
           <a:noAutofit/>
         </a:bodyPr>
         <a:lstStyle/>
         <a:p>
-          <a:pPr lvl="0" algn="ctr" defTabSz="933450">
+          <a:pPr lvl="0" algn="ctr" defTabSz="1289050">
             <a:lnSpc>
               <a:spcPct val="90000"/>
             </a:lnSpc>
@@ -12079,19 +13858,19 @@
             </a:spcAft>
           </a:pPr>
           <a:r>
-            <a:rPr lang="it-IT" sz="2100" kern="1200" dirty="0" err="1" smtClean="0"/>
+            <a:rPr lang="it-IT" sz="2900" kern="1200" dirty="0" err="1" smtClean="0"/>
             <a:t>Selenium</a:t>
           </a:r>
           <a:r>
-            <a:rPr lang="it-IT" sz="2100" kern="1200" dirty="0" smtClean="0"/>
+            <a:rPr lang="it-IT" sz="2900" kern="1200" dirty="0" smtClean="0"/>
             <a:t> Java</a:t>
           </a:r>
-          <a:endParaRPr lang="it-IT" sz="2100" kern="1200" dirty="0"/>
+          <a:endParaRPr lang="it-IT" sz="2900" kern="1200" dirty="0"/>
         </a:p>
       </dsp:txBody>
       <dsp:txXfrm>
-        <a:off x="3322248" y="2724999"/>
-        <a:ext cx="3317383" cy="351443"/>
+        <a:off x="3322248" y="3782764"/>
+        <a:ext cx="3317383" cy="487863"/>
       </dsp:txXfrm>
     </dsp:sp>
     <dsp:sp modelId="{BBDAF390-725F-4269-A40B-34C18BB3AFFC}">
@@ -12101,8 +13880,8 @@
       </dsp:nvSpPr>
       <dsp:spPr>
         <a:xfrm>
-          <a:off x="6639631" y="2724999"/>
-          <a:ext cx="3317383" cy="351443"/>
+          <a:off x="6639631" y="3782764"/>
+          <a:ext cx="3317383" cy="487863"/>
         </a:xfrm>
         <a:prstGeom prst="rect">
           <a:avLst/>
@@ -12140,12 +13919,12 @@
         <a:fontRef idx="minor"/>
       </dsp:style>
       <dsp:txBody>
-        <a:bodyPr spcFirstLastPara="0" vert="horz" wrap="square" lIns="149352" tIns="26670" rIns="149352" bIns="26670" numCol="1" spcCol="1270" anchor="ctr" anchorCtr="0">
+        <a:bodyPr spcFirstLastPara="0" vert="horz" wrap="square" lIns="206248" tIns="36830" rIns="206248" bIns="36830" numCol="1" spcCol="1270" anchor="ctr" anchorCtr="0">
           <a:noAutofit/>
         </a:bodyPr>
         <a:lstStyle/>
         <a:p>
-          <a:pPr lvl="0" algn="ctr" defTabSz="933450">
+          <a:pPr lvl="0" algn="ctr" defTabSz="1289050">
             <a:lnSpc>
               <a:spcPct val="90000"/>
             </a:lnSpc>
@@ -12157,15 +13936,15 @@
             </a:spcAft>
           </a:pPr>
           <a:r>
-            <a:rPr lang="it-IT" sz="2100" kern="1200" dirty="0" err="1" smtClean="0"/>
+            <a:rPr lang="it-IT" sz="2900" kern="1200" dirty="0" err="1" smtClean="0"/>
             <a:t>Coypu</a:t>
           </a:r>
-          <a:endParaRPr lang="it-IT" sz="2100" kern="1200" dirty="0"/>
+          <a:endParaRPr lang="it-IT" sz="2900" kern="1200" dirty="0"/>
         </a:p>
       </dsp:txBody>
       <dsp:txXfrm>
-        <a:off x="6639631" y="2724999"/>
-        <a:ext cx="3317383" cy="351443"/>
+        <a:off x="6639631" y="3782764"/>
+        <a:ext cx="3317383" cy="487863"/>
       </dsp:txXfrm>
     </dsp:sp>
     <dsp:sp modelId="{1EA30F96-72A7-4796-9932-46B98EEA3F23}">
@@ -12175,8 +13954,8 @@
       </dsp:nvSpPr>
       <dsp:spPr>
         <a:xfrm rot="10800000">
-          <a:off x="0" y="1164130"/>
-          <a:ext cx="9961880" cy="1175044"/>
+          <a:off x="0" y="1616012"/>
+          <a:ext cx="9961880" cy="1631162"/>
         </a:xfrm>
         <a:prstGeom prst="upArrowCallout">
           <a:avLst/>
@@ -12256,12 +14035,12 @@
         </a:fontRef>
       </dsp:style>
       <dsp:txBody>
-        <a:bodyPr spcFirstLastPara="0" vert="horz" wrap="square" lIns="99568" tIns="99568" rIns="99568" bIns="99568" numCol="1" spcCol="1270" anchor="ctr" anchorCtr="0">
+        <a:bodyPr spcFirstLastPara="0" vert="horz" wrap="square" lIns="142240" tIns="142240" rIns="142240" bIns="142240" numCol="1" spcCol="1270" anchor="ctr" anchorCtr="0">
           <a:noAutofit/>
         </a:bodyPr>
         <a:lstStyle/>
         <a:p>
-          <a:pPr lvl="0" algn="ctr" defTabSz="622300">
+          <a:pPr lvl="0" algn="ctr" defTabSz="889000">
             <a:lnSpc>
               <a:spcPct val="90000"/>
             </a:lnSpc>
@@ -12273,15 +14052,15 @@
             </a:spcAft>
           </a:pPr>
           <a:r>
-            <a:rPr lang="it-IT" sz="1400" kern="1200" dirty="0" smtClean="0"/>
+            <a:rPr lang="it-IT" sz="2000" kern="1200" dirty="0" smtClean="0"/>
             <a:t>BDD Framework</a:t>
           </a:r>
-          <a:endParaRPr lang="it-IT" sz="1400" kern="1200" dirty="0"/>
+          <a:endParaRPr lang="it-IT" sz="2000" kern="1200" dirty="0"/>
         </a:p>
       </dsp:txBody>
       <dsp:txXfrm rot="-10800000">
-        <a:off x="0" y="1164130"/>
-        <a:ext cx="9961880" cy="412440"/>
+        <a:off x="0" y="1616012"/>
+        <a:ext cx="9961880" cy="572538"/>
       </dsp:txXfrm>
     </dsp:sp>
     <dsp:sp modelId="{C073383B-0A00-42A3-9829-F4F71E2A2DB8}">
@@ -12291,8 +14070,8 @@
       </dsp:nvSpPr>
       <dsp:spPr>
         <a:xfrm>
-          <a:off x="4864" y="1576571"/>
-          <a:ext cx="3317383" cy="351338"/>
+          <a:off x="4864" y="2188550"/>
+          <a:ext cx="3317383" cy="487717"/>
         </a:xfrm>
         <a:prstGeom prst="rect">
           <a:avLst/>
@@ -12330,12 +14109,12 @@
         <a:fontRef idx="minor"/>
       </dsp:style>
       <dsp:txBody>
-        <a:bodyPr spcFirstLastPara="0" vert="horz" wrap="square" lIns="149352" tIns="26670" rIns="149352" bIns="26670" numCol="1" spcCol="1270" anchor="ctr" anchorCtr="0">
+        <a:bodyPr spcFirstLastPara="0" vert="horz" wrap="square" lIns="206248" tIns="36830" rIns="206248" bIns="36830" numCol="1" spcCol="1270" anchor="ctr" anchorCtr="0">
           <a:noAutofit/>
         </a:bodyPr>
         <a:lstStyle/>
         <a:p>
-          <a:pPr lvl="0" algn="ctr" defTabSz="933450">
+          <a:pPr lvl="0" algn="ctr" defTabSz="1289050">
             <a:lnSpc>
               <a:spcPct val="90000"/>
             </a:lnSpc>
@@ -12347,15 +14126,15 @@
             </a:spcAft>
           </a:pPr>
           <a:r>
-            <a:rPr lang="it-IT" sz="2100" kern="1200" dirty="0" err="1" smtClean="0"/>
+            <a:rPr lang="it-IT" sz="2900" kern="1200" dirty="0" err="1" smtClean="0"/>
             <a:t>Cucumber</a:t>
           </a:r>
-          <a:endParaRPr lang="it-IT" sz="2100" kern="1200" dirty="0"/>
+          <a:endParaRPr lang="it-IT" sz="2900" kern="1200" dirty="0"/>
         </a:p>
       </dsp:txBody>
       <dsp:txXfrm>
-        <a:off x="4864" y="1576571"/>
-        <a:ext cx="3317383" cy="351338"/>
+        <a:off x="4864" y="2188550"/>
+        <a:ext cx="3317383" cy="487717"/>
       </dsp:txXfrm>
     </dsp:sp>
     <dsp:sp modelId="{490A8EDA-B215-48F5-9DB1-AC1BE94FCF43}">
@@ -12365,8 +14144,8 @@
       </dsp:nvSpPr>
       <dsp:spPr>
         <a:xfrm>
-          <a:off x="3322248" y="1576571"/>
-          <a:ext cx="3317383" cy="351338"/>
+          <a:off x="3322248" y="2188550"/>
+          <a:ext cx="3317383" cy="487717"/>
         </a:xfrm>
         <a:prstGeom prst="rect">
           <a:avLst/>
@@ -12404,12 +14183,12 @@
         <a:fontRef idx="minor"/>
       </dsp:style>
       <dsp:txBody>
-        <a:bodyPr spcFirstLastPara="0" vert="horz" wrap="square" lIns="149352" tIns="26670" rIns="149352" bIns="26670" numCol="1" spcCol="1270" anchor="ctr" anchorCtr="0">
+        <a:bodyPr spcFirstLastPara="0" vert="horz" wrap="square" lIns="206248" tIns="36830" rIns="206248" bIns="36830" numCol="1" spcCol="1270" anchor="ctr" anchorCtr="0">
           <a:noAutofit/>
         </a:bodyPr>
         <a:lstStyle/>
         <a:p>
-          <a:pPr lvl="0" algn="ctr" defTabSz="933450">
+          <a:pPr lvl="0" algn="ctr" defTabSz="1289050">
             <a:lnSpc>
               <a:spcPct val="90000"/>
             </a:lnSpc>
@@ -12421,19 +14200,19 @@
             </a:spcAft>
           </a:pPr>
           <a:r>
-            <a:rPr lang="it-IT" sz="2100" kern="1200" dirty="0" err="1" smtClean="0"/>
+            <a:rPr lang="it-IT" sz="2900" kern="1200" dirty="0" err="1" smtClean="0"/>
             <a:t>Cucumber</a:t>
           </a:r>
           <a:r>
-            <a:rPr lang="it-IT" sz="2100" kern="1200" dirty="0" smtClean="0"/>
+            <a:rPr lang="it-IT" sz="2900" kern="1200" dirty="0" smtClean="0"/>
             <a:t> JVM</a:t>
           </a:r>
-          <a:endParaRPr lang="it-IT" sz="2100" kern="1200" dirty="0"/>
+          <a:endParaRPr lang="it-IT" sz="2900" kern="1200" dirty="0"/>
         </a:p>
       </dsp:txBody>
       <dsp:txXfrm>
-        <a:off x="3322248" y="1576571"/>
-        <a:ext cx="3317383" cy="351338"/>
+        <a:off x="3322248" y="2188550"/>
+        <a:ext cx="3317383" cy="487717"/>
       </dsp:txXfrm>
     </dsp:sp>
     <dsp:sp modelId="{BF339E84-85A7-4002-8711-4AF0A870EDD2}">
@@ -12443,8 +14222,8 @@
       </dsp:nvSpPr>
       <dsp:spPr>
         <a:xfrm>
-          <a:off x="6639631" y="1576571"/>
-          <a:ext cx="3317383" cy="351338"/>
+          <a:off x="6639631" y="2188550"/>
+          <a:ext cx="3317383" cy="487717"/>
         </a:xfrm>
         <a:prstGeom prst="rect">
           <a:avLst/>
@@ -12482,12 +14261,12 @@
         <a:fontRef idx="minor"/>
       </dsp:style>
       <dsp:txBody>
-        <a:bodyPr spcFirstLastPara="0" vert="horz" wrap="square" lIns="149352" tIns="26670" rIns="149352" bIns="26670" numCol="1" spcCol="1270" anchor="ctr" anchorCtr="0">
+        <a:bodyPr spcFirstLastPara="0" vert="horz" wrap="square" lIns="206248" tIns="36830" rIns="206248" bIns="36830" numCol="1" spcCol="1270" anchor="ctr" anchorCtr="0">
           <a:noAutofit/>
         </a:bodyPr>
         <a:lstStyle/>
         <a:p>
-          <a:pPr lvl="0" algn="ctr" defTabSz="933450">
+          <a:pPr lvl="0" algn="ctr" defTabSz="1289050">
             <a:lnSpc>
               <a:spcPct val="90000"/>
             </a:lnSpc>
@@ -12499,15 +14278,15 @@
             </a:spcAft>
           </a:pPr>
           <a:r>
-            <a:rPr lang="it-IT" sz="2100" kern="1200" dirty="0" err="1" smtClean="0"/>
+            <a:rPr lang="it-IT" sz="2900" kern="1200" dirty="0" err="1" smtClean="0"/>
             <a:t>Specflow</a:t>
           </a:r>
-          <a:endParaRPr lang="it-IT" sz="2100" kern="1200" dirty="0"/>
+          <a:endParaRPr lang="it-IT" sz="2900" kern="1200" dirty="0"/>
         </a:p>
       </dsp:txBody>
       <dsp:txXfrm>
-        <a:off x="6639631" y="1576571"/>
-        <a:ext cx="3317383" cy="351338"/>
+        <a:off x="6639631" y="2188550"/>
+        <a:ext cx="3317383" cy="487717"/>
       </dsp:txXfrm>
     </dsp:sp>
     <dsp:sp modelId="{CA7E9E6B-86BA-4567-94A4-341370B2FA56}">
@@ -12517,8 +14296,8 @@
       </dsp:nvSpPr>
       <dsp:spPr>
         <a:xfrm rot="10800000">
-          <a:off x="0" y="546"/>
-          <a:ext cx="9961880" cy="1175044"/>
+          <a:off x="0" y="758"/>
+          <a:ext cx="9961880" cy="1631162"/>
         </a:xfrm>
         <a:prstGeom prst="upArrowCallout">
           <a:avLst/>
@@ -12598,12 +14377,12 @@
         </a:fontRef>
       </dsp:style>
       <dsp:txBody>
-        <a:bodyPr spcFirstLastPara="0" vert="horz" wrap="square" lIns="99568" tIns="99568" rIns="99568" bIns="99568" numCol="1" spcCol="1270" anchor="ctr" anchorCtr="0">
+        <a:bodyPr spcFirstLastPara="0" vert="horz" wrap="square" lIns="142240" tIns="142240" rIns="142240" bIns="142240" numCol="1" spcCol="1270" anchor="ctr" anchorCtr="0">
           <a:noAutofit/>
         </a:bodyPr>
         <a:lstStyle/>
         <a:p>
-          <a:pPr lvl="0" algn="ctr" defTabSz="622300">
+          <a:pPr lvl="0" algn="ctr" defTabSz="889000">
             <a:lnSpc>
               <a:spcPct val="90000"/>
             </a:lnSpc>
@@ -12615,15 +14394,15 @@
             </a:spcAft>
           </a:pPr>
           <a:r>
-            <a:rPr lang="it-IT" sz="1400" kern="1200" dirty="0" smtClean="0"/>
+            <a:rPr lang="it-IT" sz="2000" kern="1200" dirty="0" smtClean="0"/>
             <a:t>Test di accettazione</a:t>
           </a:r>
-          <a:endParaRPr lang="it-IT" sz="1400" kern="1200" dirty="0"/>
+          <a:endParaRPr lang="it-IT" sz="2000" kern="1200" dirty="0"/>
         </a:p>
       </dsp:txBody>
       <dsp:txXfrm rot="-10800000">
-        <a:off x="0" y="546"/>
-        <a:ext cx="9961880" cy="412440"/>
+        <a:off x="0" y="758"/>
+        <a:ext cx="9961880" cy="572538"/>
       </dsp:txXfrm>
     </dsp:sp>
     <dsp:sp modelId="{D45FE1A8-B0DD-4BB0-A61A-750F3B44491F}">
@@ -12633,8 +14412,8 @@
       </dsp:nvSpPr>
       <dsp:spPr>
         <a:xfrm>
-          <a:off x="0" y="412987"/>
-          <a:ext cx="9961880" cy="351338"/>
+          <a:off x="0" y="573296"/>
+          <a:ext cx="9961880" cy="487717"/>
         </a:xfrm>
         <a:prstGeom prst="rect">
           <a:avLst/>
@@ -12668,12 +14447,12 @@
         <a:fontRef idx="minor"/>
       </dsp:style>
       <dsp:txBody>
-        <a:bodyPr spcFirstLastPara="0" vert="horz" wrap="square" lIns="149352" tIns="26670" rIns="149352" bIns="26670" numCol="1" spcCol="1270" anchor="ctr" anchorCtr="0">
+        <a:bodyPr spcFirstLastPara="0" vert="horz" wrap="square" lIns="206248" tIns="36830" rIns="206248" bIns="36830" numCol="1" spcCol="1270" anchor="ctr" anchorCtr="0">
           <a:noAutofit/>
         </a:bodyPr>
         <a:lstStyle/>
         <a:p>
-          <a:pPr lvl="0" algn="ctr" defTabSz="933450">
+          <a:pPr lvl="0" algn="ctr" defTabSz="1289050">
             <a:lnSpc>
               <a:spcPct val="90000"/>
             </a:lnSpc>
@@ -12685,22 +14464,22 @@
             </a:spcAft>
           </a:pPr>
           <a:r>
-            <a:rPr lang="it-IT" sz="2100" kern="1200" dirty="0" err="1" smtClean="0"/>
+            <a:rPr lang="it-IT" sz="2900" kern="1200" dirty="0" err="1" smtClean="0"/>
             <a:t>Gherkin</a:t>
           </a:r>
-          <a:endParaRPr lang="it-IT" sz="2100" kern="1200" dirty="0"/>
+          <a:endParaRPr lang="it-IT" sz="2900" kern="1200" dirty="0"/>
         </a:p>
       </dsp:txBody>
       <dsp:txXfrm>
-        <a:off x="0" y="412987"/>
-        <a:ext cx="9961880" cy="351338"/>
+        <a:off x="0" y="573296"/>
+        <a:ext cx="9961880" cy="487717"/>
       </dsp:txXfrm>
     </dsp:sp>
   </dsp:spTree>
 </dsp:drawing>
 </file>
 
-<file path=ppt/diagrams/drawing7.xml><?xml version="1.0" encoding="utf-8"?>
+<file path=ppt/diagrams/drawing8.xml><?xml version="1.0" encoding="utf-8"?>
 <dsp:drawing xmlns:dgm="http://schemas.openxmlformats.org/drawingml/2006/diagram" xmlns:dsp="http://schemas.microsoft.com/office/drawing/2008/diagram" xmlns:a="http://schemas.openxmlformats.org/drawingml/2006/main">
   <dsp:spTree>
     <dsp:nvGrpSpPr>
@@ -14574,6 +16353,239 @@
 </file>
 
 <file path=ppt/diagrams/layout6.xml><?xml version="1.0" encoding="utf-8"?>
+<dgm:layoutDef xmlns:dgm="http://schemas.openxmlformats.org/drawingml/2006/diagram" xmlns:a="http://schemas.openxmlformats.org/drawingml/2006/main" uniqueId="urn:microsoft.com/office/officeart/2005/8/layout/vList5">
+  <dgm:title val=""/>
+  <dgm:desc val=""/>
+  <dgm:catLst>
+    <dgm:cat type="list" pri="15000"/>
+    <dgm:cat type="convert" pri="2000"/>
+  </dgm:catLst>
+  <dgm:sampData>
+    <dgm:dataModel>
+      <dgm:ptLst>
+        <dgm:pt modelId="0" type="doc"/>
+        <dgm:pt modelId="1">
+          <dgm:prSet phldr="1"/>
+        </dgm:pt>
+        <dgm:pt modelId="11">
+          <dgm:prSet phldr="1"/>
+        </dgm:pt>
+        <dgm:pt modelId="12">
+          <dgm:prSet phldr="1"/>
+        </dgm:pt>
+        <dgm:pt modelId="2">
+          <dgm:prSet phldr="1"/>
+        </dgm:pt>
+        <dgm:pt modelId="21">
+          <dgm:prSet phldr="1"/>
+        </dgm:pt>
+        <dgm:pt modelId="22">
+          <dgm:prSet phldr="1"/>
+        </dgm:pt>
+        <dgm:pt modelId="3">
+          <dgm:prSet phldr="1"/>
+        </dgm:pt>
+        <dgm:pt modelId="31">
+          <dgm:prSet phldr="1"/>
+        </dgm:pt>
+        <dgm:pt modelId="32">
+          <dgm:prSet phldr="1"/>
+        </dgm:pt>
+      </dgm:ptLst>
+      <dgm:cxnLst>
+        <dgm:cxn modelId="4" srcId="0" destId="1" srcOrd="0" destOrd="0"/>
+        <dgm:cxn modelId="5" srcId="0" destId="2" srcOrd="1" destOrd="0"/>
+        <dgm:cxn modelId="6" srcId="0" destId="3" srcOrd="2" destOrd="0"/>
+        <dgm:cxn modelId="13" srcId="1" destId="11" srcOrd="0" destOrd="0"/>
+        <dgm:cxn modelId="14" srcId="1" destId="12" srcOrd="1" destOrd="0"/>
+        <dgm:cxn modelId="23" srcId="2" destId="21" srcOrd="0" destOrd="0"/>
+        <dgm:cxn modelId="24" srcId="2" destId="22" srcOrd="1" destOrd="0"/>
+        <dgm:cxn modelId="33" srcId="3" destId="31" srcOrd="0" destOrd="0"/>
+        <dgm:cxn modelId="34" srcId="3" destId="32" srcOrd="1" destOrd="0"/>
+      </dgm:cxnLst>
+      <dgm:bg/>
+      <dgm:whole/>
+    </dgm:dataModel>
+  </dgm:sampData>
+  <dgm:styleData>
+    <dgm:dataModel>
+      <dgm:ptLst>
+        <dgm:pt modelId="0" type="doc"/>
+        <dgm:pt modelId="1"/>
+        <dgm:pt modelId="11"/>
+        <dgm:pt modelId="2"/>
+        <dgm:pt modelId="21"/>
+      </dgm:ptLst>
+      <dgm:cxnLst>
+        <dgm:cxn modelId="4" srcId="0" destId="1" srcOrd="0" destOrd="0"/>
+        <dgm:cxn modelId="5" srcId="0" destId="2" srcOrd="1" destOrd="0"/>
+        <dgm:cxn modelId="13" srcId="1" destId="11" srcOrd="0" destOrd="0"/>
+        <dgm:cxn modelId="23" srcId="2" destId="21" srcOrd="0" destOrd="0"/>
+      </dgm:cxnLst>
+      <dgm:bg/>
+      <dgm:whole/>
+    </dgm:dataModel>
+  </dgm:styleData>
+  <dgm:clrData>
+    <dgm:dataModel>
+      <dgm:ptLst>
+        <dgm:pt modelId="0" type="doc"/>
+        <dgm:pt modelId="1"/>
+        <dgm:pt modelId="11"/>
+        <dgm:pt modelId="2"/>
+        <dgm:pt modelId="21"/>
+        <dgm:pt modelId="3"/>
+        <dgm:pt modelId="31"/>
+        <dgm:pt modelId="4"/>
+        <dgm:pt modelId="41"/>
+      </dgm:ptLst>
+      <dgm:cxnLst>
+        <dgm:cxn modelId="5" srcId="0" destId="1" srcOrd="0" destOrd="0"/>
+        <dgm:cxn modelId="6" srcId="0" destId="2" srcOrd="1" destOrd="0"/>
+        <dgm:cxn modelId="7" srcId="0" destId="3" srcOrd="2" destOrd="0"/>
+        <dgm:cxn modelId="8" srcId="0" destId="4" srcOrd="3" destOrd="0"/>
+        <dgm:cxn modelId="13" srcId="1" destId="11" srcOrd="0" destOrd="0"/>
+        <dgm:cxn modelId="23" srcId="2" destId="21" srcOrd="0" destOrd="0"/>
+        <dgm:cxn modelId="33" srcId="3" destId="31" srcOrd="0" destOrd="0"/>
+        <dgm:cxn modelId="43" srcId="4" destId="41" srcOrd="0" destOrd="0"/>
+      </dgm:cxnLst>
+      <dgm:bg/>
+      <dgm:whole/>
+    </dgm:dataModel>
+  </dgm:clrData>
+  <dgm:layoutNode name="Name0">
+    <dgm:varLst>
+      <dgm:dir/>
+      <dgm:animLvl val="lvl"/>
+      <dgm:resizeHandles val="exact"/>
+    </dgm:varLst>
+    <dgm:choose name="Name1">
+      <dgm:if name="Name2" func="var" arg="dir" op="equ" val="norm">
+        <dgm:alg type="lin">
+          <dgm:param type="linDir" val="fromT"/>
+          <dgm:param type="nodeHorzAlign" val="l"/>
+        </dgm:alg>
+      </dgm:if>
+      <dgm:else name="Name3">
+        <dgm:alg type="lin">
+          <dgm:param type="linDir" val="fromT"/>
+          <dgm:param type="nodeHorzAlign" val="r"/>
+        </dgm:alg>
+      </dgm:else>
+    </dgm:choose>
+    <dgm:shape xmlns:r="http://schemas.openxmlformats.org/officeDocument/2006/relationships" r:blip="">
+      <dgm:adjLst/>
+    </dgm:shape>
+    <dgm:presOf/>
+    <dgm:constrLst>
+      <dgm:constr type="h" for="ch" forName="linNode" refType="h"/>
+      <dgm:constr type="w" for="ch" forName="linNode" refType="w"/>
+      <dgm:constr type="h" for="ch" forName="sp" refType="h" fact="0.05"/>
+      <dgm:constr type="primFontSz" for="des" forName="parentText" op="equ" val="65"/>
+      <dgm:constr type="secFontSz" for="des" forName="descendantText" op="equ"/>
+    </dgm:constrLst>
+    <dgm:ruleLst/>
+    <dgm:forEach name="Name4" axis="ch" ptType="node">
+      <dgm:layoutNode name="linNode">
+        <dgm:choose name="Name5">
+          <dgm:if name="Name6" func="var" arg="dir" op="equ" val="norm">
+            <dgm:alg type="lin">
+              <dgm:param type="linDir" val="fromL"/>
+            </dgm:alg>
+          </dgm:if>
+          <dgm:else name="Name7">
+            <dgm:alg type="lin">
+              <dgm:param type="linDir" val="fromR"/>
+            </dgm:alg>
+          </dgm:else>
+        </dgm:choose>
+        <dgm:shape xmlns:r="http://schemas.openxmlformats.org/officeDocument/2006/relationships" r:blip="">
+          <dgm:adjLst/>
+        </dgm:shape>
+        <dgm:presOf/>
+        <dgm:constrLst>
+          <dgm:constr type="w" for="ch" forName="parentText" refType="w" fact="0.36"/>
+          <dgm:constr type="w" for="ch" forName="descendantText" refType="w" fact="0.64"/>
+          <dgm:constr type="h" for="ch" forName="parentText" refType="h"/>
+          <dgm:constr type="h" for="ch" forName="descendantText" refType="h" refFor="ch" refForName="parentText" fact="0.8"/>
+        </dgm:constrLst>
+        <dgm:ruleLst/>
+        <dgm:layoutNode name="parentText">
+          <dgm:varLst>
+            <dgm:chMax val="1"/>
+            <dgm:bulletEnabled val="1"/>
+          </dgm:varLst>
+          <dgm:alg type="tx"/>
+          <dgm:shape xmlns:r="http://schemas.openxmlformats.org/officeDocument/2006/relationships" type="roundRect" r:blip="" zOrderOff="3">
+            <dgm:adjLst/>
+          </dgm:shape>
+          <dgm:presOf axis="self" ptType="node"/>
+          <dgm:constrLst>
+            <dgm:constr type="tMarg" refType="primFontSz" fact="0.15"/>
+            <dgm:constr type="bMarg" refType="primFontSz" fact="0.15"/>
+            <dgm:constr type="lMarg" refType="primFontSz" fact="0.3"/>
+            <dgm:constr type="rMarg" refType="primFontSz" fact="0.3"/>
+          </dgm:constrLst>
+          <dgm:ruleLst>
+            <dgm:rule type="primFontSz" val="5" fact="NaN" max="NaN"/>
+          </dgm:ruleLst>
+        </dgm:layoutNode>
+        <dgm:choose name="Name8">
+          <dgm:if name="Name9" axis="ch" ptType="node" func="cnt" op="gte" val="1">
+            <dgm:layoutNode name="descendantText" styleLbl="alignAccFollowNode1">
+              <dgm:varLst>
+                <dgm:bulletEnabled val="1"/>
+              </dgm:varLst>
+              <dgm:alg type="tx">
+                <dgm:param type="stBulletLvl" val="1"/>
+                <dgm:param type="txAnchorVertCh" val="mid"/>
+              </dgm:alg>
+              <dgm:choose name="Name10">
+                <dgm:if name="Name11" func="var" arg="dir" op="equ" val="norm">
+                  <dgm:shape xmlns:r="http://schemas.openxmlformats.org/officeDocument/2006/relationships" rot="90" type="round2SameRect" r:blip="">
+                    <dgm:adjLst/>
+                  </dgm:shape>
+                </dgm:if>
+                <dgm:else name="Name12">
+                  <dgm:shape xmlns:r="http://schemas.openxmlformats.org/officeDocument/2006/relationships" rot="-90" type="round2SameRect" r:blip="">
+                    <dgm:adjLst/>
+                  </dgm:shape>
+                </dgm:else>
+              </dgm:choose>
+              <dgm:presOf axis="des" ptType="node"/>
+              <dgm:constrLst>
+                <dgm:constr type="secFontSz" val="65"/>
+                <dgm:constr type="primFontSz" refType="secFontSz"/>
+                <dgm:constr type="lMarg" refType="secFontSz" fact="0.3"/>
+                <dgm:constr type="rMarg" refType="secFontSz" fact="0.3"/>
+                <dgm:constr type="tMarg" refType="secFontSz" fact="0.15"/>
+                <dgm:constr type="bMarg" refType="secFontSz" fact="0.15"/>
+              </dgm:constrLst>
+              <dgm:ruleLst>
+                <dgm:rule type="secFontSz" val="5" fact="NaN" max="NaN"/>
+              </dgm:ruleLst>
+            </dgm:layoutNode>
+          </dgm:if>
+          <dgm:else name="Name13"/>
+        </dgm:choose>
+      </dgm:layoutNode>
+      <dgm:forEach name="Name14" axis="followSib" ptType="sibTrans" cnt="1">
+        <dgm:layoutNode name="sp">
+          <dgm:alg type="sp"/>
+          <dgm:shape xmlns:r="http://schemas.openxmlformats.org/officeDocument/2006/relationships" r:blip="">
+            <dgm:adjLst/>
+          </dgm:shape>
+          <dgm:presOf/>
+          <dgm:constrLst/>
+          <dgm:ruleLst/>
+        </dgm:layoutNode>
+      </dgm:forEach>
+    </dgm:forEach>
+  </dgm:layoutNode>
+</dgm:layoutDef>
+</file>
+
+<file path=ppt/diagrams/layout7.xml><?xml version="1.0" encoding="utf-8"?>
 <dgm:layoutDef xmlns:dgm="http://schemas.openxmlformats.org/drawingml/2006/diagram" xmlns:a="http://schemas.openxmlformats.org/drawingml/2006/main" uniqueId="urn:microsoft.com/office/officeart/2005/8/layout/process4">
   <dgm:title val=""/>
   <dgm:desc val=""/>
@@ -14926,7 +16938,7 @@
 </dgm:layoutDef>
 </file>
 
-<file path=ppt/diagrams/layout7.xml><?xml version="1.0" encoding="utf-8"?>
+<file path=ppt/diagrams/layout8.xml><?xml version="1.0" encoding="utf-8"?>
 <dgm:layoutDef xmlns:dgm="http://schemas.openxmlformats.org/drawingml/2006/diagram" xmlns:a="http://schemas.openxmlformats.org/drawingml/2006/main" uniqueId="urn:microsoft.com/office/officeart/2005/8/layout/process4">
   <dgm:title val=""/>
   <dgm:desc val=""/>
@@ -20450,6 +22462,1040 @@
 </file>
 
 <file path=ppt/diagrams/quickStyle6.xml><?xml version="1.0" encoding="utf-8"?>
+<dgm:styleDef xmlns:dgm="http://schemas.openxmlformats.org/drawingml/2006/diagram" xmlns:a="http://schemas.openxmlformats.org/drawingml/2006/main" uniqueId="urn:microsoft.com/office/officeart/2005/8/quickstyle/simple1">
+  <dgm:title val=""/>
+  <dgm:desc val=""/>
+  <dgm:catLst>
+    <dgm:cat type="simple" pri="10100"/>
+  </dgm:catLst>
+  <dgm:scene3d>
+    <a:camera prst="orthographicFront"/>
+    <a:lightRig rig="threePt" dir="t"/>
+  </dgm:scene3d>
+  <dgm:styleLbl name="node0">
+    <dgm:scene3d>
+      <a:camera prst="orthographicFront"/>
+      <a:lightRig rig="threePt" dir="t"/>
+    </dgm:scene3d>
+    <dgm:sp3d/>
+    <dgm:txPr/>
+    <dgm:style>
+      <a:lnRef idx="2">
+        <a:scrgbClr r="0" g="0" b="0"/>
+      </a:lnRef>
+      <a:fillRef idx="1">
+        <a:scrgbClr r="0" g="0" b="0"/>
+      </a:fillRef>
+      <a:effectRef idx="0">
+        <a:scrgbClr r="0" g="0" b="0"/>
+      </a:effectRef>
+      <a:fontRef idx="minor">
+        <a:schemeClr val="lt1"/>
+      </a:fontRef>
+    </dgm:style>
+  </dgm:styleLbl>
+  <dgm:styleLbl name="lnNode1">
+    <dgm:scene3d>
+      <a:camera prst="orthographicFront"/>
+      <a:lightRig rig="threePt" dir="t"/>
+    </dgm:scene3d>
+    <dgm:sp3d/>
+    <dgm:txPr/>
+    <dgm:style>
+      <a:lnRef idx="2">
+        <a:scrgbClr r="0" g="0" b="0"/>
+      </a:lnRef>
+      <a:fillRef idx="1">
+        <a:scrgbClr r="0" g="0" b="0"/>
+      </a:fillRef>
+      <a:effectRef idx="0">
+        <a:scrgbClr r="0" g="0" b="0"/>
+      </a:effectRef>
+      <a:fontRef idx="minor">
+        <a:schemeClr val="lt1"/>
+      </a:fontRef>
+    </dgm:style>
+  </dgm:styleLbl>
+  <dgm:styleLbl name="vennNode1">
+    <dgm:scene3d>
+      <a:camera prst="orthographicFront"/>
+      <a:lightRig rig="threePt" dir="t"/>
+    </dgm:scene3d>
+    <dgm:sp3d/>
+    <dgm:txPr/>
+    <dgm:style>
+      <a:lnRef idx="2">
+        <a:scrgbClr r="0" g="0" b="0"/>
+      </a:lnRef>
+      <a:fillRef idx="1">
+        <a:scrgbClr r="0" g="0" b="0"/>
+      </a:fillRef>
+      <a:effectRef idx="0">
+        <a:scrgbClr r="0" g="0" b="0"/>
+      </a:effectRef>
+      <a:fontRef idx="minor">
+        <a:schemeClr val="tx1"/>
+      </a:fontRef>
+    </dgm:style>
+  </dgm:styleLbl>
+  <dgm:styleLbl name="alignNode1">
+    <dgm:scene3d>
+      <a:camera prst="orthographicFront"/>
+      <a:lightRig rig="threePt" dir="t"/>
+    </dgm:scene3d>
+    <dgm:sp3d/>
+    <dgm:txPr/>
+    <dgm:style>
+      <a:lnRef idx="2">
+        <a:scrgbClr r="0" g="0" b="0"/>
+      </a:lnRef>
+      <a:fillRef idx="1">
+        <a:scrgbClr r="0" g="0" b="0"/>
+      </a:fillRef>
+      <a:effectRef idx="0">
+        <a:scrgbClr r="0" g="0" b="0"/>
+      </a:effectRef>
+      <a:fontRef idx="minor">
+        <a:schemeClr val="lt1"/>
+      </a:fontRef>
+    </dgm:style>
+  </dgm:styleLbl>
+  <dgm:styleLbl name="node1">
+    <dgm:scene3d>
+      <a:camera prst="orthographicFront"/>
+      <a:lightRig rig="threePt" dir="t"/>
+    </dgm:scene3d>
+    <dgm:sp3d/>
+    <dgm:txPr/>
+    <dgm:style>
+      <a:lnRef idx="2">
+        <a:scrgbClr r="0" g="0" b="0"/>
+      </a:lnRef>
+      <a:fillRef idx="1">
+        <a:scrgbClr r="0" g="0" b="0"/>
+      </a:fillRef>
+      <a:effectRef idx="0">
+        <a:scrgbClr r="0" g="0" b="0"/>
+      </a:effectRef>
+      <a:fontRef idx="minor">
+        <a:schemeClr val="lt1"/>
+      </a:fontRef>
+    </dgm:style>
+  </dgm:styleLbl>
+  <dgm:styleLbl name="node2">
+    <dgm:scene3d>
+      <a:camera prst="orthographicFront"/>
+      <a:lightRig rig="threePt" dir="t"/>
+    </dgm:scene3d>
+    <dgm:sp3d/>
+    <dgm:txPr/>
+    <dgm:style>
+      <a:lnRef idx="2">
+        <a:scrgbClr r="0" g="0" b="0"/>
+      </a:lnRef>
+      <a:fillRef idx="1">
+        <a:scrgbClr r="0" g="0" b="0"/>
+      </a:fillRef>
+      <a:effectRef idx="0">
+        <a:scrgbClr r="0" g="0" b="0"/>
+      </a:effectRef>
+      <a:fontRef idx="minor">
+        <a:schemeClr val="lt1"/>
+      </a:fontRef>
+    </dgm:style>
+  </dgm:styleLbl>
+  <dgm:styleLbl name="node3">
+    <dgm:scene3d>
+      <a:camera prst="orthographicFront"/>
+      <a:lightRig rig="threePt" dir="t"/>
+    </dgm:scene3d>
+    <dgm:sp3d/>
+    <dgm:txPr/>
+    <dgm:style>
+      <a:lnRef idx="2">
+        <a:scrgbClr r="0" g="0" b="0"/>
+      </a:lnRef>
+      <a:fillRef idx="1">
+        <a:scrgbClr r="0" g="0" b="0"/>
+      </a:fillRef>
+      <a:effectRef idx="0">
+        <a:scrgbClr r="0" g="0" b="0"/>
+      </a:effectRef>
+      <a:fontRef idx="minor">
+        <a:schemeClr val="lt1"/>
+      </a:fontRef>
+    </dgm:style>
+  </dgm:styleLbl>
+  <dgm:styleLbl name="node4">
+    <dgm:scene3d>
+      <a:camera prst="orthographicFront"/>
+      <a:lightRig rig="threePt" dir="t"/>
+    </dgm:scene3d>
+    <dgm:sp3d/>
+    <dgm:txPr/>
+    <dgm:style>
+      <a:lnRef idx="2">
+        <a:scrgbClr r="0" g="0" b="0"/>
+      </a:lnRef>
+      <a:fillRef idx="1">
+        <a:scrgbClr r="0" g="0" b="0"/>
+      </a:fillRef>
+      <a:effectRef idx="0">
+        <a:scrgbClr r="0" g="0" b="0"/>
+      </a:effectRef>
+      <a:fontRef idx="minor">
+        <a:schemeClr val="lt1"/>
+      </a:fontRef>
+    </dgm:style>
+  </dgm:styleLbl>
+  <dgm:styleLbl name="fgImgPlace1">
+    <dgm:scene3d>
+      <a:camera prst="orthographicFront"/>
+      <a:lightRig rig="threePt" dir="t"/>
+    </dgm:scene3d>
+    <dgm:sp3d/>
+    <dgm:txPr/>
+    <dgm:style>
+      <a:lnRef idx="2">
+        <a:scrgbClr r="0" g="0" b="0"/>
+      </a:lnRef>
+      <a:fillRef idx="1">
+        <a:scrgbClr r="0" g="0" b="0"/>
+      </a:fillRef>
+      <a:effectRef idx="0">
+        <a:scrgbClr r="0" g="0" b="0"/>
+      </a:effectRef>
+      <a:fontRef idx="minor"/>
+    </dgm:style>
+  </dgm:styleLbl>
+  <dgm:styleLbl name="alignImgPlace1">
+    <dgm:scene3d>
+      <a:camera prst="orthographicFront"/>
+      <a:lightRig rig="threePt" dir="t"/>
+    </dgm:scene3d>
+    <dgm:sp3d/>
+    <dgm:txPr/>
+    <dgm:style>
+      <a:lnRef idx="2">
+        <a:scrgbClr r="0" g="0" b="0"/>
+      </a:lnRef>
+      <a:fillRef idx="1">
+        <a:scrgbClr r="0" g="0" b="0"/>
+      </a:fillRef>
+      <a:effectRef idx="0">
+        <a:scrgbClr r="0" g="0" b="0"/>
+      </a:effectRef>
+      <a:fontRef idx="minor"/>
+    </dgm:style>
+  </dgm:styleLbl>
+  <dgm:styleLbl name="bgImgPlace1">
+    <dgm:scene3d>
+      <a:camera prst="orthographicFront"/>
+      <a:lightRig rig="threePt" dir="t"/>
+    </dgm:scene3d>
+    <dgm:sp3d/>
+    <dgm:txPr/>
+    <dgm:style>
+      <a:lnRef idx="2">
+        <a:scrgbClr r="0" g="0" b="0"/>
+      </a:lnRef>
+      <a:fillRef idx="1">
+        <a:scrgbClr r="0" g="0" b="0"/>
+      </a:fillRef>
+      <a:effectRef idx="0">
+        <a:scrgbClr r="0" g="0" b="0"/>
+      </a:effectRef>
+      <a:fontRef idx="minor"/>
+    </dgm:style>
+  </dgm:styleLbl>
+  <dgm:styleLbl name="sibTrans2D1">
+    <dgm:scene3d>
+      <a:camera prst="orthographicFront"/>
+      <a:lightRig rig="threePt" dir="t"/>
+    </dgm:scene3d>
+    <dgm:sp3d/>
+    <dgm:txPr/>
+    <dgm:style>
+      <a:lnRef idx="0">
+        <a:scrgbClr r="0" g="0" b="0"/>
+      </a:lnRef>
+      <a:fillRef idx="1">
+        <a:scrgbClr r="0" g="0" b="0"/>
+      </a:fillRef>
+      <a:effectRef idx="0">
+        <a:scrgbClr r="0" g="0" b="0"/>
+      </a:effectRef>
+      <a:fontRef idx="minor">
+        <a:schemeClr val="lt1"/>
+      </a:fontRef>
+    </dgm:style>
+  </dgm:styleLbl>
+  <dgm:styleLbl name="fgSibTrans2D1">
+    <dgm:scene3d>
+      <a:camera prst="orthographicFront"/>
+      <a:lightRig rig="threePt" dir="t"/>
+    </dgm:scene3d>
+    <dgm:sp3d/>
+    <dgm:txPr/>
+    <dgm:style>
+      <a:lnRef idx="0">
+        <a:scrgbClr r="0" g="0" b="0"/>
+      </a:lnRef>
+      <a:fillRef idx="1">
+        <a:scrgbClr r="0" g="0" b="0"/>
+      </a:fillRef>
+      <a:effectRef idx="0">
+        <a:scrgbClr r="0" g="0" b="0"/>
+      </a:effectRef>
+      <a:fontRef idx="minor">
+        <a:schemeClr val="lt1"/>
+      </a:fontRef>
+    </dgm:style>
+  </dgm:styleLbl>
+  <dgm:styleLbl name="bgSibTrans2D1">
+    <dgm:scene3d>
+      <a:camera prst="orthographicFront"/>
+      <a:lightRig rig="threePt" dir="t"/>
+    </dgm:scene3d>
+    <dgm:sp3d/>
+    <dgm:txPr/>
+    <dgm:style>
+      <a:lnRef idx="0">
+        <a:scrgbClr r="0" g="0" b="0"/>
+      </a:lnRef>
+      <a:fillRef idx="1">
+        <a:scrgbClr r="0" g="0" b="0"/>
+      </a:fillRef>
+      <a:effectRef idx="0">
+        <a:scrgbClr r="0" g="0" b="0"/>
+      </a:effectRef>
+      <a:fontRef idx="minor">
+        <a:schemeClr val="lt1"/>
+      </a:fontRef>
+    </dgm:style>
+  </dgm:styleLbl>
+  <dgm:styleLbl name="sibTrans1D1">
+    <dgm:scene3d>
+      <a:camera prst="orthographicFront"/>
+      <a:lightRig rig="threePt" dir="t"/>
+    </dgm:scene3d>
+    <dgm:sp3d/>
+    <dgm:txPr/>
+    <dgm:style>
+      <a:lnRef idx="1">
+        <a:scrgbClr r="0" g="0" b="0"/>
+      </a:lnRef>
+      <a:fillRef idx="0">
+        <a:scrgbClr r="0" g="0" b="0"/>
+      </a:fillRef>
+      <a:effectRef idx="0">
+        <a:scrgbClr r="0" g="0" b="0"/>
+      </a:effectRef>
+      <a:fontRef idx="minor"/>
+    </dgm:style>
+  </dgm:styleLbl>
+  <dgm:styleLbl name="callout">
+    <dgm:scene3d>
+      <a:camera prst="orthographicFront"/>
+      <a:lightRig rig="threePt" dir="t"/>
+    </dgm:scene3d>
+    <dgm:sp3d/>
+    <dgm:txPr/>
+    <dgm:style>
+      <a:lnRef idx="2">
+        <a:scrgbClr r="0" g="0" b="0"/>
+      </a:lnRef>
+      <a:fillRef idx="1">
+        <a:scrgbClr r="0" g="0" b="0"/>
+      </a:fillRef>
+      <a:effectRef idx="0">
+        <a:scrgbClr r="0" g="0" b="0"/>
+      </a:effectRef>
+      <a:fontRef idx="minor"/>
+    </dgm:style>
+  </dgm:styleLbl>
+  <dgm:styleLbl name="asst0">
+    <dgm:scene3d>
+      <a:camera prst="orthographicFront"/>
+      <a:lightRig rig="threePt" dir="t"/>
+    </dgm:scene3d>
+    <dgm:sp3d/>
+    <dgm:txPr/>
+    <dgm:style>
+      <a:lnRef idx="2">
+        <a:scrgbClr r="0" g="0" b="0"/>
+      </a:lnRef>
+      <a:fillRef idx="1">
+        <a:scrgbClr r="0" g="0" b="0"/>
+      </a:fillRef>
+      <a:effectRef idx="0">
+        <a:scrgbClr r="0" g="0" b="0"/>
+      </a:effectRef>
+      <a:fontRef idx="minor">
+        <a:schemeClr val="lt1"/>
+      </a:fontRef>
+    </dgm:style>
+  </dgm:styleLbl>
+  <dgm:styleLbl name="asst1">
+    <dgm:scene3d>
+      <a:camera prst="orthographicFront"/>
+      <a:lightRig rig="threePt" dir="t"/>
+    </dgm:scene3d>
+    <dgm:sp3d/>
+    <dgm:txPr/>
+    <dgm:style>
+      <a:lnRef idx="2">
+        <a:scrgbClr r="0" g="0" b="0"/>
+      </a:lnRef>
+      <a:fillRef idx="1">
+        <a:scrgbClr r="0" g="0" b="0"/>
+      </a:fillRef>
+      <a:effectRef idx="0">
+        <a:scrgbClr r="0" g="0" b="0"/>
+      </a:effectRef>
+      <a:fontRef idx="minor">
+        <a:schemeClr val="lt1"/>
+      </a:fontRef>
+    </dgm:style>
+  </dgm:styleLbl>
+  <dgm:styleLbl name="asst2">
+    <dgm:scene3d>
+      <a:camera prst="orthographicFront"/>
+      <a:lightRig rig="threePt" dir="t"/>
+    </dgm:scene3d>
+    <dgm:sp3d/>
+    <dgm:txPr/>
+    <dgm:style>
+      <a:lnRef idx="2">
+        <a:scrgbClr r="0" g="0" b="0"/>
+      </a:lnRef>
+      <a:fillRef idx="1">
+        <a:scrgbClr r="0" g="0" b="0"/>
+      </a:fillRef>
+      <a:effectRef idx="0">
+        <a:scrgbClr r="0" g="0" b="0"/>
+      </a:effectRef>
+      <a:fontRef idx="minor">
+        <a:schemeClr val="lt1"/>
+      </a:fontRef>
+    </dgm:style>
+  </dgm:styleLbl>
+  <dgm:styleLbl name="asst3">
+    <dgm:scene3d>
+      <a:camera prst="orthographicFront"/>
+      <a:lightRig rig="threePt" dir="t"/>
+    </dgm:scene3d>
+    <dgm:sp3d/>
+    <dgm:txPr/>
+    <dgm:style>
+      <a:lnRef idx="2">
+        <a:scrgbClr r="0" g="0" b="0"/>
+      </a:lnRef>
+      <a:fillRef idx="1">
+        <a:scrgbClr r="0" g="0" b="0"/>
+      </a:fillRef>
+      <a:effectRef idx="0">
+        <a:scrgbClr r="0" g="0" b="0"/>
+      </a:effectRef>
+      <a:fontRef idx="minor">
+        <a:schemeClr val="lt1"/>
+      </a:fontRef>
+    </dgm:style>
+  </dgm:styleLbl>
+  <dgm:styleLbl name="asst4">
+    <dgm:scene3d>
+      <a:camera prst="orthographicFront"/>
+      <a:lightRig rig="threePt" dir="t"/>
+    </dgm:scene3d>
+    <dgm:sp3d/>
+    <dgm:txPr/>
+    <dgm:style>
+      <a:lnRef idx="2">
+        <a:scrgbClr r="0" g="0" b="0"/>
+      </a:lnRef>
+      <a:fillRef idx="1">
+        <a:scrgbClr r="0" g="0" b="0"/>
+      </a:fillRef>
+      <a:effectRef idx="0">
+        <a:scrgbClr r="0" g="0" b="0"/>
+      </a:effectRef>
+      <a:fontRef idx="minor">
+        <a:schemeClr val="lt1"/>
+      </a:fontRef>
+    </dgm:style>
+  </dgm:styleLbl>
+  <dgm:styleLbl name="parChTrans2D1">
+    <dgm:scene3d>
+      <a:camera prst="orthographicFront"/>
+      <a:lightRig rig="threePt" dir="t"/>
+    </dgm:scene3d>
+    <dgm:sp3d/>
+    <dgm:txPr/>
+    <dgm:style>
+      <a:lnRef idx="2">
+        <a:scrgbClr r="0" g="0" b="0"/>
+      </a:lnRef>
+      <a:fillRef idx="1">
+        <a:scrgbClr r="0" g="0" b="0"/>
+      </a:fillRef>
+      <a:effectRef idx="0">
+        <a:scrgbClr r="0" g="0" b="0"/>
+      </a:effectRef>
+      <a:fontRef idx="minor">
+        <a:schemeClr val="lt1"/>
+      </a:fontRef>
+    </dgm:style>
+  </dgm:styleLbl>
+  <dgm:styleLbl name="parChTrans2D2">
+    <dgm:scene3d>
+      <a:camera prst="orthographicFront"/>
+      <a:lightRig rig="threePt" dir="t"/>
+    </dgm:scene3d>
+    <dgm:sp3d/>
+    <dgm:txPr/>
+    <dgm:style>
+      <a:lnRef idx="2">
+        <a:scrgbClr r="0" g="0" b="0"/>
+      </a:lnRef>
+      <a:fillRef idx="1">
+        <a:scrgbClr r="0" g="0" b="0"/>
+      </a:fillRef>
+      <a:effectRef idx="0">
+        <a:scrgbClr r="0" g="0" b="0"/>
+      </a:effectRef>
+      <a:fontRef idx="minor">
+        <a:schemeClr val="lt1"/>
+      </a:fontRef>
+    </dgm:style>
+  </dgm:styleLbl>
+  <dgm:styleLbl name="parChTrans2D3">
+    <dgm:scene3d>
+      <a:camera prst="orthographicFront"/>
+      <a:lightRig rig="threePt" dir="t"/>
+    </dgm:scene3d>
+    <dgm:sp3d/>
+    <dgm:txPr/>
+    <dgm:style>
+      <a:lnRef idx="2">
+        <a:scrgbClr r="0" g="0" b="0"/>
+      </a:lnRef>
+      <a:fillRef idx="1">
+        <a:scrgbClr r="0" g="0" b="0"/>
+      </a:fillRef>
+      <a:effectRef idx="0">
+        <a:scrgbClr r="0" g="0" b="0"/>
+      </a:effectRef>
+      <a:fontRef idx="minor">
+        <a:schemeClr val="lt1"/>
+      </a:fontRef>
+    </dgm:style>
+  </dgm:styleLbl>
+  <dgm:styleLbl name="parChTrans2D4">
+    <dgm:scene3d>
+      <a:camera prst="orthographicFront"/>
+      <a:lightRig rig="threePt" dir="t"/>
+    </dgm:scene3d>
+    <dgm:sp3d/>
+    <dgm:txPr/>
+    <dgm:style>
+      <a:lnRef idx="2">
+        <a:scrgbClr r="0" g="0" b="0"/>
+      </a:lnRef>
+      <a:fillRef idx="1">
+        <a:scrgbClr r="0" g="0" b="0"/>
+      </a:fillRef>
+      <a:effectRef idx="0">
+        <a:scrgbClr r="0" g="0" b="0"/>
+      </a:effectRef>
+      <a:fontRef idx="minor">
+        <a:schemeClr val="lt1"/>
+      </a:fontRef>
+    </dgm:style>
+  </dgm:styleLbl>
+  <dgm:styleLbl name="parChTrans1D1">
+    <dgm:scene3d>
+      <a:camera prst="orthographicFront"/>
+      <a:lightRig rig="threePt" dir="t"/>
+    </dgm:scene3d>
+    <dgm:sp3d/>
+    <dgm:txPr/>
+    <dgm:style>
+      <a:lnRef idx="2">
+        <a:scrgbClr r="0" g="0" b="0"/>
+      </a:lnRef>
+      <a:fillRef idx="0">
+        <a:scrgbClr r="0" g="0" b="0"/>
+      </a:fillRef>
+      <a:effectRef idx="0">
+        <a:scrgbClr r="0" g="0" b="0"/>
+      </a:effectRef>
+      <a:fontRef idx="minor"/>
+    </dgm:style>
+  </dgm:styleLbl>
+  <dgm:styleLbl name="parChTrans1D2">
+    <dgm:scene3d>
+      <a:camera prst="orthographicFront"/>
+      <a:lightRig rig="threePt" dir="t"/>
+    </dgm:scene3d>
+    <dgm:sp3d/>
+    <dgm:txPr/>
+    <dgm:style>
+      <a:lnRef idx="2">
+        <a:scrgbClr r="0" g="0" b="0"/>
+      </a:lnRef>
+      <a:fillRef idx="0">
+        <a:scrgbClr r="0" g="0" b="0"/>
+      </a:fillRef>
+      <a:effectRef idx="0">
+        <a:scrgbClr r="0" g="0" b="0"/>
+      </a:effectRef>
+      <a:fontRef idx="minor"/>
+    </dgm:style>
+  </dgm:styleLbl>
+  <dgm:styleLbl name="parChTrans1D3">
+    <dgm:scene3d>
+      <a:camera prst="orthographicFront"/>
+      <a:lightRig rig="threePt" dir="t"/>
+    </dgm:scene3d>
+    <dgm:sp3d/>
+    <dgm:txPr/>
+    <dgm:style>
+      <a:lnRef idx="2">
+        <a:scrgbClr r="0" g="0" b="0"/>
+      </a:lnRef>
+      <a:fillRef idx="0">
+        <a:scrgbClr r="0" g="0" b="0"/>
+      </a:fillRef>
+      <a:effectRef idx="0">
+        <a:scrgbClr r="0" g="0" b="0"/>
+      </a:effectRef>
+      <a:fontRef idx="minor"/>
+    </dgm:style>
+  </dgm:styleLbl>
+  <dgm:styleLbl name="parChTrans1D4">
+    <dgm:scene3d>
+      <a:camera prst="orthographicFront"/>
+      <a:lightRig rig="threePt" dir="t"/>
+    </dgm:scene3d>
+    <dgm:sp3d/>
+    <dgm:txPr/>
+    <dgm:style>
+      <a:lnRef idx="2">
+        <a:scrgbClr r="0" g="0" b="0"/>
+      </a:lnRef>
+      <a:fillRef idx="0">
+        <a:scrgbClr r="0" g="0" b="0"/>
+      </a:fillRef>
+      <a:effectRef idx="0">
+        <a:scrgbClr r="0" g="0" b="0"/>
+      </a:effectRef>
+      <a:fontRef idx="minor"/>
+    </dgm:style>
+  </dgm:styleLbl>
+  <dgm:styleLbl name="fgAcc1">
+    <dgm:scene3d>
+      <a:camera prst="orthographicFront"/>
+      <a:lightRig rig="threePt" dir="t"/>
+    </dgm:scene3d>
+    <dgm:sp3d/>
+    <dgm:txPr/>
+    <dgm:style>
+      <a:lnRef idx="2">
+        <a:scrgbClr r="0" g="0" b="0"/>
+      </a:lnRef>
+      <a:fillRef idx="1">
+        <a:scrgbClr r="0" g="0" b="0"/>
+      </a:fillRef>
+      <a:effectRef idx="0">
+        <a:scrgbClr r="0" g="0" b="0"/>
+      </a:effectRef>
+      <a:fontRef idx="minor"/>
+    </dgm:style>
+  </dgm:styleLbl>
+  <dgm:styleLbl name="conFgAcc1">
+    <dgm:scene3d>
+      <a:camera prst="orthographicFront"/>
+      <a:lightRig rig="threePt" dir="t"/>
+    </dgm:scene3d>
+    <dgm:sp3d/>
+    <dgm:txPr/>
+    <dgm:style>
+      <a:lnRef idx="2">
+        <a:scrgbClr r="0" g="0" b="0"/>
+      </a:lnRef>
+      <a:fillRef idx="1">
+        <a:scrgbClr r="0" g="0" b="0"/>
+      </a:fillRef>
+      <a:effectRef idx="0">
+        <a:scrgbClr r="0" g="0" b="0"/>
+      </a:effectRef>
+      <a:fontRef idx="minor"/>
+    </dgm:style>
+  </dgm:styleLbl>
+  <dgm:styleLbl name="alignAcc1">
+    <dgm:scene3d>
+      <a:camera prst="orthographicFront"/>
+      <a:lightRig rig="threePt" dir="t"/>
+    </dgm:scene3d>
+    <dgm:sp3d/>
+    <dgm:txPr/>
+    <dgm:style>
+      <a:lnRef idx="2">
+        <a:scrgbClr r="0" g="0" b="0"/>
+      </a:lnRef>
+      <a:fillRef idx="1">
+        <a:scrgbClr r="0" g="0" b="0"/>
+      </a:fillRef>
+      <a:effectRef idx="0">
+        <a:scrgbClr r="0" g="0" b="0"/>
+      </a:effectRef>
+      <a:fontRef idx="minor"/>
+    </dgm:style>
+  </dgm:styleLbl>
+  <dgm:styleLbl name="trAlignAcc1">
+    <dgm:scene3d>
+      <a:camera prst="orthographicFront"/>
+      <a:lightRig rig="threePt" dir="t"/>
+    </dgm:scene3d>
+    <dgm:sp3d/>
+    <dgm:txPr/>
+    <dgm:style>
+      <a:lnRef idx="1">
+        <a:scrgbClr r="0" g="0" b="0"/>
+      </a:lnRef>
+      <a:fillRef idx="1">
+        <a:scrgbClr r="0" g="0" b="0"/>
+      </a:fillRef>
+      <a:effectRef idx="0">
+        <a:scrgbClr r="0" g="0" b="0"/>
+      </a:effectRef>
+      <a:fontRef idx="minor"/>
+    </dgm:style>
+  </dgm:styleLbl>
+  <dgm:styleLbl name="bgAcc1">
+    <dgm:scene3d>
+      <a:camera prst="orthographicFront"/>
+      <a:lightRig rig="threePt" dir="t"/>
+    </dgm:scene3d>
+    <dgm:sp3d/>
+    <dgm:txPr/>
+    <dgm:style>
+      <a:lnRef idx="2">
+        <a:scrgbClr r="0" g="0" b="0"/>
+      </a:lnRef>
+      <a:fillRef idx="1">
+        <a:scrgbClr r="0" g="0" b="0"/>
+      </a:fillRef>
+      <a:effectRef idx="0">
+        <a:scrgbClr r="0" g="0" b="0"/>
+      </a:effectRef>
+      <a:fontRef idx="minor"/>
+    </dgm:style>
+  </dgm:styleLbl>
+  <dgm:styleLbl name="solidFgAcc1">
+    <dgm:scene3d>
+      <a:camera prst="orthographicFront"/>
+      <a:lightRig rig="threePt" dir="t"/>
+    </dgm:scene3d>
+    <dgm:sp3d/>
+    <dgm:txPr/>
+    <dgm:style>
+      <a:lnRef idx="2">
+        <a:scrgbClr r="0" g="0" b="0"/>
+      </a:lnRef>
+      <a:fillRef idx="1">
+        <a:scrgbClr r="0" g="0" b="0"/>
+      </a:fillRef>
+      <a:effectRef idx="0">
+        <a:scrgbClr r="0" g="0" b="0"/>
+      </a:effectRef>
+      <a:fontRef idx="minor"/>
+    </dgm:style>
+  </dgm:styleLbl>
+  <dgm:styleLbl name="solidAlignAcc1">
+    <dgm:scene3d>
+      <a:camera prst="orthographicFront"/>
+      <a:lightRig rig="threePt" dir="t"/>
+    </dgm:scene3d>
+    <dgm:sp3d/>
+    <dgm:txPr/>
+    <dgm:style>
+      <a:lnRef idx="2">
+        <a:scrgbClr r="0" g="0" b="0"/>
+      </a:lnRef>
+      <a:fillRef idx="1">
+        <a:scrgbClr r="0" g="0" b="0"/>
+      </a:fillRef>
+      <a:effectRef idx="0">
+        <a:scrgbClr r="0" g="0" b="0"/>
+      </a:effectRef>
+      <a:fontRef idx="minor"/>
+    </dgm:style>
+  </dgm:styleLbl>
+  <dgm:styleLbl name="solidBgAcc1">
+    <dgm:scene3d>
+      <a:camera prst="orthographicFront"/>
+      <a:lightRig rig="threePt" dir="t"/>
+    </dgm:scene3d>
+    <dgm:sp3d/>
+    <dgm:txPr/>
+    <dgm:style>
+      <a:lnRef idx="2">
+        <a:scrgbClr r="0" g="0" b="0"/>
+      </a:lnRef>
+      <a:fillRef idx="1">
+        <a:scrgbClr r="0" g="0" b="0"/>
+      </a:fillRef>
+      <a:effectRef idx="0">
+        <a:scrgbClr r="0" g="0" b="0"/>
+      </a:effectRef>
+      <a:fontRef idx="minor"/>
+    </dgm:style>
+  </dgm:styleLbl>
+  <dgm:styleLbl name="fgAccFollowNode1">
+    <dgm:scene3d>
+      <a:camera prst="orthographicFront"/>
+      <a:lightRig rig="threePt" dir="t"/>
+    </dgm:scene3d>
+    <dgm:sp3d/>
+    <dgm:txPr/>
+    <dgm:style>
+      <a:lnRef idx="2">
+        <a:scrgbClr r="0" g="0" b="0"/>
+      </a:lnRef>
+      <a:fillRef idx="1">
+        <a:scrgbClr r="0" g="0" b="0"/>
+      </a:fillRef>
+      <a:effectRef idx="0">
+        <a:scrgbClr r="0" g="0" b="0"/>
+      </a:effectRef>
+      <a:fontRef idx="minor"/>
+    </dgm:style>
+  </dgm:styleLbl>
+  <dgm:styleLbl name="alignAccFollowNode1">
+    <dgm:scene3d>
+      <a:camera prst="orthographicFront"/>
+      <a:lightRig rig="threePt" dir="t"/>
+    </dgm:scene3d>
+    <dgm:sp3d/>
+    <dgm:txPr/>
+    <dgm:style>
+      <a:lnRef idx="2">
+        <a:scrgbClr r="0" g="0" b="0"/>
+      </a:lnRef>
+      <a:fillRef idx="1">
+        <a:scrgbClr r="0" g="0" b="0"/>
+      </a:fillRef>
+      <a:effectRef idx="0">
+        <a:scrgbClr r="0" g="0" b="0"/>
+      </a:effectRef>
+      <a:fontRef idx="minor"/>
+    </dgm:style>
+  </dgm:styleLbl>
+  <dgm:styleLbl name="bgAccFollowNode1">
+    <dgm:scene3d>
+      <a:camera prst="orthographicFront"/>
+      <a:lightRig rig="threePt" dir="t"/>
+    </dgm:scene3d>
+    <dgm:sp3d/>
+    <dgm:txPr/>
+    <dgm:style>
+      <a:lnRef idx="2">
+        <a:scrgbClr r="0" g="0" b="0"/>
+      </a:lnRef>
+      <a:fillRef idx="1">
+        <a:scrgbClr r="0" g="0" b="0"/>
+      </a:fillRef>
+      <a:effectRef idx="0">
+        <a:scrgbClr r="0" g="0" b="0"/>
+      </a:effectRef>
+      <a:fontRef idx="minor"/>
+    </dgm:style>
+  </dgm:styleLbl>
+  <dgm:styleLbl name="fgAcc0">
+    <dgm:scene3d>
+      <a:camera prst="orthographicFront"/>
+      <a:lightRig rig="threePt" dir="t"/>
+    </dgm:scene3d>
+    <dgm:sp3d/>
+    <dgm:txPr/>
+    <dgm:style>
+      <a:lnRef idx="2">
+        <a:scrgbClr r="0" g="0" b="0"/>
+      </a:lnRef>
+      <a:fillRef idx="1">
+        <a:scrgbClr r="0" g="0" b="0"/>
+      </a:fillRef>
+      <a:effectRef idx="0">
+        <a:scrgbClr r="0" g="0" b="0"/>
+      </a:effectRef>
+      <a:fontRef idx="minor"/>
+    </dgm:style>
+  </dgm:styleLbl>
+  <dgm:styleLbl name="fgAcc2">
+    <dgm:scene3d>
+      <a:camera prst="orthographicFront"/>
+      <a:lightRig rig="threePt" dir="t"/>
+    </dgm:scene3d>
+    <dgm:sp3d/>
+    <dgm:txPr/>
+    <dgm:style>
+      <a:lnRef idx="2">
+        <a:scrgbClr r="0" g="0" b="0"/>
+      </a:lnRef>
+      <a:fillRef idx="1">
+        <a:scrgbClr r="0" g="0" b="0"/>
+      </a:fillRef>
+      <a:effectRef idx="0">
+        <a:scrgbClr r="0" g="0" b="0"/>
+      </a:effectRef>
+      <a:fontRef idx="minor"/>
+    </dgm:style>
+  </dgm:styleLbl>
+  <dgm:styleLbl name="fgAcc3">
+    <dgm:scene3d>
+      <a:camera prst="orthographicFront"/>
+      <a:lightRig rig="threePt" dir="t"/>
+    </dgm:scene3d>
+    <dgm:sp3d/>
+    <dgm:txPr/>
+    <dgm:style>
+      <a:lnRef idx="2">
+        <a:scrgbClr r="0" g="0" b="0"/>
+      </a:lnRef>
+      <a:fillRef idx="1">
+        <a:scrgbClr r="0" g="0" b="0"/>
+      </a:fillRef>
+      <a:effectRef idx="0">
+        <a:scrgbClr r="0" g="0" b="0"/>
+      </a:effectRef>
+      <a:fontRef idx="minor"/>
+    </dgm:style>
+  </dgm:styleLbl>
+  <dgm:styleLbl name="fgAcc4">
+    <dgm:scene3d>
+      <a:camera prst="orthographicFront"/>
+      <a:lightRig rig="threePt" dir="t"/>
+    </dgm:scene3d>
+    <dgm:sp3d/>
+    <dgm:txPr/>
+    <dgm:style>
+      <a:lnRef idx="2">
+        <a:scrgbClr r="0" g="0" b="0"/>
+      </a:lnRef>
+      <a:fillRef idx="1">
+        <a:scrgbClr r="0" g="0" b="0"/>
+      </a:fillRef>
+      <a:effectRef idx="0">
+        <a:scrgbClr r="0" g="0" b="0"/>
+      </a:effectRef>
+      <a:fontRef idx="minor"/>
+    </dgm:style>
+  </dgm:styleLbl>
+  <dgm:styleLbl name="bgShp">
+    <dgm:scene3d>
+      <a:camera prst="orthographicFront"/>
+      <a:lightRig rig="threePt" dir="t"/>
+    </dgm:scene3d>
+    <dgm:sp3d/>
+    <dgm:txPr/>
+    <dgm:style>
+      <a:lnRef idx="0">
+        <a:scrgbClr r="0" g="0" b="0"/>
+      </a:lnRef>
+      <a:fillRef idx="1">
+        <a:scrgbClr r="0" g="0" b="0"/>
+      </a:fillRef>
+      <a:effectRef idx="0">
+        <a:scrgbClr r="0" g="0" b="0"/>
+      </a:effectRef>
+      <a:fontRef idx="minor"/>
+    </dgm:style>
+  </dgm:styleLbl>
+  <dgm:styleLbl name="dkBgShp">
+    <dgm:scene3d>
+      <a:camera prst="orthographicFront"/>
+      <a:lightRig rig="threePt" dir="t"/>
+    </dgm:scene3d>
+    <dgm:sp3d/>
+    <dgm:txPr/>
+    <dgm:style>
+      <a:lnRef idx="0">
+        <a:scrgbClr r="0" g="0" b="0"/>
+      </a:lnRef>
+      <a:fillRef idx="1">
+        <a:scrgbClr r="0" g="0" b="0"/>
+      </a:fillRef>
+      <a:effectRef idx="0">
+        <a:scrgbClr r="0" g="0" b="0"/>
+      </a:effectRef>
+      <a:fontRef idx="minor"/>
+    </dgm:style>
+  </dgm:styleLbl>
+  <dgm:styleLbl name="trBgShp">
+    <dgm:scene3d>
+      <a:camera prst="orthographicFront"/>
+      <a:lightRig rig="threePt" dir="t"/>
+    </dgm:scene3d>
+    <dgm:sp3d/>
+    <dgm:txPr/>
+    <dgm:style>
+      <a:lnRef idx="0">
+        <a:scrgbClr r="0" g="0" b="0"/>
+      </a:lnRef>
+      <a:fillRef idx="1">
+        <a:scrgbClr r="0" g="0" b="0"/>
+      </a:fillRef>
+      <a:effectRef idx="0">
+        <a:scrgbClr r="0" g="0" b="0"/>
+      </a:effectRef>
+      <a:fontRef idx="minor"/>
+    </dgm:style>
+  </dgm:styleLbl>
+  <dgm:styleLbl name="fgShp">
+    <dgm:scene3d>
+      <a:camera prst="orthographicFront"/>
+      <a:lightRig rig="threePt" dir="t"/>
+    </dgm:scene3d>
+    <dgm:sp3d/>
+    <dgm:txPr/>
+    <dgm:style>
+      <a:lnRef idx="2">
+        <a:scrgbClr r="0" g="0" b="0"/>
+      </a:lnRef>
+      <a:fillRef idx="1">
+        <a:scrgbClr r="0" g="0" b="0"/>
+      </a:fillRef>
+      <a:effectRef idx="0">
+        <a:scrgbClr r="0" g="0" b="0"/>
+      </a:effectRef>
+      <a:fontRef idx="minor"/>
+    </dgm:style>
+  </dgm:styleLbl>
+  <dgm:styleLbl name="revTx">
+    <dgm:scene3d>
+      <a:camera prst="orthographicFront"/>
+      <a:lightRig rig="threePt" dir="t"/>
+    </dgm:scene3d>
+    <dgm:sp3d/>
+    <dgm:txPr/>
+    <dgm:style>
+      <a:lnRef idx="0">
+        <a:scrgbClr r="0" g="0" b="0"/>
+      </a:lnRef>
+      <a:fillRef idx="0">
+        <a:scrgbClr r="0" g="0" b="0"/>
+      </a:fillRef>
+      <a:effectRef idx="0">
+        <a:scrgbClr r="0" g="0" b="0"/>
+      </a:effectRef>
+      <a:fontRef idx="minor"/>
+    </dgm:style>
+  </dgm:styleLbl>
+</dgm:styleDef>
+</file>
+
+<file path=ppt/diagrams/quickStyle7.xml><?xml version="1.0" encoding="utf-8"?>
 <dgm:styleDef xmlns:dgm="http://schemas.openxmlformats.org/drawingml/2006/diagram" xmlns:a="http://schemas.openxmlformats.org/drawingml/2006/main" uniqueId="urn:microsoft.com/office/officeart/2005/8/quickstyle/simple4">
   <dgm:title val=""/>
   <dgm:desc val=""/>
@@ -21483,7 +24529,7 @@
 </dgm:styleDef>
 </file>
 
-<file path=ppt/diagrams/quickStyle7.xml><?xml version="1.0" encoding="utf-8"?>
+<file path=ppt/diagrams/quickStyle8.xml><?xml version="1.0" encoding="utf-8"?>
 <dgm:styleDef xmlns:dgm="http://schemas.openxmlformats.org/drawingml/2006/diagram" xmlns:a="http://schemas.openxmlformats.org/drawingml/2006/main" uniqueId="urn:microsoft.com/office/officeart/2005/8/quickstyle/simple4">
   <dgm:title val=""/>
   <dgm:desc val=""/>
@@ -22743,7 +25789,7 @@
           <a:p>
             <a:fld id="{DE691C45-D440-4534-83E5-2177D2428FA3}" type="datetimeFigureOut">
               <a:rPr lang="it-IT" smtClean="0"/>
-              <a:t>29/11/2014</a:t>
+              <a:t>01/12/2014</a:t>
             </a:fld>
             <a:endParaRPr lang="it-IT"/>
           </a:p>
@@ -22832,20 +25878,13 @@
     </p:spTree>
     <p:extLst>
       <p:ext uri="{BB962C8B-B14F-4D97-AF65-F5344CB8AC3E}">
-        <p14:creationId xmlns:p14="http://schemas.microsoft.com/office/powerpoint/2010/main" val="3704641837"/>
+        <p14:creationId xmlns:p14="http://schemas.microsoft.com/office/powerpoint/2010/main" val="2577400821"/>
       </p:ext>
     </p:extLst>
   </p:cSld>
   <p:clrMapOvr>
     <a:masterClrMapping/>
   </p:clrMapOvr>
-  <p:timing>
-    <p:tnLst>
-      <p:par>
-        <p:cTn id="1" dur="indefinite" restart="never" nodeType="tmRoot"/>
-      </p:par>
-    </p:tnLst>
-  </p:timing>
 </p:sldLayout>
 </file>
 
@@ -22958,7 +25997,7 @@
           <a:p>
             <a:fld id="{DE691C45-D440-4534-83E5-2177D2428FA3}" type="datetimeFigureOut">
               <a:rPr lang="it-IT" smtClean="0"/>
-              <a:t>29/11/2014</a:t>
+              <a:t>01/12/2014</a:t>
             </a:fld>
             <a:endParaRPr lang="it-IT"/>
           </a:p>
@@ -23009,7 +26048,7 @@
     </p:spTree>
     <p:extLst>
       <p:ext uri="{BB962C8B-B14F-4D97-AF65-F5344CB8AC3E}">
-        <p14:creationId xmlns:p14="http://schemas.microsoft.com/office/powerpoint/2010/main" val="527422332"/>
+        <p14:creationId xmlns:p14="http://schemas.microsoft.com/office/powerpoint/2010/main" val="3925050410"/>
       </p:ext>
     </p:extLst>
   </p:cSld>
@@ -23214,7 +26253,7 @@
           <a:p>
             <a:fld id="{DE691C45-D440-4534-83E5-2177D2428FA3}" type="datetimeFigureOut">
               <a:rPr lang="it-IT" smtClean="0"/>
-              <a:t>29/11/2014</a:t>
+              <a:t>01/12/2014</a:t>
             </a:fld>
             <a:endParaRPr lang="it-IT"/>
           </a:p>
@@ -23265,7 +26304,7 @@
     </p:spTree>
     <p:extLst>
       <p:ext uri="{BB962C8B-B14F-4D97-AF65-F5344CB8AC3E}">
-        <p14:creationId xmlns:p14="http://schemas.microsoft.com/office/powerpoint/2010/main" val="1004429949"/>
+        <p14:creationId xmlns:p14="http://schemas.microsoft.com/office/powerpoint/2010/main" val="2629612532"/>
       </p:ext>
     </p:extLst>
   </p:cSld>
@@ -23384,7 +26423,7 @@
           <a:p>
             <a:fld id="{DE691C45-D440-4534-83E5-2177D2428FA3}" type="datetimeFigureOut">
               <a:rPr lang="it-IT" smtClean="0"/>
-              <a:t>29/11/2014</a:t>
+              <a:t>01/12/2014</a:t>
             </a:fld>
             <a:endParaRPr lang="it-IT"/>
           </a:p>
@@ -23435,20 +26474,13 @@
     </p:spTree>
     <p:extLst>
       <p:ext uri="{BB962C8B-B14F-4D97-AF65-F5344CB8AC3E}">
-        <p14:creationId xmlns:p14="http://schemas.microsoft.com/office/powerpoint/2010/main" val="1216055391"/>
+        <p14:creationId xmlns:p14="http://schemas.microsoft.com/office/powerpoint/2010/main" val="1291510997"/>
       </p:ext>
     </p:extLst>
   </p:cSld>
   <p:clrMapOvr>
     <a:masterClrMapping/>
   </p:clrMapOvr>
-  <p:timing>
-    <p:tnLst>
-      <p:par>
-        <p:cTn id="1" dur="indefinite" restart="never" nodeType="tmRoot"/>
-      </p:par>
-    </p:tnLst>
-  </p:timing>
 </p:sldLayout>
 </file>
 
@@ -23734,7 +26766,7 @@
           <a:p>
             <a:fld id="{DE691C45-D440-4534-83E5-2177D2428FA3}" type="datetimeFigureOut">
               <a:rPr lang="it-IT" smtClean="0"/>
-              <a:t>29/11/2014</a:t>
+              <a:t>01/12/2014</a:t>
             </a:fld>
             <a:endParaRPr lang="it-IT"/>
           </a:p>
@@ -23823,7 +26855,7 @@
     </p:spTree>
     <p:extLst>
       <p:ext uri="{BB962C8B-B14F-4D97-AF65-F5344CB8AC3E}">
-        <p14:creationId xmlns:p14="http://schemas.microsoft.com/office/powerpoint/2010/main" val="3100879793"/>
+        <p14:creationId xmlns:p14="http://schemas.microsoft.com/office/powerpoint/2010/main" val="1072520791"/>
       </p:ext>
     </p:extLst>
   </p:cSld>
@@ -24009,7 +27041,7 @@
           <a:p>
             <a:fld id="{DE691C45-D440-4534-83E5-2177D2428FA3}" type="datetimeFigureOut">
               <a:rPr lang="it-IT" smtClean="0"/>
-              <a:t>29/11/2014</a:t>
+              <a:t>01/12/2014</a:t>
             </a:fld>
             <a:endParaRPr lang="it-IT"/>
           </a:p>
@@ -24060,7 +27092,7 @@
     </p:spTree>
     <p:extLst>
       <p:ext uri="{BB962C8B-B14F-4D97-AF65-F5344CB8AC3E}">
-        <p14:creationId xmlns:p14="http://schemas.microsoft.com/office/powerpoint/2010/main" val="252742895"/>
+        <p14:creationId xmlns:p14="http://schemas.microsoft.com/office/powerpoint/2010/main" val="3470521315"/>
       </p:ext>
     </p:extLst>
   </p:cSld>
@@ -24388,7 +27420,7 @@
           <a:p>
             <a:fld id="{DE691C45-D440-4534-83E5-2177D2428FA3}" type="datetimeFigureOut">
               <a:rPr lang="it-IT" smtClean="0"/>
-              <a:t>29/11/2014</a:t>
+              <a:t>01/12/2014</a:t>
             </a:fld>
             <a:endParaRPr lang="it-IT"/>
           </a:p>
@@ -24439,7 +27471,7 @@
     </p:spTree>
     <p:extLst>
       <p:ext uri="{BB962C8B-B14F-4D97-AF65-F5344CB8AC3E}">
-        <p14:creationId xmlns:p14="http://schemas.microsoft.com/office/powerpoint/2010/main" val="2428902145"/>
+        <p14:creationId xmlns:p14="http://schemas.microsoft.com/office/powerpoint/2010/main" val="1956787517"/>
       </p:ext>
     </p:extLst>
   </p:cSld>
@@ -24506,7 +27538,7 @@
           <a:p>
             <a:fld id="{DE691C45-D440-4534-83E5-2177D2428FA3}" type="datetimeFigureOut">
               <a:rPr lang="it-IT" smtClean="0"/>
-              <a:t>29/11/2014</a:t>
+              <a:t>01/12/2014</a:t>
             </a:fld>
             <a:endParaRPr lang="it-IT"/>
           </a:p>
@@ -24557,7 +27589,7 @@
     </p:spTree>
     <p:extLst>
       <p:ext uri="{BB962C8B-B14F-4D97-AF65-F5344CB8AC3E}">
-        <p14:creationId xmlns:p14="http://schemas.microsoft.com/office/powerpoint/2010/main" val="4261337419"/>
+        <p14:creationId xmlns:p14="http://schemas.microsoft.com/office/powerpoint/2010/main" val="1403398587"/>
       </p:ext>
     </p:extLst>
   </p:cSld>
@@ -24677,7 +27709,7 @@
           <a:p>
             <a:fld id="{DE691C45-D440-4534-83E5-2177D2428FA3}" type="datetimeFigureOut">
               <a:rPr lang="it-IT" smtClean="0"/>
-              <a:t>29/11/2014</a:t>
+              <a:t>01/12/2014</a:t>
             </a:fld>
             <a:endParaRPr lang="it-IT"/>
           </a:p>
@@ -24736,7 +27768,7 @@
     </p:spTree>
     <p:extLst>
       <p:ext uri="{BB962C8B-B14F-4D97-AF65-F5344CB8AC3E}">
-        <p14:creationId xmlns:p14="http://schemas.microsoft.com/office/powerpoint/2010/main" val="2043842851"/>
+        <p14:creationId xmlns:p14="http://schemas.microsoft.com/office/powerpoint/2010/main" val="967968339"/>
       </p:ext>
     </p:extLst>
   </p:cSld>
@@ -25031,7 +28063,7 @@
           <a:p>
             <a:fld id="{DE691C45-D440-4534-83E5-2177D2428FA3}" type="datetimeFigureOut">
               <a:rPr lang="it-IT" smtClean="0"/>
-              <a:t>29/11/2014</a:t>
+              <a:t>01/12/2014</a:t>
             </a:fld>
             <a:endParaRPr lang="it-IT"/>
           </a:p>
@@ -25103,7 +28135,7 @@
     </p:spTree>
     <p:extLst>
       <p:ext uri="{BB962C8B-B14F-4D97-AF65-F5344CB8AC3E}">
-        <p14:creationId xmlns:p14="http://schemas.microsoft.com/office/powerpoint/2010/main" val="879267210"/>
+        <p14:creationId xmlns:p14="http://schemas.microsoft.com/office/powerpoint/2010/main" val="3530549228"/>
       </p:ext>
     </p:extLst>
   </p:cSld>
@@ -25408,7 +28440,7 @@
           <a:p>
             <a:fld id="{DE691C45-D440-4534-83E5-2177D2428FA3}" type="datetimeFigureOut">
               <a:rPr lang="it-IT" smtClean="0"/>
-              <a:t>29/11/2014</a:t>
+              <a:t>01/12/2014</a:t>
             </a:fld>
             <a:endParaRPr lang="it-IT"/>
           </a:p>
@@ -25459,7 +28491,7 @@
     </p:spTree>
     <p:extLst>
       <p:ext uri="{BB962C8B-B14F-4D97-AF65-F5344CB8AC3E}">
-        <p14:creationId xmlns:p14="http://schemas.microsoft.com/office/powerpoint/2010/main" val="2776410068"/>
+        <p14:creationId xmlns:p14="http://schemas.microsoft.com/office/powerpoint/2010/main" val="2068245620"/>
       </p:ext>
     </p:extLst>
   </p:cSld>
@@ -25695,7 +28727,7 @@
           <a:p>
             <a:fld id="{DE691C45-D440-4534-83E5-2177D2428FA3}" type="datetimeFigureOut">
               <a:rPr lang="it-IT" smtClean="0"/>
-              <a:t>29/11/2014</a:t>
+              <a:t>01/12/2014</a:t>
             </a:fld>
             <a:endParaRPr lang="it-IT"/>
           </a:p>
@@ -25816,23 +28848,23 @@
     </p:spTree>
     <p:extLst>
       <p:ext uri="{BB962C8B-B14F-4D97-AF65-F5344CB8AC3E}">
-        <p14:creationId xmlns:p14="http://schemas.microsoft.com/office/powerpoint/2010/main" val="205273899"/>
+        <p14:creationId xmlns:p14="http://schemas.microsoft.com/office/powerpoint/2010/main" val="3560049116"/>
       </p:ext>
     </p:extLst>
   </p:cSld>
   <p:clrMap bg1="lt1" tx1="dk1" bg2="lt2" tx2="dk2" accent1="accent1" accent2="accent2" accent3="accent3" accent4="accent4" accent5="accent5" accent6="accent6" hlink="hlink" folHlink="folHlink"/>
   <p:sldLayoutIdLst>
-    <p:sldLayoutId id="2147483673" r:id="rId1"/>
-    <p:sldLayoutId id="2147483674" r:id="rId2"/>
-    <p:sldLayoutId id="2147483675" r:id="rId3"/>
-    <p:sldLayoutId id="2147483676" r:id="rId4"/>
-    <p:sldLayoutId id="2147483677" r:id="rId5"/>
-    <p:sldLayoutId id="2147483678" r:id="rId6"/>
-    <p:sldLayoutId id="2147483679" r:id="rId7"/>
-    <p:sldLayoutId id="2147483680" r:id="rId8"/>
-    <p:sldLayoutId id="2147483681" r:id="rId9"/>
-    <p:sldLayoutId id="2147483682" r:id="rId10"/>
-    <p:sldLayoutId id="2147483683" r:id="rId11"/>
+    <p:sldLayoutId id="2147483727" r:id="rId1"/>
+    <p:sldLayoutId id="2147483728" r:id="rId2"/>
+    <p:sldLayoutId id="2147483729" r:id="rId3"/>
+    <p:sldLayoutId id="2147483730" r:id="rId4"/>
+    <p:sldLayoutId id="2147483731" r:id="rId5"/>
+    <p:sldLayoutId id="2147483732" r:id="rId6"/>
+    <p:sldLayoutId id="2147483733" r:id="rId7"/>
+    <p:sldLayoutId id="2147483734" r:id="rId8"/>
+    <p:sldLayoutId id="2147483735" r:id="rId9"/>
+    <p:sldLayoutId id="2147483736" r:id="rId10"/>
+    <p:sldLayoutId id="2147483737" r:id="rId11"/>
   </p:sldLayoutIdLst>
   <p:txStyles>
     <p:titleStyle>
@@ -26226,15 +29258,10 @@
             <a:spLocks noGrp="1"/>
           </p:cNvSpPr>
           <p:nvPr>
-            <p:ph type="ctrTitle"/>
+            <p:ph type="title"/>
           </p:nvPr>
         </p:nvSpPr>
-        <p:spPr>
-          <a:xfrm>
-            <a:off x="4724400" y="758952"/>
-            <a:ext cx="6431280" cy="3565398"/>
-          </a:xfrm>
-        </p:spPr>
+        <p:spPr/>
         <p:txBody>
           <a:bodyPr anchor="ctr">
             <a:normAutofit/>
@@ -26271,6 +29298,25 @@
           </a:p>
         </p:txBody>
       </p:sp>
+      <p:sp>
+        <p:nvSpPr>
+          <p:cNvPr id="3" name="Content Placeholder 2"/>
+          <p:cNvSpPr>
+            <a:spLocks noGrp="1"/>
+          </p:cNvSpPr>
+          <p:nvPr>
+            <p:ph idx="1"/>
+          </p:nvPr>
+        </p:nvSpPr>
+        <p:spPr/>
+        <p:txBody>
+          <a:bodyPr/>
+          <a:lstStyle/>
+          <a:p>
+            <a:endParaRPr lang="it-IT" dirty="0"/>
+          </a:p>
+        </p:txBody>
+      </p:sp>
       <p:pic>
         <p:nvPicPr>
           <p:cNvPr id="4" name="Picture 3"/>
@@ -26293,7 +29339,7 @@
         </p:blipFill>
         <p:spPr>
           <a:xfrm>
-            <a:off x="1880349" y="758952"/>
+            <a:off x="5291707" y="2085846"/>
             <a:ext cx="1669546" cy="2165350"/>
           </a:xfrm>
           <a:prstGeom prst="rect">
@@ -26323,7 +29369,7 @@
         </p:blipFill>
         <p:spPr>
           <a:xfrm>
-            <a:off x="1097280" y="2924302"/>
+            <a:off x="4652652" y="4305383"/>
             <a:ext cx="2947656" cy="1236114"/>
           </a:xfrm>
           <a:prstGeom prst="rect">
@@ -26331,25 +29377,6 @@
           </a:prstGeom>
         </p:spPr>
       </p:pic>
-      <p:sp>
-        <p:nvSpPr>
-          <p:cNvPr id="7" name="Subtitle 6"/>
-          <p:cNvSpPr>
-            <a:spLocks noGrp="1"/>
-          </p:cNvSpPr>
-          <p:nvPr>
-            <p:ph type="subTitle" idx="1"/>
-          </p:nvPr>
-        </p:nvSpPr>
-        <p:spPr/>
-        <p:txBody>
-          <a:bodyPr numCol="2"/>
-          <a:lstStyle/>
-          <a:p>
-            <a:endParaRPr lang="it-IT" dirty="0"/>
-          </a:p>
-        </p:txBody>
-      </p:sp>
     </p:spTree>
     <p:extLst>
       <p:ext uri="{BB962C8B-B14F-4D97-AF65-F5344CB8AC3E}">
@@ -26371,6 +29398,123 @@
 </file>
 
 <file path=ppt/slides/slide10.xml><?xml version="1.0" encoding="utf-8"?>
+<p:sld xmlns:a="http://schemas.openxmlformats.org/drawingml/2006/main" xmlns:r="http://schemas.openxmlformats.org/officeDocument/2006/relationships" xmlns:p="http://schemas.openxmlformats.org/presentationml/2006/main">
+  <p:cSld>
+    <p:spTree>
+      <p:nvGrpSpPr>
+        <p:cNvPr id="1" name=""/>
+        <p:cNvGrpSpPr/>
+        <p:nvPr/>
+      </p:nvGrpSpPr>
+      <p:grpSpPr>
+        <a:xfrm>
+          <a:off x="0" y="0"/>
+          <a:ext cx="0" cy="0"/>
+          <a:chOff x="0" y="0"/>
+          <a:chExt cx="0" cy="0"/>
+        </a:xfrm>
+      </p:grpSpPr>
+      <p:sp>
+        <p:nvSpPr>
+          <p:cNvPr id="2" name="Title 1"/>
+          <p:cNvSpPr>
+            <a:spLocks noGrp="1"/>
+          </p:cNvSpPr>
+          <p:nvPr>
+            <p:ph type="title"/>
+          </p:nvPr>
+        </p:nvSpPr>
+        <p:spPr/>
+        <p:txBody>
+          <a:bodyPr/>
+          <a:lstStyle/>
+          <a:p>
+            <a:r>
+              <a:rPr lang="it-IT" dirty="0" smtClean="0">
+                <a:latin typeface="+mn-lt"/>
+              </a:rPr>
+              <a:t>Scelta degli strumenti per l’ATDD</a:t>
+            </a:r>
+            <a:endParaRPr lang="it-IT" dirty="0">
+              <a:latin typeface="+mn-lt"/>
+            </a:endParaRPr>
+          </a:p>
+        </p:txBody>
+      </p:sp>
+      <p:sp>
+        <p:nvSpPr>
+          <p:cNvPr id="3" name="Content Placeholder 2"/>
+          <p:cNvSpPr>
+            <a:spLocks noGrp="1"/>
+          </p:cNvSpPr>
+          <p:nvPr>
+            <p:ph idx="1"/>
+          </p:nvPr>
+        </p:nvSpPr>
+        <p:spPr/>
+        <p:txBody>
+          <a:bodyPr/>
+          <a:lstStyle/>
+          <a:p>
+            <a:endParaRPr lang="it-IT" dirty="0"/>
+          </a:p>
+          <a:p>
+            <a:pPr marL="0" indent="0">
+              <a:buNone/>
+            </a:pPr>
+            <a:endParaRPr lang="it-IT" dirty="0" smtClean="0"/>
+          </a:p>
+          <a:p>
+            <a:pPr marL="0" indent="0">
+              <a:buNone/>
+            </a:pPr>
+            <a:endParaRPr lang="en-US" dirty="0" smtClean="0"/>
+          </a:p>
+        </p:txBody>
+      </p:sp>
+      <p:graphicFrame>
+        <p:nvGraphicFramePr>
+          <p:cNvPr id="8" name="Diagram 7"/>
+          <p:cNvGraphicFramePr/>
+          <p:nvPr>
+            <p:extLst>
+              <p:ext uri="{D42A27DB-BD31-4B8C-83A1-F6EECF244321}">
+                <p14:modId xmlns:p14="http://schemas.microsoft.com/office/powerpoint/2010/main" val="3823957626"/>
+              </p:ext>
+            </p:extLst>
+          </p:nvPr>
+        </p:nvGraphicFramePr>
+        <p:xfrm>
+          <a:off x="1233714" y="1845735"/>
+          <a:ext cx="9921966" cy="4351866"/>
+        </p:xfrm>
+        <a:graphic>
+          <a:graphicData uri="http://schemas.openxmlformats.org/drawingml/2006/diagram">
+            <dgm:relIds xmlns:dgm="http://schemas.openxmlformats.org/drawingml/2006/diagram" xmlns:r="http://schemas.openxmlformats.org/officeDocument/2006/relationships" r:dm="rId2" r:lo="rId3" r:qs="rId4" r:cs="rId5"/>
+          </a:graphicData>
+        </a:graphic>
+      </p:graphicFrame>
+    </p:spTree>
+    <p:extLst>
+      <p:ext uri="{BB962C8B-B14F-4D97-AF65-F5344CB8AC3E}">
+        <p14:creationId xmlns:p14="http://schemas.microsoft.com/office/powerpoint/2010/main" val="2724686590"/>
+      </p:ext>
+    </p:extLst>
+  </p:cSld>
+  <p:clrMapOvr>
+    <a:masterClrMapping/>
+  </p:clrMapOvr>
+  <p:timing>
+    <p:tnLst>
+      <p:par>
+        <p:cTn id="1" dur="indefinite" restart="never" nodeType="tmRoot"/>
+      </p:par>
+    </p:tnLst>
+  </p:timing>
+</p:sld>
+</file>
+
+<file path=ppt/slides/slide11.xml><?xml version="1.0" encoding="utf-8"?>
 <p:sld xmlns:a="http://schemas.openxmlformats.org/drawingml/2006/main" xmlns:r="http://schemas.openxmlformats.org/officeDocument/2006/relationships" xmlns:p="http://schemas.openxmlformats.org/presentationml/2006/main">
   <p:cSld>
     <p:spTree>
@@ -26461,88 +29605,6 @@
           </a:p>
         </p:txBody>
       </p:sp>
-      <p:sp>
-        <p:nvSpPr>
-          <p:cNvPr id="4" name="TextBox 3"/>
-          <p:cNvSpPr txBox="1"/>
-          <p:nvPr/>
-        </p:nvSpPr>
-        <p:spPr>
-          <a:xfrm>
-            <a:off x="1097280" y="1845734"/>
-            <a:ext cx="10058400" cy="1200329"/>
-          </a:xfrm>
-          <a:prstGeom prst="rect">
-            <a:avLst/>
-          </a:prstGeom>
-          <a:noFill/>
-        </p:spPr>
-        <p:txBody>
-          <a:bodyPr wrap="square" rtlCol="0">
-            <a:spAutoFit/>
-          </a:bodyPr>
-          <a:lstStyle/>
-          <a:p>
-            <a:r>
-              <a:rPr lang="it-IT" dirty="0" smtClean="0"/>
-              <a:t>Parametri per la scelta dei </a:t>
-            </a:r>
-            <a:r>
-              <a:rPr lang="it-IT" dirty="0" err="1" smtClean="0"/>
-              <a:t>tool</a:t>
-            </a:r>
-            <a:r>
-              <a:rPr lang="it-IT" dirty="0" smtClean="0"/>
-              <a:t> utilizzati:</a:t>
-            </a:r>
-          </a:p>
-          <a:p>
-            <a:pPr marL="285750" indent="-285750">
-              <a:buFont typeface="Arial" panose="020B0604020202020204" pitchFamily="34" charset="0"/>
-              <a:buChar char="•"/>
-            </a:pPr>
-            <a:r>
-              <a:rPr lang="it-IT" dirty="0" smtClean="0"/>
-              <a:t>Open Source preferibilmente o </a:t>
-            </a:r>
-            <a:r>
-              <a:rPr lang="it-IT" dirty="0" smtClean="0"/>
-              <a:t>almeno gratuiti;</a:t>
-            </a:r>
-            <a:endParaRPr lang="it-IT" dirty="0" smtClean="0"/>
-          </a:p>
-          <a:p>
-            <a:pPr marL="285750" indent="-285750">
-              <a:buFont typeface="Arial" panose="020B0604020202020204" pitchFamily="34" charset="0"/>
-              <a:buChar char="•"/>
-            </a:pPr>
-            <a:r>
-              <a:rPr lang="it-IT" dirty="0" smtClean="0"/>
-              <a:t>Correntemente </a:t>
-            </a:r>
-            <a:r>
-              <a:rPr lang="it-IT" dirty="0" smtClean="0"/>
-              <a:t>sviluppati;</a:t>
-            </a:r>
-            <a:endParaRPr lang="it-IT" dirty="0" smtClean="0"/>
-          </a:p>
-          <a:p>
-            <a:pPr marL="285750" indent="-285750">
-              <a:buFont typeface="Arial" panose="020B0604020202020204" pitchFamily="34" charset="0"/>
-              <a:buChar char="•"/>
-            </a:pPr>
-            <a:r>
-              <a:rPr lang="it-IT" dirty="0" smtClean="0"/>
-              <a:t>Comunità </a:t>
-            </a:r>
-            <a:r>
-              <a:rPr lang="it-IT" dirty="0" smtClean="0"/>
-              <a:t>esistente e attiva.</a:t>
-            </a:r>
-            <a:endParaRPr lang="it-IT" dirty="0" smtClean="0"/>
-          </a:p>
-        </p:txBody>
-      </p:sp>
       <p:graphicFrame>
         <p:nvGraphicFramePr>
           <p:cNvPr id="5" name="Diagram 4"/>
@@ -26550,14 +29612,14 @@
           <p:nvPr>
             <p:extLst>
               <p:ext uri="{D42A27DB-BD31-4B8C-83A1-F6EECF244321}">
-                <p14:modId xmlns:p14="http://schemas.microsoft.com/office/powerpoint/2010/main" val="3898302075"/>
+                <p14:modId xmlns:p14="http://schemas.microsoft.com/office/powerpoint/2010/main" val="4269781342"/>
               </p:ext>
             </p:extLst>
           </p:nvPr>
         </p:nvGraphicFramePr>
         <p:xfrm>
-          <a:off x="1193800" y="3046063"/>
-          <a:ext cx="9961880" cy="3092270"/>
+          <a:off x="1193800" y="1845734"/>
+          <a:ext cx="9961880" cy="4292599"/>
         </p:xfrm>
         <a:graphic>
           <a:graphicData uri="http://schemas.openxmlformats.org/drawingml/2006/diagram">
@@ -26568,7 +29630,7 @@
     </p:spTree>
     <p:extLst>
       <p:ext uri="{BB962C8B-B14F-4D97-AF65-F5344CB8AC3E}">
-        <p14:creationId xmlns:p14="http://schemas.microsoft.com/office/powerpoint/2010/main" val="2724686590"/>
+        <p14:creationId xmlns:p14="http://schemas.microsoft.com/office/powerpoint/2010/main" val="1774685854"/>
       </p:ext>
     </p:extLst>
   </p:cSld>
@@ -26585,7 +29647,7 @@
 </p:sld>
 </file>
 
-<file path=ppt/slides/slide11.xml><?xml version="1.0" encoding="utf-8"?>
+<file path=ppt/slides/slide12.xml><?xml version="1.0" encoding="utf-8"?>
 <p:sld xmlns:a="http://schemas.openxmlformats.org/drawingml/2006/main" xmlns:r="http://schemas.openxmlformats.org/officeDocument/2006/relationships" xmlns:p="http://schemas.openxmlformats.org/presentationml/2006/main">
   <p:cSld>
     <p:spTree>
@@ -26639,13 +29701,7 @@
               <a:rPr lang="it-IT" dirty="0" smtClean="0">
                 <a:latin typeface="+mn-lt"/>
               </a:rPr>
-              <a:t> </a:t>
-            </a:r>
-            <a:r>
-              <a:rPr lang="it-IT" dirty="0" smtClean="0">
-                <a:latin typeface="+mn-lt"/>
-              </a:rPr>
-              <a:t>(2)</a:t>
+              <a:t> (2)</a:t>
             </a:r>
             <a:endParaRPr lang="it-IT" dirty="0">
               <a:latin typeface="+mn-lt"/>
@@ -26786,15 +29842,18 @@
         </p:nvSpPr>
         <p:spPr/>
         <p:txBody>
-          <a:bodyPr/>
+          <a:bodyPr>
+            <a:normAutofit/>
+          </a:bodyPr>
           <a:lstStyle/>
           <a:p>
-            <a:pPr marL="0" indent="0">
-              <a:buNone/>
+            <a:pPr>
+              <a:buFont typeface="Arial" panose="020B0604020202020204" pitchFamily="34" charset="0"/>
+              <a:buChar char="•"/>
             </a:pPr>
             <a:r>
               <a:rPr lang="en-US" dirty="0" smtClean="0"/>
-              <a:t>”</a:t>
+              <a:t> ”</a:t>
             </a:r>
             <a:r>
               <a:rPr lang="en-US" dirty="0"/>
@@ -26873,35 +29932,45 @@
             </a:r>
             <a:r>
               <a:rPr lang="it-IT" dirty="0" smtClean="0"/>
-              <a:t>, Spring, .NET(MVC viene rilasciato nel 2009)</a:t>
+              <a:t>, Spring, .</a:t>
+            </a:r>
+            <a:r>
+              <a:rPr lang="it-IT" dirty="0" smtClean="0"/>
+              <a:t>NET(ASP.NET MVC </a:t>
+            </a:r>
+            <a:r>
+              <a:rPr lang="it-IT" dirty="0" smtClean="0"/>
+              <a:t>viene rilasciato nel 2009)</a:t>
             </a:r>
           </a:p>
           <a:p>
             <a:pPr lvl="1"/>
             <a:r>
               <a:rPr lang="it-IT" dirty="0" smtClean="0"/>
-              <a:t>Focus sulla manutenibilità</a:t>
+              <a:t>Focus sulla </a:t>
             </a:r>
+            <a:r>
+              <a:rPr lang="it-IT" dirty="0" smtClean="0"/>
+              <a:t>manutenibilità, osservazione dello sviluppo introducendo una nuova funzionalità</a:t>
+            </a:r>
+            <a:endParaRPr lang="it-IT" dirty="0" smtClean="0"/>
           </a:p>
           <a:p>
-            <a:pPr marL="0" indent="0">
-              <a:buNone/>
+            <a:pPr>
+              <a:buFont typeface="Arial" panose="020B0604020202020204" pitchFamily="34" charset="0"/>
+              <a:buChar char="•"/>
             </a:pPr>
             <a:r>
-              <a:rPr lang="it-IT" dirty="0" smtClean="0"/>
-              <a:t>Obbiettivo della tesi</a:t>
+              <a:rPr lang="it-IT" dirty="0"/>
+              <a:t> </a:t>
             </a:r>
-          </a:p>
-          <a:p>
             <a:r>
               <a:rPr lang="it-IT" dirty="0" smtClean="0"/>
-              <a:t>Simile caso di studio</a:t>
+              <a:t>Sviluppo </a:t>
             </a:r>
-          </a:p>
-          <a:p>
             <a:r>
               <a:rPr lang="it-IT" dirty="0" smtClean="0"/>
-              <a:t>Sviluppo di tre applicazioni web in </a:t>
+              <a:t>di tre applicazioni web in </a:t>
             </a:r>
             <a:r>
               <a:rPr lang="it-IT" dirty="0" err="1" smtClean="0"/>
@@ -26909,26 +29978,92 @@
             </a:r>
             <a:r>
               <a:rPr lang="it-IT" dirty="0" smtClean="0"/>
-              <a:t>, Spring, ASP.NET MVC5</a:t>
+              <a:t>, Spring, ASP.NET </a:t>
+            </a:r>
+            <a:r>
+              <a:rPr lang="it-IT" dirty="0" smtClean="0"/>
+              <a:t>MVC5</a:t>
             </a:r>
           </a:p>
           <a:p>
+            <a:pPr lvl="1">
+              <a:buFont typeface="Arial" panose="020B0604020202020204" pitchFamily="34" charset="0"/>
+              <a:buChar char="•"/>
+            </a:pPr>
             <a:r>
               <a:rPr lang="it-IT" dirty="0" smtClean="0"/>
-              <a:t>Utilizzo del BDD tramite ATDD</a:t>
+              <a:t>Utilizzando i </a:t>
             </a:r>
             <a:r>
-              <a:rPr lang="it-IT" dirty="0"/>
-              <a:t>	</a:t>
+              <a:rPr lang="it-IT" dirty="0" err="1" smtClean="0"/>
+              <a:t>framework</a:t>
+            </a:r>
+            <a:r>
+              <a:rPr lang="it-IT" dirty="0" smtClean="0"/>
+              <a:t> MVC più diffusi e tecnologicamente avanzati;</a:t>
             </a:r>
           </a:p>
           <a:p>
-            <a:pPr marL="0" indent="0">
-              <a:buNone/>
+            <a:pPr lvl="1">
+              <a:buFont typeface="Arial" panose="020B0604020202020204" pitchFamily="34" charset="0"/>
+              <a:buChar char="•"/>
             </a:pPr>
-            <a:endParaRPr lang="it-IT" dirty="0" smtClean="0"/>
+            <a:r>
+              <a:rPr lang="it-IT" dirty="0" smtClean="0"/>
+              <a:t>Utilizzo di diversi strumenti per lo sviluppo web (CSS/SCSS, </a:t>
+            </a:r>
+            <a:r>
+              <a:rPr lang="it-IT" dirty="0" err="1" smtClean="0"/>
+              <a:t>Javascript</a:t>
+            </a:r>
+            <a:r>
+              <a:rPr lang="it-IT" dirty="0" smtClean="0"/>
+              <a:t>, </a:t>
+            </a:r>
+            <a:r>
+              <a:rPr lang="it-IT" dirty="0" err="1" smtClean="0"/>
+              <a:t>Jquery</a:t>
+            </a:r>
+            <a:r>
+              <a:rPr lang="it-IT" dirty="0" smtClean="0"/>
+              <a:t>, Ajax, …)</a:t>
+            </a:r>
           </a:p>
           <a:p>
+            <a:pPr lvl="1">
+              <a:buFont typeface="Arial" panose="020B0604020202020204" pitchFamily="34" charset="0"/>
+              <a:buChar char="•"/>
+            </a:pPr>
+            <a:r>
+              <a:rPr lang="it-IT" dirty="0" smtClean="0"/>
+              <a:t>Comparazione delle potenzialità dei </a:t>
+            </a:r>
+            <a:r>
+              <a:rPr lang="it-IT" dirty="0" err="1" smtClean="0"/>
+              <a:t>framework</a:t>
+            </a:r>
+            <a:r>
+              <a:rPr lang="it-IT" dirty="0" smtClean="0"/>
+              <a:t>;</a:t>
+            </a:r>
+          </a:p>
+          <a:p>
+            <a:pPr>
+              <a:buFont typeface="Arial" panose="020B0604020202020204" pitchFamily="34" charset="0"/>
+              <a:buChar char="•"/>
+            </a:pPr>
+            <a:r>
+              <a:rPr lang="it-IT" dirty="0" smtClean="0"/>
+              <a:t> Implementazione di test di accettazione e comparazione degli </a:t>
+            </a:r>
+            <a:r>
+              <a:rPr lang="it-IT" dirty="0" err="1" smtClean="0"/>
+              <a:t>stack</a:t>
+            </a:r>
+            <a:r>
+              <a:rPr lang="it-IT" dirty="0" smtClean="0"/>
+              <a:t> di strumenti utilizzati</a:t>
+            </a:r>
             <a:endParaRPr lang="it-IT" dirty="0"/>
           </a:p>
           <a:p>
@@ -26970,6 +30105,336 @@
 </file>
 
 <file path=ppt/slides/slide3.xml><?xml version="1.0" encoding="utf-8"?>
+<p:sld xmlns:a="http://schemas.openxmlformats.org/drawingml/2006/main" xmlns:r="http://schemas.openxmlformats.org/officeDocument/2006/relationships" xmlns:p="http://schemas.openxmlformats.org/presentationml/2006/main">
+  <p:cSld>
+    <p:spTree>
+      <p:nvGrpSpPr>
+        <p:cNvPr id="1" name=""/>
+        <p:cNvGrpSpPr/>
+        <p:nvPr/>
+      </p:nvGrpSpPr>
+      <p:grpSpPr>
+        <a:xfrm>
+          <a:off x="0" y="0"/>
+          <a:ext cx="0" cy="0"/>
+          <a:chOff x="0" y="0"/>
+          <a:chExt cx="0" cy="0"/>
+        </a:xfrm>
+      </p:grpSpPr>
+      <p:sp>
+        <p:nvSpPr>
+          <p:cNvPr id="8" name="Title 7"/>
+          <p:cNvSpPr>
+            <a:spLocks noGrp="1"/>
+          </p:cNvSpPr>
+          <p:nvPr>
+            <p:ph type="title"/>
+          </p:nvPr>
+        </p:nvSpPr>
+        <p:spPr/>
+        <p:txBody>
+          <a:bodyPr/>
+          <a:lstStyle/>
+          <a:p>
+            <a:r>
+              <a:rPr lang="it-IT" dirty="0" smtClean="0"/>
+              <a:t>Model </a:t>
+            </a:r>
+            <a:r>
+              <a:rPr lang="it-IT" dirty="0" err="1" smtClean="0"/>
+              <a:t>View</a:t>
+            </a:r>
+            <a:r>
+              <a:rPr lang="it-IT" dirty="0" smtClean="0"/>
+              <a:t> Controller</a:t>
+            </a:r>
+            <a:endParaRPr lang="it-IT" dirty="0"/>
+          </a:p>
+        </p:txBody>
+      </p:sp>
+      <p:sp>
+        <p:nvSpPr>
+          <p:cNvPr id="3" name="Content Placeholder 2"/>
+          <p:cNvSpPr>
+            <a:spLocks noGrp="1"/>
+          </p:cNvSpPr>
+          <p:nvPr>
+            <p:ph idx="1"/>
+          </p:nvPr>
+        </p:nvSpPr>
+        <p:spPr/>
+        <p:txBody>
+          <a:bodyPr/>
+          <a:lstStyle/>
+          <a:p>
+            <a:endParaRPr lang="it-IT" dirty="0"/>
+          </a:p>
+          <a:p>
+            <a:pPr marL="0" indent="0">
+              <a:buNone/>
+            </a:pPr>
+            <a:endParaRPr lang="it-IT" dirty="0" smtClean="0"/>
+          </a:p>
+          <a:p>
+            <a:pPr marL="0" indent="0">
+              <a:buNone/>
+            </a:pPr>
+            <a:endParaRPr lang="en-US" dirty="0" smtClean="0"/>
+          </a:p>
+          <a:p>
+            <a:pPr marL="578358" lvl="1" indent="-285750"/>
+            <a:endParaRPr lang="en-US" dirty="0" smtClean="0"/>
+          </a:p>
+        </p:txBody>
+      </p:sp>
+      <p:pic>
+        <p:nvPicPr>
+          <p:cNvPr id="4" name="Picture 3"/>
+          <p:cNvPicPr>
+            <a:picLocks noChangeAspect="1"/>
+          </p:cNvPicPr>
+          <p:nvPr/>
+        </p:nvPicPr>
+        <p:blipFill>
+          <a:blip r:embed="rId2">
+            <a:extLst>
+              <a:ext uri="{28A0092B-C50C-407E-A947-70E740481C1C}">
+                <a14:useLocalDpi xmlns:a14="http://schemas.microsoft.com/office/drawing/2010/main" val="0"/>
+              </a:ext>
+            </a:extLst>
+          </a:blip>
+          <a:stretch>
+            <a:fillRect/>
+          </a:stretch>
+        </p:blipFill>
+        <p:spPr>
+          <a:xfrm>
+            <a:off x="8785860" y="1883092"/>
+            <a:ext cx="2743200" cy="3000375"/>
+          </a:xfrm>
+          <a:prstGeom prst="rect">
+            <a:avLst/>
+          </a:prstGeom>
+        </p:spPr>
+      </p:pic>
+      <p:pic>
+        <p:nvPicPr>
+          <p:cNvPr id="6" name="Picture 5"/>
+          <p:cNvPicPr>
+            <a:picLocks noChangeAspect="1"/>
+          </p:cNvPicPr>
+          <p:nvPr/>
+        </p:nvPicPr>
+        <p:blipFill>
+          <a:blip r:embed="rId3">
+            <a:extLst>
+              <a:ext uri="{28A0092B-C50C-407E-A947-70E740481C1C}">
+                <a14:useLocalDpi xmlns:a14="http://schemas.microsoft.com/office/drawing/2010/main" val="0"/>
+              </a:ext>
+            </a:extLst>
+          </a:blip>
+          <a:stretch>
+            <a:fillRect/>
+          </a:stretch>
+        </p:blipFill>
+        <p:spPr>
+          <a:xfrm>
+            <a:off x="8115300" y="5029199"/>
+            <a:ext cx="4076700" cy="1066800"/>
+          </a:xfrm>
+          <a:prstGeom prst="rect">
+            <a:avLst/>
+          </a:prstGeom>
+        </p:spPr>
+      </p:pic>
+      <p:sp>
+        <p:nvSpPr>
+          <p:cNvPr id="7" name="Title 1"/>
+          <p:cNvSpPr txBox="1">
+            <a:spLocks/>
+          </p:cNvSpPr>
+          <p:nvPr/>
+        </p:nvSpPr>
+        <p:spPr>
+          <a:xfrm>
+            <a:off x="1249680" y="439003"/>
+            <a:ext cx="10058400" cy="1450757"/>
+          </a:xfrm>
+          <a:prstGeom prst="rect">
+            <a:avLst/>
+          </a:prstGeom>
+        </p:spPr>
+        <p:txBody>
+          <a:bodyPr vert="horz" lIns="91440" tIns="45720" rIns="91440" bIns="45720" rtlCol="0" anchor="b">
+            <a:normAutofit/>
+          </a:bodyPr>
+          <a:lstStyle>
+            <a:lvl1pPr algn="l" defTabSz="914400" rtl="0" eaLnBrk="1" latinLnBrk="0" hangingPunct="1">
+              <a:lnSpc>
+                <a:spcPct val="85000"/>
+              </a:lnSpc>
+              <a:spcBef>
+                <a:spcPct val="0"/>
+              </a:spcBef>
+              <a:buNone/>
+              <a:defRPr sz="4800" kern="1200" spc="-50" baseline="0">
+                <a:solidFill>
+                  <a:schemeClr val="tx1">
+                    <a:lumMod val="75000"/>
+                    <a:lumOff val="25000"/>
+                  </a:schemeClr>
+                </a:solidFill>
+                <a:latin typeface="+mj-lt"/>
+                <a:ea typeface="+mj-ea"/>
+                <a:cs typeface="+mj-cs"/>
+              </a:defRPr>
+            </a:lvl1pPr>
+          </a:lstStyle>
+          <a:p>
+            <a:endParaRPr lang="it-IT" dirty="0">
+              <a:latin typeface="+mn-lt"/>
+            </a:endParaRPr>
+          </a:p>
+        </p:txBody>
+      </p:sp>
+      <p:sp>
+        <p:nvSpPr>
+          <p:cNvPr id="2" name="TextBox 1"/>
+          <p:cNvSpPr txBox="1"/>
+          <p:nvPr/>
+        </p:nvSpPr>
+        <p:spPr>
+          <a:xfrm>
+            <a:off x="1249680" y="1889760"/>
+            <a:ext cx="6598920" cy="3970318"/>
+          </a:xfrm>
+          <a:prstGeom prst="rect">
+            <a:avLst/>
+          </a:prstGeom>
+          <a:noFill/>
+        </p:spPr>
+        <p:txBody>
+          <a:bodyPr wrap="square" rtlCol="0">
+            <a:spAutoFit/>
+          </a:bodyPr>
+          <a:lstStyle/>
+          <a:p>
+            <a:pPr marL="285750" indent="-285750">
+              <a:buFont typeface="Arial" panose="020B0604020202020204" pitchFamily="34" charset="0"/>
+              <a:buChar char="•"/>
+            </a:pPr>
+            <a:r>
+              <a:rPr lang="it-IT" dirty="0" smtClean="0"/>
+              <a:t>Utilizzato per la definizione di interfacce utente</a:t>
+            </a:r>
+          </a:p>
+          <a:p>
+            <a:pPr marL="285750" indent="-285750">
+              <a:buFont typeface="Arial" panose="020B0604020202020204" pitchFamily="34" charset="0"/>
+              <a:buChar char="•"/>
+            </a:pPr>
+            <a:r>
+              <a:rPr lang="it-IT" dirty="0" smtClean="0"/>
+              <a:t>Suddiviso essenzialmente in tre componenti:</a:t>
+            </a:r>
+          </a:p>
+          <a:p>
+            <a:pPr marL="742950" lvl="1" indent="-285750">
+              <a:buFont typeface="Arial" panose="020B0604020202020204" pitchFamily="34" charset="0"/>
+              <a:buChar char="•"/>
+            </a:pPr>
+            <a:r>
+              <a:rPr lang="it-IT" dirty="0" smtClean="0"/>
+              <a:t>Il modello descrive il dominio e permette la persistenza delle informazioni;</a:t>
+            </a:r>
+          </a:p>
+          <a:p>
+            <a:pPr marL="742950" lvl="1" indent="-285750">
+              <a:buFont typeface="Arial" panose="020B0604020202020204" pitchFamily="34" charset="0"/>
+              <a:buChar char="•"/>
+            </a:pPr>
+            <a:r>
+              <a:rPr lang="it-IT" dirty="0" smtClean="0"/>
+              <a:t>Le viste rappresentano l’interfaccia dell’applicazione utilizzabili dall’utente e reagiscono in funzione dei cambiamenti sul modello;</a:t>
+            </a:r>
+          </a:p>
+          <a:p>
+            <a:pPr marL="742950" lvl="1" indent="-285750">
+              <a:buFont typeface="Arial" panose="020B0604020202020204" pitchFamily="34" charset="0"/>
+              <a:buChar char="•"/>
+            </a:pPr>
+            <a:r>
+              <a:rPr lang="it-IT" dirty="0" smtClean="0"/>
+              <a:t>I controlli ricevono ed interpretano le richieste effettuate dall’utente;</a:t>
+            </a:r>
+          </a:p>
+          <a:p>
+            <a:pPr marL="285750" indent="-285750">
+              <a:buFont typeface="Arial" panose="020B0604020202020204" pitchFamily="34" charset="0"/>
+              <a:buChar char="•"/>
+            </a:pPr>
+            <a:r>
+              <a:rPr lang="it-IT" dirty="0" smtClean="0"/>
+              <a:t>Soluzione teorica utilizzata per la descrizione dei </a:t>
+            </a:r>
+            <a:r>
+              <a:rPr lang="it-IT" dirty="0" err="1" smtClean="0"/>
+              <a:t>framework</a:t>
+            </a:r>
+            <a:r>
+              <a:rPr lang="it-IT" dirty="0" smtClean="0"/>
+              <a:t>, in pratica non implementata</a:t>
+            </a:r>
+          </a:p>
+          <a:p>
+            <a:pPr marL="285750" indent="-285750">
+              <a:buFont typeface="Arial" panose="020B0604020202020204" pitchFamily="34" charset="0"/>
+              <a:buChar char="•"/>
+            </a:pPr>
+            <a:r>
+              <a:rPr lang="it-IT" dirty="0" smtClean="0"/>
+              <a:t>Sono utilizzate variazioni architetturali come il MVP, Model </a:t>
+            </a:r>
+            <a:r>
+              <a:rPr lang="it-IT" dirty="0" err="1" smtClean="0"/>
+              <a:t>View</a:t>
+            </a:r>
+            <a:r>
+              <a:rPr lang="it-IT" dirty="0" smtClean="0"/>
+              <a:t> </a:t>
+            </a:r>
+            <a:r>
+              <a:rPr lang="it-IT" dirty="0" err="1" smtClean="0"/>
+              <a:t>Presenter</a:t>
+            </a:r>
+            <a:r>
+              <a:rPr lang="it-IT" dirty="0" smtClean="0"/>
+              <a:t>, con componenti che esplicitamente interagiscono fra loro.</a:t>
+            </a:r>
+          </a:p>
+        </p:txBody>
+      </p:sp>
+    </p:spTree>
+    <p:extLst>
+      <p:ext uri="{BB962C8B-B14F-4D97-AF65-F5344CB8AC3E}">
+        <p14:creationId xmlns:p14="http://schemas.microsoft.com/office/powerpoint/2010/main" val="1547363792"/>
+      </p:ext>
+    </p:extLst>
+  </p:cSld>
+  <p:clrMapOvr>
+    <a:masterClrMapping/>
+  </p:clrMapOvr>
+  <p:timing>
+    <p:tnLst>
+      <p:par>
+        <p:cTn id="1" dur="indefinite" restart="never" nodeType="tmRoot"/>
+      </p:par>
+    </p:tnLst>
+  </p:timing>
+</p:sld>
+</file>
+
+<file path=ppt/slides/slide4.xml><?xml version="1.0" encoding="utf-8"?>
 <p:sld xmlns:a="http://schemas.openxmlformats.org/drawingml/2006/main" xmlns:r="http://schemas.openxmlformats.org/officeDocument/2006/relationships" xmlns:p="http://schemas.openxmlformats.org/presentationml/2006/main">
   <p:cSld>
     <p:spTree>
@@ -27031,10 +30496,7 @@
             <a:pPr marL="0" indent="0">
               <a:buNone/>
             </a:pPr>
-            <a:r>
-              <a:rPr lang="it-IT" dirty="0" smtClean="0"/>
-              <a:t>BDD</a:t>
-            </a:r>
+            <a:endParaRPr lang="it-IT" dirty="0" smtClean="0"/>
           </a:p>
           <a:p>
             <a:pPr marL="0" indent="0">
@@ -27144,255 +30606,6 @@
 </p:sld>
 </file>
 
-<file path=ppt/slides/slide4.xml><?xml version="1.0" encoding="utf-8"?>
-<p:sld xmlns:a="http://schemas.openxmlformats.org/drawingml/2006/main" xmlns:r="http://schemas.openxmlformats.org/officeDocument/2006/relationships" xmlns:p="http://schemas.openxmlformats.org/presentationml/2006/main">
-  <p:cSld>
-    <p:spTree>
-      <p:nvGrpSpPr>
-        <p:cNvPr id="1" name=""/>
-        <p:cNvGrpSpPr/>
-        <p:nvPr/>
-      </p:nvGrpSpPr>
-      <p:grpSpPr>
-        <a:xfrm>
-          <a:off x="0" y="0"/>
-          <a:ext cx="0" cy="0"/>
-          <a:chOff x="0" y="0"/>
-          <a:chExt cx="0" cy="0"/>
-        </a:xfrm>
-      </p:grpSpPr>
-      <p:sp>
-        <p:nvSpPr>
-          <p:cNvPr id="3" name="Content Placeholder 2"/>
-          <p:cNvSpPr>
-            <a:spLocks noGrp="1"/>
-          </p:cNvSpPr>
-          <p:nvPr>
-            <p:ph idx="1"/>
-          </p:nvPr>
-        </p:nvSpPr>
-        <p:spPr/>
-        <p:txBody>
-          <a:bodyPr/>
-          <a:lstStyle/>
-          <a:p>
-            <a:endParaRPr lang="it-IT" dirty="0"/>
-          </a:p>
-          <a:p>
-            <a:pPr marL="0" indent="0">
-              <a:buNone/>
-            </a:pPr>
-            <a:endParaRPr lang="it-IT" dirty="0" smtClean="0"/>
-          </a:p>
-          <a:p>
-            <a:pPr marL="0" indent="0">
-              <a:buNone/>
-            </a:pPr>
-            <a:endParaRPr lang="en-US" dirty="0" smtClean="0"/>
-          </a:p>
-          <a:p>
-            <a:pPr marL="578358" lvl="1" indent="-285750"/>
-            <a:endParaRPr lang="en-US" dirty="0" smtClean="0"/>
-          </a:p>
-        </p:txBody>
-      </p:sp>
-      <p:pic>
-        <p:nvPicPr>
-          <p:cNvPr id="4" name="Picture 3"/>
-          <p:cNvPicPr>
-            <a:picLocks noChangeAspect="1"/>
-          </p:cNvPicPr>
-          <p:nvPr/>
-        </p:nvPicPr>
-        <p:blipFill>
-          <a:blip r:embed="rId2">
-            <a:extLst>
-              <a:ext uri="{28A0092B-C50C-407E-A947-70E740481C1C}">
-                <a14:useLocalDpi xmlns:a14="http://schemas.microsoft.com/office/drawing/2010/main" val="0"/>
-              </a:ext>
-            </a:extLst>
-          </a:blip>
-          <a:stretch>
-            <a:fillRect/>
-          </a:stretch>
-        </p:blipFill>
-        <p:spPr>
-          <a:xfrm>
-            <a:off x="2468880" y="1986069"/>
-            <a:ext cx="3048000" cy="3333750"/>
-          </a:xfrm>
-          <a:prstGeom prst="rect">
-            <a:avLst/>
-          </a:prstGeom>
-        </p:spPr>
-      </p:pic>
-      <p:sp>
-        <p:nvSpPr>
-          <p:cNvPr id="5" name="TextBox 4"/>
-          <p:cNvSpPr txBox="1"/>
-          <p:nvPr/>
-        </p:nvSpPr>
-        <p:spPr>
-          <a:xfrm>
-            <a:off x="1206500" y="2006600"/>
-            <a:ext cx="6718300" cy="1200329"/>
-          </a:xfrm>
-          <a:prstGeom prst="rect">
-            <a:avLst/>
-          </a:prstGeom>
-          <a:noFill/>
-        </p:spPr>
-        <p:txBody>
-          <a:bodyPr wrap="square" rtlCol="0">
-            <a:spAutoFit/>
-          </a:bodyPr>
-          <a:lstStyle/>
-          <a:p>
-            <a:r>
-              <a:rPr lang="it-IT" dirty="0" smtClean="0"/>
-              <a:t>Modello</a:t>
-            </a:r>
-          </a:p>
-          <a:p>
-            <a:r>
-              <a:rPr lang="it-IT" dirty="0" smtClean="0"/>
-              <a:t>Controlli</a:t>
-            </a:r>
-          </a:p>
-          <a:p>
-            <a:r>
-              <a:rPr lang="it-IT" dirty="0" smtClean="0"/>
-              <a:t>Viste</a:t>
-            </a:r>
-          </a:p>
-          <a:p>
-            <a:endParaRPr lang="it-IT" dirty="0"/>
-          </a:p>
-        </p:txBody>
-      </p:sp>
-      <p:pic>
-        <p:nvPicPr>
-          <p:cNvPr id="6" name="Picture 5"/>
-          <p:cNvPicPr>
-            <a:picLocks noChangeAspect="1"/>
-          </p:cNvPicPr>
-          <p:nvPr/>
-        </p:nvPicPr>
-        <p:blipFill>
-          <a:blip r:embed="rId3">
-            <a:extLst>
-              <a:ext uri="{28A0092B-C50C-407E-A947-70E740481C1C}">
-                <a14:useLocalDpi xmlns:a14="http://schemas.microsoft.com/office/drawing/2010/main" val="0"/>
-              </a:ext>
-            </a:extLst>
-          </a:blip>
-          <a:stretch>
-            <a:fillRect/>
-          </a:stretch>
-        </p:blipFill>
-        <p:spPr>
-          <a:xfrm>
-            <a:off x="5516880" y="4535594"/>
-            <a:ext cx="5095875" cy="1333500"/>
-          </a:xfrm>
-          <a:prstGeom prst="rect">
-            <a:avLst/>
-          </a:prstGeom>
-        </p:spPr>
-      </p:pic>
-      <p:sp>
-        <p:nvSpPr>
-          <p:cNvPr id="7" name="Title 1"/>
-          <p:cNvSpPr txBox="1">
-            <a:spLocks/>
-          </p:cNvSpPr>
-          <p:nvPr/>
-        </p:nvSpPr>
-        <p:spPr>
-          <a:xfrm>
-            <a:off x="1249680" y="439003"/>
-            <a:ext cx="10058400" cy="1450757"/>
-          </a:xfrm>
-          <a:prstGeom prst="rect">
-            <a:avLst/>
-          </a:prstGeom>
-        </p:spPr>
-        <p:txBody>
-          <a:bodyPr vert="horz" lIns="91440" tIns="45720" rIns="91440" bIns="45720" rtlCol="0" anchor="b">
-            <a:normAutofit/>
-          </a:bodyPr>
-          <a:lstStyle>
-            <a:lvl1pPr algn="l" defTabSz="914400" rtl="0" eaLnBrk="1" latinLnBrk="0" hangingPunct="1">
-              <a:lnSpc>
-                <a:spcPct val="85000"/>
-              </a:lnSpc>
-              <a:spcBef>
-                <a:spcPct val="0"/>
-              </a:spcBef>
-              <a:buNone/>
-              <a:defRPr sz="4800" kern="1200" spc="-50" baseline="0">
-                <a:solidFill>
-                  <a:schemeClr val="tx1">
-                    <a:lumMod val="75000"/>
-                    <a:lumOff val="25000"/>
-                  </a:schemeClr>
-                </a:solidFill>
-                <a:latin typeface="+mj-lt"/>
-                <a:ea typeface="+mj-ea"/>
-                <a:cs typeface="+mj-cs"/>
-              </a:defRPr>
-            </a:lvl1pPr>
-          </a:lstStyle>
-          <a:p>
-            <a:endParaRPr lang="it-IT" dirty="0">
-              <a:latin typeface="+mn-lt"/>
-            </a:endParaRPr>
-          </a:p>
-        </p:txBody>
-      </p:sp>
-      <p:sp>
-        <p:nvSpPr>
-          <p:cNvPr id="8" name="Title 7"/>
-          <p:cNvSpPr>
-            <a:spLocks noGrp="1"/>
-          </p:cNvSpPr>
-          <p:nvPr>
-            <p:ph type="title"/>
-          </p:nvPr>
-        </p:nvSpPr>
-        <p:spPr/>
-        <p:txBody>
-          <a:bodyPr/>
-          <a:lstStyle/>
-          <a:p>
-            <a:r>
-              <a:rPr lang="it-IT" dirty="0" smtClean="0"/>
-              <a:t>MVC</a:t>
-            </a:r>
-            <a:endParaRPr lang="it-IT" dirty="0"/>
-          </a:p>
-        </p:txBody>
-      </p:sp>
-    </p:spTree>
-    <p:extLst>
-      <p:ext uri="{BB962C8B-B14F-4D97-AF65-F5344CB8AC3E}">
-        <p14:creationId xmlns:p14="http://schemas.microsoft.com/office/powerpoint/2010/main" val="1547363792"/>
-      </p:ext>
-    </p:extLst>
-  </p:cSld>
-  <p:clrMapOvr>
-    <a:masterClrMapping/>
-  </p:clrMapOvr>
-  <p:timing>
-    <p:tnLst>
-      <p:par>
-        <p:cTn id="1" dur="indefinite" restart="never" nodeType="tmRoot"/>
-      </p:par>
-    </p:tnLst>
-  </p:timing>
-</p:sld>
-</file>
-
 <file path=ppt/slides/slide5.xml><?xml version="1.0" encoding="utf-8"?>
 <p:sld xmlns:a="http://schemas.openxmlformats.org/drawingml/2006/main" xmlns:r="http://schemas.openxmlformats.org/officeDocument/2006/relationships" xmlns:p="http://schemas.openxmlformats.org/presentationml/2006/main">
   <p:cSld>
@@ -27429,13 +30642,7 @@
               <a:rPr lang="it-IT" dirty="0" smtClean="0">
                 <a:latin typeface="+mn-lt"/>
               </a:rPr>
-              <a:t>Caso </a:t>
-            </a:r>
-            <a:r>
-              <a:rPr lang="it-IT" dirty="0" smtClean="0">
-                <a:latin typeface="+mn-lt"/>
-              </a:rPr>
-              <a:t>di studio</a:t>
+              <a:t>Caso di studio</a:t>
             </a:r>
             <a:endParaRPr lang="it-IT" dirty="0">
               <a:latin typeface="+mn-lt"/>
@@ -27443,28 +30650,6 @@
           </a:p>
         </p:txBody>
       </p:sp>
-      <p:graphicFrame>
-        <p:nvGraphicFramePr>
-          <p:cNvPr id="4" name="Diagram 3"/>
-          <p:cNvGraphicFramePr/>
-          <p:nvPr>
-            <p:extLst>
-              <p:ext uri="{D42A27DB-BD31-4B8C-83A1-F6EECF244321}">
-                <p14:modId xmlns:p14="http://schemas.microsoft.com/office/powerpoint/2010/main" val="3221831216"/>
-              </p:ext>
-            </p:extLst>
-          </p:nvPr>
-        </p:nvGraphicFramePr>
-        <p:xfrm>
-          <a:off x="5181600" y="1845734"/>
-          <a:ext cx="5974080" cy="4384365"/>
-        </p:xfrm>
-        <a:graphic>
-          <a:graphicData uri="http://schemas.openxmlformats.org/drawingml/2006/diagram">
-            <dgm:relIds xmlns:dgm="http://schemas.openxmlformats.org/drawingml/2006/diagram" xmlns:r="http://schemas.openxmlformats.org/officeDocument/2006/relationships" r:dm="rId2" r:lo="rId3" r:qs="rId4" r:cs="rId5"/>
-          </a:graphicData>
-        </a:graphic>
-      </p:graphicFrame>
       <p:sp>
         <p:nvSpPr>
           <p:cNvPr id="6" name="Content Placeholder 5"/>
@@ -27482,9 +30667,15 @@
           </a:xfrm>
         </p:spPr>
         <p:txBody>
-          <a:bodyPr/>
+          <a:bodyPr>
+            <a:normAutofit/>
+          </a:bodyPr>
           <a:lstStyle/>
           <a:p>
+            <a:pPr>
+              <a:buFont typeface="Arial" panose="020B0604020202020204" pitchFamily="34" charset="0"/>
+              <a:buChar char="•"/>
+            </a:pPr>
             <a:r>
               <a:rPr lang="it-IT" dirty="0" smtClean="0"/>
               <a:t>Sviluppo e test di tre applicazioni web, identiche per:</a:t>
@@ -27511,8 +30702,13 @@
             </a:pPr>
             <a:r>
               <a:rPr lang="it-IT" dirty="0" smtClean="0"/>
-              <a:t>Interfaccia web;</a:t>
+              <a:t>Interfaccia </a:t>
             </a:r>
+            <a:r>
+              <a:rPr lang="it-IT" dirty="0" smtClean="0"/>
+              <a:t>e layout;</a:t>
+            </a:r>
+            <a:endParaRPr lang="it-IT" dirty="0" smtClean="0"/>
           </a:p>
           <a:p>
             <a:pPr lvl="1">
@@ -27523,21 +30719,20 @@
             </a:pPr>
             <a:r>
               <a:rPr lang="it-IT" dirty="0" smtClean="0"/>
-              <a:t>Tecnologie utilizzate;</a:t>
+              <a:t>Tecnologie </a:t>
             </a:r>
+            <a:r>
+              <a:rPr lang="it-IT" dirty="0" smtClean="0"/>
+              <a:t>utilizzate;</a:t>
+            </a:r>
+            <a:endParaRPr lang="it-IT" dirty="0"/>
           </a:p>
           <a:p>
-            <a:pPr lvl="1">
+            <a:pPr>
               <a:buClrTx/>
               <a:buSzPct val="120000"/>
               <a:buFont typeface="Arial" panose="020B0604020202020204" pitchFamily="34" charset="0"/>
               <a:buChar char="•"/>
-            </a:pPr>
-            <a:endParaRPr lang="it-IT" dirty="0" smtClean="0"/>
-          </a:p>
-          <a:p>
-            <a:pPr marL="0" indent="0">
-              <a:buNone/>
             </a:pPr>
             <a:r>
               <a:rPr lang="it-IT" dirty="0" smtClean="0"/>
@@ -27549,8 +30744,26 @@
             </a:r>
             <a:r>
               <a:rPr lang="it-IT" dirty="0" smtClean="0"/>
-              <a:t>utilizzando una libreria di test di accettazione funzionale.</a:t>
+              <a:t>utilizzando una libreria di test di </a:t>
             </a:r>
+            <a:r>
+              <a:rPr lang="it-IT" dirty="0" smtClean="0"/>
+              <a:t>accettazione:</a:t>
+            </a:r>
+          </a:p>
+          <a:p>
+            <a:pPr>
+              <a:buClrTx/>
+              <a:buSzPct val="120000"/>
+              <a:buFont typeface="Arial" panose="020B0604020202020204" pitchFamily="34" charset="0"/>
+              <a:buChar char="•"/>
+            </a:pPr>
+            <a:r>
+              <a:rPr lang="it-IT" dirty="0" smtClean="0"/>
+              <a:t>Ogni funzionalità coincide con l’introduzione di un numero ridotto di tecnologie;</a:t>
+            </a:r>
+          </a:p>
+          <a:p>
             <a:endParaRPr lang="it-IT" dirty="0"/>
           </a:p>
           <a:p>
@@ -27558,6 +30771,28 @@
           </a:p>
         </p:txBody>
       </p:sp>
+      <p:graphicFrame>
+        <p:nvGraphicFramePr>
+          <p:cNvPr id="4" name="Diagram 3"/>
+          <p:cNvGraphicFramePr/>
+          <p:nvPr>
+            <p:extLst>
+              <p:ext uri="{D42A27DB-BD31-4B8C-83A1-F6EECF244321}">
+                <p14:modId xmlns:p14="http://schemas.microsoft.com/office/powerpoint/2010/main" val="3221831216"/>
+              </p:ext>
+            </p:extLst>
+          </p:nvPr>
+        </p:nvGraphicFramePr>
+        <p:xfrm>
+          <a:off x="5181600" y="1845734"/>
+          <a:ext cx="5974080" cy="4384365"/>
+        </p:xfrm>
+        <a:graphic>
+          <a:graphicData uri="http://schemas.openxmlformats.org/drawingml/2006/diagram">
+            <dgm:relIds xmlns:dgm="http://schemas.openxmlformats.org/drawingml/2006/diagram" xmlns:r="http://schemas.openxmlformats.org/officeDocument/2006/relationships" r:dm="rId2" r:lo="rId3" r:qs="rId4" r:cs="rId5"/>
+          </a:graphicData>
+        </a:graphic>
+      </p:graphicFrame>
     </p:spTree>
     <p:extLst>
       <p:ext uri="{BB962C8B-B14F-4D97-AF65-F5344CB8AC3E}">
@@ -27595,6 +30830,41 @@
           <a:chExt cx="0" cy="0"/>
         </a:xfrm>
       </p:grpSpPr>
+      <p:sp>
+        <p:nvSpPr>
+          <p:cNvPr id="8" name="Title 7"/>
+          <p:cNvSpPr>
+            <a:spLocks noGrp="1"/>
+          </p:cNvSpPr>
+          <p:nvPr>
+            <p:ph type="title"/>
+          </p:nvPr>
+        </p:nvSpPr>
+        <p:spPr/>
+        <p:txBody>
+          <a:bodyPr/>
+          <a:lstStyle/>
+          <a:p>
+            <a:r>
+              <a:rPr lang="it-IT" dirty="0"/>
+              <a:t>{R, S, </a:t>
+            </a:r>
+            <a:r>
+              <a:rPr lang="it-IT" dirty="0" smtClean="0"/>
+              <a:t>CS}Blog </a:t>
+            </a:r>
+            <a:r>
+              <a:rPr lang="it-IT" sz="6000" b="1" dirty="0" smtClean="0"/>
+              <a:t>M</a:t>
+            </a:r>
+            <a:r>
+              <a:rPr lang="it-IT" dirty="0" smtClean="0"/>
+              <a:t>VC</a:t>
+            </a:r>
+            <a:endParaRPr lang="it-IT" dirty="0"/>
+          </a:p>
+        </p:txBody>
+      </p:sp>
       <p:sp>
         <p:nvSpPr>
           <p:cNvPr id="3" name="Content Placeholder 2"/>
@@ -27680,41 +30950,6 @@
           </a:p>
         </p:txBody>
       </p:sp>
-      <p:sp>
-        <p:nvSpPr>
-          <p:cNvPr id="8" name="Title 7"/>
-          <p:cNvSpPr>
-            <a:spLocks noGrp="1"/>
-          </p:cNvSpPr>
-          <p:nvPr>
-            <p:ph type="title"/>
-          </p:nvPr>
-        </p:nvSpPr>
-        <p:spPr/>
-        <p:txBody>
-          <a:bodyPr/>
-          <a:lstStyle/>
-          <a:p>
-            <a:r>
-              <a:rPr lang="it-IT" dirty="0"/>
-              <a:t>{R, S, </a:t>
-            </a:r>
-            <a:r>
-              <a:rPr lang="it-IT" dirty="0" smtClean="0"/>
-              <a:t>CS}Blog </a:t>
-            </a:r>
-            <a:r>
-              <a:rPr lang="it-IT" sz="6000" b="1" dirty="0" smtClean="0"/>
-              <a:t>M</a:t>
-            </a:r>
-            <a:r>
-              <a:rPr lang="it-IT" dirty="0" smtClean="0"/>
-              <a:t>VC</a:t>
-            </a:r>
-            <a:endParaRPr lang="it-IT" dirty="0"/>
-          </a:p>
-        </p:txBody>
-      </p:sp>
       <p:graphicFrame>
         <p:nvGraphicFramePr>
           <p:cNvPr id="2" name="Diagram 1"/>
@@ -27774,6 +31009,41 @@
           <a:chExt cx="0" cy="0"/>
         </a:xfrm>
       </p:grpSpPr>
+      <p:sp>
+        <p:nvSpPr>
+          <p:cNvPr id="8" name="Title 7"/>
+          <p:cNvSpPr>
+            <a:spLocks noGrp="1"/>
+          </p:cNvSpPr>
+          <p:nvPr>
+            <p:ph type="title"/>
+          </p:nvPr>
+        </p:nvSpPr>
+        <p:spPr/>
+        <p:txBody>
+          <a:bodyPr/>
+          <a:lstStyle/>
+          <a:p>
+            <a:r>
+              <a:rPr lang="it-IT" dirty="0"/>
+              <a:t>{R, S, </a:t>
+            </a:r>
+            <a:r>
+              <a:rPr lang="it-IT" dirty="0" smtClean="0"/>
+              <a:t>CS}Blog M</a:t>
+            </a:r>
+            <a:r>
+              <a:rPr lang="it-IT" sz="6000" b="1" dirty="0" smtClean="0"/>
+              <a:t>V</a:t>
+            </a:r>
+            <a:r>
+              <a:rPr lang="it-IT" dirty="0" smtClean="0"/>
+              <a:t>C</a:t>
+            </a:r>
+            <a:endParaRPr lang="it-IT" dirty="0"/>
+          </a:p>
+        </p:txBody>
+      </p:sp>
       <p:sp>
         <p:nvSpPr>
           <p:cNvPr id="3" name="Content Placeholder 2"/>
@@ -27859,41 +31129,6 @@
           </a:p>
         </p:txBody>
       </p:sp>
-      <p:sp>
-        <p:nvSpPr>
-          <p:cNvPr id="8" name="Title 7"/>
-          <p:cNvSpPr>
-            <a:spLocks noGrp="1"/>
-          </p:cNvSpPr>
-          <p:nvPr>
-            <p:ph type="title"/>
-          </p:nvPr>
-        </p:nvSpPr>
-        <p:spPr/>
-        <p:txBody>
-          <a:bodyPr/>
-          <a:lstStyle/>
-          <a:p>
-            <a:r>
-              <a:rPr lang="it-IT" dirty="0"/>
-              <a:t>{R, S, </a:t>
-            </a:r>
-            <a:r>
-              <a:rPr lang="it-IT" dirty="0" smtClean="0"/>
-              <a:t>CS}Blog M</a:t>
-            </a:r>
-            <a:r>
-              <a:rPr lang="it-IT" sz="6000" b="1" dirty="0" smtClean="0"/>
-              <a:t>V</a:t>
-            </a:r>
-            <a:r>
-              <a:rPr lang="it-IT" dirty="0" smtClean="0"/>
-              <a:t>C</a:t>
-            </a:r>
-            <a:endParaRPr lang="it-IT" dirty="0"/>
-          </a:p>
-        </p:txBody>
-      </p:sp>
       <p:graphicFrame>
         <p:nvGraphicFramePr>
           <p:cNvPr id="2" name="Diagram 1"/>
@@ -27953,6 +31188,37 @@
           <a:chExt cx="0" cy="0"/>
         </a:xfrm>
       </p:grpSpPr>
+      <p:sp>
+        <p:nvSpPr>
+          <p:cNvPr id="8" name="Title 7"/>
+          <p:cNvSpPr>
+            <a:spLocks noGrp="1"/>
+          </p:cNvSpPr>
+          <p:nvPr>
+            <p:ph type="title"/>
+          </p:nvPr>
+        </p:nvSpPr>
+        <p:spPr/>
+        <p:txBody>
+          <a:bodyPr/>
+          <a:lstStyle/>
+          <a:p>
+            <a:r>
+              <a:rPr lang="it-IT" dirty="0"/>
+              <a:t>{R, S, </a:t>
+            </a:r>
+            <a:r>
+              <a:rPr lang="it-IT" dirty="0" smtClean="0"/>
+              <a:t>CS}Blog MV</a:t>
+            </a:r>
+            <a:r>
+              <a:rPr lang="it-IT" sz="6000" dirty="0" smtClean="0"/>
+              <a:t>C</a:t>
+            </a:r>
+            <a:endParaRPr lang="it-IT" sz="6000" dirty="0"/>
+          </a:p>
+        </p:txBody>
+      </p:sp>
       <p:sp>
         <p:nvSpPr>
           <p:cNvPr id="3" name="Content Placeholder 2"/>
@@ -28038,37 +31304,6 @@
           </a:p>
         </p:txBody>
       </p:sp>
-      <p:sp>
-        <p:nvSpPr>
-          <p:cNvPr id="8" name="Title 7"/>
-          <p:cNvSpPr>
-            <a:spLocks noGrp="1"/>
-          </p:cNvSpPr>
-          <p:nvPr>
-            <p:ph type="title"/>
-          </p:nvPr>
-        </p:nvSpPr>
-        <p:spPr/>
-        <p:txBody>
-          <a:bodyPr/>
-          <a:lstStyle/>
-          <a:p>
-            <a:r>
-              <a:rPr lang="it-IT" dirty="0"/>
-              <a:t>{R, S, </a:t>
-            </a:r>
-            <a:r>
-              <a:rPr lang="it-IT" dirty="0" smtClean="0"/>
-              <a:t>CS}Blog MV</a:t>
-            </a:r>
-            <a:r>
-              <a:rPr lang="it-IT" sz="6000" dirty="0" smtClean="0"/>
-              <a:t>C</a:t>
-            </a:r>
-            <a:endParaRPr lang="it-IT" sz="6000" dirty="0"/>
-          </a:p>
-        </p:txBody>
-      </p:sp>
       <p:graphicFrame>
         <p:nvGraphicFramePr>
           <p:cNvPr id="2" name="Diagram 1"/>
@@ -28128,6 +31363,33 @@
           <a:chExt cx="0" cy="0"/>
         </a:xfrm>
       </p:grpSpPr>
+      <p:sp>
+        <p:nvSpPr>
+          <p:cNvPr id="8" name="Title 7"/>
+          <p:cNvSpPr>
+            <a:spLocks noGrp="1"/>
+          </p:cNvSpPr>
+          <p:nvPr>
+            <p:ph type="title"/>
+          </p:nvPr>
+        </p:nvSpPr>
+        <p:spPr/>
+        <p:txBody>
+          <a:bodyPr/>
+          <a:lstStyle/>
+          <a:p>
+            <a:r>
+              <a:rPr lang="it-IT" dirty="0"/>
+              <a:t>{R, S, </a:t>
+            </a:r>
+            <a:r>
+              <a:rPr lang="it-IT" dirty="0" smtClean="0"/>
+              <a:t>CS}Blog IDE</a:t>
+            </a:r>
+            <a:endParaRPr lang="it-IT" sz="6000" dirty="0"/>
+          </a:p>
+        </p:txBody>
+      </p:sp>
       <p:sp>
         <p:nvSpPr>
           <p:cNvPr id="3" name="Content Placeholder 2"/>
@@ -28210,33 +31472,6 @@
             <a:endParaRPr lang="it-IT" dirty="0">
               <a:latin typeface="+mn-lt"/>
             </a:endParaRPr>
-          </a:p>
-        </p:txBody>
-      </p:sp>
-      <p:sp>
-        <p:nvSpPr>
-          <p:cNvPr id="8" name="Title 7"/>
-          <p:cNvSpPr>
-            <a:spLocks noGrp="1"/>
-          </p:cNvSpPr>
-          <p:nvPr>
-            <p:ph type="title"/>
-          </p:nvPr>
-        </p:nvSpPr>
-        <p:spPr/>
-        <p:txBody>
-          <a:bodyPr/>
-          <a:lstStyle/>
-          <a:p>
-            <a:r>
-              <a:rPr lang="it-IT" dirty="0"/>
-              <a:t>{R, S, </a:t>
-            </a:r>
-            <a:r>
-              <a:rPr lang="it-IT" dirty="0" smtClean="0"/>
-              <a:t>CS}Blog IDE</a:t>
-            </a:r>
-            <a:endParaRPr lang="it-IT" sz="6000" dirty="0"/>
           </a:p>
         </p:txBody>
       </p:sp>
@@ -28323,16 +31558,76 @@
         <a:srgbClr val="B26B02"/>
       </a:folHlink>
     </a:clrScheme>
-    <a:fontScheme name="Custom 3">
+    <a:fontScheme name="Retrospect">
       <a:majorFont>
-        <a:latin typeface="Varela Round"/>
+        <a:latin typeface="Calibri Light" panose="020F0302020204030204"/>
         <a:ea typeface=""/>
         <a:cs typeface=""/>
+        <a:font script="Jpan" typeface="ＭＳ Ｐゴシック"/>
+        <a:font script="Hang" typeface="맑은 고딕"/>
+        <a:font script="Hans" typeface="宋体"/>
+        <a:font script="Hant" typeface="新細明體"/>
+        <a:font script="Arab" typeface="Times New Roman"/>
+        <a:font script="Hebr" typeface="Times New Roman"/>
+        <a:font script="Thai" typeface="Angsana New"/>
+        <a:font script="Ethi" typeface="Nyala"/>
+        <a:font script="Beng" typeface="Vrinda"/>
+        <a:font script="Gujr" typeface="Shruti"/>
+        <a:font script="Khmr" typeface="MoolBoran"/>
+        <a:font script="Knda" typeface="Tunga"/>
+        <a:font script="Guru" typeface="Raavi"/>
+        <a:font script="Cans" typeface="Euphemia"/>
+        <a:font script="Cher" typeface="Plantagenet Cherokee"/>
+        <a:font script="Yiii" typeface="Microsoft Yi Baiti"/>
+        <a:font script="Tibt" typeface="Microsoft Himalaya"/>
+        <a:font script="Thaa" typeface="MV Boli"/>
+        <a:font script="Deva" typeface="Mangal"/>
+        <a:font script="Telu" typeface="Gautami"/>
+        <a:font script="Taml" typeface="Latha"/>
+        <a:font script="Syrc" typeface="Estrangelo Edessa"/>
+        <a:font script="Orya" typeface="Kalinga"/>
+        <a:font script="Mlym" typeface="Kartika"/>
+        <a:font script="Laoo" typeface="DokChampa"/>
+        <a:font script="Sinh" typeface="Iskoola Pota"/>
+        <a:font script="Mong" typeface="Mongolian Baiti"/>
+        <a:font script="Viet" typeface="Times New Roman"/>
+        <a:font script="Uigh" typeface="Microsoft Uighur"/>
+        <a:font script="Geor" typeface="Sylfaen"/>
       </a:majorFont>
       <a:minorFont>
-        <a:latin typeface="Varela Round"/>
+        <a:latin typeface="Calibri" panose="020F0502020204030204"/>
         <a:ea typeface=""/>
         <a:cs typeface=""/>
+        <a:font script="Jpan" typeface="ＭＳ Ｐゴシック"/>
+        <a:font script="Hang" typeface="맑은 고딕"/>
+        <a:font script="Hans" typeface="宋体"/>
+        <a:font script="Hant" typeface="新細明體"/>
+        <a:font script="Arab" typeface="Arial"/>
+        <a:font script="Hebr" typeface="Arial"/>
+        <a:font script="Thai" typeface="Cordia New"/>
+        <a:font script="Ethi" typeface="Nyala"/>
+        <a:font script="Beng" typeface="Vrinda"/>
+        <a:font script="Gujr" typeface="Shruti"/>
+        <a:font script="Khmr" typeface="DaunPenh"/>
+        <a:font script="Knda" typeface="Tunga"/>
+        <a:font script="Guru" typeface="Raavi"/>
+        <a:font script="Cans" typeface="Euphemia"/>
+        <a:font script="Cher" typeface="Plantagenet Cherokee"/>
+        <a:font script="Yiii" typeface="Microsoft Yi Baiti"/>
+        <a:font script="Tibt" typeface="Microsoft Himalaya"/>
+        <a:font script="Thaa" typeface="MV Boli"/>
+        <a:font script="Deva" typeface="Mangal"/>
+        <a:font script="Telu" typeface="Gautami"/>
+        <a:font script="Taml" typeface="Latha"/>
+        <a:font script="Syrc" typeface="Estrangelo Edessa"/>
+        <a:font script="Orya" typeface="Kalinga"/>
+        <a:font script="Mlym" typeface="Kartika"/>
+        <a:font script="Laoo" typeface="DokChampa"/>
+        <a:font script="Sinh" typeface="Iskoola Pota"/>
+        <a:font script="Mong" typeface="Mongolian Baiti"/>
+        <a:font script="Viet" typeface="Arial"/>
+        <a:font script="Uigh" typeface="Microsoft Uighur"/>
+        <a:font script="Geor" typeface="Sylfaen"/>
       </a:minorFont>
     </a:fontScheme>
     <a:fmtScheme name="Retrospect">

--- a/Presentazione.pptx
+++ b/Presentazione.pptx
@@ -14,9 +14,18 @@
     <p:sldId id="267" r:id="rId8"/>
     <p:sldId id="268" r:id="rId9"/>
     <p:sldId id="269" r:id="rId10"/>
-    <p:sldId id="261" r:id="rId11"/>
-    <p:sldId id="270" r:id="rId12"/>
-    <p:sldId id="265" r:id="rId13"/>
+    <p:sldId id="280" r:id="rId11"/>
+    <p:sldId id="261" r:id="rId12"/>
+    <p:sldId id="270" r:id="rId13"/>
+    <p:sldId id="265" r:id="rId14"/>
+    <p:sldId id="272" r:id="rId15"/>
+    <p:sldId id="273" r:id="rId16"/>
+    <p:sldId id="274" r:id="rId17"/>
+    <p:sldId id="275" r:id="rId18"/>
+    <p:sldId id="276" r:id="rId19"/>
+    <p:sldId id="277" r:id="rId20"/>
+    <p:sldId id="278" r:id="rId21"/>
+    <p:sldId id="279" r:id="rId22"/>
   </p:sldIdLst>
   <p:sldSz cx="12192000" cy="6858000"/>
   <p:notesSz cx="6858000" cy="9144000"/>
@@ -8497,6 +8506,13 @@
           </a:stretch>
         </a:blipFill>
       </dgm:spPr>
+      <dgm:t>
+        <a:bodyPr/>
+        <a:lstStyle/>
+        <a:p>
+          <a:endParaRPr lang="it-IT"/>
+        </a:p>
+      </dgm:t>
     </dgm:pt>
     <dgm:pt modelId="{EF18BA51-7C21-4A6A-A1F9-0649EB04AE8D}" type="pres">
       <dgm:prSet presAssocID="{96853F03-5054-4C2A-BBB3-50B29B977C23}" presName="text" presStyleLbl="node1" presStyleIdx="0" presStyleCnt="3">
@@ -8658,7 +8674,7 @@
 <dgm:dataModel xmlns:dgm="http://schemas.openxmlformats.org/drawingml/2006/diagram" xmlns:a="http://schemas.openxmlformats.org/drawingml/2006/main">
   <dgm:ptLst>
     <dgm:pt modelId="{EEE8A3FA-F383-4D0F-B67A-40AD33C5E313}" type="doc">
-      <dgm:prSet loTypeId="urn:microsoft.com/office/officeart/2005/8/layout/vList5" loCatId="list" qsTypeId="urn:microsoft.com/office/officeart/2005/8/quickstyle/simple1" qsCatId="simple" csTypeId="urn:microsoft.com/office/officeart/2005/8/colors/accent1_2" csCatId="accent1" phldr="1"/>
+      <dgm:prSet loTypeId="urn:microsoft.com/office/officeart/2005/8/layout/vList5" loCatId="list" qsTypeId="urn:microsoft.com/office/officeart/2005/8/quickstyle/simple3" qsCatId="simple" csTypeId="urn:microsoft.com/office/officeart/2005/8/colors/accent1_2" csCatId="accent1" phldr="1"/>
       <dgm:spPr/>
       <dgm:t>
         <a:bodyPr/>
@@ -9010,10 +9026,24 @@
         </dgm:presLayoutVars>
       </dgm:prSet>
       <dgm:spPr/>
+      <dgm:t>
+        <a:bodyPr/>
+        <a:lstStyle/>
+        <a:p>
+          <a:endParaRPr lang="it-IT"/>
+        </a:p>
+      </dgm:t>
     </dgm:pt>
     <dgm:pt modelId="{180908C7-BEE4-4F09-9D4E-DE602BA01834}" type="pres">
       <dgm:prSet presAssocID="{C7897C54-F800-44B8-B2E0-E3F6280CA0C8}" presName="linNode" presStyleCnt="0"/>
       <dgm:spPr/>
+      <dgm:t>
+        <a:bodyPr/>
+        <a:lstStyle/>
+        <a:p>
+          <a:endParaRPr lang="it-IT"/>
+        </a:p>
+      </dgm:t>
     </dgm:pt>
     <dgm:pt modelId="{F11A811D-BF03-46F9-903E-86A9AAAF8A3D}" type="pres">
       <dgm:prSet presAssocID="{C7897C54-F800-44B8-B2E0-E3F6280CA0C8}" presName="parentText" presStyleLbl="node1" presStyleIdx="0" presStyleCnt="3">
@@ -9038,14 +9068,35 @@
         </dgm:presLayoutVars>
       </dgm:prSet>
       <dgm:spPr/>
+      <dgm:t>
+        <a:bodyPr/>
+        <a:lstStyle/>
+        <a:p>
+          <a:endParaRPr lang="it-IT"/>
+        </a:p>
+      </dgm:t>
     </dgm:pt>
     <dgm:pt modelId="{70E1AE9D-A729-45FD-A9AF-BA05702B8525}" type="pres">
       <dgm:prSet presAssocID="{8874BCF8-81F5-4A6B-B3C3-5FDED006647A}" presName="sp" presStyleCnt="0"/>
       <dgm:spPr/>
+      <dgm:t>
+        <a:bodyPr/>
+        <a:lstStyle/>
+        <a:p>
+          <a:endParaRPr lang="it-IT"/>
+        </a:p>
+      </dgm:t>
     </dgm:pt>
     <dgm:pt modelId="{0B6032FF-CB46-499C-BAD7-61F4111F427F}" type="pres">
       <dgm:prSet presAssocID="{EAE98432-45EF-49FC-84CF-CAFF81DB5CD7}" presName="linNode" presStyleCnt="0"/>
       <dgm:spPr/>
+      <dgm:t>
+        <a:bodyPr/>
+        <a:lstStyle/>
+        <a:p>
+          <a:endParaRPr lang="it-IT"/>
+        </a:p>
+      </dgm:t>
     </dgm:pt>
     <dgm:pt modelId="{D5BA7D7F-A832-4CB0-971D-4F0DE6BF012E}" type="pres">
       <dgm:prSet presAssocID="{EAE98432-45EF-49FC-84CF-CAFF81DB5CD7}" presName="parentText" presStyleLbl="node1" presStyleIdx="1" presStyleCnt="3">
@@ -9055,6 +9106,13 @@
         </dgm:presLayoutVars>
       </dgm:prSet>
       <dgm:spPr/>
+      <dgm:t>
+        <a:bodyPr/>
+        <a:lstStyle/>
+        <a:p>
+          <a:endParaRPr lang="it-IT"/>
+        </a:p>
+      </dgm:t>
     </dgm:pt>
     <dgm:pt modelId="{84047048-3489-45FD-AD42-23C8F293A5F6}" type="pres">
       <dgm:prSet presAssocID="{EAE98432-45EF-49FC-84CF-CAFF81DB5CD7}" presName="descendantText" presStyleLbl="alignAccFollowNode1" presStyleIdx="1" presStyleCnt="3">
@@ -9074,10 +9132,24 @@
     <dgm:pt modelId="{37DEEDC1-1A62-4467-BEAF-9DE45E8A8E5E}" type="pres">
       <dgm:prSet presAssocID="{2057EE9D-E2B0-4FBA-9B4A-EC037242B740}" presName="sp" presStyleCnt="0"/>
       <dgm:spPr/>
+      <dgm:t>
+        <a:bodyPr/>
+        <a:lstStyle/>
+        <a:p>
+          <a:endParaRPr lang="it-IT"/>
+        </a:p>
+      </dgm:t>
     </dgm:pt>
     <dgm:pt modelId="{18F276F7-7329-41EE-9862-7D1207B3BD8B}" type="pres">
       <dgm:prSet presAssocID="{0F152F44-1198-43AC-86E7-8E96A8CB883F}" presName="linNode" presStyleCnt="0"/>
       <dgm:spPr/>
+      <dgm:t>
+        <a:bodyPr/>
+        <a:lstStyle/>
+        <a:p>
+          <a:endParaRPr lang="it-IT"/>
+        </a:p>
+      </dgm:t>
     </dgm:pt>
     <dgm:pt modelId="{B6BE7333-28CC-4023-A7F5-52E95F94DCDE}" type="pres">
       <dgm:prSet presAssocID="{0F152F44-1198-43AC-86E7-8E96A8CB883F}" presName="parentText" presStyleLbl="node1" presStyleIdx="2" presStyleCnt="3">
@@ -9112,25 +9184,25 @@
     </dgm:pt>
   </dgm:ptLst>
   <dgm:cxnLst>
+    <dgm:cxn modelId="{1633A6CD-F59F-482B-A821-7C54C90514DF}" srcId="{EEE8A3FA-F383-4D0F-B67A-40AD33C5E313}" destId="{EAE98432-45EF-49FC-84CF-CAFF81DB5CD7}" srcOrd="1" destOrd="0" parTransId="{0B7295D3-AB6A-408E-B4E1-36D0BF9BED6E}" sibTransId="{2057EE9D-E2B0-4FBA-9B4A-EC037242B740}"/>
     <dgm:cxn modelId="{582372E9-5AA5-4FD6-9726-8F7A03DE974F}" type="presOf" srcId="{60C267EA-503E-40EE-A033-A0D69762F4DE}" destId="{3DCABB5E-815A-4018-894D-BB2152A05B74}" srcOrd="0" destOrd="1" presId="urn:microsoft.com/office/officeart/2005/8/layout/vList5"/>
-    <dgm:cxn modelId="{EE3D5F84-4287-4B55-B023-7875064AD5BB}" type="presOf" srcId="{A0AA2172-E60F-4EE6-997C-5F090CFF3574}" destId="{84E8FD5B-F47E-455E-849A-EF1F394AFB08}" srcOrd="0" destOrd="0" presId="urn:microsoft.com/office/officeart/2005/8/layout/vList5"/>
+    <dgm:cxn modelId="{3A88C447-9A89-4EC9-9943-D4846AD04A36}" srcId="{EEE8A3FA-F383-4D0F-B67A-40AD33C5E313}" destId="{0F152F44-1198-43AC-86E7-8E96A8CB883F}" srcOrd="2" destOrd="0" parTransId="{255219C8-00D9-4D6E-8429-5D9B2A9DD4C9}" sibTransId="{CEEF77D7-AFC1-4328-B282-96AAECA29424}"/>
+    <dgm:cxn modelId="{F339A4E5-37F9-43A7-AC7E-47E72C4207F1}" srcId="{C7897C54-F800-44B8-B2E0-E3F6280CA0C8}" destId="{A0AA2172-E60F-4EE6-997C-5F090CFF3574}" srcOrd="0" destOrd="0" parTransId="{768D02CB-52CC-4206-B8CA-AFA5F65CA0C9}" sibTransId="{F2A80081-5E49-4D88-BBFF-B694C9F0DE43}"/>
+    <dgm:cxn modelId="{8B8C56C6-02E8-4B27-975C-B8C808A6B68F}" type="presOf" srcId="{BC491DEC-2DE0-4650-8339-783DCFD8374B}" destId="{84E8FD5B-F47E-455E-849A-EF1F394AFB08}" srcOrd="0" destOrd="1" presId="urn:microsoft.com/office/officeart/2005/8/layout/vList5"/>
     <dgm:cxn modelId="{A8509B04-2146-4093-952C-B45A98B5261A}" srcId="{EAE98432-45EF-49FC-84CF-CAFF81DB5CD7}" destId="{5CA24573-BC92-4A10-A1B3-2B7F5A92872F}" srcOrd="1" destOrd="0" parTransId="{59C34C33-CF9C-4B06-993D-E9167933D4A6}" sibTransId="{AE0EC781-1BB0-4A1D-BEF1-E22640B4A60A}"/>
+    <dgm:cxn modelId="{C15160EE-E6D8-4FAE-A151-D3A7080B0A99}" srcId="{EEE8A3FA-F383-4D0F-B67A-40AD33C5E313}" destId="{C7897C54-F800-44B8-B2E0-E3F6280CA0C8}" srcOrd="0" destOrd="0" parTransId="{B538B416-3964-486B-B3A4-0CF22326C761}" sibTransId="{8874BCF8-81F5-4A6B-B3C3-5FDED006647A}"/>
+    <dgm:cxn modelId="{0E68D9FF-0B9D-4E81-B687-E83107DD8E8C}" srcId="{EAE98432-45EF-49FC-84CF-CAFF81DB5CD7}" destId="{D0DF8467-DA3A-437F-B3BE-2D4E4C36AE23}" srcOrd="0" destOrd="0" parTransId="{5A2CB50E-3A3A-41B2-B052-07A44CB96E45}" sibTransId="{66DDADC9-0E8B-42D4-B1EA-74A3270B8D9E}"/>
+    <dgm:cxn modelId="{A5F32142-12BC-425D-8490-97E883A97E62}" type="presOf" srcId="{EAE98432-45EF-49FC-84CF-CAFF81DB5CD7}" destId="{D5BA7D7F-A832-4CB0-971D-4F0DE6BF012E}" srcOrd="0" destOrd="0" presId="urn:microsoft.com/office/officeart/2005/8/layout/vList5"/>
+    <dgm:cxn modelId="{DD126B35-DDAF-4A09-98E6-EAAAA1F0C85E}" srcId="{0F152F44-1198-43AC-86E7-8E96A8CB883F}" destId="{60C267EA-503E-40EE-A033-A0D69762F4DE}" srcOrd="1" destOrd="0" parTransId="{C1103FC2-D532-4D8D-9065-6C47D17A2331}" sibTransId="{A3B6FC1C-ECE9-4880-9A67-B011E171FB83}"/>
+    <dgm:cxn modelId="{14D34CDC-DDE0-4DE9-81F7-7B8151BD0D17}" srcId="{0F152F44-1198-43AC-86E7-8E96A8CB883F}" destId="{4A7424E4-33FE-4962-8C87-8F65E64E05A4}" srcOrd="0" destOrd="0" parTransId="{F0B2D6AB-5F2F-4713-B45E-30DA114C481F}" sibTransId="{3C0C09AD-99F4-4527-8671-FA4FF5A98971}"/>
     <dgm:cxn modelId="{2389203F-74E3-464B-A439-71969A57CFC9}" type="presOf" srcId="{4A7424E4-33FE-4962-8C87-8F65E64E05A4}" destId="{3DCABB5E-815A-4018-894D-BB2152A05B74}" srcOrd="0" destOrd="0" presId="urn:microsoft.com/office/officeart/2005/8/layout/vList5"/>
+    <dgm:cxn modelId="{BEAC364D-7BE1-44AB-8350-521CDA18CE36}" type="presOf" srcId="{5CA24573-BC92-4A10-A1B3-2B7F5A92872F}" destId="{84047048-3489-45FD-AD42-23C8F293A5F6}" srcOrd="0" destOrd="1" presId="urn:microsoft.com/office/officeart/2005/8/layout/vList5"/>
+    <dgm:cxn modelId="{E521E888-6BF8-47D0-91A9-8DDF6A1AFBE2}" srcId="{C7897C54-F800-44B8-B2E0-E3F6280CA0C8}" destId="{BC491DEC-2DE0-4650-8339-783DCFD8374B}" srcOrd="1" destOrd="0" parTransId="{4ADB86D3-83DC-4CFA-9509-46BE32E09462}" sibTransId="{1AB16834-9CDF-434C-9DE7-82B4383238F5}"/>
     <dgm:cxn modelId="{D5F49355-8AE6-466F-A51C-35CC6EDD7CC8}" type="presOf" srcId="{EEE8A3FA-F383-4D0F-B67A-40AD33C5E313}" destId="{F733AC26-86E5-4483-9535-2A97BBA27B1D}" srcOrd="0" destOrd="0" presId="urn:microsoft.com/office/officeart/2005/8/layout/vList5"/>
     <dgm:cxn modelId="{DBAB86BD-49FE-400F-A142-34120B5BF832}" type="presOf" srcId="{D0DF8467-DA3A-437F-B3BE-2D4E4C36AE23}" destId="{84047048-3489-45FD-AD42-23C8F293A5F6}" srcOrd="0" destOrd="0" presId="urn:microsoft.com/office/officeart/2005/8/layout/vList5"/>
-    <dgm:cxn modelId="{3A88C447-9A89-4EC9-9943-D4846AD04A36}" srcId="{EEE8A3FA-F383-4D0F-B67A-40AD33C5E313}" destId="{0F152F44-1198-43AC-86E7-8E96A8CB883F}" srcOrd="2" destOrd="0" parTransId="{255219C8-00D9-4D6E-8429-5D9B2A9DD4C9}" sibTransId="{CEEF77D7-AFC1-4328-B282-96AAECA29424}"/>
-    <dgm:cxn modelId="{14D34CDC-DDE0-4DE9-81F7-7B8151BD0D17}" srcId="{0F152F44-1198-43AC-86E7-8E96A8CB883F}" destId="{4A7424E4-33FE-4962-8C87-8F65E64E05A4}" srcOrd="0" destOrd="0" parTransId="{F0B2D6AB-5F2F-4713-B45E-30DA114C481F}" sibTransId="{3C0C09AD-99F4-4527-8671-FA4FF5A98971}"/>
+    <dgm:cxn modelId="{DBF7F01A-A691-4CAE-A333-56E19FE45680}" type="presOf" srcId="{0F152F44-1198-43AC-86E7-8E96A8CB883F}" destId="{B6BE7333-28CC-4023-A7F5-52E95F94DCDE}" srcOrd="0" destOrd="0" presId="urn:microsoft.com/office/officeart/2005/8/layout/vList5"/>
     <dgm:cxn modelId="{C9A65338-A148-4C28-8AAA-65F212680BEF}" type="presOf" srcId="{C7897C54-F800-44B8-B2E0-E3F6280CA0C8}" destId="{F11A811D-BF03-46F9-903E-86A9AAAF8A3D}" srcOrd="0" destOrd="0" presId="urn:microsoft.com/office/officeart/2005/8/layout/vList5"/>
-    <dgm:cxn modelId="{DBF7F01A-A691-4CAE-A333-56E19FE45680}" type="presOf" srcId="{0F152F44-1198-43AC-86E7-8E96A8CB883F}" destId="{B6BE7333-28CC-4023-A7F5-52E95F94DCDE}" srcOrd="0" destOrd="0" presId="urn:microsoft.com/office/officeart/2005/8/layout/vList5"/>
-    <dgm:cxn modelId="{C15160EE-E6D8-4FAE-A151-D3A7080B0A99}" srcId="{EEE8A3FA-F383-4D0F-B67A-40AD33C5E313}" destId="{C7897C54-F800-44B8-B2E0-E3F6280CA0C8}" srcOrd="0" destOrd="0" parTransId="{B538B416-3964-486B-B3A4-0CF22326C761}" sibTransId="{8874BCF8-81F5-4A6B-B3C3-5FDED006647A}"/>
-    <dgm:cxn modelId="{1633A6CD-F59F-482B-A821-7C54C90514DF}" srcId="{EEE8A3FA-F383-4D0F-B67A-40AD33C5E313}" destId="{EAE98432-45EF-49FC-84CF-CAFF81DB5CD7}" srcOrd="1" destOrd="0" parTransId="{0B7295D3-AB6A-408E-B4E1-36D0BF9BED6E}" sibTransId="{2057EE9D-E2B0-4FBA-9B4A-EC037242B740}"/>
-    <dgm:cxn modelId="{8B8C56C6-02E8-4B27-975C-B8C808A6B68F}" type="presOf" srcId="{BC491DEC-2DE0-4650-8339-783DCFD8374B}" destId="{84E8FD5B-F47E-455E-849A-EF1F394AFB08}" srcOrd="0" destOrd="1" presId="urn:microsoft.com/office/officeart/2005/8/layout/vList5"/>
-    <dgm:cxn modelId="{F339A4E5-37F9-43A7-AC7E-47E72C4207F1}" srcId="{C7897C54-F800-44B8-B2E0-E3F6280CA0C8}" destId="{A0AA2172-E60F-4EE6-997C-5F090CFF3574}" srcOrd="0" destOrd="0" parTransId="{768D02CB-52CC-4206-B8CA-AFA5F65CA0C9}" sibTransId="{F2A80081-5E49-4D88-BBFF-B694C9F0DE43}"/>
-    <dgm:cxn modelId="{DD126B35-DDAF-4A09-98E6-EAAAA1F0C85E}" srcId="{0F152F44-1198-43AC-86E7-8E96A8CB883F}" destId="{60C267EA-503E-40EE-A033-A0D69762F4DE}" srcOrd="1" destOrd="0" parTransId="{C1103FC2-D532-4D8D-9065-6C47D17A2331}" sibTransId="{A3B6FC1C-ECE9-4880-9A67-B011E171FB83}"/>
-    <dgm:cxn modelId="{E521E888-6BF8-47D0-91A9-8DDF6A1AFBE2}" srcId="{C7897C54-F800-44B8-B2E0-E3F6280CA0C8}" destId="{BC491DEC-2DE0-4650-8339-783DCFD8374B}" srcOrd="1" destOrd="0" parTransId="{4ADB86D3-83DC-4CFA-9509-46BE32E09462}" sibTransId="{1AB16834-9CDF-434C-9DE7-82B4383238F5}"/>
-    <dgm:cxn modelId="{0E68D9FF-0B9D-4E81-B687-E83107DD8E8C}" srcId="{EAE98432-45EF-49FC-84CF-CAFF81DB5CD7}" destId="{D0DF8467-DA3A-437F-B3BE-2D4E4C36AE23}" srcOrd="0" destOrd="0" parTransId="{5A2CB50E-3A3A-41B2-B052-07A44CB96E45}" sibTransId="{66DDADC9-0E8B-42D4-B1EA-74A3270B8D9E}"/>
-    <dgm:cxn modelId="{A5F32142-12BC-425D-8490-97E883A97E62}" type="presOf" srcId="{EAE98432-45EF-49FC-84CF-CAFF81DB5CD7}" destId="{D5BA7D7F-A832-4CB0-971D-4F0DE6BF012E}" srcOrd="0" destOrd="0" presId="urn:microsoft.com/office/officeart/2005/8/layout/vList5"/>
-    <dgm:cxn modelId="{BEAC364D-7BE1-44AB-8350-521CDA18CE36}" type="presOf" srcId="{5CA24573-BC92-4A10-A1B3-2B7F5A92872F}" destId="{84047048-3489-45FD-AD42-23C8F293A5F6}" srcOrd="0" destOrd="1" presId="urn:microsoft.com/office/officeart/2005/8/layout/vList5"/>
+    <dgm:cxn modelId="{EE3D5F84-4287-4B55-B023-7875064AD5BB}" type="presOf" srcId="{A0AA2172-E60F-4EE6-997C-5F090CFF3574}" destId="{84E8FD5B-F47E-455E-849A-EF1F394AFB08}" srcOrd="0" destOrd="0" presId="urn:microsoft.com/office/officeart/2005/8/layout/vList5"/>
     <dgm:cxn modelId="{4121EC55-83B5-4942-A2B5-6A0641B932C1}" type="presParOf" srcId="{F733AC26-86E5-4483-9535-2A97BBA27B1D}" destId="{180908C7-BEE4-4F09-9D4E-DE602BA01834}" srcOrd="0" destOrd="0" presId="urn:microsoft.com/office/officeart/2005/8/layout/vList5"/>
     <dgm:cxn modelId="{64D2F2A9-7178-4B1E-AAB3-D0CCE39B8351}" type="presParOf" srcId="{180908C7-BEE4-4F09-9D4E-DE602BA01834}" destId="{F11A811D-BF03-46F9-903E-86A9AAAF8A3D}" srcOrd="0" destOrd="0" presId="urn:microsoft.com/office/officeart/2005/8/layout/vList5"/>
     <dgm:cxn modelId="{9EA16BD2-3DD6-4C1B-81CE-4C87DC1F3CCB}" type="presParOf" srcId="{180908C7-BEE4-4F09-9D4E-DE602BA01834}" destId="{84E8FD5B-F47E-455E-849A-EF1F394AFB08}" srcOrd="1" destOrd="0" presId="urn:microsoft.com/office/officeart/2005/8/layout/vList5"/>
@@ -10007,7 +10079,7 @@
         <a:p>
           <a:r>
             <a:rPr lang="it-IT" dirty="0" err="1" smtClean="0"/>
-            <a:t>Rspec</a:t>
+            <a:t>RSpec</a:t>
           </a:r>
           <a:endParaRPr lang="it-IT" dirty="0"/>
         </a:p>
@@ -10310,7 +10382,7 @@
         <a:p>
           <a:r>
             <a:rPr lang="it-IT" dirty="0" err="1" smtClean="0"/>
-            <a:t>Junit</a:t>
+            <a:t>JUnit</a:t>
           </a:r>
           <a:endParaRPr lang="it-IT" dirty="0"/>
         </a:p>
@@ -10764,12 +10836,12 @@
         </a:fontRef>
       </dsp:style>
       <dsp:txBody>
-        <a:bodyPr spcFirstLastPara="0" vert="horz" wrap="square" lIns="536927" tIns="87630" rIns="163576" bIns="87630" numCol="1" spcCol="1270" anchor="t" anchorCtr="0">
+        <a:bodyPr spcFirstLastPara="0" vert="horz" wrap="square" lIns="536927" tIns="91440" rIns="170688" bIns="91440" numCol="1" spcCol="1270" anchor="t" anchorCtr="0">
           <a:noAutofit/>
         </a:bodyPr>
         <a:lstStyle/>
         <a:p>
-          <a:pPr lvl="0" algn="l" defTabSz="1022350">
+          <a:pPr lvl="0" algn="l" defTabSz="1066800">
             <a:lnSpc>
               <a:spcPct val="90000"/>
             </a:lnSpc>
@@ -10781,13 +10853,13 @@
             </a:spcAft>
           </a:pPr>
           <a:r>
-            <a:rPr lang="it-IT" sz="2300" kern="1200" dirty="0" err="1" smtClean="0"/>
+            <a:rPr lang="it-IT" sz="2400" kern="1200" dirty="0" err="1" smtClean="0"/>
             <a:t>RBlog</a:t>
           </a:r>
-          <a:endParaRPr lang="it-IT" sz="2300" kern="1200" dirty="0"/>
+          <a:endParaRPr lang="it-IT" sz="2400" kern="1200" dirty="0"/>
         </a:p>
         <a:p>
-          <a:pPr marL="171450" lvl="1" indent="-171450" algn="l" defTabSz="800100">
+          <a:pPr marL="171450" lvl="1" indent="-171450" algn="l" defTabSz="844550">
             <a:lnSpc>
               <a:spcPct val="90000"/>
             </a:lnSpc>
@@ -10800,13 +10872,13 @@
             <a:buChar char="••"/>
           </a:pPr>
           <a:r>
-            <a:rPr lang="it-IT" sz="1800" kern="1200" dirty="0" err="1" smtClean="0"/>
+            <a:rPr lang="it-IT" sz="1900" kern="1200" dirty="0" err="1" smtClean="0"/>
             <a:t>RoR</a:t>
           </a:r>
-          <a:endParaRPr lang="it-IT" sz="1800" kern="1200" dirty="0"/>
+          <a:endParaRPr lang="it-IT" sz="1900" kern="1200" dirty="0"/>
         </a:p>
         <a:p>
-          <a:pPr marL="171450" lvl="1" indent="-171450" algn="l" defTabSz="800100">
+          <a:pPr marL="171450" lvl="1" indent="-171450" algn="l" defTabSz="844550">
             <a:lnSpc>
               <a:spcPct val="90000"/>
             </a:lnSpc>
@@ -10819,10 +10891,10 @@
             <a:buChar char="••"/>
           </a:pPr>
           <a:r>
-            <a:rPr lang="it-IT" sz="1800" kern="1200" dirty="0" smtClean="0"/>
+            <a:rPr lang="it-IT" sz="1900" kern="1200" dirty="0" smtClean="0"/>
             <a:t>Ruby</a:t>
           </a:r>
-          <a:endParaRPr lang="it-IT" sz="1800" kern="1200" dirty="0"/>
+          <a:endParaRPr lang="it-IT" sz="1900" kern="1200" dirty="0"/>
         </a:p>
       </dsp:txBody>
       <dsp:txXfrm rot="10800000">
@@ -10914,12 +10986,12 @@
         </a:fontRef>
       </dsp:style>
       <dsp:txBody>
-        <a:bodyPr spcFirstLastPara="0" vert="horz" wrap="square" lIns="536927" tIns="87630" rIns="163576" bIns="87630" numCol="1" spcCol="1270" anchor="t" anchorCtr="0">
+        <a:bodyPr spcFirstLastPara="0" vert="horz" wrap="square" lIns="536927" tIns="91440" rIns="170688" bIns="91440" numCol="1" spcCol="1270" anchor="t" anchorCtr="0">
           <a:noAutofit/>
         </a:bodyPr>
         <a:lstStyle/>
         <a:p>
-          <a:pPr lvl="0" algn="l" defTabSz="1022350">
+          <a:pPr lvl="0" algn="l" defTabSz="1066800">
             <a:lnSpc>
               <a:spcPct val="90000"/>
             </a:lnSpc>
@@ -10931,13 +11003,13 @@
             </a:spcAft>
           </a:pPr>
           <a:r>
-            <a:rPr lang="it-IT" sz="2300" kern="1200" dirty="0" err="1" smtClean="0"/>
+            <a:rPr lang="it-IT" sz="2400" kern="1200" dirty="0" err="1" smtClean="0"/>
             <a:t>SBlog</a:t>
           </a:r>
-          <a:endParaRPr lang="it-IT" sz="2300" kern="1200" dirty="0"/>
+          <a:endParaRPr lang="it-IT" sz="2400" kern="1200" dirty="0"/>
         </a:p>
         <a:p>
-          <a:pPr marL="171450" lvl="1" indent="-171450" algn="l" defTabSz="800100">
+          <a:pPr marL="171450" lvl="1" indent="-171450" algn="l" defTabSz="844550">
             <a:lnSpc>
               <a:spcPct val="90000"/>
             </a:lnSpc>
@@ -10950,13 +11022,13 @@
             <a:buChar char="••"/>
           </a:pPr>
           <a:r>
-            <a:rPr lang="it-IT" sz="1800" kern="1200" dirty="0" smtClean="0"/>
+            <a:rPr lang="it-IT" sz="1900" kern="1200" dirty="0" smtClean="0"/>
             <a:t>Spring</a:t>
           </a:r>
-          <a:endParaRPr lang="it-IT" sz="1800" kern="1200" dirty="0"/>
+          <a:endParaRPr lang="it-IT" sz="1900" kern="1200" dirty="0"/>
         </a:p>
         <a:p>
-          <a:pPr marL="171450" lvl="1" indent="-171450" algn="l" defTabSz="800100">
+          <a:pPr marL="171450" lvl="1" indent="-171450" algn="l" defTabSz="844550">
             <a:lnSpc>
               <a:spcPct val="90000"/>
             </a:lnSpc>
@@ -10969,10 +11041,10 @@
             <a:buChar char="••"/>
           </a:pPr>
           <a:r>
-            <a:rPr lang="it-IT" sz="1800" kern="1200" dirty="0" smtClean="0"/>
+            <a:rPr lang="it-IT" sz="1900" kern="1200" dirty="0" smtClean="0"/>
             <a:t>Java</a:t>
           </a:r>
-          <a:endParaRPr lang="it-IT" sz="1800" kern="1200" dirty="0"/>
+          <a:endParaRPr lang="it-IT" sz="1900" kern="1200" dirty="0"/>
         </a:p>
       </dsp:txBody>
       <dsp:txXfrm rot="10800000">
@@ -11064,12 +11136,12 @@
         </a:fontRef>
       </dsp:style>
       <dsp:txBody>
-        <a:bodyPr spcFirstLastPara="0" vert="horz" wrap="square" lIns="536927" tIns="87630" rIns="163576" bIns="87630" numCol="1" spcCol="1270" anchor="t" anchorCtr="0">
+        <a:bodyPr spcFirstLastPara="0" vert="horz" wrap="square" lIns="536927" tIns="91440" rIns="170688" bIns="91440" numCol="1" spcCol="1270" anchor="t" anchorCtr="0">
           <a:noAutofit/>
         </a:bodyPr>
         <a:lstStyle/>
         <a:p>
-          <a:pPr lvl="0" algn="l" defTabSz="1022350">
+          <a:pPr lvl="0" algn="l" defTabSz="1066800">
             <a:lnSpc>
               <a:spcPct val="90000"/>
             </a:lnSpc>
@@ -11081,13 +11153,13 @@
             </a:spcAft>
           </a:pPr>
           <a:r>
-            <a:rPr lang="it-IT" sz="2300" kern="1200" dirty="0" err="1" smtClean="0"/>
+            <a:rPr lang="it-IT" sz="2400" kern="1200" dirty="0" err="1" smtClean="0"/>
             <a:t>CSBlog</a:t>
           </a:r>
-          <a:endParaRPr lang="it-IT" sz="2300" kern="1200" dirty="0"/>
+          <a:endParaRPr lang="it-IT" sz="2400" kern="1200" dirty="0"/>
         </a:p>
         <a:p>
-          <a:pPr marL="171450" lvl="1" indent="-171450" algn="l" defTabSz="800100">
+          <a:pPr marL="171450" lvl="1" indent="-171450" algn="l" defTabSz="844550">
             <a:lnSpc>
               <a:spcPct val="90000"/>
             </a:lnSpc>
@@ -11100,13 +11172,13 @@
             <a:buChar char="••"/>
           </a:pPr>
           <a:r>
-            <a:rPr lang="it-IT" sz="1800" kern="1200" dirty="0" smtClean="0"/>
+            <a:rPr lang="it-IT" sz="1900" kern="1200" dirty="0" smtClean="0"/>
             <a:t>ASP.NET MVC5</a:t>
           </a:r>
-          <a:endParaRPr lang="it-IT" sz="1800" kern="1200" dirty="0"/>
+          <a:endParaRPr lang="it-IT" sz="1900" kern="1200" dirty="0"/>
         </a:p>
         <a:p>
-          <a:pPr marL="171450" lvl="1" indent="-171450" algn="l" defTabSz="800100">
+          <a:pPr marL="171450" lvl="1" indent="-171450" algn="l" defTabSz="844550">
             <a:lnSpc>
               <a:spcPct val="90000"/>
             </a:lnSpc>
@@ -11119,10 +11191,10 @@
             <a:buChar char="••"/>
           </a:pPr>
           <a:r>
-            <a:rPr lang="it-IT" sz="1800" kern="1200" dirty="0" smtClean="0"/>
+            <a:rPr lang="it-IT" sz="1900" kern="1200" dirty="0" smtClean="0"/>
             <a:t>C#</a:t>
           </a:r>
-          <a:endParaRPr lang="it-IT" sz="1800" kern="1200" dirty="0"/>
+          <a:endParaRPr lang="it-IT" sz="1900" kern="1200" dirty="0"/>
         </a:p>
       </dsp:txBody>
       <dsp:txXfrm rot="10800000">
@@ -12689,12 +12761,12 @@
         </a:fontRef>
       </dsp:style>
       <dsp:txBody>
-        <a:bodyPr spcFirstLastPara="0" vert="horz" wrap="square" lIns="175260" tIns="175260" rIns="175260" bIns="175260" numCol="1" spcCol="1270" anchor="ctr" anchorCtr="0">
+        <a:bodyPr spcFirstLastPara="0" vert="horz" wrap="square" lIns="144780" tIns="144780" rIns="144780" bIns="144780" numCol="1" spcCol="1270" anchor="ctr" anchorCtr="0">
           <a:noAutofit/>
         </a:bodyPr>
         <a:lstStyle/>
         <a:p>
-          <a:pPr lvl="0" algn="l" defTabSz="2044700">
+          <a:pPr lvl="0" algn="l" defTabSz="1689100">
             <a:lnSpc>
               <a:spcPct val="90000"/>
             </a:lnSpc>
@@ -12706,10 +12778,10 @@
             </a:spcAft>
           </a:pPr>
           <a:r>
-            <a:rPr lang="it-IT" sz="4600" kern="1200" dirty="0" err="1" smtClean="0"/>
+            <a:rPr lang="it-IT" sz="3800" kern="1200" dirty="0" err="1" smtClean="0"/>
             <a:t>RubyMine</a:t>
           </a:r>
-          <a:endParaRPr lang="it-IT" sz="4600" kern="1200" dirty="0" smtClean="0"/>
+          <a:endParaRPr lang="it-IT" sz="3800" kern="1200" dirty="0" smtClean="0"/>
         </a:p>
       </dsp:txBody>
       <dsp:txXfrm>
@@ -12817,12 +12889,12 @@
         </a:fontRef>
       </dsp:style>
       <dsp:txBody>
-        <a:bodyPr spcFirstLastPara="0" vert="horz" wrap="square" lIns="175260" tIns="175260" rIns="175260" bIns="175260" numCol="1" spcCol="1270" anchor="ctr" anchorCtr="0">
+        <a:bodyPr spcFirstLastPara="0" vert="horz" wrap="square" lIns="144780" tIns="144780" rIns="144780" bIns="144780" numCol="1" spcCol="1270" anchor="ctr" anchorCtr="0">
           <a:noAutofit/>
         </a:bodyPr>
         <a:lstStyle/>
         <a:p>
-          <a:pPr lvl="0" algn="l" defTabSz="2044700">
+          <a:pPr lvl="0" algn="l" defTabSz="1689100">
             <a:lnSpc>
               <a:spcPct val="90000"/>
             </a:lnSpc>
@@ -12834,22 +12906,22 @@
             </a:spcAft>
           </a:pPr>
           <a:r>
-            <a:rPr lang="it-IT" sz="4600" kern="1200" dirty="0" err="1" smtClean="0"/>
+            <a:rPr lang="it-IT" sz="3800" kern="1200" dirty="0" err="1" smtClean="0"/>
             <a:t>Eclipse</a:t>
           </a:r>
           <a:r>
-            <a:rPr lang="it-IT" sz="4600" kern="1200" dirty="0" smtClean="0"/>
+            <a:rPr lang="it-IT" sz="3800" kern="1200" dirty="0" smtClean="0"/>
             <a:t> Luna + Spring </a:t>
           </a:r>
           <a:r>
-            <a:rPr lang="it-IT" sz="4600" kern="1200" dirty="0" err="1" smtClean="0"/>
+            <a:rPr lang="it-IT" sz="3800" kern="1200" dirty="0" err="1" smtClean="0"/>
             <a:t>Tool</a:t>
           </a:r>
           <a:r>
-            <a:rPr lang="it-IT" sz="4600" kern="1200" dirty="0" smtClean="0"/>
+            <a:rPr lang="it-IT" sz="3800" kern="1200" dirty="0" smtClean="0"/>
             <a:t> Suite</a:t>
           </a:r>
-          <a:endParaRPr lang="it-IT" sz="4600" kern="1200" dirty="0"/>
+          <a:endParaRPr lang="it-IT" sz="3800" kern="1200" dirty="0"/>
         </a:p>
       </dsp:txBody>
       <dsp:txXfrm>
@@ -12963,12 +13035,12 @@
         </a:fontRef>
       </dsp:style>
       <dsp:txBody>
-        <a:bodyPr spcFirstLastPara="0" vert="horz" wrap="square" lIns="175260" tIns="175260" rIns="175260" bIns="175260" numCol="1" spcCol="1270" anchor="ctr" anchorCtr="0">
+        <a:bodyPr spcFirstLastPara="0" vert="horz" wrap="square" lIns="144780" tIns="144780" rIns="144780" bIns="144780" numCol="1" spcCol="1270" anchor="ctr" anchorCtr="0">
           <a:noAutofit/>
         </a:bodyPr>
         <a:lstStyle/>
         <a:p>
-          <a:pPr lvl="0" algn="l" defTabSz="2044700">
+          <a:pPr lvl="0" algn="l" defTabSz="1689100">
             <a:lnSpc>
               <a:spcPct val="90000"/>
             </a:lnSpc>
@@ -12980,10 +13052,10 @@
             </a:spcAft>
           </a:pPr>
           <a:r>
-            <a:rPr lang="it-IT" sz="4600" kern="1200" dirty="0" smtClean="0"/>
+            <a:rPr lang="it-IT" sz="3800" kern="1200" dirty="0" smtClean="0"/>
             <a:t>Visual Studio 2013 Ultimate Ed.</a:t>
           </a:r>
-          <a:endParaRPr lang="it-IT" sz="4600" kern="1200" dirty="0"/>
+          <a:endParaRPr lang="it-IT" sz="3800" kern="1200" dirty="0"/>
         </a:p>
       </dsp:txBody>
       <dsp:txXfrm>
@@ -13080,7 +13152,7 @@
             <a:alphaOff val="0"/>
           </a:schemeClr>
         </a:solidFill>
-        <a:ln w="15875" cap="flat" cmpd="sng" algn="ctr">
+        <a:ln w="12700" cap="flat" cmpd="sng" algn="ctr">
           <a:solidFill>
             <a:schemeClr val="accent1">
               <a:alpha val="90000"/>
@@ -13096,7 +13168,7 @@
         <a:effectLst/>
       </dsp:spPr>
       <dsp:style>
-        <a:lnRef idx="2">
+        <a:lnRef idx="1">
           <a:scrgbClr r="0" g="0" b="0"/>
         </a:lnRef>
         <a:fillRef idx="1">
@@ -13108,12 +13180,12 @@
         <a:fontRef idx="minor"/>
       </dsp:style>
       <dsp:txBody>
-        <a:bodyPr spcFirstLastPara="0" vert="horz" wrap="square" lIns="102870" tIns="51435" rIns="102870" bIns="51435" numCol="1" spcCol="1270" anchor="ctr" anchorCtr="0">
+        <a:bodyPr spcFirstLastPara="0" vert="horz" wrap="square" lIns="87630" tIns="43815" rIns="87630" bIns="43815" numCol="1" spcCol="1270" anchor="ctr" anchorCtr="0">
           <a:noAutofit/>
         </a:bodyPr>
         <a:lstStyle/>
         <a:p>
-          <a:pPr marL="228600" lvl="1" indent="-228600" algn="l" defTabSz="1200150">
+          <a:pPr marL="228600" lvl="1" indent="-228600" algn="l" defTabSz="1022350">
             <a:lnSpc>
               <a:spcPct val="90000"/>
             </a:lnSpc>
@@ -13126,13 +13198,13 @@
             <a:buChar char="••"/>
           </a:pPr>
           <a:r>
-            <a:rPr lang="it-IT" sz="2700" kern="1200" dirty="0" smtClean="0"/>
+            <a:rPr lang="it-IT" sz="2300" kern="1200" dirty="0" smtClean="0"/>
             <a:t>Gratuito</a:t>
           </a:r>
-          <a:endParaRPr lang="it-IT" sz="2700" kern="1200" dirty="0"/>
+          <a:endParaRPr lang="it-IT" sz="2300" kern="1200" dirty="0"/>
         </a:p>
         <a:p>
-          <a:pPr marL="228600" lvl="1" indent="-228600" algn="l" defTabSz="1200150">
+          <a:pPr marL="228600" lvl="1" indent="-228600" algn="l" defTabSz="1022350">
             <a:lnSpc>
               <a:spcPct val="90000"/>
             </a:lnSpc>
@@ -13145,10 +13217,10 @@
             <a:buChar char="••"/>
           </a:pPr>
           <a:r>
-            <a:rPr lang="it-IT" sz="2700" kern="1200" dirty="0" smtClean="0"/>
+            <a:rPr lang="it-IT" sz="2300" kern="1200" dirty="0" smtClean="0"/>
             <a:t>Preferibilmente Open Source</a:t>
           </a:r>
-          <a:endParaRPr lang="it-IT" sz="2700" kern="1200" dirty="0"/>
+          <a:endParaRPr lang="it-IT" sz="2300" kern="1200" dirty="0"/>
         </a:p>
       </dsp:txBody>
       <dsp:txXfrm rot="-5400000">
@@ -13169,48 +13241,78 @@
         <a:prstGeom prst="roundRect">
           <a:avLst/>
         </a:prstGeom>
-        <a:solidFill>
-          <a:schemeClr val="accent1">
-            <a:hueOff val="0"/>
-            <a:satOff val="0"/>
-            <a:lumOff val="0"/>
-            <a:alphaOff val="0"/>
-          </a:schemeClr>
-        </a:solidFill>
-        <a:ln w="15875" cap="flat" cmpd="sng" algn="ctr">
-          <a:solidFill>
-            <a:schemeClr val="lt1">
-              <a:hueOff val="0"/>
-              <a:satOff val="0"/>
-              <a:lumOff val="0"/>
-              <a:alphaOff val="0"/>
-            </a:schemeClr>
-          </a:solidFill>
-          <a:prstDash val="solid"/>
+        <a:gradFill rotWithShape="0">
+          <a:gsLst>
+            <a:gs pos="0">
+              <a:schemeClr val="accent1">
+                <a:hueOff val="0"/>
+                <a:satOff val="0"/>
+                <a:lumOff val="0"/>
+                <a:alphaOff val="0"/>
+                <a:tint val="65000"/>
+                <a:shade val="92000"/>
+                <a:satMod val="130000"/>
+              </a:schemeClr>
+            </a:gs>
+            <a:gs pos="45000">
+              <a:schemeClr val="accent1">
+                <a:hueOff val="0"/>
+                <a:satOff val="0"/>
+                <a:lumOff val="0"/>
+                <a:alphaOff val="0"/>
+                <a:tint val="60000"/>
+                <a:shade val="99000"/>
+                <a:satMod val="120000"/>
+              </a:schemeClr>
+            </a:gs>
+            <a:gs pos="100000">
+              <a:schemeClr val="accent1">
+                <a:hueOff val="0"/>
+                <a:satOff val="0"/>
+                <a:lumOff val="0"/>
+                <a:alphaOff val="0"/>
+                <a:tint val="55000"/>
+                <a:satMod val="140000"/>
+              </a:schemeClr>
+            </a:gs>
+          </a:gsLst>
+          <a:path path="circle">
+            <a:fillToRect l="100000" t="100000" r="100000" b="100000"/>
+          </a:path>
+        </a:gradFill>
+        <a:ln>
+          <a:noFill/>
         </a:ln>
         <a:effectLst/>
+        <a:scene3d>
+          <a:camera prst="orthographicFront"/>
+          <a:lightRig rig="flat" dir="t"/>
+        </a:scene3d>
+        <a:sp3d prstMaterial="dkEdge">
+          <a:bevelT w="8200" h="38100"/>
+        </a:sp3d>
       </dsp:spPr>
       <dsp:style>
-        <a:lnRef idx="2">
+        <a:lnRef idx="0">
           <a:scrgbClr r="0" g="0" b="0"/>
         </a:lnRef>
-        <a:fillRef idx="1">
+        <a:fillRef idx="2">
           <a:scrgbClr r="0" g="0" b="0"/>
         </a:fillRef>
-        <a:effectRef idx="0">
+        <a:effectRef idx="1">
           <a:scrgbClr r="0" g="0" b="0"/>
         </a:effectRef>
         <a:fontRef idx="minor">
-          <a:schemeClr val="lt1"/>
+          <a:schemeClr val="dk1"/>
         </a:fontRef>
       </dsp:style>
       <dsp:txBody>
-        <a:bodyPr spcFirstLastPara="0" vert="horz" wrap="square" lIns="209550" tIns="104775" rIns="209550" bIns="104775" numCol="1" spcCol="1270" anchor="ctr" anchorCtr="0">
+        <a:bodyPr spcFirstLastPara="0" vert="horz" wrap="square" lIns="182880" tIns="91440" rIns="182880" bIns="91440" numCol="1" spcCol="1270" anchor="ctr" anchorCtr="0">
           <a:noAutofit/>
         </a:bodyPr>
         <a:lstStyle/>
         <a:p>
-          <a:pPr lvl="0" algn="ctr" defTabSz="2444750">
+          <a:pPr lvl="0" algn="ctr" defTabSz="2133600">
             <a:lnSpc>
               <a:spcPct val="90000"/>
             </a:lnSpc>
@@ -13222,10 +13324,10 @@
             </a:spcAft>
           </a:pPr>
           <a:r>
-            <a:rPr lang="it-IT" sz="5500" kern="1200" dirty="0" smtClean="0"/>
+            <a:rPr lang="it-IT" sz="4800" kern="1200" dirty="0" smtClean="0"/>
             <a:t>Prodotto</a:t>
           </a:r>
-          <a:endParaRPr lang="it-IT" sz="5500" kern="1200" dirty="0"/>
+          <a:endParaRPr lang="it-IT" sz="4800" kern="1200" dirty="0"/>
         </a:p>
       </dsp:txBody>
       <dsp:txXfrm>
@@ -13256,7 +13358,7 @@
             <a:alphaOff val="0"/>
           </a:schemeClr>
         </a:solidFill>
-        <a:ln w="15875" cap="flat" cmpd="sng" algn="ctr">
+        <a:ln w="12700" cap="flat" cmpd="sng" algn="ctr">
           <a:solidFill>
             <a:schemeClr val="accent1">
               <a:alpha val="90000"/>
@@ -13272,7 +13374,7 @@
         <a:effectLst/>
       </dsp:spPr>
       <dsp:style>
-        <a:lnRef idx="2">
+        <a:lnRef idx="1">
           <a:scrgbClr r="0" g="0" b="0"/>
         </a:lnRef>
         <a:fillRef idx="1">
@@ -13284,12 +13386,12 @@
         <a:fontRef idx="minor"/>
       </dsp:style>
       <dsp:txBody>
-        <a:bodyPr spcFirstLastPara="0" vert="horz" wrap="square" lIns="102870" tIns="51435" rIns="102870" bIns="51435" numCol="1" spcCol="1270" anchor="ctr" anchorCtr="0">
+        <a:bodyPr spcFirstLastPara="0" vert="horz" wrap="square" lIns="87630" tIns="43815" rIns="87630" bIns="43815" numCol="1" spcCol="1270" anchor="ctr" anchorCtr="0">
           <a:noAutofit/>
         </a:bodyPr>
         <a:lstStyle/>
         <a:p>
-          <a:pPr marL="228600" lvl="1" indent="-228600" algn="l" defTabSz="1200150">
+          <a:pPr marL="228600" lvl="1" indent="-228600" algn="l" defTabSz="1022350">
             <a:lnSpc>
               <a:spcPct val="90000"/>
             </a:lnSpc>
@@ -13302,13 +13404,13 @@
             <a:buChar char="••"/>
           </a:pPr>
           <a:r>
-            <a:rPr lang="it-IT" sz="2700" kern="1200" dirty="0" smtClean="0"/>
+            <a:rPr lang="it-IT" sz="2300" kern="1200" dirty="0" smtClean="0"/>
             <a:t>Correntemente attivo ed in evoluzione</a:t>
           </a:r>
-          <a:endParaRPr lang="it-IT" sz="2700" kern="1200" dirty="0"/>
+          <a:endParaRPr lang="it-IT" sz="2300" kern="1200" dirty="0"/>
         </a:p>
         <a:p>
-          <a:pPr marL="228600" lvl="1" indent="-228600" algn="l" defTabSz="1200150">
+          <a:pPr marL="228600" lvl="1" indent="-228600" algn="l" defTabSz="1022350">
             <a:lnSpc>
               <a:spcPct val="90000"/>
             </a:lnSpc>
@@ -13321,10 +13423,10 @@
             <a:buChar char="••"/>
           </a:pPr>
           <a:r>
-            <a:rPr lang="it-IT" sz="2700" kern="1200" dirty="0" smtClean="0"/>
+            <a:rPr lang="it-IT" sz="2300" kern="1200" dirty="0" smtClean="0"/>
             <a:t>Al passo con i tempi e le nuove tecnologie</a:t>
           </a:r>
-          <a:endParaRPr lang="it-IT" sz="2700" kern="1200" dirty="0"/>
+          <a:endParaRPr lang="it-IT" sz="2300" kern="1200" dirty="0"/>
         </a:p>
       </dsp:txBody>
       <dsp:txXfrm rot="-5400000">
@@ -13345,48 +13447,78 @@
         <a:prstGeom prst="roundRect">
           <a:avLst/>
         </a:prstGeom>
-        <a:solidFill>
-          <a:schemeClr val="accent1">
-            <a:hueOff val="0"/>
-            <a:satOff val="0"/>
-            <a:lumOff val="0"/>
-            <a:alphaOff val="0"/>
-          </a:schemeClr>
-        </a:solidFill>
-        <a:ln w="15875" cap="flat" cmpd="sng" algn="ctr">
-          <a:solidFill>
-            <a:schemeClr val="lt1">
-              <a:hueOff val="0"/>
-              <a:satOff val="0"/>
-              <a:lumOff val="0"/>
-              <a:alphaOff val="0"/>
-            </a:schemeClr>
-          </a:solidFill>
-          <a:prstDash val="solid"/>
+        <a:gradFill rotWithShape="0">
+          <a:gsLst>
+            <a:gs pos="0">
+              <a:schemeClr val="accent1">
+                <a:hueOff val="0"/>
+                <a:satOff val="0"/>
+                <a:lumOff val="0"/>
+                <a:alphaOff val="0"/>
+                <a:tint val="65000"/>
+                <a:shade val="92000"/>
+                <a:satMod val="130000"/>
+              </a:schemeClr>
+            </a:gs>
+            <a:gs pos="45000">
+              <a:schemeClr val="accent1">
+                <a:hueOff val="0"/>
+                <a:satOff val="0"/>
+                <a:lumOff val="0"/>
+                <a:alphaOff val="0"/>
+                <a:tint val="60000"/>
+                <a:shade val="99000"/>
+                <a:satMod val="120000"/>
+              </a:schemeClr>
+            </a:gs>
+            <a:gs pos="100000">
+              <a:schemeClr val="accent1">
+                <a:hueOff val="0"/>
+                <a:satOff val="0"/>
+                <a:lumOff val="0"/>
+                <a:alphaOff val="0"/>
+                <a:tint val="55000"/>
+                <a:satMod val="140000"/>
+              </a:schemeClr>
+            </a:gs>
+          </a:gsLst>
+          <a:path path="circle">
+            <a:fillToRect l="100000" t="100000" r="100000" b="100000"/>
+          </a:path>
+        </a:gradFill>
+        <a:ln>
+          <a:noFill/>
         </a:ln>
         <a:effectLst/>
+        <a:scene3d>
+          <a:camera prst="orthographicFront"/>
+          <a:lightRig rig="flat" dir="t"/>
+        </a:scene3d>
+        <a:sp3d prstMaterial="dkEdge">
+          <a:bevelT w="8200" h="38100"/>
+        </a:sp3d>
       </dsp:spPr>
       <dsp:style>
-        <a:lnRef idx="2">
+        <a:lnRef idx="0">
           <a:scrgbClr r="0" g="0" b="0"/>
         </a:lnRef>
-        <a:fillRef idx="1">
+        <a:fillRef idx="2">
           <a:scrgbClr r="0" g="0" b="0"/>
         </a:fillRef>
-        <a:effectRef idx="0">
+        <a:effectRef idx="1">
           <a:scrgbClr r="0" g="0" b="0"/>
         </a:effectRef>
         <a:fontRef idx="minor">
-          <a:schemeClr val="lt1"/>
+          <a:schemeClr val="dk1"/>
         </a:fontRef>
       </dsp:style>
       <dsp:txBody>
-        <a:bodyPr spcFirstLastPara="0" vert="horz" wrap="square" lIns="209550" tIns="104775" rIns="209550" bIns="104775" numCol="1" spcCol="1270" anchor="ctr" anchorCtr="0">
+        <a:bodyPr spcFirstLastPara="0" vert="horz" wrap="square" lIns="182880" tIns="91440" rIns="182880" bIns="91440" numCol="1" spcCol="1270" anchor="ctr" anchorCtr="0">
           <a:noAutofit/>
         </a:bodyPr>
         <a:lstStyle/>
         <a:p>
-          <a:pPr lvl="0" algn="ctr" defTabSz="2444750">
+          <a:pPr lvl="0" algn="ctr" defTabSz="2133600">
             <a:lnSpc>
               <a:spcPct val="90000"/>
             </a:lnSpc>
@@ -13398,10 +13530,10 @@
             </a:spcAft>
           </a:pPr>
           <a:r>
-            <a:rPr lang="it-IT" sz="5500" kern="1200" dirty="0" smtClean="0"/>
+            <a:rPr lang="it-IT" sz="4800" kern="1200" dirty="0" smtClean="0"/>
             <a:t>Sviluppo</a:t>
           </a:r>
-          <a:endParaRPr lang="it-IT" sz="5500" kern="1200" dirty="0"/>
+          <a:endParaRPr lang="it-IT" sz="4800" kern="1200" dirty="0"/>
         </a:p>
       </dsp:txBody>
       <dsp:txXfrm>
@@ -13432,7 +13564,7 @@
             <a:alphaOff val="0"/>
           </a:schemeClr>
         </a:solidFill>
-        <a:ln w="15875" cap="flat" cmpd="sng" algn="ctr">
+        <a:ln w="12700" cap="flat" cmpd="sng" algn="ctr">
           <a:solidFill>
             <a:schemeClr val="accent1">
               <a:alpha val="90000"/>
@@ -13448,7 +13580,7 @@
         <a:effectLst/>
       </dsp:spPr>
       <dsp:style>
-        <a:lnRef idx="2">
+        <a:lnRef idx="1">
           <a:scrgbClr r="0" g="0" b="0"/>
         </a:lnRef>
         <a:fillRef idx="1">
@@ -13460,12 +13592,12 @@
         <a:fontRef idx="minor"/>
       </dsp:style>
       <dsp:txBody>
-        <a:bodyPr spcFirstLastPara="0" vert="horz" wrap="square" lIns="102870" tIns="51435" rIns="102870" bIns="51435" numCol="1" spcCol="1270" anchor="ctr" anchorCtr="0">
+        <a:bodyPr spcFirstLastPara="0" vert="horz" wrap="square" lIns="87630" tIns="43815" rIns="87630" bIns="43815" numCol="1" spcCol="1270" anchor="ctr" anchorCtr="0">
           <a:noAutofit/>
         </a:bodyPr>
         <a:lstStyle/>
         <a:p>
-          <a:pPr marL="228600" lvl="1" indent="-228600" algn="l" defTabSz="1200150">
+          <a:pPr marL="228600" lvl="1" indent="-228600" algn="l" defTabSz="1022350">
             <a:lnSpc>
               <a:spcPct val="90000"/>
             </a:lnSpc>
@@ -13478,13 +13610,13 @@
             <a:buChar char="••"/>
           </a:pPr>
           <a:r>
-            <a:rPr lang="it-IT" sz="2700" kern="1200" dirty="0" smtClean="0"/>
+            <a:rPr lang="it-IT" sz="2300" kern="1200" dirty="0" smtClean="0"/>
             <a:t>Esistente ed attiva</a:t>
           </a:r>
-          <a:endParaRPr lang="it-IT" sz="2700" kern="1200" dirty="0"/>
+          <a:endParaRPr lang="it-IT" sz="2300" kern="1200" dirty="0"/>
         </a:p>
         <a:p>
-          <a:pPr marL="228600" lvl="1" indent="-228600" algn="l" defTabSz="1200150">
+          <a:pPr marL="228600" lvl="1" indent="-228600" algn="l" defTabSz="1022350">
             <a:lnSpc>
               <a:spcPct val="90000"/>
             </a:lnSpc>
@@ -13497,10 +13629,10 @@
             <a:buChar char="••"/>
           </a:pPr>
           <a:r>
-            <a:rPr lang="it-IT" sz="2700" kern="1200" dirty="0" smtClean="0"/>
+            <a:rPr lang="it-IT" sz="2300" kern="1200" dirty="0" smtClean="0"/>
             <a:t>Partecipe allo sviluppo</a:t>
           </a:r>
-          <a:endParaRPr lang="it-IT" sz="2700" kern="1200" dirty="0"/>
+          <a:endParaRPr lang="it-IT" sz="2300" kern="1200" dirty="0"/>
         </a:p>
       </dsp:txBody>
       <dsp:txXfrm rot="-5400000">
@@ -13521,48 +13653,78 @@
         <a:prstGeom prst="roundRect">
           <a:avLst/>
         </a:prstGeom>
-        <a:solidFill>
-          <a:schemeClr val="accent1">
-            <a:hueOff val="0"/>
-            <a:satOff val="0"/>
-            <a:lumOff val="0"/>
-            <a:alphaOff val="0"/>
-          </a:schemeClr>
-        </a:solidFill>
-        <a:ln w="15875" cap="flat" cmpd="sng" algn="ctr">
-          <a:solidFill>
-            <a:schemeClr val="lt1">
-              <a:hueOff val="0"/>
-              <a:satOff val="0"/>
-              <a:lumOff val="0"/>
-              <a:alphaOff val="0"/>
-            </a:schemeClr>
-          </a:solidFill>
-          <a:prstDash val="solid"/>
+        <a:gradFill rotWithShape="0">
+          <a:gsLst>
+            <a:gs pos="0">
+              <a:schemeClr val="accent1">
+                <a:hueOff val="0"/>
+                <a:satOff val="0"/>
+                <a:lumOff val="0"/>
+                <a:alphaOff val="0"/>
+                <a:tint val="65000"/>
+                <a:shade val="92000"/>
+                <a:satMod val="130000"/>
+              </a:schemeClr>
+            </a:gs>
+            <a:gs pos="45000">
+              <a:schemeClr val="accent1">
+                <a:hueOff val="0"/>
+                <a:satOff val="0"/>
+                <a:lumOff val="0"/>
+                <a:alphaOff val="0"/>
+                <a:tint val="60000"/>
+                <a:shade val="99000"/>
+                <a:satMod val="120000"/>
+              </a:schemeClr>
+            </a:gs>
+            <a:gs pos="100000">
+              <a:schemeClr val="accent1">
+                <a:hueOff val="0"/>
+                <a:satOff val="0"/>
+                <a:lumOff val="0"/>
+                <a:alphaOff val="0"/>
+                <a:tint val="55000"/>
+                <a:satMod val="140000"/>
+              </a:schemeClr>
+            </a:gs>
+          </a:gsLst>
+          <a:path path="circle">
+            <a:fillToRect l="100000" t="100000" r="100000" b="100000"/>
+          </a:path>
+        </a:gradFill>
+        <a:ln>
+          <a:noFill/>
         </a:ln>
         <a:effectLst/>
+        <a:scene3d>
+          <a:camera prst="orthographicFront"/>
+          <a:lightRig rig="flat" dir="t"/>
+        </a:scene3d>
+        <a:sp3d prstMaterial="dkEdge">
+          <a:bevelT w="8200" h="38100"/>
+        </a:sp3d>
       </dsp:spPr>
       <dsp:style>
-        <a:lnRef idx="2">
+        <a:lnRef idx="0">
           <a:scrgbClr r="0" g="0" b="0"/>
         </a:lnRef>
-        <a:fillRef idx="1">
+        <a:fillRef idx="2">
           <a:scrgbClr r="0" g="0" b="0"/>
         </a:fillRef>
-        <a:effectRef idx="0">
+        <a:effectRef idx="1">
           <a:scrgbClr r="0" g="0" b="0"/>
         </a:effectRef>
         <a:fontRef idx="minor">
-          <a:schemeClr val="lt1"/>
+          <a:schemeClr val="dk1"/>
         </a:fontRef>
       </dsp:style>
       <dsp:txBody>
-        <a:bodyPr spcFirstLastPara="0" vert="horz" wrap="square" lIns="209550" tIns="104775" rIns="209550" bIns="104775" numCol="1" spcCol="1270" anchor="ctr" anchorCtr="0">
+        <a:bodyPr spcFirstLastPara="0" vert="horz" wrap="square" lIns="182880" tIns="91440" rIns="182880" bIns="91440" numCol="1" spcCol="1270" anchor="ctr" anchorCtr="0">
           <a:noAutofit/>
         </a:bodyPr>
         <a:lstStyle/>
         <a:p>
-          <a:pPr lvl="0" algn="ctr" defTabSz="2444750">
+          <a:pPr lvl="0" algn="ctr" defTabSz="2133600">
             <a:lnSpc>
               <a:spcPct val="90000"/>
             </a:lnSpc>
@@ -13574,10 +13736,10 @@
             </a:spcAft>
           </a:pPr>
           <a:r>
-            <a:rPr lang="it-IT" sz="5500" kern="1200" dirty="0" smtClean="0"/>
+            <a:rPr lang="it-IT" sz="4800" kern="1200" dirty="0" smtClean="0"/>
             <a:t>Comunità</a:t>
           </a:r>
-          <a:endParaRPr lang="it-IT" sz="5500" kern="1200" dirty="0"/>
+          <a:endParaRPr lang="it-IT" sz="4800" kern="1200" dirty="0"/>
         </a:p>
       </dsp:txBody>
       <dsp:txXfrm>
@@ -15199,7 +15361,7 @@
           </a:pPr>
           <a:r>
             <a:rPr lang="it-IT" sz="2900" kern="1200" dirty="0" err="1" smtClean="0"/>
-            <a:t>Rspec</a:t>
+            <a:t>RSpec</a:t>
           </a:r>
           <a:endParaRPr lang="it-IT" sz="2900" kern="1200" dirty="0"/>
         </a:p>
@@ -15273,7 +15435,7 @@
           </a:pPr>
           <a:r>
             <a:rPr lang="it-IT" sz="2900" kern="1200" dirty="0" err="1" smtClean="0"/>
-            <a:t>Junit</a:t>
+            <a:t>JUnit</a:t>
           </a:r>
           <a:endParaRPr lang="it-IT" sz="2900" kern="1200" dirty="0"/>
         </a:p>
@@ -22462,11 +22624,11 @@
 </file>
 
 <file path=ppt/diagrams/quickStyle6.xml><?xml version="1.0" encoding="utf-8"?>
-<dgm:styleDef xmlns:dgm="http://schemas.openxmlformats.org/drawingml/2006/diagram" xmlns:a="http://schemas.openxmlformats.org/drawingml/2006/main" uniqueId="urn:microsoft.com/office/officeart/2005/8/quickstyle/simple1">
+<dgm:styleDef xmlns:dgm="http://schemas.openxmlformats.org/drawingml/2006/diagram" xmlns:a="http://schemas.openxmlformats.org/drawingml/2006/main" uniqueId="urn:microsoft.com/office/officeart/2005/8/quickstyle/simple3">
   <dgm:title val=""/>
   <dgm:desc val=""/>
   <dgm:catLst>
-    <dgm:cat type="simple" pri="10100"/>
+    <dgm:cat type="simple" pri="10300"/>
   </dgm:catLst>
   <dgm:scene3d>
     <a:camera prst="orthographicFront"/>
@@ -22475,59 +22637,65 @@
   <dgm:styleLbl name="node0">
     <dgm:scene3d>
       <a:camera prst="orthographicFront"/>
-      <a:lightRig rig="threePt" dir="t"/>
-    </dgm:scene3d>
-    <dgm:sp3d/>
-    <dgm:txPr/>
-    <dgm:style>
-      <a:lnRef idx="2">
-        <a:scrgbClr r="0" g="0" b="0"/>
-      </a:lnRef>
-      <a:fillRef idx="1">
+      <a:lightRig rig="flat" dir="t"/>
+    </dgm:scene3d>
+    <dgm:sp3d prstMaterial="dkEdge">
+      <a:bevelT w="8200" h="38100"/>
+    </dgm:sp3d>
+    <dgm:txPr/>
+    <dgm:style>
+      <a:lnRef idx="0">
+        <a:scrgbClr r="0" g="0" b="0"/>
+      </a:lnRef>
+      <a:fillRef idx="2">
+        <a:scrgbClr r="0" g="0" b="0"/>
+      </a:fillRef>
+      <a:effectRef idx="1">
+        <a:scrgbClr r="0" g="0" b="0"/>
+      </a:effectRef>
+      <a:fontRef idx="minor">
+        <a:schemeClr val="dk1"/>
+      </a:fontRef>
+    </dgm:style>
+  </dgm:styleLbl>
+  <dgm:styleLbl name="lnNode1">
+    <dgm:scene3d>
+      <a:camera prst="orthographicFront"/>
+      <a:lightRig rig="flat" dir="t"/>
+    </dgm:scene3d>
+    <dgm:sp3d prstMaterial="dkEdge">
+      <a:bevelT w="8200" h="38100"/>
+    </dgm:sp3d>
+    <dgm:txPr/>
+    <dgm:style>
+      <a:lnRef idx="1">
+        <a:scrgbClr r="0" g="0" b="0"/>
+      </a:lnRef>
+      <a:fillRef idx="2">
         <a:scrgbClr r="0" g="0" b="0"/>
       </a:fillRef>
       <a:effectRef idx="0">
         <a:scrgbClr r="0" g="0" b="0"/>
       </a:effectRef>
       <a:fontRef idx="minor">
-        <a:schemeClr val="lt1"/>
+        <a:schemeClr val="dk1"/>
       </a:fontRef>
     </dgm:style>
   </dgm:styleLbl>
-  <dgm:styleLbl name="lnNode1">
-    <dgm:scene3d>
-      <a:camera prst="orthographicFront"/>
-      <a:lightRig rig="threePt" dir="t"/>
-    </dgm:scene3d>
-    <dgm:sp3d/>
-    <dgm:txPr/>
-    <dgm:style>
-      <a:lnRef idx="2">
-        <a:scrgbClr r="0" g="0" b="0"/>
-      </a:lnRef>
-      <a:fillRef idx="1">
-        <a:scrgbClr r="0" g="0" b="0"/>
-      </a:fillRef>
-      <a:effectRef idx="0">
-        <a:scrgbClr r="0" g="0" b="0"/>
-      </a:effectRef>
-      <a:fontRef idx="minor">
-        <a:schemeClr val="lt1"/>
-      </a:fontRef>
-    </dgm:style>
-  </dgm:styleLbl>
   <dgm:styleLbl name="vennNode1">
     <dgm:scene3d>
       <a:camera prst="orthographicFront"/>
-      <a:lightRig rig="threePt" dir="t"/>
-    </dgm:scene3d>
-    <dgm:sp3d/>
-    <dgm:txPr/>
-    <dgm:style>
-      <a:lnRef idx="2">
-        <a:scrgbClr r="0" g="0" b="0"/>
-      </a:lnRef>
-      <a:fillRef idx="1">
+      <a:lightRig rig="flat" dir="t"/>
+    </dgm:scene3d>
+    <dgm:sp3d prstMaterial="dkEdge">
+      <a:bevelT w="8200" h="38100"/>
+    </dgm:sp3d>
+    <dgm:txPr/>
+    <dgm:style>
+      <a:lnRef idx="0">
+        <a:scrgbClr r="0" g="0" b="0"/>
+      </a:lnRef>
+      <a:fillRef idx="2">
         <a:scrgbClr r="0" g="0" b="0"/>
       </a:fillRef>
       <a:effectRef idx="0">
@@ -22546,29 +22714,599 @@
     <dgm:sp3d/>
     <dgm:txPr/>
     <dgm:style>
+      <a:lnRef idx="1">
+        <a:scrgbClr r="0" g="0" b="0"/>
+      </a:lnRef>
+      <a:fillRef idx="2">
+        <a:scrgbClr r="0" g="0" b="0"/>
+      </a:fillRef>
+      <a:effectRef idx="1">
+        <a:scrgbClr r="0" g="0" b="0"/>
+      </a:effectRef>
+      <a:fontRef idx="minor">
+        <a:schemeClr val="dk1"/>
+      </a:fontRef>
+    </dgm:style>
+  </dgm:styleLbl>
+  <dgm:styleLbl name="node1">
+    <dgm:scene3d>
+      <a:camera prst="orthographicFront"/>
+      <a:lightRig rig="flat" dir="t"/>
+    </dgm:scene3d>
+    <dgm:sp3d prstMaterial="dkEdge">
+      <a:bevelT w="8200" h="38100"/>
+    </dgm:sp3d>
+    <dgm:txPr/>
+    <dgm:style>
+      <a:lnRef idx="0">
+        <a:scrgbClr r="0" g="0" b="0"/>
+      </a:lnRef>
+      <a:fillRef idx="2">
+        <a:scrgbClr r="0" g="0" b="0"/>
+      </a:fillRef>
+      <a:effectRef idx="1">
+        <a:scrgbClr r="0" g="0" b="0"/>
+      </a:effectRef>
+      <a:fontRef idx="minor">
+        <a:schemeClr val="dk1"/>
+      </a:fontRef>
+    </dgm:style>
+  </dgm:styleLbl>
+  <dgm:styleLbl name="node2">
+    <dgm:scene3d>
+      <a:camera prst="orthographicFront"/>
+      <a:lightRig rig="flat" dir="t"/>
+    </dgm:scene3d>
+    <dgm:sp3d prstMaterial="dkEdge">
+      <a:bevelT w="8200" h="38100"/>
+    </dgm:sp3d>
+    <dgm:txPr/>
+    <dgm:style>
+      <a:lnRef idx="0">
+        <a:scrgbClr r="0" g="0" b="0"/>
+      </a:lnRef>
+      <a:fillRef idx="2">
+        <a:scrgbClr r="0" g="0" b="0"/>
+      </a:fillRef>
+      <a:effectRef idx="1">
+        <a:scrgbClr r="0" g="0" b="0"/>
+      </a:effectRef>
+      <a:fontRef idx="minor">
+        <a:schemeClr val="dk1"/>
+      </a:fontRef>
+    </dgm:style>
+  </dgm:styleLbl>
+  <dgm:styleLbl name="node3">
+    <dgm:scene3d>
+      <a:camera prst="orthographicFront"/>
+      <a:lightRig rig="flat" dir="t"/>
+    </dgm:scene3d>
+    <dgm:sp3d prstMaterial="dkEdge">
+      <a:bevelT w="8200" h="38100"/>
+    </dgm:sp3d>
+    <dgm:txPr/>
+    <dgm:style>
+      <a:lnRef idx="0">
+        <a:scrgbClr r="0" g="0" b="0"/>
+      </a:lnRef>
+      <a:fillRef idx="2">
+        <a:scrgbClr r="0" g="0" b="0"/>
+      </a:fillRef>
+      <a:effectRef idx="1">
+        <a:scrgbClr r="0" g="0" b="0"/>
+      </a:effectRef>
+      <a:fontRef idx="minor">
+        <a:schemeClr val="dk1"/>
+      </a:fontRef>
+    </dgm:style>
+  </dgm:styleLbl>
+  <dgm:styleLbl name="node4">
+    <dgm:scene3d>
+      <a:camera prst="orthographicFront"/>
+      <a:lightRig rig="flat" dir="t"/>
+    </dgm:scene3d>
+    <dgm:sp3d prstMaterial="dkEdge">
+      <a:bevelT w="8200" h="38100"/>
+    </dgm:sp3d>
+    <dgm:txPr/>
+    <dgm:style>
+      <a:lnRef idx="0">
+        <a:scrgbClr r="0" g="0" b="0"/>
+      </a:lnRef>
+      <a:fillRef idx="2">
+        <a:scrgbClr r="0" g="0" b="0"/>
+      </a:fillRef>
+      <a:effectRef idx="1">
+        <a:scrgbClr r="0" g="0" b="0"/>
+      </a:effectRef>
+      <a:fontRef idx="minor">
+        <a:schemeClr val="dk1"/>
+      </a:fontRef>
+    </dgm:style>
+  </dgm:styleLbl>
+  <dgm:styleLbl name="fgImgPlace1">
+    <dgm:scene3d>
+      <a:camera prst="orthographicFront"/>
+      <a:lightRig rig="threePt" dir="t"/>
+    </dgm:scene3d>
+    <dgm:sp3d/>
+    <dgm:txPr/>
+    <dgm:style>
+      <a:lnRef idx="1">
+        <a:scrgbClr r="0" g="0" b="0"/>
+      </a:lnRef>
+      <a:fillRef idx="1">
+        <a:scrgbClr r="0" g="0" b="0"/>
+      </a:fillRef>
+      <a:effectRef idx="1">
+        <a:scrgbClr r="0" g="0" b="0"/>
+      </a:effectRef>
+      <a:fontRef idx="minor"/>
+    </dgm:style>
+  </dgm:styleLbl>
+  <dgm:styleLbl name="alignImgPlace1">
+    <dgm:scene3d>
+      <a:camera prst="orthographicFront"/>
+      <a:lightRig rig="threePt" dir="t"/>
+    </dgm:scene3d>
+    <dgm:sp3d/>
+    <dgm:txPr/>
+    <dgm:style>
+      <a:lnRef idx="1">
+        <a:scrgbClr r="0" g="0" b="0"/>
+      </a:lnRef>
+      <a:fillRef idx="1">
+        <a:scrgbClr r="0" g="0" b="0"/>
+      </a:fillRef>
+      <a:effectRef idx="1">
+        <a:scrgbClr r="0" g="0" b="0"/>
+      </a:effectRef>
+      <a:fontRef idx="minor"/>
+    </dgm:style>
+  </dgm:styleLbl>
+  <dgm:styleLbl name="bgImgPlace1">
+    <dgm:scene3d>
+      <a:camera prst="orthographicFront"/>
+      <a:lightRig rig="threePt" dir="t"/>
+    </dgm:scene3d>
+    <dgm:sp3d/>
+    <dgm:txPr/>
+    <dgm:style>
+      <a:lnRef idx="1">
+        <a:scrgbClr r="0" g="0" b="0"/>
+      </a:lnRef>
+      <a:fillRef idx="1">
+        <a:scrgbClr r="0" g="0" b="0"/>
+      </a:fillRef>
+      <a:effectRef idx="1">
+        <a:scrgbClr r="0" g="0" b="0"/>
+      </a:effectRef>
+      <a:fontRef idx="minor"/>
+    </dgm:style>
+  </dgm:styleLbl>
+  <dgm:styleLbl name="sibTrans2D1">
+    <dgm:scene3d>
+      <a:camera prst="orthographicFront"/>
+      <a:lightRig rig="threePt" dir="t"/>
+    </dgm:scene3d>
+    <dgm:sp3d/>
+    <dgm:txPr/>
+    <dgm:style>
+      <a:lnRef idx="0">
+        <a:scrgbClr r="0" g="0" b="0"/>
+      </a:lnRef>
+      <a:fillRef idx="2">
+        <a:scrgbClr r="0" g="0" b="0"/>
+      </a:fillRef>
+      <a:effectRef idx="1">
+        <a:scrgbClr r="0" g="0" b="0"/>
+      </a:effectRef>
+      <a:fontRef idx="minor">
+        <a:schemeClr val="dk1"/>
+      </a:fontRef>
+    </dgm:style>
+  </dgm:styleLbl>
+  <dgm:styleLbl name="fgSibTrans2D1">
+    <dgm:scene3d>
+      <a:camera prst="orthographicFront"/>
+      <a:lightRig rig="threePt" dir="t"/>
+    </dgm:scene3d>
+    <dgm:sp3d/>
+    <dgm:txPr/>
+    <dgm:style>
+      <a:lnRef idx="0">
+        <a:scrgbClr r="0" g="0" b="0"/>
+      </a:lnRef>
+      <a:fillRef idx="2">
+        <a:scrgbClr r="0" g="0" b="0"/>
+      </a:fillRef>
+      <a:effectRef idx="1">
+        <a:scrgbClr r="0" g="0" b="0"/>
+      </a:effectRef>
+      <a:fontRef idx="minor">
+        <a:schemeClr val="dk1"/>
+      </a:fontRef>
+    </dgm:style>
+  </dgm:styleLbl>
+  <dgm:styleLbl name="bgSibTrans2D1">
+    <dgm:scene3d>
+      <a:camera prst="orthographicFront"/>
+      <a:lightRig rig="threePt" dir="t"/>
+    </dgm:scene3d>
+    <dgm:sp3d/>
+    <dgm:txPr/>
+    <dgm:style>
+      <a:lnRef idx="0">
+        <a:scrgbClr r="0" g="0" b="0"/>
+      </a:lnRef>
+      <a:fillRef idx="2">
+        <a:scrgbClr r="0" g="0" b="0"/>
+      </a:fillRef>
+      <a:effectRef idx="1">
+        <a:scrgbClr r="0" g="0" b="0"/>
+      </a:effectRef>
+      <a:fontRef idx="minor">
+        <a:schemeClr val="dk1"/>
+      </a:fontRef>
+    </dgm:style>
+  </dgm:styleLbl>
+  <dgm:styleLbl name="sibTrans1D1">
+    <dgm:scene3d>
+      <a:camera prst="orthographicFront"/>
+      <a:lightRig rig="threePt" dir="t"/>
+    </dgm:scene3d>
+    <dgm:sp3d/>
+    <dgm:txPr/>
+    <dgm:style>
+      <a:lnRef idx="1">
+        <a:scrgbClr r="0" g="0" b="0"/>
+      </a:lnRef>
+      <a:fillRef idx="0">
+        <a:scrgbClr r="0" g="0" b="0"/>
+      </a:fillRef>
+      <a:effectRef idx="0">
+        <a:scrgbClr r="0" g="0" b="0"/>
+      </a:effectRef>
+      <a:fontRef idx="minor"/>
+    </dgm:style>
+  </dgm:styleLbl>
+  <dgm:styleLbl name="callout">
+    <dgm:scene3d>
+      <a:camera prst="orthographicFront"/>
+      <a:lightRig rig="threePt" dir="t"/>
+    </dgm:scene3d>
+    <dgm:sp3d/>
+    <dgm:txPr/>
+    <dgm:style>
+      <a:lnRef idx="1">
+        <a:scrgbClr r="0" g="0" b="0"/>
+      </a:lnRef>
+      <a:fillRef idx="2">
+        <a:scrgbClr r="0" g="0" b="0"/>
+      </a:fillRef>
+      <a:effectRef idx="1">
+        <a:scrgbClr r="0" g="0" b="0"/>
+      </a:effectRef>
+      <a:fontRef idx="minor"/>
+    </dgm:style>
+  </dgm:styleLbl>
+  <dgm:styleLbl name="asst0">
+    <dgm:scene3d>
+      <a:camera prst="orthographicFront"/>
+      <a:lightRig rig="flat" dir="t"/>
+    </dgm:scene3d>
+    <dgm:sp3d prstMaterial="dkEdge">
+      <a:bevelT w="8200" h="38100"/>
+    </dgm:sp3d>
+    <dgm:txPr/>
+    <dgm:style>
+      <a:lnRef idx="0">
+        <a:scrgbClr r="0" g="0" b="0"/>
+      </a:lnRef>
+      <a:fillRef idx="2">
+        <a:scrgbClr r="0" g="0" b="0"/>
+      </a:fillRef>
+      <a:effectRef idx="1">
+        <a:scrgbClr r="0" g="0" b="0"/>
+      </a:effectRef>
+      <a:fontRef idx="minor">
+        <a:schemeClr val="dk1"/>
+      </a:fontRef>
+    </dgm:style>
+  </dgm:styleLbl>
+  <dgm:styleLbl name="asst1">
+    <dgm:scene3d>
+      <a:camera prst="orthographicFront"/>
+      <a:lightRig rig="flat" dir="t"/>
+    </dgm:scene3d>
+    <dgm:sp3d prstMaterial="dkEdge">
+      <a:bevelT w="8200" h="38100"/>
+    </dgm:sp3d>
+    <dgm:txPr/>
+    <dgm:style>
+      <a:lnRef idx="0">
+        <a:scrgbClr r="0" g="0" b="0"/>
+      </a:lnRef>
+      <a:fillRef idx="2">
+        <a:scrgbClr r="0" g="0" b="0"/>
+      </a:fillRef>
+      <a:effectRef idx="1">
+        <a:scrgbClr r="0" g="0" b="0"/>
+      </a:effectRef>
+      <a:fontRef idx="minor">
+        <a:schemeClr val="dk1"/>
+      </a:fontRef>
+    </dgm:style>
+  </dgm:styleLbl>
+  <dgm:styleLbl name="asst2">
+    <dgm:scene3d>
+      <a:camera prst="orthographicFront"/>
+      <a:lightRig rig="flat" dir="t"/>
+    </dgm:scene3d>
+    <dgm:sp3d prstMaterial="dkEdge">
+      <a:bevelT w="8200" h="38100"/>
+    </dgm:sp3d>
+    <dgm:txPr/>
+    <dgm:style>
+      <a:lnRef idx="0">
+        <a:scrgbClr r="0" g="0" b="0"/>
+      </a:lnRef>
+      <a:fillRef idx="2">
+        <a:scrgbClr r="0" g="0" b="0"/>
+      </a:fillRef>
+      <a:effectRef idx="1">
+        <a:scrgbClr r="0" g="0" b="0"/>
+      </a:effectRef>
+      <a:fontRef idx="minor">
+        <a:schemeClr val="dk1"/>
+      </a:fontRef>
+    </dgm:style>
+  </dgm:styleLbl>
+  <dgm:styleLbl name="asst3">
+    <dgm:scene3d>
+      <a:camera prst="orthographicFront"/>
+      <a:lightRig rig="flat" dir="t"/>
+    </dgm:scene3d>
+    <dgm:sp3d prstMaterial="dkEdge">
+      <a:bevelT w="8200" h="38100"/>
+    </dgm:sp3d>
+    <dgm:txPr/>
+    <dgm:style>
+      <a:lnRef idx="0">
+        <a:scrgbClr r="0" g="0" b="0"/>
+      </a:lnRef>
+      <a:fillRef idx="2">
+        <a:scrgbClr r="0" g="0" b="0"/>
+      </a:fillRef>
+      <a:effectRef idx="1">
+        <a:scrgbClr r="0" g="0" b="0"/>
+      </a:effectRef>
+      <a:fontRef idx="minor">
+        <a:schemeClr val="dk1"/>
+      </a:fontRef>
+    </dgm:style>
+  </dgm:styleLbl>
+  <dgm:styleLbl name="asst4">
+    <dgm:scene3d>
+      <a:camera prst="orthographicFront"/>
+      <a:lightRig rig="flat" dir="t"/>
+    </dgm:scene3d>
+    <dgm:sp3d prstMaterial="dkEdge">
+      <a:bevelT w="8200" h="38100"/>
+    </dgm:sp3d>
+    <dgm:txPr/>
+    <dgm:style>
+      <a:lnRef idx="0">
+        <a:scrgbClr r="0" g="0" b="0"/>
+      </a:lnRef>
+      <a:fillRef idx="2">
+        <a:scrgbClr r="0" g="0" b="0"/>
+      </a:fillRef>
+      <a:effectRef idx="1">
+        <a:scrgbClr r="0" g="0" b="0"/>
+      </a:effectRef>
+      <a:fontRef idx="minor">
+        <a:schemeClr val="dk1"/>
+      </a:fontRef>
+    </dgm:style>
+  </dgm:styleLbl>
+  <dgm:styleLbl name="parChTrans2D1">
+    <dgm:scene3d>
+      <a:camera prst="orthographicFront"/>
+      <a:lightRig rig="threePt" dir="t"/>
+    </dgm:scene3d>
+    <dgm:sp3d/>
+    <dgm:txPr/>
+    <dgm:style>
+      <a:lnRef idx="1">
+        <a:scrgbClr r="0" g="0" b="0"/>
+      </a:lnRef>
+      <a:fillRef idx="2">
+        <a:scrgbClr r="0" g="0" b="0"/>
+      </a:fillRef>
+      <a:effectRef idx="1">
+        <a:scrgbClr r="0" g="0" b="0"/>
+      </a:effectRef>
+      <a:fontRef idx="minor">
+        <a:schemeClr val="dk1"/>
+      </a:fontRef>
+    </dgm:style>
+  </dgm:styleLbl>
+  <dgm:styleLbl name="parChTrans2D2">
+    <dgm:scene3d>
+      <a:camera prst="orthographicFront"/>
+      <a:lightRig rig="threePt" dir="t"/>
+    </dgm:scene3d>
+    <dgm:sp3d/>
+    <dgm:txPr/>
+    <dgm:style>
+      <a:lnRef idx="1">
+        <a:scrgbClr r="0" g="0" b="0"/>
+      </a:lnRef>
+      <a:fillRef idx="2">
+        <a:scrgbClr r="0" g="0" b="0"/>
+      </a:fillRef>
+      <a:effectRef idx="1">
+        <a:scrgbClr r="0" g="0" b="0"/>
+      </a:effectRef>
+      <a:fontRef idx="minor">
+        <a:schemeClr val="dk1"/>
+      </a:fontRef>
+    </dgm:style>
+  </dgm:styleLbl>
+  <dgm:styleLbl name="parChTrans2D3">
+    <dgm:scene3d>
+      <a:camera prst="orthographicFront"/>
+      <a:lightRig rig="threePt" dir="t"/>
+    </dgm:scene3d>
+    <dgm:sp3d/>
+    <dgm:txPr/>
+    <dgm:style>
+      <a:lnRef idx="1">
+        <a:scrgbClr r="0" g="0" b="0"/>
+      </a:lnRef>
+      <a:fillRef idx="2">
+        <a:scrgbClr r="0" g="0" b="0"/>
+      </a:fillRef>
+      <a:effectRef idx="1">
+        <a:scrgbClr r="0" g="0" b="0"/>
+      </a:effectRef>
+      <a:fontRef idx="minor">
+        <a:schemeClr val="dk1"/>
+      </a:fontRef>
+    </dgm:style>
+  </dgm:styleLbl>
+  <dgm:styleLbl name="parChTrans2D4">
+    <dgm:scene3d>
+      <a:camera prst="orthographicFront"/>
+      <a:lightRig rig="threePt" dir="t"/>
+    </dgm:scene3d>
+    <dgm:sp3d/>
+    <dgm:txPr/>
+    <dgm:style>
+      <a:lnRef idx="1">
+        <a:scrgbClr r="0" g="0" b="0"/>
+      </a:lnRef>
+      <a:fillRef idx="2">
+        <a:scrgbClr r="0" g="0" b="0"/>
+      </a:fillRef>
+      <a:effectRef idx="1">
+        <a:scrgbClr r="0" g="0" b="0"/>
+      </a:effectRef>
+      <a:fontRef idx="minor">
+        <a:schemeClr val="dk1"/>
+      </a:fontRef>
+    </dgm:style>
+  </dgm:styleLbl>
+  <dgm:styleLbl name="parChTrans1D1">
+    <dgm:scene3d>
+      <a:camera prst="orthographicFront"/>
+      <a:lightRig rig="threePt" dir="t"/>
+    </dgm:scene3d>
+    <dgm:sp3d/>
+    <dgm:txPr/>
+    <dgm:style>
       <a:lnRef idx="2">
         <a:scrgbClr r="0" g="0" b="0"/>
       </a:lnRef>
+      <a:fillRef idx="0">
+        <a:scrgbClr r="0" g="0" b="0"/>
+      </a:fillRef>
+      <a:effectRef idx="0">
+        <a:scrgbClr r="0" g="0" b="0"/>
+      </a:effectRef>
+      <a:fontRef idx="minor"/>
+    </dgm:style>
+  </dgm:styleLbl>
+  <dgm:styleLbl name="parChTrans1D2">
+    <dgm:scene3d>
+      <a:camera prst="orthographicFront"/>
+      <a:lightRig rig="threePt" dir="t"/>
+    </dgm:scene3d>
+    <dgm:sp3d/>
+    <dgm:txPr/>
+    <dgm:style>
+      <a:lnRef idx="2">
+        <a:scrgbClr r="0" g="0" b="0"/>
+      </a:lnRef>
+      <a:fillRef idx="0">
+        <a:scrgbClr r="0" g="0" b="0"/>
+      </a:fillRef>
+      <a:effectRef idx="0">
+        <a:scrgbClr r="0" g="0" b="0"/>
+      </a:effectRef>
+      <a:fontRef idx="minor"/>
+    </dgm:style>
+  </dgm:styleLbl>
+  <dgm:styleLbl name="parChTrans1D3">
+    <dgm:scene3d>
+      <a:camera prst="orthographicFront"/>
+      <a:lightRig rig="threePt" dir="t"/>
+    </dgm:scene3d>
+    <dgm:sp3d/>
+    <dgm:txPr/>
+    <dgm:style>
+      <a:lnRef idx="2">
+        <a:scrgbClr r="0" g="0" b="0"/>
+      </a:lnRef>
+      <a:fillRef idx="0">
+        <a:scrgbClr r="0" g="0" b="0"/>
+      </a:fillRef>
+      <a:effectRef idx="0">
+        <a:scrgbClr r="0" g="0" b="0"/>
+      </a:effectRef>
+      <a:fontRef idx="minor"/>
+    </dgm:style>
+  </dgm:styleLbl>
+  <dgm:styleLbl name="parChTrans1D4">
+    <dgm:scene3d>
+      <a:camera prst="orthographicFront"/>
+      <a:lightRig rig="threePt" dir="t"/>
+    </dgm:scene3d>
+    <dgm:sp3d/>
+    <dgm:txPr/>
+    <dgm:style>
+      <a:lnRef idx="2">
+        <a:scrgbClr r="0" g="0" b="0"/>
+      </a:lnRef>
+      <a:fillRef idx="0">
+        <a:scrgbClr r="0" g="0" b="0"/>
+      </a:fillRef>
+      <a:effectRef idx="0">
+        <a:scrgbClr r="0" g="0" b="0"/>
+      </a:effectRef>
+      <a:fontRef idx="minor"/>
+    </dgm:style>
+  </dgm:styleLbl>
+  <dgm:styleLbl name="fgAcc1">
+    <dgm:scene3d>
+      <a:camera prst="orthographicFront"/>
+      <a:lightRig rig="threePt" dir="t"/>
+    </dgm:scene3d>
+    <dgm:sp3d/>
+    <dgm:txPr/>
+    <dgm:style>
+      <a:lnRef idx="1">
+        <a:scrgbClr r="0" g="0" b="0"/>
+      </a:lnRef>
       <a:fillRef idx="1">
         <a:scrgbClr r="0" g="0" b="0"/>
       </a:fillRef>
       <a:effectRef idx="0">
         <a:scrgbClr r="0" g="0" b="0"/>
       </a:effectRef>
-      <a:fontRef idx="minor">
-        <a:schemeClr val="lt1"/>
-      </a:fontRef>
-    </dgm:style>
-  </dgm:styleLbl>
-  <dgm:styleLbl name="node1">
-    <dgm:scene3d>
-      <a:camera prst="orthographicFront"/>
-      <a:lightRig rig="threePt" dir="t"/>
-    </dgm:scene3d>
-    <dgm:sp3d/>
-    <dgm:txPr/>
-    <dgm:style>
-      <a:lnRef idx="2">
+      <a:fontRef idx="minor"/>
+    </dgm:style>
+  </dgm:styleLbl>
+  <dgm:styleLbl name="conFgAcc1">
+    <dgm:scene3d>
+      <a:camera prst="orthographicFront"/>
+      <a:lightRig rig="threePt" dir="t"/>
+    </dgm:scene3d>
+    <dgm:sp3d/>
+    <dgm:txPr/>
+    <dgm:style>
+      <a:lnRef idx="1">
         <a:scrgbClr r="0" g="0" b="0"/>
       </a:lnRef>
       <a:fillRef idx="1">
@@ -22577,20 +23315,18 @@
       <a:effectRef idx="0">
         <a:scrgbClr r="0" g="0" b="0"/>
       </a:effectRef>
-      <a:fontRef idx="minor">
-        <a:schemeClr val="lt1"/>
-      </a:fontRef>
-    </dgm:style>
-  </dgm:styleLbl>
-  <dgm:styleLbl name="node2">
-    <dgm:scene3d>
-      <a:camera prst="orthographicFront"/>
-      <a:lightRig rig="threePt" dir="t"/>
-    </dgm:scene3d>
-    <dgm:sp3d/>
-    <dgm:txPr/>
-    <dgm:style>
-      <a:lnRef idx="2">
+      <a:fontRef idx="minor"/>
+    </dgm:style>
+  </dgm:styleLbl>
+  <dgm:styleLbl name="alignAcc1">
+    <dgm:scene3d>
+      <a:camera prst="orthographicFront"/>
+      <a:lightRig rig="threePt" dir="t"/>
+    </dgm:scene3d>
+    <dgm:sp3d/>
+    <dgm:txPr/>
+    <dgm:style>
+      <a:lnRef idx="1">
         <a:scrgbClr r="0" g="0" b="0"/>
       </a:lnRef>
       <a:fillRef idx="1">
@@ -22599,20 +23335,18 @@
       <a:effectRef idx="0">
         <a:scrgbClr r="0" g="0" b="0"/>
       </a:effectRef>
-      <a:fontRef idx="minor">
-        <a:schemeClr val="lt1"/>
-      </a:fontRef>
-    </dgm:style>
-  </dgm:styleLbl>
-  <dgm:styleLbl name="node3">
-    <dgm:scene3d>
-      <a:camera prst="orthographicFront"/>
-      <a:lightRig rig="threePt" dir="t"/>
-    </dgm:scene3d>
-    <dgm:sp3d/>
-    <dgm:txPr/>
-    <dgm:style>
-      <a:lnRef idx="2">
+      <a:fontRef idx="minor"/>
+    </dgm:style>
+  </dgm:styleLbl>
+  <dgm:styleLbl name="trAlignAcc1">
+    <dgm:scene3d>
+      <a:camera prst="orthographicFront"/>
+      <a:lightRig rig="threePt" dir="t"/>
+    </dgm:scene3d>
+    <dgm:sp3d/>
+    <dgm:txPr/>
+    <dgm:style>
+      <a:lnRef idx="1">
         <a:scrgbClr r="0" g="0" b="0"/>
       </a:lnRef>
       <a:fillRef idx="1">
@@ -22621,20 +23355,18 @@
       <a:effectRef idx="0">
         <a:scrgbClr r="0" g="0" b="0"/>
       </a:effectRef>
-      <a:fontRef idx="minor">
-        <a:schemeClr val="lt1"/>
-      </a:fontRef>
-    </dgm:style>
-  </dgm:styleLbl>
-  <dgm:styleLbl name="node4">
-    <dgm:scene3d>
-      <a:camera prst="orthographicFront"/>
-      <a:lightRig rig="threePt" dir="t"/>
-    </dgm:scene3d>
-    <dgm:sp3d/>
-    <dgm:txPr/>
-    <dgm:style>
-      <a:lnRef idx="2">
+      <a:fontRef idx="minor"/>
+    </dgm:style>
+  </dgm:styleLbl>
+  <dgm:styleLbl name="bgAcc1">
+    <dgm:scene3d>
+      <a:camera prst="orthographicFront"/>
+      <a:lightRig rig="threePt" dir="t"/>
+    </dgm:scene3d>
+    <dgm:sp3d/>
+    <dgm:txPr/>
+    <dgm:style>
+      <a:lnRef idx="1">
         <a:scrgbClr r="0" g="0" b="0"/>
       </a:lnRef>
       <a:fillRef idx="1">
@@ -22643,20 +23375,38 @@
       <a:effectRef idx="0">
         <a:scrgbClr r="0" g="0" b="0"/>
       </a:effectRef>
-      <a:fontRef idx="minor">
-        <a:schemeClr val="lt1"/>
-      </a:fontRef>
-    </dgm:style>
-  </dgm:styleLbl>
-  <dgm:styleLbl name="fgImgPlace1">
-    <dgm:scene3d>
-      <a:camera prst="orthographicFront"/>
-      <a:lightRig rig="threePt" dir="t"/>
-    </dgm:scene3d>
-    <dgm:sp3d/>
-    <dgm:txPr/>
-    <dgm:style>
-      <a:lnRef idx="2">
+      <a:fontRef idx="minor"/>
+    </dgm:style>
+  </dgm:styleLbl>
+  <dgm:styleLbl name="solidFgAcc1">
+    <dgm:scene3d>
+      <a:camera prst="orthographicFront"/>
+      <a:lightRig rig="threePt" dir="t"/>
+    </dgm:scene3d>
+    <dgm:sp3d/>
+    <dgm:txPr/>
+    <dgm:style>
+      <a:lnRef idx="1">
+        <a:scrgbClr r="0" g="0" b="0"/>
+      </a:lnRef>
+      <a:fillRef idx="2">
+        <a:scrgbClr r="0" g="0" b="0"/>
+      </a:fillRef>
+      <a:effectRef idx="0">
+        <a:scrgbClr r="0" g="0" b="0"/>
+      </a:effectRef>
+      <a:fontRef idx="minor"/>
+    </dgm:style>
+  </dgm:styleLbl>
+  <dgm:styleLbl name="solidAlignAcc1">
+    <dgm:scene3d>
+      <a:camera prst="orthographicFront"/>
+      <a:lightRig rig="threePt" dir="t"/>
+    </dgm:scene3d>
+    <dgm:sp3d/>
+    <dgm:txPr/>
+    <dgm:style>
+      <a:lnRef idx="1">
         <a:scrgbClr r="0" g="0" b="0"/>
       </a:lnRef>
       <a:fillRef idx="1">
@@ -22668,15 +23418,15 @@
       <a:fontRef idx="minor"/>
     </dgm:style>
   </dgm:styleLbl>
-  <dgm:styleLbl name="alignImgPlace1">
-    <dgm:scene3d>
-      <a:camera prst="orthographicFront"/>
-      <a:lightRig rig="threePt" dir="t"/>
-    </dgm:scene3d>
-    <dgm:sp3d/>
-    <dgm:txPr/>
-    <dgm:style>
-      <a:lnRef idx="2">
+  <dgm:styleLbl name="solidBgAcc1">
+    <dgm:scene3d>
+      <a:camera prst="orthographicFront"/>
+      <a:lightRig rig="threePt" dir="t"/>
+    </dgm:scene3d>
+    <dgm:sp3d/>
+    <dgm:txPr/>
+    <dgm:style>
+      <a:lnRef idx="1">
         <a:scrgbClr r="0" g="0" b="0"/>
       </a:lnRef>
       <a:fillRef idx="1">
@@ -22688,15 +23438,15 @@
       <a:fontRef idx="minor"/>
     </dgm:style>
   </dgm:styleLbl>
-  <dgm:styleLbl name="bgImgPlace1">
-    <dgm:scene3d>
-      <a:camera prst="orthographicFront"/>
-      <a:lightRig rig="threePt" dir="t"/>
-    </dgm:scene3d>
-    <dgm:sp3d/>
-    <dgm:txPr/>
-    <dgm:style>
-      <a:lnRef idx="2">
+  <dgm:styleLbl name="fgAccFollowNode1">
+    <dgm:scene3d>
+      <a:camera prst="orthographicFront"/>
+      <a:lightRig rig="threePt" dir="t"/>
+    </dgm:scene3d>
+    <dgm:sp3d/>
+    <dgm:txPr/>
+    <dgm:style>
+      <a:lnRef idx="1">
         <a:scrgbClr r="0" g="0" b="0"/>
       </a:lnRef>
       <a:fillRef idx="1">
@@ -22708,7 +23458,127 @@
       <a:fontRef idx="minor"/>
     </dgm:style>
   </dgm:styleLbl>
-  <dgm:styleLbl name="sibTrans2D1">
+  <dgm:styleLbl name="alignAccFollowNode1">
+    <dgm:scene3d>
+      <a:camera prst="orthographicFront"/>
+      <a:lightRig rig="threePt" dir="t"/>
+    </dgm:scene3d>
+    <dgm:sp3d/>
+    <dgm:txPr/>
+    <dgm:style>
+      <a:lnRef idx="1">
+        <a:scrgbClr r="0" g="0" b="0"/>
+      </a:lnRef>
+      <a:fillRef idx="1">
+        <a:scrgbClr r="0" g="0" b="0"/>
+      </a:fillRef>
+      <a:effectRef idx="0">
+        <a:scrgbClr r="0" g="0" b="0"/>
+      </a:effectRef>
+      <a:fontRef idx="minor"/>
+    </dgm:style>
+  </dgm:styleLbl>
+  <dgm:styleLbl name="bgAccFollowNode1">
+    <dgm:scene3d>
+      <a:camera prst="orthographicFront"/>
+      <a:lightRig rig="threePt" dir="t"/>
+    </dgm:scene3d>
+    <dgm:sp3d/>
+    <dgm:txPr/>
+    <dgm:style>
+      <a:lnRef idx="1">
+        <a:scrgbClr r="0" g="0" b="0"/>
+      </a:lnRef>
+      <a:fillRef idx="1">
+        <a:scrgbClr r="0" g="0" b="0"/>
+      </a:fillRef>
+      <a:effectRef idx="0">
+        <a:scrgbClr r="0" g="0" b="0"/>
+      </a:effectRef>
+      <a:fontRef idx="minor"/>
+    </dgm:style>
+  </dgm:styleLbl>
+  <dgm:styleLbl name="fgAcc0">
+    <dgm:scene3d>
+      <a:camera prst="orthographicFront"/>
+      <a:lightRig rig="threePt" dir="t"/>
+    </dgm:scene3d>
+    <dgm:sp3d/>
+    <dgm:txPr/>
+    <dgm:style>
+      <a:lnRef idx="1">
+        <a:scrgbClr r="0" g="0" b="0"/>
+      </a:lnRef>
+      <a:fillRef idx="1">
+        <a:scrgbClr r="0" g="0" b="0"/>
+      </a:fillRef>
+      <a:effectRef idx="0">
+        <a:scrgbClr r="0" g="0" b="0"/>
+      </a:effectRef>
+      <a:fontRef idx="minor"/>
+    </dgm:style>
+  </dgm:styleLbl>
+  <dgm:styleLbl name="fgAcc2">
+    <dgm:scene3d>
+      <a:camera prst="orthographicFront"/>
+      <a:lightRig rig="threePt" dir="t"/>
+    </dgm:scene3d>
+    <dgm:sp3d/>
+    <dgm:txPr/>
+    <dgm:style>
+      <a:lnRef idx="1">
+        <a:scrgbClr r="0" g="0" b="0"/>
+      </a:lnRef>
+      <a:fillRef idx="1">
+        <a:scrgbClr r="0" g="0" b="0"/>
+      </a:fillRef>
+      <a:effectRef idx="0">
+        <a:scrgbClr r="0" g="0" b="0"/>
+      </a:effectRef>
+      <a:fontRef idx="minor"/>
+    </dgm:style>
+  </dgm:styleLbl>
+  <dgm:styleLbl name="fgAcc3">
+    <dgm:scene3d>
+      <a:camera prst="orthographicFront"/>
+      <a:lightRig rig="threePt" dir="t"/>
+    </dgm:scene3d>
+    <dgm:sp3d/>
+    <dgm:txPr/>
+    <dgm:style>
+      <a:lnRef idx="1">
+        <a:scrgbClr r="0" g="0" b="0"/>
+      </a:lnRef>
+      <a:fillRef idx="1">
+        <a:scrgbClr r="0" g="0" b="0"/>
+      </a:fillRef>
+      <a:effectRef idx="0">
+        <a:scrgbClr r="0" g="0" b="0"/>
+      </a:effectRef>
+      <a:fontRef idx="minor"/>
+    </dgm:style>
+  </dgm:styleLbl>
+  <dgm:styleLbl name="fgAcc4">
+    <dgm:scene3d>
+      <a:camera prst="orthographicFront"/>
+      <a:lightRig rig="threePt" dir="t"/>
+    </dgm:scene3d>
+    <dgm:sp3d/>
+    <dgm:txPr/>
+    <dgm:style>
+      <a:lnRef idx="1">
+        <a:scrgbClr r="0" g="0" b="0"/>
+      </a:lnRef>
+      <a:fillRef idx="1">
+        <a:scrgbClr r="0" g="0" b="0"/>
+      </a:fillRef>
+      <a:effectRef idx="0">
+        <a:scrgbClr r="0" g="0" b="0"/>
+      </a:effectRef>
+      <a:fontRef idx="minor"/>
+    </dgm:style>
+  </dgm:styleLbl>
+  <dgm:styleLbl name="bgShp">
     <dgm:scene3d>
       <a:camera prst="orthographicFront"/>
       <a:lightRig rig="threePt" dir="t"/>
@@ -22722,751 +23592,69 @@
       <a:fillRef idx="1">
         <a:scrgbClr r="0" g="0" b="0"/>
       </a:fillRef>
+      <a:effectRef idx="1">
+        <a:scrgbClr r="0" g="0" b="0"/>
+      </a:effectRef>
+      <a:fontRef idx="minor"/>
+    </dgm:style>
+  </dgm:styleLbl>
+  <dgm:styleLbl name="dkBgShp">
+    <dgm:scene3d>
+      <a:camera prst="orthographicFront"/>
+      <a:lightRig rig="threePt" dir="t"/>
+    </dgm:scene3d>
+    <dgm:sp3d/>
+    <dgm:txPr/>
+    <dgm:style>
+      <a:lnRef idx="0">
+        <a:scrgbClr r="0" g="0" b="0"/>
+      </a:lnRef>
+      <a:fillRef idx="1">
+        <a:scrgbClr r="0" g="0" b="0"/>
+      </a:fillRef>
+      <a:effectRef idx="1">
+        <a:scrgbClr r="0" g="0" b="0"/>
+      </a:effectRef>
+      <a:fontRef idx="minor"/>
+    </dgm:style>
+  </dgm:styleLbl>
+  <dgm:styleLbl name="trBgShp">
+    <dgm:scene3d>
+      <a:camera prst="orthographicFront"/>
+      <a:lightRig rig="threePt" dir="t"/>
+    </dgm:scene3d>
+    <dgm:sp3d/>
+    <dgm:txPr/>
+    <dgm:style>
+      <a:lnRef idx="0">
+        <a:scrgbClr r="0" g="0" b="0"/>
+      </a:lnRef>
+      <a:fillRef idx="1">
+        <a:scrgbClr r="0" g="0" b="0"/>
+      </a:fillRef>
       <a:effectRef idx="0">
         <a:scrgbClr r="0" g="0" b="0"/>
       </a:effectRef>
-      <a:fontRef idx="minor">
-        <a:schemeClr val="lt1"/>
-      </a:fontRef>
-    </dgm:style>
-  </dgm:styleLbl>
-  <dgm:styleLbl name="fgSibTrans2D1">
-    <dgm:scene3d>
-      <a:camera prst="orthographicFront"/>
-      <a:lightRig rig="threePt" dir="t"/>
-    </dgm:scene3d>
-    <dgm:sp3d/>
-    <dgm:txPr/>
-    <dgm:style>
-      <a:lnRef idx="0">
-        <a:scrgbClr r="0" g="0" b="0"/>
-      </a:lnRef>
-      <a:fillRef idx="1">
-        <a:scrgbClr r="0" g="0" b="0"/>
-      </a:fillRef>
-      <a:effectRef idx="0">
-        <a:scrgbClr r="0" g="0" b="0"/>
-      </a:effectRef>
-      <a:fontRef idx="minor">
-        <a:schemeClr val="lt1"/>
-      </a:fontRef>
-    </dgm:style>
-  </dgm:styleLbl>
-  <dgm:styleLbl name="bgSibTrans2D1">
-    <dgm:scene3d>
-      <a:camera prst="orthographicFront"/>
-      <a:lightRig rig="threePt" dir="t"/>
-    </dgm:scene3d>
-    <dgm:sp3d/>
-    <dgm:txPr/>
-    <dgm:style>
-      <a:lnRef idx="0">
-        <a:scrgbClr r="0" g="0" b="0"/>
-      </a:lnRef>
-      <a:fillRef idx="1">
-        <a:scrgbClr r="0" g="0" b="0"/>
-      </a:fillRef>
-      <a:effectRef idx="0">
-        <a:scrgbClr r="0" g="0" b="0"/>
-      </a:effectRef>
-      <a:fontRef idx="minor">
-        <a:schemeClr val="lt1"/>
-      </a:fontRef>
-    </dgm:style>
-  </dgm:styleLbl>
-  <dgm:styleLbl name="sibTrans1D1">
-    <dgm:scene3d>
-      <a:camera prst="orthographicFront"/>
-      <a:lightRig rig="threePt" dir="t"/>
-    </dgm:scene3d>
-    <dgm:sp3d/>
+      <a:fontRef idx="minor"/>
+    </dgm:style>
+  </dgm:styleLbl>
+  <dgm:styleLbl name="fgShp">
+    <dgm:scene3d>
+      <a:camera prst="orthographicFront"/>
+      <a:lightRig rig="flat" dir="t"/>
+    </dgm:scene3d>
+    <dgm:sp3d prstMaterial="dkEdge">
+      <a:bevelT w="8200" h="38100"/>
+    </dgm:sp3d>
     <dgm:txPr/>
     <dgm:style>
       <a:lnRef idx="1">
         <a:scrgbClr r="0" g="0" b="0"/>
       </a:lnRef>
-      <a:fillRef idx="0">
-        <a:scrgbClr r="0" g="0" b="0"/>
-      </a:fillRef>
-      <a:effectRef idx="0">
-        <a:scrgbClr r="0" g="0" b="0"/>
-      </a:effectRef>
-      <a:fontRef idx="minor"/>
-    </dgm:style>
-  </dgm:styleLbl>
-  <dgm:styleLbl name="callout">
-    <dgm:scene3d>
-      <a:camera prst="orthographicFront"/>
-      <a:lightRig rig="threePt" dir="t"/>
-    </dgm:scene3d>
-    <dgm:sp3d/>
-    <dgm:txPr/>
-    <dgm:style>
-      <a:lnRef idx="2">
-        <a:scrgbClr r="0" g="0" b="0"/>
-      </a:lnRef>
-      <a:fillRef idx="1">
-        <a:scrgbClr r="0" g="0" b="0"/>
-      </a:fillRef>
-      <a:effectRef idx="0">
-        <a:scrgbClr r="0" g="0" b="0"/>
-      </a:effectRef>
-      <a:fontRef idx="minor"/>
-    </dgm:style>
-  </dgm:styleLbl>
-  <dgm:styleLbl name="asst0">
-    <dgm:scene3d>
-      <a:camera prst="orthographicFront"/>
-      <a:lightRig rig="threePt" dir="t"/>
-    </dgm:scene3d>
-    <dgm:sp3d/>
-    <dgm:txPr/>
-    <dgm:style>
-      <a:lnRef idx="2">
-        <a:scrgbClr r="0" g="0" b="0"/>
-      </a:lnRef>
-      <a:fillRef idx="1">
-        <a:scrgbClr r="0" g="0" b="0"/>
-      </a:fillRef>
-      <a:effectRef idx="0">
-        <a:scrgbClr r="0" g="0" b="0"/>
-      </a:effectRef>
-      <a:fontRef idx="minor">
-        <a:schemeClr val="lt1"/>
-      </a:fontRef>
-    </dgm:style>
-  </dgm:styleLbl>
-  <dgm:styleLbl name="asst1">
-    <dgm:scene3d>
-      <a:camera prst="orthographicFront"/>
-      <a:lightRig rig="threePt" dir="t"/>
-    </dgm:scene3d>
-    <dgm:sp3d/>
-    <dgm:txPr/>
-    <dgm:style>
-      <a:lnRef idx="2">
-        <a:scrgbClr r="0" g="0" b="0"/>
-      </a:lnRef>
-      <a:fillRef idx="1">
-        <a:scrgbClr r="0" g="0" b="0"/>
-      </a:fillRef>
-      <a:effectRef idx="0">
-        <a:scrgbClr r="0" g="0" b="0"/>
-      </a:effectRef>
-      <a:fontRef idx="minor">
-        <a:schemeClr val="lt1"/>
-      </a:fontRef>
-    </dgm:style>
-  </dgm:styleLbl>
-  <dgm:styleLbl name="asst2">
-    <dgm:scene3d>
-      <a:camera prst="orthographicFront"/>
-      <a:lightRig rig="threePt" dir="t"/>
-    </dgm:scene3d>
-    <dgm:sp3d/>
-    <dgm:txPr/>
-    <dgm:style>
-      <a:lnRef idx="2">
-        <a:scrgbClr r="0" g="0" b="0"/>
-      </a:lnRef>
-      <a:fillRef idx="1">
-        <a:scrgbClr r="0" g="0" b="0"/>
-      </a:fillRef>
-      <a:effectRef idx="0">
-        <a:scrgbClr r="0" g="0" b="0"/>
-      </a:effectRef>
-      <a:fontRef idx="minor">
-        <a:schemeClr val="lt1"/>
-      </a:fontRef>
-    </dgm:style>
-  </dgm:styleLbl>
-  <dgm:styleLbl name="asst3">
-    <dgm:scene3d>
-      <a:camera prst="orthographicFront"/>
-      <a:lightRig rig="threePt" dir="t"/>
-    </dgm:scene3d>
-    <dgm:sp3d/>
-    <dgm:txPr/>
-    <dgm:style>
-      <a:lnRef idx="2">
-        <a:scrgbClr r="0" g="0" b="0"/>
-      </a:lnRef>
-      <a:fillRef idx="1">
-        <a:scrgbClr r="0" g="0" b="0"/>
-      </a:fillRef>
-      <a:effectRef idx="0">
-        <a:scrgbClr r="0" g="0" b="0"/>
-      </a:effectRef>
-      <a:fontRef idx="minor">
-        <a:schemeClr val="lt1"/>
-      </a:fontRef>
-    </dgm:style>
-  </dgm:styleLbl>
-  <dgm:styleLbl name="asst4">
-    <dgm:scene3d>
-      <a:camera prst="orthographicFront"/>
-      <a:lightRig rig="threePt" dir="t"/>
-    </dgm:scene3d>
-    <dgm:sp3d/>
-    <dgm:txPr/>
-    <dgm:style>
-      <a:lnRef idx="2">
-        <a:scrgbClr r="0" g="0" b="0"/>
-      </a:lnRef>
-      <a:fillRef idx="1">
-        <a:scrgbClr r="0" g="0" b="0"/>
-      </a:fillRef>
-      <a:effectRef idx="0">
-        <a:scrgbClr r="0" g="0" b="0"/>
-      </a:effectRef>
-      <a:fontRef idx="minor">
-        <a:schemeClr val="lt1"/>
-      </a:fontRef>
-    </dgm:style>
-  </dgm:styleLbl>
-  <dgm:styleLbl name="parChTrans2D1">
-    <dgm:scene3d>
-      <a:camera prst="orthographicFront"/>
-      <a:lightRig rig="threePt" dir="t"/>
-    </dgm:scene3d>
-    <dgm:sp3d/>
-    <dgm:txPr/>
-    <dgm:style>
-      <a:lnRef idx="2">
-        <a:scrgbClr r="0" g="0" b="0"/>
-      </a:lnRef>
-      <a:fillRef idx="1">
-        <a:scrgbClr r="0" g="0" b="0"/>
-      </a:fillRef>
-      <a:effectRef idx="0">
-        <a:scrgbClr r="0" g="0" b="0"/>
-      </a:effectRef>
-      <a:fontRef idx="minor">
-        <a:schemeClr val="lt1"/>
-      </a:fontRef>
-    </dgm:style>
-  </dgm:styleLbl>
-  <dgm:styleLbl name="parChTrans2D2">
-    <dgm:scene3d>
-      <a:camera prst="orthographicFront"/>
-      <a:lightRig rig="threePt" dir="t"/>
-    </dgm:scene3d>
-    <dgm:sp3d/>
-    <dgm:txPr/>
-    <dgm:style>
-      <a:lnRef idx="2">
-        <a:scrgbClr r="0" g="0" b="0"/>
-      </a:lnRef>
-      <a:fillRef idx="1">
-        <a:scrgbClr r="0" g="0" b="0"/>
-      </a:fillRef>
-      <a:effectRef idx="0">
-        <a:scrgbClr r="0" g="0" b="0"/>
-      </a:effectRef>
-      <a:fontRef idx="minor">
-        <a:schemeClr val="lt1"/>
-      </a:fontRef>
-    </dgm:style>
-  </dgm:styleLbl>
-  <dgm:styleLbl name="parChTrans2D3">
-    <dgm:scene3d>
-      <a:camera prst="orthographicFront"/>
-      <a:lightRig rig="threePt" dir="t"/>
-    </dgm:scene3d>
-    <dgm:sp3d/>
-    <dgm:txPr/>
-    <dgm:style>
-      <a:lnRef idx="2">
-        <a:scrgbClr r="0" g="0" b="0"/>
-      </a:lnRef>
-      <a:fillRef idx="1">
-        <a:scrgbClr r="0" g="0" b="0"/>
-      </a:fillRef>
-      <a:effectRef idx="0">
-        <a:scrgbClr r="0" g="0" b="0"/>
-      </a:effectRef>
-      <a:fontRef idx="minor">
-        <a:schemeClr val="lt1"/>
-      </a:fontRef>
-    </dgm:style>
-  </dgm:styleLbl>
-  <dgm:styleLbl name="parChTrans2D4">
-    <dgm:scene3d>
-      <a:camera prst="orthographicFront"/>
-      <a:lightRig rig="threePt" dir="t"/>
-    </dgm:scene3d>
-    <dgm:sp3d/>
-    <dgm:txPr/>
-    <dgm:style>
-      <a:lnRef idx="2">
-        <a:scrgbClr r="0" g="0" b="0"/>
-      </a:lnRef>
-      <a:fillRef idx="1">
-        <a:scrgbClr r="0" g="0" b="0"/>
-      </a:fillRef>
-      <a:effectRef idx="0">
-        <a:scrgbClr r="0" g="0" b="0"/>
-      </a:effectRef>
-      <a:fontRef idx="minor">
-        <a:schemeClr val="lt1"/>
-      </a:fontRef>
-    </dgm:style>
-  </dgm:styleLbl>
-  <dgm:styleLbl name="parChTrans1D1">
-    <dgm:scene3d>
-      <a:camera prst="orthographicFront"/>
-      <a:lightRig rig="threePt" dir="t"/>
-    </dgm:scene3d>
-    <dgm:sp3d/>
-    <dgm:txPr/>
-    <dgm:style>
-      <a:lnRef idx="2">
-        <a:scrgbClr r="0" g="0" b="0"/>
-      </a:lnRef>
-      <a:fillRef idx="0">
-        <a:scrgbClr r="0" g="0" b="0"/>
-      </a:fillRef>
-      <a:effectRef idx="0">
-        <a:scrgbClr r="0" g="0" b="0"/>
-      </a:effectRef>
-      <a:fontRef idx="minor"/>
-    </dgm:style>
-  </dgm:styleLbl>
-  <dgm:styleLbl name="parChTrans1D2">
-    <dgm:scene3d>
-      <a:camera prst="orthographicFront"/>
-      <a:lightRig rig="threePt" dir="t"/>
-    </dgm:scene3d>
-    <dgm:sp3d/>
-    <dgm:txPr/>
-    <dgm:style>
-      <a:lnRef idx="2">
-        <a:scrgbClr r="0" g="0" b="0"/>
-      </a:lnRef>
-      <a:fillRef idx="0">
-        <a:scrgbClr r="0" g="0" b="0"/>
-      </a:fillRef>
-      <a:effectRef idx="0">
-        <a:scrgbClr r="0" g="0" b="0"/>
-      </a:effectRef>
-      <a:fontRef idx="minor"/>
-    </dgm:style>
-  </dgm:styleLbl>
-  <dgm:styleLbl name="parChTrans1D3">
-    <dgm:scene3d>
-      <a:camera prst="orthographicFront"/>
-      <a:lightRig rig="threePt" dir="t"/>
-    </dgm:scene3d>
-    <dgm:sp3d/>
-    <dgm:txPr/>
-    <dgm:style>
-      <a:lnRef idx="2">
-        <a:scrgbClr r="0" g="0" b="0"/>
-      </a:lnRef>
-      <a:fillRef idx="0">
-        <a:scrgbClr r="0" g="0" b="0"/>
-      </a:fillRef>
-      <a:effectRef idx="0">
-        <a:scrgbClr r="0" g="0" b="0"/>
-      </a:effectRef>
-      <a:fontRef idx="minor"/>
-    </dgm:style>
-  </dgm:styleLbl>
-  <dgm:styleLbl name="parChTrans1D4">
-    <dgm:scene3d>
-      <a:camera prst="orthographicFront"/>
-      <a:lightRig rig="threePt" dir="t"/>
-    </dgm:scene3d>
-    <dgm:sp3d/>
-    <dgm:txPr/>
-    <dgm:style>
-      <a:lnRef idx="2">
-        <a:scrgbClr r="0" g="0" b="0"/>
-      </a:lnRef>
-      <a:fillRef idx="0">
-        <a:scrgbClr r="0" g="0" b="0"/>
-      </a:fillRef>
-      <a:effectRef idx="0">
-        <a:scrgbClr r="0" g="0" b="0"/>
-      </a:effectRef>
-      <a:fontRef idx="minor"/>
-    </dgm:style>
-  </dgm:styleLbl>
-  <dgm:styleLbl name="fgAcc1">
-    <dgm:scene3d>
-      <a:camera prst="orthographicFront"/>
-      <a:lightRig rig="threePt" dir="t"/>
-    </dgm:scene3d>
-    <dgm:sp3d/>
-    <dgm:txPr/>
-    <dgm:style>
-      <a:lnRef idx="2">
-        <a:scrgbClr r="0" g="0" b="0"/>
-      </a:lnRef>
-      <a:fillRef idx="1">
-        <a:scrgbClr r="0" g="0" b="0"/>
-      </a:fillRef>
-      <a:effectRef idx="0">
-        <a:scrgbClr r="0" g="0" b="0"/>
-      </a:effectRef>
-      <a:fontRef idx="minor"/>
-    </dgm:style>
-  </dgm:styleLbl>
-  <dgm:styleLbl name="conFgAcc1">
-    <dgm:scene3d>
-      <a:camera prst="orthographicFront"/>
-      <a:lightRig rig="threePt" dir="t"/>
-    </dgm:scene3d>
-    <dgm:sp3d/>
-    <dgm:txPr/>
-    <dgm:style>
-      <a:lnRef idx="2">
-        <a:scrgbClr r="0" g="0" b="0"/>
-      </a:lnRef>
-      <a:fillRef idx="1">
-        <a:scrgbClr r="0" g="0" b="0"/>
-      </a:fillRef>
-      <a:effectRef idx="0">
-        <a:scrgbClr r="0" g="0" b="0"/>
-      </a:effectRef>
-      <a:fontRef idx="minor"/>
-    </dgm:style>
-  </dgm:styleLbl>
-  <dgm:styleLbl name="alignAcc1">
-    <dgm:scene3d>
-      <a:camera prst="orthographicFront"/>
-      <a:lightRig rig="threePt" dir="t"/>
-    </dgm:scene3d>
-    <dgm:sp3d/>
-    <dgm:txPr/>
-    <dgm:style>
-      <a:lnRef idx="2">
-        <a:scrgbClr r="0" g="0" b="0"/>
-      </a:lnRef>
-      <a:fillRef idx="1">
-        <a:scrgbClr r="0" g="0" b="0"/>
-      </a:fillRef>
-      <a:effectRef idx="0">
-        <a:scrgbClr r="0" g="0" b="0"/>
-      </a:effectRef>
-      <a:fontRef idx="minor"/>
-    </dgm:style>
-  </dgm:styleLbl>
-  <dgm:styleLbl name="trAlignAcc1">
-    <dgm:scene3d>
-      <a:camera prst="orthographicFront"/>
-      <a:lightRig rig="threePt" dir="t"/>
-    </dgm:scene3d>
-    <dgm:sp3d/>
-    <dgm:txPr/>
-    <dgm:style>
-      <a:lnRef idx="1">
-        <a:scrgbClr r="0" g="0" b="0"/>
-      </a:lnRef>
-      <a:fillRef idx="1">
-        <a:scrgbClr r="0" g="0" b="0"/>
-      </a:fillRef>
-      <a:effectRef idx="0">
-        <a:scrgbClr r="0" g="0" b="0"/>
-      </a:effectRef>
-      <a:fontRef idx="minor"/>
-    </dgm:style>
-  </dgm:styleLbl>
-  <dgm:styleLbl name="bgAcc1">
-    <dgm:scene3d>
-      <a:camera prst="orthographicFront"/>
-      <a:lightRig rig="threePt" dir="t"/>
-    </dgm:scene3d>
-    <dgm:sp3d/>
-    <dgm:txPr/>
-    <dgm:style>
-      <a:lnRef idx="2">
-        <a:scrgbClr r="0" g="0" b="0"/>
-      </a:lnRef>
-      <a:fillRef idx="1">
-        <a:scrgbClr r="0" g="0" b="0"/>
-      </a:fillRef>
-      <a:effectRef idx="0">
-        <a:scrgbClr r="0" g="0" b="0"/>
-      </a:effectRef>
-      <a:fontRef idx="minor"/>
-    </dgm:style>
-  </dgm:styleLbl>
-  <dgm:styleLbl name="solidFgAcc1">
-    <dgm:scene3d>
-      <a:camera prst="orthographicFront"/>
-      <a:lightRig rig="threePt" dir="t"/>
-    </dgm:scene3d>
-    <dgm:sp3d/>
-    <dgm:txPr/>
-    <dgm:style>
-      <a:lnRef idx="2">
-        <a:scrgbClr r="0" g="0" b="0"/>
-      </a:lnRef>
-      <a:fillRef idx="1">
-        <a:scrgbClr r="0" g="0" b="0"/>
-      </a:fillRef>
-      <a:effectRef idx="0">
-        <a:scrgbClr r="0" g="0" b="0"/>
-      </a:effectRef>
-      <a:fontRef idx="minor"/>
-    </dgm:style>
-  </dgm:styleLbl>
-  <dgm:styleLbl name="solidAlignAcc1">
-    <dgm:scene3d>
-      <a:camera prst="orthographicFront"/>
-      <a:lightRig rig="threePt" dir="t"/>
-    </dgm:scene3d>
-    <dgm:sp3d/>
-    <dgm:txPr/>
-    <dgm:style>
-      <a:lnRef idx="2">
-        <a:scrgbClr r="0" g="0" b="0"/>
-      </a:lnRef>
-      <a:fillRef idx="1">
-        <a:scrgbClr r="0" g="0" b="0"/>
-      </a:fillRef>
-      <a:effectRef idx="0">
-        <a:scrgbClr r="0" g="0" b="0"/>
-      </a:effectRef>
-      <a:fontRef idx="minor"/>
-    </dgm:style>
-  </dgm:styleLbl>
-  <dgm:styleLbl name="solidBgAcc1">
-    <dgm:scene3d>
-      <a:camera prst="orthographicFront"/>
-      <a:lightRig rig="threePt" dir="t"/>
-    </dgm:scene3d>
-    <dgm:sp3d/>
-    <dgm:txPr/>
-    <dgm:style>
-      <a:lnRef idx="2">
-        <a:scrgbClr r="0" g="0" b="0"/>
-      </a:lnRef>
-      <a:fillRef idx="1">
-        <a:scrgbClr r="0" g="0" b="0"/>
-      </a:fillRef>
-      <a:effectRef idx="0">
-        <a:scrgbClr r="0" g="0" b="0"/>
-      </a:effectRef>
-      <a:fontRef idx="minor"/>
-    </dgm:style>
-  </dgm:styleLbl>
-  <dgm:styleLbl name="fgAccFollowNode1">
-    <dgm:scene3d>
-      <a:camera prst="orthographicFront"/>
-      <a:lightRig rig="threePt" dir="t"/>
-    </dgm:scene3d>
-    <dgm:sp3d/>
-    <dgm:txPr/>
-    <dgm:style>
-      <a:lnRef idx="2">
-        <a:scrgbClr r="0" g="0" b="0"/>
-      </a:lnRef>
-      <a:fillRef idx="1">
-        <a:scrgbClr r="0" g="0" b="0"/>
-      </a:fillRef>
-      <a:effectRef idx="0">
-        <a:scrgbClr r="0" g="0" b="0"/>
-      </a:effectRef>
-      <a:fontRef idx="minor"/>
-    </dgm:style>
-  </dgm:styleLbl>
-  <dgm:styleLbl name="alignAccFollowNode1">
-    <dgm:scene3d>
-      <a:camera prst="orthographicFront"/>
-      <a:lightRig rig="threePt" dir="t"/>
-    </dgm:scene3d>
-    <dgm:sp3d/>
-    <dgm:txPr/>
-    <dgm:style>
-      <a:lnRef idx="2">
-        <a:scrgbClr r="0" g="0" b="0"/>
-      </a:lnRef>
-      <a:fillRef idx="1">
-        <a:scrgbClr r="0" g="0" b="0"/>
-      </a:fillRef>
-      <a:effectRef idx="0">
-        <a:scrgbClr r="0" g="0" b="0"/>
-      </a:effectRef>
-      <a:fontRef idx="minor"/>
-    </dgm:style>
-  </dgm:styleLbl>
-  <dgm:styleLbl name="bgAccFollowNode1">
-    <dgm:scene3d>
-      <a:camera prst="orthographicFront"/>
-      <a:lightRig rig="threePt" dir="t"/>
-    </dgm:scene3d>
-    <dgm:sp3d/>
-    <dgm:txPr/>
-    <dgm:style>
-      <a:lnRef idx="2">
-        <a:scrgbClr r="0" g="0" b="0"/>
-      </a:lnRef>
-      <a:fillRef idx="1">
-        <a:scrgbClr r="0" g="0" b="0"/>
-      </a:fillRef>
-      <a:effectRef idx="0">
-        <a:scrgbClr r="0" g="0" b="0"/>
-      </a:effectRef>
-      <a:fontRef idx="minor"/>
-    </dgm:style>
-  </dgm:styleLbl>
-  <dgm:styleLbl name="fgAcc0">
-    <dgm:scene3d>
-      <a:camera prst="orthographicFront"/>
-      <a:lightRig rig="threePt" dir="t"/>
-    </dgm:scene3d>
-    <dgm:sp3d/>
-    <dgm:txPr/>
-    <dgm:style>
-      <a:lnRef idx="2">
-        <a:scrgbClr r="0" g="0" b="0"/>
-      </a:lnRef>
-      <a:fillRef idx="1">
-        <a:scrgbClr r="0" g="0" b="0"/>
-      </a:fillRef>
-      <a:effectRef idx="0">
-        <a:scrgbClr r="0" g="0" b="0"/>
-      </a:effectRef>
-      <a:fontRef idx="minor"/>
-    </dgm:style>
-  </dgm:styleLbl>
-  <dgm:styleLbl name="fgAcc2">
-    <dgm:scene3d>
-      <a:camera prst="orthographicFront"/>
-      <a:lightRig rig="threePt" dir="t"/>
-    </dgm:scene3d>
-    <dgm:sp3d/>
-    <dgm:txPr/>
-    <dgm:style>
-      <a:lnRef idx="2">
-        <a:scrgbClr r="0" g="0" b="0"/>
-      </a:lnRef>
-      <a:fillRef idx="1">
-        <a:scrgbClr r="0" g="0" b="0"/>
-      </a:fillRef>
-      <a:effectRef idx="0">
-        <a:scrgbClr r="0" g="0" b="0"/>
-      </a:effectRef>
-      <a:fontRef idx="minor"/>
-    </dgm:style>
-  </dgm:styleLbl>
-  <dgm:styleLbl name="fgAcc3">
-    <dgm:scene3d>
-      <a:camera prst="orthographicFront"/>
-      <a:lightRig rig="threePt" dir="t"/>
-    </dgm:scene3d>
-    <dgm:sp3d/>
-    <dgm:txPr/>
-    <dgm:style>
-      <a:lnRef idx="2">
-        <a:scrgbClr r="0" g="0" b="0"/>
-      </a:lnRef>
-      <a:fillRef idx="1">
-        <a:scrgbClr r="0" g="0" b="0"/>
-      </a:fillRef>
-      <a:effectRef idx="0">
-        <a:scrgbClr r="0" g="0" b="0"/>
-      </a:effectRef>
-      <a:fontRef idx="minor"/>
-    </dgm:style>
-  </dgm:styleLbl>
-  <dgm:styleLbl name="fgAcc4">
-    <dgm:scene3d>
-      <a:camera prst="orthographicFront"/>
-      <a:lightRig rig="threePt" dir="t"/>
-    </dgm:scene3d>
-    <dgm:sp3d/>
-    <dgm:txPr/>
-    <dgm:style>
-      <a:lnRef idx="2">
-        <a:scrgbClr r="0" g="0" b="0"/>
-      </a:lnRef>
-      <a:fillRef idx="1">
-        <a:scrgbClr r="0" g="0" b="0"/>
-      </a:fillRef>
-      <a:effectRef idx="0">
-        <a:scrgbClr r="0" g="0" b="0"/>
-      </a:effectRef>
-      <a:fontRef idx="minor"/>
-    </dgm:style>
-  </dgm:styleLbl>
-  <dgm:styleLbl name="bgShp">
-    <dgm:scene3d>
-      <a:camera prst="orthographicFront"/>
-      <a:lightRig rig="threePt" dir="t"/>
-    </dgm:scene3d>
-    <dgm:sp3d/>
-    <dgm:txPr/>
-    <dgm:style>
-      <a:lnRef idx="0">
-        <a:scrgbClr r="0" g="0" b="0"/>
-      </a:lnRef>
-      <a:fillRef idx="1">
-        <a:scrgbClr r="0" g="0" b="0"/>
-      </a:fillRef>
-      <a:effectRef idx="0">
-        <a:scrgbClr r="0" g="0" b="0"/>
-      </a:effectRef>
-      <a:fontRef idx="minor"/>
-    </dgm:style>
-  </dgm:styleLbl>
-  <dgm:styleLbl name="dkBgShp">
-    <dgm:scene3d>
-      <a:camera prst="orthographicFront"/>
-      <a:lightRig rig="threePt" dir="t"/>
-    </dgm:scene3d>
-    <dgm:sp3d/>
-    <dgm:txPr/>
-    <dgm:style>
-      <a:lnRef idx="0">
-        <a:scrgbClr r="0" g="0" b="0"/>
-      </a:lnRef>
-      <a:fillRef idx="1">
-        <a:scrgbClr r="0" g="0" b="0"/>
-      </a:fillRef>
-      <a:effectRef idx="0">
-        <a:scrgbClr r="0" g="0" b="0"/>
-      </a:effectRef>
-      <a:fontRef idx="minor"/>
-    </dgm:style>
-  </dgm:styleLbl>
-  <dgm:styleLbl name="trBgShp">
-    <dgm:scene3d>
-      <a:camera prst="orthographicFront"/>
-      <a:lightRig rig="threePt" dir="t"/>
-    </dgm:scene3d>
-    <dgm:sp3d/>
-    <dgm:txPr/>
-    <dgm:style>
-      <a:lnRef idx="0">
-        <a:scrgbClr r="0" g="0" b="0"/>
-      </a:lnRef>
-      <a:fillRef idx="1">
-        <a:scrgbClr r="0" g="0" b="0"/>
-      </a:fillRef>
-      <a:effectRef idx="0">
-        <a:scrgbClr r="0" g="0" b="0"/>
-      </a:effectRef>
-      <a:fontRef idx="minor"/>
-    </dgm:style>
-  </dgm:styleLbl>
-  <dgm:styleLbl name="fgShp">
-    <dgm:scene3d>
-      <a:camera prst="orthographicFront"/>
-      <a:lightRig rig="threePt" dir="t"/>
-    </dgm:scene3d>
-    <dgm:sp3d/>
-    <dgm:txPr/>
-    <dgm:style>
-      <a:lnRef idx="2">
-        <a:scrgbClr r="0" g="0" b="0"/>
-      </a:lnRef>
-      <a:fillRef idx="1">
-        <a:scrgbClr r="0" g="0" b="0"/>
-      </a:fillRef>
-      <a:effectRef idx="0">
+      <a:fillRef idx="2">
+        <a:scrgbClr r="0" g="0" b="0"/>
+      </a:fillRef>
+      <a:effectRef idx="1">
         <a:scrgbClr r="0" g="0" b="0"/>
       </a:effectRef>
       <a:fontRef idx="minor"/>
@@ -26481,6 +26669,13 @@
   <p:clrMapOvr>
     <a:masterClrMapping/>
   </p:clrMapOvr>
+  <p:timing>
+    <p:tnLst>
+      <p:par>
+        <p:cTn id="1" dur="indefinite" restart="never" nodeType="tmRoot"/>
+      </p:par>
+    </p:tnLst>
+  </p:timing>
 </p:sldLayout>
 </file>
 
@@ -29416,6 +29611,361 @@
       </p:grpSpPr>
       <p:sp>
         <p:nvSpPr>
+          <p:cNvPr id="8" name="Title 7"/>
+          <p:cNvSpPr>
+            <a:spLocks noGrp="1"/>
+          </p:cNvSpPr>
+          <p:nvPr>
+            <p:ph type="title"/>
+          </p:nvPr>
+        </p:nvSpPr>
+        <p:spPr/>
+        <p:txBody>
+          <a:bodyPr/>
+          <a:lstStyle/>
+          <a:p>
+            <a:r>
+              <a:rPr lang="it-IT" b="1" dirty="0" smtClean="0"/>
+              <a:t>Conclusione Framework MCV?</a:t>
+            </a:r>
+            <a:endParaRPr lang="it-IT" dirty="0"/>
+          </a:p>
+        </p:txBody>
+      </p:sp>
+      <p:sp>
+        <p:nvSpPr>
+          <p:cNvPr id="3" name="Content Placeholder 2"/>
+          <p:cNvSpPr>
+            <a:spLocks noGrp="1"/>
+          </p:cNvSpPr>
+          <p:nvPr>
+            <p:ph idx="1"/>
+          </p:nvPr>
+        </p:nvSpPr>
+        <p:spPr/>
+        <p:txBody>
+          <a:bodyPr/>
+          <a:lstStyle/>
+          <a:p>
+            <a:endParaRPr lang="it-IT" dirty="0"/>
+          </a:p>
+          <a:p>
+            <a:pPr marL="0" indent="0">
+              <a:buNone/>
+            </a:pPr>
+            <a:endParaRPr lang="it-IT" dirty="0" smtClean="0"/>
+          </a:p>
+          <a:p>
+            <a:pPr marL="0" indent="0">
+              <a:buNone/>
+            </a:pPr>
+            <a:endParaRPr lang="en-US" dirty="0" smtClean="0"/>
+          </a:p>
+          <a:p>
+            <a:pPr marL="578358" lvl="1" indent="-285750"/>
+            <a:endParaRPr lang="en-US" dirty="0" smtClean="0"/>
+          </a:p>
+        </p:txBody>
+      </p:sp>
+      <p:sp>
+        <p:nvSpPr>
+          <p:cNvPr id="7" name="Title 1"/>
+          <p:cNvSpPr txBox="1">
+            <a:spLocks/>
+          </p:cNvSpPr>
+          <p:nvPr/>
+        </p:nvSpPr>
+        <p:spPr>
+          <a:xfrm>
+            <a:off x="1249680" y="439003"/>
+            <a:ext cx="10058400" cy="1450757"/>
+          </a:xfrm>
+          <a:prstGeom prst="rect">
+            <a:avLst/>
+          </a:prstGeom>
+        </p:spPr>
+        <p:txBody>
+          <a:bodyPr vert="horz" lIns="91440" tIns="45720" rIns="91440" bIns="45720" rtlCol="0" anchor="b">
+            <a:normAutofit/>
+          </a:bodyPr>
+          <a:lstStyle>
+            <a:lvl1pPr algn="l" defTabSz="914400" rtl="0" eaLnBrk="1" latinLnBrk="0" hangingPunct="1">
+              <a:lnSpc>
+                <a:spcPct val="85000"/>
+              </a:lnSpc>
+              <a:spcBef>
+                <a:spcPct val="0"/>
+              </a:spcBef>
+              <a:buNone/>
+              <a:defRPr sz="4800" kern="1200" spc="-50" baseline="0">
+                <a:solidFill>
+                  <a:schemeClr val="tx1">
+                    <a:lumMod val="75000"/>
+                    <a:lumOff val="25000"/>
+                  </a:schemeClr>
+                </a:solidFill>
+                <a:latin typeface="+mj-lt"/>
+                <a:ea typeface="+mj-ea"/>
+                <a:cs typeface="+mj-cs"/>
+              </a:defRPr>
+            </a:lvl1pPr>
+          </a:lstStyle>
+          <a:p>
+            <a:endParaRPr lang="it-IT" dirty="0">
+              <a:latin typeface="+mn-lt"/>
+            </a:endParaRPr>
+          </a:p>
+        </p:txBody>
+      </p:sp>
+      <p:sp>
+        <p:nvSpPr>
+          <p:cNvPr id="9" name="Rounded Rectangle 8"/>
+          <p:cNvSpPr/>
+          <p:nvPr/>
+        </p:nvSpPr>
+        <p:spPr>
+          <a:xfrm>
+            <a:off x="5135171" y="2573232"/>
+            <a:ext cx="1981200" cy="1073149"/>
+          </a:xfrm>
+          <a:prstGeom prst="roundRect">
+            <a:avLst>
+              <a:gd name="adj" fmla="val 10000"/>
+            </a:avLst>
+          </a:prstGeom>
+          <a:blipFill dpi="0" rotWithShape="1">
+            <a:blip r:embed="rId2"/>
+            <a:srcRect/>
+            <a:stretch>
+              <a:fillRect l="24525" r="24525"/>
+            </a:stretch>
+          </a:blipFill>
+        </p:spPr>
+        <p:style>
+          <a:lnRef idx="2">
+            <a:schemeClr val="lt1">
+              <a:hueOff val="0"/>
+              <a:satOff val="0"/>
+              <a:lumOff val="0"/>
+              <a:alphaOff val="0"/>
+            </a:schemeClr>
+          </a:lnRef>
+          <a:fillRef idx="1">
+            <a:scrgbClr r="0" g="0" b="0"/>
+          </a:fillRef>
+          <a:effectRef idx="0">
+            <a:schemeClr val="accent1">
+              <a:tint val="50000"/>
+              <a:hueOff val="0"/>
+              <a:satOff val="0"/>
+              <a:lumOff val="0"/>
+              <a:alphaOff val="0"/>
+            </a:schemeClr>
+          </a:effectRef>
+          <a:fontRef idx="minor">
+            <a:schemeClr val="lt1">
+              <a:hueOff val="0"/>
+              <a:satOff val="0"/>
+              <a:lumOff val="0"/>
+              <a:alphaOff val="0"/>
+            </a:schemeClr>
+          </a:fontRef>
+        </p:style>
+      </p:sp>
+      <p:sp>
+        <p:nvSpPr>
+          <p:cNvPr id="13" name="Rounded Rectangle 12"/>
+          <p:cNvSpPr/>
+          <p:nvPr/>
+        </p:nvSpPr>
+        <p:spPr>
+          <a:xfrm>
+            <a:off x="6963262" y="3352166"/>
+            <a:ext cx="1981200" cy="1073149"/>
+          </a:xfrm>
+          <a:prstGeom prst="roundRect">
+            <a:avLst>
+              <a:gd name="adj" fmla="val 10000"/>
+            </a:avLst>
+          </a:prstGeom>
+          <a:blipFill dpi="0" rotWithShape="1">
+            <a:blip r:embed="rId3">
+              <a:extLst>
+                <a:ext uri="{28A0092B-C50C-407E-A947-70E740481C1C}">
+                  <a14:useLocalDpi xmlns:a14="http://schemas.microsoft.com/office/drawing/2010/main" val="0"/>
+                </a:ext>
+              </a:extLst>
+            </a:blip>
+            <a:srcRect/>
+            <a:stretch>
+              <a:fillRect l="22916" r="22916"/>
+            </a:stretch>
+          </a:blipFill>
+        </p:spPr>
+        <p:style>
+          <a:lnRef idx="2">
+            <a:schemeClr val="lt1">
+              <a:hueOff val="0"/>
+              <a:satOff val="0"/>
+              <a:lumOff val="0"/>
+              <a:alphaOff val="0"/>
+            </a:schemeClr>
+          </a:lnRef>
+          <a:fillRef idx="1">
+            <a:scrgbClr r="0" g="0" b="0"/>
+          </a:fillRef>
+          <a:effectRef idx="0">
+            <a:schemeClr val="accent1">
+              <a:tint val="50000"/>
+              <a:hueOff val="0"/>
+              <a:satOff val="0"/>
+              <a:lumOff val="0"/>
+              <a:alphaOff val="0"/>
+            </a:schemeClr>
+          </a:effectRef>
+          <a:fontRef idx="minor">
+            <a:schemeClr val="lt1">
+              <a:hueOff val="0"/>
+              <a:satOff val="0"/>
+              <a:lumOff val="0"/>
+              <a:alphaOff val="0"/>
+            </a:schemeClr>
+          </a:fontRef>
+        </p:style>
+      </p:sp>
+      <p:pic>
+        <p:nvPicPr>
+          <p:cNvPr id="4" name="Picture 3"/>
+          <p:cNvPicPr>
+            <a:picLocks noChangeAspect="1"/>
+          </p:cNvPicPr>
+          <p:nvPr/>
+        </p:nvPicPr>
+        <p:blipFill>
+          <a:blip r:embed="rId4">
+            <a:extLst>
+              <a:ext uri="{28A0092B-C50C-407E-A947-70E740481C1C}">
+                <a14:useLocalDpi xmlns:a14="http://schemas.microsoft.com/office/drawing/2010/main" val="0"/>
+              </a:ext>
+            </a:extLst>
+          </a:blip>
+          <a:stretch>
+            <a:fillRect/>
+          </a:stretch>
+        </p:blipFill>
+        <p:spPr>
+          <a:xfrm>
+            <a:off x="3923324" y="3646381"/>
+            <a:ext cx="4711111" cy="1815873"/>
+          </a:xfrm>
+          <a:prstGeom prst="rect">
+            <a:avLst/>
+          </a:prstGeom>
+        </p:spPr>
+      </p:pic>
+      <p:sp>
+        <p:nvSpPr>
+          <p:cNvPr id="14" name="Rounded Rectangle 13"/>
+          <p:cNvSpPr/>
+          <p:nvPr/>
+        </p:nvSpPr>
+        <p:spPr>
+          <a:xfrm>
+            <a:off x="3753778" y="3738245"/>
+            <a:ext cx="1600199" cy="806027"/>
+          </a:xfrm>
+          <a:prstGeom prst="roundRect">
+            <a:avLst>
+              <a:gd name="adj" fmla="val 10000"/>
+            </a:avLst>
+          </a:prstGeom>
+          <a:blipFill>
+            <a:blip r:embed="rId5">
+              <a:extLst>
+                <a:ext uri="{28A0092B-C50C-407E-A947-70E740481C1C}">
+                  <a14:useLocalDpi xmlns:a14="http://schemas.microsoft.com/office/drawing/2010/main" val="0"/>
+                </a:ext>
+              </a:extLst>
+            </a:blip>
+            <a:srcRect/>
+            <a:stretch>
+              <a:fillRect l="-4000" r="-4000"/>
+            </a:stretch>
+          </a:blipFill>
+          <a:ln>
+            <a:noFill/>
+          </a:ln>
+        </p:spPr>
+        <p:style>
+          <a:lnRef idx="2">
+            <a:schemeClr val="lt1">
+              <a:hueOff val="0"/>
+              <a:satOff val="0"/>
+              <a:lumOff val="0"/>
+              <a:alphaOff val="0"/>
+            </a:schemeClr>
+          </a:lnRef>
+          <a:fillRef idx="1">
+            <a:scrgbClr r="0" g="0" b="0"/>
+          </a:fillRef>
+          <a:effectRef idx="0">
+            <a:schemeClr val="accent1">
+              <a:tint val="50000"/>
+              <a:hueOff val="0"/>
+              <a:satOff val="0"/>
+              <a:lumOff val="0"/>
+              <a:alphaOff val="0"/>
+            </a:schemeClr>
+          </a:effectRef>
+          <a:fontRef idx="minor">
+            <a:schemeClr val="lt1">
+              <a:hueOff val="0"/>
+              <a:satOff val="0"/>
+              <a:lumOff val="0"/>
+              <a:alphaOff val="0"/>
+            </a:schemeClr>
+          </a:fontRef>
+        </p:style>
+      </p:sp>
+    </p:spTree>
+    <p:extLst>
+      <p:ext uri="{BB962C8B-B14F-4D97-AF65-F5344CB8AC3E}">
+        <p14:creationId xmlns:p14="http://schemas.microsoft.com/office/powerpoint/2010/main" val="2258465699"/>
+      </p:ext>
+    </p:extLst>
+  </p:cSld>
+  <p:clrMapOvr>
+    <a:masterClrMapping/>
+  </p:clrMapOvr>
+  <p:timing>
+    <p:tnLst>
+      <p:par>
+        <p:cTn id="1" dur="indefinite" restart="never" nodeType="tmRoot"/>
+      </p:par>
+    </p:tnLst>
+  </p:timing>
+</p:sld>
+</file>
+
+<file path=ppt/slides/slide11.xml><?xml version="1.0" encoding="utf-8"?>
+<p:sld xmlns:a="http://schemas.openxmlformats.org/drawingml/2006/main" xmlns:r="http://schemas.openxmlformats.org/officeDocument/2006/relationships" xmlns:p="http://schemas.openxmlformats.org/presentationml/2006/main">
+  <p:cSld>
+    <p:spTree>
+      <p:nvGrpSpPr>
+        <p:cNvPr id="1" name=""/>
+        <p:cNvGrpSpPr/>
+        <p:nvPr/>
+      </p:nvGrpSpPr>
+      <p:grpSpPr>
+        <a:xfrm>
+          <a:off x="0" y="0"/>
+          <a:ext cx="0" cy="0"/>
+          <a:chOff x="0" y="0"/>
+          <a:chExt cx="0" cy="0"/>
+        </a:xfrm>
+      </p:grpSpPr>
+      <p:sp>
+        <p:nvSpPr>
           <p:cNvPr id="2" name="Title 1"/>
           <p:cNvSpPr>
             <a:spLocks noGrp="1"/>
@@ -29479,7 +30029,7 @@
           <p:nvPr>
             <p:extLst>
               <p:ext uri="{D42A27DB-BD31-4B8C-83A1-F6EECF244321}">
-                <p14:modId xmlns:p14="http://schemas.microsoft.com/office/powerpoint/2010/main" val="3823957626"/>
+                <p14:modId xmlns:p14="http://schemas.microsoft.com/office/powerpoint/2010/main" val="3923504834"/>
               </p:ext>
             </p:extLst>
           </p:nvPr>
@@ -29514,7 +30064,7 @@
 </p:sld>
 </file>
 
-<file path=ppt/slides/slide11.xml><?xml version="1.0" encoding="utf-8"?>
+<file path=ppt/slides/slide12.xml><?xml version="1.0" encoding="utf-8"?>
 <p:sld xmlns:a="http://schemas.openxmlformats.org/drawingml/2006/main" xmlns:r="http://schemas.openxmlformats.org/officeDocument/2006/relationships" xmlns:p="http://schemas.openxmlformats.org/presentationml/2006/main">
   <p:cSld>
     <p:spTree>
@@ -29647,7 +30197,7 @@
 </p:sld>
 </file>
 
-<file path=ppt/slides/slide12.xml><?xml version="1.0" encoding="utf-8"?>
+<file path=ppt/slides/slide13.xml><?xml version="1.0" encoding="utf-8"?>
 <p:sld xmlns:a="http://schemas.openxmlformats.org/drawingml/2006/main" xmlns:r="http://schemas.openxmlformats.org/officeDocument/2006/relationships" xmlns:p="http://schemas.openxmlformats.org/presentationml/2006/main">
   <p:cSld>
     <p:spTree>
@@ -29751,7 +30301,7 @@
           <p:nvPr>
             <p:extLst>
               <p:ext uri="{D42A27DB-BD31-4B8C-83A1-F6EECF244321}">
-                <p14:modId xmlns:p14="http://schemas.microsoft.com/office/powerpoint/2010/main" val="3235609351"/>
+                <p14:modId xmlns:p14="http://schemas.microsoft.com/office/powerpoint/2010/main" val="4107179471"/>
               </p:ext>
             </p:extLst>
           </p:nvPr>
@@ -29770,6 +30320,3547 @@
     <p:extLst>
       <p:ext uri="{BB962C8B-B14F-4D97-AF65-F5344CB8AC3E}">
         <p14:creationId xmlns:p14="http://schemas.microsoft.com/office/powerpoint/2010/main" val="2495881269"/>
+      </p:ext>
+    </p:extLst>
+  </p:cSld>
+  <p:clrMapOvr>
+    <a:masterClrMapping/>
+  </p:clrMapOvr>
+  <p:timing>
+    <p:tnLst>
+      <p:par>
+        <p:cTn id="1" dur="indefinite" restart="never" nodeType="tmRoot"/>
+      </p:par>
+    </p:tnLst>
+  </p:timing>
+</p:sld>
+</file>
+
+<file path=ppt/slides/slide14.xml><?xml version="1.0" encoding="utf-8"?>
+<p:sld xmlns:a="http://schemas.openxmlformats.org/drawingml/2006/main" xmlns:r="http://schemas.openxmlformats.org/officeDocument/2006/relationships" xmlns:p="http://schemas.openxmlformats.org/presentationml/2006/main">
+  <p:cSld>
+    <p:spTree>
+      <p:nvGrpSpPr>
+        <p:cNvPr id="1" name=""/>
+        <p:cNvGrpSpPr/>
+        <p:nvPr/>
+      </p:nvGrpSpPr>
+      <p:grpSpPr>
+        <a:xfrm>
+          <a:off x="0" y="0"/>
+          <a:ext cx="0" cy="0"/>
+          <a:chOff x="0" y="0"/>
+          <a:chExt cx="0" cy="0"/>
+        </a:xfrm>
+      </p:grpSpPr>
+      <p:sp>
+        <p:nvSpPr>
+          <p:cNvPr id="8" name="Title 7"/>
+          <p:cNvSpPr>
+            <a:spLocks noGrp="1"/>
+          </p:cNvSpPr>
+          <p:nvPr>
+            <p:ph type="title"/>
+          </p:nvPr>
+        </p:nvSpPr>
+        <p:spPr/>
+        <p:txBody>
+          <a:bodyPr/>
+          <a:lstStyle/>
+          <a:p>
+            <a:r>
+              <a:rPr lang="it-IT" dirty="0" err="1" smtClean="0"/>
+              <a:t>Gherkin</a:t>
+            </a:r>
+            <a:endParaRPr lang="it-IT" dirty="0"/>
+          </a:p>
+        </p:txBody>
+      </p:sp>
+      <p:sp>
+        <p:nvSpPr>
+          <p:cNvPr id="3" name="Content Placeholder 2"/>
+          <p:cNvSpPr>
+            <a:spLocks noGrp="1"/>
+          </p:cNvSpPr>
+          <p:nvPr>
+            <p:ph idx="1"/>
+          </p:nvPr>
+        </p:nvSpPr>
+        <p:spPr/>
+        <p:txBody>
+          <a:bodyPr/>
+          <a:lstStyle/>
+          <a:p>
+            <a:endParaRPr lang="it-IT" dirty="0"/>
+          </a:p>
+          <a:p>
+            <a:pPr marL="0" indent="0">
+              <a:buNone/>
+            </a:pPr>
+            <a:endParaRPr lang="it-IT" dirty="0" smtClean="0"/>
+          </a:p>
+          <a:p>
+            <a:pPr marL="0" indent="0">
+              <a:buNone/>
+            </a:pPr>
+            <a:endParaRPr lang="en-US" dirty="0" smtClean="0"/>
+          </a:p>
+          <a:p>
+            <a:pPr marL="578358" lvl="1" indent="-285750"/>
+            <a:endParaRPr lang="en-US" dirty="0" smtClean="0"/>
+          </a:p>
+        </p:txBody>
+      </p:sp>
+      <p:sp>
+        <p:nvSpPr>
+          <p:cNvPr id="7" name="Title 1"/>
+          <p:cNvSpPr txBox="1">
+            <a:spLocks/>
+          </p:cNvSpPr>
+          <p:nvPr/>
+        </p:nvSpPr>
+        <p:spPr>
+          <a:xfrm>
+            <a:off x="1249680" y="439003"/>
+            <a:ext cx="10058400" cy="1450757"/>
+          </a:xfrm>
+          <a:prstGeom prst="rect">
+            <a:avLst/>
+          </a:prstGeom>
+        </p:spPr>
+        <p:txBody>
+          <a:bodyPr vert="horz" lIns="91440" tIns="45720" rIns="91440" bIns="45720" rtlCol="0" anchor="b">
+            <a:normAutofit/>
+          </a:bodyPr>
+          <a:lstStyle>
+            <a:lvl1pPr algn="l" defTabSz="914400" rtl="0" eaLnBrk="1" latinLnBrk="0" hangingPunct="1">
+              <a:lnSpc>
+                <a:spcPct val="85000"/>
+              </a:lnSpc>
+              <a:spcBef>
+                <a:spcPct val="0"/>
+              </a:spcBef>
+              <a:buNone/>
+              <a:defRPr sz="4800" kern="1200" spc="-50" baseline="0">
+                <a:solidFill>
+                  <a:schemeClr val="tx1">
+                    <a:lumMod val="75000"/>
+                    <a:lumOff val="25000"/>
+                  </a:schemeClr>
+                </a:solidFill>
+                <a:latin typeface="+mj-lt"/>
+                <a:ea typeface="+mj-ea"/>
+                <a:cs typeface="+mj-cs"/>
+              </a:defRPr>
+            </a:lvl1pPr>
+          </a:lstStyle>
+          <a:p>
+            <a:endParaRPr lang="it-IT" dirty="0">
+              <a:latin typeface="+mn-lt"/>
+            </a:endParaRPr>
+          </a:p>
+        </p:txBody>
+      </p:sp>
+      <p:sp>
+        <p:nvSpPr>
+          <p:cNvPr id="9" name="TextBox 8"/>
+          <p:cNvSpPr txBox="1"/>
+          <p:nvPr/>
+        </p:nvSpPr>
+        <p:spPr>
+          <a:xfrm>
+            <a:off x="1249680" y="2042160"/>
+            <a:ext cx="5270269" cy="4062651"/>
+          </a:xfrm>
+          <a:prstGeom prst="rect">
+            <a:avLst/>
+          </a:prstGeom>
+          <a:noFill/>
+        </p:spPr>
+        <p:txBody>
+          <a:bodyPr wrap="square" rtlCol="0">
+            <a:spAutoFit/>
+          </a:bodyPr>
+          <a:lstStyle/>
+          <a:p>
+            <a:r>
+              <a:rPr lang="it-IT" sz="2400" b="1" dirty="0" err="1" smtClean="0">
+                <a:effectLst>
+                  <a:outerShdw blurRad="38100" dist="38100" dir="2700000" algn="tl">
+                    <a:srgbClr val="000000">
+                      <a:alpha val="43137"/>
+                    </a:srgbClr>
+                  </a:outerShdw>
+                </a:effectLst>
+              </a:rPr>
+              <a:t>Gherkin</a:t>
+            </a:r>
+            <a:r>
+              <a:rPr lang="it-IT" sz="2400" dirty="0" smtClean="0">
+                <a:effectLst>
+                  <a:outerShdw blurRad="38100" dist="38100" dir="2700000" algn="tl">
+                    <a:srgbClr val="000000">
+                      <a:alpha val="43137"/>
+                    </a:srgbClr>
+                  </a:outerShdw>
+                </a:effectLst>
+              </a:rPr>
+              <a:t> </a:t>
+            </a:r>
+            <a:r>
+              <a:rPr lang="it-IT" sz="2400" dirty="0" smtClean="0"/>
+              <a:t>è un </a:t>
+            </a:r>
+            <a:r>
+              <a:rPr lang="it-IT" sz="2400" b="1" dirty="0" smtClean="0">
+                <a:effectLst>
+                  <a:outerShdw blurRad="38100" dist="38100" dir="2700000" algn="tl">
+                    <a:srgbClr val="000000">
+                      <a:alpha val="43137"/>
+                    </a:srgbClr>
+                  </a:outerShdw>
+                </a:effectLst>
+              </a:rPr>
+              <a:t>Business </a:t>
+            </a:r>
+            <a:r>
+              <a:rPr lang="it-IT" sz="2400" b="1" dirty="0" err="1" smtClean="0">
+                <a:effectLst>
+                  <a:outerShdw blurRad="38100" dist="38100" dir="2700000" algn="tl">
+                    <a:srgbClr val="000000">
+                      <a:alpha val="43137"/>
+                    </a:srgbClr>
+                  </a:outerShdw>
+                </a:effectLst>
+              </a:rPr>
+              <a:t>Readable</a:t>
+            </a:r>
+            <a:r>
+              <a:rPr lang="it-IT" sz="2400" b="1" dirty="0" smtClean="0">
+                <a:effectLst>
+                  <a:outerShdw blurRad="38100" dist="38100" dir="2700000" algn="tl">
+                    <a:srgbClr val="000000">
+                      <a:alpha val="43137"/>
+                    </a:srgbClr>
+                  </a:outerShdw>
+                </a:effectLst>
+              </a:rPr>
+              <a:t> DSL</a:t>
+            </a:r>
+            <a:r>
+              <a:rPr lang="it-IT" sz="2400" dirty="0" smtClean="0"/>
+              <a:t>, utilizzato per la definizione di funzionalità e scenari e sviluppato dal team di </a:t>
+            </a:r>
+            <a:r>
+              <a:rPr lang="it-IT" sz="2400" dirty="0" err="1" smtClean="0"/>
+              <a:t>Cucumber</a:t>
+            </a:r>
+            <a:r>
+              <a:rPr lang="it-IT" sz="2400" dirty="0" smtClean="0"/>
+              <a:t>.</a:t>
+            </a:r>
+          </a:p>
+          <a:p>
+            <a:r>
+              <a:rPr lang="it-IT" sz="2400" dirty="0" smtClean="0"/>
+              <a:t>Diversi elementi sintattici:</a:t>
+            </a:r>
+          </a:p>
+          <a:p>
+            <a:pPr marL="285750" indent="-285750">
+              <a:buFont typeface="Arial" panose="020B0604020202020204" pitchFamily="34" charset="0"/>
+              <a:buChar char="•"/>
+            </a:pPr>
+            <a:r>
+              <a:rPr lang="it-IT" sz="2400" dirty="0" smtClean="0"/>
+              <a:t>Scenari parametrici;</a:t>
+            </a:r>
+          </a:p>
+          <a:p>
+            <a:pPr marL="285750" indent="-285750">
+              <a:buFont typeface="Arial" panose="020B0604020202020204" pitchFamily="34" charset="0"/>
+              <a:buChar char="•"/>
+            </a:pPr>
+            <a:r>
+              <a:rPr lang="it-IT" sz="2400" dirty="0" smtClean="0"/>
+              <a:t>Utilizzo di tabelle per esprimere in maniera analitica molti dati;</a:t>
+            </a:r>
+          </a:p>
+          <a:p>
+            <a:pPr marL="285750" indent="-285750">
+              <a:buFont typeface="Arial" panose="020B0604020202020204" pitchFamily="34" charset="0"/>
+              <a:buChar char="•"/>
+            </a:pPr>
+            <a:r>
+              <a:rPr lang="it-IT" sz="2400" dirty="0" smtClean="0"/>
+              <a:t>Tag per scenari e funzionalità;</a:t>
+            </a:r>
+          </a:p>
+          <a:p>
+            <a:pPr marL="285750" indent="-285750">
+              <a:buFont typeface="Arial" panose="020B0604020202020204" pitchFamily="34" charset="0"/>
+              <a:buChar char="•"/>
+            </a:pPr>
+            <a:r>
+              <a:rPr lang="it-IT" sz="2400" dirty="0" smtClean="0"/>
+              <a:t>Background;</a:t>
+            </a:r>
+          </a:p>
+          <a:p>
+            <a:pPr marL="285750" indent="-285750">
+              <a:buFont typeface="Arial" panose="020B0604020202020204" pitchFamily="34" charset="0"/>
+              <a:buChar char="•"/>
+            </a:pPr>
+            <a:endParaRPr lang="it-IT" dirty="0"/>
+          </a:p>
+        </p:txBody>
+      </p:sp>
+    </p:spTree>
+    <p:extLst>
+      <p:ext uri="{BB962C8B-B14F-4D97-AF65-F5344CB8AC3E}">
+        <p14:creationId xmlns:p14="http://schemas.microsoft.com/office/powerpoint/2010/main" val="1285824352"/>
+      </p:ext>
+    </p:extLst>
+  </p:cSld>
+  <p:clrMapOvr>
+    <a:masterClrMapping/>
+  </p:clrMapOvr>
+  <p:timing>
+    <p:tnLst>
+      <p:par>
+        <p:cTn id="1" dur="indefinite" restart="never" nodeType="tmRoot"/>
+      </p:par>
+    </p:tnLst>
+  </p:timing>
+</p:sld>
+</file>
+
+<file path=ppt/slides/slide15.xml><?xml version="1.0" encoding="utf-8"?>
+<p:sld xmlns:a="http://schemas.openxmlformats.org/drawingml/2006/main" xmlns:r="http://schemas.openxmlformats.org/officeDocument/2006/relationships" xmlns:p="http://schemas.openxmlformats.org/presentationml/2006/main">
+  <p:cSld>
+    <p:spTree>
+      <p:nvGrpSpPr>
+        <p:cNvPr id="1" name=""/>
+        <p:cNvGrpSpPr/>
+        <p:nvPr/>
+      </p:nvGrpSpPr>
+      <p:grpSpPr>
+        <a:xfrm>
+          <a:off x="0" y="0"/>
+          <a:ext cx="0" cy="0"/>
+          <a:chOff x="0" y="0"/>
+          <a:chExt cx="0" cy="0"/>
+        </a:xfrm>
+      </p:grpSpPr>
+      <p:sp>
+        <p:nvSpPr>
+          <p:cNvPr id="8" name="Title 7"/>
+          <p:cNvSpPr>
+            <a:spLocks noGrp="1"/>
+          </p:cNvSpPr>
+          <p:nvPr>
+            <p:ph type="title"/>
+          </p:nvPr>
+        </p:nvSpPr>
+        <p:spPr/>
+        <p:txBody>
+          <a:bodyPr/>
+          <a:lstStyle/>
+          <a:p>
+            <a:r>
+              <a:rPr lang="it-IT" dirty="0" smtClean="0"/>
+              <a:t>BDD Framework</a:t>
+            </a:r>
+            <a:endParaRPr lang="it-IT" dirty="0"/>
+          </a:p>
+        </p:txBody>
+      </p:sp>
+      <p:sp>
+        <p:nvSpPr>
+          <p:cNvPr id="3" name="Content Placeholder 2"/>
+          <p:cNvSpPr>
+            <a:spLocks noGrp="1"/>
+          </p:cNvSpPr>
+          <p:nvPr>
+            <p:ph idx="1"/>
+          </p:nvPr>
+        </p:nvSpPr>
+        <p:spPr/>
+        <p:txBody>
+          <a:bodyPr/>
+          <a:lstStyle/>
+          <a:p>
+            <a:endParaRPr lang="it-IT" dirty="0"/>
+          </a:p>
+          <a:p>
+            <a:pPr marL="0" indent="0">
+              <a:buNone/>
+            </a:pPr>
+            <a:endParaRPr lang="it-IT" dirty="0" smtClean="0"/>
+          </a:p>
+          <a:p>
+            <a:pPr marL="0" indent="0">
+              <a:buNone/>
+            </a:pPr>
+            <a:endParaRPr lang="en-US" dirty="0" smtClean="0"/>
+          </a:p>
+          <a:p>
+            <a:pPr marL="578358" lvl="1" indent="-285750"/>
+            <a:endParaRPr lang="en-US" dirty="0" smtClean="0"/>
+          </a:p>
+        </p:txBody>
+      </p:sp>
+      <p:sp>
+        <p:nvSpPr>
+          <p:cNvPr id="7" name="Title 1"/>
+          <p:cNvSpPr txBox="1">
+            <a:spLocks/>
+          </p:cNvSpPr>
+          <p:nvPr/>
+        </p:nvSpPr>
+        <p:spPr>
+          <a:xfrm>
+            <a:off x="1249680" y="439003"/>
+            <a:ext cx="10058400" cy="1450757"/>
+          </a:xfrm>
+          <a:prstGeom prst="rect">
+            <a:avLst/>
+          </a:prstGeom>
+        </p:spPr>
+        <p:txBody>
+          <a:bodyPr vert="horz" lIns="91440" tIns="45720" rIns="91440" bIns="45720" rtlCol="0" anchor="b">
+            <a:normAutofit/>
+          </a:bodyPr>
+          <a:lstStyle>
+            <a:lvl1pPr algn="l" defTabSz="914400" rtl="0" eaLnBrk="1" latinLnBrk="0" hangingPunct="1">
+              <a:lnSpc>
+                <a:spcPct val="85000"/>
+              </a:lnSpc>
+              <a:spcBef>
+                <a:spcPct val="0"/>
+              </a:spcBef>
+              <a:buNone/>
+              <a:defRPr sz="4800" kern="1200" spc="-50" baseline="0">
+                <a:solidFill>
+                  <a:schemeClr val="tx1">
+                    <a:lumMod val="75000"/>
+                    <a:lumOff val="25000"/>
+                  </a:schemeClr>
+                </a:solidFill>
+                <a:latin typeface="+mj-lt"/>
+                <a:ea typeface="+mj-ea"/>
+                <a:cs typeface="+mj-cs"/>
+              </a:defRPr>
+            </a:lvl1pPr>
+          </a:lstStyle>
+          <a:p>
+            <a:endParaRPr lang="it-IT" dirty="0">
+              <a:latin typeface="+mn-lt"/>
+            </a:endParaRPr>
+          </a:p>
+        </p:txBody>
+      </p:sp>
+      <p:sp>
+        <p:nvSpPr>
+          <p:cNvPr id="2" name="TextBox 1"/>
+          <p:cNvSpPr txBox="1"/>
+          <p:nvPr/>
+        </p:nvSpPr>
+        <p:spPr>
+          <a:xfrm>
+            <a:off x="1249681" y="1889760"/>
+            <a:ext cx="7646183" cy="2031325"/>
+          </a:xfrm>
+          <a:prstGeom prst="rect">
+            <a:avLst/>
+          </a:prstGeom>
+          <a:noFill/>
+        </p:spPr>
+        <p:txBody>
+          <a:bodyPr wrap="square" rtlCol="0">
+            <a:spAutoFit/>
+          </a:bodyPr>
+          <a:lstStyle/>
+          <a:p>
+            <a:pPr marL="285750" indent="-285750">
+              <a:buFont typeface="Arial" panose="020B0604020202020204" pitchFamily="34" charset="0"/>
+              <a:buChar char="•"/>
+            </a:pPr>
+            <a:r>
+              <a:rPr lang="it-IT" dirty="0" smtClean="0"/>
+              <a:t>Supporto a </a:t>
+            </a:r>
+            <a:r>
+              <a:rPr lang="it-IT" dirty="0" err="1" smtClean="0"/>
+              <a:t>Gherkin</a:t>
+            </a:r>
+            <a:r>
+              <a:rPr lang="it-IT" dirty="0" smtClean="0"/>
+              <a:t> da parte di </a:t>
+            </a:r>
+            <a:r>
+              <a:rPr lang="it-IT" dirty="0" err="1" smtClean="0"/>
+              <a:t>Cucumber</a:t>
+            </a:r>
+            <a:r>
+              <a:rPr lang="it-IT" dirty="0" smtClean="0"/>
+              <a:t>, </a:t>
+            </a:r>
+            <a:r>
+              <a:rPr lang="it-IT" dirty="0" err="1" smtClean="0"/>
+              <a:t>Cucumber</a:t>
+            </a:r>
+            <a:r>
+              <a:rPr lang="it-IT" dirty="0" smtClean="0"/>
+              <a:t> JVM e </a:t>
+            </a:r>
+            <a:r>
+              <a:rPr lang="it-IT" dirty="0" err="1" smtClean="0"/>
+              <a:t>SpecFlow</a:t>
+            </a:r>
+            <a:r>
+              <a:rPr lang="it-IT" dirty="0" smtClean="0"/>
+              <a:t>:</a:t>
+            </a:r>
+          </a:p>
+          <a:p>
+            <a:pPr marL="742950" lvl="1" indent="-285750">
+              <a:buFont typeface="Arial" panose="020B0604020202020204" pitchFamily="34" charset="0"/>
+              <a:buChar char="•"/>
+            </a:pPr>
+            <a:r>
+              <a:rPr lang="it-IT" dirty="0" smtClean="0"/>
+              <a:t>Implementazione di tutte le funzionalità (</a:t>
+            </a:r>
+            <a:r>
+              <a:rPr lang="it-IT" dirty="0" err="1" smtClean="0"/>
+              <a:t>tag</a:t>
+            </a:r>
+            <a:r>
+              <a:rPr lang="it-IT" dirty="0" smtClean="0"/>
+              <a:t>, hook, …)</a:t>
+            </a:r>
+          </a:p>
+          <a:p>
+            <a:pPr marL="742950" lvl="1" indent="-285750">
+              <a:buFont typeface="Arial" panose="020B0604020202020204" pitchFamily="34" charset="0"/>
+              <a:buChar char="•"/>
+            </a:pPr>
+            <a:r>
+              <a:rPr lang="it-IT" dirty="0" smtClean="0"/>
+              <a:t>Minori differenze nel meccanismo di visibilità delle implementazioni dei passi (</a:t>
+            </a:r>
+            <a:r>
+              <a:rPr lang="it-IT" dirty="0" err="1" smtClean="0"/>
+              <a:t>SpecFlow</a:t>
+            </a:r>
+            <a:r>
+              <a:rPr lang="it-IT" dirty="0" smtClean="0"/>
+              <a:t> è più restrittivo)</a:t>
+            </a:r>
+          </a:p>
+          <a:p>
+            <a:pPr marL="742950" lvl="1" indent="-285750">
+              <a:buFont typeface="Arial" panose="020B0604020202020204" pitchFamily="34" charset="0"/>
+              <a:buChar char="•"/>
+            </a:pPr>
+            <a:r>
+              <a:rPr lang="it-IT" dirty="0" smtClean="0"/>
+              <a:t>Ruby favorisce nettamente </a:t>
+            </a:r>
+            <a:r>
+              <a:rPr lang="it-IT" dirty="0" err="1" smtClean="0"/>
+              <a:t>Cucumber</a:t>
+            </a:r>
+            <a:r>
+              <a:rPr lang="it-IT" dirty="0" smtClean="0"/>
+              <a:t> tramite una sintassi più immediata e leggibile</a:t>
+            </a:r>
+          </a:p>
+        </p:txBody>
+      </p:sp>
+      <p:pic>
+        <p:nvPicPr>
+          <p:cNvPr id="4" name="Picture 3"/>
+          <p:cNvPicPr>
+            <a:picLocks noChangeAspect="1"/>
+          </p:cNvPicPr>
+          <p:nvPr/>
+        </p:nvPicPr>
+        <p:blipFill>
+          <a:blip r:embed="rId2">
+            <a:extLst>
+              <a:ext uri="{28A0092B-C50C-407E-A947-70E740481C1C}">
+                <a14:useLocalDpi xmlns:a14="http://schemas.microsoft.com/office/drawing/2010/main" val="0"/>
+              </a:ext>
+            </a:extLst>
+          </a:blip>
+          <a:stretch>
+            <a:fillRect/>
+          </a:stretch>
+        </p:blipFill>
+        <p:spPr>
+          <a:xfrm>
+            <a:off x="9225651" y="3043623"/>
+            <a:ext cx="1930159" cy="634921"/>
+          </a:xfrm>
+          <a:prstGeom prst="rect">
+            <a:avLst/>
+          </a:prstGeom>
+        </p:spPr>
+      </p:pic>
+      <p:pic>
+        <p:nvPicPr>
+          <p:cNvPr id="6" name="Picture 5"/>
+          <p:cNvPicPr>
+            <a:picLocks noChangeAspect="1"/>
+          </p:cNvPicPr>
+          <p:nvPr/>
+        </p:nvPicPr>
+        <p:blipFill>
+          <a:blip r:embed="rId3">
+            <a:extLst>
+              <a:ext uri="{28A0092B-C50C-407E-A947-70E740481C1C}">
+                <a14:useLocalDpi xmlns:a14="http://schemas.microsoft.com/office/drawing/2010/main" val="0"/>
+              </a:ext>
+            </a:extLst>
+          </a:blip>
+          <a:stretch>
+            <a:fillRect/>
+          </a:stretch>
+        </p:blipFill>
+        <p:spPr>
+          <a:xfrm>
+            <a:off x="9530543" y="3982465"/>
+            <a:ext cx="1625397" cy="1625397"/>
+          </a:xfrm>
+          <a:prstGeom prst="rect">
+            <a:avLst/>
+          </a:prstGeom>
+        </p:spPr>
+      </p:pic>
+      <p:pic>
+        <p:nvPicPr>
+          <p:cNvPr id="9" name="Picture 8"/>
+          <p:cNvPicPr>
+            <a:picLocks noChangeAspect="1"/>
+          </p:cNvPicPr>
+          <p:nvPr/>
+        </p:nvPicPr>
+        <p:blipFill>
+          <a:blip r:embed="rId4">
+            <a:extLst>
+              <a:ext uri="{28A0092B-C50C-407E-A947-70E740481C1C}">
+                <a14:useLocalDpi xmlns:a14="http://schemas.microsoft.com/office/drawing/2010/main" val="0"/>
+              </a:ext>
+            </a:extLst>
+          </a:blip>
+          <a:stretch>
+            <a:fillRect/>
+          </a:stretch>
+        </p:blipFill>
+        <p:spPr>
+          <a:xfrm>
+            <a:off x="9212842" y="1845734"/>
+            <a:ext cx="2095238" cy="893968"/>
+          </a:xfrm>
+          <a:prstGeom prst="rect">
+            <a:avLst/>
+          </a:prstGeom>
+        </p:spPr>
+      </p:pic>
+      <p:graphicFrame>
+        <p:nvGraphicFramePr>
+          <p:cNvPr id="10" name="Table 9"/>
+          <p:cNvGraphicFramePr>
+            <a:graphicFrameLocks noGrp="1"/>
+          </p:cNvGraphicFramePr>
+          <p:nvPr>
+            <p:extLst>
+              <p:ext uri="{D42A27DB-BD31-4B8C-83A1-F6EECF244321}">
+                <p14:modId xmlns:p14="http://schemas.microsoft.com/office/powerpoint/2010/main" val="3956540056"/>
+              </p:ext>
+            </p:extLst>
+          </p:nvPr>
+        </p:nvGraphicFramePr>
+        <p:xfrm>
+          <a:off x="1223782" y="3921084"/>
+          <a:ext cx="7739245" cy="2325624"/>
+        </p:xfrm>
+        <a:graphic>
+          <a:graphicData uri="http://schemas.openxmlformats.org/drawingml/2006/table">
+            <a:tbl>
+              <a:tblPr firstRow="1" bandRow="1">
+                <a:tableStyleId>{6E25E649-3F16-4E02-A733-19D2CDBF48F0}</a:tableStyleId>
+              </a:tblPr>
+              <a:tblGrid>
+                <a:gridCol w="1547849"/>
+                <a:gridCol w="1547849"/>
+                <a:gridCol w="1433620"/>
+                <a:gridCol w="1662078"/>
+                <a:gridCol w="1547849"/>
+              </a:tblGrid>
+              <a:tr h="739971">
+                <a:tc>
+                  <a:txBody>
+                    <a:bodyPr/>
+                    <a:lstStyle/>
+                    <a:p>
+                      <a:pPr algn="ctr"/>
+                      <a:endParaRPr lang="it-IT" dirty="0"/>
+                    </a:p>
+                  </a:txBody>
+                  <a:tcPr/>
+                </a:tc>
+                <a:tc>
+                  <a:txBody>
+                    <a:bodyPr/>
+                    <a:lstStyle/>
+                    <a:p>
+                      <a:pPr algn="ctr"/>
+                      <a:r>
+                        <a:rPr lang="it-IT" dirty="0" smtClean="0"/>
+                        <a:t>Supporto a </a:t>
+                      </a:r>
+                      <a:r>
+                        <a:rPr lang="it-IT" dirty="0" err="1" smtClean="0"/>
+                        <a:t>Gherkin</a:t>
+                      </a:r>
+                      <a:endParaRPr lang="it-IT" dirty="0"/>
+                    </a:p>
+                  </a:txBody>
+                  <a:tcPr/>
+                </a:tc>
+                <a:tc>
+                  <a:txBody>
+                    <a:bodyPr/>
+                    <a:lstStyle/>
+                    <a:p>
+                      <a:pPr algn="ctr"/>
+                      <a:r>
+                        <a:rPr lang="it-IT" dirty="0" smtClean="0"/>
+                        <a:t>Passi </a:t>
+                      </a:r>
+                      <a:r>
+                        <a:rPr lang="it-IT" dirty="0" err="1" smtClean="0"/>
+                        <a:t>Tipati</a:t>
+                      </a:r>
+                      <a:endParaRPr lang="it-IT" dirty="0"/>
+                    </a:p>
+                  </a:txBody>
+                  <a:tcPr/>
+                </a:tc>
+                <a:tc>
+                  <a:txBody>
+                    <a:bodyPr/>
+                    <a:lstStyle/>
+                    <a:p>
+                      <a:pPr algn="ctr"/>
+                      <a:r>
+                        <a:rPr lang="it-IT" dirty="0" smtClean="0"/>
+                        <a:t>Ordinamento Hook</a:t>
+                      </a:r>
+                      <a:endParaRPr lang="it-IT" dirty="0"/>
+                    </a:p>
+                  </a:txBody>
+                  <a:tcPr/>
+                </a:tc>
+                <a:tc>
+                  <a:txBody>
+                    <a:bodyPr/>
+                    <a:lstStyle/>
+                    <a:p>
+                      <a:pPr algn="ctr"/>
+                      <a:r>
+                        <a:rPr lang="it-IT" dirty="0" err="1" smtClean="0"/>
+                        <a:t>Plugin</a:t>
+                      </a:r>
+                      <a:r>
+                        <a:rPr lang="it-IT" baseline="0" dirty="0" smtClean="0"/>
+                        <a:t> IDE</a:t>
+                      </a:r>
+                      <a:endParaRPr lang="it-IT" dirty="0"/>
+                    </a:p>
+                  </a:txBody>
+                  <a:tcPr/>
+                </a:tc>
+              </a:tr>
+              <a:tr h="422841">
+                <a:tc>
+                  <a:txBody>
+                    <a:bodyPr/>
+                    <a:lstStyle/>
+                    <a:p>
+                      <a:pPr algn="ctr"/>
+                      <a:r>
+                        <a:rPr lang="it-IT" dirty="0" err="1" smtClean="0"/>
+                        <a:t>Cucumber</a:t>
+                      </a:r>
+                      <a:endParaRPr lang="it-IT" dirty="0"/>
+                    </a:p>
+                  </a:txBody>
+                  <a:tcPr/>
+                </a:tc>
+                <a:tc>
+                  <a:txBody>
+                    <a:bodyPr/>
+                    <a:lstStyle/>
+                    <a:p>
+                      <a:pPr algn="ctr"/>
+                      <a:r>
+                        <a:rPr lang="it-IT" dirty="0" smtClean="0"/>
+                        <a:t>Completo</a:t>
+                      </a:r>
+                      <a:endParaRPr lang="it-IT" dirty="0"/>
+                    </a:p>
+                  </a:txBody>
+                  <a:tcPr/>
+                </a:tc>
+                <a:tc>
+                  <a:txBody>
+                    <a:bodyPr/>
+                    <a:lstStyle/>
+                    <a:p>
+                      <a:pPr algn="ctr"/>
+                      <a:r>
+                        <a:rPr lang="it-IT" dirty="0" smtClean="0"/>
+                        <a:t>x</a:t>
+                      </a:r>
+                      <a:endParaRPr lang="it-IT" dirty="0"/>
+                    </a:p>
+                  </a:txBody>
+                  <a:tcPr/>
+                </a:tc>
+                <a:tc>
+                  <a:txBody>
+                    <a:bodyPr/>
+                    <a:lstStyle/>
+                    <a:p>
+                      <a:pPr algn="ctr"/>
+                      <a:r>
+                        <a:rPr lang="it-IT" dirty="0" smtClean="0"/>
+                        <a:t>y</a:t>
+                      </a:r>
+                      <a:endParaRPr lang="it-IT" dirty="0"/>
+                    </a:p>
+                  </a:txBody>
+                  <a:tcPr/>
+                </a:tc>
+                <a:tc>
+                  <a:txBody>
+                    <a:bodyPr/>
+                    <a:lstStyle/>
+                    <a:p>
+                      <a:pPr algn="ctr"/>
+                      <a:r>
+                        <a:rPr lang="it-IT" dirty="0" smtClean="0"/>
+                        <a:t>Completo</a:t>
+                      </a:r>
+                      <a:endParaRPr lang="it-IT" dirty="0"/>
+                    </a:p>
+                  </a:txBody>
+                  <a:tcPr/>
+                </a:tc>
+              </a:tr>
+              <a:tr h="739971">
+                <a:tc>
+                  <a:txBody>
+                    <a:bodyPr/>
+                    <a:lstStyle/>
+                    <a:p>
+                      <a:pPr algn="ctr"/>
+                      <a:r>
+                        <a:rPr lang="it-IT" dirty="0" err="1" smtClean="0"/>
+                        <a:t>Cucumber</a:t>
+                      </a:r>
+                      <a:r>
+                        <a:rPr lang="it-IT" dirty="0" smtClean="0"/>
+                        <a:t> JVM</a:t>
+                      </a:r>
+                      <a:endParaRPr lang="it-IT" dirty="0"/>
+                    </a:p>
+                  </a:txBody>
+                  <a:tcPr/>
+                </a:tc>
+                <a:tc>
+                  <a:txBody>
+                    <a:bodyPr/>
+                    <a:lstStyle/>
+                    <a:p>
+                      <a:pPr algn="ctr"/>
+                      <a:r>
+                        <a:rPr lang="it-IT" dirty="0" smtClean="0"/>
+                        <a:t>Completo</a:t>
+                      </a:r>
+                      <a:endParaRPr lang="it-IT" dirty="0"/>
+                    </a:p>
+                  </a:txBody>
+                  <a:tcPr/>
+                </a:tc>
+                <a:tc>
+                  <a:txBody>
+                    <a:bodyPr/>
+                    <a:lstStyle/>
+                    <a:p>
+                      <a:pPr algn="ctr"/>
+                      <a:r>
+                        <a:rPr lang="it-IT" dirty="0" smtClean="0"/>
+                        <a:t>x</a:t>
+                      </a:r>
+                      <a:endParaRPr lang="it-IT" dirty="0"/>
+                    </a:p>
+                  </a:txBody>
+                  <a:tcPr/>
+                </a:tc>
+                <a:tc>
+                  <a:txBody>
+                    <a:bodyPr/>
+                    <a:lstStyle/>
+                    <a:p>
+                      <a:pPr algn="ctr"/>
+                      <a:r>
+                        <a:rPr lang="it-IT" dirty="0" smtClean="0"/>
+                        <a:t>y</a:t>
+                      </a:r>
+                      <a:endParaRPr lang="it-IT" dirty="0"/>
+                    </a:p>
+                  </a:txBody>
+                  <a:tcPr/>
+                </a:tc>
+                <a:tc>
+                  <a:txBody>
+                    <a:bodyPr/>
+                    <a:lstStyle/>
+                    <a:p>
+                      <a:pPr algn="ctr"/>
+                      <a:r>
+                        <a:rPr lang="it-IT" dirty="0" smtClean="0"/>
+                        <a:t>Parziale</a:t>
+                      </a:r>
+                      <a:endParaRPr lang="it-IT" dirty="0"/>
+                    </a:p>
+                  </a:txBody>
+                  <a:tcPr/>
+                </a:tc>
+              </a:tr>
+              <a:tr h="422841">
+                <a:tc>
+                  <a:txBody>
+                    <a:bodyPr/>
+                    <a:lstStyle/>
+                    <a:p>
+                      <a:pPr algn="ctr"/>
+                      <a:r>
+                        <a:rPr lang="it-IT" dirty="0" err="1" smtClean="0"/>
+                        <a:t>SpecFlow</a:t>
+                      </a:r>
+                      <a:endParaRPr lang="it-IT" dirty="0"/>
+                    </a:p>
+                  </a:txBody>
+                  <a:tcPr/>
+                </a:tc>
+                <a:tc>
+                  <a:txBody>
+                    <a:bodyPr/>
+                    <a:lstStyle/>
+                    <a:p>
+                      <a:pPr algn="ctr"/>
+                      <a:r>
+                        <a:rPr lang="it-IT" dirty="0" smtClean="0"/>
+                        <a:t>Completo</a:t>
+                      </a:r>
+                      <a:endParaRPr lang="it-IT" dirty="0"/>
+                    </a:p>
+                  </a:txBody>
+                  <a:tcPr/>
+                </a:tc>
+                <a:tc>
+                  <a:txBody>
+                    <a:bodyPr/>
+                    <a:lstStyle/>
+                    <a:p>
+                      <a:pPr algn="ctr"/>
+                      <a:r>
+                        <a:rPr lang="it-IT" dirty="0" smtClean="0"/>
+                        <a:t>y</a:t>
+                      </a:r>
+                      <a:endParaRPr lang="it-IT" dirty="0"/>
+                    </a:p>
+                  </a:txBody>
+                  <a:tcPr/>
+                </a:tc>
+                <a:tc>
+                  <a:txBody>
+                    <a:bodyPr/>
+                    <a:lstStyle/>
+                    <a:p>
+                      <a:pPr algn="ctr"/>
+                      <a:r>
+                        <a:rPr lang="it-IT" dirty="0" smtClean="0"/>
+                        <a:t>x</a:t>
+                      </a:r>
+                      <a:endParaRPr lang="it-IT" dirty="0"/>
+                    </a:p>
+                  </a:txBody>
+                  <a:tcPr/>
+                </a:tc>
+                <a:tc>
+                  <a:txBody>
+                    <a:bodyPr/>
+                    <a:lstStyle/>
+                    <a:p>
+                      <a:pPr algn="ctr"/>
+                      <a:r>
+                        <a:rPr lang="it-IT" dirty="0" smtClean="0"/>
+                        <a:t>Completo</a:t>
+                      </a:r>
+                      <a:endParaRPr lang="it-IT" dirty="0"/>
+                    </a:p>
+                  </a:txBody>
+                  <a:tcPr/>
+                </a:tc>
+              </a:tr>
+            </a:tbl>
+          </a:graphicData>
+        </a:graphic>
+      </p:graphicFrame>
+    </p:spTree>
+    <p:extLst>
+      <p:ext uri="{BB962C8B-B14F-4D97-AF65-F5344CB8AC3E}">
+        <p14:creationId xmlns:p14="http://schemas.microsoft.com/office/powerpoint/2010/main" val="2667548249"/>
+      </p:ext>
+    </p:extLst>
+  </p:cSld>
+  <p:clrMapOvr>
+    <a:masterClrMapping/>
+  </p:clrMapOvr>
+  <p:timing>
+    <p:tnLst>
+      <p:par>
+        <p:cTn id="1" dur="indefinite" restart="never" nodeType="tmRoot"/>
+      </p:par>
+    </p:tnLst>
+  </p:timing>
+</p:sld>
+</file>
+
+<file path=ppt/slides/slide16.xml><?xml version="1.0" encoding="utf-8"?>
+<p:sld xmlns:a="http://schemas.openxmlformats.org/drawingml/2006/main" xmlns:r="http://schemas.openxmlformats.org/officeDocument/2006/relationships" xmlns:p="http://schemas.openxmlformats.org/presentationml/2006/main">
+  <p:cSld>
+    <p:spTree>
+      <p:nvGrpSpPr>
+        <p:cNvPr id="1" name=""/>
+        <p:cNvGrpSpPr/>
+        <p:nvPr/>
+      </p:nvGrpSpPr>
+      <p:grpSpPr>
+        <a:xfrm>
+          <a:off x="0" y="0"/>
+          <a:ext cx="0" cy="0"/>
+          <a:chOff x="0" y="0"/>
+          <a:chExt cx="0" cy="0"/>
+        </a:xfrm>
+      </p:grpSpPr>
+      <p:sp>
+        <p:nvSpPr>
+          <p:cNvPr id="8" name="Title 7"/>
+          <p:cNvSpPr>
+            <a:spLocks noGrp="1"/>
+          </p:cNvSpPr>
+          <p:nvPr>
+            <p:ph type="title"/>
+          </p:nvPr>
+        </p:nvSpPr>
+        <p:spPr/>
+        <p:txBody>
+          <a:bodyPr/>
+          <a:lstStyle/>
+          <a:p>
+            <a:r>
+              <a:rPr lang="it-IT" dirty="0" smtClean="0"/>
+              <a:t>Web Automation</a:t>
+            </a:r>
+            <a:endParaRPr lang="it-IT" dirty="0"/>
+          </a:p>
+        </p:txBody>
+      </p:sp>
+      <p:sp>
+        <p:nvSpPr>
+          <p:cNvPr id="3" name="Content Placeholder 2"/>
+          <p:cNvSpPr>
+            <a:spLocks noGrp="1"/>
+          </p:cNvSpPr>
+          <p:nvPr>
+            <p:ph idx="1"/>
+          </p:nvPr>
+        </p:nvSpPr>
+        <p:spPr/>
+        <p:txBody>
+          <a:bodyPr/>
+          <a:lstStyle/>
+          <a:p>
+            <a:endParaRPr lang="it-IT" dirty="0"/>
+          </a:p>
+          <a:p>
+            <a:pPr marL="0" indent="0">
+              <a:buNone/>
+            </a:pPr>
+            <a:endParaRPr lang="it-IT" dirty="0" smtClean="0"/>
+          </a:p>
+          <a:p>
+            <a:pPr marL="0" indent="0">
+              <a:buNone/>
+            </a:pPr>
+            <a:endParaRPr lang="en-US" dirty="0" smtClean="0"/>
+          </a:p>
+          <a:p>
+            <a:pPr marL="578358" lvl="1" indent="-285750"/>
+            <a:endParaRPr lang="en-US" dirty="0" smtClean="0"/>
+          </a:p>
+        </p:txBody>
+      </p:sp>
+      <p:sp>
+        <p:nvSpPr>
+          <p:cNvPr id="7" name="Title 1"/>
+          <p:cNvSpPr txBox="1">
+            <a:spLocks/>
+          </p:cNvSpPr>
+          <p:nvPr/>
+        </p:nvSpPr>
+        <p:spPr>
+          <a:xfrm>
+            <a:off x="1249680" y="439003"/>
+            <a:ext cx="10058400" cy="1450757"/>
+          </a:xfrm>
+          <a:prstGeom prst="rect">
+            <a:avLst/>
+          </a:prstGeom>
+        </p:spPr>
+        <p:txBody>
+          <a:bodyPr vert="horz" lIns="91440" tIns="45720" rIns="91440" bIns="45720" rtlCol="0" anchor="b">
+            <a:normAutofit/>
+          </a:bodyPr>
+          <a:lstStyle>
+            <a:lvl1pPr algn="l" defTabSz="914400" rtl="0" eaLnBrk="1" latinLnBrk="0" hangingPunct="1">
+              <a:lnSpc>
+                <a:spcPct val="85000"/>
+              </a:lnSpc>
+              <a:spcBef>
+                <a:spcPct val="0"/>
+              </a:spcBef>
+              <a:buNone/>
+              <a:defRPr sz="4800" kern="1200" spc="-50" baseline="0">
+                <a:solidFill>
+                  <a:schemeClr val="tx1">
+                    <a:lumMod val="75000"/>
+                    <a:lumOff val="25000"/>
+                  </a:schemeClr>
+                </a:solidFill>
+                <a:latin typeface="+mj-lt"/>
+                <a:ea typeface="+mj-ea"/>
+                <a:cs typeface="+mj-cs"/>
+              </a:defRPr>
+            </a:lvl1pPr>
+          </a:lstStyle>
+          <a:p>
+            <a:endParaRPr lang="it-IT" dirty="0">
+              <a:latin typeface="+mn-lt"/>
+            </a:endParaRPr>
+          </a:p>
+        </p:txBody>
+      </p:sp>
+      <p:graphicFrame>
+        <p:nvGraphicFramePr>
+          <p:cNvPr id="10" name="Table 9"/>
+          <p:cNvGraphicFramePr>
+            <a:graphicFrameLocks noGrp="1"/>
+          </p:cNvGraphicFramePr>
+          <p:nvPr>
+            <p:extLst>
+              <p:ext uri="{D42A27DB-BD31-4B8C-83A1-F6EECF244321}">
+                <p14:modId xmlns:p14="http://schemas.microsoft.com/office/powerpoint/2010/main" val="4120258231"/>
+              </p:ext>
+            </p:extLst>
+          </p:nvPr>
+        </p:nvGraphicFramePr>
+        <p:xfrm>
+          <a:off x="1223782" y="3644086"/>
+          <a:ext cx="7739245" cy="2602622"/>
+        </p:xfrm>
+        <a:graphic>
+          <a:graphicData uri="http://schemas.openxmlformats.org/drawingml/2006/table">
+            <a:tbl>
+              <a:tblPr firstRow="1" bandRow="1">
+                <a:tableStyleId>{6E25E649-3F16-4E02-A733-19D2CDBF48F0}</a:tableStyleId>
+              </a:tblPr>
+              <a:tblGrid>
+                <a:gridCol w="1547849"/>
+                <a:gridCol w="1547849"/>
+                <a:gridCol w="1433620"/>
+                <a:gridCol w="1662078"/>
+                <a:gridCol w="1547849"/>
+              </a:tblGrid>
+              <a:tr h="828107">
+                <a:tc>
+                  <a:txBody>
+                    <a:bodyPr/>
+                    <a:lstStyle/>
+                    <a:p>
+                      <a:pPr algn="ctr"/>
+                      <a:endParaRPr lang="it-IT" dirty="0"/>
+                    </a:p>
+                  </a:txBody>
+                  <a:tcPr/>
+                </a:tc>
+                <a:tc>
+                  <a:txBody>
+                    <a:bodyPr/>
+                    <a:lstStyle/>
+                    <a:p>
+                      <a:pPr algn="ctr"/>
+                      <a:endParaRPr lang="it-IT" dirty="0"/>
+                    </a:p>
+                  </a:txBody>
+                  <a:tcPr/>
+                </a:tc>
+                <a:tc>
+                  <a:txBody>
+                    <a:bodyPr/>
+                    <a:lstStyle/>
+                    <a:p>
+                      <a:pPr algn="ctr"/>
+                      <a:endParaRPr lang="it-IT" dirty="0"/>
+                    </a:p>
+                  </a:txBody>
+                  <a:tcPr/>
+                </a:tc>
+                <a:tc>
+                  <a:txBody>
+                    <a:bodyPr/>
+                    <a:lstStyle/>
+                    <a:p>
+                      <a:pPr algn="ctr"/>
+                      <a:endParaRPr lang="it-IT" dirty="0"/>
+                    </a:p>
+                  </a:txBody>
+                  <a:tcPr/>
+                </a:tc>
+                <a:tc>
+                  <a:txBody>
+                    <a:bodyPr/>
+                    <a:lstStyle/>
+                    <a:p>
+                      <a:pPr algn="ctr"/>
+                      <a:endParaRPr lang="it-IT" dirty="0"/>
+                    </a:p>
+                  </a:txBody>
+                  <a:tcPr/>
+                </a:tc>
+              </a:tr>
+              <a:tr h="473204">
+                <a:tc>
+                  <a:txBody>
+                    <a:bodyPr/>
+                    <a:lstStyle/>
+                    <a:p>
+                      <a:pPr algn="ctr"/>
+                      <a:r>
+                        <a:rPr lang="it-IT" dirty="0" err="1" smtClean="0"/>
+                        <a:t>Capybara</a:t>
+                      </a:r>
+                      <a:endParaRPr lang="it-IT" dirty="0"/>
+                    </a:p>
+                  </a:txBody>
+                  <a:tcPr/>
+                </a:tc>
+                <a:tc>
+                  <a:txBody>
+                    <a:bodyPr/>
+                    <a:lstStyle/>
+                    <a:p>
+                      <a:pPr algn="ctr"/>
+                      <a:endParaRPr lang="it-IT" dirty="0"/>
+                    </a:p>
+                  </a:txBody>
+                  <a:tcPr/>
+                </a:tc>
+                <a:tc>
+                  <a:txBody>
+                    <a:bodyPr/>
+                    <a:lstStyle/>
+                    <a:p>
+                      <a:pPr algn="ctr"/>
+                      <a:endParaRPr lang="it-IT" dirty="0"/>
+                    </a:p>
+                  </a:txBody>
+                  <a:tcPr/>
+                </a:tc>
+                <a:tc>
+                  <a:txBody>
+                    <a:bodyPr/>
+                    <a:lstStyle/>
+                    <a:p>
+                      <a:pPr algn="ctr"/>
+                      <a:endParaRPr lang="it-IT" dirty="0"/>
+                    </a:p>
+                  </a:txBody>
+                  <a:tcPr/>
+                </a:tc>
+                <a:tc>
+                  <a:txBody>
+                    <a:bodyPr/>
+                    <a:lstStyle/>
+                    <a:p>
+                      <a:pPr algn="ctr"/>
+                      <a:endParaRPr lang="it-IT" dirty="0"/>
+                    </a:p>
+                  </a:txBody>
+                  <a:tcPr/>
+                </a:tc>
+              </a:tr>
+              <a:tr h="828107">
+                <a:tc>
+                  <a:txBody>
+                    <a:bodyPr/>
+                    <a:lstStyle/>
+                    <a:p>
+                      <a:pPr algn="ctr"/>
+                      <a:r>
+                        <a:rPr lang="it-IT" dirty="0" err="1" smtClean="0"/>
+                        <a:t>Selenium</a:t>
+                      </a:r>
+                      <a:endParaRPr lang="it-IT" dirty="0"/>
+                    </a:p>
+                  </a:txBody>
+                  <a:tcPr/>
+                </a:tc>
+                <a:tc>
+                  <a:txBody>
+                    <a:bodyPr/>
+                    <a:lstStyle/>
+                    <a:p>
+                      <a:pPr algn="ctr"/>
+                      <a:endParaRPr lang="it-IT" dirty="0"/>
+                    </a:p>
+                  </a:txBody>
+                  <a:tcPr/>
+                </a:tc>
+                <a:tc>
+                  <a:txBody>
+                    <a:bodyPr/>
+                    <a:lstStyle/>
+                    <a:p>
+                      <a:pPr algn="ctr"/>
+                      <a:endParaRPr lang="it-IT" dirty="0"/>
+                    </a:p>
+                  </a:txBody>
+                  <a:tcPr/>
+                </a:tc>
+                <a:tc>
+                  <a:txBody>
+                    <a:bodyPr/>
+                    <a:lstStyle/>
+                    <a:p>
+                      <a:pPr algn="ctr"/>
+                      <a:endParaRPr lang="it-IT" dirty="0"/>
+                    </a:p>
+                  </a:txBody>
+                  <a:tcPr/>
+                </a:tc>
+                <a:tc>
+                  <a:txBody>
+                    <a:bodyPr/>
+                    <a:lstStyle/>
+                    <a:p>
+                      <a:pPr algn="ctr"/>
+                      <a:endParaRPr lang="it-IT" dirty="0"/>
+                    </a:p>
+                  </a:txBody>
+                  <a:tcPr/>
+                </a:tc>
+              </a:tr>
+              <a:tr h="473204">
+                <a:tc>
+                  <a:txBody>
+                    <a:bodyPr/>
+                    <a:lstStyle/>
+                    <a:p>
+                      <a:pPr algn="ctr"/>
+                      <a:r>
+                        <a:rPr lang="it-IT" dirty="0" err="1" smtClean="0"/>
+                        <a:t>Coypu</a:t>
+                      </a:r>
+                      <a:endParaRPr lang="it-IT" dirty="0"/>
+                    </a:p>
+                  </a:txBody>
+                  <a:tcPr/>
+                </a:tc>
+                <a:tc>
+                  <a:txBody>
+                    <a:bodyPr/>
+                    <a:lstStyle/>
+                    <a:p>
+                      <a:pPr algn="ctr"/>
+                      <a:endParaRPr lang="it-IT" dirty="0"/>
+                    </a:p>
+                  </a:txBody>
+                  <a:tcPr/>
+                </a:tc>
+                <a:tc>
+                  <a:txBody>
+                    <a:bodyPr/>
+                    <a:lstStyle/>
+                    <a:p>
+                      <a:pPr algn="ctr"/>
+                      <a:endParaRPr lang="it-IT" dirty="0"/>
+                    </a:p>
+                  </a:txBody>
+                  <a:tcPr/>
+                </a:tc>
+                <a:tc>
+                  <a:txBody>
+                    <a:bodyPr/>
+                    <a:lstStyle/>
+                    <a:p>
+                      <a:pPr algn="ctr"/>
+                      <a:endParaRPr lang="it-IT" dirty="0"/>
+                    </a:p>
+                  </a:txBody>
+                  <a:tcPr/>
+                </a:tc>
+                <a:tc>
+                  <a:txBody>
+                    <a:bodyPr/>
+                    <a:lstStyle/>
+                    <a:p>
+                      <a:pPr algn="ctr"/>
+                      <a:endParaRPr lang="it-IT" dirty="0"/>
+                    </a:p>
+                  </a:txBody>
+                  <a:tcPr/>
+                </a:tc>
+              </a:tr>
+            </a:tbl>
+          </a:graphicData>
+        </a:graphic>
+      </p:graphicFrame>
+      <p:pic>
+        <p:nvPicPr>
+          <p:cNvPr id="5" name="Picture 4"/>
+          <p:cNvPicPr>
+            <a:picLocks noChangeAspect="1"/>
+          </p:cNvPicPr>
+          <p:nvPr/>
+        </p:nvPicPr>
+        <p:blipFill>
+          <a:blip r:embed="rId2">
+            <a:extLst>
+              <a:ext uri="{28A0092B-C50C-407E-A947-70E740481C1C}">
+                <a14:useLocalDpi xmlns:a14="http://schemas.microsoft.com/office/drawing/2010/main" val="0"/>
+              </a:ext>
+            </a:extLst>
+          </a:blip>
+          <a:stretch>
+            <a:fillRect/>
+          </a:stretch>
+        </p:blipFill>
+        <p:spPr>
+          <a:xfrm>
+            <a:off x="9723345" y="3380845"/>
+            <a:ext cx="1440000" cy="1303200"/>
+          </a:xfrm>
+          <a:prstGeom prst="rect">
+            <a:avLst/>
+          </a:prstGeom>
+        </p:spPr>
+      </p:pic>
+      <p:pic>
+        <p:nvPicPr>
+          <p:cNvPr id="11" name="Picture 10"/>
+          <p:cNvPicPr>
+            <a:picLocks noChangeAspect="1"/>
+          </p:cNvPicPr>
+          <p:nvPr/>
+        </p:nvPicPr>
+        <p:blipFill>
+          <a:blip r:embed="rId3" cstate="print">
+            <a:extLst>
+              <a:ext uri="{28A0092B-C50C-407E-A947-70E740481C1C}">
+                <a14:useLocalDpi xmlns:a14="http://schemas.microsoft.com/office/drawing/2010/main" val="0"/>
+              </a:ext>
+            </a:extLst>
+          </a:blip>
+          <a:stretch>
+            <a:fillRect/>
+          </a:stretch>
+        </p:blipFill>
+        <p:spPr>
+          <a:xfrm>
+            <a:off x="9731010" y="1890363"/>
+            <a:ext cx="1440000" cy="1338082"/>
+          </a:xfrm>
+          <a:prstGeom prst="rect">
+            <a:avLst/>
+          </a:prstGeom>
+        </p:spPr>
+      </p:pic>
+      <p:pic>
+        <p:nvPicPr>
+          <p:cNvPr id="12" name="Picture 11"/>
+          <p:cNvPicPr>
+            <a:picLocks noChangeAspect="1"/>
+          </p:cNvPicPr>
+          <p:nvPr/>
+        </p:nvPicPr>
+        <p:blipFill>
+          <a:blip r:embed="rId4" cstate="print">
+            <a:extLst>
+              <a:ext uri="{28A0092B-C50C-407E-A947-70E740481C1C}">
+                <a14:useLocalDpi xmlns:a14="http://schemas.microsoft.com/office/drawing/2010/main" val="0"/>
+              </a:ext>
+            </a:extLst>
+          </a:blip>
+          <a:stretch>
+            <a:fillRect/>
+          </a:stretch>
+        </p:blipFill>
+        <p:spPr>
+          <a:xfrm>
+            <a:off x="9715680" y="4836445"/>
+            <a:ext cx="1440000" cy="1440000"/>
+          </a:xfrm>
+          <a:prstGeom prst="rect">
+            <a:avLst/>
+          </a:prstGeom>
+        </p:spPr>
+      </p:pic>
+      <p:sp>
+        <p:nvSpPr>
+          <p:cNvPr id="14" name="Rectangle 13"/>
+          <p:cNvSpPr/>
+          <p:nvPr/>
+        </p:nvSpPr>
+        <p:spPr>
+          <a:xfrm>
+            <a:off x="2866813" y="2162773"/>
+            <a:ext cx="5094664" cy="1200329"/>
+          </a:xfrm>
+          <a:prstGeom prst="rect">
+            <a:avLst/>
+          </a:prstGeom>
+        </p:spPr>
+        <p:txBody>
+          <a:bodyPr wrap="none">
+            <a:spAutoFit/>
+          </a:bodyPr>
+          <a:lstStyle/>
+          <a:p>
+            <a:r>
+              <a:rPr lang="it-IT" dirty="0">
+                <a:solidFill>
+                  <a:srgbClr val="A71D5D"/>
+                </a:solidFill>
+                <a:latin typeface="Consolas" panose="020B0609020204030204" pitchFamily="49" charset="0"/>
+              </a:rPr>
+              <a:t>Funzionalità</a:t>
+            </a:r>
+            <a:r>
+              <a:rPr lang="it-IT" dirty="0">
+                <a:solidFill>
+                  <a:srgbClr val="333333"/>
+                </a:solidFill>
+                <a:latin typeface="Consolas" panose="020B0609020204030204" pitchFamily="49" charset="0"/>
+              </a:rPr>
+              <a:t>:</a:t>
+            </a:r>
+            <a:r>
+              <a:rPr lang="it-IT" dirty="0">
+                <a:solidFill>
+                  <a:srgbClr val="DF5000"/>
+                </a:solidFill>
+                <a:latin typeface="Consolas" panose="020B0609020204030204" pitchFamily="49" charset="0"/>
+              </a:rPr>
+              <a:t> Hello </a:t>
+            </a:r>
+            <a:r>
+              <a:rPr lang="it-IT" dirty="0" smtClean="0">
+                <a:solidFill>
+                  <a:srgbClr val="DF5000"/>
+                </a:solidFill>
+                <a:latin typeface="Consolas" panose="020B0609020204030204" pitchFamily="49" charset="0"/>
+              </a:rPr>
+              <a:t>*Blog</a:t>
+            </a:r>
+            <a:r>
+              <a:rPr lang="it-IT" dirty="0" smtClean="0">
+                <a:solidFill>
+                  <a:srgbClr val="333333"/>
+                </a:solidFill>
+                <a:latin typeface="Consolas" panose="020B0609020204030204" pitchFamily="49" charset="0"/>
+              </a:rPr>
+              <a:t>!</a:t>
+            </a:r>
+          </a:p>
+          <a:p>
+            <a:r>
+              <a:rPr lang="it-IT" dirty="0"/>
+              <a:t>Per leggere i post e visitare il </a:t>
+            </a:r>
+            <a:r>
+              <a:rPr lang="it-IT" dirty="0" smtClean="0"/>
+              <a:t>blog</a:t>
+            </a:r>
+          </a:p>
+          <a:p>
+            <a:r>
+              <a:rPr lang="it-IT" dirty="0"/>
+              <a:t>Come </a:t>
+            </a:r>
+            <a:r>
+              <a:rPr lang="it-IT" dirty="0" smtClean="0"/>
+              <a:t>Lettore</a:t>
+            </a:r>
+          </a:p>
+          <a:p>
+            <a:r>
+              <a:rPr lang="it-IT" dirty="0"/>
+              <a:t>Vorrei che </a:t>
+            </a:r>
+            <a:r>
+              <a:rPr lang="it-IT" dirty="0" smtClean="0"/>
+              <a:t>*Blog </a:t>
+            </a:r>
+            <a:r>
+              <a:rPr lang="it-IT" dirty="0"/>
+              <a:t>permettesse la navigazione</a:t>
+            </a:r>
+            <a:endParaRPr lang="it-IT" dirty="0"/>
+          </a:p>
+        </p:txBody>
+      </p:sp>
+    </p:spTree>
+    <p:extLst>
+      <p:ext uri="{BB962C8B-B14F-4D97-AF65-F5344CB8AC3E}">
+        <p14:creationId xmlns:p14="http://schemas.microsoft.com/office/powerpoint/2010/main" val="1473705346"/>
+      </p:ext>
+    </p:extLst>
+  </p:cSld>
+  <p:clrMapOvr>
+    <a:masterClrMapping/>
+  </p:clrMapOvr>
+  <p:timing>
+    <p:tnLst>
+      <p:par>
+        <p:cTn id="1" dur="indefinite" restart="never" nodeType="tmRoot"/>
+      </p:par>
+    </p:tnLst>
+  </p:timing>
+</p:sld>
+</file>
+
+<file path=ppt/slides/slide17.xml><?xml version="1.0" encoding="utf-8"?>
+<p:sld xmlns:a="http://schemas.openxmlformats.org/drawingml/2006/main" xmlns:r="http://schemas.openxmlformats.org/officeDocument/2006/relationships" xmlns:p="http://schemas.openxmlformats.org/presentationml/2006/main">
+  <p:cSld>
+    <p:spTree>
+      <p:nvGrpSpPr>
+        <p:cNvPr id="1" name=""/>
+        <p:cNvGrpSpPr/>
+        <p:nvPr/>
+      </p:nvGrpSpPr>
+      <p:grpSpPr>
+        <a:xfrm>
+          <a:off x="0" y="0"/>
+          <a:ext cx="0" cy="0"/>
+          <a:chOff x="0" y="0"/>
+          <a:chExt cx="0" cy="0"/>
+        </a:xfrm>
+      </p:grpSpPr>
+      <p:sp>
+        <p:nvSpPr>
+          <p:cNvPr id="8" name="Title 7"/>
+          <p:cNvSpPr>
+            <a:spLocks noGrp="1"/>
+          </p:cNvSpPr>
+          <p:nvPr>
+            <p:ph type="title"/>
+          </p:nvPr>
+        </p:nvSpPr>
+        <p:spPr/>
+        <p:txBody>
+          <a:bodyPr/>
+          <a:lstStyle/>
+          <a:p>
+            <a:r>
+              <a:rPr lang="it-IT" dirty="0" smtClean="0"/>
+              <a:t>Funzionalità</a:t>
+            </a:r>
+            <a:endParaRPr lang="it-IT" dirty="0"/>
+          </a:p>
+        </p:txBody>
+      </p:sp>
+      <p:sp>
+        <p:nvSpPr>
+          <p:cNvPr id="3" name="Content Placeholder 2"/>
+          <p:cNvSpPr>
+            <a:spLocks noGrp="1"/>
+          </p:cNvSpPr>
+          <p:nvPr>
+            <p:ph idx="1"/>
+          </p:nvPr>
+        </p:nvSpPr>
+        <p:spPr/>
+        <p:txBody>
+          <a:bodyPr/>
+          <a:lstStyle/>
+          <a:p>
+            <a:endParaRPr lang="it-IT" dirty="0"/>
+          </a:p>
+          <a:p>
+            <a:pPr marL="0" indent="0">
+              <a:buNone/>
+            </a:pPr>
+            <a:endParaRPr lang="it-IT" dirty="0" smtClean="0"/>
+          </a:p>
+          <a:p>
+            <a:pPr marL="0" indent="0">
+              <a:buNone/>
+            </a:pPr>
+            <a:endParaRPr lang="en-US" dirty="0" smtClean="0"/>
+          </a:p>
+          <a:p>
+            <a:pPr marL="578358" lvl="1" indent="-285750"/>
+            <a:endParaRPr lang="en-US" dirty="0" smtClean="0"/>
+          </a:p>
+        </p:txBody>
+      </p:sp>
+      <p:sp>
+        <p:nvSpPr>
+          <p:cNvPr id="7" name="Title 1"/>
+          <p:cNvSpPr txBox="1">
+            <a:spLocks/>
+          </p:cNvSpPr>
+          <p:nvPr/>
+        </p:nvSpPr>
+        <p:spPr>
+          <a:xfrm>
+            <a:off x="1249680" y="439003"/>
+            <a:ext cx="10058400" cy="1450757"/>
+          </a:xfrm>
+          <a:prstGeom prst="rect">
+            <a:avLst/>
+          </a:prstGeom>
+        </p:spPr>
+        <p:txBody>
+          <a:bodyPr vert="horz" lIns="91440" tIns="45720" rIns="91440" bIns="45720" rtlCol="0" anchor="b">
+            <a:normAutofit/>
+          </a:bodyPr>
+          <a:lstStyle>
+            <a:lvl1pPr algn="l" defTabSz="914400" rtl="0" eaLnBrk="1" latinLnBrk="0" hangingPunct="1">
+              <a:lnSpc>
+                <a:spcPct val="85000"/>
+              </a:lnSpc>
+              <a:spcBef>
+                <a:spcPct val="0"/>
+              </a:spcBef>
+              <a:buNone/>
+              <a:defRPr sz="4800" kern="1200" spc="-50" baseline="0">
+                <a:solidFill>
+                  <a:schemeClr val="tx1">
+                    <a:lumMod val="75000"/>
+                    <a:lumOff val="25000"/>
+                  </a:schemeClr>
+                </a:solidFill>
+                <a:latin typeface="+mj-lt"/>
+                <a:ea typeface="+mj-ea"/>
+                <a:cs typeface="+mj-cs"/>
+              </a:defRPr>
+            </a:lvl1pPr>
+          </a:lstStyle>
+          <a:p>
+            <a:endParaRPr lang="it-IT" dirty="0">
+              <a:latin typeface="+mn-lt"/>
+            </a:endParaRPr>
+          </a:p>
+        </p:txBody>
+      </p:sp>
+      <p:graphicFrame>
+        <p:nvGraphicFramePr>
+          <p:cNvPr id="10" name="Table 9"/>
+          <p:cNvGraphicFramePr>
+            <a:graphicFrameLocks noGrp="1"/>
+          </p:cNvGraphicFramePr>
+          <p:nvPr/>
+        </p:nvGraphicFramePr>
+        <p:xfrm>
+          <a:off x="1223782" y="3644086"/>
+          <a:ext cx="7739245" cy="2602622"/>
+        </p:xfrm>
+        <a:graphic>
+          <a:graphicData uri="http://schemas.openxmlformats.org/drawingml/2006/table">
+            <a:tbl>
+              <a:tblPr firstRow="1" bandRow="1">
+                <a:tableStyleId>{6E25E649-3F16-4E02-A733-19D2CDBF48F0}</a:tableStyleId>
+              </a:tblPr>
+              <a:tblGrid>
+                <a:gridCol w="1547849"/>
+                <a:gridCol w="1547849"/>
+                <a:gridCol w="1433620"/>
+                <a:gridCol w="1662078"/>
+                <a:gridCol w="1547849"/>
+              </a:tblGrid>
+              <a:tr h="828107">
+                <a:tc>
+                  <a:txBody>
+                    <a:bodyPr/>
+                    <a:lstStyle/>
+                    <a:p>
+                      <a:pPr algn="ctr"/>
+                      <a:endParaRPr lang="it-IT" dirty="0"/>
+                    </a:p>
+                  </a:txBody>
+                  <a:tcPr/>
+                </a:tc>
+                <a:tc>
+                  <a:txBody>
+                    <a:bodyPr/>
+                    <a:lstStyle/>
+                    <a:p>
+                      <a:pPr algn="ctr"/>
+                      <a:endParaRPr lang="it-IT" dirty="0"/>
+                    </a:p>
+                  </a:txBody>
+                  <a:tcPr/>
+                </a:tc>
+                <a:tc>
+                  <a:txBody>
+                    <a:bodyPr/>
+                    <a:lstStyle/>
+                    <a:p>
+                      <a:pPr algn="ctr"/>
+                      <a:endParaRPr lang="it-IT" dirty="0"/>
+                    </a:p>
+                  </a:txBody>
+                  <a:tcPr/>
+                </a:tc>
+                <a:tc>
+                  <a:txBody>
+                    <a:bodyPr/>
+                    <a:lstStyle/>
+                    <a:p>
+                      <a:pPr algn="ctr"/>
+                      <a:endParaRPr lang="it-IT" dirty="0"/>
+                    </a:p>
+                  </a:txBody>
+                  <a:tcPr/>
+                </a:tc>
+                <a:tc>
+                  <a:txBody>
+                    <a:bodyPr/>
+                    <a:lstStyle/>
+                    <a:p>
+                      <a:pPr algn="ctr"/>
+                      <a:endParaRPr lang="it-IT" dirty="0"/>
+                    </a:p>
+                  </a:txBody>
+                  <a:tcPr/>
+                </a:tc>
+              </a:tr>
+              <a:tr h="473204">
+                <a:tc>
+                  <a:txBody>
+                    <a:bodyPr/>
+                    <a:lstStyle/>
+                    <a:p>
+                      <a:pPr algn="ctr"/>
+                      <a:r>
+                        <a:rPr lang="it-IT" dirty="0" err="1" smtClean="0"/>
+                        <a:t>Capybara</a:t>
+                      </a:r>
+                      <a:endParaRPr lang="it-IT" dirty="0"/>
+                    </a:p>
+                  </a:txBody>
+                  <a:tcPr/>
+                </a:tc>
+                <a:tc>
+                  <a:txBody>
+                    <a:bodyPr/>
+                    <a:lstStyle/>
+                    <a:p>
+                      <a:pPr algn="ctr"/>
+                      <a:endParaRPr lang="it-IT" dirty="0"/>
+                    </a:p>
+                  </a:txBody>
+                  <a:tcPr/>
+                </a:tc>
+                <a:tc>
+                  <a:txBody>
+                    <a:bodyPr/>
+                    <a:lstStyle/>
+                    <a:p>
+                      <a:pPr algn="ctr"/>
+                      <a:endParaRPr lang="it-IT" dirty="0"/>
+                    </a:p>
+                  </a:txBody>
+                  <a:tcPr/>
+                </a:tc>
+                <a:tc>
+                  <a:txBody>
+                    <a:bodyPr/>
+                    <a:lstStyle/>
+                    <a:p>
+                      <a:pPr algn="ctr"/>
+                      <a:endParaRPr lang="it-IT" dirty="0"/>
+                    </a:p>
+                  </a:txBody>
+                  <a:tcPr/>
+                </a:tc>
+                <a:tc>
+                  <a:txBody>
+                    <a:bodyPr/>
+                    <a:lstStyle/>
+                    <a:p>
+                      <a:pPr algn="ctr"/>
+                      <a:endParaRPr lang="it-IT" dirty="0"/>
+                    </a:p>
+                  </a:txBody>
+                  <a:tcPr/>
+                </a:tc>
+              </a:tr>
+              <a:tr h="828107">
+                <a:tc>
+                  <a:txBody>
+                    <a:bodyPr/>
+                    <a:lstStyle/>
+                    <a:p>
+                      <a:pPr algn="ctr"/>
+                      <a:r>
+                        <a:rPr lang="it-IT" dirty="0" err="1" smtClean="0"/>
+                        <a:t>Selenium</a:t>
+                      </a:r>
+                      <a:endParaRPr lang="it-IT" dirty="0"/>
+                    </a:p>
+                  </a:txBody>
+                  <a:tcPr/>
+                </a:tc>
+                <a:tc>
+                  <a:txBody>
+                    <a:bodyPr/>
+                    <a:lstStyle/>
+                    <a:p>
+                      <a:pPr algn="ctr"/>
+                      <a:endParaRPr lang="it-IT" dirty="0"/>
+                    </a:p>
+                  </a:txBody>
+                  <a:tcPr/>
+                </a:tc>
+                <a:tc>
+                  <a:txBody>
+                    <a:bodyPr/>
+                    <a:lstStyle/>
+                    <a:p>
+                      <a:pPr algn="ctr"/>
+                      <a:endParaRPr lang="it-IT" dirty="0"/>
+                    </a:p>
+                  </a:txBody>
+                  <a:tcPr/>
+                </a:tc>
+                <a:tc>
+                  <a:txBody>
+                    <a:bodyPr/>
+                    <a:lstStyle/>
+                    <a:p>
+                      <a:pPr algn="ctr"/>
+                      <a:endParaRPr lang="it-IT" dirty="0"/>
+                    </a:p>
+                  </a:txBody>
+                  <a:tcPr/>
+                </a:tc>
+                <a:tc>
+                  <a:txBody>
+                    <a:bodyPr/>
+                    <a:lstStyle/>
+                    <a:p>
+                      <a:pPr algn="ctr"/>
+                      <a:endParaRPr lang="it-IT" dirty="0"/>
+                    </a:p>
+                  </a:txBody>
+                  <a:tcPr/>
+                </a:tc>
+              </a:tr>
+              <a:tr h="473204">
+                <a:tc>
+                  <a:txBody>
+                    <a:bodyPr/>
+                    <a:lstStyle/>
+                    <a:p>
+                      <a:pPr algn="ctr"/>
+                      <a:r>
+                        <a:rPr lang="it-IT" dirty="0" err="1" smtClean="0"/>
+                        <a:t>Coypu</a:t>
+                      </a:r>
+                      <a:endParaRPr lang="it-IT" dirty="0"/>
+                    </a:p>
+                  </a:txBody>
+                  <a:tcPr/>
+                </a:tc>
+                <a:tc>
+                  <a:txBody>
+                    <a:bodyPr/>
+                    <a:lstStyle/>
+                    <a:p>
+                      <a:pPr algn="ctr"/>
+                      <a:endParaRPr lang="it-IT" dirty="0"/>
+                    </a:p>
+                  </a:txBody>
+                  <a:tcPr/>
+                </a:tc>
+                <a:tc>
+                  <a:txBody>
+                    <a:bodyPr/>
+                    <a:lstStyle/>
+                    <a:p>
+                      <a:pPr algn="ctr"/>
+                      <a:endParaRPr lang="it-IT" dirty="0"/>
+                    </a:p>
+                  </a:txBody>
+                  <a:tcPr/>
+                </a:tc>
+                <a:tc>
+                  <a:txBody>
+                    <a:bodyPr/>
+                    <a:lstStyle/>
+                    <a:p>
+                      <a:pPr algn="ctr"/>
+                      <a:endParaRPr lang="it-IT" dirty="0"/>
+                    </a:p>
+                  </a:txBody>
+                  <a:tcPr/>
+                </a:tc>
+                <a:tc>
+                  <a:txBody>
+                    <a:bodyPr/>
+                    <a:lstStyle/>
+                    <a:p>
+                      <a:pPr algn="ctr"/>
+                      <a:endParaRPr lang="it-IT" dirty="0"/>
+                    </a:p>
+                  </a:txBody>
+                  <a:tcPr/>
+                </a:tc>
+              </a:tr>
+            </a:tbl>
+          </a:graphicData>
+        </a:graphic>
+      </p:graphicFrame>
+      <p:sp>
+        <p:nvSpPr>
+          <p:cNvPr id="2" name="Rectangle 1"/>
+          <p:cNvSpPr/>
+          <p:nvPr/>
+        </p:nvSpPr>
+        <p:spPr>
+          <a:xfrm>
+            <a:off x="1249680" y="1845734"/>
+            <a:ext cx="4195379" cy="1477328"/>
+          </a:xfrm>
+          <a:prstGeom prst="rect">
+            <a:avLst/>
+          </a:prstGeom>
+        </p:spPr>
+        <p:txBody>
+          <a:bodyPr wrap="none">
+            <a:spAutoFit/>
+          </a:bodyPr>
+          <a:lstStyle/>
+          <a:p>
+            <a:r>
+              <a:rPr lang="it-IT" dirty="0">
+                <a:solidFill>
+                  <a:srgbClr val="A71D5D"/>
+                </a:solidFill>
+                <a:latin typeface="Consolas" panose="020B0609020204030204" pitchFamily="49" charset="0"/>
+              </a:rPr>
+              <a:t>Funzionalità</a:t>
+            </a:r>
+            <a:r>
+              <a:rPr lang="it-IT" dirty="0">
+                <a:solidFill>
+                  <a:srgbClr val="333333"/>
+                </a:solidFill>
+                <a:latin typeface="Consolas" panose="020B0609020204030204" pitchFamily="49" charset="0"/>
+              </a:rPr>
+              <a:t>:</a:t>
+            </a:r>
+            <a:r>
+              <a:rPr lang="it-IT" dirty="0">
+                <a:solidFill>
+                  <a:srgbClr val="DF5000"/>
+                </a:solidFill>
+                <a:latin typeface="Consolas" panose="020B0609020204030204" pitchFamily="49" charset="0"/>
+              </a:rPr>
+              <a:t> Gestione dei </a:t>
+            </a:r>
+            <a:r>
+              <a:rPr lang="it-IT" dirty="0" smtClean="0">
+                <a:solidFill>
+                  <a:srgbClr val="DF5000"/>
+                </a:solidFill>
+                <a:latin typeface="Consolas" panose="020B0609020204030204" pitchFamily="49" charset="0"/>
+              </a:rPr>
+              <a:t>post</a:t>
+            </a:r>
+          </a:p>
+          <a:p>
+            <a:r>
+              <a:rPr lang="it-IT" dirty="0"/>
+              <a:t>Come Autore</a:t>
+            </a:r>
+            <a:endParaRPr lang="it-IT" dirty="0" smtClean="0">
+              <a:solidFill>
+                <a:srgbClr val="DF5000"/>
+              </a:solidFill>
+              <a:latin typeface="Consolas" panose="020B0609020204030204" pitchFamily="49" charset="0"/>
+            </a:endParaRPr>
+          </a:p>
+          <a:p>
+            <a:r>
+              <a:rPr lang="it-IT" dirty="0"/>
+              <a:t>Vorrei poter inserire, modificare e </a:t>
+            </a:r>
+            <a:endParaRPr lang="it-IT" dirty="0" smtClean="0"/>
+          </a:p>
+          <a:p>
+            <a:r>
+              <a:rPr lang="it-IT" dirty="0"/>
+              <a:t>	</a:t>
+            </a:r>
+            <a:r>
+              <a:rPr lang="it-IT" dirty="0" smtClean="0"/>
+              <a:t>rimuovere </a:t>
+            </a:r>
+            <a:r>
+              <a:rPr lang="it-IT" dirty="0"/>
+              <a:t>dei post su </a:t>
+            </a:r>
+            <a:r>
+              <a:rPr lang="it-IT" dirty="0" smtClean="0"/>
+              <a:t>*Blog</a:t>
+            </a:r>
+          </a:p>
+          <a:p>
+            <a:r>
+              <a:rPr lang="it-IT" dirty="0"/>
+              <a:t>Per poter documentare la mia tesi</a:t>
+            </a:r>
+            <a:endParaRPr lang="it-IT" dirty="0"/>
+          </a:p>
+        </p:txBody>
+      </p:sp>
+      <p:sp>
+        <p:nvSpPr>
+          <p:cNvPr id="4" name="Rectangle 3"/>
+          <p:cNvSpPr/>
+          <p:nvPr/>
+        </p:nvSpPr>
+        <p:spPr>
+          <a:xfrm>
+            <a:off x="5445059" y="1845734"/>
+            <a:ext cx="3568832" cy="1754326"/>
+          </a:xfrm>
+          <a:prstGeom prst="rect">
+            <a:avLst/>
+          </a:prstGeom>
+        </p:spPr>
+        <p:txBody>
+          <a:bodyPr wrap="square">
+            <a:spAutoFit/>
+          </a:bodyPr>
+          <a:lstStyle/>
+          <a:p>
+            <a:r>
+              <a:rPr lang="it-IT" dirty="0">
+                <a:solidFill>
+                  <a:srgbClr val="A71D5D"/>
+                </a:solidFill>
+                <a:latin typeface="Consolas" panose="020B0609020204030204" pitchFamily="49" charset="0"/>
+              </a:rPr>
+              <a:t>Funzionalità</a:t>
+            </a:r>
+            <a:r>
+              <a:rPr lang="it-IT" dirty="0">
+                <a:solidFill>
+                  <a:srgbClr val="333333"/>
+                </a:solidFill>
+                <a:latin typeface="Consolas" panose="020B0609020204030204" pitchFamily="49" charset="0"/>
+              </a:rPr>
+              <a:t>:</a:t>
+            </a:r>
+            <a:r>
+              <a:rPr lang="it-IT" dirty="0">
+                <a:solidFill>
+                  <a:srgbClr val="DF5000"/>
+                </a:solidFill>
+                <a:latin typeface="Consolas" panose="020B0609020204030204" pitchFamily="49" charset="0"/>
+              </a:rPr>
+              <a:t> Navigazione dei </a:t>
+            </a:r>
+            <a:r>
+              <a:rPr lang="it-IT" dirty="0" smtClean="0">
+                <a:solidFill>
+                  <a:srgbClr val="DF5000"/>
+                </a:solidFill>
+                <a:latin typeface="Consolas" panose="020B0609020204030204" pitchFamily="49" charset="0"/>
+              </a:rPr>
+              <a:t>post</a:t>
+            </a:r>
+          </a:p>
+          <a:p>
+            <a:r>
+              <a:rPr lang="it-IT" dirty="0"/>
+              <a:t>Come </a:t>
+            </a:r>
+            <a:r>
+              <a:rPr lang="it-IT" dirty="0" smtClean="0"/>
+              <a:t>Lettore</a:t>
+            </a:r>
+          </a:p>
+          <a:p>
+            <a:r>
+              <a:rPr lang="it-IT" dirty="0"/>
+              <a:t>Vorrei che nel blog fossero </a:t>
+            </a:r>
+            <a:r>
+              <a:rPr lang="it-IT" dirty="0" smtClean="0"/>
+              <a:t>	presenti </a:t>
+            </a:r>
+            <a:r>
+              <a:rPr lang="it-IT" dirty="0"/>
+              <a:t>dei </a:t>
+            </a:r>
+            <a:r>
+              <a:rPr lang="it-IT" dirty="0" smtClean="0"/>
+              <a:t>post</a:t>
+            </a:r>
+          </a:p>
+          <a:p>
+            <a:r>
+              <a:rPr lang="it-IT" dirty="0"/>
+              <a:t>Per potermi informare</a:t>
+            </a:r>
+            <a:endParaRPr lang="it-IT" dirty="0"/>
+          </a:p>
+        </p:txBody>
+      </p:sp>
+      <p:pic>
+        <p:nvPicPr>
+          <p:cNvPr id="6" name="Picture 5"/>
+          <p:cNvPicPr>
+            <a:picLocks noChangeAspect="1"/>
+          </p:cNvPicPr>
+          <p:nvPr/>
+        </p:nvPicPr>
+        <p:blipFill>
+          <a:blip r:embed="rId2" cstate="print">
+            <a:extLst>
+              <a:ext uri="{28A0092B-C50C-407E-A947-70E740481C1C}">
+                <a14:useLocalDpi xmlns:a14="http://schemas.microsoft.com/office/drawing/2010/main" val="0"/>
+              </a:ext>
+            </a:extLst>
+          </a:blip>
+          <a:stretch>
+            <a:fillRect/>
+          </a:stretch>
+        </p:blipFill>
+        <p:spPr>
+          <a:xfrm>
+            <a:off x="9431880" y="2042160"/>
+            <a:ext cx="1800000" cy="1800000"/>
+          </a:xfrm>
+          <a:prstGeom prst="rect">
+            <a:avLst/>
+          </a:prstGeom>
+        </p:spPr>
+      </p:pic>
+    </p:spTree>
+    <p:extLst>
+      <p:ext uri="{BB962C8B-B14F-4D97-AF65-F5344CB8AC3E}">
+        <p14:creationId xmlns:p14="http://schemas.microsoft.com/office/powerpoint/2010/main" val="2142658298"/>
+      </p:ext>
+    </p:extLst>
+  </p:cSld>
+  <p:clrMapOvr>
+    <a:masterClrMapping/>
+  </p:clrMapOvr>
+  <p:timing>
+    <p:tnLst>
+      <p:par>
+        <p:cTn id="1" dur="indefinite" restart="never" nodeType="tmRoot"/>
+      </p:par>
+    </p:tnLst>
+  </p:timing>
+</p:sld>
+</file>
+
+<file path=ppt/slides/slide18.xml><?xml version="1.0" encoding="utf-8"?>
+<p:sld xmlns:a="http://schemas.openxmlformats.org/drawingml/2006/main" xmlns:r="http://schemas.openxmlformats.org/officeDocument/2006/relationships" xmlns:p="http://schemas.openxmlformats.org/presentationml/2006/main">
+  <p:cSld>
+    <p:spTree>
+      <p:nvGrpSpPr>
+        <p:cNvPr id="1" name=""/>
+        <p:cNvGrpSpPr/>
+        <p:nvPr/>
+      </p:nvGrpSpPr>
+      <p:grpSpPr>
+        <a:xfrm>
+          <a:off x="0" y="0"/>
+          <a:ext cx="0" cy="0"/>
+          <a:chOff x="0" y="0"/>
+          <a:chExt cx="0" cy="0"/>
+        </a:xfrm>
+      </p:grpSpPr>
+      <p:sp>
+        <p:nvSpPr>
+          <p:cNvPr id="8" name="Title 7"/>
+          <p:cNvSpPr>
+            <a:spLocks noGrp="1"/>
+          </p:cNvSpPr>
+          <p:nvPr>
+            <p:ph type="title"/>
+          </p:nvPr>
+        </p:nvSpPr>
+        <p:spPr/>
+        <p:txBody>
+          <a:bodyPr/>
+          <a:lstStyle/>
+          <a:p>
+            <a:r>
+              <a:rPr lang="it-IT" b="1" dirty="0"/>
+              <a:t>Gestione del CSS</a:t>
+            </a:r>
+            <a:endParaRPr lang="it-IT" dirty="0"/>
+          </a:p>
+        </p:txBody>
+      </p:sp>
+      <p:sp>
+        <p:nvSpPr>
+          <p:cNvPr id="3" name="Content Placeholder 2"/>
+          <p:cNvSpPr>
+            <a:spLocks noGrp="1"/>
+          </p:cNvSpPr>
+          <p:nvPr>
+            <p:ph idx="1"/>
+          </p:nvPr>
+        </p:nvSpPr>
+        <p:spPr/>
+        <p:txBody>
+          <a:bodyPr/>
+          <a:lstStyle/>
+          <a:p>
+            <a:endParaRPr lang="it-IT" dirty="0"/>
+          </a:p>
+          <a:p>
+            <a:pPr marL="0" indent="0">
+              <a:buNone/>
+            </a:pPr>
+            <a:endParaRPr lang="it-IT" dirty="0" smtClean="0"/>
+          </a:p>
+          <a:p>
+            <a:pPr marL="0" indent="0">
+              <a:buNone/>
+            </a:pPr>
+            <a:endParaRPr lang="en-US" dirty="0" smtClean="0"/>
+          </a:p>
+          <a:p>
+            <a:pPr marL="578358" lvl="1" indent="-285750"/>
+            <a:endParaRPr lang="en-US" dirty="0" smtClean="0"/>
+          </a:p>
+        </p:txBody>
+      </p:sp>
+      <p:sp>
+        <p:nvSpPr>
+          <p:cNvPr id="7" name="Title 1"/>
+          <p:cNvSpPr txBox="1">
+            <a:spLocks/>
+          </p:cNvSpPr>
+          <p:nvPr/>
+        </p:nvSpPr>
+        <p:spPr>
+          <a:xfrm>
+            <a:off x="1249680" y="439003"/>
+            <a:ext cx="10058400" cy="1450757"/>
+          </a:xfrm>
+          <a:prstGeom prst="rect">
+            <a:avLst/>
+          </a:prstGeom>
+        </p:spPr>
+        <p:txBody>
+          <a:bodyPr vert="horz" lIns="91440" tIns="45720" rIns="91440" bIns="45720" rtlCol="0" anchor="b">
+            <a:normAutofit/>
+          </a:bodyPr>
+          <a:lstStyle>
+            <a:lvl1pPr algn="l" defTabSz="914400" rtl="0" eaLnBrk="1" latinLnBrk="0" hangingPunct="1">
+              <a:lnSpc>
+                <a:spcPct val="85000"/>
+              </a:lnSpc>
+              <a:spcBef>
+                <a:spcPct val="0"/>
+              </a:spcBef>
+              <a:buNone/>
+              <a:defRPr sz="4800" kern="1200" spc="-50" baseline="0">
+                <a:solidFill>
+                  <a:schemeClr val="tx1">
+                    <a:lumMod val="75000"/>
+                    <a:lumOff val="25000"/>
+                  </a:schemeClr>
+                </a:solidFill>
+                <a:latin typeface="+mj-lt"/>
+                <a:ea typeface="+mj-ea"/>
+                <a:cs typeface="+mj-cs"/>
+              </a:defRPr>
+            </a:lvl1pPr>
+          </a:lstStyle>
+          <a:p>
+            <a:endParaRPr lang="it-IT" dirty="0">
+              <a:latin typeface="+mn-lt"/>
+            </a:endParaRPr>
+          </a:p>
+        </p:txBody>
+      </p:sp>
+      <p:graphicFrame>
+        <p:nvGraphicFramePr>
+          <p:cNvPr id="10" name="Table 9"/>
+          <p:cNvGraphicFramePr>
+            <a:graphicFrameLocks noGrp="1"/>
+          </p:cNvGraphicFramePr>
+          <p:nvPr/>
+        </p:nvGraphicFramePr>
+        <p:xfrm>
+          <a:off x="1223782" y="3644086"/>
+          <a:ext cx="7739245" cy="2602622"/>
+        </p:xfrm>
+        <a:graphic>
+          <a:graphicData uri="http://schemas.openxmlformats.org/drawingml/2006/table">
+            <a:tbl>
+              <a:tblPr firstRow="1" bandRow="1">
+                <a:tableStyleId>{6E25E649-3F16-4E02-A733-19D2CDBF48F0}</a:tableStyleId>
+              </a:tblPr>
+              <a:tblGrid>
+                <a:gridCol w="1547849"/>
+                <a:gridCol w="1547849"/>
+                <a:gridCol w="1433620"/>
+                <a:gridCol w="1662078"/>
+                <a:gridCol w="1547849"/>
+              </a:tblGrid>
+              <a:tr h="828107">
+                <a:tc>
+                  <a:txBody>
+                    <a:bodyPr/>
+                    <a:lstStyle/>
+                    <a:p>
+                      <a:pPr algn="ctr"/>
+                      <a:endParaRPr lang="it-IT" dirty="0"/>
+                    </a:p>
+                  </a:txBody>
+                  <a:tcPr/>
+                </a:tc>
+                <a:tc>
+                  <a:txBody>
+                    <a:bodyPr/>
+                    <a:lstStyle/>
+                    <a:p>
+                      <a:pPr algn="ctr"/>
+                      <a:endParaRPr lang="it-IT" dirty="0"/>
+                    </a:p>
+                  </a:txBody>
+                  <a:tcPr/>
+                </a:tc>
+                <a:tc>
+                  <a:txBody>
+                    <a:bodyPr/>
+                    <a:lstStyle/>
+                    <a:p>
+                      <a:pPr algn="ctr"/>
+                      <a:endParaRPr lang="it-IT" dirty="0"/>
+                    </a:p>
+                  </a:txBody>
+                  <a:tcPr/>
+                </a:tc>
+                <a:tc>
+                  <a:txBody>
+                    <a:bodyPr/>
+                    <a:lstStyle/>
+                    <a:p>
+                      <a:pPr algn="ctr"/>
+                      <a:endParaRPr lang="it-IT" dirty="0"/>
+                    </a:p>
+                  </a:txBody>
+                  <a:tcPr/>
+                </a:tc>
+                <a:tc>
+                  <a:txBody>
+                    <a:bodyPr/>
+                    <a:lstStyle/>
+                    <a:p>
+                      <a:pPr algn="ctr"/>
+                      <a:endParaRPr lang="it-IT" dirty="0"/>
+                    </a:p>
+                  </a:txBody>
+                  <a:tcPr/>
+                </a:tc>
+              </a:tr>
+              <a:tr h="473204">
+                <a:tc>
+                  <a:txBody>
+                    <a:bodyPr/>
+                    <a:lstStyle/>
+                    <a:p>
+                      <a:pPr algn="ctr"/>
+                      <a:r>
+                        <a:rPr lang="it-IT" dirty="0" err="1" smtClean="0"/>
+                        <a:t>Capybara</a:t>
+                      </a:r>
+                      <a:endParaRPr lang="it-IT" dirty="0"/>
+                    </a:p>
+                  </a:txBody>
+                  <a:tcPr/>
+                </a:tc>
+                <a:tc>
+                  <a:txBody>
+                    <a:bodyPr/>
+                    <a:lstStyle/>
+                    <a:p>
+                      <a:pPr algn="ctr"/>
+                      <a:endParaRPr lang="it-IT" dirty="0"/>
+                    </a:p>
+                  </a:txBody>
+                  <a:tcPr/>
+                </a:tc>
+                <a:tc>
+                  <a:txBody>
+                    <a:bodyPr/>
+                    <a:lstStyle/>
+                    <a:p>
+                      <a:pPr algn="ctr"/>
+                      <a:endParaRPr lang="it-IT" dirty="0"/>
+                    </a:p>
+                  </a:txBody>
+                  <a:tcPr/>
+                </a:tc>
+                <a:tc>
+                  <a:txBody>
+                    <a:bodyPr/>
+                    <a:lstStyle/>
+                    <a:p>
+                      <a:pPr algn="ctr"/>
+                      <a:endParaRPr lang="it-IT" dirty="0"/>
+                    </a:p>
+                  </a:txBody>
+                  <a:tcPr/>
+                </a:tc>
+                <a:tc>
+                  <a:txBody>
+                    <a:bodyPr/>
+                    <a:lstStyle/>
+                    <a:p>
+                      <a:pPr algn="ctr"/>
+                      <a:endParaRPr lang="it-IT" dirty="0"/>
+                    </a:p>
+                  </a:txBody>
+                  <a:tcPr/>
+                </a:tc>
+              </a:tr>
+              <a:tr h="828107">
+                <a:tc>
+                  <a:txBody>
+                    <a:bodyPr/>
+                    <a:lstStyle/>
+                    <a:p>
+                      <a:pPr algn="ctr"/>
+                      <a:r>
+                        <a:rPr lang="it-IT" dirty="0" err="1" smtClean="0"/>
+                        <a:t>Selenium</a:t>
+                      </a:r>
+                      <a:endParaRPr lang="it-IT" dirty="0"/>
+                    </a:p>
+                  </a:txBody>
+                  <a:tcPr/>
+                </a:tc>
+                <a:tc>
+                  <a:txBody>
+                    <a:bodyPr/>
+                    <a:lstStyle/>
+                    <a:p>
+                      <a:pPr algn="ctr"/>
+                      <a:endParaRPr lang="it-IT" dirty="0"/>
+                    </a:p>
+                  </a:txBody>
+                  <a:tcPr/>
+                </a:tc>
+                <a:tc>
+                  <a:txBody>
+                    <a:bodyPr/>
+                    <a:lstStyle/>
+                    <a:p>
+                      <a:pPr algn="ctr"/>
+                      <a:endParaRPr lang="it-IT" dirty="0"/>
+                    </a:p>
+                  </a:txBody>
+                  <a:tcPr/>
+                </a:tc>
+                <a:tc>
+                  <a:txBody>
+                    <a:bodyPr/>
+                    <a:lstStyle/>
+                    <a:p>
+                      <a:pPr algn="ctr"/>
+                      <a:endParaRPr lang="it-IT" dirty="0"/>
+                    </a:p>
+                  </a:txBody>
+                  <a:tcPr/>
+                </a:tc>
+                <a:tc>
+                  <a:txBody>
+                    <a:bodyPr/>
+                    <a:lstStyle/>
+                    <a:p>
+                      <a:pPr algn="ctr"/>
+                      <a:endParaRPr lang="it-IT" dirty="0"/>
+                    </a:p>
+                  </a:txBody>
+                  <a:tcPr/>
+                </a:tc>
+              </a:tr>
+              <a:tr h="473204">
+                <a:tc>
+                  <a:txBody>
+                    <a:bodyPr/>
+                    <a:lstStyle/>
+                    <a:p>
+                      <a:pPr algn="ctr"/>
+                      <a:r>
+                        <a:rPr lang="it-IT" dirty="0" err="1" smtClean="0"/>
+                        <a:t>Coypu</a:t>
+                      </a:r>
+                      <a:endParaRPr lang="it-IT" dirty="0"/>
+                    </a:p>
+                  </a:txBody>
+                  <a:tcPr/>
+                </a:tc>
+                <a:tc>
+                  <a:txBody>
+                    <a:bodyPr/>
+                    <a:lstStyle/>
+                    <a:p>
+                      <a:pPr algn="ctr"/>
+                      <a:endParaRPr lang="it-IT" dirty="0"/>
+                    </a:p>
+                  </a:txBody>
+                  <a:tcPr/>
+                </a:tc>
+                <a:tc>
+                  <a:txBody>
+                    <a:bodyPr/>
+                    <a:lstStyle/>
+                    <a:p>
+                      <a:pPr algn="ctr"/>
+                      <a:endParaRPr lang="it-IT" dirty="0"/>
+                    </a:p>
+                  </a:txBody>
+                  <a:tcPr/>
+                </a:tc>
+                <a:tc>
+                  <a:txBody>
+                    <a:bodyPr/>
+                    <a:lstStyle/>
+                    <a:p>
+                      <a:pPr algn="ctr"/>
+                      <a:endParaRPr lang="it-IT" dirty="0"/>
+                    </a:p>
+                  </a:txBody>
+                  <a:tcPr/>
+                </a:tc>
+                <a:tc>
+                  <a:txBody>
+                    <a:bodyPr/>
+                    <a:lstStyle/>
+                    <a:p>
+                      <a:pPr algn="ctr"/>
+                      <a:endParaRPr lang="it-IT" dirty="0"/>
+                    </a:p>
+                  </a:txBody>
+                  <a:tcPr/>
+                </a:tc>
+              </a:tr>
+            </a:tbl>
+          </a:graphicData>
+        </a:graphic>
+      </p:graphicFrame>
+      <p:sp>
+        <p:nvSpPr>
+          <p:cNvPr id="2" name="Rectangle 1"/>
+          <p:cNvSpPr/>
+          <p:nvPr/>
+        </p:nvSpPr>
+        <p:spPr>
+          <a:xfrm>
+            <a:off x="1249680" y="1845734"/>
+            <a:ext cx="5686172" cy="1200329"/>
+          </a:xfrm>
+          <a:prstGeom prst="rect">
+            <a:avLst/>
+          </a:prstGeom>
+        </p:spPr>
+        <p:txBody>
+          <a:bodyPr wrap="none">
+            <a:spAutoFit/>
+          </a:bodyPr>
+          <a:lstStyle/>
+          <a:p>
+            <a:r>
+              <a:rPr lang="it-IT" dirty="0">
+                <a:solidFill>
+                  <a:srgbClr val="A71D5D"/>
+                </a:solidFill>
+                <a:latin typeface="Consolas" panose="020B0609020204030204" pitchFamily="49" charset="0"/>
+              </a:rPr>
+              <a:t>Funzionalità</a:t>
+            </a:r>
+            <a:r>
+              <a:rPr lang="it-IT" dirty="0">
+                <a:solidFill>
+                  <a:srgbClr val="333333"/>
+                </a:solidFill>
+                <a:latin typeface="Consolas" panose="020B0609020204030204" pitchFamily="49" charset="0"/>
+              </a:rPr>
+              <a:t>:</a:t>
+            </a:r>
+            <a:r>
+              <a:rPr lang="it-IT" dirty="0">
+                <a:solidFill>
+                  <a:srgbClr val="DF5000"/>
+                </a:solidFill>
+                <a:latin typeface="Consolas" panose="020B0609020204030204" pitchFamily="49" charset="0"/>
+              </a:rPr>
+              <a:t> Introducendo il (</a:t>
+            </a:r>
+            <a:r>
+              <a:rPr lang="it-IT" dirty="0" smtClean="0">
+                <a:solidFill>
+                  <a:srgbClr val="DF5000"/>
+                </a:solidFill>
+                <a:latin typeface="Consolas" panose="020B0609020204030204" pitchFamily="49" charset="0"/>
+              </a:rPr>
+              <a:t>S)CSS</a:t>
+            </a:r>
+          </a:p>
+          <a:p>
+            <a:r>
+              <a:rPr lang="it-IT" dirty="0"/>
+              <a:t>Per rendere l'esperienza di navigazione </a:t>
+            </a:r>
+            <a:r>
+              <a:rPr lang="it-IT" dirty="0" smtClean="0"/>
+              <a:t>gradevole</a:t>
+            </a:r>
+          </a:p>
+          <a:p>
+            <a:r>
+              <a:rPr lang="it-IT" dirty="0"/>
+              <a:t>Come </a:t>
+            </a:r>
+            <a:r>
+              <a:rPr lang="it-IT" dirty="0" smtClean="0"/>
+              <a:t>Lettore</a:t>
+            </a:r>
+          </a:p>
+          <a:p>
+            <a:r>
+              <a:rPr lang="it-IT" dirty="0"/>
+              <a:t>Vorrei che il sito esponesse una grafica omogenea</a:t>
+            </a:r>
+            <a:endParaRPr lang="it-IT" dirty="0"/>
+          </a:p>
+        </p:txBody>
+      </p:sp>
+      <p:pic>
+        <p:nvPicPr>
+          <p:cNvPr id="4" name="Picture 3"/>
+          <p:cNvPicPr>
+            <a:picLocks noChangeAspect="1"/>
+          </p:cNvPicPr>
+          <p:nvPr/>
+        </p:nvPicPr>
+        <p:blipFill>
+          <a:blip r:embed="rId2" cstate="print">
+            <a:extLst>
+              <a:ext uri="{28A0092B-C50C-407E-A947-70E740481C1C}">
+                <a14:useLocalDpi xmlns:a14="http://schemas.microsoft.com/office/drawing/2010/main" val="0"/>
+              </a:ext>
+            </a:extLst>
+          </a:blip>
+          <a:stretch>
+            <a:fillRect/>
+          </a:stretch>
+        </p:blipFill>
+        <p:spPr>
+          <a:xfrm>
+            <a:off x="9692730" y="3554647"/>
+            <a:ext cx="1440000" cy="1080000"/>
+          </a:xfrm>
+          <a:prstGeom prst="rect">
+            <a:avLst/>
+          </a:prstGeom>
+        </p:spPr>
+      </p:pic>
+      <p:pic>
+        <p:nvPicPr>
+          <p:cNvPr id="6" name="Picture 5"/>
+          <p:cNvPicPr>
+            <a:picLocks noChangeAspect="1"/>
+          </p:cNvPicPr>
+          <p:nvPr/>
+        </p:nvPicPr>
+        <p:blipFill>
+          <a:blip r:embed="rId3">
+            <a:extLst>
+              <a:ext uri="{28A0092B-C50C-407E-A947-70E740481C1C}">
+                <a14:useLocalDpi xmlns:a14="http://schemas.microsoft.com/office/drawing/2010/main" val="0"/>
+              </a:ext>
+            </a:extLst>
+          </a:blip>
+          <a:stretch>
+            <a:fillRect/>
+          </a:stretch>
+        </p:blipFill>
+        <p:spPr>
+          <a:xfrm>
+            <a:off x="9715680" y="1960200"/>
+            <a:ext cx="1440000" cy="1440000"/>
+          </a:xfrm>
+          <a:prstGeom prst="rect">
+            <a:avLst/>
+          </a:prstGeom>
+        </p:spPr>
+      </p:pic>
+    </p:spTree>
+    <p:extLst>
+      <p:ext uri="{BB962C8B-B14F-4D97-AF65-F5344CB8AC3E}">
+        <p14:creationId xmlns:p14="http://schemas.microsoft.com/office/powerpoint/2010/main" val="4259749266"/>
+      </p:ext>
+    </p:extLst>
+  </p:cSld>
+  <p:clrMapOvr>
+    <a:masterClrMapping/>
+  </p:clrMapOvr>
+  <p:timing>
+    <p:tnLst>
+      <p:par>
+        <p:cTn id="1" dur="indefinite" restart="never" nodeType="tmRoot"/>
+      </p:par>
+    </p:tnLst>
+  </p:timing>
+</p:sld>
+</file>
+
+<file path=ppt/slides/slide19.xml><?xml version="1.0" encoding="utf-8"?>
+<p:sld xmlns:a="http://schemas.openxmlformats.org/drawingml/2006/main" xmlns:r="http://schemas.openxmlformats.org/officeDocument/2006/relationships" xmlns:p="http://schemas.openxmlformats.org/presentationml/2006/main">
+  <p:cSld>
+    <p:spTree>
+      <p:nvGrpSpPr>
+        <p:cNvPr id="1" name=""/>
+        <p:cNvGrpSpPr/>
+        <p:nvPr/>
+      </p:nvGrpSpPr>
+      <p:grpSpPr>
+        <a:xfrm>
+          <a:off x="0" y="0"/>
+          <a:ext cx="0" cy="0"/>
+          <a:chOff x="0" y="0"/>
+          <a:chExt cx="0" cy="0"/>
+        </a:xfrm>
+      </p:grpSpPr>
+      <p:sp>
+        <p:nvSpPr>
+          <p:cNvPr id="8" name="Title 7"/>
+          <p:cNvSpPr>
+            <a:spLocks noGrp="1"/>
+          </p:cNvSpPr>
+          <p:nvPr>
+            <p:ph type="title"/>
+          </p:nvPr>
+        </p:nvSpPr>
+        <p:spPr/>
+        <p:txBody>
+          <a:bodyPr/>
+          <a:lstStyle/>
+          <a:p>
+            <a:r>
+              <a:rPr lang="it-IT" b="1" dirty="0"/>
+              <a:t>Asincronia</a:t>
+            </a:r>
+            <a:endParaRPr lang="it-IT" dirty="0"/>
+          </a:p>
+        </p:txBody>
+      </p:sp>
+      <p:sp>
+        <p:nvSpPr>
+          <p:cNvPr id="3" name="Content Placeholder 2"/>
+          <p:cNvSpPr>
+            <a:spLocks noGrp="1"/>
+          </p:cNvSpPr>
+          <p:nvPr>
+            <p:ph idx="1"/>
+          </p:nvPr>
+        </p:nvSpPr>
+        <p:spPr/>
+        <p:txBody>
+          <a:bodyPr/>
+          <a:lstStyle/>
+          <a:p>
+            <a:endParaRPr lang="it-IT" dirty="0"/>
+          </a:p>
+          <a:p>
+            <a:pPr marL="0" indent="0">
+              <a:buNone/>
+            </a:pPr>
+            <a:endParaRPr lang="it-IT" dirty="0" smtClean="0"/>
+          </a:p>
+          <a:p>
+            <a:pPr marL="0" indent="0">
+              <a:buNone/>
+            </a:pPr>
+            <a:endParaRPr lang="en-US" dirty="0" smtClean="0"/>
+          </a:p>
+          <a:p>
+            <a:pPr marL="578358" lvl="1" indent="-285750"/>
+            <a:endParaRPr lang="en-US" dirty="0" smtClean="0"/>
+          </a:p>
+        </p:txBody>
+      </p:sp>
+      <p:sp>
+        <p:nvSpPr>
+          <p:cNvPr id="7" name="Title 1"/>
+          <p:cNvSpPr txBox="1">
+            <a:spLocks/>
+          </p:cNvSpPr>
+          <p:nvPr/>
+        </p:nvSpPr>
+        <p:spPr>
+          <a:xfrm>
+            <a:off x="1249680" y="439003"/>
+            <a:ext cx="10058400" cy="1450757"/>
+          </a:xfrm>
+          <a:prstGeom prst="rect">
+            <a:avLst/>
+          </a:prstGeom>
+        </p:spPr>
+        <p:txBody>
+          <a:bodyPr vert="horz" lIns="91440" tIns="45720" rIns="91440" bIns="45720" rtlCol="0" anchor="b">
+            <a:normAutofit/>
+          </a:bodyPr>
+          <a:lstStyle>
+            <a:lvl1pPr algn="l" defTabSz="914400" rtl="0" eaLnBrk="1" latinLnBrk="0" hangingPunct="1">
+              <a:lnSpc>
+                <a:spcPct val="85000"/>
+              </a:lnSpc>
+              <a:spcBef>
+                <a:spcPct val="0"/>
+              </a:spcBef>
+              <a:buNone/>
+              <a:defRPr sz="4800" kern="1200" spc="-50" baseline="0">
+                <a:solidFill>
+                  <a:schemeClr val="tx1">
+                    <a:lumMod val="75000"/>
+                    <a:lumOff val="25000"/>
+                  </a:schemeClr>
+                </a:solidFill>
+                <a:latin typeface="+mj-lt"/>
+                <a:ea typeface="+mj-ea"/>
+                <a:cs typeface="+mj-cs"/>
+              </a:defRPr>
+            </a:lvl1pPr>
+          </a:lstStyle>
+          <a:p>
+            <a:endParaRPr lang="it-IT" dirty="0">
+              <a:latin typeface="+mn-lt"/>
+            </a:endParaRPr>
+          </a:p>
+        </p:txBody>
+      </p:sp>
+      <p:graphicFrame>
+        <p:nvGraphicFramePr>
+          <p:cNvPr id="10" name="Table 9"/>
+          <p:cNvGraphicFramePr>
+            <a:graphicFrameLocks noGrp="1"/>
+          </p:cNvGraphicFramePr>
+          <p:nvPr/>
+        </p:nvGraphicFramePr>
+        <p:xfrm>
+          <a:off x="1223782" y="3644086"/>
+          <a:ext cx="7739245" cy="2602622"/>
+        </p:xfrm>
+        <a:graphic>
+          <a:graphicData uri="http://schemas.openxmlformats.org/drawingml/2006/table">
+            <a:tbl>
+              <a:tblPr firstRow="1" bandRow="1">
+                <a:tableStyleId>{6E25E649-3F16-4E02-A733-19D2CDBF48F0}</a:tableStyleId>
+              </a:tblPr>
+              <a:tblGrid>
+                <a:gridCol w="1547849"/>
+                <a:gridCol w="1547849"/>
+                <a:gridCol w="1433620"/>
+                <a:gridCol w="1662078"/>
+                <a:gridCol w="1547849"/>
+              </a:tblGrid>
+              <a:tr h="828107">
+                <a:tc>
+                  <a:txBody>
+                    <a:bodyPr/>
+                    <a:lstStyle/>
+                    <a:p>
+                      <a:pPr algn="ctr"/>
+                      <a:endParaRPr lang="it-IT" dirty="0"/>
+                    </a:p>
+                  </a:txBody>
+                  <a:tcPr/>
+                </a:tc>
+                <a:tc>
+                  <a:txBody>
+                    <a:bodyPr/>
+                    <a:lstStyle/>
+                    <a:p>
+                      <a:pPr algn="ctr"/>
+                      <a:endParaRPr lang="it-IT" dirty="0"/>
+                    </a:p>
+                  </a:txBody>
+                  <a:tcPr/>
+                </a:tc>
+                <a:tc>
+                  <a:txBody>
+                    <a:bodyPr/>
+                    <a:lstStyle/>
+                    <a:p>
+                      <a:pPr algn="ctr"/>
+                      <a:endParaRPr lang="it-IT" dirty="0"/>
+                    </a:p>
+                  </a:txBody>
+                  <a:tcPr/>
+                </a:tc>
+                <a:tc>
+                  <a:txBody>
+                    <a:bodyPr/>
+                    <a:lstStyle/>
+                    <a:p>
+                      <a:pPr algn="ctr"/>
+                      <a:endParaRPr lang="it-IT" dirty="0"/>
+                    </a:p>
+                  </a:txBody>
+                  <a:tcPr/>
+                </a:tc>
+                <a:tc>
+                  <a:txBody>
+                    <a:bodyPr/>
+                    <a:lstStyle/>
+                    <a:p>
+                      <a:pPr algn="ctr"/>
+                      <a:endParaRPr lang="it-IT" dirty="0"/>
+                    </a:p>
+                  </a:txBody>
+                  <a:tcPr/>
+                </a:tc>
+              </a:tr>
+              <a:tr h="473204">
+                <a:tc>
+                  <a:txBody>
+                    <a:bodyPr/>
+                    <a:lstStyle/>
+                    <a:p>
+                      <a:pPr algn="ctr"/>
+                      <a:r>
+                        <a:rPr lang="it-IT" dirty="0" err="1" smtClean="0"/>
+                        <a:t>Capybara</a:t>
+                      </a:r>
+                      <a:endParaRPr lang="it-IT" dirty="0"/>
+                    </a:p>
+                  </a:txBody>
+                  <a:tcPr/>
+                </a:tc>
+                <a:tc>
+                  <a:txBody>
+                    <a:bodyPr/>
+                    <a:lstStyle/>
+                    <a:p>
+                      <a:pPr algn="ctr"/>
+                      <a:endParaRPr lang="it-IT" dirty="0"/>
+                    </a:p>
+                  </a:txBody>
+                  <a:tcPr/>
+                </a:tc>
+                <a:tc>
+                  <a:txBody>
+                    <a:bodyPr/>
+                    <a:lstStyle/>
+                    <a:p>
+                      <a:pPr algn="ctr"/>
+                      <a:endParaRPr lang="it-IT" dirty="0"/>
+                    </a:p>
+                  </a:txBody>
+                  <a:tcPr/>
+                </a:tc>
+                <a:tc>
+                  <a:txBody>
+                    <a:bodyPr/>
+                    <a:lstStyle/>
+                    <a:p>
+                      <a:pPr algn="ctr"/>
+                      <a:endParaRPr lang="it-IT" dirty="0"/>
+                    </a:p>
+                  </a:txBody>
+                  <a:tcPr/>
+                </a:tc>
+                <a:tc>
+                  <a:txBody>
+                    <a:bodyPr/>
+                    <a:lstStyle/>
+                    <a:p>
+                      <a:pPr algn="ctr"/>
+                      <a:endParaRPr lang="it-IT" dirty="0"/>
+                    </a:p>
+                  </a:txBody>
+                  <a:tcPr/>
+                </a:tc>
+              </a:tr>
+              <a:tr h="828107">
+                <a:tc>
+                  <a:txBody>
+                    <a:bodyPr/>
+                    <a:lstStyle/>
+                    <a:p>
+                      <a:pPr algn="ctr"/>
+                      <a:r>
+                        <a:rPr lang="it-IT" dirty="0" err="1" smtClean="0"/>
+                        <a:t>Selenium</a:t>
+                      </a:r>
+                      <a:endParaRPr lang="it-IT" dirty="0"/>
+                    </a:p>
+                  </a:txBody>
+                  <a:tcPr/>
+                </a:tc>
+                <a:tc>
+                  <a:txBody>
+                    <a:bodyPr/>
+                    <a:lstStyle/>
+                    <a:p>
+                      <a:pPr algn="ctr"/>
+                      <a:endParaRPr lang="it-IT" dirty="0"/>
+                    </a:p>
+                  </a:txBody>
+                  <a:tcPr/>
+                </a:tc>
+                <a:tc>
+                  <a:txBody>
+                    <a:bodyPr/>
+                    <a:lstStyle/>
+                    <a:p>
+                      <a:pPr algn="ctr"/>
+                      <a:endParaRPr lang="it-IT" dirty="0"/>
+                    </a:p>
+                  </a:txBody>
+                  <a:tcPr/>
+                </a:tc>
+                <a:tc>
+                  <a:txBody>
+                    <a:bodyPr/>
+                    <a:lstStyle/>
+                    <a:p>
+                      <a:pPr algn="ctr"/>
+                      <a:endParaRPr lang="it-IT" dirty="0"/>
+                    </a:p>
+                  </a:txBody>
+                  <a:tcPr/>
+                </a:tc>
+                <a:tc>
+                  <a:txBody>
+                    <a:bodyPr/>
+                    <a:lstStyle/>
+                    <a:p>
+                      <a:pPr algn="ctr"/>
+                      <a:endParaRPr lang="it-IT" dirty="0"/>
+                    </a:p>
+                  </a:txBody>
+                  <a:tcPr/>
+                </a:tc>
+              </a:tr>
+              <a:tr h="473204">
+                <a:tc>
+                  <a:txBody>
+                    <a:bodyPr/>
+                    <a:lstStyle/>
+                    <a:p>
+                      <a:pPr algn="ctr"/>
+                      <a:r>
+                        <a:rPr lang="it-IT" dirty="0" err="1" smtClean="0"/>
+                        <a:t>Coypu</a:t>
+                      </a:r>
+                      <a:endParaRPr lang="it-IT" dirty="0"/>
+                    </a:p>
+                  </a:txBody>
+                  <a:tcPr/>
+                </a:tc>
+                <a:tc>
+                  <a:txBody>
+                    <a:bodyPr/>
+                    <a:lstStyle/>
+                    <a:p>
+                      <a:pPr algn="ctr"/>
+                      <a:endParaRPr lang="it-IT" dirty="0"/>
+                    </a:p>
+                  </a:txBody>
+                  <a:tcPr/>
+                </a:tc>
+                <a:tc>
+                  <a:txBody>
+                    <a:bodyPr/>
+                    <a:lstStyle/>
+                    <a:p>
+                      <a:pPr algn="ctr"/>
+                      <a:endParaRPr lang="it-IT" dirty="0"/>
+                    </a:p>
+                  </a:txBody>
+                  <a:tcPr/>
+                </a:tc>
+                <a:tc>
+                  <a:txBody>
+                    <a:bodyPr/>
+                    <a:lstStyle/>
+                    <a:p>
+                      <a:pPr algn="ctr"/>
+                      <a:endParaRPr lang="it-IT" dirty="0"/>
+                    </a:p>
+                  </a:txBody>
+                  <a:tcPr/>
+                </a:tc>
+                <a:tc>
+                  <a:txBody>
+                    <a:bodyPr/>
+                    <a:lstStyle/>
+                    <a:p>
+                      <a:pPr algn="ctr"/>
+                      <a:endParaRPr lang="it-IT" dirty="0"/>
+                    </a:p>
+                  </a:txBody>
+                  <a:tcPr/>
+                </a:tc>
+              </a:tr>
+            </a:tbl>
+          </a:graphicData>
+        </a:graphic>
+      </p:graphicFrame>
+      <p:sp>
+        <p:nvSpPr>
+          <p:cNvPr id="2" name="Rectangle 1"/>
+          <p:cNvSpPr/>
+          <p:nvPr/>
+        </p:nvSpPr>
+        <p:spPr>
+          <a:xfrm>
+            <a:off x="1249680" y="1889760"/>
+            <a:ext cx="3703320" cy="1477328"/>
+          </a:xfrm>
+          <a:prstGeom prst="rect">
+            <a:avLst/>
+          </a:prstGeom>
+        </p:spPr>
+        <p:txBody>
+          <a:bodyPr wrap="square">
+            <a:spAutoFit/>
+          </a:bodyPr>
+          <a:lstStyle/>
+          <a:p>
+            <a:r>
+              <a:rPr lang="it-IT" dirty="0">
+                <a:solidFill>
+                  <a:srgbClr val="A71D5D"/>
+                </a:solidFill>
+                <a:latin typeface="Consolas" panose="020B0609020204030204" pitchFamily="49" charset="0"/>
+              </a:rPr>
+              <a:t>Funzionalità</a:t>
+            </a:r>
+            <a:r>
+              <a:rPr lang="it-IT" dirty="0">
+                <a:solidFill>
+                  <a:srgbClr val="333333"/>
+                </a:solidFill>
+                <a:latin typeface="Consolas" panose="020B0609020204030204" pitchFamily="49" charset="0"/>
+              </a:rPr>
+              <a:t>:</a:t>
+            </a:r>
+            <a:r>
+              <a:rPr lang="it-IT" dirty="0">
+                <a:solidFill>
+                  <a:srgbClr val="DF5000"/>
+                </a:solidFill>
+                <a:latin typeface="Consolas" panose="020B0609020204030204" pitchFamily="49" charset="0"/>
+              </a:rPr>
+              <a:t> </a:t>
+            </a:r>
+            <a:r>
+              <a:rPr lang="it-IT" dirty="0" err="1">
+                <a:solidFill>
+                  <a:srgbClr val="DF5000"/>
+                </a:solidFill>
+                <a:latin typeface="Consolas" panose="020B0609020204030204" pitchFamily="49" charset="0"/>
+              </a:rPr>
+              <a:t>Easter</a:t>
+            </a:r>
+            <a:r>
+              <a:rPr lang="it-IT" dirty="0">
+                <a:solidFill>
+                  <a:srgbClr val="DF5000"/>
+                </a:solidFill>
+                <a:latin typeface="Consolas" panose="020B0609020204030204" pitchFamily="49" charset="0"/>
+              </a:rPr>
+              <a:t> </a:t>
+            </a:r>
+            <a:r>
+              <a:rPr lang="it-IT" dirty="0" err="1" smtClean="0">
+                <a:solidFill>
+                  <a:srgbClr val="DF5000"/>
+                </a:solidFill>
+                <a:latin typeface="Consolas" panose="020B0609020204030204" pitchFamily="49" charset="0"/>
+              </a:rPr>
+              <a:t>Egging</a:t>
+            </a:r>
+            <a:endParaRPr lang="it-IT" dirty="0" smtClean="0">
+              <a:solidFill>
+                <a:srgbClr val="DF5000"/>
+              </a:solidFill>
+              <a:latin typeface="Consolas" panose="020B0609020204030204" pitchFamily="49" charset="0"/>
+            </a:endParaRPr>
+          </a:p>
+          <a:p>
+            <a:r>
+              <a:rPr lang="it-IT" dirty="0"/>
+              <a:t>Come </a:t>
+            </a:r>
+            <a:r>
+              <a:rPr lang="it-IT" dirty="0" smtClean="0"/>
+              <a:t>Sviluppatore</a:t>
+            </a:r>
+          </a:p>
+          <a:p>
+            <a:r>
+              <a:rPr lang="it-IT" dirty="0"/>
+              <a:t>Vorrei che nel blog fosse </a:t>
+            </a:r>
+            <a:r>
+              <a:rPr lang="it-IT" dirty="0" smtClean="0"/>
+              <a:t>	presente </a:t>
+            </a:r>
+            <a:r>
+              <a:rPr lang="it-IT" dirty="0"/>
+              <a:t>un mio </a:t>
+            </a:r>
+            <a:r>
+              <a:rPr lang="it-IT" dirty="0" smtClean="0"/>
+              <a:t>logo</a:t>
+            </a:r>
+          </a:p>
+          <a:p>
+            <a:r>
+              <a:rPr lang="it-IT" dirty="0"/>
+              <a:t>Per firmare il mio lavoro</a:t>
+            </a:r>
+            <a:endParaRPr lang="it-IT" dirty="0"/>
+          </a:p>
+        </p:txBody>
+      </p:sp>
+      <p:sp>
+        <p:nvSpPr>
+          <p:cNvPr id="6" name="Rectangle 5"/>
+          <p:cNvSpPr/>
+          <p:nvPr/>
+        </p:nvSpPr>
+        <p:spPr>
+          <a:xfrm>
+            <a:off x="4998594" y="1889761"/>
+            <a:ext cx="4580016" cy="1477328"/>
+          </a:xfrm>
+          <a:prstGeom prst="rect">
+            <a:avLst/>
+          </a:prstGeom>
+        </p:spPr>
+        <p:txBody>
+          <a:bodyPr wrap="square">
+            <a:spAutoFit/>
+          </a:bodyPr>
+          <a:lstStyle/>
+          <a:p>
+            <a:r>
+              <a:rPr lang="it-IT" dirty="0">
+                <a:solidFill>
+                  <a:srgbClr val="A71D5D"/>
+                </a:solidFill>
+                <a:latin typeface="Consolas" panose="020B0609020204030204" pitchFamily="49" charset="0"/>
+              </a:rPr>
+              <a:t>Funzionalità</a:t>
+            </a:r>
+            <a:r>
+              <a:rPr lang="it-IT" dirty="0">
+                <a:solidFill>
+                  <a:srgbClr val="333333"/>
+                </a:solidFill>
+                <a:latin typeface="Consolas" panose="020B0609020204030204" pitchFamily="49" charset="0"/>
+              </a:rPr>
+              <a:t>:</a:t>
+            </a:r>
+            <a:r>
+              <a:rPr lang="it-IT" dirty="0">
+                <a:solidFill>
+                  <a:srgbClr val="DF5000"/>
+                </a:solidFill>
+                <a:latin typeface="Consolas" panose="020B0609020204030204" pitchFamily="49" charset="0"/>
+              </a:rPr>
+              <a:t> Ricerca fra i </a:t>
+            </a:r>
+            <a:r>
+              <a:rPr lang="it-IT" dirty="0" smtClean="0">
+                <a:solidFill>
+                  <a:srgbClr val="DF5000"/>
+                </a:solidFill>
+                <a:latin typeface="Consolas" panose="020B0609020204030204" pitchFamily="49" charset="0"/>
+              </a:rPr>
+              <a:t>post</a:t>
+            </a:r>
+          </a:p>
+          <a:p>
+            <a:r>
+              <a:rPr lang="it-IT" dirty="0"/>
+              <a:t>Come </a:t>
+            </a:r>
+            <a:r>
+              <a:rPr lang="it-IT" dirty="0" smtClean="0"/>
+              <a:t>Lettore</a:t>
+            </a:r>
+          </a:p>
+          <a:p>
+            <a:r>
+              <a:rPr lang="it-IT" dirty="0"/>
+              <a:t>Vorrei poter ricercare i post su </a:t>
+            </a:r>
+            <a:r>
+              <a:rPr lang="it-IT" dirty="0" err="1" smtClean="0"/>
+              <a:t>Rblog</a:t>
+            </a:r>
+            <a:endParaRPr lang="it-IT" dirty="0" smtClean="0"/>
+          </a:p>
+          <a:p>
+            <a:r>
+              <a:rPr lang="it-IT" dirty="0"/>
+              <a:t>Per poter navigare fra i contenuti più </a:t>
+            </a:r>
+            <a:r>
+              <a:rPr lang="it-IT" dirty="0" smtClean="0"/>
+              <a:t>	velocemente</a:t>
+            </a:r>
+            <a:endParaRPr lang="it-IT" dirty="0"/>
+          </a:p>
+        </p:txBody>
+      </p:sp>
+      <p:pic>
+        <p:nvPicPr>
+          <p:cNvPr id="9" name="Picture 8"/>
+          <p:cNvPicPr>
+            <a:picLocks noChangeAspect="1"/>
+          </p:cNvPicPr>
+          <p:nvPr/>
+        </p:nvPicPr>
+        <p:blipFill>
+          <a:blip r:embed="rId2">
+            <a:extLst>
+              <a:ext uri="{28A0092B-C50C-407E-A947-70E740481C1C}">
+                <a14:useLocalDpi xmlns:a14="http://schemas.microsoft.com/office/drawing/2010/main" val="0"/>
+              </a:ext>
+            </a:extLst>
+          </a:blip>
+          <a:stretch>
+            <a:fillRect/>
+          </a:stretch>
+        </p:blipFill>
+        <p:spPr>
+          <a:xfrm>
+            <a:off x="9675549" y="1927088"/>
+            <a:ext cx="1440000" cy="1440000"/>
+          </a:xfrm>
+          <a:prstGeom prst="rect">
+            <a:avLst/>
+          </a:prstGeom>
+        </p:spPr>
+      </p:pic>
+      <p:pic>
+        <p:nvPicPr>
+          <p:cNvPr id="13" name="Picture 12"/>
+          <p:cNvPicPr>
+            <a:picLocks noChangeAspect="1"/>
+          </p:cNvPicPr>
+          <p:nvPr/>
+        </p:nvPicPr>
+        <p:blipFill>
+          <a:blip r:embed="rId3" cstate="print">
+            <a:extLst>
+              <a:ext uri="{28A0092B-C50C-407E-A947-70E740481C1C}">
+                <a14:useLocalDpi xmlns:a14="http://schemas.microsoft.com/office/drawing/2010/main" val="0"/>
+              </a:ext>
+            </a:extLst>
+          </a:blip>
+          <a:stretch>
+            <a:fillRect/>
+          </a:stretch>
+        </p:blipFill>
+        <p:spPr>
+          <a:xfrm>
+            <a:off x="9675549" y="5004167"/>
+            <a:ext cx="1440000" cy="776222"/>
+          </a:xfrm>
+          <a:prstGeom prst="rect">
+            <a:avLst/>
+          </a:prstGeom>
+        </p:spPr>
+      </p:pic>
+      <p:pic>
+        <p:nvPicPr>
+          <p:cNvPr id="14" name="Picture 13"/>
+          <p:cNvPicPr>
+            <a:picLocks noChangeAspect="1"/>
+          </p:cNvPicPr>
+          <p:nvPr/>
+        </p:nvPicPr>
+        <p:blipFill>
+          <a:blip r:embed="rId4">
+            <a:extLst>
+              <a:ext uri="{28A0092B-C50C-407E-A947-70E740481C1C}">
+                <a14:useLocalDpi xmlns:a14="http://schemas.microsoft.com/office/drawing/2010/main" val="0"/>
+              </a:ext>
+            </a:extLst>
+          </a:blip>
+          <a:stretch>
+            <a:fillRect/>
+          </a:stretch>
+        </p:blipFill>
+        <p:spPr>
+          <a:xfrm>
+            <a:off x="9677598" y="3475462"/>
+            <a:ext cx="1440000" cy="1440000"/>
+          </a:xfrm>
+          <a:prstGeom prst="rect">
+            <a:avLst/>
+          </a:prstGeom>
+        </p:spPr>
+      </p:pic>
+    </p:spTree>
+    <p:extLst>
+      <p:ext uri="{BB962C8B-B14F-4D97-AF65-F5344CB8AC3E}">
+        <p14:creationId xmlns:p14="http://schemas.microsoft.com/office/powerpoint/2010/main" val="934772446"/>
       </p:ext>
     </p:extLst>
   </p:cSld>
@@ -29932,28 +34023,15 @@
             </a:r>
             <a:r>
               <a:rPr lang="it-IT" dirty="0" smtClean="0"/>
-              <a:t>, Spring, .</a:t>
-            </a:r>
-            <a:r>
-              <a:rPr lang="it-IT" dirty="0" smtClean="0"/>
-              <a:t>NET(ASP.NET MVC </a:t>
-            </a:r>
-            <a:r>
-              <a:rPr lang="it-IT" dirty="0" smtClean="0"/>
-              <a:t>viene rilasciato nel 2009)</a:t>
+              <a:t>, Spring, .NET(ASP.NET MVC viene rilasciato nel 2009)</a:t>
             </a:r>
           </a:p>
           <a:p>
             <a:pPr lvl="1"/>
             <a:r>
               <a:rPr lang="it-IT" dirty="0" smtClean="0"/>
-              <a:t>Focus sulla </a:t>
+              <a:t>Focus sulla manutenibilità, osservazione dello sviluppo introducendo una nuova funzionalità</a:t>
             </a:r>
-            <a:r>
-              <a:rPr lang="it-IT" dirty="0" smtClean="0"/>
-              <a:t>manutenibilità, osservazione dello sviluppo introducendo una nuova funzionalità</a:t>
-            </a:r>
-            <a:endParaRPr lang="it-IT" dirty="0" smtClean="0"/>
           </a:p>
           <a:p>
             <a:pPr>
@@ -29966,11 +34044,7 @@
             </a:r>
             <a:r>
               <a:rPr lang="it-IT" dirty="0" smtClean="0"/>
-              <a:t>Sviluppo </a:t>
-            </a:r>
-            <a:r>
-              <a:rPr lang="it-IT" dirty="0" smtClean="0"/>
-              <a:t>di tre applicazioni web in </a:t>
+              <a:t>Sviluppo di tre applicazioni web in </a:t>
             </a:r>
             <a:r>
               <a:rPr lang="it-IT" dirty="0" err="1" smtClean="0"/>
@@ -29978,11 +34052,7 @@
             </a:r>
             <a:r>
               <a:rPr lang="it-IT" dirty="0" smtClean="0"/>
-              <a:t>, Spring, ASP.NET </a:t>
-            </a:r>
-            <a:r>
-              <a:rPr lang="it-IT" dirty="0" smtClean="0"/>
-              <a:t>MVC5</a:t>
+              <a:t>, Spring, ASP.NET MVC5</a:t>
             </a:r>
           </a:p>
           <a:p>
@@ -30088,6 +34158,1192 @@
     <p:extLst>
       <p:ext uri="{BB962C8B-B14F-4D97-AF65-F5344CB8AC3E}">
         <p14:creationId xmlns:p14="http://schemas.microsoft.com/office/powerpoint/2010/main" val="2257148760"/>
+      </p:ext>
+    </p:extLst>
+  </p:cSld>
+  <p:clrMapOvr>
+    <a:masterClrMapping/>
+  </p:clrMapOvr>
+  <p:timing>
+    <p:tnLst>
+      <p:par>
+        <p:cTn id="1" dur="indefinite" restart="never" nodeType="tmRoot"/>
+      </p:par>
+    </p:tnLst>
+  </p:timing>
+</p:sld>
+</file>
+
+<file path=ppt/slides/slide20.xml><?xml version="1.0" encoding="utf-8"?>
+<p:sld xmlns:a="http://schemas.openxmlformats.org/drawingml/2006/main" xmlns:r="http://schemas.openxmlformats.org/officeDocument/2006/relationships" xmlns:p="http://schemas.openxmlformats.org/presentationml/2006/main">
+  <p:cSld>
+    <p:spTree>
+      <p:nvGrpSpPr>
+        <p:cNvPr id="1" name=""/>
+        <p:cNvGrpSpPr/>
+        <p:nvPr/>
+      </p:nvGrpSpPr>
+      <p:grpSpPr>
+        <a:xfrm>
+          <a:off x="0" y="0"/>
+          <a:ext cx="0" cy="0"/>
+          <a:chOff x="0" y="0"/>
+          <a:chExt cx="0" cy="0"/>
+        </a:xfrm>
+      </p:grpSpPr>
+      <p:sp>
+        <p:nvSpPr>
+          <p:cNvPr id="8" name="Title 7"/>
+          <p:cNvSpPr>
+            <a:spLocks noGrp="1"/>
+          </p:cNvSpPr>
+          <p:nvPr>
+            <p:ph type="title"/>
+          </p:nvPr>
+        </p:nvSpPr>
+        <p:spPr/>
+        <p:txBody>
+          <a:bodyPr/>
+          <a:lstStyle/>
+          <a:p>
+            <a:r>
+              <a:rPr lang="it-IT" b="1" dirty="0"/>
+              <a:t>Manutenibilità</a:t>
+            </a:r>
+            <a:endParaRPr lang="it-IT" dirty="0"/>
+          </a:p>
+        </p:txBody>
+      </p:sp>
+      <p:sp>
+        <p:nvSpPr>
+          <p:cNvPr id="3" name="Content Placeholder 2"/>
+          <p:cNvSpPr>
+            <a:spLocks noGrp="1"/>
+          </p:cNvSpPr>
+          <p:nvPr>
+            <p:ph idx="1"/>
+          </p:nvPr>
+        </p:nvSpPr>
+        <p:spPr/>
+        <p:txBody>
+          <a:bodyPr/>
+          <a:lstStyle/>
+          <a:p>
+            <a:endParaRPr lang="it-IT" dirty="0"/>
+          </a:p>
+          <a:p>
+            <a:pPr marL="0" indent="0">
+              <a:buNone/>
+            </a:pPr>
+            <a:endParaRPr lang="it-IT" dirty="0" smtClean="0"/>
+          </a:p>
+          <a:p>
+            <a:pPr marL="0" indent="0">
+              <a:buNone/>
+            </a:pPr>
+            <a:endParaRPr lang="en-US" dirty="0" smtClean="0"/>
+          </a:p>
+          <a:p>
+            <a:pPr marL="578358" lvl="1" indent="-285750"/>
+            <a:endParaRPr lang="en-US" dirty="0" smtClean="0"/>
+          </a:p>
+        </p:txBody>
+      </p:sp>
+      <p:sp>
+        <p:nvSpPr>
+          <p:cNvPr id="7" name="Title 1"/>
+          <p:cNvSpPr txBox="1">
+            <a:spLocks/>
+          </p:cNvSpPr>
+          <p:nvPr/>
+        </p:nvSpPr>
+        <p:spPr>
+          <a:xfrm>
+            <a:off x="1249680" y="439003"/>
+            <a:ext cx="10058400" cy="1450757"/>
+          </a:xfrm>
+          <a:prstGeom prst="rect">
+            <a:avLst/>
+          </a:prstGeom>
+        </p:spPr>
+        <p:txBody>
+          <a:bodyPr vert="horz" lIns="91440" tIns="45720" rIns="91440" bIns="45720" rtlCol="0" anchor="b">
+            <a:normAutofit/>
+          </a:bodyPr>
+          <a:lstStyle>
+            <a:lvl1pPr algn="l" defTabSz="914400" rtl="0" eaLnBrk="1" latinLnBrk="0" hangingPunct="1">
+              <a:lnSpc>
+                <a:spcPct val="85000"/>
+              </a:lnSpc>
+              <a:spcBef>
+                <a:spcPct val="0"/>
+              </a:spcBef>
+              <a:buNone/>
+              <a:defRPr sz="4800" kern="1200" spc="-50" baseline="0">
+                <a:solidFill>
+                  <a:schemeClr val="tx1">
+                    <a:lumMod val="75000"/>
+                    <a:lumOff val="25000"/>
+                  </a:schemeClr>
+                </a:solidFill>
+                <a:latin typeface="+mj-lt"/>
+                <a:ea typeface="+mj-ea"/>
+                <a:cs typeface="+mj-cs"/>
+              </a:defRPr>
+            </a:lvl1pPr>
+          </a:lstStyle>
+          <a:p>
+            <a:endParaRPr lang="it-IT" dirty="0">
+              <a:latin typeface="+mn-lt"/>
+            </a:endParaRPr>
+          </a:p>
+        </p:txBody>
+      </p:sp>
+      <p:graphicFrame>
+        <p:nvGraphicFramePr>
+          <p:cNvPr id="10" name="Table 9"/>
+          <p:cNvGraphicFramePr>
+            <a:graphicFrameLocks noGrp="1"/>
+          </p:cNvGraphicFramePr>
+          <p:nvPr/>
+        </p:nvGraphicFramePr>
+        <p:xfrm>
+          <a:off x="1223782" y="3644086"/>
+          <a:ext cx="7739245" cy="2602622"/>
+        </p:xfrm>
+        <a:graphic>
+          <a:graphicData uri="http://schemas.openxmlformats.org/drawingml/2006/table">
+            <a:tbl>
+              <a:tblPr firstRow="1" bandRow="1">
+                <a:tableStyleId>{6E25E649-3F16-4E02-A733-19D2CDBF48F0}</a:tableStyleId>
+              </a:tblPr>
+              <a:tblGrid>
+                <a:gridCol w="1547849"/>
+                <a:gridCol w="1547849"/>
+                <a:gridCol w="1433620"/>
+                <a:gridCol w="1662078"/>
+                <a:gridCol w="1547849"/>
+              </a:tblGrid>
+              <a:tr h="828107">
+                <a:tc>
+                  <a:txBody>
+                    <a:bodyPr/>
+                    <a:lstStyle/>
+                    <a:p>
+                      <a:pPr algn="ctr"/>
+                      <a:endParaRPr lang="it-IT" dirty="0"/>
+                    </a:p>
+                  </a:txBody>
+                  <a:tcPr/>
+                </a:tc>
+                <a:tc>
+                  <a:txBody>
+                    <a:bodyPr/>
+                    <a:lstStyle/>
+                    <a:p>
+                      <a:pPr algn="ctr"/>
+                      <a:endParaRPr lang="it-IT" dirty="0"/>
+                    </a:p>
+                  </a:txBody>
+                  <a:tcPr/>
+                </a:tc>
+                <a:tc>
+                  <a:txBody>
+                    <a:bodyPr/>
+                    <a:lstStyle/>
+                    <a:p>
+                      <a:pPr algn="ctr"/>
+                      <a:endParaRPr lang="it-IT" dirty="0"/>
+                    </a:p>
+                  </a:txBody>
+                  <a:tcPr/>
+                </a:tc>
+                <a:tc>
+                  <a:txBody>
+                    <a:bodyPr/>
+                    <a:lstStyle/>
+                    <a:p>
+                      <a:pPr algn="ctr"/>
+                      <a:endParaRPr lang="it-IT" dirty="0"/>
+                    </a:p>
+                  </a:txBody>
+                  <a:tcPr/>
+                </a:tc>
+                <a:tc>
+                  <a:txBody>
+                    <a:bodyPr/>
+                    <a:lstStyle/>
+                    <a:p>
+                      <a:pPr algn="ctr"/>
+                      <a:endParaRPr lang="it-IT" dirty="0"/>
+                    </a:p>
+                  </a:txBody>
+                  <a:tcPr/>
+                </a:tc>
+              </a:tr>
+              <a:tr h="473204">
+                <a:tc>
+                  <a:txBody>
+                    <a:bodyPr/>
+                    <a:lstStyle/>
+                    <a:p>
+                      <a:pPr algn="ctr"/>
+                      <a:r>
+                        <a:rPr lang="it-IT" dirty="0" err="1" smtClean="0"/>
+                        <a:t>Capybara</a:t>
+                      </a:r>
+                      <a:endParaRPr lang="it-IT" dirty="0"/>
+                    </a:p>
+                  </a:txBody>
+                  <a:tcPr/>
+                </a:tc>
+                <a:tc>
+                  <a:txBody>
+                    <a:bodyPr/>
+                    <a:lstStyle/>
+                    <a:p>
+                      <a:pPr algn="ctr"/>
+                      <a:endParaRPr lang="it-IT" dirty="0"/>
+                    </a:p>
+                  </a:txBody>
+                  <a:tcPr/>
+                </a:tc>
+                <a:tc>
+                  <a:txBody>
+                    <a:bodyPr/>
+                    <a:lstStyle/>
+                    <a:p>
+                      <a:pPr algn="ctr"/>
+                      <a:endParaRPr lang="it-IT" dirty="0"/>
+                    </a:p>
+                  </a:txBody>
+                  <a:tcPr/>
+                </a:tc>
+                <a:tc>
+                  <a:txBody>
+                    <a:bodyPr/>
+                    <a:lstStyle/>
+                    <a:p>
+                      <a:pPr algn="ctr"/>
+                      <a:endParaRPr lang="it-IT" dirty="0"/>
+                    </a:p>
+                  </a:txBody>
+                  <a:tcPr/>
+                </a:tc>
+                <a:tc>
+                  <a:txBody>
+                    <a:bodyPr/>
+                    <a:lstStyle/>
+                    <a:p>
+                      <a:pPr algn="ctr"/>
+                      <a:endParaRPr lang="it-IT" dirty="0"/>
+                    </a:p>
+                  </a:txBody>
+                  <a:tcPr/>
+                </a:tc>
+              </a:tr>
+              <a:tr h="828107">
+                <a:tc>
+                  <a:txBody>
+                    <a:bodyPr/>
+                    <a:lstStyle/>
+                    <a:p>
+                      <a:pPr algn="ctr"/>
+                      <a:r>
+                        <a:rPr lang="it-IT" dirty="0" err="1" smtClean="0"/>
+                        <a:t>Selenium</a:t>
+                      </a:r>
+                      <a:endParaRPr lang="it-IT" dirty="0"/>
+                    </a:p>
+                  </a:txBody>
+                  <a:tcPr/>
+                </a:tc>
+                <a:tc>
+                  <a:txBody>
+                    <a:bodyPr/>
+                    <a:lstStyle/>
+                    <a:p>
+                      <a:pPr algn="ctr"/>
+                      <a:endParaRPr lang="it-IT" dirty="0"/>
+                    </a:p>
+                  </a:txBody>
+                  <a:tcPr/>
+                </a:tc>
+                <a:tc>
+                  <a:txBody>
+                    <a:bodyPr/>
+                    <a:lstStyle/>
+                    <a:p>
+                      <a:pPr algn="ctr"/>
+                      <a:endParaRPr lang="it-IT" dirty="0"/>
+                    </a:p>
+                  </a:txBody>
+                  <a:tcPr/>
+                </a:tc>
+                <a:tc>
+                  <a:txBody>
+                    <a:bodyPr/>
+                    <a:lstStyle/>
+                    <a:p>
+                      <a:pPr algn="ctr"/>
+                      <a:endParaRPr lang="it-IT" dirty="0"/>
+                    </a:p>
+                  </a:txBody>
+                  <a:tcPr/>
+                </a:tc>
+                <a:tc>
+                  <a:txBody>
+                    <a:bodyPr/>
+                    <a:lstStyle/>
+                    <a:p>
+                      <a:pPr algn="ctr"/>
+                      <a:endParaRPr lang="it-IT" dirty="0"/>
+                    </a:p>
+                  </a:txBody>
+                  <a:tcPr/>
+                </a:tc>
+              </a:tr>
+              <a:tr h="473204">
+                <a:tc>
+                  <a:txBody>
+                    <a:bodyPr/>
+                    <a:lstStyle/>
+                    <a:p>
+                      <a:pPr algn="ctr"/>
+                      <a:r>
+                        <a:rPr lang="it-IT" dirty="0" err="1" smtClean="0"/>
+                        <a:t>Coypu</a:t>
+                      </a:r>
+                      <a:endParaRPr lang="it-IT" dirty="0"/>
+                    </a:p>
+                  </a:txBody>
+                  <a:tcPr/>
+                </a:tc>
+                <a:tc>
+                  <a:txBody>
+                    <a:bodyPr/>
+                    <a:lstStyle/>
+                    <a:p>
+                      <a:pPr algn="ctr"/>
+                      <a:endParaRPr lang="it-IT" dirty="0"/>
+                    </a:p>
+                  </a:txBody>
+                  <a:tcPr/>
+                </a:tc>
+                <a:tc>
+                  <a:txBody>
+                    <a:bodyPr/>
+                    <a:lstStyle/>
+                    <a:p>
+                      <a:pPr algn="ctr"/>
+                      <a:endParaRPr lang="it-IT" dirty="0"/>
+                    </a:p>
+                  </a:txBody>
+                  <a:tcPr/>
+                </a:tc>
+                <a:tc>
+                  <a:txBody>
+                    <a:bodyPr/>
+                    <a:lstStyle/>
+                    <a:p>
+                      <a:pPr algn="ctr"/>
+                      <a:endParaRPr lang="it-IT" dirty="0"/>
+                    </a:p>
+                  </a:txBody>
+                  <a:tcPr/>
+                </a:tc>
+                <a:tc>
+                  <a:txBody>
+                    <a:bodyPr/>
+                    <a:lstStyle/>
+                    <a:p>
+                      <a:pPr algn="ctr"/>
+                      <a:endParaRPr lang="it-IT" dirty="0"/>
+                    </a:p>
+                  </a:txBody>
+                  <a:tcPr/>
+                </a:tc>
+              </a:tr>
+            </a:tbl>
+          </a:graphicData>
+        </a:graphic>
+      </p:graphicFrame>
+      <p:sp>
+        <p:nvSpPr>
+          <p:cNvPr id="2" name="Rectangle 1"/>
+          <p:cNvSpPr/>
+          <p:nvPr/>
+        </p:nvSpPr>
+        <p:spPr>
+          <a:xfrm>
+            <a:off x="2070921" y="1845734"/>
+            <a:ext cx="6160661" cy="1477328"/>
+          </a:xfrm>
+          <a:prstGeom prst="rect">
+            <a:avLst/>
+          </a:prstGeom>
+        </p:spPr>
+        <p:txBody>
+          <a:bodyPr wrap="none">
+            <a:spAutoFit/>
+          </a:bodyPr>
+          <a:lstStyle/>
+          <a:p>
+            <a:r>
+              <a:rPr lang="it-IT" dirty="0">
+                <a:solidFill>
+                  <a:srgbClr val="A71D5D"/>
+                </a:solidFill>
+                <a:latin typeface="Consolas" panose="020B0609020204030204" pitchFamily="49" charset="0"/>
+              </a:rPr>
+              <a:t>Funzionalità</a:t>
+            </a:r>
+            <a:r>
+              <a:rPr lang="it-IT" dirty="0">
+                <a:solidFill>
+                  <a:srgbClr val="333333"/>
+                </a:solidFill>
+                <a:latin typeface="Consolas" panose="020B0609020204030204" pitchFamily="49" charset="0"/>
+              </a:rPr>
+              <a:t>:</a:t>
+            </a:r>
+            <a:r>
+              <a:rPr lang="it-IT" dirty="0">
+                <a:solidFill>
+                  <a:srgbClr val="DF5000"/>
+                </a:solidFill>
+                <a:latin typeface="Consolas" panose="020B0609020204030204" pitchFamily="49" charset="0"/>
+              </a:rPr>
+              <a:t> Autenticazione su </a:t>
+            </a:r>
+            <a:r>
+              <a:rPr lang="it-IT" dirty="0" smtClean="0">
+                <a:solidFill>
+                  <a:srgbClr val="DF5000"/>
+                </a:solidFill>
+                <a:latin typeface="Consolas" panose="020B0609020204030204" pitchFamily="49" charset="0"/>
+              </a:rPr>
+              <a:t>*Blog</a:t>
+            </a:r>
+          </a:p>
+          <a:p>
+            <a:r>
+              <a:rPr lang="it-IT" dirty="0"/>
+              <a:t>Come Autore di </a:t>
+            </a:r>
+            <a:r>
+              <a:rPr lang="it-IT" dirty="0" smtClean="0"/>
+              <a:t>*Blog</a:t>
+            </a:r>
+          </a:p>
+          <a:p>
+            <a:r>
+              <a:rPr lang="it-IT" dirty="0" smtClean="0"/>
+              <a:t>Vorrei che alcune operazioni </a:t>
+            </a:r>
+          </a:p>
+          <a:p>
+            <a:r>
+              <a:rPr lang="it-IT" dirty="0"/>
+              <a:t>	</a:t>
+            </a:r>
+            <a:r>
+              <a:rPr lang="it-IT" dirty="0" smtClean="0"/>
+              <a:t>sensibili siano permesse previa autenticazione</a:t>
+            </a:r>
+          </a:p>
+          <a:p>
+            <a:r>
+              <a:rPr lang="it-IT" dirty="0"/>
+              <a:t>Per poter garantire l'autenticità dei contenuti</a:t>
+            </a:r>
+            <a:endParaRPr lang="it-IT" dirty="0"/>
+          </a:p>
+        </p:txBody>
+      </p:sp>
+      <p:pic>
+        <p:nvPicPr>
+          <p:cNvPr id="4" name="Picture 3"/>
+          <p:cNvPicPr>
+            <a:picLocks noChangeAspect="1"/>
+          </p:cNvPicPr>
+          <p:nvPr/>
+        </p:nvPicPr>
+        <p:blipFill>
+          <a:blip r:embed="rId2">
+            <a:extLst>
+              <a:ext uri="{28A0092B-C50C-407E-A947-70E740481C1C}">
+                <a14:useLocalDpi xmlns:a14="http://schemas.microsoft.com/office/drawing/2010/main" val="0"/>
+              </a:ext>
+            </a:extLst>
+          </a:blip>
+          <a:stretch>
+            <a:fillRect/>
+          </a:stretch>
+        </p:blipFill>
+        <p:spPr>
+          <a:xfrm>
+            <a:off x="9737729" y="3739684"/>
+            <a:ext cx="1440000" cy="921015"/>
+          </a:xfrm>
+          <a:prstGeom prst="rect">
+            <a:avLst/>
+          </a:prstGeom>
+        </p:spPr>
+      </p:pic>
+      <p:pic>
+        <p:nvPicPr>
+          <p:cNvPr id="6" name="Picture 5"/>
+          <p:cNvPicPr>
+            <a:picLocks noChangeAspect="1"/>
+          </p:cNvPicPr>
+          <p:nvPr/>
+        </p:nvPicPr>
+        <p:blipFill>
+          <a:blip r:embed="rId3">
+            <a:extLst>
+              <a:ext uri="{28A0092B-C50C-407E-A947-70E740481C1C}">
+                <a14:useLocalDpi xmlns:a14="http://schemas.microsoft.com/office/drawing/2010/main" val="0"/>
+              </a:ext>
+            </a:extLst>
+          </a:blip>
+          <a:stretch>
+            <a:fillRect/>
+          </a:stretch>
+        </p:blipFill>
+        <p:spPr>
+          <a:xfrm>
+            <a:off x="9791880" y="4660699"/>
+            <a:ext cx="1440000" cy="1344000"/>
+          </a:xfrm>
+          <a:prstGeom prst="rect">
+            <a:avLst/>
+          </a:prstGeom>
+        </p:spPr>
+      </p:pic>
+      <p:pic>
+        <p:nvPicPr>
+          <p:cNvPr id="9" name="Picture 8"/>
+          <p:cNvPicPr>
+            <a:picLocks noChangeAspect="1"/>
+          </p:cNvPicPr>
+          <p:nvPr/>
+        </p:nvPicPr>
+        <p:blipFill>
+          <a:blip r:embed="rId4">
+            <a:extLst>
+              <a:ext uri="{28A0092B-C50C-407E-A947-70E740481C1C}">
+                <a14:useLocalDpi xmlns:a14="http://schemas.microsoft.com/office/drawing/2010/main" val="0"/>
+              </a:ext>
+            </a:extLst>
+          </a:blip>
+          <a:stretch>
+            <a:fillRect/>
+          </a:stretch>
+        </p:blipFill>
+        <p:spPr>
+          <a:xfrm>
+            <a:off x="9737729" y="2484560"/>
+            <a:ext cx="1440000" cy="1257465"/>
+          </a:xfrm>
+          <a:prstGeom prst="rect">
+            <a:avLst/>
+          </a:prstGeom>
+        </p:spPr>
+      </p:pic>
+      <p:pic>
+        <p:nvPicPr>
+          <p:cNvPr id="13" name="Picture 12"/>
+          <p:cNvPicPr>
+            <a:picLocks noChangeAspect="1"/>
+          </p:cNvPicPr>
+          <p:nvPr/>
+        </p:nvPicPr>
+        <p:blipFill>
+          <a:blip r:embed="rId5" cstate="print">
+            <a:extLst>
+              <a:ext uri="{28A0092B-C50C-407E-A947-70E740481C1C}">
+                <a14:useLocalDpi xmlns:a14="http://schemas.microsoft.com/office/drawing/2010/main" val="0"/>
+              </a:ext>
+            </a:extLst>
+          </a:blip>
+          <a:stretch>
+            <a:fillRect/>
+          </a:stretch>
+        </p:blipFill>
+        <p:spPr>
+          <a:xfrm>
+            <a:off x="9715680" y="1958901"/>
+            <a:ext cx="1440000" cy="455385"/>
+          </a:xfrm>
+          <a:prstGeom prst="rect">
+            <a:avLst/>
+          </a:prstGeom>
+        </p:spPr>
+      </p:pic>
+    </p:spTree>
+    <p:extLst>
+      <p:ext uri="{BB962C8B-B14F-4D97-AF65-F5344CB8AC3E}">
+        <p14:creationId xmlns:p14="http://schemas.microsoft.com/office/powerpoint/2010/main" val="443188221"/>
+      </p:ext>
+    </p:extLst>
+  </p:cSld>
+  <p:clrMapOvr>
+    <a:masterClrMapping/>
+  </p:clrMapOvr>
+  <p:timing>
+    <p:tnLst>
+      <p:par>
+        <p:cTn id="1" dur="indefinite" restart="never" nodeType="tmRoot"/>
+      </p:par>
+    </p:tnLst>
+  </p:timing>
+</p:sld>
+</file>
+
+<file path=ppt/slides/slide21.xml><?xml version="1.0" encoding="utf-8"?>
+<p:sld xmlns:a="http://schemas.openxmlformats.org/drawingml/2006/main" xmlns:r="http://schemas.openxmlformats.org/officeDocument/2006/relationships" xmlns:p="http://schemas.openxmlformats.org/presentationml/2006/main">
+  <p:cSld>
+    <p:spTree>
+      <p:nvGrpSpPr>
+        <p:cNvPr id="1" name=""/>
+        <p:cNvGrpSpPr/>
+        <p:nvPr/>
+      </p:nvGrpSpPr>
+      <p:grpSpPr>
+        <a:xfrm>
+          <a:off x="0" y="0"/>
+          <a:ext cx="0" cy="0"/>
+          <a:chOff x="0" y="0"/>
+          <a:chExt cx="0" cy="0"/>
+        </a:xfrm>
+      </p:grpSpPr>
+      <p:sp>
+        <p:nvSpPr>
+          <p:cNvPr id="8" name="Title 7"/>
+          <p:cNvSpPr>
+            <a:spLocks noGrp="1"/>
+          </p:cNvSpPr>
+          <p:nvPr>
+            <p:ph type="title"/>
+          </p:nvPr>
+        </p:nvSpPr>
+        <p:spPr/>
+        <p:txBody>
+          <a:bodyPr/>
+          <a:lstStyle/>
+          <a:p>
+            <a:r>
+              <a:rPr lang="it-IT" b="1" dirty="0" smtClean="0"/>
+              <a:t>Conclusione</a:t>
+            </a:r>
+            <a:endParaRPr lang="it-IT" dirty="0"/>
+          </a:p>
+        </p:txBody>
+      </p:sp>
+      <p:sp>
+        <p:nvSpPr>
+          <p:cNvPr id="3" name="Content Placeholder 2"/>
+          <p:cNvSpPr>
+            <a:spLocks noGrp="1"/>
+          </p:cNvSpPr>
+          <p:nvPr>
+            <p:ph idx="1"/>
+          </p:nvPr>
+        </p:nvSpPr>
+        <p:spPr/>
+        <p:txBody>
+          <a:bodyPr/>
+          <a:lstStyle/>
+          <a:p>
+            <a:endParaRPr lang="it-IT" dirty="0"/>
+          </a:p>
+          <a:p>
+            <a:pPr marL="0" indent="0">
+              <a:buNone/>
+            </a:pPr>
+            <a:endParaRPr lang="it-IT" dirty="0" smtClean="0"/>
+          </a:p>
+          <a:p>
+            <a:pPr marL="0" indent="0">
+              <a:buNone/>
+            </a:pPr>
+            <a:endParaRPr lang="en-US" dirty="0" smtClean="0"/>
+          </a:p>
+          <a:p>
+            <a:pPr marL="578358" lvl="1" indent="-285750"/>
+            <a:endParaRPr lang="en-US" dirty="0" smtClean="0"/>
+          </a:p>
+        </p:txBody>
+      </p:sp>
+      <p:sp>
+        <p:nvSpPr>
+          <p:cNvPr id="7" name="Title 1"/>
+          <p:cNvSpPr txBox="1">
+            <a:spLocks/>
+          </p:cNvSpPr>
+          <p:nvPr/>
+        </p:nvSpPr>
+        <p:spPr>
+          <a:xfrm>
+            <a:off x="1249680" y="439003"/>
+            <a:ext cx="10058400" cy="1450757"/>
+          </a:xfrm>
+          <a:prstGeom prst="rect">
+            <a:avLst/>
+          </a:prstGeom>
+        </p:spPr>
+        <p:txBody>
+          <a:bodyPr vert="horz" lIns="91440" tIns="45720" rIns="91440" bIns="45720" rtlCol="0" anchor="b">
+            <a:normAutofit/>
+          </a:bodyPr>
+          <a:lstStyle>
+            <a:lvl1pPr algn="l" defTabSz="914400" rtl="0" eaLnBrk="1" latinLnBrk="0" hangingPunct="1">
+              <a:lnSpc>
+                <a:spcPct val="85000"/>
+              </a:lnSpc>
+              <a:spcBef>
+                <a:spcPct val="0"/>
+              </a:spcBef>
+              <a:buNone/>
+              <a:defRPr sz="4800" kern="1200" spc="-50" baseline="0">
+                <a:solidFill>
+                  <a:schemeClr val="tx1">
+                    <a:lumMod val="75000"/>
+                    <a:lumOff val="25000"/>
+                  </a:schemeClr>
+                </a:solidFill>
+                <a:latin typeface="+mj-lt"/>
+                <a:ea typeface="+mj-ea"/>
+                <a:cs typeface="+mj-cs"/>
+              </a:defRPr>
+            </a:lvl1pPr>
+          </a:lstStyle>
+          <a:p>
+            <a:endParaRPr lang="it-IT" dirty="0">
+              <a:latin typeface="+mn-lt"/>
+            </a:endParaRPr>
+          </a:p>
+        </p:txBody>
+      </p:sp>
+      <p:graphicFrame>
+        <p:nvGraphicFramePr>
+          <p:cNvPr id="10" name="Table 9"/>
+          <p:cNvGraphicFramePr>
+            <a:graphicFrameLocks noGrp="1"/>
+          </p:cNvGraphicFramePr>
+          <p:nvPr/>
+        </p:nvGraphicFramePr>
+        <p:xfrm>
+          <a:off x="1223782" y="3644086"/>
+          <a:ext cx="7739245" cy="2602622"/>
+        </p:xfrm>
+        <a:graphic>
+          <a:graphicData uri="http://schemas.openxmlformats.org/drawingml/2006/table">
+            <a:tbl>
+              <a:tblPr firstRow="1" bandRow="1">
+                <a:tableStyleId>{6E25E649-3F16-4E02-A733-19D2CDBF48F0}</a:tableStyleId>
+              </a:tblPr>
+              <a:tblGrid>
+                <a:gridCol w="1547849"/>
+                <a:gridCol w="1547849"/>
+                <a:gridCol w="1433620"/>
+                <a:gridCol w="1662078"/>
+                <a:gridCol w="1547849"/>
+              </a:tblGrid>
+              <a:tr h="828107">
+                <a:tc>
+                  <a:txBody>
+                    <a:bodyPr/>
+                    <a:lstStyle/>
+                    <a:p>
+                      <a:pPr algn="ctr"/>
+                      <a:endParaRPr lang="it-IT" dirty="0"/>
+                    </a:p>
+                  </a:txBody>
+                  <a:tcPr/>
+                </a:tc>
+                <a:tc>
+                  <a:txBody>
+                    <a:bodyPr/>
+                    <a:lstStyle/>
+                    <a:p>
+                      <a:pPr algn="ctr"/>
+                      <a:endParaRPr lang="it-IT" dirty="0"/>
+                    </a:p>
+                  </a:txBody>
+                  <a:tcPr/>
+                </a:tc>
+                <a:tc>
+                  <a:txBody>
+                    <a:bodyPr/>
+                    <a:lstStyle/>
+                    <a:p>
+                      <a:pPr algn="ctr"/>
+                      <a:endParaRPr lang="it-IT" dirty="0"/>
+                    </a:p>
+                  </a:txBody>
+                  <a:tcPr/>
+                </a:tc>
+                <a:tc>
+                  <a:txBody>
+                    <a:bodyPr/>
+                    <a:lstStyle/>
+                    <a:p>
+                      <a:pPr algn="ctr"/>
+                      <a:endParaRPr lang="it-IT" dirty="0"/>
+                    </a:p>
+                  </a:txBody>
+                  <a:tcPr/>
+                </a:tc>
+                <a:tc>
+                  <a:txBody>
+                    <a:bodyPr/>
+                    <a:lstStyle/>
+                    <a:p>
+                      <a:pPr algn="ctr"/>
+                      <a:endParaRPr lang="it-IT" dirty="0"/>
+                    </a:p>
+                  </a:txBody>
+                  <a:tcPr/>
+                </a:tc>
+              </a:tr>
+              <a:tr h="473204">
+                <a:tc>
+                  <a:txBody>
+                    <a:bodyPr/>
+                    <a:lstStyle/>
+                    <a:p>
+                      <a:pPr algn="ctr"/>
+                      <a:r>
+                        <a:rPr lang="it-IT" dirty="0" err="1" smtClean="0"/>
+                        <a:t>Capybara</a:t>
+                      </a:r>
+                      <a:endParaRPr lang="it-IT" dirty="0"/>
+                    </a:p>
+                  </a:txBody>
+                  <a:tcPr/>
+                </a:tc>
+                <a:tc>
+                  <a:txBody>
+                    <a:bodyPr/>
+                    <a:lstStyle/>
+                    <a:p>
+                      <a:pPr algn="ctr"/>
+                      <a:endParaRPr lang="it-IT" dirty="0"/>
+                    </a:p>
+                  </a:txBody>
+                  <a:tcPr/>
+                </a:tc>
+                <a:tc>
+                  <a:txBody>
+                    <a:bodyPr/>
+                    <a:lstStyle/>
+                    <a:p>
+                      <a:pPr algn="ctr"/>
+                      <a:endParaRPr lang="it-IT" dirty="0"/>
+                    </a:p>
+                  </a:txBody>
+                  <a:tcPr/>
+                </a:tc>
+                <a:tc>
+                  <a:txBody>
+                    <a:bodyPr/>
+                    <a:lstStyle/>
+                    <a:p>
+                      <a:pPr algn="ctr"/>
+                      <a:endParaRPr lang="it-IT" dirty="0"/>
+                    </a:p>
+                  </a:txBody>
+                  <a:tcPr/>
+                </a:tc>
+                <a:tc>
+                  <a:txBody>
+                    <a:bodyPr/>
+                    <a:lstStyle/>
+                    <a:p>
+                      <a:pPr algn="ctr"/>
+                      <a:endParaRPr lang="it-IT" dirty="0"/>
+                    </a:p>
+                  </a:txBody>
+                  <a:tcPr/>
+                </a:tc>
+              </a:tr>
+              <a:tr h="828107">
+                <a:tc>
+                  <a:txBody>
+                    <a:bodyPr/>
+                    <a:lstStyle/>
+                    <a:p>
+                      <a:pPr algn="ctr"/>
+                      <a:r>
+                        <a:rPr lang="it-IT" dirty="0" err="1" smtClean="0"/>
+                        <a:t>Selenium</a:t>
+                      </a:r>
+                      <a:endParaRPr lang="it-IT" dirty="0"/>
+                    </a:p>
+                  </a:txBody>
+                  <a:tcPr/>
+                </a:tc>
+                <a:tc>
+                  <a:txBody>
+                    <a:bodyPr/>
+                    <a:lstStyle/>
+                    <a:p>
+                      <a:pPr algn="ctr"/>
+                      <a:endParaRPr lang="it-IT" dirty="0"/>
+                    </a:p>
+                  </a:txBody>
+                  <a:tcPr/>
+                </a:tc>
+                <a:tc>
+                  <a:txBody>
+                    <a:bodyPr/>
+                    <a:lstStyle/>
+                    <a:p>
+                      <a:pPr algn="ctr"/>
+                      <a:endParaRPr lang="it-IT" dirty="0"/>
+                    </a:p>
+                  </a:txBody>
+                  <a:tcPr/>
+                </a:tc>
+                <a:tc>
+                  <a:txBody>
+                    <a:bodyPr/>
+                    <a:lstStyle/>
+                    <a:p>
+                      <a:pPr algn="ctr"/>
+                      <a:endParaRPr lang="it-IT" dirty="0"/>
+                    </a:p>
+                  </a:txBody>
+                  <a:tcPr/>
+                </a:tc>
+                <a:tc>
+                  <a:txBody>
+                    <a:bodyPr/>
+                    <a:lstStyle/>
+                    <a:p>
+                      <a:pPr algn="ctr"/>
+                      <a:endParaRPr lang="it-IT" dirty="0"/>
+                    </a:p>
+                  </a:txBody>
+                  <a:tcPr/>
+                </a:tc>
+              </a:tr>
+              <a:tr h="473204">
+                <a:tc>
+                  <a:txBody>
+                    <a:bodyPr/>
+                    <a:lstStyle/>
+                    <a:p>
+                      <a:pPr algn="ctr"/>
+                      <a:r>
+                        <a:rPr lang="it-IT" dirty="0" err="1" smtClean="0"/>
+                        <a:t>Coypu</a:t>
+                      </a:r>
+                      <a:endParaRPr lang="it-IT" dirty="0"/>
+                    </a:p>
+                  </a:txBody>
+                  <a:tcPr/>
+                </a:tc>
+                <a:tc>
+                  <a:txBody>
+                    <a:bodyPr/>
+                    <a:lstStyle/>
+                    <a:p>
+                      <a:pPr algn="ctr"/>
+                      <a:endParaRPr lang="it-IT" dirty="0"/>
+                    </a:p>
+                  </a:txBody>
+                  <a:tcPr/>
+                </a:tc>
+                <a:tc>
+                  <a:txBody>
+                    <a:bodyPr/>
+                    <a:lstStyle/>
+                    <a:p>
+                      <a:pPr algn="ctr"/>
+                      <a:endParaRPr lang="it-IT" dirty="0"/>
+                    </a:p>
+                  </a:txBody>
+                  <a:tcPr/>
+                </a:tc>
+                <a:tc>
+                  <a:txBody>
+                    <a:bodyPr/>
+                    <a:lstStyle/>
+                    <a:p>
+                      <a:pPr algn="ctr"/>
+                      <a:endParaRPr lang="it-IT" dirty="0"/>
+                    </a:p>
+                  </a:txBody>
+                  <a:tcPr/>
+                </a:tc>
+                <a:tc>
+                  <a:txBody>
+                    <a:bodyPr/>
+                    <a:lstStyle/>
+                    <a:p>
+                      <a:pPr algn="ctr"/>
+                      <a:endParaRPr lang="it-IT" dirty="0"/>
+                    </a:p>
+                  </a:txBody>
+                  <a:tcPr/>
+                </a:tc>
+              </a:tr>
+            </a:tbl>
+          </a:graphicData>
+        </a:graphic>
+      </p:graphicFrame>
+      <p:pic>
+        <p:nvPicPr>
+          <p:cNvPr id="12" name="Picture 11"/>
+          <p:cNvPicPr>
+            <a:picLocks noChangeAspect="1"/>
+          </p:cNvPicPr>
+          <p:nvPr/>
+        </p:nvPicPr>
+        <p:blipFill>
+          <a:blip r:embed="rId2" cstate="print">
+            <a:extLst>
+              <a:ext uri="{28A0092B-C50C-407E-A947-70E740481C1C}">
+                <a14:useLocalDpi xmlns:a14="http://schemas.microsoft.com/office/drawing/2010/main" val="0"/>
+              </a:ext>
+            </a:extLst>
+          </a:blip>
+          <a:stretch>
+            <a:fillRect/>
+          </a:stretch>
+        </p:blipFill>
+        <p:spPr>
+          <a:xfrm>
+            <a:off x="9445080" y="4648921"/>
+            <a:ext cx="900000" cy="900000"/>
+          </a:xfrm>
+          <a:prstGeom prst="rect">
+            <a:avLst/>
+          </a:prstGeom>
+        </p:spPr>
+      </p:pic>
+      <p:pic>
+        <p:nvPicPr>
+          <p:cNvPr id="9" name="Picture 8"/>
+          <p:cNvPicPr>
+            <a:picLocks noChangeAspect="1"/>
+          </p:cNvPicPr>
+          <p:nvPr/>
+        </p:nvPicPr>
+        <p:blipFill>
+          <a:blip r:embed="rId3">
+            <a:extLst>
+              <a:ext uri="{28A0092B-C50C-407E-A947-70E740481C1C}">
+                <a14:useLocalDpi xmlns:a14="http://schemas.microsoft.com/office/drawing/2010/main" val="0"/>
+              </a:ext>
+            </a:extLst>
+          </a:blip>
+          <a:stretch>
+            <a:fillRect/>
+          </a:stretch>
+        </p:blipFill>
+        <p:spPr>
+          <a:xfrm>
+            <a:off x="9715680" y="3071283"/>
+            <a:ext cx="1440000" cy="1257465"/>
+          </a:xfrm>
+          <a:prstGeom prst="rect">
+            <a:avLst/>
+          </a:prstGeom>
+        </p:spPr>
+      </p:pic>
+      <p:sp>
+        <p:nvSpPr>
+          <p:cNvPr id="13" name="Rounded Rectangle 12"/>
+          <p:cNvSpPr/>
+          <p:nvPr/>
+        </p:nvSpPr>
+        <p:spPr>
+          <a:xfrm>
+            <a:off x="9445080" y="1889760"/>
+            <a:ext cx="1981200" cy="1073149"/>
+          </a:xfrm>
+          <a:prstGeom prst="roundRect">
+            <a:avLst>
+              <a:gd name="adj" fmla="val 10000"/>
+            </a:avLst>
+          </a:prstGeom>
+          <a:blipFill dpi="0" rotWithShape="1">
+            <a:blip r:embed="rId4"/>
+            <a:srcRect/>
+            <a:stretch>
+              <a:fillRect l="24525" r="24525"/>
+            </a:stretch>
+          </a:blipFill>
+        </p:spPr>
+        <p:style>
+          <a:lnRef idx="2">
+            <a:schemeClr val="lt1">
+              <a:hueOff val="0"/>
+              <a:satOff val="0"/>
+              <a:lumOff val="0"/>
+              <a:alphaOff val="0"/>
+            </a:schemeClr>
+          </a:lnRef>
+          <a:fillRef idx="1">
+            <a:scrgbClr r="0" g="0" b="0"/>
+          </a:fillRef>
+          <a:effectRef idx="0">
+            <a:schemeClr val="accent1">
+              <a:tint val="50000"/>
+              <a:hueOff val="0"/>
+              <a:satOff val="0"/>
+              <a:lumOff val="0"/>
+              <a:alphaOff val="0"/>
+            </a:schemeClr>
+          </a:effectRef>
+          <a:fontRef idx="minor">
+            <a:schemeClr val="lt1">
+              <a:hueOff val="0"/>
+              <a:satOff val="0"/>
+              <a:lumOff val="0"/>
+              <a:alphaOff val="0"/>
+            </a:schemeClr>
+          </a:fontRef>
+        </p:style>
+      </p:sp>
+      <p:pic>
+        <p:nvPicPr>
+          <p:cNvPr id="14" name="Picture 13"/>
+          <p:cNvPicPr>
+            <a:picLocks noChangeAspect="1"/>
+          </p:cNvPicPr>
+          <p:nvPr/>
+        </p:nvPicPr>
+        <p:blipFill>
+          <a:blip r:embed="rId5" cstate="print">
+            <a:extLst>
+              <a:ext uri="{28A0092B-C50C-407E-A947-70E740481C1C}">
+                <a14:useLocalDpi xmlns:a14="http://schemas.microsoft.com/office/drawing/2010/main" val="0"/>
+              </a:ext>
+            </a:extLst>
+          </a:blip>
+          <a:stretch>
+            <a:fillRect/>
+          </a:stretch>
+        </p:blipFill>
+        <p:spPr>
+          <a:xfrm>
+            <a:off x="10526280" y="4680770"/>
+            <a:ext cx="900000" cy="836301"/>
+          </a:xfrm>
+          <a:prstGeom prst="rect">
+            <a:avLst/>
+          </a:prstGeom>
+        </p:spPr>
+      </p:pic>
+    </p:spTree>
+    <p:extLst>
+      <p:ext uri="{BB962C8B-B14F-4D97-AF65-F5344CB8AC3E}">
+        <p14:creationId xmlns:p14="http://schemas.microsoft.com/office/powerpoint/2010/main" val="1840857643"/>
       </p:ext>
     </p:extLst>
   </p:cSld>
@@ -30702,13 +35958,8 @@
             </a:pPr>
             <a:r>
               <a:rPr lang="it-IT" dirty="0" smtClean="0"/>
-              <a:t>Interfaccia </a:t>
+              <a:t>Interfaccia e layout;</a:t>
             </a:r>
-            <a:r>
-              <a:rPr lang="it-IT" dirty="0" smtClean="0"/>
-              <a:t>e layout;</a:t>
-            </a:r>
-            <a:endParaRPr lang="it-IT" dirty="0" smtClean="0"/>
           </a:p>
           <a:p>
             <a:pPr lvl="1">
@@ -30719,11 +35970,7 @@
             </a:pPr>
             <a:r>
               <a:rPr lang="it-IT" dirty="0" smtClean="0"/>
-              <a:t>Tecnologie </a:t>
-            </a:r>
-            <a:r>
-              <a:rPr lang="it-IT" dirty="0" smtClean="0"/>
-              <a:t>utilizzate;</a:t>
+              <a:t>Tecnologie utilizzate;</a:t>
             </a:r>
             <a:endParaRPr lang="it-IT" dirty="0"/>
           </a:p>
@@ -30744,11 +35991,7 @@
             </a:r>
             <a:r>
               <a:rPr lang="it-IT" dirty="0" smtClean="0"/>
-              <a:t>utilizzando una libreria di test di </a:t>
-            </a:r>
-            <a:r>
-              <a:rPr lang="it-IT" dirty="0" smtClean="0"/>
-              <a:t>accettazione:</a:t>
+              <a:t>utilizzando una libreria di test di accettazione:</a:t>
             </a:r>
           </a:p>
           <a:p>
@@ -31558,76 +36801,16 @@
         <a:srgbClr val="B26B02"/>
       </a:folHlink>
     </a:clrScheme>
-    <a:fontScheme name="Retrospect">
+    <a:fontScheme name="xblog">
       <a:majorFont>
-        <a:latin typeface="Calibri Light" panose="020F0302020204030204"/>
+        <a:latin typeface="Varela Round"/>
         <a:ea typeface=""/>
         <a:cs typeface=""/>
-        <a:font script="Jpan" typeface="ＭＳ Ｐゴシック"/>
-        <a:font script="Hang" typeface="맑은 고딕"/>
-        <a:font script="Hans" typeface="宋体"/>
-        <a:font script="Hant" typeface="新細明體"/>
-        <a:font script="Arab" typeface="Times New Roman"/>
-        <a:font script="Hebr" typeface="Times New Roman"/>
-        <a:font script="Thai" typeface="Angsana New"/>
-        <a:font script="Ethi" typeface="Nyala"/>
-        <a:font script="Beng" typeface="Vrinda"/>
-        <a:font script="Gujr" typeface="Shruti"/>
-        <a:font script="Khmr" typeface="MoolBoran"/>
-        <a:font script="Knda" typeface="Tunga"/>
-        <a:font script="Guru" typeface="Raavi"/>
-        <a:font script="Cans" typeface="Euphemia"/>
-        <a:font script="Cher" typeface="Plantagenet Cherokee"/>
-        <a:font script="Yiii" typeface="Microsoft Yi Baiti"/>
-        <a:font script="Tibt" typeface="Microsoft Himalaya"/>
-        <a:font script="Thaa" typeface="MV Boli"/>
-        <a:font script="Deva" typeface="Mangal"/>
-        <a:font script="Telu" typeface="Gautami"/>
-        <a:font script="Taml" typeface="Latha"/>
-        <a:font script="Syrc" typeface="Estrangelo Edessa"/>
-        <a:font script="Orya" typeface="Kalinga"/>
-        <a:font script="Mlym" typeface="Kartika"/>
-        <a:font script="Laoo" typeface="DokChampa"/>
-        <a:font script="Sinh" typeface="Iskoola Pota"/>
-        <a:font script="Mong" typeface="Mongolian Baiti"/>
-        <a:font script="Viet" typeface="Times New Roman"/>
-        <a:font script="Uigh" typeface="Microsoft Uighur"/>
-        <a:font script="Geor" typeface="Sylfaen"/>
       </a:majorFont>
       <a:minorFont>
-        <a:latin typeface="Calibri" panose="020F0502020204030204"/>
+        <a:latin typeface="Varela Round"/>
         <a:ea typeface=""/>
         <a:cs typeface=""/>
-        <a:font script="Jpan" typeface="ＭＳ Ｐゴシック"/>
-        <a:font script="Hang" typeface="맑은 고딕"/>
-        <a:font script="Hans" typeface="宋体"/>
-        <a:font script="Hant" typeface="新細明體"/>
-        <a:font script="Arab" typeface="Arial"/>
-        <a:font script="Hebr" typeface="Arial"/>
-        <a:font script="Thai" typeface="Cordia New"/>
-        <a:font script="Ethi" typeface="Nyala"/>
-        <a:font script="Beng" typeface="Vrinda"/>
-        <a:font script="Gujr" typeface="Shruti"/>
-        <a:font script="Khmr" typeface="DaunPenh"/>
-        <a:font script="Knda" typeface="Tunga"/>
-        <a:font script="Guru" typeface="Raavi"/>
-        <a:font script="Cans" typeface="Euphemia"/>
-        <a:font script="Cher" typeface="Plantagenet Cherokee"/>
-        <a:font script="Yiii" typeface="Microsoft Yi Baiti"/>
-        <a:font script="Tibt" typeface="Microsoft Himalaya"/>
-        <a:font script="Thaa" typeface="MV Boli"/>
-        <a:font script="Deva" typeface="Mangal"/>
-        <a:font script="Telu" typeface="Gautami"/>
-        <a:font script="Taml" typeface="Latha"/>
-        <a:font script="Syrc" typeface="Estrangelo Edessa"/>
-        <a:font script="Orya" typeface="Kalinga"/>
-        <a:font script="Mlym" typeface="Kartika"/>
-        <a:font script="Laoo" typeface="DokChampa"/>
-        <a:font script="Sinh" typeface="Iskoola Pota"/>
-        <a:font script="Mong" typeface="Mongolian Baiti"/>
-        <a:font script="Viet" typeface="Arial"/>
-        <a:font script="Uigh" typeface="Microsoft Uighur"/>
-        <a:font script="Geor" typeface="Sylfaen"/>
       </a:minorFont>
     </a:fontScheme>
     <a:fmtScheme name="Retrospect">

--- a/Presentazione.pptx
+++ b/Presentazione.pptx
@@ -7915,7 +7915,7 @@
       <dgm:spPr/>
     </dgm:pt>
     <dgm:pt modelId="{85B8A7D0-D87E-476D-8CD5-C36200C50AC1}" type="pres">
-      <dgm:prSet presAssocID="{96853F03-5054-4C2A-BBB3-50B29B977C23}" presName="box" presStyleLbl="node1" presStyleIdx="0" presStyleCnt="3" custScaleX="100000"/>
+      <dgm:prSet presAssocID="{96853F03-5054-4C2A-BBB3-50B29B977C23}" presName="box" presStyleLbl="node1" presStyleIdx="0" presStyleCnt="3" custScaleX="100000" custLinFactNeighborX="-3282"/>
       <dgm:spPr/>
       <dgm:t>
         <a:bodyPr/>
@@ -8364,7 +8364,7 @@
       <dgm:spPr/>
     </dgm:pt>
     <dgm:pt modelId="{85B8A7D0-D87E-476D-8CD5-C36200C50AC1}" type="pres">
-      <dgm:prSet presAssocID="{96853F03-5054-4C2A-BBB3-50B29B977C23}" presName="box" presStyleLbl="node1" presStyleIdx="0" presStyleCnt="3"/>
+      <dgm:prSet presAssocID="{96853F03-5054-4C2A-BBB3-50B29B977C23}" presName="box" presStyleLbl="node1" presStyleIdx="0" presStyleCnt="3" custLinFactNeighborY="-1893"/>
       <dgm:spPr/>
       <dgm:t>
         <a:bodyPr/>
@@ -8615,7 +8615,6 @@
             <a:rPr lang="it-IT" sz="2200" dirty="0" smtClean="0"/>
             <a:t>, …</a:t>
           </a:r>
-          <a:endParaRPr lang="it-IT" sz="2200" dirty="0" smtClean="0"/>
         </a:p>
       </dgm:t>
     </dgm:pt>
@@ -9437,8 +9436,32 @@
       </dgm:t>
     </dgm:pt>
     <dgm:pt modelId="{C7897C54-F800-44B8-B2E0-E3F6280CA0C8}">
-      <dgm:prSet phldrT="[Text]"/>
-      <dgm:spPr/>
+      <dgm:prSet phldrT="[Text]">
+        <dgm:style>
+          <a:lnRef idx="2">
+            <a:schemeClr val="accent5"/>
+          </a:lnRef>
+          <a:fillRef idx="1">
+            <a:schemeClr val="lt1"/>
+          </a:fillRef>
+          <a:effectRef idx="0">
+            <a:schemeClr val="accent5"/>
+          </a:effectRef>
+          <a:fontRef idx="minor">
+            <a:schemeClr val="dk1"/>
+          </a:fontRef>
+        </dgm:style>
+      </dgm:prSet>
+      <dgm:spPr>
+        <a:solidFill>
+          <a:srgbClr val="70B2E1"/>
+        </a:solidFill>
+        <a:ln w="28575">
+          <a:solidFill>
+            <a:srgbClr val="006BAB"/>
+          </a:solidFill>
+        </a:ln>
+      </dgm:spPr>
       <dgm:t>
         <a:bodyPr/>
         <a:lstStyle/>
@@ -9474,7 +9497,22 @@
       </dgm:t>
     </dgm:pt>
     <dgm:pt modelId="{A0AA2172-E60F-4EE6-997C-5F090CFF3574}">
-      <dgm:prSet phldrT="[Text]"/>
+      <dgm:prSet phldrT="[Text]">
+        <dgm:style>
+          <a:lnRef idx="2">
+            <a:schemeClr val="accent1"/>
+          </a:lnRef>
+          <a:fillRef idx="1">
+            <a:schemeClr val="lt1"/>
+          </a:fillRef>
+          <a:effectRef idx="0">
+            <a:schemeClr val="accent1"/>
+          </a:effectRef>
+          <a:fontRef idx="minor">
+            <a:schemeClr val="dk1"/>
+          </a:fontRef>
+        </dgm:style>
+      </dgm:prSet>
       <dgm:spPr/>
       <dgm:t>
         <a:bodyPr/>
@@ -9511,7 +9549,22 @@
       </dgm:t>
     </dgm:pt>
     <dgm:pt modelId="{BC491DEC-2DE0-4650-8339-783DCFD8374B}">
-      <dgm:prSet phldrT="[Text]"/>
+      <dgm:prSet phldrT="[Text]">
+        <dgm:style>
+          <a:lnRef idx="2">
+            <a:schemeClr val="accent1"/>
+          </a:lnRef>
+          <a:fillRef idx="1">
+            <a:schemeClr val="lt1"/>
+          </a:fillRef>
+          <a:effectRef idx="0">
+            <a:schemeClr val="accent1"/>
+          </a:effectRef>
+          <a:fontRef idx="minor">
+            <a:schemeClr val="dk1"/>
+          </a:fontRef>
+        </dgm:style>
+      </dgm:prSet>
       <dgm:spPr/>
       <dgm:t>
         <a:bodyPr/>
@@ -9548,8 +9601,32 @@
       </dgm:t>
     </dgm:pt>
     <dgm:pt modelId="{EAE98432-45EF-49FC-84CF-CAFF81DB5CD7}">
-      <dgm:prSet phldrT="[Text]"/>
-      <dgm:spPr/>
+      <dgm:prSet phldrT="[Text]">
+        <dgm:style>
+          <a:lnRef idx="2">
+            <a:schemeClr val="accent5"/>
+          </a:lnRef>
+          <a:fillRef idx="1">
+            <a:schemeClr val="lt1"/>
+          </a:fillRef>
+          <a:effectRef idx="0">
+            <a:schemeClr val="accent5"/>
+          </a:effectRef>
+          <a:fontRef idx="minor">
+            <a:schemeClr val="dk1"/>
+          </a:fontRef>
+        </dgm:style>
+      </dgm:prSet>
+      <dgm:spPr>
+        <a:solidFill>
+          <a:srgbClr val="70B2E1"/>
+        </a:solidFill>
+        <a:ln w="28575">
+          <a:solidFill>
+            <a:srgbClr val="006BAB"/>
+          </a:solidFill>
+        </a:ln>
+      </dgm:spPr>
       <dgm:t>
         <a:bodyPr/>
         <a:lstStyle/>
@@ -9585,7 +9662,22 @@
       </dgm:t>
     </dgm:pt>
     <dgm:pt modelId="{D0DF8467-DA3A-437F-B3BE-2D4E4C36AE23}">
-      <dgm:prSet phldrT="[Text]"/>
+      <dgm:prSet phldrT="[Text]">
+        <dgm:style>
+          <a:lnRef idx="2">
+            <a:schemeClr val="accent1"/>
+          </a:lnRef>
+          <a:fillRef idx="1">
+            <a:schemeClr val="lt1"/>
+          </a:fillRef>
+          <a:effectRef idx="0">
+            <a:schemeClr val="accent1"/>
+          </a:effectRef>
+          <a:fontRef idx="minor">
+            <a:schemeClr val="dk1"/>
+          </a:fontRef>
+        </dgm:style>
+      </dgm:prSet>
       <dgm:spPr/>
       <dgm:t>
         <a:bodyPr/>
@@ -9622,7 +9714,22 @@
       </dgm:t>
     </dgm:pt>
     <dgm:pt modelId="{5CA24573-BC92-4A10-A1B3-2B7F5A92872F}">
-      <dgm:prSet phldrT="[Text]"/>
+      <dgm:prSet phldrT="[Text]">
+        <dgm:style>
+          <a:lnRef idx="2">
+            <a:schemeClr val="accent1"/>
+          </a:lnRef>
+          <a:fillRef idx="1">
+            <a:schemeClr val="lt1"/>
+          </a:fillRef>
+          <a:effectRef idx="0">
+            <a:schemeClr val="accent1"/>
+          </a:effectRef>
+          <a:fontRef idx="minor">
+            <a:schemeClr val="dk1"/>
+          </a:fontRef>
+        </dgm:style>
+      </dgm:prSet>
       <dgm:spPr/>
       <dgm:t>
         <a:bodyPr/>
@@ -9659,8 +9766,32 @@
       </dgm:t>
     </dgm:pt>
     <dgm:pt modelId="{0F152F44-1198-43AC-86E7-8E96A8CB883F}">
-      <dgm:prSet phldrT="[Text]"/>
-      <dgm:spPr/>
+      <dgm:prSet phldrT="[Text]">
+        <dgm:style>
+          <a:lnRef idx="2">
+            <a:schemeClr val="accent5"/>
+          </a:lnRef>
+          <a:fillRef idx="1">
+            <a:schemeClr val="lt1"/>
+          </a:fillRef>
+          <a:effectRef idx="0">
+            <a:schemeClr val="accent5"/>
+          </a:effectRef>
+          <a:fontRef idx="minor">
+            <a:schemeClr val="dk1"/>
+          </a:fontRef>
+        </dgm:style>
+      </dgm:prSet>
+      <dgm:spPr>
+        <a:solidFill>
+          <a:srgbClr val="70B2E1"/>
+        </a:solidFill>
+        <a:ln w="28575">
+          <a:solidFill>
+            <a:srgbClr val="006BAB"/>
+          </a:solidFill>
+        </a:ln>
+      </dgm:spPr>
       <dgm:t>
         <a:bodyPr/>
         <a:lstStyle/>
@@ -9696,7 +9827,22 @@
       </dgm:t>
     </dgm:pt>
     <dgm:pt modelId="{4A7424E4-33FE-4962-8C87-8F65E64E05A4}">
-      <dgm:prSet phldrT="[Text]"/>
+      <dgm:prSet phldrT="[Text]">
+        <dgm:style>
+          <a:lnRef idx="2">
+            <a:schemeClr val="accent1"/>
+          </a:lnRef>
+          <a:fillRef idx="1">
+            <a:schemeClr val="lt1"/>
+          </a:fillRef>
+          <a:effectRef idx="0">
+            <a:schemeClr val="accent1"/>
+          </a:effectRef>
+          <a:fontRef idx="minor">
+            <a:schemeClr val="dk1"/>
+          </a:fontRef>
+        </dgm:style>
+      </dgm:prSet>
       <dgm:spPr/>
       <dgm:t>
         <a:bodyPr/>
@@ -9733,7 +9879,22 @@
       </dgm:t>
     </dgm:pt>
     <dgm:pt modelId="{60C267EA-503E-40EE-A033-A0D69762F4DE}">
-      <dgm:prSet phldrT="[Text]"/>
+      <dgm:prSet phldrT="[Text]">
+        <dgm:style>
+          <a:lnRef idx="2">
+            <a:schemeClr val="accent1"/>
+          </a:lnRef>
+          <a:fillRef idx="1">
+            <a:schemeClr val="lt1"/>
+          </a:fillRef>
+          <a:effectRef idx="0">
+            <a:schemeClr val="accent1"/>
+          </a:effectRef>
+          <a:fontRef idx="minor">
+            <a:schemeClr val="dk1"/>
+          </a:fontRef>
+        </dgm:style>
+      </dgm:prSet>
       <dgm:spPr/>
       <dgm:t>
         <a:bodyPr/>
@@ -9798,7 +9959,7 @@
       </dgm:t>
     </dgm:pt>
     <dgm:pt modelId="{F11A811D-BF03-46F9-903E-86A9AAAF8A3D}" type="pres">
-      <dgm:prSet presAssocID="{C7897C54-F800-44B8-B2E0-E3F6280CA0C8}" presName="parentText" presStyleLbl="node1" presStyleIdx="0" presStyleCnt="3">
+      <dgm:prSet presAssocID="{C7897C54-F800-44B8-B2E0-E3F6280CA0C8}" presName="parentText" presStyleLbl="node1" presStyleIdx="0" presStyleCnt="3" custLinFactNeighborY="-1585">
         <dgm:presLayoutVars>
           <dgm:chMax val="1"/>
           <dgm:bulletEnabled val="1"/>
@@ -9936,25 +10097,25 @@
     </dgm:pt>
   </dgm:ptLst>
   <dgm:cxnLst>
+    <dgm:cxn modelId="{582372E9-5AA5-4FD6-9726-8F7A03DE974F}" type="presOf" srcId="{60C267EA-503E-40EE-A033-A0D69762F4DE}" destId="{3DCABB5E-815A-4018-894D-BB2152A05B74}" srcOrd="0" destOrd="1" presId="urn:microsoft.com/office/officeart/2005/8/layout/vList5"/>
+    <dgm:cxn modelId="{EE3D5F84-4287-4B55-B023-7875064AD5BB}" type="presOf" srcId="{A0AA2172-E60F-4EE6-997C-5F090CFF3574}" destId="{84E8FD5B-F47E-455E-849A-EF1F394AFB08}" srcOrd="0" destOrd="0" presId="urn:microsoft.com/office/officeart/2005/8/layout/vList5"/>
+    <dgm:cxn modelId="{A8509B04-2146-4093-952C-B45A98B5261A}" srcId="{EAE98432-45EF-49FC-84CF-CAFF81DB5CD7}" destId="{5CA24573-BC92-4A10-A1B3-2B7F5A92872F}" srcOrd="1" destOrd="0" parTransId="{59C34C33-CF9C-4B06-993D-E9167933D4A6}" sibTransId="{AE0EC781-1BB0-4A1D-BEF1-E22640B4A60A}"/>
+    <dgm:cxn modelId="{D5F49355-8AE6-466F-A51C-35CC6EDD7CC8}" type="presOf" srcId="{EEE8A3FA-F383-4D0F-B67A-40AD33C5E313}" destId="{F733AC26-86E5-4483-9535-2A97BBA27B1D}" srcOrd="0" destOrd="0" presId="urn:microsoft.com/office/officeart/2005/8/layout/vList5"/>
+    <dgm:cxn modelId="{2389203F-74E3-464B-A439-71969A57CFC9}" type="presOf" srcId="{4A7424E4-33FE-4962-8C87-8F65E64E05A4}" destId="{3DCABB5E-815A-4018-894D-BB2152A05B74}" srcOrd="0" destOrd="0" presId="urn:microsoft.com/office/officeart/2005/8/layout/vList5"/>
+    <dgm:cxn modelId="{DBAB86BD-49FE-400F-A142-34120B5BF832}" type="presOf" srcId="{D0DF8467-DA3A-437F-B3BE-2D4E4C36AE23}" destId="{84047048-3489-45FD-AD42-23C8F293A5F6}" srcOrd="0" destOrd="0" presId="urn:microsoft.com/office/officeart/2005/8/layout/vList5"/>
+    <dgm:cxn modelId="{3A88C447-9A89-4EC9-9943-D4846AD04A36}" srcId="{EEE8A3FA-F383-4D0F-B67A-40AD33C5E313}" destId="{0F152F44-1198-43AC-86E7-8E96A8CB883F}" srcOrd="2" destOrd="0" parTransId="{255219C8-00D9-4D6E-8429-5D9B2A9DD4C9}" sibTransId="{CEEF77D7-AFC1-4328-B282-96AAECA29424}"/>
+    <dgm:cxn modelId="{14D34CDC-DDE0-4DE9-81F7-7B8151BD0D17}" srcId="{0F152F44-1198-43AC-86E7-8E96A8CB883F}" destId="{4A7424E4-33FE-4962-8C87-8F65E64E05A4}" srcOrd="0" destOrd="0" parTransId="{F0B2D6AB-5F2F-4713-B45E-30DA114C481F}" sibTransId="{3C0C09AD-99F4-4527-8671-FA4FF5A98971}"/>
+    <dgm:cxn modelId="{C9A65338-A148-4C28-8AAA-65F212680BEF}" type="presOf" srcId="{C7897C54-F800-44B8-B2E0-E3F6280CA0C8}" destId="{F11A811D-BF03-46F9-903E-86A9AAAF8A3D}" srcOrd="0" destOrd="0" presId="urn:microsoft.com/office/officeart/2005/8/layout/vList5"/>
+    <dgm:cxn modelId="{DBF7F01A-A691-4CAE-A333-56E19FE45680}" type="presOf" srcId="{0F152F44-1198-43AC-86E7-8E96A8CB883F}" destId="{B6BE7333-28CC-4023-A7F5-52E95F94DCDE}" srcOrd="0" destOrd="0" presId="urn:microsoft.com/office/officeart/2005/8/layout/vList5"/>
+    <dgm:cxn modelId="{C15160EE-E6D8-4FAE-A151-D3A7080B0A99}" srcId="{EEE8A3FA-F383-4D0F-B67A-40AD33C5E313}" destId="{C7897C54-F800-44B8-B2E0-E3F6280CA0C8}" srcOrd="0" destOrd="0" parTransId="{B538B416-3964-486B-B3A4-0CF22326C761}" sibTransId="{8874BCF8-81F5-4A6B-B3C3-5FDED006647A}"/>
     <dgm:cxn modelId="{1633A6CD-F59F-482B-A821-7C54C90514DF}" srcId="{EEE8A3FA-F383-4D0F-B67A-40AD33C5E313}" destId="{EAE98432-45EF-49FC-84CF-CAFF81DB5CD7}" srcOrd="1" destOrd="0" parTransId="{0B7295D3-AB6A-408E-B4E1-36D0BF9BED6E}" sibTransId="{2057EE9D-E2B0-4FBA-9B4A-EC037242B740}"/>
-    <dgm:cxn modelId="{582372E9-5AA5-4FD6-9726-8F7A03DE974F}" type="presOf" srcId="{60C267EA-503E-40EE-A033-A0D69762F4DE}" destId="{3DCABB5E-815A-4018-894D-BB2152A05B74}" srcOrd="0" destOrd="1" presId="urn:microsoft.com/office/officeart/2005/8/layout/vList5"/>
-    <dgm:cxn modelId="{3A88C447-9A89-4EC9-9943-D4846AD04A36}" srcId="{EEE8A3FA-F383-4D0F-B67A-40AD33C5E313}" destId="{0F152F44-1198-43AC-86E7-8E96A8CB883F}" srcOrd="2" destOrd="0" parTransId="{255219C8-00D9-4D6E-8429-5D9B2A9DD4C9}" sibTransId="{CEEF77D7-AFC1-4328-B282-96AAECA29424}"/>
+    <dgm:cxn modelId="{8B8C56C6-02E8-4B27-975C-B8C808A6B68F}" type="presOf" srcId="{BC491DEC-2DE0-4650-8339-783DCFD8374B}" destId="{84E8FD5B-F47E-455E-849A-EF1F394AFB08}" srcOrd="0" destOrd="1" presId="urn:microsoft.com/office/officeart/2005/8/layout/vList5"/>
     <dgm:cxn modelId="{F339A4E5-37F9-43A7-AC7E-47E72C4207F1}" srcId="{C7897C54-F800-44B8-B2E0-E3F6280CA0C8}" destId="{A0AA2172-E60F-4EE6-997C-5F090CFF3574}" srcOrd="0" destOrd="0" parTransId="{768D02CB-52CC-4206-B8CA-AFA5F65CA0C9}" sibTransId="{F2A80081-5E49-4D88-BBFF-B694C9F0DE43}"/>
-    <dgm:cxn modelId="{8B8C56C6-02E8-4B27-975C-B8C808A6B68F}" type="presOf" srcId="{BC491DEC-2DE0-4650-8339-783DCFD8374B}" destId="{84E8FD5B-F47E-455E-849A-EF1F394AFB08}" srcOrd="0" destOrd="1" presId="urn:microsoft.com/office/officeart/2005/8/layout/vList5"/>
-    <dgm:cxn modelId="{A8509B04-2146-4093-952C-B45A98B5261A}" srcId="{EAE98432-45EF-49FC-84CF-CAFF81DB5CD7}" destId="{5CA24573-BC92-4A10-A1B3-2B7F5A92872F}" srcOrd="1" destOrd="0" parTransId="{59C34C33-CF9C-4B06-993D-E9167933D4A6}" sibTransId="{AE0EC781-1BB0-4A1D-BEF1-E22640B4A60A}"/>
-    <dgm:cxn modelId="{C15160EE-E6D8-4FAE-A151-D3A7080B0A99}" srcId="{EEE8A3FA-F383-4D0F-B67A-40AD33C5E313}" destId="{C7897C54-F800-44B8-B2E0-E3F6280CA0C8}" srcOrd="0" destOrd="0" parTransId="{B538B416-3964-486B-B3A4-0CF22326C761}" sibTransId="{8874BCF8-81F5-4A6B-B3C3-5FDED006647A}"/>
+    <dgm:cxn modelId="{DD126B35-DDAF-4A09-98E6-EAAAA1F0C85E}" srcId="{0F152F44-1198-43AC-86E7-8E96A8CB883F}" destId="{60C267EA-503E-40EE-A033-A0D69762F4DE}" srcOrd="1" destOrd="0" parTransId="{C1103FC2-D532-4D8D-9065-6C47D17A2331}" sibTransId="{A3B6FC1C-ECE9-4880-9A67-B011E171FB83}"/>
+    <dgm:cxn modelId="{E521E888-6BF8-47D0-91A9-8DDF6A1AFBE2}" srcId="{C7897C54-F800-44B8-B2E0-E3F6280CA0C8}" destId="{BC491DEC-2DE0-4650-8339-783DCFD8374B}" srcOrd="1" destOrd="0" parTransId="{4ADB86D3-83DC-4CFA-9509-46BE32E09462}" sibTransId="{1AB16834-9CDF-434C-9DE7-82B4383238F5}"/>
     <dgm:cxn modelId="{0E68D9FF-0B9D-4E81-B687-E83107DD8E8C}" srcId="{EAE98432-45EF-49FC-84CF-CAFF81DB5CD7}" destId="{D0DF8467-DA3A-437F-B3BE-2D4E4C36AE23}" srcOrd="0" destOrd="0" parTransId="{5A2CB50E-3A3A-41B2-B052-07A44CB96E45}" sibTransId="{66DDADC9-0E8B-42D4-B1EA-74A3270B8D9E}"/>
     <dgm:cxn modelId="{A5F32142-12BC-425D-8490-97E883A97E62}" type="presOf" srcId="{EAE98432-45EF-49FC-84CF-CAFF81DB5CD7}" destId="{D5BA7D7F-A832-4CB0-971D-4F0DE6BF012E}" srcOrd="0" destOrd="0" presId="urn:microsoft.com/office/officeart/2005/8/layout/vList5"/>
-    <dgm:cxn modelId="{DD126B35-DDAF-4A09-98E6-EAAAA1F0C85E}" srcId="{0F152F44-1198-43AC-86E7-8E96A8CB883F}" destId="{60C267EA-503E-40EE-A033-A0D69762F4DE}" srcOrd="1" destOrd="0" parTransId="{C1103FC2-D532-4D8D-9065-6C47D17A2331}" sibTransId="{A3B6FC1C-ECE9-4880-9A67-B011E171FB83}"/>
-    <dgm:cxn modelId="{14D34CDC-DDE0-4DE9-81F7-7B8151BD0D17}" srcId="{0F152F44-1198-43AC-86E7-8E96A8CB883F}" destId="{4A7424E4-33FE-4962-8C87-8F65E64E05A4}" srcOrd="0" destOrd="0" parTransId="{F0B2D6AB-5F2F-4713-B45E-30DA114C481F}" sibTransId="{3C0C09AD-99F4-4527-8671-FA4FF5A98971}"/>
-    <dgm:cxn modelId="{2389203F-74E3-464B-A439-71969A57CFC9}" type="presOf" srcId="{4A7424E4-33FE-4962-8C87-8F65E64E05A4}" destId="{3DCABB5E-815A-4018-894D-BB2152A05B74}" srcOrd="0" destOrd="0" presId="urn:microsoft.com/office/officeart/2005/8/layout/vList5"/>
     <dgm:cxn modelId="{BEAC364D-7BE1-44AB-8350-521CDA18CE36}" type="presOf" srcId="{5CA24573-BC92-4A10-A1B3-2B7F5A92872F}" destId="{84047048-3489-45FD-AD42-23C8F293A5F6}" srcOrd="0" destOrd="1" presId="urn:microsoft.com/office/officeart/2005/8/layout/vList5"/>
-    <dgm:cxn modelId="{E521E888-6BF8-47D0-91A9-8DDF6A1AFBE2}" srcId="{C7897C54-F800-44B8-B2E0-E3F6280CA0C8}" destId="{BC491DEC-2DE0-4650-8339-783DCFD8374B}" srcOrd="1" destOrd="0" parTransId="{4ADB86D3-83DC-4CFA-9509-46BE32E09462}" sibTransId="{1AB16834-9CDF-434C-9DE7-82B4383238F5}"/>
-    <dgm:cxn modelId="{D5F49355-8AE6-466F-A51C-35CC6EDD7CC8}" type="presOf" srcId="{EEE8A3FA-F383-4D0F-B67A-40AD33C5E313}" destId="{F733AC26-86E5-4483-9535-2A97BBA27B1D}" srcOrd="0" destOrd="0" presId="urn:microsoft.com/office/officeart/2005/8/layout/vList5"/>
-    <dgm:cxn modelId="{DBAB86BD-49FE-400F-A142-34120B5BF832}" type="presOf" srcId="{D0DF8467-DA3A-437F-B3BE-2D4E4C36AE23}" destId="{84047048-3489-45FD-AD42-23C8F293A5F6}" srcOrd="0" destOrd="0" presId="urn:microsoft.com/office/officeart/2005/8/layout/vList5"/>
-    <dgm:cxn modelId="{DBF7F01A-A691-4CAE-A333-56E19FE45680}" type="presOf" srcId="{0F152F44-1198-43AC-86E7-8E96A8CB883F}" destId="{B6BE7333-28CC-4023-A7F5-52E95F94DCDE}" srcOrd="0" destOrd="0" presId="urn:microsoft.com/office/officeart/2005/8/layout/vList5"/>
-    <dgm:cxn modelId="{C9A65338-A148-4C28-8AAA-65F212680BEF}" type="presOf" srcId="{C7897C54-F800-44B8-B2E0-E3F6280CA0C8}" destId="{F11A811D-BF03-46F9-903E-86A9AAAF8A3D}" srcOrd="0" destOrd="0" presId="urn:microsoft.com/office/officeart/2005/8/layout/vList5"/>
-    <dgm:cxn modelId="{EE3D5F84-4287-4B55-B023-7875064AD5BB}" type="presOf" srcId="{A0AA2172-E60F-4EE6-997C-5F090CFF3574}" destId="{84E8FD5B-F47E-455E-849A-EF1F394AFB08}" srcOrd="0" destOrd="0" presId="urn:microsoft.com/office/officeart/2005/8/layout/vList5"/>
     <dgm:cxn modelId="{4121EC55-83B5-4942-A2B5-6A0641B932C1}" type="presParOf" srcId="{F733AC26-86E5-4483-9535-2A97BBA27B1D}" destId="{180908C7-BEE4-4F09-9D4E-DE602BA01834}" srcOrd="0" destOrd="0" presId="urn:microsoft.com/office/officeart/2005/8/layout/vList5"/>
     <dgm:cxn modelId="{64D2F2A9-7178-4B1E-AAB3-D0CCE39B8351}" type="presParOf" srcId="{180908C7-BEE4-4F09-9D4E-DE602BA01834}" destId="{F11A811D-BF03-46F9-903E-86A9AAAF8A3D}" srcOrd="0" destOrd="0" presId="urn:microsoft.com/office/officeart/2005/8/layout/vList5"/>
     <dgm:cxn modelId="{9EA16BD2-3DD6-4C1B-81CE-4C87DC1F3CCB}" type="presParOf" srcId="{180908C7-BEE4-4F09-9D4E-DE602BA01834}" destId="{84E8FD5B-F47E-455E-849A-EF1F394AFB08}" srcOrd="1" destOrd="0" presId="urn:microsoft.com/office/officeart/2005/8/layout/vList5"/>
@@ -9981,7 +10142,7 @@
 <dgm:dataModel xmlns:dgm="http://schemas.openxmlformats.org/drawingml/2006/diagram" xmlns:a="http://schemas.openxmlformats.org/drawingml/2006/main">
   <dgm:ptLst>
     <dgm:pt modelId="{B342B404-18AA-413C-945D-CD72F2C93D08}" type="doc">
-      <dgm:prSet loTypeId="urn:microsoft.com/office/officeart/2005/8/layout/process4" loCatId="process" qsTypeId="urn:microsoft.com/office/officeart/2005/8/quickstyle/simple4" qsCatId="simple" csTypeId="urn:microsoft.com/office/officeart/2005/8/colors/accent2_1" csCatId="accent2" phldr="1"/>
+      <dgm:prSet loTypeId="urn:microsoft.com/office/officeart/2005/8/layout/process4" loCatId="process" qsTypeId="urn:microsoft.com/office/officeart/2005/8/quickstyle/simple3" qsCatId="simple" csTypeId="urn:microsoft.com/office/officeart/2005/8/colors/accent2_1" csCatId="accent2" phldr="1"/>
       <dgm:spPr/>
       <dgm:t>
         <a:bodyPr/>
@@ -10031,8 +10192,14 @@
     <dgm:pt modelId="{23B585BB-07F5-4CC9-8420-B6E5B5D04DA0}">
       <dgm:prSet phldrT="[Text]"/>
       <dgm:spPr>
-        <a:ln>
-          <a:noFill/>
+        <a:ln w="38100">
+          <a:solidFill>
+            <a:schemeClr val="tx1">
+              <a:lumMod val="50000"/>
+              <a:lumOff val="50000"/>
+              <a:alpha val="90000"/>
+            </a:schemeClr>
+          </a:solidFill>
         </a:ln>
       </dgm:spPr>
       <dgm:t>
@@ -10109,11 +10276,9 @@
     <dgm:pt modelId="{7B06B76E-B0CA-4321-9239-AD72C2C4C742}">
       <dgm:prSet phldrT="[Text]"/>
       <dgm:spPr>
-        <a:ln w="25400">
+        <a:ln w="38100">
           <a:solidFill>
-            <a:srgbClr val="B23333">
-              <a:alpha val="90000"/>
-            </a:srgbClr>
+            <a:srgbClr val="B23333"/>
           </a:solidFill>
         </a:ln>
       </dgm:spPr>
@@ -10154,11 +10319,9 @@
     <dgm:pt modelId="{1FADB0BD-B473-4ED6-8A0B-3DC5CC84C43A}">
       <dgm:prSet phldrT="[Text]"/>
       <dgm:spPr>
-        <a:ln w="25400">
+        <a:ln w="38100">
           <a:solidFill>
-            <a:srgbClr val="4FA226">
-              <a:alpha val="90000"/>
-            </a:srgbClr>
+            <a:srgbClr val="4FA226"/>
           </a:solidFill>
         </a:ln>
       </dgm:spPr>
@@ -10248,11 +10411,9 @@
     <dgm:pt modelId="{3E3BEF03-2DBC-4943-B1E2-F24F98CDDB48}">
       <dgm:prSet phldrT="[Text]"/>
       <dgm:spPr>
-        <a:ln w="25400">
+        <a:ln w="38100">
           <a:solidFill>
-            <a:srgbClr val="C00000">
-              <a:alpha val="90000"/>
-            </a:srgbClr>
+            <a:srgbClr val="B23333"/>
           </a:solidFill>
         </a:ln>
       </dgm:spPr>
@@ -10293,11 +10454,9 @@
     <dgm:pt modelId="{E947A4B8-7938-4322-AED1-1A41D1347B66}">
       <dgm:prSet phldrT="[Text]"/>
       <dgm:spPr>
-        <a:ln w="25400">
+        <a:ln w="38100">
           <a:solidFill>
-            <a:srgbClr val="006BAB">
-              <a:alpha val="90000"/>
-            </a:srgbClr>
+            <a:srgbClr val="006BAB"/>
           </a:solidFill>
         </a:ln>
       </dgm:spPr>
@@ -10338,11 +10497,9 @@
     <dgm:pt modelId="{A94DCD9D-3A95-4127-AA00-8012839C93F2}">
       <dgm:prSet phldrT="[Text]"/>
       <dgm:spPr>
-        <a:ln w="25400">
+        <a:ln w="38100">
           <a:solidFill>
-            <a:srgbClr val="006BAB">
-              <a:alpha val="90000"/>
-            </a:srgbClr>
+            <a:srgbClr val="006BAB"/>
           </a:solidFill>
         </a:ln>
       </dgm:spPr>
@@ -10383,11 +10540,9 @@
     <dgm:pt modelId="{54C605E6-D99F-4B07-AF61-492E5AEB7EBC}">
       <dgm:prSet phldrT="[Text]"/>
       <dgm:spPr>
-        <a:ln w="25400">
+        <a:ln w="38100">
           <a:solidFill>
-            <a:srgbClr val="4FA226">
-              <a:alpha val="90000"/>
-            </a:srgbClr>
+            <a:srgbClr val="4FA226"/>
           </a:solidFill>
         </a:ln>
       </dgm:spPr>
@@ -10767,7 +10922,7 @@
 <dgm:dataModel xmlns:dgm="http://schemas.openxmlformats.org/drawingml/2006/diagram" xmlns:a="http://schemas.openxmlformats.org/drawingml/2006/main">
   <dgm:ptLst>
     <dgm:pt modelId="{B342B404-18AA-413C-945D-CD72F2C93D08}" type="doc">
-      <dgm:prSet loTypeId="urn:microsoft.com/office/officeart/2005/8/layout/process4" loCatId="process" qsTypeId="urn:microsoft.com/office/officeart/2005/8/quickstyle/simple4" qsCatId="simple" csTypeId="urn:microsoft.com/office/officeart/2005/8/colors/accent2_1" csCatId="accent2" phldr="1"/>
+      <dgm:prSet loTypeId="urn:microsoft.com/office/officeart/2005/8/layout/process4" loCatId="process" qsTypeId="urn:microsoft.com/office/officeart/2005/8/quickstyle/simple3" qsCatId="simple" csTypeId="urn:microsoft.com/office/officeart/2005/8/colors/accent2_1" csCatId="accent2" phldr="1"/>
       <dgm:spPr/>
       <dgm:t>
         <a:bodyPr/>
@@ -10817,11 +10972,9 @@
     <dgm:pt modelId="{23B585BB-07F5-4CC9-8420-B6E5B5D04DA0}">
       <dgm:prSet phldrT="[Text]"/>
       <dgm:spPr>
-        <a:ln w="25400">
+        <a:ln w="38100">
           <a:solidFill>
-            <a:srgbClr val="B23333">
-              <a:alpha val="90000"/>
-            </a:srgbClr>
+            <a:srgbClr val="B23333"/>
           </a:solidFill>
         </a:ln>
       </dgm:spPr>
@@ -10899,8 +11052,14 @@
     <dgm:pt modelId="{7B06B76E-B0CA-4321-9239-AD72C2C4C742}">
       <dgm:prSet phldrT="[Text]"/>
       <dgm:spPr>
-        <a:ln>
-          <a:noFill/>
+        <a:ln w="38100">
+          <a:solidFill>
+            <a:schemeClr val="tx1">
+              <a:lumMod val="65000"/>
+              <a:lumOff val="35000"/>
+              <a:alpha val="90000"/>
+            </a:schemeClr>
+          </a:solidFill>
         </a:ln>
       </dgm:spPr>
       <dgm:t>
@@ -10981,11 +11140,9 @@
     <dgm:pt modelId="{3E3BEF03-2DBC-4943-B1E2-F24F98CDDB48}">
       <dgm:prSet phldrT="[Text]"/>
       <dgm:spPr>
-        <a:ln w="25400">
+        <a:ln w="38100">
           <a:solidFill>
-            <a:srgbClr val="B23333">
-              <a:alpha val="90000"/>
-            </a:srgbClr>
+            <a:srgbClr val="B23333"/>
           </a:solidFill>
         </a:ln>
       </dgm:spPr>
@@ -11026,11 +11183,9 @@
     <dgm:pt modelId="{E947A4B8-7938-4322-AED1-1A41D1347B66}">
       <dgm:prSet phldrT="[Text]"/>
       <dgm:spPr>
-        <a:ln w="25400">
+        <a:ln w="38100">
           <a:solidFill>
-            <a:srgbClr val="006BAB">
-              <a:alpha val="90000"/>
-            </a:srgbClr>
+            <a:srgbClr val="006BAB"/>
           </a:solidFill>
         </a:ln>
       </dgm:spPr>
@@ -11071,11 +11226,9 @@
     <dgm:pt modelId="{54C605E6-D99F-4B07-AF61-492E5AEB7EBC}">
       <dgm:prSet phldrT="[Text]"/>
       <dgm:spPr>
-        <a:ln w="25400">
+        <a:ln w="38100">
           <a:solidFill>
-            <a:srgbClr val="4FA226">
-              <a:alpha val="90000"/>
-            </a:srgbClr>
+            <a:srgbClr val="4FA226"/>
           </a:solidFill>
         </a:ln>
       </dgm:spPr>
@@ -11120,11 +11273,9 @@
     <dgm:pt modelId="{6BEEEA46-E27E-44F3-A3EA-4585021FBFF9}">
       <dgm:prSet phldrT="[Text]"/>
       <dgm:spPr>
-        <a:ln w="25400">
+        <a:ln w="38100">
           <a:solidFill>
-            <a:srgbClr val="4FA226">
-              <a:alpha val="90000"/>
-            </a:srgbClr>
+            <a:srgbClr val="4FA226"/>
           </a:solidFill>
         </a:ln>
       </dgm:spPr>
@@ -11165,11 +11316,9 @@
     <dgm:pt modelId="{1E0CA29D-9399-4D88-B931-53640894DACA}">
       <dgm:prSet phldrT="[Text]"/>
       <dgm:spPr>
-        <a:ln w="25400">
+        <a:ln w="38100">
           <a:solidFill>
-            <a:srgbClr val="006BAB">
-              <a:alpha val="90000"/>
-            </a:srgbClr>
+            <a:srgbClr val="006BAB"/>
           </a:solidFill>
         </a:ln>
       </dgm:spPr>
@@ -11726,6 +11875,13 @@
         </dgm:presLayoutVars>
       </dgm:prSet>
       <dgm:spPr/>
+      <dgm:t>
+        <a:bodyPr/>
+        <a:lstStyle/>
+        <a:p>
+          <a:endParaRPr lang="it-IT"/>
+        </a:p>
+      </dgm:t>
     </dgm:pt>
     <dgm:pt modelId="{6775A3CD-8FCD-4028-8928-189B9EBBF468}" type="pres">
       <dgm:prSet presAssocID="{24E4BE44-2D45-4731-8D8B-63D05DB69178}" presName="hierRoot1" presStyleCnt="0"/>
@@ -11754,7 +11910,17 @@
             <a:fillRect l="4138" r="4138"/>
           </a:stretch>
         </a:blipFill>
+        <a:ln>
+          <a:noFill/>
+        </a:ln>
       </dgm:spPr>
+      <dgm:t>
+        <a:bodyPr/>
+        <a:lstStyle/>
+        <a:p>
+          <a:endParaRPr lang="it-IT"/>
+        </a:p>
+      </dgm:t>
     </dgm:pt>
     <dgm:pt modelId="{753E0CD5-C603-4000-924A-7221CB61805C}" type="pres">
       <dgm:prSet presAssocID="{24E4BE44-2D45-4731-8D8B-63D05DB69178}" presName="text" presStyleLbl="revTx" presStyleIdx="0" presStyleCnt="4">
@@ -11763,6 +11929,13 @@
         </dgm:presLayoutVars>
       </dgm:prSet>
       <dgm:spPr/>
+      <dgm:t>
+        <a:bodyPr/>
+        <a:lstStyle/>
+        <a:p>
+          <a:endParaRPr lang="it-IT"/>
+        </a:p>
+      </dgm:t>
     </dgm:pt>
     <dgm:pt modelId="{5089518C-4551-4B04-BA66-04E9981C2BB3}" type="pres">
       <dgm:prSet presAssocID="{24E4BE44-2D45-4731-8D8B-63D05DB69178}" presName="hierChild2" presStyleCnt="0"/>
@@ -11771,6 +11944,13 @@
     <dgm:pt modelId="{0D200639-90EE-4B33-9EBA-C85972FAC6CC}" type="pres">
       <dgm:prSet presAssocID="{5DB2870D-748C-4FD4-B620-D630C69144D6}" presName="Name10" presStyleLbl="parChTrans1D2" presStyleIdx="0" presStyleCnt="1"/>
       <dgm:spPr/>
+      <dgm:t>
+        <a:bodyPr/>
+        <a:lstStyle/>
+        <a:p>
+          <a:endParaRPr lang="it-IT"/>
+        </a:p>
+      </dgm:t>
     </dgm:pt>
     <dgm:pt modelId="{776BE6AC-6092-4A87-A2E6-323C2C458B19}" type="pres">
       <dgm:prSet presAssocID="{FFAEC13D-EDA4-4CF9-AF6D-1C7ED4118453}" presName="hierRoot2" presStyleCnt="0"/>
@@ -11803,6 +11983,13 @@
           <a:noFill/>
         </a:ln>
       </dgm:spPr>
+      <dgm:t>
+        <a:bodyPr/>
+        <a:lstStyle/>
+        <a:p>
+          <a:endParaRPr lang="it-IT"/>
+        </a:p>
+      </dgm:t>
     </dgm:pt>
     <dgm:pt modelId="{8CB4C457-F1D0-44E7-99A4-3AD9B4EAFA7D}" type="pres">
       <dgm:prSet presAssocID="{FFAEC13D-EDA4-4CF9-AF6D-1C7ED4118453}" presName="text2" presStyleLbl="revTx" presStyleIdx="1" presStyleCnt="4">
@@ -11826,6 +12013,13 @@
     <dgm:pt modelId="{017858A8-8096-423F-9751-CE38EB3C00DE}" type="pres">
       <dgm:prSet presAssocID="{98782E46-D816-48BC-A1C3-E5534B00DB16}" presName="Name17" presStyleLbl="parChTrans1D3" presStyleIdx="0" presStyleCnt="2"/>
       <dgm:spPr/>
+      <dgm:t>
+        <a:bodyPr/>
+        <a:lstStyle/>
+        <a:p>
+          <a:endParaRPr lang="it-IT"/>
+        </a:p>
+      </dgm:t>
     </dgm:pt>
     <dgm:pt modelId="{0BEF9AB7-8AD0-42E7-A5BF-FE746A5BEC3B}" type="pres">
       <dgm:prSet presAssocID="{8370A280-D612-479C-93C0-00FFE8E63675}" presName="hierRoot3" presStyleCnt="0"/>
@@ -11854,7 +12048,17 @@
             <a:fillRect/>
           </a:stretch>
         </a:blipFill>
+        <a:ln>
+          <a:noFill/>
+        </a:ln>
       </dgm:spPr>
+      <dgm:t>
+        <a:bodyPr/>
+        <a:lstStyle/>
+        <a:p>
+          <a:endParaRPr lang="it-IT"/>
+        </a:p>
+      </dgm:t>
     </dgm:pt>
     <dgm:pt modelId="{0E6089F4-CC95-4EC5-8CAE-A55FE273B85E}" type="pres">
       <dgm:prSet presAssocID="{8370A280-D612-479C-93C0-00FFE8E63675}" presName="text3" presStyleLbl="revTx" presStyleIdx="2" presStyleCnt="4">
@@ -11878,6 +12082,13 @@
     <dgm:pt modelId="{5D96CFF2-5461-4F96-80D3-6C5153A9FA0C}" type="pres">
       <dgm:prSet presAssocID="{36475016-BB9C-452F-9F5C-C7349FC153E3}" presName="Name17" presStyleLbl="parChTrans1D3" presStyleIdx="1" presStyleCnt="2"/>
       <dgm:spPr/>
+      <dgm:t>
+        <a:bodyPr/>
+        <a:lstStyle/>
+        <a:p>
+          <a:endParaRPr lang="it-IT"/>
+        </a:p>
+      </dgm:t>
     </dgm:pt>
     <dgm:pt modelId="{654CB582-429B-4DC1-8121-E692D79CCCC0}" type="pres">
       <dgm:prSet presAssocID="{3E3F29FF-4059-4E43-8E63-387A0A4270DC}" presName="hierRoot3" presStyleCnt="0"/>
@@ -11906,7 +12117,17 @@
             <a:fillRect t="3539" b="3539"/>
           </a:stretch>
         </a:blipFill>
+        <a:ln>
+          <a:noFill/>
+        </a:ln>
       </dgm:spPr>
+      <dgm:t>
+        <a:bodyPr/>
+        <a:lstStyle/>
+        <a:p>
+          <a:endParaRPr lang="it-IT"/>
+        </a:p>
+      </dgm:t>
     </dgm:pt>
     <dgm:pt modelId="{8BAF83A2-2ECD-422F-A4C2-3341707BCFB0}" type="pres">
       <dgm:prSet presAssocID="{3E3F29FF-4059-4E43-8E63-387A0A4270DC}" presName="text3" presStyleLbl="revTx" presStyleIdx="3" presStyleCnt="4">
@@ -11915,6 +12136,13 @@
         </dgm:presLayoutVars>
       </dgm:prSet>
       <dgm:spPr/>
+      <dgm:t>
+        <a:bodyPr/>
+        <a:lstStyle/>
+        <a:p>
+          <a:endParaRPr lang="it-IT"/>
+        </a:p>
+      </dgm:t>
     </dgm:pt>
     <dgm:pt modelId="{4DE27E0E-1FD7-4B3B-A68F-CCECD6BC453C}" type="pres">
       <dgm:prSet presAssocID="{3E3F29FF-4059-4E43-8E63-387A0A4270DC}" presName="hierChild4" presStyleCnt="0"/>
@@ -11923,17 +12151,17 @@
   </dgm:ptLst>
   <dgm:cxnLst>
     <dgm:cxn modelId="{405F3267-AFBB-4AA5-ABD9-D402753546B7}" type="presOf" srcId="{24E4BE44-2D45-4731-8D8B-63D05DB69178}" destId="{753E0CD5-C603-4000-924A-7221CB61805C}" srcOrd="0" destOrd="0" presId="urn:microsoft.com/office/officeart/2009/layout/CirclePictureHierarchy"/>
+    <dgm:cxn modelId="{463A57D1-16D9-4606-9975-461AB541CFC7}" type="presOf" srcId="{1F242792-F517-4142-BF8D-A1AAE568CF8A}" destId="{81835404-A5E5-4C0D-8B74-752511A53B7B}" srcOrd="0" destOrd="0" presId="urn:microsoft.com/office/officeart/2009/layout/CirclePictureHierarchy"/>
     <dgm:cxn modelId="{20CCF921-0E3D-4E9A-9EC8-25A1F8BBF805}" type="presOf" srcId="{36475016-BB9C-452F-9F5C-C7349FC153E3}" destId="{5D96CFF2-5461-4F96-80D3-6C5153A9FA0C}" srcOrd="0" destOrd="0" presId="urn:microsoft.com/office/officeart/2009/layout/CirclePictureHierarchy"/>
+    <dgm:cxn modelId="{D29791AC-5DD7-4023-AE4D-BCC90C26CA74}" type="presOf" srcId="{98782E46-D816-48BC-A1C3-E5534B00DB16}" destId="{017858A8-8096-423F-9751-CE38EB3C00DE}" srcOrd="0" destOrd="0" presId="urn:microsoft.com/office/officeart/2009/layout/CirclePictureHierarchy"/>
     <dgm:cxn modelId="{35B2F350-AD1F-4A1D-9E44-0A553523D000}" srcId="{24E4BE44-2D45-4731-8D8B-63D05DB69178}" destId="{FFAEC13D-EDA4-4CF9-AF6D-1C7ED4118453}" srcOrd="0" destOrd="0" parTransId="{5DB2870D-748C-4FD4-B620-D630C69144D6}" sibTransId="{0388CB98-6F82-4B70-B527-9A051CC9BAC7}"/>
-    <dgm:cxn modelId="{733C8DE6-29A1-4442-80A2-0738D89CE881}" type="presOf" srcId="{FFAEC13D-EDA4-4CF9-AF6D-1C7ED4118453}" destId="{8CB4C457-F1D0-44E7-99A4-3AD9B4EAFA7D}" srcOrd="0" destOrd="0" presId="urn:microsoft.com/office/officeart/2009/layout/CirclePictureHierarchy"/>
     <dgm:cxn modelId="{163C134E-C3B8-4C37-9BE7-812CC67E5D70}" srcId="{FFAEC13D-EDA4-4CF9-AF6D-1C7ED4118453}" destId="{3E3F29FF-4059-4E43-8E63-387A0A4270DC}" srcOrd="1" destOrd="0" parTransId="{36475016-BB9C-452F-9F5C-C7349FC153E3}" sibTransId="{E3B8112A-239A-4E3D-BA12-A04CAE913A70}"/>
-    <dgm:cxn modelId="{D29791AC-5DD7-4023-AE4D-BCC90C26CA74}" type="presOf" srcId="{98782E46-D816-48BC-A1C3-E5534B00DB16}" destId="{017858A8-8096-423F-9751-CE38EB3C00DE}" srcOrd="0" destOrd="0" presId="urn:microsoft.com/office/officeart/2009/layout/CirclePictureHierarchy"/>
-    <dgm:cxn modelId="{463A57D1-16D9-4606-9975-461AB541CFC7}" type="presOf" srcId="{1F242792-F517-4142-BF8D-A1AAE568CF8A}" destId="{81835404-A5E5-4C0D-8B74-752511A53B7B}" srcOrd="0" destOrd="0" presId="urn:microsoft.com/office/officeart/2009/layout/CirclePictureHierarchy"/>
+    <dgm:cxn modelId="{53792A1C-6E6D-4658-AA6E-382EC951E855}" type="presOf" srcId="{5DB2870D-748C-4FD4-B620-D630C69144D6}" destId="{0D200639-90EE-4B33-9EBA-C85972FAC6CC}" srcOrd="0" destOrd="0" presId="urn:microsoft.com/office/officeart/2009/layout/CirclePictureHierarchy"/>
     <dgm:cxn modelId="{6F6CB343-66C4-4AE7-B5F0-6DE5F22F1893}" type="presOf" srcId="{8370A280-D612-479C-93C0-00FFE8E63675}" destId="{0E6089F4-CC95-4EC5-8CAE-A55FE273B85E}" srcOrd="0" destOrd="0" presId="urn:microsoft.com/office/officeart/2009/layout/CirclePictureHierarchy"/>
     <dgm:cxn modelId="{65676341-7E9C-4283-B84B-B54D713F54BB}" srcId="{1F242792-F517-4142-BF8D-A1AAE568CF8A}" destId="{24E4BE44-2D45-4731-8D8B-63D05DB69178}" srcOrd="0" destOrd="0" parTransId="{AE7BE79A-7CF5-45E6-B934-E4AC77DEED8C}" sibTransId="{7DBAB43D-69EE-42E8-9D1D-9B07169BB653}"/>
-    <dgm:cxn modelId="{53792A1C-6E6D-4658-AA6E-382EC951E855}" type="presOf" srcId="{5DB2870D-748C-4FD4-B620-D630C69144D6}" destId="{0D200639-90EE-4B33-9EBA-C85972FAC6CC}" srcOrd="0" destOrd="0" presId="urn:microsoft.com/office/officeart/2009/layout/CirclePictureHierarchy"/>
     <dgm:cxn modelId="{58A98C04-1FD8-4AF3-9E7A-FD46ECF0DE20}" srcId="{FFAEC13D-EDA4-4CF9-AF6D-1C7ED4118453}" destId="{8370A280-D612-479C-93C0-00FFE8E63675}" srcOrd="0" destOrd="0" parTransId="{98782E46-D816-48BC-A1C3-E5534B00DB16}" sibTransId="{BD93FD1C-244F-4C6E-A856-C68DB9A05E32}"/>
     <dgm:cxn modelId="{785699BD-0524-46B2-8B62-A8FCA57CA6D3}" type="presOf" srcId="{3E3F29FF-4059-4E43-8E63-387A0A4270DC}" destId="{8BAF83A2-2ECD-422F-A4C2-3341707BCFB0}" srcOrd="0" destOrd="0" presId="urn:microsoft.com/office/officeart/2009/layout/CirclePictureHierarchy"/>
+    <dgm:cxn modelId="{733C8DE6-29A1-4442-80A2-0738D89CE881}" type="presOf" srcId="{FFAEC13D-EDA4-4CF9-AF6D-1C7ED4118453}" destId="{8CB4C457-F1D0-44E7-99A4-3AD9B4EAFA7D}" srcOrd="0" destOrd="0" presId="urn:microsoft.com/office/officeart/2009/layout/CirclePictureHierarchy"/>
     <dgm:cxn modelId="{30B4357D-03FB-4BD4-8D51-2D4237723F3B}" type="presParOf" srcId="{81835404-A5E5-4C0D-8B74-752511A53B7B}" destId="{6775A3CD-8FCD-4028-8928-189B9EBBF468}" srcOrd="0" destOrd="0" presId="urn:microsoft.com/office/officeart/2009/layout/CirclePictureHierarchy"/>
     <dgm:cxn modelId="{0D670C78-200A-41AD-9C1D-7A820A832509}" type="presParOf" srcId="{6775A3CD-8FCD-4028-8928-189B9EBBF468}" destId="{431518F7-AAC1-4F54-A278-A08154CBA87C}" srcOrd="0" destOrd="0" presId="urn:microsoft.com/office/officeart/2009/layout/CirclePictureHierarchy"/>
     <dgm:cxn modelId="{DADB3A1B-28E8-42B7-8F77-A06017312294}" type="presParOf" srcId="{431518F7-AAC1-4F54-A278-A08154CBA87C}" destId="{8878B9EE-8CE0-46C2-8650-8DD0723C9725}" srcOrd="0" destOrd="0" presId="urn:microsoft.com/office/officeart/2009/layout/CirclePictureHierarchy"/>
@@ -13528,7 +13756,6 @@
             <a:rPr lang="it-IT" sz="2200" kern="1200" dirty="0" smtClean="0"/>
             <a:t>, …</a:t>
           </a:r>
-          <a:endParaRPr lang="it-IT" sz="2200" kern="1200" dirty="0" smtClean="0"/>
         </a:p>
       </dsp:txBody>
       <dsp:txXfrm>
@@ -14346,25 +14573,11 @@
           <a:avLst/>
         </a:prstGeom>
         <a:solidFill>
-          <a:schemeClr val="accent1">
-            <a:alpha val="90000"/>
-            <a:tint val="40000"/>
-            <a:hueOff val="0"/>
-            <a:satOff val="0"/>
-            <a:lumOff val="0"/>
-            <a:alphaOff val="0"/>
-          </a:schemeClr>
+          <a:schemeClr val="lt1"/>
         </a:solidFill>
-        <a:ln w="6350" cap="flat" cmpd="sng" algn="ctr">
+        <a:ln w="12700" cap="flat" cmpd="sng" algn="ctr">
           <a:solidFill>
-            <a:schemeClr val="accent1">
-              <a:alpha val="90000"/>
-              <a:tint val="40000"/>
-              <a:hueOff val="0"/>
-              <a:satOff val="0"/>
-              <a:lumOff val="0"/>
-              <a:alphaOff val="0"/>
-            </a:schemeClr>
+            <a:schemeClr val="accent1"/>
           </a:solidFill>
           <a:prstDash val="solid"/>
           <a:miter lim="800000"/>
@@ -14372,16 +14585,18 @@
         <a:effectLst/>
       </dsp:spPr>
       <dsp:style>
-        <a:lnRef idx="1">
-          <a:scrgbClr r="0" g="0" b="0"/>
+        <a:lnRef idx="2">
+          <a:schemeClr val="accent1"/>
         </a:lnRef>
         <a:fillRef idx="1">
-          <a:scrgbClr r="0" g="0" b="0"/>
+          <a:schemeClr val="lt1"/>
         </a:fillRef>
         <a:effectRef idx="0">
-          <a:scrgbClr r="0" g="0" b="0"/>
+          <a:schemeClr val="accent1"/>
         </a:effectRef>
-        <a:fontRef idx="minor"/>
+        <a:fontRef idx="minor">
+          <a:schemeClr val="dk1"/>
+        </a:fontRef>
       </dsp:style>
       <dsp:txBody>
         <a:bodyPr spcFirstLastPara="0" vert="horz" wrap="square" lIns="87630" tIns="43815" rIns="87630" bIns="43815" numCol="1" spcCol="1270" anchor="ctr" anchorCtr="0">
@@ -14439,71 +14654,38 @@
       </dsp:nvSpPr>
       <dsp:spPr>
         <a:xfrm>
-          <a:off x="0" y="2124"/>
+          <a:off x="0" y="0"/>
           <a:ext cx="3571907" cy="1402456"/>
         </a:xfrm>
         <a:prstGeom prst="roundRect">
           <a:avLst/>
         </a:prstGeom>
-        <a:gradFill rotWithShape="0">
-          <a:gsLst>
-            <a:gs pos="0">
-              <a:schemeClr val="accent1">
-                <a:hueOff val="0"/>
-                <a:satOff val="0"/>
-                <a:lumOff val="0"/>
-                <a:alphaOff val="0"/>
-                <a:lumMod val="110000"/>
-                <a:satMod val="105000"/>
-                <a:tint val="67000"/>
-              </a:schemeClr>
-            </a:gs>
-            <a:gs pos="50000">
-              <a:schemeClr val="accent1">
-                <a:hueOff val="0"/>
-                <a:satOff val="0"/>
-                <a:lumOff val="0"/>
-                <a:alphaOff val="0"/>
-                <a:lumMod val="105000"/>
-                <a:satMod val="103000"/>
-                <a:tint val="73000"/>
-              </a:schemeClr>
-            </a:gs>
-            <a:gs pos="100000">
-              <a:schemeClr val="accent1">
-                <a:hueOff val="0"/>
-                <a:satOff val="0"/>
-                <a:lumOff val="0"/>
-                <a:alphaOff val="0"/>
-                <a:lumMod val="105000"/>
-                <a:satMod val="109000"/>
-                <a:tint val="81000"/>
-              </a:schemeClr>
-            </a:gs>
-          </a:gsLst>
-          <a:lin ang="5400000" scaled="0"/>
-        </a:gradFill>
-        <a:ln>
-          <a:noFill/>
+        <a:solidFill>
+          <a:srgbClr val="70B2E1"/>
+        </a:solidFill>
+        <a:ln w="28575" cap="flat" cmpd="sng" algn="ctr">
+          <a:solidFill>
+            <a:srgbClr val="006BAB"/>
+          </a:solidFill>
+          <a:prstDash val="solid"/>
+          <a:miter lim="800000"/>
         </a:ln>
         <a:effectLst/>
         <a:scene3d>
           <a:camera prst="orthographicFront"/>
           <a:lightRig rig="flat" dir="t"/>
         </a:scene3d>
-        <a:sp3d prstMaterial="dkEdge">
-          <a:bevelT w="8200" h="38100"/>
-        </a:sp3d>
+        <a:sp3d/>
       </dsp:spPr>
       <dsp:style>
-        <a:lnRef idx="0">
-          <a:scrgbClr r="0" g="0" b="0"/>
+        <a:lnRef idx="2">
+          <a:schemeClr val="accent5"/>
         </a:lnRef>
-        <a:fillRef idx="2">
-          <a:scrgbClr r="0" g="0" b="0"/>
+        <a:fillRef idx="1">
+          <a:schemeClr val="lt1"/>
         </a:fillRef>
-        <a:effectRef idx="1">
-          <a:scrgbClr r="0" g="0" b="0"/>
+        <a:effectRef idx="0">
+          <a:schemeClr val="accent5"/>
         </a:effectRef>
         <a:fontRef idx="minor">
           <a:schemeClr val="dk1"/>
@@ -14534,7 +14716,7 @@
         </a:p>
       </dsp:txBody>
       <dsp:txXfrm>
-        <a:off x="68462" y="70586"/>
+        <a:off x="68462" y="68462"/>
         <a:ext cx="3434983" cy="1265532"/>
       </dsp:txXfrm>
     </dsp:sp>
@@ -14552,25 +14734,11 @@
           <a:avLst/>
         </a:prstGeom>
         <a:solidFill>
-          <a:schemeClr val="accent1">
-            <a:alpha val="90000"/>
-            <a:tint val="40000"/>
-            <a:hueOff val="0"/>
-            <a:satOff val="0"/>
-            <a:lumOff val="0"/>
-            <a:alphaOff val="0"/>
-          </a:schemeClr>
+          <a:schemeClr val="lt1"/>
         </a:solidFill>
-        <a:ln w="6350" cap="flat" cmpd="sng" algn="ctr">
+        <a:ln w="12700" cap="flat" cmpd="sng" algn="ctr">
           <a:solidFill>
-            <a:schemeClr val="accent1">
-              <a:alpha val="90000"/>
-              <a:tint val="40000"/>
-              <a:hueOff val="0"/>
-              <a:satOff val="0"/>
-              <a:lumOff val="0"/>
-              <a:alphaOff val="0"/>
-            </a:schemeClr>
+            <a:schemeClr val="accent1"/>
           </a:solidFill>
           <a:prstDash val="solid"/>
           <a:miter lim="800000"/>
@@ -14578,16 +14746,18 @@
         <a:effectLst/>
       </dsp:spPr>
       <dsp:style>
-        <a:lnRef idx="1">
-          <a:scrgbClr r="0" g="0" b="0"/>
+        <a:lnRef idx="2">
+          <a:schemeClr val="accent1"/>
         </a:lnRef>
         <a:fillRef idx="1">
-          <a:scrgbClr r="0" g="0" b="0"/>
+          <a:schemeClr val="lt1"/>
         </a:fillRef>
         <a:effectRef idx="0">
-          <a:scrgbClr r="0" g="0" b="0"/>
+          <a:schemeClr val="accent1"/>
         </a:effectRef>
-        <a:fontRef idx="minor"/>
+        <a:fontRef idx="minor">
+          <a:schemeClr val="dk1"/>
+        </a:fontRef>
       </dsp:style>
       <dsp:txBody>
         <a:bodyPr spcFirstLastPara="0" vert="horz" wrap="square" lIns="87630" tIns="43815" rIns="87630" bIns="43815" numCol="1" spcCol="1270" anchor="ctr" anchorCtr="0">
@@ -14651,65 +14821,32 @@
         <a:prstGeom prst="roundRect">
           <a:avLst/>
         </a:prstGeom>
-        <a:gradFill rotWithShape="0">
-          <a:gsLst>
-            <a:gs pos="0">
-              <a:schemeClr val="accent1">
-                <a:hueOff val="0"/>
-                <a:satOff val="0"/>
-                <a:lumOff val="0"/>
-                <a:alphaOff val="0"/>
-                <a:lumMod val="110000"/>
-                <a:satMod val="105000"/>
-                <a:tint val="67000"/>
-              </a:schemeClr>
-            </a:gs>
-            <a:gs pos="50000">
-              <a:schemeClr val="accent1">
-                <a:hueOff val="0"/>
-                <a:satOff val="0"/>
-                <a:lumOff val="0"/>
-                <a:alphaOff val="0"/>
-                <a:lumMod val="105000"/>
-                <a:satMod val="103000"/>
-                <a:tint val="73000"/>
-              </a:schemeClr>
-            </a:gs>
-            <a:gs pos="100000">
-              <a:schemeClr val="accent1">
-                <a:hueOff val="0"/>
-                <a:satOff val="0"/>
-                <a:lumOff val="0"/>
-                <a:alphaOff val="0"/>
-                <a:lumMod val="105000"/>
-                <a:satMod val="109000"/>
-                <a:tint val="81000"/>
-              </a:schemeClr>
-            </a:gs>
-          </a:gsLst>
-          <a:lin ang="5400000" scaled="0"/>
-        </a:gradFill>
-        <a:ln>
-          <a:noFill/>
+        <a:solidFill>
+          <a:srgbClr val="70B2E1"/>
+        </a:solidFill>
+        <a:ln w="28575" cap="flat" cmpd="sng" algn="ctr">
+          <a:solidFill>
+            <a:srgbClr val="006BAB"/>
+          </a:solidFill>
+          <a:prstDash val="solid"/>
+          <a:miter lim="800000"/>
         </a:ln>
         <a:effectLst/>
         <a:scene3d>
           <a:camera prst="orthographicFront"/>
           <a:lightRig rig="flat" dir="t"/>
         </a:scene3d>
-        <a:sp3d prstMaterial="dkEdge">
-          <a:bevelT w="8200" h="38100"/>
-        </a:sp3d>
+        <a:sp3d/>
       </dsp:spPr>
       <dsp:style>
-        <a:lnRef idx="0">
-          <a:scrgbClr r="0" g="0" b="0"/>
+        <a:lnRef idx="2">
+          <a:schemeClr val="accent5"/>
         </a:lnRef>
-        <a:fillRef idx="2">
-          <a:scrgbClr r="0" g="0" b="0"/>
+        <a:fillRef idx="1">
+          <a:schemeClr val="lt1"/>
         </a:fillRef>
-        <a:effectRef idx="1">
-          <a:scrgbClr r="0" g="0" b="0"/>
+        <a:effectRef idx="0">
+          <a:schemeClr val="accent5"/>
         </a:effectRef>
         <a:fontRef idx="minor">
           <a:schemeClr val="dk1"/>
@@ -14758,25 +14895,11 @@
           <a:avLst/>
         </a:prstGeom>
         <a:solidFill>
-          <a:schemeClr val="accent1">
-            <a:alpha val="90000"/>
-            <a:tint val="40000"/>
-            <a:hueOff val="0"/>
-            <a:satOff val="0"/>
-            <a:lumOff val="0"/>
-            <a:alphaOff val="0"/>
-          </a:schemeClr>
+          <a:schemeClr val="lt1"/>
         </a:solidFill>
-        <a:ln w="6350" cap="flat" cmpd="sng" algn="ctr">
+        <a:ln w="12700" cap="flat" cmpd="sng" algn="ctr">
           <a:solidFill>
-            <a:schemeClr val="accent1">
-              <a:alpha val="90000"/>
-              <a:tint val="40000"/>
-              <a:hueOff val="0"/>
-              <a:satOff val="0"/>
-              <a:lumOff val="0"/>
-              <a:alphaOff val="0"/>
-            </a:schemeClr>
+            <a:schemeClr val="accent1"/>
           </a:solidFill>
           <a:prstDash val="solid"/>
           <a:miter lim="800000"/>
@@ -14784,16 +14907,18 @@
         <a:effectLst/>
       </dsp:spPr>
       <dsp:style>
-        <a:lnRef idx="1">
-          <a:scrgbClr r="0" g="0" b="0"/>
+        <a:lnRef idx="2">
+          <a:schemeClr val="accent1"/>
         </a:lnRef>
         <a:fillRef idx="1">
-          <a:scrgbClr r="0" g="0" b="0"/>
+          <a:schemeClr val="lt1"/>
         </a:fillRef>
         <a:effectRef idx="0">
-          <a:scrgbClr r="0" g="0" b="0"/>
+          <a:schemeClr val="accent1"/>
         </a:effectRef>
-        <a:fontRef idx="minor"/>
+        <a:fontRef idx="minor">
+          <a:schemeClr val="dk1"/>
+        </a:fontRef>
       </dsp:style>
       <dsp:txBody>
         <a:bodyPr spcFirstLastPara="0" vert="horz" wrap="square" lIns="87630" tIns="43815" rIns="87630" bIns="43815" numCol="1" spcCol="1270" anchor="ctr" anchorCtr="0">
@@ -14857,65 +14982,32 @@
         <a:prstGeom prst="roundRect">
           <a:avLst/>
         </a:prstGeom>
-        <a:gradFill rotWithShape="0">
-          <a:gsLst>
-            <a:gs pos="0">
-              <a:schemeClr val="accent1">
-                <a:hueOff val="0"/>
-                <a:satOff val="0"/>
-                <a:lumOff val="0"/>
-                <a:alphaOff val="0"/>
-                <a:lumMod val="110000"/>
-                <a:satMod val="105000"/>
-                <a:tint val="67000"/>
-              </a:schemeClr>
-            </a:gs>
-            <a:gs pos="50000">
-              <a:schemeClr val="accent1">
-                <a:hueOff val="0"/>
-                <a:satOff val="0"/>
-                <a:lumOff val="0"/>
-                <a:alphaOff val="0"/>
-                <a:lumMod val="105000"/>
-                <a:satMod val="103000"/>
-                <a:tint val="73000"/>
-              </a:schemeClr>
-            </a:gs>
-            <a:gs pos="100000">
-              <a:schemeClr val="accent1">
-                <a:hueOff val="0"/>
-                <a:satOff val="0"/>
-                <a:lumOff val="0"/>
-                <a:alphaOff val="0"/>
-                <a:lumMod val="105000"/>
-                <a:satMod val="109000"/>
-                <a:tint val="81000"/>
-              </a:schemeClr>
-            </a:gs>
-          </a:gsLst>
-          <a:lin ang="5400000" scaled="0"/>
-        </a:gradFill>
-        <a:ln>
-          <a:noFill/>
+        <a:solidFill>
+          <a:srgbClr val="70B2E1"/>
+        </a:solidFill>
+        <a:ln w="28575" cap="flat" cmpd="sng" algn="ctr">
+          <a:solidFill>
+            <a:srgbClr val="006BAB"/>
+          </a:solidFill>
+          <a:prstDash val="solid"/>
+          <a:miter lim="800000"/>
         </a:ln>
         <a:effectLst/>
         <a:scene3d>
           <a:camera prst="orthographicFront"/>
           <a:lightRig rig="flat" dir="t"/>
         </a:scene3d>
-        <a:sp3d prstMaterial="dkEdge">
-          <a:bevelT w="8200" h="38100"/>
-        </a:sp3d>
+        <a:sp3d/>
       </dsp:spPr>
       <dsp:style>
-        <a:lnRef idx="0">
-          <a:scrgbClr r="0" g="0" b="0"/>
+        <a:lnRef idx="2">
+          <a:schemeClr val="accent5"/>
         </a:lnRef>
-        <a:fillRef idx="2">
-          <a:scrgbClr r="0" g="0" b="0"/>
+        <a:fillRef idx="1">
+          <a:schemeClr val="lt1"/>
         </a:fillRef>
-        <a:effectRef idx="1">
-          <a:scrgbClr r="0" g="0" b="0"/>
+        <a:effectRef idx="0">
+          <a:schemeClr val="accent5"/>
         </a:effectRef>
         <a:fontRef idx="minor">
           <a:schemeClr val="dk1"/>
@@ -14983,9 +15075,9 @@
                 <a:satOff val="0"/>
                 <a:lumOff val="0"/>
                 <a:alphaOff val="0"/>
-                <a:satMod val="103000"/>
-                <a:lumMod val="102000"/>
-                <a:tint val="94000"/>
+                <a:lumMod val="110000"/>
+                <a:satMod val="105000"/>
+                <a:tint val="67000"/>
               </a:schemeClr>
             </a:gs>
             <a:gs pos="50000">
@@ -14994,9 +15086,9 @@
                 <a:satOff val="0"/>
                 <a:lumOff val="0"/>
                 <a:alphaOff val="0"/>
-                <a:satMod val="110000"/>
-                <a:lumMod val="100000"/>
-                <a:shade val="100000"/>
+                <a:lumMod val="105000"/>
+                <a:satMod val="103000"/>
+                <a:tint val="73000"/>
               </a:schemeClr>
             </a:gs>
             <a:gs pos="100000">
@@ -15005,9 +15097,9 @@
                 <a:satOff val="0"/>
                 <a:lumOff val="0"/>
                 <a:alphaOff val="0"/>
-                <a:lumMod val="99000"/>
-                <a:satMod val="120000"/>
-                <a:shade val="78000"/>
+                <a:lumMod val="105000"/>
+                <a:satMod val="109000"/>
+                <a:tint val="81000"/>
               </a:schemeClr>
             </a:gs>
           </a:gsLst>
@@ -15017,19 +15109,26 @@
           <a:noFill/>
         </a:ln>
         <a:effectLst/>
+        <a:scene3d>
+          <a:camera prst="orthographicFront"/>
+          <a:lightRig rig="flat" dir="t"/>
+        </a:scene3d>
+        <a:sp3d prstMaterial="dkEdge">
+          <a:bevelT w="8200" h="38100"/>
+        </a:sp3d>
       </dsp:spPr>
       <dsp:style>
         <a:lnRef idx="0">
           <a:scrgbClr r="0" g="0" b="0"/>
         </a:lnRef>
-        <a:fillRef idx="3">
+        <a:fillRef idx="2">
           <a:scrgbClr r="0" g="0" b="0"/>
         </a:fillRef>
-        <a:effectRef idx="2">
+        <a:effectRef idx="1">
           <a:scrgbClr r="0" g="0" b="0"/>
         </a:effectRef>
         <a:fontRef idx="minor">
-          <a:schemeClr val="lt1"/>
+          <a:schemeClr val="dk1"/>
         </a:fontRef>
       </dsp:style>
       <dsp:txBody>
@@ -15092,11 +15191,9 @@
             <a:alphaOff val="0"/>
           </a:schemeClr>
         </a:solidFill>
-        <a:ln w="25400" cap="flat" cmpd="sng" algn="ctr">
+        <a:ln w="38100" cap="flat" cmpd="sng" algn="ctr">
           <a:solidFill>
-            <a:srgbClr val="C00000">
-              <a:alpha val="90000"/>
-            </a:srgbClr>
+            <a:srgbClr val="B23333"/>
           </a:solidFill>
           <a:prstDash val="solid"/>
           <a:miter lim="800000"/>
@@ -15167,11 +15264,9 @@
             <a:alphaOff val="0"/>
           </a:schemeClr>
         </a:solidFill>
-        <a:ln w="25400" cap="flat" cmpd="sng" algn="ctr">
+        <a:ln w="38100" cap="flat" cmpd="sng" algn="ctr">
           <a:solidFill>
-            <a:srgbClr val="4FA226">
-              <a:alpha val="90000"/>
-            </a:srgbClr>
+            <a:srgbClr val="4FA226"/>
           </a:solidFill>
           <a:prstDash val="solid"/>
           <a:miter lim="800000"/>
@@ -15246,11 +15341,9 @@
             <a:alphaOff val="0"/>
           </a:schemeClr>
         </a:solidFill>
-        <a:ln w="25400" cap="flat" cmpd="sng" algn="ctr">
+        <a:ln w="38100" cap="flat" cmpd="sng" algn="ctr">
           <a:solidFill>
-            <a:srgbClr val="006BAB">
-              <a:alpha val="90000"/>
-            </a:srgbClr>
+            <a:srgbClr val="006BAB"/>
           </a:solidFill>
           <a:prstDash val="solid"/>
           <a:miter lim="800000"/>
@@ -15319,9 +15412,9 @@
                 <a:satOff val="0"/>
                 <a:lumOff val="0"/>
                 <a:alphaOff val="0"/>
-                <a:satMod val="103000"/>
-                <a:lumMod val="102000"/>
-                <a:tint val="94000"/>
+                <a:lumMod val="110000"/>
+                <a:satMod val="105000"/>
+                <a:tint val="67000"/>
               </a:schemeClr>
             </a:gs>
             <a:gs pos="50000">
@@ -15330,9 +15423,9 @@
                 <a:satOff val="0"/>
                 <a:lumOff val="0"/>
                 <a:alphaOff val="0"/>
-                <a:satMod val="110000"/>
-                <a:lumMod val="100000"/>
-                <a:shade val="100000"/>
+                <a:lumMod val="105000"/>
+                <a:satMod val="103000"/>
+                <a:tint val="73000"/>
               </a:schemeClr>
             </a:gs>
             <a:gs pos="100000">
@@ -15341,9 +15434,9 @@
                 <a:satOff val="0"/>
                 <a:lumOff val="0"/>
                 <a:alphaOff val="0"/>
-                <a:lumMod val="99000"/>
-                <a:satMod val="120000"/>
-                <a:shade val="78000"/>
+                <a:lumMod val="105000"/>
+                <a:satMod val="109000"/>
+                <a:tint val="81000"/>
               </a:schemeClr>
             </a:gs>
           </a:gsLst>
@@ -15353,19 +15446,26 @@
           <a:noFill/>
         </a:ln>
         <a:effectLst/>
+        <a:scene3d>
+          <a:camera prst="orthographicFront"/>
+          <a:lightRig rig="flat" dir="t"/>
+        </a:scene3d>
+        <a:sp3d prstMaterial="dkEdge">
+          <a:bevelT w="8200" h="38100"/>
+        </a:sp3d>
       </dsp:spPr>
       <dsp:style>
         <a:lnRef idx="0">
           <a:scrgbClr r="0" g="0" b="0"/>
         </a:lnRef>
-        <a:fillRef idx="3">
+        <a:fillRef idx="2">
           <a:scrgbClr r="0" g="0" b="0"/>
         </a:fillRef>
-        <a:effectRef idx="2">
+        <a:effectRef idx="1">
           <a:scrgbClr r="0" g="0" b="0"/>
         </a:effectRef>
         <a:fontRef idx="minor">
-          <a:schemeClr val="lt1"/>
+          <a:schemeClr val="dk1"/>
         </a:fontRef>
       </dsp:style>
       <dsp:txBody>
@@ -15420,11 +15520,9 @@
             <a:alphaOff val="0"/>
           </a:schemeClr>
         </a:solidFill>
-        <a:ln w="25400" cap="flat" cmpd="sng" algn="ctr">
+        <a:ln w="38100" cap="flat" cmpd="sng" algn="ctr">
           <a:solidFill>
-            <a:srgbClr val="B23333">
-              <a:alpha val="90000"/>
-            </a:srgbClr>
+            <a:srgbClr val="B23333"/>
           </a:solidFill>
           <a:prstDash val="solid"/>
           <a:miter lim="800000"/>
@@ -15495,11 +15593,9 @@
             <a:alphaOff val="0"/>
           </a:schemeClr>
         </a:solidFill>
-        <a:ln w="25400" cap="flat" cmpd="sng" algn="ctr">
+        <a:ln w="38100" cap="flat" cmpd="sng" algn="ctr">
           <a:solidFill>
-            <a:srgbClr val="4FA226">
-              <a:alpha val="90000"/>
-            </a:srgbClr>
+            <a:srgbClr val="4FA226"/>
           </a:solidFill>
           <a:prstDash val="solid"/>
           <a:miter lim="800000"/>
@@ -15574,11 +15670,9 @@
             <a:alphaOff val="0"/>
           </a:schemeClr>
         </a:solidFill>
-        <a:ln w="25400" cap="flat" cmpd="sng" algn="ctr">
+        <a:ln w="38100" cap="flat" cmpd="sng" algn="ctr">
           <a:solidFill>
-            <a:srgbClr val="006BAB">
-              <a:alpha val="90000"/>
-            </a:srgbClr>
+            <a:srgbClr val="006BAB"/>
           </a:solidFill>
           <a:prstDash val="solid"/>
           <a:miter lim="800000"/>
@@ -15647,9 +15741,9 @@
                 <a:satOff val="0"/>
                 <a:lumOff val="0"/>
                 <a:alphaOff val="0"/>
-                <a:satMod val="103000"/>
-                <a:lumMod val="102000"/>
-                <a:tint val="94000"/>
+                <a:lumMod val="110000"/>
+                <a:satMod val="105000"/>
+                <a:tint val="67000"/>
               </a:schemeClr>
             </a:gs>
             <a:gs pos="50000">
@@ -15658,9 +15752,9 @@
                 <a:satOff val="0"/>
                 <a:lumOff val="0"/>
                 <a:alphaOff val="0"/>
-                <a:satMod val="110000"/>
-                <a:lumMod val="100000"/>
-                <a:shade val="100000"/>
+                <a:lumMod val="105000"/>
+                <a:satMod val="103000"/>
+                <a:tint val="73000"/>
               </a:schemeClr>
             </a:gs>
             <a:gs pos="100000">
@@ -15669,9 +15763,9 @@
                 <a:satOff val="0"/>
                 <a:lumOff val="0"/>
                 <a:alphaOff val="0"/>
-                <a:lumMod val="99000"/>
-                <a:satMod val="120000"/>
-                <a:shade val="78000"/>
+                <a:lumMod val="105000"/>
+                <a:satMod val="109000"/>
+                <a:tint val="81000"/>
               </a:schemeClr>
             </a:gs>
           </a:gsLst>
@@ -15681,19 +15775,26 @@
           <a:noFill/>
         </a:ln>
         <a:effectLst/>
+        <a:scene3d>
+          <a:camera prst="orthographicFront"/>
+          <a:lightRig rig="flat" dir="t"/>
+        </a:scene3d>
+        <a:sp3d prstMaterial="dkEdge">
+          <a:bevelT w="8200" h="38100"/>
+        </a:sp3d>
       </dsp:spPr>
       <dsp:style>
         <a:lnRef idx="0">
           <a:scrgbClr r="0" g="0" b="0"/>
         </a:lnRef>
-        <a:fillRef idx="3">
+        <a:fillRef idx="2">
           <a:scrgbClr r="0" g="0" b="0"/>
         </a:fillRef>
-        <a:effectRef idx="2">
+        <a:effectRef idx="1">
           <a:scrgbClr r="0" g="0" b="0"/>
         </a:effectRef>
         <a:fontRef idx="minor">
-          <a:schemeClr val="lt1"/>
+          <a:schemeClr val="dk1"/>
         </a:fontRef>
       </dsp:style>
       <dsp:txBody>
@@ -15748,8 +15849,14 @@
             <a:alphaOff val="0"/>
           </a:schemeClr>
         </a:solidFill>
-        <a:ln w="6350" cap="flat" cmpd="sng" algn="ctr">
-          <a:noFill/>
+        <a:ln w="38100" cap="flat" cmpd="sng" algn="ctr">
+          <a:solidFill>
+            <a:schemeClr val="tx1">
+              <a:lumMod val="50000"/>
+              <a:lumOff val="50000"/>
+              <a:alpha val="90000"/>
+            </a:schemeClr>
+          </a:solidFill>
           <a:prstDash val="solid"/>
           <a:miter lim="800000"/>
         </a:ln>
@@ -15829,9 +15936,9 @@
                 <a:satOff val="0"/>
                 <a:lumOff val="0"/>
                 <a:alphaOff val="0"/>
-                <a:satMod val="103000"/>
-                <a:lumMod val="102000"/>
-                <a:tint val="94000"/>
+                <a:lumMod val="110000"/>
+                <a:satMod val="105000"/>
+                <a:tint val="67000"/>
               </a:schemeClr>
             </a:gs>
             <a:gs pos="50000">
@@ -15840,9 +15947,9 @@
                 <a:satOff val="0"/>
                 <a:lumOff val="0"/>
                 <a:alphaOff val="0"/>
-                <a:satMod val="110000"/>
-                <a:lumMod val="100000"/>
-                <a:shade val="100000"/>
+                <a:lumMod val="105000"/>
+                <a:satMod val="103000"/>
+                <a:tint val="73000"/>
               </a:schemeClr>
             </a:gs>
             <a:gs pos="100000">
@@ -15851,9 +15958,9 @@
                 <a:satOff val="0"/>
                 <a:lumOff val="0"/>
                 <a:alphaOff val="0"/>
-                <a:lumMod val="99000"/>
-                <a:satMod val="120000"/>
-                <a:shade val="78000"/>
+                <a:lumMod val="105000"/>
+                <a:satMod val="109000"/>
+                <a:tint val="81000"/>
               </a:schemeClr>
             </a:gs>
           </a:gsLst>
@@ -15863,19 +15970,26 @@
           <a:noFill/>
         </a:ln>
         <a:effectLst/>
+        <a:scene3d>
+          <a:camera prst="orthographicFront"/>
+          <a:lightRig rig="flat" dir="t"/>
+        </a:scene3d>
+        <a:sp3d prstMaterial="dkEdge">
+          <a:bevelT w="8200" h="38100"/>
+        </a:sp3d>
       </dsp:spPr>
       <dsp:style>
         <a:lnRef idx="0">
           <a:scrgbClr r="0" g="0" b="0"/>
         </a:lnRef>
-        <a:fillRef idx="3">
+        <a:fillRef idx="2">
           <a:scrgbClr r="0" g="0" b="0"/>
         </a:fillRef>
-        <a:effectRef idx="2">
+        <a:effectRef idx="1">
           <a:scrgbClr r="0" g="0" b="0"/>
         </a:effectRef>
         <a:fontRef idx="minor">
-          <a:schemeClr val="lt1"/>
+          <a:schemeClr val="dk1"/>
         </a:fontRef>
       </dsp:style>
       <dsp:txBody>
@@ -15934,11 +16048,9 @@
             <a:alphaOff val="0"/>
           </a:schemeClr>
         </a:solidFill>
-        <a:ln w="25400" cap="flat" cmpd="sng" algn="ctr">
+        <a:ln w="38100" cap="flat" cmpd="sng" algn="ctr">
           <a:solidFill>
-            <a:srgbClr val="B23333">
-              <a:alpha val="90000"/>
-            </a:srgbClr>
+            <a:srgbClr val="B23333"/>
           </a:solidFill>
           <a:prstDash val="solid"/>
           <a:miter lim="800000"/>
@@ -16009,11 +16121,9 @@
             <a:alphaOff val="0"/>
           </a:schemeClr>
         </a:solidFill>
-        <a:ln w="25400" cap="flat" cmpd="sng" algn="ctr">
+        <a:ln w="38100" cap="flat" cmpd="sng" algn="ctr">
           <a:solidFill>
-            <a:srgbClr val="4FA226">
-              <a:alpha val="90000"/>
-            </a:srgbClr>
+            <a:srgbClr val="4FA226"/>
           </a:solidFill>
           <a:prstDash val="solid"/>
           <a:miter lim="800000"/>
@@ -16088,11 +16198,9 @@
             <a:alphaOff val="0"/>
           </a:schemeClr>
         </a:solidFill>
-        <a:ln w="25400" cap="flat" cmpd="sng" algn="ctr">
+        <a:ln w="38100" cap="flat" cmpd="sng" algn="ctr">
           <a:solidFill>
-            <a:srgbClr val="006BAB">
-              <a:alpha val="90000"/>
-            </a:srgbClr>
+            <a:srgbClr val="006BAB"/>
           </a:solidFill>
           <a:prstDash val="solid"/>
           <a:miter lim="800000"/>
@@ -16161,9 +16269,9 @@
                 <a:satOff val="0"/>
                 <a:lumOff val="0"/>
                 <a:alphaOff val="0"/>
-                <a:satMod val="103000"/>
-                <a:lumMod val="102000"/>
-                <a:tint val="94000"/>
+                <a:lumMod val="110000"/>
+                <a:satMod val="105000"/>
+                <a:tint val="67000"/>
               </a:schemeClr>
             </a:gs>
             <a:gs pos="50000">
@@ -16172,9 +16280,9 @@
                 <a:satOff val="0"/>
                 <a:lumOff val="0"/>
                 <a:alphaOff val="0"/>
-                <a:satMod val="110000"/>
-                <a:lumMod val="100000"/>
-                <a:shade val="100000"/>
+                <a:lumMod val="105000"/>
+                <a:satMod val="103000"/>
+                <a:tint val="73000"/>
               </a:schemeClr>
             </a:gs>
             <a:gs pos="100000">
@@ -16183,9 +16291,9 @@
                 <a:satOff val="0"/>
                 <a:lumOff val="0"/>
                 <a:alphaOff val="0"/>
-                <a:lumMod val="99000"/>
-                <a:satMod val="120000"/>
-                <a:shade val="78000"/>
+                <a:lumMod val="105000"/>
+                <a:satMod val="109000"/>
+                <a:tint val="81000"/>
               </a:schemeClr>
             </a:gs>
           </a:gsLst>
@@ -16195,19 +16303,26 @@
           <a:noFill/>
         </a:ln>
         <a:effectLst/>
+        <a:scene3d>
+          <a:camera prst="orthographicFront"/>
+          <a:lightRig rig="flat" dir="t"/>
+        </a:scene3d>
+        <a:sp3d prstMaterial="dkEdge">
+          <a:bevelT w="8200" h="38100"/>
+        </a:sp3d>
       </dsp:spPr>
       <dsp:style>
         <a:lnRef idx="0">
           <a:scrgbClr r="0" g="0" b="0"/>
         </a:lnRef>
-        <a:fillRef idx="3">
+        <a:fillRef idx="2">
           <a:scrgbClr r="0" g="0" b="0"/>
         </a:fillRef>
-        <a:effectRef idx="2">
+        <a:effectRef idx="1">
           <a:scrgbClr r="0" g="0" b="0"/>
         </a:effectRef>
         <a:fontRef idx="minor">
-          <a:schemeClr val="lt1"/>
+          <a:schemeClr val="dk1"/>
         </a:fontRef>
       </dsp:style>
       <dsp:txBody>
@@ -16262,8 +16377,14 @@
             <a:alphaOff val="0"/>
           </a:schemeClr>
         </a:solidFill>
-        <a:ln w="6350" cap="flat" cmpd="sng" algn="ctr">
-          <a:noFill/>
+        <a:ln w="38100" cap="flat" cmpd="sng" algn="ctr">
+          <a:solidFill>
+            <a:schemeClr val="tx1">
+              <a:lumMod val="65000"/>
+              <a:lumOff val="35000"/>
+              <a:alpha val="90000"/>
+            </a:schemeClr>
+          </a:solidFill>
           <a:prstDash val="solid"/>
           <a:miter lim="800000"/>
         </a:ln>
@@ -16331,9 +16452,9 @@
                 <a:satOff val="0"/>
                 <a:lumOff val="0"/>
                 <a:alphaOff val="0"/>
-                <a:satMod val="103000"/>
-                <a:lumMod val="102000"/>
-                <a:tint val="94000"/>
+                <a:lumMod val="110000"/>
+                <a:satMod val="105000"/>
+                <a:tint val="67000"/>
               </a:schemeClr>
             </a:gs>
             <a:gs pos="50000">
@@ -16342,9 +16463,9 @@
                 <a:satOff val="0"/>
                 <a:lumOff val="0"/>
                 <a:alphaOff val="0"/>
-                <a:satMod val="110000"/>
-                <a:lumMod val="100000"/>
-                <a:shade val="100000"/>
+                <a:lumMod val="105000"/>
+                <a:satMod val="103000"/>
+                <a:tint val="73000"/>
               </a:schemeClr>
             </a:gs>
             <a:gs pos="100000">
@@ -16353,9 +16474,9 @@
                 <a:satOff val="0"/>
                 <a:lumOff val="0"/>
                 <a:alphaOff val="0"/>
-                <a:lumMod val="99000"/>
-                <a:satMod val="120000"/>
-                <a:shade val="78000"/>
+                <a:lumMod val="105000"/>
+                <a:satMod val="109000"/>
+                <a:tint val="81000"/>
               </a:schemeClr>
             </a:gs>
           </a:gsLst>
@@ -16365,19 +16486,26 @@
           <a:noFill/>
         </a:ln>
         <a:effectLst/>
+        <a:scene3d>
+          <a:camera prst="orthographicFront"/>
+          <a:lightRig rig="flat" dir="t"/>
+        </a:scene3d>
+        <a:sp3d prstMaterial="dkEdge">
+          <a:bevelT w="8200" h="38100"/>
+        </a:sp3d>
       </dsp:spPr>
       <dsp:style>
         <a:lnRef idx="0">
           <a:scrgbClr r="0" g="0" b="0"/>
         </a:lnRef>
-        <a:fillRef idx="3">
+        <a:fillRef idx="2">
           <a:scrgbClr r="0" g="0" b="0"/>
         </a:fillRef>
-        <a:effectRef idx="2">
+        <a:effectRef idx="1">
           <a:scrgbClr r="0" g="0" b="0"/>
         </a:effectRef>
         <a:fontRef idx="minor">
-          <a:schemeClr val="lt1"/>
+          <a:schemeClr val="dk1"/>
         </a:fontRef>
       </dsp:style>
       <dsp:txBody>
@@ -16432,11 +16560,9 @@
             <a:alphaOff val="0"/>
           </a:schemeClr>
         </a:solidFill>
-        <a:ln w="25400" cap="flat" cmpd="sng" algn="ctr">
+        <a:ln w="38100" cap="flat" cmpd="sng" algn="ctr">
           <a:solidFill>
-            <a:srgbClr val="B23333">
-              <a:alpha val="90000"/>
-            </a:srgbClr>
+            <a:srgbClr val="B23333"/>
           </a:solidFill>
           <a:prstDash val="solid"/>
           <a:miter lim="800000"/>
@@ -16507,11 +16633,9 @@
             <a:alphaOff val="0"/>
           </a:schemeClr>
         </a:solidFill>
-        <a:ln w="25400" cap="flat" cmpd="sng" algn="ctr">
+        <a:ln w="38100" cap="flat" cmpd="sng" algn="ctr">
           <a:solidFill>
-            <a:srgbClr val="4FA226">
-              <a:alpha val="90000"/>
-            </a:srgbClr>
+            <a:srgbClr val="4FA226"/>
           </a:solidFill>
           <a:prstDash val="solid"/>
           <a:miter lim="800000"/>
@@ -16582,11 +16706,9 @@
             <a:alphaOff val="0"/>
           </a:schemeClr>
         </a:solidFill>
-        <a:ln w="25400" cap="flat" cmpd="sng" algn="ctr">
+        <a:ln w="38100" cap="flat" cmpd="sng" algn="ctr">
           <a:solidFill>
-            <a:srgbClr val="006BAB">
-              <a:alpha val="90000"/>
-            </a:srgbClr>
+            <a:srgbClr val="006BAB"/>
           </a:solidFill>
           <a:prstDash val="solid"/>
           <a:miter lim="800000"/>
@@ -16653,8 +16775,8 @@
       </dsp:nvSpPr>
       <dsp:spPr>
         <a:xfrm>
-          <a:off x="4091061" y="2754276"/>
-          <a:ext cx="1580518" cy="361416"/>
+          <a:off x="3161716" y="2754068"/>
+          <a:ext cx="1579978" cy="361292"/>
         </a:xfrm>
         <a:custGeom>
           <a:avLst/>
@@ -16668,13 +16790,13 @@
                 <a:pt x="0" y="0"/>
               </a:moveTo>
               <a:lnTo>
-                <a:pt x="0" y="181845"/>
+                <a:pt x="0" y="181783"/>
               </a:lnTo>
               <a:lnTo>
-                <a:pt x="1580518" y="181845"/>
+                <a:pt x="1579978" y="181783"/>
               </a:lnTo>
               <a:lnTo>
-                <a:pt x="1580518" y="361416"/>
+                <a:pt x="1579978" y="361292"/>
               </a:lnTo>
             </a:path>
           </a:pathLst>
@@ -16715,8 +16837,8 @@
       </dsp:nvSpPr>
       <dsp:spPr>
         <a:xfrm>
-          <a:off x="2510543" y="2754276"/>
-          <a:ext cx="1580518" cy="362013"/>
+          <a:off x="1581738" y="2754068"/>
+          <a:ext cx="1579978" cy="361890"/>
         </a:xfrm>
         <a:custGeom>
           <a:avLst/>
@@ -16727,16 +16849,16 @@
           <a:pathLst>
             <a:path>
               <a:moveTo>
-                <a:pt x="1580518" y="0"/>
+                <a:pt x="1579978" y="0"/>
               </a:moveTo>
               <a:lnTo>
-                <a:pt x="1580518" y="182443"/>
+                <a:pt x="1579978" y="182381"/>
               </a:lnTo>
               <a:lnTo>
-                <a:pt x="0" y="182443"/>
+                <a:pt x="0" y="182381"/>
               </a:lnTo>
               <a:lnTo>
-                <a:pt x="0" y="362013"/>
+                <a:pt x="0" y="361890"/>
               </a:lnTo>
             </a:path>
           </a:pathLst>
@@ -16777,8 +16899,8 @@
       </dsp:nvSpPr>
       <dsp:spPr>
         <a:xfrm>
-          <a:off x="4045341" y="1260571"/>
-          <a:ext cx="91440" cy="344453"/>
+          <a:off x="3115996" y="1260874"/>
+          <a:ext cx="91440" cy="344335"/>
         </a:xfrm>
         <a:custGeom>
           <a:avLst/>
@@ -16789,16 +16911,16 @@
           <a:pathLst>
             <a:path>
               <a:moveTo>
-                <a:pt x="49909" y="0"/>
+                <a:pt x="49907" y="0"/>
               </a:moveTo>
               <a:lnTo>
-                <a:pt x="49909" y="164883"/>
+                <a:pt x="49907" y="164826"/>
               </a:lnTo>
               <a:lnTo>
-                <a:pt x="45720" y="164883"/>
+                <a:pt x="45720" y="164826"/>
               </a:lnTo>
               <a:lnTo>
-                <a:pt x="45720" y="344453"/>
+                <a:pt x="45720" y="344335"/>
               </a:lnTo>
             </a:path>
           </a:pathLst>
@@ -16839,8 +16961,8 @@
       </dsp:nvSpPr>
       <dsp:spPr>
         <a:xfrm>
-          <a:off x="3486849" y="44021"/>
-          <a:ext cx="1216803" cy="1216550"/>
+          <a:off x="2557710" y="44739"/>
+          <a:ext cx="1216387" cy="1216134"/>
         </a:xfrm>
         <a:prstGeom prst="rect">
           <a:avLst/>
@@ -16859,14 +16981,7 @@
           </a:stretch>
         </a:blipFill>
         <a:ln w="12700" cap="flat" cmpd="sng" algn="ctr">
-          <a:solidFill>
-            <a:schemeClr val="lt1">
-              <a:hueOff val="0"/>
-              <a:satOff val="0"/>
-              <a:lumOff val="0"/>
-              <a:alphaOff val="0"/>
-            </a:schemeClr>
-          </a:solidFill>
+          <a:noFill/>
           <a:prstDash val="solid"/>
           <a:miter lim="800000"/>
         </a:ln>
@@ -16894,8 +17009,8 @@
       </dsp:nvSpPr>
       <dsp:spPr>
         <a:xfrm>
-          <a:off x="4682575" y="57237"/>
-          <a:ext cx="1723876" cy="1149250"/>
+          <a:off x="3753027" y="57951"/>
+          <a:ext cx="1723286" cy="1148857"/>
         </a:xfrm>
         <a:prstGeom prst="rect">
           <a:avLst/>
@@ -16947,8 +17062,8 @@
         </a:p>
       </dsp:txBody>
       <dsp:txXfrm>
-        <a:off x="4682575" y="57237"/>
-        <a:ext cx="1723876" cy="1149250"/>
+        <a:off x="3753027" y="57951"/>
+        <a:ext cx="1723286" cy="1148857"/>
       </dsp:txXfrm>
     </dsp:sp>
     <dsp:sp modelId="{05B046D5-86DD-47CE-AA71-47339928F838}">
@@ -16958,8 +17073,8 @@
       </dsp:nvSpPr>
       <dsp:spPr>
         <a:xfrm>
-          <a:off x="3516436" y="1605025"/>
-          <a:ext cx="1149250" cy="1149250"/>
+          <a:off x="2587287" y="1605210"/>
+          <a:ext cx="1148857" cy="1148857"/>
         </a:xfrm>
         <a:prstGeom prst="rect">
           <a:avLst/>
@@ -17006,8 +17121,8 @@
       </dsp:nvSpPr>
       <dsp:spPr>
         <a:xfrm>
-          <a:off x="4665687" y="1602152"/>
-          <a:ext cx="1723876" cy="1149250"/>
+          <a:off x="3736145" y="1602338"/>
+          <a:ext cx="1723286" cy="1148857"/>
         </a:xfrm>
         <a:prstGeom prst="rect">
           <a:avLst/>
@@ -17063,8 +17178,8 @@
         </a:p>
       </dsp:txBody>
       <dsp:txXfrm>
-        <a:off x="4665687" y="1602152"/>
-        <a:ext cx="1723876" cy="1149250"/>
+        <a:off x="3736145" y="1602338"/>
+        <a:ext cx="1723286" cy="1148857"/>
       </dsp:txXfrm>
     </dsp:sp>
     <dsp:sp modelId="{5E1C29BC-366C-4050-8932-DF06E7F8F974}">
@@ -17074,8 +17189,8 @@
       </dsp:nvSpPr>
       <dsp:spPr>
         <a:xfrm>
-          <a:off x="1935917" y="3116290"/>
-          <a:ext cx="1149250" cy="1149250"/>
+          <a:off x="1007309" y="3115958"/>
+          <a:ext cx="1148857" cy="1148857"/>
         </a:xfrm>
         <a:prstGeom prst="rect">
           <a:avLst/>
@@ -17094,14 +17209,7 @@
           </a:stretch>
         </a:blipFill>
         <a:ln w="12700" cap="flat" cmpd="sng" algn="ctr">
-          <a:solidFill>
-            <a:schemeClr val="lt1">
-              <a:hueOff val="0"/>
-              <a:satOff val="0"/>
-              <a:lumOff val="0"/>
-              <a:alphaOff val="0"/>
-            </a:schemeClr>
-          </a:solidFill>
+          <a:noFill/>
           <a:prstDash val="solid"/>
           <a:miter lim="800000"/>
         </a:ln>
@@ -17129,8 +17237,8 @@
       </dsp:nvSpPr>
       <dsp:spPr>
         <a:xfrm>
-          <a:off x="3085168" y="3113417"/>
-          <a:ext cx="1723876" cy="1149250"/>
+          <a:off x="2156167" y="3113086"/>
+          <a:ext cx="1723286" cy="1148857"/>
         </a:xfrm>
         <a:prstGeom prst="rect">
           <a:avLst/>
@@ -17178,8 +17286,8 @@
         </a:p>
       </dsp:txBody>
       <dsp:txXfrm>
-        <a:off x="3085168" y="3113417"/>
-        <a:ext cx="1723876" cy="1149250"/>
+        <a:off x="2156167" y="3113086"/>
+        <a:ext cx="1723286" cy="1148857"/>
       </dsp:txXfrm>
     </dsp:sp>
     <dsp:sp modelId="{AC48C7BA-2A95-4D11-A834-575088D01B82}">
@@ -17189,8 +17297,8 @@
       </dsp:nvSpPr>
       <dsp:spPr>
         <a:xfrm>
-          <a:off x="5096357" y="3115692"/>
-          <a:ext cx="1150446" cy="1150446"/>
+          <a:off x="4166668" y="3115361"/>
+          <a:ext cx="1150052" cy="1150052"/>
         </a:xfrm>
         <a:prstGeom prst="rect">
           <a:avLst/>
@@ -17209,14 +17317,7 @@
           </a:stretch>
         </a:blipFill>
         <a:ln w="12700" cap="flat" cmpd="sng" algn="ctr">
-          <a:solidFill>
-            <a:schemeClr val="lt1">
-              <a:hueOff val="0"/>
-              <a:satOff val="0"/>
-              <a:lumOff val="0"/>
-              <a:alphaOff val="0"/>
-            </a:schemeClr>
-          </a:solidFill>
+          <a:noFill/>
           <a:prstDash val="solid"/>
           <a:miter lim="800000"/>
         </a:ln>
@@ -17244,8 +17345,8 @@
       </dsp:nvSpPr>
       <dsp:spPr>
         <a:xfrm>
-          <a:off x="6246205" y="3113417"/>
-          <a:ext cx="1723876" cy="1149250"/>
+          <a:off x="5316123" y="3113086"/>
+          <a:ext cx="1723286" cy="1148857"/>
         </a:xfrm>
         <a:prstGeom prst="rect">
           <a:avLst/>
@@ -17293,8 +17394,8 @@
         </a:p>
       </dsp:txBody>
       <dsp:txXfrm>
-        <a:off x="6246205" y="3113417"/>
-        <a:ext cx="1723876" cy="1149250"/>
+        <a:off x="5316123" y="3113086"/>
+        <a:ext cx="1723286" cy="1148857"/>
       </dsp:txXfrm>
     </dsp:sp>
   </dsp:spTree>
@@ -26023,11 +26124,11 @@
 </file>
 
 <file path=ppt/diagrams/quickStyle7.xml><?xml version="1.0" encoding="utf-8"?>
-<dgm:styleDef xmlns:dgm="http://schemas.openxmlformats.org/drawingml/2006/diagram" xmlns:a="http://schemas.openxmlformats.org/drawingml/2006/main" uniqueId="urn:microsoft.com/office/officeart/2005/8/quickstyle/simple4">
+<dgm:styleDef xmlns:dgm="http://schemas.openxmlformats.org/drawingml/2006/diagram" xmlns:a="http://schemas.openxmlformats.org/drawingml/2006/main" uniqueId="urn:microsoft.com/office/officeart/2005/8/quickstyle/simple3">
   <dgm:title val=""/>
   <dgm:desc val=""/>
   <dgm:catLst>
-    <dgm:cat type="simple" pri="10400"/>
+    <dgm:cat type="simple" pri="10300"/>
   </dgm:catLst>
   <dgm:scene3d>
     <a:camera prst="orthographicFront"/>
@@ -26036,59 +26137,65 @@
   <dgm:styleLbl name="node0">
     <dgm:scene3d>
       <a:camera prst="orthographicFront"/>
-      <a:lightRig rig="threePt" dir="t"/>
-    </dgm:scene3d>
-    <dgm:sp3d/>
+      <a:lightRig rig="flat" dir="t"/>
+    </dgm:scene3d>
+    <dgm:sp3d prstMaterial="dkEdge">
+      <a:bevelT w="8200" h="38100"/>
+    </dgm:sp3d>
     <dgm:txPr/>
     <dgm:style>
       <a:lnRef idx="0">
         <a:scrgbClr r="0" g="0" b="0"/>
       </a:lnRef>
-      <a:fillRef idx="3">
-        <a:scrgbClr r="0" g="0" b="0"/>
-      </a:fillRef>
-      <a:effectRef idx="2">
+      <a:fillRef idx="2">
+        <a:scrgbClr r="0" g="0" b="0"/>
+      </a:fillRef>
+      <a:effectRef idx="1">
         <a:scrgbClr r="0" g="0" b="0"/>
       </a:effectRef>
       <a:fontRef idx="minor">
-        <a:schemeClr val="lt1"/>
+        <a:schemeClr val="dk1"/>
       </a:fontRef>
     </dgm:style>
   </dgm:styleLbl>
   <dgm:styleLbl name="lnNode1">
     <dgm:scene3d>
       <a:camera prst="orthographicFront"/>
-      <a:lightRig rig="threePt" dir="t"/>
-    </dgm:scene3d>
-    <dgm:sp3d/>
+      <a:lightRig rig="flat" dir="t"/>
+    </dgm:scene3d>
+    <dgm:sp3d prstMaterial="dkEdge">
+      <a:bevelT w="8200" h="38100"/>
+    </dgm:sp3d>
     <dgm:txPr/>
     <dgm:style>
       <a:lnRef idx="1">
         <a:scrgbClr r="0" g="0" b="0"/>
       </a:lnRef>
-      <a:fillRef idx="3">
-        <a:scrgbClr r="0" g="0" b="0"/>
-      </a:fillRef>
-      <a:effectRef idx="2">
+      <a:fillRef idx="2">
+        <a:scrgbClr r="0" g="0" b="0"/>
+      </a:fillRef>
+      <a:effectRef idx="0">
         <a:scrgbClr r="0" g="0" b="0"/>
       </a:effectRef>
       <a:fontRef idx="minor">
-        <a:schemeClr val="lt1"/>
+        <a:schemeClr val="dk1"/>
       </a:fontRef>
     </dgm:style>
   </dgm:styleLbl>
   <dgm:styleLbl name="vennNode1">
     <dgm:scene3d>
       <a:camera prst="orthographicFront"/>
-      <a:lightRig rig="threePt" dir="t"/>
-    </dgm:scene3d>
-    <dgm:sp3d/>
+      <a:lightRig rig="flat" dir="t"/>
+    </dgm:scene3d>
+    <dgm:sp3d prstMaterial="dkEdge">
+      <a:bevelT w="8200" h="38100"/>
+    </dgm:sp3d>
     <dgm:txPr/>
     <dgm:style>
       <a:lnRef idx="0">
         <a:scrgbClr r="0" g="0" b="0"/>
       </a:lnRef>
-      <a:fillRef idx="3">
+      <a:fillRef idx="2">
         <a:scrgbClr r="0" g="0" b="0"/>
       </a:fillRef>
       <a:effectRef idx="0">
@@ -26110,40 +26217,196 @@
       <a:lnRef idx="1">
         <a:scrgbClr r="0" g="0" b="0"/>
       </a:lnRef>
-      <a:fillRef idx="3">
-        <a:scrgbClr r="0" g="0" b="0"/>
-      </a:fillRef>
-      <a:effectRef idx="2">
+      <a:fillRef idx="2">
+        <a:scrgbClr r="0" g="0" b="0"/>
+      </a:fillRef>
+      <a:effectRef idx="1">
         <a:scrgbClr r="0" g="0" b="0"/>
       </a:effectRef>
       <a:fontRef idx="minor">
-        <a:schemeClr val="lt1"/>
+        <a:schemeClr val="dk1"/>
       </a:fontRef>
     </dgm:style>
   </dgm:styleLbl>
   <dgm:styleLbl name="node1">
     <dgm:scene3d>
       <a:camera prst="orthographicFront"/>
+      <a:lightRig rig="flat" dir="t"/>
+    </dgm:scene3d>
+    <dgm:sp3d prstMaterial="dkEdge">
+      <a:bevelT w="8200" h="38100"/>
+    </dgm:sp3d>
+    <dgm:txPr/>
+    <dgm:style>
+      <a:lnRef idx="0">
+        <a:scrgbClr r="0" g="0" b="0"/>
+      </a:lnRef>
+      <a:fillRef idx="2">
+        <a:scrgbClr r="0" g="0" b="0"/>
+      </a:fillRef>
+      <a:effectRef idx="1">
+        <a:scrgbClr r="0" g="0" b="0"/>
+      </a:effectRef>
+      <a:fontRef idx="minor">
+        <a:schemeClr val="dk1"/>
+      </a:fontRef>
+    </dgm:style>
+  </dgm:styleLbl>
+  <dgm:styleLbl name="node2">
+    <dgm:scene3d>
+      <a:camera prst="orthographicFront"/>
+      <a:lightRig rig="flat" dir="t"/>
+    </dgm:scene3d>
+    <dgm:sp3d prstMaterial="dkEdge">
+      <a:bevelT w="8200" h="38100"/>
+    </dgm:sp3d>
+    <dgm:txPr/>
+    <dgm:style>
+      <a:lnRef idx="0">
+        <a:scrgbClr r="0" g="0" b="0"/>
+      </a:lnRef>
+      <a:fillRef idx="2">
+        <a:scrgbClr r="0" g="0" b="0"/>
+      </a:fillRef>
+      <a:effectRef idx="1">
+        <a:scrgbClr r="0" g="0" b="0"/>
+      </a:effectRef>
+      <a:fontRef idx="minor">
+        <a:schemeClr val="dk1"/>
+      </a:fontRef>
+    </dgm:style>
+  </dgm:styleLbl>
+  <dgm:styleLbl name="node3">
+    <dgm:scene3d>
+      <a:camera prst="orthographicFront"/>
+      <a:lightRig rig="flat" dir="t"/>
+    </dgm:scene3d>
+    <dgm:sp3d prstMaterial="dkEdge">
+      <a:bevelT w="8200" h="38100"/>
+    </dgm:sp3d>
+    <dgm:txPr/>
+    <dgm:style>
+      <a:lnRef idx="0">
+        <a:scrgbClr r="0" g="0" b="0"/>
+      </a:lnRef>
+      <a:fillRef idx="2">
+        <a:scrgbClr r="0" g="0" b="0"/>
+      </a:fillRef>
+      <a:effectRef idx="1">
+        <a:scrgbClr r="0" g="0" b="0"/>
+      </a:effectRef>
+      <a:fontRef idx="minor">
+        <a:schemeClr val="dk1"/>
+      </a:fontRef>
+    </dgm:style>
+  </dgm:styleLbl>
+  <dgm:styleLbl name="node4">
+    <dgm:scene3d>
+      <a:camera prst="orthographicFront"/>
+      <a:lightRig rig="flat" dir="t"/>
+    </dgm:scene3d>
+    <dgm:sp3d prstMaterial="dkEdge">
+      <a:bevelT w="8200" h="38100"/>
+    </dgm:sp3d>
+    <dgm:txPr/>
+    <dgm:style>
+      <a:lnRef idx="0">
+        <a:scrgbClr r="0" g="0" b="0"/>
+      </a:lnRef>
+      <a:fillRef idx="2">
+        <a:scrgbClr r="0" g="0" b="0"/>
+      </a:fillRef>
+      <a:effectRef idx="1">
+        <a:scrgbClr r="0" g="0" b="0"/>
+      </a:effectRef>
+      <a:fontRef idx="minor">
+        <a:schemeClr val="dk1"/>
+      </a:fontRef>
+    </dgm:style>
+  </dgm:styleLbl>
+  <dgm:styleLbl name="fgImgPlace1">
+    <dgm:scene3d>
+      <a:camera prst="orthographicFront"/>
       <a:lightRig rig="threePt" dir="t"/>
     </dgm:scene3d>
     <dgm:sp3d/>
     <dgm:txPr/>
     <dgm:style>
+      <a:lnRef idx="1">
+        <a:scrgbClr r="0" g="0" b="0"/>
+      </a:lnRef>
+      <a:fillRef idx="1">
+        <a:scrgbClr r="0" g="0" b="0"/>
+      </a:fillRef>
+      <a:effectRef idx="1">
+        <a:scrgbClr r="0" g="0" b="0"/>
+      </a:effectRef>
+      <a:fontRef idx="minor"/>
+    </dgm:style>
+  </dgm:styleLbl>
+  <dgm:styleLbl name="alignImgPlace1">
+    <dgm:scene3d>
+      <a:camera prst="orthographicFront"/>
+      <a:lightRig rig="threePt" dir="t"/>
+    </dgm:scene3d>
+    <dgm:sp3d/>
+    <dgm:txPr/>
+    <dgm:style>
+      <a:lnRef idx="1">
+        <a:scrgbClr r="0" g="0" b="0"/>
+      </a:lnRef>
+      <a:fillRef idx="1">
+        <a:scrgbClr r="0" g="0" b="0"/>
+      </a:fillRef>
+      <a:effectRef idx="1">
+        <a:scrgbClr r="0" g="0" b="0"/>
+      </a:effectRef>
+      <a:fontRef idx="minor"/>
+    </dgm:style>
+  </dgm:styleLbl>
+  <dgm:styleLbl name="bgImgPlace1">
+    <dgm:scene3d>
+      <a:camera prst="orthographicFront"/>
+      <a:lightRig rig="threePt" dir="t"/>
+    </dgm:scene3d>
+    <dgm:sp3d/>
+    <dgm:txPr/>
+    <dgm:style>
+      <a:lnRef idx="1">
+        <a:scrgbClr r="0" g="0" b="0"/>
+      </a:lnRef>
+      <a:fillRef idx="1">
+        <a:scrgbClr r="0" g="0" b="0"/>
+      </a:fillRef>
+      <a:effectRef idx="1">
+        <a:scrgbClr r="0" g="0" b="0"/>
+      </a:effectRef>
+      <a:fontRef idx="minor"/>
+    </dgm:style>
+  </dgm:styleLbl>
+  <dgm:styleLbl name="sibTrans2D1">
+    <dgm:scene3d>
+      <a:camera prst="orthographicFront"/>
+      <a:lightRig rig="threePt" dir="t"/>
+    </dgm:scene3d>
+    <dgm:sp3d/>
+    <dgm:txPr/>
+    <dgm:style>
       <a:lnRef idx="0">
         <a:scrgbClr r="0" g="0" b="0"/>
       </a:lnRef>
-      <a:fillRef idx="3">
-        <a:scrgbClr r="0" g="0" b="0"/>
-      </a:fillRef>
-      <a:effectRef idx="2">
+      <a:fillRef idx="2">
+        <a:scrgbClr r="0" g="0" b="0"/>
+      </a:fillRef>
+      <a:effectRef idx="1">
         <a:scrgbClr r="0" g="0" b="0"/>
       </a:effectRef>
       <a:fontRef idx="minor">
-        <a:schemeClr val="lt1"/>
+        <a:schemeClr val="dk1"/>
       </a:fontRef>
     </dgm:style>
   </dgm:styleLbl>
-  <dgm:styleLbl name="node2">
+  <dgm:styleLbl name="fgSibTrans2D1">
     <dgm:scene3d>
       <a:camera prst="orthographicFront"/>
       <a:lightRig rig="threePt" dir="t"/>
@@ -26154,18 +26417,18 @@
       <a:lnRef idx="0">
         <a:scrgbClr r="0" g="0" b="0"/>
       </a:lnRef>
-      <a:fillRef idx="3">
-        <a:scrgbClr r="0" g="0" b="0"/>
-      </a:fillRef>
-      <a:effectRef idx="2">
+      <a:fillRef idx="2">
+        <a:scrgbClr r="0" g="0" b="0"/>
+      </a:fillRef>
+      <a:effectRef idx="1">
         <a:scrgbClr r="0" g="0" b="0"/>
       </a:effectRef>
       <a:fontRef idx="minor">
-        <a:schemeClr val="lt1"/>
+        <a:schemeClr val="dk1"/>
       </a:fontRef>
     </dgm:style>
   </dgm:styleLbl>
-  <dgm:styleLbl name="node3">
+  <dgm:styleLbl name="bgSibTrans2D1">
     <dgm:scene3d>
       <a:camera prst="orthographicFront"/>
       <a:lightRig rig="threePt" dir="t"/>
@@ -26176,18 +26439,18 @@
       <a:lnRef idx="0">
         <a:scrgbClr r="0" g="0" b="0"/>
       </a:lnRef>
-      <a:fillRef idx="3">
-        <a:scrgbClr r="0" g="0" b="0"/>
-      </a:fillRef>
-      <a:effectRef idx="2">
+      <a:fillRef idx="2">
+        <a:scrgbClr r="0" g="0" b="0"/>
+      </a:fillRef>
+      <a:effectRef idx="1">
         <a:scrgbClr r="0" g="0" b="0"/>
       </a:effectRef>
       <a:fontRef idx="minor">
-        <a:schemeClr val="lt1"/>
+        <a:schemeClr val="dk1"/>
       </a:fontRef>
     </dgm:style>
   </dgm:styleLbl>
-  <dgm:styleLbl name="node4">
+  <dgm:styleLbl name="sibTrans1D1">
     <dgm:scene3d>
       <a:camera prst="orthographicFront"/>
       <a:lightRig rig="threePt" dir="t"/>
@@ -26195,21 +26458,159 @@
     <dgm:sp3d/>
     <dgm:txPr/>
     <dgm:style>
+      <a:lnRef idx="1">
+        <a:scrgbClr r="0" g="0" b="0"/>
+      </a:lnRef>
+      <a:fillRef idx="0">
+        <a:scrgbClr r="0" g="0" b="0"/>
+      </a:fillRef>
+      <a:effectRef idx="0">
+        <a:scrgbClr r="0" g="0" b="0"/>
+      </a:effectRef>
+      <a:fontRef idx="minor"/>
+    </dgm:style>
+  </dgm:styleLbl>
+  <dgm:styleLbl name="callout">
+    <dgm:scene3d>
+      <a:camera prst="orthographicFront"/>
+      <a:lightRig rig="threePt" dir="t"/>
+    </dgm:scene3d>
+    <dgm:sp3d/>
+    <dgm:txPr/>
+    <dgm:style>
+      <a:lnRef idx="1">
+        <a:scrgbClr r="0" g="0" b="0"/>
+      </a:lnRef>
+      <a:fillRef idx="2">
+        <a:scrgbClr r="0" g="0" b="0"/>
+      </a:fillRef>
+      <a:effectRef idx="1">
+        <a:scrgbClr r="0" g="0" b="0"/>
+      </a:effectRef>
+      <a:fontRef idx="minor"/>
+    </dgm:style>
+  </dgm:styleLbl>
+  <dgm:styleLbl name="asst0">
+    <dgm:scene3d>
+      <a:camera prst="orthographicFront"/>
+      <a:lightRig rig="flat" dir="t"/>
+    </dgm:scene3d>
+    <dgm:sp3d prstMaterial="dkEdge">
+      <a:bevelT w="8200" h="38100"/>
+    </dgm:sp3d>
+    <dgm:txPr/>
+    <dgm:style>
       <a:lnRef idx="0">
         <a:scrgbClr r="0" g="0" b="0"/>
       </a:lnRef>
-      <a:fillRef idx="3">
-        <a:scrgbClr r="0" g="0" b="0"/>
-      </a:fillRef>
-      <a:effectRef idx="2">
+      <a:fillRef idx="2">
+        <a:scrgbClr r="0" g="0" b="0"/>
+      </a:fillRef>
+      <a:effectRef idx="1">
         <a:scrgbClr r="0" g="0" b="0"/>
       </a:effectRef>
       <a:fontRef idx="minor">
-        <a:schemeClr val="lt1"/>
+        <a:schemeClr val="dk1"/>
       </a:fontRef>
     </dgm:style>
   </dgm:styleLbl>
-  <dgm:styleLbl name="fgImgPlace1">
+  <dgm:styleLbl name="asst1">
+    <dgm:scene3d>
+      <a:camera prst="orthographicFront"/>
+      <a:lightRig rig="flat" dir="t"/>
+    </dgm:scene3d>
+    <dgm:sp3d prstMaterial="dkEdge">
+      <a:bevelT w="8200" h="38100"/>
+    </dgm:sp3d>
+    <dgm:txPr/>
+    <dgm:style>
+      <a:lnRef idx="0">
+        <a:scrgbClr r="0" g="0" b="0"/>
+      </a:lnRef>
+      <a:fillRef idx="2">
+        <a:scrgbClr r="0" g="0" b="0"/>
+      </a:fillRef>
+      <a:effectRef idx="1">
+        <a:scrgbClr r="0" g="0" b="0"/>
+      </a:effectRef>
+      <a:fontRef idx="minor">
+        <a:schemeClr val="dk1"/>
+      </a:fontRef>
+    </dgm:style>
+  </dgm:styleLbl>
+  <dgm:styleLbl name="asst2">
+    <dgm:scene3d>
+      <a:camera prst="orthographicFront"/>
+      <a:lightRig rig="flat" dir="t"/>
+    </dgm:scene3d>
+    <dgm:sp3d prstMaterial="dkEdge">
+      <a:bevelT w="8200" h="38100"/>
+    </dgm:sp3d>
+    <dgm:txPr/>
+    <dgm:style>
+      <a:lnRef idx="0">
+        <a:scrgbClr r="0" g="0" b="0"/>
+      </a:lnRef>
+      <a:fillRef idx="2">
+        <a:scrgbClr r="0" g="0" b="0"/>
+      </a:fillRef>
+      <a:effectRef idx="1">
+        <a:scrgbClr r="0" g="0" b="0"/>
+      </a:effectRef>
+      <a:fontRef idx="minor">
+        <a:schemeClr val="dk1"/>
+      </a:fontRef>
+    </dgm:style>
+  </dgm:styleLbl>
+  <dgm:styleLbl name="asst3">
+    <dgm:scene3d>
+      <a:camera prst="orthographicFront"/>
+      <a:lightRig rig="flat" dir="t"/>
+    </dgm:scene3d>
+    <dgm:sp3d prstMaterial="dkEdge">
+      <a:bevelT w="8200" h="38100"/>
+    </dgm:sp3d>
+    <dgm:txPr/>
+    <dgm:style>
+      <a:lnRef idx="0">
+        <a:scrgbClr r="0" g="0" b="0"/>
+      </a:lnRef>
+      <a:fillRef idx="2">
+        <a:scrgbClr r="0" g="0" b="0"/>
+      </a:fillRef>
+      <a:effectRef idx="1">
+        <a:scrgbClr r="0" g="0" b="0"/>
+      </a:effectRef>
+      <a:fontRef idx="minor">
+        <a:schemeClr val="dk1"/>
+      </a:fontRef>
+    </dgm:style>
+  </dgm:styleLbl>
+  <dgm:styleLbl name="asst4">
+    <dgm:scene3d>
+      <a:camera prst="orthographicFront"/>
+      <a:lightRig rig="flat" dir="t"/>
+    </dgm:scene3d>
+    <dgm:sp3d prstMaterial="dkEdge">
+      <a:bevelT w="8200" h="38100"/>
+    </dgm:sp3d>
+    <dgm:txPr/>
+    <dgm:style>
+      <a:lnRef idx="0">
+        <a:scrgbClr r="0" g="0" b="0"/>
+      </a:lnRef>
+      <a:fillRef idx="2">
+        <a:scrgbClr r="0" g="0" b="0"/>
+      </a:fillRef>
+      <a:effectRef idx="1">
+        <a:scrgbClr r="0" g="0" b="0"/>
+      </a:effectRef>
+      <a:fontRef idx="minor">
+        <a:schemeClr val="dk1"/>
+      </a:fontRef>
+    </dgm:style>
+  </dgm:styleLbl>
+  <dgm:styleLbl name="parChTrans2D1">
     <dgm:scene3d>
       <a:camera prst="orthographicFront"/>
       <a:lightRig rig="threePt" dir="t"/>
@@ -26217,19 +26618,487 @@
     <dgm:sp3d/>
     <dgm:txPr/>
     <dgm:style>
+      <a:lnRef idx="1">
+        <a:scrgbClr r="0" g="0" b="0"/>
+      </a:lnRef>
+      <a:fillRef idx="2">
+        <a:scrgbClr r="0" g="0" b="0"/>
+      </a:fillRef>
+      <a:effectRef idx="1">
+        <a:scrgbClr r="0" g="0" b="0"/>
+      </a:effectRef>
+      <a:fontRef idx="minor">
+        <a:schemeClr val="dk1"/>
+      </a:fontRef>
+    </dgm:style>
+  </dgm:styleLbl>
+  <dgm:styleLbl name="parChTrans2D2">
+    <dgm:scene3d>
+      <a:camera prst="orthographicFront"/>
+      <a:lightRig rig="threePt" dir="t"/>
+    </dgm:scene3d>
+    <dgm:sp3d/>
+    <dgm:txPr/>
+    <dgm:style>
+      <a:lnRef idx="1">
+        <a:scrgbClr r="0" g="0" b="0"/>
+      </a:lnRef>
+      <a:fillRef idx="2">
+        <a:scrgbClr r="0" g="0" b="0"/>
+      </a:fillRef>
+      <a:effectRef idx="1">
+        <a:scrgbClr r="0" g="0" b="0"/>
+      </a:effectRef>
+      <a:fontRef idx="minor">
+        <a:schemeClr val="dk1"/>
+      </a:fontRef>
+    </dgm:style>
+  </dgm:styleLbl>
+  <dgm:styleLbl name="parChTrans2D3">
+    <dgm:scene3d>
+      <a:camera prst="orthographicFront"/>
+      <a:lightRig rig="threePt" dir="t"/>
+    </dgm:scene3d>
+    <dgm:sp3d/>
+    <dgm:txPr/>
+    <dgm:style>
+      <a:lnRef idx="1">
+        <a:scrgbClr r="0" g="0" b="0"/>
+      </a:lnRef>
+      <a:fillRef idx="2">
+        <a:scrgbClr r="0" g="0" b="0"/>
+      </a:fillRef>
+      <a:effectRef idx="1">
+        <a:scrgbClr r="0" g="0" b="0"/>
+      </a:effectRef>
+      <a:fontRef idx="minor">
+        <a:schemeClr val="dk1"/>
+      </a:fontRef>
+    </dgm:style>
+  </dgm:styleLbl>
+  <dgm:styleLbl name="parChTrans2D4">
+    <dgm:scene3d>
+      <a:camera prst="orthographicFront"/>
+      <a:lightRig rig="threePt" dir="t"/>
+    </dgm:scene3d>
+    <dgm:sp3d/>
+    <dgm:txPr/>
+    <dgm:style>
+      <a:lnRef idx="1">
+        <a:scrgbClr r="0" g="0" b="0"/>
+      </a:lnRef>
+      <a:fillRef idx="2">
+        <a:scrgbClr r="0" g="0" b="0"/>
+      </a:fillRef>
+      <a:effectRef idx="1">
+        <a:scrgbClr r="0" g="0" b="0"/>
+      </a:effectRef>
+      <a:fontRef idx="minor">
+        <a:schemeClr val="dk1"/>
+      </a:fontRef>
+    </dgm:style>
+  </dgm:styleLbl>
+  <dgm:styleLbl name="parChTrans1D1">
+    <dgm:scene3d>
+      <a:camera prst="orthographicFront"/>
+      <a:lightRig rig="threePt" dir="t"/>
+    </dgm:scene3d>
+    <dgm:sp3d/>
+    <dgm:txPr/>
+    <dgm:style>
+      <a:lnRef idx="2">
+        <a:scrgbClr r="0" g="0" b="0"/>
+      </a:lnRef>
+      <a:fillRef idx="0">
+        <a:scrgbClr r="0" g="0" b="0"/>
+      </a:fillRef>
+      <a:effectRef idx="0">
+        <a:scrgbClr r="0" g="0" b="0"/>
+      </a:effectRef>
+      <a:fontRef idx="minor"/>
+    </dgm:style>
+  </dgm:styleLbl>
+  <dgm:styleLbl name="parChTrans1D2">
+    <dgm:scene3d>
+      <a:camera prst="orthographicFront"/>
+      <a:lightRig rig="threePt" dir="t"/>
+    </dgm:scene3d>
+    <dgm:sp3d/>
+    <dgm:txPr/>
+    <dgm:style>
+      <a:lnRef idx="2">
+        <a:scrgbClr r="0" g="0" b="0"/>
+      </a:lnRef>
+      <a:fillRef idx="0">
+        <a:scrgbClr r="0" g="0" b="0"/>
+      </a:fillRef>
+      <a:effectRef idx="0">
+        <a:scrgbClr r="0" g="0" b="0"/>
+      </a:effectRef>
+      <a:fontRef idx="minor"/>
+    </dgm:style>
+  </dgm:styleLbl>
+  <dgm:styleLbl name="parChTrans1D3">
+    <dgm:scene3d>
+      <a:camera prst="orthographicFront"/>
+      <a:lightRig rig="threePt" dir="t"/>
+    </dgm:scene3d>
+    <dgm:sp3d/>
+    <dgm:txPr/>
+    <dgm:style>
+      <a:lnRef idx="2">
+        <a:scrgbClr r="0" g="0" b="0"/>
+      </a:lnRef>
+      <a:fillRef idx="0">
+        <a:scrgbClr r="0" g="0" b="0"/>
+      </a:fillRef>
+      <a:effectRef idx="0">
+        <a:scrgbClr r="0" g="0" b="0"/>
+      </a:effectRef>
+      <a:fontRef idx="minor"/>
+    </dgm:style>
+  </dgm:styleLbl>
+  <dgm:styleLbl name="parChTrans1D4">
+    <dgm:scene3d>
+      <a:camera prst="orthographicFront"/>
+      <a:lightRig rig="threePt" dir="t"/>
+    </dgm:scene3d>
+    <dgm:sp3d/>
+    <dgm:txPr/>
+    <dgm:style>
+      <a:lnRef idx="2">
+        <a:scrgbClr r="0" g="0" b="0"/>
+      </a:lnRef>
+      <a:fillRef idx="0">
+        <a:scrgbClr r="0" g="0" b="0"/>
+      </a:fillRef>
+      <a:effectRef idx="0">
+        <a:scrgbClr r="0" g="0" b="0"/>
+      </a:effectRef>
+      <a:fontRef idx="minor"/>
+    </dgm:style>
+  </dgm:styleLbl>
+  <dgm:styleLbl name="fgAcc1">
+    <dgm:scene3d>
+      <a:camera prst="orthographicFront"/>
+      <a:lightRig rig="threePt" dir="t"/>
+    </dgm:scene3d>
+    <dgm:sp3d/>
+    <dgm:txPr/>
+    <dgm:style>
+      <a:lnRef idx="1">
+        <a:scrgbClr r="0" g="0" b="0"/>
+      </a:lnRef>
+      <a:fillRef idx="1">
+        <a:scrgbClr r="0" g="0" b="0"/>
+      </a:fillRef>
+      <a:effectRef idx="0">
+        <a:scrgbClr r="0" g="0" b="0"/>
+      </a:effectRef>
+      <a:fontRef idx="minor"/>
+    </dgm:style>
+  </dgm:styleLbl>
+  <dgm:styleLbl name="conFgAcc1">
+    <dgm:scene3d>
+      <a:camera prst="orthographicFront"/>
+      <a:lightRig rig="threePt" dir="t"/>
+    </dgm:scene3d>
+    <dgm:sp3d/>
+    <dgm:txPr/>
+    <dgm:style>
+      <a:lnRef idx="1">
+        <a:scrgbClr r="0" g="0" b="0"/>
+      </a:lnRef>
+      <a:fillRef idx="1">
+        <a:scrgbClr r="0" g="0" b="0"/>
+      </a:fillRef>
+      <a:effectRef idx="0">
+        <a:scrgbClr r="0" g="0" b="0"/>
+      </a:effectRef>
+      <a:fontRef idx="minor"/>
+    </dgm:style>
+  </dgm:styleLbl>
+  <dgm:styleLbl name="alignAcc1">
+    <dgm:scene3d>
+      <a:camera prst="orthographicFront"/>
+      <a:lightRig rig="threePt" dir="t"/>
+    </dgm:scene3d>
+    <dgm:sp3d/>
+    <dgm:txPr/>
+    <dgm:style>
+      <a:lnRef idx="1">
+        <a:scrgbClr r="0" g="0" b="0"/>
+      </a:lnRef>
+      <a:fillRef idx="1">
+        <a:scrgbClr r="0" g="0" b="0"/>
+      </a:fillRef>
+      <a:effectRef idx="0">
+        <a:scrgbClr r="0" g="0" b="0"/>
+      </a:effectRef>
+      <a:fontRef idx="minor"/>
+    </dgm:style>
+  </dgm:styleLbl>
+  <dgm:styleLbl name="trAlignAcc1">
+    <dgm:scene3d>
+      <a:camera prst="orthographicFront"/>
+      <a:lightRig rig="threePt" dir="t"/>
+    </dgm:scene3d>
+    <dgm:sp3d/>
+    <dgm:txPr/>
+    <dgm:style>
+      <a:lnRef idx="1">
+        <a:scrgbClr r="0" g="0" b="0"/>
+      </a:lnRef>
+      <a:fillRef idx="1">
+        <a:scrgbClr r="0" g="0" b="0"/>
+      </a:fillRef>
+      <a:effectRef idx="0">
+        <a:scrgbClr r="0" g="0" b="0"/>
+      </a:effectRef>
+      <a:fontRef idx="minor"/>
+    </dgm:style>
+  </dgm:styleLbl>
+  <dgm:styleLbl name="bgAcc1">
+    <dgm:scene3d>
+      <a:camera prst="orthographicFront"/>
+      <a:lightRig rig="threePt" dir="t"/>
+    </dgm:scene3d>
+    <dgm:sp3d/>
+    <dgm:txPr/>
+    <dgm:style>
+      <a:lnRef idx="1">
+        <a:scrgbClr r="0" g="0" b="0"/>
+      </a:lnRef>
+      <a:fillRef idx="1">
+        <a:scrgbClr r="0" g="0" b="0"/>
+      </a:fillRef>
+      <a:effectRef idx="0">
+        <a:scrgbClr r="0" g="0" b="0"/>
+      </a:effectRef>
+      <a:fontRef idx="minor"/>
+    </dgm:style>
+  </dgm:styleLbl>
+  <dgm:styleLbl name="solidFgAcc1">
+    <dgm:scene3d>
+      <a:camera prst="orthographicFront"/>
+      <a:lightRig rig="threePt" dir="t"/>
+    </dgm:scene3d>
+    <dgm:sp3d/>
+    <dgm:txPr/>
+    <dgm:style>
+      <a:lnRef idx="1">
+        <a:scrgbClr r="0" g="0" b="0"/>
+      </a:lnRef>
+      <a:fillRef idx="2">
+        <a:scrgbClr r="0" g="0" b="0"/>
+      </a:fillRef>
+      <a:effectRef idx="0">
+        <a:scrgbClr r="0" g="0" b="0"/>
+      </a:effectRef>
+      <a:fontRef idx="minor"/>
+    </dgm:style>
+  </dgm:styleLbl>
+  <dgm:styleLbl name="solidAlignAcc1">
+    <dgm:scene3d>
+      <a:camera prst="orthographicFront"/>
+      <a:lightRig rig="threePt" dir="t"/>
+    </dgm:scene3d>
+    <dgm:sp3d/>
+    <dgm:txPr/>
+    <dgm:style>
+      <a:lnRef idx="1">
+        <a:scrgbClr r="0" g="0" b="0"/>
+      </a:lnRef>
+      <a:fillRef idx="1">
+        <a:scrgbClr r="0" g="0" b="0"/>
+      </a:fillRef>
+      <a:effectRef idx="0">
+        <a:scrgbClr r="0" g="0" b="0"/>
+      </a:effectRef>
+      <a:fontRef idx="minor"/>
+    </dgm:style>
+  </dgm:styleLbl>
+  <dgm:styleLbl name="solidBgAcc1">
+    <dgm:scene3d>
+      <a:camera prst="orthographicFront"/>
+      <a:lightRig rig="threePt" dir="t"/>
+    </dgm:scene3d>
+    <dgm:sp3d/>
+    <dgm:txPr/>
+    <dgm:style>
+      <a:lnRef idx="1">
+        <a:scrgbClr r="0" g="0" b="0"/>
+      </a:lnRef>
+      <a:fillRef idx="1">
+        <a:scrgbClr r="0" g="0" b="0"/>
+      </a:fillRef>
+      <a:effectRef idx="0">
+        <a:scrgbClr r="0" g="0" b="0"/>
+      </a:effectRef>
+      <a:fontRef idx="minor"/>
+    </dgm:style>
+  </dgm:styleLbl>
+  <dgm:styleLbl name="fgAccFollowNode1">
+    <dgm:scene3d>
+      <a:camera prst="orthographicFront"/>
+      <a:lightRig rig="threePt" dir="t"/>
+    </dgm:scene3d>
+    <dgm:sp3d/>
+    <dgm:txPr/>
+    <dgm:style>
+      <a:lnRef idx="1">
+        <a:scrgbClr r="0" g="0" b="0"/>
+      </a:lnRef>
+      <a:fillRef idx="1">
+        <a:scrgbClr r="0" g="0" b="0"/>
+      </a:fillRef>
+      <a:effectRef idx="0">
+        <a:scrgbClr r="0" g="0" b="0"/>
+      </a:effectRef>
+      <a:fontRef idx="minor"/>
+    </dgm:style>
+  </dgm:styleLbl>
+  <dgm:styleLbl name="alignAccFollowNode1">
+    <dgm:scene3d>
+      <a:camera prst="orthographicFront"/>
+      <a:lightRig rig="threePt" dir="t"/>
+    </dgm:scene3d>
+    <dgm:sp3d/>
+    <dgm:txPr/>
+    <dgm:style>
+      <a:lnRef idx="1">
+        <a:scrgbClr r="0" g="0" b="0"/>
+      </a:lnRef>
+      <a:fillRef idx="1">
+        <a:scrgbClr r="0" g="0" b="0"/>
+      </a:fillRef>
+      <a:effectRef idx="0">
+        <a:scrgbClr r="0" g="0" b="0"/>
+      </a:effectRef>
+      <a:fontRef idx="minor"/>
+    </dgm:style>
+  </dgm:styleLbl>
+  <dgm:styleLbl name="bgAccFollowNode1">
+    <dgm:scene3d>
+      <a:camera prst="orthographicFront"/>
+      <a:lightRig rig="threePt" dir="t"/>
+    </dgm:scene3d>
+    <dgm:sp3d/>
+    <dgm:txPr/>
+    <dgm:style>
+      <a:lnRef idx="1">
+        <a:scrgbClr r="0" g="0" b="0"/>
+      </a:lnRef>
+      <a:fillRef idx="1">
+        <a:scrgbClr r="0" g="0" b="0"/>
+      </a:fillRef>
+      <a:effectRef idx="0">
+        <a:scrgbClr r="0" g="0" b="0"/>
+      </a:effectRef>
+      <a:fontRef idx="minor"/>
+    </dgm:style>
+  </dgm:styleLbl>
+  <dgm:styleLbl name="fgAcc0">
+    <dgm:scene3d>
+      <a:camera prst="orthographicFront"/>
+      <a:lightRig rig="threePt" dir="t"/>
+    </dgm:scene3d>
+    <dgm:sp3d/>
+    <dgm:txPr/>
+    <dgm:style>
+      <a:lnRef idx="1">
+        <a:scrgbClr r="0" g="0" b="0"/>
+      </a:lnRef>
+      <a:fillRef idx="1">
+        <a:scrgbClr r="0" g="0" b="0"/>
+      </a:fillRef>
+      <a:effectRef idx="0">
+        <a:scrgbClr r="0" g="0" b="0"/>
+      </a:effectRef>
+      <a:fontRef idx="minor"/>
+    </dgm:style>
+  </dgm:styleLbl>
+  <dgm:styleLbl name="fgAcc2">
+    <dgm:scene3d>
+      <a:camera prst="orthographicFront"/>
+      <a:lightRig rig="threePt" dir="t"/>
+    </dgm:scene3d>
+    <dgm:sp3d/>
+    <dgm:txPr/>
+    <dgm:style>
+      <a:lnRef idx="1">
+        <a:scrgbClr r="0" g="0" b="0"/>
+      </a:lnRef>
+      <a:fillRef idx="1">
+        <a:scrgbClr r="0" g="0" b="0"/>
+      </a:fillRef>
+      <a:effectRef idx="0">
+        <a:scrgbClr r="0" g="0" b="0"/>
+      </a:effectRef>
+      <a:fontRef idx="minor"/>
+    </dgm:style>
+  </dgm:styleLbl>
+  <dgm:styleLbl name="fgAcc3">
+    <dgm:scene3d>
+      <a:camera prst="orthographicFront"/>
+      <a:lightRig rig="threePt" dir="t"/>
+    </dgm:scene3d>
+    <dgm:sp3d/>
+    <dgm:txPr/>
+    <dgm:style>
+      <a:lnRef idx="1">
+        <a:scrgbClr r="0" g="0" b="0"/>
+      </a:lnRef>
+      <a:fillRef idx="1">
+        <a:scrgbClr r="0" g="0" b="0"/>
+      </a:fillRef>
+      <a:effectRef idx="0">
+        <a:scrgbClr r="0" g="0" b="0"/>
+      </a:effectRef>
+      <a:fontRef idx="minor"/>
+    </dgm:style>
+  </dgm:styleLbl>
+  <dgm:styleLbl name="fgAcc4">
+    <dgm:scene3d>
+      <a:camera prst="orthographicFront"/>
+      <a:lightRig rig="threePt" dir="t"/>
+    </dgm:scene3d>
+    <dgm:sp3d/>
+    <dgm:txPr/>
+    <dgm:style>
+      <a:lnRef idx="1">
+        <a:scrgbClr r="0" g="0" b="0"/>
+      </a:lnRef>
+      <a:fillRef idx="1">
+        <a:scrgbClr r="0" g="0" b="0"/>
+      </a:fillRef>
+      <a:effectRef idx="0">
+        <a:scrgbClr r="0" g="0" b="0"/>
+      </a:effectRef>
+      <a:fontRef idx="minor"/>
+    </dgm:style>
+  </dgm:styleLbl>
+  <dgm:styleLbl name="bgShp">
+    <dgm:scene3d>
+      <a:camera prst="orthographicFront"/>
+      <a:lightRig rig="threePt" dir="t"/>
+    </dgm:scene3d>
+    <dgm:sp3d/>
+    <dgm:txPr/>
+    <dgm:style>
       <a:lnRef idx="0">
         <a:scrgbClr r="0" g="0" b="0"/>
       </a:lnRef>
       <a:fillRef idx="1">
         <a:scrgbClr r="0" g="0" b="0"/>
       </a:fillRef>
-      <a:effectRef idx="2">
+      <a:effectRef idx="1">
         <a:scrgbClr r="0" g="0" b="0"/>
       </a:effectRef>
       <a:fontRef idx="minor"/>
     </dgm:style>
   </dgm:styleLbl>
-  <dgm:styleLbl name="alignImgPlace1">
+  <dgm:styleLbl name="dkBgShp">
     <dgm:scene3d>
       <a:camera prst="orthographicFront"/>
       <a:lightRig rig="threePt" dir="t"/>
@@ -26243,13 +27112,13 @@
       <a:fillRef idx="1">
         <a:scrgbClr r="0" g="0" b="0"/>
       </a:fillRef>
-      <a:effectRef idx="2">
+      <a:effectRef idx="1">
         <a:scrgbClr r="0" g="0" b="0"/>
       </a:effectRef>
       <a:fontRef idx="minor"/>
     </dgm:style>
   </dgm:styleLbl>
-  <dgm:styleLbl name="bgImgPlace1">
+  <dgm:styleLbl name="trBgShp">
     <dgm:scene3d>
       <a:camera prst="orthographicFront"/>
       <a:lightRig rig="threePt" dir="t"/>
@@ -26263,771 +27132,29 @@
       <a:fillRef idx="1">
         <a:scrgbClr r="0" g="0" b="0"/>
       </a:fillRef>
-      <a:effectRef idx="2">
+      <a:effectRef idx="0">
         <a:scrgbClr r="0" g="0" b="0"/>
       </a:effectRef>
       <a:fontRef idx="minor"/>
     </dgm:style>
   </dgm:styleLbl>
-  <dgm:styleLbl name="sibTrans2D1">
-    <dgm:scene3d>
-      <a:camera prst="orthographicFront"/>
-      <a:lightRig rig="threePt" dir="t"/>
-    </dgm:scene3d>
-    <dgm:sp3d/>
-    <dgm:txPr/>
-    <dgm:style>
-      <a:lnRef idx="0">
-        <a:scrgbClr r="0" g="0" b="0"/>
-      </a:lnRef>
-      <a:fillRef idx="3">
-        <a:scrgbClr r="0" g="0" b="0"/>
-      </a:fillRef>
-      <a:effectRef idx="2">
-        <a:scrgbClr r="0" g="0" b="0"/>
-      </a:effectRef>
-      <a:fontRef idx="minor">
-        <a:schemeClr val="lt1"/>
-      </a:fontRef>
-    </dgm:style>
-  </dgm:styleLbl>
-  <dgm:styleLbl name="fgSibTrans2D1">
-    <dgm:scene3d>
-      <a:camera prst="orthographicFront"/>
-      <a:lightRig rig="threePt" dir="t"/>
-    </dgm:scene3d>
-    <dgm:sp3d/>
-    <dgm:txPr/>
-    <dgm:style>
-      <a:lnRef idx="0">
-        <a:scrgbClr r="0" g="0" b="0"/>
-      </a:lnRef>
-      <a:fillRef idx="3">
-        <a:scrgbClr r="0" g="0" b="0"/>
-      </a:fillRef>
-      <a:effectRef idx="2">
-        <a:scrgbClr r="0" g="0" b="0"/>
-      </a:effectRef>
-      <a:fontRef idx="minor">
-        <a:schemeClr val="lt1"/>
-      </a:fontRef>
-    </dgm:style>
-  </dgm:styleLbl>
-  <dgm:styleLbl name="bgSibTrans2D1">
-    <dgm:scene3d>
-      <a:camera prst="orthographicFront"/>
-      <a:lightRig rig="threePt" dir="t"/>
-    </dgm:scene3d>
-    <dgm:sp3d/>
-    <dgm:txPr/>
-    <dgm:style>
-      <a:lnRef idx="0">
-        <a:scrgbClr r="0" g="0" b="0"/>
-      </a:lnRef>
-      <a:fillRef idx="3">
-        <a:scrgbClr r="0" g="0" b="0"/>
-      </a:fillRef>
-      <a:effectRef idx="2">
-        <a:scrgbClr r="0" g="0" b="0"/>
-      </a:effectRef>
-      <a:fontRef idx="minor">
-        <a:schemeClr val="lt1"/>
-      </a:fontRef>
-    </dgm:style>
-  </dgm:styleLbl>
-  <dgm:styleLbl name="sibTrans1D1">
-    <dgm:scene3d>
-      <a:camera prst="orthographicFront"/>
-      <a:lightRig rig="threePt" dir="t"/>
-    </dgm:scene3d>
-    <dgm:sp3d/>
+  <dgm:styleLbl name="fgShp">
+    <dgm:scene3d>
+      <a:camera prst="orthographicFront"/>
+      <a:lightRig rig="flat" dir="t"/>
+    </dgm:scene3d>
+    <dgm:sp3d prstMaterial="dkEdge">
+      <a:bevelT w="8200" h="38100"/>
+    </dgm:sp3d>
     <dgm:txPr/>
     <dgm:style>
       <a:lnRef idx="1">
         <a:scrgbClr r="0" g="0" b="0"/>
       </a:lnRef>
-      <a:fillRef idx="0">
-        <a:scrgbClr r="0" g="0" b="0"/>
-      </a:fillRef>
-      <a:effectRef idx="0">
-        <a:scrgbClr r="0" g="0" b="0"/>
-      </a:effectRef>
-      <a:fontRef idx="minor"/>
-    </dgm:style>
-  </dgm:styleLbl>
-  <dgm:styleLbl name="callout">
-    <dgm:scene3d>
-      <a:camera prst="orthographicFront"/>
-      <a:lightRig rig="threePt" dir="t"/>
-    </dgm:scene3d>
-    <dgm:sp3d/>
-    <dgm:txPr/>
-    <dgm:style>
-      <a:lnRef idx="2">
-        <a:scrgbClr r="0" g="0" b="0"/>
-      </a:lnRef>
-      <a:fillRef idx="1">
+      <a:fillRef idx="2">
         <a:scrgbClr r="0" g="0" b="0"/>
       </a:fillRef>
       <a:effectRef idx="1">
-        <a:scrgbClr r="0" g="0" b="0"/>
-      </a:effectRef>
-      <a:fontRef idx="minor"/>
-    </dgm:style>
-  </dgm:styleLbl>
-  <dgm:styleLbl name="asst0">
-    <dgm:scene3d>
-      <a:camera prst="orthographicFront"/>
-      <a:lightRig rig="threePt" dir="t"/>
-    </dgm:scene3d>
-    <dgm:sp3d/>
-    <dgm:txPr/>
-    <dgm:style>
-      <a:lnRef idx="0">
-        <a:scrgbClr r="0" g="0" b="0"/>
-      </a:lnRef>
-      <a:fillRef idx="3">
-        <a:scrgbClr r="0" g="0" b="0"/>
-      </a:fillRef>
-      <a:effectRef idx="2">
-        <a:scrgbClr r="0" g="0" b="0"/>
-      </a:effectRef>
-      <a:fontRef idx="minor">
-        <a:schemeClr val="lt1"/>
-      </a:fontRef>
-    </dgm:style>
-  </dgm:styleLbl>
-  <dgm:styleLbl name="asst1">
-    <dgm:scene3d>
-      <a:camera prst="orthographicFront"/>
-      <a:lightRig rig="threePt" dir="t"/>
-    </dgm:scene3d>
-    <dgm:sp3d/>
-    <dgm:txPr/>
-    <dgm:style>
-      <a:lnRef idx="0">
-        <a:scrgbClr r="0" g="0" b="0"/>
-      </a:lnRef>
-      <a:fillRef idx="3">
-        <a:scrgbClr r="0" g="0" b="0"/>
-      </a:fillRef>
-      <a:effectRef idx="2">
-        <a:scrgbClr r="0" g="0" b="0"/>
-      </a:effectRef>
-      <a:fontRef idx="minor">
-        <a:schemeClr val="lt1"/>
-      </a:fontRef>
-    </dgm:style>
-  </dgm:styleLbl>
-  <dgm:styleLbl name="asst2">
-    <dgm:scene3d>
-      <a:camera prst="orthographicFront"/>
-      <a:lightRig rig="threePt" dir="t"/>
-    </dgm:scene3d>
-    <dgm:sp3d/>
-    <dgm:txPr/>
-    <dgm:style>
-      <a:lnRef idx="0">
-        <a:scrgbClr r="0" g="0" b="0"/>
-      </a:lnRef>
-      <a:fillRef idx="3">
-        <a:scrgbClr r="0" g="0" b="0"/>
-      </a:fillRef>
-      <a:effectRef idx="2">
-        <a:scrgbClr r="0" g="0" b="0"/>
-      </a:effectRef>
-      <a:fontRef idx="minor">
-        <a:schemeClr val="lt1"/>
-      </a:fontRef>
-    </dgm:style>
-  </dgm:styleLbl>
-  <dgm:styleLbl name="asst3">
-    <dgm:scene3d>
-      <a:camera prst="orthographicFront"/>
-      <a:lightRig rig="threePt" dir="t"/>
-    </dgm:scene3d>
-    <dgm:sp3d/>
-    <dgm:txPr/>
-    <dgm:style>
-      <a:lnRef idx="0">
-        <a:scrgbClr r="0" g="0" b="0"/>
-      </a:lnRef>
-      <a:fillRef idx="3">
-        <a:scrgbClr r="0" g="0" b="0"/>
-      </a:fillRef>
-      <a:effectRef idx="2">
-        <a:scrgbClr r="0" g="0" b="0"/>
-      </a:effectRef>
-      <a:fontRef idx="minor">
-        <a:schemeClr val="lt1"/>
-      </a:fontRef>
-    </dgm:style>
-  </dgm:styleLbl>
-  <dgm:styleLbl name="asst4">
-    <dgm:scene3d>
-      <a:camera prst="orthographicFront"/>
-      <a:lightRig rig="threePt" dir="t"/>
-    </dgm:scene3d>
-    <dgm:sp3d/>
-    <dgm:txPr/>
-    <dgm:style>
-      <a:lnRef idx="0">
-        <a:scrgbClr r="0" g="0" b="0"/>
-      </a:lnRef>
-      <a:fillRef idx="3">
-        <a:scrgbClr r="0" g="0" b="0"/>
-      </a:fillRef>
-      <a:effectRef idx="2">
-        <a:scrgbClr r="0" g="0" b="0"/>
-      </a:effectRef>
-      <a:fontRef idx="minor">
-        <a:schemeClr val="lt1"/>
-      </a:fontRef>
-    </dgm:style>
-  </dgm:styleLbl>
-  <dgm:styleLbl name="parChTrans2D1">
-    <dgm:scene3d>
-      <a:camera prst="orthographicFront"/>
-      <a:lightRig rig="threePt" dir="t"/>
-    </dgm:scene3d>
-    <dgm:sp3d/>
-    <dgm:txPr/>
-    <dgm:style>
-      <a:lnRef idx="0">
-        <a:scrgbClr r="0" g="0" b="0"/>
-      </a:lnRef>
-      <a:fillRef idx="3">
-        <a:scrgbClr r="0" g="0" b="0"/>
-      </a:fillRef>
-      <a:effectRef idx="2">
-        <a:scrgbClr r="0" g="0" b="0"/>
-      </a:effectRef>
-      <a:fontRef idx="minor">
-        <a:schemeClr val="lt1"/>
-      </a:fontRef>
-    </dgm:style>
-  </dgm:styleLbl>
-  <dgm:styleLbl name="parChTrans2D2">
-    <dgm:scene3d>
-      <a:camera prst="orthographicFront"/>
-      <a:lightRig rig="threePt" dir="t"/>
-    </dgm:scene3d>
-    <dgm:sp3d/>
-    <dgm:txPr/>
-    <dgm:style>
-      <a:lnRef idx="0">
-        <a:scrgbClr r="0" g="0" b="0"/>
-      </a:lnRef>
-      <a:fillRef idx="3">
-        <a:scrgbClr r="0" g="0" b="0"/>
-      </a:fillRef>
-      <a:effectRef idx="2">
-        <a:scrgbClr r="0" g="0" b="0"/>
-      </a:effectRef>
-      <a:fontRef idx="minor">
-        <a:schemeClr val="lt1"/>
-      </a:fontRef>
-    </dgm:style>
-  </dgm:styleLbl>
-  <dgm:styleLbl name="parChTrans2D3">
-    <dgm:scene3d>
-      <a:camera prst="orthographicFront"/>
-      <a:lightRig rig="threePt" dir="t"/>
-    </dgm:scene3d>
-    <dgm:sp3d/>
-    <dgm:txPr/>
-    <dgm:style>
-      <a:lnRef idx="1">
-        <a:scrgbClr r="0" g="0" b="0"/>
-      </a:lnRef>
-      <a:fillRef idx="3">
-        <a:scrgbClr r="0" g="0" b="0"/>
-      </a:fillRef>
-      <a:effectRef idx="2">
-        <a:scrgbClr r="0" g="0" b="0"/>
-      </a:effectRef>
-      <a:fontRef idx="minor">
-        <a:schemeClr val="lt1"/>
-      </a:fontRef>
-    </dgm:style>
-  </dgm:styleLbl>
-  <dgm:styleLbl name="parChTrans2D4">
-    <dgm:scene3d>
-      <a:camera prst="orthographicFront"/>
-      <a:lightRig rig="threePt" dir="t"/>
-    </dgm:scene3d>
-    <dgm:sp3d/>
-    <dgm:txPr/>
-    <dgm:style>
-      <a:lnRef idx="1">
-        <a:scrgbClr r="0" g="0" b="0"/>
-      </a:lnRef>
-      <a:fillRef idx="3">
-        <a:scrgbClr r="0" g="0" b="0"/>
-      </a:fillRef>
-      <a:effectRef idx="2">
-        <a:scrgbClr r="0" g="0" b="0"/>
-      </a:effectRef>
-      <a:fontRef idx="minor">
-        <a:schemeClr val="lt1"/>
-      </a:fontRef>
-    </dgm:style>
-  </dgm:styleLbl>
-  <dgm:styleLbl name="parChTrans1D1">
-    <dgm:scene3d>
-      <a:camera prst="orthographicFront"/>
-      <a:lightRig rig="threePt" dir="t"/>
-    </dgm:scene3d>
-    <dgm:sp3d/>
-    <dgm:txPr/>
-    <dgm:style>
-      <a:lnRef idx="1">
-        <a:scrgbClr r="0" g="0" b="0"/>
-      </a:lnRef>
-      <a:fillRef idx="0">
-        <a:scrgbClr r="0" g="0" b="0"/>
-      </a:fillRef>
-      <a:effectRef idx="0">
-        <a:scrgbClr r="0" g="0" b="0"/>
-      </a:effectRef>
-      <a:fontRef idx="minor"/>
-    </dgm:style>
-  </dgm:styleLbl>
-  <dgm:styleLbl name="parChTrans1D2">
-    <dgm:scene3d>
-      <a:camera prst="orthographicFront"/>
-      <a:lightRig rig="threePt" dir="t"/>
-    </dgm:scene3d>
-    <dgm:sp3d/>
-    <dgm:txPr/>
-    <dgm:style>
-      <a:lnRef idx="1">
-        <a:scrgbClr r="0" g="0" b="0"/>
-      </a:lnRef>
-      <a:fillRef idx="0">
-        <a:scrgbClr r="0" g="0" b="0"/>
-      </a:fillRef>
-      <a:effectRef idx="0">
-        <a:scrgbClr r="0" g="0" b="0"/>
-      </a:effectRef>
-      <a:fontRef idx="minor"/>
-    </dgm:style>
-  </dgm:styleLbl>
-  <dgm:styleLbl name="parChTrans1D3">
-    <dgm:scene3d>
-      <a:camera prst="orthographicFront"/>
-      <a:lightRig rig="threePt" dir="t"/>
-    </dgm:scene3d>
-    <dgm:sp3d/>
-    <dgm:txPr/>
-    <dgm:style>
-      <a:lnRef idx="1">
-        <a:scrgbClr r="0" g="0" b="0"/>
-      </a:lnRef>
-      <a:fillRef idx="0">
-        <a:scrgbClr r="0" g="0" b="0"/>
-      </a:fillRef>
-      <a:effectRef idx="0">
-        <a:scrgbClr r="0" g="0" b="0"/>
-      </a:effectRef>
-      <a:fontRef idx="minor"/>
-    </dgm:style>
-  </dgm:styleLbl>
-  <dgm:styleLbl name="parChTrans1D4">
-    <dgm:scene3d>
-      <a:camera prst="orthographicFront"/>
-      <a:lightRig rig="threePt" dir="t"/>
-    </dgm:scene3d>
-    <dgm:sp3d/>
-    <dgm:txPr/>
-    <dgm:style>
-      <a:lnRef idx="1">
-        <a:scrgbClr r="0" g="0" b="0"/>
-      </a:lnRef>
-      <a:fillRef idx="0">
-        <a:scrgbClr r="0" g="0" b="0"/>
-      </a:fillRef>
-      <a:effectRef idx="0">
-        <a:scrgbClr r="0" g="0" b="0"/>
-      </a:effectRef>
-      <a:fontRef idx="minor"/>
-    </dgm:style>
-  </dgm:styleLbl>
-  <dgm:styleLbl name="fgAcc1">
-    <dgm:scene3d>
-      <a:camera prst="orthographicFront"/>
-      <a:lightRig rig="threePt" dir="t"/>
-    </dgm:scene3d>
-    <dgm:sp3d/>
-    <dgm:txPr/>
-    <dgm:style>
-      <a:lnRef idx="1">
-        <a:scrgbClr r="0" g="0" b="0"/>
-      </a:lnRef>
-      <a:fillRef idx="1">
-        <a:scrgbClr r="0" g="0" b="0"/>
-      </a:fillRef>
-      <a:effectRef idx="0">
-        <a:scrgbClr r="0" g="0" b="0"/>
-      </a:effectRef>
-      <a:fontRef idx="minor"/>
-    </dgm:style>
-  </dgm:styleLbl>
-  <dgm:styleLbl name="conFgAcc1">
-    <dgm:scene3d>
-      <a:camera prst="orthographicFront"/>
-      <a:lightRig rig="threePt" dir="t"/>
-    </dgm:scene3d>
-    <dgm:sp3d/>
-    <dgm:txPr/>
-    <dgm:style>
-      <a:lnRef idx="1">
-        <a:scrgbClr r="0" g="0" b="0"/>
-      </a:lnRef>
-      <a:fillRef idx="1">
-        <a:scrgbClr r="0" g="0" b="0"/>
-      </a:fillRef>
-      <a:effectRef idx="0">
-        <a:scrgbClr r="0" g="0" b="0"/>
-      </a:effectRef>
-      <a:fontRef idx="minor"/>
-    </dgm:style>
-  </dgm:styleLbl>
-  <dgm:styleLbl name="alignAcc1">
-    <dgm:scene3d>
-      <a:camera prst="orthographicFront"/>
-      <a:lightRig rig="threePt" dir="t"/>
-    </dgm:scene3d>
-    <dgm:sp3d/>
-    <dgm:txPr/>
-    <dgm:style>
-      <a:lnRef idx="1">
-        <a:scrgbClr r="0" g="0" b="0"/>
-      </a:lnRef>
-      <a:fillRef idx="1">
-        <a:scrgbClr r="0" g="0" b="0"/>
-      </a:fillRef>
-      <a:effectRef idx="0">
-        <a:scrgbClr r="0" g="0" b="0"/>
-      </a:effectRef>
-      <a:fontRef idx="minor"/>
-    </dgm:style>
-  </dgm:styleLbl>
-  <dgm:styleLbl name="trAlignAcc1">
-    <dgm:scene3d>
-      <a:camera prst="orthographicFront"/>
-      <a:lightRig rig="threePt" dir="t"/>
-    </dgm:scene3d>
-    <dgm:sp3d/>
-    <dgm:txPr/>
-    <dgm:style>
-      <a:lnRef idx="1">
-        <a:scrgbClr r="0" g="0" b="0"/>
-      </a:lnRef>
-      <a:fillRef idx="1">
-        <a:scrgbClr r="0" g="0" b="0"/>
-      </a:fillRef>
-      <a:effectRef idx="0">
-        <a:scrgbClr r="0" g="0" b="0"/>
-      </a:effectRef>
-      <a:fontRef idx="minor"/>
-    </dgm:style>
-  </dgm:styleLbl>
-  <dgm:styleLbl name="bgAcc1">
-    <dgm:scene3d>
-      <a:camera prst="orthographicFront"/>
-      <a:lightRig rig="threePt" dir="t"/>
-    </dgm:scene3d>
-    <dgm:sp3d/>
-    <dgm:txPr/>
-    <dgm:style>
-      <a:lnRef idx="1">
-        <a:scrgbClr r="0" g="0" b="0"/>
-      </a:lnRef>
-      <a:fillRef idx="1">
-        <a:scrgbClr r="0" g="0" b="0"/>
-      </a:fillRef>
-      <a:effectRef idx="0">
-        <a:scrgbClr r="0" g="0" b="0"/>
-      </a:effectRef>
-      <a:fontRef idx="minor"/>
-    </dgm:style>
-  </dgm:styleLbl>
-  <dgm:styleLbl name="solidFgAcc1">
-    <dgm:scene3d>
-      <a:camera prst="orthographicFront"/>
-      <a:lightRig rig="threePt" dir="t"/>
-    </dgm:scene3d>
-    <dgm:sp3d/>
-    <dgm:txPr/>
-    <dgm:style>
-      <a:lnRef idx="1">
-        <a:scrgbClr r="0" g="0" b="0"/>
-      </a:lnRef>
-      <a:fillRef idx="1">
-        <a:scrgbClr r="0" g="0" b="0"/>
-      </a:fillRef>
-      <a:effectRef idx="0">
-        <a:scrgbClr r="0" g="0" b="0"/>
-      </a:effectRef>
-      <a:fontRef idx="minor"/>
-    </dgm:style>
-  </dgm:styleLbl>
-  <dgm:styleLbl name="solidAlignAcc1">
-    <dgm:scene3d>
-      <a:camera prst="orthographicFront"/>
-      <a:lightRig rig="threePt" dir="t"/>
-    </dgm:scene3d>
-    <dgm:sp3d/>
-    <dgm:txPr/>
-    <dgm:style>
-      <a:lnRef idx="1">
-        <a:scrgbClr r="0" g="0" b="0"/>
-      </a:lnRef>
-      <a:fillRef idx="1">
-        <a:scrgbClr r="0" g="0" b="0"/>
-      </a:fillRef>
-      <a:effectRef idx="0">
-        <a:scrgbClr r="0" g="0" b="0"/>
-      </a:effectRef>
-      <a:fontRef idx="minor"/>
-    </dgm:style>
-  </dgm:styleLbl>
-  <dgm:styleLbl name="solidBgAcc1">
-    <dgm:scene3d>
-      <a:camera prst="orthographicFront"/>
-      <a:lightRig rig="threePt" dir="t"/>
-    </dgm:scene3d>
-    <dgm:sp3d/>
-    <dgm:txPr/>
-    <dgm:style>
-      <a:lnRef idx="1">
-        <a:scrgbClr r="0" g="0" b="0"/>
-      </a:lnRef>
-      <a:fillRef idx="1">
-        <a:scrgbClr r="0" g="0" b="0"/>
-      </a:fillRef>
-      <a:effectRef idx="0">
-        <a:scrgbClr r="0" g="0" b="0"/>
-      </a:effectRef>
-      <a:fontRef idx="minor"/>
-    </dgm:style>
-  </dgm:styleLbl>
-  <dgm:styleLbl name="fgAccFollowNode1">
-    <dgm:scene3d>
-      <a:camera prst="orthographicFront"/>
-      <a:lightRig rig="threePt" dir="t"/>
-    </dgm:scene3d>
-    <dgm:sp3d/>
-    <dgm:txPr/>
-    <dgm:style>
-      <a:lnRef idx="1">
-        <a:scrgbClr r="0" g="0" b="0"/>
-      </a:lnRef>
-      <a:fillRef idx="1">
-        <a:scrgbClr r="0" g="0" b="0"/>
-      </a:fillRef>
-      <a:effectRef idx="0">
-        <a:scrgbClr r="0" g="0" b="0"/>
-      </a:effectRef>
-      <a:fontRef idx="minor"/>
-    </dgm:style>
-  </dgm:styleLbl>
-  <dgm:styleLbl name="alignAccFollowNode1">
-    <dgm:scene3d>
-      <a:camera prst="orthographicFront"/>
-      <a:lightRig rig="threePt" dir="t"/>
-    </dgm:scene3d>
-    <dgm:sp3d/>
-    <dgm:txPr/>
-    <dgm:style>
-      <a:lnRef idx="1">
-        <a:scrgbClr r="0" g="0" b="0"/>
-      </a:lnRef>
-      <a:fillRef idx="1">
-        <a:scrgbClr r="0" g="0" b="0"/>
-      </a:fillRef>
-      <a:effectRef idx="0">
-        <a:scrgbClr r="0" g="0" b="0"/>
-      </a:effectRef>
-      <a:fontRef idx="minor"/>
-    </dgm:style>
-  </dgm:styleLbl>
-  <dgm:styleLbl name="bgAccFollowNode1">
-    <dgm:scene3d>
-      <a:camera prst="orthographicFront"/>
-      <a:lightRig rig="threePt" dir="t"/>
-    </dgm:scene3d>
-    <dgm:sp3d/>
-    <dgm:txPr/>
-    <dgm:style>
-      <a:lnRef idx="1">
-        <a:scrgbClr r="0" g="0" b="0"/>
-      </a:lnRef>
-      <a:fillRef idx="1">
-        <a:scrgbClr r="0" g="0" b="0"/>
-      </a:fillRef>
-      <a:effectRef idx="0">
-        <a:scrgbClr r="0" g="0" b="0"/>
-      </a:effectRef>
-      <a:fontRef idx="minor"/>
-    </dgm:style>
-  </dgm:styleLbl>
-  <dgm:styleLbl name="fgAcc0">
-    <dgm:scene3d>
-      <a:camera prst="orthographicFront"/>
-      <a:lightRig rig="threePt" dir="t"/>
-    </dgm:scene3d>
-    <dgm:sp3d/>
-    <dgm:txPr/>
-    <dgm:style>
-      <a:lnRef idx="1">
-        <a:scrgbClr r="0" g="0" b="0"/>
-      </a:lnRef>
-      <a:fillRef idx="1">
-        <a:scrgbClr r="0" g="0" b="0"/>
-      </a:fillRef>
-      <a:effectRef idx="0">
-        <a:scrgbClr r="0" g="0" b="0"/>
-      </a:effectRef>
-      <a:fontRef idx="minor"/>
-    </dgm:style>
-  </dgm:styleLbl>
-  <dgm:styleLbl name="fgAcc2">
-    <dgm:scene3d>
-      <a:camera prst="orthographicFront"/>
-      <a:lightRig rig="threePt" dir="t"/>
-    </dgm:scene3d>
-    <dgm:sp3d/>
-    <dgm:txPr/>
-    <dgm:style>
-      <a:lnRef idx="1">
-        <a:scrgbClr r="0" g="0" b="0"/>
-      </a:lnRef>
-      <a:fillRef idx="1">
-        <a:scrgbClr r="0" g="0" b="0"/>
-      </a:fillRef>
-      <a:effectRef idx="0">
-        <a:scrgbClr r="0" g="0" b="0"/>
-      </a:effectRef>
-      <a:fontRef idx="minor"/>
-    </dgm:style>
-  </dgm:styleLbl>
-  <dgm:styleLbl name="fgAcc3">
-    <dgm:scene3d>
-      <a:camera prst="orthographicFront"/>
-      <a:lightRig rig="threePt" dir="t"/>
-    </dgm:scene3d>
-    <dgm:sp3d/>
-    <dgm:txPr/>
-    <dgm:style>
-      <a:lnRef idx="1">
-        <a:scrgbClr r="0" g="0" b="0"/>
-      </a:lnRef>
-      <a:fillRef idx="1">
-        <a:scrgbClr r="0" g="0" b="0"/>
-      </a:fillRef>
-      <a:effectRef idx="0">
-        <a:scrgbClr r="0" g="0" b="0"/>
-      </a:effectRef>
-      <a:fontRef idx="minor"/>
-    </dgm:style>
-  </dgm:styleLbl>
-  <dgm:styleLbl name="fgAcc4">
-    <dgm:scene3d>
-      <a:camera prst="orthographicFront"/>
-      <a:lightRig rig="threePt" dir="t"/>
-    </dgm:scene3d>
-    <dgm:sp3d/>
-    <dgm:txPr/>
-    <dgm:style>
-      <a:lnRef idx="1">
-        <a:scrgbClr r="0" g="0" b="0"/>
-      </a:lnRef>
-      <a:fillRef idx="1">
-        <a:scrgbClr r="0" g="0" b="0"/>
-      </a:fillRef>
-      <a:effectRef idx="0">
-        <a:scrgbClr r="0" g="0" b="0"/>
-      </a:effectRef>
-      <a:fontRef idx="minor"/>
-    </dgm:style>
-  </dgm:styleLbl>
-  <dgm:styleLbl name="bgShp">
-    <dgm:scene3d>
-      <a:camera prst="orthographicFront"/>
-      <a:lightRig rig="threePt" dir="t"/>
-    </dgm:scene3d>
-    <dgm:sp3d/>
-    <dgm:txPr/>
-    <dgm:style>
-      <a:lnRef idx="0">
-        <a:scrgbClr r="0" g="0" b="0"/>
-      </a:lnRef>
-      <a:fillRef idx="1">
-        <a:scrgbClr r="0" g="0" b="0"/>
-      </a:fillRef>
-      <a:effectRef idx="2">
-        <a:scrgbClr r="0" g="0" b="0"/>
-      </a:effectRef>
-      <a:fontRef idx="minor"/>
-    </dgm:style>
-  </dgm:styleLbl>
-  <dgm:styleLbl name="dkBgShp">
-    <dgm:scene3d>
-      <a:camera prst="orthographicFront"/>
-      <a:lightRig rig="threePt" dir="t"/>
-    </dgm:scene3d>
-    <dgm:sp3d/>
-    <dgm:txPr/>
-    <dgm:style>
-      <a:lnRef idx="0">
-        <a:scrgbClr r="0" g="0" b="0"/>
-      </a:lnRef>
-      <a:fillRef idx="1">
-        <a:scrgbClr r="0" g="0" b="0"/>
-      </a:fillRef>
-      <a:effectRef idx="2">
-        <a:scrgbClr r="0" g="0" b="0"/>
-      </a:effectRef>
-      <a:fontRef idx="minor"/>
-    </dgm:style>
-  </dgm:styleLbl>
-  <dgm:styleLbl name="trBgShp">
-    <dgm:scene3d>
-      <a:camera prst="orthographicFront"/>
-      <a:lightRig rig="threePt" dir="t"/>
-    </dgm:scene3d>
-    <dgm:sp3d/>
-    <dgm:txPr/>
-    <dgm:style>
-      <a:lnRef idx="0">
-        <a:scrgbClr r="0" g="0" b="0"/>
-      </a:lnRef>
-      <a:fillRef idx="1">
-        <a:scrgbClr r="0" g="0" b="0"/>
-      </a:fillRef>
-      <a:effectRef idx="0">
-        <a:scrgbClr r="0" g="0" b="0"/>
-      </a:effectRef>
-      <a:fontRef idx="minor"/>
-    </dgm:style>
-  </dgm:styleLbl>
-  <dgm:styleLbl name="fgShp">
-    <dgm:scene3d>
-      <a:camera prst="orthographicFront"/>
-      <a:lightRig rig="threePt" dir="t"/>
-    </dgm:scene3d>
-    <dgm:sp3d/>
-    <dgm:txPr/>
-    <dgm:style>
-      <a:lnRef idx="0">
-        <a:scrgbClr r="0" g="0" b="0"/>
-      </a:lnRef>
-      <a:fillRef idx="3">
-        <a:scrgbClr r="0" g="0" b="0"/>
-      </a:fillRef>
-      <a:effectRef idx="2">
         <a:scrgbClr r="0" g="0" b="0"/>
       </a:effectRef>
       <a:fontRef idx="minor"/>
@@ -27057,11 +27184,11 @@
 </file>
 
 <file path=ppt/diagrams/quickStyle8.xml><?xml version="1.0" encoding="utf-8"?>
-<dgm:styleDef xmlns:dgm="http://schemas.openxmlformats.org/drawingml/2006/diagram" xmlns:a="http://schemas.openxmlformats.org/drawingml/2006/main" uniqueId="urn:microsoft.com/office/officeart/2005/8/quickstyle/simple4">
+<dgm:styleDef xmlns:dgm="http://schemas.openxmlformats.org/drawingml/2006/diagram" xmlns:a="http://schemas.openxmlformats.org/drawingml/2006/main" uniqueId="urn:microsoft.com/office/officeart/2005/8/quickstyle/simple3">
   <dgm:title val=""/>
   <dgm:desc val=""/>
   <dgm:catLst>
-    <dgm:cat type="simple" pri="10400"/>
+    <dgm:cat type="simple" pri="10300"/>
   </dgm:catLst>
   <dgm:scene3d>
     <a:camera prst="orthographicFront"/>
@@ -27070,59 +27197,65 @@
   <dgm:styleLbl name="node0">
     <dgm:scene3d>
       <a:camera prst="orthographicFront"/>
-      <a:lightRig rig="threePt" dir="t"/>
-    </dgm:scene3d>
-    <dgm:sp3d/>
+      <a:lightRig rig="flat" dir="t"/>
+    </dgm:scene3d>
+    <dgm:sp3d prstMaterial="dkEdge">
+      <a:bevelT w="8200" h="38100"/>
+    </dgm:sp3d>
     <dgm:txPr/>
     <dgm:style>
       <a:lnRef idx="0">
         <a:scrgbClr r="0" g="0" b="0"/>
       </a:lnRef>
-      <a:fillRef idx="3">
-        <a:scrgbClr r="0" g="0" b="0"/>
-      </a:fillRef>
-      <a:effectRef idx="2">
+      <a:fillRef idx="2">
+        <a:scrgbClr r="0" g="0" b="0"/>
+      </a:fillRef>
+      <a:effectRef idx="1">
         <a:scrgbClr r="0" g="0" b="0"/>
       </a:effectRef>
       <a:fontRef idx="minor">
-        <a:schemeClr val="lt1"/>
+        <a:schemeClr val="dk1"/>
       </a:fontRef>
     </dgm:style>
   </dgm:styleLbl>
   <dgm:styleLbl name="lnNode1">
     <dgm:scene3d>
       <a:camera prst="orthographicFront"/>
-      <a:lightRig rig="threePt" dir="t"/>
-    </dgm:scene3d>
-    <dgm:sp3d/>
+      <a:lightRig rig="flat" dir="t"/>
+    </dgm:scene3d>
+    <dgm:sp3d prstMaterial="dkEdge">
+      <a:bevelT w="8200" h="38100"/>
+    </dgm:sp3d>
     <dgm:txPr/>
     <dgm:style>
       <a:lnRef idx="1">
         <a:scrgbClr r="0" g="0" b="0"/>
       </a:lnRef>
-      <a:fillRef idx="3">
-        <a:scrgbClr r="0" g="0" b="0"/>
-      </a:fillRef>
-      <a:effectRef idx="2">
+      <a:fillRef idx="2">
+        <a:scrgbClr r="0" g="0" b="0"/>
+      </a:fillRef>
+      <a:effectRef idx="0">
         <a:scrgbClr r="0" g="0" b="0"/>
       </a:effectRef>
       <a:fontRef idx="minor">
-        <a:schemeClr val="lt1"/>
+        <a:schemeClr val="dk1"/>
       </a:fontRef>
     </dgm:style>
   </dgm:styleLbl>
   <dgm:styleLbl name="vennNode1">
     <dgm:scene3d>
       <a:camera prst="orthographicFront"/>
-      <a:lightRig rig="threePt" dir="t"/>
-    </dgm:scene3d>
-    <dgm:sp3d/>
+      <a:lightRig rig="flat" dir="t"/>
+    </dgm:scene3d>
+    <dgm:sp3d prstMaterial="dkEdge">
+      <a:bevelT w="8200" h="38100"/>
+    </dgm:sp3d>
     <dgm:txPr/>
     <dgm:style>
       <a:lnRef idx="0">
         <a:scrgbClr r="0" g="0" b="0"/>
       </a:lnRef>
-      <a:fillRef idx="3">
+      <a:fillRef idx="2">
         <a:scrgbClr r="0" g="0" b="0"/>
       </a:fillRef>
       <a:effectRef idx="0">
@@ -27144,40 +27277,196 @@
       <a:lnRef idx="1">
         <a:scrgbClr r="0" g="0" b="0"/>
       </a:lnRef>
-      <a:fillRef idx="3">
-        <a:scrgbClr r="0" g="0" b="0"/>
-      </a:fillRef>
-      <a:effectRef idx="2">
+      <a:fillRef idx="2">
+        <a:scrgbClr r="0" g="0" b="0"/>
+      </a:fillRef>
+      <a:effectRef idx="1">
         <a:scrgbClr r="0" g="0" b="0"/>
       </a:effectRef>
       <a:fontRef idx="minor">
-        <a:schemeClr val="lt1"/>
+        <a:schemeClr val="dk1"/>
       </a:fontRef>
     </dgm:style>
   </dgm:styleLbl>
   <dgm:styleLbl name="node1">
     <dgm:scene3d>
       <a:camera prst="orthographicFront"/>
+      <a:lightRig rig="flat" dir="t"/>
+    </dgm:scene3d>
+    <dgm:sp3d prstMaterial="dkEdge">
+      <a:bevelT w="8200" h="38100"/>
+    </dgm:sp3d>
+    <dgm:txPr/>
+    <dgm:style>
+      <a:lnRef idx="0">
+        <a:scrgbClr r="0" g="0" b="0"/>
+      </a:lnRef>
+      <a:fillRef idx="2">
+        <a:scrgbClr r="0" g="0" b="0"/>
+      </a:fillRef>
+      <a:effectRef idx="1">
+        <a:scrgbClr r="0" g="0" b="0"/>
+      </a:effectRef>
+      <a:fontRef idx="minor">
+        <a:schemeClr val="dk1"/>
+      </a:fontRef>
+    </dgm:style>
+  </dgm:styleLbl>
+  <dgm:styleLbl name="node2">
+    <dgm:scene3d>
+      <a:camera prst="orthographicFront"/>
+      <a:lightRig rig="flat" dir="t"/>
+    </dgm:scene3d>
+    <dgm:sp3d prstMaterial="dkEdge">
+      <a:bevelT w="8200" h="38100"/>
+    </dgm:sp3d>
+    <dgm:txPr/>
+    <dgm:style>
+      <a:lnRef idx="0">
+        <a:scrgbClr r="0" g="0" b="0"/>
+      </a:lnRef>
+      <a:fillRef idx="2">
+        <a:scrgbClr r="0" g="0" b="0"/>
+      </a:fillRef>
+      <a:effectRef idx="1">
+        <a:scrgbClr r="0" g="0" b="0"/>
+      </a:effectRef>
+      <a:fontRef idx="minor">
+        <a:schemeClr val="dk1"/>
+      </a:fontRef>
+    </dgm:style>
+  </dgm:styleLbl>
+  <dgm:styleLbl name="node3">
+    <dgm:scene3d>
+      <a:camera prst="orthographicFront"/>
+      <a:lightRig rig="flat" dir="t"/>
+    </dgm:scene3d>
+    <dgm:sp3d prstMaterial="dkEdge">
+      <a:bevelT w="8200" h="38100"/>
+    </dgm:sp3d>
+    <dgm:txPr/>
+    <dgm:style>
+      <a:lnRef idx="0">
+        <a:scrgbClr r="0" g="0" b="0"/>
+      </a:lnRef>
+      <a:fillRef idx="2">
+        <a:scrgbClr r="0" g="0" b="0"/>
+      </a:fillRef>
+      <a:effectRef idx="1">
+        <a:scrgbClr r="0" g="0" b="0"/>
+      </a:effectRef>
+      <a:fontRef idx="minor">
+        <a:schemeClr val="dk1"/>
+      </a:fontRef>
+    </dgm:style>
+  </dgm:styleLbl>
+  <dgm:styleLbl name="node4">
+    <dgm:scene3d>
+      <a:camera prst="orthographicFront"/>
+      <a:lightRig rig="flat" dir="t"/>
+    </dgm:scene3d>
+    <dgm:sp3d prstMaterial="dkEdge">
+      <a:bevelT w="8200" h="38100"/>
+    </dgm:sp3d>
+    <dgm:txPr/>
+    <dgm:style>
+      <a:lnRef idx="0">
+        <a:scrgbClr r="0" g="0" b="0"/>
+      </a:lnRef>
+      <a:fillRef idx="2">
+        <a:scrgbClr r="0" g="0" b="0"/>
+      </a:fillRef>
+      <a:effectRef idx="1">
+        <a:scrgbClr r="0" g="0" b="0"/>
+      </a:effectRef>
+      <a:fontRef idx="minor">
+        <a:schemeClr val="dk1"/>
+      </a:fontRef>
+    </dgm:style>
+  </dgm:styleLbl>
+  <dgm:styleLbl name="fgImgPlace1">
+    <dgm:scene3d>
+      <a:camera prst="orthographicFront"/>
       <a:lightRig rig="threePt" dir="t"/>
     </dgm:scene3d>
     <dgm:sp3d/>
     <dgm:txPr/>
     <dgm:style>
+      <a:lnRef idx="1">
+        <a:scrgbClr r="0" g="0" b="0"/>
+      </a:lnRef>
+      <a:fillRef idx="1">
+        <a:scrgbClr r="0" g="0" b="0"/>
+      </a:fillRef>
+      <a:effectRef idx="1">
+        <a:scrgbClr r="0" g="0" b="0"/>
+      </a:effectRef>
+      <a:fontRef idx="minor"/>
+    </dgm:style>
+  </dgm:styleLbl>
+  <dgm:styleLbl name="alignImgPlace1">
+    <dgm:scene3d>
+      <a:camera prst="orthographicFront"/>
+      <a:lightRig rig="threePt" dir="t"/>
+    </dgm:scene3d>
+    <dgm:sp3d/>
+    <dgm:txPr/>
+    <dgm:style>
+      <a:lnRef idx="1">
+        <a:scrgbClr r="0" g="0" b="0"/>
+      </a:lnRef>
+      <a:fillRef idx="1">
+        <a:scrgbClr r="0" g="0" b="0"/>
+      </a:fillRef>
+      <a:effectRef idx="1">
+        <a:scrgbClr r="0" g="0" b="0"/>
+      </a:effectRef>
+      <a:fontRef idx="minor"/>
+    </dgm:style>
+  </dgm:styleLbl>
+  <dgm:styleLbl name="bgImgPlace1">
+    <dgm:scene3d>
+      <a:camera prst="orthographicFront"/>
+      <a:lightRig rig="threePt" dir="t"/>
+    </dgm:scene3d>
+    <dgm:sp3d/>
+    <dgm:txPr/>
+    <dgm:style>
+      <a:lnRef idx="1">
+        <a:scrgbClr r="0" g="0" b="0"/>
+      </a:lnRef>
+      <a:fillRef idx="1">
+        <a:scrgbClr r="0" g="0" b="0"/>
+      </a:fillRef>
+      <a:effectRef idx="1">
+        <a:scrgbClr r="0" g="0" b="0"/>
+      </a:effectRef>
+      <a:fontRef idx="minor"/>
+    </dgm:style>
+  </dgm:styleLbl>
+  <dgm:styleLbl name="sibTrans2D1">
+    <dgm:scene3d>
+      <a:camera prst="orthographicFront"/>
+      <a:lightRig rig="threePt" dir="t"/>
+    </dgm:scene3d>
+    <dgm:sp3d/>
+    <dgm:txPr/>
+    <dgm:style>
       <a:lnRef idx="0">
         <a:scrgbClr r="0" g="0" b="0"/>
       </a:lnRef>
-      <a:fillRef idx="3">
-        <a:scrgbClr r="0" g="0" b="0"/>
-      </a:fillRef>
-      <a:effectRef idx="2">
+      <a:fillRef idx="2">
+        <a:scrgbClr r="0" g="0" b="0"/>
+      </a:fillRef>
+      <a:effectRef idx="1">
         <a:scrgbClr r="0" g="0" b="0"/>
       </a:effectRef>
       <a:fontRef idx="minor">
-        <a:schemeClr val="lt1"/>
+        <a:schemeClr val="dk1"/>
       </a:fontRef>
     </dgm:style>
   </dgm:styleLbl>
-  <dgm:styleLbl name="node2">
+  <dgm:styleLbl name="fgSibTrans2D1">
     <dgm:scene3d>
       <a:camera prst="orthographicFront"/>
       <a:lightRig rig="threePt" dir="t"/>
@@ -27188,18 +27477,18 @@
       <a:lnRef idx="0">
         <a:scrgbClr r="0" g="0" b="0"/>
       </a:lnRef>
-      <a:fillRef idx="3">
-        <a:scrgbClr r="0" g="0" b="0"/>
-      </a:fillRef>
-      <a:effectRef idx="2">
+      <a:fillRef idx="2">
+        <a:scrgbClr r="0" g="0" b="0"/>
+      </a:fillRef>
+      <a:effectRef idx="1">
         <a:scrgbClr r="0" g="0" b="0"/>
       </a:effectRef>
       <a:fontRef idx="minor">
-        <a:schemeClr val="lt1"/>
+        <a:schemeClr val="dk1"/>
       </a:fontRef>
     </dgm:style>
   </dgm:styleLbl>
-  <dgm:styleLbl name="node3">
+  <dgm:styleLbl name="bgSibTrans2D1">
     <dgm:scene3d>
       <a:camera prst="orthographicFront"/>
       <a:lightRig rig="threePt" dir="t"/>
@@ -27210,18 +27499,18 @@
       <a:lnRef idx="0">
         <a:scrgbClr r="0" g="0" b="0"/>
       </a:lnRef>
-      <a:fillRef idx="3">
-        <a:scrgbClr r="0" g="0" b="0"/>
-      </a:fillRef>
-      <a:effectRef idx="2">
+      <a:fillRef idx="2">
+        <a:scrgbClr r="0" g="0" b="0"/>
+      </a:fillRef>
+      <a:effectRef idx="1">
         <a:scrgbClr r="0" g="0" b="0"/>
       </a:effectRef>
       <a:fontRef idx="minor">
-        <a:schemeClr val="lt1"/>
+        <a:schemeClr val="dk1"/>
       </a:fontRef>
     </dgm:style>
   </dgm:styleLbl>
-  <dgm:styleLbl name="node4">
+  <dgm:styleLbl name="sibTrans1D1">
     <dgm:scene3d>
       <a:camera prst="orthographicFront"/>
       <a:lightRig rig="threePt" dir="t"/>
@@ -27229,21 +27518,159 @@
     <dgm:sp3d/>
     <dgm:txPr/>
     <dgm:style>
+      <a:lnRef idx="1">
+        <a:scrgbClr r="0" g="0" b="0"/>
+      </a:lnRef>
+      <a:fillRef idx="0">
+        <a:scrgbClr r="0" g="0" b="0"/>
+      </a:fillRef>
+      <a:effectRef idx="0">
+        <a:scrgbClr r="0" g="0" b="0"/>
+      </a:effectRef>
+      <a:fontRef idx="minor"/>
+    </dgm:style>
+  </dgm:styleLbl>
+  <dgm:styleLbl name="callout">
+    <dgm:scene3d>
+      <a:camera prst="orthographicFront"/>
+      <a:lightRig rig="threePt" dir="t"/>
+    </dgm:scene3d>
+    <dgm:sp3d/>
+    <dgm:txPr/>
+    <dgm:style>
+      <a:lnRef idx="1">
+        <a:scrgbClr r="0" g="0" b="0"/>
+      </a:lnRef>
+      <a:fillRef idx="2">
+        <a:scrgbClr r="0" g="0" b="0"/>
+      </a:fillRef>
+      <a:effectRef idx="1">
+        <a:scrgbClr r="0" g="0" b="0"/>
+      </a:effectRef>
+      <a:fontRef idx="minor"/>
+    </dgm:style>
+  </dgm:styleLbl>
+  <dgm:styleLbl name="asst0">
+    <dgm:scene3d>
+      <a:camera prst="orthographicFront"/>
+      <a:lightRig rig="flat" dir="t"/>
+    </dgm:scene3d>
+    <dgm:sp3d prstMaterial="dkEdge">
+      <a:bevelT w="8200" h="38100"/>
+    </dgm:sp3d>
+    <dgm:txPr/>
+    <dgm:style>
       <a:lnRef idx="0">
         <a:scrgbClr r="0" g="0" b="0"/>
       </a:lnRef>
-      <a:fillRef idx="3">
-        <a:scrgbClr r="0" g="0" b="0"/>
-      </a:fillRef>
-      <a:effectRef idx="2">
+      <a:fillRef idx="2">
+        <a:scrgbClr r="0" g="0" b="0"/>
+      </a:fillRef>
+      <a:effectRef idx="1">
         <a:scrgbClr r="0" g="0" b="0"/>
       </a:effectRef>
       <a:fontRef idx="minor">
-        <a:schemeClr val="lt1"/>
+        <a:schemeClr val="dk1"/>
       </a:fontRef>
     </dgm:style>
   </dgm:styleLbl>
-  <dgm:styleLbl name="fgImgPlace1">
+  <dgm:styleLbl name="asst1">
+    <dgm:scene3d>
+      <a:camera prst="orthographicFront"/>
+      <a:lightRig rig="flat" dir="t"/>
+    </dgm:scene3d>
+    <dgm:sp3d prstMaterial="dkEdge">
+      <a:bevelT w="8200" h="38100"/>
+    </dgm:sp3d>
+    <dgm:txPr/>
+    <dgm:style>
+      <a:lnRef idx="0">
+        <a:scrgbClr r="0" g="0" b="0"/>
+      </a:lnRef>
+      <a:fillRef idx="2">
+        <a:scrgbClr r="0" g="0" b="0"/>
+      </a:fillRef>
+      <a:effectRef idx="1">
+        <a:scrgbClr r="0" g="0" b="0"/>
+      </a:effectRef>
+      <a:fontRef idx="minor">
+        <a:schemeClr val="dk1"/>
+      </a:fontRef>
+    </dgm:style>
+  </dgm:styleLbl>
+  <dgm:styleLbl name="asst2">
+    <dgm:scene3d>
+      <a:camera prst="orthographicFront"/>
+      <a:lightRig rig="flat" dir="t"/>
+    </dgm:scene3d>
+    <dgm:sp3d prstMaterial="dkEdge">
+      <a:bevelT w="8200" h="38100"/>
+    </dgm:sp3d>
+    <dgm:txPr/>
+    <dgm:style>
+      <a:lnRef idx="0">
+        <a:scrgbClr r="0" g="0" b="0"/>
+      </a:lnRef>
+      <a:fillRef idx="2">
+        <a:scrgbClr r="0" g="0" b="0"/>
+      </a:fillRef>
+      <a:effectRef idx="1">
+        <a:scrgbClr r="0" g="0" b="0"/>
+      </a:effectRef>
+      <a:fontRef idx="minor">
+        <a:schemeClr val="dk1"/>
+      </a:fontRef>
+    </dgm:style>
+  </dgm:styleLbl>
+  <dgm:styleLbl name="asst3">
+    <dgm:scene3d>
+      <a:camera prst="orthographicFront"/>
+      <a:lightRig rig="flat" dir="t"/>
+    </dgm:scene3d>
+    <dgm:sp3d prstMaterial="dkEdge">
+      <a:bevelT w="8200" h="38100"/>
+    </dgm:sp3d>
+    <dgm:txPr/>
+    <dgm:style>
+      <a:lnRef idx="0">
+        <a:scrgbClr r="0" g="0" b="0"/>
+      </a:lnRef>
+      <a:fillRef idx="2">
+        <a:scrgbClr r="0" g="0" b="0"/>
+      </a:fillRef>
+      <a:effectRef idx="1">
+        <a:scrgbClr r="0" g="0" b="0"/>
+      </a:effectRef>
+      <a:fontRef idx="minor">
+        <a:schemeClr val="dk1"/>
+      </a:fontRef>
+    </dgm:style>
+  </dgm:styleLbl>
+  <dgm:styleLbl name="asst4">
+    <dgm:scene3d>
+      <a:camera prst="orthographicFront"/>
+      <a:lightRig rig="flat" dir="t"/>
+    </dgm:scene3d>
+    <dgm:sp3d prstMaterial="dkEdge">
+      <a:bevelT w="8200" h="38100"/>
+    </dgm:sp3d>
+    <dgm:txPr/>
+    <dgm:style>
+      <a:lnRef idx="0">
+        <a:scrgbClr r="0" g="0" b="0"/>
+      </a:lnRef>
+      <a:fillRef idx="2">
+        <a:scrgbClr r="0" g="0" b="0"/>
+      </a:fillRef>
+      <a:effectRef idx="1">
+        <a:scrgbClr r="0" g="0" b="0"/>
+      </a:effectRef>
+      <a:fontRef idx="minor">
+        <a:schemeClr val="dk1"/>
+      </a:fontRef>
+    </dgm:style>
+  </dgm:styleLbl>
+  <dgm:styleLbl name="parChTrans2D1">
     <dgm:scene3d>
       <a:camera prst="orthographicFront"/>
       <a:lightRig rig="threePt" dir="t"/>
@@ -27251,19 +27678,487 @@
     <dgm:sp3d/>
     <dgm:txPr/>
     <dgm:style>
+      <a:lnRef idx="1">
+        <a:scrgbClr r="0" g="0" b="0"/>
+      </a:lnRef>
+      <a:fillRef idx="2">
+        <a:scrgbClr r="0" g="0" b="0"/>
+      </a:fillRef>
+      <a:effectRef idx="1">
+        <a:scrgbClr r="0" g="0" b="0"/>
+      </a:effectRef>
+      <a:fontRef idx="minor">
+        <a:schemeClr val="dk1"/>
+      </a:fontRef>
+    </dgm:style>
+  </dgm:styleLbl>
+  <dgm:styleLbl name="parChTrans2D2">
+    <dgm:scene3d>
+      <a:camera prst="orthographicFront"/>
+      <a:lightRig rig="threePt" dir="t"/>
+    </dgm:scene3d>
+    <dgm:sp3d/>
+    <dgm:txPr/>
+    <dgm:style>
+      <a:lnRef idx="1">
+        <a:scrgbClr r="0" g="0" b="0"/>
+      </a:lnRef>
+      <a:fillRef idx="2">
+        <a:scrgbClr r="0" g="0" b="0"/>
+      </a:fillRef>
+      <a:effectRef idx="1">
+        <a:scrgbClr r="0" g="0" b="0"/>
+      </a:effectRef>
+      <a:fontRef idx="minor">
+        <a:schemeClr val="dk1"/>
+      </a:fontRef>
+    </dgm:style>
+  </dgm:styleLbl>
+  <dgm:styleLbl name="parChTrans2D3">
+    <dgm:scene3d>
+      <a:camera prst="orthographicFront"/>
+      <a:lightRig rig="threePt" dir="t"/>
+    </dgm:scene3d>
+    <dgm:sp3d/>
+    <dgm:txPr/>
+    <dgm:style>
+      <a:lnRef idx="1">
+        <a:scrgbClr r="0" g="0" b="0"/>
+      </a:lnRef>
+      <a:fillRef idx="2">
+        <a:scrgbClr r="0" g="0" b="0"/>
+      </a:fillRef>
+      <a:effectRef idx="1">
+        <a:scrgbClr r="0" g="0" b="0"/>
+      </a:effectRef>
+      <a:fontRef idx="minor">
+        <a:schemeClr val="dk1"/>
+      </a:fontRef>
+    </dgm:style>
+  </dgm:styleLbl>
+  <dgm:styleLbl name="parChTrans2D4">
+    <dgm:scene3d>
+      <a:camera prst="orthographicFront"/>
+      <a:lightRig rig="threePt" dir="t"/>
+    </dgm:scene3d>
+    <dgm:sp3d/>
+    <dgm:txPr/>
+    <dgm:style>
+      <a:lnRef idx="1">
+        <a:scrgbClr r="0" g="0" b="0"/>
+      </a:lnRef>
+      <a:fillRef idx="2">
+        <a:scrgbClr r="0" g="0" b="0"/>
+      </a:fillRef>
+      <a:effectRef idx="1">
+        <a:scrgbClr r="0" g="0" b="0"/>
+      </a:effectRef>
+      <a:fontRef idx="minor">
+        <a:schemeClr val="dk1"/>
+      </a:fontRef>
+    </dgm:style>
+  </dgm:styleLbl>
+  <dgm:styleLbl name="parChTrans1D1">
+    <dgm:scene3d>
+      <a:camera prst="orthographicFront"/>
+      <a:lightRig rig="threePt" dir="t"/>
+    </dgm:scene3d>
+    <dgm:sp3d/>
+    <dgm:txPr/>
+    <dgm:style>
+      <a:lnRef idx="2">
+        <a:scrgbClr r="0" g="0" b="0"/>
+      </a:lnRef>
+      <a:fillRef idx="0">
+        <a:scrgbClr r="0" g="0" b="0"/>
+      </a:fillRef>
+      <a:effectRef idx="0">
+        <a:scrgbClr r="0" g="0" b="0"/>
+      </a:effectRef>
+      <a:fontRef idx="minor"/>
+    </dgm:style>
+  </dgm:styleLbl>
+  <dgm:styleLbl name="parChTrans1D2">
+    <dgm:scene3d>
+      <a:camera prst="orthographicFront"/>
+      <a:lightRig rig="threePt" dir="t"/>
+    </dgm:scene3d>
+    <dgm:sp3d/>
+    <dgm:txPr/>
+    <dgm:style>
+      <a:lnRef idx="2">
+        <a:scrgbClr r="0" g="0" b="0"/>
+      </a:lnRef>
+      <a:fillRef idx="0">
+        <a:scrgbClr r="0" g="0" b="0"/>
+      </a:fillRef>
+      <a:effectRef idx="0">
+        <a:scrgbClr r="0" g="0" b="0"/>
+      </a:effectRef>
+      <a:fontRef idx="minor"/>
+    </dgm:style>
+  </dgm:styleLbl>
+  <dgm:styleLbl name="parChTrans1D3">
+    <dgm:scene3d>
+      <a:camera prst="orthographicFront"/>
+      <a:lightRig rig="threePt" dir="t"/>
+    </dgm:scene3d>
+    <dgm:sp3d/>
+    <dgm:txPr/>
+    <dgm:style>
+      <a:lnRef idx="2">
+        <a:scrgbClr r="0" g="0" b="0"/>
+      </a:lnRef>
+      <a:fillRef idx="0">
+        <a:scrgbClr r="0" g="0" b="0"/>
+      </a:fillRef>
+      <a:effectRef idx="0">
+        <a:scrgbClr r="0" g="0" b="0"/>
+      </a:effectRef>
+      <a:fontRef idx="minor"/>
+    </dgm:style>
+  </dgm:styleLbl>
+  <dgm:styleLbl name="parChTrans1D4">
+    <dgm:scene3d>
+      <a:camera prst="orthographicFront"/>
+      <a:lightRig rig="threePt" dir="t"/>
+    </dgm:scene3d>
+    <dgm:sp3d/>
+    <dgm:txPr/>
+    <dgm:style>
+      <a:lnRef idx="2">
+        <a:scrgbClr r="0" g="0" b="0"/>
+      </a:lnRef>
+      <a:fillRef idx="0">
+        <a:scrgbClr r="0" g="0" b="0"/>
+      </a:fillRef>
+      <a:effectRef idx="0">
+        <a:scrgbClr r="0" g="0" b="0"/>
+      </a:effectRef>
+      <a:fontRef idx="minor"/>
+    </dgm:style>
+  </dgm:styleLbl>
+  <dgm:styleLbl name="fgAcc1">
+    <dgm:scene3d>
+      <a:camera prst="orthographicFront"/>
+      <a:lightRig rig="threePt" dir="t"/>
+    </dgm:scene3d>
+    <dgm:sp3d/>
+    <dgm:txPr/>
+    <dgm:style>
+      <a:lnRef idx="1">
+        <a:scrgbClr r="0" g="0" b="0"/>
+      </a:lnRef>
+      <a:fillRef idx="1">
+        <a:scrgbClr r="0" g="0" b="0"/>
+      </a:fillRef>
+      <a:effectRef idx="0">
+        <a:scrgbClr r="0" g="0" b="0"/>
+      </a:effectRef>
+      <a:fontRef idx="minor"/>
+    </dgm:style>
+  </dgm:styleLbl>
+  <dgm:styleLbl name="conFgAcc1">
+    <dgm:scene3d>
+      <a:camera prst="orthographicFront"/>
+      <a:lightRig rig="threePt" dir="t"/>
+    </dgm:scene3d>
+    <dgm:sp3d/>
+    <dgm:txPr/>
+    <dgm:style>
+      <a:lnRef idx="1">
+        <a:scrgbClr r="0" g="0" b="0"/>
+      </a:lnRef>
+      <a:fillRef idx="1">
+        <a:scrgbClr r="0" g="0" b="0"/>
+      </a:fillRef>
+      <a:effectRef idx="0">
+        <a:scrgbClr r="0" g="0" b="0"/>
+      </a:effectRef>
+      <a:fontRef idx="minor"/>
+    </dgm:style>
+  </dgm:styleLbl>
+  <dgm:styleLbl name="alignAcc1">
+    <dgm:scene3d>
+      <a:camera prst="orthographicFront"/>
+      <a:lightRig rig="threePt" dir="t"/>
+    </dgm:scene3d>
+    <dgm:sp3d/>
+    <dgm:txPr/>
+    <dgm:style>
+      <a:lnRef idx="1">
+        <a:scrgbClr r="0" g="0" b="0"/>
+      </a:lnRef>
+      <a:fillRef idx="1">
+        <a:scrgbClr r="0" g="0" b="0"/>
+      </a:fillRef>
+      <a:effectRef idx="0">
+        <a:scrgbClr r="0" g="0" b="0"/>
+      </a:effectRef>
+      <a:fontRef idx="minor"/>
+    </dgm:style>
+  </dgm:styleLbl>
+  <dgm:styleLbl name="trAlignAcc1">
+    <dgm:scene3d>
+      <a:camera prst="orthographicFront"/>
+      <a:lightRig rig="threePt" dir="t"/>
+    </dgm:scene3d>
+    <dgm:sp3d/>
+    <dgm:txPr/>
+    <dgm:style>
+      <a:lnRef idx="1">
+        <a:scrgbClr r="0" g="0" b="0"/>
+      </a:lnRef>
+      <a:fillRef idx="1">
+        <a:scrgbClr r="0" g="0" b="0"/>
+      </a:fillRef>
+      <a:effectRef idx="0">
+        <a:scrgbClr r="0" g="0" b="0"/>
+      </a:effectRef>
+      <a:fontRef idx="minor"/>
+    </dgm:style>
+  </dgm:styleLbl>
+  <dgm:styleLbl name="bgAcc1">
+    <dgm:scene3d>
+      <a:camera prst="orthographicFront"/>
+      <a:lightRig rig="threePt" dir="t"/>
+    </dgm:scene3d>
+    <dgm:sp3d/>
+    <dgm:txPr/>
+    <dgm:style>
+      <a:lnRef idx="1">
+        <a:scrgbClr r="0" g="0" b="0"/>
+      </a:lnRef>
+      <a:fillRef idx="1">
+        <a:scrgbClr r="0" g="0" b="0"/>
+      </a:fillRef>
+      <a:effectRef idx="0">
+        <a:scrgbClr r="0" g="0" b="0"/>
+      </a:effectRef>
+      <a:fontRef idx="minor"/>
+    </dgm:style>
+  </dgm:styleLbl>
+  <dgm:styleLbl name="solidFgAcc1">
+    <dgm:scene3d>
+      <a:camera prst="orthographicFront"/>
+      <a:lightRig rig="threePt" dir="t"/>
+    </dgm:scene3d>
+    <dgm:sp3d/>
+    <dgm:txPr/>
+    <dgm:style>
+      <a:lnRef idx="1">
+        <a:scrgbClr r="0" g="0" b="0"/>
+      </a:lnRef>
+      <a:fillRef idx="2">
+        <a:scrgbClr r="0" g="0" b="0"/>
+      </a:fillRef>
+      <a:effectRef idx="0">
+        <a:scrgbClr r="0" g="0" b="0"/>
+      </a:effectRef>
+      <a:fontRef idx="minor"/>
+    </dgm:style>
+  </dgm:styleLbl>
+  <dgm:styleLbl name="solidAlignAcc1">
+    <dgm:scene3d>
+      <a:camera prst="orthographicFront"/>
+      <a:lightRig rig="threePt" dir="t"/>
+    </dgm:scene3d>
+    <dgm:sp3d/>
+    <dgm:txPr/>
+    <dgm:style>
+      <a:lnRef idx="1">
+        <a:scrgbClr r="0" g="0" b="0"/>
+      </a:lnRef>
+      <a:fillRef idx="1">
+        <a:scrgbClr r="0" g="0" b="0"/>
+      </a:fillRef>
+      <a:effectRef idx="0">
+        <a:scrgbClr r="0" g="0" b="0"/>
+      </a:effectRef>
+      <a:fontRef idx="minor"/>
+    </dgm:style>
+  </dgm:styleLbl>
+  <dgm:styleLbl name="solidBgAcc1">
+    <dgm:scene3d>
+      <a:camera prst="orthographicFront"/>
+      <a:lightRig rig="threePt" dir="t"/>
+    </dgm:scene3d>
+    <dgm:sp3d/>
+    <dgm:txPr/>
+    <dgm:style>
+      <a:lnRef idx="1">
+        <a:scrgbClr r="0" g="0" b="0"/>
+      </a:lnRef>
+      <a:fillRef idx="1">
+        <a:scrgbClr r="0" g="0" b="0"/>
+      </a:fillRef>
+      <a:effectRef idx="0">
+        <a:scrgbClr r="0" g="0" b="0"/>
+      </a:effectRef>
+      <a:fontRef idx="minor"/>
+    </dgm:style>
+  </dgm:styleLbl>
+  <dgm:styleLbl name="fgAccFollowNode1">
+    <dgm:scene3d>
+      <a:camera prst="orthographicFront"/>
+      <a:lightRig rig="threePt" dir="t"/>
+    </dgm:scene3d>
+    <dgm:sp3d/>
+    <dgm:txPr/>
+    <dgm:style>
+      <a:lnRef idx="1">
+        <a:scrgbClr r="0" g="0" b="0"/>
+      </a:lnRef>
+      <a:fillRef idx="1">
+        <a:scrgbClr r="0" g="0" b="0"/>
+      </a:fillRef>
+      <a:effectRef idx="0">
+        <a:scrgbClr r="0" g="0" b="0"/>
+      </a:effectRef>
+      <a:fontRef idx="minor"/>
+    </dgm:style>
+  </dgm:styleLbl>
+  <dgm:styleLbl name="alignAccFollowNode1">
+    <dgm:scene3d>
+      <a:camera prst="orthographicFront"/>
+      <a:lightRig rig="threePt" dir="t"/>
+    </dgm:scene3d>
+    <dgm:sp3d/>
+    <dgm:txPr/>
+    <dgm:style>
+      <a:lnRef idx="1">
+        <a:scrgbClr r="0" g="0" b="0"/>
+      </a:lnRef>
+      <a:fillRef idx="1">
+        <a:scrgbClr r="0" g="0" b="0"/>
+      </a:fillRef>
+      <a:effectRef idx="0">
+        <a:scrgbClr r="0" g="0" b="0"/>
+      </a:effectRef>
+      <a:fontRef idx="minor"/>
+    </dgm:style>
+  </dgm:styleLbl>
+  <dgm:styleLbl name="bgAccFollowNode1">
+    <dgm:scene3d>
+      <a:camera prst="orthographicFront"/>
+      <a:lightRig rig="threePt" dir="t"/>
+    </dgm:scene3d>
+    <dgm:sp3d/>
+    <dgm:txPr/>
+    <dgm:style>
+      <a:lnRef idx="1">
+        <a:scrgbClr r="0" g="0" b="0"/>
+      </a:lnRef>
+      <a:fillRef idx="1">
+        <a:scrgbClr r="0" g="0" b="0"/>
+      </a:fillRef>
+      <a:effectRef idx="0">
+        <a:scrgbClr r="0" g="0" b="0"/>
+      </a:effectRef>
+      <a:fontRef idx="minor"/>
+    </dgm:style>
+  </dgm:styleLbl>
+  <dgm:styleLbl name="fgAcc0">
+    <dgm:scene3d>
+      <a:camera prst="orthographicFront"/>
+      <a:lightRig rig="threePt" dir="t"/>
+    </dgm:scene3d>
+    <dgm:sp3d/>
+    <dgm:txPr/>
+    <dgm:style>
+      <a:lnRef idx="1">
+        <a:scrgbClr r="0" g="0" b="0"/>
+      </a:lnRef>
+      <a:fillRef idx="1">
+        <a:scrgbClr r="0" g="0" b="0"/>
+      </a:fillRef>
+      <a:effectRef idx="0">
+        <a:scrgbClr r="0" g="0" b="0"/>
+      </a:effectRef>
+      <a:fontRef idx="minor"/>
+    </dgm:style>
+  </dgm:styleLbl>
+  <dgm:styleLbl name="fgAcc2">
+    <dgm:scene3d>
+      <a:camera prst="orthographicFront"/>
+      <a:lightRig rig="threePt" dir="t"/>
+    </dgm:scene3d>
+    <dgm:sp3d/>
+    <dgm:txPr/>
+    <dgm:style>
+      <a:lnRef idx="1">
+        <a:scrgbClr r="0" g="0" b="0"/>
+      </a:lnRef>
+      <a:fillRef idx="1">
+        <a:scrgbClr r="0" g="0" b="0"/>
+      </a:fillRef>
+      <a:effectRef idx="0">
+        <a:scrgbClr r="0" g="0" b="0"/>
+      </a:effectRef>
+      <a:fontRef idx="minor"/>
+    </dgm:style>
+  </dgm:styleLbl>
+  <dgm:styleLbl name="fgAcc3">
+    <dgm:scene3d>
+      <a:camera prst="orthographicFront"/>
+      <a:lightRig rig="threePt" dir="t"/>
+    </dgm:scene3d>
+    <dgm:sp3d/>
+    <dgm:txPr/>
+    <dgm:style>
+      <a:lnRef idx="1">
+        <a:scrgbClr r="0" g="0" b="0"/>
+      </a:lnRef>
+      <a:fillRef idx="1">
+        <a:scrgbClr r="0" g="0" b="0"/>
+      </a:fillRef>
+      <a:effectRef idx="0">
+        <a:scrgbClr r="0" g="0" b="0"/>
+      </a:effectRef>
+      <a:fontRef idx="minor"/>
+    </dgm:style>
+  </dgm:styleLbl>
+  <dgm:styleLbl name="fgAcc4">
+    <dgm:scene3d>
+      <a:camera prst="orthographicFront"/>
+      <a:lightRig rig="threePt" dir="t"/>
+    </dgm:scene3d>
+    <dgm:sp3d/>
+    <dgm:txPr/>
+    <dgm:style>
+      <a:lnRef idx="1">
+        <a:scrgbClr r="0" g="0" b="0"/>
+      </a:lnRef>
+      <a:fillRef idx="1">
+        <a:scrgbClr r="0" g="0" b="0"/>
+      </a:fillRef>
+      <a:effectRef idx="0">
+        <a:scrgbClr r="0" g="0" b="0"/>
+      </a:effectRef>
+      <a:fontRef idx="minor"/>
+    </dgm:style>
+  </dgm:styleLbl>
+  <dgm:styleLbl name="bgShp">
+    <dgm:scene3d>
+      <a:camera prst="orthographicFront"/>
+      <a:lightRig rig="threePt" dir="t"/>
+    </dgm:scene3d>
+    <dgm:sp3d/>
+    <dgm:txPr/>
+    <dgm:style>
       <a:lnRef idx="0">
         <a:scrgbClr r="0" g="0" b="0"/>
       </a:lnRef>
       <a:fillRef idx="1">
         <a:scrgbClr r="0" g="0" b="0"/>
       </a:fillRef>
-      <a:effectRef idx="2">
+      <a:effectRef idx="1">
         <a:scrgbClr r="0" g="0" b="0"/>
       </a:effectRef>
       <a:fontRef idx="minor"/>
     </dgm:style>
   </dgm:styleLbl>
-  <dgm:styleLbl name="alignImgPlace1">
+  <dgm:styleLbl name="dkBgShp">
     <dgm:scene3d>
       <a:camera prst="orthographicFront"/>
       <a:lightRig rig="threePt" dir="t"/>
@@ -27277,13 +28172,13 @@
       <a:fillRef idx="1">
         <a:scrgbClr r="0" g="0" b="0"/>
       </a:fillRef>
-      <a:effectRef idx="2">
+      <a:effectRef idx="1">
         <a:scrgbClr r="0" g="0" b="0"/>
       </a:effectRef>
       <a:fontRef idx="minor"/>
     </dgm:style>
   </dgm:styleLbl>
-  <dgm:styleLbl name="bgImgPlace1">
+  <dgm:styleLbl name="trBgShp">
     <dgm:scene3d>
       <a:camera prst="orthographicFront"/>
       <a:lightRig rig="threePt" dir="t"/>
@@ -27297,771 +28192,29 @@
       <a:fillRef idx="1">
         <a:scrgbClr r="0" g="0" b="0"/>
       </a:fillRef>
-      <a:effectRef idx="2">
+      <a:effectRef idx="0">
         <a:scrgbClr r="0" g="0" b="0"/>
       </a:effectRef>
       <a:fontRef idx="minor"/>
     </dgm:style>
   </dgm:styleLbl>
-  <dgm:styleLbl name="sibTrans2D1">
-    <dgm:scene3d>
-      <a:camera prst="orthographicFront"/>
-      <a:lightRig rig="threePt" dir="t"/>
-    </dgm:scene3d>
-    <dgm:sp3d/>
-    <dgm:txPr/>
-    <dgm:style>
-      <a:lnRef idx="0">
-        <a:scrgbClr r="0" g="0" b="0"/>
-      </a:lnRef>
-      <a:fillRef idx="3">
-        <a:scrgbClr r="0" g="0" b="0"/>
-      </a:fillRef>
-      <a:effectRef idx="2">
-        <a:scrgbClr r="0" g="0" b="0"/>
-      </a:effectRef>
-      <a:fontRef idx="minor">
-        <a:schemeClr val="lt1"/>
-      </a:fontRef>
-    </dgm:style>
-  </dgm:styleLbl>
-  <dgm:styleLbl name="fgSibTrans2D1">
-    <dgm:scene3d>
-      <a:camera prst="orthographicFront"/>
-      <a:lightRig rig="threePt" dir="t"/>
-    </dgm:scene3d>
-    <dgm:sp3d/>
-    <dgm:txPr/>
-    <dgm:style>
-      <a:lnRef idx="0">
-        <a:scrgbClr r="0" g="0" b="0"/>
-      </a:lnRef>
-      <a:fillRef idx="3">
-        <a:scrgbClr r="0" g="0" b="0"/>
-      </a:fillRef>
-      <a:effectRef idx="2">
-        <a:scrgbClr r="0" g="0" b="0"/>
-      </a:effectRef>
-      <a:fontRef idx="minor">
-        <a:schemeClr val="lt1"/>
-      </a:fontRef>
-    </dgm:style>
-  </dgm:styleLbl>
-  <dgm:styleLbl name="bgSibTrans2D1">
-    <dgm:scene3d>
-      <a:camera prst="orthographicFront"/>
-      <a:lightRig rig="threePt" dir="t"/>
-    </dgm:scene3d>
-    <dgm:sp3d/>
-    <dgm:txPr/>
-    <dgm:style>
-      <a:lnRef idx="0">
-        <a:scrgbClr r="0" g="0" b="0"/>
-      </a:lnRef>
-      <a:fillRef idx="3">
-        <a:scrgbClr r="0" g="0" b="0"/>
-      </a:fillRef>
-      <a:effectRef idx="2">
-        <a:scrgbClr r="0" g="0" b="0"/>
-      </a:effectRef>
-      <a:fontRef idx="minor">
-        <a:schemeClr val="lt1"/>
-      </a:fontRef>
-    </dgm:style>
-  </dgm:styleLbl>
-  <dgm:styleLbl name="sibTrans1D1">
-    <dgm:scene3d>
-      <a:camera prst="orthographicFront"/>
-      <a:lightRig rig="threePt" dir="t"/>
-    </dgm:scene3d>
-    <dgm:sp3d/>
+  <dgm:styleLbl name="fgShp">
+    <dgm:scene3d>
+      <a:camera prst="orthographicFront"/>
+      <a:lightRig rig="flat" dir="t"/>
+    </dgm:scene3d>
+    <dgm:sp3d prstMaterial="dkEdge">
+      <a:bevelT w="8200" h="38100"/>
+    </dgm:sp3d>
     <dgm:txPr/>
     <dgm:style>
       <a:lnRef idx="1">
         <a:scrgbClr r="0" g="0" b="0"/>
       </a:lnRef>
-      <a:fillRef idx="0">
-        <a:scrgbClr r="0" g="0" b="0"/>
-      </a:fillRef>
-      <a:effectRef idx="0">
-        <a:scrgbClr r="0" g="0" b="0"/>
-      </a:effectRef>
-      <a:fontRef idx="minor"/>
-    </dgm:style>
-  </dgm:styleLbl>
-  <dgm:styleLbl name="callout">
-    <dgm:scene3d>
-      <a:camera prst="orthographicFront"/>
-      <a:lightRig rig="threePt" dir="t"/>
-    </dgm:scene3d>
-    <dgm:sp3d/>
-    <dgm:txPr/>
-    <dgm:style>
-      <a:lnRef idx="2">
-        <a:scrgbClr r="0" g="0" b="0"/>
-      </a:lnRef>
-      <a:fillRef idx="1">
+      <a:fillRef idx="2">
         <a:scrgbClr r="0" g="0" b="0"/>
       </a:fillRef>
       <a:effectRef idx="1">
-        <a:scrgbClr r="0" g="0" b="0"/>
-      </a:effectRef>
-      <a:fontRef idx="minor"/>
-    </dgm:style>
-  </dgm:styleLbl>
-  <dgm:styleLbl name="asst0">
-    <dgm:scene3d>
-      <a:camera prst="orthographicFront"/>
-      <a:lightRig rig="threePt" dir="t"/>
-    </dgm:scene3d>
-    <dgm:sp3d/>
-    <dgm:txPr/>
-    <dgm:style>
-      <a:lnRef idx="0">
-        <a:scrgbClr r="0" g="0" b="0"/>
-      </a:lnRef>
-      <a:fillRef idx="3">
-        <a:scrgbClr r="0" g="0" b="0"/>
-      </a:fillRef>
-      <a:effectRef idx="2">
-        <a:scrgbClr r="0" g="0" b="0"/>
-      </a:effectRef>
-      <a:fontRef idx="minor">
-        <a:schemeClr val="lt1"/>
-      </a:fontRef>
-    </dgm:style>
-  </dgm:styleLbl>
-  <dgm:styleLbl name="asst1">
-    <dgm:scene3d>
-      <a:camera prst="orthographicFront"/>
-      <a:lightRig rig="threePt" dir="t"/>
-    </dgm:scene3d>
-    <dgm:sp3d/>
-    <dgm:txPr/>
-    <dgm:style>
-      <a:lnRef idx="0">
-        <a:scrgbClr r="0" g="0" b="0"/>
-      </a:lnRef>
-      <a:fillRef idx="3">
-        <a:scrgbClr r="0" g="0" b="0"/>
-      </a:fillRef>
-      <a:effectRef idx="2">
-        <a:scrgbClr r="0" g="0" b="0"/>
-      </a:effectRef>
-      <a:fontRef idx="minor">
-        <a:schemeClr val="lt1"/>
-      </a:fontRef>
-    </dgm:style>
-  </dgm:styleLbl>
-  <dgm:styleLbl name="asst2">
-    <dgm:scene3d>
-      <a:camera prst="orthographicFront"/>
-      <a:lightRig rig="threePt" dir="t"/>
-    </dgm:scene3d>
-    <dgm:sp3d/>
-    <dgm:txPr/>
-    <dgm:style>
-      <a:lnRef idx="0">
-        <a:scrgbClr r="0" g="0" b="0"/>
-      </a:lnRef>
-      <a:fillRef idx="3">
-        <a:scrgbClr r="0" g="0" b="0"/>
-      </a:fillRef>
-      <a:effectRef idx="2">
-        <a:scrgbClr r="0" g="0" b="0"/>
-      </a:effectRef>
-      <a:fontRef idx="minor">
-        <a:schemeClr val="lt1"/>
-      </a:fontRef>
-    </dgm:style>
-  </dgm:styleLbl>
-  <dgm:styleLbl name="asst3">
-    <dgm:scene3d>
-      <a:camera prst="orthographicFront"/>
-      <a:lightRig rig="threePt" dir="t"/>
-    </dgm:scene3d>
-    <dgm:sp3d/>
-    <dgm:txPr/>
-    <dgm:style>
-      <a:lnRef idx="0">
-        <a:scrgbClr r="0" g="0" b="0"/>
-      </a:lnRef>
-      <a:fillRef idx="3">
-        <a:scrgbClr r="0" g="0" b="0"/>
-      </a:fillRef>
-      <a:effectRef idx="2">
-        <a:scrgbClr r="0" g="0" b="0"/>
-      </a:effectRef>
-      <a:fontRef idx="minor">
-        <a:schemeClr val="lt1"/>
-      </a:fontRef>
-    </dgm:style>
-  </dgm:styleLbl>
-  <dgm:styleLbl name="asst4">
-    <dgm:scene3d>
-      <a:camera prst="orthographicFront"/>
-      <a:lightRig rig="threePt" dir="t"/>
-    </dgm:scene3d>
-    <dgm:sp3d/>
-    <dgm:txPr/>
-    <dgm:style>
-      <a:lnRef idx="0">
-        <a:scrgbClr r="0" g="0" b="0"/>
-      </a:lnRef>
-      <a:fillRef idx="3">
-        <a:scrgbClr r="0" g="0" b="0"/>
-      </a:fillRef>
-      <a:effectRef idx="2">
-        <a:scrgbClr r="0" g="0" b="0"/>
-      </a:effectRef>
-      <a:fontRef idx="minor">
-        <a:schemeClr val="lt1"/>
-      </a:fontRef>
-    </dgm:style>
-  </dgm:styleLbl>
-  <dgm:styleLbl name="parChTrans2D1">
-    <dgm:scene3d>
-      <a:camera prst="orthographicFront"/>
-      <a:lightRig rig="threePt" dir="t"/>
-    </dgm:scene3d>
-    <dgm:sp3d/>
-    <dgm:txPr/>
-    <dgm:style>
-      <a:lnRef idx="0">
-        <a:scrgbClr r="0" g="0" b="0"/>
-      </a:lnRef>
-      <a:fillRef idx="3">
-        <a:scrgbClr r="0" g="0" b="0"/>
-      </a:fillRef>
-      <a:effectRef idx="2">
-        <a:scrgbClr r="0" g="0" b="0"/>
-      </a:effectRef>
-      <a:fontRef idx="minor">
-        <a:schemeClr val="lt1"/>
-      </a:fontRef>
-    </dgm:style>
-  </dgm:styleLbl>
-  <dgm:styleLbl name="parChTrans2D2">
-    <dgm:scene3d>
-      <a:camera prst="orthographicFront"/>
-      <a:lightRig rig="threePt" dir="t"/>
-    </dgm:scene3d>
-    <dgm:sp3d/>
-    <dgm:txPr/>
-    <dgm:style>
-      <a:lnRef idx="0">
-        <a:scrgbClr r="0" g="0" b="0"/>
-      </a:lnRef>
-      <a:fillRef idx="3">
-        <a:scrgbClr r="0" g="0" b="0"/>
-      </a:fillRef>
-      <a:effectRef idx="2">
-        <a:scrgbClr r="0" g="0" b="0"/>
-      </a:effectRef>
-      <a:fontRef idx="minor">
-        <a:schemeClr val="lt1"/>
-      </a:fontRef>
-    </dgm:style>
-  </dgm:styleLbl>
-  <dgm:styleLbl name="parChTrans2D3">
-    <dgm:scene3d>
-      <a:camera prst="orthographicFront"/>
-      <a:lightRig rig="threePt" dir="t"/>
-    </dgm:scene3d>
-    <dgm:sp3d/>
-    <dgm:txPr/>
-    <dgm:style>
-      <a:lnRef idx="1">
-        <a:scrgbClr r="0" g="0" b="0"/>
-      </a:lnRef>
-      <a:fillRef idx="3">
-        <a:scrgbClr r="0" g="0" b="0"/>
-      </a:fillRef>
-      <a:effectRef idx="2">
-        <a:scrgbClr r="0" g="0" b="0"/>
-      </a:effectRef>
-      <a:fontRef idx="minor">
-        <a:schemeClr val="lt1"/>
-      </a:fontRef>
-    </dgm:style>
-  </dgm:styleLbl>
-  <dgm:styleLbl name="parChTrans2D4">
-    <dgm:scene3d>
-      <a:camera prst="orthographicFront"/>
-      <a:lightRig rig="threePt" dir="t"/>
-    </dgm:scene3d>
-    <dgm:sp3d/>
-    <dgm:txPr/>
-    <dgm:style>
-      <a:lnRef idx="1">
-        <a:scrgbClr r="0" g="0" b="0"/>
-      </a:lnRef>
-      <a:fillRef idx="3">
-        <a:scrgbClr r="0" g="0" b="0"/>
-      </a:fillRef>
-      <a:effectRef idx="2">
-        <a:scrgbClr r="0" g="0" b="0"/>
-      </a:effectRef>
-      <a:fontRef idx="minor">
-        <a:schemeClr val="lt1"/>
-      </a:fontRef>
-    </dgm:style>
-  </dgm:styleLbl>
-  <dgm:styleLbl name="parChTrans1D1">
-    <dgm:scene3d>
-      <a:camera prst="orthographicFront"/>
-      <a:lightRig rig="threePt" dir="t"/>
-    </dgm:scene3d>
-    <dgm:sp3d/>
-    <dgm:txPr/>
-    <dgm:style>
-      <a:lnRef idx="1">
-        <a:scrgbClr r="0" g="0" b="0"/>
-      </a:lnRef>
-      <a:fillRef idx="0">
-        <a:scrgbClr r="0" g="0" b="0"/>
-      </a:fillRef>
-      <a:effectRef idx="0">
-        <a:scrgbClr r="0" g="0" b="0"/>
-      </a:effectRef>
-      <a:fontRef idx="minor"/>
-    </dgm:style>
-  </dgm:styleLbl>
-  <dgm:styleLbl name="parChTrans1D2">
-    <dgm:scene3d>
-      <a:camera prst="orthographicFront"/>
-      <a:lightRig rig="threePt" dir="t"/>
-    </dgm:scene3d>
-    <dgm:sp3d/>
-    <dgm:txPr/>
-    <dgm:style>
-      <a:lnRef idx="1">
-        <a:scrgbClr r="0" g="0" b="0"/>
-      </a:lnRef>
-      <a:fillRef idx="0">
-        <a:scrgbClr r="0" g="0" b="0"/>
-      </a:fillRef>
-      <a:effectRef idx="0">
-        <a:scrgbClr r="0" g="0" b="0"/>
-      </a:effectRef>
-      <a:fontRef idx="minor"/>
-    </dgm:style>
-  </dgm:styleLbl>
-  <dgm:styleLbl name="parChTrans1D3">
-    <dgm:scene3d>
-      <a:camera prst="orthographicFront"/>
-      <a:lightRig rig="threePt" dir="t"/>
-    </dgm:scene3d>
-    <dgm:sp3d/>
-    <dgm:txPr/>
-    <dgm:style>
-      <a:lnRef idx="1">
-        <a:scrgbClr r="0" g="0" b="0"/>
-      </a:lnRef>
-      <a:fillRef idx="0">
-        <a:scrgbClr r="0" g="0" b="0"/>
-      </a:fillRef>
-      <a:effectRef idx="0">
-        <a:scrgbClr r="0" g="0" b="0"/>
-      </a:effectRef>
-      <a:fontRef idx="minor"/>
-    </dgm:style>
-  </dgm:styleLbl>
-  <dgm:styleLbl name="parChTrans1D4">
-    <dgm:scene3d>
-      <a:camera prst="orthographicFront"/>
-      <a:lightRig rig="threePt" dir="t"/>
-    </dgm:scene3d>
-    <dgm:sp3d/>
-    <dgm:txPr/>
-    <dgm:style>
-      <a:lnRef idx="1">
-        <a:scrgbClr r="0" g="0" b="0"/>
-      </a:lnRef>
-      <a:fillRef idx="0">
-        <a:scrgbClr r="0" g="0" b="0"/>
-      </a:fillRef>
-      <a:effectRef idx="0">
-        <a:scrgbClr r="0" g="0" b="0"/>
-      </a:effectRef>
-      <a:fontRef idx="minor"/>
-    </dgm:style>
-  </dgm:styleLbl>
-  <dgm:styleLbl name="fgAcc1">
-    <dgm:scene3d>
-      <a:camera prst="orthographicFront"/>
-      <a:lightRig rig="threePt" dir="t"/>
-    </dgm:scene3d>
-    <dgm:sp3d/>
-    <dgm:txPr/>
-    <dgm:style>
-      <a:lnRef idx="1">
-        <a:scrgbClr r="0" g="0" b="0"/>
-      </a:lnRef>
-      <a:fillRef idx="1">
-        <a:scrgbClr r="0" g="0" b="0"/>
-      </a:fillRef>
-      <a:effectRef idx="0">
-        <a:scrgbClr r="0" g="0" b="0"/>
-      </a:effectRef>
-      <a:fontRef idx="minor"/>
-    </dgm:style>
-  </dgm:styleLbl>
-  <dgm:styleLbl name="conFgAcc1">
-    <dgm:scene3d>
-      <a:camera prst="orthographicFront"/>
-      <a:lightRig rig="threePt" dir="t"/>
-    </dgm:scene3d>
-    <dgm:sp3d/>
-    <dgm:txPr/>
-    <dgm:style>
-      <a:lnRef idx="1">
-        <a:scrgbClr r="0" g="0" b="0"/>
-      </a:lnRef>
-      <a:fillRef idx="1">
-        <a:scrgbClr r="0" g="0" b="0"/>
-      </a:fillRef>
-      <a:effectRef idx="0">
-        <a:scrgbClr r="0" g="0" b="0"/>
-      </a:effectRef>
-      <a:fontRef idx="minor"/>
-    </dgm:style>
-  </dgm:styleLbl>
-  <dgm:styleLbl name="alignAcc1">
-    <dgm:scene3d>
-      <a:camera prst="orthographicFront"/>
-      <a:lightRig rig="threePt" dir="t"/>
-    </dgm:scene3d>
-    <dgm:sp3d/>
-    <dgm:txPr/>
-    <dgm:style>
-      <a:lnRef idx="1">
-        <a:scrgbClr r="0" g="0" b="0"/>
-      </a:lnRef>
-      <a:fillRef idx="1">
-        <a:scrgbClr r="0" g="0" b="0"/>
-      </a:fillRef>
-      <a:effectRef idx="0">
-        <a:scrgbClr r="0" g="0" b="0"/>
-      </a:effectRef>
-      <a:fontRef idx="minor"/>
-    </dgm:style>
-  </dgm:styleLbl>
-  <dgm:styleLbl name="trAlignAcc1">
-    <dgm:scene3d>
-      <a:camera prst="orthographicFront"/>
-      <a:lightRig rig="threePt" dir="t"/>
-    </dgm:scene3d>
-    <dgm:sp3d/>
-    <dgm:txPr/>
-    <dgm:style>
-      <a:lnRef idx="1">
-        <a:scrgbClr r="0" g="0" b="0"/>
-      </a:lnRef>
-      <a:fillRef idx="1">
-        <a:scrgbClr r="0" g="0" b="0"/>
-      </a:fillRef>
-      <a:effectRef idx="0">
-        <a:scrgbClr r="0" g="0" b="0"/>
-      </a:effectRef>
-      <a:fontRef idx="minor"/>
-    </dgm:style>
-  </dgm:styleLbl>
-  <dgm:styleLbl name="bgAcc1">
-    <dgm:scene3d>
-      <a:camera prst="orthographicFront"/>
-      <a:lightRig rig="threePt" dir="t"/>
-    </dgm:scene3d>
-    <dgm:sp3d/>
-    <dgm:txPr/>
-    <dgm:style>
-      <a:lnRef idx="1">
-        <a:scrgbClr r="0" g="0" b="0"/>
-      </a:lnRef>
-      <a:fillRef idx="1">
-        <a:scrgbClr r="0" g="0" b="0"/>
-      </a:fillRef>
-      <a:effectRef idx="0">
-        <a:scrgbClr r="0" g="0" b="0"/>
-      </a:effectRef>
-      <a:fontRef idx="minor"/>
-    </dgm:style>
-  </dgm:styleLbl>
-  <dgm:styleLbl name="solidFgAcc1">
-    <dgm:scene3d>
-      <a:camera prst="orthographicFront"/>
-      <a:lightRig rig="threePt" dir="t"/>
-    </dgm:scene3d>
-    <dgm:sp3d/>
-    <dgm:txPr/>
-    <dgm:style>
-      <a:lnRef idx="1">
-        <a:scrgbClr r="0" g="0" b="0"/>
-      </a:lnRef>
-      <a:fillRef idx="1">
-        <a:scrgbClr r="0" g="0" b="0"/>
-      </a:fillRef>
-      <a:effectRef idx="0">
-        <a:scrgbClr r="0" g="0" b="0"/>
-      </a:effectRef>
-      <a:fontRef idx="minor"/>
-    </dgm:style>
-  </dgm:styleLbl>
-  <dgm:styleLbl name="solidAlignAcc1">
-    <dgm:scene3d>
-      <a:camera prst="orthographicFront"/>
-      <a:lightRig rig="threePt" dir="t"/>
-    </dgm:scene3d>
-    <dgm:sp3d/>
-    <dgm:txPr/>
-    <dgm:style>
-      <a:lnRef idx="1">
-        <a:scrgbClr r="0" g="0" b="0"/>
-      </a:lnRef>
-      <a:fillRef idx="1">
-        <a:scrgbClr r="0" g="0" b="0"/>
-      </a:fillRef>
-      <a:effectRef idx="0">
-        <a:scrgbClr r="0" g="0" b="0"/>
-      </a:effectRef>
-      <a:fontRef idx="minor"/>
-    </dgm:style>
-  </dgm:styleLbl>
-  <dgm:styleLbl name="solidBgAcc1">
-    <dgm:scene3d>
-      <a:camera prst="orthographicFront"/>
-      <a:lightRig rig="threePt" dir="t"/>
-    </dgm:scene3d>
-    <dgm:sp3d/>
-    <dgm:txPr/>
-    <dgm:style>
-      <a:lnRef idx="1">
-        <a:scrgbClr r="0" g="0" b="0"/>
-      </a:lnRef>
-      <a:fillRef idx="1">
-        <a:scrgbClr r="0" g="0" b="0"/>
-      </a:fillRef>
-      <a:effectRef idx="0">
-        <a:scrgbClr r="0" g="0" b="0"/>
-      </a:effectRef>
-      <a:fontRef idx="minor"/>
-    </dgm:style>
-  </dgm:styleLbl>
-  <dgm:styleLbl name="fgAccFollowNode1">
-    <dgm:scene3d>
-      <a:camera prst="orthographicFront"/>
-      <a:lightRig rig="threePt" dir="t"/>
-    </dgm:scene3d>
-    <dgm:sp3d/>
-    <dgm:txPr/>
-    <dgm:style>
-      <a:lnRef idx="1">
-        <a:scrgbClr r="0" g="0" b="0"/>
-      </a:lnRef>
-      <a:fillRef idx="1">
-        <a:scrgbClr r="0" g="0" b="0"/>
-      </a:fillRef>
-      <a:effectRef idx="0">
-        <a:scrgbClr r="0" g="0" b="0"/>
-      </a:effectRef>
-      <a:fontRef idx="minor"/>
-    </dgm:style>
-  </dgm:styleLbl>
-  <dgm:styleLbl name="alignAccFollowNode1">
-    <dgm:scene3d>
-      <a:camera prst="orthographicFront"/>
-      <a:lightRig rig="threePt" dir="t"/>
-    </dgm:scene3d>
-    <dgm:sp3d/>
-    <dgm:txPr/>
-    <dgm:style>
-      <a:lnRef idx="1">
-        <a:scrgbClr r="0" g="0" b="0"/>
-      </a:lnRef>
-      <a:fillRef idx="1">
-        <a:scrgbClr r="0" g="0" b="0"/>
-      </a:fillRef>
-      <a:effectRef idx="0">
-        <a:scrgbClr r="0" g="0" b="0"/>
-      </a:effectRef>
-      <a:fontRef idx="minor"/>
-    </dgm:style>
-  </dgm:styleLbl>
-  <dgm:styleLbl name="bgAccFollowNode1">
-    <dgm:scene3d>
-      <a:camera prst="orthographicFront"/>
-      <a:lightRig rig="threePt" dir="t"/>
-    </dgm:scene3d>
-    <dgm:sp3d/>
-    <dgm:txPr/>
-    <dgm:style>
-      <a:lnRef idx="1">
-        <a:scrgbClr r="0" g="0" b="0"/>
-      </a:lnRef>
-      <a:fillRef idx="1">
-        <a:scrgbClr r="0" g="0" b="0"/>
-      </a:fillRef>
-      <a:effectRef idx="0">
-        <a:scrgbClr r="0" g="0" b="0"/>
-      </a:effectRef>
-      <a:fontRef idx="minor"/>
-    </dgm:style>
-  </dgm:styleLbl>
-  <dgm:styleLbl name="fgAcc0">
-    <dgm:scene3d>
-      <a:camera prst="orthographicFront"/>
-      <a:lightRig rig="threePt" dir="t"/>
-    </dgm:scene3d>
-    <dgm:sp3d/>
-    <dgm:txPr/>
-    <dgm:style>
-      <a:lnRef idx="1">
-        <a:scrgbClr r="0" g="0" b="0"/>
-      </a:lnRef>
-      <a:fillRef idx="1">
-        <a:scrgbClr r="0" g="0" b="0"/>
-      </a:fillRef>
-      <a:effectRef idx="0">
-        <a:scrgbClr r="0" g="0" b="0"/>
-      </a:effectRef>
-      <a:fontRef idx="minor"/>
-    </dgm:style>
-  </dgm:styleLbl>
-  <dgm:styleLbl name="fgAcc2">
-    <dgm:scene3d>
-      <a:camera prst="orthographicFront"/>
-      <a:lightRig rig="threePt" dir="t"/>
-    </dgm:scene3d>
-    <dgm:sp3d/>
-    <dgm:txPr/>
-    <dgm:style>
-      <a:lnRef idx="1">
-        <a:scrgbClr r="0" g="0" b="0"/>
-      </a:lnRef>
-      <a:fillRef idx="1">
-        <a:scrgbClr r="0" g="0" b="0"/>
-      </a:fillRef>
-      <a:effectRef idx="0">
-        <a:scrgbClr r="0" g="0" b="0"/>
-      </a:effectRef>
-      <a:fontRef idx="minor"/>
-    </dgm:style>
-  </dgm:styleLbl>
-  <dgm:styleLbl name="fgAcc3">
-    <dgm:scene3d>
-      <a:camera prst="orthographicFront"/>
-      <a:lightRig rig="threePt" dir="t"/>
-    </dgm:scene3d>
-    <dgm:sp3d/>
-    <dgm:txPr/>
-    <dgm:style>
-      <a:lnRef idx="1">
-        <a:scrgbClr r="0" g="0" b="0"/>
-      </a:lnRef>
-      <a:fillRef idx="1">
-        <a:scrgbClr r="0" g="0" b="0"/>
-      </a:fillRef>
-      <a:effectRef idx="0">
-        <a:scrgbClr r="0" g="0" b="0"/>
-      </a:effectRef>
-      <a:fontRef idx="minor"/>
-    </dgm:style>
-  </dgm:styleLbl>
-  <dgm:styleLbl name="fgAcc4">
-    <dgm:scene3d>
-      <a:camera prst="orthographicFront"/>
-      <a:lightRig rig="threePt" dir="t"/>
-    </dgm:scene3d>
-    <dgm:sp3d/>
-    <dgm:txPr/>
-    <dgm:style>
-      <a:lnRef idx="1">
-        <a:scrgbClr r="0" g="0" b="0"/>
-      </a:lnRef>
-      <a:fillRef idx="1">
-        <a:scrgbClr r="0" g="0" b="0"/>
-      </a:fillRef>
-      <a:effectRef idx="0">
-        <a:scrgbClr r="0" g="0" b="0"/>
-      </a:effectRef>
-      <a:fontRef idx="minor"/>
-    </dgm:style>
-  </dgm:styleLbl>
-  <dgm:styleLbl name="bgShp">
-    <dgm:scene3d>
-      <a:camera prst="orthographicFront"/>
-      <a:lightRig rig="threePt" dir="t"/>
-    </dgm:scene3d>
-    <dgm:sp3d/>
-    <dgm:txPr/>
-    <dgm:style>
-      <a:lnRef idx="0">
-        <a:scrgbClr r="0" g="0" b="0"/>
-      </a:lnRef>
-      <a:fillRef idx="1">
-        <a:scrgbClr r="0" g="0" b="0"/>
-      </a:fillRef>
-      <a:effectRef idx="2">
-        <a:scrgbClr r="0" g="0" b="0"/>
-      </a:effectRef>
-      <a:fontRef idx="minor"/>
-    </dgm:style>
-  </dgm:styleLbl>
-  <dgm:styleLbl name="dkBgShp">
-    <dgm:scene3d>
-      <a:camera prst="orthographicFront"/>
-      <a:lightRig rig="threePt" dir="t"/>
-    </dgm:scene3d>
-    <dgm:sp3d/>
-    <dgm:txPr/>
-    <dgm:style>
-      <a:lnRef idx="0">
-        <a:scrgbClr r="0" g="0" b="0"/>
-      </a:lnRef>
-      <a:fillRef idx="1">
-        <a:scrgbClr r="0" g="0" b="0"/>
-      </a:fillRef>
-      <a:effectRef idx="2">
-        <a:scrgbClr r="0" g="0" b="0"/>
-      </a:effectRef>
-      <a:fontRef idx="minor"/>
-    </dgm:style>
-  </dgm:styleLbl>
-  <dgm:styleLbl name="trBgShp">
-    <dgm:scene3d>
-      <a:camera prst="orthographicFront"/>
-      <a:lightRig rig="threePt" dir="t"/>
-    </dgm:scene3d>
-    <dgm:sp3d/>
-    <dgm:txPr/>
-    <dgm:style>
-      <a:lnRef idx="0">
-        <a:scrgbClr r="0" g="0" b="0"/>
-      </a:lnRef>
-      <a:fillRef idx="1">
-        <a:scrgbClr r="0" g="0" b="0"/>
-      </a:fillRef>
-      <a:effectRef idx="0">
-        <a:scrgbClr r="0" g="0" b="0"/>
-      </a:effectRef>
-      <a:fontRef idx="minor"/>
-    </dgm:style>
-  </dgm:styleLbl>
-  <dgm:styleLbl name="fgShp">
-    <dgm:scene3d>
-      <a:camera prst="orthographicFront"/>
-      <a:lightRig rig="threePt" dir="t"/>
-    </dgm:scene3d>
-    <dgm:sp3d/>
-    <dgm:txPr/>
-    <dgm:style>
-      <a:lnRef idx="0">
-        <a:scrgbClr r="0" g="0" b="0"/>
-      </a:lnRef>
-      <a:fillRef idx="3">
-        <a:scrgbClr r="0" g="0" b="0"/>
-      </a:fillRef>
-      <a:effectRef idx="2">
         <a:scrgbClr r="0" g="0" b="0"/>
       </a:effectRef>
       <a:fontRef idx="minor"/>
@@ -32054,7 +32207,7 @@
         </p:blipFill>
         <p:spPr>
           <a:xfrm>
-            <a:off x="5291707" y="2085846"/>
+            <a:off x="5291707" y="1769692"/>
             <a:ext cx="1669546" cy="2165350"/>
           </a:xfrm>
           <a:prstGeom prst="rect">
@@ -32113,38 +32266,8 @@
         </p:blipFill>
         <p:spPr>
           <a:xfrm>
-            <a:off x="4652652" y="4305383"/>
+            <a:off x="4652652" y="3986952"/>
             <a:ext cx="2947656" cy="1236114"/>
-          </a:xfrm>
-          <a:prstGeom prst="rect">
-            <a:avLst/>
-          </a:prstGeom>
-        </p:spPr>
-      </p:pic>
-      <p:pic>
-        <p:nvPicPr>
-          <p:cNvPr id="9" name="Picture 8"/>
-          <p:cNvPicPr>
-            <a:picLocks noChangeAspect="1"/>
-          </p:cNvPicPr>
-          <p:nvPr/>
-        </p:nvPicPr>
-        <p:blipFill>
-          <a:blip r:embed="rId5">
-            <a:extLst>
-              <a:ext uri="{28A0092B-C50C-407E-A947-70E740481C1C}">
-                <a14:useLocalDpi xmlns:a14="http://schemas.microsoft.com/office/drawing/2010/main" val="0"/>
-              </a:ext>
-            </a:extLst>
-          </a:blip>
-          <a:stretch>
-            <a:fillRect/>
-          </a:stretch>
-        </p:blipFill>
-        <p:spPr>
-          <a:xfrm>
-            <a:off x="0" y="6050382"/>
-            <a:ext cx="12192000" cy="807169"/>
           </a:xfrm>
           <a:prstGeom prst="rect">
             <a:avLst/>
@@ -32236,6 +32359,125 @@
           </a:p>
         </p:txBody>
       </p:sp>
+      <p:sp>
+        <p:nvSpPr>
+          <p:cNvPr id="3" name="TextBox 2"/>
+          <p:cNvSpPr txBox="1"/>
+          <p:nvPr/>
+        </p:nvSpPr>
+        <p:spPr>
+          <a:xfrm>
+            <a:off x="8864016" y="3935042"/>
+            <a:ext cx="2489784" cy="923330"/>
+          </a:xfrm>
+          <a:prstGeom prst="rect">
+            <a:avLst/>
+          </a:prstGeom>
+          <a:noFill/>
+        </p:spPr>
+        <p:txBody>
+          <a:bodyPr wrap="none" rtlCol="0">
+            <a:spAutoFit/>
+          </a:bodyPr>
+          <a:lstStyle/>
+          <a:p>
+            <a:r>
+              <a:rPr lang="it-IT" dirty="0" smtClean="0"/>
+              <a:t>Relatori:</a:t>
+            </a:r>
+          </a:p>
+          <a:p>
+            <a:r>
+              <a:rPr lang="it-IT" dirty="0" smtClean="0"/>
+              <a:t>Prof. Maura </a:t>
+            </a:r>
+            <a:r>
+              <a:rPr lang="it-IT" dirty="0" err="1" smtClean="0"/>
+              <a:t>Cerioli</a:t>
+            </a:r>
+            <a:endParaRPr lang="it-IT" dirty="0"/>
+          </a:p>
+          <a:p>
+            <a:r>
+              <a:rPr lang="it-IT" dirty="0" smtClean="0"/>
+              <a:t>Prof. Davide Ancona</a:t>
+            </a:r>
+            <a:endParaRPr lang="it-IT" dirty="0"/>
+          </a:p>
+        </p:txBody>
+      </p:sp>
+      <p:pic>
+        <p:nvPicPr>
+          <p:cNvPr id="6" name="Picture 5"/>
+          <p:cNvPicPr>
+            <a:picLocks noChangeAspect="1"/>
+          </p:cNvPicPr>
+          <p:nvPr/>
+        </p:nvPicPr>
+        <p:blipFill>
+          <a:blip r:embed="rId5">
+            <a:extLst>
+              <a:ext uri="{28A0092B-C50C-407E-A947-70E740481C1C}">
+                <a14:useLocalDpi xmlns:a14="http://schemas.microsoft.com/office/drawing/2010/main" val="0"/>
+              </a:ext>
+            </a:extLst>
+          </a:blip>
+          <a:stretch>
+            <a:fillRect/>
+          </a:stretch>
+        </p:blipFill>
+        <p:spPr>
+          <a:xfrm>
+            <a:off x="0" y="6426259"/>
+            <a:ext cx="12192000" cy="431741"/>
+          </a:xfrm>
+          <a:prstGeom prst="rect">
+            <a:avLst/>
+          </a:prstGeom>
+        </p:spPr>
+      </p:pic>
+      <p:sp>
+        <p:nvSpPr>
+          <p:cNvPr id="7" name="TextBox 6"/>
+          <p:cNvSpPr txBox="1"/>
+          <p:nvPr/>
+        </p:nvSpPr>
+        <p:spPr>
+          <a:xfrm>
+            <a:off x="8864016" y="4908770"/>
+            <a:ext cx="1939955" cy="923330"/>
+          </a:xfrm>
+          <a:prstGeom prst="rect">
+            <a:avLst/>
+          </a:prstGeom>
+          <a:noFill/>
+        </p:spPr>
+        <p:txBody>
+          <a:bodyPr wrap="none" rtlCol="0">
+            <a:spAutoFit/>
+          </a:bodyPr>
+          <a:lstStyle/>
+          <a:p>
+            <a:r>
+              <a:rPr lang="it-IT" dirty="0" smtClean="0"/>
+              <a:t>Candidato:</a:t>
+            </a:r>
+          </a:p>
+          <a:p>
+            <a:r>
+              <a:rPr lang="it-IT" dirty="0" smtClean="0"/>
+              <a:t>Mattia Barrasso</a:t>
+            </a:r>
+          </a:p>
+          <a:p>
+            <a:r>
+              <a:rPr lang="it-IT" dirty="0" smtClean="0"/>
+              <a:t>A.A. 2013/2014</a:t>
+            </a:r>
+            <a:endParaRPr lang="it-IT" dirty="0"/>
+          </a:p>
+        </p:txBody>
+      </p:sp>
     </p:spTree>
     <p:extLst>
       <p:ext uri="{BB962C8B-B14F-4D97-AF65-F5344CB8AC3E}">
@@ -32285,98 +32527,13 @@
       </p:grpSpPr>
       <p:sp>
         <p:nvSpPr>
-          <p:cNvPr id="3" name="Content Placeholder 2"/>
-          <p:cNvSpPr>
-            <a:spLocks noGrp="1"/>
-          </p:cNvSpPr>
-          <p:nvPr>
-            <p:ph idx="1"/>
-          </p:nvPr>
-        </p:nvSpPr>
-        <p:spPr/>
-        <p:txBody>
-          <a:bodyPr/>
-          <a:lstStyle/>
-          <a:p>
-            <a:endParaRPr lang="it-IT" dirty="0"/>
-          </a:p>
-          <a:p>
-            <a:pPr marL="0" indent="0">
-              <a:buNone/>
-            </a:pPr>
-            <a:endParaRPr lang="it-IT" dirty="0" smtClean="0"/>
-          </a:p>
-          <a:p>
-            <a:pPr marL="0" indent="0">
-              <a:buNone/>
-            </a:pPr>
-            <a:endParaRPr lang="en-US" dirty="0" smtClean="0"/>
-          </a:p>
-          <a:p>
-            <a:pPr marL="578358" lvl="1" indent="-285750"/>
-            <a:endParaRPr lang="en-US" dirty="0" smtClean="0"/>
-          </a:p>
-        </p:txBody>
-      </p:sp>
-      <p:sp>
-        <p:nvSpPr>
-          <p:cNvPr id="7" name="Title 1"/>
-          <p:cNvSpPr txBox="1">
-            <a:spLocks/>
-          </p:cNvSpPr>
-          <p:nvPr/>
-        </p:nvSpPr>
-        <p:spPr>
-          <a:xfrm>
-            <a:off x="1249680" y="439003"/>
-            <a:ext cx="10058400" cy="1450757"/>
-          </a:xfrm>
-          <a:prstGeom prst="rect">
-            <a:avLst/>
-          </a:prstGeom>
-        </p:spPr>
-        <p:txBody>
-          <a:bodyPr vert="horz" lIns="91440" tIns="45720" rIns="91440" bIns="45720" rtlCol="0" anchor="b">
-            <a:normAutofit/>
-          </a:bodyPr>
-          <a:lstStyle>
-            <a:lvl1pPr algn="l" defTabSz="914400" rtl="0" eaLnBrk="1" latinLnBrk="0" hangingPunct="1">
-              <a:lnSpc>
-                <a:spcPct val="85000"/>
-              </a:lnSpc>
-              <a:spcBef>
-                <a:spcPct val="0"/>
-              </a:spcBef>
-              <a:buNone/>
-              <a:defRPr sz="4800" kern="1200" spc="-50" baseline="0">
-                <a:solidFill>
-                  <a:schemeClr val="tx1">
-                    <a:lumMod val="75000"/>
-                    <a:lumOff val="25000"/>
-                  </a:schemeClr>
-                </a:solidFill>
-                <a:latin typeface="+mj-lt"/>
-                <a:ea typeface="+mj-ea"/>
-                <a:cs typeface="+mj-cs"/>
-              </a:defRPr>
-            </a:lvl1pPr>
-          </a:lstStyle>
-          <a:p>
-            <a:endParaRPr lang="it-IT" dirty="0">
-              <a:latin typeface="+mn-lt"/>
-            </a:endParaRPr>
-          </a:p>
-        </p:txBody>
-      </p:sp>
-      <p:sp>
-        <p:nvSpPr>
           <p:cNvPr id="9" name="Rounded Rectangle 8"/>
           <p:cNvSpPr/>
           <p:nvPr/>
         </p:nvSpPr>
         <p:spPr>
           <a:xfrm>
-            <a:off x="5135171" y="2573232"/>
+            <a:off x="4817671" y="2288086"/>
             <a:ext cx="1981200" cy="1073149"/>
           </a:xfrm>
           <a:prstGeom prst="roundRect">
@@ -32391,6 +32548,9 @@
               <a:fillRect l="24525" r="24525"/>
             </a:stretch>
           </a:blipFill>
+          <a:ln>
+            <a:noFill/>
+          </a:ln>
         </p:spPr>
         <p:style>
           <a:lnRef idx="2">
@@ -32431,7 +32591,7 @@
         </p:nvSpPr>
         <p:spPr>
           <a:xfrm>
-            <a:off x="6963262" y="3352166"/>
+            <a:off x="6645762" y="3067020"/>
             <a:ext cx="1981200" cy="1073149"/>
           </a:xfrm>
           <a:prstGeom prst="roundRect">
@@ -32452,6 +32612,9 @@
               <a:fillRect l="22916" r="22916"/>
             </a:stretch>
           </a:blipFill>
+          <a:ln>
+            <a:noFill/>
+          </a:ln>
         </p:spPr>
         <p:style>
           <a:lnRef idx="2">
@@ -32506,7 +32669,7 @@
         </p:blipFill>
         <p:spPr>
           <a:xfrm>
-            <a:off x="3923324" y="3646381"/>
+            <a:off x="3605824" y="3361235"/>
             <a:ext cx="4711111" cy="1815873"/>
           </a:xfrm>
           <a:prstGeom prst="rect">
@@ -32522,7 +32685,7 @@
         </p:nvSpPr>
         <p:spPr>
           <a:xfrm>
-            <a:off x="3753778" y="3738245"/>
+            <a:off x="3436278" y="3453099"/>
             <a:ext cx="1600199" cy="806027"/>
           </a:xfrm>
           <a:prstGeom prst="roundRect">
@@ -32767,7 +32930,7 @@
           <p:nvPr>
             <p:extLst>
               <p:ext uri="{D42A27DB-BD31-4B8C-83A1-F6EECF244321}">
-                <p14:modId xmlns:p14="http://schemas.microsoft.com/office/powerpoint/2010/main" val="3923504834"/>
+                <p14:modId xmlns:p14="http://schemas.microsoft.com/office/powerpoint/2010/main" val="3762995142"/>
               </p:ext>
             </p:extLst>
           </p:nvPr>
@@ -32969,7 +33132,7 @@
           <p:nvPr>
             <p:extLst>
               <p:ext uri="{D42A27DB-BD31-4B8C-83A1-F6EECF244321}">
-                <p14:modId xmlns:p14="http://schemas.microsoft.com/office/powerpoint/2010/main" val="4269781342"/>
+                <p14:modId xmlns:p14="http://schemas.microsoft.com/office/powerpoint/2010/main" val="3278240201"/>
               </p:ext>
             </p:extLst>
           </p:nvPr>
@@ -33189,7 +33352,7 @@
           <p:nvPr>
             <p:extLst>
               <p:ext uri="{D42A27DB-BD31-4B8C-83A1-F6EECF244321}">
-                <p14:modId xmlns:p14="http://schemas.microsoft.com/office/powerpoint/2010/main" val="4107179471"/>
+                <p14:modId xmlns:p14="http://schemas.microsoft.com/office/powerpoint/2010/main" val="2775676215"/>
               </p:ext>
             </p:extLst>
           </p:nvPr>
@@ -33469,8 +33632,8 @@
         </p:nvSpPr>
         <p:spPr>
           <a:xfrm>
-            <a:off x="1249680" y="2042160"/>
-            <a:ext cx="5270269" cy="4431983"/>
+            <a:off x="1249680" y="1415214"/>
+            <a:ext cx="5270269" cy="5170646"/>
           </a:xfrm>
           <a:prstGeom prst="rect">
             <a:avLst/>
@@ -33501,11 +33664,27 @@
             </a:r>
             <a:r>
               <a:rPr lang="it-IT" sz="2400" b="1" dirty="0" smtClean="0"/>
-              <a:t> DSL</a:t>
+              <a:t> </a:t>
+            </a:r>
+            <a:r>
+              <a:rPr lang="it-IT" sz="2400" b="1" dirty="0" smtClean="0"/>
+              <a:t>DSL </a:t>
             </a:r>
             <a:r>
               <a:rPr lang="it-IT" sz="2400" dirty="0" smtClean="0"/>
-              <a:t>, utilizzato per la definizione di funzionalità e scenari e sviluppato dal team di </a:t>
+              <a:t>(Martin </a:t>
+            </a:r>
+            <a:r>
+              <a:rPr lang="it-IT" sz="2400" dirty="0" err="1" smtClean="0"/>
+              <a:t>Fowler</a:t>
+            </a:r>
+            <a:r>
+              <a:rPr lang="it-IT" sz="2400" dirty="0" smtClean="0"/>
+              <a:t>), </a:t>
+            </a:r>
+            <a:r>
+              <a:rPr lang="it-IT" sz="2400" dirty="0" smtClean="0"/>
+              <a:t>utilizzato per la definizione di funzionalità e scenari e sviluppato dal team di </a:t>
             </a:r>
             <a:r>
               <a:rPr lang="it-IT" sz="2400" dirty="0" err="1" smtClean="0"/>
@@ -33532,7 +33711,52 @@
             </a:pPr>
             <a:r>
               <a:rPr lang="it-IT" sz="2400" dirty="0" smtClean="0"/>
-              <a:t>Scenari parametrici;</a:t>
+              <a:t>Scenari </a:t>
+            </a:r>
+            <a:r>
+              <a:rPr lang="it-IT" sz="2400" dirty="0" smtClean="0"/>
+              <a:t>parametrici</a:t>
+            </a:r>
+            <a:endParaRPr lang="it-IT" sz="2400" dirty="0" smtClean="0"/>
+          </a:p>
+          <a:p>
+            <a:pPr marL="285750" indent="-285750">
+              <a:buFont typeface="Arial" panose="020B0604020202020204" pitchFamily="34" charset="0"/>
+              <a:buChar char="•"/>
+            </a:pPr>
+            <a:r>
+              <a:rPr lang="it-IT" sz="2400" dirty="0" smtClean="0"/>
+              <a:t>Utilizzo di tabelle per esprimere in maniera analitica molti </a:t>
+            </a:r>
+            <a:r>
+              <a:rPr lang="it-IT" sz="2400" dirty="0" smtClean="0"/>
+              <a:t>dati</a:t>
+            </a:r>
+            <a:endParaRPr lang="it-IT" sz="2400" dirty="0" smtClean="0"/>
+          </a:p>
+          <a:p>
+            <a:pPr marL="285750" indent="-285750">
+              <a:buFont typeface="Arial" panose="020B0604020202020204" pitchFamily="34" charset="0"/>
+              <a:buChar char="•"/>
+            </a:pPr>
+            <a:r>
+              <a:rPr lang="it-IT" sz="2400" dirty="0" smtClean="0"/>
+              <a:t>Tag per scenari e </a:t>
+            </a:r>
+            <a:r>
+              <a:rPr lang="it-IT" sz="2400" dirty="0" smtClean="0"/>
+              <a:t>funzionalità</a:t>
+            </a:r>
+            <a:endParaRPr lang="it-IT" sz="2400" dirty="0" smtClean="0"/>
+          </a:p>
+          <a:p>
+            <a:pPr marL="285750" indent="-285750">
+              <a:buFont typeface="Arial" panose="020B0604020202020204" pitchFamily="34" charset="0"/>
+              <a:buChar char="•"/>
+            </a:pPr>
+            <a:r>
+              <a:rPr lang="it-IT" sz="2400" dirty="0" smtClean="0"/>
+              <a:t>Background</a:t>
             </a:r>
           </a:p>
           <a:p>
@@ -33542,28 +33766,9 @@
             </a:pPr>
             <a:r>
               <a:rPr lang="it-IT" sz="2400" dirty="0" smtClean="0"/>
-              <a:t>Utilizzo di tabelle per esprimere in maniera analitica molti dati;</a:t>
+              <a:t>…</a:t>
             </a:r>
-          </a:p>
-          <a:p>
-            <a:pPr marL="285750" indent="-285750">
-              <a:buFont typeface="Arial" panose="020B0604020202020204" pitchFamily="34" charset="0"/>
-              <a:buChar char="•"/>
-            </a:pPr>
-            <a:r>
-              <a:rPr lang="it-IT" sz="2400" dirty="0" smtClean="0"/>
-              <a:t>Tag per scenari e funzionalità;</a:t>
-            </a:r>
-          </a:p>
-          <a:p>
-            <a:pPr marL="285750" indent="-285750">
-              <a:buFont typeface="Arial" panose="020B0604020202020204" pitchFamily="34" charset="0"/>
-              <a:buChar char="•"/>
-            </a:pPr>
-            <a:r>
-              <a:rPr lang="it-IT" sz="2400" dirty="0" smtClean="0"/>
-              <a:t>Background;</a:t>
-            </a:r>
+            <a:endParaRPr lang="it-IT" sz="2400" dirty="0" smtClean="0"/>
           </a:p>
           <a:p>
             <a:pPr marL="285750" indent="-285750">
@@ -33582,13 +33787,27 @@
         </p:nvSpPr>
         <p:spPr>
           <a:xfrm>
-            <a:off x="6519949" y="1889760"/>
+            <a:off x="6519949" y="1428879"/>
             <a:ext cx="4635731" cy="3970318"/>
           </a:xfrm>
           <a:prstGeom prst="rect">
             <a:avLst/>
           </a:prstGeom>
         </p:spPr>
+        <p:style>
+          <a:lnRef idx="2">
+            <a:schemeClr val="accent5"/>
+          </a:lnRef>
+          <a:fillRef idx="1">
+            <a:schemeClr val="lt1"/>
+          </a:fillRef>
+          <a:effectRef idx="0">
+            <a:schemeClr val="accent5"/>
+          </a:effectRef>
+          <a:fontRef idx="minor">
+            <a:schemeClr val="dk1"/>
+          </a:fontRef>
+        </p:style>
         <p:txBody>
           <a:bodyPr wrap="square">
             <a:spAutoFit/>
@@ -33596,20 +33815,22 @@
           <a:lstStyle/>
           <a:p>
             <a:r>
-              <a:rPr lang="it-IT" dirty="0">
+              <a:rPr lang="it-IT" b="1" dirty="0">
                 <a:solidFill>
                   <a:srgbClr val="A71D5D"/>
                 </a:solidFill>
-                <a:latin typeface="+mj-lt"/>
+                <a:latin typeface="Courier New" panose="02070309020205020404" pitchFamily="49" charset="0"/>
+                <a:cs typeface="Courier New" panose="02070309020205020404" pitchFamily="49" charset="0"/>
               </a:rPr>
               <a:t>Schema dello scenario</a:t>
             </a:r>
             <a:r>
-              <a:rPr lang="it-IT" dirty="0">
+              <a:rPr lang="it-IT" b="1" dirty="0">
                 <a:solidFill>
                   <a:srgbClr val="333333"/>
                 </a:solidFill>
-                <a:latin typeface="+mj-lt"/>
+                <a:latin typeface="Courier New" panose="02070309020205020404" pitchFamily="49" charset="0"/>
+                <a:cs typeface="Courier New" panose="02070309020205020404" pitchFamily="49" charset="0"/>
               </a:rPr>
               <a:t>:</a:t>
             </a:r>
@@ -33618,51 +33839,67 @@
                 <a:solidFill>
                   <a:srgbClr val="DF5000"/>
                 </a:solidFill>
-                <a:latin typeface="+mj-lt"/>
+                <a:latin typeface="Courier New" panose="02070309020205020404" pitchFamily="49" charset="0"/>
+                <a:cs typeface="Courier New" panose="02070309020205020404" pitchFamily="49" charset="0"/>
               </a:rPr>
-              <a:t> tramite l'intestazione è possibile </a:t>
+              <a:t> </a:t>
+            </a:r>
+            <a:r>
+              <a:rPr lang="it-IT" dirty="0">
+                <a:solidFill>
+                  <a:schemeClr val="tx1"/>
+                </a:solidFill>
+                <a:latin typeface="Courier New" panose="02070309020205020404" pitchFamily="49" charset="0"/>
+                <a:cs typeface="Courier New" panose="02070309020205020404" pitchFamily="49" charset="0"/>
+              </a:rPr>
+              <a:t>tramite l'intestazione è possibile </a:t>
             </a:r>
             <a:r>
               <a:rPr lang="it-IT" dirty="0" smtClean="0">
                 <a:solidFill>
-                  <a:srgbClr val="DF5000"/>
+                  <a:schemeClr val="tx1"/>
                 </a:solidFill>
-                <a:latin typeface="+mj-lt"/>
+                <a:latin typeface="Courier New" panose="02070309020205020404" pitchFamily="49" charset="0"/>
+                <a:cs typeface="Courier New" panose="02070309020205020404" pitchFamily="49" charset="0"/>
               </a:rPr>
               <a:t>navigare </a:t>
             </a:r>
             <a:r>
               <a:rPr lang="it-IT" dirty="0">
                 <a:solidFill>
-                  <a:srgbClr val="DF5000"/>
+                  <a:schemeClr val="tx1"/>
                 </a:solidFill>
-                <a:latin typeface="+mj-lt"/>
+                <a:latin typeface="Courier New" panose="02070309020205020404" pitchFamily="49" charset="0"/>
+                <a:cs typeface="Courier New" panose="02070309020205020404" pitchFamily="49" charset="0"/>
               </a:rPr>
               <a:t>alle pagine dell'autore e </a:t>
             </a:r>
             <a:r>
               <a:rPr lang="it-IT" dirty="0" smtClean="0">
                 <a:solidFill>
-                  <a:srgbClr val="DF5000"/>
+                  <a:schemeClr val="tx1"/>
                 </a:solidFill>
-                <a:latin typeface="+mj-lt"/>
+                <a:latin typeface="Courier New" panose="02070309020205020404" pitchFamily="49" charset="0"/>
+                <a:cs typeface="Courier New" panose="02070309020205020404" pitchFamily="49" charset="0"/>
               </a:rPr>
               <a:t>dell'</a:t>
             </a:r>
             <a:r>
               <a:rPr lang="it-IT" dirty="0" err="1" smtClean="0">
                 <a:solidFill>
-                  <a:srgbClr val="DF5000"/>
+                  <a:schemeClr val="tx1"/>
                 </a:solidFill>
-                <a:latin typeface="+mj-lt"/>
+                <a:latin typeface="Courier New" panose="02070309020205020404" pitchFamily="49" charset="0"/>
+                <a:cs typeface="Courier New" panose="02070309020205020404" pitchFamily="49" charset="0"/>
               </a:rPr>
               <a:t>abstract</a:t>
             </a:r>
             <a:endParaRPr lang="it-IT" dirty="0" smtClean="0">
               <a:solidFill>
-                <a:srgbClr val="DF5000"/>
+                <a:schemeClr val="tx1"/>
               </a:solidFill>
-              <a:latin typeface="+mj-lt"/>
+              <a:latin typeface="Courier New" panose="02070309020205020404" pitchFamily="49" charset="0"/>
+              <a:cs typeface="Courier New" panose="02070309020205020404" pitchFamily="49" charset="0"/>
             </a:endParaRPr>
           </a:p>
           <a:p>
@@ -33670,134 +33907,203 @@
               <a:solidFill>
                 <a:srgbClr val="DF5000"/>
               </a:solidFill>
-              <a:latin typeface="+mj-lt"/>
+              <a:latin typeface="Courier New" panose="02070309020205020404" pitchFamily="49" charset="0"/>
+              <a:cs typeface="Courier New" panose="02070309020205020404" pitchFamily="49" charset="0"/>
             </a:endParaRPr>
           </a:p>
           <a:p>
             <a:r>
-              <a:rPr lang="it-IT" b="1" dirty="0"/>
+              <a:rPr lang="it-IT" b="1" dirty="0">
+                <a:latin typeface="Courier New" panose="02070309020205020404" pitchFamily="49" charset="0"/>
+                <a:cs typeface="Courier New" panose="02070309020205020404" pitchFamily="49" charset="0"/>
+              </a:rPr>
               <a:t>Dato</a:t>
             </a:r>
             <a:r>
-              <a:rPr lang="it-IT" dirty="0"/>
+              <a:rPr lang="it-IT" dirty="0">
+                <a:latin typeface="Courier New" panose="02070309020205020404" pitchFamily="49" charset="0"/>
+                <a:cs typeface="Courier New" panose="02070309020205020404" pitchFamily="49" charset="0"/>
+              </a:rPr>
               <a:t> è presente </a:t>
             </a:r>
             <a:r>
-              <a:rPr lang="it-IT" dirty="0" smtClean="0"/>
+              <a:rPr lang="it-IT" dirty="0" smtClean="0">
+                <a:latin typeface="Courier New" panose="02070309020205020404" pitchFamily="49" charset="0"/>
+                <a:cs typeface="Courier New" panose="02070309020205020404" pitchFamily="49" charset="0"/>
+              </a:rPr>
               <a:t>l'intestazione</a:t>
             </a:r>
           </a:p>
           <a:p>
             <a:r>
-              <a:rPr lang="it-IT" b="1" dirty="0"/>
+              <a:rPr lang="it-IT" b="1" dirty="0">
+                <a:latin typeface="Courier New" panose="02070309020205020404" pitchFamily="49" charset="0"/>
+                <a:cs typeface="Courier New" panose="02070309020205020404" pitchFamily="49" charset="0"/>
+              </a:rPr>
               <a:t>E</a:t>
             </a:r>
             <a:r>
-              <a:rPr lang="it-IT" dirty="0"/>
+              <a:rPr lang="it-IT" dirty="0">
+                <a:latin typeface="Courier New" panose="02070309020205020404" pitchFamily="49" charset="0"/>
+                <a:cs typeface="Courier New" panose="02070309020205020404" pitchFamily="49" charset="0"/>
+              </a:rPr>
               <a:t> l'intestazione permette la </a:t>
             </a:r>
             <a:r>
-              <a:rPr lang="it-IT" dirty="0" smtClean="0"/>
+              <a:rPr lang="it-IT" dirty="0" smtClean="0">
+                <a:latin typeface="Courier New" panose="02070309020205020404" pitchFamily="49" charset="0"/>
+                <a:cs typeface="Courier New" panose="02070309020205020404" pitchFamily="49" charset="0"/>
+              </a:rPr>
               <a:t>navigazione</a:t>
             </a:r>
           </a:p>
           <a:p>
             <a:r>
-              <a:rPr lang="it-IT" b="1" dirty="0"/>
+              <a:rPr lang="it-IT" b="1" dirty="0">
+                <a:latin typeface="Courier New" panose="02070309020205020404" pitchFamily="49" charset="0"/>
+                <a:cs typeface="Courier New" panose="02070309020205020404" pitchFamily="49" charset="0"/>
+              </a:rPr>
               <a:t>Allora</a:t>
             </a:r>
             <a:r>
-              <a:rPr lang="it-IT" dirty="0"/>
+              <a:rPr lang="it-IT" dirty="0">
+                <a:latin typeface="Courier New" panose="02070309020205020404" pitchFamily="49" charset="0"/>
+                <a:cs typeface="Courier New" panose="02070309020205020404" pitchFamily="49" charset="0"/>
+              </a:rPr>
               <a:t> posso navigare verso </a:t>
             </a:r>
             <a:r>
-              <a:rPr lang="it-IT" b="1" dirty="0"/>
+              <a:rPr lang="it-IT" b="1" dirty="0">
+                <a:latin typeface="Courier New" panose="02070309020205020404" pitchFamily="49" charset="0"/>
+                <a:cs typeface="Courier New" panose="02070309020205020404" pitchFamily="49" charset="0"/>
+              </a:rPr>
               <a:t>"&lt;nome della pagina</a:t>
             </a:r>
             <a:r>
-              <a:rPr lang="it-IT" b="1" dirty="0" smtClean="0"/>
+              <a:rPr lang="it-IT" b="1" dirty="0" smtClean="0">
+                <a:latin typeface="Courier New" panose="02070309020205020404" pitchFamily="49" charset="0"/>
+                <a:cs typeface="Courier New" panose="02070309020205020404" pitchFamily="49" charset="0"/>
+              </a:rPr>
               <a:t>&gt;</a:t>
             </a:r>
             <a:r>
-              <a:rPr lang="it-IT" dirty="0"/>
+              <a:rPr lang="it-IT" dirty="0">
+                <a:latin typeface="Courier New" panose="02070309020205020404" pitchFamily="49" charset="0"/>
+                <a:cs typeface="Courier New" panose="02070309020205020404" pitchFamily="49" charset="0"/>
+              </a:rPr>
               <a:t>"</a:t>
             </a:r>
-            <a:endParaRPr lang="it-IT" dirty="0" smtClean="0"/>
+            <a:endParaRPr lang="it-IT" dirty="0" smtClean="0">
+              <a:latin typeface="Courier New" panose="02070309020205020404" pitchFamily="49" charset="0"/>
+              <a:cs typeface="Courier New" panose="02070309020205020404" pitchFamily="49" charset="0"/>
+            </a:endParaRPr>
           </a:p>
           <a:p>
             <a:r>
-              <a:rPr lang="it-IT" dirty="0" smtClean="0"/>
+              <a:rPr lang="it-IT" dirty="0" smtClean="0">
+                <a:latin typeface="Courier New" panose="02070309020205020404" pitchFamily="49" charset="0"/>
+                <a:cs typeface="Courier New" panose="02070309020205020404" pitchFamily="49" charset="0"/>
+              </a:rPr>
               <a:t>	Esempi:</a:t>
             </a:r>
           </a:p>
           <a:p>
             <a:r>
-              <a:rPr lang="it-IT" dirty="0" smtClean="0"/>
+              <a:rPr lang="it-IT" dirty="0" smtClean="0">
+                <a:latin typeface="Courier New" panose="02070309020205020404" pitchFamily="49" charset="0"/>
+                <a:cs typeface="Courier New" panose="02070309020205020404" pitchFamily="49" charset="0"/>
+              </a:rPr>
               <a:t>	| </a:t>
             </a:r>
             <a:r>
-              <a:rPr lang="it-IT" b="1" dirty="0"/>
+              <a:rPr lang="it-IT" b="1" dirty="0">
+                <a:latin typeface="Courier New" panose="02070309020205020404" pitchFamily="49" charset="0"/>
+                <a:cs typeface="Courier New" panose="02070309020205020404" pitchFamily="49" charset="0"/>
+              </a:rPr>
               <a:t>nome della pagina </a:t>
             </a:r>
             <a:r>
-              <a:rPr lang="it-IT" dirty="0" smtClean="0"/>
+              <a:rPr lang="it-IT" dirty="0" smtClean="0">
+                <a:latin typeface="Courier New" panose="02070309020205020404" pitchFamily="49" charset="0"/>
+                <a:cs typeface="Courier New" panose="02070309020205020404" pitchFamily="49" charset="0"/>
+              </a:rPr>
               <a:t>|</a:t>
             </a:r>
           </a:p>
           <a:p>
             <a:r>
-              <a:rPr lang="it-IT" dirty="0" smtClean="0"/>
+              <a:rPr lang="it-IT" dirty="0" smtClean="0">
+                <a:latin typeface="Courier New" panose="02070309020205020404" pitchFamily="49" charset="0"/>
+                <a:cs typeface="Courier New" panose="02070309020205020404" pitchFamily="49" charset="0"/>
+              </a:rPr>
               <a:t>	| </a:t>
             </a:r>
             <a:r>
-              <a:rPr lang="it-IT" dirty="0" err="1"/>
+              <a:rPr lang="it-IT" dirty="0" err="1">
+                <a:latin typeface="Courier New" panose="02070309020205020404" pitchFamily="49" charset="0"/>
+                <a:cs typeface="Courier New" panose="02070309020205020404" pitchFamily="49" charset="0"/>
+              </a:rPr>
               <a:t>Abstract</a:t>
             </a:r>
             <a:r>
-              <a:rPr lang="it-IT" dirty="0"/>
+              <a:rPr lang="it-IT" dirty="0">
+                <a:latin typeface="Courier New" panose="02070309020205020404" pitchFamily="49" charset="0"/>
+                <a:cs typeface="Courier New" panose="02070309020205020404" pitchFamily="49" charset="0"/>
+              </a:rPr>
               <a:t> </a:t>
             </a:r>
             <a:r>
-              <a:rPr lang="it-IT" dirty="0" smtClean="0"/>
-              <a:t>                  |</a:t>
+              <a:rPr lang="it-IT" dirty="0" smtClean="0">
+                <a:latin typeface="Courier New" panose="02070309020205020404" pitchFamily="49" charset="0"/>
+                <a:cs typeface="Courier New" panose="02070309020205020404" pitchFamily="49" charset="0"/>
+              </a:rPr>
+              <a:t>        </a:t>
             </a:r>
+            <a:r>
+              <a:rPr lang="it-IT" dirty="0" smtClean="0">
+                <a:latin typeface="Courier New" panose="02070309020205020404" pitchFamily="49" charset="0"/>
+                <a:cs typeface="Courier New" panose="02070309020205020404" pitchFamily="49" charset="0"/>
+              </a:rPr>
+              <a:t> |</a:t>
+            </a:r>
+            <a:endParaRPr lang="it-IT" dirty="0" smtClean="0">
+              <a:latin typeface="Courier New" panose="02070309020205020404" pitchFamily="49" charset="0"/>
+              <a:cs typeface="Courier New" panose="02070309020205020404" pitchFamily="49" charset="0"/>
+            </a:endParaRPr>
           </a:p>
           <a:p>
             <a:r>
-              <a:rPr lang="it-IT" dirty="0" smtClean="0"/>
+              <a:rPr lang="it-IT" dirty="0" smtClean="0">
+                <a:latin typeface="Courier New" panose="02070309020205020404" pitchFamily="49" charset="0"/>
+                <a:cs typeface="Courier New" panose="02070309020205020404" pitchFamily="49" charset="0"/>
+              </a:rPr>
               <a:t>	| </a:t>
             </a:r>
             <a:r>
-              <a:rPr lang="it-IT" dirty="0"/>
+              <a:rPr lang="it-IT" dirty="0">
+                <a:latin typeface="Courier New" panose="02070309020205020404" pitchFamily="49" charset="0"/>
+                <a:cs typeface="Courier New" panose="02070309020205020404" pitchFamily="49" charset="0"/>
+              </a:rPr>
               <a:t>Autore </a:t>
             </a:r>
             <a:r>
-              <a:rPr lang="it-IT" dirty="0" smtClean="0"/>
-              <a:t>                     |</a:t>
-            </a:r>
-          </a:p>
-          <a:p>
-            <a:r>
-              <a:rPr lang="it-IT" dirty="0" smtClean="0"/>
-              <a:t>	| </a:t>
+              <a:rPr lang="it-IT" dirty="0" smtClean="0">
+                <a:latin typeface="Courier New" panose="02070309020205020404" pitchFamily="49" charset="0"/>
+                <a:cs typeface="Courier New" panose="02070309020205020404" pitchFamily="49" charset="0"/>
+              </a:rPr>
+              <a:t>          </a:t>
             </a:r>
             <a:r>
-              <a:rPr lang="it-IT" dirty="0" err="1" smtClean="0"/>
-              <a:t>Rblog</a:t>
-            </a:r>
-            <a:r>
-              <a:rPr lang="it-IT" dirty="0" smtClean="0"/>
-              <a:t>                        |</a:t>
+              <a:rPr lang="it-IT" dirty="0" smtClean="0">
+                <a:latin typeface="Courier New" panose="02070309020205020404" pitchFamily="49" charset="0"/>
+                <a:cs typeface="Courier New" panose="02070309020205020404" pitchFamily="49" charset="0"/>
+              </a:rPr>
+              <a:t> |</a:t>
             </a:r>
             <a:endParaRPr lang="it-IT" dirty="0" smtClean="0">
-              <a:solidFill>
-                <a:srgbClr val="DF5000"/>
-              </a:solidFill>
-              <a:latin typeface="Consolas" panose="020B0609020204030204" pitchFamily="49" charset="0"/>
+              <a:latin typeface="Courier New" panose="02070309020205020404" pitchFamily="49" charset="0"/>
+              <a:cs typeface="Courier New" panose="02070309020205020404" pitchFamily="49" charset="0"/>
             </a:endParaRPr>
-          </a:p>
-          <a:p>
-            <a:endParaRPr lang="it-IT" dirty="0"/>
           </a:p>
         </p:txBody>
       </p:sp>
@@ -33954,7 +34260,12 @@
             <p:ph idx="1"/>
           </p:nvPr>
         </p:nvSpPr>
-        <p:spPr/>
+        <p:spPr>
+          <a:xfrm>
+            <a:off x="838200" y="1521876"/>
+            <a:ext cx="10515600" cy="4351338"/>
+          </a:xfrm>
+        </p:spPr>
         <p:txBody>
           <a:bodyPr/>
           <a:lstStyle/>
@@ -34037,7 +34348,7 @@
         </p:nvSpPr>
         <p:spPr>
           <a:xfrm>
-            <a:off x="1249681" y="1889760"/>
+            <a:off x="1249681" y="1586011"/>
             <a:ext cx="7646183" cy="2031325"/>
           </a:xfrm>
           <a:prstGeom prst="rect">
@@ -34170,7 +34481,7 @@
         </p:blipFill>
         <p:spPr>
           <a:xfrm>
-            <a:off x="9225651" y="3043623"/>
+            <a:off x="9225651" y="2739874"/>
             <a:ext cx="1930159" cy="634921"/>
           </a:xfrm>
           <a:prstGeom prst="rect">
@@ -34200,7 +34511,7 @@
         </p:blipFill>
         <p:spPr>
           <a:xfrm>
-            <a:off x="9530543" y="3982465"/>
+            <a:off x="9530543" y="3678716"/>
             <a:ext cx="1625397" cy="1625397"/>
           </a:xfrm>
           <a:prstGeom prst="rect">
@@ -34230,7 +34541,7 @@
         </p:blipFill>
         <p:spPr>
           <a:xfrm>
-            <a:off x="9212842" y="1845734"/>
+            <a:off x="9212842" y="1541985"/>
             <a:ext cx="2095238" cy="893968"/>
           </a:xfrm>
           <a:prstGeom prst="rect">
@@ -34247,20 +34558,20 @@
           <p:nvPr>
             <p:extLst>
               <p:ext uri="{D42A27DB-BD31-4B8C-83A1-F6EECF244321}">
-                <p14:modId xmlns:p14="http://schemas.microsoft.com/office/powerpoint/2010/main" val="3956540056"/>
+                <p14:modId xmlns:p14="http://schemas.microsoft.com/office/powerpoint/2010/main" val="1465599607"/>
               </p:ext>
             </p:extLst>
           </p:nvPr>
         </p:nvGraphicFramePr>
         <p:xfrm>
-          <a:off x="1223782" y="3921084"/>
+          <a:off x="1223782" y="3617335"/>
           <a:ext cx="7739245" cy="2325624"/>
         </p:xfrm>
         <a:graphic>
           <a:graphicData uri="http://schemas.openxmlformats.org/drawingml/2006/table">
             <a:tbl>
               <a:tblPr firstRow="1" bandRow="1">
-                <a:tableStyleId>{6E25E649-3F16-4E02-A733-19D2CDBF48F0}</a:tableStyleId>
+                <a:tableStyleId>{74C1A8A3-306A-4EB7-A6B1-4F7E0EB9C5D6}</a:tableStyleId>
               </a:tblPr>
               <a:tblGrid>
                 <a:gridCol w="1547849"/>
@@ -34276,7 +34587,7 @@
                     <a:lstStyle/>
                     <a:p>
                       <a:pPr algn="ctr"/>
-                      <a:endParaRPr lang="it-IT" dirty="0"/>
+                      <a:endParaRPr lang="it-IT" b="0" dirty="0"/>
                     </a:p>
                   </a:txBody>
                   <a:tcPr/>
@@ -34288,14 +34599,14 @@
                     <a:p>
                       <a:pPr algn="ctr"/>
                       <a:r>
-                        <a:rPr lang="it-IT" dirty="0" smtClean="0"/>
+                        <a:rPr lang="it-IT" b="0" dirty="0" smtClean="0"/>
                         <a:t>Supporto a </a:t>
                       </a:r>
                       <a:r>
-                        <a:rPr lang="it-IT" dirty="0" err="1" smtClean="0"/>
+                        <a:rPr lang="it-IT" b="0" dirty="0" err="1" smtClean="0"/>
                         <a:t>Gherkin</a:t>
                       </a:r>
-                      <a:endParaRPr lang="it-IT" dirty="0"/>
+                      <a:endParaRPr lang="it-IT" b="0" dirty="0"/>
                     </a:p>
                   </a:txBody>
                   <a:tcPr/>
@@ -34307,14 +34618,14 @@
                     <a:p>
                       <a:pPr algn="ctr"/>
                       <a:r>
-                        <a:rPr lang="it-IT" dirty="0" smtClean="0"/>
+                        <a:rPr lang="it-IT" b="0" dirty="0" smtClean="0"/>
                         <a:t>Passi </a:t>
                       </a:r>
                       <a:r>
-                        <a:rPr lang="it-IT" dirty="0" err="1" smtClean="0"/>
+                        <a:rPr lang="it-IT" b="0" dirty="0" err="1" smtClean="0"/>
                         <a:t>Tipati</a:t>
                       </a:r>
-                      <a:endParaRPr lang="it-IT" dirty="0"/>
+                      <a:endParaRPr lang="it-IT" b="0" dirty="0"/>
                     </a:p>
                   </a:txBody>
                   <a:tcPr/>
@@ -34326,10 +34637,10 @@
                     <a:p>
                       <a:pPr algn="ctr"/>
                       <a:r>
-                        <a:rPr lang="it-IT" dirty="0" smtClean="0"/>
+                        <a:rPr lang="it-IT" b="0" dirty="0" smtClean="0"/>
                         <a:t>Ordinamento Hook</a:t>
                       </a:r>
-                      <a:endParaRPr lang="it-IT" dirty="0"/>
+                      <a:endParaRPr lang="it-IT" b="0" dirty="0"/>
                     </a:p>
                   </a:txBody>
                   <a:tcPr/>
@@ -34341,14 +34652,14 @@
                     <a:p>
                       <a:pPr algn="ctr"/>
                       <a:r>
-                        <a:rPr lang="it-IT" dirty="0" err="1" smtClean="0"/>
+                        <a:rPr lang="it-IT" b="0" dirty="0" err="1" smtClean="0"/>
                         <a:t>Plugin</a:t>
                       </a:r>
                       <a:r>
-                        <a:rPr lang="it-IT" baseline="0" dirty="0" smtClean="0"/>
+                        <a:rPr lang="it-IT" b="0" baseline="0" dirty="0" smtClean="0"/>
                         <a:t> IDE</a:t>
                       </a:r>
-                      <a:endParaRPr lang="it-IT" dirty="0"/>
+                      <a:endParaRPr lang="it-IT" b="0" dirty="0"/>
                     </a:p>
                   </a:txBody>
                   <a:tcPr/>
@@ -34830,13 +35141,13 @@
           <p:nvPr>
             <p:extLst>
               <p:ext uri="{D42A27DB-BD31-4B8C-83A1-F6EECF244321}">
-                <p14:modId xmlns:p14="http://schemas.microsoft.com/office/powerpoint/2010/main" val="319873802"/>
+                <p14:modId xmlns:p14="http://schemas.microsoft.com/office/powerpoint/2010/main" val="399814112"/>
               </p:ext>
             </p:extLst>
           </p:nvPr>
         </p:nvGraphicFramePr>
         <p:xfrm>
-          <a:off x="1216839" y="3228445"/>
+          <a:off x="1115239" y="2796645"/>
           <a:ext cx="8346441" cy="2855791"/>
         </p:xfrm>
         <a:graphic>
@@ -34860,7 +35171,7 @@
                     <a:lstStyle/>
                     <a:p>
                       <a:pPr algn="ctr"/>
-                      <a:endParaRPr lang="it-IT" dirty="0"/>
+                      <a:endParaRPr lang="it-IT" b="0" dirty="0"/>
                     </a:p>
                   </a:txBody>
                   <a:tcPr/>
@@ -34872,14 +35183,14 @@
                     <a:p>
                       <a:pPr algn="ctr"/>
                       <a:r>
-                        <a:rPr lang="it-IT" dirty="0" smtClean="0"/>
+                        <a:rPr lang="it-IT" b="0" dirty="0" smtClean="0"/>
                         <a:t>Open</a:t>
                       </a:r>
                       <a:r>
-                        <a:rPr lang="it-IT" baseline="0" dirty="0" smtClean="0"/>
+                        <a:rPr lang="it-IT" b="0" baseline="0" dirty="0" smtClean="0"/>
                         <a:t> Source</a:t>
                       </a:r>
-                      <a:endParaRPr lang="it-IT" dirty="0"/>
+                      <a:endParaRPr lang="it-IT" b="0" dirty="0"/>
                     </a:p>
                   </a:txBody>
                   <a:tcPr/>
@@ -34891,10 +35202,10 @@
                     <a:p>
                       <a:pPr algn="ctr"/>
                       <a:r>
-                        <a:rPr lang="it-IT" dirty="0" smtClean="0"/>
+                        <a:rPr lang="it-IT" b="0" dirty="0" smtClean="0"/>
                         <a:t>Gratuito</a:t>
                       </a:r>
-                      <a:endParaRPr lang="it-IT" dirty="0"/>
+                      <a:endParaRPr lang="it-IT" b="0" dirty="0"/>
                     </a:p>
                   </a:txBody>
                   <a:tcPr/>
@@ -34906,10 +35217,10 @@
                     <a:p>
                       <a:pPr algn="ctr"/>
                       <a:r>
-                        <a:rPr lang="it-IT" dirty="0" err="1" smtClean="0"/>
+                        <a:rPr lang="it-IT" b="0" dirty="0" err="1" smtClean="0"/>
                         <a:t>Wrapper</a:t>
                       </a:r>
-                      <a:endParaRPr lang="it-IT" dirty="0"/>
+                      <a:endParaRPr lang="it-IT" b="0" dirty="0"/>
                     </a:p>
                   </a:txBody>
                   <a:tcPr/>
@@ -34921,10 +35232,10 @@
                     <a:p>
                       <a:pPr algn="ctr"/>
                       <a:r>
-                        <a:rPr lang="it-IT" dirty="0" smtClean="0"/>
+                        <a:rPr lang="it-IT" b="0" dirty="0" smtClean="0"/>
                         <a:t>Mobile</a:t>
                       </a:r>
-                      <a:endParaRPr lang="it-IT" dirty="0"/>
+                      <a:endParaRPr lang="it-IT" b="0" dirty="0"/>
                     </a:p>
                   </a:txBody>
                   <a:tcPr/>
@@ -34936,10 +35247,10 @@
                     <a:p>
                       <a:pPr algn="ctr"/>
                       <a:r>
-                        <a:rPr lang="it-IT" dirty="0" smtClean="0"/>
+                        <a:rPr lang="it-IT" b="0" dirty="0" smtClean="0"/>
                         <a:t>Linguaggi</a:t>
                       </a:r>
-                      <a:endParaRPr lang="it-IT" dirty="0"/>
+                      <a:endParaRPr lang="it-IT" b="0" dirty="0"/>
                     </a:p>
                   </a:txBody>
                   <a:tcPr/>
@@ -35275,7 +35586,7 @@
         </p:blipFill>
         <p:spPr>
           <a:xfrm>
-            <a:off x="9723345" y="3380845"/>
+            <a:off x="9621745" y="2949045"/>
             <a:ext cx="1440000" cy="1303200"/>
           </a:xfrm>
           <a:prstGeom prst="rect">
@@ -35305,7 +35616,7 @@
         </p:blipFill>
         <p:spPr>
           <a:xfrm>
-            <a:off x="9731010" y="1890363"/>
+            <a:off x="9629410" y="1458563"/>
             <a:ext cx="1440000" cy="1338082"/>
           </a:xfrm>
           <a:prstGeom prst="rect">
@@ -35335,7 +35646,7 @@
         </p:blipFill>
         <p:spPr>
           <a:xfrm>
-            <a:off x="9715680" y="4836445"/>
+            <a:off x="9614080" y="4404645"/>
             <a:ext cx="1440000" cy="1440000"/>
           </a:xfrm>
           <a:prstGeom prst="rect">
@@ -35351,7 +35662,7 @@
         </p:nvSpPr>
         <p:spPr>
           <a:xfrm>
-            <a:off x="2943013" y="1845734"/>
+            <a:off x="2841413" y="1413934"/>
             <a:ext cx="5094664" cy="1200329"/>
           </a:xfrm>
           <a:prstGeom prst="rect">
@@ -35443,7 +35754,6 @@
               <a:rPr lang="it-IT" dirty="0"/>
               <a:t>permettesse la navigazione</a:t>
             </a:r>
-            <a:endParaRPr lang="it-IT" dirty="0"/>
           </a:p>
         </p:txBody>
       </p:sp>
@@ -35684,13 +35994,13 @@
           <p:nvPr>
             <p:extLst>
               <p:ext uri="{D42A27DB-BD31-4B8C-83A1-F6EECF244321}">
-                <p14:modId xmlns:p14="http://schemas.microsoft.com/office/powerpoint/2010/main" val="3767769921"/>
+                <p14:modId xmlns:p14="http://schemas.microsoft.com/office/powerpoint/2010/main" val="1960563969"/>
               </p:ext>
             </p:extLst>
           </p:nvPr>
         </p:nvGraphicFramePr>
         <p:xfrm>
-          <a:off x="1223782" y="3644086"/>
+          <a:off x="1249680" y="3250386"/>
           <a:ext cx="7945520" cy="2763408"/>
         </p:xfrm>
         <a:graphic>
@@ -35713,7 +36023,7 @@
                     <a:lstStyle/>
                     <a:p>
                       <a:pPr algn="ctr"/>
-                      <a:endParaRPr lang="it-IT" dirty="0"/>
+                      <a:endParaRPr lang="it-IT" b="0" dirty="0"/>
                     </a:p>
                   </a:txBody>
                   <a:tcPr/>
@@ -35725,10 +36035,10 @@
                     <a:p>
                       <a:pPr algn="ctr"/>
                       <a:r>
-                        <a:rPr lang="it-IT" dirty="0" smtClean="0"/>
+                        <a:rPr lang="it-IT" b="0" dirty="0" smtClean="0"/>
                         <a:t>Selettori</a:t>
                       </a:r>
-                      <a:endParaRPr lang="it-IT" dirty="0"/>
+                      <a:endParaRPr lang="it-IT" b="0" dirty="0"/>
                     </a:p>
                   </a:txBody>
                   <a:tcPr/>
@@ -35740,10 +36050,10 @@
                     <a:p>
                       <a:pPr algn="ctr"/>
                       <a:r>
-                        <a:rPr lang="it-IT" dirty="0" smtClean="0"/>
+                        <a:rPr lang="it-IT" b="0" dirty="0" smtClean="0"/>
                         <a:t>PO</a:t>
                       </a:r>
-                      <a:endParaRPr lang="it-IT" dirty="0"/>
+                      <a:endParaRPr lang="it-IT" b="0" dirty="0"/>
                     </a:p>
                   </a:txBody>
                   <a:tcPr/>
@@ -35755,10 +36065,10 @@
                     <a:p>
                       <a:pPr algn="ctr"/>
                       <a:r>
-                        <a:rPr lang="it-IT" dirty="0" smtClean="0"/>
+                        <a:rPr lang="it-IT" b="0" dirty="0" smtClean="0"/>
                         <a:t>Azioni</a:t>
                       </a:r>
-                      <a:endParaRPr lang="it-IT" dirty="0"/>
+                      <a:endParaRPr lang="it-IT" b="0" dirty="0"/>
                     </a:p>
                   </a:txBody>
                   <a:tcPr/>
@@ -35770,14 +36080,14 @@
                     <a:p>
                       <a:pPr algn="ctr"/>
                       <a:r>
-                        <a:rPr lang="it-IT" dirty="0" smtClean="0"/>
+                        <a:rPr lang="it-IT" b="0" dirty="0" smtClean="0"/>
                         <a:t>Supporto ai </a:t>
                       </a:r>
                       <a:r>
-                        <a:rPr lang="it-IT" dirty="0" err="1" smtClean="0"/>
+                        <a:rPr lang="it-IT" b="0" dirty="0" err="1" smtClean="0"/>
                         <a:t>form</a:t>
                       </a:r>
-                      <a:endParaRPr lang="it-IT" dirty="0"/>
+                      <a:endParaRPr lang="it-IT" b="0" dirty="0"/>
                     </a:p>
                   </a:txBody>
                   <a:tcPr/>
@@ -36042,7 +36352,7 @@
         </p:nvSpPr>
         <p:spPr>
           <a:xfrm>
-            <a:off x="1249680" y="1845734"/>
+            <a:off x="1275578" y="1452034"/>
             <a:ext cx="4195379" cy="1477328"/>
           </a:xfrm>
           <a:prstGeom prst="rect">
@@ -36134,7 +36444,6 @@
               <a:rPr lang="it-IT" dirty="0"/>
               <a:t>Per poter documentare la mia tesi</a:t>
             </a:r>
-            <a:endParaRPr lang="it-IT" dirty="0"/>
           </a:p>
         </p:txBody>
       </p:sp>
@@ -36146,7 +36455,7 @@
         </p:nvSpPr>
         <p:spPr>
           <a:xfrm>
-            <a:off x="5445059" y="1845734"/>
+            <a:off x="5470957" y="1452034"/>
             <a:ext cx="3568832" cy="1754326"/>
           </a:xfrm>
           <a:prstGeom prst="rect">
@@ -36221,7 +36530,6 @@
               <a:rPr lang="it-IT" dirty="0"/>
               <a:t>Per potermi informare</a:t>
             </a:r>
-            <a:endParaRPr lang="it-IT" dirty="0"/>
           </a:p>
         </p:txBody>
       </p:sp>
@@ -36247,7 +36555,7 @@
         </p:blipFill>
         <p:spPr>
           <a:xfrm>
-            <a:off x="9355680" y="1844910"/>
+            <a:off x="9381578" y="1451210"/>
             <a:ext cx="1620000" cy="1620000"/>
           </a:xfrm>
           <a:prstGeom prst="rect">
@@ -36408,7 +36716,12 @@
             <p:ph idx="1"/>
           </p:nvPr>
         </p:nvSpPr>
-        <p:spPr/>
+        <p:spPr>
+          <a:xfrm>
+            <a:off x="838200" y="1533525"/>
+            <a:ext cx="10515600" cy="4351338"/>
+          </a:xfrm>
+        </p:spPr>
         <p:txBody>
           <a:bodyPr/>
           <a:lstStyle/>
@@ -36492,14 +36805,14 @@
           <p:nvPr>
             <p:extLst>
               <p:ext uri="{D42A27DB-BD31-4B8C-83A1-F6EECF244321}">
-                <p14:modId xmlns:p14="http://schemas.microsoft.com/office/powerpoint/2010/main" val="2363409099"/>
+                <p14:modId xmlns:p14="http://schemas.microsoft.com/office/powerpoint/2010/main" val="2724921467"/>
               </p:ext>
             </p:extLst>
           </p:nvPr>
         </p:nvGraphicFramePr>
         <p:xfrm>
-          <a:off x="1223782" y="3644087"/>
-          <a:ext cx="7983717" cy="2473652"/>
+          <a:off x="1223782" y="3351987"/>
+          <a:ext cx="7983717" cy="2672003"/>
         </p:xfrm>
         <a:graphic>
           <a:graphicData uri="http://schemas.openxmlformats.org/drawingml/2006/table">
@@ -36519,7 +36832,7 @@
                     <a:lstStyle/>
                     <a:p>
                       <a:pPr algn="ctr"/>
-                      <a:endParaRPr lang="it-IT" dirty="0"/>
+                      <a:endParaRPr lang="it-IT" b="0" dirty="0"/>
                     </a:p>
                   </a:txBody>
                   <a:tcPr/>
@@ -36552,7 +36865,7 @@
                         </a:rPr>
                         <a:t>inline</a:t>
                       </a:r>
-                      <a:endParaRPr lang="it-IT" dirty="0"/>
+                      <a:endParaRPr lang="it-IT" b="0" dirty="0"/>
                     </a:p>
                   </a:txBody>
                   <a:tcPr/>
@@ -36574,7 +36887,7 @@
                         </a:rPr>
                         <a:t>Fogli di stile</a:t>
                       </a:r>
-                      <a:endParaRPr lang="it-IT" dirty="0"/>
+                      <a:endParaRPr lang="it-IT" b="0" dirty="0"/>
                     </a:p>
                   </a:txBody>
                   <a:tcPr/>
@@ -36635,6 +36948,14 @@
                       <a:r>
                         <a:rPr lang="it-IT" baseline="0" dirty="0" err="1" smtClean="0"/>
                         <a:t>JQuery</a:t>
+                      </a:r>
+                      <a:r>
+                        <a:rPr lang="it-IT" baseline="0" dirty="0" smtClean="0"/>
+                        <a:t>, </a:t>
+                      </a:r>
+                      <a:r>
+                        <a:rPr lang="it-IT" baseline="0" smtClean="0"/>
+                        <a:t>valore serializzato</a:t>
                       </a:r>
                       <a:endParaRPr lang="it-IT" dirty="0"/>
                     </a:p>
@@ -36830,7 +37151,7 @@
         </p:nvSpPr>
         <p:spPr>
           <a:xfrm>
-            <a:off x="2563394" y="2033694"/>
+            <a:off x="2563394" y="1741594"/>
             <a:ext cx="5686172" cy="1200329"/>
           </a:xfrm>
           <a:prstGeom prst="rect">
@@ -36905,7 +37226,6 @@
               <a:rPr lang="it-IT" dirty="0"/>
               <a:t>Vorrei che il sito esponesse una grafica omogenea</a:t>
             </a:r>
-            <a:endParaRPr lang="it-IT" dirty="0"/>
           </a:p>
         </p:txBody>
       </p:sp>
@@ -36931,7 +37251,7 @@
         </p:blipFill>
         <p:spPr>
           <a:xfrm>
-            <a:off x="9692730" y="3554647"/>
+            <a:off x="9692730" y="3262547"/>
             <a:ext cx="1440000" cy="1080000"/>
           </a:xfrm>
           <a:prstGeom prst="rect">
@@ -36961,7 +37281,7 @@
         </p:blipFill>
         <p:spPr>
           <a:xfrm>
-            <a:off x="9715680" y="1960200"/>
+            <a:off x="9715680" y="1668100"/>
             <a:ext cx="1440000" cy="1440000"/>
           </a:xfrm>
           <a:prstGeom prst="rect">
@@ -37122,7 +37442,12 @@
             <p:ph idx="1"/>
           </p:nvPr>
         </p:nvSpPr>
-        <p:spPr/>
+        <p:spPr>
+          <a:xfrm>
+            <a:off x="838200" y="1444625"/>
+            <a:ext cx="10515600" cy="4351338"/>
+          </a:xfrm>
+        </p:spPr>
         <p:txBody>
           <a:bodyPr/>
           <a:lstStyle/>
@@ -37206,13 +37531,13 @@
           <p:nvPr>
             <p:extLst>
               <p:ext uri="{D42A27DB-BD31-4B8C-83A1-F6EECF244321}">
-                <p14:modId xmlns:p14="http://schemas.microsoft.com/office/powerpoint/2010/main" val="4231739126"/>
+                <p14:modId xmlns:p14="http://schemas.microsoft.com/office/powerpoint/2010/main" val="2409032631"/>
               </p:ext>
             </p:extLst>
           </p:nvPr>
         </p:nvGraphicFramePr>
         <p:xfrm>
-          <a:off x="1249680" y="3400258"/>
+          <a:off x="1249680" y="3019258"/>
           <a:ext cx="8085319" cy="3030408"/>
         </p:xfrm>
         <a:graphic>
@@ -37246,10 +37571,10 @@
                     <a:p>
                       <a:pPr algn="ctr"/>
                       <a:r>
-                        <a:rPr lang="it-IT" dirty="0" smtClean="0"/>
+                        <a:rPr lang="it-IT" b="0" dirty="0" smtClean="0"/>
                         <a:t>Attese esplicite</a:t>
                       </a:r>
-                      <a:endParaRPr lang="it-IT" dirty="0"/>
+                      <a:endParaRPr lang="it-IT" b="0" dirty="0"/>
                     </a:p>
                   </a:txBody>
                   <a:tcPr/>
@@ -37261,10 +37586,10 @@
                     <a:p>
                       <a:pPr algn="ctr"/>
                       <a:r>
-                        <a:rPr lang="it-IT" dirty="0" smtClean="0"/>
+                        <a:rPr lang="it-IT" b="0" dirty="0" smtClean="0"/>
                         <a:t>Attese Implicite</a:t>
                       </a:r>
-                      <a:endParaRPr lang="it-IT" dirty="0"/>
+                      <a:endParaRPr lang="it-IT" b="0" dirty="0"/>
                     </a:p>
                   </a:txBody>
                   <a:tcPr/>
@@ -37276,10 +37601,10 @@
                     <a:p>
                       <a:pPr algn="ctr"/>
                       <a:r>
-                        <a:rPr lang="it-IT" dirty="0" smtClean="0"/>
+                        <a:rPr lang="it-IT" b="0" dirty="0" smtClean="0"/>
                         <a:t>Semplicità d’uso</a:t>
                       </a:r>
-                      <a:endParaRPr lang="it-IT" dirty="0"/>
+                      <a:endParaRPr lang="it-IT" b="0" dirty="0"/>
                     </a:p>
                   </a:txBody>
                   <a:tcPr/>
@@ -37502,7 +37827,7 @@
         </p:nvSpPr>
         <p:spPr>
           <a:xfrm>
-            <a:off x="1249680" y="1889760"/>
+            <a:off x="1249680" y="1508760"/>
             <a:ext cx="3703320" cy="1477328"/>
           </a:xfrm>
           <a:prstGeom prst="rect">
@@ -37609,7 +37934,6 @@
               <a:rPr lang="it-IT" dirty="0"/>
               <a:t>Per firmare il mio lavoro</a:t>
             </a:r>
-            <a:endParaRPr lang="it-IT" dirty="0"/>
           </a:p>
         </p:txBody>
       </p:sp>
@@ -37621,7 +37945,7 @@
         </p:nvSpPr>
         <p:spPr>
           <a:xfrm>
-            <a:off x="4998594" y="1889761"/>
+            <a:off x="4998594" y="1508761"/>
             <a:ext cx="4580016" cy="1477328"/>
           </a:xfrm>
           <a:prstGeom prst="rect">
@@ -37727,7 +38051,7 @@
         </p:blipFill>
         <p:spPr>
           <a:xfrm>
-            <a:off x="9675549" y="1927088"/>
+            <a:off x="9675549" y="1546088"/>
             <a:ext cx="1440000" cy="1440000"/>
           </a:xfrm>
           <a:prstGeom prst="rect">
@@ -37757,7 +38081,7 @@
         </p:blipFill>
         <p:spPr>
           <a:xfrm>
-            <a:off x="9675549" y="5004167"/>
+            <a:off x="9675549" y="4623167"/>
             <a:ext cx="1440000" cy="776222"/>
           </a:xfrm>
           <a:prstGeom prst="rect">
@@ -37787,7 +38111,7 @@
         </p:blipFill>
         <p:spPr>
           <a:xfrm>
-            <a:off x="9677598" y="3475462"/>
+            <a:off x="9677598" y="3094462"/>
             <a:ext cx="1440000" cy="1440000"/>
           </a:xfrm>
           <a:prstGeom prst="rect">
@@ -37847,7 +38171,7 @@
         </p:blipFill>
         <p:spPr>
           <a:xfrm>
-            <a:off x="0" y="6621"/>
+            <a:off x="0" y="0"/>
             <a:ext cx="12192000" cy="1032425"/>
           </a:xfrm>
           <a:prstGeom prst="rect">
@@ -37964,20 +38288,24 @@
               <a:t> ”</a:t>
             </a:r>
             <a:r>
-              <a:rPr lang="en-US" dirty="0"/>
+              <a:rPr lang="en-US" b="1" dirty="0"/>
               <a:t>A comparative Study of Maintainability of Web Application on J2EE</a:t>
             </a:r>
             <a:r>
-              <a:rPr lang="en-US" dirty="0" smtClean="0"/>
+              <a:rPr lang="en-US" b="1" dirty="0" smtClean="0"/>
               <a:t>, .</a:t>
             </a:r>
             <a:r>
-              <a:rPr lang="en-US" dirty="0"/>
+              <a:rPr lang="en-US" b="1" dirty="0"/>
               <a:t>NET and Ruby on </a:t>
             </a:r>
             <a:r>
+              <a:rPr lang="en-US" b="1" dirty="0" smtClean="0"/>
+              <a:t>Rails</a:t>
+            </a:r>
+            <a:r>
               <a:rPr lang="en-US" dirty="0" smtClean="0"/>
-              <a:t>Rails”, </a:t>
+              <a:t>”, </a:t>
             </a:r>
             <a:r>
               <a:rPr lang="it-IT" dirty="0"/>
@@ -38035,12 +38363,28 @@
               <a:t>Comparazione di </a:t>
             </a:r>
             <a:r>
-              <a:rPr lang="it-IT" dirty="0" err="1" smtClean="0"/>
+              <a:rPr lang="it-IT" b="1" dirty="0" err="1" smtClean="0"/>
               <a:t>RoR</a:t>
             </a:r>
             <a:r>
               <a:rPr lang="it-IT" dirty="0" smtClean="0"/>
-              <a:t>, Spring, .NET(ASP.NET MVC viene rilasciato nel 2009)</a:t>
+              <a:t>, </a:t>
+            </a:r>
+            <a:r>
+              <a:rPr lang="it-IT" b="1" dirty="0" smtClean="0"/>
+              <a:t>Spring</a:t>
+            </a:r>
+            <a:r>
+              <a:rPr lang="it-IT" dirty="0" smtClean="0"/>
+              <a:t>, </a:t>
+            </a:r>
+            <a:r>
+              <a:rPr lang="it-IT" b="1" dirty="0" smtClean="0"/>
+              <a:t>.NET</a:t>
+            </a:r>
+            <a:r>
+              <a:rPr lang="it-IT" dirty="0" smtClean="0"/>
+              <a:t>(ASP.NET MVC viene rilasciato nel 2009)</a:t>
             </a:r>
           </a:p>
           <a:p>
@@ -38061,25 +38405,22 @@
             </a:r>
             <a:r>
               <a:rPr lang="it-IT" dirty="0" smtClean="0"/>
-              <a:t>Sviluppo di tre applicazioni web in </a:t>
-            </a:r>
-            <a:r>
-              <a:rPr lang="it-IT" dirty="0" err="1" smtClean="0"/>
-              <a:t>RoR</a:t>
+              <a:t>Sviluppo di tre applicazioni </a:t>
             </a:r>
             <a:r>
               <a:rPr lang="it-IT" dirty="0" smtClean="0"/>
-              <a:t>, Spring, ASP.NET MVC5</a:t>
+              <a:t>web</a:t>
             </a:r>
           </a:p>
           <a:p>
-            <a:pPr lvl="1">
-              <a:buFont typeface="Arial" panose="020B0604020202020204" pitchFamily="34" charset="0"/>
-              <a:buChar char="•"/>
-            </a:pPr>
+            <a:pPr lvl="1"/>
             <a:r>
               <a:rPr lang="it-IT" dirty="0" smtClean="0"/>
-              <a:t>Utilizzando i </a:t>
+              <a:t>Utilizzando </a:t>
+            </a:r>
+            <a:r>
+              <a:rPr lang="it-IT" dirty="0" smtClean="0"/>
+              <a:t>i </a:t>
             </a:r>
             <a:r>
               <a:rPr lang="it-IT" dirty="0" err="1" smtClean="0"/>
@@ -38097,23 +38438,11 @@
             </a:pPr>
             <a:r>
               <a:rPr lang="it-IT" dirty="0" smtClean="0"/>
-              <a:t>Utilizzo di diversi strumenti per lo sviluppo web (CSS/SCSS, </a:t>
-            </a:r>
-            <a:r>
-              <a:rPr lang="it-IT" dirty="0" err="1" smtClean="0"/>
-              <a:t>Javascript</a:t>
+              <a:t>Utilizzo di diversi strumenti per lo </a:t>
             </a:r>
             <a:r>
               <a:rPr lang="it-IT" dirty="0" smtClean="0"/>
-              <a:t>, </a:t>
-            </a:r>
-            <a:r>
-              <a:rPr lang="it-IT" dirty="0" err="1" smtClean="0"/>
-              <a:t>Jquery</a:t>
-            </a:r>
-            <a:r>
-              <a:rPr lang="it-IT" dirty="0" smtClean="0"/>
-              <a:t>, Ajax, …)</a:t>
+              <a:t>sviluppo</a:t>
             </a:r>
           </a:p>
           <a:p>
@@ -38123,7 +38452,11 @@
             </a:pPr>
             <a:r>
               <a:rPr lang="it-IT" dirty="0" smtClean="0"/>
-              <a:t>Comparazione delle potenzialità dei </a:t>
+              <a:t>Comparazione </a:t>
+            </a:r>
+            <a:r>
+              <a:rPr lang="it-IT" dirty="0" smtClean="0"/>
+              <a:t>delle potenzialità dei </a:t>
             </a:r>
             <a:r>
               <a:rPr lang="it-IT" dirty="0" err="1" smtClean="0"/>
@@ -38410,7 +38743,7 @@
           <p:nvPr>
             <p:extLst>
               <p:ext uri="{D42A27DB-BD31-4B8C-83A1-F6EECF244321}">
-                <p14:modId xmlns:p14="http://schemas.microsoft.com/office/powerpoint/2010/main" val="1191702380"/>
+                <p14:modId xmlns:p14="http://schemas.microsoft.com/office/powerpoint/2010/main" val="2061890559"/>
               </p:ext>
             </p:extLst>
           </p:nvPr>
@@ -38450,10 +38783,10 @@
                     <a:p>
                       <a:pPr algn="ctr"/>
                       <a:r>
-                        <a:rPr lang="it-IT" dirty="0" smtClean="0"/>
+                        <a:rPr lang="it-IT" b="0" dirty="0" smtClean="0"/>
                         <a:t>Espressività</a:t>
                       </a:r>
-                      <a:endParaRPr lang="it-IT" dirty="0"/>
+                      <a:endParaRPr lang="it-IT" b="0" dirty="0"/>
                     </a:p>
                   </a:txBody>
                   <a:tcPr/>
@@ -38465,10 +38798,10 @@
                     <a:p>
                       <a:pPr algn="ctr"/>
                       <a:r>
-                        <a:rPr lang="it-IT" dirty="0" smtClean="0"/>
+                        <a:rPr lang="it-IT" b="0" dirty="0" smtClean="0"/>
                         <a:t>Leggibilità</a:t>
                       </a:r>
-                      <a:endParaRPr lang="it-IT" dirty="0"/>
+                      <a:endParaRPr lang="it-IT" b="0" dirty="0"/>
                     </a:p>
                   </a:txBody>
                   <a:tcPr/>
@@ -38480,10 +38813,10 @@
                     <a:p>
                       <a:pPr algn="ctr"/>
                       <a:r>
-                        <a:rPr lang="it-IT" dirty="0" smtClean="0"/>
+                        <a:rPr lang="it-IT" b="0" dirty="0" smtClean="0"/>
                         <a:t>Modularità</a:t>
                       </a:r>
-                      <a:endParaRPr lang="it-IT" dirty="0"/>
+                      <a:endParaRPr lang="it-IT" b="0" dirty="0"/>
                     </a:p>
                   </a:txBody>
                   <a:tcPr/>
@@ -38768,7 +39101,6 @@
               <a:rPr lang="it-IT" dirty="0"/>
               <a:t>Per poter garantire l'autenticità dei contenuti</a:t>
             </a:r>
-            <a:endParaRPr lang="it-IT" dirty="0"/>
           </a:p>
         </p:txBody>
       </p:sp>
@@ -39209,14 +39541,14 @@
           <p:nvPr>
             <p:extLst>
               <p:ext uri="{D42A27DB-BD31-4B8C-83A1-F6EECF244321}">
-                <p14:modId xmlns:p14="http://schemas.microsoft.com/office/powerpoint/2010/main" val="3103646641"/>
+                <p14:modId xmlns:p14="http://schemas.microsoft.com/office/powerpoint/2010/main" val="3286644734"/>
               </p:ext>
             </p:extLst>
           </p:nvPr>
         </p:nvGraphicFramePr>
         <p:xfrm>
-          <a:off x="1249680" y="1845734"/>
-          <a:ext cx="9906000" cy="4292599"/>
+          <a:off x="2748280" y="1312334"/>
+          <a:ext cx="8046720" cy="4292599"/>
         </p:xfrm>
         <a:graphic>
           <a:graphicData uri="http://schemas.openxmlformats.org/drawingml/2006/diagram">
@@ -39311,7 +39643,12 @@
             <p:ph idx="1"/>
           </p:nvPr>
         </p:nvSpPr>
-        <p:spPr/>
+        <p:spPr>
+          <a:xfrm>
+            <a:off x="838200" y="1261428"/>
+            <a:ext cx="10515600" cy="4351338"/>
+          </a:xfrm>
+        </p:spPr>
         <p:txBody>
           <a:bodyPr/>
           <a:lstStyle/>
@@ -39358,7 +39695,7 @@
         </p:blipFill>
         <p:spPr>
           <a:xfrm>
-            <a:off x="8785860" y="1883092"/>
+            <a:off x="8103870" y="1261428"/>
             <a:ext cx="2743200" cy="3000375"/>
           </a:xfrm>
           <a:prstGeom prst="rect">
@@ -39388,7 +39725,7 @@
         </p:blipFill>
         <p:spPr>
           <a:xfrm>
-            <a:off x="8115300" y="5029199"/>
+            <a:off x="7437120" y="4541896"/>
             <a:ext cx="4076700" cy="1066800"/>
           </a:xfrm>
           <a:prstGeom prst="rect">
@@ -39454,7 +39791,7 @@
         </p:nvSpPr>
         <p:spPr>
           <a:xfrm>
-            <a:off x="1249680" y="1889760"/>
+            <a:off x="838200" y="1261428"/>
             <a:ext cx="6598920" cy="4524315"/>
           </a:xfrm>
           <a:prstGeom prst="rect">
@@ -39474,11 +39811,7 @@
             </a:pPr>
             <a:r>
               <a:rPr lang="it-IT" dirty="0" smtClean="0"/>
-              <a:t>Utilizzato per la definizione di interfacce </a:t>
-            </a:r>
-            <a:r>
-              <a:rPr lang="it-IT" dirty="0" smtClean="0"/>
-              <a:t>utente</a:t>
+              <a:t>Utilizzato per la definizione di interfacce utente</a:t>
             </a:r>
           </a:p>
           <a:p>
@@ -39505,12 +39838,13 @@
             </a:pPr>
             <a:r>
               <a:rPr lang="it-IT" dirty="0" smtClean="0"/>
-              <a:t>Il modello descrive il dominio e permette la persistenza delle informazioni</a:t>
+              <a:t>Il modello descrive il dominio e permette la persistenza delle </a:t>
             </a:r>
             <a:r>
               <a:rPr lang="it-IT" dirty="0" smtClean="0"/>
-              <a:t>;</a:t>
+              <a:t>informazioni</a:t>
             </a:r>
+            <a:endParaRPr lang="it-IT" dirty="0" smtClean="0"/>
           </a:p>
           <a:p>
             <a:pPr marL="742950" lvl="1" indent="-285750">
@@ -39526,12 +39860,13 @@
             </a:pPr>
             <a:r>
               <a:rPr lang="it-IT" dirty="0" smtClean="0"/>
-              <a:t>Le viste rappresentano l’interfaccia dell’applicazione utilizzabili dall’utente e reagiscono in funzione dei cambiamenti sul modello</a:t>
+              <a:t>Le viste rappresentano l’interfaccia dell’applicazione utilizzabili dall’utente e reagiscono in funzione dei cambiamenti sul </a:t>
             </a:r>
             <a:r>
               <a:rPr lang="it-IT" dirty="0" smtClean="0"/>
-              <a:t>;</a:t>
+              <a:t>modello</a:t>
             </a:r>
+            <a:endParaRPr lang="it-IT" dirty="0" smtClean="0"/>
           </a:p>
           <a:p>
             <a:pPr marL="742950" lvl="1" indent="-285750">
@@ -39547,12 +39882,13 @@
             </a:pPr>
             <a:r>
               <a:rPr lang="it-IT" dirty="0" smtClean="0"/>
-              <a:t>I controlli ricevono ed interpretano le richieste effettuate dall’utente</a:t>
+              <a:t>I controlli ricevono ed interpretano le richieste effettuate </a:t>
             </a:r>
             <a:r>
               <a:rPr lang="it-IT" dirty="0" smtClean="0"/>
-              <a:t>;</a:t>
+              <a:t>dall’utente</a:t>
             </a:r>
+            <a:endParaRPr lang="it-IT" dirty="0" smtClean="0"/>
           </a:p>
           <a:p>
             <a:pPr marL="742950" lvl="1" indent="-285750">
@@ -39568,11 +39904,7 @@
             </a:pPr>
             <a:r>
               <a:rPr lang="it-IT" dirty="0" smtClean="0"/>
-              <a:t>In pratica </a:t>
-            </a:r>
-            <a:r>
-              <a:rPr lang="it-IT" dirty="0" smtClean="0"/>
-              <a:t>utilizzate variazioni architetturali come il MVP, Model </a:t>
+              <a:t>In pratica utilizzate variazioni architetturali come il MVP, Model </a:t>
             </a:r>
             <a:r>
               <a:rPr lang="it-IT" dirty="0" err="1" smtClean="0"/>
@@ -39762,82 +40094,40 @@
             <p:ph idx="1"/>
           </p:nvPr>
         </p:nvSpPr>
-        <p:spPr/>
+        <p:spPr>
+          <a:xfrm>
+            <a:off x="838200" y="1321044"/>
+            <a:ext cx="10515600" cy="4984046"/>
+          </a:xfrm>
+        </p:spPr>
         <p:txBody>
           <a:bodyPr/>
           <a:lstStyle/>
           <a:p>
-            <a:pPr marL="0" indent="0">
-              <a:buNone/>
-            </a:pPr>
-            <a:endParaRPr lang="it-IT" dirty="0" smtClean="0"/>
-          </a:p>
-          <a:p>
-            <a:pPr marL="0" indent="0">
-              <a:buNone/>
-            </a:pPr>
             <a:r>
               <a:rPr lang="it-IT" dirty="0" smtClean="0"/>
-              <a:t>Live Doc</a:t>
+              <a:t>Metodo di sviluppo le cui iterazioni producono una funzionalità funzionante e testata, descritta da un insieme di test di accettazione (o scenari)</a:t>
             </a:r>
           </a:p>
           <a:p>
-            <a:pPr marL="0" lvl="1" indent="0">
-              <a:spcBef>
-                <a:spcPts val="1200"/>
-              </a:spcBef>
-              <a:spcAft>
-                <a:spcPts val="200"/>
-              </a:spcAft>
-              <a:buSzPct val="100000"/>
-              <a:buNone/>
-            </a:pPr>
+            <a:r>
+              <a:rPr lang="it-IT" dirty="0" smtClean="0"/>
+              <a:t>Utilizzo della tecnica ATDD</a:t>
+            </a:r>
+          </a:p>
+          <a:p>
             <a:r>
               <a:rPr lang="it-IT" dirty="0"/>
-              <a:t>Business </a:t>
+              <a:t>Gli scenari sviluppati rappresentano la documentazione del progetto – Live </a:t>
             </a:r>
             <a:r>
               <a:rPr lang="it-IT" dirty="0" err="1"/>
-              <a:t>Readable</a:t>
-            </a:r>
-            <a:r>
-              <a:rPr lang="it-IT" dirty="0"/>
-              <a:t> DSL, Martin </a:t>
-            </a:r>
-            <a:r>
-              <a:rPr lang="it-IT" dirty="0" err="1"/>
-              <a:t>Fowler</a:t>
+              <a:t>Documentation</a:t>
             </a:r>
             <a:endParaRPr lang="it-IT" dirty="0"/>
           </a:p>
           <a:p>
-            <a:pPr marL="0" lvl="1" indent="0">
-              <a:spcBef>
-                <a:spcPts val="1200"/>
-              </a:spcBef>
-              <a:spcAft>
-                <a:spcPts val="200"/>
-              </a:spcAft>
-              <a:buSzPct val="100000"/>
-              <a:buNone/>
-            </a:pPr>
-            <a:r>
-              <a:rPr lang="it-IT" dirty="0" err="1"/>
-              <a:t>Gherkin</a:t>
-            </a:r>
-            <a:r>
-              <a:rPr lang="it-IT" dirty="0"/>
-              <a:t> (Esempio)</a:t>
-            </a:r>
-          </a:p>
-          <a:p>
-            <a:pPr marL="0" indent="0">
-              <a:buNone/>
-            </a:pPr>
-            <a:r>
-              <a:rPr lang="it-IT" dirty="0" smtClean="0"/>
-              <a:t>ATDD</a:t>
-            </a:r>
+            <a:endParaRPr lang="it-IT" dirty="0" smtClean="0"/>
           </a:p>
           <a:p>
             <a:endParaRPr lang="it-IT" dirty="0"/>
@@ -39941,13 +40231,20 @@
           <a:lstStyle/>
           <a:p>
             <a:r>
-              <a:rPr lang="it-IT" dirty="0" smtClean="0">
+              <a:rPr lang="it-IT" b="1" dirty="0" err="1">
                 <a:solidFill>
                   <a:schemeClr val="bg1"/>
                 </a:solidFill>
-                <a:latin typeface="+mn-lt"/>
               </a:rPr>
-              <a:t>BDD</a:t>
+              <a:t>Behavior-driven</a:t>
+            </a:r>
+            <a:r>
+              <a:rPr lang="it-IT" b="1" dirty="0">
+                <a:solidFill>
+                  <a:schemeClr val="bg1"/>
+                </a:solidFill>
+              </a:rPr>
+              <a:t> Development</a:t>
             </a:r>
             <a:endParaRPr lang="it-IT" dirty="0">
               <a:solidFill>
@@ -39958,6 +40255,36 @@
           </a:p>
         </p:txBody>
       </p:sp>
+      <p:pic>
+        <p:nvPicPr>
+          <p:cNvPr id="6" name="Picture 5"/>
+          <p:cNvPicPr>
+            <a:picLocks noChangeAspect="1"/>
+          </p:cNvPicPr>
+          <p:nvPr/>
+        </p:nvPicPr>
+        <p:blipFill>
+          <a:blip r:embed="rId4">
+            <a:extLst>
+              <a:ext uri="{28A0092B-C50C-407E-A947-70E740481C1C}">
+                <a14:useLocalDpi xmlns:a14="http://schemas.microsoft.com/office/drawing/2010/main" val="0"/>
+              </a:ext>
+            </a:extLst>
+          </a:blip>
+          <a:stretch>
+            <a:fillRect/>
+          </a:stretch>
+        </p:blipFill>
+        <p:spPr>
+          <a:xfrm>
+            <a:off x="3238500" y="4283409"/>
+            <a:ext cx="5715000" cy="2021681"/>
+          </a:xfrm>
+          <a:prstGeom prst="rect">
+            <a:avLst/>
+          </a:prstGeom>
+        </p:spPr>
+      </p:pic>
     </p:spTree>
     <p:extLst>
       <p:ext uri="{BB962C8B-B14F-4D97-AF65-F5344CB8AC3E}">
@@ -40017,7 +40344,7 @@
         </p:nvSpPr>
         <p:spPr>
           <a:xfrm>
-            <a:off x="1097280" y="1905000"/>
+            <a:off x="838200" y="1824204"/>
             <a:ext cx="4071620" cy="3964094"/>
           </a:xfrm>
         </p:spPr>
@@ -40047,7 +40374,6 @@
               <a:rPr lang="it-IT" dirty="0" smtClean="0"/>
               <a:t>Funzionalità</a:t>
             </a:r>
-            <a:endParaRPr lang="it-IT" dirty="0" smtClean="0"/>
           </a:p>
           <a:p>
             <a:pPr lvl="1">
@@ -40058,13 +40384,8 @@
             </a:pPr>
             <a:r>
               <a:rPr lang="it-IT" dirty="0" smtClean="0"/>
-              <a:t>Interfaccia e </a:t>
+              <a:t>Interfaccia e layout</a:t>
             </a:r>
-            <a:r>
-              <a:rPr lang="it-IT" dirty="0" smtClean="0"/>
-              <a:t>layout</a:t>
-            </a:r>
-            <a:endParaRPr lang="it-IT" dirty="0" smtClean="0"/>
           </a:p>
           <a:p>
             <a:pPr lvl="1">
@@ -40075,15 +40396,7 @@
             </a:pPr>
             <a:r>
               <a:rPr lang="it-IT" dirty="0" smtClean="0"/>
-              <a:t>Tecnologie </a:t>
-            </a:r>
-            <a:r>
-              <a:rPr lang="it-IT" dirty="0" smtClean="0"/>
-              <a:t>«web» </a:t>
-            </a:r>
-            <a:r>
-              <a:rPr lang="it-IT" dirty="0" smtClean="0"/>
-              <a:t>utilizzate</a:t>
+              <a:t>Tecnologie «web» utilizzate</a:t>
             </a:r>
             <a:endParaRPr lang="it-IT" dirty="0"/>
           </a:p>
@@ -40108,7 +40421,7 @@
             </a:r>
             <a:r>
               <a:rPr lang="it-IT" dirty="0" smtClean="0"/>
-              <a:t>accettazione</a:t>
+              <a:t>accettazione comune</a:t>
             </a:r>
             <a:endParaRPr lang="it-IT" dirty="0" smtClean="0"/>
           </a:p>
@@ -40121,13 +40434,8 @@
             </a:pPr>
             <a:r>
               <a:rPr lang="it-IT" dirty="0" smtClean="0"/>
-              <a:t>Ogni funzionalità coincide con l’introduzione di un numero ridotto di </a:t>
+              <a:t>Ogni funzionalità coincide con l’introduzione di un numero ridotto di tecnologie</a:t>
             </a:r>
-            <a:r>
-              <a:rPr lang="it-IT" dirty="0" smtClean="0"/>
-              <a:t>tecnologie</a:t>
-            </a:r>
-            <a:endParaRPr lang="it-IT" dirty="0" smtClean="0"/>
           </a:p>
           <a:p>
             <a:endParaRPr lang="it-IT" dirty="0"/>
@@ -40144,13 +40452,13 @@
           <p:nvPr>
             <p:extLst>
               <p:ext uri="{D42A27DB-BD31-4B8C-83A1-F6EECF244321}">
-                <p14:modId xmlns:p14="http://schemas.microsoft.com/office/powerpoint/2010/main" val="3221831216"/>
+                <p14:modId xmlns:p14="http://schemas.microsoft.com/office/powerpoint/2010/main" val="3765827775"/>
               </p:ext>
             </p:extLst>
           </p:nvPr>
         </p:nvGraphicFramePr>
         <p:xfrm>
-          <a:off x="5181600" y="1845734"/>
+          <a:off x="5245100" y="1824204"/>
           <a:ext cx="5974080" cy="4384365"/>
         </p:xfrm>
         <a:graphic>
@@ -40306,41 +40614,6 @@
       </p:grpSpPr>
       <p:sp>
         <p:nvSpPr>
-          <p:cNvPr id="3" name="Content Placeholder 2"/>
-          <p:cNvSpPr>
-            <a:spLocks noGrp="1"/>
-          </p:cNvSpPr>
-          <p:nvPr>
-            <p:ph idx="1"/>
-          </p:nvPr>
-        </p:nvSpPr>
-        <p:spPr/>
-        <p:txBody>
-          <a:bodyPr/>
-          <a:lstStyle/>
-          <a:p>
-            <a:endParaRPr lang="it-IT" dirty="0"/>
-          </a:p>
-          <a:p>
-            <a:pPr marL="0" indent="0">
-              <a:buNone/>
-            </a:pPr>
-            <a:endParaRPr lang="it-IT" dirty="0" smtClean="0"/>
-          </a:p>
-          <a:p>
-            <a:pPr marL="0" indent="0">
-              <a:buNone/>
-            </a:pPr>
-            <a:endParaRPr lang="en-US" dirty="0" smtClean="0"/>
-          </a:p>
-          <a:p>
-            <a:pPr marL="578358" lvl="1" indent="-285750"/>
-            <a:endParaRPr lang="en-US" dirty="0" smtClean="0"/>
-          </a:p>
-        </p:txBody>
-      </p:sp>
-      <p:sp>
-        <p:nvSpPr>
           <p:cNvPr id="7" name="Title 1"/>
           <p:cNvSpPr txBox="1">
             <a:spLocks/>
@@ -40396,13 +40669,13 @@
           <p:nvPr>
             <p:extLst>
               <p:ext uri="{D42A27DB-BD31-4B8C-83A1-F6EECF244321}">
-                <p14:modId xmlns:p14="http://schemas.microsoft.com/office/powerpoint/2010/main" val="1453063501"/>
+                <p14:modId xmlns:p14="http://schemas.microsoft.com/office/powerpoint/2010/main" val="2242757956"/>
               </p:ext>
             </p:extLst>
           </p:nvPr>
         </p:nvGraphicFramePr>
         <p:xfrm>
-          <a:off x="1249680" y="1845734"/>
+          <a:off x="1402080" y="1667934"/>
           <a:ext cx="9906000" cy="4292599"/>
         </p:xfrm>
         <a:graphic>
@@ -40508,9 +40781,9 @@
               <a:t>CS}Blog </a:t>
             </a:r>
             <a:r>
-              <a:rPr lang="it-IT" sz="6000" b="1" dirty="0" smtClean="0">
+              <a:rPr lang="it-IT" b="1" dirty="0" smtClean="0">
                 <a:solidFill>
-                  <a:schemeClr val="bg1"/>
+                  <a:srgbClr val="0096DB"/>
                 </a:solidFill>
               </a:rPr>
               <a:t>M</a:t>
@@ -40521,11 +40794,19 @@
                   <a:schemeClr val="bg1"/>
                 </a:solidFill>
               </a:rPr>
-              <a:t>VC</a:t>
+              <a:t>VC - </a:t>
+            </a:r>
+            <a:r>
+              <a:rPr lang="it-IT" dirty="0" smtClean="0">
+                <a:solidFill>
+                  <a:srgbClr val="0096DB"/>
+                </a:solidFill>
+              </a:rPr>
+              <a:t>Modello</a:t>
             </a:r>
             <a:endParaRPr lang="it-IT" dirty="0">
               <a:solidFill>
-                <a:schemeClr val="bg1"/>
+                <a:srgbClr val="0096DB"/>
               </a:solidFill>
             </a:endParaRPr>
           </a:p>
@@ -40578,91 +40859,6 @@
           <a:chExt cx="0" cy="0"/>
         </a:xfrm>
       </p:grpSpPr>
-      <p:sp>
-        <p:nvSpPr>
-          <p:cNvPr id="3" name="Content Placeholder 2"/>
-          <p:cNvSpPr>
-            <a:spLocks noGrp="1"/>
-          </p:cNvSpPr>
-          <p:nvPr>
-            <p:ph idx="1"/>
-          </p:nvPr>
-        </p:nvSpPr>
-        <p:spPr/>
-        <p:txBody>
-          <a:bodyPr/>
-          <a:lstStyle/>
-          <a:p>
-            <a:endParaRPr lang="it-IT" dirty="0"/>
-          </a:p>
-          <a:p>
-            <a:pPr marL="0" indent="0">
-              <a:buNone/>
-            </a:pPr>
-            <a:endParaRPr lang="it-IT" dirty="0" smtClean="0"/>
-          </a:p>
-          <a:p>
-            <a:pPr marL="0" indent="0">
-              <a:buNone/>
-            </a:pPr>
-            <a:endParaRPr lang="en-US" dirty="0" smtClean="0"/>
-          </a:p>
-          <a:p>
-            <a:pPr marL="578358" lvl="1" indent="-285750"/>
-            <a:endParaRPr lang="en-US" dirty="0" smtClean="0"/>
-          </a:p>
-        </p:txBody>
-      </p:sp>
-      <p:sp>
-        <p:nvSpPr>
-          <p:cNvPr id="7" name="Title 1"/>
-          <p:cNvSpPr txBox="1">
-            <a:spLocks/>
-          </p:cNvSpPr>
-          <p:nvPr/>
-        </p:nvSpPr>
-        <p:spPr>
-          <a:xfrm>
-            <a:off x="1249680" y="439003"/>
-            <a:ext cx="10058400" cy="1450757"/>
-          </a:xfrm>
-          <a:prstGeom prst="rect">
-            <a:avLst/>
-          </a:prstGeom>
-        </p:spPr>
-        <p:txBody>
-          <a:bodyPr vert="horz" lIns="91440" tIns="45720" rIns="91440" bIns="45720" rtlCol="0" anchor="b">
-            <a:normAutofit/>
-          </a:bodyPr>
-          <a:lstStyle>
-            <a:lvl1pPr algn="l" defTabSz="914400" rtl="0" eaLnBrk="1" latinLnBrk="0" hangingPunct="1">
-              <a:lnSpc>
-                <a:spcPct val="85000"/>
-              </a:lnSpc>
-              <a:spcBef>
-                <a:spcPct val="0"/>
-              </a:spcBef>
-              <a:buNone/>
-              <a:defRPr sz="4800" kern="1200" spc="-50" baseline="0">
-                <a:solidFill>
-                  <a:schemeClr val="tx1">
-                    <a:lumMod val="75000"/>
-                    <a:lumOff val="25000"/>
-                  </a:schemeClr>
-                </a:solidFill>
-                <a:latin typeface="+mj-lt"/>
-                <a:ea typeface="+mj-ea"/>
-                <a:cs typeface="+mj-cs"/>
-              </a:defRPr>
-            </a:lvl1pPr>
-          </a:lstStyle>
-          <a:p>
-            <a:endParaRPr lang="it-IT" dirty="0">
-              <a:latin typeface="+mn-lt"/>
-            </a:endParaRPr>
-          </a:p>
-        </p:txBody>
-      </p:sp>
       <p:graphicFrame>
         <p:nvGraphicFramePr>
           <p:cNvPr id="2" name="Diagram 1"/>
@@ -40670,13 +40866,13 @@
           <p:nvPr>
             <p:extLst>
               <p:ext uri="{D42A27DB-BD31-4B8C-83A1-F6EECF244321}">
-                <p14:modId xmlns:p14="http://schemas.microsoft.com/office/powerpoint/2010/main" val="491104603"/>
+                <p14:modId xmlns:p14="http://schemas.microsoft.com/office/powerpoint/2010/main" val="792433950"/>
               </p:ext>
             </p:extLst>
           </p:nvPr>
         </p:nvGraphicFramePr>
         <p:xfrm>
-          <a:off x="1249680" y="1845734"/>
+          <a:off x="1447800" y="1588764"/>
           <a:ext cx="9906000" cy="4292599"/>
         </p:xfrm>
         <a:graphic>
@@ -40707,7 +40903,7 @@
         </p:blipFill>
         <p:spPr>
           <a:xfrm>
-            <a:off x="0" y="6426259"/>
+            <a:off x="0" y="6527859"/>
             <a:ext cx="12192000" cy="431741"/>
           </a:xfrm>
           <a:prstGeom prst="rect">
@@ -40737,7 +40933,7 @@
         </p:blipFill>
         <p:spPr>
           <a:xfrm>
-            <a:off x="0" y="-13957"/>
+            <a:off x="0" y="0"/>
             <a:ext cx="12192000" cy="1032425"/>
           </a:xfrm>
           <a:prstGeom prst="rect">
@@ -40779,12 +40975,20 @@
                   <a:schemeClr val="bg1"/>
                 </a:solidFill>
               </a:rPr>
-              <a:t>CS}Blog M</a:t>
+              <a:t>CS}Blog </a:t>
+            </a:r>
+            <a:r>
+              <a:rPr lang="it-IT" dirty="0" smtClean="0">
+                <a:solidFill>
+                  <a:schemeClr val="bg1"/>
+                </a:solidFill>
+              </a:rPr>
+              <a:t>M</a:t>
             </a:r>
             <a:r>
               <a:rPr lang="it-IT" b="1" dirty="0" smtClean="0">
                 <a:solidFill>
-                  <a:schemeClr val="bg1"/>
+                  <a:srgbClr val="0096DB"/>
                 </a:solidFill>
               </a:rPr>
               <a:t>V</a:t>
@@ -40795,11 +40999,19 @@
                   <a:schemeClr val="bg1"/>
                 </a:solidFill>
               </a:rPr>
-              <a:t>C</a:t>
+              <a:t>C - </a:t>
+            </a:r>
+            <a:r>
+              <a:rPr lang="it-IT" dirty="0" smtClean="0">
+                <a:solidFill>
+                  <a:srgbClr val="0096DB"/>
+                </a:solidFill>
+              </a:rPr>
+              <a:t>Viste</a:t>
             </a:r>
             <a:endParaRPr lang="it-IT" dirty="0">
               <a:solidFill>
-                <a:schemeClr val="bg1"/>
+                <a:srgbClr val="0096DB"/>
               </a:solidFill>
             </a:endParaRPr>
           </a:p>
@@ -40894,7 +41106,7 @@
         </p:nvSpPr>
         <p:spPr>
           <a:xfrm>
-            <a:off x="1249680" y="-230899"/>
+            <a:off x="838200" y="-230899"/>
             <a:ext cx="10058400" cy="1450757"/>
           </a:xfrm>
         </p:spPr>
@@ -40931,12 +41143,20 @@
               <a:t>MV</a:t>
             </a:r>
             <a:r>
+              <a:rPr lang="it-IT" dirty="0" smtClean="0">
+                <a:solidFill>
+                  <a:srgbClr val="0099FF"/>
+                </a:solidFill>
+              </a:rPr>
+              <a:t>C</a:t>
+            </a:r>
+            <a:r>
               <a:rPr lang="it-IT" b="1" dirty="0" smtClean="0">
                 <a:solidFill>
                   <a:srgbClr val="0099FF"/>
                 </a:solidFill>
               </a:rPr>
-              <a:t>C </a:t>
+              <a:t> </a:t>
             </a:r>
             <a:r>
               <a:rPr lang="it-IT" b="1" dirty="0" smtClean="0">
@@ -40952,9 +41172,17 @@
                   <a:srgbClr val="0099FF"/>
                 </a:solidFill>
               </a:rPr>
-              <a:t> Controlli</a:t>
+              <a:t> </a:t>
             </a:r>
-            <a:endParaRPr lang="it-IT" b="1" dirty="0">
+            <a:r>
+              <a:rPr lang="it-IT" dirty="0" smtClean="0">
+                <a:solidFill>
+                  <a:srgbClr val="0099FF"/>
+                </a:solidFill>
+              </a:rPr>
+              <a:t>Controlli</a:t>
+            </a:r>
+            <a:endParaRPr lang="it-IT" dirty="0">
               <a:solidFill>
                 <a:srgbClr val="0099FF"/>
               </a:solidFill>
@@ -41054,13 +41282,13 @@
           <p:nvPr>
             <p:extLst>
               <p:ext uri="{D42A27DB-BD31-4B8C-83A1-F6EECF244321}">
-                <p14:modId xmlns:p14="http://schemas.microsoft.com/office/powerpoint/2010/main" val="2809530318"/>
+                <p14:modId xmlns:p14="http://schemas.microsoft.com/office/powerpoint/2010/main" val="983776274"/>
               </p:ext>
             </p:extLst>
           </p:nvPr>
         </p:nvGraphicFramePr>
         <p:xfrm>
-          <a:off x="1249680" y="1360248"/>
+          <a:off x="1313180" y="1449148"/>
           <a:ext cx="9906000" cy="4292599"/>
         </p:xfrm>
         <a:graphic>
@@ -41238,13 +41466,13 @@
           <p:nvPr>
             <p:extLst>
               <p:ext uri="{D42A27DB-BD31-4B8C-83A1-F6EECF244321}">
-                <p14:modId xmlns:p14="http://schemas.microsoft.com/office/powerpoint/2010/main" val="1963402671"/>
+                <p14:modId xmlns:p14="http://schemas.microsoft.com/office/powerpoint/2010/main" val="65341114"/>
               </p:ext>
             </p:extLst>
           </p:nvPr>
         </p:nvGraphicFramePr>
         <p:xfrm>
-          <a:off x="1249680" y="1845734"/>
+          <a:off x="1402080" y="1825625"/>
           <a:ext cx="9906000" cy="4292599"/>
         </p:xfrm>
         <a:graphic>

--- a/Presentazione.pptx
+++ b/Presentazione.pptx
@@ -8589,8 +8589,12 @@
         <a:lstStyle/>
         <a:p>
           <a:r>
+            <a:rPr lang="it-IT" sz="2200" b="0" i="0" dirty="0" smtClean="0"/>
+            <a:t>Convention</a:t>
+          </a:r>
+          <a:r>
             <a:rPr lang="it-IT" sz="2200" dirty="0" smtClean="0"/>
-            <a:t>Convention over </a:t>
+            <a:t> over </a:t>
           </a:r>
           <a:r>
             <a:rPr lang="it-IT" sz="2200" dirty="0" err="1" smtClean="0"/>
@@ -8680,11 +8684,7 @@
         <a:lstStyle/>
         <a:p>
           <a:r>
-            <a:rPr lang="it-IT" sz="2200" dirty="0" smtClean="0"/>
-            <a:t>«</a:t>
-          </a:r>
-          <a:r>
-            <a:rPr lang="it-IT" sz="2200" dirty="0" err="1" smtClean="0"/>
+            <a:rPr lang="it-IT" sz="2200" b="1" i="1" dirty="0" err="1" smtClean="0"/>
             <a:t>Configuration</a:t>
           </a:r>
           <a:r>
@@ -8695,10 +8695,7 @@
             <a:rPr lang="it-IT" sz="2200" dirty="0" err="1" smtClean="0"/>
             <a:t>Configuration</a:t>
           </a:r>
-          <a:r>
-            <a:rPr lang="it-IT" sz="2200" dirty="0" smtClean="0"/>
-            <a:t>»</a:t>
-          </a:r>
+          <a:endParaRPr lang="it-IT" sz="2200" dirty="0" smtClean="0"/>
         </a:p>
         <a:p>
           <a:r>
@@ -8772,7 +8769,17 @@
         <a:p>
           <a:r>
             <a:rPr lang="it-IT" sz="2200" dirty="0" smtClean="0"/>
-            <a:t>Convention &amp; </a:t>
+            <a:t>Convention </a:t>
+          </a:r>
+          <a:r>
+            <a:rPr lang="it-IT" sz="2200" b="1" i="1" dirty="0" smtClean="0">
+              <a:effectLst/>
+            </a:rPr>
+            <a:t>&amp;</a:t>
+          </a:r>
+          <a:r>
+            <a:rPr lang="it-IT" sz="2200" dirty="0" smtClean="0"/>
+            <a:t> </a:t>
           </a:r>
           <a:r>
             <a:rPr lang="it-IT" sz="2200" dirty="0" err="1" smtClean="0"/>
@@ -11864,6 +11871,43 @@
         </a:p>
       </dgm:t>
     </dgm:pt>
+    <dgm:pt modelId="{F839EF10-196D-4901-AF5F-1AA24E3AA716}">
+      <dgm:prSet phldrT="[Text]"/>
+      <dgm:spPr/>
+      <dgm:t>
+        <a:bodyPr/>
+        <a:lstStyle/>
+        <a:p>
+          <a:r>
+            <a:rPr lang="it-IT" dirty="0" err="1" smtClean="0"/>
+            <a:t>Cucumber</a:t>
+          </a:r>
+          <a:endParaRPr lang="it-IT" dirty="0"/>
+        </a:p>
+      </dgm:t>
+    </dgm:pt>
+    <dgm:pt modelId="{57C60786-E147-4F30-B316-E5E7A9609322}" type="parTrans" cxnId="{57020C72-968E-4954-B3D9-4F270CDEDFDB}">
+      <dgm:prSet/>
+      <dgm:spPr/>
+      <dgm:t>
+        <a:bodyPr/>
+        <a:lstStyle/>
+        <a:p>
+          <a:endParaRPr lang="it-IT"/>
+        </a:p>
+      </dgm:t>
+    </dgm:pt>
+    <dgm:pt modelId="{864F1236-3782-47B5-9D1E-A0AE819735FE}" type="sibTrans" cxnId="{57020C72-968E-4954-B3D9-4F270CDEDFDB}">
+      <dgm:prSet/>
+      <dgm:spPr/>
+      <dgm:t>
+        <a:bodyPr/>
+        <a:lstStyle/>
+        <a:p>
+          <a:endParaRPr lang="it-IT"/>
+        </a:p>
+      </dgm:t>
+    </dgm:pt>
     <dgm:pt modelId="{81835404-A5E5-4C0D-8B74-752511A53B7B}" type="pres">
       <dgm:prSet presAssocID="{1F242792-F517-4142-BF8D-A1AAE568CF8A}" presName="hierChild1" presStyleCnt="0">
         <dgm:presLayoutVars>
@@ -11923,7 +11967,7 @@
       </dgm:t>
     </dgm:pt>
     <dgm:pt modelId="{753E0CD5-C603-4000-924A-7221CB61805C}" type="pres">
-      <dgm:prSet presAssocID="{24E4BE44-2D45-4731-8D8B-63D05DB69178}" presName="text" presStyleLbl="revTx" presStyleIdx="0" presStyleCnt="4">
+      <dgm:prSet presAssocID="{24E4BE44-2D45-4731-8D8B-63D05DB69178}" presName="text" presStyleLbl="revTx" presStyleIdx="0" presStyleCnt="5">
         <dgm:presLayoutVars>
           <dgm:chPref val="3"/>
         </dgm:presLayoutVars>
@@ -11941,8 +11985,8 @@
       <dgm:prSet presAssocID="{24E4BE44-2D45-4731-8D8B-63D05DB69178}" presName="hierChild2" presStyleCnt="0"/>
       <dgm:spPr/>
     </dgm:pt>
-    <dgm:pt modelId="{0D200639-90EE-4B33-9EBA-C85972FAC6CC}" type="pres">
-      <dgm:prSet presAssocID="{5DB2870D-748C-4FD4-B620-D630C69144D6}" presName="Name10" presStyleLbl="parChTrans1D2" presStyleIdx="0" presStyleCnt="1"/>
+    <dgm:pt modelId="{F77431F0-9D69-4298-878D-580428FA3EE8}" type="pres">
+      <dgm:prSet presAssocID="{57C60786-E147-4F30-B316-E5E7A9609322}" presName="Name10" presStyleLbl="parChTrans1D2" presStyleIdx="0" presStyleCnt="1"/>
       <dgm:spPr/>
       <dgm:t>
         <a:bodyPr/>
@@ -11952,21 +11996,18 @@
         </a:p>
       </dgm:t>
     </dgm:pt>
-    <dgm:pt modelId="{776BE6AC-6092-4A87-A2E6-323C2C458B19}" type="pres">
-      <dgm:prSet presAssocID="{FFAEC13D-EDA4-4CF9-AF6D-1C7ED4118453}" presName="hierRoot2" presStyleCnt="0"/>
+    <dgm:pt modelId="{E626E7CE-D38A-4C84-9FD6-5345F0D54123}" type="pres">
+      <dgm:prSet presAssocID="{F839EF10-196D-4901-AF5F-1AA24E3AA716}" presName="hierRoot2" presStyleCnt="0"/>
       <dgm:spPr/>
     </dgm:pt>
-    <dgm:pt modelId="{8D3F565A-7506-4A22-A6DD-58AF969EEBB2}" type="pres">
-      <dgm:prSet presAssocID="{FFAEC13D-EDA4-4CF9-AF6D-1C7ED4118453}" presName="composite2" presStyleCnt="0"/>
+    <dgm:pt modelId="{14223050-15E0-474E-83D1-37D17D58BF58}" type="pres">
+      <dgm:prSet presAssocID="{F839EF10-196D-4901-AF5F-1AA24E3AA716}" presName="composite2" presStyleCnt="0"/>
       <dgm:spPr/>
     </dgm:pt>
-    <dgm:pt modelId="{05B046D5-86DD-47CE-AA71-47339928F838}" type="pres">
-      <dgm:prSet presAssocID="{FFAEC13D-EDA4-4CF9-AF6D-1C7ED4118453}" presName="image2" presStyleLbl="node2" presStyleIdx="0" presStyleCnt="1"/>
+    <dgm:pt modelId="{B245D789-1FA1-4988-B6F7-1F67AA4DCC09}" type="pres">
+      <dgm:prSet presAssocID="{F839EF10-196D-4901-AF5F-1AA24E3AA716}" presName="image2" presStyleLbl="node2" presStyleIdx="0" presStyleCnt="1"/>
       <dgm:spPr>
-        <a:prstGeom prst="rect">
-          <a:avLst/>
-        </a:prstGeom>
-        <a:blipFill dpi="0" rotWithShape="1">
+        <a:blipFill>
           <a:blip xmlns:r="http://schemas.openxmlformats.org/officeDocument/2006/relationships" r:embed="rId2">
             <a:extLst>
               <a:ext uri="{28A0092B-C50C-407E-A947-70E740481C1C}">
@@ -11976,12 +12017,9 @@
           </a:blip>
           <a:srcRect/>
           <a:stretch>
-            <a:fillRect t="6338" b="6338"/>
+            <a:fillRect/>
           </a:stretch>
         </a:blipFill>
-        <a:ln>
-          <a:noFill/>
-        </a:ln>
       </dgm:spPr>
       <dgm:t>
         <a:bodyPr/>
@@ -11991,8 +12029,8 @@
         </a:p>
       </dgm:t>
     </dgm:pt>
-    <dgm:pt modelId="{8CB4C457-F1D0-44E7-99A4-3AD9B4EAFA7D}" type="pres">
-      <dgm:prSet presAssocID="{FFAEC13D-EDA4-4CF9-AF6D-1C7ED4118453}" presName="text2" presStyleLbl="revTx" presStyleIdx="1" presStyleCnt="4">
+    <dgm:pt modelId="{B82224E3-D7D2-4445-8F95-B8939C4614FB}" type="pres">
+      <dgm:prSet presAssocID="{F839EF10-196D-4901-AF5F-1AA24E3AA716}" presName="text2" presStyleLbl="revTx" presStyleIdx="1" presStyleCnt="5">
         <dgm:presLayoutVars>
           <dgm:chPref val="3"/>
         </dgm:presLayoutVars>
@@ -12006,12 +12044,12 @@
         </a:p>
       </dgm:t>
     </dgm:pt>
-    <dgm:pt modelId="{D7E6CB15-A61E-4D73-A52F-B2D7D8BB967F}" type="pres">
-      <dgm:prSet presAssocID="{FFAEC13D-EDA4-4CF9-AF6D-1C7ED4118453}" presName="hierChild3" presStyleCnt="0"/>
+    <dgm:pt modelId="{E6833889-C932-43EF-A466-B51E12792BB8}" type="pres">
+      <dgm:prSet presAssocID="{F839EF10-196D-4901-AF5F-1AA24E3AA716}" presName="hierChild3" presStyleCnt="0"/>
       <dgm:spPr/>
     </dgm:pt>
-    <dgm:pt modelId="{017858A8-8096-423F-9751-CE38EB3C00DE}" type="pres">
-      <dgm:prSet presAssocID="{98782E46-D816-48BC-A1C3-E5534B00DB16}" presName="Name17" presStyleLbl="parChTrans1D3" presStyleIdx="0" presStyleCnt="2"/>
+    <dgm:pt modelId="{2B8E061B-CD29-4EC9-82FE-A5BC87ADE486}" type="pres">
+      <dgm:prSet presAssocID="{5DB2870D-748C-4FD4-B620-D630C69144D6}" presName="Name17" presStyleLbl="parChTrans1D3" presStyleIdx="0" presStyleCnt="1"/>
       <dgm:spPr/>
       <dgm:t>
         <a:bodyPr/>
@@ -12021,22 +12059,19 @@
         </a:p>
       </dgm:t>
     </dgm:pt>
-    <dgm:pt modelId="{0BEF9AB7-8AD0-42E7-A5BF-FE746A5BEC3B}" type="pres">
-      <dgm:prSet presAssocID="{8370A280-D612-479C-93C0-00FFE8E63675}" presName="hierRoot3" presStyleCnt="0"/>
+    <dgm:pt modelId="{AB78A5FC-A488-4859-8B6E-AF966456580A}" type="pres">
+      <dgm:prSet presAssocID="{FFAEC13D-EDA4-4CF9-AF6D-1C7ED4118453}" presName="hierRoot3" presStyleCnt="0"/>
       <dgm:spPr/>
     </dgm:pt>
-    <dgm:pt modelId="{9238B721-9F80-4312-A2DA-1D1738224FC1}" type="pres">
-      <dgm:prSet presAssocID="{8370A280-D612-479C-93C0-00FFE8E63675}" presName="composite3" presStyleCnt="0"/>
+    <dgm:pt modelId="{E3E70017-39F0-45F0-98FF-7DF844AB79BA}" type="pres">
+      <dgm:prSet presAssocID="{FFAEC13D-EDA4-4CF9-AF6D-1C7ED4118453}" presName="composite3" presStyleCnt="0"/>
       <dgm:spPr/>
     </dgm:pt>
-    <dgm:pt modelId="{5E1C29BC-366C-4050-8932-DF06E7F8F974}" type="pres">
-      <dgm:prSet presAssocID="{8370A280-D612-479C-93C0-00FFE8E63675}" presName="image3" presStyleLbl="node3" presStyleIdx="0" presStyleCnt="2"/>
+    <dgm:pt modelId="{720746E0-17DB-46C1-AB50-537AC49D5CE8}" type="pres">
+      <dgm:prSet presAssocID="{FFAEC13D-EDA4-4CF9-AF6D-1C7ED4118453}" presName="image3" presStyleLbl="node3" presStyleIdx="0" presStyleCnt="1"/>
       <dgm:spPr>
-        <a:prstGeom prst="rect">
-          <a:avLst/>
-        </a:prstGeom>
-        <a:blipFill>
-          <a:blip xmlns:r="http://schemas.openxmlformats.org/officeDocument/2006/relationships" r:embed="rId3" cstate="print">
+        <a:blipFill dpi="0" rotWithShape="1">
+          <a:blip xmlns:r="http://schemas.openxmlformats.org/officeDocument/2006/relationships" r:embed="rId3">
             <a:extLst>
               <a:ext uri="{28A0092B-C50C-407E-A947-70E740481C1C}">
                 <a14:useLocalDpi xmlns:a14="http://schemas.microsoft.com/office/drawing/2010/main" val="0"/>
@@ -12045,12 +12080,9 @@
           </a:blip>
           <a:srcRect/>
           <a:stretch>
-            <a:fillRect/>
+            <a:fillRect t="6338" b="6338"/>
           </a:stretch>
         </a:blipFill>
-        <a:ln>
-          <a:noFill/>
-        </a:ln>
       </dgm:spPr>
       <dgm:t>
         <a:bodyPr/>
@@ -12060,8 +12092,8 @@
         </a:p>
       </dgm:t>
     </dgm:pt>
-    <dgm:pt modelId="{0E6089F4-CC95-4EC5-8CAE-A55FE273B85E}" type="pres">
-      <dgm:prSet presAssocID="{8370A280-D612-479C-93C0-00FFE8E63675}" presName="text3" presStyleLbl="revTx" presStyleIdx="2" presStyleCnt="4">
+    <dgm:pt modelId="{97EF85ED-2E25-4AD2-82C4-EEA66124418A}" type="pres">
+      <dgm:prSet presAssocID="{FFAEC13D-EDA4-4CF9-AF6D-1C7ED4118453}" presName="text3" presStyleLbl="revTx" presStyleIdx="2" presStyleCnt="5">
         <dgm:presLayoutVars>
           <dgm:chPref val="3"/>
         </dgm:presLayoutVars>
@@ -12075,12 +12107,12 @@
         </a:p>
       </dgm:t>
     </dgm:pt>
-    <dgm:pt modelId="{723AE0F2-3EA7-4FF4-9279-218A6B450E19}" type="pres">
-      <dgm:prSet presAssocID="{8370A280-D612-479C-93C0-00FFE8E63675}" presName="hierChild4" presStyleCnt="0"/>
+    <dgm:pt modelId="{9524FB06-89C9-4C43-91F0-D55E7B9C2107}" type="pres">
+      <dgm:prSet presAssocID="{FFAEC13D-EDA4-4CF9-AF6D-1C7ED4118453}" presName="hierChild4" presStyleCnt="0"/>
       <dgm:spPr/>
     </dgm:pt>
-    <dgm:pt modelId="{5D96CFF2-5461-4F96-80D3-6C5153A9FA0C}" type="pres">
-      <dgm:prSet presAssocID="{36475016-BB9C-452F-9F5C-C7349FC153E3}" presName="Name17" presStyleLbl="parChTrans1D3" presStyleIdx="1" presStyleCnt="2"/>
+    <dgm:pt modelId="{AED498CE-2E42-494C-8FCB-C2751E4ABBBB}" type="pres">
+      <dgm:prSet presAssocID="{98782E46-D816-48BC-A1C3-E5534B00DB16}" presName="Name23" presStyleLbl="parChTrans1D4" presStyleIdx="0" presStyleCnt="2"/>
       <dgm:spPr/>
       <dgm:t>
         <a:bodyPr/>
@@ -12090,21 +12122,18 @@
         </a:p>
       </dgm:t>
     </dgm:pt>
-    <dgm:pt modelId="{654CB582-429B-4DC1-8121-E692D79CCCC0}" type="pres">
-      <dgm:prSet presAssocID="{3E3F29FF-4059-4E43-8E63-387A0A4270DC}" presName="hierRoot3" presStyleCnt="0"/>
+    <dgm:pt modelId="{9B7731D0-8A52-4C2E-9206-05C553F797EB}" type="pres">
+      <dgm:prSet presAssocID="{8370A280-D612-479C-93C0-00FFE8E63675}" presName="hierRoot4" presStyleCnt="0"/>
       <dgm:spPr/>
     </dgm:pt>
-    <dgm:pt modelId="{8BCDA298-B0F2-48C9-AB6B-8CDF823FE8A3}" type="pres">
-      <dgm:prSet presAssocID="{3E3F29FF-4059-4E43-8E63-387A0A4270DC}" presName="composite3" presStyleCnt="0"/>
+    <dgm:pt modelId="{A25B9C03-90BE-4F2B-94BA-E25E428B5DEF}" type="pres">
+      <dgm:prSet presAssocID="{8370A280-D612-479C-93C0-00FFE8E63675}" presName="composite4" presStyleCnt="0"/>
       <dgm:spPr/>
     </dgm:pt>
-    <dgm:pt modelId="{AC48C7BA-2A95-4D11-A834-575088D01B82}" type="pres">
-      <dgm:prSet presAssocID="{3E3F29FF-4059-4E43-8E63-387A0A4270DC}" presName="image3" presStyleLbl="node3" presStyleIdx="1" presStyleCnt="2" custScaleX="100104" custScaleY="100104"/>
+    <dgm:pt modelId="{67DC5338-5E87-4A7F-830B-7B70EF658694}" type="pres">
+      <dgm:prSet presAssocID="{8370A280-D612-479C-93C0-00FFE8E63675}" presName="image4" presStyleLbl="node4" presStyleIdx="0" presStyleCnt="2"/>
       <dgm:spPr>
-        <a:prstGeom prst="rect">
-          <a:avLst/>
-        </a:prstGeom>
-        <a:blipFill dpi="0" rotWithShape="1">
+        <a:blipFill>
           <a:blip xmlns:r="http://schemas.openxmlformats.org/officeDocument/2006/relationships" r:embed="rId4" cstate="print">
             <a:extLst>
               <a:ext uri="{28A0092B-C50C-407E-A947-70E740481C1C}">
@@ -12114,12 +12143,9 @@
           </a:blip>
           <a:srcRect/>
           <a:stretch>
-            <a:fillRect t="3539" b="3539"/>
+            <a:fillRect/>
           </a:stretch>
         </a:blipFill>
-        <a:ln>
-          <a:noFill/>
-        </a:ln>
       </dgm:spPr>
       <dgm:t>
         <a:bodyPr/>
@@ -12129,8 +12155,8 @@
         </a:p>
       </dgm:t>
     </dgm:pt>
-    <dgm:pt modelId="{8BAF83A2-2ECD-422F-A4C2-3341707BCFB0}" type="pres">
-      <dgm:prSet presAssocID="{3E3F29FF-4059-4E43-8E63-387A0A4270DC}" presName="text3" presStyleLbl="revTx" presStyleIdx="3" presStyleCnt="4">
+    <dgm:pt modelId="{4911A950-1559-4B80-9521-A26092A1FA74}" type="pres">
+      <dgm:prSet presAssocID="{8370A280-D612-479C-93C0-00FFE8E63675}" presName="text4" presStyleLbl="revTx" presStyleIdx="3" presStyleCnt="5">
         <dgm:presLayoutVars>
           <dgm:chPref val="3"/>
         </dgm:presLayoutVars>
@@ -12144,47 +12170,119 @@
         </a:p>
       </dgm:t>
     </dgm:pt>
-    <dgm:pt modelId="{4DE27E0E-1FD7-4B3B-A68F-CCECD6BC453C}" type="pres">
-      <dgm:prSet presAssocID="{3E3F29FF-4059-4E43-8E63-387A0A4270DC}" presName="hierChild4" presStyleCnt="0"/>
+    <dgm:pt modelId="{393EDBE0-F3CF-4F9D-906D-4892C5F8BD5E}" type="pres">
+      <dgm:prSet presAssocID="{8370A280-D612-479C-93C0-00FFE8E63675}" presName="hierChild5" presStyleCnt="0"/>
+      <dgm:spPr/>
+    </dgm:pt>
+    <dgm:pt modelId="{768E25A1-58DF-4659-9B63-0D597F6911CE}" type="pres">
+      <dgm:prSet presAssocID="{36475016-BB9C-452F-9F5C-C7349FC153E3}" presName="Name23" presStyleLbl="parChTrans1D4" presStyleIdx="1" presStyleCnt="2"/>
+      <dgm:spPr/>
+      <dgm:t>
+        <a:bodyPr/>
+        <a:lstStyle/>
+        <a:p>
+          <a:endParaRPr lang="it-IT"/>
+        </a:p>
+      </dgm:t>
+    </dgm:pt>
+    <dgm:pt modelId="{A451544D-6142-4FC2-A78A-B5DEDA066874}" type="pres">
+      <dgm:prSet presAssocID="{3E3F29FF-4059-4E43-8E63-387A0A4270DC}" presName="hierRoot4" presStyleCnt="0"/>
+      <dgm:spPr/>
+    </dgm:pt>
+    <dgm:pt modelId="{5B0F252D-F681-49F7-8D3F-8A2B2DC83AFB}" type="pres">
+      <dgm:prSet presAssocID="{3E3F29FF-4059-4E43-8E63-387A0A4270DC}" presName="composite4" presStyleCnt="0"/>
+      <dgm:spPr/>
+    </dgm:pt>
+    <dgm:pt modelId="{9DB19DA1-7F6D-46BA-BC8F-182E124B234D}" type="pres">
+      <dgm:prSet presAssocID="{3E3F29FF-4059-4E43-8E63-387A0A4270DC}" presName="image4" presStyleLbl="node4" presStyleIdx="1" presStyleCnt="2"/>
+      <dgm:spPr>
+        <a:blipFill dpi="0" rotWithShape="1">
+          <a:blip xmlns:r="http://schemas.openxmlformats.org/officeDocument/2006/relationships" r:embed="rId5" cstate="print">
+            <a:extLst>
+              <a:ext uri="{28A0092B-C50C-407E-A947-70E740481C1C}">
+                <a14:useLocalDpi xmlns:a14="http://schemas.microsoft.com/office/drawing/2010/main" val="0"/>
+              </a:ext>
+            </a:extLst>
+          </a:blip>
+          <a:srcRect/>
+          <a:stretch>
+            <a:fillRect t="3539" b="3539"/>
+          </a:stretch>
+        </a:blipFill>
+      </dgm:spPr>
+      <dgm:t>
+        <a:bodyPr/>
+        <a:lstStyle/>
+        <a:p>
+          <a:endParaRPr lang="it-IT"/>
+        </a:p>
+      </dgm:t>
+    </dgm:pt>
+    <dgm:pt modelId="{55AB449D-7944-4526-A007-A0456E91D90D}" type="pres">
+      <dgm:prSet presAssocID="{3E3F29FF-4059-4E43-8E63-387A0A4270DC}" presName="text4" presStyleLbl="revTx" presStyleIdx="4" presStyleCnt="5">
+        <dgm:presLayoutVars>
+          <dgm:chPref val="3"/>
+        </dgm:presLayoutVars>
+      </dgm:prSet>
+      <dgm:spPr/>
+      <dgm:t>
+        <a:bodyPr/>
+        <a:lstStyle/>
+        <a:p>
+          <a:endParaRPr lang="it-IT"/>
+        </a:p>
+      </dgm:t>
+    </dgm:pt>
+    <dgm:pt modelId="{24E9795C-FA50-42B4-B5D7-05517281ADCF}" type="pres">
+      <dgm:prSet presAssocID="{3E3F29FF-4059-4E43-8E63-387A0A4270DC}" presName="hierChild5" presStyleCnt="0"/>
       <dgm:spPr/>
     </dgm:pt>
   </dgm:ptLst>
   <dgm:cxnLst>
-    <dgm:cxn modelId="{405F3267-AFBB-4AA5-ABD9-D402753546B7}" type="presOf" srcId="{24E4BE44-2D45-4731-8D8B-63D05DB69178}" destId="{753E0CD5-C603-4000-924A-7221CB61805C}" srcOrd="0" destOrd="0" presId="urn:microsoft.com/office/officeart/2009/layout/CirclePictureHierarchy"/>
+    <dgm:cxn modelId="{774A4ACC-E88C-4331-A79D-8E323AD8FF61}" type="presOf" srcId="{98782E46-D816-48BC-A1C3-E5534B00DB16}" destId="{AED498CE-2E42-494C-8FCB-C2751E4ABBBB}" srcOrd="0" destOrd="0" presId="urn:microsoft.com/office/officeart/2009/layout/CirclePictureHierarchy"/>
+    <dgm:cxn modelId="{57020C72-968E-4954-B3D9-4F270CDEDFDB}" srcId="{24E4BE44-2D45-4731-8D8B-63D05DB69178}" destId="{F839EF10-196D-4901-AF5F-1AA24E3AA716}" srcOrd="0" destOrd="0" parTransId="{57C60786-E147-4F30-B316-E5E7A9609322}" sibTransId="{864F1236-3782-47B5-9D1E-A0AE819735FE}"/>
+    <dgm:cxn modelId="{A3B14866-D563-4D0D-8153-D08C7878CA63}" type="presOf" srcId="{57C60786-E147-4F30-B316-E5E7A9609322}" destId="{F77431F0-9D69-4298-878D-580428FA3EE8}" srcOrd="0" destOrd="0" presId="urn:microsoft.com/office/officeart/2009/layout/CirclePictureHierarchy"/>
     <dgm:cxn modelId="{463A57D1-16D9-4606-9975-461AB541CFC7}" type="presOf" srcId="{1F242792-F517-4142-BF8D-A1AAE568CF8A}" destId="{81835404-A5E5-4C0D-8B74-752511A53B7B}" srcOrd="0" destOrd="0" presId="urn:microsoft.com/office/officeart/2009/layout/CirclePictureHierarchy"/>
-    <dgm:cxn modelId="{20CCF921-0E3D-4E9A-9EC8-25A1F8BBF805}" type="presOf" srcId="{36475016-BB9C-452F-9F5C-C7349FC153E3}" destId="{5D96CFF2-5461-4F96-80D3-6C5153A9FA0C}" srcOrd="0" destOrd="0" presId="urn:microsoft.com/office/officeart/2009/layout/CirclePictureHierarchy"/>
-    <dgm:cxn modelId="{D29791AC-5DD7-4023-AE4D-BCC90C26CA74}" type="presOf" srcId="{98782E46-D816-48BC-A1C3-E5534B00DB16}" destId="{017858A8-8096-423F-9751-CE38EB3C00DE}" srcOrd="0" destOrd="0" presId="urn:microsoft.com/office/officeart/2009/layout/CirclePictureHierarchy"/>
-    <dgm:cxn modelId="{35B2F350-AD1F-4A1D-9E44-0A553523D000}" srcId="{24E4BE44-2D45-4731-8D8B-63D05DB69178}" destId="{FFAEC13D-EDA4-4CF9-AF6D-1C7ED4118453}" srcOrd="0" destOrd="0" parTransId="{5DB2870D-748C-4FD4-B620-D630C69144D6}" sibTransId="{0388CB98-6F82-4B70-B527-9A051CC9BAC7}"/>
+    <dgm:cxn modelId="{35B2F350-AD1F-4A1D-9E44-0A553523D000}" srcId="{F839EF10-196D-4901-AF5F-1AA24E3AA716}" destId="{FFAEC13D-EDA4-4CF9-AF6D-1C7ED4118453}" srcOrd="0" destOrd="0" parTransId="{5DB2870D-748C-4FD4-B620-D630C69144D6}" sibTransId="{0388CB98-6F82-4B70-B527-9A051CC9BAC7}"/>
+    <dgm:cxn modelId="{8D560B2F-8556-4712-BC51-E38DFF72508B}" type="presOf" srcId="{F839EF10-196D-4901-AF5F-1AA24E3AA716}" destId="{B82224E3-D7D2-4445-8F95-B8939C4614FB}" srcOrd="0" destOrd="0" presId="urn:microsoft.com/office/officeart/2009/layout/CirclePictureHierarchy"/>
     <dgm:cxn modelId="{163C134E-C3B8-4C37-9BE7-812CC67E5D70}" srcId="{FFAEC13D-EDA4-4CF9-AF6D-1C7ED4118453}" destId="{3E3F29FF-4059-4E43-8E63-387A0A4270DC}" srcOrd="1" destOrd="0" parTransId="{36475016-BB9C-452F-9F5C-C7349FC153E3}" sibTransId="{E3B8112A-239A-4E3D-BA12-A04CAE913A70}"/>
-    <dgm:cxn modelId="{53792A1C-6E6D-4658-AA6E-382EC951E855}" type="presOf" srcId="{5DB2870D-748C-4FD4-B620-D630C69144D6}" destId="{0D200639-90EE-4B33-9EBA-C85972FAC6CC}" srcOrd="0" destOrd="0" presId="urn:microsoft.com/office/officeart/2009/layout/CirclePictureHierarchy"/>
-    <dgm:cxn modelId="{6F6CB343-66C4-4AE7-B5F0-6DE5F22F1893}" type="presOf" srcId="{8370A280-D612-479C-93C0-00FFE8E63675}" destId="{0E6089F4-CC95-4EC5-8CAE-A55FE273B85E}" srcOrd="0" destOrd="0" presId="urn:microsoft.com/office/officeart/2009/layout/CirclePictureHierarchy"/>
+    <dgm:cxn modelId="{9EF614AB-B11D-411D-835E-DB4966D6BA7C}" type="presOf" srcId="{3E3F29FF-4059-4E43-8E63-387A0A4270DC}" destId="{55AB449D-7944-4526-A007-A0456E91D90D}" srcOrd="0" destOrd="0" presId="urn:microsoft.com/office/officeart/2009/layout/CirclePictureHierarchy"/>
+    <dgm:cxn modelId="{2F4D1535-F6B8-4ABC-9923-E64F21D34333}" type="presOf" srcId="{36475016-BB9C-452F-9F5C-C7349FC153E3}" destId="{768E25A1-58DF-4659-9B63-0D597F6911CE}" srcOrd="0" destOrd="0" presId="urn:microsoft.com/office/officeart/2009/layout/CirclePictureHierarchy"/>
+    <dgm:cxn modelId="{6299BABA-E3A2-4828-BBA4-BA540C9263D6}" type="presOf" srcId="{5DB2870D-748C-4FD4-B620-D630C69144D6}" destId="{2B8E061B-CD29-4EC9-82FE-A5BC87ADE486}" srcOrd="0" destOrd="0" presId="urn:microsoft.com/office/officeart/2009/layout/CirclePictureHierarchy"/>
     <dgm:cxn modelId="{65676341-7E9C-4283-B84B-B54D713F54BB}" srcId="{1F242792-F517-4142-BF8D-A1AAE568CF8A}" destId="{24E4BE44-2D45-4731-8D8B-63D05DB69178}" srcOrd="0" destOrd="0" parTransId="{AE7BE79A-7CF5-45E6-B934-E4AC77DEED8C}" sibTransId="{7DBAB43D-69EE-42E8-9D1D-9B07169BB653}"/>
+    <dgm:cxn modelId="{0E615E73-51BB-4BB3-B460-284A6011199A}" type="presOf" srcId="{8370A280-D612-479C-93C0-00FFE8E63675}" destId="{4911A950-1559-4B80-9521-A26092A1FA74}" srcOrd="0" destOrd="0" presId="urn:microsoft.com/office/officeart/2009/layout/CirclePictureHierarchy"/>
+    <dgm:cxn modelId="{13D61162-1FC6-4027-9D3D-7DC5CEAB8EE2}" type="presOf" srcId="{FFAEC13D-EDA4-4CF9-AF6D-1C7ED4118453}" destId="{97EF85ED-2E25-4AD2-82C4-EEA66124418A}" srcOrd="0" destOrd="0" presId="urn:microsoft.com/office/officeart/2009/layout/CirclePictureHierarchy"/>
     <dgm:cxn modelId="{58A98C04-1FD8-4AF3-9E7A-FD46ECF0DE20}" srcId="{FFAEC13D-EDA4-4CF9-AF6D-1C7ED4118453}" destId="{8370A280-D612-479C-93C0-00FFE8E63675}" srcOrd="0" destOrd="0" parTransId="{98782E46-D816-48BC-A1C3-E5534B00DB16}" sibTransId="{BD93FD1C-244F-4C6E-A856-C68DB9A05E32}"/>
-    <dgm:cxn modelId="{785699BD-0524-46B2-8B62-A8FCA57CA6D3}" type="presOf" srcId="{3E3F29FF-4059-4E43-8E63-387A0A4270DC}" destId="{8BAF83A2-2ECD-422F-A4C2-3341707BCFB0}" srcOrd="0" destOrd="0" presId="urn:microsoft.com/office/officeart/2009/layout/CirclePictureHierarchy"/>
-    <dgm:cxn modelId="{733C8DE6-29A1-4442-80A2-0738D89CE881}" type="presOf" srcId="{FFAEC13D-EDA4-4CF9-AF6D-1C7ED4118453}" destId="{8CB4C457-F1D0-44E7-99A4-3AD9B4EAFA7D}" srcOrd="0" destOrd="0" presId="urn:microsoft.com/office/officeart/2009/layout/CirclePictureHierarchy"/>
-    <dgm:cxn modelId="{30B4357D-03FB-4BD4-8D51-2D4237723F3B}" type="presParOf" srcId="{81835404-A5E5-4C0D-8B74-752511A53B7B}" destId="{6775A3CD-8FCD-4028-8928-189B9EBBF468}" srcOrd="0" destOrd="0" presId="urn:microsoft.com/office/officeart/2009/layout/CirclePictureHierarchy"/>
-    <dgm:cxn modelId="{0D670C78-200A-41AD-9C1D-7A820A832509}" type="presParOf" srcId="{6775A3CD-8FCD-4028-8928-189B9EBBF468}" destId="{431518F7-AAC1-4F54-A278-A08154CBA87C}" srcOrd="0" destOrd="0" presId="urn:microsoft.com/office/officeart/2009/layout/CirclePictureHierarchy"/>
-    <dgm:cxn modelId="{DADB3A1B-28E8-42B7-8F77-A06017312294}" type="presParOf" srcId="{431518F7-AAC1-4F54-A278-A08154CBA87C}" destId="{8878B9EE-8CE0-46C2-8650-8DD0723C9725}" srcOrd="0" destOrd="0" presId="urn:microsoft.com/office/officeart/2009/layout/CirclePictureHierarchy"/>
-    <dgm:cxn modelId="{96D512AB-98D6-4E1D-98E0-15A35435EA81}" type="presParOf" srcId="{431518F7-AAC1-4F54-A278-A08154CBA87C}" destId="{753E0CD5-C603-4000-924A-7221CB61805C}" srcOrd="1" destOrd="0" presId="urn:microsoft.com/office/officeart/2009/layout/CirclePictureHierarchy"/>
-    <dgm:cxn modelId="{6F3CB039-EA09-4D73-BAEF-AEC367E10B3B}" type="presParOf" srcId="{6775A3CD-8FCD-4028-8928-189B9EBBF468}" destId="{5089518C-4551-4B04-BA66-04E9981C2BB3}" srcOrd="1" destOrd="0" presId="urn:microsoft.com/office/officeart/2009/layout/CirclePictureHierarchy"/>
-    <dgm:cxn modelId="{6B905F7B-ED31-45CF-B424-1468EAA6D55C}" type="presParOf" srcId="{5089518C-4551-4B04-BA66-04E9981C2BB3}" destId="{0D200639-90EE-4B33-9EBA-C85972FAC6CC}" srcOrd="0" destOrd="0" presId="urn:microsoft.com/office/officeart/2009/layout/CirclePictureHierarchy"/>
-    <dgm:cxn modelId="{93A94F16-EE36-4CDA-B33E-E5A425922D1A}" type="presParOf" srcId="{5089518C-4551-4B04-BA66-04E9981C2BB3}" destId="{776BE6AC-6092-4A87-A2E6-323C2C458B19}" srcOrd="1" destOrd="0" presId="urn:microsoft.com/office/officeart/2009/layout/CirclePictureHierarchy"/>
-    <dgm:cxn modelId="{4E92969C-5B08-49E6-A27E-AD6FD57D2359}" type="presParOf" srcId="{776BE6AC-6092-4A87-A2E6-323C2C458B19}" destId="{8D3F565A-7506-4A22-A6DD-58AF969EEBB2}" srcOrd="0" destOrd="0" presId="urn:microsoft.com/office/officeart/2009/layout/CirclePictureHierarchy"/>
-    <dgm:cxn modelId="{3AB25EEC-BF08-4835-ACEE-F79FDD0F169D}" type="presParOf" srcId="{8D3F565A-7506-4A22-A6DD-58AF969EEBB2}" destId="{05B046D5-86DD-47CE-AA71-47339928F838}" srcOrd="0" destOrd="0" presId="urn:microsoft.com/office/officeart/2009/layout/CirclePictureHierarchy"/>
-    <dgm:cxn modelId="{BF83539D-3290-4079-9EAD-2B1A47F5E8B7}" type="presParOf" srcId="{8D3F565A-7506-4A22-A6DD-58AF969EEBB2}" destId="{8CB4C457-F1D0-44E7-99A4-3AD9B4EAFA7D}" srcOrd="1" destOrd="0" presId="urn:microsoft.com/office/officeart/2009/layout/CirclePictureHierarchy"/>
-    <dgm:cxn modelId="{57B76C7E-9E56-455B-A155-F41CF4B8DC66}" type="presParOf" srcId="{776BE6AC-6092-4A87-A2E6-323C2C458B19}" destId="{D7E6CB15-A61E-4D73-A52F-B2D7D8BB967F}" srcOrd="1" destOrd="0" presId="urn:microsoft.com/office/officeart/2009/layout/CirclePictureHierarchy"/>
-    <dgm:cxn modelId="{7EB2BA1A-4DF2-494F-86D9-D3C2E4B562E8}" type="presParOf" srcId="{D7E6CB15-A61E-4D73-A52F-B2D7D8BB967F}" destId="{017858A8-8096-423F-9751-CE38EB3C00DE}" srcOrd="0" destOrd="0" presId="urn:microsoft.com/office/officeart/2009/layout/CirclePictureHierarchy"/>
-    <dgm:cxn modelId="{A0F5D909-F9EA-48D3-A4DF-3D047D9E84F5}" type="presParOf" srcId="{D7E6CB15-A61E-4D73-A52F-B2D7D8BB967F}" destId="{0BEF9AB7-8AD0-42E7-A5BF-FE746A5BEC3B}" srcOrd="1" destOrd="0" presId="urn:microsoft.com/office/officeart/2009/layout/CirclePictureHierarchy"/>
-    <dgm:cxn modelId="{C3566066-32DA-4FA8-804B-E06E257E42F4}" type="presParOf" srcId="{0BEF9AB7-8AD0-42E7-A5BF-FE746A5BEC3B}" destId="{9238B721-9F80-4312-A2DA-1D1738224FC1}" srcOrd="0" destOrd="0" presId="urn:microsoft.com/office/officeart/2009/layout/CirclePictureHierarchy"/>
-    <dgm:cxn modelId="{77C66AF2-E438-46C4-951B-6916E94FE67C}" type="presParOf" srcId="{9238B721-9F80-4312-A2DA-1D1738224FC1}" destId="{5E1C29BC-366C-4050-8932-DF06E7F8F974}" srcOrd="0" destOrd="0" presId="urn:microsoft.com/office/officeart/2009/layout/CirclePictureHierarchy"/>
-    <dgm:cxn modelId="{E286243C-16A3-4FC7-86C6-BF09BFC035B4}" type="presParOf" srcId="{9238B721-9F80-4312-A2DA-1D1738224FC1}" destId="{0E6089F4-CC95-4EC5-8CAE-A55FE273B85E}" srcOrd="1" destOrd="0" presId="urn:microsoft.com/office/officeart/2009/layout/CirclePictureHierarchy"/>
-    <dgm:cxn modelId="{062FAB1C-178E-46AE-AF02-25E73097CAA2}" type="presParOf" srcId="{0BEF9AB7-8AD0-42E7-A5BF-FE746A5BEC3B}" destId="{723AE0F2-3EA7-4FF4-9279-218A6B450E19}" srcOrd="1" destOrd="0" presId="urn:microsoft.com/office/officeart/2009/layout/CirclePictureHierarchy"/>
-    <dgm:cxn modelId="{FE1D9BA1-0DD5-471B-92E7-799BBB7D9DC8}" type="presParOf" srcId="{D7E6CB15-A61E-4D73-A52F-B2D7D8BB967F}" destId="{5D96CFF2-5461-4F96-80D3-6C5153A9FA0C}" srcOrd="2" destOrd="0" presId="urn:microsoft.com/office/officeart/2009/layout/CirclePictureHierarchy"/>
-    <dgm:cxn modelId="{F70910FD-028C-4055-A9AE-2DD55F841C4D}" type="presParOf" srcId="{D7E6CB15-A61E-4D73-A52F-B2D7D8BB967F}" destId="{654CB582-429B-4DC1-8121-E692D79CCCC0}" srcOrd="3" destOrd="0" presId="urn:microsoft.com/office/officeart/2009/layout/CirclePictureHierarchy"/>
-    <dgm:cxn modelId="{14970A47-5B6C-453D-A836-6649C4012850}" type="presParOf" srcId="{654CB582-429B-4DC1-8121-E692D79CCCC0}" destId="{8BCDA298-B0F2-48C9-AB6B-8CDF823FE8A3}" srcOrd="0" destOrd="0" presId="urn:microsoft.com/office/officeart/2009/layout/CirclePictureHierarchy"/>
-    <dgm:cxn modelId="{FC507243-13A8-4D87-BF68-149FABED139C}" type="presParOf" srcId="{8BCDA298-B0F2-48C9-AB6B-8CDF823FE8A3}" destId="{AC48C7BA-2A95-4D11-A834-575088D01B82}" srcOrd="0" destOrd="0" presId="urn:microsoft.com/office/officeart/2009/layout/CirclePictureHierarchy"/>
-    <dgm:cxn modelId="{083F441F-31E0-4A98-A60A-90E9847E5C7A}" type="presParOf" srcId="{8BCDA298-B0F2-48C9-AB6B-8CDF823FE8A3}" destId="{8BAF83A2-2ECD-422F-A4C2-3341707BCFB0}" srcOrd="1" destOrd="0" presId="urn:microsoft.com/office/officeart/2009/layout/CirclePictureHierarchy"/>
-    <dgm:cxn modelId="{8092D4A5-FBF7-401F-93B2-0F2A53CADEAA}" type="presParOf" srcId="{654CB582-429B-4DC1-8121-E692D79CCCC0}" destId="{4DE27E0E-1FD7-4B3B-A68F-CCECD6BC453C}" srcOrd="1" destOrd="0" presId="urn:microsoft.com/office/officeart/2009/layout/CirclePictureHierarchy"/>
+    <dgm:cxn modelId="{734D5C15-E644-4D8D-AD7D-9A0B5D543191}" type="presOf" srcId="{24E4BE44-2D45-4731-8D8B-63D05DB69178}" destId="{753E0CD5-C603-4000-924A-7221CB61805C}" srcOrd="0" destOrd="0" presId="urn:microsoft.com/office/officeart/2009/layout/CirclePictureHierarchy"/>
+    <dgm:cxn modelId="{63EDE7BD-B564-4244-ADB1-C1AD35924893}" type="presParOf" srcId="{81835404-A5E5-4C0D-8B74-752511A53B7B}" destId="{6775A3CD-8FCD-4028-8928-189B9EBBF468}" srcOrd="0" destOrd="0" presId="urn:microsoft.com/office/officeart/2009/layout/CirclePictureHierarchy"/>
+    <dgm:cxn modelId="{7077C50B-E4DA-4059-9100-B8999EC043B1}" type="presParOf" srcId="{6775A3CD-8FCD-4028-8928-189B9EBBF468}" destId="{431518F7-AAC1-4F54-A278-A08154CBA87C}" srcOrd="0" destOrd="0" presId="urn:microsoft.com/office/officeart/2009/layout/CirclePictureHierarchy"/>
+    <dgm:cxn modelId="{528ACDFA-5172-4A47-A4BF-1B17A507427D}" type="presParOf" srcId="{431518F7-AAC1-4F54-A278-A08154CBA87C}" destId="{8878B9EE-8CE0-46C2-8650-8DD0723C9725}" srcOrd="0" destOrd="0" presId="urn:microsoft.com/office/officeart/2009/layout/CirclePictureHierarchy"/>
+    <dgm:cxn modelId="{D190A6F3-BD44-4933-900A-2E7CE3DB8C3B}" type="presParOf" srcId="{431518F7-AAC1-4F54-A278-A08154CBA87C}" destId="{753E0CD5-C603-4000-924A-7221CB61805C}" srcOrd="1" destOrd="0" presId="urn:microsoft.com/office/officeart/2009/layout/CirclePictureHierarchy"/>
+    <dgm:cxn modelId="{C24B4596-9E98-4653-B3AB-B9CC2E34A687}" type="presParOf" srcId="{6775A3CD-8FCD-4028-8928-189B9EBBF468}" destId="{5089518C-4551-4B04-BA66-04E9981C2BB3}" srcOrd="1" destOrd="0" presId="urn:microsoft.com/office/officeart/2009/layout/CirclePictureHierarchy"/>
+    <dgm:cxn modelId="{2E08D6F4-BED4-4524-8D0E-D4EC7526B51E}" type="presParOf" srcId="{5089518C-4551-4B04-BA66-04E9981C2BB3}" destId="{F77431F0-9D69-4298-878D-580428FA3EE8}" srcOrd="0" destOrd="0" presId="urn:microsoft.com/office/officeart/2009/layout/CirclePictureHierarchy"/>
+    <dgm:cxn modelId="{AE5CEA61-1E56-4A82-98BC-4A917199724B}" type="presParOf" srcId="{5089518C-4551-4B04-BA66-04E9981C2BB3}" destId="{E626E7CE-D38A-4C84-9FD6-5345F0D54123}" srcOrd="1" destOrd="0" presId="urn:microsoft.com/office/officeart/2009/layout/CirclePictureHierarchy"/>
+    <dgm:cxn modelId="{B6088A05-5183-4FBF-B704-192C62B91359}" type="presParOf" srcId="{E626E7CE-D38A-4C84-9FD6-5345F0D54123}" destId="{14223050-15E0-474E-83D1-37D17D58BF58}" srcOrd="0" destOrd="0" presId="urn:microsoft.com/office/officeart/2009/layout/CirclePictureHierarchy"/>
+    <dgm:cxn modelId="{99C0AEA1-9350-4CD7-B50A-D72F8280472B}" type="presParOf" srcId="{14223050-15E0-474E-83D1-37D17D58BF58}" destId="{B245D789-1FA1-4988-B6F7-1F67AA4DCC09}" srcOrd="0" destOrd="0" presId="urn:microsoft.com/office/officeart/2009/layout/CirclePictureHierarchy"/>
+    <dgm:cxn modelId="{E7336B12-6813-414C-B4BD-741002726844}" type="presParOf" srcId="{14223050-15E0-474E-83D1-37D17D58BF58}" destId="{B82224E3-D7D2-4445-8F95-B8939C4614FB}" srcOrd="1" destOrd="0" presId="urn:microsoft.com/office/officeart/2009/layout/CirclePictureHierarchy"/>
+    <dgm:cxn modelId="{5C300FCA-CBEF-4808-8080-D0582D28E6AB}" type="presParOf" srcId="{E626E7CE-D38A-4C84-9FD6-5345F0D54123}" destId="{E6833889-C932-43EF-A466-B51E12792BB8}" srcOrd="1" destOrd="0" presId="urn:microsoft.com/office/officeart/2009/layout/CirclePictureHierarchy"/>
+    <dgm:cxn modelId="{0C74CA01-797A-4191-A862-2C5EA2C74D85}" type="presParOf" srcId="{E6833889-C932-43EF-A466-B51E12792BB8}" destId="{2B8E061B-CD29-4EC9-82FE-A5BC87ADE486}" srcOrd="0" destOrd="0" presId="urn:microsoft.com/office/officeart/2009/layout/CirclePictureHierarchy"/>
+    <dgm:cxn modelId="{5BAA3477-BFC9-4C3E-9F39-FDDF9491CF68}" type="presParOf" srcId="{E6833889-C932-43EF-A466-B51E12792BB8}" destId="{AB78A5FC-A488-4859-8B6E-AF966456580A}" srcOrd="1" destOrd="0" presId="urn:microsoft.com/office/officeart/2009/layout/CirclePictureHierarchy"/>
+    <dgm:cxn modelId="{678C0D71-C135-4188-B481-0EA5C71DD9FB}" type="presParOf" srcId="{AB78A5FC-A488-4859-8B6E-AF966456580A}" destId="{E3E70017-39F0-45F0-98FF-7DF844AB79BA}" srcOrd="0" destOrd="0" presId="urn:microsoft.com/office/officeart/2009/layout/CirclePictureHierarchy"/>
+    <dgm:cxn modelId="{20B88FDB-458E-4FE9-BDFB-75D50C7F9A31}" type="presParOf" srcId="{E3E70017-39F0-45F0-98FF-7DF844AB79BA}" destId="{720746E0-17DB-46C1-AB50-537AC49D5CE8}" srcOrd="0" destOrd="0" presId="urn:microsoft.com/office/officeart/2009/layout/CirclePictureHierarchy"/>
+    <dgm:cxn modelId="{0A857BF5-78FD-48DF-9A68-ADA80EE763B3}" type="presParOf" srcId="{E3E70017-39F0-45F0-98FF-7DF844AB79BA}" destId="{97EF85ED-2E25-4AD2-82C4-EEA66124418A}" srcOrd="1" destOrd="0" presId="urn:microsoft.com/office/officeart/2009/layout/CirclePictureHierarchy"/>
+    <dgm:cxn modelId="{CB0E6AA1-CC1D-4186-9B3D-0C5F0D37DB64}" type="presParOf" srcId="{AB78A5FC-A488-4859-8B6E-AF966456580A}" destId="{9524FB06-89C9-4C43-91F0-D55E7B9C2107}" srcOrd="1" destOrd="0" presId="urn:microsoft.com/office/officeart/2009/layout/CirclePictureHierarchy"/>
+    <dgm:cxn modelId="{7B952EB5-8227-4E4F-BFEB-106D275C0E39}" type="presParOf" srcId="{9524FB06-89C9-4C43-91F0-D55E7B9C2107}" destId="{AED498CE-2E42-494C-8FCB-C2751E4ABBBB}" srcOrd="0" destOrd="0" presId="urn:microsoft.com/office/officeart/2009/layout/CirclePictureHierarchy"/>
+    <dgm:cxn modelId="{374DFCE2-E16F-43BC-9B16-2965F2A0855D}" type="presParOf" srcId="{9524FB06-89C9-4C43-91F0-D55E7B9C2107}" destId="{9B7731D0-8A52-4C2E-9206-05C553F797EB}" srcOrd="1" destOrd="0" presId="urn:microsoft.com/office/officeart/2009/layout/CirclePictureHierarchy"/>
+    <dgm:cxn modelId="{62670C6E-BA5C-4079-BC0F-6AB7ADBFB5FC}" type="presParOf" srcId="{9B7731D0-8A52-4C2E-9206-05C553F797EB}" destId="{A25B9C03-90BE-4F2B-94BA-E25E428B5DEF}" srcOrd="0" destOrd="0" presId="urn:microsoft.com/office/officeart/2009/layout/CirclePictureHierarchy"/>
+    <dgm:cxn modelId="{DF04BC5E-4AA4-4BAB-9068-C2F18EB794A6}" type="presParOf" srcId="{A25B9C03-90BE-4F2B-94BA-E25E428B5DEF}" destId="{67DC5338-5E87-4A7F-830B-7B70EF658694}" srcOrd="0" destOrd="0" presId="urn:microsoft.com/office/officeart/2009/layout/CirclePictureHierarchy"/>
+    <dgm:cxn modelId="{629AED6C-E16E-4406-8932-0F12D0FD2450}" type="presParOf" srcId="{A25B9C03-90BE-4F2B-94BA-E25E428B5DEF}" destId="{4911A950-1559-4B80-9521-A26092A1FA74}" srcOrd="1" destOrd="0" presId="urn:microsoft.com/office/officeart/2009/layout/CirclePictureHierarchy"/>
+    <dgm:cxn modelId="{3B3FB4F1-F9AE-47E0-9286-70D61211627C}" type="presParOf" srcId="{9B7731D0-8A52-4C2E-9206-05C553F797EB}" destId="{393EDBE0-F3CF-4F9D-906D-4892C5F8BD5E}" srcOrd="1" destOrd="0" presId="urn:microsoft.com/office/officeart/2009/layout/CirclePictureHierarchy"/>
+    <dgm:cxn modelId="{6914DC28-2317-4FA3-A413-76BAE4A4FEE6}" type="presParOf" srcId="{9524FB06-89C9-4C43-91F0-D55E7B9C2107}" destId="{768E25A1-58DF-4659-9B63-0D597F6911CE}" srcOrd="2" destOrd="0" presId="urn:microsoft.com/office/officeart/2009/layout/CirclePictureHierarchy"/>
+    <dgm:cxn modelId="{6E713610-663A-4266-A80E-2333BE8B048B}" type="presParOf" srcId="{9524FB06-89C9-4C43-91F0-D55E7B9C2107}" destId="{A451544D-6142-4FC2-A78A-B5DEDA066874}" srcOrd="3" destOrd="0" presId="urn:microsoft.com/office/officeart/2009/layout/CirclePictureHierarchy"/>
+    <dgm:cxn modelId="{141400E1-4362-469C-8684-71A207A12E36}" type="presParOf" srcId="{A451544D-6142-4FC2-A78A-B5DEDA066874}" destId="{5B0F252D-F681-49F7-8D3F-8A2B2DC83AFB}" srcOrd="0" destOrd="0" presId="urn:microsoft.com/office/officeart/2009/layout/CirclePictureHierarchy"/>
+    <dgm:cxn modelId="{9FA8390D-11F1-4EB8-ACB2-8D85686FEC5E}" type="presParOf" srcId="{5B0F252D-F681-49F7-8D3F-8A2B2DC83AFB}" destId="{9DB19DA1-7F6D-46BA-BC8F-182E124B234D}" srcOrd="0" destOrd="0" presId="urn:microsoft.com/office/officeart/2009/layout/CirclePictureHierarchy"/>
+    <dgm:cxn modelId="{E660AAEC-4172-433A-B2B5-6D64933DD437}" type="presParOf" srcId="{5B0F252D-F681-49F7-8D3F-8A2B2DC83AFB}" destId="{55AB449D-7944-4526-A007-A0456E91D90D}" srcOrd="1" destOrd="0" presId="urn:microsoft.com/office/officeart/2009/layout/CirclePictureHierarchy"/>
+    <dgm:cxn modelId="{209ADB52-D724-41C0-892A-52A5EA4CFD28}" type="presParOf" srcId="{A451544D-6142-4FC2-A78A-B5DEDA066874}" destId="{24E9795C-FA50-42B4-B5D7-05517281ADCF}" srcOrd="1" destOrd="0" presId="urn:microsoft.com/office/officeart/2009/layout/CirclePictureHierarchy"/>
   </dgm:cxnLst>
   <dgm:bg/>
   <dgm:whole/>
@@ -13719,8 +13817,12 @@
             </a:spcAft>
           </a:pPr>
           <a:r>
+            <a:rPr lang="it-IT" sz="2200" b="0" i="0" kern="1200" dirty="0" smtClean="0"/>
+            <a:t>Convention</a:t>
+          </a:r>
+          <a:r>
             <a:rPr lang="it-IT" sz="2200" kern="1200" dirty="0" smtClean="0"/>
-            <a:t>Convention over </a:t>
+            <a:t> over </a:t>
           </a:r>
           <a:r>
             <a:rPr lang="it-IT" sz="2200" kern="1200" dirty="0" err="1" smtClean="0"/>
@@ -13882,11 +13984,7 @@
             </a:spcAft>
           </a:pPr>
           <a:r>
-            <a:rPr lang="it-IT" sz="2200" kern="1200" dirty="0" smtClean="0"/>
-            <a:t>«</a:t>
-          </a:r>
-          <a:r>
-            <a:rPr lang="it-IT" sz="2200" kern="1200" dirty="0" err="1" smtClean="0"/>
+            <a:rPr lang="it-IT" sz="2200" b="1" i="1" kern="1200" dirty="0" err="1" smtClean="0"/>
             <a:t>Configuration</a:t>
           </a:r>
           <a:r>
@@ -13897,10 +13995,7 @@
             <a:rPr lang="it-IT" sz="2200" kern="1200" dirty="0" err="1" smtClean="0"/>
             <a:t>Configuration</a:t>
           </a:r>
-          <a:r>
-            <a:rPr lang="it-IT" sz="2200" kern="1200" dirty="0" smtClean="0"/>
-            <a:t>»</a:t>
-          </a:r>
+          <a:endParaRPr lang="it-IT" sz="2200" kern="1200" dirty="0" smtClean="0"/>
         </a:p>
         <a:p>
           <a:pPr lvl="0" algn="l" defTabSz="977900">
@@ -14052,7 +14147,17 @@
           </a:pPr>
           <a:r>
             <a:rPr lang="it-IT" sz="2200" kern="1200" dirty="0" smtClean="0"/>
-            <a:t>Convention &amp; </a:t>
+            <a:t>Convention </a:t>
+          </a:r>
+          <a:r>
+            <a:rPr lang="it-IT" sz="2200" b="1" i="1" kern="1200" dirty="0" smtClean="0">
+              <a:effectLst/>
+            </a:rPr>
+            <a:t>&amp;</a:t>
+          </a:r>
+          <a:r>
+            <a:rPr lang="it-IT" sz="2200" kern="1200" dirty="0" smtClean="0"/>
+            <a:t> </a:t>
           </a:r>
           <a:r>
             <a:rPr lang="it-IT" sz="2200" kern="1200" dirty="0" err="1" smtClean="0"/>
@@ -16768,15 +16873,15 @@
       <dsp:cNvGrpSpPr/>
     </dsp:nvGrpSpPr>
     <dsp:grpSpPr/>
-    <dsp:sp modelId="{5D96CFF2-5461-4F96-80D3-6C5153A9FA0C}">
+    <dsp:sp modelId="{768E25A1-58DF-4659-9B63-0D597F6911CE}">
       <dsp:nvSpPr>
         <dsp:cNvPr id="0" name=""/>
         <dsp:cNvSpPr/>
       </dsp:nvSpPr>
       <dsp:spPr>
         <a:xfrm>
-          <a:off x="3161716" y="2754068"/>
-          <a:ext cx="1579978" cy="361292"/>
+          <a:off x="3389209" y="3149762"/>
+          <a:ext cx="1162609" cy="266343"/>
         </a:xfrm>
         <a:custGeom>
           <a:avLst/>
@@ -16790,13 +16895,13 @@
                 <a:pt x="0" y="0"/>
               </a:moveTo>
               <a:lnTo>
-                <a:pt x="0" y="181783"/>
+                <a:pt x="0" y="134228"/>
               </a:lnTo>
               <a:lnTo>
-                <a:pt x="1579978" y="181783"/>
+                <a:pt x="1162609" y="134228"/>
               </a:lnTo>
               <a:lnTo>
-                <a:pt x="1579978" y="361292"/>
+                <a:pt x="1162609" y="266343"/>
               </a:lnTo>
             </a:path>
           </a:pathLst>
@@ -16830,15 +16935,15 @@
         <a:fontRef idx="minor"/>
       </dsp:style>
     </dsp:sp>
-    <dsp:sp modelId="{017858A8-8096-423F-9751-CE38EB3C00DE}">
+    <dsp:sp modelId="{AED498CE-2E42-494C-8FCB-C2751E4ABBBB}">
       <dsp:nvSpPr>
         <dsp:cNvPr id="0" name=""/>
         <dsp:cNvSpPr/>
       </dsp:nvSpPr>
       <dsp:spPr>
         <a:xfrm>
-          <a:off x="1581738" y="2754068"/>
-          <a:ext cx="1579978" cy="361890"/>
+          <a:off x="2226599" y="3149762"/>
+          <a:ext cx="1162609" cy="266343"/>
         </a:xfrm>
         <a:custGeom>
           <a:avLst/>
@@ -16849,16 +16954,16 @@
           <a:pathLst>
             <a:path>
               <a:moveTo>
-                <a:pt x="1579978" y="0"/>
+                <a:pt x="1162609" y="0"/>
               </a:moveTo>
               <a:lnTo>
-                <a:pt x="1579978" y="182381"/>
+                <a:pt x="1162609" y="134228"/>
               </a:lnTo>
               <a:lnTo>
-                <a:pt x="0" y="182381"/>
+                <a:pt x="0" y="134228"/>
               </a:lnTo>
               <a:lnTo>
-                <a:pt x="0" y="361890"/>
+                <a:pt x="0" y="266343"/>
               </a:lnTo>
             </a:path>
           </a:pathLst>
@@ -16892,15 +16997,15 @@
         <a:fontRef idx="minor"/>
       </dsp:style>
     </dsp:sp>
-    <dsp:sp modelId="{0D200639-90EE-4B33-9EBA-C85972FAC6CC}">
+    <dsp:sp modelId="{2B8E061B-CD29-4EC9-82FE-A5BC87ADE486}">
       <dsp:nvSpPr>
         <dsp:cNvPr id="0" name=""/>
         <dsp:cNvSpPr/>
       </dsp:nvSpPr>
       <dsp:spPr>
         <a:xfrm>
-          <a:off x="3115996" y="1260874"/>
-          <a:ext cx="91440" cy="344335"/>
+          <a:off x="3343489" y="2037885"/>
+          <a:ext cx="91440" cy="266343"/>
         </a:xfrm>
         <a:custGeom>
           <a:avLst/>
@@ -16911,16 +17016,72 @@
           <a:pathLst>
             <a:path>
               <a:moveTo>
-                <a:pt x="49907" y="0"/>
+                <a:pt x="45720" y="0"/>
               </a:moveTo>
               <a:lnTo>
-                <a:pt x="49907" y="164826"/>
+                <a:pt x="45720" y="266343"/>
+              </a:lnTo>
+            </a:path>
+          </a:pathLst>
+        </a:custGeom>
+        <a:noFill/>
+        <a:ln w="12700" cap="flat" cmpd="sng" algn="ctr">
+          <a:solidFill>
+            <a:schemeClr val="accent1">
+              <a:shade val="80000"/>
+              <a:hueOff val="0"/>
+              <a:satOff val="0"/>
+              <a:lumOff val="0"/>
+              <a:alphaOff val="0"/>
+            </a:schemeClr>
+          </a:solidFill>
+          <a:prstDash val="solid"/>
+          <a:miter lim="800000"/>
+        </a:ln>
+        <a:effectLst/>
+      </dsp:spPr>
+      <dsp:style>
+        <a:lnRef idx="2">
+          <a:scrgbClr r="0" g="0" b="0"/>
+        </a:lnRef>
+        <a:fillRef idx="0">
+          <a:scrgbClr r="0" g="0" b="0"/>
+        </a:fillRef>
+        <a:effectRef idx="0">
+          <a:scrgbClr r="0" g="0" b="0"/>
+        </a:effectRef>
+        <a:fontRef idx="minor"/>
+      </dsp:style>
+    </dsp:sp>
+    <dsp:sp modelId="{F77431F0-9D69-4298-878D-580428FA3EE8}">
+      <dsp:nvSpPr>
+        <dsp:cNvPr id="0" name=""/>
+        <dsp:cNvSpPr/>
+      </dsp:nvSpPr>
+      <dsp:spPr>
+        <a:xfrm>
+          <a:off x="3343489" y="938927"/>
+          <a:ext cx="91440" cy="253423"/>
+        </a:xfrm>
+        <a:custGeom>
+          <a:avLst/>
+          <a:gdLst/>
+          <a:ahLst/>
+          <a:cxnLst/>
+          <a:rect l="0" t="0" r="0" b="0"/>
+          <a:pathLst>
+            <a:path>
+              <a:moveTo>
+                <a:pt x="48801" y="0"/>
+              </a:moveTo>
+              <a:lnTo>
+                <a:pt x="48801" y="121308"/>
               </a:lnTo>
               <a:lnTo>
-                <a:pt x="45720" y="164826"/>
+                <a:pt x="45720" y="121308"/>
               </a:lnTo>
               <a:lnTo>
-                <a:pt x="45720" y="344335"/>
+                <a:pt x="45720" y="253423"/>
               </a:lnTo>
             </a:path>
           </a:pathLst>
@@ -16961,8 +17122,8 @@
       </dsp:nvSpPr>
       <dsp:spPr>
         <a:xfrm>
-          <a:off x="2557710" y="44739"/>
-          <a:ext cx="1216387" cy="1216134"/>
+          <a:off x="2944673" y="43878"/>
+          <a:ext cx="895234" cy="895048"/>
         </a:xfrm>
         <a:prstGeom prst="rect">
           <a:avLst/>
@@ -17009,8 +17170,8 @@
       </dsp:nvSpPr>
       <dsp:spPr>
         <a:xfrm>
-          <a:off x="3753027" y="57951"/>
-          <a:ext cx="1723286" cy="1148857"/>
+          <a:off x="3824401" y="53602"/>
+          <a:ext cx="1268301" cy="845534"/>
         </a:xfrm>
         <a:prstGeom prst="rect">
           <a:avLst/>
@@ -17034,12 +17195,12 @@
         <a:fontRef idx="minor"/>
       </dsp:style>
       <dsp:txBody>
-        <a:bodyPr spcFirstLastPara="0" vert="horz" wrap="square" lIns="72390" tIns="72390" rIns="72390" bIns="72390" numCol="1" spcCol="1270" anchor="ctr" anchorCtr="0">
+        <a:bodyPr spcFirstLastPara="0" vert="horz" wrap="square" lIns="53340" tIns="53340" rIns="53340" bIns="53340" numCol="1" spcCol="1270" anchor="ctr" anchorCtr="0">
           <a:noAutofit/>
         </a:bodyPr>
         <a:lstStyle/>
         <a:p>
-          <a:pPr lvl="0" algn="l" defTabSz="844550">
+          <a:pPr lvl="0" algn="l" defTabSz="622300">
             <a:lnSpc>
               <a:spcPct val="90000"/>
             </a:lnSpc>
@@ -17051,35 +17212,35 @@
             </a:spcAft>
           </a:pPr>
           <a:r>
-            <a:rPr lang="it-IT" sz="1900" kern="1200" dirty="0" smtClean="0"/>
+            <a:rPr lang="it-IT" sz="1400" kern="1200" dirty="0" smtClean="0"/>
             <a:t>Ruby on </a:t>
           </a:r>
           <a:r>
-            <a:rPr lang="it-IT" sz="1900" kern="1200" dirty="0" err="1" smtClean="0"/>
+            <a:rPr lang="it-IT" sz="1400" kern="1200" dirty="0" err="1" smtClean="0"/>
             <a:t>Rails</a:t>
           </a:r>
-          <a:endParaRPr lang="it-IT" sz="1900" kern="1200" dirty="0"/>
+          <a:endParaRPr lang="it-IT" sz="1400" kern="1200" dirty="0"/>
         </a:p>
       </dsp:txBody>
       <dsp:txXfrm>
-        <a:off x="3753027" y="57951"/>
-        <a:ext cx="1723286" cy="1148857"/>
+        <a:off x="3824401" y="53602"/>
+        <a:ext cx="1268301" cy="845534"/>
       </dsp:txXfrm>
     </dsp:sp>
-    <dsp:sp modelId="{05B046D5-86DD-47CE-AA71-47339928F838}">
+    <dsp:sp modelId="{B245D789-1FA1-4988-B6F7-1F67AA4DCC09}">
       <dsp:nvSpPr>
         <dsp:cNvPr id="0" name=""/>
         <dsp:cNvSpPr/>
       </dsp:nvSpPr>
       <dsp:spPr>
         <a:xfrm>
-          <a:off x="2587287" y="1605210"/>
-          <a:ext cx="1148857" cy="1148857"/>
+          <a:off x="2966442" y="1192350"/>
+          <a:ext cx="845534" cy="845534"/>
         </a:xfrm>
-        <a:prstGeom prst="rect">
+        <a:prstGeom prst="ellipse">
           <a:avLst/>
         </a:prstGeom>
-        <a:blipFill dpi="0" rotWithShape="1">
+        <a:blipFill>
           <a:blip xmlns:r="http://schemas.openxmlformats.org/officeDocument/2006/relationships" r:embed="rId2">
             <a:extLst>
               <a:ext uri="{28A0092B-C50C-407E-A947-70E740481C1C}">
@@ -17089,11 +17250,18 @@
           </a:blip>
           <a:srcRect/>
           <a:stretch>
-            <a:fillRect t="6338" b="6338"/>
+            <a:fillRect/>
           </a:stretch>
         </a:blipFill>
         <a:ln w="12700" cap="flat" cmpd="sng" algn="ctr">
-          <a:noFill/>
+          <a:solidFill>
+            <a:schemeClr val="lt1">
+              <a:hueOff val="0"/>
+              <a:satOff val="0"/>
+              <a:lumOff val="0"/>
+              <a:alphaOff val="0"/>
+            </a:schemeClr>
+          </a:solidFill>
           <a:prstDash val="solid"/>
           <a:miter lim="800000"/>
         </a:ln>
@@ -17114,15 +17282,15 @@
         </a:fontRef>
       </dsp:style>
     </dsp:sp>
-    <dsp:sp modelId="{8CB4C457-F1D0-44E7-99A4-3AD9B4EAFA7D}">
+    <dsp:sp modelId="{B82224E3-D7D2-4445-8F95-B8939C4614FB}">
       <dsp:nvSpPr>
         <dsp:cNvPr id="0" name=""/>
         <dsp:cNvSpPr/>
       </dsp:nvSpPr>
       <dsp:spPr>
         <a:xfrm>
-          <a:off x="3736145" y="1602338"/>
-          <a:ext cx="1723286" cy="1148857"/>
+          <a:off x="3811976" y="1190237"/>
+          <a:ext cx="1268301" cy="845534"/>
         </a:xfrm>
         <a:prstGeom prst="rect">
           <a:avLst/>
@@ -17146,12 +17314,12 @@
         <a:fontRef idx="minor"/>
       </dsp:style>
       <dsp:txBody>
-        <a:bodyPr spcFirstLastPara="0" vert="horz" wrap="square" lIns="72390" tIns="72390" rIns="72390" bIns="72390" numCol="1" spcCol="1270" anchor="ctr" anchorCtr="0">
+        <a:bodyPr spcFirstLastPara="0" vert="horz" wrap="square" lIns="53340" tIns="53340" rIns="53340" bIns="53340" numCol="1" spcCol="1270" anchor="ctr" anchorCtr="0">
           <a:noAutofit/>
         </a:bodyPr>
         <a:lstStyle/>
         <a:p>
-          <a:pPr lvl="0" algn="l" defTabSz="844550">
+          <a:pPr lvl="0" algn="l" defTabSz="622300">
             <a:lnSpc>
               <a:spcPct val="90000"/>
             </a:lnSpc>
@@ -17163,40 +17331,32 @@
             </a:spcAft>
           </a:pPr>
           <a:r>
-            <a:rPr lang="it-IT" sz="1900" kern="1200" dirty="0" err="1" smtClean="0"/>
-            <a:t>Rspec</a:t>
+            <a:rPr lang="it-IT" sz="1400" kern="1200" dirty="0" err="1" smtClean="0"/>
+            <a:t>Cucumber</a:t>
           </a:r>
-          <a:r>
-            <a:rPr lang="it-IT" sz="1900" kern="1200" dirty="0" smtClean="0"/>
-            <a:t> </a:t>
-          </a:r>
-          <a:r>
-            <a:rPr lang="it-IT" sz="1900" kern="1200" dirty="0" err="1" smtClean="0"/>
-            <a:t>Expectations</a:t>
-          </a:r>
-          <a:endParaRPr lang="it-IT" sz="1900" kern="1200" dirty="0"/>
+          <a:endParaRPr lang="it-IT" sz="1400" kern="1200" dirty="0"/>
         </a:p>
       </dsp:txBody>
       <dsp:txXfrm>
-        <a:off x="3736145" y="1602338"/>
-        <a:ext cx="1723286" cy="1148857"/>
+        <a:off x="3811976" y="1190237"/>
+        <a:ext cx="1268301" cy="845534"/>
       </dsp:txXfrm>
     </dsp:sp>
-    <dsp:sp modelId="{5E1C29BC-366C-4050-8932-DF06E7F8F974}">
+    <dsp:sp modelId="{720746E0-17DB-46C1-AB50-537AC49D5CE8}">
       <dsp:nvSpPr>
         <dsp:cNvPr id="0" name=""/>
         <dsp:cNvSpPr/>
       </dsp:nvSpPr>
       <dsp:spPr>
         <a:xfrm>
-          <a:off x="1007309" y="3115958"/>
-          <a:ext cx="1148857" cy="1148857"/>
+          <a:off x="2966442" y="2304228"/>
+          <a:ext cx="845534" cy="845534"/>
         </a:xfrm>
-        <a:prstGeom prst="rect">
+        <a:prstGeom prst="ellipse">
           <a:avLst/>
         </a:prstGeom>
-        <a:blipFill>
-          <a:blip xmlns:r="http://schemas.openxmlformats.org/officeDocument/2006/relationships" r:embed="rId3" cstate="print">
+        <a:blipFill dpi="0" rotWithShape="1">
+          <a:blip xmlns:r="http://schemas.openxmlformats.org/officeDocument/2006/relationships" r:embed="rId3">
             <a:extLst>
               <a:ext uri="{28A0092B-C50C-407E-A947-70E740481C1C}">
                 <a14:useLocalDpi xmlns:a14="http://schemas.microsoft.com/office/drawing/2010/main" val="0"/>
@@ -17205,11 +17365,18 @@
           </a:blip>
           <a:srcRect/>
           <a:stretch>
-            <a:fillRect/>
+            <a:fillRect t="6338" b="6338"/>
           </a:stretch>
         </a:blipFill>
         <a:ln w="12700" cap="flat" cmpd="sng" algn="ctr">
-          <a:noFill/>
+          <a:solidFill>
+            <a:schemeClr val="lt1">
+              <a:hueOff val="0"/>
+              <a:satOff val="0"/>
+              <a:lumOff val="0"/>
+              <a:alphaOff val="0"/>
+            </a:schemeClr>
+          </a:solidFill>
           <a:prstDash val="solid"/>
           <a:miter lim="800000"/>
         </a:ln>
@@ -17230,15 +17397,138 @@
         </a:fontRef>
       </dsp:style>
     </dsp:sp>
-    <dsp:sp modelId="{0E6089F4-CC95-4EC5-8CAE-A55FE273B85E}">
+    <dsp:sp modelId="{97EF85ED-2E25-4AD2-82C4-EEA66124418A}">
       <dsp:nvSpPr>
         <dsp:cNvPr id="0" name=""/>
         <dsp:cNvSpPr/>
       </dsp:nvSpPr>
       <dsp:spPr>
         <a:xfrm>
-          <a:off x="2156167" y="3113086"/>
-          <a:ext cx="1723286" cy="1148857"/>
+          <a:off x="3811976" y="2302114"/>
+          <a:ext cx="1268301" cy="845534"/>
+        </a:xfrm>
+        <a:prstGeom prst="rect">
+          <a:avLst/>
+        </a:prstGeom>
+        <a:noFill/>
+        <a:ln>
+          <a:noFill/>
+        </a:ln>
+        <a:effectLst/>
+      </dsp:spPr>
+      <dsp:style>
+        <a:lnRef idx="0">
+          <a:scrgbClr r="0" g="0" b="0"/>
+        </a:lnRef>
+        <a:fillRef idx="0">
+          <a:scrgbClr r="0" g="0" b="0"/>
+        </a:fillRef>
+        <a:effectRef idx="0">
+          <a:scrgbClr r="0" g="0" b="0"/>
+        </a:effectRef>
+        <a:fontRef idx="minor"/>
+      </dsp:style>
+      <dsp:txBody>
+        <a:bodyPr spcFirstLastPara="0" vert="horz" wrap="square" lIns="53340" tIns="53340" rIns="53340" bIns="53340" numCol="1" spcCol="1270" anchor="ctr" anchorCtr="0">
+          <a:noAutofit/>
+        </a:bodyPr>
+        <a:lstStyle/>
+        <a:p>
+          <a:pPr lvl="0" algn="l" defTabSz="622300">
+            <a:lnSpc>
+              <a:spcPct val="90000"/>
+            </a:lnSpc>
+            <a:spcBef>
+              <a:spcPct val="0"/>
+            </a:spcBef>
+            <a:spcAft>
+              <a:spcPct val="35000"/>
+            </a:spcAft>
+          </a:pPr>
+          <a:r>
+            <a:rPr lang="it-IT" sz="1400" kern="1200" dirty="0" err="1" smtClean="0"/>
+            <a:t>Rspec</a:t>
+          </a:r>
+          <a:r>
+            <a:rPr lang="it-IT" sz="1400" kern="1200" dirty="0" smtClean="0"/>
+            <a:t> </a:t>
+          </a:r>
+          <a:r>
+            <a:rPr lang="it-IT" sz="1400" kern="1200" dirty="0" err="1" smtClean="0"/>
+            <a:t>Expectations</a:t>
+          </a:r>
+          <a:endParaRPr lang="it-IT" sz="1400" kern="1200" dirty="0"/>
+        </a:p>
+      </dsp:txBody>
+      <dsp:txXfrm>
+        <a:off x="3811976" y="2302114"/>
+        <a:ext cx="1268301" cy="845534"/>
+      </dsp:txXfrm>
+    </dsp:sp>
+    <dsp:sp modelId="{67DC5338-5E87-4A7F-830B-7B70EF658694}">
+      <dsp:nvSpPr>
+        <dsp:cNvPr id="0" name=""/>
+        <dsp:cNvSpPr/>
+      </dsp:nvSpPr>
+      <dsp:spPr>
+        <a:xfrm>
+          <a:off x="1803832" y="3416105"/>
+          <a:ext cx="845534" cy="845534"/>
+        </a:xfrm>
+        <a:prstGeom prst="ellipse">
+          <a:avLst/>
+        </a:prstGeom>
+        <a:blipFill>
+          <a:blip xmlns:r="http://schemas.openxmlformats.org/officeDocument/2006/relationships" r:embed="rId4" cstate="print">
+            <a:extLst>
+              <a:ext uri="{28A0092B-C50C-407E-A947-70E740481C1C}">
+                <a14:useLocalDpi xmlns:a14="http://schemas.microsoft.com/office/drawing/2010/main" val="0"/>
+              </a:ext>
+            </a:extLst>
+          </a:blip>
+          <a:srcRect/>
+          <a:stretch>
+            <a:fillRect/>
+          </a:stretch>
+        </a:blipFill>
+        <a:ln w="12700" cap="flat" cmpd="sng" algn="ctr">
+          <a:solidFill>
+            <a:schemeClr val="lt1">
+              <a:hueOff val="0"/>
+              <a:satOff val="0"/>
+              <a:lumOff val="0"/>
+              <a:alphaOff val="0"/>
+            </a:schemeClr>
+          </a:solidFill>
+          <a:prstDash val="solid"/>
+          <a:miter lim="800000"/>
+        </a:ln>
+        <a:effectLst/>
+      </dsp:spPr>
+      <dsp:style>
+        <a:lnRef idx="2">
+          <a:scrgbClr r="0" g="0" b="0"/>
+        </a:lnRef>
+        <a:fillRef idx="1">
+          <a:scrgbClr r="0" g="0" b="0"/>
+        </a:fillRef>
+        <a:effectRef idx="0">
+          <a:scrgbClr r="0" g="0" b="0"/>
+        </a:effectRef>
+        <a:fontRef idx="minor">
+          <a:schemeClr val="lt1"/>
+        </a:fontRef>
+      </dsp:style>
+    </dsp:sp>
+    <dsp:sp modelId="{4911A950-1559-4B80-9521-A26092A1FA74}">
+      <dsp:nvSpPr>
+        <dsp:cNvPr id="0" name=""/>
+        <dsp:cNvSpPr/>
+      </dsp:nvSpPr>
+      <dsp:spPr>
+        <a:xfrm>
+          <a:off x="2649366" y="3413992"/>
+          <a:ext cx="1268301" cy="845534"/>
         </a:xfrm>
         <a:prstGeom prst="rect">
           <a:avLst/>
@@ -17286,25 +17576,25 @@
         </a:p>
       </dsp:txBody>
       <dsp:txXfrm>
-        <a:off x="2156167" y="3113086"/>
-        <a:ext cx="1723286" cy="1148857"/>
+        <a:off x="2649366" y="3413992"/>
+        <a:ext cx="1268301" cy="845534"/>
       </dsp:txXfrm>
     </dsp:sp>
-    <dsp:sp modelId="{AC48C7BA-2A95-4D11-A834-575088D01B82}">
+    <dsp:sp modelId="{9DB19DA1-7F6D-46BA-BC8F-182E124B234D}">
       <dsp:nvSpPr>
         <dsp:cNvPr id="0" name=""/>
         <dsp:cNvSpPr/>
       </dsp:nvSpPr>
       <dsp:spPr>
         <a:xfrm>
-          <a:off x="4166668" y="3115361"/>
-          <a:ext cx="1150052" cy="1150052"/>
+          <a:off x="4129051" y="3416105"/>
+          <a:ext cx="845534" cy="845534"/>
         </a:xfrm>
-        <a:prstGeom prst="rect">
+        <a:prstGeom prst="ellipse">
           <a:avLst/>
         </a:prstGeom>
         <a:blipFill dpi="0" rotWithShape="1">
-          <a:blip xmlns:r="http://schemas.openxmlformats.org/officeDocument/2006/relationships" r:embed="rId4" cstate="print">
+          <a:blip xmlns:r="http://schemas.openxmlformats.org/officeDocument/2006/relationships" r:embed="rId5" cstate="print">
             <a:extLst>
               <a:ext uri="{28A0092B-C50C-407E-A947-70E740481C1C}">
                 <a14:useLocalDpi xmlns:a14="http://schemas.microsoft.com/office/drawing/2010/main" val="0"/>
@@ -17317,7 +17607,14 @@
           </a:stretch>
         </a:blipFill>
         <a:ln w="12700" cap="flat" cmpd="sng" algn="ctr">
-          <a:noFill/>
+          <a:solidFill>
+            <a:schemeClr val="lt1">
+              <a:hueOff val="0"/>
+              <a:satOff val="0"/>
+              <a:lumOff val="0"/>
+              <a:alphaOff val="0"/>
+            </a:schemeClr>
+          </a:solidFill>
           <a:prstDash val="solid"/>
           <a:miter lim="800000"/>
         </a:ln>
@@ -17338,15 +17635,15 @@
         </a:fontRef>
       </dsp:style>
     </dsp:sp>
-    <dsp:sp modelId="{8BAF83A2-2ECD-422F-A4C2-3341707BCFB0}">
+    <dsp:sp modelId="{55AB449D-7944-4526-A007-A0456E91D90D}">
       <dsp:nvSpPr>
         <dsp:cNvPr id="0" name=""/>
         <dsp:cNvSpPr/>
       </dsp:nvSpPr>
       <dsp:spPr>
         <a:xfrm>
-          <a:off x="5316123" y="3113086"/>
-          <a:ext cx="1723286" cy="1148857"/>
+          <a:off x="4974586" y="3413992"/>
+          <a:ext cx="1268301" cy="845534"/>
         </a:xfrm>
         <a:prstGeom prst="rect">
           <a:avLst/>
@@ -17370,12 +17667,12 @@
         <a:fontRef idx="minor"/>
       </dsp:style>
       <dsp:txBody>
-        <a:bodyPr spcFirstLastPara="0" vert="horz" wrap="square" lIns="72390" tIns="72390" rIns="72390" bIns="72390" numCol="1" spcCol="1270" anchor="ctr" anchorCtr="0">
+        <a:bodyPr spcFirstLastPara="0" vert="horz" wrap="square" lIns="53340" tIns="53340" rIns="53340" bIns="53340" numCol="1" spcCol="1270" anchor="ctr" anchorCtr="0">
           <a:noAutofit/>
         </a:bodyPr>
         <a:lstStyle/>
         <a:p>
-          <a:pPr lvl="0" algn="l" defTabSz="844550">
+          <a:pPr lvl="0" algn="l" defTabSz="622300">
             <a:lnSpc>
               <a:spcPct val="90000"/>
             </a:lnSpc>
@@ -17387,15 +17684,15 @@
             </a:spcAft>
           </a:pPr>
           <a:r>
-            <a:rPr lang="it-IT" sz="1900" kern="1200" dirty="0" err="1" smtClean="0"/>
+            <a:rPr lang="it-IT" sz="1400" kern="1200" dirty="0" err="1" smtClean="0"/>
             <a:t>Capybara</a:t>
           </a:r>
-          <a:endParaRPr lang="it-IT" sz="1900" kern="1200" dirty="0"/>
+          <a:endParaRPr lang="it-IT" sz="1400" kern="1200" dirty="0"/>
         </a:p>
       </dsp:txBody>
       <dsp:txXfrm>
-        <a:off x="5316123" y="3113086"/>
-        <a:ext cx="1723286" cy="1148857"/>
+        <a:off x="4974586" y="3413992"/>
+        <a:ext cx="1268301" cy="845534"/>
       </dsp:txXfrm>
     </dsp:sp>
   </dsp:spTree>
@@ -29408,7 +29705,7 @@
           <a:p>
             <a:fld id="{DE691C45-D440-4534-83E5-2177D2428FA3}" type="datetimeFigureOut">
               <a:rPr lang="it-IT" smtClean="0"/>
-              <a:t>01/12/2014</a:t>
+              <a:t>04/12/2014</a:t>
             </a:fld>
             <a:endParaRPr lang="it-IT"/>
           </a:p>
@@ -29578,7 +29875,7 @@
           <a:p>
             <a:fld id="{DE691C45-D440-4534-83E5-2177D2428FA3}" type="datetimeFigureOut">
               <a:rPr lang="it-IT" smtClean="0"/>
-              <a:t>01/12/2014</a:t>
+              <a:t>04/12/2014</a:t>
             </a:fld>
             <a:endParaRPr lang="it-IT"/>
           </a:p>
@@ -29758,7 +30055,7 @@
           <a:p>
             <a:fld id="{DE691C45-D440-4534-83E5-2177D2428FA3}" type="datetimeFigureOut">
               <a:rPr lang="it-IT" smtClean="0"/>
-              <a:t>01/12/2014</a:t>
+              <a:t>04/12/2014</a:t>
             </a:fld>
             <a:endParaRPr lang="it-IT"/>
           </a:p>
@@ -29928,7 +30225,7 @@
           <a:p>
             <a:fld id="{DE691C45-D440-4534-83E5-2177D2428FA3}" type="datetimeFigureOut">
               <a:rPr lang="it-IT" smtClean="0"/>
-              <a:t>01/12/2014</a:t>
+              <a:t>04/12/2014</a:t>
             </a:fld>
             <a:endParaRPr lang="it-IT"/>
           </a:p>
@@ -30181,7 +30478,7 @@
           <a:p>
             <a:fld id="{DE691C45-D440-4534-83E5-2177D2428FA3}" type="datetimeFigureOut">
               <a:rPr lang="it-IT" smtClean="0"/>
-              <a:t>01/12/2014</a:t>
+              <a:t>04/12/2014</a:t>
             </a:fld>
             <a:endParaRPr lang="it-IT"/>
           </a:p>
@@ -30413,7 +30710,7 @@
           <a:p>
             <a:fld id="{DE691C45-D440-4534-83E5-2177D2428FA3}" type="datetimeFigureOut">
               <a:rPr lang="it-IT" smtClean="0"/>
-              <a:t>01/12/2014</a:t>
+              <a:t>04/12/2014</a:t>
             </a:fld>
             <a:endParaRPr lang="it-IT"/>
           </a:p>
@@ -30780,7 +31077,7 @@
           <a:p>
             <a:fld id="{DE691C45-D440-4534-83E5-2177D2428FA3}" type="datetimeFigureOut">
               <a:rPr lang="it-IT" smtClean="0"/>
-              <a:t>01/12/2014</a:t>
+              <a:t>04/12/2014</a:t>
             </a:fld>
             <a:endParaRPr lang="it-IT"/>
           </a:p>
@@ -30898,7 +31195,7 @@
           <a:p>
             <a:fld id="{DE691C45-D440-4534-83E5-2177D2428FA3}" type="datetimeFigureOut">
               <a:rPr lang="it-IT" smtClean="0"/>
-              <a:t>01/12/2014</a:t>
+              <a:t>04/12/2014</a:t>
             </a:fld>
             <a:endParaRPr lang="it-IT"/>
           </a:p>
@@ -30993,7 +31290,7 @@
           <a:p>
             <a:fld id="{DE691C45-D440-4534-83E5-2177D2428FA3}" type="datetimeFigureOut">
               <a:rPr lang="it-IT" smtClean="0"/>
-              <a:t>01/12/2014</a:t>
+              <a:t>04/12/2014</a:t>
             </a:fld>
             <a:endParaRPr lang="it-IT"/>
           </a:p>
@@ -31270,7 +31567,7 @@
           <a:p>
             <a:fld id="{DE691C45-D440-4534-83E5-2177D2428FA3}" type="datetimeFigureOut">
               <a:rPr lang="it-IT" smtClean="0"/>
-              <a:t>01/12/2014</a:t>
+              <a:t>04/12/2014</a:t>
             </a:fld>
             <a:endParaRPr lang="it-IT"/>
           </a:p>
@@ -31527,7 +31824,7 @@
           <a:p>
             <a:fld id="{DE691C45-D440-4534-83E5-2177D2428FA3}" type="datetimeFigureOut">
               <a:rPr lang="it-IT" smtClean="0"/>
-              <a:t>01/12/2014</a:t>
+              <a:t>04/12/2014</a:t>
             </a:fld>
             <a:endParaRPr lang="it-IT"/>
           </a:p>
@@ -31740,7 +32037,7 @@
           <a:p>
             <a:fld id="{DE691C45-D440-4534-83E5-2177D2428FA3}" type="datetimeFigureOut">
               <a:rPr lang="it-IT" smtClean="0"/>
-              <a:t>01/12/2014</a:t>
+              <a:t>04/12/2014</a:t>
             </a:fld>
             <a:endParaRPr lang="it-IT"/>
           </a:p>
@@ -32131,16 +32428,6 @@
 <file path=ppt/slides/slide1.xml><?xml version="1.0" encoding="utf-8"?>
 <p:sld xmlns:a="http://schemas.openxmlformats.org/drawingml/2006/main" xmlns:r="http://schemas.openxmlformats.org/officeDocument/2006/relationships" xmlns:p="http://schemas.openxmlformats.org/presentationml/2006/main">
   <p:cSld>
-    <p:bg>
-      <p:bgPr>
-        <a:solidFill>
-          <a:schemeClr val="bg1">
-            <a:lumMod val="95000"/>
-          </a:schemeClr>
-        </a:solidFill>
-        <a:effectLst/>
-      </p:bgPr>
-    </p:bg>
     <p:spTree>
       <p:nvGrpSpPr>
         <p:cNvPr id="1" name=""/>
@@ -32207,7 +32494,7 @@
         </p:blipFill>
         <p:spPr>
           <a:xfrm>
-            <a:off x="5291707" y="1769692"/>
+            <a:off x="5261227" y="2426264"/>
             <a:ext cx="1669546" cy="2165350"/>
           </a:xfrm>
           <a:prstGeom prst="rect">
@@ -32242,36 +32529,6 @@
             <a:off x="0" y="0"/>
             <a:ext cx="12192000" cy="890466"/>
           </a:xfrm>
-        </p:spPr>
-      </p:pic>
-      <p:pic>
-        <p:nvPicPr>
-          <p:cNvPr id="5" name="Picture 4"/>
-          <p:cNvPicPr>
-            <a:picLocks noChangeAspect="1"/>
-          </p:cNvPicPr>
-          <p:nvPr/>
-        </p:nvPicPr>
-        <p:blipFill>
-          <a:blip r:embed="rId4">
-            <a:extLst>
-              <a:ext uri="{28A0092B-C50C-407E-A947-70E740481C1C}">
-                <a14:useLocalDpi xmlns:a14="http://schemas.microsoft.com/office/drawing/2010/main" val="0"/>
-              </a:ext>
-            </a:extLst>
-          </a:blip>
-          <a:stretch>
-            <a:fillRect/>
-          </a:stretch>
-        </p:blipFill>
-        <p:spPr>
-          <a:xfrm>
-            <a:off x="4652652" y="3986952"/>
-            <a:ext cx="2947656" cy="1236114"/>
-          </a:xfrm>
-          <a:prstGeom prst="rect">
-            <a:avLst/>
-          </a:prstGeom>
         </p:spPr>
       </p:pic>
       <p:sp>
@@ -32367,8 +32624,8 @@
         </p:nvSpPr>
         <p:spPr>
           <a:xfrm>
-            <a:off x="8864016" y="3935042"/>
-            <a:ext cx="2489784" cy="923330"/>
+            <a:off x="8864016" y="3431442"/>
+            <a:ext cx="2430474" cy="1477328"/>
           </a:xfrm>
           <a:prstGeom prst="rect">
             <a:avLst/>
@@ -32383,7 +32640,7 @@
           <a:p>
             <a:r>
               <a:rPr lang="it-IT" dirty="0" smtClean="0"/>
-              <a:t>Relatori:</a:t>
+              <a:t>Relatore:</a:t>
             </a:r>
           </a:p>
           <a:p>
@@ -32394,6 +32651,16 @@
             <a:r>
               <a:rPr lang="it-IT" dirty="0" err="1" smtClean="0"/>
               <a:t>Cerioli</a:t>
+            </a:r>
+            <a:endParaRPr lang="it-IT" dirty="0" smtClean="0"/>
+          </a:p>
+          <a:p>
+            <a:endParaRPr lang="it-IT" dirty="0" smtClean="0"/>
+          </a:p>
+          <a:p>
+            <a:r>
+              <a:rPr lang="it-IT" dirty="0" smtClean="0"/>
+              <a:t>Correlatore:</a:t>
             </a:r>
             <a:endParaRPr lang="it-IT" dirty="0"/>
           </a:p>
@@ -32415,7 +32682,7 @@
           <p:nvPr/>
         </p:nvPicPr>
         <p:blipFill>
-          <a:blip r:embed="rId5">
+          <a:blip r:embed="rId4">
             <a:extLst>
               <a:ext uri="{28A0092B-C50C-407E-A947-70E740481C1C}">
                 <a14:useLocalDpi xmlns:a14="http://schemas.microsoft.com/office/drawing/2010/main" val="0"/>
@@ -32478,6 +32745,36 @@
           </a:p>
         </p:txBody>
       </p:sp>
+      <p:pic>
+        <p:nvPicPr>
+          <p:cNvPr id="9" name="Picture 8"/>
+          <p:cNvPicPr>
+            <a:picLocks noChangeAspect="1"/>
+          </p:cNvPicPr>
+          <p:nvPr/>
+        </p:nvPicPr>
+        <p:blipFill>
+          <a:blip r:embed="rId5">
+            <a:extLst>
+              <a:ext uri="{28A0092B-C50C-407E-A947-70E740481C1C}">
+                <a14:useLocalDpi xmlns:a14="http://schemas.microsoft.com/office/drawing/2010/main" val="0"/>
+              </a:ext>
+            </a:extLst>
+          </a:blip>
+          <a:stretch>
+            <a:fillRect/>
+          </a:stretch>
+        </p:blipFill>
+        <p:spPr>
+          <a:xfrm>
+            <a:off x="4473262" y="4654526"/>
+            <a:ext cx="3245476" cy="1030310"/>
+          </a:xfrm>
+          <a:prstGeom prst="rect">
+            <a:avLst/>
+          </a:prstGeom>
+        </p:spPr>
+      </p:pic>
     </p:spTree>
     <p:extLst>
       <p:ext uri="{BB962C8B-B14F-4D97-AF65-F5344CB8AC3E}">
@@ -33664,11 +33961,7 @@
             </a:r>
             <a:r>
               <a:rPr lang="it-IT" sz="2400" b="1" dirty="0" smtClean="0"/>
-              <a:t> </a:t>
-            </a:r>
-            <a:r>
-              <a:rPr lang="it-IT" sz="2400" b="1" dirty="0" smtClean="0"/>
-              <a:t>DSL </a:t>
+              <a:t> DSL </a:t>
             </a:r>
             <a:r>
               <a:rPr lang="it-IT" sz="2400" dirty="0" smtClean="0"/>
@@ -33680,11 +33973,7 @@
             </a:r>
             <a:r>
               <a:rPr lang="it-IT" sz="2400" dirty="0" smtClean="0"/>
-              <a:t>), </a:t>
-            </a:r>
-            <a:r>
-              <a:rPr lang="it-IT" sz="2400" dirty="0" smtClean="0"/>
-              <a:t>utilizzato per la definizione di funzionalità e scenari e sviluppato dal team di </a:t>
+              <a:t>), utilizzato per la definizione di funzionalità e scenari e sviluppato dal team di </a:t>
             </a:r>
             <a:r>
               <a:rPr lang="it-IT" sz="2400" dirty="0" err="1" smtClean="0"/>
@@ -33711,13 +34000,8 @@
             </a:pPr>
             <a:r>
               <a:rPr lang="it-IT" sz="2400" dirty="0" smtClean="0"/>
-              <a:t>Scenari </a:t>
+              <a:t>Scenari parametrici</a:t>
             </a:r>
-            <a:r>
-              <a:rPr lang="it-IT" sz="2400" dirty="0" smtClean="0"/>
-              <a:t>parametrici</a:t>
-            </a:r>
-            <a:endParaRPr lang="it-IT" sz="2400" dirty="0" smtClean="0"/>
           </a:p>
           <a:p>
             <a:pPr marL="285750" indent="-285750">
@@ -33726,13 +34010,8 @@
             </a:pPr>
             <a:r>
               <a:rPr lang="it-IT" sz="2400" dirty="0" smtClean="0"/>
-              <a:t>Utilizzo di tabelle per esprimere in maniera analitica molti </a:t>
+              <a:t>Utilizzo di tabelle per esprimere in maniera analitica molti dati</a:t>
             </a:r>
-            <a:r>
-              <a:rPr lang="it-IT" sz="2400" dirty="0" smtClean="0"/>
-              <a:t>dati</a:t>
-            </a:r>
-            <a:endParaRPr lang="it-IT" sz="2400" dirty="0" smtClean="0"/>
           </a:p>
           <a:p>
             <a:pPr marL="285750" indent="-285750">
@@ -33741,13 +34020,8 @@
             </a:pPr>
             <a:r>
               <a:rPr lang="it-IT" sz="2400" dirty="0" smtClean="0"/>
-              <a:t>Tag per scenari e </a:t>
+              <a:t>Tag per scenari e funzionalità</a:t>
             </a:r>
-            <a:r>
-              <a:rPr lang="it-IT" sz="2400" dirty="0" smtClean="0"/>
-              <a:t>funzionalità</a:t>
-            </a:r>
-            <a:endParaRPr lang="it-IT" sz="2400" dirty="0" smtClean="0"/>
           </a:p>
           <a:p>
             <a:pPr marL="285750" indent="-285750">
@@ -33768,7 +34042,6 @@
               <a:rPr lang="it-IT" sz="2400" dirty="0" smtClean="0"/>
               <a:t>…</a:t>
             </a:r>
-            <a:endParaRPr lang="it-IT" sz="2400" dirty="0" smtClean="0"/>
           </a:p>
           <a:p>
             <a:pPr marL="285750" indent="-285750">
@@ -34057,19 +34330,8 @@
                 <a:latin typeface="Courier New" panose="02070309020205020404" pitchFamily="49" charset="0"/>
                 <a:cs typeface="Courier New" panose="02070309020205020404" pitchFamily="49" charset="0"/>
               </a:rPr>
-              <a:t>        </a:t>
+              <a:t>         |</a:t>
             </a:r>
-            <a:r>
-              <a:rPr lang="it-IT" dirty="0" smtClean="0">
-                <a:latin typeface="Courier New" panose="02070309020205020404" pitchFamily="49" charset="0"/>
-                <a:cs typeface="Courier New" panose="02070309020205020404" pitchFamily="49" charset="0"/>
-              </a:rPr>
-              <a:t> |</a:t>
-            </a:r>
-            <a:endParaRPr lang="it-IT" dirty="0" smtClean="0">
-              <a:latin typeface="Courier New" panose="02070309020205020404" pitchFamily="49" charset="0"/>
-              <a:cs typeface="Courier New" panose="02070309020205020404" pitchFamily="49" charset="0"/>
-            </a:endParaRPr>
           </a:p>
           <a:p>
             <a:r>
@@ -34091,19 +34353,8 @@
                 <a:latin typeface="Courier New" panose="02070309020205020404" pitchFamily="49" charset="0"/>
                 <a:cs typeface="Courier New" panose="02070309020205020404" pitchFamily="49" charset="0"/>
               </a:rPr>
-              <a:t>          </a:t>
+              <a:t>           |</a:t>
             </a:r>
-            <a:r>
-              <a:rPr lang="it-IT" dirty="0" smtClean="0">
-                <a:latin typeface="Courier New" panose="02070309020205020404" pitchFamily="49" charset="0"/>
-                <a:cs typeface="Courier New" panose="02070309020205020404" pitchFamily="49" charset="0"/>
-              </a:rPr>
-              <a:t> |</a:t>
-            </a:r>
-            <a:endParaRPr lang="it-IT" dirty="0" smtClean="0">
-              <a:latin typeface="Courier New" panose="02070309020205020404" pitchFamily="49" charset="0"/>
-              <a:cs typeface="Courier New" panose="02070309020205020404" pitchFamily="49" charset="0"/>
-            </a:endParaRPr>
           </a:p>
         </p:txBody>
       </p:sp>
@@ -34436,7 +34687,7 @@
             </a:r>
             <a:r>
               <a:rPr lang="it-IT" dirty="0" smtClean="0"/>
-              <a:t> è più restrittivo)</a:t>
+              <a:t> è più flessibile)</a:t>
             </a:r>
           </a:p>
           <a:p>
@@ -35994,14 +36245,14 @@
           <p:nvPr>
             <p:extLst>
               <p:ext uri="{D42A27DB-BD31-4B8C-83A1-F6EECF244321}">
-                <p14:modId xmlns:p14="http://schemas.microsoft.com/office/powerpoint/2010/main" val="1960563969"/>
+                <p14:modId xmlns:p14="http://schemas.microsoft.com/office/powerpoint/2010/main" val="2863950432"/>
               </p:ext>
             </p:extLst>
           </p:nvPr>
         </p:nvGraphicFramePr>
         <p:xfrm>
           <a:off x="1249680" y="3250386"/>
-          <a:ext cx="7945520" cy="2763408"/>
+          <a:ext cx="8572745" cy="2763408"/>
         </p:xfrm>
         <a:graphic>
           <a:graphicData uri="http://schemas.openxmlformats.org/drawingml/2006/table">
@@ -36010,11 +36261,11 @@
                 <a:tableStyleId>{6E25E649-3F16-4E02-A733-19D2CDBF48F0}</a:tableStyleId>
               </a:tblPr>
               <a:tblGrid>
-                <a:gridCol w="1589104"/>
-                <a:gridCol w="1471830"/>
-                <a:gridCol w="1706378"/>
-                <a:gridCol w="1589104"/>
-                <a:gridCol w="1589104"/>
+                <a:gridCol w="1714549"/>
+                <a:gridCol w="1588017"/>
+                <a:gridCol w="1841081"/>
+                <a:gridCol w="1714549"/>
+                <a:gridCol w="1714549"/>
               </a:tblGrid>
               <a:tr h="741624">
                 <a:tc>
@@ -36051,7 +36302,11 @@
                       <a:pPr algn="ctr"/>
                       <a:r>
                         <a:rPr lang="it-IT" b="0" dirty="0" smtClean="0"/>
-                        <a:t>PO</a:t>
+                        <a:t>Page Object</a:t>
+                      </a:r>
+                      <a:r>
+                        <a:rPr lang="it-IT" b="0" baseline="0" dirty="0" smtClean="0"/>
+                        <a:t> Pattern</a:t>
                       </a:r>
                       <a:endParaRPr lang="it-IT" b="0" dirty="0"/>
                     </a:p>
@@ -36116,8 +36371,20 @@
                     <a:p>
                       <a:pPr algn="ctr"/>
                       <a:r>
+                        <a:rPr lang="it-IT" baseline="0" dirty="0" smtClean="0"/>
+                        <a:t> </a:t>
+                      </a:r>
+                      <a:r>
                         <a:rPr lang="it-IT" dirty="0" smtClean="0"/>
-                        <a:t>Si, ad alto livello</a:t>
+                        <a:t>ad </a:t>
+                      </a:r>
+                      <a:r>
+                        <a:rPr lang="it-IT" dirty="0" smtClean="0"/>
+                        <a:t>alto </a:t>
+                      </a:r>
+                      <a:r>
+                        <a:rPr lang="it-IT" dirty="0" smtClean="0"/>
+                        <a:t>livello</a:t>
                       </a:r>
                       <a:endParaRPr lang="it-IT" dirty="0"/>
                     </a:p>
@@ -36145,10 +36412,6 @@
                     <a:lstStyle/>
                     <a:p>
                       <a:pPr algn="ctr"/>
-                      <a:r>
-                        <a:rPr lang="it-IT" dirty="0" smtClean="0"/>
-                        <a:t>Y</a:t>
-                      </a:r>
                       <a:endParaRPr lang="it-IT" dirty="0"/>
                     </a:p>
                   </a:txBody>
@@ -36160,10 +36423,6 @@
                     <a:lstStyle/>
                     <a:p>
                       <a:pPr algn="ctr"/>
-                      <a:r>
-                        <a:rPr lang="it-IT" dirty="0" smtClean="0"/>
-                        <a:t>Y</a:t>
-                      </a:r>
                       <a:endParaRPr lang="it-IT" dirty="0"/>
                     </a:p>
                   </a:txBody>
@@ -36192,9 +36451,34 @@
                     <a:lstStyle/>
                     <a:p>
                       <a:pPr algn="ctr"/>
+                      <a:endParaRPr lang="it-IT" dirty="0"/>
+                    </a:p>
+                  </a:txBody>
+                  <a:tcPr/>
+                </a:tc>
+                <a:tc>
+                  <a:txBody>
+                    <a:bodyPr/>
+                    <a:lstStyle/>
+                    <a:p>
+                      <a:pPr algn="ctr"/>
+                      <a:endParaRPr lang="it-IT" dirty="0"/>
+                    </a:p>
+                  </a:txBody>
+                  <a:tcPr/>
+                </a:tc>
+                <a:tc>
+                  <a:txBody>
+                    <a:bodyPr/>
+                    <a:lstStyle/>
+                    <a:p>
+                      <a:r>
+                        <a:rPr lang="it-IT" baseline="0" dirty="0" smtClean="0"/>
+                        <a:t>          </a:t>
+                      </a:r>
                       <a:r>
                         <a:rPr lang="it-IT" dirty="0" smtClean="0"/>
-                        <a:t>Y</a:t>
+                        <a:t>browser</a:t>
                       </a:r>
                       <a:endParaRPr lang="it-IT" dirty="0"/>
                     </a:p>
@@ -36207,39 +36491,6 @@
                     <a:lstStyle/>
                     <a:p>
                       <a:pPr algn="ctr"/>
-                      <a:r>
-                        <a:rPr lang="it-IT" dirty="0" smtClean="0"/>
-                        <a:t>Y</a:t>
-                      </a:r>
-                      <a:endParaRPr lang="it-IT" dirty="0"/>
-                    </a:p>
-                  </a:txBody>
-                  <a:tcPr/>
-                </a:tc>
-                <a:tc>
-                  <a:txBody>
-                    <a:bodyPr/>
-                    <a:lstStyle/>
-                    <a:p>
-                      <a:r>
-                        <a:rPr lang="it-IT" dirty="0" smtClean="0"/>
-                        <a:t>Si (browser)</a:t>
-                      </a:r>
-                      <a:endParaRPr lang="it-IT" dirty="0"/>
-                    </a:p>
-                  </a:txBody>
-                  <a:tcPr/>
-                </a:tc>
-                <a:tc>
-                  <a:txBody>
-                    <a:bodyPr/>
-                    <a:lstStyle/>
-                    <a:p>
-                      <a:pPr algn="ctr"/>
-                      <a:r>
-                        <a:rPr lang="it-IT" dirty="0" smtClean="0"/>
-                        <a:t>Y</a:t>
-                      </a:r>
                       <a:endParaRPr lang="it-IT" dirty="0"/>
                     </a:p>
                   </a:txBody>
@@ -36286,7 +36537,11 @@
                       </a:pPr>
                       <a:r>
                         <a:rPr lang="it-IT" dirty="0" smtClean="0"/>
-                        <a:t>Si, ad alto livello</a:t>
+                        <a:t> ad </a:t>
+                      </a:r>
+                      <a:r>
+                        <a:rPr lang="it-IT" dirty="0" smtClean="0"/>
+                        <a:t>alto livello</a:t>
                       </a:r>
                     </a:p>
                   </a:txBody>
@@ -36299,7 +36554,19 @@
                     <a:p>
                       <a:r>
                         <a:rPr lang="it-IT" dirty="0" smtClean="0"/>
-                        <a:t>Si, tramite </a:t>
+                        <a:t>         tramite         </a:t>
+                      </a:r>
+                      <a:r>
+                        <a:rPr lang="it-IT" dirty="0" smtClean="0">
+                          <a:solidFill>
+                            <a:srgbClr val="E7E7E7"/>
+                          </a:solidFill>
+                        </a:rPr>
+                        <a:t>S</a:t>
+                      </a:r>
+                      <a:r>
+                        <a:rPr lang="it-IT" dirty="0" smtClean="0"/>
+                        <a:t>      </a:t>
                       </a:r>
                       <a:r>
                         <a:rPr lang="it-IT" dirty="0" err="1" smtClean="0"/>
@@ -36316,8 +36583,12 @@
                     <a:lstStyle/>
                     <a:p>
                       <a:r>
+                        <a:rPr lang="it-IT" baseline="0" dirty="0" smtClean="0"/>
+                        <a:t>          </a:t>
+                      </a:r>
+                      <a:r>
                         <a:rPr lang="it-IT" dirty="0" smtClean="0"/>
-                        <a:t>Si (browser)</a:t>
+                        <a:t>browser</a:t>
                       </a:r>
                       <a:endParaRPr lang="it-IT" dirty="0"/>
                     </a:p>
@@ -36330,10 +36601,6 @@
                     <a:lstStyle/>
                     <a:p>
                       <a:pPr algn="ctr"/>
-                      <a:r>
-                        <a:rPr lang="it-IT" dirty="0" smtClean="0"/>
-                        <a:t>Y</a:t>
-                      </a:r>
                       <a:endParaRPr lang="it-IT" dirty="0"/>
                     </a:p>
                   </a:txBody>
@@ -36649,7 +36916,7 @@
                   <a:schemeClr val="bg1"/>
                 </a:solidFill>
               </a:rPr>
-              <a:t>Funzionalità</a:t>
+              <a:t>CRUD</a:t>
             </a:r>
             <a:endParaRPr lang="it-IT" dirty="0">
               <a:solidFill>
@@ -36659,6 +36926,366 @@
           </a:p>
         </p:txBody>
       </p:sp>
+      <p:pic>
+        <p:nvPicPr>
+          <p:cNvPr id="16" name="Picture 15"/>
+          <p:cNvPicPr>
+            <a:picLocks noChangeAspect="1"/>
+          </p:cNvPicPr>
+          <p:nvPr/>
+        </p:nvPicPr>
+        <p:blipFill>
+          <a:blip r:embed="rId5" cstate="print">
+            <a:extLst>
+              <a:ext uri="{28A0092B-C50C-407E-A947-70E740481C1C}">
+                <a14:useLocalDpi xmlns:a14="http://schemas.microsoft.com/office/drawing/2010/main" val="0"/>
+              </a:ext>
+            </a:extLst>
+          </a:blip>
+          <a:stretch>
+            <a:fillRect/>
+          </a:stretch>
+        </p:blipFill>
+        <p:spPr>
+          <a:xfrm>
+            <a:off x="2946804" y="4070584"/>
+            <a:ext cx="426463" cy="321719"/>
+          </a:xfrm>
+          <a:prstGeom prst="rect">
+            <a:avLst/>
+          </a:prstGeom>
+        </p:spPr>
+      </p:pic>
+      <p:pic>
+        <p:nvPicPr>
+          <p:cNvPr id="17" name="Picture 16"/>
+          <p:cNvPicPr>
+            <a:picLocks noChangeAspect="1"/>
+          </p:cNvPicPr>
+          <p:nvPr/>
+        </p:nvPicPr>
+        <p:blipFill>
+          <a:blip r:embed="rId5" cstate="print">
+            <a:extLst>
+              <a:ext uri="{28A0092B-C50C-407E-A947-70E740481C1C}">
+                <a14:useLocalDpi xmlns:a14="http://schemas.microsoft.com/office/drawing/2010/main" val="0"/>
+              </a:ext>
+            </a:extLst>
+          </a:blip>
+          <a:stretch>
+            <a:fillRect/>
+          </a:stretch>
+        </p:blipFill>
+        <p:spPr>
+          <a:xfrm>
+            <a:off x="5257725" y="4694932"/>
+            <a:ext cx="426463" cy="321719"/>
+          </a:xfrm>
+          <a:prstGeom prst="rect">
+            <a:avLst/>
+          </a:prstGeom>
+        </p:spPr>
+      </p:pic>
+      <p:pic>
+        <p:nvPicPr>
+          <p:cNvPr id="18" name="Picture 17"/>
+          <p:cNvPicPr>
+            <a:picLocks noChangeAspect="1"/>
+          </p:cNvPicPr>
+          <p:nvPr/>
+        </p:nvPicPr>
+        <p:blipFill>
+          <a:blip r:embed="rId5" cstate="print">
+            <a:extLst>
+              <a:ext uri="{28A0092B-C50C-407E-A947-70E740481C1C}">
+                <a14:useLocalDpi xmlns:a14="http://schemas.microsoft.com/office/drawing/2010/main" val="0"/>
+              </a:ext>
+            </a:extLst>
+          </a:blip>
+          <a:stretch>
+            <a:fillRect/>
+          </a:stretch>
+        </p:blipFill>
+        <p:spPr>
+          <a:xfrm>
+            <a:off x="3564996" y="4694931"/>
+            <a:ext cx="426463" cy="321719"/>
+          </a:xfrm>
+          <a:prstGeom prst="rect">
+            <a:avLst/>
+          </a:prstGeom>
+        </p:spPr>
+      </p:pic>
+      <p:pic>
+        <p:nvPicPr>
+          <p:cNvPr id="19" name="Picture 18"/>
+          <p:cNvPicPr>
+            <a:picLocks noChangeAspect="1"/>
+          </p:cNvPicPr>
+          <p:nvPr/>
+        </p:nvPicPr>
+        <p:blipFill>
+          <a:blip r:embed="rId5" cstate="print">
+            <a:extLst>
+              <a:ext uri="{28A0092B-C50C-407E-A947-70E740481C1C}">
+                <a14:useLocalDpi xmlns:a14="http://schemas.microsoft.com/office/drawing/2010/main" val="0"/>
+              </a:ext>
+            </a:extLst>
+          </a:blip>
+          <a:stretch>
+            <a:fillRect/>
+          </a:stretch>
+        </p:blipFill>
+        <p:spPr>
+          <a:xfrm>
+            <a:off x="2946803" y="5533525"/>
+            <a:ext cx="426463" cy="321719"/>
+          </a:xfrm>
+          <a:prstGeom prst="rect">
+            <a:avLst/>
+          </a:prstGeom>
+        </p:spPr>
+      </p:pic>
+      <p:pic>
+        <p:nvPicPr>
+          <p:cNvPr id="20" name="Picture 19"/>
+          <p:cNvPicPr>
+            <a:picLocks noChangeAspect="1"/>
+          </p:cNvPicPr>
+          <p:nvPr/>
+        </p:nvPicPr>
+        <p:blipFill>
+          <a:blip r:embed="rId5" cstate="print">
+            <a:extLst>
+              <a:ext uri="{28A0092B-C50C-407E-A947-70E740481C1C}">
+                <a14:useLocalDpi xmlns:a14="http://schemas.microsoft.com/office/drawing/2010/main" val="0"/>
+              </a:ext>
+            </a:extLst>
+          </a:blip>
+          <a:stretch>
+            <a:fillRect/>
+          </a:stretch>
+        </p:blipFill>
+        <p:spPr>
+          <a:xfrm>
+            <a:off x="7042141" y="4070584"/>
+            <a:ext cx="426463" cy="321719"/>
+          </a:xfrm>
+          <a:prstGeom prst="rect">
+            <a:avLst/>
+          </a:prstGeom>
+        </p:spPr>
+      </p:pic>
+      <p:pic>
+        <p:nvPicPr>
+          <p:cNvPr id="21" name="Picture 20"/>
+          <p:cNvPicPr>
+            <a:picLocks noChangeAspect="1"/>
+          </p:cNvPicPr>
+          <p:nvPr/>
+        </p:nvPicPr>
+        <p:blipFill>
+          <a:blip r:embed="rId5" cstate="print">
+            <a:extLst>
+              <a:ext uri="{28A0092B-C50C-407E-A947-70E740481C1C}">
+                <a14:useLocalDpi xmlns:a14="http://schemas.microsoft.com/office/drawing/2010/main" val="0"/>
+              </a:ext>
+            </a:extLst>
+          </a:blip>
+          <a:stretch>
+            <a:fillRect/>
+          </a:stretch>
+        </p:blipFill>
+        <p:spPr>
+          <a:xfrm>
+            <a:off x="8771507" y="4070584"/>
+            <a:ext cx="426463" cy="321719"/>
+          </a:xfrm>
+          <a:prstGeom prst="rect">
+            <a:avLst/>
+          </a:prstGeom>
+        </p:spPr>
+      </p:pic>
+      <p:pic>
+        <p:nvPicPr>
+          <p:cNvPr id="22" name="Picture 21"/>
+          <p:cNvPicPr>
+            <a:picLocks noChangeAspect="1"/>
+          </p:cNvPicPr>
+          <p:nvPr/>
+        </p:nvPicPr>
+        <p:blipFill>
+          <a:blip r:embed="rId5" cstate="print">
+            <a:extLst>
+              <a:ext uri="{28A0092B-C50C-407E-A947-70E740481C1C}">
+                <a14:useLocalDpi xmlns:a14="http://schemas.microsoft.com/office/drawing/2010/main" val="0"/>
+              </a:ext>
+            </a:extLst>
+          </a:blip>
+          <a:stretch>
+            <a:fillRect/>
+          </a:stretch>
+        </p:blipFill>
+        <p:spPr>
+          <a:xfrm>
+            <a:off x="8771506" y="4694931"/>
+            <a:ext cx="426463" cy="321719"/>
+          </a:xfrm>
+          <a:prstGeom prst="rect">
+            <a:avLst/>
+          </a:prstGeom>
+        </p:spPr>
+      </p:pic>
+      <p:pic>
+        <p:nvPicPr>
+          <p:cNvPr id="23" name="Picture 22"/>
+          <p:cNvPicPr>
+            <a:picLocks noChangeAspect="1"/>
+          </p:cNvPicPr>
+          <p:nvPr/>
+        </p:nvPicPr>
+        <p:blipFill>
+          <a:blip r:embed="rId5" cstate="print">
+            <a:extLst>
+              <a:ext uri="{28A0092B-C50C-407E-A947-70E740481C1C}">
+                <a14:useLocalDpi xmlns:a14="http://schemas.microsoft.com/office/drawing/2010/main" val="0"/>
+              </a:ext>
+            </a:extLst>
+          </a:blip>
+          <a:stretch>
+            <a:fillRect/>
+          </a:stretch>
+        </p:blipFill>
+        <p:spPr>
+          <a:xfrm>
+            <a:off x="8771506" y="5435947"/>
+            <a:ext cx="426463" cy="321719"/>
+          </a:xfrm>
+          <a:prstGeom prst="rect">
+            <a:avLst/>
+          </a:prstGeom>
+        </p:spPr>
+      </p:pic>
+      <p:pic>
+        <p:nvPicPr>
+          <p:cNvPr id="24" name="Picture 23"/>
+          <p:cNvPicPr>
+            <a:picLocks noChangeAspect="1"/>
+          </p:cNvPicPr>
+          <p:nvPr/>
+        </p:nvPicPr>
+        <p:blipFill>
+          <a:blip r:embed="rId5" cstate="print">
+            <a:extLst>
+              <a:ext uri="{28A0092B-C50C-407E-A947-70E740481C1C}">
+                <a14:useLocalDpi xmlns:a14="http://schemas.microsoft.com/office/drawing/2010/main" val="0"/>
+              </a:ext>
+            </a:extLst>
+          </a:blip>
+          <a:stretch>
+            <a:fillRect/>
+          </a:stretch>
+        </p:blipFill>
+        <p:spPr>
+          <a:xfrm>
+            <a:off x="6596080" y="5390240"/>
+            <a:ext cx="426463" cy="321719"/>
+          </a:xfrm>
+          <a:prstGeom prst="rect">
+            <a:avLst/>
+          </a:prstGeom>
+        </p:spPr>
+      </p:pic>
+      <p:pic>
+        <p:nvPicPr>
+          <p:cNvPr id="25" name="Picture 24"/>
+          <p:cNvPicPr>
+            <a:picLocks noChangeAspect="1"/>
+          </p:cNvPicPr>
+          <p:nvPr/>
+        </p:nvPicPr>
+        <p:blipFill>
+          <a:blip r:embed="rId5" cstate="print">
+            <a:extLst>
+              <a:ext uri="{28A0092B-C50C-407E-A947-70E740481C1C}">
+                <a14:useLocalDpi xmlns:a14="http://schemas.microsoft.com/office/drawing/2010/main" val="0"/>
+              </a:ext>
+            </a:extLst>
+          </a:blip>
+          <a:stretch>
+            <a:fillRect/>
+          </a:stretch>
+        </p:blipFill>
+        <p:spPr>
+          <a:xfrm>
+            <a:off x="6613033" y="4694930"/>
+            <a:ext cx="426463" cy="321719"/>
+          </a:xfrm>
+          <a:prstGeom prst="rect">
+            <a:avLst/>
+          </a:prstGeom>
+        </p:spPr>
+      </p:pic>
+      <p:pic>
+        <p:nvPicPr>
+          <p:cNvPr id="26" name="Picture 25"/>
+          <p:cNvPicPr>
+            <a:picLocks noChangeAspect="1"/>
+          </p:cNvPicPr>
+          <p:nvPr/>
+        </p:nvPicPr>
+        <p:blipFill>
+          <a:blip r:embed="rId6" cstate="print">
+            <a:extLst>
+              <a:ext uri="{28A0092B-C50C-407E-A947-70E740481C1C}">
+                <a14:useLocalDpi xmlns:a14="http://schemas.microsoft.com/office/drawing/2010/main" val="0"/>
+              </a:ext>
+            </a:extLst>
+          </a:blip>
+          <a:stretch>
+            <a:fillRect/>
+          </a:stretch>
+        </p:blipFill>
+        <p:spPr>
+          <a:xfrm>
+            <a:off x="5336283" y="4070584"/>
+            <a:ext cx="269345" cy="274167"/>
+          </a:xfrm>
+          <a:prstGeom prst="rect">
+            <a:avLst/>
+          </a:prstGeom>
+        </p:spPr>
+      </p:pic>
+      <p:pic>
+        <p:nvPicPr>
+          <p:cNvPr id="27" name="Picture 26"/>
+          <p:cNvPicPr>
+            <a:picLocks noChangeAspect="1"/>
+          </p:cNvPicPr>
+          <p:nvPr/>
+        </p:nvPicPr>
+        <p:blipFill>
+          <a:blip r:embed="rId5" cstate="print">
+            <a:extLst>
+              <a:ext uri="{28A0092B-C50C-407E-A947-70E740481C1C}">
+                <a14:useLocalDpi xmlns:a14="http://schemas.microsoft.com/office/drawing/2010/main" val="0"/>
+              </a:ext>
+            </a:extLst>
+          </a:blip>
+          <a:stretch>
+            <a:fillRect/>
+          </a:stretch>
+        </p:blipFill>
+        <p:spPr>
+          <a:xfrm>
+            <a:off x="4647200" y="5531640"/>
+            <a:ext cx="426463" cy="321719"/>
+          </a:xfrm>
+          <a:prstGeom prst="rect">
+            <a:avLst/>
+          </a:prstGeom>
+        </p:spPr>
+      </p:pic>
     </p:spTree>
     <p:extLst>
       <p:ext uri="{BB962C8B-B14F-4D97-AF65-F5344CB8AC3E}">
@@ -37531,7 +38158,7 @@
           <p:nvPr>
             <p:extLst>
               <p:ext uri="{D42A27DB-BD31-4B8C-83A1-F6EECF244321}">
-                <p14:modId xmlns:p14="http://schemas.microsoft.com/office/powerpoint/2010/main" val="2409032631"/>
+                <p14:modId xmlns:p14="http://schemas.microsoft.com/office/powerpoint/2010/main" val="4131911599"/>
               </p:ext>
             </p:extLst>
           </p:nvPr>
@@ -37632,10 +38259,6 @@
                     <a:lstStyle/>
                     <a:p>
                       <a:pPr algn="ctr"/>
-                      <a:r>
-                        <a:rPr lang="it-IT" dirty="0" smtClean="0"/>
-                        <a:t>x</a:t>
-                      </a:r>
                       <a:endParaRPr lang="it-IT" dirty="0"/>
                     </a:p>
                   </a:txBody>
@@ -37647,10 +38270,6 @@
                     <a:lstStyle/>
                     <a:p>
                       <a:pPr algn="ctr"/>
-                      <a:r>
-                        <a:rPr lang="it-IT" dirty="0" smtClean="0"/>
-                        <a:t>y</a:t>
-                      </a:r>
                       <a:endParaRPr lang="it-IT" dirty="0"/>
                     </a:p>
                   </a:txBody>
@@ -37694,10 +38313,17 @@
                     <a:lstStyle/>
                     <a:p>
                       <a:pPr algn="ctr"/>
-                      <a:r>
-                        <a:rPr lang="it-IT" dirty="0" smtClean="0"/>
-                        <a:t>y</a:t>
-                      </a:r>
+                      <a:endParaRPr lang="it-IT" dirty="0"/>
+                    </a:p>
+                  </a:txBody>
+                  <a:tcPr/>
+                </a:tc>
+                <a:tc>
+                  <a:txBody>
+                    <a:bodyPr/>
+                    <a:lstStyle/>
+                    <a:p>
+                      <a:pPr algn="ctr"/>
                       <a:endParaRPr lang="it-IT" dirty="0"/>
                     </a:p>
                   </a:txBody>
@@ -37710,30 +38336,31 @@
                     <a:p>
                       <a:pPr algn="ctr"/>
                       <a:r>
-                        <a:rPr lang="it-IT" dirty="0" smtClean="0"/>
-                        <a:t>y</a:t>
+                        <a:rPr lang="it-IT" baseline="0" dirty="0" smtClean="0"/>
+                        <a:t>  </a:t>
                       </a:r>
-                      <a:endParaRPr lang="it-IT" dirty="0"/>
-                    </a:p>
-                  </a:txBody>
-                  <a:tcPr/>
-                </a:tc>
-                <a:tc>
-                  <a:txBody>
-                    <a:bodyPr/>
-                    <a:lstStyle/>
-                    <a:p>
-                      <a:pPr algn="ctr"/>
                       <a:r>
                         <a:rPr lang="it-IT" dirty="0" smtClean="0"/>
-                        <a:t>-(con le attese esplicite)</a:t>
+                        <a:t>(</a:t>
+                      </a:r>
+                      <a:r>
+                        <a:rPr lang="it-IT" dirty="0" smtClean="0"/>
+                        <a:t>con le attese esplicite)</a:t>
                       </a:r>
                     </a:p>
                     <a:p>
                       <a:pPr algn="ctr"/>
                       <a:r>
+                        <a:rPr lang="it-IT" baseline="0" dirty="0" smtClean="0"/>
+                        <a:t>  </a:t>
+                      </a:r>
+                      <a:r>
                         <a:rPr lang="it-IT" dirty="0" smtClean="0"/>
-                        <a:t>+(con</a:t>
+                        <a:t>(</a:t>
+                      </a:r>
+                      <a:r>
+                        <a:rPr lang="it-IT" dirty="0" smtClean="0"/>
+                        <a:t>con</a:t>
                       </a:r>
                       <a:r>
                         <a:rPr lang="it-IT" baseline="0" dirty="0" smtClean="0"/>
@@ -37790,10 +38417,6 @@
                     <a:lstStyle/>
                     <a:p>
                       <a:pPr algn="ctr"/>
-                      <a:r>
-                        <a:rPr lang="it-IT" dirty="0" smtClean="0"/>
-                        <a:t>Y</a:t>
-                      </a:r>
                       <a:endParaRPr lang="it-IT" dirty="0"/>
                     </a:p>
                   </a:txBody>
@@ -37805,10 +38428,6 @@
                     <a:lstStyle/>
                     <a:p>
                       <a:pPr algn="ctr"/>
-                      <a:r>
-                        <a:rPr lang="it-IT" dirty="0" smtClean="0"/>
-                        <a:t>++</a:t>
-                      </a:r>
                       <a:endParaRPr lang="it-IT" dirty="0"/>
                     </a:p>
                   </a:txBody>
@@ -38215,6 +38834,306 @@
           </a:p>
         </p:txBody>
       </p:sp>
+      <p:pic>
+        <p:nvPicPr>
+          <p:cNvPr id="4" name="Picture 3"/>
+          <p:cNvPicPr>
+            <a:picLocks noChangeAspect="1"/>
+          </p:cNvPicPr>
+          <p:nvPr/>
+        </p:nvPicPr>
+        <p:blipFill>
+          <a:blip r:embed="rId7" cstate="print">
+            <a:extLst>
+              <a:ext uri="{28A0092B-C50C-407E-A947-70E740481C1C}">
+                <a14:useLocalDpi xmlns:a14="http://schemas.microsoft.com/office/drawing/2010/main" val="0"/>
+              </a:ext>
+            </a:extLst>
+          </a:blip>
+          <a:stretch>
+            <a:fillRect/>
+          </a:stretch>
+        </p:blipFill>
+        <p:spPr>
+          <a:xfrm>
+            <a:off x="4195010" y="3742459"/>
+            <a:ext cx="269345" cy="274167"/>
+          </a:xfrm>
+          <a:prstGeom prst="rect">
+            <a:avLst/>
+          </a:prstGeom>
+        </p:spPr>
+      </p:pic>
+      <p:pic>
+        <p:nvPicPr>
+          <p:cNvPr id="20" name="Picture 19"/>
+          <p:cNvPicPr>
+            <a:picLocks noChangeAspect="1"/>
+          </p:cNvPicPr>
+          <p:nvPr/>
+        </p:nvPicPr>
+        <p:blipFill>
+          <a:blip r:embed="rId8" cstate="print">
+            <a:extLst>
+              <a:ext uri="{28A0092B-C50C-407E-A947-70E740481C1C}">
+                <a14:useLocalDpi xmlns:a14="http://schemas.microsoft.com/office/drawing/2010/main" val="0"/>
+              </a:ext>
+            </a:extLst>
+          </a:blip>
+          <a:stretch>
+            <a:fillRect/>
+          </a:stretch>
+        </p:blipFill>
+        <p:spPr>
+          <a:xfrm>
+            <a:off x="8093402" y="3719768"/>
+            <a:ext cx="282210" cy="371263"/>
+          </a:xfrm>
+          <a:prstGeom prst="rect">
+            <a:avLst/>
+          </a:prstGeom>
+        </p:spPr>
+      </p:pic>
+      <p:pic>
+        <p:nvPicPr>
+          <p:cNvPr id="21" name="Picture 20"/>
+          <p:cNvPicPr>
+            <a:picLocks noChangeAspect="1"/>
+          </p:cNvPicPr>
+          <p:nvPr/>
+        </p:nvPicPr>
+        <p:blipFill>
+          <a:blip r:embed="rId9" cstate="print">
+            <a:extLst>
+              <a:ext uri="{28A0092B-C50C-407E-A947-70E740481C1C}">
+                <a14:useLocalDpi xmlns:a14="http://schemas.microsoft.com/office/drawing/2010/main" val="0"/>
+              </a:ext>
+            </a:extLst>
+          </a:blip>
+          <a:stretch>
+            <a:fillRect/>
+          </a:stretch>
+        </p:blipFill>
+        <p:spPr>
+          <a:xfrm>
+            <a:off x="7279336" y="4179661"/>
+            <a:ext cx="301333" cy="396000"/>
+          </a:xfrm>
+          <a:prstGeom prst="rect">
+            <a:avLst/>
+          </a:prstGeom>
+        </p:spPr>
+      </p:pic>
+      <p:pic>
+        <p:nvPicPr>
+          <p:cNvPr id="22" name="Picture 21"/>
+          <p:cNvPicPr>
+            <a:picLocks noChangeAspect="1"/>
+          </p:cNvPicPr>
+          <p:nvPr/>
+        </p:nvPicPr>
+        <p:blipFill>
+          <a:blip r:embed="rId8" cstate="print">
+            <a:extLst>
+              <a:ext uri="{28A0092B-C50C-407E-A947-70E740481C1C}">
+                <a14:useLocalDpi xmlns:a14="http://schemas.microsoft.com/office/drawing/2010/main" val="0"/>
+              </a:ext>
+            </a:extLst>
+          </a:blip>
+          <a:stretch>
+            <a:fillRect/>
+          </a:stretch>
+        </p:blipFill>
+        <p:spPr>
+          <a:xfrm>
+            <a:off x="7952297" y="5455549"/>
+            <a:ext cx="282210" cy="371263"/>
+          </a:xfrm>
+          <a:prstGeom prst="rect">
+            <a:avLst/>
+          </a:prstGeom>
+        </p:spPr>
+      </p:pic>
+      <p:pic>
+        <p:nvPicPr>
+          <p:cNvPr id="23" name="Picture 22"/>
+          <p:cNvPicPr>
+            <a:picLocks noChangeAspect="1"/>
+          </p:cNvPicPr>
+          <p:nvPr/>
+        </p:nvPicPr>
+        <p:blipFill>
+          <a:blip r:embed="rId8" cstate="print">
+            <a:extLst>
+              <a:ext uri="{28A0092B-C50C-407E-A947-70E740481C1C}">
+                <a14:useLocalDpi xmlns:a14="http://schemas.microsoft.com/office/drawing/2010/main" val="0"/>
+              </a:ext>
+            </a:extLst>
+          </a:blip>
+          <a:stretch>
+            <a:fillRect/>
+          </a:stretch>
+        </p:blipFill>
+        <p:spPr>
+          <a:xfrm>
+            <a:off x="8234507" y="5449114"/>
+            <a:ext cx="282210" cy="371263"/>
+          </a:xfrm>
+          <a:prstGeom prst="rect">
+            <a:avLst/>
+          </a:prstGeom>
+        </p:spPr>
+      </p:pic>
+      <p:pic>
+        <p:nvPicPr>
+          <p:cNvPr id="24" name="Picture 23"/>
+          <p:cNvPicPr>
+            <a:picLocks noChangeAspect="1"/>
+          </p:cNvPicPr>
+          <p:nvPr/>
+        </p:nvPicPr>
+        <p:blipFill>
+          <a:blip r:embed="rId8" cstate="print">
+            <a:extLst>
+              <a:ext uri="{28A0092B-C50C-407E-A947-70E740481C1C}">
+                <a14:useLocalDpi xmlns:a14="http://schemas.microsoft.com/office/drawing/2010/main" val="0"/>
+              </a:ext>
+            </a:extLst>
+          </a:blip>
+          <a:stretch>
+            <a:fillRect/>
+          </a:stretch>
+        </p:blipFill>
+        <p:spPr>
+          <a:xfrm>
+            <a:off x="7279336" y="4705177"/>
+            <a:ext cx="282210" cy="371263"/>
+          </a:xfrm>
+          <a:prstGeom prst="rect">
+            <a:avLst/>
+          </a:prstGeom>
+        </p:spPr>
+      </p:pic>
+      <p:pic>
+        <p:nvPicPr>
+          <p:cNvPr id="11" name="Picture 10"/>
+          <p:cNvPicPr>
+            <a:picLocks noChangeAspect="1"/>
+          </p:cNvPicPr>
+          <p:nvPr/>
+        </p:nvPicPr>
+        <p:blipFill>
+          <a:blip r:embed="rId10" cstate="print">
+            <a:extLst>
+              <a:ext uri="{28A0092B-C50C-407E-A947-70E740481C1C}">
+                <a14:useLocalDpi xmlns:a14="http://schemas.microsoft.com/office/drawing/2010/main" val="0"/>
+              </a:ext>
+            </a:extLst>
+          </a:blip>
+          <a:stretch>
+            <a:fillRect/>
+          </a:stretch>
+        </p:blipFill>
+        <p:spPr>
+          <a:xfrm>
+            <a:off x="6028523" y="3732842"/>
+            <a:ext cx="426463" cy="321719"/>
+          </a:xfrm>
+          <a:prstGeom prst="rect">
+            <a:avLst/>
+          </a:prstGeom>
+        </p:spPr>
+      </p:pic>
+      <p:pic>
+        <p:nvPicPr>
+          <p:cNvPr id="25" name="Picture 24"/>
+          <p:cNvPicPr>
+            <a:picLocks noChangeAspect="1"/>
+          </p:cNvPicPr>
+          <p:nvPr/>
+        </p:nvPicPr>
+        <p:blipFill>
+          <a:blip r:embed="rId10" cstate="print">
+            <a:extLst>
+              <a:ext uri="{28A0092B-C50C-407E-A947-70E740481C1C}">
+                <a14:useLocalDpi xmlns:a14="http://schemas.microsoft.com/office/drawing/2010/main" val="0"/>
+              </a:ext>
+            </a:extLst>
+          </a:blip>
+          <a:stretch>
+            <a:fillRect/>
+          </a:stretch>
+        </p:blipFill>
+        <p:spPr>
+          <a:xfrm>
+            <a:off x="6028523" y="4121868"/>
+            <a:ext cx="426463" cy="321719"/>
+          </a:xfrm>
+          <a:prstGeom prst="rect">
+            <a:avLst/>
+          </a:prstGeom>
+        </p:spPr>
+      </p:pic>
+      <p:pic>
+        <p:nvPicPr>
+          <p:cNvPr id="26" name="Picture 25"/>
+          <p:cNvPicPr>
+            <a:picLocks noChangeAspect="1"/>
+          </p:cNvPicPr>
+          <p:nvPr/>
+        </p:nvPicPr>
+        <p:blipFill>
+          <a:blip r:embed="rId10" cstate="print">
+            <a:extLst>
+              <a:ext uri="{28A0092B-C50C-407E-A947-70E740481C1C}">
+                <a14:useLocalDpi xmlns:a14="http://schemas.microsoft.com/office/drawing/2010/main" val="0"/>
+              </a:ext>
+            </a:extLst>
+          </a:blip>
+          <a:stretch>
+            <a:fillRect/>
+          </a:stretch>
+        </p:blipFill>
+        <p:spPr>
+          <a:xfrm>
+            <a:off x="6028523" y="5455549"/>
+            <a:ext cx="426463" cy="321719"/>
+          </a:xfrm>
+          <a:prstGeom prst="rect">
+            <a:avLst/>
+          </a:prstGeom>
+        </p:spPr>
+      </p:pic>
+      <p:pic>
+        <p:nvPicPr>
+          <p:cNvPr id="27" name="Picture 26"/>
+          <p:cNvPicPr>
+            <a:picLocks noChangeAspect="1"/>
+          </p:cNvPicPr>
+          <p:nvPr/>
+        </p:nvPicPr>
+        <p:blipFill>
+          <a:blip r:embed="rId10" cstate="print">
+            <a:extLst>
+              <a:ext uri="{28A0092B-C50C-407E-A947-70E740481C1C}">
+                <a14:useLocalDpi xmlns:a14="http://schemas.microsoft.com/office/drawing/2010/main" val="0"/>
+              </a:ext>
+            </a:extLst>
+          </a:blip>
+          <a:stretch>
+            <a:fillRect/>
+          </a:stretch>
+        </p:blipFill>
+        <p:spPr>
+          <a:xfrm>
+            <a:off x="4116450" y="4096694"/>
+            <a:ext cx="426463" cy="321719"/>
+          </a:xfrm>
+          <a:prstGeom prst="rect">
+            <a:avLst/>
+          </a:prstGeom>
+        </p:spPr>
+      </p:pic>
     </p:spTree>
     <p:extLst>
       <p:ext uri="{BB962C8B-B14F-4D97-AF65-F5344CB8AC3E}">
@@ -38275,7 +39194,7 @@
         <p:spPr/>
         <p:txBody>
           <a:bodyPr>
-            <a:normAutofit fontScale="92500" lnSpcReduction="20000"/>
+            <a:normAutofit fontScale="92500" lnSpcReduction="10000"/>
           </a:bodyPr>
           <a:lstStyle/>
           <a:p>
@@ -38375,17 +39294,18 @@
               <a:t>Spring</a:t>
             </a:r>
             <a:r>
+              <a:rPr lang="it-IT" dirty="0"/>
+              <a:t> </a:t>
+            </a:r>
+            <a:r>
               <a:rPr lang="it-IT" dirty="0" smtClean="0"/>
-              <a:t>, </a:t>
+              <a:t>e </a:t>
             </a:r>
             <a:r>
               <a:rPr lang="it-IT" b="1" dirty="0" smtClean="0"/>
               <a:t>.NET</a:t>
             </a:r>
-            <a:r>
-              <a:rPr lang="it-IT" dirty="0" smtClean="0"/>
-              <a:t>(ASP.NET MVC viene rilasciato nel 2009)</a:t>
-            </a:r>
+            <a:endParaRPr lang="it-IT" dirty="0" smtClean="0"/>
           </a:p>
           <a:p>
             <a:pPr lvl="1"/>
@@ -38405,22 +39325,14 @@
             </a:r>
             <a:r>
               <a:rPr lang="it-IT" dirty="0" smtClean="0"/>
-              <a:t>Sviluppo di tre applicazioni </a:t>
-            </a:r>
-            <a:r>
-              <a:rPr lang="it-IT" dirty="0" smtClean="0"/>
-              <a:t>web</a:t>
+              <a:t>Sviluppo di tre applicazioni web</a:t>
             </a:r>
           </a:p>
           <a:p>
             <a:pPr lvl="1"/>
             <a:r>
               <a:rPr lang="it-IT" dirty="0" smtClean="0"/>
-              <a:t>Utilizzando </a:t>
-            </a:r>
-            <a:r>
-              <a:rPr lang="it-IT" dirty="0" smtClean="0"/>
-              <a:t>i </a:t>
+              <a:t>Utilizzando i </a:t>
             </a:r>
             <a:r>
               <a:rPr lang="it-IT" dirty="0" err="1" smtClean="0"/>
@@ -38428,7 +39340,22 @@
             </a:r>
             <a:r>
               <a:rPr lang="it-IT" dirty="0" smtClean="0"/>
-              <a:t> MVC più diffusi e tecnologicamente avanzati;</a:t>
+              <a:t> MVC più diffusi e </a:t>
+            </a:r>
+            <a:r>
+              <a:rPr lang="it-IT" dirty="0" smtClean="0"/>
+              <a:t>avanzati</a:t>
+            </a:r>
+            <a:endParaRPr lang="it-IT" dirty="0" smtClean="0"/>
+          </a:p>
+          <a:p>
+            <a:pPr lvl="1">
+              <a:buFont typeface="Arial" panose="020B0604020202020204" pitchFamily="34" charset="0"/>
+              <a:buChar char="•"/>
+            </a:pPr>
+            <a:r>
+              <a:rPr lang="it-IT" dirty="0" smtClean="0"/>
+              <a:t>Utilizzo di diverse tecnologie per lo sviluppo web</a:t>
             </a:r>
           </a:p>
           <a:p>
@@ -38438,34 +39365,13 @@
             </a:pPr>
             <a:r>
               <a:rPr lang="it-IT" dirty="0" smtClean="0"/>
-              <a:t>Utilizzo di diversi strumenti per lo </a:t>
-            </a:r>
-            <a:r>
-              <a:rPr lang="it-IT" dirty="0" smtClean="0"/>
-              <a:t>sviluppo</a:t>
-            </a:r>
-          </a:p>
-          <a:p>
-            <a:pPr lvl="1">
-              <a:buFont typeface="Arial" panose="020B0604020202020204" pitchFamily="34" charset="0"/>
-              <a:buChar char="•"/>
-            </a:pPr>
-            <a:r>
-              <a:rPr lang="it-IT" dirty="0" smtClean="0"/>
-              <a:t>Comparazione </a:t>
-            </a:r>
-            <a:r>
-              <a:rPr lang="it-IT" dirty="0" smtClean="0"/>
-              <a:t>delle potenzialità dei </a:t>
+              <a:t>Comparazione delle potenzialità dei </a:t>
             </a:r>
             <a:r>
               <a:rPr lang="it-IT" dirty="0" err="1" smtClean="0"/>
               <a:t>framework</a:t>
             </a:r>
-            <a:r>
-              <a:rPr lang="it-IT" dirty="0" smtClean="0"/>
-              <a:t>;</a:t>
-            </a:r>
+            <a:endParaRPr lang="it-IT" dirty="0" smtClean="0"/>
           </a:p>
           <a:p>
             <a:pPr>
@@ -38474,7 +39380,15 @@
             </a:pPr>
             <a:r>
               <a:rPr lang="it-IT" dirty="0" smtClean="0"/>
-              <a:t> Implementazione di test di accettazione e comparazione degli </a:t>
+              <a:t> Focus sull’</a:t>
+            </a:r>
+            <a:r>
+              <a:rPr lang="it-IT" dirty="0"/>
+              <a:t>i</a:t>
+            </a:r>
+            <a:r>
+              <a:rPr lang="it-IT" dirty="0" smtClean="0"/>
+              <a:t>mplementazione di test di accettazione e comparazione degli </a:t>
             </a:r>
             <a:r>
               <a:rPr lang="it-IT" dirty="0" err="1" smtClean="0"/>
@@ -38743,7 +39657,7 @@
           <p:nvPr>
             <p:extLst>
               <p:ext uri="{D42A27DB-BD31-4B8C-83A1-F6EECF244321}">
-                <p14:modId xmlns:p14="http://schemas.microsoft.com/office/powerpoint/2010/main" val="2061890559"/>
+                <p14:modId xmlns:p14="http://schemas.microsoft.com/office/powerpoint/2010/main" val="2234663810"/>
               </p:ext>
             </p:extLst>
           </p:nvPr>
@@ -38844,10 +39758,6 @@
                     <a:lstStyle/>
                     <a:p>
                       <a:pPr algn="ctr"/>
-                      <a:r>
-                        <a:rPr lang="it-IT" dirty="0" smtClean="0"/>
-                        <a:t>++</a:t>
-                      </a:r>
                       <a:endParaRPr lang="it-IT" dirty="0"/>
                     </a:p>
                   </a:txBody>
@@ -38859,10 +39769,6 @@
                     <a:lstStyle/>
                     <a:p>
                       <a:pPr algn="ctr"/>
-                      <a:r>
-                        <a:rPr lang="it-IT" dirty="0" smtClean="0"/>
-                        <a:t>++</a:t>
-                      </a:r>
                       <a:endParaRPr lang="it-IT" dirty="0"/>
                     </a:p>
                   </a:txBody>
@@ -38874,10 +39780,6 @@
                     <a:lstStyle/>
                     <a:p>
                       <a:pPr algn="ctr"/>
-                      <a:r>
-                        <a:rPr lang="it-IT" dirty="0" smtClean="0"/>
-                        <a:t>++</a:t>
-                      </a:r>
                       <a:endParaRPr lang="it-IT" dirty="0"/>
                     </a:p>
                   </a:txBody>
@@ -38936,10 +39838,6 @@
                     <a:lstStyle/>
                     <a:p>
                       <a:pPr algn="ctr"/>
-                      <a:r>
-                        <a:rPr lang="it-IT" dirty="0" smtClean="0"/>
-                        <a:t>--</a:t>
-                      </a:r>
                       <a:endParaRPr lang="it-IT" dirty="0"/>
                     </a:p>
                   </a:txBody>
@@ -38968,10 +39866,6 @@
                     <a:lstStyle/>
                     <a:p>
                       <a:pPr algn="ctr"/>
-                      <a:r>
-                        <a:rPr lang="it-IT" dirty="0" smtClean="0"/>
-                        <a:t>++</a:t>
-                      </a:r>
                       <a:endParaRPr lang="it-IT" dirty="0"/>
                     </a:p>
                   </a:txBody>
@@ -38983,10 +39877,6 @@
                     <a:lstStyle/>
                     <a:p>
                       <a:pPr algn="ctr"/>
-                      <a:r>
-                        <a:rPr lang="it-IT" dirty="0" smtClean="0"/>
-                        <a:t>++</a:t>
-                      </a:r>
                       <a:endParaRPr lang="it-IT" dirty="0"/>
                     </a:p>
                   </a:txBody>
@@ -39320,6 +40210,456 @@
           </a:p>
         </p:txBody>
       </p:sp>
+      <p:pic>
+        <p:nvPicPr>
+          <p:cNvPr id="5" name="Picture 4"/>
+          <p:cNvPicPr>
+            <a:picLocks noChangeAspect="1"/>
+          </p:cNvPicPr>
+          <p:nvPr/>
+        </p:nvPicPr>
+        <p:blipFill>
+          <a:blip r:embed="rId8" cstate="print">
+            <a:extLst>
+              <a:ext uri="{28A0092B-C50C-407E-A947-70E740481C1C}">
+                <a14:useLocalDpi xmlns:a14="http://schemas.microsoft.com/office/drawing/2010/main" val="0"/>
+              </a:ext>
+            </a:extLst>
+          </a:blip>
+          <a:stretch>
+            <a:fillRect/>
+          </a:stretch>
+        </p:blipFill>
+        <p:spPr>
+          <a:xfrm>
+            <a:off x="4401226" y="4378748"/>
+            <a:ext cx="282210" cy="371263"/>
+          </a:xfrm>
+          <a:prstGeom prst="rect">
+            <a:avLst/>
+          </a:prstGeom>
+        </p:spPr>
+      </p:pic>
+      <p:pic>
+        <p:nvPicPr>
+          <p:cNvPr id="25" name="Picture 24"/>
+          <p:cNvPicPr>
+            <a:picLocks noChangeAspect="1"/>
+          </p:cNvPicPr>
+          <p:nvPr/>
+        </p:nvPicPr>
+        <p:blipFill>
+          <a:blip r:embed="rId8" cstate="print">
+            <a:extLst>
+              <a:ext uri="{28A0092B-C50C-407E-A947-70E740481C1C}">
+                <a14:useLocalDpi xmlns:a14="http://schemas.microsoft.com/office/drawing/2010/main" val="0"/>
+              </a:ext>
+            </a:extLst>
+          </a:blip>
+          <a:stretch>
+            <a:fillRect/>
+          </a:stretch>
+        </p:blipFill>
+        <p:spPr>
+          <a:xfrm>
+            <a:off x="4064865" y="4378748"/>
+            <a:ext cx="282210" cy="371263"/>
+          </a:xfrm>
+          <a:prstGeom prst="rect">
+            <a:avLst/>
+          </a:prstGeom>
+        </p:spPr>
+      </p:pic>
+      <p:pic>
+        <p:nvPicPr>
+          <p:cNvPr id="26" name="Picture 25"/>
+          <p:cNvPicPr>
+            <a:picLocks noChangeAspect="1"/>
+          </p:cNvPicPr>
+          <p:nvPr/>
+        </p:nvPicPr>
+        <p:blipFill>
+          <a:blip r:embed="rId8" cstate="print">
+            <a:extLst>
+              <a:ext uri="{28A0092B-C50C-407E-A947-70E740481C1C}">
+                <a14:useLocalDpi xmlns:a14="http://schemas.microsoft.com/office/drawing/2010/main" val="0"/>
+              </a:ext>
+            </a:extLst>
+          </a:blip>
+          <a:stretch>
+            <a:fillRect/>
+          </a:stretch>
+        </p:blipFill>
+        <p:spPr>
+          <a:xfrm>
+            <a:off x="5887126" y="4378749"/>
+            <a:ext cx="282210" cy="371263"/>
+          </a:xfrm>
+          <a:prstGeom prst="rect">
+            <a:avLst/>
+          </a:prstGeom>
+        </p:spPr>
+      </p:pic>
+      <p:pic>
+        <p:nvPicPr>
+          <p:cNvPr id="27" name="Picture 26"/>
+          <p:cNvPicPr>
+            <a:picLocks noChangeAspect="1"/>
+          </p:cNvPicPr>
+          <p:nvPr/>
+        </p:nvPicPr>
+        <p:blipFill>
+          <a:blip r:embed="rId8" cstate="print">
+            <a:extLst>
+              <a:ext uri="{28A0092B-C50C-407E-A947-70E740481C1C}">
+                <a14:useLocalDpi xmlns:a14="http://schemas.microsoft.com/office/drawing/2010/main" val="0"/>
+              </a:ext>
+            </a:extLst>
+          </a:blip>
+          <a:stretch>
+            <a:fillRect/>
+          </a:stretch>
+        </p:blipFill>
+        <p:spPr>
+          <a:xfrm>
+            <a:off x="5550765" y="4378749"/>
+            <a:ext cx="282210" cy="371263"/>
+          </a:xfrm>
+          <a:prstGeom prst="rect">
+            <a:avLst/>
+          </a:prstGeom>
+        </p:spPr>
+      </p:pic>
+      <p:pic>
+        <p:nvPicPr>
+          <p:cNvPr id="28" name="Picture 27"/>
+          <p:cNvPicPr>
+            <a:picLocks noChangeAspect="1"/>
+          </p:cNvPicPr>
+          <p:nvPr/>
+        </p:nvPicPr>
+        <p:blipFill>
+          <a:blip r:embed="rId8" cstate="print">
+            <a:extLst>
+              <a:ext uri="{28A0092B-C50C-407E-A947-70E740481C1C}">
+                <a14:useLocalDpi xmlns:a14="http://schemas.microsoft.com/office/drawing/2010/main" val="0"/>
+              </a:ext>
+            </a:extLst>
+          </a:blip>
+          <a:stretch>
+            <a:fillRect/>
+          </a:stretch>
+        </p:blipFill>
+        <p:spPr>
+          <a:xfrm>
+            <a:off x="7432635" y="4378748"/>
+            <a:ext cx="282210" cy="371263"/>
+          </a:xfrm>
+          <a:prstGeom prst="rect">
+            <a:avLst/>
+          </a:prstGeom>
+        </p:spPr>
+      </p:pic>
+      <p:pic>
+        <p:nvPicPr>
+          <p:cNvPr id="29" name="Picture 28"/>
+          <p:cNvPicPr>
+            <a:picLocks noChangeAspect="1"/>
+          </p:cNvPicPr>
+          <p:nvPr/>
+        </p:nvPicPr>
+        <p:blipFill>
+          <a:blip r:embed="rId8" cstate="print">
+            <a:extLst>
+              <a:ext uri="{28A0092B-C50C-407E-A947-70E740481C1C}">
+                <a14:useLocalDpi xmlns:a14="http://schemas.microsoft.com/office/drawing/2010/main" val="0"/>
+              </a:ext>
+            </a:extLst>
+          </a:blip>
+          <a:stretch>
+            <a:fillRect/>
+          </a:stretch>
+        </p:blipFill>
+        <p:spPr>
+          <a:xfrm>
+            <a:off x="7096274" y="4378748"/>
+            <a:ext cx="282210" cy="371263"/>
+          </a:xfrm>
+          <a:prstGeom prst="rect">
+            <a:avLst/>
+          </a:prstGeom>
+        </p:spPr>
+      </p:pic>
+      <p:pic>
+        <p:nvPicPr>
+          <p:cNvPr id="30" name="Picture 29"/>
+          <p:cNvPicPr>
+            <a:picLocks noChangeAspect="1"/>
+          </p:cNvPicPr>
+          <p:nvPr/>
+        </p:nvPicPr>
+        <p:blipFill>
+          <a:blip r:embed="rId8" cstate="print">
+            <a:extLst>
+              <a:ext uri="{28A0092B-C50C-407E-A947-70E740481C1C}">
+                <a14:useLocalDpi xmlns:a14="http://schemas.microsoft.com/office/drawing/2010/main" val="0"/>
+              </a:ext>
+            </a:extLst>
+          </a:blip>
+          <a:stretch>
+            <a:fillRect/>
+          </a:stretch>
+        </p:blipFill>
+        <p:spPr>
+          <a:xfrm>
+            <a:off x="4401226" y="5719528"/>
+            <a:ext cx="282210" cy="371263"/>
+          </a:xfrm>
+          <a:prstGeom prst="rect">
+            <a:avLst/>
+          </a:prstGeom>
+        </p:spPr>
+      </p:pic>
+      <p:pic>
+        <p:nvPicPr>
+          <p:cNvPr id="31" name="Picture 30"/>
+          <p:cNvPicPr>
+            <a:picLocks noChangeAspect="1"/>
+          </p:cNvPicPr>
+          <p:nvPr/>
+        </p:nvPicPr>
+        <p:blipFill>
+          <a:blip r:embed="rId8" cstate="print">
+            <a:extLst>
+              <a:ext uri="{28A0092B-C50C-407E-A947-70E740481C1C}">
+                <a14:useLocalDpi xmlns:a14="http://schemas.microsoft.com/office/drawing/2010/main" val="0"/>
+              </a:ext>
+            </a:extLst>
+          </a:blip>
+          <a:stretch>
+            <a:fillRect/>
+          </a:stretch>
+        </p:blipFill>
+        <p:spPr>
+          <a:xfrm>
+            <a:off x="4064865" y="5719528"/>
+            <a:ext cx="282210" cy="371263"/>
+          </a:xfrm>
+          <a:prstGeom prst="rect">
+            <a:avLst/>
+          </a:prstGeom>
+        </p:spPr>
+      </p:pic>
+      <p:pic>
+        <p:nvPicPr>
+          <p:cNvPr id="32" name="Picture 31"/>
+          <p:cNvPicPr>
+            <a:picLocks noChangeAspect="1"/>
+          </p:cNvPicPr>
+          <p:nvPr/>
+        </p:nvPicPr>
+        <p:blipFill>
+          <a:blip r:embed="rId8" cstate="print">
+            <a:extLst>
+              <a:ext uri="{28A0092B-C50C-407E-A947-70E740481C1C}">
+                <a14:useLocalDpi xmlns:a14="http://schemas.microsoft.com/office/drawing/2010/main" val="0"/>
+              </a:ext>
+            </a:extLst>
+          </a:blip>
+          <a:stretch>
+            <a:fillRect/>
+          </a:stretch>
+        </p:blipFill>
+        <p:spPr>
+          <a:xfrm>
+            <a:off x="5887126" y="5719528"/>
+            <a:ext cx="282210" cy="371263"/>
+          </a:xfrm>
+          <a:prstGeom prst="rect">
+            <a:avLst/>
+          </a:prstGeom>
+        </p:spPr>
+      </p:pic>
+      <p:pic>
+        <p:nvPicPr>
+          <p:cNvPr id="33" name="Picture 32"/>
+          <p:cNvPicPr>
+            <a:picLocks noChangeAspect="1"/>
+          </p:cNvPicPr>
+          <p:nvPr/>
+        </p:nvPicPr>
+        <p:blipFill>
+          <a:blip r:embed="rId8" cstate="print">
+            <a:extLst>
+              <a:ext uri="{28A0092B-C50C-407E-A947-70E740481C1C}">
+                <a14:useLocalDpi xmlns:a14="http://schemas.microsoft.com/office/drawing/2010/main" val="0"/>
+              </a:ext>
+            </a:extLst>
+          </a:blip>
+          <a:stretch>
+            <a:fillRect/>
+          </a:stretch>
+        </p:blipFill>
+        <p:spPr>
+          <a:xfrm>
+            <a:off x="5550765" y="5719528"/>
+            <a:ext cx="282210" cy="371263"/>
+          </a:xfrm>
+          <a:prstGeom prst="rect">
+            <a:avLst/>
+          </a:prstGeom>
+        </p:spPr>
+      </p:pic>
+      <p:pic>
+        <p:nvPicPr>
+          <p:cNvPr id="35" name="Picture 34"/>
+          <p:cNvPicPr>
+            <a:picLocks noChangeAspect="1"/>
+          </p:cNvPicPr>
+          <p:nvPr/>
+        </p:nvPicPr>
+        <p:blipFill>
+          <a:blip r:embed="rId8" cstate="print">
+            <a:extLst>
+              <a:ext uri="{28A0092B-C50C-407E-A947-70E740481C1C}">
+                <a14:useLocalDpi xmlns:a14="http://schemas.microsoft.com/office/drawing/2010/main" val="0"/>
+              </a:ext>
+            </a:extLst>
+          </a:blip>
+          <a:stretch>
+            <a:fillRect/>
+          </a:stretch>
+        </p:blipFill>
+        <p:spPr>
+          <a:xfrm>
+            <a:off x="4212996" y="4872541"/>
+            <a:ext cx="282210" cy="371263"/>
+          </a:xfrm>
+          <a:prstGeom prst="rect">
+            <a:avLst/>
+          </a:prstGeom>
+        </p:spPr>
+      </p:pic>
+      <p:pic>
+        <p:nvPicPr>
+          <p:cNvPr id="36" name="Picture 35"/>
+          <p:cNvPicPr>
+            <a:picLocks noChangeAspect="1"/>
+          </p:cNvPicPr>
+          <p:nvPr/>
+        </p:nvPicPr>
+        <p:blipFill>
+          <a:blip r:embed="rId8" cstate="print">
+            <a:extLst>
+              <a:ext uri="{28A0092B-C50C-407E-A947-70E740481C1C}">
+                <a14:useLocalDpi xmlns:a14="http://schemas.microsoft.com/office/drawing/2010/main" val="0"/>
+              </a:ext>
+            </a:extLst>
+          </a:blip>
+          <a:stretch>
+            <a:fillRect/>
+          </a:stretch>
+        </p:blipFill>
+        <p:spPr>
+          <a:xfrm>
+            <a:off x="5713001" y="4872541"/>
+            <a:ext cx="282210" cy="371263"/>
+          </a:xfrm>
+          <a:prstGeom prst="rect">
+            <a:avLst/>
+          </a:prstGeom>
+        </p:spPr>
+      </p:pic>
+      <p:pic>
+        <p:nvPicPr>
+          <p:cNvPr id="37" name="Picture 36"/>
+          <p:cNvPicPr>
+            <a:picLocks noChangeAspect="1"/>
+          </p:cNvPicPr>
+          <p:nvPr/>
+        </p:nvPicPr>
+        <p:blipFill>
+          <a:blip r:embed="rId8" cstate="print">
+            <a:extLst>
+              <a:ext uri="{28A0092B-C50C-407E-A947-70E740481C1C}">
+                <a14:useLocalDpi xmlns:a14="http://schemas.microsoft.com/office/drawing/2010/main" val="0"/>
+              </a:ext>
+            </a:extLst>
+          </a:blip>
+          <a:stretch>
+            <a:fillRect/>
+          </a:stretch>
+        </p:blipFill>
+        <p:spPr>
+          <a:xfrm>
+            <a:off x="7237379" y="5719528"/>
+            <a:ext cx="282210" cy="371263"/>
+          </a:xfrm>
+          <a:prstGeom prst="rect">
+            <a:avLst/>
+          </a:prstGeom>
+        </p:spPr>
+      </p:pic>
+      <p:pic>
+        <p:nvPicPr>
+          <p:cNvPr id="11" name="Picture 10"/>
+          <p:cNvPicPr>
+            <a:picLocks noChangeAspect="1"/>
+          </p:cNvPicPr>
+          <p:nvPr/>
+        </p:nvPicPr>
+        <p:blipFill>
+          <a:blip r:embed="rId9" cstate="print">
+            <a:extLst>
+              <a:ext uri="{28A0092B-C50C-407E-A947-70E740481C1C}">
+                <a14:useLocalDpi xmlns:a14="http://schemas.microsoft.com/office/drawing/2010/main" val="0"/>
+              </a:ext>
+            </a:extLst>
+          </a:blip>
+          <a:stretch>
+            <a:fillRect/>
+          </a:stretch>
+        </p:blipFill>
+        <p:spPr>
+          <a:xfrm>
+            <a:off x="7096274" y="4901681"/>
+            <a:ext cx="301333" cy="396000"/>
+          </a:xfrm>
+          <a:prstGeom prst="rect">
+            <a:avLst/>
+          </a:prstGeom>
+        </p:spPr>
+      </p:pic>
+      <p:pic>
+        <p:nvPicPr>
+          <p:cNvPr id="39" name="Picture 38"/>
+          <p:cNvPicPr>
+            <a:picLocks noChangeAspect="1"/>
+          </p:cNvPicPr>
+          <p:nvPr/>
+        </p:nvPicPr>
+        <p:blipFill>
+          <a:blip r:embed="rId9" cstate="print">
+            <a:extLst>
+              <a:ext uri="{28A0092B-C50C-407E-A947-70E740481C1C}">
+                <a14:useLocalDpi xmlns:a14="http://schemas.microsoft.com/office/drawing/2010/main" val="0"/>
+              </a:ext>
+            </a:extLst>
+          </a:blip>
+          <a:stretch>
+            <a:fillRect/>
+          </a:stretch>
+        </p:blipFill>
+        <p:spPr>
+          <a:xfrm>
+            <a:off x="7441546" y="4901681"/>
+            <a:ext cx="301333" cy="396000"/>
+          </a:xfrm>
+          <a:prstGeom prst="rect">
+            <a:avLst/>
+          </a:prstGeom>
+        </p:spPr>
+      </p:pic>
     </p:spTree>
     <p:extLst>
       <p:ext uri="{BB962C8B-B14F-4D97-AF65-F5344CB8AC3E}">
@@ -39541,13 +40881,13 @@
           <p:nvPr>
             <p:extLst>
               <p:ext uri="{D42A27DB-BD31-4B8C-83A1-F6EECF244321}">
-                <p14:modId xmlns:p14="http://schemas.microsoft.com/office/powerpoint/2010/main" val="3286644734"/>
+                <p14:modId xmlns:p14="http://schemas.microsoft.com/office/powerpoint/2010/main" val="3908971291"/>
               </p:ext>
             </p:extLst>
           </p:nvPr>
         </p:nvGraphicFramePr>
         <p:xfrm>
-          <a:off x="2748280" y="1312334"/>
+          <a:off x="2151380" y="1502834"/>
           <a:ext cx="8046720" cy="4292599"/>
         </p:xfrm>
         <a:graphic>
@@ -39828,7 +41168,11 @@
             </a:pPr>
             <a:r>
               <a:rPr lang="it-IT" dirty="0" smtClean="0"/>
-              <a:t>Suddiviso essenzialmente in tre componenti:</a:t>
+              <a:t>Tre </a:t>
+            </a:r>
+            <a:r>
+              <a:rPr lang="it-IT" dirty="0" smtClean="0"/>
+              <a:t>componenti:</a:t>
             </a:r>
           </a:p>
           <a:p>
@@ -39838,13 +41182,8 @@
             </a:pPr>
             <a:r>
               <a:rPr lang="it-IT" dirty="0" smtClean="0"/>
-              <a:t>Il modello descrive il dominio e permette la persistenza delle </a:t>
+              <a:t>Il modello descrive il dominio e permette la persistenza delle informazioni</a:t>
             </a:r>
-            <a:r>
-              <a:rPr lang="it-IT" dirty="0" smtClean="0"/>
-              <a:t>informazioni</a:t>
-            </a:r>
-            <a:endParaRPr lang="it-IT" dirty="0" smtClean="0"/>
           </a:p>
           <a:p>
             <a:pPr marL="742950" lvl="1" indent="-285750">
@@ -39860,13 +41199,16 @@
             </a:pPr>
             <a:r>
               <a:rPr lang="it-IT" dirty="0" smtClean="0"/>
-              <a:t>Le viste rappresentano l’interfaccia dell’applicazione utilizzabili dall’utente e reagiscono in funzione dei cambiamenti sul </a:t>
+              <a:t>Le viste </a:t>
             </a:r>
             <a:r>
               <a:rPr lang="it-IT" dirty="0" smtClean="0"/>
-              <a:t>modello</a:t>
+              <a:t>sono l’interfaccia </a:t>
             </a:r>
-            <a:endParaRPr lang="it-IT" dirty="0" smtClean="0"/>
+            <a:r>
+              <a:rPr lang="it-IT" dirty="0" smtClean="0"/>
+              <a:t>dell’applicazione utilizzabili dall’utente e reagiscono in funzione dei cambiamenti sul modello</a:t>
+            </a:r>
           </a:p>
           <a:p>
             <a:pPr marL="742950" lvl="1" indent="-285750">
@@ -39882,13 +41224,8 @@
             </a:pPr>
             <a:r>
               <a:rPr lang="it-IT" dirty="0" smtClean="0"/>
-              <a:t>I controlli ricevono ed interpretano le richieste effettuate </a:t>
+              <a:t>I controlli ricevono ed interpretano le richieste effettuate dall’utente</a:t>
             </a:r>
-            <a:r>
-              <a:rPr lang="it-IT" dirty="0" smtClean="0"/>
-              <a:t>dall’utente</a:t>
-            </a:r>
-            <a:endParaRPr lang="it-IT" dirty="0" smtClean="0"/>
           </a:p>
           <a:p>
             <a:pPr marL="742950" lvl="1" indent="-285750">
@@ -39904,7 +41241,15 @@
             </a:pPr>
             <a:r>
               <a:rPr lang="it-IT" dirty="0" smtClean="0"/>
-              <a:t>In pratica utilizzate variazioni architetturali come il MVP, Model </a:t>
+              <a:t>In pratica sono utilizzate </a:t>
+            </a:r>
+            <a:r>
+              <a:rPr lang="it-IT" dirty="0" smtClean="0"/>
+              <a:t>variazioni architetturali come il </a:t>
+            </a:r>
+            <a:r>
+              <a:rPr lang="it-IT" dirty="0" smtClean="0"/>
+              <a:t>Model </a:t>
             </a:r>
             <a:r>
               <a:rPr lang="it-IT" dirty="0" err="1" smtClean="0"/>
@@ -40027,7 +41372,7 @@
                   <a:schemeClr val="bg1"/>
                 </a:solidFill>
               </a:rPr>
-              <a:t> Controller</a:t>
+              <a:t> Controller Pattern</a:t>
             </a:r>
             <a:endParaRPr lang="it-IT" dirty="0">
               <a:solidFill>
@@ -40417,13 +41762,8 @@
             </a:r>
             <a:r>
               <a:rPr lang="it-IT" dirty="0" smtClean="0"/>
-              <a:t>utilizzando una libreria di test di </a:t>
+              <a:t>utilizzando una libreria di test di accettazione comune</a:t>
             </a:r>
-            <a:r>
-              <a:rPr lang="it-IT" dirty="0" smtClean="0"/>
-              <a:t>accettazione comune</a:t>
-            </a:r>
-            <a:endParaRPr lang="it-IT" dirty="0" smtClean="0"/>
           </a:p>
           <a:p>
             <a:pPr>
@@ -40434,7 +41774,7 @@
             </a:pPr>
             <a:r>
               <a:rPr lang="it-IT" dirty="0" smtClean="0"/>
-              <a:t>Ogni funzionalità coincide con l’introduzione di un numero ridotto di tecnologie</a:t>
+              <a:t>Ogni iterazione e relativa storia coincide con l’introduzione di un numero ridotto di tecnologie</a:t>
             </a:r>
           </a:p>
           <a:p>
@@ -40519,7 +41859,7 @@
         </p:blipFill>
         <p:spPr>
           <a:xfrm>
-            <a:off x="0" y="7250"/>
+            <a:off x="0" y="0"/>
             <a:ext cx="12192000" cy="1032425"/>
           </a:xfrm>
           <a:prstGeom prst="rect">
@@ -40975,15 +42315,7 @@
                   <a:schemeClr val="bg1"/>
                 </a:solidFill>
               </a:rPr>
-              <a:t>CS}Blog </a:t>
-            </a:r>
-            <a:r>
-              <a:rPr lang="it-IT" dirty="0" smtClean="0">
-                <a:solidFill>
-                  <a:schemeClr val="bg1"/>
-                </a:solidFill>
-              </a:rPr>
-              <a:t>M</a:t>
+              <a:t>CS}Blog M</a:t>
             </a:r>
             <a:r>
               <a:rPr lang="it-IT" b="1" dirty="0" smtClean="0">
@@ -41282,7 +42614,7 @@
           <p:nvPr>
             <p:extLst>
               <p:ext uri="{D42A27DB-BD31-4B8C-83A1-F6EECF244321}">
-                <p14:modId xmlns:p14="http://schemas.microsoft.com/office/powerpoint/2010/main" val="983776274"/>
+                <p14:modId xmlns:p14="http://schemas.microsoft.com/office/powerpoint/2010/main" val="2784081141"/>
               </p:ext>
             </p:extLst>
           </p:nvPr>

--- a/Presentazione.pptx
+++ b/Presentazione.pptx
@@ -8602,24 +8602,6 @@
           </a:r>
           <a:endParaRPr lang="it-IT" sz="2200" dirty="0" smtClean="0"/>
         </a:p>
-        <a:p>
-          <a:r>
-            <a:rPr lang="it-IT" sz="2200" dirty="0" err="1" smtClean="0"/>
-            <a:t>Helpers</a:t>
-          </a:r>
-          <a:r>
-            <a:rPr lang="it-IT" sz="2200" dirty="0" smtClean="0"/>
-            <a:t>, </a:t>
-          </a:r>
-          <a:r>
-            <a:rPr lang="it-IT" sz="2200" dirty="0" err="1" smtClean="0"/>
-            <a:t>Filter</a:t>
-          </a:r>
-          <a:r>
-            <a:rPr lang="it-IT" sz="2200" dirty="0" smtClean="0"/>
-            <a:t>, …</a:t>
-          </a:r>
-        </a:p>
       </dgm:t>
     </dgm:pt>
     <dgm:pt modelId="{46DADFF2-3F55-4C36-9642-05AE84E1CBCC}" type="parTrans" cxnId="{139952CB-DBD1-4458-84A6-FDD86ECEB723}">
@@ -8684,25 +8666,22 @@
         <a:lstStyle/>
         <a:p>
           <a:r>
-            <a:rPr lang="it-IT" sz="2200" b="1" i="1" dirty="0" err="1" smtClean="0"/>
+            <a:rPr lang="it-IT" sz="2200" b="1" i="0" u="none" dirty="0" err="1" smtClean="0"/>
             <a:t>Configuration</a:t>
           </a:r>
           <a:r>
+            <a:rPr lang="it-IT" sz="2200" i="0" dirty="0" smtClean="0"/>
+            <a:t> </a:t>
+          </a:r>
+          <a:r>
             <a:rPr lang="it-IT" sz="2200" dirty="0" smtClean="0"/>
-            <a:t> over </a:t>
+            <a:t>over </a:t>
           </a:r>
           <a:r>
             <a:rPr lang="it-IT" sz="2200" dirty="0" err="1" smtClean="0"/>
             <a:t>Configuration</a:t>
           </a:r>
           <a:endParaRPr lang="it-IT" sz="2200" dirty="0" smtClean="0"/>
-        </a:p>
-        <a:p>
-          <a:r>
-            <a:rPr lang="it-IT" sz="2200" dirty="0" smtClean="0"/>
-            <a:t>Service</a:t>
-          </a:r>
-          <a:endParaRPr lang="it-IT" sz="2200" dirty="0"/>
         </a:p>
       </dgm:t>
     </dgm:pt>
@@ -8772,7 +8751,7 @@
             <a:t>Convention </a:t>
           </a:r>
           <a:r>
-            <a:rPr lang="it-IT" sz="2200" b="1" i="1" dirty="0" smtClean="0">
+            <a:rPr lang="it-IT" sz="2200" b="1" i="0" dirty="0" smtClean="0">
               <a:effectLst/>
             </a:rPr>
             <a:t>&amp;</a:t>
@@ -10104,25 +10083,25 @@
     </dgm:pt>
   </dgm:ptLst>
   <dgm:cxnLst>
+    <dgm:cxn modelId="{1633A6CD-F59F-482B-A821-7C54C90514DF}" srcId="{EEE8A3FA-F383-4D0F-B67A-40AD33C5E313}" destId="{EAE98432-45EF-49FC-84CF-CAFF81DB5CD7}" srcOrd="1" destOrd="0" parTransId="{0B7295D3-AB6A-408E-B4E1-36D0BF9BED6E}" sibTransId="{2057EE9D-E2B0-4FBA-9B4A-EC037242B740}"/>
     <dgm:cxn modelId="{582372E9-5AA5-4FD6-9726-8F7A03DE974F}" type="presOf" srcId="{60C267EA-503E-40EE-A033-A0D69762F4DE}" destId="{3DCABB5E-815A-4018-894D-BB2152A05B74}" srcOrd="0" destOrd="1" presId="urn:microsoft.com/office/officeart/2005/8/layout/vList5"/>
-    <dgm:cxn modelId="{EE3D5F84-4287-4B55-B023-7875064AD5BB}" type="presOf" srcId="{A0AA2172-E60F-4EE6-997C-5F090CFF3574}" destId="{84E8FD5B-F47E-455E-849A-EF1F394AFB08}" srcOrd="0" destOrd="0" presId="urn:microsoft.com/office/officeart/2005/8/layout/vList5"/>
+    <dgm:cxn modelId="{3A88C447-9A89-4EC9-9943-D4846AD04A36}" srcId="{EEE8A3FA-F383-4D0F-B67A-40AD33C5E313}" destId="{0F152F44-1198-43AC-86E7-8E96A8CB883F}" srcOrd="2" destOrd="0" parTransId="{255219C8-00D9-4D6E-8429-5D9B2A9DD4C9}" sibTransId="{CEEF77D7-AFC1-4328-B282-96AAECA29424}"/>
+    <dgm:cxn modelId="{F339A4E5-37F9-43A7-AC7E-47E72C4207F1}" srcId="{C7897C54-F800-44B8-B2E0-E3F6280CA0C8}" destId="{A0AA2172-E60F-4EE6-997C-5F090CFF3574}" srcOrd="0" destOrd="0" parTransId="{768D02CB-52CC-4206-B8CA-AFA5F65CA0C9}" sibTransId="{F2A80081-5E49-4D88-BBFF-B694C9F0DE43}"/>
+    <dgm:cxn modelId="{8B8C56C6-02E8-4B27-975C-B8C808A6B68F}" type="presOf" srcId="{BC491DEC-2DE0-4650-8339-783DCFD8374B}" destId="{84E8FD5B-F47E-455E-849A-EF1F394AFB08}" srcOrd="0" destOrd="1" presId="urn:microsoft.com/office/officeart/2005/8/layout/vList5"/>
     <dgm:cxn modelId="{A8509B04-2146-4093-952C-B45A98B5261A}" srcId="{EAE98432-45EF-49FC-84CF-CAFF81DB5CD7}" destId="{5CA24573-BC92-4A10-A1B3-2B7F5A92872F}" srcOrd="1" destOrd="0" parTransId="{59C34C33-CF9C-4B06-993D-E9167933D4A6}" sibTransId="{AE0EC781-1BB0-4A1D-BEF1-E22640B4A60A}"/>
-    <dgm:cxn modelId="{D5F49355-8AE6-466F-A51C-35CC6EDD7CC8}" type="presOf" srcId="{EEE8A3FA-F383-4D0F-B67A-40AD33C5E313}" destId="{F733AC26-86E5-4483-9535-2A97BBA27B1D}" srcOrd="0" destOrd="0" presId="urn:microsoft.com/office/officeart/2005/8/layout/vList5"/>
-    <dgm:cxn modelId="{2389203F-74E3-464B-A439-71969A57CFC9}" type="presOf" srcId="{4A7424E4-33FE-4962-8C87-8F65E64E05A4}" destId="{3DCABB5E-815A-4018-894D-BB2152A05B74}" srcOrd="0" destOrd="0" presId="urn:microsoft.com/office/officeart/2005/8/layout/vList5"/>
-    <dgm:cxn modelId="{DBAB86BD-49FE-400F-A142-34120B5BF832}" type="presOf" srcId="{D0DF8467-DA3A-437F-B3BE-2D4E4C36AE23}" destId="{84047048-3489-45FD-AD42-23C8F293A5F6}" srcOrd="0" destOrd="0" presId="urn:microsoft.com/office/officeart/2005/8/layout/vList5"/>
-    <dgm:cxn modelId="{3A88C447-9A89-4EC9-9943-D4846AD04A36}" srcId="{EEE8A3FA-F383-4D0F-B67A-40AD33C5E313}" destId="{0F152F44-1198-43AC-86E7-8E96A8CB883F}" srcOrd="2" destOrd="0" parTransId="{255219C8-00D9-4D6E-8429-5D9B2A9DD4C9}" sibTransId="{CEEF77D7-AFC1-4328-B282-96AAECA29424}"/>
-    <dgm:cxn modelId="{14D34CDC-DDE0-4DE9-81F7-7B8151BD0D17}" srcId="{0F152F44-1198-43AC-86E7-8E96A8CB883F}" destId="{4A7424E4-33FE-4962-8C87-8F65E64E05A4}" srcOrd="0" destOrd="0" parTransId="{F0B2D6AB-5F2F-4713-B45E-30DA114C481F}" sibTransId="{3C0C09AD-99F4-4527-8671-FA4FF5A98971}"/>
-    <dgm:cxn modelId="{C9A65338-A148-4C28-8AAA-65F212680BEF}" type="presOf" srcId="{C7897C54-F800-44B8-B2E0-E3F6280CA0C8}" destId="{F11A811D-BF03-46F9-903E-86A9AAAF8A3D}" srcOrd="0" destOrd="0" presId="urn:microsoft.com/office/officeart/2005/8/layout/vList5"/>
-    <dgm:cxn modelId="{DBF7F01A-A691-4CAE-A333-56E19FE45680}" type="presOf" srcId="{0F152F44-1198-43AC-86E7-8E96A8CB883F}" destId="{B6BE7333-28CC-4023-A7F5-52E95F94DCDE}" srcOrd="0" destOrd="0" presId="urn:microsoft.com/office/officeart/2005/8/layout/vList5"/>
     <dgm:cxn modelId="{C15160EE-E6D8-4FAE-A151-D3A7080B0A99}" srcId="{EEE8A3FA-F383-4D0F-B67A-40AD33C5E313}" destId="{C7897C54-F800-44B8-B2E0-E3F6280CA0C8}" srcOrd="0" destOrd="0" parTransId="{B538B416-3964-486B-B3A4-0CF22326C761}" sibTransId="{8874BCF8-81F5-4A6B-B3C3-5FDED006647A}"/>
-    <dgm:cxn modelId="{1633A6CD-F59F-482B-A821-7C54C90514DF}" srcId="{EEE8A3FA-F383-4D0F-B67A-40AD33C5E313}" destId="{EAE98432-45EF-49FC-84CF-CAFF81DB5CD7}" srcOrd="1" destOrd="0" parTransId="{0B7295D3-AB6A-408E-B4E1-36D0BF9BED6E}" sibTransId="{2057EE9D-E2B0-4FBA-9B4A-EC037242B740}"/>
-    <dgm:cxn modelId="{8B8C56C6-02E8-4B27-975C-B8C808A6B68F}" type="presOf" srcId="{BC491DEC-2DE0-4650-8339-783DCFD8374B}" destId="{84E8FD5B-F47E-455E-849A-EF1F394AFB08}" srcOrd="0" destOrd="1" presId="urn:microsoft.com/office/officeart/2005/8/layout/vList5"/>
-    <dgm:cxn modelId="{F339A4E5-37F9-43A7-AC7E-47E72C4207F1}" srcId="{C7897C54-F800-44B8-B2E0-E3F6280CA0C8}" destId="{A0AA2172-E60F-4EE6-997C-5F090CFF3574}" srcOrd="0" destOrd="0" parTransId="{768D02CB-52CC-4206-B8CA-AFA5F65CA0C9}" sibTransId="{F2A80081-5E49-4D88-BBFF-B694C9F0DE43}"/>
-    <dgm:cxn modelId="{DD126B35-DDAF-4A09-98E6-EAAAA1F0C85E}" srcId="{0F152F44-1198-43AC-86E7-8E96A8CB883F}" destId="{60C267EA-503E-40EE-A033-A0D69762F4DE}" srcOrd="1" destOrd="0" parTransId="{C1103FC2-D532-4D8D-9065-6C47D17A2331}" sibTransId="{A3B6FC1C-ECE9-4880-9A67-B011E171FB83}"/>
-    <dgm:cxn modelId="{E521E888-6BF8-47D0-91A9-8DDF6A1AFBE2}" srcId="{C7897C54-F800-44B8-B2E0-E3F6280CA0C8}" destId="{BC491DEC-2DE0-4650-8339-783DCFD8374B}" srcOrd="1" destOrd="0" parTransId="{4ADB86D3-83DC-4CFA-9509-46BE32E09462}" sibTransId="{1AB16834-9CDF-434C-9DE7-82B4383238F5}"/>
     <dgm:cxn modelId="{0E68D9FF-0B9D-4E81-B687-E83107DD8E8C}" srcId="{EAE98432-45EF-49FC-84CF-CAFF81DB5CD7}" destId="{D0DF8467-DA3A-437F-B3BE-2D4E4C36AE23}" srcOrd="0" destOrd="0" parTransId="{5A2CB50E-3A3A-41B2-B052-07A44CB96E45}" sibTransId="{66DDADC9-0E8B-42D4-B1EA-74A3270B8D9E}"/>
     <dgm:cxn modelId="{A5F32142-12BC-425D-8490-97E883A97E62}" type="presOf" srcId="{EAE98432-45EF-49FC-84CF-CAFF81DB5CD7}" destId="{D5BA7D7F-A832-4CB0-971D-4F0DE6BF012E}" srcOrd="0" destOrd="0" presId="urn:microsoft.com/office/officeart/2005/8/layout/vList5"/>
+    <dgm:cxn modelId="{DD126B35-DDAF-4A09-98E6-EAAAA1F0C85E}" srcId="{0F152F44-1198-43AC-86E7-8E96A8CB883F}" destId="{60C267EA-503E-40EE-A033-A0D69762F4DE}" srcOrd="1" destOrd="0" parTransId="{C1103FC2-D532-4D8D-9065-6C47D17A2331}" sibTransId="{A3B6FC1C-ECE9-4880-9A67-B011E171FB83}"/>
+    <dgm:cxn modelId="{14D34CDC-DDE0-4DE9-81F7-7B8151BD0D17}" srcId="{0F152F44-1198-43AC-86E7-8E96A8CB883F}" destId="{4A7424E4-33FE-4962-8C87-8F65E64E05A4}" srcOrd="0" destOrd="0" parTransId="{F0B2D6AB-5F2F-4713-B45E-30DA114C481F}" sibTransId="{3C0C09AD-99F4-4527-8671-FA4FF5A98971}"/>
+    <dgm:cxn modelId="{2389203F-74E3-464B-A439-71969A57CFC9}" type="presOf" srcId="{4A7424E4-33FE-4962-8C87-8F65E64E05A4}" destId="{3DCABB5E-815A-4018-894D-BB2152A05B74}" srcOrd="0" destOrd="0" presId="urn:microsoft.com/office/officeart/2005/8/layout/vList5"/>
     <dgm:cxn modelId="{BEAC364D-7BE1-44AB-8350-521CDA18CE36}" type="presOf" srcId="{5CA24573-BC92-4A10-A1B3-2B7F5A92872F}" destId="{84047048-3489-45FD-AD42-23C8F293A5F6}" srcOrd="0" destOrd="1" presId="urn:microsoft.com/office/officeart/2005/8/layout/vList5"/>
+    <dgm:cxn modelId="{E521E888-6BF8-47D0-91A9-8DDF6A1AFBE2}" srcId="{C7897C54-F800-44B8-B2E0-E3F6280CA0C8}" destId="{BC491DEC-2DE0-4650-8339-783DCFD8374B}" srcOrd="1" destOrd="0" parTransId="{4ADB86D3-83DC-4CFA-9509-46BE32E09462}" sibTransId="{1AB16834-9CDF-434C-9DE7-82B4383238F5}"/>
+    <dgm:cxn modelId="{D5F49355-8AE6-466F-A51C-35CC6EDD7CC8}" type="presOf" srcId="{EEE8A3FA-F383-4D0F-B67A-40AD33C5E313}" destId="{F733AC26-86E5-4483-9535-2A97BBA27B1D}" srcOrd="0" destOrd="0" presId="urn:microsoft.com/office/officeart/2005/8/layout/vList5"/>
+    <dgm:cxn modelId="{DBAB86BD-49FE-400F-A142-34120B5BF832}" type="presOf" srcId="{D0DF8467-DA3A-437F-B3BE-2D4E4C36AE23}" destId="{84047048-3489-45FD-AD42-23C8F293A5F6}" srcOrd="0" destOrd="0" presId="urn:microsoft.com/office/officeart/2005/8/layout/vList5"/>
+    <dgm:cxn modelId="{DBF7F01A-A691-4CAE-A333-56E19FE45680}" type="presOf" srcId="{0F152F44-1198-43AC-86E7-8E96A8CB883F}" destId="{B6BE7333-28CC-4023-A7F5-52E95F94DCDE}" srcOrd="0" destOrd="0" presId="urn:microsoft.com/office/officeart/2005/8/layout/vList5"/>
+    <dgm:cxn modelId="{C9A65338-A148-4C28-8AAA-65F212680BEF}" type="presOf" srcId="{C7897C54-F800-44B8-B2E0-E3F6280CA0C8}" destId="{F11A811D-BF03-46F9-903E-86A9AAAF8A3D}" srcOrd="0" destOrd="0" presId="urn:microsoft.com/office/officeart/2005/8/layout/vList5"/>
+    <dgm:cxn modelId="{EE3D5F84-4287-4B55-B023-7875064AD5BB}" type="presOf" srcId="{A0AA2172-E60F-4EE6-997C-5F090CFF3574}" destId="{84E8FD5B-F47E-455E-849A-EF1F394AFB08}" srcOrd="0" destOrd="0" presId="urn:microsoft.com/office/officeart/2005/8/layout/vList5"/>
     <dgm:cxn modelId="{4121EC55-83B5-4942-A2B5-6A0641B932C1}" type="presParOf" srcId="{F733AC26-86E5-4483-9535-2A97BBA27B1D}" destId="{180908C7-BEE4-4F09-9D4E-DE602BA01834}" srcOrd="0" destOrd="0" presId="urn:microsoft.com/office/officeart/2005/8/layout/vList5"/>
     <dgm:cxn modelId="{64D2F2A9-7178-4B1E-AAB3-D0CCE39B8351}" type="presParOf" srcId="{180908C7-BEE4-4F09-9D4E-DE602BA01834}" destId="{F11A811D-BF03-46F9-903E-86A9AAAF8A3D}" srcOrd="0" destOrd="0" presId="urn:microsoft.com/office/officeart/2005/8/layout/vList5"/>
     <dgm:cxn modelId="{9EA16BD2-3DD6-4C1B-81CE-4C87DC1F3CCB}" type="presParOf" srcId="{180908C7-BEE4-4F09-9D4E-DE602BA01834}" destId="{84E8FD5B-F47E-455E-849A-EF1F394AFB08}" srcOrd="1" destOrd="0" presId="urn:microsoft.com/office/officeart/2005/8/layout/vList5"/>
@@ -12020,6 +11999,9 @@
             <a:fillRect/>
           </a:stretch>
         </a:blipFill>
+        <a:ln>
+          <a:noFill/>
+        </a:ln>
       </dgm:spPr>
       <dgm:t>
         <a:bodyPr/>
@@ -12083,6 +12065,9 @@
             <a:fillRect t="6338" b="6338"/>
           </a:stretch>
         </a:blipFill>
+        <a:ln>
+          <a:noFill/>
+        </a:ln>
       </dgm:spPr>
       <dgm:t>
         <a:bodyPr/>
@@ -12146,6 +12131,9 @@
             <a:fillRect/>
           </a:stretch>
         </a:blipFill>
+        <a:ln>
+          <a:noFill/>
+        </a:ln>
       </dgm:spPr>
       <dgm:t>
         <a:bodyPr/>
@@ -12209,6 +12197,9 @@
             <a:fillRect t="3539" b="3539"/>
           </a:stretch>
         </a:blipFill>
+        <a:ln>
+          <a:noFill/>
+        </a:ln>
       </dgm:spPr>
       <dgm:t>
         <a:bodyPr/>
@@ -13830,35 +13821,6 @@
           </a:r>
           <a:endParaRPr lang="it-IT" sz="2200" kern="1200" dirty="0" smtClean="0"/>
         </a:p>
-        <a:p>
-          <a:pPr lvl="0" algn="l" defTabSz="977900">
-            <a:lnSpc>
-              <a:spcPct val="90000"/>
-            </a:lnSpc>
-            <a:spcBef>
-              <a:spcPct val="0"/>
-            </a:spcBef>
-            <a:spcAft>
-              <a:spcPct val="35000"/>
-            </a:spcAft>
-          </a:pPr>
-          <a:r>
-            <a:rPr lang="it-IT" sz="2200" kern="1200" dirty="0" err="1" smtClean="0"/>
-            <a:t>Helpers</a:t>
-          </a:r>
-          <a:r>
-            <a:rPr lang="it-IT" sz="2200" kern="1200" dirty="0" smtClean="0"/>
-            <a:t>, </a:t>
-          </a:r>
-          <a:r>
-            <a:rPr lang="it-IT" sz="2200" kern="1200" dirty="0" err="1" smtClean="0"/>
-            <a:t>Filter</a:t>
-          </a:r>
-          <a:r>
-            <a:rPr lang="it-IT" sz="2200" kern="1200" dirty="0" smtClean="0"/>
-            <a:t>, …</a:t>
-          </a:r>
-        </a:p>
       </dsp:txBody>
       <dsp:txXfrm>
         <a:off x="2115343" y="0"/>
@@ -13984,36 +13946,22 @@
             </a:spcAft>
           </a:pPr>
           <a:r>
-            <a:rPr lang="it-IT" sz="2200" b="1" i="1" kern="1200" dirty="0" err="1" smtClean="0"/>
+            <a:rPr lang="it-IT" sz="2200" b="1" i="0" u="none" kern="1200" dirty="0" err="1" smtClean="0"/>
             <a:t>Configuration</a:t>
           </a:r>
           <a:r>
+            <a:rPr lang="it-IT" sz="2200" i="0" kern="1200" dirty="0" smtClean="0"/>
+            <a:t> </a:t>
+          </a:r>
+          <a:r>
             <a:rPr lang="it-IT" sz="2200" kern="1200" dirty="0" smtClean="0"/>
-            <a:t> over </a:t>
+            <a:t>over </a:t>
           </a:r>
           <a:r>
             <a:rPr lang="it-IT" sz="2200" kern="1200" dirty="0" err="1" smtClean="0"/>
             <a:t>Configuration</a:t>
           </a:r>
           <a:endParaRPr lang="it-IT" sz="2200" kern="1200" dirty="0" smtClean="0"/>
-        </a:p>
-        <a:p>
-          <a:pPr lvl="0" algn="l" defTabSz="977900">
-            <a:lnSpc>
-              <a:spcPct val="90000"/>
-            </a:lnSpc>
-            <a:spcBef>
-              <a:spcPct val="0"/>
-            </a:spcBef>
-            <a:spcAft>
-              <a:spcPct val="35000"/>
-            </a:spcAft>
-          </a:pPr>
-          <a:r>
-            <a:rPr lang="it-IT" sz="2200" kern="1200" dirty="0" smtClean="0"/>
-            <a:t>Service</a:t>
-          </a:r>
-          <a:endParaRPr lang="it-IT" sz="2200" kern="1200" dirty="0"/>
         </a:p>
       </dsp:txBody>
       <dsp:txXfrm>
@@ -14150,7 +14098,7 @@
             <a:t>Convention </a:t>
           </a:r>
           <a:r>
-            <a:rPr lang="it-IT" sz="2200" b="1" i="1" kern="1200" dirty="0" smtClean="0">
+            <a:rPr lang="it-IT" sz="2200" b="1" i="0" kern="1200" dirty="0" smtClean="0">
               <a:effectLst/>
             </a:rPr>
             <a:t>&amp;</a:t>
@@ -17254,14 +17202,7 @@
           </a:stretch>
         </a:blipFill>
         <a:ln w="12700" cap="flat" cmpd="sng" algn="ctr">
-          <a:solidFill>
-            <a:schemeClr val="lt1">
-              <a:hueOff val="0"/>
-              <a:satOff val="0"/>
-              <a:lumOff val="0"/>
-              <a:alphaOff val="0"/>
-            </a:schemeClr>
-          </a:solidFill>
+          <a:noFill/>
           <a:prstDash val="solid"/>
           <a:miter lim="800000"/>
         </a:ln>
@@ -17369,14 +17310,7 @@
           </a:stretch>
         </a:blipFill>
         <a:ln w="12700" cap="flat" cmpd="sng" algn="ctr">
-          <a:solidFill>
-            <a:schemeClr val="lt1">
-              <a:hueOff val="0"/>
-              <a:satOff val="0"/>
-              <a:lumOff val="0"/>
-              <a:alphaOff val="0"/>
-            </a:schemeClr>
-          </a:solidFill>
+          <a:noFill/>
           <a:prstDash val="solid"/>
           <a:miter lim="800000"/>
         </a:ln>
@@ -17492,14 +17426,7 @@
           </a:stretch>
         </a:blipFill>
         <a:ln w="12700" cap="flat" cmpd="sng" algn="ctr">
-          <a:solidFill>
-            <a:schemeClr val="lt1">
-              <a:hueOff val="0"/>
-              <a:satOff val="0"/>
-              <a:lumOff val="0"/>
-              <a:alphaOff val="0"/>
-            </a:schemeClr>
-          </a:solidFill>
+          <a:noFill/>
           <a:prstDash val="solid"/>
           <a:miter lim="800000"/>
         </a:ln>
@@ -17607,14 +17534,7 @@
           </a:stretch>
         </a:blipFill>
         <a:ln w="12700" cap="flat" cmpd="sng" algn="ctr">
-          <a:solidFill>
-            <a:schemeClr val="lt1">
-              <a:hueOff val="0"/>
-              <a:satOff val="0"/>
-              <a:lumOff val="0"/>
-              <a:alphaOff val="0"/>
-            </a:schemeClr>
-          </a:solidFill>
+          <a:noFill/>
           <a:prstDash val="solid"/>
           <a:miter lim="800000"/>
         </a:ln>
@@ -29705,7 +29625,7 @@
           <a:p>
             <a:fld id="{DE691C45-D440-4534-83E5-2177D2428FA3}" type="datetimeFigureOut">
               <a:rPr lang="it-IT" smtClean="0"/>
-              <a:t>04/12/2014</a:t>
+              <a:t>05/12/2014</a:t>
             </a:fld>
             <a:endParaRPr lang="it-IT"/>
           </a:p>
@@ -29875,7 +29795,7 @@
           <a:p>
             <a:fld id="{DE691C45-D440-4534-83E5-2177D2428FA3}" type="datetimeFigureOut">
               <a:rPr lang="it-IT" smtClean="0"/>
-              <a:t>04/12/2014</a:t>
+              <a:t>05/12/2014</a:t>
             </a:fld>
             <a:endParaRPr lang="it-IT"/>
           </a:p>
@@ -30055,7 +29975,7 @@
           <a:p>
             <a:fld id="{DE691C45-D440-4534-83E5-2177D2428FA3}" type="datetimeFigureOut">
               <a:rPr lang="it-IT" smtClean="0"/>
-              <a:t>04/12/2014</a:t>
+              <a:t>05/12/2014</a:t>
             </a:fld>
             <a:endParaRPr lang="it-IT"/>
           </a:p>
@@ -30225,7 +30145,7 @@
           <a:p>
             <a:fld id="{DE691C45-D440-4534-83E5-2177D2428FA3}" type="datetimeFigureOut">
               <a:rPr lang="it-IT" smtClean="0"/>
-              <a:t>04/12/2014</a:t>
+              <a:t>05/12/2014</a:t>
             </a:fld>
             <a:endParaRPr lang="it-IT"/>
           </a:p>
@@ -30478,7 +30398,7 @@
           <a:p>
             <a:fld id="{DE691C45-D440-4534-83E5-2177D2428FA3}" type="datetimeFigureOut">
               <a:rPr lang="it-IT" smtClean="0"/>
-              <a:t>04/12/2014</a:t>
+              <a:t>05/12/2014</a:t>
             </a:fld>
             <a:endParaRPr lang="it-IT"/>
           </a:p>
@@ -30710,7 +30630,7 @@
           <a:p>
             <a:fld id="{DE691C45-D440-4534-83E5-2177D2428FA3}" type="datetimeFigureOut">
               <a:rPr lang="it-IT" smtClean="0"/>
-              <a:t>04/12/2014</a:t>
+              <a:t>05/12/2014</a:t>
             </a:fld>
             <a:endParaRPr lang="it-IT"/>
           </a:p>
@@ -31077,7 +30997,7 @@
           <a:p>
             <a:fld id="{DE691C45-D440-4534-83E5-2177D2428FA3}" type="datetimeFigureOut">
               <a:rPr lang="it-IT" smtClean="0"/>
-              <a:t>04/12/2014</a:t>
+              <a:t>05/12/2014</a:t>
             </a:fld>
             <a:endParaRPr lang="it-IT"/>
           </a:p>
@@ -31195,7 +31115,7 @@
           <a:p>
             <a:fld id="{DE691C45-D440-4534-83E5-2177D2428FA3}" type="datetimeFigureOut">
               <a:rPr lang="it-IT" smtClean="0"/>
-              <a:t>04/12/2014</a:t>
+              <a:t>05/12/2014</a:t>
             </a:fld>
             <a:endParaRPr lang="it-IT"/>
           </a:p>
@@ -31290,7 +31210,7 @@
           <a:p>
             <a:fld id="{DE691C45-D440-4534-83E5-2177D2428FA3}" type="datetimeFigureOut">
               <a:rPr lang="it-IT" smtClean="0"/>
-              <a:t>04/12/2014</a:t>
+              <a:t>05/12/2014</a:t>
             </a:fld>
             <a:endParaRPr lang="it-IT"/>
           </a:p>
@@ -31567,7 +31487,7 @@
           <a:p>
             <a:fld id="{DE691C45-D440-4534-83E5-2177D2428FA3}" type="datetimeFigureOut">
               <a:rPr lang="it-IT" smtClean="0"/>
-              <a:t>04/12/2014</a:t>
+              <a:t>05/12/2014</a:t>
             </a:fld>
             <a:endParaRPr lang="it-IT"/>
           </a:p>
@@ -31824,7 +31744,7 @@
           <a:p>
             <a:fld id="{DE691C45-D440-4534-83E5-2177D2428FA3}" type="datetimeFigureOut">
               <a:rPr lang="it-IT" smtClean="0"/>
-              <a:t>04/12/2014</a:t>
+              <a:t>05/12/2014</a:t>
             </a:fld>
             <a:endParaRPr lang="it-IT"/>
           </a:p>
@@ -32037,7 +31957,7 @@
           <a:p>
             <a:fld id="{DE691C45-D440-4534-83E5-2177D2428FA3}" type="datetimeFigureOut">
               <a:rPr lang="it-IT" smtClean="0"/>
-              <a:t>04/12/2014</a:t>
+              <a:t>05/12/2014</a:t>
             </a:fld>
             <a:endParaRPr lang="it-IT"/>
           </a:p>
@@ -32645,14 +32565,14 @@
           </a:p>
           <a:p>
             <a:r>
-              <a:rPr lang="it-IT" dirty="0" smtClean="0"/>
+              <a:rPr lang="it-IT" b="1" dirty="0" smtClean="0"/>
               <a:t>Prof. Maura </a:t>
             </a:r>
             <a:r>
-              <a:rPr lang="it-IT" dirty="0" err="1" smtClean="0"/>
+              <a:rPr lang="it-IT" b="1" dirty="0" err="1" smtClean="0"/>
               <a:t>Cerioli</a:t>
             </a:r>
-            <a:endParaRPr lang="it-IT" dirty="0" smtClean="0"/>
+            <a:endParaRPr lang="it-IT" b="1" dirty="0" smtClean="0"/>
           </a:p>
           <a:p>
             <a:endParaRPr lang="it-IT" dirty="0" smtClean="0"/>
@@ -32666,10 +32586,10 @@
           </a:p>
           <a:p>
             <a:r>
-              <a:rPr lang="it-IT" dirty="0" smtClean="0"/>
+              <a:rPr lang="it-IT" b="1" dirty="0" smtClean="0"/>
               <a:t>Prof. Davide Ancona</a:t>
             </a:r>
-            <a:endParaRPr lang="it-IT" dirty="0"/>
+            <a:endParaRPr lang="it-IT" b="1" dirty="0"/>
           </a:p>
         </p:txBody>
       </p:sp>
@@ -32732,7 +32652,7 @@
           </a:p>
           <a:p>
             <a:r>
-              <a:rPr lang="it-IT" dirty="0" smtClean="0"/>
+              <a:rPr lang="it-IT" b="1" dirty="0" smtClean="0"/>
               <a:t>Mattia Barrasso</a:t>
             </a:r>
           </a:p>
@@ -33142,6 +33062,595 @@
           </a:p>
         </p:txBody>
       </p:sp>
+      <p:sp>
+        <p:nvSpPr>
+          <p:cNvPr id="2" name="TextBox 1"/>
+          <p:cNvSpPr txBox="1"/>
+          <p:nvPr/>
+        </p:nvSpPr>
+        <p:spPr>
+          <a:xfrm>
+            <a:off x="2147433" y="1186419"/>
+            <a:ext cx="2875936" cy="2031325"/>
+          </a:xfrm>
+          <a:prstGeom prst="rect">
+            <a:avLst/>
+          </a:prstGeom>
+          <a:solidFill>
+            <a:schemeClr val="lt1"/>
+          </a:solidFill>
+          <a:ln w="25400">
+            <a:gradFill>
+              <a:gsLst>
+                <a:gs pos="0">
+                  <a:schemeClr val="accent1">
+                    <a:lumMod val="5000"/>
+                    <a:lumOff val="95000"/>
+                  </a:schemeClr>
+                </a:gs>
+                <a:gs pos="100000">
+                  <a:srgbClr val="B23333"/>
+                </a:gs>
+              </a:gsLst>
+              <a:lin ang="5400000" scaled="1"/>
+            </a:gradFill>
+          </a:ln>
+        </p:spPr>
+        <p:style>
+          <a:lnRef idx="2">
+            <a:schemeClr val="accent2"/>
+          </a:lnRef>
+          <a:fillRef idx="1">
+            <a:schemeClr val="lt1"/>
+          </a:fillRef>
+          <a:effectRef idx="0">
+            <a:schemeClr val="accent2"/>
+          </a:effectRef>
+          <a:fontRef idx="minor">
+            <a:schemeClr val="dk1"/>
+          </a:fontRef>
+        </p:style>
+        <p:txBody>
+          <a:bodyPr wrap="square" rtlCol="0">
+            <a:spAutoFit/>
+          </a:bodyPr>
+          <a:lstStyle/>
+          <a:p>
+            <a:pPr marL="742950" lvl="1" indent="-285750">
+              <a:buFont typeface="Arial" panose="020B0604020202020204" pitchFamily="34" charset="0"/>
+              <a:buChar char="•"/>
+            </a:pPr>
+            <a:r>
+              <a:rPr lang="it-IT" dirty="0" smtClean="0"/>
+              <a:t>Convenzioni</a:t>
+            </a:r>
+          </a:p>
+          <a:p>
+            <a:pPr marL="742950" lvl="1" indent="-285750">
+              <a:buFont typeface="Arial" panose="020B0604020202020204" pitchFamily="34" charset="0"/>
+              <a:buChar char="•"/>
+            </a:pPr>
+            <a:endParaRPr lang="it-IT" dirty="0" smtClean="0"/>
+          </a:p>
+          <a:p>
+            <a:pPr marL="742950" lvl="1" indent="-285750">
+              <a:buFont typeface="Arial" panose="020B0604020202020204" pitchFamily="34" charset="0"/>
+              <a:buChar char="•"/>
+            </a:pPr>
+            <a:r>
+              <a:rPr lang="it-IT" dirty="0" smtClean="0"/>
+              <a:t>Ricca libreria di </a:t>
+            </a:r>
+            <a:r>
+              <a:rPr lang="it-IT" dirty="0" err="1" smtClean="0"/>
+              <a:t>Helper</a:t>
+            </a:r>
+            <a:endParaRPr lang="it-IT" dirty="0" smtClean="0"/>
+          </a:p>
+          <a:p>
+            <a:pPr marL="742950" lvl="1" indent="-285750">
+              <a:buFont typeface="Arial" panose="020B0604020202020204" pitchFamily="34" charset="0"/>
+              <a:buChar char="•"/>
+            </a:pPr>
+            <a:endParaRPr lang="it-IT" dirty="0" smtClean="0"/>
+          </a:p>
+          <a:p>
+            <a:pPr marL="742950" lvl="1" indent="-285750">
+              <a:buFont typeface="Arial" panose="020B0604020202020204" pitchFamily="34" charset="0"/>
+              <a:buChar char="•"/>
+            </a:pPr>
+            <a:r>
+              <a:rPr lang="it-IT" dirty="0" smtClean="0"/>
+              <a:t>Semplicità e versatilità di Ruby</a:t>
+            </a:r>
+            <a:endParaRPr lang="it-IT" dirty="0"/>
+          </a:p>
+        </p:txBody>
+      </p:sp>
+      <p:sp>
+        <p:nvSpPr>
+          <p:cNvPr id="10" name="TextBox 9"/>
+          <p:cNvSpPr txBox="1"/>
+          <p:nvPr/>
+        </p:nvSpPr>
+        <p:spPr>
+          <a:xfrm>
+            <a:off x="8488252" y="3361235"/>
+            <a:ext cx="2875936" cy="2031325"/>
+          </a:xfrm>
+          <a:prstGeom prst="rect">
+            <a:avLst/>
+          </a:prstGeom>
+          <a:solidFill>
+            <a:schemeClr val="lt1"/>
+          </a:solidFill>
+          <a:ln w="25400">
+            <a:gradFill flip="none" rotWithShape="1">
+              <a:gsLst>
+                <a:gs pos="0">
+                  <a:srgbClr val="4FA226"/>
+                </a:gs>
+                <a:gs pos="48000">
+                  <a:srgbClr val="72D242"/>
+                </a:gs>
+                <a:gs pos="100000">
+                  <a:srgbClr val="B8E8A0"/>
+                </a:gs>
+              </a:gsLst>
+              <a:lin ang="0" scaled="1"/>
+              <a:tileRect/>
+            </a:gradFill>
+          </a:ln>
+        </p:spPr>
+        <p:style>
+          <a:lnRef idx="2">
+            <a:schemeClr val="accent2"/>
+          </a:lnRef>
+          <a:fillRef idx="1">
+            <a:schemeClr val="lt1"/>
+          </a:fillRef>
+          <a:effectRef idx="0">
+            <a:schemeClr val="accent2"/>
+          </a:effectRef>
+          <a:fontRef idx="minor">
+            <a:schemeClr val="dk1"/>
+          </a:fontRef>
+        </p:style>
+        <p:txBody>
+          <a:bodyPr wrap="square" rtlCol="0">
+            <a:spAutoFit/>
+          </a:bodyPr>
+          <a:lstStyle/>
+          <a:p>
+            <a:pPr marL="742950" lvl="1" indent="-285750">
+              <a:buFont typeface="Arial" panose="020B0604020202020204" pitchFamily="34" charset="0"/>
+              <a:buChar char="•"/>
+            </a:pPr>
+            <a:r>
+              <a:rPr lang="it-IT" dirty="0" smtClean="0"/>
+              <a:t>Verbosità</a:t>
+            </a:r>
+          </a:p>
+          <a:p>
+            <a:pPr marL="742950" lvl="1" indent="-285750">
+              <a:buFont typeface="Arial" panose="020B0604020202020204" pitchFamily="34" charset="0"/>
+              <a:buChar char="•"/>
+            </a:pPr>
+            <a:endParaRPr lang="it-IT" dirty="0" smtClean="0"/>
+          </a:p>
+          <a:p>
+            <a:pPr marL="742950" lvl="1" indent="-285750">
+              <a:buFont typeface="Arial" panose="020B0604020202020204" pitchFamily="34" charset="0"/>
+              <a:buChar char="•"/>
+            </a:pPr>
+            <a:r>
+              <a:rPr lang="it-IT" dirty="0" smtClean="0"/>
+              <a:t>Eccessiva configurazione</a:t>
+            </a:r>
+          </a:p>
+          <a:p>
+            <a:pPr marL="742950" lvl="1" indent="-285750">
+              <a:buFont typeface="Arial" panose="020B0604020202020204" pitchFamily="34" charset="0"/>
+              <a:buChar char="•"/>
+            </a:pPr>
+            <a:endParaRPr lang="it-IT" dirty="0" smtClean="0"/>
+          </a:p>
+          <a:p>
+            <a:pPr marL="742950" lvl="1" indent="-285750">
+              <a:buFont typeface="Arial" panose="020B0604020202020204" pitchFamily="34" charset="0"/>
+              <a:buChar char="•"/>
+            </a:pPr>
+            <a:r>
+              <a:rPr lang="it-IT" dirty="0" err="1" smtClean="0"/>
+              <a:t>Template</a:t>
+            </a:r>
+            <a:r>
+              <a:rPr lang="it-IT" dirty="0" smtClean="0"/>
+              <a:t> </a:t>
+            </a:r>
+            <a:r>
+              <a:rPr lang="it-IT" dirty="0" err="1" smtClean="0"/>
+              <a:t>engine</a:t>
+            </a:r>
+            <a:r>
+              <a:rPr lang="it-IT" dirty="0" smtClean="0"/>
+              <a:t> macchinoso</a:t>
+            </a:r>
+            <a:endParaRPr lang="it-IT" dirty="0"/>
+          </a:p>
+        </p:txBody>
+      </p:sp>
+      <p:sp>
+        <p:nvSpPr>
+          <p:cNvPr id="11" name="TextBox 10"/>
+          <p:cNvSpPr txBox="1"/>
+          <p:nvPr/>
+        </p:nvSpPr>
+        <p:spPr>
+          <a:xfrm>
+            <a:off x="389025" y="3401505"/>
+            <a:ext cx="2875936" cy="2585323"/>
+          </a:xfrm>
+          <a:prstGeom prst="rect">
+            <a:avLst/>
+          </a:prstGeom>
+          <a:solidFill>
+            <a:schemeClr val="lt1"/>
+          </a:solidFill>
+          <a:ln w="25400">
+            <a:gradFill flip="none" rotWithShape="1">
+              <a:gsLst>
+                <a:gs pos="0">
+                  <a:schemeClr val="accent1">
+                    <a:lumMod val="5000"/>
+                    <a:lumOff val="95000"/>
+                  </a:schemeClr>
+                </a:gs>
+                <a:gs pos="100000">
+                  <a:srgbClr val="006BAB"/>
+                </a:gs>
+              </a:gsLst>
+              <a:lin ang="0" scaled="1"/>
+              <a:tileRect/>
+            </a:gradFill>
+          </a:ln>
+        </p:spPr>
+        <p:style>
+          <a:lnRef idx="2">
+            <a:schemeClr val="accent2"/>
+          </a:lnRef>
+          <a:fillRef idx="1">
+            <a:schemeClr val="lt1"/>
+          </a:fillRef>
+          <a:effectRef idx="0">
+            <a:schemeClr val="accent2"/>
+          </a:effectRef>
+          <a:fontRef idx="minor">
+            <a:schemeClr val="dk1"/>
+          </a:fontRef>
+        </p:style>
+        <p:txBody>
+          <a:bodyPr wrap="square" rtlCol="0">
+            <a:spAutoFit/>
+          </a:bodyPr>
+          <a:lstStyle/>
+          <a:p>
+            <a:pPr marL="742950" lvl="1" indent="-285750">
+              <a:buFont typeface="Arial" panose="020B0604020202020204" pitchFamily="34" charset="0"/>
+              <a:buChar char="•"/>
+            </a:pPr>
+            <a:r>
+              <a:rPr lang="it-IT" dirty="0" smtClean="0"/>
+              <a:t>Convenzioni e minima configurazione</a:t>
+            </a:r>
+          </a:p>
+          <a:p>
+            <a:pPr marL="742950" lvl="1" indent="-285750">
+              <a:buFont typeface="Arial" panose="020B0604020202020204" pitchFamily="34" charset="0"/>
+              <a:buChar char="•"/>
+            </a:pPr>
+            <a:endParaRPr lang="it-IT" dirty="0" smtClean="0"/>
+          </a:p>
+          <a:p>
+            <a:pPr marL="742950" lvl="1" indent="-285750">
+              <a:buFont typeface="Arial" panose="020B0604020202020204" pitchFamily="34" charset="0"/>
+              <a:buChar char="•"/>
+            </a:pPr>
+            <a:r>
+              <a:rPr lang="it-IT" dirty="0" smtClean="0"/>
+              <a:t>Integrazione con VS</a:t>
+            </a:r>
+          </a:p>
+          <a:p>
+            <a:pPr marL="742950" lvl="1" indent="-285750">
+              <a:buFont typeface="Arial" panose="020B0604020202020204" pitchFamily="34" charset="0"/>
+              <a:buChar char="•"/>
+            </a:pPr>
+            <a:endParaRPr lang="it-IT" dirty="0" smtClean="0"/>
+          </a:p>
+          <a:p>
+            <a:pPr marL="742950" lvl="1" indent="-285750">
+              <a:buFont typeface="Arial" panose="020B0604020202020204" pitchFamily="34" charset="0"/>
+              <a:buChar char="•"/>
+            </a:pPr>
+            <a:r>
+              <a:rPr lang="it-IT" dirty="0" smtClean="0"/>
+              <a:t>Strumenti molto avanzati</a:t>
+            </a:r>
+            <a:endParaRPr lang="it-IT" dirty="0"/>
+          </a:p>
+        </p:txBody>
+      </p:sp>
+      <p:pic>
+        <p:nvPicPr>
+          <p:cNvPr id="16" name="Picture 15"/>
+          <p:cNvPicPr>
+            <a:picLocks noChangeAspect="1"/>
+          </p:cNvPicPr>
+          <p:nvPr/>
+        </p:nvPicPr>
+        <p:blipFill>
+          <a:blip r:embed="rId8" cstate="print">
+            <a:extLst>
+              <a:ext uri="{28A0092B-C50C-407E-A947-70E740481C1C}">
+                <a14:useLocalDpi xmlns:a14="http://schemas.microsoft.com/office/drawing/2010/main" val="0"/>
+              </a:ext>
+            </a:extLst>
+          </a:blip>
+          <a:stretch>
+            <a:fillRect/>
+          </a:stretch>
+        </p:blipFill>
+        <p:spPr>
+          <a:xfrm>
+            <a:off x="2571701" y="1268614"/>
+            <a:ext cx="282210" cy="371263"/>
+          </a:xfrm>
+          <a:prstGeom prst="rect">
+            <a:avLst/>
+          </a:prstGeom>
+        </p:spPr>
+      </p:pic>
+      <p:pic>
+        <p:nvPicPr>
+          <p:cNvPr id="18" name="Picture 17"/>
+          <p:cNvPicPr>
+            <a:picLocks noChangeAspect="1"/>
+          </p:cNvPicPr>
+          <p:nvPr/>
+        </p:nvPicPr>
+        <p:blipFill>
+          <a:blip r:embed="rId8" cstate="print">
+            <a:extLst>
+              <a:ext uri="{28A0092B-C50C-407E-A947-70E740481C1C}">
+                <a14:useLocalDpi xmlns:a14="http://schemas.microsoft.com/office/drawing/2010/main" val="0"/>
+              </a:ext>
+            </a:extLst>
+          </a:blip>
+          <a:stretch>
+            <a:fillRect/>
+          </a:stretch>
+        </p:blipFill>
+        <p:spPr>
+          <a:xfrm>
+            <a:off x="2571701" y="1823307"/>
+            <a:ext cx="282210" cy="371263"/>
+          </a:xfrm>
+          <a:prstGeom prst="rect">
+            <a:avLst/>
+          </a:prstGeom>
+        </p:spPr>
+      </p:pic>
+      <p:pic>
+        <p:nvPicPr>
+          <p:cNvPr id="19" name="Picture 18"/>
+          <p:cNvPicPr>
+            <a:picLocks noChangeAspect="1"/>
+          </p:cNvPicPr>
+          <p:nvPr/>
+        </p:nvPicPr>
+        <p:blipFill>
+          <a:blip r:embed="rId8" cstate="print">
+            <a:extLst>
+              <a:ext uri="{28A0092B-C50C-407E-A947-70E740481C1C}">
+                <a14:useLocalDpi xmlns:a14="http://schemas.microsoft.com/office/drawing/2010/main" val="0"/>
+              </a:ext>
+            </a:extLst>
+          </a:blip>
+          <a:stretch>
+            <a:fillRect/>
+          </a:stretch>
+        </p:blipFill>
+        <p:spPr>
+          <a:xfrm>
+            <a:off x="2571701" y="2651351"/>
+            <a:ext cx="282210" cy="371263"/>
+          </a:xfrm>
+          <a:prstGeom prst="rect">
+            <a:avLst/>
+          </a:prstGeom>
+        </p:spPr>
+      </p:pic>
+      <p:pic>
+        <p:nvPicPr>
+          <p:cNvPr id="20" name="Picture 19"/>
+          <p:cNvPicPr>
+            <a:picLocks noChangeAspect="1"/>
+          </p:cNvPicPr>
+          <p:nvPr/>
+        </p:nvPicPr>
+        <p:blipFill>
+          <a:blip r:embed="rId9" cstate="print">
+            <a:extLst>
+              <a:ext uri="{28A0092B-C50C-407E-A947-70E740481C1C}">
+                <a14:useLocalDpi xmlns:a14="http://schemas.microsoft.com/office/drawing/2010/main" val="0"/>
+              </a:ext>
+            </a:extLst>
+          </a:blip>
+          <a:stretch>
+            <a:fillRect/>
+          </a:stretch>
+        </p:blipFill>
+        <p:spPr>
+          <a:xfrm>
+            <a:off x="8914466" y="3434685"/>
+            <a:ext cx="301333" cy="396000"/>
+          </a:xfrm>
+          <a:prstGeom prst="rect">
+            <a:avLst/>
+          </a:prstGeom>
+        </p:spPr>
+      </p:pic>
+      <p:pic>
+        <p:nvPicPr>
+          <p:cNvPr id="21" name="Picture 20"/>
+          <p:cNvPicPr>
+            <a:picLocks noChangeAspect="1"/>
+          </p:cNvPicPr>
+          <p:nvPr/>
+        </p:nvPicPr>
+        <p:blipFill>
+          <a:blip r:embed="rId9" cstate="print">
+            <a:extLst>
+              <a:ext uri="{28A0092B-C50C-407E-A947-70E740481C1C}">
+                <a14:useLocalDpi xmlns:a14="http://schemas.microsoft.com/office/drawing/2010/main" val="0"/>
+              </a:ext>
+            </a:extLst>
+          </a:blip>
+          <a:stretch>
+            <a:fillRect/>
+          </a:stretch>
+        </p:blipFill>
+        <p:spPr>
+          <a:xfrm>
+            <a:off x="8924403" y="4003208"/>
+            <a:ext cx="301333" cy="396000"/>
+          </a:xfrm>
+          <a:prstGeom prst="rect">
+            <a:avLst/>
+          </a:prstGeom>
+        </p:spPr>
+      </p:pic>
+      <p:pic>
+        <p:nvPicPr>
+          <p:cNvPr id="22" name="Picture 21"/>
+          <p:cNvPicPr>
+            <a:picLocks noChangeAspect="1"/>
+          </p:cNvPicPr>
+          <p:nvPr/>
+        </p:nvPicPr>
+        <p:blipFill>
+          <a:blip r:embed="rId9" cstate="print">
+            <a:extLst>
+              <a:ext uri="{28A0092B-C50C-407E-A947-70E740481C1C}">
+                <a14:useLocalDpi xmlns:a14="http://schemas.microsoft.com/office/drawing/2010/main" val="0"/>
+              </a:ext>
+            </a:extLst>
+          </a:blip>
+          <a:stretch>
+            <a:fillRect/>
+          </a:stretch>
+        </p:blipFill>
+        <p:spPr>
+          <a:xfrm>
+            <a:off x="8924403" y="4824037"/>
+            <a:ext cx="301333" cy="396000"/>
+          </a:xfrm>
+          <a:prstGeom prst="rect">
+            <a:avLst/>
+          </a:prstGeom>
+        </p:spPr>
+      </p:pic>
+      <p:pic>
+        <p:nvPicPr>
+          <p:cNvPr id="23" name="Picture 22"/>
+          <p:cNvPicPr>
+            <a:picLocks noChangeAspect="1"/>
+          </p:cNvPicPr>
+          <p:nvPr/>
+        </p:nvPicPr>
+        <p:blipFill>
+          <a:blip r:embed="rId8" cstate="print">
+            <a:extLst>
+              <a:ext uri="{28A0092B-C50C-407E-A947-70E740481C1C}">
+                <a14:useLocalDpi xmlns:a14="http://schemas.microsoft.com/office/drawing/2010/main" val="0"/>
+              </a:ext>
+            </a:extLst>
+          </a:blip>
+          <a:stretch>
+            <a:fillRect/>
+          </a:stretch>
+        </p:blipFill>
+        <p:spPr>
+          <a:xfrm>
+            <a:off x="868598" y="3502047"/>
+            <a:ext cx="282210" cy="371263"/>
+          </a:xfrm>
+          <a:prstGeom prst="rect">
+            <a:avLst/>
+          </a:prstGeom>
+        </p:spPr>
+      </p:pic>
+      <p:pic>
+        <p:nvPicPr>
+          <p:cNvPr id="24" name="Picture 23"/>
+          <p:cNvPicPr>
+            <a:picLocks noChangeAspect="1"/>
+          </p:cNvPicPr>
+          <p:nvPr/>
+        </p:nvPicPr>
+        <p:blipFill>
+          <a:blip r:embed="rId8" cstate="print">
+            <a:extLst>
+              <a:ext uri="{28A0092B-C50C-407E-A947-70E740481C1C}">
+                <a14:useLocalDpi xmlns:a14="http://schemas.microsoft.com/office/drawing/2010/main" val="0"/>
+              </a:ext>
+            </a:extLst>
+          </a:blip>
+          <a:stretch>
+            <a:fillRect/>
+          </a:stretch>
+        </p:blipFill>
+        <p:spPr>
+          <a:xfrm>
+            <a:off x="840486" y="4631306"/>
+            <a:ext cx="282210" cy="371263"/>
+          </a:xfrm>
+          <a:prstGeom prst="rect">
+            <a:avLst/>
+          </a:prstGeom>
+        </p:spPr>
+      </p:pic>
+      <p:pic>
+        <p:nvPicPr>
+          <p:cNvPr id="25" name="Picture 24"/>
+          <p:cNvPicPr>
+            <a:picLocks noChangeAspect="1"/>
+          </p:cNvPicPr>
+          <p:nvPr/>
+        </p:nvPicPr>
+        <p:blipFill>
+          <a:blip r:embed="rId8" cstate="print">
+            <a:extLst>
+              <a:ext uri="{28A0092B-C50C-407E-A947-70E740481C1C}">
+                <a14:useLocalDpi xmlns:a14="http://schemas.microsoft.com/office/drawing/2010/main" val="0"/>
+              </a:ext>
+            </a:extLst>
+          </a:blip>
+          <a:stretch>
+            <a:fillRect/>
+          </a:stretch>
+        </p:blipFill>
+        <p:spPr>
+          <a:xfrm>
+            <a:off x="840486" y="5413430"/>
+            <a:ext cx="282210" cy="371263"/>
+          </a:xfrm>
+          <a:prstGeom prst="rect">
+            <a:avLst/>
+          </a:prstGeom>
+        </p:spPr>
+      </p:pic>
     </p:spTree>
     <p:extLst>
       <p:ext uri="{BB962C8B-B14F-4D97-AF65-F5344CB8AC3E}">
@@ -33716,7 +34225,7 @@
         </p:blipFill>
         <p:spPr>
           <a:xfrm>
-            <a:off x="0" y="8151"/>
+            <a:off x="0" y="0"/>
             <a:ext cx="12192000" cy="1032425"/>
           </a:xfrm>
           <a:prstGeom prst="rect">
@@ -34600,7 +35109,7 @@
         <p:spPr>
           <a:xfrm>
             <a:off x="1249681" y="1586011"/>
-            <a:ext cx="7646183" cy="2031325"/>
+            <a:ext cx="7646183" cy="3693319"/>
           </a:xfrm>
           <a:prstGeom prst="rect">
             <a:avLst/>
@@ -34655,22 +35164,11 @@
             </a:r>
           </a:p>
           <a:p>
-            <a:pPr marL="742950" lvl="1" indent="-285750">
+            <a:pPr marL="285750" indent="-285750">
               <a:buFont typeface="Arial" panose="020B0604020202020204" pitchFamily="34" charset="0"/>
               <a:buChar char="•"/>
             </a:pPr>
-            <a:r>
-              <a:rPr lang="it-IT" dirty="0" smtClean="0"/>
-              <a:t>Implementazione di tutte le funzionalità (</a:t>
-            </a:r>
-            <a:r>
-              <a:rPr lang="it-IT" dirty="0" err="1" smtClean="0"/>
-              <a:t>tag</a:t>
-            </a:r>
-            <a:r>
-              <a:rPr lang="it-IT" dirty="0" smtClean="0"/>
-              <a:t>, hook, …)</a:t>
-            </a:r>
+            <a:endParaRPr lang="it-IT" dirty="0" smtClean="0"/>
           </a:p>
           <a:p>
             <a:pPr marL="742950" lvl="1" indent="-285750">
@@ -34679,7 +35177,41 @@
             </a:pPr>
             <a:r>
               <a:rPr lang="it-IT" dirty="0" smtClean="0"/>
-              <a:t>Minori differenze nel meccanismo di visibilità delle implementazioni dei passi (</a:t>
+              <a:t>Implementazione di tutte le funzionalità </a:t>
+            </a:r>
+            <a:r>
+              <a:rPr lang="it-IT" dirty="0" smtClean="0"/>
+              <a:t>di </a:t>
+            </a:r>
+            <a:r>
+              <a:rPr lang="it-IT" dirty="0" err="1" smtClean="0"/>
+              <a:t>Gherkin</a:t>
+            </a:r>
+            <a:endParaRPr lang="it-IT" dirty="0" smtClean="0"/>
+          </a:p>
+          <a:p>
+            <a:pPr marL="742950" lvl="1" indent="-285750">
+              <a:buFont typeface="Arial" panose="020B0604020202020204" pitchFamily="34" charset="0"/>
+              <a:buChar char="•"/>
+            </a:pPr>
+            <a:endParaRPr lang="it-IT" dirty="0" smtClean="0"/>
+          </a:p>
+          <a:p>
+            <a:pPr marL="742950" lvl="1" indent="-285750">
+              <a:buFont typeface="Arial" panose="020B0604020202020204" pitchFamily="34" charset="0"/>
+              <a:buChar char="•"/>
+            </a:pPr>
+            <a:r>
+              <a:rPr lang="it-IT" dirty="0" smtClean="0"/>
+              <a:t>Minori differenze nel meccanismo di visibilità delle </a:t>
+            </a:r>
+            <a:r>
+              <a:rPr lang="it-IT" dirty="0" smtClean="0"/>
+              <a:t>implementazioni </a:t>
+            </a:r>
+            <a:r>
+              <a:rPr lang="it-IT" dirty="0" smtClean="0"/>
+              <a:t>dei passi (</a:t>
             </a:r>
             <a:r>
               <a:rPr lang="it-IT" dirty="0" err="1" smtClean="0"/>
@@ -34687,8 +35219,19 @@
             </a:r>
             <a:r>
               <a:rPr lang="it-IT" dirty="0" smtClean="0"/>
-              <a:t> è più flessibile)</a:t>
+              <a:t> è più flessibile</a:t>
             </a:r>
+            <a:r>
+              <a:rPr lang="it-IT" dirty="0" smtClean="0"/>
+              <a:t>)</a:t>
+            </a:r>
+          </a:p>
+          <a:p>
+            <a:pPr marL="742950" lvl="1" indent="-285750">
+              <a:buFont typeface="Arial" panose="020B0604020202020204" pitchFamily="34" charset="0"/>
+              <a:buChar char="•"/>
+            </a:pPr>
+            <a:endParaRPr lang="it-IT" dirty="0" smtClean="0"/>
           </a:p>
           <a:p>
             <a:pPr marL="742950" lvl="1" indent="-285750">
@@ -34705,8 +35248,50 @@
             </a:r>
             <a:r>
               <a:rPr lang="it-IT" dirty="0" smtClean="0"/>
-              <a:t> tramite una sintassi più immediata e leggibile</a:t>
+              <a:t> tramite una sintassi più immediata e </a:t>
             </a:r>
+            <a:r>
+              <a:rPr lang="it-IT" dirty="0" smtClean="0"/>
+              <a:t>leggibile</a:t>
+            </a:r>
+          </a:p>
+          <a:p>
+            <a:pPr marL="742950" lvl="1" indent="-285750">
+              <a:buFont typeface="Arial" panose="020B0604020202020204" pitchFamily="34" charset="0"/>
+              <a:buChar char="•"/>
+            </a:pPr>
+            <a:endParaRPr lang="it-IT" dirty="0" smtClean="0"/>
+          </a:p>
+          <a:p>
+            <a:pPr marL="742950" lvl="1" indent="-285750">
+              <a:buFont typeface="Arial" panose="020B0604020202020204" pitchFamily="34" charset="0"/>
+              <a:buChar char="•"/>
+            </a:pPr>
+            <a:r>
+              <a:rPr lang="it-IT" dirty="0" err="1" smtClean="0"/>
+              <a:t>SpecFlow</a:t>
+            </a:r>
+            <a:r>
+              <a:rPr lang="it-IT" dirty="0" smtClean="0"/>
+              <a:t> e </a:t>
+            </a:r>
+            <a:r>
+              <a:rPr lang="it-IT" dirty="0" err="1" smtClean="0"/>
+              <a:t>Cucumber</a:t>
+            </a:r>
+            <a:r>
+              <a:rPr lang="it-IT" dirty="0" smtClean="0"/>
+              <a:t> sono meglio integrati negli IDE rispetto a </a:t>
+            </a:r>
+            <a:r>
+              <a:rPr lang="it-IT" dirty="0" err="1" smtClean="0"/>
+              <a:t>Cucumber</a:t>
+            </a:r>
+            <a:r>
+              <a:rPr lang="it-IT" dirty="0" smtClean="0"/>
+              <a:t> JVM</a:t>
+            </a:r>
+            <a:endParaRPr lang="it-IT" dirty="0" smtClean="0"/>
           </a:p>
         </p:txBody>
       </p:sp>
@@ -34800,361 +35385,6 @@
           </a:prstGeom>
         </p:spPr>
       </p:pic>
-      <p:graphicFrame>
-        <p:nvGraphicFramePr>
-          <p:cNvPr id="10" name="Table 9"/>
-          <p:cNvGraphicFramePr>
-            <a:graphicFrameLocks noGrp="1"/>
-          </p:cNvGraphicFramePr>
-          <p:nvPr>
-            <p:extLst>
-              <p:ext uri="{D42A27DB-BD31-4B8C-83A1-F6EECF244321}">
-                <p14:modId xmlns:p14="http://schemas.microsoft.com/office/powerpoint/2010/main" val="1465599607"/>
-              </p:ext>
-            </p:extLst>
-          </p:nvPr>
-        </p:nvGraphicFramePr>
-        <p:xfrm>
-          <a:off x="1223782" y="3617335"/>
-          <a:ext cx="7739245" cy="2325624"/>
-        </p:xfrm>
-        <a:graphic>
-          <a:graphicData uri="http://schemas.openxmlformats.org/drawingml/2006/table">
-            <a:tbl>
-              <a:tblPr firstRow="1" bandRow="1">
-                <a:tableStyleId>{74C1A8A3-306A-4EB7-A6B1-4F7E0EB9C5D6}</a:tableStyleId>
-              </a:tblPr>
-              <a:tblGrid>
-                <a:gridCol w="1547849"/>
-                <a:gridCol w="1547849"/>
-                <a:gridCol w="1433620"/>
-                <a:gridCol w="1662078"/>
-                <a:gridCol w="1547849"/>
-              </a:tblGrid>
-              <a:tr h="739971">
-                <a:tc>
-                  <a:txBody>
-                    <a:bodyPr/>
-                    <a:lstStyle/>
-                    <a:p>
-                      <a:pPr algn="ctr"/>
-                      <a:endParaRPr lang="it-IT" b="0" dirty="0"/>
-                    </a:p>
-                  </a:txBody>
-                  <a:tcPr/>
-                </a:tc>
-                <a:tc>
-                  <a:txBody>
-                    <a:bodyPr/>
-                    <a:lstStyle/>
-                    <a:p>
-                      <a:pPr algn="ctr"/>
-                      <a:r>
-                        <a:rPr lang="it-IT" b="0" dirty="0" smtClean="0"/>
-                        <a:t>Supporto a </a:t>
-                      </a:r>
-                      <a:r>
-                        <a:rPr lang="it-IT" b="0" dirty="0" err="1" smtClean="0"/>
-                        <a:t>Gherkin</a:t>
-                      </a:r>
-                      <a:endParaRPr lang="it-IT" b="0" dirty="0"/>
-                    </a:p>
-                  </a:txBody>
-                  <a:tcPr/>
-                </a:tc>
-                <a:tc>
-                  <a:txBody>
-                    <a:bodyPr/>
-                    <a:lstStyle/>
-                    <a:p>
-                      <a:pPr algn="ctr"/>
-                      <a:r>
-                        <a:rPr lang="it-IT" b="0" dirty="0" smtClean="0"/>
-                        <a:t>Passi </a:t>
-                      </a:r>
-                      <a:r>
-                        <a:rPr lang="it-IT" b="0" dirty="0" err="1" smtClean="0"/>
-                        <a:t>Tipati</a:t>
-                      </a:r>
-                      <a:endParaRPr lang="it-IT" b="0" dirty="0"/>
-                    </a:p>
-                  </a:txBody>
-                  <a:tcPr/>
-                </a:tc>
-                <a:tc>
-                  <a:txBody>
-                    <a:bodyPr/>
-                    <a:lstStyle/>
-                    <a:p>
-                      <a:pPr algn="ctr"/>
-                      <a:r>
-                        <a:rPr lang="it-IT" b="0" dirty="0" smtClean="0"/>
-                        <a:t>Ordinamento Hook</a:t>
-                      </a:r>
-                      <a:endParaRPr lang="it-IT" b="0" dirty="0"/>
-                    </a:p>
-                  </a:txBody>
-                  <a:tcPr/>
-                </a:tc>
-                <a:tc>
-                  <a:txBody>
-                    <a:bodyPr/>
-                    <a:lstStyle/>
-                    <a:p>
-                      <a:pPr algn="ctr"/>
-                      <a:r>
-                        <a:rPr lang="it-IT" b="0" dirty="0" err="1" smtClean="0"/>
-                        <a:t>Plugin</a:t>
-                      </a:r>
-                      <a:r>
-                        <a:rPr lang="it-IT" b="0" baseline="0" dirty="0" smtClean="0"/>
-                        <a:t> IDE</a:t>
-                      </a:r>
-                      <a:endParaRPr lang="it-IT" b="0" dirty="0"/>
-                    </a:p>
-                  </a:txBody>
-                  <a:tcPr/>
-                </a:tc>
-              </a:tr>
-              <a:tr h="422841">
-                <a:tc>
-                  <a:txBody>
-                    <a:bodyPr/>
-                    <a:lstStyle/>
-                    <a:p>
-                      <a:pPr algn="ctr"/>
-                      <a:r>
-                        <a:rPr lang="it-IT" dirty="0" err="1" smtClean="0"/>
-                        <a:t>Cucumber</a:t>
-                      </a:r>
-                      <a:endParaRPr lang="it-IT" dirty="0"/>
-                    </a:p>
-                  </a:txBody>
-                  <a:tcPr/>
-                </a:tc>
-                <a:tc>
-                  <a:txBody>
-                    <a:bodyPr/>
-                    <a:lstStyle/>
-                    <a:p>
-                      <a:pPr algn="ctr"/>
-                      <a:r>
-                        <a:rPr lang="it-IT" dirty="0" smtClean="0"/>
-                        <a:t>Completo</a:t>
-                      </a:r>
-                      <a:endParaRPr lang="it-IT" dirty="0"/>
-                    </a:p>
-                  </a:txBody>
-                  <a:tcPr/>
-                </a:tc>
-                <a:tc>
-                  <a:txBody>
-                    <a:bodyPr/>
-                    <a:lstStyle/>
-                    <a:p>
-                      <a:pPr algn="ctr"/>
-                      <a:r>
-                        <a:rPr lang="it-IT" dirty="0" smtClean="0"/>
-                        <a:t>x</a:t>
-                      </a:r>
-                      <a:endParaRPr lang="it-IT" dirty="0"/>
-                    </a:p>
-                  </a:txBody>
-                  <a:tcPr/>
-                </a:tc>
-                <a:tc>
-                  <a:txBody>
-                    <a:bodyPr/>
-                    <a:lstStyle/>
-                    <a:p>
-                      <a:pPr algn="ctr"/>
-                      <a:r>
-                        <a:rPr lang="it-IT" dirty="0" smtClean="0"/>
-                        <a:t>y</a:t>
-                      </a:r>
-                      <a:endParaRPr lang="it-IT" dirty="0"/>
-                    </a:p>
-                  </a:txBody>
-                  <a:tcPr/>
-                </a:tc>
-                <a:tc>
-                  <a:txBody>
-                    <a:bodyPr/>
-                    <a:lstStyle/>
-                    <a:p>
-                      <a:pPr algn="ctr"/>
-                      <a:r>
-                        <a:rPr lang="it-IT" dirty="0" smtClean="0"/>
-                        <a:t>Completo</a:t>
-                      </a:r>
-                      <a:endParaRPr lang="it-IT" dirty="0"/>
-                    </a:p>
-                  </a:txBody>
-                  <a:tcPr/>
-                </a:tc>
-              </a:tr>
-              <a:tr h="739971">
-                <a:tc>
-                  <a:txBody>
-                    <a:bodyPr/>
-                    <a:lstStyle/>
-                    <a:p>
-                      <a:pPr algn="ctr"/>
-                      <a:r>
-                        <a:rPr lang="it-IT" dirty="0" err="1" smtClean="0"/>
-                        <a:t>Cucumber</a:t>
-                      </a:r>
-                      <a:r>
-                        <a:rPr lang="it-IT" dirty="0" smtClean="0"/>
-                        <a:t> JVM</a:t>
-                      </a:r>
-                      <a:endParaRPr lang="it-IT" dirty="0"/>
-                    </a:p>
-                  </a:txBody>
-                  <a:tcPr/>
-                </a:tc>
-                <a:tc>
-                  <a:txBody>
-                    <a:bodyPr/>
-                    <a:lstStyle/>
-                    <a:p>
-                      <a:pPr algn="ctr"/>
-                      <a:r>
-                        <a:rPr lang="it-IT" dirty="0" smtClean="0"/>
-                        <a:t>Completo</a:t>
-                      </a:r>
-                      <a:endParaRPr lang="it-IT" dirty="0"/>
-                    </a:p>
-                  </a:txBody>
-                  <a:tcPr/>
-                </a:tc>
-                <a:tc>
-                  <a:txBody>
-                    <a:bodyPr/>
-                    <a:lstStyle/>
-                    <a:p>
-                      <a:pPr algn="ctr"/>
-                      <a:r>
-                        <a:rPr lang="it-IT" dirty="0" smtClean="0"/>
-                        <a:t>x</a:t>
-                      </a:r>
-                      <a:endParaRPr lang="it-IT" dirty="0"/>
-                    </a:p>
-                  </a:txBody>
-                  <a:tcPr/>
-                </a:tc>
-                <a:tc>
-                  <a:txBody>
-                    <a:bodyPr/>
-                    <a:lstStyle/>
-                    <a:p>
-                      <a:pPr algn="ctr"/>
-                      <a:r>
-                        <a:rPr lang="it-IT" dirty="0" smtClean="0"/>
-                        <a:t>y</a:t>
-                      </a:r>
-                      <a:endParaRPr lang="it-IT" dirty="0"/>
-                    </a:p>
-                  </a:txBody>
-                  <a:tcPr/>
-                </a:tc>
-                <a:tc>
-                  <a:txBody>
-                    <a:bodyPr/>
-                    <a:lstStyle/>
-                    <a:p>
-                      <a:pPr algn="ctr"/>
-                      <a:r>
-                        <a:rPr lang="it-IT" dirty="0" smtClean="0"/>
-                        <a:t>Parziale</a:t>
-                      </a:r>
-                      <a:endParaRPr lang="it-IT" dirty="0"/>
-                    </a:p>
-                  </a:txBody>
-                  <a:tcPr/>
-                </a:tc>
-              </a:tr>
-              <a:tr h="422841">
-                <a:tc>
-                  <a:txBody>
-                    <a:bodyPr/>
-                    <a:lstStyle/>
-                    <a:p>
-                      <a:pPr algn="ctr"/>
-                      <a:r>
-                        <a:rPr lang="it-IT" dirty="0" err="1" smtClean="0"/>
-                        <a:t>SpecFlow</a:t>
-                      </a:r>
-                      <a:endParaRPr lang="it-IT" dirty="0"/>
-                    </a:p>
-                  </a:txBody>
-                  <a:tcPr/>
-                </a:tc>
-                <a:tc>
-                  <a:txBody>
-                    <a:bodyPr/>
-                    <a:lstStyle/>
-                    <a:p>
-                      <a:pPr algn="ctr"/>
-                      <a:r>
-                        <a:rPr lang="it-IT" dirty="0" smtClean="0"/>
-                        <a:t>Completo</a:t>
-                      </a:r>
-                      <a:endParaRPr lang="it-IT" dirty="0"/>
-                    </a:p>
-                  </a:txBody>
-                  <a:tcPr/>
-                </a:tc>
-                <a:tc>
-                  <a:txBody>
-                    <a:bodyPr/>
-                    <a:lstStyle/>
-                    <a:p>
-                      <a:pPr algn="ctr"/>
-                      <a:r>
-                        <a:rPr lang="it-IT" dirty="0" smtClean="0"/>
-                        <a:t>y</a:t>
-                      </a:r>
-                      <a:endParaRPr lang="it-IT" dirty="0"/>
-                    </a:p>
-                  </a:txBody>
-                  <a:tcPr/>
-                </a:tc>
-                <a:tc>
-                  <a:txBody>
-                    <a:bodyPr/>
-                    <a:lstStyle/>
-                    <a:p>
-                      <a:pPr algn="ctr"/>
-                      <a:r>
-                        <a:rPr lang="it-IT" dirty="0" smtClean="0"/>
-                        <a:t>x</a:t>
-                      </a:r>
-                      <a:endParaRPr lang="it-IT" dirty="0"/>
-                    </a:p>
-                  </a:txBody>
-                  <a:tcPr/>
-                </a:tc>
-                <a:tc>
-                  <a:txBody>
-                    <a:bodyPr/>
-                    <a:lstStyle/>
-                    <a:p>
-                      <a:pPr algn="ctr"/>
-                      <a:r>
-                        <a:rPr lang="it-IT" dirty="0" smtClean="0"/>
-                        <a:t>Completo</a:t>
-                      </a:r>
-                      <a:endParaRPr lang="it-IT" dirty="0"/>
-                    </a:p>
-                  </a:txBody>
-                  <a:tcPr/>
-                </a:tc>
-              </a:tr>
-            </a:tbl>
-          </a:graphicData>
-        </a:graphic>
-      </p:graphicFrame>
       <p:pic>
         <p:nvPicPr>
           <p:cNvPr id="11" name="Picture 10"/>
@@ -35392,14 +35622,14 @@
           <p:nvPr>
             <p:extLst>
               <p:ext uri="{D42A27DB-BD31-4B8C-83A1-F6EECF244321}">
-                <p14:modId xmlns:p14="http://schemas.microsoft.com/office/powerpoint/2010/main" val="399814112"/>
+                <p14:modId xmlns:p14="http://schemas.microsoft.com/office/powerpoint/2010/main" val="289856425"/>
               </p:ext>
             </p:extLst>
           </p:nvPr>
         </p:nvGraphicFramePr>
         <p:xfrm>
-          <a:off x="1115239" y="2796645"/>
-          <a:ext cx="8346441" cy="2855791"/>
+          <a:off x="1115239" y="2767171"/>
+          <a:ext cx="8783229" cy="2885265"/>
         </p:xfrm>
         <a:graphic>
           <a:graphicData uri="http://schemas.openxmlformats.org/drawingml/2006/table">
@@ -35408,14 +35638,14 @@
                 <a:tableStyleId>{6E25E649-3F16-4E02-A733-19D2CDBF48F0}</a:tableStyleId>
               </a:tblPr>
               <a:tblGrid>
-                <a:gridCol w="1391074"/>
-                <a:gridCol w="1036742"/>
-                <a:gridCol w="1162651"/>
-                <a:gridCol w="1425185"/>
-                <a:gridCol w="1262664"/>
-                <a:gridCol w="2068125"/>
+                <a:gridCol w="1463872"/>
+                <a:gridCol w="1090997"/>
+                <a:gridCol w="1223495"/>
+                <a:gridCol w="1499768"/>
+                <a:gridCol w="1328742"/>
+                <a:gridCol w="2176355"/>
               </a:tblGrid>
-              <a:tr h="828107">
+              <a:tr h="836654">
                 <a:tc>
                   <a:txBody>
                     <a:bodyPr/>
@@ -35507,7 +35737,7 @@
                   <a:tcPr/>
                 </a:tc>
               </a:tr>
-              <a:tr h="473204">
+              <a:tr h="478088">
                 <a:tc>
                   <a:txBody>
                     <a:bodyPr/>
@@ -35529,10 +35759,6 @@
                     <a:lstStyle/>
                     <a:p>
                       <a:pPr algn="ctr"/>
-                      <a:r>
-                        <a:rPr lang="it-IT" dirty="0" smtClean="0"/>
-                        <a:t>Y</a:t>
-                      </a:r>
                       <a:endParaRPr lang="it-IT" dirty="0"/>
                     </a:p>
                   </a:txBody>
@@ -35544,10 +35770,6 @@
                     <a:lstStyle/>
                     <a:p>
                       <a:pPr algn="ctr"/>
-                      <a:r>
-                        <a:rPr lang="it-IT" dirty="0" smtClean="0"/>
-                        <a:t>Y</a:t>
-                      </a:r>
                       <a:endParaRPr lang="it-IT" dirty="0"/>
                     </a:p>
                   </a:txBody>
@@ -35559,10 +35781,6 @@
                     <a:lstStyle/>
                     <a:p>
                       <a:pPr algn="ctr"/>
-                      <a:r>
-                        <a:rPr lang="it-IT" dirty="0" smtClean="0"/>
-                        <a:t>X</a:t>
-                      </a:r>
                       <a:endParaRPr lang="it-IT" dirty="0"/>
                     </a:p>
                   </a:txBody>
@@ -35574,10 +35792,6 @@
                     <a:lstStyle/>
                     <a:p>
                       <a:pPr algn="ctr"/>
-                      <a:r>
-                        <a:rPr lang="it-IT" dirty="0" smtClean="0"/>
-                        <a:t>X</a:t>
-                      </a:r>
                       <a:endParaRPr lang="it-IT" dirty="0"/>
                     </a:p>
                   </a:txBody>
@@ -35599,7 +35813,7 @@
                   <a:tcPr/>
                 </a:tc>
               </a:tr>
-              <a:tr h="828107">
+              <a:tr h="923837">
                 <a:tc>
                   <a:txBody>
                     <a:bodyPr/>
@@ -35621,10 +35835,6 @@
                     <a:lstStyle/>
                     <a:p>
                       <a:pPr algn="ctr"/>
-                      <a:r>
-                        <a:rPr lang="it-IT" dirty="0" smtClean="0"/>
-                        <a:t>x</a:t>
-                      </a:r>
                       <a:endParaRPr lang="it-IT" dirty="0"/>
                     </a:p>
                   </a:txBody>
@@ -35636,10 +35846,6 @@
                     <a:lstStyle/>
                     <a:p>
                       <a:pPr algn="ctr"/>
-                      <a:r>
-                        <a:rPr lang="it-IT" dirty="0" smtClean="0"/>
-                        <a:t>Y</a:t>
-                      </a:r>
                       <a:endParaRPr lang="it-IT" dirty="0"/>
                     </a:p>
                   </a:txBody>
@@ -35651,10 +35857,6 @@
                     <a:lstStyle/>
                     <a:p>
                       <a:pPr algn="ctr"/>
-                      <a:r>
-                        <a:rPr lang="it-IT" dirty="0" smtClean="0"/>
-                        <a:t>X</a:t>
-                      </a:r>
                       <a:endParaRPr lang="it-IT" dirty="0"/>
                     </a:p>
                   </a:txBody>
@@ -35666,10 +35868,6 @@
                     <a:lstStyle/>
                     <a:p>
                       <a:pPr algn="ctr"/>
-                      <a:r>
-                        <a:rPr lang="it-IT" dirty="0" smtClean="0"/>
-                        <a:t>Y</a:t>
-                      </a:r>
                       <a:endParaRPr lang="it-IT" dirty="0"/>
                     </a:p>
                   </a:txBody>
@@ -35711,7 +35909,7 @@
                   <a:tcPr/>
                 </a:tc>
               </a:tr>
-              <a:tr h="473204">
+              <a:tr h="646686">
                 <a:tc>
                   <a:txBody>
                     <a:bodyPr/>
@@ -35733,10 +35931,28 @@
                     <a:lstStyle/>
                     <a:p>
                       <a:pPr algn="ctr"/>
-                      <a:r>
-                        <a:rPr lang="it-IT" dirty="0" smtClean="0"/>
-                        <a:t>Y</a:t>
-                      </a:r>
+                      <a:endParaRPr lang="it-IT" dirty="0"/>
+                    </a:p>
+                  </a:txBody>
+                  <a:tcPr/>
+                </a:tc>
+                <a:tc>
+                  <a:txBody>
+                    <a:bodyPr/>
+                    <a:lstStyle/>
+                    <a:p>
+                      <a:pPr algn="ctr"/>
+                      <a:endParaRPr lang="it-IT" dirty="0"/>
+                    </a:p>
+                  </a:txBody>
+                  <a:tcPr/>
+                </a:tc>
+                <a:tc>
+                  <a:txBody>
+                    <a:bodyPr/>
+                    <a:lstStyle/>
+                    <a:p>
+                      <a:pPr algn="ctr"/>
                       <a:endParaRPr lang="it-IT" dirty="0"/>
                     </a:p>
                   </a:txBody>
@@ -35749,42 +35965,8 @@
                     <a:p>
                       <a:pPr algn="ctr"/>
                       <a:r>
-                        <a:rPr lang="it-IT" dirty="0" smtClean="0"/>
-                        <a:t>y</a:t>
-                      </a:r>
-                      <a:endParaRPr lang="it-IT" dirty="0"/>
-                    </a:p>
-                  </a:txBody>
-                  <a:tcPr/>
-                </a:tc>
-                <a:tc>
-                  <a:txBody>
-                    <a:bodyPr/>
-                    <a:lstStyle/>
-                    <a:p>
-                      <a:pPr algn="ctr"/>
-                      <a:r>
-                        <a:rPr lang="it-IT" dirty="0" smtClean="0"/>
-                        <a:t>Y</a:t>
-                      </a:r>
-                      <a:endParaRPr lang="it-IT" dirty="0"/>
-                    </a:p>
-                  </a:txBody>
-                  <a:tcPr/>
-                </a:tc>
-                <a:tc>
-                  <a:txBody>
-                    <a:bodyPr/>
-                    <a:lstStyle/>
-                    <a:p>
-                      <a:pPr algn="ctr"/>
-                      <a:r>
-                        <a:rPr lang="it-IT" dirty="0" smtClean="0"/>
-                        <a:t>Y,</a:t>
-                      </a:r>
-                      <a:r>
                         <a:rPr lang="it-IT" baseline="0" dirty="0" smtClean="0"/>
-                        <a:t> tramite </a:t>
+                        <a:t>   tramite </a:t>
                       </a:r>
                       <a:r>
                         <a:rPr lang="it-IT" baseline="0" dirty="0" err="1" smtClean="0"/>
@@ -35837,7 +36019,7 @@
         </p:blipFill>
         <p:spPr>
           <a:xfrm>
-            <a:off x="9621745" y="2949045"/>
+            <a:off x="10188139" y="2919571"/>
             <a:ext cx="1440000" cy="1303200"/>
           </a:xfrm>
           <a:prstGeom prst="rect">
@@ -35867,7 +36049,7 @@
         </p:blipFill>
         <p:spPr>
           <a:xfrm>
-            <a:off x="9629410" y="1458563"/>
+            <a:off x="10195804" y="1429089"/>
             <a:ext cx="1440000" cy="1338082"/>
           </a:xfrm>
           <a:prstGeom prst="rect">
@@ -35897,7 +36079,7 @@
         </p:blipFill>
         <p:spPr>
           <a:xfrm>
-            <a:off x="9614080" y="4404645"/>
+            <a:off x="10180474" y="4375171"/>
             <a:ext cx="1440000" cy="1440000"/>
           </a:xfrm>
           <a:prstGeom prst="rect">
@@ -36104,6 +36286,366 @@
           </a:p>
         </p:txBody>
       </p:sp>
+      <p:pic>
+        <p:nvPicPr>
+          <p:cNvPr id="13" name="Picture 12"/>
+          <p:cNvPicPr>
+            <a:picLocks noChangeAspect="1"/>
+          </p:cNvPicPr>
+          <p:nvPr/>
+        </p:nvPicPr>
+        <p:blipFill>
+          <a:blip r:embed="rId7" cstate="print">
+            <a:extLst>
+              <a:ext uri="{28A0092B-C50C-407E-A947-70E740481C1C}">
+                <a14:useLocalDpi xmlns:a14="http://schemas.microsoft.com/office/drawing/2010/main" val="0"/>
+              </a:ext>
+            </a:extLst>
+          </a:blip>
+          <a:stretch>
+            <a:fillRect/>
+          </a:stretch>
+        </p:blipFill>
+        <p:spPr>
+          <a:xfrm>
+            <a:off x="2841413" y="3677802"/>
+            <a:ext cx="426463" cy="321719"/>
+          </a:xfrm>
+          <a:prstGeom prst="rect">
+            <a:avLst/>
+          </a:prstGeom>
+        </p:spPr>
+      </p:pic>
+      <p:pic>
+        <p:nvPicPr>
+          <p:cNvPr id="17" name="Picture 16"/>
+          <p:cNvPicPr>
+            <a:picLocks noChangeAspect="1"/>
+          </p:cNvPicPr>
+          <p:nvPr/>
+        </p:nvPicPr>
+        <p:blipFill>
+          <a:blip r:embed="rId8" cstate="print">
+            <a:extLst>
+              <a:ext uri="{28A0092B-C50C-407E-A947-70E740481C1C}">
+                <a14:useLocalDpi xmlns:a14="http://schemas.microsoft.com/office/drawing/2010/main" val="0"/>
+              </a:ext>
+            </a:extLst>
+          </a:blip>
+          <a:stretch>
+            <a:fillRect/>
+          </a:stretch>
+        </p:blipFill>
+        <p:spPr>
+          <a:xfrm>
+            <a:off x="5449380" y="3701896"/>
+            <a:ext cx="269345" cy="274167"/>
+          </a:xfrm>
+          <a:prstGeom prst="rect">
+            <a:avLst/>
+          </a:prstGeom>
+        </p:spPr>
+      </p:pic>
+      <p:pic>
+        <p:nvPicPr>
+          <p:cNvPr id="18" name="Picture 17"/>
+          <p:cNvPicPr>
+            <a:picLocks noChangeAspect="1"/>
+          </p:cNvPicPr>
+          <p:nvPr/>
+        </p:nvPicPr>
+        <p:blipFill>
+          <a:blip r:embed="rId7" cstate="print">
+            <a:extLst>
+              <a:ext uri="{28A0092B-C50C-407E-A947-70E740481C1C}">
+                <a14:useLocalDpi xmlns:a14="http://schemas.microsoft.com/office/drawing/2010/main" val="0"/>
+              </a:ext>
+            </a:extLst>
+          </a:blip>
+          <a:stretch>
+            <a:fillRect/>
+          </a:stretch>
+        </p:blipFill>
+        <p:spPr>
+          <a:xfrm>
+            <a:off x="3952458" y="3677802"/>
+            <a:ext cx="426463" cy="321719"/>
+          </a:xfrm>
+          <a:prstGeom prst="rect">
+            <a:avLst/>
+          </a:prstGeom>
+        </p:spPr>
+      </p:pic>
+      <p:pic>
+        <p:nvPicPr>
+          <p:cNvPr id="19" name="Picture 18"/>
+          <p:cNvPicPr>
+            <a:picLocks noChangeAspect="1"/>
+          </p:cNvPicPr>
+          <p:nvPr/>
+        </p:nvPicPr>
+        <p:blipFill>
+          <a:blip r:embed="rId7" cstate="print">
+            <a:extLst>
+              <a:ext uri="{28A0092B-C50C-407E-A947-70E740481C1C}">
+                <a14:useLocalDpi xmlns:a14="http://schemas.microsoft.com/office/drawing/2010/main" val="0"/>
+              </a:ext>
+            </a:extLst>
+          </a:blip>
+          <a:stretch>
+            <a:fillRect/>
+          </a:stretch>
+        </p:blipFill>
+        <p:spPr>
+          <a:xfrm>
+            <a:off x="6927961" y="4183870"/>
+            <a:ext cx="426463" cy="321719"/>
+          </a:xfrm>
+          <a:prstGeom prst="rect">
+            <a:avLst/>
+          </a:prstGeom>
+        </p:spPr>
+      </p:pic>
+      <p:pic>
+        <p:nvPicPr>
+          <p:cNvPr id="20" name="Picture 19"/>
+          <p:cNvPicPr>
+            <a:picLocks noChangeAspect="1"/>
+          </p:cNvPicPr>
+          <p:nvPr/>
+        </p:nvPicPr>
+        <p:blipFill>
+          <a:blip r:embed="rId7" cstate="print">
+            <a:extLst>
+              <a:ext uri="{28A0092B-C50C-407E-A947-70E740481C1C}">
+                <a14:useLocalDpi xmlns:a14="http://schemas.microsoft.com/office/drawing/2010/main" val="0"/>
+              </a:ext>
+            </a:extLst>
+          </a:blip>
+          <a:stretch>
+            <a:fillRect/>
+          </a:stretch>
+        </p:blipFill>
+        <p:spPr>
+          <a:xfrm>
+            <a:off x="3952458" y="4205723"/>
+            <a:ext cx="426463" cy="321719"/>
+          </a:xfrm>
+          <a:prstGeom prst="rect">
+            <a:avLst/>
+          </a:prstGeom>
+        </p:spPr>
+      </p:pic>
+      <p:pic>
+        <p:nvPicPr>
+          <p:cNvPr id="22" name="Picture 21"/>
+          <p:cNvPicPr>
+            <a:picLocks noChangeAspect="1"/>
+          </p:cNvPicPr>
+          <p:nvPr/>
+        </p:nvPicPr>
+        <p:blipFill>
+          <a:blip r:embed="rId7" cstate="print">
+            <a:extLst>
+              <a:ext uri="{28A0092B-C50C-407E-A947-70E740481C1C}">
+                <a14:useLocalDpi xmlns:a14="http://schemas.microsoft.com/office/drawing/2010/main" val="0"/>
+              </a:ext>
+            </a:extLst>
+          </a:blip>
+          <a:stretch>
+            <a:fillRect/>
+          </a:stretch>
+        </p:blipFill>
+        <p:spPr>
+          <a:xfrm>
+            <a:off x="2835633" y="5063060"/>
+            <a:ext cx="426463" cy="321719"/>
+          </a:xfrm>
+          <a:prstGeom prst="rect">
+            <a:avLst/>
+          </a:prstGeom>
+        </p:spPr>
+      </p:pic>
+      <p:pic>
+        <p:nvPicPr>
+          <p:cNvPr id="23" name="Picture 22"/>
+          <p:cNvPicPr>
+            <a:picLocks noChangeAspect="1"/>
+          </p:cNvPicPr>
+          <p:nvPr/>
+        </p:nvPicPr>
+        <p:blipFill>
+          <a:blip r:embed="rId7" cstate="print">
+            <a:extLst>
+              <a:ext uri="{28A0092B-C50C-407E-A947-70E740481C1C}">
+                <a14:useLocalDpi xmlns:a14="http://schemas.microsoft.com/office/drawing/2010/main" val="0"/>
+              </a:ext>
+            </a:extLst>
+          </a:blip>
+          <a:stretch>
+            <a:fillRect/>
+          </a:stretch>
+        </p:blipFill>
+        <p:spPr>
+          <a:xfrm>
+            <a:off x="3952457" y="5063060"/>
+            <a:ext cx="426463" cy="321719"/>
+          </a:xfrm>
+          <a:prstGeom prst="rect">
+            <a:avLst/>
+          </a:prstGeom>
+        </p:spPr>
+      </p:pic>
+      <p:pic>
+        <p:nvPicPr>
+          <p:cNvPr id="24" name="Picture 23"/>
+          <p:cNvPicPr>
+            <a:picLocks noChangeAspect="1"/>
+          </p:cNvPicPr>
+          <p:nvPr/>
+        </p:nvPicPr>
+        <p:blipFill>
+          <a:blip r:embed="rId7" cstate="print">
+            <a:extLst>
+              <a:ext uri="{28A0092B-C50C-407E-A947-70E740481C1C}">
+                <a14:useLocalDpi xmlns:a14="http://schemas.microsoft.com/office/drawing/2010/main" val="0"/>
+              </a:ext>
+            </a:extLst>
+          </a:blip>
+          <a:stretch>
+            <a:fillRect/>
+          </a:stretch>
+        </p:blipFill>
+        <p:spPr>
+          <a:xfrm>
+            <a:off x="5370822" y="5063059"/>
+            <a:ext cx="426463" cy="321719"/>
+          </a:xfrm>
+          <a:prstGeom prst="rect">
+            <a:avLst/>
+          </a:prstGeom>
+        </p:spPr>
+      </p:pic>
+      <p:pic>
+        <p:nvPicPr>
+          <p:cNvPr id="25" name="Picture 24"/>
+          <p:cNvPicPr>
+            <a:picLocks noChangeAspect="1"/>
+          </p:cNvPicPr>
+          <p:nvPr/>
+        </p:nvPicPr>
+        <p:blipFill>
+          <a:blip r:embed="rId7" cstate="print">
+            <a:extLst>
+              <a:ext uri="{28A0092B-C50C-407E-A947-70E740481C1C}">
+                <a14:useLocalDpi xmlns:a14="http://schemas.microsoft.com/office/drawing/2010/main" val="0"/>
+              </a:ext>
+            </a:extLst>
+          </a:blip>
+          <a:stretch>
+            <a:fillRect/>
+          </a:stretch>
+        </p:blipFill>
+        <p:spPr>
+          <a:xfrm>
+            <a:off x="6292337" y="5102207"/>
+            <a:ext cx="426463" cy="321719"/>
+          </a:xfrm>
+          <a:prstGeom prst="rect">
+            <a:avLst/>
+          </a:prstGeom>
+        </p:spPr>
+      </p:pic>
+      <p:pic>
+        <p:nvPicPr>
+          <p:cNvPr id="26" name="Picture 25"/>
+          <p:cNvPicPr>
+            <a:picLocks noChangeAspect="1"/>
+          </p:cNvPicPr>
+          <p:nvPr/>
+        </p:nvPicPr>
+        <p:blipFill>
+          <a:blip r:embed="rId8" cstate="print">
+            <a:extLst>
+              <a:ext uri="{28A0092B-C50C-407E-A947-70E740481C1C}">
+                <a14:useLocalDpi xmlns:a14="http://schemas.microsoft.com/office/drawing/2010/main" val="0"/>
+              </a:ext>
+            </a:extLst>
+          </a:blip>
+          <a:stretch>
+            <a:fillRect/>
+          </a:stretch>
+        </p:blipFill>
+        <p:spPr>
+          <a:xfrm>
+            <a:off x="6927961" y="3677802"/>
+            <a:ext cx="269345" cy="274167"/>
+          </a:xfrm>
+          <a:prstGeom prst="rect">
+            <a:avLst/>
+          </a:prstGeom>
+        </p:spPr>
+      </p:pic>
+      <p:pic>
+        <p:nvPicPr>
+          <p:cNvPr id="27" name="Picture 26"/>
+          <p:cNvPicPr>
+            <a:picLocks noChangeAspect="1"/>
+          </p:cNvPicPr>
+          <p:nvPr/>
+        </p:nvPicPr>
+        <p:blipFill>
+          <a:blip r:embed="rId8" cstate="print">
+            <a:extLst>
+              <a:ext uri="{28A0092B-C50C-407E-A947-70E740481C1C}">
+                <a14:useLocalDpi xmlns:a14="http://schemas.microsoft.com/office/drawing/2010/main" val="0"/>
+              </a:ext>
+            </a:extLst>
+          </a:blip>
+          <a:stretch>
+            <a:fillRect/>
+          </a:stretch>
+        </p:blipFill>
+        <p:spPr>
+          <a:xfrm>
+            <a:off x="5446828" y="4225359"/>
+            <a:ext cx="269345" cy="274167"/>
+          </a:xfrm>
+          <a:prstGeom prst="rect">
+            <a:avLst/>
+          </a:prstGeom>
+        </p:spPr>
+      </p:pic>
+      <p:pic>
+        <p:nvPicPr>
+          <p:cNvPr id="28" name="Picture 27"/>
+          <p:cNvPicPr>
+            <a:picLocks noChangeAspect="1"/>
+          </p:cNvPicPr>
+          <p:nvPr/>
+        </p:nvPicPr>
+        <p:blipFill>
+          <a:blip r:embed="rId8" cstate="print">
+            <a:extLst>
+              <a:ext uri="{28A0092B-C50C-407E-A947-70E740481C1C}">
+                <a14:useLocalDpi xmlns:a14="http://schemas.microsoft.com/office/drawing/2010/main" val="0"/>
+              </a:ext>
+            </a:extLst>
+          </a:blip>
+          <a:stretch>
+            <a:fillRect/>
+          </a:stretch>
+        </p:blipFill>
+        <p:spPr>
+          <a:xfrm>
+            <a:off x="2887181" y="4258529"/>
+            <a:ext cx="269345" cy="274167"/>
+          </a:xfrm>
+          <a:prstGeom prst="rect">
+            <a:avLst/>
+          </a:prstGeom>
+        </p:spPr>
+      </p:pic>
     </p:spTree>
     <p:extLst>
       <p:ext uri="{BB962C8B-B14F-4D97-AF65-F5344CB8AC3E}">
@@ -36245,7 +36787,7 @@
           <p:nvPr>
             <p:extLst>
               <p:ext uri="{D42A27DB-BD31-4B8C-83A1-F6EECF244321}">
-                <p14:modId xmlns:p14="http://schemas.microsoft.com/office/powerpoint/2010/main" val="2863950432"/>
+                <p14:modId xmlns:p14="http://schemas.microsoft.com/office/powerpoint/2010/main" val="498352842"/>
               </p:ext>
             </p:extLst>
           </p:nvPr>
@@ -36376,15 +36918,7 @@
                       </a:r>
                       <a:r>
                         <a:rPr lang="it-IT" dirty="0" smtClean="0"/>
-                        <a:t>ad </a:t>
-                      </a:r>
-                      <a:r>
-                        <a:rPr lang="it-IT" dirty="0" smtClean="0"/>
-                        <a:t>alto </a:t>
-                      </a:r>
-                      <a:r>
-                        <a:rPr lang="it-IT" dirty="0" smtClean="0"/>
-                        <a:t>livello</a:t>
+                        <a:t>ad alto livello</a:t>
                       </a:r>
                       <a:endParaRPr lang="it-IT" dirty="0"/>
                     </a:p>
@@ -36537,11 +37071,7 @@
                       </a:pPr>
                       <a:r>
                         <a:rPr lang="it-IT" dirty="0" smtClean="0"/>
-                        <a:t> ad </a:t>
-                      </a:r>
-                      <a:r>
-                        <a:rPr lang="it-IT" dirty="0" smtClean="0"/>
-                        <a:t>alto livello</a:t>
+                        <a:t>  ad alto livello</a:t>
                       </a:r>
                     </a:p>
                   </a:txBody>
@@ -38158,7 +38688,7 @@
           <p:nvPr>
             <p:extLst>
               <p:ext uri="{D42A27DB-BD31-4B8C-83A1-F6EECF244321}">
-                <p14:modId xmlns:p14="http://schemas.microsoft.com/office/powerpoint/2010/main" val="4131911599"/>
+                <p14:modId xmlns:p14="http://schemas.microsoft.com/office/powerpoint/2010/main" val="54390143"/>
               </p:ext>
             </p:extLst>
           </p:nvPr>
@@ -38341,11 +38871,7 @@
                       </a:r>
                       <a:r>
                         <a:rPr lang="it-IT" dirty="0" smtClean="0"/>
-                        <a:t>(</a:t>
-                      </a:r>
-                      <a:r>
-                        <a:rPr lang="it-IT" dirty="0" smtClean="0"/>
-                        <a:t>con le attese esplicite)</a:t>
+                        <a:t>con le attese esplicite</a:t>
                       </a:r>
                     </a:p>
                     <a:p>
@@ -38356,15 +38882,11 @@
                       </a:r>
                       <a:r>
                         <a:rPr lang="it-IT" dirty="0" smtClean="0"/>
-                        <a:t>(</a:t>
-                      </a:r>
-                      <a:r>
-                        <a:rPr lang="it-IT" dirty="0" smtClean="0"/>
                         <a:t>con</a:t>
                       </a:r>
                       <a:r>
                         <a:rPr lang="it-IT" baseline="0" dirty="0" smtClean="0"/>
-                        <a:t> le attese implicite)</a:t>
+                        <a:t> le attese implicite</a:t>
                       </a:r>
                       <a:endParaRPr lang="it-IT" dirty="0"/>
                     </a:p>
@@ -39340,13 +39862,8 @@
             </a:r>
             <a:r>
               <a:rPr lang="it-IT" dirty="0" smtClean="0"/>
-              <a:t> MVC più diffusi e </a:t>
+              <a:t> MVC più diffusi e avanzati</a:t>
             </a:r>
-            <a:r>
-              <a:rPr lang="it-IT" dirty="0" smtClean="0"/>
-              <a:t>avanzati</a:t>
-            </a:r>
-            <a:endParaRPr lang="it-IT" dirty="0" smtClean="0"/>
           </a:p>
           <a:p>
             <a:pPr lvl="1">
@@ -39505,7 +40022,7 @@
                 </a:solidFill>
                 <a:latin typeface="+mn-lt"/>
               </a:rPr>
-              <a:t>Obbiettivo</a:t>
+              <a:t>Obiettivo</a:t>
             </a:r>
             <a:endParaRPr lang="it-IT" dirty="0">
               <a:solidFill>
@@ -40881,7 +41398,7 @@
           <p:nvPr>
             <p:extLst>
               <p:ext uri="{D42A27DB-BD31-4B8C-83A1-F6EECF244321}">
-                <p14:modId xmlns:p14="http://schemas.microsoft.com/office/powerpoint/2010/main" val="3908971291"/>
+                <p14:modId xmlns:p14="http://schemas.microsoft.com/office/powerpoint/2010/main" val="687217529"/>
               </p:ext>
             </p:extLst>
           </p:nvPr>
@@ -41168,11 +41685,7 @@
             </a:pPr>
             <a:r>
               <a:rPr lang="it-IT" dirty="0" smtClean="0"/>
-              <a:t>Tre </a:t>
-            </a:r>
-            <a:r>
-              <a:rPr lang="it-IT" dirty="0" smtClean="0"/>
-              <a:t>componenti:</a:t>
+              <a:t>Tre componenti:</a:t>
             </a:r>
           </a:p>
           <a:p>
@@ -41182,7 +41695,15 @@
             </a:pPr>
             <a:r>
               <a:rPr lang="it-IT" dirty="0" smtClean="0"/>
-              <a:t>Il modello descrive il dominio e permette la persistenza delle informazioni</a:t>
+              <a:t>Il </a:t>
+            </a:r>
+            <a:r>
+              <a:rPr lang="it-IT" b="1" dirty="0" smtClean="0"/>
+              <a:t>modello</a:t>
+            </a:r>
+            <a:r>
+              <a:rPr lang="it-IT" dirty="0" smtClean="0"/>
+              <a:t> descrive il dominio e permette la persistenza delle informazioni</a:t>
             </a:r>
           </a:p>
           <a:p>
@@ -41199,15 +41720,15 @@
             </a:pPr>
             <a:r>
               <a:rPr lang="it-IT" dirty="0" smtClean="0"/>
-              <a:t>Le viste </a:t>
+              <a:t>Le </a:t>
+            </a:r>
+            <a:r>
+              <a:rPr lang="it-IT" b="1" dirty="0" smtClean="0"/>
+              <a:t>viste</a:t>
             </a:r>
             <a:r>
               <a:rPr lang="it-IT" dirty="0" smtClean="0"/>
-              <a:t>sono l’interfaccia </a:t>
-            </a:r>
-            <a:r>
-              <a:rPr lang="it-IT" dirty="0" smtClean="0"/>
-              <a:t>dell’applicazione utilizzabili dall’utente e reagiscono in funzione dei cambiamenti sul modello</a:t>
+              <a:t> sono l’interfaccia dell’applicazione utilizzabili dall’utente e reagiscono in funzione dei cambiamenti sul modello</a:t>
             </a:r>
           </a:p>
           <a:p>
@@ -41224,7 +41745,15 @@
             </a:pPr>
             <a:r>
               <a:rPr lang="it-IT" dirty="0" smtClean="0"/>
-              <a:t>I controlli ricevono ed interpretano le richieste effettuate dall’utente</a:t>
+              <a:t>I </a:t>
+            </a:r>
+            <a:r>
+              <a:rPr lang="it-IT" b="1" dirty="0" smtClean="0"/>
+              <a:t>controlli</a:t>
+            </a:r>
+            <a:r>
+              <a:rPr lang="it-IT" dirty="0" smtClean="0"/>
+              <a:t> ricevono ed interpretano le richieste effettuate dall’utente</a:t>
             </a:r>
           </a:p>
           <a:p>
@@ -41241,26 +41770,22 @@
             </a:pPr>
             <a:r>
               <a:rPr lang="it-IT" dirty="0" smtClean="0"/>
-              <a:t>In pratica sono utilizzate </a:t>
+              <a:t>In pratica sono utilizzate variazioni architetturali come il </a:t>
             </a:r>
             <a:r>
-              <a:rPr lang="it-IT" dirty="0" smtClean="0"/>
-              <a:t>variazioni architetturali come il </a:t>
-            </a:r>
-            <a:r>
-              <a:rPr lang="it-IT" dirty="0" smtClean="0"/>
+              <a:rPr lang="it-IT" b="1" dirty="0" smtClean="0"/>
               <a:t>Model </a:t>
             </a:r>
             <a:r>
-              <a:rPr lang="it-IT" dirty="0" err="1" smtClean="0"/>
+              <a:rPr lang="it-IT" b="1" dirty="0" err="1" smtClean="0"/>
               <a:t>View</a:t>
             </a:r>
             <a:r>
-              <a:rPr lang="it-IT" dirty="0" smtClean="0"/>
+              <a:rPr lang="it-IT" b="1" dirty="0" smtClean="0"/>
               <a:t> </a:t>
             </a:r>
             <a:r>
-              <a:rPr lang="it-IT" dirty="0" err="1" smtClean="0"/>
+              <a:rPr lang="it-IT" b="1" dirty="0" err="1" smtClean="0"/>
               <a:t>Presenter</a:t>
             </a:r>
             <a:r>
@@ -41602,7 +42127,7 @@
       </p:sp>
       <p:pic>
         <p:nvPicPr>
-          <p:cNvPr id="6" name="Picture 5"/>
+          <p:cNvPr id="7" name="Picture 6"/>
           <p:cNvPicPr>
             <a:picLocks noChangeAspect="1"/>
           </p:cNvPicPr>
@@ -41622,8 +42147,8 @@
         </p:blipFill>
         <p:spPr>
           <a:xfrm>
-            <a:off x="3238500" y="4283409"/>
-            <a:ext cx="5715000" cy="2021681"/>
+            <a:off x="6709697" y="3619528"/>
+            <a:ext cx="5334000" cy="3048000"/>
           </a:xfrm>
           <a:prstGeom prst="rect">
             <a:avLst/>
@@ -42614,7 +43139,7 @@
           <p:nvPr>
             <p:extLst>
               <p:ext uri="{D42A27DB-BD31-4B8C-83A1-F6EECF244321}">
-                <p14:modId xmlns:p14="http://schemas.microsoft.com/office/powerpoint/2010/main" val="2784081141"/>
+                <p14:modId xmlns:p14="http://schemas.microsoft.com/office/powerpoint/2010/main" val="3674534356"/>
               </p:ext>
             </p:extLst>
           </p:nvPr>

--- a/Presentazione.pptx
+++ b/Presentazione.pptx
@@ -134,7 +134,7 @@
 
 <file path=ppt/commentAuthors.xml><?xml version="1.0" encoding="utf-8"?>
 <p:cmAuthorLst xmlns:a="http://schemas.openxmlformats.org/drawingml/2006/main" xmlns:r="http://schemas.openxmlformats.org/officeDocument/2006/relationships" xmlns:p="http://schemas.openxmlformats.org/presentationml/2006/main">
-  <p:cmAuthor id="1" name="Mattia Barrasso" initials="MB" lastIdx="3" clrIdx="0">
+  <p:cmAuthor id="1" name="Mattia Barrasso" initials="MB" lastIdx="20" clrIdx="0">
     <p:extLst>
       <p:ext uri="{19B8F6BF-5375-455C-9EA6-DF929625EA0E}">
         <p15:presenceInfo xmlns:p15="http://schemas.microsoft.com/office/powerpoint/2012/main" userId="ecdd745e7086fff1" providerId="Windows Live"/>
@@ -142,6 +142,221 @@
     </p:extLst>
   </p:cmAuthor>
 </p:cmAuthorLst>
+</file>
+
+<file path=ppt/comments/comment1.xml><?xml version="1.0" encoding="utf-8"?>
+<p:cmLst xmlns:a="http://schemas.openxmlformats.org/drawingml/2006/main" xmlns:r="http://schemas.openxmlformats.org/officeDocument/2006/relationships" xmlns:p="http://schemas.openxmlformats.org/presentationml/2006/main">
+  <p:cm authorId="1" dt="2014-12-05T16:14:50.897" idx="20">
+    <p:pos x="10" y="10"/>
+    <p:text/>
+    <p:extLst>
+      <p:ext uri="{C676402C-5697-4E1C-873F-D02D1690AC5C}">
+        <p15:threadingInfo xmlns:p15="http://schemas.microsoft.com/office/powerpoint/2012/main" timeZoneBias="-60"/>
+      </p:ext>
+    </p:extLst>
+  </p:cm>
+</p:cmLst>
+</file>
+
+<file path=ppt/comments/comment2.xml><?xml version="1.0" encoding="utf-8"?>
+<p:cmLst xmlns:a="http://schemas.openxmlformats.org/drawingml/2006/main" xmlns:r="http://schemas.openxmlformats.org/officeDocument/2006/relationships" xmlns:p="http://schemas.openxmlformats.org/presentationml/2006/main">
+  <p:cm authorId="1" dt="2014-12-05T15:52:14.397" idx="4">
+    <p:pos x="10" y="175"/>
+    <p:text>Le specifiche sono i test di acettazione</p:text>
+    <p:extLst>
+      <p:ext uri="{C676402C-5697-4E1C-873F-D02D1690AC5C}">
+        <p15:threadingInfo xmlns:p15="http://schemas.microsoft.com/office/powerpoint/2012/main" timeZoneBias="-60"/>
+      </p:ext>
+    </p:extLst>
+  </p:cm>
+  <p:cm authorId="1" dt="2014-12-05T15:53:47.521" idx="5">
+    <p:pos x="10" y="311"/>
+    <p:text>Immagine: dentro il primo ciclo, specifica 4 figure dispense nel cerchio RSD,</p:text>
+    <p:extLst>
+      <p:ext uri="{C676402C-5697-4E1C-873F-D02D1690AC5C}">
+        <p15:threadingInfo xmlns:p15="http://schemas.microsoft.com/office/powerpoint/2012/main" timeZoneBias="-60">
+          <p15:parentCm authorId="1" idx="4"/>
+        </p15:threadingInfo>
+      </p:ext>
+    </p:extLst>
+  </p:cm>
+  <p:cm authorId="1" dt="2014-12-05T15:54:48.087" idx="6">
+    <p:pos x="10" y="447"/>
+    <p:text>User Story da implementare</p:text>
+    <p:extLst>
+      <p:ext uri="{C676402C-5697-4E1C-873F-D02D1690AC5C}">
+        <p15:threadingInfo xmlns:p15="http://schemas.microsoft.com/office/powerpoint/2012/main" timeZoneBias="-60">
+          <p15:parentCm authorId="1" idx="4"/>
+        </p15:threadingInfo>
+      </p:ext>
+    </p:extLst>
+  </p:cm>
+  <p:cm authorId="1" dt="2014-12-05T15:55:06.954" idx="7">
+    <p:pos x="10" y="583"/>
+    <p:text>Implementazione della funzionalità</p:text>
+    <p:extLst>
+      <p:ext uri="{C676402C-5697-4E1C-873F-D02D1690AC5C}">
+        <p15:threadingInfo xmlns:p15="http://schemas.microsoft.com/office/powerpoint/2012/main" timeZoneBias="-60">
+          <p15:parentCm authorId="1" idx="4"/>
+        </p15:threadingInfo>
+      </p:ext>
+    </p:extLst>
+  </p:cm>
+</p:cmLst>
+</file>
+
+<file path=ppt/comments/comment3.xml><?xml version="1.0" encoding="utf-8"?>
+<p:cmLst xmlns:a="http://schemas.openxmlformats.org/drawingml/2006/main" xmlns:r="http://schemas.openxmlformats.org/officeDocument/2006/relationships" xmlns:p="http://schemas.openxmlformats.org/presentationml/2006/main">
+  <p:cm authorId="1" dt="2014-12-05T15:56:31.897" idx="8">
+    <p:pos x="4237" y="3126"/>
+    <p:text>Solo in questo framework è possibile fare db first</p:text>
+    <p:extLst>
+      <p:ext uri="{C676402C-5697-4E1C-873F-D02D1690AC5C}">
+        <p15:threadingInfo xmlns:p15="http://schemas.microsoft.com/office/powerpoint/2012/main" timeZoneBias="-60"/>
+      </p:ext>
+    </p:extLst>
+  </p:cm>
+</p:cmLst>
+</file>
+
+<file path=ppt/comments/comment4.xml><?xml version="1.0" encoding="utf-8"?>
+<p:cmLst xmlns:a="http://schemas.openxmlformats.org/drawingml/2006/main" xmlns:r="http://schemas.openxmlformats.org/officeDocument/2006/relationships" xmlns:p="http://schemas.openxmlformats.org/presentationml/2006/main">
+  <p:cm authorId="1" dt="2014-12-05T15:58:25.076" idx="9">
+    <p:pos x="10" y="10"/>
+    <p:text>Ruby: corridore veloce</p:text>
+    <p:extLst>
+      <p:ext uri="{C676402C-5697-4E1C-873F-D02D1690AC5C}">
+        <p15:threadingInfo xmlns:p15="http://schemas.microsoft.com/office/powerpoint/2012/main" timeZoneBias="-60"/>
+      </p:ext>
+    </p:extLst>
+  </p:cm>
+  <p:cm authorId="1" dt="2014-12-05T15:58:50.635" idx="10">
+    <p:pos x="10" y="146"/>
+    <p:text>Spring: ... 
+.NET: ...</p:text>
+    <p:extLst>
+      <p:ext uri="{C676402C-5697-4E1C-873F-D02D1690AC5C}">
+        <p15:threadingInfo xmlns:p15="http://schemas.microsoft.com/office/powerpoint/2012/main" timeZoneBias="-60">
+          <p15:parentCm authorId="1" idx="9"/>
+        </p15:threadingInfo>
+      </p:ext>
+    </p:extLst>
+  </p:cm>
+</p:cmLst>
+</file>
+
+<file path=ppt/comments/comment5.xml><?xml version="1.0" encoding="utf-8"?>
+<p:cmLst xmlns:a="http://schemas.openxmlformats.org/drawingml/2006/main" xmlns:r="http://schemas.openxmlformats.org/officeDocument/2006/relationships" xmlns:p="http://schemas.openxmlformats.org/presentationml/2006/main">
+  <p:cm authorId="1" dt="2014-12-05T16:01:00.225" idx="11">
+    <p:pos x="10" y="10"/>
+    <p:text>Anticipare i driver</p:text>
+    <p:extLst>
+      <p:ext uri="{C676402C-5697-4E1C-873F-D02D1690AC5C}">
+        <p15:threadingInfo xmlns:p15="http://schemas.microsoft.com/office/powerpoint/2012/main" timeZoneBias="-60"/>
+      </p:ext>
+    </p:extLst>
+  </p:cm>
+  <p:cm authorId="1" dt="2014-12-05T16:01:26.116" idx="12">
+    <p:pos x="10" y="146"/>
+    <p:text>Scolorire il colori, o ridurre grandezza</p:text>
+    <p:extLst>
+      <p:ext uri="{C676402C-5697-4E1C-873F-D02D1690AC5C}">
+        <p15:threadingInfo xmlns:p15="http://schemas.microsoft.com/office/powerpoint/2012/main" timeZoneBias="-60">
+          <p15:parentCm authorId="1" idx="11"/>
+        </p15:threadingInfo>
+      </p:ext>
+    </p:extLst>
+  </p:cm>
+</p:cmLst>
+</file>
+
+<file path=ppt/comments/comment6.xml><?xml version="1.0" encoding="utf-8"?>
+<p:cmLst xmlns:a="http://schemas.openxmlformats.org/drawingml/2006/main" xmlns:r="http://schemas.openxmlformats.org/officeDocument/2006/relationships" xmlns:p="http://schemas.openxmlformats.org/presentationml/2006/main">
+  <p:cm authorId="1" dt="2014-12-05T16:01:35.974" idx="13">
+    <p:pos x="10" y="10"/>
+    <p:text>Cambiare esempio</p:text>
+    <p:extLst>
+      <p:ext uri="{C676402C-5697-4E1C-873F-D02D1690AC5C}">
+        <p15:threadingInfo xmlns:p15="http://schemas.microsoft.com/office/powerpoint/2012/main" timeZoneBias="-60"/>
+      </p:ext>
+    </p:extLst>
+  </p:cm>
+</p:cmLst>
+</file>
+
+<file path=ppt/comments/comment7.xml><?xml version="1.0" encoding="utf-8"?>
+<p:cmLst xmlns:a="http://schemas.openxmlformats.org/drawingml/2006/main" xmlns:r="http://schemas.openxmlformats.org/officeDocument/2006/relationships" xmlns:p="http://schemas.openxmlformats.org/presentationml/2006/main">
+  <p:cm authorId="1" dt="2014-12-05T16:02:01.601" idx="14">
+    <p:pos x="5829" y="3182"/>
+    <p:text>Coypu: Java in secondo piano</p:text>
+    <p:extLst>
+      <p:ext uri="{C676402C-5697-4E1C-873F-D02D1690AC5C}">
+        <p15:threadingInfo xmlns:p15="http://schemas.microsoft.com/office/powerpoint/2012/main" timeZoneBias="-60"/>
+      </p:ext>
+    </p:extLst>
+  </p:cm>
+</p:cmLst>
+</file>
+
+<file path=ppt/comments/comment8.xml><?xml version="1.0" encoding="utf-8"?>
+<p:cmLst xmlns:a="http://schemas.openxmlformats.org/drawingml/2006/main" xmlns:r="http://schemas.openxmlformats.org/officeDocument/2006/relationships" xmlns:p="http://schemas.openxmlformats.org/presentationml/2006/main">
+  <p:cm authorId="1" dt="2014-12-05T16:03:20.710" idx="17">
+    <p:pos x="10" y="10"/>
+    <p:text>Gif</p:text>
+    <p:extLst>
+      <p:ext uri="{C676402C-5697-4E1C-873F-D02D1690AC5C}">
+        <p15:threadingInfo xmlns:p15="http://schemas.microsoft.com/office/powerpoint/2012/main" timeZoneBias="-60"/>
+      </p:ext>
+    </p:extLst>
+  </p:cm>
+  <p:cm authorId="1" dt="2014-12-05T16:03:26.179" idx="18">
+    <p:pos x="10" y="146"/>
+    <p:text>Menu</p:text>
+    <p:extLst>
+      <p:ext uri="{C676402C-5697-4E1C-873F-D02D1690AC5C}">
+        <p15:threadingInfo xmlns:p15="http://schemas.microsoft.com/office/powerpoint/2012/main" timeZoneBias="-60">
+          <p15:parentCm authorId="1" idx="17"/>
+        </p15:threadingInfo>
+      </p:ext>
+    </p:extLst>
+  </p:cm>
+</p:cmLst>
+</file>
+
+<file path=ppt/comments/comment9.xml><?xml version="1.0" encoding="utf-8"?>
+<p:cmLst xmlns:a="http://schemas.openxmlformats.org/drawingml/2006/main" xmlns:r="http://schemas.openxmlformats.org/officeDocument/2006/relationships" xmlns:p="http://schemas.openxmlformats.org/presentationml/2006/main">
+  <p:cm authorId="1" dt="2014-12-05T16:02:48.038" idx="15">
+    <p:pos x="10" y="10"/>
+    <p:text>Note, come altra conclusione</p:text>
+    <p:extLst>
+      <p:ext uri="{C676402C-5697-4E1C-873F-D02D1690AC5C}">
+        <p15:threadingInfo xmlns:p15="http://schemas.microsoft.com/office/powerpoint/2012/main" timeZoneBias="-60"/>
+      </p:ext>
+    </p:extLst>
+  </p:cm>
+  <p:cm authorId="1" dt="2014-12-05T16:03:16.114" idx="16">
+    <p:pos x="10" y="146"/>
+    <p:text>Piccola animazione</p:text>
+    <p:extLst>
+      <p:ext uri="{C676402C-5697-4E1C-873F-D02D1690AC5C}">
+        <p15:threadingInfo xmlns:p15="http://schemas.microsoft.com/office/powerpoint/2012/main" timeZoneBias="-60">
+          <p15:parentCm authorId="1" idx="15"/>
+        </p15:threadingInfo>
+      </p:ext>
+    </p:extLst>
+  </p:cm>
+  <p:cm authorId="1" dt="2014-12-05T16:03:45.271" idx="19">
+    <p:pos x="10" y="282"/>
+    <p:text>Oppure due stack "Ideale" "Realisticamente"</p:text>
+    <p:extLst>
+      <p:ext uri="{C676402C-5697-4E1C-873F-D02D1690AC5C}">
+        <p15:threadingInfo xmlns:p15="http://schemas.microsoft.com/office/powerpoint/2012/main" timeZoneBias="-60">
+          <p15:parentCm authorId="1" idx="15"/>
+        </p15:threadingInfo>
+      </p:ext>
+    </p:extLst>
+  </p:cm>
+</p:cmLst>
 </file>
 
 <file path=ppt/diagrams/colors1.xml><?xml version="1.0" encoding="utf-8"?>
@@ -10083,25 +10298,25 @@
     </dgm:pt>
   </dgm:ptLst>
   <dgm:cxnLst>
+    <dgm:cxn modelId="{582372E9-5AA5-4FD6-9726-8F7A03DE974F}" type="presOf" srcId="{60C267EA-503E-40EE-A033-A0D69762F4DE}" destId="{3DCABB5E-815A-4018-894D-BB2152A05B74}" srcOrd="0" destOrd="1" presId="urn:microsoft.com/office/officeart/2005/8/layout/vList5"/>
+    <dgm:cxn modelId="{EE3D5F84-4287-4B55-B023-7875064AD5BB}" type="presOf" srcId="{A0AA2172-E60F-4EE6-997C-5F090CFF3574}" destId="{84E8FD5B-F47E-455E-849A-EF1F394AFB08}" srcOrd="0" destOrd="0" presId="urn:microsoft.com/office/officeart/2005/8/layout/vList5"/>
+    <dgm:cxn modelId="{A8509B04-2146-4093-952C-B45A98B5261A}" srcId="{EAE98432-45EF-49FC-84CF-CAFF81DB5CD7}" destId="{5CA24573-BC92-4A10-A1B3-2B7F5A92872F}" srcOrd="1" destOrd="0" parTransId="{59C34C33-CF9C-4B06-993D-E9167933D4A6}" sibTransId="{AE0EC781-1BB0-4A1D-BEF1-E22640B4A60A}"/>
+    <dgm:cxn modelId="{D5F49355-8AE6-466F-A51C-35CC6EDD7CC8}" type="presOf" srcId="{EEE8A3FA-F383-4D0F-B67A-40AD33C5E313}" destId="{F733AC26-86E5-4483-9535-2A97BBA27B1D}" srcOrd="0" destOrd="0" presId="urn:microsoft.com/office/officeart/2005/8/layout/vList5"/>
+    <dgm:cxn modelId="{2389203F-74E3-464B-A439-71969A57CFC9}" type="presOf" srcId="{4A7424E4-33FE-4962-8C87-8F65E64E05A4}" destId="{3DCABB5E-815A-4018-894D-BB2152A05B74}" srcOrd="0" destOrd="0" presId="urn:microsoft.com/office/officeart/2005/8/layout/vList5"/>
+    <dgm:cxn modelId="{DBAB86BD-49FE-400F-A142-34120B5BF832}" type="presOf" srcId="{D0DF8467-DA3A-437F-B3BE-2D4E4C36AE23}" destId="{84047048-3489-45FD-AD42-23C8F293A5F6}" srcOrd="0" destOrd="0" presId="urn:microsoft.com/office/officeart/2005/8/layout/vList5"/>
+    <dgm:cxn modelId="{3A88C447-9A89-4EC9-9943-D4846AD04A36}" srcId="{EEE8A3FA-F383-4D0F-B67A-40AD33C5E313}" destId="{0F152F44-1198-43AC-86E7-8E96A8CB883F}" srcOrd="2" destOrd="0" parTransId="{255219C8-00D9-4D6E-8429-5D9B2A9DD4C9}" sibTransId="{CEEF77D7-AFC1-4328-B282-96AAECA29424}"/>
+    <dgm:cxn modelId="{14D34CDC-DDE0-4DE9-81F7-7B8151BD0D17}" srcId="{0F152F44-1198-43AC-86E7-8E96A8CB883F}" destId="{4A7424E4-33FE-4962-8C87-8F65E64E05A4}" srcOrd="0" destOrd="0" parTransId="{F0B2D6AB-5F2F-4713-B45E-30DA114C481F}" sibTransId="{3C0C09AD-99F4-4527-8671-FA4FF5A98971}"/>
+    <dgm:cxn modelId="{C9A65338-A148-4C28-8AAA-65F212680BEF}" type="presOf" srcId="{C7897C54-F800-44B8-B2E0-E3F6280CA0C8}" destId="{F11A811D-BF03-46F9-903E-86A9AAAF8A3D}" srcOrd="0" destOrd="0" presId="urn:microsoft.com/office/officeart/2005/8/layout/vList5"/>
+    <dgm:cxn modelId="{DBF7F01A-A691-4CAE-A333-56E19FE45680}" type="presOf" srcId="{0F152F44-1198-43AC-86E7-8E96A8CB883F}" destId="{B6BE7333-28CC-4023-A7F5-52E95F94DCDE}" srcOrd="0" destOrd="0" presId="urn:microsoft.com/office/officeart/2005/8/layout/vList5"/>
+    <dgm:cxn modelId="{C15160EE-E6D8-4FAE-A151-D3A7080B0A99}" srcId="{EEE8A3FA-F383-4D0F-B67A-40AD33C5E313}" destId="{C7897C54-F800-44B8-B2E0-E3F6280CA0C8}" srcOrd="0" destOrd="0" parTransId="{B538B416-3964-486B-B3A4-0CF22326C761}" sibTransId="{8874BCF8-81F5-4A6B-B3C3-5FDED006647A}"/>
     <dgm:cxn modelId="{1633A6CD-F59F-482B-A821-7C54C90514DF}" srcId="{EEE8A3FA-F383-4D0F-B67A-40AD33C5E313}" destId="{EAE98432-45EF-49FC-84CF-CAFF81DB5CD7}" srcOrd="1" destOrd="0" parTransId="{0B7295D3-AB6A-408E-B4E1-36D0BF9BED6E}" sibTransId="{2057EE9D-E2B0-4FBA-9B4A-EC037242B740}"/>
-    <dgm:cxn modelId="{582372E9-5AA5-4FD6-9726-8F7A03DE974F}" type="presOf" srcId="{60C267EA-503E-40EE-A033-A0D69762F4DE}" destId="{3DCABB5E-815A-4018-894D-BB2152A05B74}" srcOrd="0" destOrd="1" presId="urn:microsoft.com/office/officeart/2005/8/layout/vList5"/>
-    <dgm:cxn modelId="{3A88C447-9A89-4EC9-9943-D4846AD04A36}" srcId="{EEE8A3FA-F383-4D0F-B67A-40AD33C5E313}" destId="{0F152F44-1198-43AC-86E7-8E96A8CB883F}" srcOrd="2" destOrd="0" parTransId="{255219C8-00D9-4D6E-8429-5D9B2A9DD4C9}" sibTransId="{CEEF77D7-AFC1-4328-B282-96AAECA29424}"/>
+    <dgm:cxn modelId="{8B8C56C6-02E8-4B27-975C-B8C808A6B68F}" type="presOf" srcId="{BC491DEC-2DE0-4650-8339-783DCFD8374B}" destId="{84E8FD5B-F47E-455E-849A-EF1F394AFB08}" srcOrd="0" destOrd="1" presId="urn:microsoft.com/office/officeart/2005/8/layout/vList5"/>
     <dgm:cxn modelId="{F339A4E5-37F9-43A7-AC7E-47E72C4207F1}" srcId="{C7897C54-F800-44B8-B2E0-E3F6280CA0C8}" destId="{A0AA2172-E60F-4EE6-997C-5F090CFF3574}" srcOrd="0" destOrd="0" parTransId="{768D02CB-52CC-4206-B8CA-AFA5F65CA0C9}" sibTransId="{F2A80081-5E49-4D88-BBFF-B694C9F0DE43}"/>
-    <dgm:cxn modelId="{8B8C56C6-02E8-4B27-975C-B8C808A6B68F}" type="presOf" srcId="{BC491DEC-2DE0-4650-8339-783DCFD8374B}" destId="{84E8FD5B-F47E-455E-849A-EF1F394AFB08}" srcOrd="0" destOrd="1" presId="urn:microsoft.com/office/officeart/2005/8/layout/vList5"/>
-    <dgm:cxn modelId="{A8509B04-2146-4093-952C-B45A98B5261A}" srcId="{EAE98432-45EF-49FC-84CF-CAFF81DB5CD7}" destId="{5CA24573-BC92-4A10-A1B3-2B7F5A92872F}" srcOrd="1" destOrd="0" parTransId="{59C34C33-CF9C-4B06-993D-E9167933D4A6}" sibTransId="{AE0EC781-1BB0-4A1D-BEF1-E22640B4A60A}"/>
-    <dgm:cxn modelId="{C15160EE-E6D8-4FAE-A151-D3A7080B0A99}" srcId="{EEE8A3FA-F383-4D0F-B67A-40AD33C5E313}" destId="{C7897C54-F800-44B8-B2E0-E3F6280CA0C8}" srcOrd="0" destOrd="0" parTransId="{B538B416-3964-486B-B3A4-0CF22326C761}" sibTransId="{8874BCF8-81F5-4A6B-B3C3-5FDED006647A}"/>
+    <dgm:cxn modelId="{DD126B35-DDAF-4A09-98E6-EAAAA1F0C85E}" srcId="{0F152F44-1198-43AC-86E7-8E96A8CB883F}" destId="{60C267EA-503E-40EE-A033-A0D69762F4DE}" srcOrd="1" destOrd="0" parTransId="{C1103FC2-D532-4D8D-9065-6C47D17A2331}" sibTransId="{A3B6FC1C-ECE9-4880-9A67-B011E171FB83}"/>
+    <dgm:cxn modelId="{E521E888-6BF8-47D0-91A9-8DDF6A1AFBE2}" srcId="{C7897C54-F800-44B8-B2E0-E3F6280CA0C8}" destId="{BC491DEC-2DE0-4650-8339-783DCFD8374B}" srcOrd="1" destOrd="0" parTransId="{4ADB86D3-83DC-4CFA-9509-46BE32E09462}" sibTransId="{1AB16834-9CDF-434C-9DE7-82B4383238F5}"/>
     <dgm:cxn modelId="{0E68D9FF-0B9D-4E81-B687-E83107DD8E8C}" srcId="{EAE98432-45EF-49FC-84CF-CAFF81DB5CD7}" destId="{D0DF8467-DA3A-437F-B3BE-2D4E4C36AE23}" srcOrd="0" destOrd="0" parTransId="{5A2CB50E-3A3A-41B2-B052-07A44CB96E45}" sibTransId="{66DDADC9-0E8B-42D4-B1EA-74A3270B8D9E}"/>
     <dgm:cxn modelId="{A5F32142-12BC-425D-8490-97E883A97E62}" type="presOf" srcId="{EAE98432-45EF-49FC-84CF-CAFF81DB5CD7}" destId="{D5BA7D7F-A832-4CB0-971D-4F0DE6BF012E}" srcOrd="0" destOrd="0" presId="urn:microsoft.com/office/officeart/2005/8/layout/vList5"/>
-    <dgm:cxn modelId="{DD126B35-DDAF-4A09-98E6-EAAAA1F0C85E}" srcId="{0F152F44-1198-43AC-86E7-8E96A8CB883F}" destId="{60C267EA-503E-40EE-A033-A0D69762F4DE}" srcOrd="1" destOrd="0" parTransId="{C1103FC2-D532-4D8D-9065-6C47D17A2331}" sibTransId="{A3B6FC1C-ECE9-4880-9A67-B011E171FB83}"/>
-    <dgm:cxn modelId="{14D34CDC-DDE0-4DE9-81F7-7B8151BD0D17}" srcId="{0F152F44-1198-43AC-86E7-8E96A8CB883F}" destId="{4A7424E4-33FE-4962-8C87-8F65E64E05A4}" srcOrd="0" destOrd="0" parTransId="{F0B2D6AB-5F2F-4713-B45E-30DA114C481F}" sibTransId="{3C0C09AD-99F4-4527-8671-FA4FF5A98971}"/>
-    <dgm:cxn modelId="{2389203F-74E3-464B-A439-71969A57CFC9}" type="presOf" srcId="{4A7424E4-33FE-4962-8C87-8F65E64E05A4}" destId="{3DCABB5E-815A-4018-894D-BB2152A05B74}" srcOrd="0" destOrd="0" presId="urn:microsoft.com/office/officeart/2005/8/layout/vList5"/>
     <dgm:cxn modelId="{BEAC364D-7BE1-44AB-8350-521CDA18CE36}" type="presOf" srcId="{5CA24573-BC92-4A10-A1B3-2B7F5A92872F}" destId="{84047048-3489-45FD-AD42-23C8F293A5F6}" srcOrd="0" destOrd="1" presId="urn:microsoft.com/office/officeart/2005/8/layout/vList5"/>
-    <dgm:cxn modelId="{E521E888-6BF8-47D0-91A9-8DDF6A1AFBE2}" srcId="{C7897C54-F800-44B8-B2E0-E3F6280CA0C8}" destId="{BC491DEC-2DE0-4650-8339-783DCFD8374B}" srcOrd="1" destOrd="0" parTransId="{4ADB86D3-83DC-4CFA-9509-46BE32E09462}" sibTransId="{1AB16834-9CDF-434C-9DE7-82B4383238F5}"/>
-    <dgm:cxn modelId="{D5F49355-8AE6-466F-A51C-35CC6EDD7CC8}" type="presOf" srcId="{EEE8A3FA-F383-4D0F-B67A-40AD33C5E313}" destId="{F733AC26-86E5-4483-9535-2A97BBA27B1D}" srcOrd="0" destOrd="0" presId="urn:microsoft.com/office/officeart/2005/8/layout/vList5"/>
-    <dgm:cxn modelId="{DBAB86BD-49FE-400F-A142-34120B5BF832}" type="presOf" srcId="{D0DF8467-DA3A-437F-B3BE-2D4E4C36AE23}" destId="{84047048-3489-45FD-AD42-23C8F293A5F6}" srcOrd="0" destOrd="0" presId="urn:microsoft.com/office/officeart/2005/8/layout/vList5"/>
-    <dgm:cxn modelId="{DBF7F01A-A691-4CAE-A333-56E19FE45680}" type="presOf" srcId="{0F152F44-1198-43AC-86E7-8E96A8CB883F}" destId="{B6BE7333-28CC-4023-A7F5-52E95F94DCDE}" srcOrd="0" destOrd="0" presId="urn:microsoft.com/office/officeart/2005/8/layout/vList5"/>
-    <dgm:cxn modelId="{C9A65338-A148-4C28-8AAA-65F212680BEF}" type="presOf" srcId="{C7897C54-F800-44B8-B2E0-E3F6280CA0C8}" destId="{F11A811D-BF03-46F9-903E-86A9AAAF8A3D}" srcOrd="0" destOrd="0" presId="urn:microsoft.com/office/officeart/2005/8/layout/vList5"/>
-    <dgm:cxn modelId="{EE3D5F84-4287-4B55-B023-7875064AD5BB}" type="presOf" srcId="{A0AA2172-E60F-4EE6-997C-5F090CFF3574}" destId="{84E8FD5B-F47E-455E-849A-EF1F394AFB08}" srcOrd="0" destOrd="0" presId="urn:microsoft.com/office/officeart/2005/8/layout/vList5"/>
     <dgm:cxn modelId="{4121EC55-83B5-4942-A2B5-6A0641B932C1}" type="presParOf" srcId="{F733AC26-86E5-4483-9535-2A97BBA27B1D}" destId="{180908C7-BEE4-4F09-9D4E-DE602BA01834}" srcOrd="0" destOrd="0" presId="urn:microsoft.com/office/officeart/2005/8/layout/vList5"/>
     <dgm:cxn modelId="{64D2F2A9-7178-4B1E-AAB3-D0CCE39B8351}" type="presParOf" srcId="{180908C7-BEE4-4F09-9D4E-DE602BA01834}" destId="{F11A811D-BF03-46F9-903E-86A9AAAF8A3D}" srcOrd="0" destOrd="0" presId="urn:microsoft.com/office/officeart/2005/8/layout/vList5"/>
     <dgm:cxn modelId="{9EA16BD2-3DD6-4C1B-81CE-4C87DC1F3CCB}" type="presParOf" srcId="{180908C7-BEE4-4F09-9D4E-DE602BA01834}" destId="{84E8FD5B-F47E-455E-849A-EF1F394AFB08}" srcOrd="1" destOrd="0" presId="urn:microsoft.com/office/officeart/2005/8/layout/vList5"/>
@@ -11382,7 +11597,7 @@
       </dgm:t>
     </dgm:pt>
     <dgm:pt modelId="{60416D04-39CC-4776-A889-E2362D7EA31D}" type="pres">
-      <dgm:prSet presAssocID="{68B53E48-986C-41BA-B23A-346AD8398B0A}" presName="entireBox" presStyleLbl="node1" presStyleIdx="0" presStyleCnt="3"/>
+      <dgm:prSet presAssocID="{68B53E48-986C-41BA-B23A-346AD8398B0A}" presName="entireBox" presStyleLbl="node1" presStyleIdx="0" presStyleCnt="3" custLinFactNeighborX="-656" custLinFactNeighborY="3714"/>
       <dgm:spPr/>
       <dgm:t>
         <a:bodyPr/>
@@ -15975,7 +16190,7 @@
       </dsp:nvSpPr>
       <dsp:spPr>
         <a:xfrm>
-          <a:off x="0" y="3231266"/>
+          <a:off x="0" y="3232025"/>
           <a:ext cx="9961880" cy="1060573"/>
         </a:xfrm>
         <a:prstGeom prst="rect">
@@ -16074,7 +16289,7 @@
         </a:p>
       </dsp:txBody>
       <dsp:txXfrm>
-        <a:off x="0" y="3231266"/>
+        <a:off x="0" y="3232025"/>
         <a:ext cx="9961880" cy="572709"/>
       </dsp:txXfrm>
     </dsp:sp>
@@ -33838,7 +34053,16 @@
                 </a:solidFill>
                 <a:latin typeface="+mn-lt"/>
               </a:rPr>
-              <a:t>Scelta degli strumenti per l’ATDD</a:t>
+              <a:t>Scelta degli strumenti per </a:t>
+            </a:r>
+            <a:r>
+              <a:rPr lang="it-IT" dirty="0" smtClean="0">
+                <a:solidFill>
+                  <a:schemeClr val="bg1"/>
+                </a:solidFill>
+                <a:latin typeface="+mn-lt"/>
+              </a:rPr>
+              <a:t>il BDD</a:t>
             </a:r>
             <a:endParaRPr lang="it-IT" dirty="0">
               <a:solidFill>
@@ -34158,7 +34382,7 @@
           <p:nvPr>
             <p:extLst>
               <p:ext uri="{D42A27DB-BD31-4B8C-83A1-F6EECF244321}">
-                <p14:modId xmlns:p14="http://schemas.microsoft.com/office/powerpoint/2010/main" val="2775676215"/>
+                <p14:modId xmlns:p14="http://schemas.microsoft.com/office/powerpoint/2010/main" val="927216566"/>
               </p:ext>
             </p:extLst>
           </p:nvPr>
@@ -35177,11 +35401,7 @@
             </a:pPr>
             <a:r>
               <a:rPr lang="it-IT" dirty="0" smtClean="0"/>
-              <a:t>Implementazione di tutte le funzionalità </a:t>
-            </a:r>
-            <a:r>
-              <a:rPr lang="it-IT" dirty="0" smtClean="0"/>
-              <a:t>di </a:t>
+              <a:t>Implementazione di tutte le funzionalità di </a:t>
             </a:r>
             <a:r>
               <a:rPr lang="it-IT" dirty="0" err="1" smtClean="0"/>
@@ -35203,15 +35423,7 @@
             </a:pPr>
             <a:r>
               <a:rPr lang="it-IT" dirty="0" smtClean="0"/>
-              <a:t>Minori differenze nel meccanismo di visibilità delle </a:t>
-            </a:r>
-            <a:r>
-              <a:rPr lang="it-IT" dirty="0" smtClean="0"/>
-              <a:t>implementazioni </a:t>
-            </a:r>
-            <a:r>
-              <a:rPr lang="it-IT" dirty="0" smtClean="0"/>
-              <a:t>dei passi (</a:t>
+              <a:t>Minori differenze nel meccanismo di visibilità delle implementazioni dei passi (</a:t>
             </a:r>
             <a:r>
               <a:rPr lang="it-IT" dirty="0" err="1" smtClean="0"/>
@@ -35219,11 +35431,7 @@
             </a:r>
             <a:r>
               <a:rPr lang="it-IT" dirty="0" smtClean="0"/>
-              <a:t> è più flessibile</a:t>
-            </a:r>
-            <a:r>
-              <a:rPr lang="it-IT" dirty="0" smtClean="0"/>
-              <a:t>)</a:t>
+              <a:t> è più flessibile)</a:t>
             </a:r>
           </a:p>
           <a:p>
@@ -35248,11 +35456,7 @@
             </a:r>
             <a:r>
               <a:rPr lang="it-IT" dirty="0" smtClean="0"/>
-              <a:t> tramite una sintassi più immediata e </a:t>
-            </a:r>
-            <a:r>
-              <a:rPr lang="it-IT" dirty="0" smtClean="0"/>
-              <a:t>leggibile</a:t>
+              <a:t> tramite una sintassi più immediata e leggibile</a:t>
             </a:r>
           </a:p>
           <a:p>
@@ -35291,7 +35495,6 @@
               <a:rPr lang="it-IT" dirty="0" smtClean="0"/>
               <a:t> JVM</a:t>
             </a:r>
-            <a:endParaRPr lang="it-IT" dirty="0" smtClean="0"/>
           </a:p>
         </p:txBody>
       </p:sp>
@@ -40054,7 +40257,7 @@
 </file>
 
 <file path=ppt/slides/slide20.xml><?xml version="1.0" encoding="utf-8"?>
-<p:sld xmlns:a="http://schemas.openxmlformats.org/drawingml/2006/main" xmlns:r="http://schemas.openxmlformats.org/officeDocument/2006/relationships" xmlns:p="http://schemas.openxmlformats.org/presentationml/2006/main">
+<p:sld xmlns:a="http://schemas.openxmlformats.org/drawingml/2006/main" xmlns:r="http://schemas.openxmlformats.org/officeDocument/2006/relationships" xmlns:p="http://schemas.openxmlformats.org/presentationml/2006/main" show="0">
   <p:cSld>
     <p:bg>
       <p:bgPr>
@@ -41187,6 +41390,14 @@
   <p:clrMapOvr>
     <a:masterClrMapping/>
   </p:clrMapOvr>
+  <mc:AlternateContent xmlns:mc="http://schemas.openxmlformats.org/markup-compatibility/2006" xmlns:p14="http://schemas.microsoft.com/office/powerpoint/2010/main">
+    <mc:Choice Requires="p14">
+      <p:transition spd="slow" p14:dur="2000"/>
+    </mc:Choice>
+    <mc:Fallback xmlns="">
+      <p:transition spd="slow"/>
+    </mc:Fallback>
+  </mc:AlternateContent>
   <p:timing>
     <p:tnLst>
       <p:par>
@@ -41982,8 +42193,9 @@
           <a:p>
             <a:r>
               <a:rPr lang="it-IT" dirty="0" smtClean="0"/>
-              <a:t>Utilizzo della tecnica ATDD</a:t>
+              <a:t>Estensione della tecnica ATDD</a:t>
             </a:r>
+            <a:endParaRPr lang="it-IT" dirty="0" smtClean="0"/>
           </a:p>
           <a:p>
             <a:r>
@@ -42042,7 +42254,7 @@
         </p:blipFill>
         <p:spPr>
           <a:xfrm>
-            <a:off x="0" y="6451658"/>
+            <a:off x="0" y="6518756"/>
             <a:ext cx="12192000" cy="431741"/>
           </a:xfrm>
           <a:prstGeom prst="rect">
@@ -42451,7 +42663,7 @@
 </file>
 
 <file path=ppt/slides/slide6.xml><?xml version="1.0" encoding="utf-8"?>
-<p:sld xmlns:a="http://schemas.openxmlformats.org/drawingml/2006/main" xmlns:r="http://schemas.openxmlformats.org/officeDocument/2006/relationships" xmlns:p="http://schemas.openxmlformats.org/presentationml/2006/main">
+<p:sld xmlns:a="http://schemas.openxmlformats.org/drawingml/2006/main" xmlns:r="http://schemas.openxmlformats.org/officeDocument/2006/relationships" xmlns:p="http://schemas.openxmlformats.org/presentationml/2006/main" show="0">
   <p:cSld>
     <p:bg>
       <p:bgPr>
@@ -42687,6 +42899,14 @@
   <p:clrMapOvr>
     <a:masterClrMapping/>
   </p:clrMapOvr>
+  <mc:AlternateContent xmlns:mc="http://schemas.openxmlformats.org/markup-compatibility/2006">
+    <mc:Choice xmlns:p14="http://schemas.microsoft.com/office/powerpoint/2010/main" Requires="p14">
+      <p:transition spd="slow" p14:dur="2000"/>
+    </mc:Choice>
+    <mc:Fallback>
+      <p:transition spd="slow"/>
+    </mc:Fallback>
+  </mc:AlternateContent>
   <p:timing>
     <p:tnLst>
       <p:par>
@@ -42698,7 +42918,7 @@
 </file>
 
 <file path=ppt/slides/slide7.xml><?xml version="1.0" encoding="utf-8"?>
-<p:sld xmlns:a="http://schemas.openxmlformats.org/drawingml/2006/main" xmlns:r="http://schemas.openxmlformats.org/officeDocument/2006/relationships" xmlns:p="http://schemas.openxmlformats.org/presentationml/2006/main">
+<p:sld xmlns:a="http://schemas.openxmlformats.org/drawingml/2006/main" xmlns:r="http://schemas.openxmlformats.org/officeDocument/2006/relationships" xmlns:p="http://schemas.openxmlformats.org/presentationml/2006/main" show="0">
   <p:cSld>
     <p:bg>
       <p:bgPr>
@@ -42884,6 +43104,14 @@
   <p:clrMapOvr>
     <a:masterClrMapping/>
   </p:clrMapOvr>
+  <mc:AlternateContent xmlns:mc="http://schemas.openxmlformats.org/markup-compatibility/2006">
+    <mc:Choice xmlns:p14="http://schemas.microsoft.com/office/powerpoint/2010/main" Requires="p14">
+      <p:transition spd="slow" p14:dur="2000"/>
+    </mc:Choice>
+    <mc:Fallback>
+      <p:transition spd="slow"/>
+    </mc:Fallback>
+  </mc:AlternateContent>
   <p:timing>
     <p:tnLst>
       <p:par>
@@ -42895,7 +43123,7 @@
 </file>
 
 <file path=ppt/slides/slide8.xml><?xml version="1.0" encoding="utf-8"?>
-<p:sld xmlns:a="http://schemas.openxmlformats.org/drawingml/2006/main" xmlns:r="http://schemas.openxmlformats.org/officeDocument/2006/relationships" xmlns:p="http://schemas.openxmlformats.org/presentationml/2006/main">
+<p:sld xmlns:a="http://schemas.openxmlformats.org/drawingml/2006/main" xmlns:r="http://schemas.openxmlformats.org/officeDocument/2006/relationships" xmlns:p="http://schemas.openxmlformats.org/presentationml/2006/main" show="0">
   <p:cSld>
     <p:bg>
       <p:bgPr>
@@ -43194,6 +43422,14 @@
   <p:clrMapOvr>
     <a:masterClrMapping/>
   </p:clrMapOvr>
+  <mc:AlternateContent xmlns:mc="http://schemas.openxmlformats.org/markup-compatibility/2006">
+    <mc:Choice xmlns:p14="http://schemas.microsoft.com/office/powerpoint/2010/main" Requires="p14">
+      <p:transition spd="slow" p14:dur="2000"/>
+    </mc:Choice>
+    <mc:Fallback>
+      <p:transition spd="slow"/>
+    </mc:Fallback>
+  </mc:AlternateContent>
   <p:timing>
     <p:tnLst>
       <p:par>
@@ -43205,7 +43441,7 @@
 </file>
 
 <file path=ppt/slides/slide9.xml><?xml version="1.0" encoding="utf-8"?>
-<p:sld xmlns:a="http://schemas.openxmlformats.org/drawingml/2006/main" xmlns:r="http://schemas.openxmlformats.org/officeDocument/2006/relationships" xmlns:p="http://schemas.openxmlformats.org/presentationml/2006/main">
+<p:sld xmlns:a="http://schemas.openxmlformats.org/drawingml/2006/main" xmlns:r="http://schemas.openxmlformats.org/officeDocument/2006/relationships" xmlns:p="http://schemas.openxmlformats.org/presentationml/2006/main" show="0">
   <p:cSld>
     <p:bg>
       <p:bgPr>
@@ -43452,6 +43688,14 @@
   <p:clrMapOvr>
     <a:masterClrMapping/>
   </p:clrMapOvr>
+  <mc:AlternateContent xmlns:mc="http://schemas.openxmlformats.org/markup-compatibility/2006" xmlns:p14="http://schemas.microsoft.com/office/powerpoint/2010/main">
+    <mc:Choice Requires="p14">
+      <p:transition spd="slow" p14:dur="2000"/>
+    </mc:Choice>
+    <mc:Fallback xmlns="">
+      <p:transition spd="slow"/>
+    </mc:Fallback>
+  </mc:AlternateContent>
   <p:timing>
     <p:tnLst>
       <p:par>

--- a/Presentazione.pptx
+++ b/Presentazione.pptx
@@ -146,20 +146,6 @@
 
 <file path=ppt/comments/comment1.xml><?xml version="1.0" encoding="utf-8"?>
 <p:cmLst xmlns:a="http://schemas.openxmlformats.org/drawingml/2006/main" xmlns:r="http://schemas.openxmlformats.org/officeDocument/2006/relationships" xmlns:p="http://schemas.openxmlformats.org/presentationml/2006/main">
-  <p:cm authorId="1" dt="2014-12-05T16:14:50.897" idx="20">
-    <p:pos x="10" y="10"/>
-    <p:text/>
-    <p:extLst>
-      <p:ext uri="{C676402C-5697-4E1C-873F-D02D1690AC5C}">
-        <p15:threadingInfo xmlns:p15="http://schemas.microsoft.com/office/powerpoint/2012/main" timeZoneBias="-60"/>
-      </p:ext>
-    </p:extLst>
-  </p:cm>
-</p:cmLst>
-</file>
-
-<file path=ppt/comments/comment2.xml><?xml version="1.0" encoding="utf-8"?>
-<p:cmLst xmlns:a="http://schemas.openxmlformats.org/drawingml/2006/main" xmlns:r="http://schemas.openxmlformats.org/officeDocument/2006/relationships" xmlns:p="http://schemas.openxmlformats.org/presentationml/2006/main">
   <p:cm authorId="1" dt="2014-12-05T15:52:14.397" idx="4">
     <p:pos x="10" y="175"/>
     <p:text>Le specifiche sono i test di acettazione</p:text>
@@ -205,7 +191,7 @@
 </p:cmLst>
 </file>
 
-<file path=ppt/comments/comment3.xml><?xml version="1.0" encoding="utf-8"?>
+<file path=ppt/comments/comment2.xml><?xml version="1.0" encoding="utf-8"?>
 <p:cmLst xmlns:a="http://schemas.openxmlformats.org/drawingml/2006/main" xmlns:r="http://schemas.openxmlformats.org/officeDocument/2006/relationships" xmlns:p="http://schemas.openxmlformats.org/presentationml/2006/main">
   <p:cm authorId="1" dt="2014-12-05T15:56:31.897" idx="8">
     <p:pos x="4237" y="3126"/>
@@ -219,7 +205,7 @@
 </p:cmLst>
 </file>
 
-<file path=ppt/comments/comment4.xml><?xml version="1.0" encoding="utf-8"?>
+<file path=ppt/comments/comment3.xml><?xml version="1.0" encoding="utf-8"?>
 <p:cmLst xmlns:a="http://schemas.openxmlformats.org/drawingml/2006/main" xmlns:r="http://schemas.openxmlformats.org/officeDocument/2006/relationships" xmlns:p="http://schemas.openxmlformats.org/presentationml/2006/main">
   <p:cm authorId="1" dt="2014-12-05T15:58:25.076" idx="9">
     <p:pos x="10" y="10"/>
@@ -238,120 +224,6 @@
       <p:ext uri="{C676402C-5697-4E1C-873F-D02D1690AC5C}">
         <p15:threadingInfo xmlns:p15="http://schemas.microsoft.com/office/powerpoint/2012/main" timeZoneBias="-60">
           <p15:parentCm authorId="1" idx="9"/>
-        </p15:threadingInfo>
-      </p:ext>
-    </p:extLst>
-  </p:cm>
-</p:cmLst>
-</file>
-
-<file path=ppt/comments/comment5.xml><?xml version="1.0" encoding="utf-8"?>
-<p:cmLst xmlns:a="http://schemas.openxmlformats.org/drawingml/2006/main" xmlns:r="http://schemas.openxmlformats.org/officeDocument/2006/relationships" xmlns:p="http://schemas.openxmlformats.org/presentationml/2006/main">
-  <p:cm authorId="1" dt="2014-12-05T16:01:00.225" idx="11">
-    <p:pos x="10" y="10"/>
-    <p:text>Anticipare i driver</p:text>
-    <p:extLst>
-      <p:ext uri="{C676402C-5697-4E1C-873F-D02D1690AC5C}">
-        <p15:threadingInfo xmlns:p15="http://schemas.microsoft.com/office/powerpoint/2012/main" timeZoneBias="-60"/>
-      </p:ext>
-    </p:extLst>
-  </p:cm>
-  <p:cm authorId="1" dt="2014-12-05T16:01:26.116" idx="12">
-    <p:pos x="10" y="146"/>
-    <p:text>Scolorire il colori, o ridurre grandezza</p:text>
-    <p:extLst>
-      <p:ext uri="{C676402C-5697-4E1C-873F-D02D1690AC5C}">
-        <p15:threadingInfo xmlns:p15="http://schemas.microsoft.com/office/powerpoint/2012/main" timeZoneBias="-60">
-          <p15:parentCm authorId="1" idx="11"/>
-        </p15:threadingInfo>
-      </p:ext>
-    </p:extLst>
-  </p:cm>
-</p:cmLst>
-</file>
-
-<file path=ppt/comments/comment6.xml><?xml version="1.0" encoding="utf-8"?>
-<p:cmLst xmlns:a="http://schemas.openxmlformats.org/drawingml/2006/main" xmlns:r="http://schemas.openxmlformats.org/officeDocument/2006/relationships" xmlns:p="http://schemas.openxmlformats.org/presentationml/2006/main">
-  <p:cm authorId="1" dt="2014-12-05T16:01:35.974" idx="13">
-    <p:pos x="10" y="10"/>
-    <p:text>Cambiare esempio</p:text>
-    <p:extLst>
-      <p:ext uri="{C676402C-5697-4E1C-873F-D02D1690AC5C}">
-        <p15:threadingInfo xmlns:p15="http://schemas.microsoft.com/office/powerpoint/2012/main" timeZoneBias="-60"/>
-      </p:ext>
-    </p:extLst>
-  </p:cm>
-</p:cmLst>
-</file>
-
-<file path=ppt/comments/comment7.xml><?xml version="1.0" encoding="utf-8"?>
-<p:cmLst xmlns:a="http://schemas.openxmlformats.org/drawingml/2006/main" xmlns:r="http://schemas.openxmlformats.org/officeDocument/2006/relationships" xmlns:p="http://schemas.openxmlformats.org/presentationml/2006/main">
-  <p:cm authorId="1" dt="2014-12-05T16:02:01.601" idx="14">
-    <p:pos x="5829" y="3182"/>
-    <p:text>Coypu: Java in secondo piano</p:text>
-    <p:extLst>
-      <p:ext uri="{C676402C-5697-4E1C-873F-D02D1690AC5C}">
-        <p15:threadingInfo xmlns:p15="http://schemas.microsoft.com/office/powerpoint/2012/main" timeZoneBias="-60"/>
-      </p:ext>
-    </p:extLst>
-  </p:cm>
-</p:cmLst>
-</file>
-
-<file path=ppt/comments/comment8.xml><?xml version="1.0" encoding="utf-8"?>
-<p:cmLst xmlns:a="http://schemas.openxmlformats.org/drawingml/2006/main" xmlns:r="http://schemas.openxmlformats.org/officeDocument/2006/relationships" xmlns:p="http://schemas.openxmlformats.org/presentationml/2006/main">
-  <p:cm authorId="1" dt="2014-12-05T16:03:20.710" idx="17">
-    <p:pos x="10" y="10"/>
-    <p:text>Gif</p:text>
-    <p:extLst>
-      <p:ext uri="{C676402C-5697-4E1C-873F-D02D1690AC5C}">
-        <p15:threadingInfo xmlns:p15="http://schemas.microsoft.com/office/powerpoint/2012/main" timeZoneBias="-60"/>
-      </p:ext>
-    </p:extLst>
-  </p:cm>
-  <p:cm authorId="1" dt="2014-12-05T16:03:26.179" idx="18">
-    <p:pos x="10" y="146"/>
-    <p:text>Menu</p:text>
-    <p:extLst>
-      <p:ext uri="{C676402C-5697-4E1C-873F-D02D1690AC5C}">
-        <p15:threadingInfo xmlns:p15="http://schemas.microsoft.com/office/powerpoint/2012/main" timeZoneBias="-60">
-          <p15:parentCm authorId="1" idx="17"/>
-        </p15:threadingInfo>
-      </p:ext>
-    </p:extLst>
-  </p:cm>
-</p:cmLst>
-</file>
-
-<file path=ppt/comments/comment9.xml><?xml version="1.0" encoding="utf-8"?>
-<p:cmLst xmlns:a="http://schemas.openxmlformats.org/drawingml/2006/main" xmlns:r="http://schemas.openxmlformats.org/officeDocument/2006/relationships" xmlns:p="http://schemas.openxmlformats.org/presentationml/2006/main">
-  <p:cm authorId="1" dt="2014-12-05T16:02:48.038" idx="15">
-    <p:pos x="10" y="10"/>
-    <p:text>Note, come altra conclusione</p:text>
-    <p:extLst>
-      <p:ext uri="{C676402C-5697-4E1C-873F-D02D1690AC5C}">
-        <p15:threadingInfo xmlns:p15="http://schemas.microsoft.com/office/powerpoint/2012/main" timeZoneBias="-60"/>
-      </p:ext>
-    </p:extLst>
-  </p:cm>
-  <p:cm authorId="1" dt="2014-12-05T16:03:16.114" idx="16">
-    <p:pos x="10" y="146"/>
-    <p:text>Piccola animazione</p:text>
-    <p:extLst>
-      <p:ext uri="{C676402C-5697-4E1C-873F-D02D1690AC5C}">
-        <p15:threadingInfo xmlns:p15="http://schemas.microsoft.com/office/powerpoint/2012/main" timeZoneBias="-60">
-          <p15:parentCm authorId="1" idx="15"/>
-        </p15:threadingInfo>
-      </p:ext>
-    </p:extLst>
-  </p:cm>
-  <p:cm authorId="1" dt="2014-12-05T16:03:45.271" idx="19">
-    <p:pos x="10" y="282"/>
-    <p:text>Oppure due stack "Ideale" "Realisticamente"</p:text>
-    <p:extLst>
-      <p:ext uri="{C676402C-5697-4E1C-873F-D02D1690AC5C}">
-        <p15:threadingInfo xmlns:p15="http://schemas.microsoft.com/office/powerpoint/2012/main" timeZoneBias="-60">
-          <p15:parentCm authorId="1" idx="15"/>
         </p15:threadingInfo>
       </p:ext>
     </p:extLst>
@@ -10298,25 +10170,25 @@
     </dgm:pt>
   </dgm:ptLst>
   <dgm:cxnLst>
+    <dgm:cxn modelId="{1633A6CD-F59F-482B-A821-7C54C90514DF}" srcId="{EEE8A3FA-F383-4D0F-B67A-40AD33C5E313}" destId="{EAE98432-45EF-49FC-84CF-CAFF81DB5CD7}" srcOrd="1" destOrd="0" parTransId="{0B7295D3-AB6A-408E-B4E1-36D0BF9BED6E}" sibTransId="{2057EE9D-E2B0-4FBA-9B4A-EC037242B740}"/>
     <dgm:cxn modelId="{582372E9-5AA5-4FD6-9726-8F7A03DE974F}" type="presOf" srcId="{60C267EA-503E-40EE-A033-A0D69762F4DE}" destId="{3DCABB5E-815A-4018-894D-BB2152A05B74}" srcOrd="0" destOrd="1" presId="urn:microsoft.com/office/officeart/2005/8/layout/vList5"/>
-    <dgm:cxn modelId="{EE3D5F84-4287-4B55-B023-7875064AD5BB}" type="presOf" srcId="{A0AA2172-E60F-4EE6-997C-5F090CFF3574}" destId="{84E8FD5B-F47E-455E-849A-EF1F394AFB08}" srcOrd="0" destOrd="0" presId="urn:microsoft.com/office/officeart/2005/8/layout/vList5"/>
+    <dgm:cxn modelId="{3A88C447-9A89-4EC9-9943-D4846AD04A36}" srcId="{EEE8A3FA-F383-4D0F-B67A-40AD33C5E313}" destId="{0F152F44-1198-43AC-86E7-8E96A8CB883F}" srcOrd="2" destOrd="0" parTransId="{255219C8-00D9-4D6E-8429-5D9B2A9DD4C9}" sibTransId="{CEEF77D7-AFC1-4328-B282-96AAECA29424}"/>
+    <dgm:cxn modelId="{F339A4E5-37F9-43A7-AC7E-47E72C4207F1}" srcId="{C7897C54-F800-44B8-B2E0-E3F6280CA0C8}" destId="{A0AA2172-E60F-4EE6-997C-5F090CFF3574}" srcOrd="0" destOrd="0" parTransId="{768D02CB-52CC-4206-B8CA-AFA5F65CA0C9}" sibTransId="{F2A80081-5E49-4D88-BBFF-B694C9F0DE43}"/>
+    <dgm:cxn modelId="{8B8C56C6-02E8-4B27-975C-B8C808A6B68F}" type="presOf" srcId="{BC491DEC-2DE0-4650-8339-783DCFD8374B}" destId="{84E8FD5B-F47E-455E-849A-EF1F394AFB08}" srcOrd="0" destOrd="1" presId="urn:microsoft.com/office/officeart/2005/8/layout/vList5"/>
     <dgm:cxn modelId="{A8509B04-2146-4093-952C-B45A98B5261A}" srcId="{EAE98432-45EF-49FC-84CF-CAFF81DB5CD7}" destId="{5CA24573-BC92-4A10-A1B3-2B7F5A92872F}" srcOrd="1" destOrd="0" parTransId="{59C34C33-CF9C-4B06-993D-E9167933D4A6}" sibTransId="{AE0EC781-1BB0-4A1D-BEF1-E22640B4A60A}"/>
-    <dgm:cxn modelId="{D5F49355-8AE6-466F-A51C-35CC6EDD7CC8}" type="presOf" srcId="{EEE8A3FA-F383-4D0F-B67A-40AD33C5E313}" destId="{F733AC26-86E5-4483-9535-2A97BBA27B1D}" srcOrd="0" destOrd="0" presId="urn:microsoft.com/office/officeart/2005/8/layout/vList5"/>
-    <dgm:cxn modelId="{2389203F-74E3-464B-A439-71969A57CFC9}" type="presOf" srcId="{4A7424E4-33FE-4962-8C87-8F65E64E05A4}" destId="{3DCABB5E-815A-4018-894D-BB2152A05B74}" srcOrd="0" destOrd="0" presId="urn:microsoft.com/office/officeart/2005/8/layout/vList5"/>
-    <dgm:cxn modelId="{DBAB86BD-49FE-400F-A142-34120B5BF832}" type="presOf" srcId="{D0DF8467-DA3A-437F-B3BE-2D4E4C36AE23}" destId="{84047048-3489-45FD-AD42-23C8F293A5F6}" srcOrd="0" destOrd="0" presId="urn:microsoft.com/office/officeart/2005/8/layout/vList5"/>
-    <dgm:cxn modelId="{3A88C447-9A89-4EC9-9943-D4846AD04A36}" srcId="{EEE8A3FA-F383-4D0F-B67A-40AD33C5E313}" destId="{0F152F44-1198-43AC-86E7-8E96A8CB883F}" srcOrd="2" destOrd="0" parTransId="{255219C8-00D9-4D6E-8429-5D9B2A9DD4C9}" sibTransId="{CEEF77D7-AFC1-4328-B282-96AAECA29424}"/>
-    <dgm:cxn modelId="{14D34CDC-DDE0-4DE9-81F7-7B8151BD0D17}" srcId="{0F152F44-1198-43AC-86E7-8E96A8CB883F}" destId="{4A7424E4-33FE-4962-8C87-8F65E64E05A4}" srcOrd="0" destOrd="0" parTransId="{F0B2D6AB-5F2F-4713-B45E-30DA114C481F}" sibTransId="{3C0C09AD-99F4-4527-8671-FA4FF5A98971}"/>
-    <dgm:cxn modelId="{C9A65338-A148-4C28-8AAA-65F212680BEF}" type="presOf" srcId="{C7897C54-F800-44B8-B2E0-E3F6280CA0C8}" destId="{F11A811D-BF03-46F9-903E-86A9AAAF8A3D}" srcOrd="0" destOrd="0" presId="urn:microsoft.com/office/officeart/2005/8/layout/vList5"/>
-    <dgm:cxn modelId="{DBF7F01A-A691-4CAE-A333-56E19FE45680}" type="presOf" srcId="{0F152F44-1198-43AC-86E7-8E96A8CB883F}" destId="{B6BE7333-28CC-4023-A7F5-52E95F94DCDE}" srcOrd="0" destOrd="0" presId="urn:microsoft.com/office/officeart/2005/8/layout/vList5"/>
     <dgm:cxn modelId="{C15160EE-E6D8-4FAE-A151-D3A7080B0A99}" srcId="{EEE8A3FA-F383-4D0F-B67A-40AD33C5E313}" destId="{C7897C54-F800-44B8-B2E0-E3F6280CA0C8}" srcOrd="0" destOrd="0" parTransId="{B538B416-3964-486B-B3A4-0CF22326C761}" sibTransId="{8874BCF8-81F5-4A6B-B3C3-5FDED006647A}"/>
-    <dgm:cxn modelId="{1633A6CD-F59F-482B-A821-7C54C90514DF}" srcId="{EEE8A3FA-F383-4D0F-B67A-40AD33C5E313}" destId="{EAE98432-45EF-49FC-84CF-CAFF81DB5CD7}" srcOrd="1" destOrd="0" parTransId="{0B7295D3-AB6A-408E-B4E1-36D0BF9BED6E}" sibTransId="{2057EE9D-E2B0-4FBA-9B4A-EC037242B740}"/>
-    <dgm:cxn modelId="{8B8C56C6-02E8-4B27-975C-B8C808A6B68F}" type="presOf" srcId="{BC491DEC-2DE0-4650-8339-783DCFD8374B}" destId="{84E8FD5B-F47E-455E-849A-EF1F394AFB08}" srcOrd="0" destOrd="1" presId="urn:microsoft.com/office/officeart/2005/8/layout/vList5"/>
-    <dgm:cxn modelId="{F339A4E5-37F9-43A7-AC7E-47E72C4207F1}" srcId="{C7897C54-F800-44B8-B2E0-E3F6280CA0C8}" destId="{A0AA2172-E60F-4EE6-997C-5F090CFF3574}" srcOrd="0" destOrd="0" parTransId="{768D02CB-52CC-4206-B8CA-AFA5F65CA0C9}" sibTransId="{F2A80081-5E49-4D88-BBFF-B694C9F0DE43}"/>
-    <dgm:cxn modelId="{DD126B35-DDAF-4A09-98E6-EAAAA1F0C85E}" srcId="{0F152F44-1198-43AC-86E7-8E96A8CB883F}" destId="{60C267EA-503E-40EE-A033-A0D69762F4DE}" srcOrd="1" destOrd="0" parTransId="{C1103FC2-D532-4D8D-9065-6C47D17A2331}" sibTransId="{A3B6FC1C-ECE9-4880-9A67-B011E171FB83}"/>
-    <dgm:cxn modelId="{E521E888-6BF8-47D0-91A9-8DDF6A1AFBE2}" srcId="{C7897C54-F800-44B8-B2E0-E3F6280CA0C8}" destId="{BC491DEC-2DE0-4650-8339-783DCFD8374B}" srcOrd="1" destOrd="0" parTransId="{4ADB86D3-83DC-4CFA-9509-46BE32E09462}" sibTransId="{1AB16834-9CDF-434C-9DE7-82B4383238F5}"/>
     <dgm:cxn modelId="{0E68D9FF-0B9D-4E81-B687-E83107DD8E8C}" srcId="{EAE98432-45EF-49FC-84CF-CAFF81DB5CD7}" destId="{D0DF8467-DA3A-437F-B3BE-2D4E4C36AE23}" srcOrd="0" destOrd="0" parTransId="{5A2CB50E-3A3A-41B2-B052-07A44CB96E45}" sibTransId="{66DDADC9-0E8B-42D4-B1EA-74A3270B8D9E}"/>
     <dgm:cxn modelId="{A5F32142-12BC-425D-8490-97E883A97E62}" type="presOf" srcId="{EAE98432-45EF-49FC-84CF-CAFF81DB5CD7}" destId="{D5BA7D7F-A832-4CB0-971D-4F0DE6BF012E}" srcOrd="0" destOrd="0" presId="urn:microsoft.com/office/officeart/2005/8/layout/vList5"/>
+    <dgm:cxn modelId="{DD126B35-DDAF-4A09-98E6-EAAAA1F0C85E}" srcId="{0F152F44-1198-43AC-86E7-8E96A8CB883F}" destId="{60C267EA-503E-40EE-A033-A0D69762F4DE}" srcOrd="1" destOrd="0" parTransId="{C1103FC2-D532-4D8D-9065-6C47D17A2331}" sibTransId="{A3B6FC1C-ECE9-4880-9A67-B011E171FB83}"/>
+    <dgm:cxn modelId="{14D34CDC-DDE0-4DE9-81F7-7B8151BD0D17}" srcId="{0F152F44-1198-43AC-86E7-8E96A8CB883F}" destId="{4A7424E4-33FE-4962-8C87-8F65E64E05A4}" srcOrd="0" destOrd="0" parTransId="{F0B2D6AB-5F2F-4713-B45E-30DA114C481F}" sibTransId="{3C0C09AD-99F4-4527-8671-FA4FF5A98971}"/>
+    <dgm:cxn modelId="{2389203F-74E3-464B-A439-71969A57CFC9}" type="presOf" srcId="{4A7424E4-33FE-4962-8C87-8F65E64E05A4}" destId="{3DCABB5E-815A-4018-894D-BB2152A05B74}" srcOrd="0" destOrd="0" presId="urn:microsoft.com/office/officeart/2005/8/layout/vList5"/>
     <dgm:cxn modelId="{BEAC364D-7BE1-44AB-8350-521CDA18CE36}" type="presOf" srcId="{5CA24573-BC92-4A10-A1B3-2B7F5A92872F}" destId="{84047048-3489-45FD-AD42-23C8F293A5F6}" srcOrd="0" destOrd="1" presId="urn:microsoft.com/office/officeart/2005/8/layout/vList5"/>
+    <dgm:cxn modelId="{E521E888-6BF8-47D0-91A9-8DDF6A1AFBE2}" srcId="{C7897C54-F800-44B8-B2E0-E3F6280CA0C8}" destId="{BC491DEC-2DE0-4650-8339-783DCFD8374B}" srcOrd="1" destOrd="0" parTransId="{4ADB86D3-83DC-4CFA-9509-46BE32E09462}" sibTransId="{1AB16834-9CDF-434C-9DE7-82B4383238F5}"/>
+    <dgm:cxn modelId="{D5F49355-8AE6-466F-A51C-35CC6EDD7CC8}" type="presOf" srcId="{EEE8A3FA-F383-4D0F-B67A-40AD33C5E313}" destId="{F733AC26-86E5-4483-9535-2A97BBA27B1D}" srcOrd="0" destOrd="0" presId="urn:microsoft.com/office/officeart/2005/8/layout/vList5"/>
+    <dgm:cxn modelId="{DBAB86BD-49FE-400F-A142-34120B5BF832}" type="presOf" srcId="{D0DF8467-DA3A-437F-B3BE-2D4E4C36AE23}" destId="{84047048-3489-45FD-AD42-23C8F293A5F6}" srcOrd="0" destOrd="0" presId="urn:microsoft.com/office/officeart/2005/8/layout/vList5"/>
+    <dgm:cxn modelId="{DBF7F01A-A691-4CAE-A333-56E19FE45680}" type="presOf" srcId="{0F152F44-1198-43AC-86E7-8E96A8CB883F}" destId="{B6BE7333-28CC-4023-A7F5-52E95F94DCDE}" srcOrd="0" destOrd="0" presId="urn:microsoft.com/office/officeart/2005/8/layout/vList5"/>
+    <dgm:cxn modelId="{C9A65338-A148-4C28-8AAA-65F212680BEF}" type="presOf" srcId="{C7897C54-F800-44B8-B2E0-E3F6280CA0C8}" destId="{F11A811D-BF03-46F9-903E-86A9AAAF8A3D}" srcOrd="0" destOrd="0" presId="urn:microsoft.com/office/officeart/2005/8/layout/vList5"/>
+    <dgm:cxn modelId="{EE3D5F84-4287-4B55-B023-7875064AD5BB}" type="presOf" srcId="{A0AA2172-E60F-4EE6-997C-5F090CFF3574}" destId="{84E8FD5B-F47E-455E-849A-EF1F394AFB08}" srcOrd="0" destOrd="0" presId="urn:microsoft.com/office/officeart/2005/8/layout/vList5"/>
     <dgm:cxn modelId="{4121EC55-83B5-4942-A2B5-6A0641B932C1}" type="presParOf" srcId="{F733AC26-86E5-4483-9535-2A97BBA27B1D}" destId="{180908C7-BEE4-4F09-9D4E-DE602BA01834}" srcOrd="0" destOrd="0" presId="urn:microsoft.com/office/officeart/2005/8/layout/vList5"/>
     <dgm:cxn modelId="{64D2F2A9-7178-4B1E-AAB3-D0CCE39B8351}" type="presParOf" srcId="{180908C7-BEE4-4F09-9D4E-DE602BA01834}" destId="{F11A811D-BF03-46F9-903E-86A9AAAF8A3D}" srcOrd="0" destOrd="0" presId="urn:microsoft.com/office/officeart/2005/8/layout/vList5"/>
     <dgm:cxn modelId="{9EA16BD2-3DD6-4C1B-81CE-4C87DC1F3CCB}" type="presParOf" srcId="{180908C7-BEE4-4F09-9D4E-DE602BA01834}" destId="{84E8FD5B-F47E-455E-849A-EF1F394AFB08}" srcOrd="1" destOrd="0" presId="urn:microsoft.com/office/officeart/2005/8/layout/vList5"/>
@@ -11297,180 +11169,6 @@
         </a:p>
       </dgm:t>
     </dgm:pt>
-    <dgm:pt modelId="{68B53E48-986C-41BA-B23A-346AD8398B0A}">
-      <dgm:prSet phldrT="[Text]"/>
-      <dgm:spPr/>
-      <dgm:t>
-        <a:bodyPr/>
-        <a:lstStyle/>
-        <a:p>
-          <a:r>
-            <a:rPr lang="it-IT" dirty="0" err="1" smtClean="0"/>
-            <a:t>PhantomJS</a:t>
-          </a:r>
-          <a:r>
-            <a:rPr lang="it-IT" dirty="0" smtClean="0"/>
-            <a:t>’ Driver</a:t>
-          </a:r>
-          <a:endParaRPr lang="it-IT" dirty="0"/>
-        </a:p>
-      </dgm:t>
-    </dgm:pt>
-    <dgm:pt modelId="{61C6A4BF-E27B-4E77-BEA8-B159C48E3B0F}" type="parTrans" cxnId="{CF089FE1-70BE-4880-8C9B-8F5E390358A9}">
-      <dgm:prSet/>
-      <dgm:spPr/>
-      <dgm:t>
-        <a:bodyPr/>
-        <a:lstStyle/>
-        <a:p>
-          <a:endParaRPr lang="it-IT"/>
-        </a:p>
-      </dgm:t>
-    </dgm:pt>
-    <dgm:pt modelId="{872D67D0-0A1C-4A82-B309-9BB8670020D5}" type="sibTrans" cxnId="{CF089FE1-70BE-4880-8C9B-8F5E390358A9}">
-      <dgm:prSet/>
-      <dgm:spPr/>
-      <dgm:t>
-        <a:bodyPr/>
-        <a:lstStyle/>
-        <a:p>
-          <a:endParaRPr lang="it-IT"/>
-        </a:p>
-      </dgm:t>
-    </dgm:pt>
-    <dgm:pt modelId="{3E3BEF03-2DBC-4943-B1E2-F24F98CDDB48}">
-      <dgm:prSet phldrT="[Text]"/>
-      <dgm:spPr>
-        <a:ln w="38100">
-          <a:solidFill>
-            <a:srgbClr val="B23333"/>
-          </a:solidFill>
-        </a:ln>
-      </dgm:spPr>
-      <dgm:t>
-        <a:bodyPr/>
-        <a:lstStyle/>
-        <a:p>
-          <a:r>
-            <a:rPr lang="it-IT" dirty="0" smtClean="0"/>
-            <a:t>Poltergeist</a:t>
-          </a:r>
-          <a:endParaRPr lang="it-IT" dirty="0"/>
-        </a:p>
-      </dgm:t>
-    </dgm:pt>
-    <dgm:pt modelId="{2ED12CFF-5B54-46B4-B113-5D2EAE229BCE}" type="parTrans" cxnId="{709F8E95-D5AC-4CCC-9237-203BE4110DF8}">
-      <dgm:prSet/>
-      <dgm:spPr/>
-      <dgm:t>
-        <a:bodyPr/>
-        <a:lstStyle/>
-        <a:p>
-          <a:endParaRPr lang="it-IT"/>
-        </a:p>
-      </dgm:t>
-    </dgm:pt>
-    <dgm:pt modelId="{ED9984DF-0163-45B5-9EDD-95EABE3D0FFA}" type="sibTrans" cxnId="{709F8E95-D5AC-4CCC-9237-203BE4110DF8}">
-      <dgm:prSet/>
-      <dgm:spPr/>
-      <dgm:t>
-        <a:bodyPr/>
-        <a:lstStyle/>
-        <a:p>
-          <a:endParaRPr lang="it-IT"/>
-        </a:p>
-      </dgm:t>
-    </dgm:pt>
-    <dgm:pt modelId="{E947A4B8-7938-4322-AED1-1A41D1347B66}">
-      <dgm:prSet phldrT="[Text]"/>
-      <dgm:spPr>
-        <a:ln w="38100">
-          <a:solidFill>
-            <a:srgbClr val="006BAB"/>
-          </a:solidFill>
-        </a:ln>
-      </dgm:spPr>
-      <dgm:t>
-        <a:bodyPr/>
-        <a:lstStyle/>
-        <a:p>
-          <a:r>
-            <a:rPr lang="it-IT" dirty="0" smtClean="0"/>
-            <a:t>Nativo</a:t>
-          </a:r>
-          <a:endParaRPr lang="it-IT" dirty="0"/>
-        </a:p>
-      </dgm:t>
-    </dgm:pt>
-    <dgm:pt modelId="{2DA1A87F-9A06-48BB-B07F-1C981830C7EE}" type="parTrans" cxnId="{584BE5D9-1D0C-49B0-AF8D-9B061FDA2C83}">
-      <dgm:prSet/>
-      <dgm:spPr/>
-      <dgm:t>
-        <a:bodyPr/>
-        <a:lstStyle/>
-        <a:p>
-          <a:endParaRPr lang="it-IT"/>
-        </a:p>
-      </dgm:t>
-    </dgm:pt>
-    <dgm:pt modelId="{EA5DF763-9EE2-4DFC-A772-1C34ED7062E6}" type="sibTrans" cxnId="{584BE5D9-1D0C-49B0-AF8D-9B061FDA2C83}">
-      <dgm:prSet/>
-      <dgm:spPr/>
-      <dgm:t>
-        <a:bodyPr/>
-        <a:lstStyle/>
-        <a:p>
-          <a:endParaRPr lang="it-IT"/>
-        </a:p>
-      </dgm:t>
-    </dgm:pt>
-    <dgm:pt modelId="{54C605E6-D99F-4B07-AF61-492E5AEB7EBC}">
-      <dgm:prSet phldrT="[Text]"/>
-      <dgm:spPr>
-        <a:ln w="38100">
-          <a:solidFill>
-            <a:srgbClr val="4FA226"/>
-          </a:solidFill>
-        </a:ln>
-      </dgm:spPr>
-      <dgm:t>
-        <a:bodyPr/>
-        <a:lstStyle/>
-        <a:p>
-          <a:r>
-            <a:rPr lang="it-IT" dirty="0" err="1" smtClean="0"/>
-            <a:t>Ghost</a:t>
-          </a:r>
-          <a:r>
-            <a:rPr lang="it-IT" dirty="0" smtClean="0"/>
-            <a:t> Driver</a:t>
-          </a:r>
-          <a:endParaRPr lang="it-IT" dirty="0"/>
-        </a:p>
-      </dgm:t>
-    </dgm:pt>
-    <dgm:pt modelId="{51575121-890B-4CAF-A4AE-645489D621FE}" type="parTrans" cxnId="{170D131B-79F2-4160-BE7B-085C01627D44}">
-      <dgm:prSet/>
-      <dgm:spPr/>
-      <dgm:t>
-        <a:bodyPr/>
-        <a:lstStyle/>
-        <a:p>
-          <a:endParaRPr lang="it-IT"/>
-        </a:p>
-      </dgm:t>
-    </dgm:pt>
-    <dgm:pt modelId="{0E08563C-88A8-467E-B879-B7A31E8D08E5}" type="sibTrans" cxnId="{170D131B-79F2-4160-BE7B-085C01627D44}">
-      <dgm:prSet/>
-      <dgm:spPr/>
-      <dgm:t>
-        <a:bodyPr/>
-        <a:lstStyle/>
-        <a:p>
-          <a:endParaRPr lang="it-IT"/>
-        </a:p>
-      </dgm:t>
-    </dgm:pt>
     <dgm:pt modelId="{6BEEEA46-E27E-44F3-A3EA-4585021FBFF9}">
       <dgm:prSet phldrT="[Text]"/>
       <dgm:spPr>
@@ -11529,7 +11227,7 @@
         <a:p>
           <a:r>
             <a:rPr lang="it-IT" dirty="0" err="1" smtClean="0"/>
-            <a:t>NUnit</a:t>
+            <a:t>Nunit</a:t>
           </a:r>
           <a:endParaRPr lang="it-IT" dirty="0"/>
         </a:p>
@@ -11557,6 +11255,250 @@
         </a:p>
       </dgm:t>
     </dgm:pt>
+    <dgm:pt modelId="{9C96CD51-4EC6-404D-B575-97780F6DB7CF}">
+      <dgm:prSet phldrT="[Text]"/>
+      <dgm:spPr/>
+      <dgm:t>
+        <a:bodyPr/>
+        <a:lstStyle/>
+        <a:p>
+          <a:r>
+            <a:rPr lang="it-IT" dirty="0" err="1" smtClean="0">
+              <a:solidFill>
+                <a:schemeClr val="tx1">
+                  <a:lumMod val="50000"/>
+                  <a:lumOff val="50000"/>
+                </a:schemeClr>
+              </a:solidFill>
+            </a:rPr>
+            <a:t>PhantomJS</a:t>
+          </a:r>
+          <a:r>
+            <a:rPr lang="it-IT" dirty="0" smtClean="0">
+              <a:solidFill>
+                <a:schemeClr val="tx1">
+                  <a:lumMod val="50000"/>
+                  <a:lumOff val="50000"/>
+                </a:schemeClr>
+              </a:solidFill>
+            </a:rPr>
+            <a:t>’ Driver</a:t>
+          </a:r>
+          <a:endParaRPr lang="it-IT" dirty="0">
+            <a:solidFill>
+              <a:schemeClr val="tx1">
+                <a:lumMod val="50000"/>
+                <a:lumOff val="50000"/>
+              </a:schemeClr>
+            </a:solidFill>
+          </a:endParaRPr>
+        </a:p>
+      </dgm:t>
+    </dgm:pt>
+    <dgm:pt modelId="{31BC5AE5-E5CD-42BD-A1E4-C15B030244A1}" type="parTrans" cxnId="{76581711-89A3-45B4-A993-FFFAC67DE6B6}">
+      <dgm:prSet/>
+      <dgm:spPr/>
+      <dgm:t>
+        <a:bodyPr/>
+        <a:lstStyle/>
+        <a:p>
+          <a:endParaRPr lang="it-IT"/>
+        </a:p>
+      </dgm:t>
+    </dgm:pt>
+    <dgm:pt modelId="{A8C84A0A-39D3-442D-98F8-80F4ADDFBD92}" type="sibTrans" cxnId="{76581711-89A3-45B4-A993-FFFAC67DE6B6}">
+      <dgm:prSet/>
+      <dgm:spPr/>
+      <dgm:t>
+        <a:bodyPr/>
+        <a:lstStyle/>
+        <a:p>
+          <a:endParaRPr lang="it-IT"/>
+        </a:p>
+      </dgm:t>
+    </dgm:pt>
+    <dgm:pt modelId="{EAECB2A9-A0FA-456C-A864-06B0E598A59E}">
+      <dgm:prSet phldrT="[Text]"/>
+      <dgm:spPr>
+        <a:ln w="38100">
+          <a:solidFill>
+            <a:srgbClr val="B23333"/>
+          </a:solidFill>
+        </a:ln>
+      </dgm:spPr>
+      <dgm:t>
+        <a:bodyPr/>
+        <a:lstStyle/>
+        <a:p>
+          <a:r>
+            <a:rPr lang="it-IT" dirty="0" smtClean="0">
+              <a:solidFill>
+                <a:schemeClr val="tx1">
+                  <a:lumMod val="50000"/>
+                  <a:lumOff val="50000"/>
+                </a:schemeClr>
+              </a:solidFill>
+            </a:rPr>
+            <a:t>Poltergeist</a:t>
+          </a:r>
+          <a:endParaRPr lang="it-IT" dirty="0">
+            <a:solidFill>
+              <a:schemeClr val="tx1">
+                <a:lumMod val="50000"/>
+                <a:lumOff val="50000"/>
+              </a:schemeClr>
+            </a:solidFill>
+          </a:endParaRPr>
+        </a:p>
+      </dgm:t>
+    </dgm:pt>
+    <dgm:pt modelId="{7014F897-5262-43FC-8A15-B58F5E6FE0EA}" type="parTrans" cxnId="{870828E4-5738-4983-B198-E9EDBED471CA}">
+      <dgm:prSet/>
+      <dgm:spPr/>
+      <dgm:t>
+        <a:bodyPr/>
+        <a:lstStyle/>
+        <a:p>
+          <a:endParaRPr lang="it-IT"/>
+        </a:p>
+      </dgm:t>
+    </dgm:pt>
+    <dgm:pt modelId="{A2807783-7E3C-4991-8AA9-EC846BF99AC3}" type="sibTrans" cxnId="{870828E4-5738-4983-B198-E9EDBED471CA}">
+      <dgm:prSet/>
+      <dgm:spPr/>
+      <dgm:t>
+        <a:bodyPr/>
+        <a:lstStyle/>
+        <a:p>
+          <a:endParaRPr lang="it-IT"/>
+        </a:p>
+      </dgm:t>
+    </dgm:pt>
+    <dgm:pt modelId="{62B80800-7595-45AD-BF07-CAC57D1709EE}">
+      <dgm:prSet phldrT="[Text]"/>
+      <dgm:spPr>
+        <a:ln w="38100">
+          <a:solidFill>
+            <a:srgbClr val="4FA226"/>
+          </a:solidFill>
+        </a:ln>
+      </dgm:spPr>
+      <dgm:t>
+        <a:bodyPr/>
+        <a:lstStyle/>
+        <a:p>
+          <a:r>
+            <a:rPr lang="it-IT" dirty="0" err="1" smtClean="0">
+              <a:solidFill>
+                <a:schemeClr val="tx1">
+                  <a:lumMod val="50000"/>
+                  <a:lumOff val="50000"/>
+                </a:schemeClr>
+              </a:solidFill>
+            </a:rPr>
+            <a:t>Ghost</a:t>
+          </a:r>
+          <a:r>
+            <a:rPr lang="it-IT" dirty="0" smtClean="0">
+              <a:solidFill>
+                <a:schemeClr val="tx1">
+                  <a:lumMod val="50000"/>
+                  <a:lumOff val="50000"/>
+                </a:schemeClr>
+              </a:solidFill>
+            </a:rPr>
+            <a:t> Driver</a:t>
+          </a:r>
+          <a:endParaRPr lang="it-IT" dirty="0">
+            <a:solidFill>
+              <a:schemeClr val="tx1">
+                <a:lumMod val="50000"/>
+                <a:lumOff val="50000"/>
+              </a:schemeClr>
+            </a:solidFill>
+          </a:endParaRPr>
+        </a:p>
+      </dgm:t>
+    </dgm:pt>
+    <dgm:pt modelId="{59F0E6CE-5089-4BBF-9AA4-3AF3D6A89ED4}" type="parTrans" cxnId="{2F56CC7D-523D-4A4C-8887-FE35982D17C2}">
+      <dgm:prSet/>
+      <dgm:spPr/>
+      <dgm:t>
+        <a:bodyPr/>
+        <a:lstStyle/>
+        <a:p>
+          <a:endParaRPr lang="it-IT"/>
+        </a:p>
+      </dgm:t>
+    </dgm:pt>
+    <dgm:pt modelId="{5BF29F39-B52B-4607-A324-4D9785E47CFD}" type="sibTrans" cxnId="{2F56CC7D-523D-4A4C-8887-FE35982D17C2}">
+      <dgm:prSet/>
+      <dgm:spPr/>
+      <dgm:t>
+        <a:bodyPr/>
+        <a:lstStyle/>
+        <a:p>
+          <a:endParaRPr lang="it-IT"/>
+        </a:p>
+      </dgm:t>
+    </dgm:pt>
+    <dgm:pt modelId="{61A8E10D-791A-4CA9-8CBA-A6DDF02543A0}">
+      <dgm:prSet phldrT="[Text]"/>
+      <dgm:spPr>
+        <a:ln w="38100">
+          <a:solidFill>
+            <a:srgbClr val="006BAB"/>
+          </a:solidFill>
+        </a:ln>
+      </dgm:spPr>
+      <dgm:t>
+        <a:bodyPr/>
+        <a:lstStyle/>
+        <a:p>
+          <a:r>
+            <a:rPr lang="it-IT" dirty="0" smtClean="0">
+              <a:solidFill>
+                <a:schemeClr val="tx1">
+                  <a:lumMod val="50000"/>
+                  <a:lumOff val="50000"/>
+                </a:schemeClr>
+              </a:solidFill>
+            </a:rPr>
+            <a:t>Nativo</a:t>
+          </a:r>
+          <a:endParaRPr lang="it-IT" dirty="0">
+            <a:solidFill>
+              <a:schemeClr val="tx1">
+                <a:lumMod val="50000"/>
+                <a:lumOff val="50000"/>
+              </a:schemeClr>
+            </a:solidFill>
+          </a:endParaRPr>
+        </a:p>
+      </dgm:t>
+    </dgm:pt>
+    <dgm:pt modelId="{7DD4684E-19D7-4A0A-93E8-89BD53DB6067}" type="parTrans" cxnId="{022511EF-3486-42E4-B85C-1E4DB21CA522}">
+      <dgm:prSet/>
+      <dgm:spPr/>
+      <dgm:t>
+        <a:bodyPr/>
+        <a:lstStyle/>
+        <a:p>
+          <a:endParaRPr lang="it-IT"/>
+        </a:p>
+      </dgm:t>
+    </dgm:pt>
+    <dgm:pt modelId="{1F832CE0-CF15-4FE1-811D-C327F8EFD7FB}" type="sibTrans" cxnId="{022511EF-3486-42E4-B85C-1E4DB21CA522}">
+      <dgm:prSet/>
+      <dgm:spPr/>
+      <dgm:t>
+        <a:bodyPr/>
+        <a:lstStyle/>
+        <a:p>
+          <a:endParaRPr lang="it-IT"/>
+        </a:p>
+      </dgm:t>
+    </dgm:pt>
     <dgm:pt modelId="{AF698AA4-1516-4993-8603-32221BD03F0E}" type="pres">
       <dgm:prSet presAssocID="{B342B404-18AA-413C-945D-CD72F2C93D08}" presName="Name0" presStyleCnt="0">
         <dgm:presLayoutVars>
@@ -11574,8 +11516,12 @@
         </a:p>
       </dgm:t>
     </dgm:pt>
-    <dgm:pt modelId="{7450B4AE-7EE0-4865-9B41-177050A479AD}" type="pres">
-      <dgm:prSet presAssocID="{68B53E48-986C-41BA-B23A-346AD8398B0A}" presName="boxAndChildren" presStyleCnt="0"/>
+    <dgm:pt modelId="{C03038F1-5918-4218-A290-CBB3326FD276}" type="pres">
+      <dgm:prSet presAssocID="{3845991D-A732-46C7-A6D5-AE3BCF7F68A9}" presName="boxAndChildren" presStyleCnt="0"/>
+      <dgm:spPr/>
+    </dgm:pt>
+    <dgm:pt modelId="{FDB4EE9D-188A-4B47-AA46-ABE2CA293794}" type="pres">
+      <dgm:prSet presAssocID="{3845991D-A732-46C7-A6D5-AE3BCF7F68A9}" presName="parentTextBox" presStyleLbl="node1" presStyleIdx="0" presStyleCnt="3"/>
       <dgm:spPr/>
       <dgm:t>
         <a:bodyPr/>
@@ -11585,8 +11531,8 @@
         </a:p>
       </dgm:t>
     </dgm:pt>
-    <dgm:pt modelId="{8A9EE0B1-FECF-45E2-A1AD-E15FF30DA4D7}" type="pres">
-      <dgm:prSet presAssocID="{68B53E48-986C-41BA-B23A-346AD8398B0A}" presName="parentTextBox" presStyleLbl="node1" presStyleIdx="0" presStyleCnt="3"/>
+    <dgm:pt modelId="{9E70562A-F13D-42F4-8050-96D24105809C}" type="pres">
+      <dgm:prSet presAssocID="{3845991D-A732-46C7-A6D5-AE3BCF7F68A9}" presName="entireBox" presStyleLbl="node1" presStyleIdx="0" presStyleCnt="3"/>
       <dgm:spPr/>
       <dgm:t>
         <a:bodyPr/>
@@ -11596,30 +11542,12 @@
         </a:p>
       </dgm:t>
     </dgm:pt>
-    <dgm:pt modelId="{60416D04-39CC-4776-A889-E2362D7EA31D}" type="pres">
-      <dgm:prSet presAssocID="{68B53E48-986C-41BA-B23A-346AD8398B0A}" presName="entireBox" presStyleLbl="node1" presStyleIdx="0" presStyleCnt="3" custLinFactNeighborX="-656" custLinFactNeighborY="3714"/>
+    <dgm:pt modelId="{FBDAC2C5-CC8F-4BF5-B2C1-94F28B0004EB}" type="pres">
+      <dgm:prSet presAssocID="{3845991D-A732-46C7-A6D5-AE3BCF7F68A9}" presName="descendantBox" presStyleCnt="0"/>
       <dgm:spPr/>
-      <dgm:t>
-        <a:bodyPr/>
-        <a:lstStyle/>
-        <a:p>
-          <a:endParaRPr lang="it-IT"/>
-        </a:p>
-      </dgm:t>
     </dgm:pt>
-    <dgm:pt modelId="{0728668A-FC17-44CA-9939-0521539E0558}" type="pres">
-      <dgm:prSet presAssocID="{68B53E48-986C-41BA-B23A-346AD8398B0A}" presName="descendantBox" presStyleCnt="0"/>
-      <dgm:spPr/>
-      <dgm:t>
-        <a:bodyPr/>
-        <a:lstStyle/>
-        <a:p>
-          <a:endParaRPr lang="it-IT"/>
-        </a:p>
-      </dgm:t>
-    </dgm:pt>
-    <dgm:pt modelId="{1127738B-00CC-49E2-9424-AFF2BC6B8BFE}" type="pres">
-      <dgm:prSet presAssocID="{3E3BEF03-2DBC-4943-B1E2-F24F98CDDB48}" presName="childTextBox" presStyleLbl="fgAccFollowNode1" presStyleIdx="0" presStyleCnt="7">
+    <dgm:pt modelId="{D4D18F93-F3FF-472B-808B-F738300C98EA}" type="pres">
+      <dgm:prSet presAssocID="{7B06B76E-B0CA-4321-9239-AD72C2C4C742}" presName="childTextBox" presStyleLbl="fgAccFollowNode1" presStyleIdx="0" presStyleCnt="7">
         <dgm:presLayoutVars>
           <dgm:bulletEnabled val="1"/>
         </dgm:presLayoutVars>
@@ -11633,8 +11561,42 @@
         </a:p>
       </dgm:t>
     </dgm:pt>
-    <dgm:pt modelId="{20A5544F-F7CA-4A17-A4C0-1EBAE0A5050C}" type="pres">
-      <dgm:prSet presAssocID="{54C605E6-D99F-4B07-AF61-492E5AEB7EBC}" presName="childTextBox" presStyleLbl="fgAccFollowNode1" presStyleIdx="1" presStyleCnt="7">
+    <dgm:pt modelId="{E953CDD8-9037-4375-804D-6ED5AA9A4037}" type="pres">
+      <dgm:prSet presAssocID="{A8C84A0A-39D3-442D-98F8-80F4ADDFBD92}" presName="sp" presStyleCnt="0"/>
+      <dgm:spPr/>
+    </dgm:pt>
+    <dgm:pt modelId="{E9D4FC14-FB18-4BEF-B305-280F48092CFC}" type="pres">
+      <dgm:prSet presAssocID="{9C96CD51-4EC6-404D-B575-97780F6DB7CF}" presName="arrowAndChildren" presStyleCnt="0"/>
+      <dgm:spPr/>
+    </dgm:pt>
+    <dgm:pt modelId="{8C811947-4286-4464-A15A-F5FEAF19A5E9}" type="pres">
+      <dgm:prSet presAssocID="{9C96CD51-4EC6-404D-B575-97780F6DB7CF}" presName="parentTextArrow" presStyleLbl="node1" presStyleIdx="0" presStyleCnt="3"/>
+      <dgm:spPr/>
+      <dgm:t>
+        <a:bodyPr/>
+        <a:lstStyle/>
+        <a:p>
+          <a:endParaRPr lang="it-IT"/>
+        </a:p>
+      </dgm:t>
+    </dgm:pt>
+    <dgm:pt modelId="{3A5FC3A6-1721-40CB-B916-DBB666EAF37C}" type="pres">
+      <dgm:prSet presAssocID="{9C96CD51-4EC6-404D-B575-97780F6DB7CF}" presName="arrow" presStyleLbl="node1" presStyleIdx="1" presStyleCnt="3"/>
+      <dgm:spPr/>
+      <dgm:t>
+        <a:bodyPr/>
+        <a:lstStyle/>
+        <a:p>
+          <a:endParaRPr lang="it-IT"/>
+        </a:p>
+      </dgm:t>
+    </dgm:pt>
+    <dgm:pt modelId="{987CF98D-2768-47B0-9D68-42A7B0AAD355}" type="pres">
+      <dgm:prSet presAssocID="{9C96CD51-4EC6-404D-B575-97780F6DB7CF}" presName="descendantArrow" presStyleCnt="0"/>
+      <dgm:spPr/>
+    </dgm:pt>
+    <dgm:pt modelId="{96864C29-9564-4224-AB70-BA716932F1EE}" type="pres">
+      <dgm:prSet presAssocID="{EAECB2A9-A0FA-456C-A864-06B0E598A59E}" presName="childTextArrow" presStyleLbl="fgAccFollowNode1" presStyleIdx="1" presStyleCnt="7">
         <dgm:presLayoutVars>
           <dgm:bulletEnabled val="1"/>
         </dgm:presLayoutVars>
@@ -11648,8 +11610,8 @@
         </a:p>
       </dgm:t>
     </dgm:pt>
-    <dgm:pt modelId="{BBDAF390-725F-4269-A40B-34C18BB3AFFC}" type="pres">
-      <dgm:prSet presAssocID="{E947A4B8-7938-4322-AED1-1A41D1347B66}" presName="childTextBox" presStyleLbl="fgAccFollowNode1" presStyleIdx="2" presStyleCnt="7">
+    <dgm:pt modelId="{760481B2-F331-4078-A3A8-DD69B914C50E}" type="pres">
+      <dgm:prSet presAssocID="{62B80800-7595-45AD-BF07-CAC57D1709EE}" presName="childTextArrow" presStyleLbl="fgAccFollowNode1" presStyleIdx="2" presStyleCnt="7">
         <dgm:presLayoutVars>
           <dgm:bulletEnabled val="1"/>
         </dgm:presLayoutVars>
@@ -11663,63 +11625,8 @@
         </a:p>
       </dgm:t>
     </dgm:pt>
-    <dgm:pt modelId="{135054A9-8944-4A70-80C0-73F080B097A8}" type="pres">
-      <dgm:prSet presAssocID="{43E4DD5A-FA60-4AFD-8BFF-1AFA1CC50183}" presName="sp" presStyleCnt="0"/>
-      <dgm:spPr/>
-      <dgm:t>
-        <a:bodyPr/>
-        <a:lstStyle/>
-        <a:p>
-          <a:endParaRPr lang="it-IT"/>
-        </a:p>
-      </dgm:t>
-    </dgm:pt>
-    <dgm:pt modelId="{E5C60BBC-E031-4211-BBC2-09C78C6B321F}" type="pres">
-      <dgm:prSet presAssocID="{3845991D-A732-46C7-A6D5-AE3BCF7F68A9}" presName="arrowAndChildren" presStyleCnt="0"/>
-      <dgm:spPr/>
-      <dgm:t>
-        <a:bodyPr/>
-        <a:lstStyle/>
-        <a:p>
-          <a:endParaRPr lang="it-IT"/>
-        </a:p>
-      </dgm:t>
-    </dgm:pt>
-    <dgm:pt modelId="{D41FF3EB-7790-4A25-84E3-F88A5D9CF464}" type="pres">
-      <dgm:prSet presAssocID="{3845991D-A732-46C7-A6D5-AE3BCF7F68A9}" presName="parentTextArrow" presStyleLbl="node1" presStyleIdx="0" presStyleCnt="3"/>
-      <dgm:spPr/>
-      <dgm:t>
-        <a:bodyPr/>
-        <a:lstStyle/>
-        <a:p>
-          <a:endParaRPr lang="it-IT"/>
-        </a:p>
-      </dgm:t>
-    </dgm:pt>
-    <dgm:pt modelId="{1EA30F96-72A7-4796-9932-46B98EEA3F23}" type="pres">
-      <dgm:prSet presAssocID="{3845991D-A732-46C7-A6D5-AE3BCF7F68A9}" presName="arrow" presStyleLbl="node1" presStyleIdx="1" presStyleCnt="3"/>
-      <dgm:spPr/>
-      <dgm:t>
-        <a:bodyPr/>
-        <a:lstStyle/>
-        <a:p>
-          <a:endParaRPr lang="it-IT"/>
-        </a:p>
-      </dgm:t>
-    </dgm:pt>
-    <dgm:pt modelId="{FCD856B6-4340-4092-BE22-A3FC906EEAAC}" type="pres">
-      <dgm:prSet presAssocID="{3845991D-A732-46C7-A6D5-AE3BCF7F68A9}" presName="descendantArrow" presStyleCnt="0"/>
-      <dgm:spPr/>
-      <dgm:t>
-        <a:bodyPr/>
-        <a:lstStyle/>
-        <a:p>
-          <a:endParaRPr lang="it-IT"/>
-        </a:p>
-      </dgm:t>
-    </dgm:pt>
-    <dgm:pt modelId="{C073383B-0A00-42A3-9829-F4F71E2A2DB8}" type="pres">
-      <dgm:prSet presAssocID="{7B06B76E-B0CA-4321-9239-AD72C2C4C742}" presName="childTextArrow" presStyleLbl="fgAccFollowNode1" presStyleIdx="3" presStyleCnt="7">
+    <dgm:pt modelId="{692BEB03-3759-431D-93BC-64EECF1A1C02}" type="pres">
+      <dgm:prSet presAssocID="{61A8E10D-791A-4CA9-8CBA-A6DDF02543A0}" presName="childTextArrow" presStyleLbl="fgAccFollowNode1" presStyleIdx="3" presStyleCnt="7">
         <dgm:presLayoutVars>
           <dgm:bulletEnabled val="1"/>
         </dgm:presLayoutVars>
@@ -11835,43 +11742,43 @@
     </dgm:pt>
   </dgm:ptLst>
   <dgm:cxnLst>
+    <dgm:cxn modelId="{76581711-89A3-45B4-A993-FFFAC67DE6B6}" srcId="{B342B404-18AA-413C-945D-CD72F2C93D08}" destId="{9C96CD51-4EC6-404D-B575-97780F6DB7CF}" srcOrd="1" destOrd="0" parTransId="{31BC5AE5-E5CD-42BD-A1E4-C15B030244A1}" sibTransId="{A8C84A0A-39D3-442D-98F8-80F4ADDFBD92}"/>
+    <dgm:cxn modelId="{C90973BC-9B0D-48C3-BC81-3E71DF392828}" type="presOf" srcId="{35F5A152-1DA0-4E5A-92AA-3F960FCAE983}" destId="{5B51244A-DD67-4296-A7B9-556F22B84B51}" srcOrd="0" destOrd="0" presId="urn:microsoft.com/office/officeart/2005/8/layout/process4"/>
+    <dgm:cxn modelId="{90ACE321-F8F6-4175-999F-D6A1AB662026}" type="presOf" srcId="{9C96CD51-4EC6-404D-B575-97780F6DB7CF}" destId="{3A5FC3A6-1721-40CB-B916-DBB666EAF37C}" srcOrd="1" destOrd="0" presId="urn:microsoft.com/office/officeart/2005/8/layout/process4"/>
+    <dgm:cxn modelId="{1AC27F78-F67A-47C2-99BB-56E884690DF3}" type="presOf" srcId="{3845991D-A732-46C7-A6D5-AE3BCF7F68A9}" destId="{9E70562A-F13D-42F4-8050-96D24105809C}" srcOrd="1" destOrd="0" presId="urn:microsoft.com/office/officeart/2005/8/layout/process4"/>
+    <dgm:cxn modelId="{EE691EE9-F2F0-47EF-B0F2-1EFF958779B0}" type="presOf" srcId="{B342B404-18AA-413C-945D-CD72F2C93D08}" destId="{AF698AA4-1516-4993-8603-32221BD03F0E}" srcOrd="0" destOrd="0" presId="urn:microsoft.com/office/officeart/2005/8/layout/process4"/>
+    <dgm:cxn modelId="{3C5B84D9-E734-4E6D-AD8E-E42B0D5C6766}" srcId="{B342B404-18AA-413C-945D-CD72F2C93D08}" destId="{3845991D-A732-46C7-A6D5-AE3BCF7F68A9}" srcOrd="2" destOrd="0" parTransId="{46D759DB-1C0E-4346-9AAC-2448A6307E2C}" sibTransId="{43E4DD5A-FA60-4AFD-8BFF-1AFA1CC50183}"/>
+    <dgm:cxn modelId="{7A0AD4A6-B93F-42FC-9535-364C45340A06}" srcId="{35F5A152-1DA0-4E5A-92AA-3F960FCAE983}" destId="{1E0CA29D-9399-4D88-B931-53640894DACA}" srcOrd="2" destOrd="0" parTransId="{1827A123-CD38-4807-A315-08A08588F1F8}" sibTransId="{40AD8C4F-7A14-4290-A23B-47300D7A3976}"/>
+    <dgm:cxn modelId="{2F56CC7D-523D-4A4C-8887-FE35982D17C2}" srcId="{9C96CD51-4EC6-404D-B575-97780F6DB7CF}" destId="{62B80800-7595-45AD-BF07-CAC57D1709EE}" srcOrd="1" destOrd="0" parTransId="{59F0E6CE-5089-4BBF-9AA4-3AF3D6A89ED4}" sibTransId="{5BF29F39-B52B-4607-A324-4D9785E47CFD}"/>
+    <dgm:cxn modelId="{915DA3D4-DDE2-4EC2-B776-CF137E69C75D}" type="presOf" srcId="{9C96CD51-4EC6-404D-B575-97780F6DB7CF}" destId="{8C811947-4286-4464-A15A-F5FEAF19A5E9}" srcOrd="0" destOrd="0" presId="urn:microsoft.com/office/officeart/2005/8/layout/process4"/>
+    <dgm:cxn modelId="{55B8DFC6-C176-4EC1-95B3-9E8D3CB1F988}" type="presOf" srcId="{3845991D-A732-46C7-A6D5-AE3BCF7F68A9}" destId="{FDB4EE9D-188A-4B47-AA46-ABE2CA293794}" srcOrd="0" destOrd="0" presId="urn:microsoft.com/office/officeart/2005/8/layout/process4"/>
+    <dgm:cxn modelId="{7C18E331-650F-4E54-96A0-9994652A6E18}" type="presOf" srcId="{6BEEEA46-E27E-44F3-A3EA-4585021FBFF9}" destId="{88E75E72-AA14-4481-8840-DFD5EF2C0D6C}" srcOrd="0" destOrd="0" presId="urn:microsoft.com/office/officeart/2005/8/layout/process4"/>
+    <dgm:cxn modelId="{1A051FB0-090A-4927-BF08-6494FFC83309}" type="presOf" srcId="{7B06B76E-B0CA-4321-9239-AD72C2C4C742}" destId="{D4D18F93-F3FF-472B-808B-F738300C98EA}" srcOrd="0" destOrd="0" presId="urn:microsoft.com/office/officeart/2005/8/layout/process4"/>
+    <dgm:cxn modelId="{E0B8E54A-EBA7-4EEA-BF01-E2414D2F89CB}" type="presOf" srcId="{1E0CA29D-9399-4D88-B931-53640894DACA}" destId="{B3AE79A5-4341-4DD7-8216-ECBC9C528BD1}" srcOrd="0" destOrd="0" presId="urn:microsoft.com/office/officeart/2005/8/layout/process4"/>
+    <dgm:cxn modelId="{5A99696F-53FE-4DA6-97DC-A79F87F463FF}" srcId="{35F5A152-1DA0-4E5A-92AA-3F960FCAE983}" destId="{23B585BB-07F5-4CC9-8420-B6E5B5D04DA0}" srcOrd="0" destOrd="0" parTransId="{A733D4FA-4D55-470B-8AE4-5EF8B8C5CF0C}" sibTransId="{8B6465E5-7C7D-45D7-B674-E20D1BC2EEF2}"/>
+    <dgm:cxn modelId="{870828E4-5738-4983-B198-E9EDBED471CA}" srcId="{9C96CD51-4EC6-404D-B575-97780F6DB7CF}" destId="{EAECB2A9-A0FA-456C-A864-06B0E598A59E}" srcOrd="0" destOrd="0" parTransId="{7014F897-5262-43FC-8A15-B58F5E6FE0EA}" sibTransId="{A2807783-7E3C-4991-8AA9-EC846BF99AC3}"/>
+    <dgm:cxn modelId="{022511EF-3486-42E4-B85C-1E4DB21CA522}" srcId="{9C96CD51-4EC6-404D-B575-97780F6DB7CF}" destId="{61A8E10D-791A-4CA9-8CBA-A6DDF02543A0}" srcOrd="2" destOrd="0" parTransId="{7DD4684E-19D7-4A0A-93E8-89BD53DB6067}" sibTransId="{1F832CE0-CF15-4FE1-811D-C327F8EFD7FB}"/>
+    <dgm:cxn modelId="{A2CBF566-91C1-4BCA-8327-85DEB8ABE877}" srcId="{35F5A152-1DA0-4E5A-92AA-3F960FCAE983}" destId="{6BEEEA46-E27E-44F3-A3EA-4585021FBFF9}" srcOrd="1" destOrd="0" parTransId="{F9F1631B-7C16-4C8D-B1F2-35A4AF7D2A05}" sibTransId="{3E5D706A-5DF2-42F3-B81B-302844EF6A41}"/>
+    <dgm:cxn modelId="{B050CE90-99B4-4954-A1D4-E1D39F7AF9E2}" srcId="{B342B404-18AA-413C-945D-CD72F2C93D08}" destId="{35F5A152-1DA0-4E5A-92AA-3F960FCAE983}" srcOrd="0" destOrd="0" parTransId="{3234329C-751F-49C4-B6AF-D1108D5E82D1}" sibTransId="{B35863D0-EE01-4DCE-A092-BCF50F2E3D94}"/>
     <dgm:cxn modelId="{08029E31-D622-4D35-8DF9-1F775B35F597}" srcId="{3845991D-A732-46C7-A6D5-AE3BCF7F68A9}" destId="{7B06B76E-B0CA-4321-9239-AD72C2C4C742}" srcOrd="0" destOrd="0" parTransId="{603F7FD8-7751-4704-BE78-3ECC1CC01F8C}" sibTransId="{571D3479-5A93-4C71-AF5E-41C1BAD64D2F}"/>
+    <dgm:cxn modelId="{0C008611-4DD7-4D48-9817-163E43CB3FC1}" type="presOf" srcId="{EAECB2A9-A0FA-456C-A864-06B0E598A59E}" destId="{96864C29-9564-4224-AB70-BA716932F1EE}" srcOrd="0" destOrd="0" presId="urn:microsoft.com/office/officeart/2005/8/layout/process4"/>
     <dgm:cxn modelId="{4DFD107E-BEA3-48F7-8B82-6D643E9E93B0}" type="presOf" srcId="{35F5A152-1DA0-4E5A-92AA-3F960FCAE983}" destId="{CA7E9E6B-86BA-4567-94A4-341370B2FA56}" srcOrd="1" destOrd="0" presId="urn:microsoft.com/office/officeart/2005/8/layout/process4"/>
-    <dgm:cxn modelId="{8C3FBAF2-361F-4A01-B3F0-26DDC4939391}" type="presOf" srcId="{68B53E48-986C-41BA-B23A-346AD8398B0A}" destId="{8A9EE0B1-FECF-45E2-A1AD-E15FF30DA4D7}" srcOrd="0" destOrd="0" presId="urn:microsoft.com/office/officeart/2005/8/layout/process4"/>
-    <dgm:cxn modelId="{5A99696F-53FE-4DA6-97DC-A79F87F463FF}" srcId="{35F5A152-1DA0-4E5A-92AA-3F960FCAE983}" destId="{23B585BB-07F5-4CC9-8420-B6E5B5D04DA0}" srcOrd="0" destOrd="0" parTransId="{A733D4FA-4D55-470B-8AE4-5EF8B8C5CF0C}" sibTransId="{8B6465E5-7C7D-45D7-B674-E20D1BC2EEF2}"/>
-    <dgm:cxn modelId="{57A949C7-7DD1-42CE-8455-4004A36DAC23}" type="presOf" srcId="{3845991D-A732-46C7-A6D5-AE3BCF7F68A9}" destId="{1EA30F96-72A7-4796-9932-46B98EEA3F23}" srcOrd="1" destOrd="0" presId="urn:microsoft.com/office/officeart/2005/8/layout/process4"/>
-    <dgm:cxn modelId="{170D131B-79F2-4160-BE7B-085C01627D44}" srcId="{68B53E48-986C-41BA-B23A-346AD8398B0A}" destId="{54C605E6-D99F-4B07-AF61-492E5AEB7EBC}" srcOrd="1" destOrd="0" parTransId="{51575121-890B-4CAF-A4AE-645489D621FE}" sibTransId="{0E08563C-88A8-467E-B879-B7A31E8D08E5}"/>
+    <dgm:cxn modelId="{1BF2B334-B686-43DB-B78C-4C6E83C77C46}" type="presOf" srcId="{62B80800-7595-45AD-BF07-CAC57D1709EE}" destId="{760481B2-F331-4078-A3A8-DD69B914C50E}" srcOrd="0" destOrd="0" presId="urn:microsoft.com/office/officeart/2005/8/layout/process4"/>
     <dgm:cxn modelId="{F5A437CD-D77F-4717-9E42-8FB644C81509}" type="presOf" srcId="{23B585BB-07F5-4CC9-8420-B6E5B5D04DA0}" destId="{D45FE1A8-B0DD-4BB0-A61A-750F3B44491F}" srcOrd="0" destOrd="0" presId="urn:microsoft.com/office/officeart/2005/8/layout/process4"/>
-    <dgm:cxn modelId="{EE691EE9-F2F0-47EF-B0F2-1EFF958779B0}" type="presOf" srcId="{B342B404-18AA-413C-945D-CD72F2C93D08}" destId="{AF698AA4-1516-4993-8603-32221BD03F0E}" srcOrd="0" destOrd="0" presId="urn:microsoft.com/office/officeart/2005/8/layout/process4"/>
-    <dgm:cxn modelId="{709F8E95-D5AC-4CCC-9237-203BE4110DF8}" srcId="{68B53E48-986C-41BA-B23A-346AD8398B0A}" destId="{3E3BEF03-2DBC-4943-B1E2-F24F98CDDB48}" srcOrd="0" destOrd="0" parTransId="{2ED12CFF-5B54-46B4-B113-5D2EAE229BCE}" sibTransId="{ED9984DF-0163-45B5-9EDD-95EABE3D0FFA}"/>
-    <dgm:cxn modelId="{7C18E331-650F-4E54-96A0-9994652A6E18}" type="presOf" srcId="{6BEEEA46-E27E-44F3-A3EA-4585021FBFF9}" destId="{88E75E72-AA14-4481-8840-DFD5EF2C0D6C}" srcOrd="0" destOrd="0" presId="urn:microsoft.com/office/officeart/2005/8/layout/process4"/>
-    <dgm:cxn modelId="{E0B8E54A-EBA7-4EEA-BF01-E2414D2F89CB}" type="presOf" srcId="{1E0CA29D-9399-4D88-B931-53640894DACA}" destId="{B3AE79A5-4341-4DD7-8216-ECBC9C528BD1}" srcOrd="0" destOrd="0" presId="urn:microsoft.com/office/officeart/2005/8/layout/process4"/>
-    <dgm:cxn modelId="{8C495A71-AEFC-4116-84BB-4AAE726A2E67}" type="presOf" srcId="{54C605E6-D99F-4B07-AF61-492E5AEB7EBC}" destId="{20A5544F-F7CA-4A17-A4C0-1EBAE0A5050C}" srcOrd="0" destOrd="0" presId="urn:microsoft.com/office/officeart/2005/8/layout/process4"/>
-    <dgm:cxn modelId="{7CADD925-E589-4E96-AC24-2F95B3A68CA8}" type="presOf" srcId="{E947A4B8-7938-4322-AED1-1A41D1347B66}" destId="{BBDAF390-725F-4269-A40B-34C18BB3AFFC}" srcOrd="0" destOrd="0" presId="urn:microsoft.com/office/officeart/2005/8/layout/process4"/>
-    <dgm:cxn modelId="{D750B782-AAAA-4ED6-9F63-52543D8BDDC0}" type="presOf" srcId="{3845991D-A732-46C7-A6D5-AE3BCF7F68A9}" destId="{D41FF3EB-7790-4A25-84E3-F88A5D9CF464}" srcOrd="0" destOrd="0" presId="urn:microsoft.com/office/officeart/2005/8/layout/process4"/>
-    <dgm:cxn modelId="{2016E77B-28A4-4592-A5D4-41A1774CFD31}" type="presOf" srcId="{68B53E48-986C-41BA-B23A-346AD8398B0A}" destId="{60416D04-39CC-4776-A889-E2362D7EA31D}" srcOrd="1" destOrd="0" presId="urn:microsoft.com/office/officeart/2005/8/layout/process4"/>
-    <dgm:cxn modelId="{A2CBF566-91C1-4BCA-8327-85DEB8ABE877}" srcId="{35F5A152-1DA0-4E5A-92AA-3F960FCAE983}" destId="{6BEEEA46-E27E-44F3-A3EA-4585021FBFF9}" srcOrd="1" destOrd="0" parTransId="{F9F1631B-7C16-4C8D-B1F2-35A4AF7D2A05}" sibTransId="{3E5D706A-5DF2-42F3-B81B-302844EF6A41}"/>
-    <dgm:cxn modelId="{584BE5D9-1D0C-49B0-AF8D-9B061FDA2C83}" srcId="{68B53E48-986C-41BA-B23A-346AD8398B0A}" destId="{E947A4B8-7938-4322-AED1-1A41D1347B66}" srcOrd="2" destOrd="0" parTransId="{2DA1A87F-9A06-48BB-B07F-1C981830C7EE}" sibTransId="{EA5DF763-9EE2-4DFC-A772-1C34ED7062E6}"/>
-    <dgm:cxn modelId="{7A0AD4A6-B93F-42FC-9535-364C45340A06}" srcId="{35F5A152-1DA0-4E5A-92AA-3F960FCAE983}" destId="{1E0CA29D-9399-4D88-B931-53640894DACA}" srcOrd="2" destOrd="0" parTransId="{1827A123-CD38-4807-A315-08A08588F1F8}" sibTransId="{40AD8C4F-7A14-4290-A23B-47300D7A3976}"/>
-    <dgm:cxn modelId="{12B35BAE-D3B0-4741-9788-1B1D4DB566A7}" type="presOf" srcId="{7B06B76E-B0CA-4321-9239-AD72C2C4C742}" destId="{C073383B-0A00-42A3-9829-F4F71E2A2DB8}" srcOrd="0" destOrd="0" presId="urn:microsoft.com/office/officeart/2005/8/layout/process4"/>
-    <dgm:cxn modelId="{3C5B84D9-E734-4E6D-AD8E-E42B0D5C6766}" srcId="{B342B404-18AA-413C-945D-CD72F2C93D08}" destId="{3845991D-A732-46C7-A6D5-AE3BCF7F68A9}" srcOrd="1" destOrd="0" parTransId="{46D759DB-1C0E-4346-9AAC-2448A6307E2C}" sibTransId="{43E4DD5A-FA60-4AFD-8BFF-1AFA1CC50183}"/>
-    <dgm:cxn modelId="{928CA4EE-2A4F-4CB7-B8E3-AC9FE3E8C401}" type="presOf" srcId="{3E3BEF03-2DBC-4943-B1E2-F24F98CDDB48}" destId="{1127738B-00CC-49E2-9424-AFF2BC6B8BFE}" srcOrd="0" destOrd="0" presId="urn:microsoft.com/office/officeart/2005/8/layout/process4"/>
-    <dgm:cxn modelId="{C90973BC-9B0D-48C3-BC81-3E71DF392828}" type="presOf" srcId="{35F5A152-1DA0-4E5A-92AA-3F960FCAE983}" destId="{5B51244A-DD67-4296-A7B9-556F22B84B51}" srcOrd="0" destOrd="0" presId="urn:microsoft.com/office/officeart/2005/8/layout/process4"/>
-    <dgm:cxn modelId="{CF089FE1-70BE-4880-8C9B-8F5E390358A9}" srcId="{B342B404-18AA-413C-945D-CD72F2C93D08}" destId="{68B53E48-986C-41BA-B23A-346AD8398B0A}" srcOrd="2" destOrd="0" parTransId="{61C6A4BF-E27B-4E77-BEA8-B159C48E3B0F}" sibTransId="{872D67D0-0A1C-4A82-B309-9BB8670020D5}"/>
-    <dgm:cxn modelId="{B050CE90-99B4-4954-A1D4-E1D39F7AF9E2}" srcId="{B342B404-18AA-413C-945D-CD72F2C93D08}" destId="{35F5A152-1DA0-4E5A-92AA-3F960FCAE983}" srcOrd="0" destOrd="0" parTransId="{3234329C-751F-49C4-B6AF-D1108D5E82D1}" sibTransId="{B35863D0-EE01-4DCE-A092-BCF50F2E3D94}"/>
-    <dgm:cxn modelId="{FB71849C-60B4-4496-BA38-F233DB4AA1DB}" type="presParOf" srcId="{AF698AA4-1516-4993-8603-32221BD03F0E}" destId="{7450B4AE-7EE0-4865-9B41-177050A479AD}" srcOrd="0" destOrd="0" presId="urn:microsoft.com/office/officeart/2005/8/layout/process4"/>
-    <dgm:cxn modelId="{544FB581-DCBD-4B6F-AC30-E66EE329E8C3}" type="presParOf" srcId="{7450B4AE-7EE0-4865-9B41-177050A479AD}" destId="{8A9EE0B1-FECF-45E2-A1AD-E15FF30DA4D7}" srcOrd="0" destOrd="0" presId="urn:microsoft.com/office/officeart/2005/8/layout/process4"/>
-    <dgm:cxn modelId="{BB68FBD9-C40D-41E3-BB7A-801DBA5283D2}" type="presParOf" srcId="{7450B4AE-7EE0-4865-9B41-177050A479AD}" destId="{60416D04-39CC-4776-A889-E2362D7EA31D}" srcOrd="1" destOrd="0" presId="urn:microsoft.com/office/officeart/2005/8/layout/process4"/>
-    <dgm:cxn modelId="{09D321D7-192F-4620-AB3B-BD45DF715564}" type="presParOf" srcId="{7450B4AE-7EE0-4865-9B41-177050A479AD}" destId="{0728668A-FC17-44CA-9939-0521539E0558}" srcOrd="2" destOrd="0" presId="urn:microsoft.com/office/officeart/2005/8/layout/process4"/>
-    <dgm:cxn modelId="{CA6464A9-349B-4828-B8DE-DD25C05DD6E7}" type="presParOf" srcId="{0728668A-FC17-44CA-9939-0521539E0558}" destId="{1127738B-00CC-49E2-9424-AFF2BC6B8BFE}" srcOrd="0" destOrd="0" presId="urn:microsoft.com/office/officeart/2005/8/layout/process4"/>
-    <dgm:cxn modelId="{56BE5D97-B101-4BCC-8568-3B5FD6E6E12E}" type="presParOf" srcId="{0728668A-FC17-44CA-9939-0521539E0558}" destId="{20A5544F-F7CA-4A17-A4C0-1EBAE0A5050C}" srcOrd="1" destOrd="0" presId="urn:microsoft.com/office/officeart/2005/8/layout/process4"/>
-    <dgm:cxn modelId="{0429C206-3663-4BB0-81B6-45E68DDAB673}" type="presParOf" srcId="{0728668A-FC17-44CA-9939-0521539E0558}" destId="{BBDAF390-725F-4269-A40B-34C18BB3AFFC}" srcOrd="2" destOrd="0" presId="urn:microsoft.com/office/officeart/2005/8/layout/process4"/>
-    <dgm:cxn modelId="{295CB0DD-592D-48A5-8636-520D6A9D3A81}" type="presParOf" srcId="{AF698AA4-1516-4993-8603-32221BD03F0E}" destId="{135054A9-8944-4A70-80C0-73F080B097A8}" srcOrd="1" destOrd="0" presId="urn:microsoft.com/office/officeart/2005/8/layout/process4"/>
-    <dgm:cxn modelId="{D90EB31A-79D5-4DAC-91AC-5909AC68F016}" type="presParOf" srcId="{AF698AA4-1516-4993-8603-32221BD03F0E}" destId="{E5C60BBC-E031-4211-BBC2-09C78C6B321F}" srcOrd="2" destOrd="0" presId="urn:microsoft.com/office/officeart/2005/8/layout/process4"/>
-    <dgm:cxn modelId="{B7399814-BC9D-4146-BAF3-EF0EFF0AB62C}" type="presParOf" srcId="{E5C60BBC-E031-4211-BBC2-09C78C6B321F}" destId="{D41FF3EB-7790-4A25-84E3-F88A5D9CF464}" srcOrd="0" destOrd="0" presId="urn:microsoft.com/office/officeart/2005/8/layout/process4"/>
-    <dgm:cxn modelId="{D780AD8F-3EA5-4E9C-8873-C622834DA19B}" type="presParOf" srcId="{E5C60BBC-E031-4211-BBC2-09C78C6B321F}" destId="{1EA30F96-72A7-4796-9932-46B98EEA3F23}" srcOrd="1" destOrd="0" presId="urn:microsoft.com/office/officeart/2005/8/layout/process4"/>
-    <dgm:cxn modelId="{2DA45281-EBA9-4114-8208-F20B66FC5547}" type="presParOf" srcId="{E5C60BBC-E031-4211-BBC2-09C78C6B321F}" destId="{FCD856B6-4340-4092-BE22-A3FC906EEAAC}" srcOrd="2" destOrd="0" presId="urn:microsoft.com/office/officeart/2005/8/layout/process4"/>
-    <dgm:cxn modelId="{4D6037A9-DAFE-4506-ACE6-305AFC1BF56C}" type="presParOf" srcId="{FCD856B6-4340-4092-BE22-A3FC906EEAAC}" destId="{C073383B-0A00-42A3-9829-F4F71E2A2DB8}" srcOrd="0" destOrd="0" presId="urn:microsoft.com/office/officeart/2005/8/layout/process4"/>
+    <dgm:cxn modelId="{D04823E6-D8F9-4F93-AA0B-E6C7D19C2302}" type="presOf" srcId="{61A8E10D-791A-4CA9-8CBA-A6DDF02543A0}" destId="{692BEB03-3759-431D-93BC-64EECF1A1C02}" srcOrd="0" destOrd="0" presId="urn:microsoft.com/office/officeart/2005/8/layout/process4"/>
+    <dgm:cxn modelId="{B2FCA0CF-583F-4444-85F0-6E2E27A523B9}" type="presParOf" srcId="{AF698AA4-1516-4993-8603-32221BD03F0E}" destId="{C03038F1-5918-4218-A290-CBB3326FD276}" srcOrd="0" destOrd="0" presId="urn:microsoft.com/office/officeart/2005/8/layout/process4"/>
+    <dgm:cxn modelId="{98BF2F91-8D17-4A42-8127-E2FFEC4A5AFB}" type="presParOf" srcId="{C03038F1-5918-4218-A290-CBB3326FD276}" destId="{FDB4EE9D-188A-4B47-AA46-ABE2CA293794}" srcOrd="0" destOrd="0" presId="urn:microsoft.com/office/officeart/2005/8/layout/process4"/>
+    <dgm:cxn modelId="{D8D92AC8-C6D7-49A0-BCA5-6F0F7C62738F}" type="presParOf" srcId="{C03038F1-5918-4218-A290-CBB3326FD276}" destId="{9E70562A-F13D-42F4-8050-96D24105809C}" srcOrd="1" destOrd="0" presId="urn:microsoft.com/office/officeart/2005/8/layout/process4"/>
+    <dgm:cxn modelId="{4005689D-535C-4E4F-9B0E-257269F3EA14}" type="presParOf" srcId="{C03038F1-5918-4218-A290-CBB3326FD276}" destId="{FBDAC2C5-CC8F-4BF5-B2C1-94F28B0004EB}" srcOrd="2" destOrd="0" presId="urn:microsoft.com/office/officeart/2005/8/layout/process4"/>
+    <dgm:cxn modelId="{D6ED0C26-1605-49E5-A82A-43EBD5FAD05C}" type="presParOf" srcId="{FBDAC2C5-CC8F-4BF5-B2C1-94F28B0004EB}" destId="{D4D18F93-F3FF-472B-808B-F738300C98EA}" srcOrd="0" destOrd="0" presId="urn:microsoft.com/office/officeart/2005/8/layout/process4"/>
+    <dgm:cxn modelId="{0E36916A-CF00-4BBC-8D9E-38AE9F74DD44}" type="presParOf" srcId="{AF698AA4-1516-4993-8603-32221BD03F0E}" destId="{E953CDD8-9037-4375-804D-6ED5AA9A4037}" srcOrd="1" destOrd="0" presId="urn:microsoft.com/office/officeart/2005/8/layout/process4"/>
+    <dgm:cxn modelId="{2F3255B3-B446-4C5C-8372-719F045875C6}" type="presParOf" srcId="{AF698AA4-1516-4993-8603-32221BD03F0E}" destId="{E9D4FC14-FB18-4BEF-B305-280F48092CFC}" srcOrd="2" destOrd="0" presId="urn:microsoft.com/office/officeart/2005/8/layout/process4"/>
+    <dgm:cxn modelId="{4B59E901-46BB-49DD-8C38-84FAA2A6246B}" type="presParOf" srcId="{E9D4FC14-FB18-4BEF-B305-280F48092CFC}" destId="{8C811947-4286-4464-A15A-F5FEAF19A5E9}" srcOrd="0" destOrd="0" presId="urn:microsoft.com/office/officeart/2005/8/layout/process4"/>
+    <dgm:cxn modelId="{E36A9B6B-FDE0-434A-B563-9D5DD9AAFD22}" type="presParOf" srcId="{E9D4FC14-FB18-4BEF-B305-280F48092CFC}" destId="{3A5FC3A6-1721-40CB-B916-DBB666EAF37C}" srcOrd="1" destOrd="0" presId="urn:microsoft.com/office/officeart/2005/8/layout/process4"/>
+    <dgm:cxn modelId="{960E6658-205C-420A-9685-2AC9A2CE8E85}" type="presParOf" srcId="{E9D4FC14-FB18-4BEF-B305-280F48092CFC}" destId="{987CF98D-2768-47B0-9D68-42A7B0AAD355}" srcOrd="2" destOrd="0" presId="urn:microsoft.com/office/officeart/2005/8/layout/process4"/>
+    <dgm:cxn modelId="{85DBB3BB-1BA3-4B52-B7CF-0DFBF8C6E274}" type="presParOf" srcId="{987CF98D-2768-47B0-9D68-42A7B0AAD355}" destId="{96864C29-9564-4224-AB70-BA716932F1EE}" srcOrd="0" destOrd="0" presId="urn:microsoft.com/office/officeart/2005/8/layout/process4"/>
+    <dgm:cxn modelId="{C832BB0B-1E36-4843-A2D7-7DA7BC577BAD}" type="presParOf" srcId="{987CF98D-2768-47B0-9D68-42A7B0AAD355}" destId="{760481B2-F331-4078-A3A8-DD69B914C50E}" srcOrd="1" destOrd="0" presId="urn:microsoft.com/office/officeart/2005/8/layout/process4"/>
+    <dgm:cxn modelId="{5388F341-E502-4D5B-AA81-D75D8D7AFFCB}" type="presParOf" srcId="{987CF98D-2768-47B0-9D68-42A7B0AAD355}" destId="{692BEB03-3759-431D-93BC-64EECF1A1C02}" srcOrd="2" destOrd="0" presId="urn:microsoft.com/office/officeart/2005/8/layout/process4"/>
     <dgm:cxn modelId="{54015799-62D0-40C1-BF73-824FBB65804A}" type="presParOf" srcId="{AF698AA4-1516-4993-8603-32221BD03F0E}" destId="{7C2FD7CC-BDE1-45B5-8FED-DAF35B954226}" srcOrd="3" destOrd="0" presId="urn:microsoft.com/office/officeart/2005/8/layout/process4"/>
     <dgm:cxn modelId="{A726D99A-B406-4579-B645-4D8DE9D7F44A}" type="presParOf" srcId="{AF698AA4-1516-4993-8603-32221BD03F0E}" destId="{86E72A78-EA70-4963-A127-20D0B7B22874}" srcOrd="4" destOrd="0" presId="urn:microsoft.com/office/officeart/2005/8/layout/process4"/>
     <dgm:cxn modelId="{C07F2F8B-A093-4369-92FE-CBFE346A02E0}" type="presParOf" srcId="{86E72A78-EA70-4963-A127-20D0B7B22874}" destId="{5B51244A-DD67-4296-A7B9-556F22B84B51}" srcOrd="0" destOrd="0" presId="urn:microsoft.com/office/officeart/2005/8/layout/process4"/>
@@ -16183,14 +16090,14 @@
       <dsp:cNvGrpSpPr/>
     </dsp:nvGrpSpPr>
     <dsp:grpSpPr/>
-    <dsp:sp modelId="{60416D04-39CC-4776-A889-E2362D7EA31D}">
+    <dsp:sp modelId="{9E70562A-F13D-42F4-8050-96D24105809C}">
       <dsp:nvSpPr>
         <dsp:cNvPr id="0" name=""/>
         <dsp:cNvSpPr/>
       </dsp:nvSpPr>
       <dsp:spPr>
         <a:xfrm>
-          <a:off x="0" y="3232025"/>
+          <a:off x="0" y="3231266"/>
           <a:ext cx="9961880" cy="1060573"/>
         </a:xfrm>
         <a:prstGeom prst="rect">
@@ -16278,30 +16185,26 @@
             </a:spcAft>
           </a:pPr>
           <a:r>
-            <a:rPr lang="it-IT" sz="2000" kern="1200" dirty="0" err="1" smtClean="0"/>
-            <a:t>PhantomJS</a:t>
-          </a:r>
-          <a:r>
             <a:rPr lang="it-IT" sz="2000" kern="1200" dirty="0" smtClean="0"/>
-            <a:t>’ Driver</a:t>
+            <a:t>Web Browser</a:t>
           </a:r>
           <a:endParaRPr lang="it-IT" sz="2000" kern="1200" dirty="0"/>
         </a:p>
       </dsp:txBody>
       <dsp:txXfrm>
-        <a:off x="0" y="3232025"/>
+        <a:off x="0" y="3231266"/>
         <a:ext cx="9961880" cy="572709"/>
       </dsp:txXfrm>
     </dsp:sp>
-    <dsp:sp modelId="{1127738B-00CC-49E2-9424-AFF2BC6B8BFE}">
+    <dsp:sp modelId="{D4D18F93-F3FF-472B-808B-F738300C98EA}">
       <dsp:nvSpPr>
         <dsp:cNvPr id="0" name=""/>
         <dsp:cNvSpPr/>
       </dsp:nvSpPr>
       <dsp:spPr>
         <a:xfrm>
-          <a:off x="4864" y="3782764"/>
-          <a:ext cx="3317383" cy="487863"/>
+          <a:off x="0" y="3782764"/>
+          <a:ext cx="9961880" cy="487863"/>
         </a:xfrm>
         <a:prstGeom prst="rect">
           <a:avLst/>
@@ -16318,80 +16221,11 @@
         </a:solidFill>
         <a:ln w="38100" cap="flat" cmpd="sng" algn="ctr">
           <a:solidFill>
-            <a:srgbClr val="B23333"/>
-          </a:solidFill>
-          <a:prstDash val="solid"/>
-          <a:miter lim="800000"/>
-        </a:ln>
-        <a:effectLst/>
-      </dsp:spPr>
-      <dsp:style>
-        <a:lnRef idx="1">
-          <a:scrgbClr r="0" g="0" b="0"/>
-        </a:lnRef>
-        <a:fillRef idx="1">
-          <a:scrgbClr r="0" g="0" b="0"/>
-        </a:fillRef>
-        <a:effectRef idx="0">
-          <a:scrgbClr r="0" g="0" b="0"/>
-        </a:effectRef>
-        <a:fontRef idx="minor"/>
-      </dsp:style>
-      <dsp:txBody>
-        <a:bodyPr spcFirstLastPara="0" vert="horz" wrap="square" lIns="206248" tIns="36830" rIns="206248" bIns="36830" numCol="1" spcCol="1270" anchor="ctr" anchorCtr="0">
-          <a:noAutofit/>
-        </a:bodyPr>
-        <a:lstStyle/>
-        <a:p>
-          <a:pPr lvl="0" algn="ctr" defTabSz="1289050">
-            <a:lnSpc>
-              <a:spcPct val="90000"/>
-            </a:lnSpc>
-            <a:spcBef>
-              <a:spcPct val="0"/>
-            </a:spcBef>
-            <a:spcAft>
-              <a:spcPct val="35000"/>
-            </a:spcAft>
-          </a:pPr>
-          <a:r>
-            <a:rPr lang="it-IT" sz="2900" kern="1200" dirty="0" smtClean="0"/>
-            <a:t>Poltergeist</a:t>
-          </a:r>
-          <a:endParaRPr lang="it-IT" sz="2900" kern="1200" dirty="0"/>
-        </a:p>
-      </dsp:txBody>
-      <dsp:txXfrm>
-        <a:off x="4864" y="3782764"/>
-        <a:ext cx="3317383" cy="487863"/>
-      </dsp:txXfrm>
-    </dsp:sp>
-    <dsp:sp modelId="{20A5544F-F7CA-4A17-A4C0-1EBAE0A5050C}">
-      <dsp:nvSpPr>
-        <dsp:cNvPr id="0" name=""/>
-        <dsp:cNvSpPr/>
-      </dsp:nvSpPr>
-      <dsp:spPr>
-        <a:xfrm>
-          <a:off x="3322248" y="3782764"/>
-          <a:ext cx="3317383" cy="487863"/>
-        </a:xfrm>
-        <a:prstGeom prst="rect">
-          <a:avLst/>
-        </a:prstGeom>
-        <a:solidFill>
-          <a:schemeClr val="lt1">
-            <a:alpha val="90000"/>
-            <a:tint val="40000"/>
-            <a:hueOff val="0"/>
-            <a:satOff val="0"/>
-            <a:lumOff val="0"/>
-            <a:alphaOff val="0"/>
-          </a:schemeClr>
-        </a:solidFill>
-        <a:ln w="38100" cap="flat" cmpd="sng" algn="ctr">
-          <a:solidFill>
-            <a:srgbClr val="4FA226"/>
+            <a:schemeClr val="tx1">
+              <a:lumMod val="65000"/>
+              <a:lumOff val="35000"/>
+              <a:alpha val="90000"/>
+            </a:schemeClr>
           </a:solidFill>
           <a:prstDash val="solid"/>
           <a:miter lim="800000"/>
@@ -16429,94 +16263,17 @@
           </a:pPr>
           <a:r>
             <a:rPr lang="it-IT" sz="2900" kern="1200" dirty="0" err="1" smtClean="0"/>
-            <a:t>Ghost</a:t>
-          </a:r>
-          <a:r>
-            <a:rPr lang="it-IT" sz="2900" kern="1200" dirty="0" smtClean="0"/>
-            <a:t> Driver</a:t>
+            <a:t>PhantomJS</a:t>
           </a:r>
           <a:endParaRPr lang="it-IT" sz="2900" kern="1200" dirty="0"/>
         </a:p>
       </dsp:txBody>
       <dsp:txXfrm>
-        <a:off x="3322248" y="3782764"/>
-        <a:ext cx="3317383" cy="487863"/>
+        <a:off x="0" y="3782764"/>
+        <a:ext cx="9961880" cy="487863"/>
       </dsp:txXfrm>
     </dsp:sp>
-    <dsp:sp modelId="{BBDAF390-725F-4269-A40B-34C18BB3AFFC}">
-      <dsp:nvSpPr>
-        <dsp:cNvPr id="0" name=""/>
-        <dsp:cNvSpPr/>
-      </dsp:nvSpPr>
-      <dsp:spPr>
-        <a:xfrm>
-          <a:off x="6639631" y="3782764"/>
-          <a:ext cx="3317383" cy="487863"/>
-        </a:xfrm>
-        <a:prstGeom prst="rect">
-          <a:avLst/>
-        </a:prstGeom>
-        <a:solidFill>
-          <a:schemeClr val="lt1">
-            <a:alpha val="90000"/>
-            <a:tint val="40000"/>
-            <a:hueOff val="0"/>
-            <a:satOff val="0"/>
-            <a:lumOff val="0"/>
-            <a:alphaOff val="0"/>
-          </a:schemeClr>
-        </a:solidFill>
-        <a:ln w="38100" cap="flat" cmpd="sng" algn="ctr">
-          <a:solidFill>
-            <a:srgbClr val="006BAB"/>
-          </a:solidFill>
-          <a:prstDash val="solid"/>
-          <a:miter lim="800000"/>
-        </a:ln>
-        <a:effectLst/>
-      </dsp:spPr>
-      <dsp:style>
-        <a:lnRef idx="1">
-          <a:scrgbClr r="0" g="0" b="0"/>
-        </a:lnRef>
-        <a:fillRef idx="1">
-          <a:scrgbClr r="0" g="0" b="0"/>
-        </a:fillRef>
-        <a:effectRef idx="0">
-          <a:scrgbClr r="0" g="0" b="0"/>
-        </a:effectRef>
-        <a:fontRef idx="minor"/>
-      </dsp:style>
-      <dsp:txBody>
-        <a:bodyPr spcFirstLastPara="0" vert="horz" wrap="square" lIns="206248" tIns="36830" rIns="206248" bIns="36830" numCol="1" spcCol="1270" anchor="ctr" anchorCtr="0">
-          <a:noAutofit/>
-        </a:bodyPr>
-        <a:lstStyle/>
-        <a:p>
-          <a:pPr lvl="0" algn="ctr" defTabSz="1289050">
-            <a:lnSpc>
-              <a:spcPct val="90000"/>
-            </a:lnSpc>
-            <a:spcBef>
-              <a:spcPct val="0"/>
-            </a:spcBef>
-            <a:spcAft>
-              <a:spcPct val="35000"/>
-            </a:spcAft>
-          </a:pPr>
-          <a:r>
-            <a:rPr lang="it-IT" sz="2900" kern="1200" dirty="0" smtClean="0"/>
-            <a:t>Nativo</a:t>
-          </a:r>
-          <a:endParaRPr lang="it-IT" sz="2900" kern="1200" dirty="0"/>
-        </a:p>
-      </dsp:txBody>
-      <dsp:txXfrm>
-        <a:off x="6639631" y="3782764"/>
-        <a:ext cx="3317383" cy="487863"/>
-      </dsp:txXfrm>
-    </dsp:sp>
-    <dsp:sp modelId="{1EA30F96-72A7-4796-9932-46B98EEA3F23}">
+    <dsp:sp modelId="{3A5FC3A6-1721-40CB-B916-DBB666EAF37C}">
       <dsp:nvSpPr>
         <dsp:cNvPr id="0" name=""/>
         <dsp:cNvSpPr/>
@@ -16611,10 +16368,35 @@
             </a:spcAft>
           </a:pPr>
           <a:r>
-            <a:rPr lang="it-IT" sz="2000" kern="1200" dirty="0" smtClean="0"/>
-            <a:t>Web Browser</a:t>
+            <a:rPr lang="it-IT" sz="2000" kern="1200" dirty="0" err="1" smtClean="0">
+              <a:solidFill>
+                <a:schemeClr val="tx1">
+                  <a:lumMod val="50000"/>
+                  <a:lumOff val="50000"/>
+                </a:schemeClr>
+              </a:solidFill>
+            </a:rPr>
+            <a:t>PhantomJS</a:t>
           </a:r>
-          <a:endParaRPr lang="it-IT" sz="2000" kern="1200" dirty="0"/>
+          <a:r>
+            <a:rPr lang="it-IT" sz="2000" kern="1200" dirty="0" smtClean="0">
+              <a:solidFill>
+                <a:schemeClr val="tx1">
+                  <a:lumMod val="50000"/>
+                  <a:lumOff val="50000"/>
+                </a:schemeClr>
+              </a:solidFill>
+            </a:rPr>
+            <a:t>’ Driver</a:t>
+          </a:r>
+          <a:endParaRPr lang="it-IT" sz="2000" kern="1200" dirty="0">
+            <a:solidFill>
+              <a:schemeClr val="tx1">
+                <a:lumMod val="50000"/>
+                <a:lumOff val="50000"/>
+              </a:schemeClr>
+            </a:solidFill>
+          </a:endParaRPr>
         </a:p>
       </dsp:txBody>
       <dsp:txXfrm rot="-10800000">
@@ -16622,15 +16404,15 @@
         <a:ext cx="9961880" cy="572538"/>
       </dsp:txXfrm>
     </dsp:sp>
-    <dsp:sp modelId="{C073383B-0A00-42A3-9829-F4F71E2A2DB8}">
+    <dsp:sp modelId="{96864C29-9564-4224-AB70-BA716932F1EE}">
       <dsp:nvSpPr>
         <dsp:cNvPr id="0" name=""/>
         <dsp:cNvSpPr/>
       </dsp:nvSpPr>
       <dsp:spPr>
         <a:xfrm>
-          <a:off x="0" y="2188550"/>
-          <a:ext cx="9961880" cy="487717"/>
+          <a:off x="4864" y="2188550"/>
+          <a:ext cx="3317383" cy="487717"/>
         </a:xfrm>
         <a:prstGeom prst="rect">
           <a:avLst/>
@@ -16647,11 +16429,7 @@
         </a:solidFill>
         <a:ln w="38100" cap="flat" cmpd="sng" algn="ctr">
           <a:solidFill>
-            <a:schemeClr val="tx1">
-              <a:lumMod val="65000"/>
-              <a:lumOff val="35000"/>
-              <a:alpha val="90000"/>
-            </a:schemeClr>
+            <a:srgbClr val="B23333"/>
           </a:solidFill>
           <a:prstDash val="solid"/>
           <a:miter lim="800000"/>
@@ -16688,15 +16466,214 @@
             </a:spcAft>
           </a:pPr>
           <a:r>
-            <a:rPr lang="it-IT" sz="2900" kern="1200" dirty="0" err="1" smtClean="0"/>
-            <a:t>PhantomJS</a:t>
+            <a:rPr lang="it-IT" sz="2900" kern="1200" dirty="0" smtClean="0">
+              <a:solidFill>
+                <a:schemeClr val="tx1">
+                  <a:lumMod val="50000"/>
+                  <a:lumOff val="50000"/>
+                </a:schemeClr>
+              </a:solidFill>
+            </a:rPr>
+            <a:t>Poltergeist</a:t>
           </a:r>
-          <a:endParaRPr lang="it-IT" sz="2900" kern="1200" dirty="0"/>
+          <a:endParaRPr lang="it-IT" sz="2900" kern="1200" dirty="0">
+            <a:solidFill>
+              <a:schemeClr val="tx1">
+                <a:lumMod val="50000"/>
+                <a:lumOff val="50000"/>
+              </a:schemeClr>
+            </a:solidFill>
+          </a:endParaRPr>
         </a:p>
       </dsp:txBody>
       <dsp:txXfrm>
-        <a:off x="0" y="2188550"/>
-        <a:ext cx="9961880" cy="487717"/>
+        <a:off x="4864" y="2188550"/>
+        <a:ext cx="3317383" cy="487717"/>
+      </dsp:txXfrm>
+    </dsp:sp>
+    <dsp:sp modelId="{760481B2-F331-4078-A3A8-DD69B914C50E}">
+      <dsp:nvSpPr>
+        <dsp:cNvPr id="0" name=""/>
+        <dsp:cNvSpPr/>
+      </dsp:nvSpPr>
+      <dsp:spPr>
+        <a:xfrm>
+          <a:off x="3322248" y="2188550"/>
+          <a:ext cx="3317383" cy="487717"/>
+        </a:xfrm>
+        <a:prstGeom prst="rect">
+          <a:avLst/>
+        </a:prstGeom>
+        <a:solidFill>
+          <a:schemeClr val="lt1">
+            <a:alpha val="90000"/>
+            <a:tint val="40000"/>
+            <a:hueOff val="0"/>
+            <a:satOff val="0"/>
+            <a:lumOff val="0"/>
+            <a:alphaOff val="0"/>
+          </a:schemeClr>
+        </a:solidFill>
+        <a:ln w="38100" cap="flat" cmpd="sng" algn="ctr">
+          <a:solidFill>
+            <a:srgbClr val="4FA226"/>
+          </a:solidFill>
+          <a:prstDash val="solid"/>
+          <a:miter lim="800000"/>
+        </a:ln>
+        <a:effectLst/>
+      </dsp:spPr>
+      <dsp:style>
+        <a:lnRef idx="1">
+          <a:scrgbClr r="0" g="0" b="0"/>
+        </a:lnRef>
+        <a:fillRef idx="1">
+          <a:scrgbClr r="0" g="0" b="0"/>
+        </a:fillRef>
+        <a:effectRef idx="0">
+          <a:scrgbClr r="0" g="0" b="0"/>
+        </a:effectRef>
+        <a:fontRef idx="minor"/>
+      </dsp:style>
+      <dsp:txBody>
+        <a:bodyPr spcFirstLastPara="0" vert="horz" wrap="square" lIns="206248" tIns="36830" rIns="206248" bIns="36830" numCol="1" spcCol="1270" anchor="ctr" anchorCtr="0">
+          <a:noAutofit/>
+        </a:bodyPr>
+        <a:lstStyle/>
+        <a:p>
+          <a:pPr lvl="0" algn="ctr" defTabSz="1289050">
+            <a:lnSpc>
+              <a:spcPct val="90000"/>
+            </a:lnSpc>
+            <a:spcBef>
+              <a:spcPct val="0"/>
+            </a:spcBef>
+            <a:spcAft>
+              <a:spcPct val="35000"/>
+            </a:spcAft>
+          </a:pPr>
+          <a:r>
+            <a:rPr lang="it-IT" sz="2900" kern="1200" dirty="0" err="1" smtClean="0">
+              <a:solidFill>
+                <a:schemeClr val="tx1">
+                  <a:lumMod val="50000"/>
+                  <a:lumOff val="50000"/>
+                </a:schemeClr>
+              </a:solidFill>
+            </a:rPr>
+            <a:t>Ghost</a:t>
+          </a:r>
+          <a:r>
+            <a:rPr lang="it-IT" sz="2900" kern="1200" dirty="0" smtClean="0">
+              <a:solidFill>
+                <a:schemeClr val="tx1">
+                  <a:lumMod val="50000"/>
+                  <a:lumOff val="50000"/>
+                </a:schemeClr>
+              </a:solidFill>
+            </a:rPr>
+            <a:t> Driver</a:t>
+          </a:r>
+          <a:endParaRPr lang="it-IT" sz="2900" kern="1200" dirty="0">
+            <a:solidFill>
+              <a:schemeClr val="tx1">
+                <a:lumMod val="50000"/>
+                <a:lumOff val="50000"/>
+              </a:schemeClr>
+            </a:solidFill>
+          </a:endParaRPr>
+        </a:p>
+      </dsp:txBody>
+      <dsp:txXfrm>
+        <a:off x="3322248" y="2188550"/>
+        <a:ext cx="3317383" cy="487717"/>
+      </dsp:txXfrm>
+    </dsp:sp>
+    <dsp:sp modelId="{692BEB03-3759-431D-93BC-64EECF1A1C02}">
+      <dsp:nvSpPr>
+        <dsp:cNvPr id="0" name=""/>
+        <dsp:cNvSpPr/>
+      </dsp:nvSpPr>
+      <dsp:spPr>
+        <a:xfrm>
+          <a:off x="6639631" y="2188550"/>
+          <a:ext cx="3317383" cy="487717"/>
+        </a:xfrm>
+        <a:prstGeom prst="rect">
+          <a:avLst/>
+        </a:prstGeom>
+        <a:solidFill>
+          <a:schemeClr val="lt1">
+            <a:alpha val="90000"/>
+            <a:tint val="40000"/>
+            <a:hueOff val="0"/>
+            <a:satOff val="0"/>
+            <a:lumOff val="0"/>
+            <a:alphaOff val="0"/>
+          </a:schemeClr>
+        </a:solidFill>
+        <a:ln w="38100" cap="flat" cmpd="sng" algn="ctr">
+          <a:solidFill>
+            <a:srgbClr val="006BAB"/>
+          </a:solidFill>
+          <a:prstDash val="solid"/>
+          <a:miter lim="800000"/>
+        </a:ln>
+        <a:effectLst/>
+      </dsp:spPr>
+      <dsp:style>
+        <a:lnRef idx="1">
+          <a:scrgbClr r="0" g="0" b="0"/>
+        </a:lnRef>
+        <a:fillRef idx="1">
+          <a:scrgbClr r="0" g="0" b="0"/>
+        </a:fillRef>
+        <a:effectRef idx="0">
+          <a:scrgbClr r="0" g="0" b="0"/>
+        </a:effectRef>
+        <a:fontRef idx="minor"/>
+      </dsp:style>
+      <dsp:txBody>
+        <a:bodyPr spcFirstLastPara="0" vert="horz" wrap="square" lIns="206248" tIns="36830" rIns="206248" bIns="36830" numCol="1" spcCol="1270" anchor="ctr" anchorCtr="0">
+          <a:noAutofit/>
+        </a:bodyPr>
+        <a:lstStyle/>
+        <a:p>
+          <a:pPr lvl="0" algn="ctr" defTabSz="1289050">
+            <a:lnSpc>
+              <a:spcPct val="90000"/>
+            </a:lnSpc>
+            <a:spcBef>
+              <a:spcPct val="0"/>
+            </a:spcBef>
+            <a:spcAft>
+              <a:spcPct val="35000"/>
+            </a:spcAft>
+          </a:pPr>
+          <a:r>
+            <a:rPr lang="it-IT" sz="2900" kern="1200" dirty="0" smtClean="0">
+              <a:solidFill>
+                <a:schemeClr val="tx1">
+                  <a:lumMod val="50000"/>
+                  <a:lumOff val="50000"/>
+                </a:schemeClr>
+              </a:solidFill>
+            </a:rPr>
+            <a:t>Nativo</a:t>
+          </a:r>
+          <a:endParaRPr lang="it-IT" sz="2900" kern="1200" dirty="0">
+            <a:solidFill>
+              <a:schemeClr val="tx1">
+                <a:lumMod val="50000"/>
+                <a:lumOff val="50000"/>
+              </a:schemeClr>
+            </a:solidFill>
+          </a:endParaRPr>
+        </a:p>
+      </dsp:txBody>
+      <dsp:txXfrm>
+        <a:off x="6639631" y="2188550"/>
+        <a:ext cx="3317383" cy="487717"/>
       </dsp:txXfrm>
     </dsp:sp>
     <dsp:sp modelId="{CA7E9E6B-86BA-4567-94A4-341370B2FA56}">
@@ -17014,7 +16991,7 @@
           </a:pPr>
           <a:r>
             <a:rPr lang="it-IT" sz="2900" kern="1200" dirty="0" err="1" smtClean="0"/>
-            <a:t>NUnit</a:t>
+            <a:t>Nunit</a:t>
           </a:r>
           <a:endParaRPr lang="it-IT" sz="2900" kern="1200" dirty="0"/>
         </a:p>
@@ -29840,7 +29817,7 @@
           <a:p>
             <a:fld id="{DE691C45-D440-4534-83E5-2177D2428FA3}" type="datetimeFigureOut">
               <a:rPr lang="it-IT" smtClean="0"/>
-              <a:t>05/12/2014</a:t>
+              <a:t>07/12/2014</a:t>
             </a:fld>
             <a:endParaRPr lang="it-IT"/>
           </a:p>
@@ -30010,7 +29987,7 @@
           <a:p>
             <a:fld id="{DE691C45-D440-4534-83E5-2177D2428FA3}" type="datetimeFigureOut">
               <a:rPr lang="it-IT" smtClean="0"/>
-              <a:t>05/12/2014</a:t>
+              <a:t>07/12/2014</a:t>
             </a:fld>
             <a:endParaRPr lang="it-IT"/>
           </a:p>
@@ -30190,7 +30167,7 @@
           <a:p>
             <a:fld id="{DE691C45-D440-4534-83E5-2177D2428FA3}" type="datetimeFigureOut">
               <a:rPr lang="it-IT" smtClean="0"/>
-              <a:t>05/12/2014</a:t>
+              <a:t>07/12/2014</a:t>
             </a:fld>
             <a:endParaRPr lang="it-IT"/>
           </a:p>
@@ -30360,7 +30337,7 @@
           <a:p>
             <a:fld id="{DE691C45-D440-4534-83E5-2177D2428FA3}" type="datetimeFigureOut">
               <a:rPr lang="it-IT" smtClean="0"/>
-              <a:t>05/12/2014</a:t>
+              <a:t>07/12/2014</a:t>
             </a:fld>
             <a:endParaRPr lang="it-IT"/>
           </a:p>
@@ -30613,7 +30590,7 @@
           <a:p>
             <a:fld id="{DE691C45-D440-4534-83E5-2177D2428FA3}" type="datetimeFigureOut">
               <a:rPr lang="it-IT" smtClean="0"/>
-              <a:t>05/12/2014</a:t>
+              <a:t>07/12/2014</a:t>
             </a:fld>
             <a:endParaRPr lang="it-IT"/>
           </a:p>
@@ -30845,7 +30822,7 @@
           <a:p>
             <a:fld id="{DE691C45-D440-4534-83E5-2177D2428FA3}" type="datetimeFigureOut">
               <a:rPr lang="it-IT" smtClean="0"/>
-              <a:t>05/12/2014</a:t>
+              <a:t>07/12/2014</a:t>
             </a:fld>
             <a:endParaRPr lang="it-IT"/>
           </a:p>
@@ -31212,7 +31189,7 @@
           <a:p>
             <a:fld id="{DE691C45-D440-4534-83E5-2177D2428FA3}" type="datetimeFigureOut">
               <a:rPr lang="it-IT" smtClean="0"/>
-              <a:t>05/12/2014</a:t>
+              <a:t>07/12/2014</a:t>
             </a:fld>
             <a:endParaRPr lang="it-IT"/>
           </a:p>
@@ -31330,7 +31307,7 @@
           <a:p>
             <a:fld id="{DE691C45-D440-4534-83E5-2177D2428FA3}" type="datetimeFigureOut">
               <a:rPr lang="it-IT" smtClean="0"/>
-              <a:t>05/12/2014</a:t>
+              <a:t>07/12/2014</a:t>
             </a:fld>
             <a:endParaRPr lang="it-IT"/>
           </a:p>
@@ -31425,7 +31402,7 @@
           <a:p>
             <a:fld id="{DE691C45-D440-4534-83E5-2177D2428FA3}" type="datetimeFigureOut">
               <a:rPr lang="it-IT" smtClean="0"/>
-              <a:t>05/12/2014</a:t>
+              <a:t>07/12/2014</a:t>
             </a:fld>
             <a:endParaRPr lang="it-IT"/>
           </a:p>
@@ -31702,7 +31679,7 @@
           <a:p>
             <a:fld id="{DE691C45-D440-4534-83E5-2177D2428FA3}" type="datetimeFigureOut">
               <a:rPr lang="it-IT" smtClean="0"/>
-              <a:t>05/12/2014</a:t>
+              <a:t>07/12/2014</a:t>
             </a:fld>
             <a:endParaRPr lang="it-IT"/>
           </a:p>
@@ -31959,7 +31936,7 @@
           <a:p>
             <a:fld id="{DE691C45-D440-4534-83E5-2177D2428FA3}" type="datetimeFigureOut">
               <a:rPr lang="it-IT" smtClean="0"/>
-              <a:t>05/12/2014</a:t>
+              <a:t>07/12/2014</a:t>
             </a:fld>
             <a:endParaRPr lang="it-IT"/>
           </a:p>
@@ -32172,7 +32149,7 @@
           <a:p>
             <a:fld id="{DE691C45-D440-4534-83E5-2177D2428FA3}" type="datetimeFigureOut">
               <a:rPr lang="it-IT" smtClean="0"/>
-              <a:t>05/12/2014</a:t>
+              <a:t>07/12/2014</a:t>
             </a:fld>
             <a:endParaRPr lang="it-IT"/>
           </a:p>
@@ -32690,7 +32667,7 @@
           <a:p>
             <a:pPr algn="ctr"/>
             <a:r>
-              <a:rPr lang="it-IT" sz="4800" b="1" dirty="0">
+              <a:rPr lang="it-IT" sz="4800" dirty="0">
                 <a:solidFill>
                   <a:schemeClr val="bg1"/>
                 </a:solidFill>
@@ -32705,7 +32682,7 @@
               <a:t>Test di accettazione in</a:t>
             </a:r>
             <a:br>
-              <a:rPr lang="it-IT" sz="4800" b="1" dirty="0">
+              <a:rPr lang="it-IT" sz="4800" dirty="0">
                 <a:solidFill>
                   <a:schemeClr val="bg1"/>
                 </a:solidFill>
@@ -32719,7 +32696,7 @@
               </a:rPr>
             </a:br>
             <a:r>
-              <a:rPr lang="it-IT" sz="4800" b="1" dirty="0" err="1">
+              <a:rPr lang="it-IT" sz="4800" dirty="0" err="1">
                 <a:solidFill>
                   <a:schemeClr val="bg1"/>
                 </a:solidFill>
@@ -32734,7 +32711,7 @@
               <a:t>framework</a:t>
             </a:r>
             <a:r>
-              <a:rPr lang="it-IT" sz="4800" b="1" dirty="0">
+              <a:rPr lang="it-IT" sz="4800" dirty="0">
                 <a:solidFill>
                   <a:schemeClr val="bg1"/>
                 </a:solidFill>
@@ -34053,16 +34030,7 @@
                 </a:solidFill>
                 <a:latin typeface="+mn-lt"/>
               </a:rPr>
-              <a:t>Scelta degli strumenti per </a:t>
-            </a:r>
-            <a:r>
-              <a:rPr lang="it-IT" dirty="0" smtClean="0">
-                <a:solidFill>
-                  <a:schemeClr val="bg1"/>
-                </a:solidFill>
-                <a:latin typeface="+mn-lt"/>
-              </a:rPr>
-              <a:t>il BDD</a:t>
+              <a:t>Scelta degli strumenti per il BDD</a:t>
             </a:r>
             <a:endParaRPr lang="it-IT" dirty="0">
               <a:solidFill>
@@ -34382,7 +34350,7 @@
           <p:nvPr>
             <p:extLst>
               <p:ext uri="{D42A27DB-BD31-4B8C-83A1-F6EECF244321}">
-                <p14:modId xmlns:p14="http://schemas.microsoft.com/office/powerpoint/2010/main" val="927216566"/>
+                <p14:modId xmlns:p14="http://schemas.microsoft.com/office/powerpoint/2010/main" val="1071170724"/>
               </p:ext>
             </p:extLst>
           </p:nvPr>
@@ -34793,8 +34761,8 @@
         </p:nvSpPr>
         <p:spPr>
           <a:xfrm>
-            <a:off x="6519949" y="1428879"/>
-            <a:ext cx="4635731" cy="3970318"/>
+            <a:off x="6519949" y="1414244"/>
+            <a:ext cx="4635731" cy="2585323"/>
           </a:xfrm>
           <a:prstGeom prst="rect">
             <a:avLst/>
@@ -34821,273 +34789,85 @@
           <a:lstStyle/>
           <a:p>
             <a:r>
-              <a:rPr lang="it-IT" b="1" dirty="0">
-                <a:solidFill>
-                  <a:srgbClr val="A71D5D"/>
-                </a:solidFill>
-                <a:latin typeface="Courier New" panose="02070309020205020404" pitchFamily="49" charset="0"/>
-                <a:cs typeface="Courier New" panose="02070309020205020404" pitchFamily="49" charset="0"/>
-              </a:rPr>
-              <a:t>Schema dello scenario</a:t>
+              <a:rPr lang="it-IT" dirty="0"/>
+              <a:t>Scenario: </a:t>
             </a:r>
             <a:r>
-              <a:rPr lang="it-IT" b="1" dirty="0">
-                <a:solidFill>
-                  <a:srgbClr val="333333"/>
-                </a:solidFill>
-                <a:latin typeface="Courier New" panose="02070309020205020404" pitchFamily="49" charset="0"/>
-                <a:cs typeface="Courier New" panose="02070309020205020404" pitchFamily="49" charset="0"/>
-              </a:rPr>
-              <a:t>:</a:t>
+              <a:rPr lang="it-IT" dirty="0" err="1"/>
+              <a:t>Autocompletamento</a:t>
             </a:r>
             <a:r>
-              <a:rPr lang="it-IT" dirty="0">
-                <a:solidFill>
-                  <a:srgbClr val="DF5000"/>
-                </a:solidFill>
-                <a:latin typeface="Courier New" panose="02070309020205020404" pitchFamily="49" charset="0"/>
-                <a:cs typeface="Courier New" panose="02070309020205020404" pitchFamily="49" charset="0"/>
-              </a:rPr>
-              <a:t> </a:t>
-            </a:r>
-            <a:r>
-              <a:rPr lang="it-IT" dirty="0">
-                <a:solidFill>
-                  <a:schemeClr val="tx1"/>
-                </a:solidFill>
-                <a:latin typeface="Courier New" panose="02070309020205020404" pitchFamily="49" charset="0"/>
-                <a:cs typeface="Courier New" panose="02070309020205020404" pitchFamily="49" charset="0"/>
-              </a:rPr>
-              <a:t>tramite l'intestazione è possibile </a:t>
-            </a:r>
-            <a:r>
-              <a:rPr lang="it-IT" dirty="0" smtClean="0">
-                <a:solidFill>
-                  <a:schemeClr val="tx1"/>
-                </a:solidFill>
-                <a:latin typeface="Courier New" panose="02070309020205020404" pitchFamily="49" charset="0"/>
-                <a:cs typeface="Courier New" panose="02070309020205020404" pitchFamily="49" charset="0"/>
-              </a:rPr>
-              <a:t>navigare </a:t>
-            </a:r>
-            <a:r>
-              <a:rPr lang="it-IT" dirty="0">
-                <a:solidFill>
-                  <a:schemeClr val="tx1"/>
-                </a:solidFill>
-                <a:latin typeface="Courier New" panose="02070309020205020404" pitchFamily="49" charset="0"/>
-                <a:cs typeface="Courier New" panose="02070309020205020404" pitchFamily="49" charset="0"/>
-              </a:rPr>
-              <a:t>alle pagine dell'autore e </a:t>
-            </a:r>
-            <a:r>
-              <a:rPr lang="it-IT" dirty="0" smtClean="0">
-                <a:solidFill>
-                  <a:schemeClr val="tx1"/>
-                </a:solidFill>
-                <a:latin typeface="Courier New" panose="02070309020205020404" pitchFamily="49" charset="0"/>
-                <a:cs typeface="Courier New" panose="02070309020205020404" pitchFamily="49" charset="0"/>
-              </a:rPr>
-              <a:t>dell'</a:t>
-            </a:r>
-            <a:r>
-              <a:rPr lang="it-IT" dirty="0" err="1" smtClean="0">
-                <a:solidFill>
-                  <a:schemeClr val="tx1"/>
-                </a:solidFill>
-                <a:latin typeface="Courier New" panose="02070309020205020404" pitchFamily="49" charset="0"/>
-                <a:cs typeface="Courier New" panose="02070309020205020404" pitchFamily="49" charset="0"/>
-              </a:rPr>
-              <a:t>abstract</a:t>
-            </a:r>
-            <a:endParaRPr lang="it-IT" dirty="0" smtClean="0">
-              <a:solidFill>
-                <a:schemeClr val="tx1"/>
-              </a:solidFill>
-              <a:latin typeface="Courier New" panose="02070309020205020404" pitchFamily="49" charset="0"/>
-              <a:cs typeface="Courier New" panose="02070309020205020404" pitchFamily="49" charset="0"/>
-            </a:endParaRPr>
-          </a:p>
-          <a:p>
-            <a:endParaRPr lang="it-IT" dirty="0">
-              <a:solidFill>
-                <a:srgbClr val="DF5000"/>
-              </a:solidFill>
-              <a:latin typeface="Courier New" panose="02070309020205020404" pitchFamily="49" charset="0"/>
-              <a:cs typeface="Courier New" panose="02070309020205020404" pitchFamily="49" charset="0"/>
-            </a:endParaRPr>
-          </a:p>
-          <a:p>
-            <a:r>
-              <a:rPr lang="it-IT" b="1" dirty="0">
-                <a:latin typeface="Courier New" panose="02070309020205020404" pitchFamily="49" charset="0"/>
-                <a:cs typeface="Courier New" panose="02070309020205020404" pitchFamily="49" charset="0"/>
-              </a:rPr>
-              <a:t>Dato</a:t>
-            </a:r>
-            <a:r>
-              <a:rPr lang="it-IT" dirty="0">
-                <a:latin typeface="Courier New" panose="02070309020205020404" pitchFamily="49" charset="0"/>
-                <a:cs typeface="Courier New" panose="02070309020205020404" pitchFamily="49" charset="0"/>
-              </a:rPr>
-              <a:t> è presente </a:t>
-            </a:r>
-            <a:r>
-              <a:rPr lang="it-IT" dirty="0" smtClean="0">
-                <a:latin typeface="Courier New" panose="02070309020205020404" pitchFamily="49" charset="0"/>
-                <a:cs typeface="Courier New" panose="02070309020205020404" pitchFamily="49" charset="0"/>
-              </a:rPr>
-              <a:t>l'intestazione</a:t>
+              <a:rPr lang="it-IT" dirty="0"/>
+              <a:t> della ricerca</a:t>
             </a:r>
           </a:p>
           <a:p>
             <a:r>
-              <a:rPr lang="it-IT" b="1" dirty="0">
-                <a:latin typeface="Courier New" panose="02070309020205020404" pitchFamily="49" charset="0"/>
-                <a:cs typeface="Courier New" panose="02070309020205020404" pitchFamily="49" charset="0"/>
-              </a:rPr>
-              <a:t>E</a:t>
-            </a:r>
-            <a:r>
-              <a:rPr lang="it-IT" dirty="0">
-                <a:latin typeface="Courier New" panose="02070309020205020404" pitchFamily="49" charset="0"/>
-                <a:cs typeface="Courier New" panose="02070309020205020404" pitchFamily="49" charset="0"/>
-              </a:rPr>
-              <a:t> l'intestazione permette la </a:t>
-            </a:r>
-            <a:r>
-              <a:rPr lang="it-IT" dirty="0" smtClean="0">
-                <a:latin typeface="Courier New" panose="02070309020205020404" pitchFamily="49" charset="0"/>
-                <a:cs typeface="Courier New" panose="02070309020205020404" pitchFamily="49" charset="0"/>
-              </a:rPr>
-              <a:t>navigazione</a:t>
+              <a:rPr lang="it-IT" dirty="0"/>
+              <a:t>    Dato nell'intestazione è presente la barra di ricerca</a:t>
             </a:r>
           </a:p>
           <a:p>
             <a:r>
-              <a:rPr lang="it-IT" b="1" dirty="0">
-                <a:latin typeface="Courier New" panose="02070309020205020404" pitchFamily="49" charset="0"/>
-                <a:cs typeface="Courier New" panose="02070309020205020404" pitchFamily="49" charset="0"/>
-              </a:rPr>
-              <a:t>Allora</a:t>
+              <a:rPr lang="it-IT" dirty="0"/>
+              <a:t>    Dato il post "</a:t>
             </a:r>
             <a:r>
-              <a:rPr lang="it-IT" dirty="0">
-                <a:latin typeface="Courier New" panose="02070309020205020404" pitchFamily="49" charset="0"/>
-                <a:cs typeface="Courier New" panose="02070309020205020404" pitchFamily="49" charset="0"/>
-              </a:rPr>
-              <a:t> posso navigare verso </a:t>
+              <a:rPr lang="it-IT" i="1" dirty="0" err="1"/>
+              <a:t>Lorem</a:t>
             </a:r>
             <a:r>
-              <a:rPr lang="it-IT" b="1" dirty="0">
-                <a:latin typeface="Courier New" panose="02070309020205020404" pitchFamily="49" charset="0"/>
-                <a:cs typeface="Courier New" panose="02070309020205020404" pitchFamily="49" charset="0"/>
-              </a:rPr>
-              <a:t>"&lt;nome della pagina</a:t>
+              <a:rPr lang="it-IT" i="1" dirty="0"/>
+              <a:t> </a:t>
             </a:r>
             <a:r>
-              <a:rPr lang="it-IT" b="1" dirty="0" smtClean="0">
-                <a:latin typeface="Courier New" panose="02070309020205020404" pitchFamily="49" charset="0"/>
-                <a:cs typeface="Courier New" panose="02070309020205020404" pitchFamily="49" charset="0"/>
-              </a:rPr>
-              <a:t>&gt;</a:t>
+              <a:rPr lang="it-IT" i="1" dirty="0" err="1"/>
+              <a:t>Ipsum</a:t>
             </a:r>
             <a:r>
-              <a:rPr lang="it-IT" dirty="0">
-                <a:latin typeface="Courier New" panose="02070309020205020404" pitchFamily="49" charset="0"/>
-                <a:cs typeface="Courier New" panose="02070309020205020404" pitchFamily="49" charset="0"/>
-              </a:rPr>
+              <a:rPr lang="it-IT" dirty="0"/>
+              <a:t>" esiste</a:t>
+            </a:r>
+          </a:p>
+          <a:p>
+            <a:r>
+              <a:rPr lang="it-IT" dirty="0"/>
+              <a:t>    Quando inserisco il testo "</a:t>
+            </a:r>
+            <a:r>
+              <a:rPr lang="it-IT" i="1" dirty="0" err="1"/>
+              <a:t>Lorem</a:t>
+            </a:r>
+            <a:r>
+              <a:rPr lang="it-IT" dirty="0"/>
+              <a:t>" da ricercare</a:t>
+            </a:r>
+          </a:p>
+          <a:p>
+            <a:r>
+              <a:rPr lang="it-IT" dirty="0"/>
+              <a:t>    Allora viene proposto il post "</a:t>
+            </a:r>
+            <a:r>
+              <a:rPr lang="it-IT" i="1" dirty="0" err="1"/>
+              <a:t>Lorem</a:t>
+            </a:r>
+            <a:r>
+              <a:rPr lang="it-IT" i="1" dirty="0"/>
+              <a:t> </a:t>
+            </a:r>
+            <a:r>
+              <a:rPr lang="it-IT" i="1" dirty="0" err="1"/>
+              <a:t>Ipsum</a:t>
+            </a:r>
+            <a:r>
+              <a:rPr lang="it-IT"/>
               <a:t>"</a:t>
             </a:r>
             <a:endParaRPr lang="it-IT" dirty="0" smtClean="0">
               <a:latin typeface="Courier New" panose="02070309020205020404" pitchFamily="49" charset="0"/>
               <a:cs typeface="Courier New" panose="02070309020205020404" pitchFamily="49" charset="0"/>
             </a:endParaRPr>
-          </a:p>
-          <a:p>
-            <a:r>
-              <a:rPr lang="it-IT" dirty="0" smtClean="0">
-                <a:latin typeface="Courier New" panose="02070309020205020404" pitchFamily="49" charset="0"/>
-                <a:cs typeface="Courier New" panose="02070309020205020404" pitchFamily="49" charset="0"/>
-              </a:rPr>
-              <a:t>	Esempi:</a:t>
-            </a:r>
-          </a:p>
-          <a:p>
-            <a:r>
-              <a:rPr lang="it-IT" dirty="0" smtClean="0">
-                <a:latin typeface="Courier New" panose="02070309020205020404" pitchFamily="49" charset="0"/>
-                <a:cs typeface="Courier New" panose="02070309020205020404" pitchFamily="49" charset="0"/>
-              </a:rPr>
-              <a:t>	| </a:t>
-            </a:r>
-            <a:r>
-              <a:rPr lang="it-IT" b="1" dirty="0">
-                <a:latin typeface="Courier New" panose="02070309020205020404" pitchFamily="49" charset="0"/>
-                <a:cs typeface="Courier New" panose="02070309020205020404" pitchFamily="49" charset="0"/>
-              </a:rPr>
-              <a:t>nome della pagina </a:t>
-            </a:r>
-            <a:r>
-              <a:rPr lang="it-IT" dirty="0" smtClean="0">
-                <a:latin typeface="Courier New" panose="02070309020205020404" pitchFamily="49" charset="0"/>
-                <a:cs typeface="Courier New" panose="02070309020205020404" pitchFamily="49" charset="0"/>
-              </a:rPr>
-              <a:t>|</a:t>
-            </a:r>
-          </a:p>
-          <a:p>
-            <a:r>
-              <a:rPr lang="it-IT" dirty="0" smtClean="0">
-                <a:latin typeface="Courier New" panose="02070309020205020404" pitchFamily="49" charset="0"/>
-                <a:cs typeface="Courier New" panose="02070309020205020404" pitchFamily="49" charset="0"/>
-              </a:rPr>
-              <a:t>	| </a:t>
-            </a:r>
-            <a:r>
-              <a:rPr lang="it-IT" dirty="0" err="1">
-                <a:latin typeface="Courier New" panose="02070309020205020404" pitchFamily="49" charset="0"/>
-                <a:cs typeface="Courier New" panose="02070309020205020404" pitchFamily="49" charset="0"/>
-              </a:rPr>
-              <a:t>Abstract</a:t>
-            </a:r>
-            <a:r>
-              <a:rPr lang="it-IT" dirty="0">
-                <a:latin typeface="Courier New" panose="02070309020205020404" pitchFamily="49" charset="0"/>
-                <a:cs typeface="Courier New" panose="02070309020205020404" pitchFamily="49" charset="0"/>
-              </a:rPr>
-              <a:t> </a:t>
-            </a:r>
-            <a:r>
-              <a:rPr lang="it-IT" dirty="0" smtClean="0">
-                <a:latin typeface="Courier New" panose="02070309020205020404" pitchFamily="49" charset="0"/>
-                <a:cs typeface="Courier New" panose="02070309020205020404" pitchFamily="49" charset="0"/>
-              </a:rPr>
-              <a:t>         |</a:t>
-            </a:r>
-          </a:p>
-          <a:p>
-            <a:r>
-              <a:rPr lang="it-IT" dirty="0" smtClean="0">
-                <a:latin typeface="Courier New" panose="02070309020205020404" pitchFamily="49" charset="0"/>
-                <a:cs typeface="Courier New" panose="02070309020205020404" pitchFamily="49" charset="0"/>
-              </a:rPr>
-              <a:t>	| </a:t>
-            </a:r>
-            <a:r>
-              <a:rPr lang="it-IT" dirty="0">
-                <a:latin typeface="Courier New" panose="02070309020205020404" pitchFamily="49" charset="0"/>
-                <a:cs typeface="Courier New" panose="02070309020205020404" pitchFamily="49" charset="0"/>
-              </a:rPr>
-              <a:t>Autore </a:t>
-            </a:r>
-            <a:r>
-              <a:rPr lang="it-IT" dirty="0" smtClean="0">
-                <a:latin typeface="Courier New" panose="02070309020205020404" pitchFamily="49" charset="0"/>
-                <a:cs typeface="Courier New" panose="02070309020205020404" pitchFamily="49" charset="0"/>
-              </a:rPr>
-              <a:t>           |</a:t>
-            </a:r>
           </a:p>
         </p:txBody>
       </p:sp>
@@ -35825,7 +35605,7 @@
           <p:nvPr>
             <p:extLst>
               <p:ext uri="{D42A27DB-BD31-4B8C-83A1-F6EECF244321}">
-                <p14:modId xmlns:p14="http://schemas.microsoft.com/office/powerpoint/2010/main" val="289856425"/>
+                <p14:modId xmlns:p14="http://schemas.microsoft.com/office/powerpoint/2010/main" val="2950812962"/>
               </p:ext>
             </p:extLst>
           </p:nvPr>
@@ -36188,9 +35968,27 @@
                       <a:pPr algn="ctr"/>
                       <a:r>
                         <a:rPr lang="it-IT" dirty="0" smtClean="0"/>
-                        <a:t>C#, Java</a:t>
+                        <a:t>C#, </a:t>
                       </a:r>
-                      <a:endParaRPr lang="it-IT" dirty="0"/>
+                      <a:r>
+                        <a:rPr lang="it-IT" dirty="0" smtClean="0">
+                          <a:solidFill>
+                            <a:schemeClr val="tx1">
+                              <a:lumMod val="65000"/>
+                              <a:lumOff val="35000"/>
+                            </a:schemeClr>
+                          </a:solidFill>
+                        </a:rPr>
+                        <a:t>Java</a:t>
+                      </a:r>
+                      <a:endParaRPr lang="it-IT" dirty="0">
+                        <a:solidFill>
+                          <a:schemeClr val="tx1">
+                            <a:lumMod val="65000"/>
+                            <a:lumOff val="35000"/>
+                          </a:schemeClr>
+                        </a:solidFill>
+                      </a:endParaRPr>
                     </a:p>
                   </a:txBody>
                   <a:tcPr/>
@@ -39859,6 +39657,66 @@
           </a:prstGeom>
         </p:spPr>
       </p:pic>
+      <p:pic>
+        <p:nvPicPr>
+          <p:cNvPr id="28" name="Picture 27"/>
+          <p:cNvPicPr>
+            <a:picLocks noChangeAspect="1"/>
+          </p:cNvPicPr>
+          <p:nvPr/>
+        </p:nvPicPr>
+        <p:blipFill>
+          <a:blip r:embed="rId11">
+            <a:extLst>
+              <a:ext uri="{28A0092B-C50C-407E-A947-70E740481C1C}">
+                <a14:useLocalDpi xmlns:a14="http://schemas.microsoft.com/office/drawing/2010/main" val="0"/>
+              </a:ext>
+            </a:extLst>
+          </a:blip>
+          <a:stretch>
+            <a:fillRect/>
+          </a:stretch>
+        </p:blipFill>
+        <p:spPr>
+          <a:xfrm>
+            <a:off x="9891747" y="5607309"/>
+            <a:ext cx="1007604" cy="1007604"/>
+          </a:xfrm>
+          <a:prstGeom prst="rect">
+            <a:avLst/>
+          </a:prstGeom>
+        </p:spPr>
+      </p:pic>
+      <p:pic>
+        <p:nvPicPr>
+          <p:cNvPr id="5" name="Picture 4"/>
+          <p:cNvPicPr>
+            <a:picLocks noChangeAspect="1"/>
+          </p:cNvPicPr>
+          <p:nvPr/>
+        </p:nvPicPr>
+        <p:blipFill>
+          <a:blip r:embed="rId12">
+            <a:extLst>
+              <a:ext uri="{28A0092B-C50C-407E-A947-70E740481C1C}">
+                <a14:useLocalDpi xmlns:a14="http://schemas.microsoft.com/office/drawing/2010/main" val="0"/>
+              </a:ext>
+            </a:extLst>
+          </a:blip>
+          <a:stretch>
+            <a:fillRect/>
+          </a:stretch>
+        </p:blipFill>
+        <p:spPr>
+          <a:xfrm>
+            <a:off x="7955715" y="315189"/>
+            <a:ext cx="2943636" cy="428685"/>
+          </a:xfrm>
+          <a:prstGeom prst="rect">
+            <a:avLst/>
+          </a:prstGeom>
+        </p:spPr>
+      </p:pic>
     </p:spTree>
     <p:extLst>
       <p:ext uri="{BB962C8B-B14F-4D97-AF65-F5344CB8AC3E}">
@@ -39872,7 +39730,77 @@
   <p:timing>
     <p:tnLst>
       <p:par>
-        <p:cTn id="1" dur="indefinite" restart="never" nodeType="tmRoot"/>
+        <p:cTn id="1" dur="indefinite" restart="never" nodeType="tmRoot">
+          <p:childTnLst>
+            <p:seq concurrent="1" nextAc="seek">
+              <p:cTn id="2" dur="indefinite" nodeType="mainSeq">
+                <p:childTnLst>
+                  <p:par>
+                    <p:cTn id="3" fill="hold">
+                      <p:stCondLst>
+                        <p:cond delay="indefinite"/>
+                        <p:cond evt="onBegin" delay="0">
+                          <p:tn val="2"/>
+                        </p:cond>
+                      </p:stCondLst>
+                      <p:childTnLst>
+                        <p:par>
+                          <p:cTn id="4" fill="hold">
+                            <p:stCondLst>
+                              <p:cond delay="0"/>
+                            </p:stCondLst>
+                            <p:childTnLst>
+                              <p:par>
+                                <p:cTn id="5" presetID="26" presetClass="emph" presetSubtype="0" repeatCount="indefinite" fill="hold" nodeType="withEffect">
+                                  <p:stCondLst>
+                                    <p:cond delay="5000"/>
+                                  </p:stCondLst>
+                                  <p:childTnLst>
+                                    <p:animEffect transition="out" filter="fade">
+                                      <p:cBhvr>
+                                        <p:cTn id="6" dur="3000" tmFilter="0, 0; .2, .5; .8, .5; 1, 0"/>
+                                        <p:tgtEl>
+                                          <p:spTgt spid="28"/>
+                                        </p:tgtEl>
+                                      </p:cBhvr>
+                                    </p:animEffect>
+                                    <p:animScale>
+                                      <p:cBhvr>
+                                        <p:cTn id="7" dur="1500" autoRev="1" fill="hold"/>
+                                        <p:tgtEl>
+                                          <p:spTgt spid="28"/>
+                                        </p:tgtEl>
+                                      </p:cBhvr>
+                                      <p:by x="105000" y="105000"/>
+                                    </p:animScale>
+                                  </p:childTnLst>
+                                </p:cTn>
+                              </p:par>
+                            </p:childTnLst>
+                          </p:cTn>
+                        </p:par>
+                      </p:childTnLst>
+                    </p:cTn>
+                  </p:par>
+                </p:childTnLst>
+              </p:cTn>
+              <p:prevCondLst>
+                <p:cond evt="onPrev" delay="0">
+                  <p:tgtEl>
+                    <p:sldTgt/>
+                  </p:tgtEl>
+                </p:cond>
+              </p:prevCondLst>
+              <p:nextCondLst>
+                <p:cond evt="onNext" delay="0">
+                  <p:tgtEl>
+                    <p:sldTgt/>
+                  </p:tgtEl>
+                </p:cond>
+              </p:nextCondLst>
+            </p:seq>
+          </p:childTnLst>
+        </p:cTn>
       </p:par>
     </p:tnLst>
   </p:timing>
@@ -41491,7 +41419,15 @@
                   <a:schemeClr val="bg1"/>
                 </a:solidFill>
               </a:rPr>
-              <a:t>Conclusione – Lo </a:t>
+              <a:t>Conclusione – </a:t>
+            </a:r>
+            <a:r>
+              <a:rPr lang="it-IT" b="1" dirty="0" smtClean="0">
+                <a:solidFill>
+                  <a:schemeClr val="bg1"/>
+                </a:solidFill>
+              </a:rPr>
+              <a:t>Lo </a:t>
             </a:r>
             <a:r>
               <a:rPr lang="it-IT" b="1" dirty="0" err="1" smtClean="0">
@@ -42195,7 +42131,6 @@
               <a:rPr lang="it-IT" dirty="0" smtClean="0"/>
               <a:t>Estensione della tecnica ATDD</a:t>
             </a:r>
-            <a:endParaRPr lang="it-IT" dirty="0" smtClean="0"/>
           </a:p>
           <a:p>
             <a:r>
@@ -42313,7 +42248,7 @@
           <a:lstStyle/>
           <a:p>
             <a:r>
-              <a:rPr lang="it-IT" b="1" dirty="0" err="1">
+              <a:rPr lang="it-IT" dirty="0" err="1">
                 <a:solidFill>
                   <a:schemeClr val="bg1"/>
                 </a:solidFill>
@@ -42321,7 +42256,7 @@
               <a:t>Behavior-driven</a:t>
             </a:r>
             <a:r>
-              <a:rPr lang="it-IT" b="1" dirty="0">
+              <a:rPr lang="it-IT" dirty="0">
                 <a:solidFill>
                   <a:schemeClr val="bg1"/>
                 </a:solidFill>
@@ -42899,11 +42834,11 @@
   <p:clrMapOvr>
     <a:masterClrMapping/>
   </p:clrMapOvr>
-  <mc:AlternateContent xmlns:mc="http://schemas.openxmlformats.org/markup-compatibility/2006">
-    <mc:Choice xmlns:p14="http://schemas.microsoft.com/office/powerpoint/2010/main" Requires="p14">
+  <mc:AlternateContent xmlns:mc="http://schemas.openxmlformats.org/markup-compatibility/2006" xmlns:p14="http://schemas.microsoft.com/office/powerpoint/2010/main">
+    <mc:Choice Requires="p14">
       <p:transition spd="slow" p14:dur="2000"/>
     </mc:Choice>
-    <mc:Fallback>
+    <mc:Fallback xmlns="">
       <p:transition spd="slow"/>
     </mc:Fallback>
   </mc:AlternateContent>
@@ -43104,11 +43039,11 @@
   <p:clrMapOvr>
     <a:masterClrMapping/>
   </p:clrMapOvr>
-  <mc:AlternateContent xmlns:mc="http://schemas.openxmlformats.org/markup-compatibility/2006">
-    <mc:Choice xmlns:p14="http://schemas.microsoft.com/office/powerpoint/2010/main" Requires="p14">
+  <mc:AlternateContent xmlns:mc="http://schemas.openxmlformats.org/markup-compatibility/2006" xmlns:p14="http://schemas.microsoft.com/office/powerpoint/2010/main">
+    <mc:Choice Requires="p14">
       <p:transition spd="slow" p14:dur="2000"/>
     </mc:Choice>
-    <mc:Fallback>
+    <mc:Fallback xmlns="">
       <p:transition spd="slow"/>
     </mc:Fallback>
   </mc:AlternateContent>
@@ -43422,11 +43357,11 @@
   <p:clrMapOvr>
     <a:masterClrMapping/>
   </p:clrMapOvr>
-  <mc:AlternateContent xmlns:mc="http://schemas.openxmlformats.org/markup-compatibility/2006">
-    <mc:Choice xmlns:p14="http://schemas.microsoft.com/office/powerpoint/2010/main" Requires="p14">
+  <mc:AlternateContent xmlns:mc="http://schemas.openxmlformats.org/markup-compatibility/2006" xmlns:p14="http://schemas.microsoft.com/office/powerpoint/2010/main">
+    <mc:Choice Requires="p14">
       <p:transition spd="slow" p14:dur="2000"/>
     </mc:Choice>
-    <mc:Fallback>
+    <mc:Fallback xmlns="">
       <p:transition spd="slow"/>
     </mc:Fallback>
   </mc:AlternateContent>

--- a/Presentazione.pptx
+++ b/Presentazione.pptx
@@ -26,6 +26,7 @@
     <p:sldId id="277" r:id="rId20"/>
     <p:sldId id="278" r:id="rId21"/>
     <p:sldId id="279" r:id="rId22"/>
+    <p:sldId id="281" r:id="rId23"/>
   </p:sldIdLst>
   <p:sldSz cx="12192000" cy="6858000"/>
   <p:notesSz cx="6858000" cy="9144000"/>
@@ -232,6 +233,753 @@
 </file>
 
 <file path=ppt/diagrams/colors1.xml><?xml version="1.0" encoding="utf-8"?>
+<dgm:colorsDef xmlns:dgm="http://schemas.openxmlformats.org/drawingml/2006/diagram" xmlns:a="http://schemas.openxmlformats.org/drawingml/2006/main" uniqueId="urn:microsoft.com/office/officeart/2005/8/colors/accent1_2">
+  <dgm:title val=""/>
+  <dgm:desc val=""/>
+  <dgm:catLst>
+    <dgm:cat type="accent1" pri="11200"/>
+  </dgm:catLst>
+  <dgm:styleLbl name="node0">
+    <dgm:fillClrLst meth="repeat">
+      <a:schemeClr val="accent1"/>
+    </dgm:fillClrLst>
+    <dgm:linClrLst meth="repeat">
+      <a:schemeClr val="lt1"/>
+    </dgm:linClrLst>
+    <dgm:effectClrLst/>
+    <dgm:txLinClrLst/>
+    <dgm:txFillClrLst/>
+    <dgm:txEffectClrLst/>
+  </dgm:styleLbl>
+  <dgm:styleLbl name="alignNode1">
+    <dgm:fillClrLst meth="repeat">
+      <a:schemeClr val="accent1"/>
+    </dgm:fillClrLst>
+    <dgm:linClrLst meth="repeat">
+      <a:schemeClr val="accent1"/>
+    </dgm:linClrLst>
+    <dgm:effectClrLst/>
+    <dgm:txLinClrLst/>
+    <dgm:txFillClrLst/>
+    <dgm:txEffectClrLst/>
+  </dgm:styleLbl>
+  <dgm:styleLbl name="node1">
+    <dgm:fillClrLst meth="repeat">
+      <a:schemeClr val="accent1"/>
+    </dgm:fillClrLst>
+    <dgm:linClrLst meth="repeat">
+      <a:schemeClr val="lt1"/>
+    </dgm:linClrLst>
+    <dgm:effectClrLst/>
+    <dgm:txLinClrLst/>
+    <dgm:txFillClrLst/>
+    <dgm:txEffectClrLst/>
+  </dgm:styleLbl>
+  <dgm:styleLbl name="lnNode1">
+    <dgm:fillClrLst meth="repeat">
+      <a:schemeClr val="accent1"/>
+    </dgm:fillClrLst>
+    <dgm:linClrLst meth="repeat">
+      <a:schemeClr val="lt1"/>
+    </dgm:linClrLst>
+    <dgm:effectClrLst/>
+    <dgm:txLinClrLst/>
+    <dgm:txFillClrLst/>
+    <dgm:txEffectClrLst/>
+  </dgm:styleLbl>
+  <dgm:styleLbl name="vennNode1">
+    <dgm:fillClrLst meth="repeat">
+      <a:schemeClr val="accent1">
+        <a:alpha val="50000"/>
+      </a:schemeClr>
+    </dgm:fillClrLst>
+    <dgm:linClrLst meth="repeat">
+      <a:schemeClr val="lt1"/>
+    </dgm:linClrLst>
+    <dgm:effectClrLst/>
+    <dgm:txLinClrLst/>
+    <dgm:txFillClrLst/>
+    <dgm:txEffectClrLst/>
+  </dgm:styleLbl>
+  <dgm:styleLbl name="node2">
+    <dgm:fillClrLst meth="repeat">
+      <a:schemeClr val="accent1"/>
+    </dgm:fillClrLst>
+    <dgm:linClrLst meth="repeat">
+      <a:schemeClr val="lt1"/>
+    </dgm:linClrLst>
+    <dgm:effectClrLst/>
+    <dgm:txLinClrLst/>
+    <dgm:txFillClrLst/>
+    <dgm:txEffectClrLst/>
+  </dgm:styleLbl>
+  <dgm:styleLbl name="node3">
+    <dgm:fillClrLst meth="repeat">
+      <a:schemeClr val="accent1"/>
+    </dgm:fillClrLst>
+    <dgm:linClrLst meth="repeat">
+      <a:schemeClr val="lt1"/>
+    </dgm:linClrLst>
+    <dgm:effectClrLst/>
+    <dgm:txLinClrLst/>
+    <dgm:txFillClrLst/>
+    <dgm:txEffectClrLst/>
+  </dgm:styleLbl>
+  <dgm:styleLbl name="node4">
+    <dgm:fillClrLst meth="repeat">
+      <a:schemeClr val="accent1"/>
+    </dgm:fillClrLst>
+    <dgm:linClrLst meth="repeat">
+      <a:schemeClr val="lt1"/>
+    </dgm:linClrLst>
+    <dgm:effectClrLst/>
+    <dgm:txLinClrLst/>
+    <dgm:txFillClrLst/>
+    <dgm:txEffectClrLst/>
+  </dgm:styleLbl>
+  <dgm:styleLbl name="fgImgPlace1">
+    <dgm:fillClrLst meth="repeat">
+      <a:schemeClr val="accent1">
+        <a:tint val="50000"/>
+      </a:schemeClr>
+    </dgm:fillClrLst>
+    <dgm:linClrLst meth="repeat">
+      <a:schemeClr val="lt1"/>
+    </dgm:linClrLst>
+    <dgm:effectClrLst/>
+    <dgm:txLinClrLst/>
+    <dgm:txFillClrLst meth="repeat">
+      <a:schemeClr val="lt1"/>
+    </dgm:txFillClrLst>
+    <dgm:txEffectClrLst/>
+  </dgm:styleLbl>
+  <dgm:styleLbl name="alignImgPlace1">
+    <dgm:fillClrLst meth="repeat">
+      <a:schemeClr val="accent1">
+        <a:tint val="50000"/>
+      </a:schemeClr>
+    </dgm:fillClrLst>
+    <dgm:linClrLst meth="repeat">
+      <a:schemeClr val="lt1"/>
+    </dgm:linClrLst>
+    <dgm:effectClrLst/>
+    <dgm:txLinClrLst/>
+    <dgm:txFillClrLst meth="repeat">
+      <a:schemeClr val="lt1"/>
+    </dgm:txFillClrLst>
+    <dgm:txEffectClrLst/>
+  </dgm:styleLbl>
+  <dgm:styleLbl name="bgImgPlace1">
+    <dgm:fillClrLst meth="repeat">
+      <a:schemeClr val="accent1">
+        <a:tint val="50000"/>
+      </a:schemeClr>
+    </dgm:fillClrLst>
+    <dgm:linClrLst meth="repeat">
+      <a:schemeClr val="lt1"/>
+    </dgm:linClrLst>
+    <dgm:effectClrLst/>
+    <dgm:txLinClrLst/>
+    <dgm:txFillClrLst meth="repeat">
+      <a:schemeClr val="lt1"/>
+    </dgm:txFillClrLst>
+    <dgm:txEffectClrLst/>
+  </dgm:styleLbl>
+  <dgm:styleLbl name="sibTrans2D1">
+    <dgm:fillClrLst meth="repeat">
+      <a:schemeClr val="accent1">
+        <a:tint val="60000"/>
+      </a:schemeClr>
+    </dgm:fillClrLst>
+    <dgm:linClrLst meth="repeat">
+      <a:schemeClr val="accent1">
+        <a:tint val="60000"/>
+      </a:schemeClr>
+    </dgm:linClrLst>
+    <dgm:effectClrLst/>
+    <dgm:txLinClrLst/>
+    <dgm:txFillClrLst/>
+    <dgm:txEffectClrLst/>
+  </dgm:styleLbl>
+  <dgm:styleLbl name="fgSibTrans2D1">
+    <dgm:fillClrLst meth="repeat">
+      <a:schemeClr val="accent1">
+        <a:tint val="60000"/>
+      </a:schemeClr>
+    </dgm:fillClrLst>
+    <dgm:linClrLst meth="repeat">
+      <a:schemeClr val="accent1">
+        <a:tint val="60000"/>
+      </a:schemeClr>
+    </dgm:linClrLst>
+    <dgm:effectClrLst/>
+    <dgm:txLinClrLst/>
+    <dgm:txFillClrLst/>
+    <dgm:txEffectClrLst/>
+  </dgm:styleLbl>
+  <dgm:styleLbl name="bgSibTrans2D1">
+    <dgm:fillClrLst meth="repeat">
+      <a:schemeClr val="accent1">
+        <a:tint val="60000"/>
+      </a:schemeClr>
+    </dgm:fillClrLst>
+    <dgm:linClrLst meth="repeat">
+      <a:schemeClr val="accent1">
+        <a:tint val="60000"/>
+      </a:schemeClr>
+    </dgm:linClrLst>
+    <dgm:effectClrLst/>
+    <dgm:txLinClrLst/>
+    <dgm:txFillClrLst/>
+    <dgm:txEffectClrLst/>
+  </dgm:styleLbl>
+  <dgm:styleLbl name="sibTrans1D1">
+    <dgm:fillClrLst meth="repeat">
+      <a:schemeClr val="accent1"/>
+    </dgm:fillClrLst>
+    <dgm:linClrLst meth="repeat">
+      <a:schemeClr val="accent1"/>
+    </dgm:linClrLst>
+    <dgm:effectClrLst/>
+    <dgm:txLinClrLst/>
+    <dgm:txFillClrLst meth="repeat">
+      <a:schemeClr val="tx1"/>
+    </dgm:txFillClrLst>
+    <dgm:txEffectClrLst/>
+  </dgm:styleLbl>
+  <dgm:styleLbl name="callout">
+    <dgm:fillClrLst meth="repeat">
+      <a:schemeClr val="accent1"/>
+    </dgm:fillClrLst>
+    <dgm:linClrLst meth="repeat">
+      <a:schemeClr val="accent1">
+        <a:tint val="50000"/>
+      </a:schemeClr>
+    </dgm:linClrLst>
+    <dgm:effectClrLst/>
+    <dgm:txLinClrLst/>
+    <dgm:txFillClrLst meth="repeat">
+      <a:schemeClr val="tx1"/>
+    </dgm:txFillClrLst>
+    <dgm:txEffectClrLst/>
+  </dgm:styleLbl>
+  <dgm:styleLbl name="asst0">
+    <dgm:fillClrLst meth="repeat">
+      <a:schemeClr val="accent1"/>
+    </dgm:fillClrLst>
+    <dgm:linClrLst meth="repeat">
+      <a:schemeClr val="lt1"/>
+    </dgm:linClrLst>
+    <dgm:effectClrLst/>
+    <dgm:txLinClrLst/>
+    <dgm:txFillClrLst/>
+    <dgm:txEffectClrLst/>
+  </dgm:styleLbl>
+  <dgm:styleLbl name="asst1">
+    <dgm:fillClrLst meth="repeat">
+      <a:schemeClr val="accent1"/>
+    </dgm:fillClrLst>
+    <dgm:linClrLst meth="repeat">
+      <a:schemeClr val="lt1"/>
+    </dgm:linClrLst>
+    <dgm:effectClrLst/>
+    <dgm:txLinClrLst/>
+    <dgm:txFillClrLst/>
+    <dgm:txEffectClrLst/>
+  </dgm:styleLbl>
+  <dgm:styleLbl name="asst2">
+    <dgm:fillClrLst meth="repeat">
+      <a:schemeClr val="accent1"/>
+    </dgm:fillClrLst>
+    <dgm:linClrLst meth="repeat">
+      <a:schemeClr val="lt1"/>
+    </dgm:linClrLst>
+    <dgm:effectClrLst/>
+    <dgm:txLinClrLst/>
+    <dgm:txFillClrLst/>
+    <dgm:txEffectClrLst/>
+  </dgm:styleLbl>
+  <dgm:styleLbl name="asst3">
+    <dgm:fillClrLst meth="repeat">
+      <a:schemeClr val="accent1"/>
+    </dgm:fillClrLst>
+    <dgm:linClrLst meth="repeat">
+      <a:schemeClr val="lt1"/>
+    </dgm:linClrLst>
+    <dgm:effectClrLst/>
+    <dgm:txLinClrLst/>
+    <dgm:txFillClrLst/>
+    <dgm:txEffectClrLst/>
+  </dgm:styleLbl>
+  <dgm:styleLbl name="asst4">
+    <dgm:fillClrLst meth="repeat">
+      <a:schemeClr val="accent1"/>
+    </dgm:fillClrLst>
+    <dgm:linClrLst meth="repeat">
+      <a:schemeClr val="lt1"/>
+    </dgm:linClrLst>
+    <dgm:effectClrLst/>
+    <dgm:txLinClrLst/>
+    <dgm:txFillClrLst/>
+    <dgm:txEffectClrLst/>
+  </dgm:styleLbl>
+  <dgm:styleLbl name="parChTrans2D1">
+    <dgm:fillClrLst meth="repeat">
+      <a:schemeClr val="accent1">
+        <a:tint val="60000"/>
+      </a:schemeClr>
+    </dgm:fillClrLst>
+    <dgm:linClrLst meth="repeat">
+      <a:schemeClr val="accent1">
+        <a:tint val="60000"/>
+      </a:schemeClr>
+    </dgm:linClrLst>
+    <dgm:effectClrLst/>
+    <dgm:txLinClrLst/>
+    <dgm:txFillClrLst meth="repeat">
+      <a:schemeClr val="lt1"/>
+    </dgm:txFillClrLst>
+    <dgm:txEffectClrLst/>
+  </dgm:styleLbl>
+  <dgm:styleLbl name="parChTrans2D2">
+    <dgm:fillClrLst meth="repeat">
+      <a:schemeClr val="accent1"/>
+    </dgm:fillClrLst>
+    <dgm:linClrLst meth="repeat">
+      <a:schemeClr val="accent1"/>
+    </dgm:linClrLst>
+    <dgm:effectClrLst/>
+    <dgm:txLinClrLst/>
+    <dgm:txFillClrLst meth="repeat">
+      <a:schemeClr val="lt1"/>
+    </dgm:txFillClrLst>
+    <dgm:txEffectClrLst/>
+  </dgm:styleLbl>
+  <dgm:styleLbl name="parChTrans2D3">
+    <dgm:fillClrLst meth="repeat">
+      <a:schemeClr val="accent1"/>
+    </dgm:fillClrLst>
+    <dgm:linClrLst meth="repeat">
+      <a:schemeClr val="accent1"/>
+    </dgm:linClrLst>
+    <dgm:effectClrLst/>
+    <dgm:txLinClrLst/>
+    <dgm:txFillClrLst meth="repeat">
+      <a:schemeClr val="lt1"/>
+    </dgm:txFillClrLst>
+    <dgm:txEffectClrLst/>
+  </dgm:styleLbl>
+  <dgm:styleLbl name="parChTrans2D4">
+    <dgm:fillClrLst meth="repeat">
+      <a:schemeClr val="accent1"/>
+    </dgm:fillClrLst>
+    <dgm:linClrLst meth="repeat">
+      <a:schemeClr val="accent1"/>
+    </dgm:linClrLst>
+    <dgm:effectClrLst/>
+    <dgm:txLinClrLst/>
+    <dgm:txFillClrLst meth="repeat">
+      <a:schemeClr val="lt1"/>
+    </dgm:txFillClrLst>
+    <dgm:txEffectClrLst/>
+  </dgm:styleLbl>
+  <dgm:styleLbl name="parChTrans1D1">
+    <dgm:fillClrLst meth="repeat">
+      <a:schemeClr val="accent1"/>
+    </dgm:fillClrLst>
+    <dgm:linClrLst meth="repeat">
+      <a:schemeClr val="accent1">
+        <a:shade val="60000"/>
+      </a:schemeClr>
+    </dgm:linClrLst>
+    <dgm:effectClrLst/>
+    <dgm:txLinClrLst/>
+    <dgm:txFillClrLst meth="repeat">
+      <a:schemeClr val="tx1"/>
+    </dgm:txFillClrLst>
+    <dgm:txEffectClrLst/>
+  </dgm:styleLbl>
+  <dgm:styleLbl name="parChTrans1D2">
+    <dgm:fillClrLst meth="repeat">
+      <a:schemeClr val="accent1"/>
+    </dgm:fillClrLst>
+    <dgm:linClrLst meth="repeat">
+      <a:schemeClr val="accent1">
+        <a:shade val="60000"/>
+      </a:schemeClr>
+    </dgm:linClrLst>
+    <dgm:effectClrLst/>
+    <dgm:txLinClrLst/>
+    <dgm:txFillClrLst meth="repeat">
+      <a:schemeClr val="tx1"/>
+    </dgm:txFillClrLst>
+    <dgm:txEffectClrLst/>
+  </dgm:styleLbl>
+  <dgm:styleLbl name="parChTrans1D3">
+    <dgm:fillClrLst meth="repeat">
+      <a:schemeClr val="accent1"/>
+    </dgm:fillClrLst>
+    <dgm:linClrLst meth="repeat">
+      <a:schemeClr val="accent1">
+        <a:shade val="80000"/>
+      </a:schemeClr>
+    </dgm:linClrLst>
+    <dgm:effectClrLst/>
+    <dgm:txLinClrLst/>
+    <dgm:txFillClrLst meth="repeat">
+      <a:schemeClr val="tx1"/>
+    </dgm:txFillClrLst>
+    <dgm:txEffectClrLst/>
+  </dgm:styleLbl>
+  <dgm:styleLbl name="parChTrans1D4">
+    <dgm:fillClrLst meth="repeat">
+      <a:schemeClr val="accent1"/>
+    </dgm:fillClrLst>
+    <dgm:linClrLst meth="repeat">
+      <a:schemeClr val="accent1">
+        <a:shade val="80000"/>
+      </a:schemeClr>
+    </dgm:linClrLst>
+    <dgm:effectClrLst/>
+    <dgm:txLinClrLst/>
+    <dgm:txFillClrLst meth="repeat">
+      <a:schemeClr val="tx1"/>
+    </dgm:txFillClrLst>
+    <dgm:txEffectClrLst/>
+  </dgm:styleLbl>
+  <dgm:styleLbl name="fgAcc1">
+    <dgm:fillClrLst meth="repeat">
+      <a:schemeClr val="lt1">
+        <a:alpha val="90000"/>
+      </a:schemeClr>
+    </dgm:fillClrLst>
+    <dgm:linClrLst meth="repeat">
+      <a:schemeClr val="accent1"/>
+    </dgm:linClrLst>
+    <dgm:effectClrLst/>
+    <dgm:txLinClrLst/>
+    <dgm:txFillClrLst meth="repeat">
+      <a:schemeClr val="dk1"/>
+    </dgm:txFillClrLst>
+    <dgm:txEffectClrLst/>
+  </dgm:styleLbl>
+  <dgm:styleLbl name="conFgAcc1">
+    <dgm:fillClrLst meth="repeat">
+      <a:schemeClr val="lt1">
+        <a:alpha val="90000"/>
+      </a:schemeClr>
+    </dgm:fillClrLst>
+    <dgm:linClrLst meth="repeat">
+      <a:schemeClr val="accent1"/>
+    </dgm:linClrLst>
+    <dgm:effectClrLst/>
+    <dgm:txLinClrLst/>
+    <dgm:txFillClrLst meth="repeat">
+      <a:schemeClr val="dk1"/>
+    </dgm:txFillClrLst>
+    <dgm:txEffectClrLst/>
+  </dgm:styleLbl>
+  <dgm:styleLbl name="alignAcc1">
+    <dgm:fillClrLst meth="repeat">
+      <a:schemeClr val="lt1">
+        <a:alpha val="90000"/>
+      </a:schemeClr>
+    </dgm:fillClrLst>
+    <dgm:linClrLst meth="repeat">
+      <a:schemeClr val="accent1"/>
+    </dgm:linClrLst>
+    <dgm:effectClrLst/>
+    <dgm:txLinClrLst/>
+    <dgm:txFillClrLst meth="repeat">
+      <a:schemeClr val="dk1"/>
+    </dgm:txFillClrLst>
+    <dgm:txEffectClrLst/>
+  </dgm:styleLbl>
+  <dgm:styleLbl name="trAlignAcc1">
+    <dgm:fillClrLst meth="repeat">
+      <a:schemeClr val="lt1">
+        <a:alpha val="40000"/>
+      </a:schemeClr>
+    </dgm:fillClrLst>
+    <dgm:linClrLst meth="repeat">
+      <a:schemeClr val="accent1"/>
+    </dgm:linClrLst>
+    <dgm:effectClrLst/>
+    <dgm:txLinClrLst/>
+    <dgm:txFillClrLst meth="repeat">
+      <a:schemeClr val="dk1"/>
+    </dgm:txFillClrLst>
+    <dgm:txEffectClrLst/>
+  </dgm:styleLbl>
+  <dgm:styleLbl name="bgAcc1">
+    <dgm:fillClrLst meth="repeat">
+      <a:schemeClr val="lt1">
+        <a:alpha val="90000"/>
+      </a:schemeClr>
+    </dgm:fillClrLst>
+    <dgm:linClrLst meth="repeat">
+      <a:schemeClr val="accent1"/>
+    </dgm:linClrLst>
+    <dgm:effectClrLst/>
+    <dgm:txLinClrLst/>
+    <dgm:txFillClrLst meth="repeat">
+      <a:schemeClr val="dk1"/>
+    </dgm:txFillClrLst>
+    <dgm:txEffectClrLst/>
+  </dgm:styleLbl>
+  <dgm:styleLbl name="solidFgAcc1">
+    <dgm:fillClrLst meth="repeat">
+      <a:schemeClr val="lt1"/>
+    </dgm:fillClrLst>
+    <dgm:linClrLst meth="repeat">
+      <a:schemeClr val="accent1"/>
+    </dgm:linClrLst>
+    <dgm:effectClrLst/>
+    <dgm:txLinClrLst/>
+    <dgm:txFillClrLst meth="repeat">
+      <a:schemeClr val="dk1"/>
+    </dgm:txFillClrLst>
+    <dgm:txEffectClrLst/>
+  </dgm:styleLbl>
+  <dgm:styleLbl name="solidAlignAcc1">
+    <dgm:fillClrLst meth="repeat">
+      <a:schemeClr val="lt1"/>
+    </dgm:fillClrLst>
+    <dgm:linClrLst meth="repeat">
+      <a:schemeClr val="accent1"/>
+    </dgm:linClrLst>
+    <dgm:effectClrLst/>
+    <dgm:txLinClrLst/>
+    <dgm:txFillClrLst meth="repeat">
+      <a:schemeClr val="dk1"/>
+    </dgm:txFillClrLst>
+    <dgm:txEffectClrLst/>
+  </dgm:styleLbl>
+  <dgm:styleLbl name="solidBgAcc1">
+    <dgm:fillClrLst meth="repeat">
+      <a:schemeClr val="lt1"/>
+    </dgm:fillClrLst>
+    <dgm:linClrLst meth="repeat">
+      <a:schemeClr val="accent1"/>
+    </dgm:linClrLst>
+    <dgm:effectClrLst/>
+    <dgm:txLinClrLst/>
+    <dgm:txFillClrLst meth="repeat">
+      <a:schemeClr val="dk1"/>
+    </dgm:txFillClrLst>
+    <dgm:txEffectClrLst/>
+  </dgm:styleLbl>
+  <dgm:styleLbl name="fgAccFollowNode1">
+    <dgm:fillClrLst meth="repeat">
+      <a:schemeClr val="accent1">
+        <a:alpha val="90000"/>
+        <a:tint val="40000"/>
+      </a:schemeClr>
+    </dgm:fillClrLst>
+    <dgm:linClrLst meth="repeat">
+      <a:schemeClr val="accent1">
+        <a:alpha val="90000"/>
+        <a:tint val="40000"/>
+      </a:schemeClr>
+    </dgm:linClrLst>
+    <dgm:effectClrLst/>
+    <dgm:txLinClrLst/>
+    <dgm:txFillClrLst meth="repeat">
+      <a:schemeClr val="dk1"/>
+    </dgm:txFillClrLst>
+    <dgm:txEffectClrLst/>
+  </dgm:styleLbl>
+  <dgm:styleLbl name="alignAccFollowNode1">
+    <dgm:fillClrLst meth="repeat">
+      <a:schemeClr val="accent1">
+        <a:alpha val="90000"/>
+        <a:tint val="40000"/>
+      </a:schemeClr>
+    </dgm:fillClrLst>
+    <dgm:linClrLst meth="repeat">
+      <a:schemeClr val="accent1">
+        <a:alpha val="90000"/>
+        <a:tint val="40000"/>
+      </a:schemeClr>
+    </dgm:linClrLst>
+    <dgm:effectClrLst/>
+    <dgm:txLinClrLst/>
+    <dgm:txFillClrLst meth="repeat">
+      <a:schemeClr val="dk1"/>
+    </dgm:txFillClrLst>
+    <dgm:txEffectClrLst/>
+  </dgm:styleLbl>
+  <dgm:styleLbl name="bgAccFollowNode1">
+    <dgm:fillClrLst meth="repeat">
+      <a:schemeClr val="accent1">
+        <a:alpha val="90000"/>
+        <a:tint val="40000"/>
+      </a:schemeClr>
+    </dgm:fillClrLst>
+    <dgm:linClrLst meth="repeat">
+      <a:schemeClr val="accent1">
+        <a:alpha val="90000"/>
+        <a:tint val="40000"/>
+      </a:schemeClr>
+    </dgm:linClrLst>
+    <dgm:effectClrLst/>
+    <dgm:txLinClrLst/>
+    <dgm:txFillClrLst meth="repeat">
+      <a:schemeClr val="dk1"/>
+    </dgm:txFillClrLst>
+    <dgm:txEffectClrLst/>
+  </dgm:styleLbl>
+  <dgm:styleLbl name="fgAcc0">
+    <dgm:fillClrLst meth="repeat">
+      <a:schemeClr val="lt1">
+        <a:alpha val="90000"/>
+      </a:schemeClr>
+    </dgm:fillClrLst>
+    <dgm:linClrLst meth="repeat">
+      <a:schemeClr val="accent1"/>
+    </dgm:linClrLst>
+    <dgm:effectClrLst/>
+    <dgm:txLinClrLst/>
+    <dgm:txFillClrLst meth="repeat">
+      <a:schemeClr val="dk1"/>
+    </dgm:txFillClrLst>
+    <dgm:txEffectClrLst/>
+  </dgm:styleLbl>
+  <dgm:styleLbl name="fgAcc2">
+    <dgm:fillClrLst meth="repeat">
+      <a:schemeClr val="lt1">
+        <a:alpha val="90000"/>
+      </a:schemeClr>
+    </dgm:fillClrLst>
+    <dgm:linClrLst meth="repeat">
+      <a:schemeClr val="accent1"/>
+    </dgm:linClrLst>
+    <dgm:effectClrLst/>
+    <dgm:txLinClrLst/>
+    <dgm:txFillClrLst meth="repeat">
+      <a:schemeClr val="dk1"/>
+    </dgm:txFillClrLst>
+    <dgm:txEffectClrLst/>
+  </dgm:styleLbl>
+  <dgm:styleLbl name="fgAcc3">
+    <dgm:fillClrLst meth="repeat">
+      <a:schemeClr val="lt1">
+        <a:alpha val="90000"/>
+      </a:schemeClr>
+    </dgm:fillClrLst>
+    <dgm:linClrLst meth="repeat">
+      <a:schemeClr val="accent1"/>
+    </dgm:linClrLst>
+    <dgm:effectClrLst/>
+    <dgm:txLinClrLst/>
+    <dgm:txFillClrLst meth="repeat">
+      <a:schemeClr val="dk1"/>
+    </dgm:txFillClrLst>
+    <dgm:txEffectClrLst/>
+  </dgm:styleLbl>
+  <dgm:styleLbl name="fgAcc4">
+    <dgm:fillClrLst meth="repeat">
+      <a:schemeClr val="lt1">
+        <a:alpha val="90000"/>
+      </a:schemeClr>
+    </dgm:fillClrLst>
+    <dgm:linClrLst meth="repeat">
+      <a:schemeClr val="accent1"/>
+    </dgm:linClrLst>
+    <dgm:effectClrLst/>
+    <dgm:txLinClrLst/>
+    <dgm:txFillClrLst meth="repeat">
+      <a:schemeClr val="dk1"/>
+    </dgm:txFillClrLst>
+    <dgm:txEffectClrLst/>
+  </dgm:styleLbl>
+  <dgm:styleLbl name="bgShp">
+    <dgm:fillClrLst meth="repeat">
+      <a:schemeClr val="accent1">
+        <a:tint val="40000"/>
+      </a:schemeClr>
+    </dgm:fillClrLst>
+    <dgm:linClrLst meth="repeat">
+      <a:schemeClr val="accent1"/>
+    </dgm:linClrLst>
+    <dgm:effectClrLst/>
+    <dgm:txLinClrLst/>
+    <dgm:txFillClrLst meth="repeat">
+      <a:schemeClr val="dk1"/>
+    </dgm:txFillClrLst>
+    <dgm:txEffectClrLst/>
+  </dgm:styleLbl>
+  <dgm:styleLbl name="dkBgShp">
+    <dgm:fillClrLst meth="repeat">
+      <a:schemeClr val="accent1">
+        <a:shade val="80000"/>
+      </a:schemeClr>
+    </dgm:fillClrLst>
+    <dgm:linClrLst meth="repeat">
+      <a:schemeClr val="accent1"/>
+    </dgm:linClrLst>
+    <dgm:effectClrLst/>
+    <dgm:txLinClrLst/>
+    <dgm:txFillClrLst meth="repeat">
+      <a:schemeClr val="lt1"/>
+    </dgm:txFillClrLst>
+    <dgm:txEffectClrLst/>
+  </dgm:styleLbl>
+  <dgm:styleLbl name="trBgShp">
+    <dgm:fillClrLst meth="repeat">
+      <a:schemeClr val="accent1">
+        <a:tint val="50000"/>
+        <a:alpha val="40000"/>
+      </a:schemeClr>
+    </dgm:fillClrLst>
+    <dgm:linClrLst meth="repeat">
+      <a:schemeClr val="accent1"/>
+    </dgm:linClrLst>
+    <dgm:effectClrLst/>
+    <dgm:txLinClrLst/>
+    <dgm:txFillClrLst meth="repeat">
+      <a:schemeClr val="lt1"/>
+    </dgm:txFillClrLst>
+    <dgm:txEffectClrLst/>
+  </dgm:styleLbl>
+  <dgm:styleLbl name="fgShp">
+    <dgm:fillClrLst meth="repeat">
+      <a:schemeClr val="accent1">
+        <a:tint val="60000"/>
+      </a:schemeClr>
+    </dgm:fillClrLst>
+    <dgm:linClrLst meth="repeat">
+      <a:schemeClr val="lt1"/>
+    </dgm:linClrLst>
+    <dgm:effectClrLst/>
+    <dgm:txLinClrLst/>
+    <dgm:txFillClrLst meth="repeat">
+      <a:schemeClr val="dk1"/>
+    </dgm:txFillClrLst>
+    <dgm:txEffectClrLst/>
+  </dgm:styleLbl>
+  <dgm:styleLbl name="revTx">
+    <dgm:fillClrLst meth="repeat">
+      <a:schemeClr val="lt1">
+        <a:alpha val="0"/>
+      </a:schemeClr>
+    </dgm:fillClrLst>
+    <dgm:linClrLst meth="repeat">
+      <a:schemeClr val="dk1">
+        <a:alpha val="0"/>
+      </a:schemeClr>
+    </dgm:linClrLst>
+    <dgm:effectClrLst/>
+    <dgm:txLinClrLst/>
+    <dgm:txFillClrLst meth="repeat">
+      <a:schemeClr val="tx1"/>
+    </dgm:txFillClrLst>
+    <dgm:txEffectClrLst/>
+  </dgm:styleLbl>
+</dgm:colorsDef>
+</file>
+
+<file path=ppt/diagrams/colors10.xml><?xml version="1.0" encoding="utf-8"?>
 <dgm:colorsDef xmlns:dgm="http://schemas.openxmlformats.org/drawingml/2006/diagram" xmlns:a="http://schemas.openxmlformats.org/drawingml/2006/main" uniqueId="urn:microsoft.com/office/officeart/2005/8/colors/accent1_2">
   <dgm:title val=""/>
   <dgm:desc val=""/>
@@ -7740,6 +8488,503 @@
   <dgm:extLst>
     <a:ext uri="http://schemas.microsoft.com/office/drawing/2008/diagram">
       <dsp:dataModelExt xmlns:dsp="http://schemas.microsoft.com/office/drawing/2008/diagram" relId="rId6" minVer="http://schemas.openxmlformats.org/drawingml/2006/diagram"/>
+    </a:ext>
+  </dgm:extLst>
+</dgm:dataModel>
+</file>
+
+<file path=ppt/diagrams/data10.xml><?xml version="1.0" encoding="utf-8"?>
+<dgm:dataModel xmlns:dgm="http://schemas.openxmlformats.org/drawingml/2006/diagram" xmlns:a="http://schemas.openxmlformats.org/drawingml/2006/main">
+  <dgm:ptLst>
+    <dgm:pt modelId="{1F242792-F517-4142-BF8D-A1AAE568CF8A}" type="doc">
+      <dgm:prSet loTypeId="urn:microsoft.com/office/officeart/2009/layout/CirclePictureHierarchy" loCatId="picture" qsTypeId="urn:microsoft.com/office/officeart/2005/8/quickstyle/simple1" qsCatId="simple" csTypeId="urn:microsoft.com/office/officeart/2005/8/colors/accent1_2" csCatId="accent1" phldr="1"/>
+      <dgm:spPr/>
+      <dgm:t>
+        <a:bodyPr/>
+        <a:lstStyle/>
+        <a:p>
+          <a:endParaRPr lang="it-IT"/>
+        </a:p>
+      </dgm:t>
+    </dgm:pt>
+    <dgm:pt modelId="{24E4BE44-2D45-4731-8D8B-63D05DB69178}">
+      <dgm:prSet phldrT="[Text]"/>
+      <dgm:spPr/>
+      <dgm:t>
+        <a:bodyPr/>
+        <a:lstStyle/>
+        <a:p>
+          <a:r>
+            <a:rPr lang="it-IT" dirty="0" smtClean="0"/>
+            <a:t>Ruby on </a:t>
+          </a:r>
+          <a:r>
+            <a:rPr lang="it-IT" dirty="0" err="1" smtClean="0"/>
+            <a:t>Rails</a:t>
+          </a:r>
+          <a:endParaRPr lang="it-IT" dirty="0"/>
+        </a:p>
+      </dgm:t>
+    </dgm:pt>
+    <dgm:pt modelId="{AE7BE79A-7CF5-45E6-B934-E4AC77DEED8C}" type="parTrans" cxnId="{65676341-7E9C-4283-B84B-B54D713F54BB}">
+      <dgm:prSet/>
+      <dgm:spPr/>
+      <dgm:t>
+        <a:bodyPr/>
+        <a:lstStyle/>
+        <a:p>
+          <a:endParaRPr lang="it-IT"/>
+        </a:p>
+      </dgm:t>
+    </dgm:pt>
+    <dgm:pt modelId="{7DBAB43D-69EE-42E8-9D1D-9B07169BB653}" type="sibTrans" cxnId="{65676341-7E9C-4283-B84B-B54D713F54BB}">
+      <dgm:prSet/>
+      <dgm:spPr/>
+      <dgm:t>
+        <a:bodyPr/>
+        <a:lstStyle/>
+        <a:p>
+          <a:endParaRPr lang="it-IT"/>
+        </a:p>
+      </dgm:t>
+    </dgm:pt>
+    <dgm:pt modelId="{FFAEC13D-EDA4-4CF9-AF6D-1C7ED4118453}">
+      <dgm:prSet phldrT="[Text]"/>
+      <dgm:spPr/>
+      <dgm:t>
+        <a:bodyPr/>
+        <a:lstStyle/>
+        <a:p>
+          <a:r>
+            <a:rPr lang="it-IT" dirty="0" err="1" smtClean="0"/>
+            <a:t>Rspec</a:t>
+          </a:r>
+          <a:r>
+            <a:rPr lang="it-IT" dirty="0" smtClean="0"/>
+            <a:t> </a:t>
+          </a:r>
+          <a:r>
+            <a:rPr lang="it-IT" dirty="0" err="1" smtClean="0"/>
+            <a:t>Expectations</a:t>
+          </a:r>
+          <a:endParaRPr lang="it-IT" dirty="0"/>
+        </a:p>
+      </dgm:t>
+    </dgm:pt>
+    <dgm:pt modelId="{5DB2870D-748C-4FD4-B620-D630C69144D6}" type="parTrans" cxnId="{35B2F350-AD1F-4A1D-9E44-0A553523D000}">
+      <dgm:prSet/>
+      <dgm:spPr/>
+      <dgm:t>
+        <a:bodyPr/>
+        <a:lstStyle/>
+        <a:p>
+          <a:endParaRPr lang="it-IT"/>
+        </a:p>
+      </dgm:t>
+    </dgm:pt>
+    <dgm:pt modelId="{0388CB98-6F82-4B70-B527-9A051CC9BAC7}" type="sibTrans" cxnId="{35B2F350-AD1F-4A1D-9E44-0A553523D000}">
+      <dgm:prSet/>
+      <dgm:spPr/>
+      <dgm:t>
+        <a:bodyPr/>
+        <a:lstStyle/>
+        <a:p>
+          <a:endParaRPr lang="it-IT"/>
+        </a:p>
+      </dgm:t>
+    </dgm:pt>
+    <dgm:pt modelId="{F839EF10-196D-4901-AF5F-1AA24E3AA716}">
+      <dgm:prSet phldrT="[Text]"/>
+      <dgm:spPr/>
+      <dgm:t>
+        <a:bodyPr/>
+        <a:lstStyle/>
+        <a:p>
+          <a:r>
+            <a:rPr lang="it-IT" dirty="0" err="1" smtClean="0"/>
+            <a:t>Cucumber</a:t>
+          </a:r>
+          <a:endParaRPr lang="it-IT" dirty="0"/>
+        </a:p>
+      </dgm:t>
+    </dgm:pt>
+    <dgm:pt modelId="{57C60786-E147-4F30-B316-E5E7A9609322}" type="parTrans" cxnId="{57020C72-968E-4954-B3D9-4F270CDEDFDB}">
+      <dgm:prSet/>
+      <dgm:spPr/>
+      <dgm:t>
+        <a:bodyPr/>
+        <a:lstStyle/>
+        <a:p>
+          <a:endParaRPr lang="it-IT"/>
+        </a:p>
+      </dgm:t>
+    </dgm:pt>
+    <dgm:pt modelId="{864F1236-3782-47B5-9D1E-A0AE819735FE}" type="sibTrans" cxnId="{57020C72-968E-4954-B3D9-4F270CDEDFDB}">
+      <dgm:prSet/>
+      <dgm:spPr/>
+      <dgm:t>
+        <a:bodyPr/>
+        <a:lstStyle/>
+        <a:p>
+          <a:endParaRPr lang="it-IT"/>
+        </a:p>
+      </dgm:t>
+    </dgm:pt>
+    <dgm:pt modelId="{3E3F29FF-4059-4E43-8E63-387A0A4270DC}">
+      <dgm:prSet phldrT="[Text]"/>
+      <dgm:spPr/>
+      <dgm:t>
+        <a:bodyPr/>
+        <a:lstStyle/>
+        <a:p>
+          <a:r>
+            <a:rPr lang="it-IT" dirty="0" err="1" smtClean="0"/>
+            <a:t>Capybara</a:t>
+          </a:r>
+          <a:endParaRPr lang="it-IT" dirty="0"/>
+        </a:p>
+      </dgm:t>
+    </dgm:pt>
+    <dgm:pt modelId="{E3B8112A-239A-4E3D-BA12-A04CAE913A70}" type="sibTrans" cxnId="{163C134E-C3B8-4C37-9BE7-812CC67E5D70}">
+      <dgm:prSet/>
+      <dgm:spPr/>
+      <dgm:t>
+        <a:bodyPr/>
+        <a:lstStyle/>
+        <a:p>
+          <a:endParaRPr lang="it-IT"/>
+        </a:p>
+      </dgm:t>
+    </dgm:pt>
+    <dgm:pt modelId="{36475016-BB9C-452F-9F5C-C7349FC153E3}" type="parTrans" cxnId="{163C134E-C3B8-4C37-9BE7-812CC67E5D70}">
+      <dgm:prSet/>
+      <dgm:spPr/>
+      <dgm:t>
+        <a:bodyPr/>
+        <a:lstStyle/>
+        <a:p>
+          <a:endParaRPr lang="it-IT"/>
+        </a:p>
+      </dgm:t>
+    </dgm:pt>
+    <dgm:pt modelId="{81835404-A5E5-4C0D-8B74-752511A53B7B}" type="pres">
+      <dgm:prSet presAssocID="{1F242792-F517-4142-BF8D-A1AAE568CF8A}" presName="hierChild1" presStyleCnt="0">
+        <dgm:presLayoutVars>
+          <dgm:chPref val="1"/>
+          <dgm:dir/>
+          <dgm:animOne val="branch"/>
+          <dgm:animLvl val="lvl"/>
+          <dgm:resizeHandles/>
+        </dgm:presLayoutVars>
+      </dgm:prSet>
+      <dgm:spPr/>
+      <dgm:t>
+        <a:bodyPr/>
+        <a:lstStyle/>
+        <a:p>
+          <a:endParaRPr lang="it-IT"/>
+        </a:p>
+      </dgm:t>
+    </dgm:pt>
+    <dgm:pt modelId="{6775A3CD-8FCD-4028-8928-189B9EBBF468}" type="pres">
+      <dgm:prSet presAssocID="{24E4BE44-2D45-4731-8D8B-63D05DB69178}" presName="hierRoot1" presStyleCnt="0"/>
+      <dgm:spPr/>
+    </dgm:pt>
+    <dgm:pt modelId="{431518F7-AAC1-4F54-A278-A08154CBA87C}" type="pres">
+      <dgm:prSet presAssocID="{24E4BE44-2D45-4731-8D8B-63D05DB69178}" presName="composite" presStyleCnt="0"/>
+      <dgm:spPr/>
+    </dgm:pt>
+    <dgm:pt modelId="{8878B9EE-8CE0-46C2-8650-8DD0723C9725}" type="pres">
+      <dgm:prSet presAssocID="{24E4BE44-2D45-4731-8D8B-63D05DB69178}" presName="image" presStyleLbl="node0" presStyleIdx="0" presStyleCnt="1" custScaleX="105878" custScaleY="105856" custLinFactNeighborX="-1105" custLinFactNeighborY="1528"/>
+      <dgm:spPr>
+        <a:prstGeom prst="rect">
+          <a:avLst/>
+        </a:prstGeom>
+        <a:blipFill dpi="0" rotWithShape="1">
+          <a:blip xmlns:r="http://schemas.openxmlformats.org/officeDocument/2006/relationships" r:embed="rId1">
+            <a:extLst>
+              <a:ext uri="{28A0092B-C50C-407E-A947-70E740481C1C}">
+                <a14:useLocalDpi xmlns:a14="http://schemas.microsoft.com/office/drawing/2010/main" val="0"/>
+              </a:ext>
+            </a:extLst>
+          </a:blip>
+          <a:srcRect/>
+          <a:stretch>
+            <a:fillRect l="4138" r="4138"/>
+          </a:stretch>
+        </a:blipFill>
+        <a:ln>
+          <a:noFill/>
+        </a:ln>
+      </dgm:spPr>
+      <dgm:t>
+        <a:bodyPr/>
+        <a:lstStyle/>
+        <a:p>
+          <a:endParaRPr lang="it-IT"/>
+        </a:p>
+      </dgm:t>
+    </dgm:pt>
+    <dgm:pt modelId="{753E0CD5-C603-4000-924A-7221CB61805C}" type="pres">
+      <dgm:prSet presAssocID="{24E4BE44-2D45-4731-8D8B-63D05DB69178}" presName="text" presStyleLbl="revTx" presStyleIdx="0" presStyleCnt="4">
+        <dgm:presLayoutVars>
+          <dgm:chPref val="3"/>
+        </dgm:presLayoutVars>
+      </dgm:prSet>
+      <dgm:spPr/>
+      <dgm:t>
+        <a:bodyPr/>
+        <a:lstStyle/>
+        <a:p>
+          <a:endParaRPr lang="it-IT"/>
+        </a:p>
+      </dgm:t>
+    </dgm:pt>
+    <dgm:pt modelId="{5089518C-4551-4B04-BA66-04E9981C2BB3}" type="pres">
+      <dgm:prSet presAssocID="{24E4BE44-2D45-4731-8D8B-63D05DB69178}" presName="hierChild2" presStyleCnt="0"/>
+      <dgm:spPr/>
+    </dgm:pt>
+    <dgm:pt modelId="{F77431F0-9D69-4298-878D-580428FA3EE8}" type="pres">
+      <dgm:prSet presAssocID="{57C60786-E147-4F30-B316-E5E7A9609322}" presName="Name10" presStyleLbl="parChTrans1D2" presStyleIdx="0" presStyleCnt="1"/>
+      <dgm:spPr/>
+      <dgm:t>
+        <a:bodyPr/>
+        <a:lstStyle/>
+        <a:p>
+          <a:endParaRPr lang="it-IT"/>
+        </a:p>
+      </dgm:t>
+    </dgm:pt>
+    <dgm:pt modelId="{E626E7CE-D38A-4C84-9FD6-5345F0D54123}" type="pres">
+      <dgm:prSet presAssocID="{F839EF10-196D-4901-AF5F-1AA24E3AA716}" presName="hierRoot2" presStyleCnt="0"/>
+      <dgm:spPr/>
+    </dgm:pt>
+    <dgm:pt modelId="{14223050-15E0-474E-83D1-37D17D58BF58}" type="pres">
+      <dgm:prSet presAssocID="{F839EF10-196D-4901-AF5F-1AA24E3AA716}" presName="composite2" presStyleCnt="0"/>
+      <dgm:spPr/>
+    </dgm:pt>
+    <dgm:pt modelId="{B245D789-1FA1-4988-B6F7-1F67AA4DCC09}" type="pres">
+      <dgm:prSet presAssocID="{F839EF10-196D-4901-AF5F-1AA24E3AA716}" presName="image2" presStyleLbl="node2" presStyleIdx="0" presStyleCnt="1"/>
+      <dgm:spPr>
+        <a:blipFill>
+          <a:blip xmlns:r="http://schemas.openxmlformats.org/officeDocument/2006/relationships" r:embed="rId2">
+            <a:extLst>
+              <a:ext uri="{28A0092B-C50C-407E-A947-70E740481C1C}">
+                <a14:useLocalDpi xmlns:a14="http://schemas.microsoft.com/office/drawing/2010/main" val="0"/>
+              </a:ext>
+            </a:extLst>
+          </a:blip>
+          <a:srcRect/>
+          <a:stretch>
+            <a:fillRect/>
+          </a:stretch>
+        </a:blipFill>
+        <a:ln>
+          <a:noFill/>
+        </a:ln>
+      </dgm:spPr>
+      <dgm:t>
+        <a:bodyPr/>
+        <a:lstStyle/>
+        <a:p>
+          <a:endParaRPr lang="it-IT"/>
+        </a:p>
+      </dgm:t>
+    </dgm:pt>
+    <dgm:pt modelId="{B82224E3-D7D2-4445-8F95-B8939C4614FB}" type="pres">
+      <dgm:prSet presAssocID="{F839EF10-196D-4901-AF5F-1AA24E3AA716}" presName="text2" presStyleLbl="revTx" presStyleIdx="1" presStyleCnt="4">
+        <dgm:presLayoutVars>
+          <dgm:chPref val="3"/>
+        </dgm:presLayoutVars>
+      </dgm:prSet>
+      <dgm:spPr/>
+      <dgm:t>
+        <a:bodyPr/>
+        <a:lstStyle/>
+        <a:p>
+          <a:endParaRPr lang="it-IT"/>
+        </a:p>
+      </dgm:t>
+    </dgm:pt>
+    <dgm:pt modelId="{E6833889-C932-43EF-A466-B51E12792BB8}" type="pres">
+      <dgm:prSet presAssocID="{F839EF10-196D-4901-AF5F-1AA24E3AA716}" presName="hierChild3" presStyleCnt="0"/>
+      <dgm:spPr/>
+    </dgm:pt>
+    <dgm:pt modelId="{2B8E061B-CD29-4EC9-82FE-A5BC87ADE486}" type="pres">
+      <dgm:prSet presAssocID="{5DB2870D-748C-4FD4-B620-D630C69144D6}" presName="Name17" presStyleLbl="parChTrans1D3" presStyleIdx="0" presStyleCnt="1"/>
+      <dgm:spPr/>
+      <dgm:t>
+        <a:bodyPr/>
+        <a:lstStyle/>
+        <a:p>
+          <a:endParaRPr lang="it-IT"/>
+        </a:p>
+      </dgm:t>
+    </dgm:pt>
+    <dgm:pt modelId="{AB78A5FC-A488-4859-8B6E-AF966456580A}" type="pres">
+      <dgm:prSet presAssocID="{FFAEC13D-EDA4-4CF9-AF6D-1C7ED4118453}" presName="hierRoot3" presStyleCnt="0"/>
+      <dgm:spPr/>
+    </dgm:pt>
+    <dgm:pt modelId="{E3E70017-39F0-45F0-98FF-7DF844AB79BA}" type="pres">
+      <dgm:prSet presAssocID="{FFAEC13D-EDA4-4CF9-AF6D-1C7ED4118453}" presName="composite3" presStyleCnt="0"/>
+      <dgm:spPr/>
+    </dgm:pt>
+    <dgm:pt modelId="{720746E0-17DB-46C1-AB50-537AC49D5CE8}" type="pres">
+      <dgm:prSet presAssocID="{FFAEC13D-EDA4-4CF9-AF6D-1C7ED4118453}" presName="image3" presStyleLbl="node3" presStyleIdx="0" presStyleCnt="1"/>
+      <dgm:spPr>
+        <a:blipFill dpi="0" rotWithShape="1">
+          <a:blip xmlns:r="http://schemas.openxmlformats.org/officeDocument/2006/relationships" r:embed="rId3">
+            <a:extLst>
+              <a:ext uri="{28A0092B-C50C-407E-A947-70E740481C1C}">
+                <a14:useLocalDpi xmlns:a14="http://schemas.microsoft.com/office/drawing/2010/main" val="0"/>
+              </a:ext>
+            </a:extLst>
+          </a:blip>
+          <a:srcRect/>
+          <a:stretch>
+            <a:fillRect t="6338" b="6338"/>
+          </a:stretch>
+        </a:blipFill>
+        <a:ln>
+          <a:noFill/>
+        </a:ln>
+      </dgm:spPr>
+      <dgm:t>
+        <a:bodyPr/>
+        <a:lstStyle/>
+        <a:p>
+          <a:endParaRPr lang="it-IT"/>
+        </a:p>
+      </dgm:t>
+    </dgm:pt>
+    <dgm:pt modelId="{97EF85ED-2E25-4AD2-82C4-EEA66124418A}" type="pres">
+      <dgm:prSet presAssocID="{FFAEC13D-EDA4-4CF9-AF6D-1C7ED4118453}" presName="text3" presStyleLbl="revTx" presStyleIdx="2" presStyleCnt="4">
+        <dgm:presLayoutVars>
+          <dgm:chPref val="3"/>
+        </dgm:presLayoutVars>
+      </dgm:prSet>
+      <dgm:spPr/>
+      <dgm:t>
+        <a:bodyPr/>
+        <a:lstStyle/>
+        <a:p>
+          <a:endParaRPr lang="it-IT"/>
+        </a:p>
+      </dgm:t>
+    </dgm:pt>
+    <dgm:pt modelId="{9524FB06-89C9-4C43-91F0-D55E7B9C2107}" type="pres">
+      <dgm:prSet presAssocID="{FFAEC13D-EDA4-4CF9-AF6D-1C7ED4118453}" presName="hierChild4" presStyleCnt="0"/>
+      <dgm:spPr/>
+    </dgm:pt>
+    <dgm:pt modelId="{768E25A1-58DF-4659-9B63-0D597F6911CE}" type="pres">
+      <dgm:prSet presAssocID="{36475016-BB9C-452F-9F5C-C7349FC153E3}" presName="Name23" presStyleLbl="parChTrans1D4" presStyleIdx="0" presStyleCnt="1"/>
+      <dgm:spPr/>
+      <dgm:t>
+        <a:bodyPr/>
+        <a:lstStyle/>
+        <a:p>
+          <a:endParaRPr lang="it-IT"/>
+        </a:p>
+      </dgm:t>
+    </dgm:pt>
+    <dgm:pt modelId="{A451544D-6142-4FC2-A78A-B5DEDA066874}" type="pres">
+      <dgm:prSet presAssocID="{3E3F29FF-4059-4E43-8E63-387A0A4270DC}" presName="hierRoot4" presStyleCnt="0"/>
+      <dgm:spPr/>
+    </dgm:pt>
+    <dgm:pt modelId="{5B0F252D-F681-49F7-8D3F-8A2B2DC83AFB}" type="pres">
+      <dgm:prSet presAssocID="{3E3F29FF-4059-4E43-8E63-387A0A4270DC}" presName="composite4" presStyleCnt="0"/>
+      <dgm:spPr/>
+    </dgm:pt>
+    <dgm:pt modelId="{9DB19DA1-7F6D-46BA-BC8F-182E124B234D}" type="pres">
+      <dgm:prSet presAssocID="{3E3F29FF-4059-4E43-8E63-387A0A4270DC}" presName="image4" presStyleLbl="node4" presStyleIdx="0" presStyleCnt="1"/>
+      <dgm:spPr>
+        <a:blipFill dpi="0" rotWithShape="1">
+          <a:blip xmlns:r="http://schemas.openxmlformats.org/officeDocument/2006/relationships" r:embed="rId4" cstate="print">
+            <a:extLst>
+              <a:ext uri="{28A0092B-C50C-407E-A947-70E740481C1C}">
+                <a14:useLocalDpi xmlns:a14="http://schemas.microsoft.com/office/drawing/2010/main" val="0"/>
+              </a:ext>
+            </a:extLst>
+          </a:blip>
+          <a:srcRect/>
+          <a:stretch>
+            <a:fillRect t="3539" b="3539"/>
+          </a:stretch>
+        </a:blipFill>
+        <a:ln>
+          <a:noFill/>
+        </a:ln>
+      </dgm:spPr>
+      <dgm:t>
+        <a:bodyPr/>
+        <a:lstStyle/>
+        <a:p>
+          <a:endParaRPr lang="it-IT"/>
+        </a:p>
+      </dgm:t>
+    </dgm:pt>
+    <dgm:pt modelId="{55AB449D-7944-4526-A007-A0456E91D90D}" type="pres">
+      <dgm:prSet presAssocID="{3E3F29FF-4059-4E43-8E63-387A0A4270DC}" presName="text4" presStyleLbl="revTx" presStyleIdx="3" presStyleCnt="4">
+        <dgm:presLayoutVars>
+          <dgm:chPref val="3"/>
+        </dgm:presLayoutVars>
+      </dgm:prSet>
+      <dgm:spPr/>
+      <dgm:t>
+        <a:bodyPr/>
+        <a:lstStyle/>
+        <a:p>
+          <a:endParaRPr lang="it-IT"/>
+        </a:p>
+      </dgm:t>
+    </dgm:pt>
+    <dgm:pt modelId="{24E9795C-FA50-42B4-B5D7-05517281ADCF}" type="pres">
+      <dgm:prSet presAssocID="{3E3F29FF-4059-4E43-8E63-387A0A4270DC}" presName="hierChild5" presStyleCnt="0"/>
+      <dgm:spPr/>
+    </dgm:pt>
+  </dgm:ptLst>
+  <dgm:cxnLst>
+    <dgm:cxn modelId="{52B9229E-A6EF-40A5-A2E4-62292410FF78}" type="presOf" srcId="{F839EF10-196D-4901-AF5F-1AA24E3AA716}" destId="{B82224E3-D7D2-4445-8F95-B8939C4614FB}" srcOrd="0" destOrd="0" presId="urn:microsoft.com/office/officeart/2009/layout/CirclePictureHierarchy"/>
+    <dgm:cxn modelId="{57020C72-968E-4954-B3D9-4F270CDEDFDB}" srcId="{24E4BE44-2D45-4731-8D8B-63D05DB69178}" destId="{F839EF10-196D-4901-AF5F-1AA24E3AA716}" srcOrd="0" destOrd="0" parTransId="{57C60786-E147-4F30-B316-E5E7A9609322}" sibTransId="{864F1236-3782-47B5-9D1E-A0AE819735FE}"/>
+    <dgm:cxn modelId="{2918F680-9763-4555-A200-174282C5D798}" type="presOf" srcId="{57C60786-E147-4F30-B316-E5E7A9609322}" destId="{F77431F0-9D69-4298-878D-580428FA3EE8}" srcOrd="0" destOrd="0" presId="urn:microsoft.com/office/officeart/2009/layout/CirclePictureHierarchy"/>
+    <dgm:cxn modelId="{21D87572-47BE-47C0-A7B6-F172D3591E16}" type="presOf" srcId="{24E4BE44-2D45-4731-8D8B-63D05DB69178}" destId="{753E0CD5-C603-4000-924A-7221CB61805C}" srcOrd="0" destOrd="0" presId="urn:microsoft.com/office/officeart/2009/layout/CirclePictureHierarchy"/>
+    <dgm:cxn modelId="{E22EC862-145F-4DF8-A694-97328BFAC675}" type="presOf" srcId="{FFAEC13D-EDA4-4CF9-AF6D-1C7ED4118453}" destId="{97EF85ED-2E25-4AD2-82C4-EEA66124418A}" srcOrd="0" destOrd="0" presId="urn:microsoft.com/office/officeart/2009/layout/CirclePictureHierarchy"/>
+    <dgm:cxn modelId="{69B9668E-D7BC-4CF8-B365-577575F43F8C}" type="presOf" srcId="{1F242792-F517-4142-BF8D-A1AAE568CF8A}" destId="{81835404-A5E5-4C0D-8B74-752511A53B7B}" srcOrd="0" destOrd="0" presId="urn:microsoft.com/office/officeart/2009/layout/CirclePictureHierarchy"/>
+    <dgm:cxn modelId="{6012036F-DCE1-4535-A681-66F0BE4A660A}" type="presOf" srcId="{36475016-BB9C-452F-9F5C-C7349FC153E3}" destId="{768E25A1-58DF-4659-9B63-0D597F6911CE}" srcOrd="0" destOrd="0" presId="urn:microsoft.com/office/officeart/2009/layout/CirclePictureHierarchy"/>
+    <dgm:cxn modelId="{35B2F350-AD1F-4A1D-9E44-0A553523D000}" srcId="{F839EF10-196D-4901-AF5F-1AA24E3AA716}" destId="{FFAEC13D-EDA4-4CF9-AF6D-1C7ED4118453}" srcOrd="0" destOrd="0" parTransId="{5DB2870D-748C-4FD4-B620-D630C69144D6}" sibTransId="{0388CB98-6F82-4B70-B527-9A051CC9BAC7}"/>
+    <dgm:cxn modelId="{25414B20-52F6-4D37-8DFB-A0C31336BD24}" type="presOf" srcId="{3E3F29FF-4059-4E43-8E63-387A0A4270DC}" destId="{55AB449D-7944-4526-A007-A0456E91D90D}" srcOrd="0" destOrd="0" presId="urn:microsoft.com/office/officeart/2009/layout/CirclePictureHierarchy"/>
+    <dgm:cxn modelId="{163C134E-C3B8-4C37-9BE7-812CC67E5D70}" srcId="{FFAEC13D-EDA4-4CF9-AF6D-1C7ED4118453}" destId="{3E3F29FF-4059-4E43-8E63-387A0A4270DC}" srcOrd="0" destOrd="0" parTransId="{36475016-BB9C-452F-9F5C-C7349FC153E3}" sibTransId="{E3B8112A-239A-4E3D-BA12-A04CAE913A70}"/>
+    <dgm:cxn modelId="{098A14B8-FACF-409C-985E-7AF213EC63A1}" type="presOf" srcId="{5DB2870D-748C-4FD4-B620-D630C69144D6}" destId="{2B8E061B-CD29-4EC9-82FE-A5BC87ADE486}" srcOrd="0" destOrd="0" presId="urn:microsoft.com/office/officeart/2009/layout/CirclePictureHierarchy"/>
+    <dgm:cxn modelId="{65676341-7E9C-4283-B84B-B54D713F54BB}" srcId="{1F242792-F517-4142-BF8D-A1AAE568CF8A}" destId="{24E4BE44-2D45-4731-8D8B-63D05DB69178}" srcOrd="0" destOrd="0" parTransId="{AE7BE79A-7CF5-45E6-B934-E4AC77DEED8C}" sibTransId="{7DBAB43D-69EE-42E8-9D1D-9B07169BB653}"/>
+    <dgm:cxn modelId="{1CA3860C-87B5-415A-B2DF-33E37FC8ABF9}" type="presParOf" srcId="{81835404-A5E5-4C0D-8B74-752511A53B7B}" destId="{6775A3CD-8FCD-4028-8928-189B9EBBF468}" srcOrd="0" destOrd="0" presId="urn:microsoft.com/office/officeart/2009/layout/CirclePictureHierarchy"/>
+    <dgm:cxn modelId="{97246EC1-84A3-4787-8720-C5EDDCA366C8}" type="presParOf" srcId="{6775A3CD-8FCD-4028-8928-189B9EBBF468}" destId="{431518F7-AAC1-4F54-A278-A08154CBA87C}" srcOrd="0" destOrd="0" presId="urn:microsoft.com/office/officeart/2009/layout/CirclePictureHierarchy"/>
+    <dgm:cxn modelId="{27B95B5F-A2B0-4FAC-84C7-90DF36D52115}" type="presParOf" srcId="{431518F7-AAC1-4F54-A278-A08154CBA87C}" destId="{8878B9EE-8CE0-46C2-8650-8DD0723C9725}" srcOrd="0" destOrd="0" presId="urn:microsoft.com/office/officeart/2009/layout/CirclePictureHierarchy"/>
+    <dgm:cxn modelId="{EEA9D3D2-E40E-4582-8D64-AA7B74C19712}" type="presParOf" srcId="{431518F7-AAC1-4F54-A278-A08154CBA87C}" destId="{753E0CD5-C603-4000-924A-7221CB61805C}" srcOrd="1" destOrd="0" presId="urn:microsoft.com/office/officeart/2009/layout/CirclePictureHierarchy"/>
+    <dgm:cxn modelId="{82A0DFC7-978B-4D84-B555-F7781675C757}" type="presParOf" srcId="{6775A3CD-8FCD-4028-8928-189B9EBBF468}" destId="{5089518C-4551-4B04-BA66-04E9981C2BB3}" srcOrd="1" destOrd="0" presId="urn:microsoft.com/office/officeart/2009/layout/CirclePictureHierarchy"/>
+    <dgm:cxn modelId="{9DB861D8-2E4E-4E1C-B742-8B177070CC2A}" type="presParOf" srcId="{5089518C-4551-4B04-BA66-04E9981C2BB3}" destId="{F77431F0-9D69-4298-878D-580428FA3EE8}" srcOrd="0" destOrd="0" presId="urn:microsoft.com/office/officeart/2009/layout/CirclePictureHierarchy"/>
+    <dgm:cxn modelId="{0242D2B7-3759-457A-8949-E32D255118BD}" type="presParOf" srcId="{5089518C-4551-4B04-BA66-04E9981C2BB3}" destId="{E626E7CE-D38A-4C84-9FD6-5345F0D54123}" srcOrd="1" destOrd="0" presId="urn:microsoft.com/office/officeart/2009/layout/CirclePictureHierarchy"/>
+    <dgm:cxn modelId="{994838F1-B11B-4B53-9FAD-528E0A757B49}" type="presParOf" srcId="{E626E7CE-D38A-4C84-9FD6-5345F0D54123}" destId="{14223050-15E0-474E-83D1-37D17D58BF58}" srcOrd="0" destOrd="0" presId="urn:microsoft.com/office/officeart/2009/layout/CirclePictureHierarchy"/>
+    <dgm:cxn modelId="{4EC4CDBE-E2A4-4847-BCA0-23BD54E80C2E}" type="presParOf" srcId="{14223050-15E0-474E-83D1-37D17D58BF58}" destId="{B245D789-1FA1-4988-B6F7-1F67AA4DCC09}" srcOrd="0" destOrd="0" presId="urn:microsoft.com/office/officeart/2009/layout/CirclePictureHierarchy"/>
+    <dgm:cxn modelId="{547F2D77-AC68-443B-8533-623C9025328B}" type="presParOf" srcId="{14223050-15E0-474E-83D1-37D17D58BF58}" destId="{B82224E3-D7D2-4445-8F95-B8939C4614FB}" srcOrd="1" destOrd="0" presId="urn:microsoft.com/office/officeart/2009/layout/CirclePictureHierarchy"/>
+    <dgm:cxn modelId="{6ED871C1-E8D8-42D4-9C7B-F2DEAA283D65}" type="presParOf" srcId="{E626E7CE-D38A-4C84-9FD6-5345F0D54123}" destId="{E6833889-C932-43EF-A466-B51E12792BB8}" srcOrd="1" destOrd="0" presId="urn:microsoft.com/office/officeart/2009/layout/CirclePictureHierarchy"/>
+    <dgm:cxn modelId="{C12A4480-88B2-42FC-ABDD-E61C9147F34C}" type="presParOf" srcId="{E6833889-C932-43EF-A466-B51E12792BB8}" destId="{2B8E061B-CD29-4EC9-82FE-A5BC87ADE486}" srcOrd="0" destOrd="0" presId="urn:microsoft.com/office/officeart/2009/layout/CirclePictureHierarchy"/>
+    <dgm:cxn modelId="{143C0357-0BB2-423E-979F-3172024BC681}" type="presParOf" srcId="{E6833889-C932-43EF-A466-B51E12792BB8}" destId="{AB78A5FC-A488-4859-8B6E-AF966456580A}" srcOrd="1" destOrd="0" presId="urn:microsoft.com/office/officeart/2009/layout/CirclePictureHierarchy"/>
+    <dgm:cxn modelId="{9B0ADBF9-0AA2-4DF0-BF1F-47280CEF9245}" type="presParOf" srcId="{AB78A5FC-A488-4859-8B6E-AF966456580A}" destId="{E3E70017-39F0-45F0-98FF-7DF844AB79BA}" srcOrd="0" destOrd="0" presId="urn:microsoft.com/office/officeart/2009/layout/CirclePictureHierarchy"/>
+    <dgm:cxn modelId="{AC11ECC8-D96F-4A39-A33E-0EB3331AC313}" type="presParOf" srcId="{E3E70017-39F0-45F0-98FF-7DF844AB79BA}" destId="{720746E0-17DB-46C1-AB50-537AC49D5CE8}" srcOrd="0" destOrd="0" presId="urn:microsoft.com/office/officeart/2009/layout/CirclePictureHierarchy"/>
+    <dgm:cxn modelId="{D9BE4A9C-71E0-4C54-BC51-5A40E2F3BCD7}" type="presParOf" srcId="{E3E70017-39F0-45F0-98FF-7DF844AB79BA}" destId="{97EF85ED-2E25-4AD2-82C4-EEA66124418A}" srcOrd="1" destOrd="0" presId="urn:microsoft.com/office/officeart/2009/layout/CirclePictureHierarchy"/>
+    <dgm:cxn modelId="{3A62BE26-22E0-4125-809A-E193C50456A9}" type="presParOf" srcId="{AB78A5FC-A488-4859-8B6E-AF966456580A}" destId="{9524FB06-89C9-4C43-91F0-D55E7B9C2107}" srcOrd="1" destOrd="0" presId="urn:microsoft.com/office/officeart/2009/layout/CirclePictureHierarchy"/>
+    <dgm:cxn modelId="{0070C1A5-DD98-4ADE-B505-0A9DE0D1AFE6}" type="presParOf" srcId="{9524FB06-89C9-4C43-91F0-D55E7B9C2107}" destId="{768E25A1-58DF-4659-9B63-0D597F6911CE}" srcOrd="0" destOrd="0" presId="urn:microsoft.com/office/officeart/2009/layout/CirclePictureHierarchy"/>
+    <dgm:cxn modelId="{ED8233A4-EE03-413E-B82F-1C78AED2E2E8}" type="presParOf" srcId="{9524FB06-89C9-4C43-91F0-D55E7B9C2107}" destId="{A451544D-6142-4FC2-A78A-B5DEDA066874}" srcOrd="1" destOrd="0" presId="urn:microsoft.com/office/officeart/2009/layout/CirclePictureHierarchy"/>
+    <dgm:cxn modelId="{B223597E-D914-4DA4-AA52-0A7D0E179391}" type="presParOf" srcId="{A451544D-6142-4FC2-A78A-B5DEDA066874}" destId="{5B0F252D-F681-49F7-8D3F-8A2B2DC83AFB}" srcOrd="0" destOrd="0" presId="urn:microsoft.com/office/officeart/2009/layout/CirclePictureHierarchy"/>
+    <dgm:cxn modelId="{7557C9D3-6D94-4E4E-9FD5-CFC5662D66AE}" type="presParOf" srcId="{5B0F252D-F681-49F7-8D3F-8A2B2DC83AFB}" destId="{9DB19DA1-7F6D-46BA-BC8F-182E124B234D}" srcOrd="0" destOrd="0" presId="urn:microsoft.com/office/officeart/2009/layout/CirclePictureHierarchy"/>
+    <dgm:cxn modelId="{6010661C-60B2-44C5-928A-FDBA44519299}" type="presParOf" srcId="{5B0F252D-F681-49F7-8D3F-8A2B2DC83AFB}" destId="{55AB449D-7944-4526-A007-A0456E91D90D}" srcOrd="1" destOrd="0" presId="urn:microsoft.com/office/officeart/2009/layout/CirclePictureHierarchy"/>
+    <dgm:cxn modelId="{580AA453-9034-42DD-B542-9125A4F86582}" type="presParOf" srcId="{A451544D-6142-4FC2-A78A-B5DEDA066874}" destId="{24E9795C-FA50-42B4-B5D7-05517281ADCF}" srcOrd="1" destOrd="0" presId="urn:microsoft.com/office/officeart/2009/layout/CirclePictureHierarchy"/>
+  </dgm:cxnLst>
+  <dgm:bg/>
+  <dgm:whole/>
+  <dgm:extLst>
+    <a:ext uri="http://schemas.microsoft.com/office/drawing/2008/diagram">
+      <dsp:dataModelExt xmlns:dsp="http://schemas.microsoft.com/office/drawing/2008/diagram" relId="rId13" minVer="http://schemas.openxmlformats.org/drawingml/2006/diagram"/>
     </a:ext>
   </dgm:extLst>
 </dgm:dataModel>
@@ -9586,7 +10831,9 @@
           </a:fontRef>
         </dgm:style>
       </dgm:prSet>
-      <dgm:spPr/>
+      <dgm:spPr>
+        <a:ln w="15875"/>
+      </dgm:spPr>
       <dgm:t>
         <a:bodyPr/>
         <a:lstStyle/>
@@ -9638,7 +10885,9 @@
           </a:fontRef>
         </dgm:style>
       </dgm:prSet>
-      <dgm:spPr/>
+      <dgm:spPr>
+        <a:ln w="15875"/>
+      </dgm:spPr>
       <dgm:t>
         <a:bodyPr/>
         <a:lstStyle/>
@@ -9751,7 +11000,9 @@
           </a:fontRef>
         </dgm:style>
       </dgm:prSet>
-      <dgm:spPr/>
+      <dgm:spPr>
+        <a:ln w="15875"/>
+      </dgm:spPr>
       <dgm:t>
         <a:bodyPr/>
         <a:lstStyle/>
@@ -9803,7 +11054,9 @@
           </a:fontRef>
         </dgm:style>
       </dgm:prSet>
-      <dgm:spPr/>
+      <dgm:spPr>
+        <a:ln w="15875"/>
+      </dgm:spPr>
       <dgm:t>
         <a:bodyPr/>
         <a:lstStyle/>
@@ -9916,7 +11169,9 @@
           </a:fontRef>
         </dgm:style>
       </dgm:prSet>
-      <dgm:spPr/>
+      <dgm:spPr>
+        <a:ln w="15875"/>
+      </dgm:spPr>
       <dgm:t>
         <a:bodyPr/>
         <a:lstStyle/>
@@ -9968,7 +11223,9 @@
           </a:fontRef>
         </dgm:style>
       </dgm:prSet>
-      <dgm:spPr/>
+      <dgm:spPr>
+        <a:ln w="15875"/>
+      </dgm:spPr>
       <dgm:t>
         <a:bodyPr/>
         <a:lstStyle/>
@@ -10626,10 +11883,6 @@
           <a:r>
             <a:rPr lang="it-IT" dirty="0" err="1" smtClean="0"/>
             <a:t>Selenium</a:t>
-          </a:r>
-          <a:r>
-            <a:rPr lang="it-IT" dirty="0" smtClean="0"/>
-            <a:t> Java</a:t>
           </a:r>
           <a:endParaRPr lang="it-IT" dirty="0"/>
         </a:p>
@@ -11742,30 +12995,30 @@
     </dgm:pt>
   </dgm:ptLst>
   <dgm:cxnLst>
+    <dgm:cxn modelId="{08029E31-D622-4D35-8DF9-1F775B35F597}" srcId="{3845991D-A732-46C7-A6D5-AE3BCF7F68A9}" destId="{7B06B76E-B0CA-4321-9239-AD72C2C4C742}" srcOrd="0" destOrd="0" parTransId="{603F7FD8-7751-4704-BE78-3ECC1CC01F8C}" sibTransId="{571D3479-5A93-4C71-AF5E-41C1BAD64D2F}"/>
+    <dgm:cxn modelId="{1AC27F78-F67A-47C2-99BB-56E884690DF3}" type="presOf" srcId="{3845991D-A732-46C7-A6D5-AE3BCF7F68A9}" destId="{9E70562A-F13D-42F4-8050-96D24105809C}" srcOrd="1" destOrd="0" presId="urn:microsoft.com/office/officeart/2005/8/layout/process4"/>
+    <dgm:cxn modelId="{870828E4-5738-4983-B198-E9EDBED471CA}" srcId="{9C96CD51-4EC6-404D-B575-97780F6DB7CF}" destId="{EAECB2A9-A0FA-456C-A864-06B0E598A59E}" srcOrd="0" destOrd="0" parTransId="{7014F897-5262-43FC-8A15-B58F5E6FE0EA}" sibTransId="{A2807783-7E3C-4991-8AA9-EC846BF99AC3}"/>
+    <dgm:cxn modelId="{55B8DFC6-C176-4EC1-95B3-9E8D3CB1F988}" type="presOf" srcId="{3845991D-A732-46C7-A6D5-AE3BCF7F68A9}" destId="{FDB4EE9D-188A-4B47-AA46-ABE2CA293794}" srcOrd="0" destOrd="0" presId="urn:microsoft.com/office/officeart/2005/8/layout/process4"/>
+    <dgm:cxn modelId="{4DFD107E-BEA3-48F7-8B82-6D643E9E93B0}" type="presOf" srcId="{35F5A152-1DA0-4E5A-92AA-3F960FCAE983}" destId="{CA7E9E6B-86BA-4567-94A4-341370B2FA56}" srcOrd="1" destOrd="0" presId="urn:microsoft.com/office/officeart/2005/8/layout/process4"/>
+    <dgm:cxn modelId="{915DA3D4-DDE2-4EC2-B776-CF137E69C75D}" type="presOf" srcId="{9C96CD51-4EC6-404D-B575-97780F6DB7CF}" destId="{8C811947-4286-4464-A15A-F5FEAF19A5E9}" srcOrd="0" destOrd="0" presId="urn:microsoft.com/office/officeart/2005/8/layout/process4"/>
+    <dgm:cxn modelId="{5A99696F-53FE-4DA6-97DC-A79F87F463FF}" srcId="{35F5A152-1DA0-4E5A-92AA-3F960FCAE983}" destId="{23B585BB-07F5-4CC9-8420-B6E5B5D04DA0}" srcOrd="0" destOrd="0" parTransId="{A733D4FA-4D55-470B-8AE4-5EF8B8C5CF0C}" sibTransId="{8B6465E5-7C7D-45D7-B674-E20D1BC2EEF2}"/>
+    <dgm:cxn modelId="{0C008611-4DD7-4D48-9817-163E43CB3FC1}" type="presOf" srcId="{EAECB2A9-A0FA-456C-A864-06B0E598A59E}" destId="{96864C29-9564-4224-AB70-BA716932F1EE}" srcOrd="0" destOrd="0" presId="urn:microsoft.com/office/officeart/2005/8/layout/process4"/>
+    <dgm:cxn modelId="{F5A437CD-D77F-4717-9E42-8FB644C81509}" type="presOf" srcId="{23B585BB-07F5-4CC9-8420-B6E5B5D04DA0}" destId="{D45FE1A8-B0DD-4BB0-A61A-750F3B44491F}" srcOrd="0" destOrd="0" presId="urn:microsoft.com/office/officeart/2005/8/layout/process4"/>
     <dgm:cxn modelId="{76581711-89A3-45B4-A993-FFFAC67DE6B6}" srcId="{B342B404-18AA-413C-945D-CD72F2C93D08}" destId="{9C96CD51-4EC6-404D-B575-97780F6DB7CF}" srcOrd="1" destOrd="0" parTransId="{31BC5AE5-E5CD-42BD-A1E4-C15B030244A1}" sibTransId="{A8C84A0A-39D3-442D-98F8-80F4ADDFBD92}"/>
+    <dgm:cxn modelId="{EE691EE9-F2F0-47EF-B0F2-1EFF958779B0}" type="presOf" srcId="{B342B404-18AA-413C-945D-CD72F2C93D08}" destId="{AF698AA4-1516-4993-8603-32221BD03F0E}" srcOrd="0" destOrd="0" presId="urn:microsoft.com/office/officeart/2005/8/layout/process4"/>
+    <dgm:cxn modelId="{2F56CC7D-523D-4A4C-8887-FE35982D17C2}" srcId="{9C96CD51-4EC6-404D-B575-97780F6DB7CF}" destId="{62B80800-7595-45AD-BF07-CAC57D1709EE}" srcOrd="1" destOrd="0" parTransId="{59F0E6CE-5089-4BBF-9AA4-3AF3D6A89ED4}" sibTransId="{5BF29F39-B52B-4607-A324-4D9785E47CFD}"/>
+    <dgm:cxn modelId="{D04823E6-D8F9-4F93-AA0B-E6C7D19C2302}" type="presOf" srcId="{61A8E10D-791A-4CA9-8CBA-A6DDF02543A0}" destId="{692BEB03-3759-431D-93BC-64EECF1A1C02}" srcOrd="0" destOrd="0" presId="urn:microsoft.com/office/officeart/2005/8/layout/process4"/>
+    <dgm:cxn modelId="{1BF2B334-B686-43DB-B78C-4C6E83C77C46}" type="presOf" srcId="{62B80800-7595-45AD-BF07-CAC57D1709EE}" destId="{760481B2-F331-4078-A3A8-DD69B914C50E}" srcOrd="0" destOrd="0" presId="urn:microsoft.com/office/officeart/2005/8/layout/process4"/>
+    <dgm:cxn modelId="{7C18E331-650F-4E54-96A0-9994652A6E18}" type="presOf" srcId="{6BEEEA46-E27E-44F3-A3EA-4585021FBFF9}" destId="{88E75E72-AA14-4481-8840-DFD5EF2C0D6C}" srcOrd="0" destOrd="0" presId="urn:microsoft.com/office/officeart/2005/8/layout/process4"/>
+    <dgm:cxn modelId="{E0B8E54A-EBA7-4EEA-BF01-E2414D2F89CB}" type="presOf" srcId="{1E0CA29D-9399-4D88-B931-53640894DACA}" destId="{B3AE79A5-4341-4DD7-8216-ECBC9C528BD1}" srcOrd="0" destOrd="0" presId="urn:microsoft.com/office/officeart/2005/8/layout/process4"/>
+    <dgm:cxn modelId="{1A051FB0-090A-4927-BF08-6494FFC83309}" type="presOf" srcId="{7B06B76E-B0CA-4321-9239-AD72C2C4C742}" destId="{D4D18F93-F3FF-472B-808B-F738300C98EA}" srcOrd="0" destOrd="0" presId="urn:microsoft.com/office/officeart/2005/8/layout/process4"/>
+    <dgm:cxn modelId="{A2CBF566-91C1-4BCA-8327-85DEB8ABE877}" srcId="{35F5A152-1DA0-4E5A-92AA-3F960FCAE983}" destId="{6BEEEA46-E27E-44F3-A3EA-4585021FBFF9}" srcOrd="1" destOrd="0" parTransId="{F9F1631B-7C16-4C8D-B1F2-35A4AF7D2A05}" sibTransId="{3E5D706A-5DF2-42F3-B81B-302844EF6A41}"/>
+    <dgm:cxn modelId="{7A0AD4A6-B93F-42FC-9535-364C45340A06}" srcId="{35F5A152-1DA0-4E5A-92AA-3F960FCAE983}" destId="{1E0CA29D-9399-4D88-B931-53640894DACA}" srcOrd="2" destOrd="0" parTransId="{1827A123-CD38-4807-A315-08A08588F1F8}" sibTransId="{40AD8C4F-7A14-4290-A23B-47300D7A3976}"/>
+    <dgm:cxn modelId="{90ACE321-F8F6-4175-999F-D6A1AB662026}" type="presOf" srcId="{9C96CD51-4EC6-404D-B575-97780F6DB7CF}" destId="{3A5FC3A6-1721-40CB-B916-DBB666EAF37C}" srcOrd="1" destOrd="0" presId="urn:microsoft.com/office/officeart/2005/8/layout/process4"/>
+    <dgm:cxn modelId="{3C5B84D9-E734-4E6D-AD8E-E42B0D5C6766}" srcId="{B342B404-18AA-413C-945D-CD72F2C93D08}" destId="{3845991D-A732-46C7-A6D5-AE3BCF7F68A9}" srcOrd="2" destOrd="0" parTransId="{46D759DB-1C0E-4346-9AAC-2448A6307E2C}" sibTransId="{43E4DD5A-FA60-4AFD-8BFF-1AFA1CC50183}"/>
+    <dgm:cxn modelId="{022511EF-3486-42E4-B85C-1E4DB21CA522}" srcId="{9C96CD51-4EC6-404D-B575-97780F6DB7CF}" destId="{61A8E10D-791A-4CA9-8CBA-A6DDF02543A0}" srcOrd="2" destOrd="0" parTransId="{7DD4684E-19D7-4A0A-93E8-89BD53DB6067}" sibTransId="{1F832CE0-CF15-4FE1-811D-C327F8EFD7FB}"/>
     <dgm:cxn modelId="{C90973BC-9B0D-48C3-BC81-3E71DF392828}" type="presOf" srcId="{35F5A152-1DA0-4E5A-92AA-3F960FCAE983}" destId="{5B51244A-DD67-4296-A7B9-556F22B84B51}" srcOrd="0" destOrd="0" presId="urn:microsoft.com/office/officeart/2005/8/layout/process4"/>
-    <dgm:cxn modelId="{90ACE321-F8F6-4175-999F-D6A1AB662026}" type="presOf" srcId="{9C96CD51-4EC6-404D-B575-97780F6DB7CF}" destId="{3A5FC3A6-1721-40CB-B916-DBB666EAF37C}" srcOrd="1" destOrd="0" presId="urn:microsoft.com/office/officeart/2005/8/layout/process4"/>
-    <dgm:cxn modelId="{1AC27F78-F67A-47C2-99BB-56E884690DF3}" type="presOf" srcId="{3845991D-A732-46C7-A6D5-AE3BCF7F68A9}" destId="{9E70562A-F13D-42F4-8050-96D24105809C}" srcOrd="1" destOrd="0" presId="urn:microsoft.com/office/officeart/2005/8/layout/process4"/>
-    <dgm:cxn modelId="{EE691EE9-F2F0-47EF-B0F2-1EFF958779B0}" type="presOf" srcId="{B342B404-18AA-413C-945D-CD72F2C93D08}" destId="{AF698AA4-1516-4993-8603-32221BD03F0E}" srcOrd="0" destOrd="0" presId="urn:microsoft.com/office/officeart/2005/8/layout/process4"/>
-    <dgm:cxn modelId="{3C5B84D9-E734-4E6D-AD8E-E42B0D5C6766}" srcId="{B342B404-18AA-413C-945D-CD72F2C93D08}" destId="{3845991D-A732-46C7-A6D5-AE3BCF7F68A9}" srcOrd="2" destOrd="0" parTransId="{46D759DB-1C0E-4346-9AAC-2448A6307E2C}" sibTransId="{43E4DD5A-FA60-4AFD-8BFF-1AFA1CC50183}"/>
-    <dgm:cxn modelId="{7A0AD4A6-B93F-42FC-9535-364C45340A06}" srcId="{35F5A152-1DA0-4E5A-92AA-3F960FCAE983}" destId="{1E0CA29D-9399-4D88-B931-53640894DACA}" srcOrd="2" destOrd="0" parTransId="{1827A123-CD38-4807-A315-08A08588F1F8}" sibTransId="{40AD8C4F-7A14-4290-A23B-47300D7A3976}"/>
-    <dgm:cxn modelId="{2F56CC7D-523D-4A4C-8887-FE35982D17C2}" srcId="{9C96CD51-4EC6-404D-B575-97780F6DB7CF}" destId="{62B80800-7595-45AD-BF07-CAC57D1709EE}" srcOrd="1" destOrd="0" parTransId="{59F0E6CE-5089-4BBF-9AA4-3AF3D6A89ED4}" sibTransId="{5BF29F39-B52B-4607-A324-4D9785E47CFD}"/>
-    <dgm:cxn modelId="{915DA3D4-DDE2-4EC2-B776-CF137E69C75D}" type="presOf" srcId="{9C96CD51-4EC6-404D-B575-97780F6DB7CF}" destId="{8C811947-4286-4464-A15A-F5FEAF19A5E9}" srcOrd="0" destOrd="0" presId="urn:microsoft.com/office/officeart/2005/8/layout/process4"/>
-    <dgm:cxn modelId="{55B8DFC6-C176-4EC1-95B3-9E8D3CB1F988}" type="presOf" srcId="{3845991D-A732-46C7-A6D5-AE3BCF7F68A9}" destId="{FDB4EE9D-188A-4B47-AA46-ABE2CA293794}" srcOrd="0" destOrd="0" presId="urn:microsoft.com/office/officeart/2005/8/layout/process4"/>
-    <dgm:cxn modelId="{7C18E331-650F-4E54-96A0-9994652A6E18}" type="presOf" srcId="{6BEEEA46-E27E-44F3-A3EA-4585021FBFF9}" destId="{88E75E72-AA14-4481-8840-DFD5EF2C0D6C}" srcOrd="0" destOrd="0" presId="urn:microsoft.com/office/officeart/2005/8/layout/process4"/>
-    <dgm:cxn modelId="{1A051FB0-090A-4927-BF08-6494FFC83309}" type="presOf" srcId="{7B06B76E-B0CA-4321-9239-AD72C2C4C742}" destId="{D4D18F93-F3FF-472B-808B-F738300C98EA}" srcOrd="0" destOrd="0" presId="urn:microsoft.com/office/officeart/2005/8/layout/process4"/>
-    <dgm:cxn modelId="{E0B8E54A-EBA7-4EEA-BF01-E2414D2F89CB}" type="presOf" srcId="{1E0CA29D-9399-4D88-B931-53640894DACA}" destId="{B3AE79A5-4341-4DD7-8216-ECBC9C528BD1}" srcOrd="0" destOrd="0" presId="urn:microsoft.com/office/officeart/2005/8/layout/process4"/>
-    <dgm:cxn modelId="{5A99696F-53FE-4DA6-97DC-A79F87F463FF}" srcId="{35F5A152-1DA0-4E5A-92AA-3F960FCAE983}" destId="{23B585BB-07F5-4CC9-8420-B6E5B5D04DA0}" srcOrd="0" destOrd="0" parTransId="{A733D4FA-4D55-470B-8AE4-5EF8B8C5CF0C}" sibTransId="{8B6465E5-7C7D-45D7-B674-E20D1BC2EEF2}"/>
-    <dgm:cxn modelId="{870828E4-5738-4983-B198-E9EDBED471CA}" srcId="{9C96CD51-4EC6-404D-B575-97780F6DB7CF}" destId="{EAECB2A9-A0FA-456C-A864-06B0E598A59E}" srcOrd="0" destOrd="0" parTransId="{7014F897-5262-43FC-8A15-B58F5E6FE0EA}" sibTransId="{A2807783-7E3C-4991-8AA9-EC846BF99AC3}"/>
-    <dgm:cxn modelId="{022511EF-3486-42E4-B85C-1E4DB21CA522}" srcId="{9C96CD51-4EC6-404D-B575-97780F6DB7CF}" destId="{61A8E10D-791A-4CA9-8CBA-A6DDF02543A0}" srcOrd="2" destOrd="0" parTransId="{7DD4684E-19D7-4A0A-93E8-89BD53DB6067}" sibTransId="{1F832CE0-CF15-4FE1-811D-C327F8EFD7FB}"/>
-    <dgm:cxn modelId="{A2CBF566-91C1-4BCA-8327-85DEB8ABE877}" srcId="{35F5A152-1DA0-4E5A-92AA-3F960FCAE983}" destId="{6BEEEA46-E27E-44F3-A3EA-4585021FBFF9}" srcOrd="1" destOrd="0" parTransId="{F9F1631B-7C16-4C8D-B1F2-35A4AF7D2A05}" sibTransId="{3E5D706A-5DF2-42F3-B81B-302844EF6A41}"/>
     <dgm:cxn modelId="{B050CE90-99B4-4954-A1D4-E1D39F7AF9E2}" srcId="{B342B404-18AA-413C-945D-CD72F2C93D08}" destId="{35F5A152-1DA0-4E5A-92AA-3F960FCAE983}" srcOrd="0" destOrd="0" parTransId="{3234329C-751F-49C4-B6AF-D1108D5E82D1}" sibTransId="{B35863D0-EE01-4DCE-A092-BCF50F2E3D94}"/>
-    <dgm:cxn modelId="{08029E31-D622-4D35-8DF9-1F775B35F597}" srcId="{3845991D-A732-46C7-A6D5-AE3BCF7F68A9}" destId="{7B06B76E-B0CA-4321-9239-AD72C2C4C742}" srcOrd="0" destOrd="0" parTransId="{603F7FD8-7751-4704-BE78-3ECC1CC01F8C}" sibTransId="{571D3479-5A93-4C71-AF5E-41C1BAD64D2F}"/>
-    <dgm:cxn modelId="{0C008611-4DD7-4D48-9817-163E43CB3FC1}" type="presOf" srcId="{EAECB2A9-A0FA-456C-A864-06B0E598A59E}" destId="{96864C29-9564-4224-AB70-BA716932F1EE}" srcOrd="0" destOrd="0" presId="urn:microsoft.com/office/officeart/2005/8/layout/process4"/>
-    <dgm:cxn modelId="{4DFD107E-BEA3-48F7-8B82-6D643E9E93B0}" type="presOf" srcId="{35F5A152-1DA0-4E5A-92AA-3F960FCAE983}" destId="{CA7E9E6B-86BA-4567-94A4-341370B2FA56}" srcOrd="1" destOrd="0" presId="urn:microsoft.com/office/officeart/2005/8/layout/process4"/>
-    <dgm:cxn modelId="{1BF2B334-B686-43DB-B78C-4C6E83C77C46}" type="presOf" srcId="{62B80800-7595-45AD-BF07-CAC57D1709EE}" destId="{760481B2-F331-4078-A3A8-DD69B914C50E}" srcOrd="0" destOrd="0" presId="urn:microsoft.com/office/officeart/2005/8/layout/process4"/>
-    <dgm:cxn modelId="{F5A437CD-D77F-4717-9E42-8FB644C81509}" type="presOf" srcId="{23B585BB-07F5-4CC9-8420-B6E5B5D04DA0}" destId="{D45FE1A8-B0DD-4BB0-A61A-750F3B44491F}" srcOrd="0" destOrd="0" presId="urn:microsoft.com/office/officeart/2005/8/layout/process4"/>
-    <dgm:cxn modelId="{D04823E6-D8F9-4F93-AA0B-E6C7D19C2302}" type="presOf" srcId="{61A8E10D-791A-4CA9-8CBA-A6DDF02543A0}" destId="{692BEB03-3759-431D-93BC-64EECF1A1C02}" srcOrd="0" destOrd="0" presId="urn:microsoft.com/office/officeart/2005/8/layout/process4"/>
     <dgm:cxn modelId="{B2FCA0CF-583F-4444-85F0-6E2E27A523B9}" type="presParOf" srcId="{AF698AA4-1516-4993-8603-32221BD03F0E}" destId="{C03038F1-5918-4218-A290-CBB3326FD276}" srcOrd="0" destOrd="0" presId="urn:microsoft.com/office/officeart/2005/8/layout/process4"/>
     <dgm:cxn modelId="{98BF2F91-8D17-4A42-8127-E2FFEC4A5AFB}" type="presParOf" srcId="{C03038F1-5918-4218-A290-CBB3326FD276}" destId="{FDB4EE9D-188A-4B47-AA46-ABE2CA293794}" srcOrd="0" destOrd="0" presId="urn:microsoft.com/office/officeart/2005/8/layout/process4"/>
     <dgm:cxn modelId="{D8D92AC8-C6D7-49A0-BCA5-6F0F7C62738F}" type="presParOf" srcId="{C03038F1-5918-4218-A290-CBB3326FD276}" destId="{9E70562A-F13D-42F4-8050-96D24105809C}" srcOrd="1" destOrd="0" presId="urn:microsoft.com/office/officeart/2005/8/layout/process4"/>
@@ -11935,43 +13188,6 @@
         </a:p>
       </dgm:t>
     </dgm:pt>
-    <dgm:pt modelId="{3E3F29FF-4059-4E43-8E63-387A0A4270DC}">
-      <dgm:prSet phldrT="[Text]"/>
-      <dgm:spPr/>
-      <dgm:t>
-        <a:bodyPr/>
-        <a:lstStyle/>
-        <a:p>
-          <a:r>
-            <a:rPr lang="it-IT" dirty="0" err="1" smtClean="0"/>
-            <a:t>Capybara</a:t>
-          </a:r>
-          <a:endParaRPr lang="it-IT" dirty="0"/>
-        </a:p>
-      </dgm:t>
-    </dgm:pt>
-    <dgm:pt modelId="{36475016-BB9C-452F-9F5C-C7349FC153E3}" type="parTrans" cxnId="{163C134E-C3B8-4C37-9BE7-812CC67E5D70}">
-      <dgm:prSet/>
-      <dgm:spPr/>
-      <dgm:t>
-        <a:bodyPr/>
-        <a:lstStyle/>
-        <a:p>
-          <a:endParaRPr lang="it-IT"/>
-        </a:p>
-      </dgm:t>
-    </dgm:pt>
-    <dgm:pt modelId="{E3B8112A-239A-4E3D-BA12-A04CAE913A70}" type="sibTrans" cxnId="{163C134E-C3B8-4C37-9BE7-812CC67E5D70}">
-      <dgm:prSet/>
-      <dgm:spPr/>
-      <dgm:t>
-        <a:bodyPr/>
-        <a:lstStyle/>
-        <a:p>
-          <a:endParaRPr lang="it-IT"/>
-        </a:p>
-      </dgm:t>
-    </dgm:pt>
     <dgm:pt modelId="{F839EF10-196D-4901-AF5F-1AA24E3AA716}">
       <dgm:prSet phldrT="[Text]"/>
       <dgm:spPr/>
@@ -12068,7 +13284,7 @@
       </dgm:t>
     </dgm:pt>
     <dgm:pt modelId="{753E0CD5-C603-4000-924A-7221CB61805C}" type="pres">
-      <dgm:prSet presAssocID="{24E4BE44-2D45-4731-8D8B-63D05DB69178}" presName="text" presStyleLbl="revTx" presStyleIdx="0" presStyleCnt="5">
+      <dgm:prSet presAssocID="{24E4BE44-2D45-4731-8D8B-63D05DB69178}" presName="text" presStyleLbl="revTx" presStyleIdx="0" presStyleCnt="4">
         <dgm:presLayoutVars>
           <dgm:chPref val="3"/>
         </dgm:presLayoutVars>
@@ -12134,7 +13350,7 @@
       </dgm:t>
     </dgm:pt>
     <dgm:pt modelId="{B82224E3-D7D2-4445-8F95-B8939C4614FB}" type="pres">
-      <dgm:prSet presAssocID="{F839EF10-196D-4901-AF5F-1AA24E3AA716}" presName="text2" presStyleLbl="revTx" presStyleIdx="1" presStyleCnt="5">
+      <dgm:prSet presAssocID="{F839EF10-196D-4901-AF5F-1AA24E3AA716}" presName="text2" presStyleLbl="revTx" presStyleIdx="1" presStyleCnt="4">
         <dgm:presLayoutVars>
           <dgm:chPref val="3"/>
         </dgm:presLayoutVars>
@@ -12200,7 +13416,7 @@
       </dgm:t>
     </dgm:pt>
     <dgm:pt modelId="{97EF85ED-2E25-4AD2-82C4-EEA66124418A}" type="pres">
-      <dgm:prSet presAssocID="{FFAEC13D-EDA4-4CF9-AF6D-1C7ED4118453}" presName="text3" presStyleLbl="revTx" presStyleIdx="2" presStyleCnt="5">
+      <dgm:prSet presAssocID="{FFAEC13D-EDA4-4CF9-AF6D-1C7ED4118453}" presName="text3" presStyleLbl="revTx" presStyleIdx="2" presStyleCnt="4">
         <dgm:presLayoutVars>
           <dgm:chPref val="3"/>
         </dgm:presLayoutVars>
@@ -12219,7 +13435,7 @@
       <dgm:spPr/>
     </dgm:pt>
     <dgm:pt modelId="{AED498CE-2E42-494C-8FCB-C2751E4ABBBB}" type="pres">
-      <dgm:prSet presAssocID="{98782E46-D816-48BC-A1C3-E5534B00DB16}" presName="Name23" presStyleLbl="parChTrans1D4" presStyleIdx="0" presStyleCnt="2"/>
+      <dgm:prSet presAssocID="{98782E46-D816-48BC-A1C3-E5534B00DB16}" presName="Name23" presStyleLbl="parChTrans1D4" presStyleIdx="0" presStyleCnt="1"/>
       <dgm:spPr/>
       <dgm:t>
         <a:bodyPr/>
@@ -12238,7 +13454,7 @@
       <dgm:spPr/>
     </dgm:pt>
     <dgm:pt modelId="{67DC5338-5E87-4A7F-830B-7B70EF658694}" type="pres">
-      <dgm:prSet presAssocID="{8370A280-D612-479C-93C0-00FFE8E63675}" presName="image4" presStyleLbl="node4" presStyleIdx="0" presStyleCnt="2"/>
+      <dgm:prSet presAssocID="{8370A280-D612-479C-93C0-00FFE8E63675}" presName="image4" presStyleLbl="node4" presStyleIdx="0" presStyleCnt="1"/>
       <dgm:spPr>
         <a:blipFill>
           <a:blip xmlns:r="http://schemas.openxmlformats.org/officeDocument/2006/relationships" r:embed="rId4" cstate="print">
@@ -12266,7 +13482,7 @@
       </dgm:t>
     </dgm:pt>
     <dgm:pt modelId="{4911A950-1559-4B80-9521-A26092A1FA74}" type="pres">
-      <dgm:prSet presAssocID="{8370A280-D612-479C-93C0-00FFE8E63675}" presName="text4" presStyleLbl="revTx" presStyleIdx="3" presStyleCnt="5">
+      <dgm:prSet presAssocID="{8370A280-D612-479C-93C0-00FFE8E63675}" presName="text4" presStyleLbl="revTx" presStyleIdx="3" presStyleCnt="4">
         <dgm:presLayoutVars>
           <dgm:chPref val="3"/>
         </dgm:presLayoutVars>
@@ -12284,72 +13500,6 @@
       <dgm:prSet presAssocID="{8370A280-D612-479C-93C0-00FFE8E63675}" presName="hierChild5" presStyleCnt="0"/>
       <dgm:spPr/>
     </dgm:pt>
-    <dgm:pt modelId="{768E25A1-58DF-4659-9B63-0D597F6911CE}" type="pres">
-      <dgm:prSet presAssocID="{36475016-BB9C-452F-9F5C-C7349FC153E3}" presName="Name23" presStyleLbl="parChTrans1D4" presStyleIdx="1" presStyleCnt="2"/>
-      <dgm:spPr/>
-      <dgm:t>
-        <a:bodyPr/>
-        <a:lstStyle/>
-        <a:p>
-          <a:endParaRPr lang="it-IT"/>
-        </a:p>
-      </dgm:t>
-    </dgm:pt>
-    <dgm:pt modelId="{A451544D-6142-4FC2-A78A-B5DEDA066874}" type="pres">
-      <dgm:prSet presAssocID="{3E3F29FF-4059-4E43-8E63-387A0A4270DC}" presName="hierRoot4" presStyleCnt="0"/>
-      <dgm:spPr/>
-    </dgm:pt>
-    <dgm:pt modelId="{5B0F252D-F681-49F7-8D3F-8A2B2DC83AFB}" type="pres">
-      <dgm:prSet presAssocID="{3E3F29FF-4059-4E43-8E63-387A0A4270DC}" presName="composite4" presStyleCnt="0"/>
-      <dgm:spPr/>
-    </dgm:pt>
-    <dgm:pt modelId="{9DB19DA1-7F6D-46BA-BC8F-182E124B234D}" type="pres">
-      <dgm:prSet presAssocID="{3E3F29FF-4059-4E43-8E63-387A0A4270DC}" presName="image4" presStyleLbl="node4" presStyleIdx="1" presStyleCnt="2"/>
-      <dgm:spPr>
-        <a:blipFill dpi="0" rotWithShape="1">
-          <a:blip xmlns:r="http://schemas.openxmlformats.org/officeDocument/2006/relationships" r:embed="rId5" cstate="print">
-            <a:extLst>
-              <a:ext uri="{28A0092B-C50C-407E-A947-70E740481C1C}">
-                <a14:useLocalDpi xmlns:a14="http://schemas.microsoft.com/office/drawing/2010/main" val="0"/>
-              </a:ext>
-            </a:extLst>
-          </a:blip>
-          <a:srcRect/>
-          <a:stretch>
-            <a:fillRect t="3539" b="3539"/>
-          </a:stretch>
-        </a:blipFill>
-        <a:ln>
-          <a:noFill/>
-        </a:ln>
-      </dgm:spPr>
-      <dgm:t>
-        <a:bodyPr/>
-        <a:lstStyle/>
-        <a:p>
-          <a:endParaRPr lang="it-IT"/>
-        </a:p>
-      </dgm:t>
-    </dgm:pt>
-    <dgm:pt modelId="{55AB449D-7944-4526-A007-A0456E91D90D}" type="pres">
-      <dgm:prSet presAssocID="{3E3F29FF-4059-4E43-8E63-387A0A4270DC}" presName="text4" presStyleLbl="revTx" presStyleIdx="4" presStyleCnt="5">
-        <dgm:presLayoutVars>
-          <dgm:chPref val="3"/>
-        </dgm:presLayoutVars>
-      </dgm:prSet>
-      <dgm:spPr/>
-      <dgm:t>
-        <a:bodyPr/>
-        <a:lstStyle/>
-        <a:p>
-          <a:endParaRPr lang="it-IT"/>
-        </a:p>
-      </dgm:t>
-    </dgm:pt>
-    <dgm:pt modelId="{24E9795C-FA50-42B4-B5D7-05517281ADCF}" type="pres">
-      <dgm:prSet presAssocID="{3E3F29FF-4059-4E43-8E63-387A0A4270DC}" presName="hierChild5" presStyleCnt="0"/>
-      <dgm:spPr/>
-    </dgm:pt>
   </dgm:ptLst>
   <dgm:cxnLst>
     <dgm:cxn modelId="{774A4ACC-E88C-4331-A79D-8E323AD8FF61}" type="presOf" srcId="{98782E46-D816-48BC-A1C3-E5534B00DB16}" destId="{AED498CE-2E42-494C-8FCB-C2751E4ABBBB}" srcOrd="0" destOrd="0" presId="urn:microsoft.com/office/officeart/2009/layout/CirclePictureHierarchy"/>
@@ -12358,9 +13508,6 @@
     <dgm:cxn modelId="{463A57D1-16D9-4606-9975-461AB541CFC7}" type="presOf" srcId="{1F242792-F517-4142-BF8D-A1AAE568CF8A}" destId="{81835404-A5E5-4C0D-8B74-752511A53B7B}" srcOrd="0" destOrd="0" presId="urn:microsoft.com/office/officeart/2009/layout/CirclePictureHierarchy"/>
     <dgm:cxn modelId="{35B2F350-AD1F-4A1D-9E44-0A553523D000}" srcId="{F839EF10-196D-4901-AF5F-1AA24E3AA716}" destId="{FFAEC13D-EDA4-4CF9-AF6D-1C7ED4118453}" srcOrd="0" destOrd="0" parTransId="{5DB2870D-748C-4FD4-B620-D630C69144D6}" sibTransId="{0388CB98-6F82-4B70-B527-9A051CC9BAC7}"/>
     <dgm:cxn modelId="{8D560B2F-8556-4712-BC51-E38DFF72508B}" type="presOf" srcId="{F839EF10-196D-4901-AF5F-1AA24E3AA716}" destId="{B82224E3-D7D2-4445-8F95-B8939C4614FB}" srcOrd="0" destOrd="0" presId="urn:microsoft.com/office/officeart/2009/layout/CirclePictureHierarchy"/>
-    <dgm:cxn modelId="{163C134E-C3B8-4C37-9BE7-812CC67E5D70}" srcId="{FFAEC13D-EDA4-4CF9-AF6D-1C7ED4118453}" destId="{3E3F29FF-4059-4E43-8E63-387A0A4270DC}" srcOrd="1" destOrd="0" parTransId="{36475016-BB9C-452F-9F5C-C7349FC153E3}" sibTransId="{E3B8112A-239A-4E3D-BA12-A04CAE913A70}"/>
-    <dgm:cxn modelId="{9EF614AB-B11D-411D-835E-DB4966D6BA7C}" type="presOf" srcId="{3E3F29FF-4059-4E43-8E63-387A0A4270DC}" destId="{55AB449D-7944-4526-A007-A0456E91D90D}" srcOrd="0" destOrd="0" presId="urn:microsoft.com/office/officeart/2009/layout/CirclePictureHierarchy"/>
-    <dgm:cxn modelId="{2F4D1535-F6B8-4ABC-9923-E64F21D34333}" type="presOf" srcId="{36475016-BB9C-452F-9F5C-C7349FC153E3}" destId="{768E25A1-58DF-4659-9B63-0D597F6911CE}" srcOrd="0" destOrd="0" presId="urn:microsoft.com/office/officeart/2009/layout/CirclePictureHierarchy"/>
     <dgm:cxn modelId="{6299BABA-E3A2-4828-BBA4-BA540C9263D6}" type="presOf" srcId="{5DB2870D-748C-4FD4-B620-D630C69144D6}" destId="{2B8E061B-CD29-4EC9-82FE-A5BC87ADE486}" srcOrd="0" destOrd="0" presId="urn:microsoft.com/office/officeart/2009/layout/CirclePictureHierarchy"/>
     <dgm:cxn modelId="{65676341-7E9C-4283-B84B-B54D713F54BB}" srcId="{1F242792-F517-4142-BF8D-A1AAE568CF8A}" destId="{24E4BE44-2D45-4731-8D8B-63D05DB69178}" srcOrd="0" destOrd="0" parTransId="{AE7BE79A-7CF5-45E6-B934-E4AC77DEED8C}" sibTransId="{7DBAB43D-69EE-42E8-9D1D-9B07169BB653}"/>
     <dgm:cxn modelId="{0E615E73-51BB-4BB3-B460-284A6011199A}" type="presOf" srcId="{8370A280-D612-479C-93C0-00FFE8E63675}" destId="{4911A950-1559-4B80-9521-A26092A1FA74}" srcOrd="0" destOrd="0" presId="urn:microsoft.com/office/officeart/2009/layout/CirclePictureHierarchy"/>
@@ -12390,12 +13537,6 @@
     <dgm:cxn modelId="{DF04BC5E-4AA4-4BAB-9068-C2F18EB794A6}" type="presParOf" srcId="{A25B9C03-90BE-4F2B-94BA-E25E428B5DEF}" destId="{67DC5338-5E87-4A7F-830B-7B70EF658694}" srcOrd="0" destOrd="0" presId="urn:microsoft.com/office/officeart/2009/layout/CirclePictureHierarchy"/>
     <dgm:cxn modelId="{629AED6C-E16E-4406-8932-0F12D0FD2450}" type="presParOf" srcId="{A25B9C03-90BE-4F2B-94BA-E25E428B5DEF}" destId="{4911A950-1559-4B80-9521-A26092A1FA74}" srcOrd="1" destOrd="0" presId="urn:microsoft.com/office/officeart/2009/layout/CirclePictureHierarchy"/>
     <dgm:cxn modelId="{3B3FB4F1-F9AE-47E0-9286-70D61211627C}" type="presParOf" srcId="{9B7731D0-8A52-4C2E-9206-05C553F797EB}" destId="{393EDBE0-F3CF-4F9D-906D-4892C5F8BD5E}" srcOrd="1" destOrd="0" presId="urn:microsoft.com/office/officeart/2009/layout/CirclePictureHierarchy"/>
-    <dgm:cxn modelId="{6914DC28-2317-4FA3-A413-76BAE4A4FEE6}" type="presParOf" srcId="{9524FB06-89C9-4C43-91F0-D55E7B9C2107}" destId="{768E25A1-58DF-4659-9B63-0D597F6911CE}" srcOrd="2" destOrd="0" presId="urn:microsoft.com/office/officeart/2009/layout/CirclePictureHierarchy"/>
-    <dgm:cxn modelId="{6E713610-663A-4266-A80E-2333BE8B048B}" type="presParOf" srcId="{9524FB06-89C9-4C43-91F0-D55E7B9C2107}" destId="{A451544D-6142-4FC2-A78A-B5DEDA066874}" srcOrd="3" destOrd="0" presId="urn:microsoft.com/office/officeart/2009/layout/CirclePictureHierarchy"/>
-    <dgm:cxn modelId="{141400E1-4362-469C-8684-71A207A12E36}" type="presParOf" srcId="{A451544D-6142-4FC2-A78A-B5DEDA066874}" destId="{5B0F252D-F681-49F7-8D3F-8A2B2DC83AFB}" srcOrd="0" destOrd="0" presId="urn:microsoft.com/office/officeart/2009/layout/CirclePictureHierarchy"/>
-    <dgm:cxn modelId="{9FA8390D-11F1-4EB8-ACB2-8D85686FEC5E}" type="presParOf" srcId="{5B0F252D-F681-49F7-8D3F-8A2B2DC83AFB}" destId="{9DB19DA1-7F6D-46BA-BC8F-182E124B234D}" srcOrd="0" destOrd="0" presId="urn:microsoft.com/office/officeart/2009/layout/CirclePictureHierarchy"/>
-    <dgm:cxn modelId="{E660AAEC-4172-433A-B2B5-6D64933DD437}" type="presParOf" srcId="{5B0F252D-F681-49F7-8D3F-8A2B2DC83AFB}" destId="{55AB449D-7944-4526-A007-A0456E91D90D}" srcOrd="1" destOrd="0" presId="urn:microsoft.com/office/officeart/2009/layout/CirclePictureHierarchy"/>
-    <dgm:cxn modelId="{209ADB52-D724-41C0-892A-52A5EA4CFD28}" type="presParOf" srcId="{A451544D-6142-4FC2-A78A-B5DEDA066874}" destId="{24E9795C-FA50-42B4-B5D7-05517281ADCF}" srcOrd="1" destOrd="0" presId="urn:microsoft.com/office/officeart/2009/layout/CirclePictureHierarchy"/>
   </dgm:cxnLst>
   <dgm:bg/>
   <dgm:whole/>
@@ -12870,6 +14011,636 @@
         </a:effectRef>
         <a:fontRef idx="minor"/>
       </dsp:style>
+    </dsp:sp>
+  </dsp:spTree>
+</dsp:drawing>
+</file>
+
+<file path=ppt/diagrams/drawing10.xml><?xml version="1.0" encoding="utf-8"?>
+<dsp:drawing xmlns:dgm="http://schemas.openxmlformats.org/drawingml/2006/diagram" xmlns:dsp="http://schemas.microsoft.com/office/drawing/2008/diagram" xmlns:a="http://schemas.openxmlformats.org/drawingml/2006/main">
+  <dsp:spTree>
+    <dsp:nvGrpSpPr>
+      <dsp:cNvPr id="0" name=""/>
+      <dsp:cNvGrpSpPr/>
+    </dsp:nvGrpSpPr>
+    <dsp:grpSpPr/>
+    <dsp:sp modelId="{768E25A1-58DF-4659-9B63-0D597F6911CE}">
+      <dsp:nvSpPr>
+        <dsp:cNvPr id="0" name=""/>
+        <dsp:cNvSpPr/>
+      </dsp:nvSpPr>
+      <dsp:spPr>
+        <a:xfrm>
+          <a:off x="3343489" y="3149762"/>
+          <a:ext cx="91440" cy="266343"/>
+        </a:xfrm>
+        <a:custGeom>
+          <a:avLst/>
+          <a:gdLst/>
+          <a:ahLst/>
+          <a:cxnLst/>
+          <a:rect l="0" t="0" r="0" b="0"/>
+          <a:pathLst>
+            <a:path>
+              <a:moveTo>
+                <a:pt x="45720" y="0"/>
+              </a:moveTo>
+              <a:lnTo>
+                <a:pt x="45720" y="266343"/>
+              </a:lnTo>
+            </a:path>
+          </a:pathLst>
+        </a:custGeom>
+        <a:noFill/>
+        <a:ln w="12700" cap="flat" cmpd="sng" algn="ctr">
+          <a:solidFill>
+            <a:schemeClr val="accent1">
+              <a:shade val="80000"/>
+              <a:hueOff val="0"/>
+              <a:satOff val="0"/>
+              <a:lumOff val="0"/>
+              <a:alphaOff val="0"/>
+            </a:schemeClr>
+          </a:solidFill>
+          <a:prstDash val="solid"/>
+          <a:miter lim="800000"/>
+        </a:ln>
+        <a:effectLst/>
+      </dsp:spPr>
+      <dsp:style>
+        <a:lnRef idx="2">
+          <a:scrgbClr r="0" g="0" b="0"/>
+        </a:lnRef>
+        <a:fillRef idx="0">
+          <a:scrgbClr r="0" g="0" b="0"/>
+        </a:fillRef>
+        <a:effectRef idx="0">
+          <a:scrgbClr r="0" g="0" b="0"/>
+        </a:effectRef>
+        <a:fontRef idx="minor"/>
+      </dsp:style>
+    </dsp:sp>
+    <dsp:sp modelId="{2B8E061B-CD29-4EC9-82FE-A5BC87ADE486}">
+      <dsp:nvSpPr>
+        <dsp:cNvPr id="0" name=""/>
+        <dsp:cNvSpPr/>
+      </dsp:nvSpPr>
+      <dsp:spPr>
+        <a:xfrm>
+          <a:off x="3343489" y="2037885"/>
+          <a:ext cx="91440" cy="266343"/>
+        </a:xfrm>
+        <a:custGeom>
+          <a:avLst/>
+          <a:gdLst/>
+          <a:ahLst/>
+          <a:cxnLst/>
+          <a:rect l="0" t="0" r="0" b="0"/>
+          <a:pathLst>
+            <a:path>
+              <a:moveTo>
+                <a:pt x="45720" y="0"/>
+              </a:moveTo>
+              <a:lnTo>
+                <a:pt x="45720" y="266343"/>
+              </a:lnTo>
+            </a:path>
+          </a:pathLst>
+        </a:custGeom>
+        <a:noFill/>
+        <a:ln w="12700" cap="flat" cmpd="sng" algn="ctr">
+          <a:solidFill>
+            <a:schemeClr val="accent1">
+              <a:shade val="80000"/>
+              <a:hueOff val="0"/>
+              <a:satOff val="0"/>
+              <a:lumOff val="0"/>
+              <a:alphaOff val="0"/>
+            </a:schemeClr>
+          </a:solidFill>
+          <a:prstDash val="solid"/>
+          <a:miter lim="800000"/>
+        </a:ln>
+        <a:effectLst/>
+      </dsp:spPr>
+      <dsp:style>
+        <a:lnRef idx="2">
+          <a:scrgbClr r="0" g="0" b="0"/>
+        </a:lnRef>
+        <a:fillRef idx="0">
+          <a:scrgbClr r="0" g="0" b="0"/>
+        </a:fillRef>
+        <a:effectRef idx="0">
+          <a:scrgbClr r="0" g="0" b="0"/>
+        </a:effectRef>
+        <a:fontRef idx="minor"/>
+      </dsp:style>
+    </dsp:sp>
+    <dsp:sp modelId="{F77431F0-9D69-4298-878D-580428FA3EE8}">
+      <dsp:nvSpPr>
+        <dsp:cNvPr id="0" name=""/>
+        <dsp:cNvSpPr/>
+      </dsp:nvSpPr>
+      <dsp:spPr>
+        <a:xfrm>
+          <a:off x="3343489" y="938927"/>
+          <a:ext cx="91440" cy="253423"/>
+        </a:xfrm>
+        <a:custGeom>
+          <a:avLst/>
+          <a:gdLst/>
+          <a:ahLst/>
+          <a:cxnLst/>
+          <a:rect l="0" t="0" r="0" b="0"/>
+          <a:pathLst>
+            <a:path>
+              <a:moveTo>
+                <a:pt x="48801" y="0"/>
+              </a:moveTo>
+              <a:lnTo>
+                <a:pt x="48801" y="121308"/>
+              </a:lnTo>
+              <a:lnTo>
+                <a:pt x="45720" y="121308"/>
+              </a:lnTo>
+              <a:lnTo>
+                <a:pt x="45720" y="253423"/>
+              </a:lnTo>
+            </a:path>
+          </a:pathLst>
+        </a:custGeom>
+        <a:noFill/>
+        <a:ln w="12700" cap="flat" cmpd="sng" algn="ctr">
+          <a:solidFill>
+            <a:schemeClr val="accent1">
+              <a:shade val="60000"/>
+              <a:hueOff val="0"/>
+              <a:satOff val="0"/>
+              <a:lumOff val="0"/>
+              <a:alphaOff val="0"/>
+            </a:schemeClr>
+          </a:solidFill>
+          <a:prstDash val="solid"/>
+          <a:miter lim="800000"/>
+        </a:ln>
+        <a:effectLst/>
+      </dsp:spPr>
+      <dsp:style>
+        <a:lnRef idx="2">
+          <a:scrgbClr r="0" g="0" b="0"/>
+        </a:lnRef>
+        <a:fillRef idx="0">
+          <a:scrgbClr r="0" g="0" b="0"/>
+        </a:fillRef>
+        <a:effectRef idx="0">
+          <a:scrgbClr r="0" g="0" b="0"/>
+        </a:effectRef>
+        <a:fontRef idx="minor"/>
+      </dsp:style>
+    </dsp:sp>
+    <dsp:sp modelId="{8878B9EE-8CE0-46C2-8650-8DD0723C9725}">
+      <dsp:nvSpPr>
+        <dsp:cNvPr id="0" name=""/>
+        <dsp:cNvSpPr/>
+      </dsp:nvSpPr>
+      <dsp:spPr>
+        <a:xfrm>
+          <a:off x="2944673" y="43878"/>
+          <a:ext cx="895234" cy="895048"/>
+        </a:xfrm>
+        <a:prstGeom prst="rect">
+          <a:avLst/>
+        </a:prstGeom>
+        <a:blipFill dpi="0" rotWithShape="1">
+          <a:blip xmlns:r="http://schemas.openxmlformats.org/officeDocument/2006/relationships" r:embed="rId1">
+            <a:extLst>
+              <a:ext uri="{28A0092B-C50C-407E-A947-70E740481C1C}">
+                <a14:useLocalDpi xmlns:a14="http://schemas.microsoft.com/office/drawing/2010/main" val="0"/>
+              </a:ext>
+            </a:extLst>
+          </a:blip>
+          <a:srcRect/>
+          <a:stretch>
+            <a:fillRect l="4138" r="4138"/>
+          </a:stretch>
+        </a:blipFill>
+        <a:ln w="12700" cap="flat" cmpd="sng" algn="ctr">
+          <a:noFill/>
+          <a:prstDash val="solid"/>
+          <a:miter lim="800000"/>
+        </a:ln>
+        <a:effectLst/>
+      </dsp:spPr>
+      <dsp:style>
+        <a:lnRef idx="2">
+          <a:scrgbClr r="0" g="0" b="0"/>
+        </a:lnRef>
+        <a:fillRef idx="1">
+          <a:scrgbClr r="0" g="0" b="0"/>
+        </a:fillRef>
+        <a:effectRef idx="0">
+          <a:scrgbClr r="0" g="0" b="0"/>
+        </a:effectRef>
+        <a:fontRef idx="minor">
+          <a:schemeClr val="lt1"/>
+        </a:fontRef>
+      </dsp:style>
+    </dsp:sp>
+    <dsp:sp modelId="{753E0CD5-C603-4000-924A-7221CB61805C}">
+      <dsp:nvSpPr>
+        <dsp:cNvPr id="0" name=""/>
+        <dsp:cNvSpPr/>
+      </dsp:nvSpPr>
+      <dsp:spPr>
+        <a:xfrm>
+          <a:off x="3824401" y="53602"/>
+          <a:ext cx="1268301" cy="845534"/>
+        </a:xfrm>
+        <a:prstGeom prst="rect">
+          <a:avLst/>
+        </a:prstGeom>
+        <a:noFill/>
+        <a:ln>
+          <a:noFill/>
+        </a:ln>
+        <a:effectLst/>
+      </dsp:spPr>
+      <dsp:style>
+        <a:lnRef idx="0">
+          <a:scrgbClr r="0" g="0" b="0"/>
+        </a:lnRef>
+        <a:fillRef idx="0">
+          <a:scrgbClr r="0" g="0" b="0"/>
+        </a:fillRef>
+        <a:effectRef idx="0">
+          <a:scrgbClr r="0" g="0" b="0"/>
+        </a:effectRef>
+        <a:fontRef idx="minor"/>
+      </dsp:style>
+      <dsp:txBody>
+        <a:bodyPr spcFirstLastPara="0" vert="horz" wrap="square" lIns="53340" tIns="53340" rIns="53340" bIns="53340" numCol="1" spcCol="1270" anchor="ctr" anchorCtr="0">
+          <a:noAutofit/>
+        </a:bodyPr>
+        <a:lstStyle/>
+        <a:p>
+          <a:pPr lvl="0" algn="l" defTabSz="622300">
+            <a:lnSpc>
+              <a:spcPct val="90000"/>
+            </a:lnSpc>
+            <a:spcBef>
+              <a:spcPct val="0"/>
+            </a:spcBef>
+            <a:spcAft>
+              <a:spcPct val="35000"/>
+            </a:spcAft>
+          </a:pPr>
+          <a:r>
+            <a:rPr lang="it-IT" sz="1400" kern="1200" dirty="0" smtClean="0"/>
+            <a:t>Ruby on </a:t>
+          </a:r>
+          <a:r>
+            <a:rPr lang="it-IT" sz="1400" kern="1200" dirty="0" err="1" smtClean="0"/>
+            <a:t>Rails</a:t>
+          </a:r>
+          <a:endParaRPr lang="it-IT" sz="1400" kern="1200" dirty="0"/>
+        </a:p>
+      </dsp:txBody>
+      <dsp:txXfrm>
+        <a:off x="3824401" y="53602"/>
+        <a:ext cx="1268301" cy="845534"/>
+      </dsp:txXfrm>
+    </dsp:sp>
+    <dsp:sp modelId="{B245D789-1FA1-4988-B6F7-1F67AA4DCC09}">
+      <dsp:nvSpPr>
+        <dsp:cNvPr id="0" name=""/>
+        <dsp:cNvSpPr/>
+      </dsp:nvSpPr>
+      <dsp:spPr>
+        <a:xfrm>
+          <a:off x="2966442" y="1192350"/>
+          <a:ext cx="845534" cy="845534"/>
+        </a:xfrm>
+        <a:prstGeom prst="ellipse">
+          <a:avLst/>
+        </a:prstGeom>
+        <a:blipFill>
+          <a:blip xmlns:r="http://schemas.openxmlformats.org/officeDocument/2006/relationships" r:embed="rId2">
+            <a:extLst>
+              <a:ext uri="{28A0092B-C50C-407E-A947-70E740481C1C}">
+                <a14:useLocalDpi xmlns:a14="http://schemas.microsoft.com/office/drawing/2010/main" val="0"/>
+              </a:ext>
+            </a:extLst>
+          </a:blip>
+          <a:srcRect/>
+          <a:stretch>
+            <a:fillRect/>
+          </a:stretch>
+        </a:blipFill>
+        <a:ln w="12700" cap="flat" cmpd="sng" algn="ctr">
+          <a:noFill/>
+          <a:prstDash val="solid"/>
+          <a:miter lim="800000"/>
+        </a:ln>
+        <a:effectLst/>
+      </dsp:spPr>
+      <dsp:style>
+        <a:lnRef idx="2">
+          <a:scrgbClr r="0" g="0" b="0"/>
+        </a:lnRef>
+        <a:fillRef idx="1">
+          <a:scrgbClr r="0" g="0" b="0"/>
+        </a:fillRef>
+        <a:effectRef idx="0">
+          <a:scrgbClr r="0" g="0" b="0"/>
+        </a:effectRef>
+        <a:fontRef idx="minor">
+          <a:schemeClr val="lt1"/>
+        </a:fontRef>
+      </dsp:style>
+    </dsp:sp>
+    <dsp:sp modelId="{B82224E3-D7D2-4445-8F95-B8939C4614FB}">
+      <dsp:nvSpPr>
+        <dsp:cNvPr id="0" name=""/>
+        <dsp:cNvSpPr/>
+      </dsp:nvSpPr>
+      <dsp:spPr>
+        <a:xfrm>
+          <a:off x="3811976" y="1190237"/>
+          <a:ext cx="1268301" cy="845534"/>
+        </a:xfrm>
+        <a:prstGeom prst="rect">
+          <a:avLst/>
+        </a:prstGeom>
+        <a:noFill/>
+        <a:ln>
+          <a:noFill/>
+        </a:ln>
+        <a:effectLst/>
+      </dsp:spPr>
+      <dsp:style>
+        <a:lnRef idx="0">
+          <a:scrgbClr r="0" g="0" b="0"/>
+        </a:lnRef>
+        <a:fillRef idx="0">
+          <a:scrgbClr r="0" g="0" b="0"/>
+        </a:fillRef>
+        <a:effectRef idx="0">
+          <a:scrgbClr r="0" g="0" b="0"/>
+        </a:effectRef>
+        <a:fontRef idx="minor"/>
+      </dsp:style>
+      <dsp:txBody>
+        <a:bodyPr spcFirstLastPara="0" vert="horz" wrap="square" lIns="53340" tIns="53340" rIns="53340" bIns="53340" numCol="1" spcCol="1270" anchor="ctr" anchorCtr="0">
+          <a:noAutofit/>
+        </a:bodyPr>
+        <a:lstStyle/>
+        <a:p>
+          <a:pPr lvl="0" algn="l" defTabSz="622300">
+            <a:lnSpc>
+              <a:spcPct val="90000"/>
+            </a:lnSpc>
+            <a:spcBef>
+              <a:spcPct val="0"/>
+            </a:spcBef>
+            <a:spcAft>
+              <a:spcPct val="35000"/>
+            </a:spcAft>
+          </a:pPr>
+          <a:r>
+            <a:rPr lang="it-IT" sz="1400" kern="1200" dirty="0" err="1" smtClean="0"/>
+            <a:t>Cucumber</a:t>
+          </a:r>
+          <a:endParaRPr lang="it-IT" sz="1400" kern="1200" dirty="0"/>
+        </a:p>
+      </dsp:txBody>
+      <dsp:txXfrm>
+        <a:off x="3811976" y="1190237"/>
+        <a:ext cx="1268301" cy="845534"/>
+      </dsp:txXfrm>
+    </dsp:sp>
+    <dsp:sp modelId="{720746E0-17DB-46C1-AB50-537AC49D5CE8}">
+      <dsp:nvSpPr>
+        <dsp:cNvPr id="0" name=""/>
+        <dsp:cNvSpPr/>
+      </dsp:nvSpPr>
+      <dsp:spPr>
+        <a:xfrm>
+          <a:off x="2966442" y="2304228"/>
+          <a:ext cx="845534" cy="845534"/>
+        </a:xfrm>
+        <a:prstGeom prst="ellipse">
+          <a:avLst/>
+        </a:prstGeom>
+        <a:blipFill dpi="0" rotWithShape="1">
+          <a:blip xmlns:r="http://schemas.openxmlformats.org/officeDocument/2006/relationships" r:embed="rId3">
+            <a:extLst>
+              <a:ext uri="{28A0092B-C50C-407E-A947-70E740481C1C}">
+                <a14:useLocalDpi xmlns:a14="http://schemas.microsoft.com/office/drawing/2010/main" val="0"/>
+              </a:ext>
+            </a:extLst>
+          </a:blip>
+          <a:srcRect/>
+          <a:stretch>
+            <a:fillRect t="6338" b="6338"/>
+          </a:stretch>
+        </a:blipFill>
+        <a:ln w="12700" cap="flat" cmpd="sng" algn="ctr">
+          <a:noFill/>
+          <a:prstDash val="solid"/>
+          <a:miter lim="800000"/>
+        </a:ln>
+        <a:effectLst/>
+      </dsp:spPr>
+      <dsp:style>
+        <a:lnRef idx="2">
+          <a:scrgbClr r="0" g="0" b="0"/>
+        </a:lnRef>
+        <a:fillRef idx="1">
+          <a:scrgbClr r="0" g="0" b="0"/>
+        </a:fillRef>
+        <a:effectRef idx="0">
+          <a:scrgbClr r="0" g="0" b="0"/>
+        </a:effectRef>
+        <a:fontRef idx="minor">
+          <a:schemeClr val="lt1"/>
+        </a:fontRef>
+      </dsp:style>
+    </dsp:sp>
+    <dsp:sp modelId="{97EF85ED-2E25-4AD2-82C4-EEA66124418A}">
+      <dsp:nvSpPr>
+        <dsp:cNvPr id="0" name=""/>
+        <dsp:cNvSpPr/>
+      </dsp:nvSpPr>
+      <dsp:spPr>
+        <a:xfrm>
+          <a:off x="3811976" y="2302114"/>
+          <a:ext cx="1268301" cy="845534"/>
+        </a:xfrm>
+        <a:prstGeom prst="rect">
+          <a:avLst/>
+        </a:prstGeom>
+        <a:noFill/>
+        <a:ln>
+          <a:noFill/>
+        </a:ln>
+        <a:effectLst/>
+      </dsp:spPr>
+      <dsp:style>
+        <a:lnRef idx="0">
+          <a:scrgbClr r="0" g="0" b="0"/>
+        </a:lnRef>
+        <a:fillRef idx="0">
+          <a:scrgbClr r="0" g="0" b="0"/>
+        </a:fillRef>
+        <a:effectRef idx="0">
+          <a:scrgbClr r="0" g="0" b="0"/>
+        </a:effectRef>
+        <a:fontRef idx="minor"/>
+      </dsp:style>
+      <dsp:txBody>
+        <a:bodyPr spcFirstLastPara="0" vert="horz" wrap="square" lIns="53340" tIns="53340" rIns="53340" bIns="53340" numCol="1" spcCol="1270" anchor="ctr" anchorCtr="0">
+          <a:noAutofit/>
+        </a:bodyPr>
+        <a:lstStyle/>
+        <a:p>
+          <a:pPr lvl="0" algn="l" defTabSz="622300">
+            <a:lnSpc>
+              <a:spcPct val="90000"/>
+            </a:lnSpc>
+            <a:spcBef>
+              <a:spcPct val="0"/>
+            </a:spcBef>
+            <a:spcAft>
+              <a:spcPct val="35000"/>
+            </a:spcAft>
+          </a:pPr>
+          <a:r>
+            <a:rPr lang="it-IT" sz="1400" kern="1200" dirty="0" err="1" smtClean="0"/>
+            <a:t>Rspec</a:t>
+          </a:r>
+          <a:r>
+            <a:rPr lang="it-IT" sz="1400" kern="1200" dirty="0" smtClean="0"/>
+            <a:t> </a:t>
+          </a:r>
+          <a:r>
+            <a:rPr lang="it-IT" sz="1400" kern="1200" dirty="0" err="1" smtClean="0"/>
+            <a:t>Expectations</a:t>
+          </a:r>
+          <a:endParaRPr lang="it-IT" sz="1400" kern="1200" dirty="0"/>
+        </a:p>
+      </dsp:txBody>
+      <dsp:txXfrm>
+        <a:off x="3811976" y="2302114"/>
+        <a:ext cx="1268301" cy="845534"/>
+      </dsp:txXfrm>
+    </dsp:sp>
+    <dsp:sp modelId="{9DB19DA1-7F6D-46BA-BC8F-182E124B234D}">
+      <dsp:nvSpPr>
+        <dsp:cNvPr id="0" name=""/>
+        <dsp:cNvSpPr/>
+      </dsp:nvSpPr>
+      <dsp:spPr>
+        <a:xfrm>
+          <a:off x="2966442" y="3416105"/>
+          <a:ext cx="845534" cy="845534"/>
+        </a:xfrm>
+        <a:prstGeom prst="ellipse">
+          <a:avLst/>
+        </a:prstGeom>
+        <a:blipFill dpi="0" rotWithShape="1">
+          <a:blip xmlns:r="http://schemas.openxmlformats.org/officeDocument/2006/relationships" r:embed="rId4" cstate="print">
+            <a:extLst>
+              <a:ext uri="{28A0092B-C50C-407E-A947-70E740481C1C}">
+                <a14:useLocalDpi xmlns:a14="http://schemas.microsoft.com/office/drawing/2010/main" val="0"/>
+              </a:ext>
+            </a:extLst>
+          </a:blip>
+          <a:srcRect/>
+          <a:stretch>
+            <a:fillRect t="3539" b="3539"/>
+          </a:stretch>
+        </a:blipFill>
+        <a:ln w="12700" cap="flat" cmpd="sng" algn="ctr">
+          <a:noFill/>
+          <a:prstDash val="solid"/>
+          <a:miter lim="800000"/>
+        </a:ln>
+        <a:effectLst/>
+      </dsp:spPr>
+      <dsp:style>
+        <a:lnRef idx="2">
+          <a:scrgbClr r="0" g="0" b="0"/>
+        </a:lnRef>
+        <a:fillRef idx="1">
+          <a:scrgbClr r="0" g="0" b="0"/>
+        </a:fillRef>
+        <a:effectRef idx="0">
+          <a:scrgbClr r="0" g="0" b="0"/>
+        </a:effectRef>
+        <a:fontRef idx="minor">
+          <a:schemeClr val="lt1"/>
+        </a:fontRef>
+      </dsp:style>
+    </dsp:sp>
+    <dsp:sp modelId="{55AB449D-7944-4526-A007-A0456E91D90D}">
+      <dsp:nvSpPr>
+        <dsp:cNvPr id="0" name=""/>
+        <dsp:cNvSpPr/>
+      </dsp:nvSpPr>
+      <dsp:spPr>
+        <a:xfrm>
+          <a:off x="3811976" y="3413992"/>
+          <a:ext cx="1268301" cy="845534"/>
+        </a:xfrm>
+        <a:prstGeom prst="rect">
+          <a:avLst/>
+        </a:prstGeom>
+        <a:noFill/>
+        <a:ln>
+          <a:noFill/>
+        </a:ln>
+        <a:effectLst/>
+      </dsp:spPr>
+      <dsp:style>
+        <a:lnRef idx="0">
+          <a:scrgbClr r="0" g="0" b="0"/>
+        </a:lnRef>
+        <a:fillRef idx="0">
+          <a:scrgbClr r="0" g="0" b="0"/>
+        </a:fillRef>
+        <a:effectRef idx="0">
+          <a:scrgbClr r="0" g="0" b="0"/>
+        </a:effectRef>
+        <a:fontRef idx="minor"/>
+      </dsp:style>
+      <dsp:txBody>
+        <a:bodyPr spcFirstLastPara="0" vert="horz" wrap="square" lIns="53340" tIns="53340" rIns="53340" bIns="53340" numCol="1" spcCol="1270" anchor="ctr" anchorCtr="0">
+          <a:noAutofit/>
+        </a:bodyPr>
+        <a:lstStyle/>
+        <a:p>
+          <a:pPr lvl="0" algn="l" defTabSz="622300">
+            <a:lnSpc>
+              <a:spcPct val="90000"/>
+            </a:lnSpc>
+            <a:spcBef>
+              <a:spcPct val="0"/>
+            </a:spcBef>
+            <a:spcAft>
+              <a:spcPct val="35000"/>
+            </a:spcAft>
+          </a:pPr>
+          <a:r>
+            <a:rPr lang="it-IT" sz="1400" kern="1200" dirty="0" err="1" smtClean="0"/>
+            <a:t>Capybara</a:t>
+          </a:r>
+          <a:endParaRPr lang="it-IT" sz="1400" kern="1200" dirty="0"/>
+        </a:p>
+      </dsp:txBody>
+      <dsp:txXfrm>
+        <a:off x="3811976" y="3413992"/>
+        <a:ext cx="1268301" cy="845534"/>
+      </dsp:txXfrm>
     </dsp:sp>
   </dsp:spTree>
 </dsp:drawing>
@@ -14750,7 +16521,7 @@
         <a:solidFill>
           <a:schemeClr val="lt1"/>
         </a:solidFill>
-        <a:ln w="12700" cap="flat" cmpd="sng" algn="ctr">
+        <a:ln w="15875" cap="flat" cmpd="sng" algn="ctr">
           <a:solidFill>
             <a:schemeClr val="accent1"/>
           </a:solidFill>
@@ -14911,7 +16682,7 @@
         <a:solidFill>
           <a:schemeClr val="lt1"/>
         </a:solidFill>
-        <a:ln w="12700" cap="flat" cmpd="sng" algn="ctr">
+        <a:ln w="15875" cap="flat" cmpd="sng" algn="ctr">
           <a:solidFill>
             <a:schemeClr val="accent1"/>
           </a:solidFill>
@@ -15072,7 +16843,7 @@
         <a:solidFill>
           <a:schemeClr val="lt1"/>
         </a:solidFill>
-        <a:ln w="12700" cap="flat" cmpd="sng" algn="ctr">
+        <a:ln w="15875" cap="flat" cmpd="sng" algn="ctr">
           <a:solidFill>
             <a:schemeClr val="accent1"/>
           </a:solidFill>
@@ -15480,10 +17251,6 @@
           <a:r>
             <a:rPr lang="it-IT" sz="2900" kern="1200" dirty="0" err="1" smtClean="0"/>
             <a:t>Selenium</a:t>
-          </a:r>
-          <a:r>
-            <a:rPr lang="it-IT" sz="2900" kern="1200" dirty="0" smtClean="0"/>
-            <a:t> Java</a:t>
           </a:r>
           <a:endParaRPr lang="it-IT" sz="2900" kern="1200" dirty="0"/>
         </a:p>
@@ -17013,15 +18780,15 @@
       <dsp:cNvGrpSpPr/>
     </dsp:nvGrpSpPr>
     <dsp:grpSpPr/>
-    <dsp:sp modelId="{768E25A1-58DF-4659-9B63-0D597F6911CE}">
+    <dsp:sp modelId="{AED498CE-2E42-494C-8FCB-C2751E4ABBBB}">
       <dsp:nvSpPr>
         <dsp:cNvPr id="0" name=""/>
         <dsp:cNvSpPr/>
       </dsp:nvSpPr>
       <dsp:spPr>
         <a:xfrm>
-          <a:off x="3389209" y="3149762"/>
-          <a:ext cx="1162609" cy="266343"/>
+          <a:off x="3343489" y="3149762"/>
+          <a:ext cx="91440" cy="266343"/>
         </a:xfrm>
         <a:custGeom>
           <a:avLst/>
@@ -17032,78 +18799,10 @@
           <a:pathLst>
             <a:path>
               <a:moveTo>
-                <a:pt x="0" y="0"/>
+                <a:pt x="45720" y="0"/>
               </a:moveTo>
               <a:lnTo>
-                <a:pt x="0" y="134228"/>
-              </a:lnTo>
-              <a:lnTo>
-                <a:pt x="1162609" y="134228"/>
-              </a:lnTo>
-              <a:lnTo>
-                <a:pt x="1162609" y="266343"/>
-              </a:lnTo>
-            </a:path>
-          </a:pathLst>
-        </a:custGeom>
-        <a:noFill/>
-        <a:ln w="12700" cap="flat" cmpd="sng" algn="ctr">
-          <a:solidFill>
-            <a:schemeClr val="accent1">
-              <a:shade val="80000"/>
-              <a:hueOff val="0"/>
-              <a:satOff val="0"/>
-              <a:lumOff val="0"/>
-              <a:alphaOff val="0"/>
-            </a:schemeClr>
-          </a:solidFill>
-          <a:prstDash val="solid"/>
-          <a:miter lim="800000"/>
-        </a:ln>
-        <a:effectLst/>
-      </dsp:spPr>
-      <dsp:style>
-        <a:lnRef idx="2">
-          <a:scrgbClr r="0" g="0" b="0"/>
-        </a:lnRef>
-        <a:fillRef idx="0">
-          <a:scrgbClr r="0" g="0" b="0"/>
-        </a:fillRef>
-        <a:effectRef idx="0">
-          <a:scrgbClr r="0" g="0" b="0"/>
-        </a:effectRef>
-        <a:fontRef idx="minor"/>
-      </dsp:style>
-    </dsp:sp>
-    <dsp:sp modelId="{AED498CE-2E42-494C-8FCB-C2751E4ABBBB}">
-      <dsp:nvSpPr>
-        <dsp:cNvPr id="0" name=""/>
-        <dsp:cNvSpPr/>
-      </dsp:nvSpPr>
-      <dsp:spPr>
-        <a:xfrm>
-          <a:off x="2226599" y="3149762"/>
-          <a:ext cx="1162609" cy="266343"/>
-        </a:xfrm>
-        <a:custGeom>
-          <a:avLst/>
-          <a:gdLst/>
-          <a:ahLst/>
-          <a:cxnLst/>
-          <a:rect l="0" t="0" r="0" b="0"/>
-          <a:pathLst>
-            <a:path>
-              <a:moveTo>
-                <a:pt x="1162609" y="0"/>
-              </a:moveTo>
-              <a:lnTo>
-                <a:pt x="1162609" y="134228"/>
-              </a:lnTo>
-              <a:lnTo>
-                <a:pt x="0" y="134228"/>
-              </a:lnTo>
-              <a:lnTo>
-                <a:pt x="0" y="266343"/>
+                <a:pt x="45720" y="266343"/>
               </a:lnTo>
             </a:path>
           </a:pathLst>
@@ -17598,7 +19297,7 @@
       </dsp:nvSpPr>
       <dsp:spPr>
         <a:xfrm>
-          <a:off x="1803832" y="3416105"/>
+          <a:off x="2966442" y="3416105"/>
           <a:ext cx="845534" cy="845534"/>
         </a:xfrm>
         <a:prstGeom prst="ellipse">
@@ -17646,7 +19345,7 @@
       </dsp:nvSpPr>
       <dsp:spPr>
         <a:xfrm>
-          <a:off x="2649366" y="3413992"/>
+          <a:off x="3811976" y="3413992"/>
           <a:ext cx="1268301" cy="845534"/>
         </a:xfrm>
         <a:prstGeom prst="rect">
@@ -17695,115 +19394,7 @@
         </a:p>
       </dsp:txBody>
       <dsp:txXfrm>
-        <a:off x="2649366" y="3413992"/>
-        <a:ext cx="1268301" cy="845534"/>
-      </dsp:txXfrm>
-    </dsp:sp>
-    <dsp:sp modelId="{9DB19DA1-7F6D-46BA-BC8F-182E124B234D}">
-      <dsp:nvSpPr>
-        <dsp:cNvPr id="0" name=""/>
-        <dsp:cNvSpPr/>
-      </dsp:nvSpPr>
-      <dsp:spPr>
-        <a:xfrm>
-          <a:off x="4129051" y="3416105"/>
-          <a:ext cx="845534" cy="845534"/>
-        </a:xfrm>
-        <a:prstGeom prst="ellipse">
-          <a:avLst/>
-        </a:prstGeom>
-        <a:blipFill dpi="0" rotWithShape="1">
-          <a:blip xmlns:r="http://schemas.openxmlformats.org/officeDocument/2006/relationships" r:embed="rId5" cstate="print">
-            <a:extLst>
-              <a:ext uri="{28A0092B-C50C-407E-A947-70E740481C1C}">
-                <a14:useLocalDpi xmlns:a14="http://schemas.microsoft.com/office/drawing/2010/main" val="0"/>
-              </a:ext>
-            </a:extLst>
-          </a:blip>
-          <a:srcRect/>
-          <a:stretch>
-            <a:fillRect t="3539" b="3539"/>
-          </a:stretch>
-        </a:blipFill>
-        <a:ln w="12700" cap="flat" cmpd="sng" algn="ctr">
-          <a:noFill/>
-          <a:prstDash val="solid"/>
-          <a:miter lim="800000"/>
-        </a:ln>
-        <a:effectLst/>
-      </dsp:spPr>
-      <dsp:style>
-        <a:lnRef idx="2">
-          <a:scrgbClr r="0" g="0" b="0"/>
-        </a:lnRef>
-        <a:fillRef idx="1">
-          <a:scrgbClr r="0" g="0" b="0"/>
-        </a:fillRef>
-        <a:effectRef idx="0">
-          <a:scrgbClr r="0" g="0" b="0"/>
-        </a:effectRef>
-        <a:fontRef idx="minor">
-          <a:schemeClr val="lt1"/>
-        </a:fontRef>
-      </dsp:style>
-    </dsp:sp>
-    <dsp:sp modelId="{55AB449D-7944-4526-A007-A0456E91D90D}">
-      <dsp:nvSpPr>
-        <dsp:cNvPr id="0" name=""/>
-        <dsp:cNvSpPr/>
-      </dsp:nvSpPr>
-      <dsp:spPr>
-        <a:xfrm>
-          <a:off x="4974586" y="3413992"/>
-          <a:ext cx="1268301" cy="845534"/>
-        </a:xfrm>
-        <a:prstGeom prst="rect">
-          <a:avLst/>
-        </a:prstGeom>
-        <a:noFill/>
-        <a:ln>
-          <a:noFill/>
-        </a:ln>
-        <a:effectLst/>
-      </dsp:spPr>
-      <dsp:style>
-        <a:lnRef idx="0">
-          <a:scrgbClr r="0" g="0" b="0"/>
-        </a:lnRef>
-        <a:fillRef idx="0">
-          <a:scrgbClr r="0" g="0" b="0"/>
-        </a:fillRef>
-        <a:effectRef idx="0">
-          <a:scrgbClr r="0" g="0" b="0"/>
-        </a:effectRef>
-        <a:fontRef idx="minor"/>
-      </dsp:style>
-      <dsp:txBody>
-        <a:bodyPr spcFirstLastPara="0" vert="horz" wrap="square" lIns="53340" tIns="53340" rIns="53340" bIns="53340" numCol="1" spcCol="1270" anchor="ctr" anchorCtr="0">
-          <a:noAutofit/>
-        </a:bodyPr>
-        <a:lstStyle/>
-        <a:p>
-          <a:pPr lvl="0" algn="l" defTabSz="622300">
-            <a:lnSpc>
-              <a:spcPct val="90000"/>
-            </a:lnSpc>
-            <a:spcBef>
-              <a:spcPct val="0"/>
-            </a:spcBef>
-            <a:spcAft>
-              <a:spcPct val="35000"/>
-            </a:spcAft>
-          </a:pPr>
-          <a:r>
-            <a:rPr lang="it-IT" sz="1400" kern="1200" dirty="0" err="1" smtClean="0"/>
-            <a:t>Capybara</a:t>
-          </a:r>
-          <a:endParaRPr lang="it-IT" sz="1400" kern="1200" dirty="0"/>
-        </a:p>
-      </dsp:txBody>
-      <dsp:txXfrm>
-        <a:off x="4974586" y="3413992"/>
+        <a:off x="3811976" y="3413992"/>
         <a:ext cx="1268301" cy="845534"/>
       </dsp:txXfrm>
     </dsp:sp>
@@ -17967,6 +19558,567 @@
           <dgm:presOf axis="self"/>
           <dgm:constrLst/>
           <dgm:ruleLst/>
+        </dgm:layoutNode>
+      </dgm:forEach>
+    </dgm:forEach>
+  </dgm:layoutNode>
+</dgm:layoutDef>
+</file>
+
+<file path=ppt/diagrams/layout10.xml><?xml version="1.0" encoding="utf-8"?>
+<dgm:layoutDef xmlns:dgm="http://schemas.openxmlformats.org/drawingml/2006/diagram" xmlns:a="http://schemas.openxmlformats.org/drawingml/2006/main" uniqueId="urn:microsoft.com/office/officeart/2009/layout/CirclePictureHierarchy">
+  <dgm:title val=""/>
+  <dgm:desc val=""/>
+  <dgm:catLst>
+    <dgm:cat type="hierarchy" pri="1750"/>
+    <dgm:cat type="picture" pri="23000"/>
+    <dgm:cat type="pictureconvert" pri="23000"/>
+  </dgm:catLst>
+  <dgm:sampData>
+    <dgm:dataModel>
+      <dgm:ptLst>
+        <dgm:pt modelId="0" type="doc"/>
+        <dgm:pt modelId="1">
+          <dgm:prSet phldr="1"/>
+        </dgm:pt>
+        <dgm:pt modelId="2">
+          <dgm:prSet phldr="1"/>
+        </dgm:pt>
+        <dgm:pt modelId="21">
+          <dgm:prSet phldr="1"/>
+        </dgm:pt>
+        <dgm:pt modelId="22">
+          <dgm:prSet phldr="1"/>
+        </dgm:pt>
+        <dgm:pt modelId="3">
+          <dgm:prSet phldr="1"/>
+        </dgm:pt>
+        <dgm:pt modelId="31">
+          <dgm:prSet phldr="1"/>
+        </dgm:pt>
+      </dgm:ptLst>
+      <dgm:cxnLst>
+        <dgm:cxn modelId="4" srcId="0" destId="1" srcOrd="0" destOrd="0"/>
+        <dgm:cxn modelId="5" srcId="1" destId="2" srcOrd="0" destOrd="0"/>
+        <dgm:cxn modelId="6" srcId="1" destId="3" srcOrd="1" destOrd="0"/>
+        <dgm:cxn modelId="23" srcId="2" destId="21" srcOrd="0" destOrd="0"/>
+        <dgm:cxn modelId="24" srcId="2" destId="22" srcOrd="1" destOrd="0"/>
+        <dgm:cxn modelId="33" srcId="3" destId="31" srcOrd="0" destOrd="0"/>
+      </dgm:cxnLst>
+      <dgm:bg/>
+      <dgm:whole/>
+    </dgm:dataModel>
+  </dgm:sampData>
+  <dgm:styleData>
+    <dgm:dataModel>
+      <dgm:ptLst>
+        <dgm:pt modelId="0" type="doc"/>
+        <dgm:pt modelId="1"/>
+        <dgm:pt modelId="11"/>
+        <dgm:pt modelId="12"/>
+      </dgm:ptLst>
+      <dgm:cxnLst>
+        <dgm:cxn modelId="2" srcId="0" destId="1" srcOrd="0" destOrd="0"/>
+        <dgm:cxn modelId="13" srcId="1" destId="11" srcOrd="0" destOrd="0"/>
+        <dgm:cxn modelId="14" srcId="1" destId="12" srcOrd="1" destOrd="0"/>
+      </dgm:cxnLst>
+      <dgm:bg/>
+      <dgm:whole/>
+    </dgm:dataModel>
+  </dgm:styleData>
+  <dgm:clrData>
+    <dgm:dataModel>
+      <dgm:ptLst>
+        <dgm:pt modelId="0" type="doc"/>
+        <dgm:pt modelId="1"/>
+        <dgm:pt modelId="2"/>
+        <dgm:pt modelId="21"/>
+        <dgm:pt modelId="211"/>
+        <dgm:pt modelId="3"/>
+        <dgm:pt modelId="31"/>
+        <dgm:pt modelId="311"/>
+      </dgm:ptLst>
+      <dgm:cxnLst>
+        <dgm:cxn modelId="4" srcId="0" destId="1" srcOrd="0" destOrd="0"/>
+        <dgm:cxn modelId="5" srcId="1" destId="2" srcOrd="0" destOrd="0"/>
+        <dgm:cxn modelId="6" srcId="1" destId="3" srcOrd="1" destOrd="0"/>
+        <dgm:cxn modelId="23" srcId="2" destId="21" srcOrd="0" destOrd="0"/>
+        <dgm:cxn modelId="24" srcId="21" destId="211" srcOrd="0" destOrd="0"/>
+        <dgm:cxn modelId="33" srcId="3" destId="31" srcOrd="0" destOrd="0"/>
+        <dgm:cxn modelId="34" srcId="31" destId="311" srcOrd="0" destOrd="0"/>
+      </dgm:cxnLst>
+      <dgm:bg/>
+      <dgm:whole/>
+    </dgm:dataModel>
+  </dgm:clrData>
+  <dgm:layoutNode name="hierChild1">
+    <dgm:varLst>
+      <dgm:chPref val="1"/>
+      <dgm:dir/>
+      <dgm:animOne val="branch"/>
+      <dgm:animLvl val="lvl"/>
+      <dgm:resizeHandles/>
+    </dgm:varLst>
+    <dgm:choose name="Name0">
+      <dgm:if name="Name1" func="var" arg="dir" op="equ" val="norm">
+        <dgm:alg type="hierChild">
+          <dgm:param type="linDir" val="fromL"/>
+        </dgm:alg>
+      </dgm:if>
+      <dgm:else name="Name2">
+        <dgm:alg type="hierChild">
+          <dgm:param type="linDir" val="fromR"/>
+        </dgm:alg>
+      </dgm:else>
+    </dgm:choose>
+    <dgm:shape xmlns:r="http://schemas.openxmlformats.org/officeDocument/2006/relationships" r:blip="">
+      <dgm:adjLst/>
+    </dgm:shape>
+    <dgm:presOf/>
+    <dgm:constrLst>
+      <dgm:constr type="primFontSz" for="des" ptType="node" op="equ" val="65"/>
+      <dgm:constr type="w" for="des" forName="composite" refType="w"/>
+      <dgm:constr type="h" for="des" forName="composite" refType="w" refFor="des" refForName="composite" fact="0.5"/>
+      <dgm:constr type="w" for="des" forName="composite2" refType="w" refFor="des" refForName="composite"/>
+      <dgm:constr type="h" for="des" forName="composite2" refType="h" refFor="des" refForName="composite"/>
+      <dgm:constr type="w" for="des" forName="composite3" refType="w" refFor="des" refForName="composite"/>
+      <dgm:constr type="h" for="des" forName="composite3" refType="h" refFor="des" refForName="composite"/>
+      <dgm:constr type="w" for="des" forName="composite4" refType="w" refFor="des" refForName="composite"/>
+      <dgm:constr type="h" for="des" forName="composite4" refType="h" refFor="des" refForName="composite"/>
+      <dgm:constr type="w" for="des" forName="composite5" refType="w" refFor="des" refForName="composite"/>
+      <dgm:constr type="h" for="des" forName="composite5" refType="h" refFor="des" refForName="composite"/>
+      <dgm:constr type="sibSp" refType="w" refFor="des" refForName="composite" fact="0.1"/>
+      <dgm:constr type="sibSp" for="des" forName="hierChild2" refType="sibSp"/>
+      <dgm:constr type="sibSp" for="des" forName="hierChild3" refType="sibSp"/>
+      <dgm:constr type="sibSp" for="des" forName="hierChild4" refType="sibSp"/>
+      <dgm:constr type="sibSp" for="des" forName="hierChild5" refType="sibSp"/>
+      <dgm:constr type="sibSp" for="des" forName="hierChild6" refType="sibSp"/>
+      <dgm:constr type="sp" for="des" forName="hierRoot1" refType="h" refFor="des" refForName="composite" fact="0.25"/>
+      <dgm:constr type="sp" for="des" forName="hierRoot2" refType="sp" refFor="des" refForName="hierRoot1"/>
+      <dgm:constr type="sp" for="des" forName="hierRoot3" refType="sp" refFor="des" refForName="hierRoot1"/>
+      <dgm:constr type="sp" for="des" forName="hierRoot4" refType="sp" refFor="des" refForName="hierRoot1"/>
+      <dgm:constr type="sp" for="des" forName="hierRoot5" refType="sp" refFor="des" refForName="hierRoot1"/>
+    </dgm:constrLst>
+    <dgm:ruleLst/>
+    <dgm:forEach name="Name3" axis="ch">
+      <dgm:forEach name="Name4" axis="self" ptType="node">
+        <dgm:layoutNode name="hierRoot1">
+          <dgm:alg type="hierRoot"/>
+          <dgm:shape xmlns:r="http://schemas.openxmlformats.org/officeDocument/2006/relationships" r:blip="">
+            <dgm:adjLst/>
+          </dgm:shape>
+          <dgm:presOf/>
+          <dgm:constrLst>
+            <dgm:constr type="bendDist" for="des" ptType="parTrans" refType="sp" fact="0.5"/>
+          </dgm:constrLst>
+          <dgm:ruleLst/>
+          <dgm:layoutNode name="composite">
+            <dgm:alg type="composite"/>
+            <dgm:shape xmlns:r="http://schemas.openxmlformats.org/officeDocument/2006/relationships" r:blip="">
+              <dgm:adjLst/>
+            </dgm:shape>
+            <dgm:presOf/>
+            <dgm:constrLst>
+              <dgm:constr type="h" for="ch" forName="image" refType="h" fact="0.8"/>
+              <dgm:constr type="w" for="ch" forName="image" refType="h" refFor="ch" refForName="image"/>
+              <dgm:constr type="t" for="ch" forName="image" refType="h" fact="0.1"/>
+              <dgm:constr type="l" for="ch" forName="image"/>
+              <dgm:constr type="w" for="ch" forName="text" refType="w" fact="0.6"/>
+              <dgm:constr type="h" for="ch" forName="text" refType="h" fact="0.8"/>
+              <dgm:constr type="t" for="ch" forName="text" refType="w" fact="0.04"/>
+              <dgm:constr type="l" for="ch" forName="text" refType="w" fact="0.4"/>
+            </dgm:constrLst>
+            <dgm:ruleLst/>
+            <dgm:layoutNode name="image" styleLbl="node0">
+              <dgm:alg type="sp"/>
+              <dgm:shape xmlns:r="http://schemas.openxmlformats.org/officeDocument/2006/relationships" type="ellipse" r:blip="" blipPhldr="1">
+                <dgm:adjLst/>
+              </dgm:shape>
+              <dgm:presOf/>
+              <dgm:constrLst/>
+              <dgm:ruleLst/>
+            </dgm:layoutNode>
+            <dgm:layoutNode name="text" styleLbl="revTx">
+              <dgm:varLst>
+                <dgm:chPref val="3"/>
+              </dgm:varLst>
+              <dgm:alg type="tx">
+                <dgm:param type="parTxLTRAlign" val="l"/>
+                <dgm:param type="parTxRTLAlign" val="r"/>
+              </dgm:alg>
+              <dgm:shape xmlns:r="http://schemas.openxmlformats.org/officeDocument/2006/relationships" type="rect" r:blip="">
+                <dgm:adjLst/>
+              </dgm:shape>
+              <dgm:presOf axis="self"/>
+              <dgm:constrLst>
+                <dgm:constr type="tMarg" refType="primFontSz" fact="0.3"/>
+                <dgm:constr type="bMarg" refType="primFontSz" fact="0.3"/>
+                <dgm:constr type="lMarg" refType="primFontSz" fact="0.3"/>
+                <dgm:constr type="rMarg" refType="primFontSz" fact="0.3"/>
+              </dgm:constrLst>
+              <dgm:ruleLst>
+                <dgm:rule type="primFontSz" val="5" fact="NaN" max="NaN"/>
+              </dgm:ruleLst>
+            </dgm:layoutNode>
+          </dgm:layoutNode>
+          <dgm:layoutNode name="hierChild2">
+            <dgm:choose name="Name5">
+              <dgm:if name="Name6" func="var" arg="dir" op="equ" val="norm">
+                <dgm:alg type="hierChild">
+                  <dgm:param type="linDir" val="fromL"/>
+                </dgm:alg>
+              </dgm:if>
+              <dgm:else name="Name7">
+                <dgm:alg type="hierChild">
+                  <dgm:param type="linDir" val="fromR"/>
+                </dgm:alg>
+              </dgm:else>
+            </dgm:choose>
+            <dgm:shape xmlns:r="http://schemas.openxmlformats.org/officeDocument/2006/relationships" r:blip="">
+              <dgm:adjLst/>
+            </dgm:shape>
+            <dgm:presOf/>
+            <dgm:constrLst/>
+            <dgm:ruleLst/>
+            <dgm:forEach name="Name8" axis="ch">
+              <dgm:forEach name="Name9" axis="self" ptType="parTrans" cnt="1">
+                <dgm:layoutNode name="Name10">
+                  <dgm:alg type="conn">
+                    <dgm:param type="dim" val="1D"/>
+                    <dgm:param type="endSty" val="noArr"/>
+                    <dgm:param type="connRout" val="bend"/>
+                    <dgm:param type="bendPt" val="end"/>
+                    <dgm:param type="begPts" val="bCtr"/>
+                    <dgm:param type="endPts" val="tCtr"/>
+                    <dgm:param type="srcNode" val="image"/>
+                    <dgm:param type="dstNode" val="image2"/>
+                  </dgm:alg>
+                  <dgm:shape xmlns:r="http://schemas.openxmlformats.org/officeDocument/2006/relationships" type="conn" r:blip="" zOrderOff="-999">
+                    <dgm:adjLst/>
+                  </dgm:shape>
+                  <dgm:presOf axis="self"/>
+                  <dgm:constrLst>
+                    <dgm:constr type="begPad"/>
+                    <dgm:constr type="endPad"/>
+                  </dgm:constrLst>
+                  <dgm:ruleLst/>
+                </dgm:layoutNode>
+              </dgm:forEach>
+              <dgm:forEach name="Name11" axis="self" ptType="node">
+                <dgm:layoutNode name="hierRoot2">
+                  <dgm:alg type="hierRoot"/>
+                  <dgm:shape xmlns:r="http://schemas.openxmlformats.org/officeDocument/2006/relationships" r:blip="">
+                    <dgm:adjLst/>
+                  </dgm:shape>
+                  <dgm:presOf/>
+                  <dgm:constrLst>
+                    <dgm:constr type="bendDist" for="des" ptType="parTrans" refType="sp" fact="0.5"/>
+                  </dgm:constrLst>
+                  <dgm:ruleLst/>
+                  <dgm:layoutNode name="composite2">
+                    <dgm:alg type="composite"/>
+                    <dgm:shape xmlns:r="http://schemas.openxmlformats.org/officeDocument/2006/relationships" r:blip="">
+                      <dgm:adjLst/>
+                    </dgm:shape>
+                    <dgm:presOf/>
+                    <dgm:constrLst>
+                      <dgm:constr type="h" for="ch" forName="image2" refType="h" fact="0.8"/>
+                      <dgm:constr type="w" for="ch" forName="image2" refType="h" refFor="ch" refForName="image2"/>
+                      <dgm:constr type="t" for="ch" forName="image2" refType="h" fact="0.1"/>
+                      <dgm:constr type="l" for="ch" forName="image2"/>
+                      <dgm:constr type="w" for="ch" forName="text2" refType="w" fact="0.6"/>
+                      <dgm:constr type="h" for="ch" forName="text2" refType="h" fact="0.8"/>
+                      <dgm:constr type="t" for="ch" forName="text2" refType="w" fact="0.04"/>
+                      <dgm:constr type="l" for="ch" forName="text2" refType="w" fact="0.4"/>
+                    </dgm:constrLst>
+                    <dgm:ruleLst/>
+                    <dgm:layoutNode name="image2">
+                      <dgm:alg type="sp"/>
+                      <dgm:shape xmlns:r="http://schemas.openxmlformats.org/officeDocument/2006/relationships" type="ellipse" r:blip="" blipPhldr="1">
+                        <dgm:adjLst/>
+                      </dgm:shape>
+                      <dgm:presOf/>
+                      <dgm:constrLst/>
+                      <dgm:ruleLst/>
+                    </dgm:layoutNode>
+                    <dgm:layoutNode name="text2" styleLbl="revTx">
+                      <dgm:varLst>
+                        <dgm:chPref val="3"/>
+                      </dgm:varLst>
+                      <dgm:alg type="tx">
+                        <dgm:param type="parTxLTRAlign" val="l"/>
+                        <dgm:param type="parTxRTLAlign" val="r"/>
+                      </dgm:alg>
+                      <dgm:shape xmlns:r="http://schemas.openxmlformats.org/officeDocument/2006/relationships" type="rect" r:blip="">
+                        <dgm:adjLst/>
+                      </dgm:shape>
+                      <dgm:presOf axis="self"/>
+                      <dgm:constrLst>
+                        <dgm:constr type="tMarg" refType="primFontSz" fact="0.3"/>
+                        <dgm:constr type="bMarg" refType="primFontSz" fact="0.3"/>
+                        <dgm:constr type="lMarg" refType="primFontSz" fact="0.3"/>
+                        <dgm:constr type="rMarg" refType="primFontSz" fact="0.3"/>
+                      </dgm:constrLst>
+                      <dgm:ruleLst>
+                        <dgm:rule type="primFontSz" val="5" fact="NaN" max="NaN"/>
+                      </dgm:ruleLst>
+                    </dgm:layoutNode>
+                  </dgm:layoutNode>
+                  <dgm:layoutNode name="hierChild3">
+                    <dgm:choose name="Name12">
+                      <dgm:if name="Name13" func="var" arg="dir" op="equ" val="norm">
+                        <dgm:alg type="hierChild">
+                          <dgm:param type="linDir" val="fromL"/>
+                        </dgm:alg>
+                      </dgm:if>
+                      <dgm:else name="Name14">
+                        <dgm:alg type="hierChild">
+                          <dgm:param type="linDir" val="fromR"/>
+                        </dgm:alg>
+                      </dgm:else>
+                    </dgm:choose>
+                    <dgm:shape xmlns:r="http://schemas.openxmlformats.org/officeDocument/2006/relationships" r:blip="">
+                      <dgm:adjLst/>
+                    </dgm:shape>
+                    <dgm:presOf/>
+                    <dgm:constrLst/>
+                    <dgm:ruleLst/>
+                    <dgm:forEach name="Name15" axis="ch">
+                      <dgm:forEach name="Name16" axis="self" ptType="parTrans" cnt="1">
+                        <dgm:layoutNode name="Name17">
+                          <dgm:alg type="conn">
+                            <dgm:param type="dim" val="1D"/>
+                            <dgm:param type="endSty" val="noArr"/>
+                            <dgm:param type="connRout" val="bend"/>
+                            <dgm:param type="bendPt" val="end"/>
+                            <dgm:param type="begPts" val="bCtr"/>
+                            <dgm:param type="endPts" val="tCtr"/>
+                            <dgm:param type="srcNode" val="image2"/>
+                            <dgm:param type="dstNode" val="image3"/>
+                          </dgm:alg>
+                          <dgm:shape xmlns:r="http://schemas.openxmlformats.org/officeDocument/2006/relationships" type="conn" r:blip="" zOrderOff="-999">
+                            <dgm:adjLst/>
+                          </dgm:shape>
+                          <dgm:presOf axis="self"/>
+                          <dgm:constrLst>
+                            <dgm:constr type="begPad"/>
+                            <dgm:constr type="endPad"/>
+                          </dgm:constrLst>
+                          <dgm:ruleLst/>
+                        </dgm:layoutNode>
+                      </dgm:forEach>
+                      <dgm:forEach name="Name18" axis="self" ptType="node">
+                        <dgm:layoutNode name="hierRoot3">
+                          <dgm:alg type="hierRoot"/>
+                          <dgm:shape xmlns:r="http://schemas.openxmlformats.org/officeDocument/2006/relationships" r:blip="">
+                            <dgm:adjLst/>
+                          </dgm:shape>
+                          <dgm:presOf/>
+                          <dgm:constrLst>
+                            <dgm:constr type="bendDist" for="des" ptType="parTrans" refType="sp" fact="0.5"/>
+                          </dgm:constrLst>
+                          <dgm:ruleLst/>
+                          <dgm:layoutNode name="composite3">
+                            <dgm:alg type="composite"/>
+                            <dgm:shape xmlns:r="http://schemas.openxmlformats.org/officeDocument/2006/relationships" r:blip="">
+                              <dgm:adjLst/>
+                            </dgm:shape>
+                            <dgm:presOf/>
+                            <dgm:constrLst>
+                              <dgm:constr type="h" for="ch" forName="image3" refType="h" fact="0.8"/>
+                              <dgm:constr type="w" for="ch" forName="image3" refType="h" refFor="ch" refForName="image3"/>
+                              <dgm:constr type="t" for="ch" forName="image3" refType="h" fact="0.1"/>
+                              <dgm:constr type="l" for="ch" forName="image3"/>
+                              <dgm:constr type="w" for="ch" forName="text3" refType="w" fact="0.6"/>
+                              <dgm:constr type="h" for="ch" forName="text3" refType="h" fact="0.8"/>
+                              <dgm:constr type="t" for="ch" forName="text3" refType="w" fact="0.04"/>
+                              <dgm:constr type="l" for="ch" forName="text3" refType="w" fact="0.4"/>
+                            </dgm:constrLst>
+                            <dgm:ruleLst/>
+                            <dgm:layoutNode name="image3">
+                              <dgm:alg type="sp"/>
+                              <dgm:shape xmlns:r="http://schemas.openxmlformats.org/officeDocument/2006/relationships" type="ellipse" r:blip="" blipPhldr="1">
+                                <dgm:adjLst/>
+                              </dgm:shape>
+                              <dgm:presOf/>
+                              <dgm:constrLst/>
+                              <dgm:ruleLst/>
+                            </dgm:layoutNode>
+                            <dgm:layoutNode name="text3" styleLbl="revTx">
+                              <dgm:varLst>
+                                <dgm:chPref val="3"/>
+                              </dgm:varLst>
+                              <dgm:alg type="tx">
+                                <dgm:param type="parTxLTRAlign" val="l"/>
+                                <dgm:param type="parTxRTLAlign" val="r"/>
+                              </dgm:alg>
+                              <dgm:shape xmlns:r="http://schemas.openxmlformats.org/officeDocument/2006/relationships" type="rect" r:blip="">
+                                <dgm:adjLst/>
+                              </dgm:shape>
+                              <dgm:presOf axis="self"/>
+                              <dgm:constrLst>
+                                <dgm:constr type="tMarg" refType="primFontSz" fact="0.3"/>
+                                <dgm:constr type="bMarg" refType="primFontSz" fact="0.3"/>
+                                <dgm:constr type="lMarg" refType="primFontSz" fact="0.3"/>
+                                <dgm:constr type="rMarg" refType="primFontSz" fact="0.3"/>
+                              </dgm:constrLst>
+                              <dgm:ruleLst>
+                                <dgm:rule type="primFontSz" val="5" fact="NaN" max="NaN"/>
+                              </dgm:ruleLst>
+                            </dgm:layoutNode>
+                          </dgm:layoutNode>
+                          <dgm:layoutNode name="hierChild4">
+                            <dgm:choose name="Name19">
+                              <dgm:if name="Name20" func="var" arg="dir" op="equ" val="norm">
+                                <dgm:alg type="hierChild">
+                                  <dgm:param type="linDir" val="fromL"/>
+                                </dgm:alg>
+                              </dgm:if>
+                              <dgm:else name="Name21">
+                                <dgm:alg type="hierChild">
+                                  <dgm:param type="linDir" val="fromR"/>
+                                </dgm:alg>
+                              </dgm:else>
+                            </dgm:choose>
+                            <dgm:shape xmlns:r="http://schemas.openxmlformats.org/officeDocument/2006/relationships" r:blip="">
+                              <dgm:adjLst/>
+                            </dgm:shape>
+                            <dgm:presOf/>
+                            <dgm:constrLst/>
+                            <dgm:ruleLst/>
+                            <dgm:forEach name="repeat" axis="ch">
+                              <dgm:forEach name="Name22" axis="self" ptType="parTrans" cnt="1">
+                                <dgm:layoutNode name="Name23">
+                                  <dgm:choose name="Name24">
+                                    <dgm:if name="Name25" axis="self" func="depth" op="lte" val="4">
+                                      <dgm:alg type="conn">
+                                        <dgm:param type="dim" val="1D"/>
+                                        <dgm:param type="endSty" val="noArr"/>
+                                        <dgm:param type="connRout" val="bend"/>
+                                        <dgm:param type="bendPt" val="end"/>
+                                        <dgm:param type="begPts" val="bCtr"/>
+                                        <dgm:param type="endPts" val="tCtr"/>
+                                        <dgm:param type="srcNode" val="image3"/>
+                                        <dgm:param type="dstNode" val="image4"/>
+                                      </dgm:alg>
+                                    </dgm:if>
+                                    <dgm:else name="Name26">
+                                      <dgm:alg type="conn">
+                                        <dgm:param type="dim" val="1D"/>
+                                        <dgm:param type="endSty" val="noArr"/>
+                                        <dgm:param type="connRout" val="bend"/>
+                                        <dgm:param type="bendPt" val="end"/>
+                                        <dgm:param type="begPts" val="bCtr"/>
+                                        <dgm:param type="endPts" val="tCtr"/>
+                                        <dgm:param type="srcNode" val="image4"/>
+                                        <dgm:param type="dstNode" val="image4"/>
+                                      </dgm:alg>
+                                    </dgm:else>
+                                  </dgm:choose>
+                                  <dgm:shape xmlns:r="http://schemas.openxmlformats.org/officeDocument/2006/relationships" type="conn" r:blip="" zOrderOff="-999">
+                                    <dgm:adjLst/>
+                                  </dgm:shape>
+                                  <dgm:presOf axis="self"/>
+                                  <dgm:constrLst>
+                                    <dgm:constr type="begPad"/>
+                                    <dgm:constr type="endPad"/>
+                                  </dgm:constrLst>
+                                  <dgm:ruleLst/>
+                                </dgm:layoutNode>
+                              </dgm:forEach>
+                              <dgm:forEach name="Name27" axis="self" ptType="node">
+                                <dgm:layoutNode name="hierRoot4">
+                                  <dgm:alg type="hierRoot"/>
+                                  <dgm:shape xmlns:r="http://schemas.openxmlformats.org/officeDocument/2006/relationships" r:blip="">
+                                    <dgm:adjLst/>
+                                  </dgm:shape>
+                                  <dgm:presOf/>
+                                  <dgm:constrLst>
+                                    <dgm:constr type="bendDist" for="des" ptType="parTrans" refType="sp" fact="0.5"/>
+                                  </dgm:constrLst>
+                                  <dgm:ruleLst/>
+                                  <dgm:layoutNode name="composite4">
+                                    <dgm:alg type="composite"/>
+                                    <dgm:shape xmlns:r="http://schemas.openxmlformats.org/officeDocument/2006/relationships" r:blip="">
+                                      <dgm:adjLst/>
+                                    </dgm:shape>
+                                    <dgm:presOf/>
+                                    <dgm:constrLst>
+                                      <dgm:constr type="h" for="ch" forName="image4" refType="h" fact="0.8"/>
+                                      <dgm:constr type="w" for="ch" forName="image4" refType="h" refFor="ch" refForName="image4"/>
+                                      <dgm:constr type="t" for="ch" forName="image4" refType="h" fact="0.1"/>
+                                      <dgm:constr type="l" for="ch" forName="image4"/>
+                                      <dgm:constr type="w" for="ch" forName="text4" refType="w" fact="0.6"/>
+                                      <dgm:constr type="h" for="ch" forName="text4" refType="h" fact="0.8"/>
+                                      <dgm:constr type="t" for="ch" forName="text4" refType="w" fact="0.04"/>
+                                      <dgm:constr type="l" for="ch" forName="text4" refType="w" fact="0.4"/>
+                                    </dgm:constrLst>
+                                    <dgm:ruleLst/>
+                                    <dgm:layoutNode name="image4">
+                                      <dgm:alg type="sp"/>
+                                      <dgm:shape xmlns:r="http://schemas.openxmlformats.org/officeDocument/2006/relationships" type="ellipse" r:blip="" blipPhldr="1">
+                                        <dgm:adjLst/>
+                                      </dgm:shape>
+                                      <dgm:presOf/>
+                                      <dgm:constrLst/>
+                                      <dgm:ruleLst/>
+                                    </dgm:layoutNode>
+                                    <dgm:layoutNode name="text4" styleLbl="revTx">
+                                      <dgm:varLst>
+                                        <dgm:chPref val="3"/>
+                                      </dgm:varLst>
+                                      <dgm:alg type="tx">
+                                        <dgm:param type="parTxLTRAlign" val="l"/>
+                                        <dgm:param type="parTxRTLAlign" val="r"/>
+                                      </dgm:alg>
+                                      <dgm:shape xmlns:r="http://schemas.openxmlformats.org/officeDocument/2006/relationships" type="rect" r:blip="">
+                                        <dgm:adjLst/>
+                                      </dgm:shape>
+                                      <dgm:presOf axis="self"/>
+                                      <dgm:constrLst>
+                                        <dgm:constr type="tMarg" refType="primFontSz" fact="0.3"/>
+                                        <dgm:constr type="bMarg" refType="primFontSz" fact="0.3"/>
+                                        <dgm:constr type="lMarg" refType="primFontSz" fact="0.3"/>
+                                        <dgm:constr type="rMarg" refType="primFontSz" fact="0.3"/>
+                                      </dgm:constrLst>
+                                      <dgm:ruleLst>
+                                        <dgm:rule type="primFontSz" val="5" fact="NaN" max="NaN"/>
+                                      </dgm:ruleLst>
+                                    </dgm:layoutNode>
+                                  </dgm:layoutNode>
+                                  <dgm:layoutNode name="hierChild5">
+                                    <dgm:choose name="Name28">
+                                      <dgm:if name="Name29" func="var" arg="dir" op="equ" val="norm">
+                                        <dgm:alg type="hierChild">
+                                          <dgm:param type="linDir" val="fromL"/>
+                                        </dgm:alg>
+                                      </dgm:if>
+                                      <dgm:else name="Name30">
+                                        <dgm:alg type="hierChild">
+                                          <dgm:param type="linDir" val="fromR"/>
+                                        </dgm:alg>
+                                      </dgm:else>
+                                    </dgm:choose>
+                                    <dgm:shape xmlns:r="http://schemas.openxmlformats.org/officeDocument/2006/relationships" r:blip="">
+                                      <dgm:adjLst/>
+                                    </dgm:shape>
+                                    <dgm:presOf/>
+                                    <dgm:constrLst/>
+                                    <dgm:ruleLst/>
+                                    <dgm:forEach name="Name31" ref="repeat"/>
+                                  </dgm:layoutNode>
+                                </dgm:layoutNode>
+                              </dgm:forEach>
+                            </dgm:forEach>
+                          </dgm:layoutNode>
+                        </dgm:layoutNode>
+                      </dgm:forEach>
+                    </dgm:forEach>
+                  </dgm:layoutNode>
+                </dgm:layoutNode>
+              </dgm:forEach>
+            </dgm:forEach>
+          </dgm:layoutNode>
         </dgm:layoutNode>
       </dgm:forEach>
     </dgm:forEach>
@@ -21336,6 +23488,1040 @@
 </dgm:styleDef>
 </file>
 
+<file path=ppt/diagrams/quickStyle10.xml><?xml version="1.0" encoding="utf-8"?>
+<dgm:styleDef xmlns:dgm="http://schemas.openxmlformats.org/drawingml/2006/diagram" xmlns:a="http://schemas.openxmlformats.org/drawingml/2006/main" uniqueId="urn:microsoft.com/office/officeart/2005/8/quickstyle/simple1">
+  <dgm:title val=""/>
+  <dgm:desc val=""/>
+  <dgm:catLst>
+    <dgm:cat type="simple" pri="10100"/>
+  </dgm:catLst>
+  <dgm:scene3d>
+    <a:camera prst="orthographicFront"/>
+    <a:lightRig rig="threePt" dir="t"/>
+  </dgm:scene3d>
+  <dgm:styleLbl name="node0">
+    <dgm:scene3d>
+      <a:camera prst="orthographicFront"/>
+      <a:lightRig rig="threePt" dir="t"/>
+    </dgm:scene3d>
+    <dgm:sp3d/>
+    <dgm:txPr/>
+    <dgm:style>
+      <a:lnRef idx="2">
+        <a:scrgbClr r="0" g="0" b="0"/>
+      </a:lnRef>
+      <a:fillRef idx="1">
+        <a:scrgbClr r="0" g="0" b="0"/>
+      </a:fillRef>
+      <a:effectRef idx="0">
+        <a:scrgbClr r="0" g="0" b="0"/>
+      </a:effectRef>
+      <a:fontRef idx="minor">
+        <a:schemeClr val="lt1"/>
+      </a:fontRef>
+    </dgm:style>
+  </dgm:styleLbl>
+  <dgm:styleLbl name="lnNode1">
+    <dgm:scene3d>
+      <a:camera prst="orthographicFront"/>
+      <a:lightRig rig="threePt" dir="t"/>
+    </dgm:scene3d>
+    <dgm:sp3d/>
+    <dgm:txPr/>
+    <dgm:style>
+      <a:lnRef idx="2">
+        <a:scrgbClr r="0" g="0" b="0"/>
+      </a:lnRef>
+      <a:fillRef idx="1">
+        <a:scrgbClr r="0" g="0" b="0"/>
+      </a:fillRef>
+      <a:effectRef idx="0">
+        <a:scrgbClr r="0" g="0" b="0"/>
+      </a:effectRef>
+      <a:fontRef idx="minor">
+        <a:schemeClr val="lt1"/>
+      </a:fontRef>
+    </dgm:style>
+  </dgm:styleLbl>
+  <dgm:styleLbl name="vennNode1">
+    <dgm:scene3d>
+      <a:camera prst="orthographicFront"/>
+      <a:lightRig rig="threePt" dir="t"/>
+    </dgm:scene3d>
+    <dgm:sp3d/>
+    <dgm:txPr/>
+    <dgm:style>
+      <a:lnRef idx="2">
+        <a:scrgbClr r="0" g="0" b="0"/>
+      </a:lnRef>
+      <a:fillRef idx="1">
+        <a:scrgbClr r="0" g="0" b="0"/>
+      </a:fillRef>
+      <a:effectRef idx="0">
+        <a:scrgbClr r="0" g="0" b="0"/>
+      </a:effectRef>
+      <a:fontRef idx="minor">
+        <a:schemeClr val="tx1"/>
+      </a:fontRef>
+    </dgm:style>
+  </dgm:styleLbl>
+  <dgm:styleLbl name="alignNode1">
+    <dgm:scene3d>
+      <a:camera prst="orthographicFront"/>
+      <a:lightRig rig="threePt" dir="t"/>
+    </dgm:scene3d>
+    <dgm:sp3d/>
+    <dgm:txPr/>
+    <dgm:style>
+      <a:lnRef idx="2">
+        <a:scrgbClr r="0" g="0" b="0"/>
+      </a:lnRef>
+      <a:fillRef idx="1">
+        <a:scrgbClr r="0" g="0" b="0"/>
+      </a:fillRef>
+      <a:effectRef idx="0">
+        <a:scrgbClr r="0" g="0" b="0"/>
+      </a:effectRef>
+      <a:fontRef idx="minor">
+        <a:schemeClr val="lt1"/>
+      </a:fontRef>
+    </dgm:style>
+  </dgm:styleLbl>
+  <dgm:styleLbl name="node1">
+    <dgm:scene3d>
+      <a:camera prst="orthographicFront"/>
+      <a:lightRig rig="threePt" dir="t"/>
+    </dgm:scene3d>
+    <dgm:sp3d/>
+    <dgm:txPr/>
+    <dgm:style>
+      <a:lnRef idx="2">
+        <a:scrgbClr r="0" g="0" b="0"/>
+      </a:lnRef>
+      <a:fillRef idx="1">
+        <a:scrgbClr r="0" g="0" b="0"/>
+      </a:fillRef>
+      <a:effectRef idx="0">
+        <a:scrgbClr r="0" g="0" b="0"/>
+      </a:effectRef>
+      <a:fontRef idx="minor">
+        <a:schemeClr val="lt1"/>
+      </a:fontRef>
+    </dgm:style>
+  </dgm:styleLbl>
+  <dgm:styleLbl name="node2">
+    <dgm:scene3d>
+      <a:camera prst="orthographicFront"/>
+      <a:lightRig rig="threePt" dir="t"/>
+    </dgm:scene3d>
+    <dgm:sp3d/>
+    <dgm:txPr/>
+    <dgm:style>
+      <a:lnRef idx="2">
+        <a:scrgbClr r="0" g="0" b="0"/>
+      </a:lnRef>
+      <a:fillRef idx="1">
+        <a:scrgbClr r="0" g="0" b="0"/>
+      </a:fillRef>
+      <a:effectRef idx="0">
+        <a:scrgbClr r="0" g="0" b="0"/>
+      </a:effectRef>
+      <a:fontRef idx="minor">
+        <a:schemeClr val="lt1"/>
+      </a:fontRef>
+    </dgm:style>
+  </dgm:styleLbl>
+  <dgm:styleLbl name="node3">
+    <dgm:scene3d>
+      <a:camera prst="orthographicFront"/>
+      <a:lightRig rig="threePt" dir="t"/>
+    </dgm:scene3d>
+    <dgm:sp3d/>
+    <dgm:txPr/>
+    <dgm:style>
+      <a:lnRef idx="2">
+        <a:scrgbClr r="0" g="0" b="0"/>
+      </a:lnRef>
+      <a:fillRef idx="1">
+        <a:scrgbClr r="0" g="0" b="0"/>
+      </a:fillRef>
+      <a:effectRef idx="0">
+        <a:scrgbClr r="0" g="0" b="0"/>
+      </a:effectRef>
+      <a:fontRef idx="minor">
+        <a:schemeClr val="lt1"/>
+      </a:fontRef>
+    </dgm:style>
+  </dgm:styleLbl>
+  <dgm:styleLbl name="node4">
+    <dgm:scene3d>
+      <a:camera prst="orthographicFront"/>
+      <a:lightRig rig="threePt" dir="t"/>
+    </dgm:scene3d>
+    <dgm:sp3d/>
+    <dgm:txPr/>
+    <dgm:style>
+      <a:lnRef idx="2">
+        <a:scrgbClr r="0" g="0" b="0"/>
+      </a:lnRef>
+      <a:fillRef idx="1">
+        <a:scrgbClr r="0" g="0" b="0"/>
+      </a:fillRef>
+      <a:effectRef idx="0">
+        <a:scrgbClr r="0" g="0" b="0"/>
+      </a:effectRef>
+      <a:fontRef idx="minor">
+        <a:schemeClr val="lt1"/>
+      </a:fontRef>
+    </dgm:style>
+  </dgm:styleLbl>
+  <dgm:styleLbl name="fgImgPlace1">
+    <dgm:scene3d>
+      <a:camera prst="orthographicFront"/>
+      <a:lightRig rig="threePt" dir="t"/>
+    </dgm:scene3d>
+    <dgm:sp3d/>
+    <dgm:txPr/>
+    <dgm:style>
+      <a:lnRef idx="2">
+        <a:scrgbClr r="0" g="0" b="0"/>
+      </a:lnRef>
+      <a:fillRef idx="1">
+        <a:scrgbClr r="0" g="0" b="0"/>
+      </a:fillRef>
+      <a:effectRef idx="0">
+        <a:scrgbClr r="0" g="0" b="0"/>
+      </a:effectRef>
+      <a:fontRef idx="minor"/>
+    </dgm:style>
+  </dgm:styleLbl>
+  <dgm:styleLbl name="alignImgPlace1">
+    <dgm:scene3d>
+      <a:camera prst="orthographicFront"/>
+      <a:lightRig rig="threePt" dir="t"/>
+    </dgm:scene3d>
+    <dgm:sp3d/>
+    <dgm:txPr/>
+    <dgm:style>
+      <a:lnRef idx="2">
+        <a:scrgbClr r="0" g="0" b="0"/>
+      </a:lnRef>
+      <a:fillRef idx="1">
+        <a:scrgbClr r="0" g="0" b="0"/>
+      </a:fillRef>
+      <a:effectRef idx="0">
+        <a:scrgbClr r="0" g="0" b="0"/>
+      </a:effectRef>
+      <a:fontRef idx="minor"/>
+    </dgm:style>
+  </dgm:styleLbl>
+  <dgm:styleLbl name="bgImgPlace1">
+    <dgm:scene3d>
+      <a:camera prst="orthographicFront"/>
+      <a:lightRig rig="threePt" dir="t"/>
+    </dgm:scene3d>
+    <dgm:sp3d/>
+    <dgm:txPr/>
+    <dgm:style>
+      <a:lnRef idx="2">
+        <a:scrgbClr r="0" g="0" b="0"/>
+      </a:lnRef>
+      <a:fillRef idx="1">
+        <a:scrgbClr r="0" g="0" b="0"/>
+      </a:fillRef>
+      <a:effectRef idx="0">
+        <a:scrgbClr r="0" g="0" b="0"/>
+      </a:effectRef>
+      <a:fontRef idx="minor"/>
+    </dgm:style>
+  </dgm:styleLbl>
+  <dgm:styleLbl name="sibTrans2D1">
+    <dgm:scene3d>
+      <a:camera prst="orthographicFront"/>
+      <a:lightRig rig="threePt" dir="t"/>
+    </dgm:scene3d>
+    <dgm:sp3d/>
+    <dgm:txPr/>
+    <dgm:style>
+      <a:lnRef idx="0">
+        <a:scrgbClr r="0" g="0" b="0"/>
+      </a:lnRef>
+      <a:fillRef idx="1">
+        <a:scrgbClr r="0" g="0" b="0"/>
+      </a:fillRef>
+      <a:effectRef idx="0">
+        <a:scrgbClr r="0" g="0" b="0"/>
+      </a:effectRef>
+      <a:fontRef idx="minor">
+        <a:schemeClr val="lt1"/>
+      </a:fontRef>
+    </dgm:style>
+  </dgm:styleLbl>
+  <dgm:styleLbl name="fgSibTrans2D1">
+    <dgm:scene3d>
+      <a:camera prst="orthographicFront"/>
+      <a:lightRig rig="threePt" dir="t"/>
+    </dgm:scene3d>
+    <dgm:sp3d/>
+    <dgm:txPr/>
+    <dgm:style>
+      <a:lnRef idx="0">
+        <a:scrgbClr r="0" g="0" b="0"/>
+      </a:lnRef>
+      <a:fillRef idx="1">
+        <a:scrgbClr r="0" g="0" b="0"/>
+      </a:fillRef>
+      <a:effectRef idx="0">
+        <a:scrgbClr r="0" g="0" b="0"/>
+      </a:effectRef>
+      <a:fontRef idx="minor">
+        <a:schemeClr val="lt1"/>
+      </a:fontRef>
+    </dgm:style>
+  </dgm:styleLbl>
+  <dgm:styleLbl name="bgSibTrans2D1">
+    <dgm:scene3d>
+      <a:camera prst="orthographicFront"/>
+      <a:lightRig rig="threePt" dir="t"/>
+    </dgm:scene3d>
+    <dgm:sp3d/>
+    <dgm:txPr/>
+    <dgm:style>
+      <a:lnRef idx="0">
+        <a:scrgbClr r="0" g="0" b="0"/>
+      </a:lnRef>
+      <a:fillRef idx="1">
+        <a:scrgbClr r="0" g="0" b="0"/>
+      </a:fillRef>
+      <a:effectRef idx="0">
+        <a:scrgbClr r="0" g="0" b="0"/>
+      </a:effectRef>
+      <a:fontRef idx="minor">
+        <a:schemeClr val="lt1"/>
+      </a:fontRef>
+    </dgm:style>
+  </dgm:styleLbl>
+  <dgm:styleLbl name="sibTrans1D1">
+    <dgm:scene3d>
+      <a:camera prst="orthographicFront"/>
+      <a:lightRig rig="threePt" dir="t"/>
+    </dgm:scene3d>
+    <dgm:sp3d/>
+    <dgm:txPr/>
+    <dgm:style>
+      <a:lnRef idx="1">
+        <a:scrgbClr r="0" g="0" b="0"/>
+      </a:lnRef>
+      <a:fillRef idx="0">
+        <a:scrgbClr r="0" g="0" b="0"/>
+      </a:fillRef>
+      <a:effectRef idx="0">
+        <a:scrgbClr r="0" g="0" b="0"/>
+      </a:effectRef>
+      <a:fontRef idx="minor"/>
+    </dgm:style>
+  </dgm:styleLbl>
+  <dgm:styleLbl name="callout">
+    <dgm:scene3d>
+      <a:camera prst="orthographicFront"/>
+      <a:lightRig rig="threePt" dir="t"/>
+    </dgm:scene3d>
+    <dgm:sp3d/>
+    <dgm:txPr/>
+    <dgm:style>
+      <a:lnRef idx="2">
+        <a:scrgbClr r="0" g="0" b="0"/>
+      </a:lnRef>
+      <a:fillRef idx="1">
+        <a:scrgbClr r="0" g="0" b="0"/>
+      </a:fillRef>
+      <a:effectRef idx="0">
+        <a:scrgbClr r="0" g="0" b="0"/>
+      </a:effectRef>
+      <a:fontRef idx="minor"/>
+    </dgm:style>
+  </dgm:styleLbl>
+  <dgm:styleLbl name="asst0">
+    <dgm:scene3d>
+      <a:camera prst="orthographicFront"/>
+      <a:lightRig rig="threePt" dir="t"/>
+    </dgm:scene3d>
+    <dgm:sp3d/>
+    <dgm:txPr/>
+    <dgm:style>
+      <a:lnRef idx="2">
+        <a:scrgbClr r="0" g="0" b="0"/>
+      </a:lnRef>
+      <a:fillRef idx="1">
+        <a:scrgbClr r="0" g="0" b="0"/>
+      </a:fillRef>
+      <a:effectRef idx="0">
+        <a:scrgbClr r="0" g="0" b="0"/>
+      </a:effectRef>
+      <a:fontRef idx="minor">
+        <a:schemeClr val="lt1"/>
+      </a:fontRef>
+    </dgm:style>
+  </dgm:styleLbl>
+  <dgm:styleLbl name="asst1">
+    <dgm:scene3d>
+      <a:camera prst="orthographicFront"/>
+      <a:lightRig rig="threePt" dir="t"/>
+    </dgm:scene3d>
+    <dgm:sp3d/>
+    <dgm:txPr/>
+    <dgm:style>
+      <a:lnRef idx="2">
+        <a:scrgbClr r="0" g="0" b="0"/>
+      </a:lnRef>
+      <a:fillRef idx="1">
+        <a:scrgbClr r="0" g="0" b="0"/>
+      </a:fillRef>
+      <a:effectRef idx="0">
+        <a:scrgbClr r="0" g="0" b="0"/>
+      </a:effectRef>
+      <a:fontRef idx="minor">
+        <a:schemeClr val="lt1"/>
+      </a:fontRef>
+    </dgm:style>
+  </dgm:styleLbl>
+  <dgm:styleLbl name="asst2">
+    <dgm:scene3d>
+      <a:camera prst="orthographicFront"/>
+      <a:lightRig rig="threePt" dir="t"/>
+    </dgm:scene3d>
+    <dgm:sp3d/>
+    <dgm:txPr/>
+    <dgm:style>
+      <a:lnRef idx="2">
+        <a:scrgbClr r="0" g="0" b="0"/>
+      </a:lnRef>
+      <a:fillRef idx="1">
+        <a:scrgbClr r="0" g="0" b="0"/>
+      </a:fillRef>
+      <a:effectRef idx="0">
+        <a:scrgbClr r="0" g="0" b="0"/>
+      </a:effectRef>
+      <a:fontRef idx="minor">
+        <a:schemeClr val="lt1"/>
+      </a:fontRef>
+    </dgm:style>
+  </dgm:styleLbl>
+  <dgm:styleLbl name="asst3">
+    <dgm:scene3d>
+      <a:camera prst="orthographicFront"/>
+      <a:lightRig rig="threePt" dir="t"/>
+    </dgm:scene3d>
+    <dgm:sp3d/>
+    <dgm:txPr/>
+    <dgm:style>
+      <a:lnRef idx="2">
+        <a:scrgbClr r="0" g="0" b="0"/>
+      </a:lnRef>
+      <a:fillRef idx="1">
+        <a:scrgbClr r="0" g="0" b="0"/>
+      </a:fillRef>
+      <a:effectRef idx="0">
+        <a:scrgbClr r="0" g="0" b="0"/>
+      </a:effectRef>
+      <a:fontRef idx="minor">
+        <a:schemeClr val="lt1"/>
+      </a:fontRef>
+    </dgm:style>
+  </dgm:styleLbl>
+  <dgm:styleLbl name="asst4">
+    <dgm:scene3d>
+      <a:camera prst="orthographicFront"/>
+      <a:lightRig rig="threePt" dir="t"/>
+    </dgm:scene3d>
+    <dgm:sp3d/>
+    <dgm:txPr/>
+    <dgm:style>
+      <a:lnRef idx="2">
+        <a:scrgbClr r="0" g="0" b="0"/>
+      </a:lnRef>
+      <a:fillRef idx="1">
+        <a:scrgbClr r="0" g="0" b="0"/>
+      </a:fillRef>
+      <a:effectRef idx="0">
+        <a:scrgbClr r="0" g="0" b="0"/>
+      </a:effectRef>
+      <a:fontRef idx="minor">
+        <a:schemeClr val="lt1"/>
+      </a:fontRef>
+    </dgm:style>
+  </dgm:styleLbl>
+  <dgm:styleLbl name="parChTrans2D1">
+    <dgm:scene3d>
+      <a:camera prst="orthographicFront"/>
+      <a:lightRig rig="threePt" dir="t"/>
+    </dgm:scene3d>
+    <dgm:sp3d/>
+    <dgm:txPr/>
+    <dgm:style>
+      <a:lnRef idx="2">
+        <a:scrgbClr r="0" g="0" b="0"/>
+      </a:lnRef>
+      <a:fillRef idx="1">
+        <a:scrgbClr r="0" g="0" b="0"/>
+      </a:fillRef>
+      <a:effectRef idx="0">
+        <a:scrgbClr r="0" g="0" b="0"/>
+      </a:effectRef>
+      <a:fontRef idx="minor">
+        <a:schemeClr val="lt1"/>
+      </a:fontRef>
+    </dgm:style>
+  </dgm:styleLbl>
+  <dgm:styleLbl name="parChTrans2D2">
+    <dgm:scene3d>
+      <a:camera prst="orthographicFront"/>
+      <a:lightRig rig="threePt" dir="t"/>
+    </dgm:scene3d>
+    <dgm:sp3d/>
+    <dgm:txPr/>
+    <dgm:style>
+      <a:lnRef idx="2">
+        <a:scrgbClr r="0" g="0" b="0"/>
+      </a:lnRef>
+      <a:fillRef idx="1">
+        <a:scrgbClr r="0" g="0" b="0"/>
+      </a:fillRef>
+      <a:effectRef idx="0">
+        <a:scrgbClr r="0" g="0" b="0"/>
+      </a:effectRef>
+      <a:fontRef idx="minor">
+        <a:schemeClr val="lt1"/>
+      </a:fontRef>
+    </dgm:style>
+  </dgm:styleLbl>
+  <dgm:styleLbl name="parChTrans2D3">
+    <dgm:scene3d>
+      <a:camera prst="orthographicFront"/>
+      <a:lightRig rig="threePt" dir="t"/>
+    </dgm:scene3d>
+    <dgm:sp3d/>
+    <dgm:txPr/>
+    <dgm:style>
+      <a:lnRef idx="2">
+        <a:scrgbClr r="0" g="0" b="0"/>
+      </a:lnRef>
+      <a:fillRef idx="1">
+        <a:scrgbClr r="0" g="0" b="0"/>
+      </a:fillRef>
+      <a:effectRef idx="0">
+        <a:scrgbClr r="0" g="0" b="0"/>
+      </a:effectRef>
+      <a:fontRef idx="minor">
+        <a:schemeClr val="lt1"/>
+      </a:fontRef>
+    </dgm:style>
+  </dgm:styleLbl>
+  <dgm:styleLbl name="parChTrans2D4">
+    <dgm:scene3d>
+      <a:camera prst="orthographicFront"/>
+      <a:lightRig rig="threePt" dir="t"/>
+    </dgm:scene3d>
+    <dgm:sp3d/>
+    <dgm:txPr/>
+    <dgm:style>
+      <a:lnRef idx="2">
+        <a:scrgbClr r="0" g="0" b="0"/>
+      </a:lnRef>
+      <a:fillRef idx="1">
+        <a:scrgbClr r="0" g="0" b="0"/>
+      </a:fillRef>
+      <a:effectRef idx="0">
+        <a:scrgbClr r="0" g="0" b="0"/>
+      </a:effectRef>
+      <a:fontRef idx="minor">
+        <a:schemeClr val="lt1"/>
+      </a:fontRef>
+    </dgm:style>
+  </dgm:styleLbl>
+  <dgm:styleLbl name="parChTrans1D1">
+    <dgm:scene3d>
+      <a:camera prst="orthographicFront"/>
+      <a:lightRig rig="threePt" dir="t"/>
+    </dgm:scene3d>
+    <dgm:sp3d/>
+    <dgm:txPr/>
+    <dgm:style>
+      <a:lnRef idx="2">
+        <a:scrgbClr r="0" g="0" b="0"/>
+      </a:lnRef>
+      <a:fillRef idx="0">
+        <a:scrgbClr r="0" g="0" b="0"/>
+      </a:fillRef>
+      <a:effectRef idx="0">
+        <a:scrgbClr r="0" g="0" b="0"/>
+      </a:effectRef>
+      <a:fontRef idx="minor"/>
+    </dgm:style>
+  </dgm:styleLbl>
+  <dgm:styleLbl name="parChTrans1D2">
+    <dgm:scene3d>
+      <a:camera prst="orthographicFront"/>
+      <a:lightRig rig="threePt" dir="t"/>
+    </dgm:scene3d>
+    <dgm:sp3d/>
+    <dgm:txPr/>
+    <dgm:style>
+      <a:lnRef idx="2">
+        <a:scrgbClr r="0" g="0" b="0"/>
+      </a:lnRef>
+      <a:fillRef idx="0">
+        <a:scrgbClr r="0" g="0" b="0"/>
+      </a:fillRef>
+      <a:effectRef idx="0">
+        <a:scrgbClr r="0" g="0" b="0"/>
+      </a:effectRef>
+      <a:fontRef idx="minor"/>
+    </dgm:style>
+  </dgm:styleLbl>
+  <dgm:styleLbl name="parChTrans1D3">
+    <dgm:scene3d>
+      <a:camera prst="orthographicFront"/>
+      <a:lightRig rig="threePt" dir="t"/>
+    </dgm:scene3d>
+    <dgm:sp3d/>
+    <dgm:txPr/>
+    <dgm:style>
+      <a:lnRef idx="2">
+        <a:scrgbClr r="0" g="0" b="0"/>
+      </a:lnRef>
+      <a:fillRef idx="0">
+        <a:scrgbClr r="0" g="0" b="0"/>
+      </a:fillRef>
+      <a:effectRef idx="0">
+        <a:scrgbClr r="0" g="0" b="0"/>
+      </a:effectRef>
+      <a:fontRef idx="minor"/>
+    </dgm:style>
+  </dgm:styleLbl>
+  <dgm:styleLbl name="parChTrans1D4">
+    <dgm:scene3d>
+      <a:camera prst="orthographicFront"/>
+      <a:lightRig rig="threePt" dir="t"/>
+    </dgm:scene3d>
+    <dgm:sp3d/>
+    <dgm:txPr/>
+    <dgm:style>
+      <a:lnRef idx="2">
+        <a:scrgbClr r="0" g="0" b="0"/>
+      </a:lnRef>
+      <a:fillRef idx="0">
+        <a:scrgbClr r="0" g="0" b="0"/>
+      </a:fillRef>
+      <a:effectRef idx="0">
+        <a:scrgbClr r="0" g="0" b="0"/>
+      </a:effectRef>
+      <a:fontRef idx="minor"/>
+    </dgm:style>
+  </dgm:styleLbl>
+  <dgm:styleLbl name="fgAcc1">
+    <dgm:scene3d>
+      <a:camera prst="orthographicFront"/>
+      <a:lightRig rig="threePt" dir="t"/>
+    </dgm:scene3d>
+    <dgm:sp3d/>
+    <dgm:txPr/>
+    <dgm:style>
+      <a:lnRef idx="2">
+        <a:scrgbClr r="0" g="0" b="0"/>
+      </a:lnRef>
+      <a:fillRef idx="1">
+        <a:scrgbClr r="0" g="0" b="0"/>
+      </a:fillRef>
+      <a:effectRef idx="0">
+        <a:scrgbClr r="0" g="0" b="0"/>
+      </a:effectRef>
+      <a:fontRef idx="minor"/>
+    </dgm:style>
+  </dgm:styleLbl>
+  <dgm:styleLbl name="conFgAcc1">
+    <dgm:scene3d>
+      <a:camera prst="orthographicFront"/>
+      <a:lightRig rig="threePt" dir="t"/>
+    </dgm:scene3d>
+    <dgm:sp3d/>
+    <dgm:txPr/>
+    <dgm:style>
+      <a:lnRef idx="2">
+        <a:scrgbClr r="0" g="0" b="0"/>
+      </a:lnRef>
+      <a:fillRef idx="1">
+        <a:scrgbClr r="0" g="0" b="0"/>
+      </a:fillRef>
+      <a:effectRef idx="0">
+        <a:scrgbClr r="0" g="0" b="0"/>
+      </a:effectRef>
+      <a:fontRef idx="minor"/>
+    </dgm:style>
+  </dgm:styleLbl>
+  <dgm:styleLbl name="alignAcc1">
+    <dgm:scene3d>
+      <a:camera prst="orthographicFront"/>
+      <a:lightRig rig="threePt" dir="t"/>
+    </dgm:scene3d>
+    <dgm:sp3d/>
+    <dgm:txPr/>
+    <dgm:style>
+      <a:lnRef idx="2">
+        <a:scrgbClr r="0" g="0" b="0"/>
+      </a:lnRef>
+      <a:fillRef idx="1">
+        <a:scrgbClr r="0" g="0" b="0"/>
+      </a:fillRef>
+      <a:effectRef idx="0">
+        <a:scrgbClr r="0" g="0" b="0"/>
+      </a:effectRef>
+      <a:fontRef idx="minor"/>
+    </dgm:style>
+  </dgm:styleLbl>
+  <dgm:styleLbl name="trAlignAcc1">
+    <dgm:scene3d>
+      <a:camera prst="orthographicFront"/>
+      <a:lightRig rig="threePt" dir="t"/>
+    </dgm:scene3d>
+    <dgm:sp3d/>
+    <dgm:txPr/>
+    <dgm:style>
+      <a:lnRef idx="1">
+        <a:scrgbClr r="0" g="0" b="0"/>
+      </a:lnRef>
+      <a:fillRef idx="1">
+        <a:scrgbClr r="0" g="0" b="0"/>
+      </a:fillRef>
+      <a:effectRef idx="0">
+        <a:scrgbClr r="0" g="0" b="0"/>
+      </a:effectRef>
+      <a:fontRef idx="minor"/>
+    </dgm:style>
+  </dgm:styleLbl>
+  <dgm:styleLbl name="bgAcc1">
+    <dgm:scene3d>
+      <a:camera prst="orthographicFront"/>
+      <a:lightRig rig="threePt" dir="t"/>
+    </dgm:scene3d>
+    <dgm:sp3d/>
+    <dgm:txPr/>
+    <dgm:style>
+      <a:lnRef idx="2">
+        <a:scrgbClr r="0" g="0" b="0"/>
+      </a:lnRef>
+      <a:fillRef idx="1">
+        <a:scrgbClr r="0" g="0" b="0"/>
+      </a:fillRef>
+      <a:effectRef idx="0">
+        <a:scrgbClr r="0" g="0" b="0"/>
+      </a:effectRef>
+      <a:fontRef idx="minor"/>
+    </dgm:style>
+  </dgm:styleLbl>
+  <dgm:styleLbl name="solidFgAcc1">
+    <dgm:scene3d>
+      <a:camera prst="orthographicFront"/>
+      <a:lightRig rig="threePt" dir="t"/>
+    </dgm:scene3d>
+    <dgm:sp3d/>
+    <dgm:txPr/>
+    <dgm:style>
+      <a:lnRef idx="2">
+        <a:scrgbClr r="0" g="0" b="0"/>
+      </a:lnRef>
+      <a:fillRef idx="1">
+        <a:scrgbClr r="0" g="0" b="0"/>
+      </a:fillRef>
+      <a:effectRef idx="0">
+        <a:scrgbClr r="0" g="0" b="0"/>
+      </a:effectRef>
+      <a:fontRef idx="minor"/>
+    </dgm:style>
+  </dgm:styleLbl>
+  <dgm:styleLbl name="solidAlignAcc1">
+    <dgm:scene3d>
+      <a:camera prst="orthographicFront"/>
+      <a:lightRig rig="threePt" dir="t"/>
+    </dgm:scene3d>
+    <dgm:sp3d/>
+    <dgm:txPr/>
+    <dgm:style>
+      <a:lnRef idx="2">
+        <a:scrgbClr r="0" g="0" b="0"/>
+      </a:lnRef>
+      <a:fillRef idx="1">
+        <a:scrgbClr r="0" g="0" b="0"/>
+      </a:fillRef>
+      <a:effectRef idx="0">
+        <a:scrgbClr r="0" g="0" b="0"/>
+      </a:effectRef>
+      <a:fontRef idx="minor"/>
+    </dgm:style>
+  </dgm:styleLbl>
+  <dgm:styleLbl name="solidBgAcc1">
+    <dgm:scene3d>
+      <a:camera prst="orthographicFront"/>
+      <a:lightRig rig="threePt" dir="t"/>
+    </dgm:scene3d>
+    <dgm:sp3d/>
+    <dgm:txPr/>
+    <dgm:style>
+      <a:lnRef idx="2">
+        <a:scrgbClr r="0" g="0" b="0"/>
+      </a:lnRef>
+      <a:fillRef idx="1">
+        <a:scrgbClr r="0" g="0" b="0"/>
+      </a:fillRef>
+      <a:effectRef idx="0">
+        <a:scrgbClr r="0" g="0" b="0"/>
+      </a:effectRef>
+      <a:fontRef idx="minor"/>
+    </dgm:style>
+  </dgm:styleLbl>
+  <dgm:styleLbl name="fgAccFollowNode1">
+    <dgm:scene3d>
+      <a:camera prst="orthographicFront"/>
+      <a:lightRig rig="threePt" dir="t"/>
+    </dgm:scene3d>
+    <dgm:sp3d/>
+    <dgm:txPr/>
+    <dgm:style>
+      <a:lnRef idx="2">
+        <a:scrgbClr r="0" g="0" b="0"/>
+      </a:lnRef>
+      <a:fillRef idx="1">
+        <a:scrgbClr r="0" g="0" b="0"/>
+      </a:fillRef>
+      <a:effectRef idx="0">
+        <a:scrgbClr r="0" g="0" b="0"/>
+      </a:effectRef>
+      <a:fontRef idx="minor"/>
+    </dgm:style>
+  </dgm:styleLbl>
+  <dgm:styleLbl name="alignAccFollowNode1">
+    <dgm:scene3d>
+      <a:camera prst="orthographicFront"/>
+      <a:lightRig rig="threePt" dir="t"/>
+    </dgm:scene3d>
+    <dgm:sp3d/>
+    <dgm:txPr/>
+    <dgm:style>
+      <a:lnRef idx="2">
+        <a:scrgbClr r="0" g="0" b="0"/>
+      </a:lnRef>
+      <a:fillRef idx="1">
+        <a:scrgbClr r="0" g="0" b="0"/>
+      </a:fillRef>
+      <a:effectRef idx="0">
+        <a:scrgbClr r="0" g="0" b="0"/>
+      </a:effectRef>
+      <a:fontRef idx="minor"/>
+    </dgm:style>
+  </dgm:styleLbl>
+  <dgm:styleLbl name="bgAccFollowNode1">
+    <dgm:scene3d>
+      <a:camera prst="orthographicFront"/>
+      <a:lightRig rig="threePt" dir="t"/>
+    </dgm:scene3d>
+    <dgm:sp3d/>
+    <dgm:txPr/>
+    <dgm:style>
+      <a:lnRef idx="2">
+        <a:scrgbClr r="0" g="0" b="0"/>
+      </a:lnRef>
+      <a:fillRef idx="1">
+        <a:scrgbClr r="0" g="0" b="0"/>
+      </a:fillRef>
+      <a:effectRef idx="0">
+        <a:scrgbClr r="0" g="0" b="0"/>
+      </a:effectRef>
+      <a:fontRef idx="minor"/>
+    </dgm:style>
+  </dgm:styleLbl>
+  <dgm:styleLbl name="fgAcc0">
+    <dgm:scene3d>
+      <a:camera prst="orthographicFront"/>
+      <a:lightRig rig="threePt" dir="t"/>
+    </dgm:scene3d>
+    <dgm:sp3d/>
+    <dgm:txPr/>
+    <dgm:style>
+      <a:lnRef idx="2">
+        <a:scrgbClr r="0" g="0" b="0"/>
+      </a:lnRef>
+      <a:fillRef idx="1">
+        <a:scrgbClr r="0" g="0" b="0"/>
+      </a:fillRef>
+      <a:effectRef idx="0">
+        <a:scrgbClr r="0" g="0" b="0"/>
+      </a:effectRef>
+      <a:fontRef idx="minor"/>
+    </dgm:style>
+  </dgm:styleLbl>
+  <dgm:styleLbl name="fgAcc2">
+    <dgm:scene3d>
+      <a:camera prst="orthographicFront"/>
+      <a:lightRig rig="threePt" dir="t"/>
+    </dgm:scene3d>
+    <dgm:sp3d/>
+    <dgm:txPr/>
+    <dgm:style>
+      <a:lnRef idx="2">
+        <a:scrgbClr r="0" g="0" b="0"/>
+      </a:lnRef>
+      <a:fillRef idx="1">
+        <a:scrgbClr r="0" g="0" b="0"/>
+      </a:fillRef>
+      <a:effectRef idx="0">
+        <a:scrgbClr r="0" g="0" b="0"/>
+      </a:effectRef>
+      <a:fontRef idx="minor"/>
+    </dgm:style>
+  </dgm:styleLbl>
+  <dgm:styleLbl name="fgAcc3">
+    <dgm:scene3d>
+      <a:camera prst="orthographicFront"/>
+      <a:lightRig rig="threePt" dir="t"/>
+    </dgm:scene3d>
+    <dgm:sp3d/>
+    <dgm:txPr/>
+    <dgm:style>
+      <a:lnRef idx="2">
+        <a:scrgbClr r="0" g="0" b="0"/>
+      </a:lnRef>
+      <a:fillRef idx="1">
+        <a:scrgbClr r="0" g="0" b="0"/>
+      </a:fillRef>
+      <a:effectRef idx="0">
+        <a:scrgbClr r="0" g="0" b="0"/>
+      </a:effectRef>
+      <a:fontRef idx="minor"/>
+    </dgm:style>
+  </dgm:styleLbl>
+  <dgm:styleLbl name="fgAcc4">
+    <dgm:scene3d>
+      <a:camera prst="orthographicFront"/>
+      <a:lightRig rig="threePt" dir="t"/>
+    </dgm:scene3d>
+    <dgm:sp3d/>
+    <dgm:txPr/>
+    <dgm:style>
+      <a:lnRef idx="2">
+        <a:scrgbClr r="0" g="0" b="0"/>
+      </a:lnRef>
+      <a:fillRef idx="1">
+        <a:scrgbClr r="0" g="0" b="0"/>
+      </a:fillRef>
+      <a:effectRef idx="0">
+        <a:scrgbClr r="0" g="0" b="0"/>
+      </a:effectRef>
+      <a:fontRef idx="minor"/>
+    </dgm:style>
+  </dgm:styleLbl>
+  <dgm:styleLbl name="bgShp">
+    <dgm:scene3d>
+      <a:camera prst="orthographicFront"/>
+      <a:lightRig rig="threePt" dir="t"/>
+    </dgm:scene3d>
+    <dgm:sp3d/>
+    <dgm:txPr/>
+    <dgm:style>
+      <a:lnRef idx="0">
+        <a:scrgbClr r="0" g="0" b="0"/>
+      </a:lnRef>
+      <a:fillRef idx="1">
+        <a:scrgbClr r="0" g="0" b="0"/>
+      </a:fillRef>
+      <a:effectRef idx="0">
+        <a:scrgbClr r="0" g="0" b="0"/>
+      </a:effectRef>
+      <a:fontRef idx="minor"/>
+    </dgm:style>
+  </dgm:styleLbl>
+  <dgm:styleLbl name="dkBgShp">
+    <dgm:scene3d>
+      <a:camera prst="orthographicFront"/>
+      <a:lightRig rig="threePt" dir="t"/>
+    </dgm:scene3d>
+    <dgm:sp3d/>
+    <dgm:txPr/>
+    <dgm:style>
+      <a:lnRef idx="0">
+        <a:scrgbClr r="0" g="0" b="0"/>
+      </a:lnRef>
+      <a:fillRef idx="1">
+        <a:scrgbClr r="0" g="0" b="0"/>
+      </a:fillRef>
+      <a:effectRef idx="0">
+        <a:scrgbClr r="0" g="0" b="0"/>
+      </a:effectRef>
+      <a:fontRef idx="minor"/>
+    </dgm:style>
+  </dgm:styleLbl>
+  <dgm:styleLbl name="trBgShp">
+    <dgm:scene3d>
+      <a:camera prst="orthographicFront"/>
+      <a:lightRig rig="threePt" dir="t"/>
+    </dgm:scene3d>
+    <dgm:sp3d/>
+    <dgm:txPr/>
+    <dgm:style>
+      <a:lnRef idx="0">
+        <a:scrgbClr r="0" g="0" b="0"/>
+      </a:lnRef>
+      <a:fillRef idx="1">
+        <a:scrgbClr r="0" g="0" b="0"/>
+      </a:fillRef>
+      <a:effectRef idx="0">
+        <a:scrgbClr r="0" g="0" b="0"/>
+      </a:effectRef>
+      <a:fontRef idx="minor"/>
+    </dgm:style>
+  </dgm:styleLbl>
+  <dgm:styleLbl name="fgShp">
+    <dgm:scene3d>
+      <a:camera prst="orthographicFront"/>
+      <a:lightRig rig="threePt" dir="t"/>
+    </dgm:scene3d>
+    <dgm:sp3d/>
+    <dgm:txPr/>
+    <dgm:style>
+      <a:lnRef idx="2">
+        <a:scrgbClr r="0" g="0" b="0"/>
+      </a:lnRef>
+      <a:fillRef idx="1">
+        <a:scrgbClr r="0" g="0" b="0"/>
+      </a:fillRef>
+      <a:effectRef idx="0">
+        <a:scrgbClr r="0" g="0" b="0"/>
+      </a:effectRef>
+      <a:fontRef idx="minor"/>
+    </dgm:style>
+  </dgm:styleLbl>
+  <dgm:styleLbl name="revTx">
+    <dgm:scene3d>
+      <a:camera prst="orthographicFront"/>
+      <a:lightRig rig="threePt" dir="t"/>
+    </dgm:scene3d>
+    <dgm:sp3d/>
+    <dgm:txPr/>
+    <dgm:style>
+      <a:lnRef idx="0">
+        <a:scrgbClr r="0" g="0" b="0"/>
+      </a:lnRef>
+      <a:fillRef idx="0">
+        <a:scrgbClr r="0" g="0" b="0"/>
+      </a:fillRef>
+      <a:effectRef idx="0">
+        <a:scrgbClr r="0" g="0" b="0"/>
+      </a:effectRef>
+      <a:fontRef idx="minor"/>
+    </dgm:style>
+  </dgm:styleLbl>
+</dgm:styleDef>
+</file>
+
 <file path=ppt/diagrams/quickStyle2.xml><?xml version="1.0" encoding="utf-8"?>
 <dgm:styleDef xmlns:dgm="http://schemas.openxmlformats.org/drawingml/2006/diagram" xmlns:a="http://schemas.openxmlformats.org/drawingml/2006/main" uniqueId="urn:microsoft.com/office/officeart/2005/8/quickstyle/simple1">
   <dgm:title val=""/>
@@ -29817,7 +33003,7 @@
           <a:p>
             <a:fld id="{DE691C45-D440-4534-83E5-2177D2428FA3}" type="datetimeFigureOut">
               <a:rPr lang="it-IT" smtClean="0"/>
-              <a:t>07/12/2014</a:t>
+              <a:t>08/12/2014</a:t>
             </a:fld>
             <a:endParaRPr lang="it-IT"/>
           </a:p>
@@ -29987,7 +33173,7 @@
           <a:p>
             <a:fld id="{DE691C45-D440-4534-83E5-2177D2428FA3}" type="datetimeFigureOut">
               <a:rPr lang="it-IT" smtClean="0"/>
-              <a:t>07/12/2014</a:t>
+              <a:t>08/12/2014</a:t>
             </a:fld>
             <a:endParaRPr lang="it-IT"/>
           </a:p>
@@ -30167,7 +33353,7 @@
           <a:p>
             <a:fld id="{DE691C45-D440-4534-83E5-2177D2428FA3}" type="datetimeFigureOut">
               <a:rPr lang="it-IT" smtClean="0"/>
-              <a:t>07/12/2014</a:t>
+              <a:t>08/12/2014</a:t>
             </a:fld>
             <a:endParaRPr lang="it-IT"/>
           </a:p>
@@ -30337,7 +33523,7 @@
           <a:p>
             <a:fld id="{DE691C45-D440-4534-83E5-2177D2428FA3}" type="datetimeFigureOut">
               <a:rPr lang="it-IT" smtClean="0"/>
-              <a:t>07/12/2014</a:t>
+              <a:t>08/12/2014</a:t>
             </a:fld>
             <a:endParaRPr lang="it-IT"/>
           </a:p>
@@ -30590,7 +33776,7 @@
           <a:p>
             <a:fld id="{DE691C45-D440-4534-83E5-2177D2428FA3}" type="datetimeFigureOut">
               <a:rPr lang="it-IT" smtClean="0"/>
-              <a:t>07/12/2014</a:t>
+              <a:t>08/12/2014</a:t>
             </a:fld>
             <a:endParaRPr lang="it-IT"/>
           </a:p>
@@ -30822,7 +34008,7 @@
           <a:p>
             <a:fld id="{DE691C45-D440-4534-83E5-2177D2428FA3}" type="datetimeFigureOut">
               <a:rPr lang="it-IT" smtClean="0"/>
-              <a:t>07/12/2014</a:t>
+              <a:t>08/12/2014</a:t>
             </a:fld>
             <a:endParaRPr lang="it-IT"/>
           </a:p>
@@ -31189,7 +34375,7 @@
           <a:p>
             <a:fld id="{DE691C45-D440-4534-83E5-2177D2428FA3}" type="datetimeFigureOut">
               <a:rPr lang="it-IT" smtClean="0"/>
-              <a:t>07/12/2014</a:t>
+              <a:t>08/12/2014</a:t>
             </a:fld>
             <a:endParaRPr lang="it-IT"/>
           </a:p>
@@ -31307,7 +34493,7 @@
           <a:p>
             <a:fld id="{DE691C45-D440-4534-83E5-2177D2428FA3}" type="datetimeFigureOut">
               <a:rPr lang="it-IT" smtClean="0"/>
-              <a:t>07/12/2014</a:t>
+              <a:t>08/12/2014</a:t>
             </a:fld>
             <a:endParaRPr lang="it-IT"/>
           </a:p>
@@ -31402,7 +34588,7 @@
           <a:p>
             <a:fld id="{DE691C45-D440-4534-83E5-2177D2428FA3}" type="datetimeFigureOut">
               <a:rPr lang="it-IT" smtClean="0"/>
-              <a:t>07/12/2014</a:t>
+              <a:t>08/12/2014</a:t>
             </a:fld>
             <a:endParaRPr lang="it-IT"/>
           </a:p>
@@ -31679,7 +34865,7 @@
           <a:p>
             <a:fld id="{DE691C45-D440-4534-83E5-2177D2428FA3}" type="datetimeFigureOut">
               <a:rPr lang="it-IT" smtClean="0"/>
-              <a:t>07/12/2014</a:t>
+              <a:t>08/12/2014</a:t>
             </a:fld>
             <a:endParaRPr lang="it-IT"/>
           </a:p>
@@ -31936,7 +35122,7 @@
           <a:p>
             <a:fld id="{DE691C45-D440-4534-83E5-2177D2428FA3}" type="datetimeFigureOut">
               <a:rPr lang="it-IT" smtClean="0"/>
-              <a:t>07/12/2014</a:t>
+              <a:t>08/12/2014</a:t>
             </a:fld>
             <a:endParaRPr lang="it-IT"/>
           </a:p>
@@ -32149,7 +35335,7 @@
           <a:p>
             <a:fld id="{DE691C45-D440-4534-83E5-2177D2428FA3}" type="datetimeFigureOut">
               <a:rPr lang="it-IT" smtClean="0"/>
-              <a:t>07/12/2014</a:t>
+              <a:t>08/12/2014</a:t>
             </a:fld>
             <a:endParaRPr lang="it-IT"/>
           </a:p>
@@ -32576,7 +35762,7 @@
         </p:blipFill>
         <p:spPr>
           <a:xfrm>
-            <a:off x="0" y="827316"/>
+            <a:off x="0" y="725693"/>
             <a:ext cx="12192000" cy="890466"/>
           </a:xfrm>
           <a:prstGeom prst="rect">
@@ -32614,120 +35800,6 @@
           </a:prstGeom>
         </p:spPr>
       </p:pic>
-      <p:pic>
-        <p:nvPicPr>
-          <p:cNvPr id="8" name="Content Placeholder 7"/>
-          <p:cNvPicPr>
-            <a:picLocks noGrp="1" noChangeAspect="1"/>
-          </p:cNvPicPr>
-          <p:nvPr>
-            <p:ph idx="1"/>
-          </p:nvPr>
-        </p:nvPicPr>
-        <p:blipFill>
-          <a:blip r:embed="rId2">
-            <a:extLst>
-              <a:ext uri="{28A0092B-C50C-407E-A947-70E740481C1C}">
-                <a14:useLocalDpi xmlns:a14="http://schemas.microsoft.com/office/drawing/2010/main" val="0"/>
-              </a:ext>
-            </a:extLst>
-          </a:blip>
-          <a:stretch>
-            <a:fillRect/>
-          </a:stretch>
-        </p:blipFill>
-        <p:spPr>
-          <a:xfrm>
-            <a:off x="0" y="0"/>
-            <a:ext cx="12192000" cy="890466"/>
-          </a:xfrm>
-        </p:spPr>
-      </p:pic>
-      <p:sp>
-        <p:nvSpPr>
-          <p:cNvPr id="2" name="Title 1"/>
-          <p:cNvSpPr>
-            <a:spLocks noGrp="1"/>
-          </p:cNvSpPr>
-          <p:nvPr>
-            <p:ph type="title"/>
-          </p:nvPr>
-        </p:nvSpPr>
-        <p:spPr>
-          <a:xfrm>
-            <a:off x="838200" y="227684"/>
-            <a:ext cx="10515600" cy="1325563"/>
-          </a:xfrm>
-        </p:spPr>
-        <p:txBody>
-          <a:bodyPr anchor="ctr">
-            <a:normAutofit fontScale="90000"/>
-          </a:bodyPr>
-          <a:lstStyle/>
-          <a:p>
-            <a:pPr algn="ctr"/>
-            <a:r>
-              <a:rPr lang="it-IT" sz="4800" dirty="0">
-                <a:solidFill>
-                  <a:schemeClr val="bg1"/>
-                </a:solidFill>
-                <a:effectLst>
-                  <a:outerShdw blurRad="38100" dist="38100" dir="2700000" algn="tl">
-                    <a:srgbClr val="000000">
-                      <a:alpha val="43137"/>
-                    </a:srgbClr>
-                  </a:outerShdw>
-                </a:effectLst>
-              </a:rPr>
-              <a:t>Test di accettazione in</a:t>
-            </a:r>
-            <a:br>
-              <a:rPr lang="it-IT" sz="4800" dirty="0">
-                <a:solidFill>
-                  <a:schemeClr val="bg1"/>
-                </a:solidFill>
-                <a:effectLst>
-                  <a:outerShdw blurRad="38100" dist="38100" dir="2700000" algn="tl">
-                    <a:srgbClr val="000000">
-                      <a:alpha val="43137"/>
-                    </a:srgbClr>
-                  </a:outerShdw>
-                </a:effectLst>
-              </a:rPr>
-            </a:br>
-            <a:r>
-              <a:rPr lang="it-IT" sz="4800" dirty="0" err="1">
-                <a:solidFill>
-                  <a:schemeClr val="bg1"/>
-                </a:solidFill>
-                <a:effectLst>
-                  <a:outerShdw blurRad="38100" dist="38100" dir="2700000" algn="tl">
-                    <a:srgbClr val="000000">
-                      <a:alpha val="43137"/>
-                    </a:srgbClr>
-                  </a:outerShdw>
-                </a:effectLst>
-              </a:rPr>
-              <a:t>framework</a:t>
-            </a:r>
-            <a:r>
-              <a:rPr lang="it-IT" sz="4800" dirty="0">
-                <a:solidFill>
-                  <a:schemeClr val="bg1"/>
-                </a:solidFill>
-                <a:effectLst>
-                  <a:outerShdw blurRad="38100" dist="38100" dir="2700000" algn="tl">
-                    <a:srgbClr val="000000">
-                      <a:alpha val="43137"/>
-                    </a:srgbClr>
-                  </a:outerShdw>
-                </a:effectLst>
-              </a:rPr>
-              <a:t> MVC a confronto</a:t>
-            </a:r>
-          </a:p>
-        </p:txBody>
-      </p:sp>
       <p:sp>
         <p:nvSpPr>
           <p:cNvPr id="3" name="TextBox 2"/>
@@ -32887,6 +35959,121 @@
           </a:prstGeom>
         </p:spPr>
       </p:pic>
+      <p:pic>
+        <p:nvPicPr>
+          <p:cNvPr id="11" name="Picture 10"/>
+          <p:cNvPicPr>
+            <a:picLocks noChangeAspect="1"/>
+          </p:cNvPicPr>
+          <p:nvPr/>
+        </p:nvPicPr>
+        <p:blipFill>
+          <a:blip r:embed="rId2">
+            <a:extLst>
+              <a:ext uri="{28A0092B-C50C-407E-A947-70E740481C1C}">
+                <a14:useLocalDpi xmlns:a14="http://schemas.microsoft.com/office/drawing/2010/main" val="0"/>
+              </a:ext>
+            </a:extLst>
+          </a:blip>
+          <a:stretch>
+            <a:fillRect/>
+          </a:stretch>
+        </p:blipFill>
+        <p:spPr>
+          <a:xfrm>
+            <a:off x="0" y="0"/>
+            <a:ext cx="12192000" cy="1032425"/>
+          </a:xfrm>
+          <a:prstGeom prst="rect">
+            <a:avLst/>
+          </a:prstGeom>
+        </p:spPr>
+      </p:pic>
+      <p:sp>
+        <p:nvSpPr>
+          <p:cNvPr id="2" name="Title 1"/>
+          <p:cNvSpPr>
+            <a:spLocks noGrp="1"/>
+          </p:cNvSpPr>
+          <p:nvPr>
+            <p:ph type="title"/>
+          </p:nvPr>
+        </p:nvSpPr>
+        <p:spPr>
+          <a:xfrm>
+            <a:off x="838200" y="227684"/>
+            <a:ext cx="10515600" cy="1325563"/>
+          </a:xfrm>
+        </p:spPr>
+        <p:txBody>
+          <a:bodyPr anchor="ctr">
+            <a:normAutofit fontScale="90000"/>
+          </a:bodyPr>
+          <a:lstStyle/>
+          <a:p>
+            <a:pPr algn="ctr"/>
+            <a:r>
+              <a:rPr lang="it-IT" sz="4800" dirty="0">
+                <a:solidFill>
+                  <a:schemeClr val="bg1"/>
+                </a:solidFill>
+                <a:effectLst>
+                  <a:outerShdw blurRad="38100" dist="38100" dir="2700000" algn="tl">
+                    <a:srgbClr val="000000">
+                      <a:alpha val="43137"/>
+                    </a:srgbClr>
+                  </a:outerShdw>
+                </a:effectLst>
+              </a:rPr>
+              <a:t>Test di accettazione in</a:t>
+            </a:r>
+            <a:br>
+              <a:rPr lang="it-IT" sz="4800" dirty="0">
+                <a:solidFill>
+                  <a:schemeClr val="bg1"/>
+                </a:solidFill>
+                <a:effectLst>
+                  <a:outerShdw blurRad="38100" dist="38100" dir="2700000" algn="tl">
+                    <a:srgbClr val="000000">
+                      <a:alpha val="43137"/>
+                    </a:srgbClr>
+                  </a:outerShdw>
+                </a:effectLst>
+              </a:rPr>
+            </a:br>
+            <a:r>
+              <a:rPr lang="it-IT" sz="4800" dirty="0" err="1">
+                <a:solidFill>
+                  <a:schemeClr val="bg1"/>
+                </a:solidFill>
+                <a:effectLst>
+                  <a:outerShdw blurRad="38100" dist="38100" dir="2700000" algn="tl">
+                    <a:srgbClr val="000000">
+                      <a:alpha val="43137"/>
+                    </a:srgbClr>
+                  </a:outerShdw>
+                </a:effectLst>
+              </a:rPr>
+              <a:t>framework</a:t>
+            </a:r>
+            <a:r>
+              <a:rPr lang="it-IT" sz="4800" dirty="0">
+                <a:solidFill>
+                  <a:schemeClr val="bg1"/>
+                </a:solidFill>
+                <a:effectLst>
+                  <a:outerShdw blurRad="38100" dist="38100" dir="2700000" algn="tl">
+                    <a:srgbClr val="000000">
+                      <a:alpha val="43137"/>
+                    </a:srgbClr>
+                  </a:outerShdw>
+                </a:effectLst>
+              </a:rPr>
+              <a:t> MVC a confronto</a:t>
+            </a:r>
+          </a:p>
+        </p:txBody>
+      </p:sp>
     </p:spTree>
     <p:extLst>
       <p:ext uri="{BB962C8B-B14F-4D97-AF65-F5344CB8AC3E}">
@@ -33231,7 +36418,7 @@
           <a:lstStyle/>
           <a:p>
             <a:r>
-              <a:rPr lang="it-IT" b="1" dirty="0" smtClean="0">
+              <a:rPr lang="it-IT" dirty="0" smtClean="0">
                 <a:solidFill>
                   <a:schemeClr val="bg1"/>
                 </a:solidFill>
@@ -33239,7 +36426,7 @@
               <a:t>Confronto fra i </a:t>
             </a:r>
             <a:r>
-              <a:rPr lang="it-IT" b="1" dirty="0" err="1" smtClean="0">
+              <a:rPr lang="it-IT" dirty="0" err="1" smtClean="0">
                 <a:solidFill>
                   <a:schemeClr val="bg1"/>
                 </a:solidFill>
@@ -33262,8 +36449,8 @@
         </p:nvSpPr>
         <p:spPr>
           <a:xfrm>
-            <a:off x="2147433" y="1186419"/>
-            <a:ext cx="2875936" cy="2031325"/>
+            <a:off x="868599" y="1186419"/>
+            <a:ext cx="3817996" cy="2308324"/>
           </a:xfrm>
           <a:prstGeom prst="rect">
             <a:avLst/>
@@ -33274,11 +36461,11 @@
           <a:ln w="25400">
             <a:gradFill>
               <a:gsLst>
+                <a:gs pos="47800">
+                  <a:srgbClr val="D69B9C"/>
+                </a:gs>
                 <a:gs pos="0">
-                  <a:schemeClr val="accent1">
-                    <a:lumMod val="5000"/>
-                    <a:lumOff val="95000"/>
-                  </a:schemeClr>
+                  <a:srgbClr val="FFBDBD"/>
                 </a:gs>
                 <a:gs pos="100000">
                   <a:srgbClr val="B23333"/>
@@ -33314,8 +36501,13 @@
             </a:pPr>
             <a:r>
               <a:rPr lang="it-IT" dirty="0" smtClean="0"/>
-              <a:t>Convenzioni</a:t>
+              <a:t>Convention over </a:t>
             </a:r>
+            <a:r>
+              <a:rPr lang="it-IT" dirty="0" err="1" smtClean="0"/>
+              <a:t>Configuration</a:t>
+            </a:r>
+            <a:endParaRPr lang="it-IT" dirty="0" smtClean="0"/>
           </a:p>
           <a:p>
             <a:pPr marL="742950" lvl="1" indent="-285750">
@@ -33331,13 +36523,8 @@
             </a:pPr>
             <a:r>
               <a:rPr lang="it-IT" dirty="0" smtClean="0"/>
-              <a:t>Ricca libreria di </a:t>
+              <a:t>Numerose librerie di supporto</a:t>
             </a:r>
-            <a:r>
-              <a:rPr lang="it-IT" dirty="0" err="1" smtClean="0"/>
-              <a:t>Helper</a:t>
-            </a:r>
-            <a:endParaRPr lang="it-IT" dirty="0" smtClean="0"/>
           </a:p>
           <a:p>
             <a:pPr marL="742950" lvl="1" indent="-285750">
@@ -33367,7 +36554,7 @@
         </p:nvSpPr>
         <p:spPr>
           <a:xfrm>
-            <a:off x="8488252" y="3361235"/>
+            <a:off x="8448012" y="3316882"/>
             <a:ext cx="2875936" cy="2031325"/>
           </a:xfrm>
           <a:prstGeom prst="rect">
@@ -33480,8 +36667,8 @@
         </p:nvSpPr>
         <p:spPr>
           <a:xfrm>
-            <a:off x="389025" y="3401505"/>
-            <a:ext cx="2875936" cy="2585323"/>
+            <a:off x="0" y="3663853"/>
+            <a:ext cx="3264961" cy="2322975"/>
           </a:xfrm>
           <a:prstGeom prst="rect">
             <a:avLst/>
@@ -33493,10 +36680,7 @@
             <a:gradFill flip="none" rotWithShape="1">
               <a:gsLst>
                 <a:gs pos="0">
-                  <a:schemeClr val="accent1">
-                    <a:lumMod val="5000"/>
-                    <a:lumOff val="95000"/>
-                  </a:schemeClr>
+                  <a:srgbClr val="C1E7FF"/>
                 </a:gs>
                 <a:gs pos="100000">
                   <a:srgbClr val="006BAB"/>
@@ -33595,7 +36779,7 @@
         </p:blipFill>
         <p:spPr>
           <a:xfrm>
-            <a:off x="2571701" y="1268614"/>
+            <a:off x="1314401" y="1304837"/>
             <a:ext cx="282210" cy="371263"/>
           </a:xfrm>
           <a:prstGeom prst="rect">
@@ -33625,7 +36809,7 @@
         </p:blipFill>
         <p:spPr>
           <a:xfrm>
-            <a:off x="2571701" y="1823307"/>
+            <a:off x="1314401" y="2032410"/>
             <a:ext cx="282210" cy="371263"/>
           </a:xfrm>
           <a:prstGeom prst="rect">
@@ -33655,7 +36839,7 @@
         </p:blipFill>
         <p:spPr>
           <a:xfrm>
-            <a:off x="2571701" y="2651351"/>
+            <a:off x="1314401" y="2961741"/>
             <a:ext cx="282210" cy="371263"/>
           </a:xfrm>
           <a:prstGeom prst="rect">
@@ -33685,7 +36869,7 @@
         </p:blipFill>
         <p:spPr>
           <a:xfrm>
-            <a:off x="8914466" y="3434685"/>
+            <a:off x="8924402" y="3369634"/>
             <a:ext cx="301333" cy="396000"/>
           </a:xfrm>
           <a:prstGeom prst="rect">
@@ -33775,7 +36959,7 @@
         </p:blipFill>
         <p:spPr>
           <a:xfrm>
-            <a:off x="868598" y="3502047"/>
+            <a:off x="457082" y="3765634"/>
             <a:ext cx="282210" cy="371263"/>
           </a:xfrm>
           <a:prstGeom prst="rect">
@@ -33805,7 +36989,7 @@
         </p:blipFill>
         <p:spPr>
           <a:xfrm>
-            <a:off x="840486" y="4631306"/>
+            <a:off x="457082" y="4824037"/>
             <a:ext cx="282210" cy="371263"/>
           </a:xfrm>
           <a:prstGeom prst="rect">
@@ -33835,7 +37019,7 @@
         </p:blipFill>
         <p:spPr>
           <a:xfrm>
-            <a:off x="840486" y="5413430"/>
+            <a:off x="457082" y="5405432"/>
             <a:ext cx="282210" cy="371263"/>
           </a:xfrm>
           <a:prstGeom prst="rect">
@@ -33928,7 +37112,7 @@
           <p:nvPr>
             <p:extLst>
               <p:ext uri="{D42A27DB-BD31-4B8C-83A1-F6EECF244321}">
-                <p14:modId xmlns:p14="http://schemas.microsoft.com/office/powerpoint/2010/main" val="3762995142"/>
+                <p14:modId xmlns:p14="http://schemas.microsoft.com/office/powerpoint/2010/main" val="3563135370"/>
               </p:ext>
             </p:extLst>
           </p:nvPr>
@@ -34130,7 +37314,7 @@
           <p:nvPr>
             <p:extLst>
               <p:ext uri="{D42A27DB-BD31-4B8C-83A1-F6EECF244321}">
-                <p14:modId xmlns:p14="http://schemas.microsoft.com/office/powerpoint/2010/main" val="3278240201"/>
+                <p14:modId xmlns:p14="http://schemas.microsoft.com/office/powerpoint/2010/main" val="3761129760"/>
               </p:ext>
             </p:extLst>
           </p:nvPr>
@@ -34789,8 +37973,20 @@
           <a:lstStyle/>
           <a:p>
             <a:r>
-              <a:rPr lang="it-IT" dirty="0"/>
-              <a:t>Scenario: </a:t>
+              <a:rPr lang="it-IT" b="1" dirty="0">
+                <a:solidFill>
+                  <a:srgbClr val="0099FF"/>
+                </a:solidFill>
+              </a:rPr>
+              <a:t>Scenario:</a:t>
+            </a:r>
+            <a:r>
+              <a:rPr lang="it-IT" b="1" dirty="0">
+                <a:solidFill>
+                  <a:srgbClr val="006BAB"/>
+                </a:solidFill>
+              </a:rPr>
+              <a:t> </a:t>
             </a:r>
             <a:r>
               <a:rPr lang="it-IT" dirty="0" err="1"/>
@@ -34798,19 +37994,53 @@
             </a:r>
             <a:r>
               <a:rPr lang="it-IT" dirty="0"/>
-              <a:t> della ricerca</a:t>
+              <a:t> </a:t>
             </a:r>
+            <a:r>
+              <a:rPr lang="it-IT" dirty="0" smtClean="0"/>
+              <a:t>della ricerca</a:t>
+            </a:r>
+            <a:endParaRPr lang="it-IT" dirty="0"/>
           </a:p>
           <a:p>
             <a:r>
+              <a:rPr lang="it-IT" b="1" dirty="0" smtClean="0">
+                <a:solidFill>
+                  <a:srgbClr val="006BAB"/>
+                </a:solidFill>
+              </a:rPr>
+              <a:t>Dato </a:t>
+            </a:r>
+            <a:r>
               <a:rPr lang="it-IT" dirty="0"/>
-              <a:t>    Dato nell'intestazione è presente la barra di ricerca</a:t>
+              <a:t>nell'intestazione è </a:t>
             </a:r>
+            <a:r>
+              <a:rPr lang="it-IT" dirty="0" smtClean="0"/>
+              <a:t>	presente </a:t>
+            </a:r>
+            <a:r>
+              <a:rPr lang="it-IT" dirty="0"/>
+              <a:t>la barra di </a:t>
+            </a:r>
+            <a:r>
+              <a:rPr lang="it-IT" dirty="0" smtClean="0"/>
+              <a:t>	ricerca</a:t>
+            </a:r>
+            <a:endParaRPr lang="it-IT" dirty="0"/>
           </a:p>
           <a:p>
             <a:r>
+              <a:rPr lang="it-IT" b="1" dirty="0" smtClean="0">
+                <a:solidFill>
+                  <a:srgbClr val="006BAB"/>
+                </a:solidFill>
+              </a:rPr>
+              <a:t>Dato </a:t>
+            </a:r>
+            <a:r>
               <a:rPr lang="it-IT" dirty="0"/>
-              <a:t>    Dato il post "</a:t>
+              <a:t>il post "</a:t>
             </a:r>
             <a:r>
               <a:rPr lang="it-IT" i="1" dirty="0" err="1"/>
@@ -34826,13 +38056,30 @@
             </a:r>
             <a:r>
               <a:rPr lang="it-IT" dirty="0"/>
-              <a:t>" esiste</a:t>
+              <a:t>" </a:t>
             </a:r>
+            <a:r>
+              <a:rPr lang="it-IT" dirty="0" smtClean="0"/>
+              <a:t>esiste</a:t>
+            </a:r>
+            <a:endParaRPr lang="it-IT" dirty="0"/>
           </a:p>
           <a:p>
             <a:r>
+              <a:rPr lang="it-IT" b="1" dirty="0" smtClean="0">
+                <a:solidFill>
+                  <a:srgbClr val="006BAB"/>
+                </a:solidFill>
+              </a:rPr>
+              <a:t>Quando </a:t>
+            </a:r>
+            <a:r>
               <a:rPr lang="it-IT" dirty="0"/>
-              <a:t>    Quando inserisco il testo "</a:t>
+              <a:t>inserisco il testo </a:t>
+            </a:r>
+            <a:r>
+              <a:rPr lang="it-IT" dirty="0" smtClean="0"/>
+              <a:t>"</a:t>
             </a:r>
             <a:r>
               <a:rPr lang="it-IT" i="1" dirty="0" err="1"/>
@@ -34845,27 +38092,42 @@
           </a:p>
           <a:p>
             <a:r>
-              <a:rPr lang="it-IT" dirty="0"/>
-              <a:t>    Allora viene proposto il post "</a:t>
+              <a:rPr lang="it-IT" b="1" dirty="0" smtClean="0">
+                <a:solidFill>
+                  <a:srgbClr val="006BAB"/>
+                </a:solidFill>
+              </a:rPr>
+              <a:t>Allora </a:t>
             </a:r>
             <a:r>
-              <a:rPr lang="it-IT" i="1" dirty="0" err="1"/>
+              <a:rPr lang="it-IT" dirty="0" smtClean="0"/>
+              <a:t>viene proposto il </a:t>
+            </a:r>
+            <a:r>
+              <a:rPr lang="it-IT" dirty="0"/>
+              <a:t>post </a:t>
+            </a:r>
+            <a:r>
+              <a:rPr lang="it-IT" dirty="0" smtClean="0"/>
+              <a:t>"</a:t>
+            </a:r>
+            <a:r>
+              <a:rPr lang="it-IT" i="1" dirty="0" err="1" smtClean="0"/>
               <a:t>Lorem</a:t>
             </a:r>
             <a:r>
-              <a:rPr lang="it-IT" i="1" dirty="0"/>
+              <a:rPr lang="it-IT" i="1" dirty="0" smtClean="0"/>
               <a:t> </a:t>
             </a:r>
             <a:r>
-              <a:rPr lang="it-IT" i="1" dirty="0" err="1"/>
+              <a:rPr lang="it-IT" i="1" dirty="0" err="1" smtClean="0"/>
               <a:t>Ipsum</a:t>
             </a:r>
             <a:r>
-              <a:rPr lang="it-IT"/>
+              <a:rPr lang="it-IT" dirty="0" smtClean="0"/>
               <a:t>"</a:t>
             </a:r>
             <a:endParaRPr lang="it-IT" dirty="0" smtClean="0">
-              <a:latin typeface="Courier New" panose="02070309020205020404" pitchFamily="49" charset="0"/>
               <a:cs typeface="Courier New" panose="02070309020205020404" pitchFamily="49" charset="0"/>
             </a:endParaRPr>
           </a:p>
@@ -35135,7 +38397,7 @@
               <a:t>Supporto a </a:t>
             </a:r>
             <a:r>
-              <a:rPr lang="it-IT" dirty="0" err="1" smtClean="0"/>
+              <a:rPr lang="it-IT" b="1" dirty="0" err="1" smtClean="0"/>
               <a:t>Gherkin</a:t>
             </a:r>
             <a:r>
@@ -35143,7 +38405,7 @@
               <a:t> da parte di </a:t>
             </a:r>
             <a:r>
-              <a:rPr lang="it-IT" dirty="0" err="1" smtClean="0"/>
+              <a:rPr lang="it-IT" b="1" dirty="0" err="1" smtClean="0"/>
               <a:t>Cucumber</a:t>
             </a:r>
             <a:r>
@@ -35151,15 +38413,19 @@
               <a:t>, </a:t>
             </a:r>
             <a:r>
-              <a:rPr lang="it-IT" dirty="0" err="1" smtClean="0"/>
+              <a:rPr lang="it-IT" b="1" dirty="0" err="1" smtClean="0"/>
               <a:t>Cucumber</a:t>
             </a:r>
             <a:r>
-              <a:rPr lang="it-IT" dirty="0" smtClean="0"/>
-              <a:t> JVM e </a:t>
+              <a:rPr lang="it-IT" b="1" dirty="0" smtClean="0"/>
+              <a:t> JVM</a:t>
             </a:r>
             <a:r>
-              <a:rPr lang="it-IT" dirty="0" err="1" smtClean="0"/>
+              <a:rPr lang="it-IT" dirty="0" smtClean="0"/>
+              <a:t> e </a:t>
+            </a:r>
+            <a:r>
+              <a:rPr lang="it-IT" b="1" dirty="0" err="1" smtClean="0"/>
               <a:t>SpecFlow</a:t>
             </a:r>
             <a:r>
@@ -35300,12 +38566,17 @@
         </p:blipFill>
         <p:spPr>
           <a:xfrm>
-            <a:off x="9225651" y="2739874"/>
+            <a:off x="9295381" y="2712843"/>
             <a:ext cx="1930159" cy="634921"/>
           </a:xfrm>
           <a:prstGeom prst="rect">
             <a:avLst/>
           </a:prstGeom>
+          <a:ln w="28575">
+            <a:solidFill>
+              <a:srgbClr val="4FA226"/>
+            </a:solidFill>
+          </a:ln>
         </p:spPr>
       </p:pic>
       <p:pic>
@@ -35330,12 +38601,17 @@
         </p:blipFill>
         <p:spPr>
           <a:xfrm>
-            <a:off x="9530543" y="3678716"/>
+            <a:off x="9447761" y="3624654"/>
             <a:ext cx="1625397" cy="1625397"/>
           </a:xfrm>
           <a:prstGeom prst="rect">
             <a:avLst/>
           </a:prstGeom>
+          <a:ln w="28575">
+            <a:solidFill>
+              <a:srgbClr val="006BAB"/>
+            </a:solidFill>
+          </a:ln>
         </p:spPr>
       </p:pic>
       <p:pic>
@@ -35366,6 +38642,11 @@
           <a:prstGeom prst="rect">
             <a:avLst/>
           </a:prstGeom>
+          <a:ln w="28575">
+            <a:solidFill>
+              <a:srgbClr val="B23333"/>
+            </a:solidFill>
+          </a:ln>
         </p:spPr>
       </p:pic>
       <p:pic>
@@ -35420,7 +38701,7 @@
         </p:blipFill>
         <p:spPr>
           <a:xfrm>
-            <a:off x="0" y="6152"/>
+            <a:off x="0" y="0"/>
             <a:ext cx="12192000" cy="1032425"/>
           </a:xfrm>
           <a:prstGeom prst="rect">
@@ -36026,6 +39307,11 @@
           <a:prstGeom prst="rect">
             <a:avLst/>
           </a:prstGeom>
+          <a:ln w="28575">
+            <a:solidFill>
+              <a:srgbClr val="4FA226"/>
+            </a:solidFill>
+          </a:ln>
         </p:spPr>
       </p:pic>
       <p:pic>
@@ -36056,6 +39342,11 @@
           <a:prstGeom prst="rect">
             <a:avLst/>
           </a:prstGeom>
+          <a:ln w="28575">
+            <a:solidFill>
+              <a:srgbClr val="B23333"/>
+            </a:solidFill>
+          </a:ln>
         </p:spPr>
       </p:pic>
       <p:pic>
@@ -36086,6 +39377,11 @@
           <a:prstGeom prst="rect">
             <a:avLst/>
           </a:prstGeom>
+          <a:ln w="28575">
+            <a:solidFill>
+              <a:srgbClr val="006BAB"/>
+            </a:solidFill>
+          </a:ln>
         </p:spPr>
       </p:pic>
       <p:sp>
@@ -37333,36 +40629,6 @@
       </p:sp>
       <p:pic>
         <p:nvPicPr>
-          <p:cNvPr id="6" name="Picture 5"/>
-          <p:cNvPicPr>
-            <a:picLocks noChangeAspect="1"/>
-          </p:cNvPicPr>
-          <p:nvPr/>
-        </p:nvPicPr>
-        <p:blipFill>
-          <a:blip r:embed="rId2" cstate="print">
-            <a:extLst>
-              <a:ext uri="{28A0092B-C50C-407E-A947-70E740481C1C}">
-                <a14:useLocalDpi xmlns:a14="http://schemas.microsoft.com/office/drawing/2010/main" val="0"/>
-              </a:ext>
-            </a:extLst>
-          </a:blip>
-          <a:stretch>
-            <a:fillRect/>
-          </a:stretch>
-        </p:blipFill>
-        <p:spPr>
-          <a:xfrm>
-            <a:off x="9381578" y="1451210"/>
-            <a:ext cx="1620000" cy="1620000"/>
-          </a:xfrm>
-          <a:prstGeom prst="rect">
-            <a:avLst/>
-          </a:prstGeom>
-        </p:spPr>
-      </p:pic>
-      <p:pic>
-        <p:nvPicPr>
           <p:cNvPr id="9" name="Picture 8"/>
           <p:cNvPicPr>
             <a:picLocks noChangeAspect="1"/>
@@ -37370,7 +40636,7 @@
           <p:nvPr/>
         </p:nvPicPr>
         <p:blipFill>
-          <a:blip r:embed="rId3">
+          <a:blip r:embed="rId2">
             <a:extLst>
               <a:ext uri="{28A0092B-C50C-407E-A947-70E740481C1C}">
                 <a14:useLocalDpi xmlns:a14="http://schemas.microsoft.com/office/drawing/2010/main" val="0"/>
@@ -37400,7 +40666,7 @@
           <p:nvPr/>
         </p:nvPicPr>
         <p:blipFill>
-          <a:blip r:embed="rId4">
+          <a:blip r:embed="rId3">
             <a:extLst>
               <a:ext uri="{28A0092B-C50C-407E-A947-70E740481C1C}">
                 <a14:useLocalDpi xmlns:a14="http://schemas.microsoft.com/office/drawing/2010/main" val="0"/>
@@ -37466,7 +40732,7 @@
           <p:nvPr/>
         </p:nvPicPr>
         <p:blipFill>
-          <a:blip r:embed="rId5" cstate="print">
+          <a:blip r:embed="rId4" cstate="print">
             <a:extLst>
               <a:ext uri="{28A0092B-C50C-407E-A947-70E740481C1C}">
                 <a14:useLocalDpi xmlns:a14="http://schemas.microsoft.com/office/drawing/2010/main" val="0"/>
@@ -37496,7 +40762,7 @@
           <p:nvPr/>
         </p:nvPicPr>
         <p:blipFill>
-          <a:blip r:embed="rId5" cstate="print">
+          <a:blip r:embed="rId4" cstate="print">
             <a:extLst>
               <a:ext uri="{28A0092B-C50C-407E-A947-70E740481C1C}">
                 <a14:useLocalDpi xmlns:a14="http://schemas.microsoft.com/office/drawing/2010/main" val="0"/>
@@ -37526,7 +40792,7 @@
           <p:nvPr/>
         </p:nvPicPr>
         <p:blipFill>
-          <a:blip r:embed="rId5" cstate="print">
+          <a:blip r:embed="rId4" cstate="print">
             <a:extLst>
               <a:ext uri="{28A0092B-C50C-407E-A947-70E740481C1C}">
                 <a14:useLocalDpi xmlns:a14="http://schemas.microsoft.com/office/drawing/2010/main" val="0"/>
@@ -37556,7 +40822,7 @@
           <p:nvPr/>
         </p:nvPicPr>
         <p:blipFill>
-          <a:blip r:embed="rId5" cstate="print">
+          <a:blip r:embed="rId4" cstate="print">
             <a:extLst>
               <a:ext uri="{28A0092B-C50C-407E-A947-70E740481C1C}">
                 <a14:useLocalDpi xmlns:a14="http://schemas.microsoft.com/office/drawing/2010/main" val="0"/>
@@ -37586,7 +40852,7 @@
           <p:nvPr/>
         </p:nvPicPr>
         <p:blipFill>
-          <a:blip r:embed="rId5" cstate="print">
+          <a:blip r:embed="rId4" cstate="print">
             <a:extLst>
               <a:ext uri="{28A0092B-C50C-407E-A947-70E740481C1C}">
                 <a14:useLocalDpi xmlns:a14="http://schemas.microsoft.com/office/drawing/2010/main" val="0"/>
@@ -37616,7 +40882,7 @@
           <p:nvPr/>
         </p:nvPicPr>
         <p:blipFill>
-          <a:blip r:embed="rId5" cstate="print">
+          <a:blip r:embed="rId4" cstate="print">
             <a:extLst>
               <a:ext uri="{28A0092B-C50C-407E-A947-70E740481C1C}">
                 <a14:useLocalDpi xmlns:a14="http://schemas.microsoft.com/office/drawing/2010/main" val="0"/>
@@ -37646,7 +40912,7 @@
           <p:nvPr/>
         </p:nvPicPr>
         <p:blipFill>
-          <a:blip r:embed="rId5" cstate="print">
+          <a:blip r:embed="rId4" cstate="print">
             <a:extLst>
               <a:ext uri="{28A0092B-C50C-407E-A947-70E740481C1C}">
                 <a14:useLocalDpi xmlns:a14="http://schemas.microsoft.com/office/drawing/2010/main" val="0"/>
@@ -37676,7 +40942,7 @@
           <p:nvPr/>
         </p:nvPicPr>
         <p:blipFill>
-          <a:blip r:embed="rId5" cstate="print">
+          <a:blip r:embed="rId4" cstate="print">
             <a:extLst>
               <a:ext uri="{28A0092B-C50C-407E-A947-70E740481C1C}">
                 <a14:useLocalDpi xmlns:a14="http://schemas.microsoft.com/office/drawing/2010/main" val="0"/>
@@ -37706,7 +40972,7 @@
           <p:nvPr/>
         </p:nvPicPr>
         <p:blipFill>
-          <a:blip r:embed="rId5" cstate="print">
+          <a:blip r:embed="rId4" cstate="print">
             <a:extLst>
               <a:ext uri="{28A0092B-C50C-407E-A947-70E740481C1C}">
                 <a14:useLocalDpi xmlns:a14="http://schemas.microsoft.com/office/drawing/2010/main" val="0"/>
@@ -37736,7 +41002,7 @@
           <p:nvPr/>
         </p:nvPicPr>
         <p:blipFill>
-          <a:blip r:embed="rId5" cstate="print">
+          <a:blip r:embed="rId4" cstate="print">
             <a:extLst>
               <a:ext uri="{28A0092B-C50C-407E-A947-70E740481C1C}">
                 <a14:useLocalDpi xmlns:a14="http://schemas.microsoft.com/office/drawing/2010/main" val="0"/>
@@ -37766,7 +41032,7 @@
           <p:nvPr/>
         </p:nvPicPr>
         <p:blipFill>
-          <a:blip r:embed="rId6" cstate="print">
+          <a:blip r:embed="rId5" cstate="print">
             <a:extLst>
               <a:ext uri="{28A0092B-C50C-407E-A947-70E740481C1C}">
                 <a14:useLocalDpi xmlns:a14="http://schemas.microsoft.com/office/drawing/2010/main" val="0"/>
@@ -37796,7 +41062,7 @@
           <p:nvPr/>
         </p:nvPicPr>
         <p:blipFill>
-          <a:blip r:embed="rId5" cstate="print">
+          <a:blip r:embed="rId4" cstate="print">
             <a:extLst>
               <a:ext uri="{28A0092B-C50C-407E-A947-70E740481C1C}">
                 <a14:useLocalDpi xmlns:a14="http://schemas.microsoft.com/office/drawing/2010/main" val="0"/>
@@ -37811,6 +41077,36 @@
           <a:xfrm>
             <a:off x="4647200" y="5531640"/>
             <a:ext cx="426463" cy="321719"/>
+          </a:xfrm>
+          <a:prstGeom prst="rect">
+            <a:avLst/>
+          </a:prstGeom>
+        </p:spPr>
+      </p:pic>
+      <p:pic>
+        <p:nvPicPr>
+          <p:cNvPr id="5" name="Picture 4"/>
+          <p:cNvPicPr>
+            <a:picLocks noChangeAspect="1"/>
+          </p:cNvPicPr>
+          <p:nvPr/>
+        </p:nvPicPr>
+        <p:blipFill>
+          <a:blip r:embed="rId6" cstate="print">
+            <a:extLst>
+              <a:ext uri="{28A0092B-C50C-407E-A947-70E740481C1C}">
+                <a14:useLocalDpi xmlns:a14="http://schemas.microsoft.com/office/drawing/2010/main" val="0"/>
+              </a:ext>
+            </a:extLst>
+          </a:blip>
+          <a:stretch>
+            <a:fillRect/>
+          </a:stretch>
+        </p:blipFill>
+        <p:spPr>
+          <a:xfrm>
+            <a:off x="10103714" y="2350320"/>
+            <a:ext cx="1440000" cy="2025495"/>
           </a:xfrm>
           <a:prstGeom prst="rect">
             <a:avLst/>
@@ -37963,7 +41259,7 @@
           <p:nvPr>
             <p:extLst>
               <p:ext uri="{D42A27DB-BD31-4B8C-83A1-F6EECF244321}">
-                <p14:modId xmlns:p14="http://schemas.microsoft.com/office/powerpoint/2010/main" val="2724921467"/>
+                <p14:modId xmlns:p14="http://schemas.microsoft.com/office/powerpoint/2010/main" val="2715854231"/>
               </p:ext>
             </p:extLst>
           </p:nvPr>
@@ -38082,7 +41378,7 @@
                           <a:ea typeface="+mn-ea"/>
                           <a:cs typeface="+mn-cs"/>
                         </a:rPr>
-                        <a:t>Valore serializzato</a:t>
+                        <a:t>Valore aggregato</a:t>
                       </a:r>
                       <a:endParaRPr lang="it-IT" dirty="0"/>
                     </a:p>
@@ -38409,7 +41705,7 @@
         </p:blipFill>
         <p:spPr>
           <a:xfrm>
-            <a:off x="9692730" y="3262547"/>
+            <a:off x="9692730" y="3553470"/>
             <a:ext cx="1440000" cy="1080000"/>
           </a:xfrm>
           <a:prstGeom prst="rect">
@@ -38419,7 +41715,7 @@
       </p:pic>
       <p:pic>
         <p:nvPicPr>
-          <p:cNvPr id="6" name="Picture 5"/>
+          <p:cNvPr id="9" name="Picture 8"/>
           <p:cNvPicPr>
             <a:picLocks noChangeAspect="1"/>
           </p:cNvPicPr>
@@ -38439,37 +41735,7 @@
         </p:blipFill>
         <p:spPr>
           <a:xfrm>
-            <a:off x="9715680" y="1668100"/>
-            <a:ext cx="1440000" cy="1440000"/>
-          </a:xfrm>
-          <a:prstGeom prst="rect">
-            <a:avLst/>
-          </a:prstGeom>
-        </p:spPr>
-      </p:pic>
-      <p:pic>
-        <p:nvPicPr>
-          <p:cNvPr id="9" name="Picture 8"/>
-          <p:cNvPicPr>
-            <a:picLocks noChangeAspect="1"/>
-          </p:cNvPicPr>
-          <p:nvPr/>
-        </p:nvPicPr>
-        <p:blipFill>
-          <a:blip r:embed="rId4">
-            <a:extLst>
-              <a:ext uri="{28A0092B-C50C-407E-A947-70E740481C1C}">
-                <a14:useLocalDpi xmlns:a14="http://schemas.microsoft.com/office/drawing/2010/main" val="0"/>
-              </a:ext>
-            </a:extLst>
-          </a:blip>
-          <a:stretch>
-            <a:fillRect/>
-          </a:stretch>
-        </p:blipFill>
-        <p:spPr>
-          <a:xfrm>
-            <a:off x="0" y="6464116"/>
+            <a:off x="0" y="6426259"/>
             <a:ext cx="12192000" cy="431741"/>
           </a:xfrm>
           <a:prstGeom prst="rect">
@@ -38486,7 +41752,7 @@
           <p:nvPr/>
         </p:nvPicPr>
         <p:blipFill>
-          <a:blip r:embed="rId5">
+          <a:blip r:embed="rId4">
             <a:extLst>
               <a:ext uri="{28A0092B-C50C-407E-A947-70E740481C1C}">
                 <a14:useLocalDpi xmlns:a14="http://schemas.microsoft.com/office/drawing/2010/main" val="0"/>
@@ -38528,21 +41794,46 @@
           <a:lstStyle/>
           <a:p>
             <a:r>
-              <a:rPr lang="it-IT" b="1" dirty="0">
+              <a:rPr lang="it-IT" dirty="0">
                 <a:solidFill>
                   <a:schemeClr val="bg1"/>
                 </a:solidFill>
               </a:rPr>
               <a:t>Gestione del CSS</a:t>
             </a:r>
-            <a:endParaRPr lang="it-IT" dirty="0">
-              <a:solidFill>
-                <a:schemeClr val="bg1"/>
-              </a:solidFill>
-            </a:endParaRPr>
           </a:p>
         </p:txBody>
       </p:sp>
+      <p:pic>
+        <p:nvPicPr>
+          <p:cNvPr id="5" name="Picture 4"/>
+          <p:cNvPicPr>
+            <a:picLocks noChangeAspect="1"/>
+          </p:cNvPicPr>
+          <p:nvPr/>
+        </p:nvPicPr>
+        <p:blipFill>
+          <a:blip r:embed="rId5" cstate="print">
+            <a:extLst>
+              <a:ext uri="{28A0092B-C50C-407E-A947-70E740481C1C}">
+                <a14:useLocalDpi xmlns:a14="http://schemas.microsoft.com/office/drawing/2010/main" val="0"/>
+              </a:ext>
+            </a:extLst>
+          </a:blip>
+          <a:stretch>
+            <a:fillRect/>
+          </a:stretch>
+        </p:blipFill>
+        <p:spPr>
+          <a:xfrm>
+            <a:off x="9692730" y="1188464"/>
+            <a:ext cx="1440000" cy="2019945"/>
+          </a:xfrm>
+          <a:prstGeom prst="rect">
+            <a:avLst/>
+          </a:prstGeom>
+        </p:spPr>
+      </p:pic>
     </p:spTree>
     <p:extLst>
       <p:ext uri="{BB962C8B-B14F-4D97-AF65-F5344CB8AC3E}">
@@ -38689,7 +41980,7 @@
           <p:nvPr>
             <p:extLst>
               <p:ext uri="{D42A27DB-BD31-4B8C-83A1-F6EECF244321}">
-                <p14:modId xmlns:p14="http://schemas.microsoft.com/office/powerpoint/2010/main" val="54390143"/>
+                <p14:modId xmlns:p14="http://schemas.microsoft.com/office/powerpoint/2010/main" val="1701551744"/>
               </p:ext>
             </p:extLst>
           </p:nvPr>
@@ -38919,11 +42210,19 @@
                       <a:pPr algn="ctr"/>
                       <a:r>
                         <a:rPr lang="it-IT" dirty="0" smtClean="0"/>
-                        <a:t>Tramite</a:t>
+                        <a:t>       Tramite</a:t>
                       </a:r>
                       <a:r>
                         <a:rPr lang="it-IT" baseline="0" dirty="0" smtClean="0"/>
-                        <a:t> </a:t>
+                        <a:t>  </a:t>
+                      </a:r>
+                      <a:r>
+                        <a:rPr lang="it-IT" baseline="0" dirty="0" smtClean="0">
+                          <a:solidFill>
+                            <a:srgbClr val="E7E7E7"/>
+                          </a:solidFill>
+                        </a:rPr>
+                        <a:t>_</a:t>
                       </a:r>
                       <a:r>
                         <a:rPr lang="it-IT" baseline="0" dirty="0" err="1" smtClean="0"/>
@@ -39173,36 +42472,6 @@
       </p:sp>
       <p:pic>
         <p:nvPicPr>
-          <p:cNvPr id="9" name="Picture 8"/>
-          <p:cNvPicPr>
-            <a:picLocks noChangeAspect="1"/>
-          </p:cNvPicPr>
-          <p:nvPr/>
-        </p:nvPicPr>
-        <p:blipFill>
-          <a:blip r:embed="rId2">
-            <a:extLst>
-              <a:ext uri="{28A0092B-C50C-407E-A947-70E740481C1C}">
-                <a14:useLocalDpi xmlns:a14="http://schemas.microsoft.com/office/drawing/2010/main" val="0"/>
-              </a:ext>
-            </a:extLst>
-          </a:blip>
-          <a:stretch>
-            <a:fillRect/>
-          </a:stretch>
-        </p:blipFill>
-        <p:spPr>
-          <a:xfrm>
-            <a:off x="9675549" y="1546088"/>
-            <a:ext cx="1440000" cy="1440000"/>
-          </a:xfrm>
-          <a:prstGeom prst="rect">
-            <a:avLst/>
-          </a:prstGeom>
-        </p:spPr>
-      </p:pic>
-      <p:pic>
-        <p:nvPicPr>
           <p:cNvPr id="13" name="Picture 12"/>
           <p:cNvPicPr>
             <a:picLocks noChangeAspect="1"/>
@@ -39210,7 +42479,7 @@
           <p:nvPr/>
         </p:nvPicPr>
         <p:blipFill>
-          <a:blip r:embed="rId3" cstate="print">
+          <a:blip r:embed="rId2" cstate="print">
             <a:extLst>
               <a:ext uri="{28A0092B-C50C-407E-A947-70E740481C1C}">
                 <a14:useLocalDpi xmlns:a14="http://schemas.microsoft.com/office/drawing/2010/main" val="0"/>
@@ -39233,36 +42502,6 @@
       </p:pic>
       <p:pic>
         <p:nvPicPr>
-          <p:cNvPr id="14" name="Picture 13"/>
-          <p:cNvPicPr>
-            <a:picLocks noChangeAspect="1"/>
-          </p:cNvPicPr>
-          <p:nvPr/>
-        </p:nvPicPr>
-        <p:blipFill>
-          <a:blip r:embed="rId4">
-            <a:extLst>
-              <a:ext uri="{28A0092B-C50C-407E-A947-70E740481C1C}">
-                <a14:useLocalDpi xmlns:a14="http://schemas.microsoft.com/office/drawing/2010/main" val="0"/>
-              </a:ext>
-            </a:extLst>
-          </a:blip>
-          <a:stretch>
-            <a:fillRect/>
-          </a:stretch>
-        </p:blipFill>
-        <p:spPr>
-          <a:xfrm>
-            <a:off x="9677598" y="3094462"/>
-            <a:ext cx="1440000" cy="1440000"/>
-          </a:xfrm>
-          <a:prstGeom prst="rect">
-            <a:avLst/>
-          </a:prstGeom>
-        </p:spPr>
-      </p:pic>
-      <p:pic>
-        <p:nvPicPr>
           <p:cNvPr id="15" name="Picture 14"/>
           <p:cNvPicPr>
             <a:picLocks noChangeAspect="1"/>
@@ -39270,7 +42509,7 @@
           <p:nvPr/>
         </p:nvPicPr>
         <p:blipFill>
-          <a:blip r:embed="rId5">
+          <a:blip r:embed="rId3">
             <a:extLst>
               <a:ext uri="{28A0092B-C50C-407E-A947-70E740481C1C}">
                 <a14:useLocalDpi xmlns:a14="http://schemas.microsoft.com/office/drawing/2010/main" val="0"/>
@@ -39300,7 +42539,7 @@
           <p:nvPr/>
         </p:nvPicPr>
         <p:blipFill>
-          <a:blip r:embed="rId6">
+          <a:blip r:embed="rId4">
             <a:extLst>
               <a:ext uri="{28A0092B-C50C-407E-A947-70E740481C1C}">
                 <a14:useLocalDpi xmlns:a14="http://schemas.microsoft.com/office/drawing/2010/main" val="0"/>
@@ -39342,18 +42581,13 @@
           <a:lstStyle/>
           <a:p>
             <a:r>
-              <a:rPr lang="it-IT" b="1" dirty="0">
+              <a:rPr lang="it-IT" dirty="0">
                 <a:solidFill>
                   <a:schemeClr val="bg1"/>
                 </a:solidFill>
               </a:rPr>
               <a:t>Asincronia</a:t>
             </a:r>
-            <a:endParaRPr lang="it-IT" dirty="0">
-              <a:solidFill>
-                <a:schemeClr val="bg1"/>
-              </a:solidFill>
-            </a:endParaRPr>
           </a:p>
         </p:txBody>
       </p:sp>
@@ -39366,7 +42600,7 @@
           <p:nvPr/>
         </p:nvPicPr>
         <p:blipFill>
-          <a:blip r:embed="rId7" cstate="print">
+          <a:blip r:embed="rId5" cstate="print">
             <a:extLst>
               <a:ext uri="{28A0092B-C50C-407E-A947-70E740481C1C}">
                 <a14:useLocalDpi xmlns:a14="http://schemas.microsoft.com/office/drawing/2010/main" val="0"/>
@@ -39396,7 +42630,7 @@
           <p:nvPr/>
         </p:nvPicPr>
         <p:blipFill>
-          <a:blip r:embed="rId8" cstate="print">
+          <a:blip r:embed="rId6" cstate="print">
             <a:extLst>
               <a:ext uri="{28A0092B-C50C-407E-A947-70E740481C1C}">
                 <a14:useLocalDpi xmlns:a14="http://schemas.microsoft.com/office/drawing/2010/main" val="0"/>
@@ -39426,7 +42660,7 @@
           <p:nvPr/>
         </p:nvPicPr>
         <p:blipFill>
-          <a:blip r:embed="rId9" cstate="print">
+          <a:blip r:embed="rId7" cstate="print">
             <a:extLst>
               <a:ext uri="{28A0092B-C50C-407E-A947-70E740481C1C}">
                 <a14:useLocalDpi xmlns:a14="http://schemas.microsoft.com/office/drawing/2010/main" val="0"/>
@@ -39456,7 +42690,7 @@
           <p:nvPr/>
         </p:nvPicPr>
         <p:blipFill>
-          <a:blip r:embed="rId8" cstate="print">
+          <a:blip r:embed="rId6" cstate="print">
             <a:extLst>
               <a:ext uri="{28A0092B-C50C-407E-A947-70E740481C1C}">
                 <a14:useLocalDpi xmlns:a14="http://schemas.microsoft.com/office/drawing/2010/main" val="0"/>
@@ -39486,7 +42720,7 @@
           <p:nvPr/>
         </p:nvPicPr>
         <p:blipFill>
-          <a:blip r:embed="rId8" cstate="print">
+          <a:blip r:embed="rId6" cstate="print">
             <a:extLst>
               <a:ext uri="{28A0092B-C50C-407E-A947-70E740481C1C}">
                 <a14:useLocalDpi xmlns:a14="http://schemas.microsoft.com/office/drawing/2010/main" val="0"/>
@@ -39516,7 +42750,7 @@
           <p:nvPr/>
         </p:nvPicPr>
         <p:blipFill>
-          <a:blip r:embed="rId8" cstate="print">
+          <a:blip r:embed="rId6" cstate="print">
             <a:extLst>
               <a:ext uri="{28A0092B-C50C-407E-A947-70E740481C1C}">
                 <a14:useLocalDpi xmlns:a14="http://schemas.microsoft.com/office/drawing/2010/main" val="0"/>
@@ -39546,7 +42780,7 @@
           <p:nvPr/>
         </p:nvPicPr>
         <p:blipFill>
-          <a:blip r:embed="rId10" cstate="print">
+          <a:blip r:embed="rId8" cstate="print">
             <a:extLst>
               <a:ext uri="{28A0092B-C50C-407E-A947-70E740481C1C}">
                 <a14:useLocalDpi xmlns:a14="http://schemas.microsoft.com/office/drawing/2010/main" val="0"/>
@@ -39576,7 +42810,7 @@
           <p:nvPr/>
         </p:nvPicPr>
         <p:blipFill>
-          <a:blip r:embed="rId10" cstate="print">
+          <a:blip r:embed="rId8" cstate="print">
             <a:extLst>
               <a:ext uri="{28A0092B-C50C-407E-A947-70E740481C1C}">
                 <a14:useLocalDpi xmlns:a14="http://schemas.microsoft.com/office/drawing/2010/main" val="0"/>
@@ -39606,7 +42840,7 @@
           <p:nvPr/>
         </p:nvPicPr>
         <p:blipFill>
-          <a:blip r:embed="rId10" cstate="print">
+          <a:blip r:embed="rId8" cstate="print">
             <a:extLst>
               <a:ext uri="{28A0092B-C50C-407E-A947-70E740481C1C}">
                 <a14:useLocalDpi xmlns:a14="http://schemas.microsoft.com/office/drawing/2010/main" val="0"/>
@@ -39636,7 +42870,7 @@
           <p:nvPr/>
         </p:nvPicPr>
         <p:blipFill>
-          <a:blip r:embed="rId10" cstate="print">
+          <a:blip r:embed="rId8" cstate="print">
             <a:extLst>
               <a:ext uri="{28A0092B-C50C-407E-A947-70E740481C1C}">
                 <a14:useLocalDpi xmlns:a14="http://schemas.microsoft.com/office/drawing/2010/main" val="0"/>
@@ -39649,7 +42883,7 @@
         </p:blipFill>
         <p:spPr>
           <a:xfrm>
-            <a:off x="4116450" y="4096694"/>
+            <a:off x="4116450" y="4117765"/>
             <a:ext cx="426463" cy="321719"/>
           </a:xfrm>
           <a:prstGeom prst="rect">
@@ -39666,7 +42900,7 @@
           <p:nvPr/>
         </p:nvPicPr>
         <p:blipFill>
-          <a:blip r:embed="rId11">
+          <a:blip r:embed="rId9">
             <a:extLst>
               <a:ext uri="{28A0092B-C50C-407E-A947-70E740481C1C}">
                 <a14:useLocalDpi xmlns:a14="http://schemas.microsoft.com/office/drawing/2010/main" val="0"/>
@@ -39696,7 +42930,7 @@
           <p:nvPr/>
         </p:nvPicPr>
         <p:blipFill>
-          <a:blip r:embed="rId12">
+          <a:blip r:embed="rId10">
             <a:extLst>
               <a:ext uri="{28A0092B-C50C-407E-A947-70E740481C1C}">
                 <a14:useLocalDpi xmlns:a14="http://schemas.microsoft.com/office/drawing/2010/main" val="0"/>
@@ -39711,6 +42945,96 @@
           <a:xfrm>
             <a:off x="7955715" y="315189"/>
             <a:ext cx="2943636" cy="428685"/>
+          </a:xfrm>
+          <a:prstGeom prst="rect">
+            <a:avLst/>
+          </a:prstGeom>
+        </p:spPr>
+      </p:pic>
+      <p:pic>
+        <p:nvPicPr>
+          <p:cNvPr id="29" name="Picture 28"/>
+          <p:cNvPicPr>
+            <a:picLocks noChangeAspect="1"/>
+          </p:cNvPicPr>
+          <p:nvPr/>
+        </p:nvPicPr>
+        <p:blipFill>
+          <a:blip r:embed="rId8" cstate="print">
+            <a:extLst>
+              <a:ext uri="{28A0092B-C50C-407E-A947-70E740481C1C}">
+                <a14:useLocalDpi xmlns:a14="http://schemas.microsoft.com/office/drawing/2010/main" val="0"/>
+              </a:ext>
+            </a:extLst>
+          </a:blip>
+          <a:stretch>
+            <a:fillRect/>
+          </a:stretch>
+        </p:blipFill>
+        <p:spPr>
+          <a:xfrm>
+            <a:off x="3614449" y="5505093"/>
+            <a:ext cx="426463" cy="321719"/>
+          </a:xfrm>
+          <a:prstGeom prst="rect">
+            <a:avLst/>
+          </a:prstGeom>
+        </p:spPr>
+      </p:pic>
+      <p:pic>
+        <p:nvPicPr>
+          <p:cNvPr id="12" name="Picture 11"/>
+          <p:cNvPicPr>
+            <a:picLocks noChangeAspect="1"/>
+          </p:cNvPicPr>
+          <p:nvPr/>
+        </p:nvPicPr>
+        <p:blipFill>
+          <a:blip r:embed="rId11">
+            <a:extLst>
+              <a:ext uri="{28A0092B-C50C-407E-A947-70E740481C1C}">
+                <a14:useLocalDpi xmlns:a14="http://schemas.microsoft.com/office/drawing/2010/main" val="0"/>
+              </a:ext>
+            </a:extLst>
+          </a:blip>
+          <a:stretch>
+            <a:fillRect/>
+          </a:stretch>
+        </p:blipFill>
+        <p:spPr>
+          <a:xfrm>
+            <a:off x="9675549" y="1306440"/>
+            <a:ext cx="1440000" cy="1652571"/>
+          </a:xfrm>
+          <a:prstGeom prst="rect">
+            <a:avLst/>
+          </a:prstGeom>
+        </p:spPr>
+      </p:pic>
+      <p:pic>
+        <p:nvPicPr>
+          <p:cNvPr id="17" name="Picture 16"/>
+          <p:cNvPicPr>
+            <a:picLocks noChangeAspect="1"/>
+          </p:cNvPicPr>
+          <p:nvPr/>
+        </p:nvPicPr>
+        <p:blipFill>
+          <a:blip r:embed="rId12" cstate="print">
+            <a:extLst>
+              <a:ext uri="{28A0092B-C50C-407E-A947-70E740481C1C}">
+                <a14:useLocalDpi xmlns:a14="http://schemas.microsoft.com/office/drawing/2010/main" val="0"/>
+              </a:ext>
+            </a:extLst>
+          </a:blip>
+          <a:stretch>
+            <a:fillRect/>
+          </a:stretch>
+        </p:blipFill>
+        <p:spPr>
+          <a:xfrm>
+            <a:off x="9675549" y="3099796"/>
+            <a:ext cx="1440000" cy="1440000"/>
           </a:xfrm>
           <a:prstGeom prst="rect">
             <a:avLst/>
@@ -39753,7 +43077,7 @@
                               <p:par>
                                 <p:cTn id="5" presetID="26" presetClass="emph" presetSubtype="0" repeatCount="indefinite" fill="hold" nodeType="withEffect">
                                   <p:stCondLst>
-                                    <p:cond delay="5000"/>
+                                    <p:cond delay="3000"/>
                                   </p:stCondLst>
                                   <p:childTnLst>
                                     <p:animEffect transition="out" filter="fade">
@@ -40664,7 +43988,7 @@
         </p:blipFill>
         <p:spPr>
           <a:xfrm>
-            <a:off x="9737729" y="3739684"/>
+            <a:off x="9715680" y="3739107"/>
             <a:ext cx="1440000" cy="921015"/>
           </a:xfrm>
           <a:prstGeom prst="rect">
@@ -40694,7 +44018,7 @@
         </p:blipFill>
         <p:spPr>
           <a:xfrm>
-            <a:off x="9791880" y="4660699"/>
+            <a:off x="9715680" y="4784770"/>
             <a:ext cx="1440000" cy="1344000"/>
           </a:xfrm>
           <a:prstGeom prst="rect">
@@ -40724,7 +44048,7 @@
         </p:blipFill>
         <p:spPr>
           <a:xfrm>
-            <a:off x="9737729" y="2484560"/>
+            <a:off x="9715680" y="2447964"/>
             <a:ext cx="1440000" cy="1257465"/>
           </a:xfrm>
           <a:prstGeom prst="rect">
@@ -41414,23 +44738,15 @@
           <a:lstStyle/>
           <a:p>
             <a:r>
-              <a:rPr lang="it-IT" b="1" dirty="0" smtClean="0">
+              <a:rPr lang="it-IT" dirty="0" smtClean="0">
                 <a:solidFill>
                   <a:schemeClr val="bg1"/>
                 </a:solidFill>
               </a:rPr>
-              <a:t>Conclusione – </a:t>
+              <a:t>Conclusione – Lo </a:t>
             </a:r>
             <a:r>
-              <a:rPr lang="it-IT" b="1" dirty="0" smtClean="0">
-                <a:solidFill>
-                  <a:schemeClr val="bg1"/>
-                </a:solidFill>
-              </a:rPr>
-              <a:t>Lo </a:t>
-            </a:r>
-            <a:r>
-              <a:rPr lang="it-IT" b="1" dirty="0" err="1" smtClean="0">
+              <a:rPr lang="it-IT" dirty="0" err="1" smtClean="0">
                 <a:solidFill>
                   <a:schemeClr val="bg1"/>
                 </a:solidFill>
@@ -41438,7 +44754,7 @@
               <a:t>stack</a:t>
             </a:r>
             <a:r>
-              <a:rPr lang="it-IT" b="1" dirty="0" smtClean="0">
+              <a:rPr lang="it-IT" dirty="0" smtClean="0">
                 <a:solidFill>
                   <a:schemeClr val="bg1"/>
                 </a:solidFill>
@@ -41545,7 +44861,7 @@
           <p:nvPr>
             <p:extLst>
               <p:ext uri="{D42A27DB-BD31-4B8C-83A1-F6EECF244321}">
-                <p14:modId xmlns:p14="http://schemas.microsoft.com/office/powerpoint/2010/main" val="687217529"/>
+                <p14:modId xmlns:p14="http://schemas.microsoft.com/office/powerpoint/2010/main" val="4289036790"/>
               </p:ext>
             </p:extLst>
           </p:nvPr>
@@ -41590,10 +44906,424 @@
           </a:prstGeom>
         </p:spPr>
       </p:pic>
+      <p:graphicFrame>
+        <p:nvGraphicFramePr>
+          <p:cNvPr id="9" name="Diagram 8"/>
+          <p:cNvGraphicFramePr/>
+          <p:nvPr>
+            <p:extLst>
+              <p:ext uri="{D42A27DB-BD31-4B8C-83A1-F6EECF244321}">
+                <p14:modId xmlns:p14="http://schemas.microsoft.com/office/powerpoint/2010/main" val="3034534576"/>
+              </p:ext>
+            </p:extLst>
+          </p:nvPr>
+        </p:nvGraphicFramePr>
+        <p:xfrm>
+          <a:off x="2146355" y="1507140"/>
+          <a:ext cx="8046720" cy="4292599"/>
+        </p:xfrm>
+        <a:graphic>
+          <a:graphicData uri="http://schemas.openxmlformats.org/drawingml/2006/diagram">
+            <dgm:relIds xmlns:dgm="http://schemas.openxmlformats.org/drawingml/2006/diagram" xmlns:r="http://schemas.openxmlformats.org/officeDocument/2006/relationships" r:dm="rId9" r:lo="rId10" r:qs="rId11" r:cs="rId12"/>
+          </a:graphicData>
+        </a:graphic>
+      </p:graphicFrame>
     </p:spTree>
     <p:extLst>
       <p:ext uri="{BB962C8B-B14F-4D97-AF65-F5344CB8AC3E}">
         <p14:creationId xmlns:p14="http://schemas.microsoft.com/office/powerpoint/2010/main" val="1840857643"/>
+      </p:ext>
+    </p:extLst>
+  </p:cSld>
+  <p:clrMapOvr>
+    <a:masterClrMapping/>
+  </p:clrMapOvr>
+  <p:timing>
+    <p:tnLst>
+      <p:par>
+        <p:cTn id="1" dur="indefinite" restart="never" nodeType="tmRoot">
+          <p:childTnLst>
+            <p:seq concurrent="1" nextAc="seek">
+              <p:cTn id="2" dur="indefinite" nodeType="mainSeq">
+                <p:childTnLst>
+                  <p:par>
+                    <p:cTn id="3" fill="hold">
+                      <p:stCondLst>
+                        <p:cond delay="indefinite"/>
+                      </p:stCondLst>
+                      <p:childTnLst>
+                        <p:par>
+                          <p:cTn id="4" fill="hold">
+                            <p:stCondLst>
+                              <p:cond delay="0"/>
+                            </p:stCondLst>
+                            <p:childTnLst>
+                              <p:par>
+                                <p:cTn id="5" presetID="1" presetClass="exit" presetSubtype="0" fill="hold" grpId="0" nodeType="clickEffect">
+                                  <p:stCondLst>
+                                    <p:cond delay="0"/>
+                                  </p:stCondLst>
+                                  <p:childTnLst>
+                                    <p:set>
+                                      <p:cBhvr>
+                                        <p:cTn id="6" dur="1" fill="hold">
+                                          <p:stCondLst>
+                                            <p:cond delay="999"/>
+                                          </p:stCondLst>
+                                        </p:cTn>
+                                        <p:tgtEl>
+                                          <p:spTgt spid="2"/>
+                                        </p:tgtEl>
+                                        <p:attrNameLst>
+                                          <p:attrName>style.visibility</p:attrName>
+                                        </p:attrNameLst>
+                                      </p:cBhvr>
+                                      <p:to>
+                                        <p:strVal val="hidden"/>
+                                      </p:to>
+                                    </p:set>
+                                  </p:childTnLst>
+                                </p:cTn>
+                              </p:par>
+                              <p:par>
+                                <p:cTn id="7" presetID="1" presetClass="entr" presetSubtype="0" fill="hold" grpId="0" nodeType="withEffect">
+                                  <p:stCondLst>
+                                    <p:cond delay="0"/>
+                                  </p:stCondLst>
+                                  <p:childTnLst>
+                                    <p:set>
+                                      <p:cBhvr>
+                                        <p:cTn id="8" dur="1" fill="hold">
+                                          <p:stCondLst>
+                                            <p:cond delay="999"/>
+                                          </p:stCondLst>
+                                        </p:cTn>
+                                        <p:tgtEl>
+                                          <p:spTgt spid="9"/>
+                                        </p:tgtEl>
+                                        <p:attrNameLst>
+                                          <p:attrName>style.visibility</p:attrName>
+                                        </p:attrNameLst>
+                                      </p:cBhvr>
+                                      <p:to>
+                                        <p:strVal val="visible"/>
+                                      </p:to>
+                                    </p:set>
+                                  </p:childTnLst>
+                                </p:cTn>
+                              </p:par>
+                            </p:childTnLst>
+                          </p:cTn>
+                        </p:par>
+                      </p:childTnLst>
+                    </p:cTn>
+                  </p:par>
+                </p:childTnLst>
+              </p:cTn>
+              <p:prevCondLst>
+                <p:cond evt="onPrev" delay="0">
+                  <p:tgtEl>
+                    <p:sldTgt/>
+                  </p:tgtEl>
+                </p:cond>
+              </p:prevCondLst>
+              <p:nextCondLst>
+                <p:cond evt="onNext" delay="0">
+                  <p:tgtEl>
+                    <p:sldTgt/>
+                  </p:tgtEl>
+                </p:cond>
+              </p:nextCondLst>
+            </p:seq>
+          </p:childTnLst>
+        </p:cTn>
+      </p:par>
+    </p:tnLst>
+    <p:bldLst>
+      <p:bldGraphic spid="2" grpId="0">
+        <p:bldAsOne/>
+      </p:bldGraphic>
+      <p:bldGraphic spid="9" grpId="0">
+        <p:bldAsOne/>
+      </p:bldGraphic>
+    </p:bldLst>
+  </p:timing>
+</p:sld>
+</file>
+
+<file path=ppt/slides/slide22.xml><?xml version="1.0" encoding="utf-8"?>
+<p:sld xmlns:a="http://schemas.openxmlformats.org/drawingml/2006/main" xmlns:r="http://schemas.openxmlformats.org/officeDocument/2006/relationships" xmlns:p="http://schemas.openxmlformats.org/presentationml/2006/main">
+  <p:cSld>
+    <p:bg>
+      <p:bgPr>
+        <a:solidFill>
+          <a:schemeClr val="bg1">
+            <a:lumMod val="95000"/>
+          </a:schemeClr>
+        </a:solidFill>
+        <a:effectLst/>
+      </p:bgPr>
+    </p:bg>
+    <p:spTree>
+      <p:nvGrpSpPr>
+        <p:cNvPr id="1" name=""/>
+        <p:cNvGrpSpPr/>
+        <p:nvPr/>
+      </p:nvGrpSpPr>
+      <p:grpSpPr>
+        <a:xfrm>
+          <a:off x="0" y="0"/>
+          <a:ext cx="0" cy="0"/>
+          <a:chOff x="0" y="0"/>
+          <a:chExt cx="0" cy="0"/>
+        </a:xfrm>
+      </p:grpSpPr>
+      <p:pic>
+        <p:nvPicPr>
+          <p:cNvPr id="6" name="Picture 5"/>
+          <p:cNvPicPr>
+            <a:picLocks noChangeAspect="1"/>
+          </p:cNvPicPr>
+          <p:nvPr/>
+        </p:nvPicPr>
+        <p:blipFill>
+          <a:blip r:embed="rId2">
+            <a:extLst>
+              <a:ext uri="{28A0092B-C50C-407E-A947-70E740481C1C}">
+                <a14:useLocalDpi xmlns:a14="http://schemas.microsoft.com/office/drawing/2010/main" val="0"/>
+              </a:ext>
+            </a:extLst>
+          </a:blip>
+          <a:stretch>
+            <a:fillRect/>
+          </a:stretch>
+        </p:blipFill>
+        <p:spPr>
+          <a:xfrm>
+            <a:off x="0" y="-4519"/>
+            <a:ext cx="12192000" cy="1032425"/>
+          </a:xfrm>
+          <a:prstGeom prst="rect">
+            <a:avLst/>
+          </a:prstGeom>
+        </p:spPr>
+      </p:pic>
+      <p:sp>
+        <p:nvSpPr>
+          <p:cNvPr id="8" name="Title 7"/>
+          <p:cNvSpPr>
+            <a:spLocks noGrp="1"/>
+          </p:cNvSpPr>
+          <p:nvPr>
+            <p:ph type="title"/>
+          </p:nvPr>
+        </p:nvSpPr>
+        <p:spPr>
+          <a:xfrm>
+            <a:off x="5410399" y="-151089"/>
+            <a:ext cx="1371201" cy="1325563"/>
+          </a:xfrm>
+        </p:spPr>
+        <p:txBody>
+          <a:bodyPr/>
+          <a:lstStyle/>
+          <a:p>
+            <a:pPr algn="ctr"/>
+            <a:r>
+              <a:rPr lang="it-IT" dirty="0" smtClean="0">
+                <a:solidFill>
+                  <a:schemeClr val="bg1"/>
+                </a:solidFill>
+              </a:rPr>
+              <a:t>Fine</a:t>
+            </a:r>
+            <a:endParaRPr lang="it-IT" dirty="0">
+              <a:solidFill>
+                <a:schemeClr val="bg1"/>
+              </a:solidFill>
+            </a:endParaRPr>
+          </a:p>
+        </p:txBody>
+      </p:sp>
+      <p:sp>
+        <p:nvSpPr>
+          <p:cNvPr id="3" name="Content Placeholder 2"/>
+          <p:cNvSpPr>
+            <a:spLocks noGrp="1"/>
+          </p:cNvSpPr>
+          <p:nvPr>
+            <p:ph idx="1"/>
+          </p:nvPr>
+        </p:nvSpPr>
+        <p:spPr/>
+        <p:txBody>
+          <a:bodyPr/>
+          <a:lstStyle/>
+          <a:p>
+            <a:endParaRPr lang="it-IT" dirty="0"/>
+          </a:p>
+          <a:p>
+            <a:pPr marL="0" indent="0">
+              <a:buNone/>
+            </a:pPr>
+            <a:endParaRPr lang="it-IT" dirty="0" smtClean="0"/>
+          </a:p>
+          <a:p>
+            <a:pPr marL="0" indent="0">
+              <a:buNone/>
+            </a:pPr>
+            <a:endParaRPr lang="en-US" dirty="0" smtClean="0"/>
+          </a:p>
+          <a:p>
+            <a:pPr marL="578358" lvl="1" indent="-285750"/>
+            <a:endParaRPr lang="en-US" dirty="0" smtClean="0"/>
+          </a:p>
+        </p:txBody>
+      </p:sp>
+      <p:sp>
+        <p:nvSpPr>
+          <p:cNvPr id="7" name="Title 1"/>
+          <p:cNvSpPr txBox="1">
+            <a:spLocks/>
+          </p:cNvSpPr>
+          <p:nvPr/>
+        </p:nvSpPr>
+        <p:spPr>
+          <a:xfrm>
+            <a:off x="1249680" y="439003"/>
+            <a:ext cx="10058400" cy="1450757"/>
+          </a:xfrm>
+          <a:prstGeom prst="rect">
+            <a:avLst/>
+          </a:prstGeom>
+        </p:spPr>
+        <p:txBody>
+          <a:bodyPr vert="horz" lIns="91440" tIns="45720" rIns="91440" bIns="45720" rtlCol="0" anchor="b">
+            <a:normAutofit/>
+          </a:bodyPr>
+          <a:lstStyle>
+            <a:lvl1pPr algn="l" defTabSz="914400" rtl="0" eaLnBrk="1" latinLnBrk="0" hangingPunct="1">
+              <a:lnSpc>
+                <a:spcPct val="85000"/>
+              </a:lnSpc>
+              <a:spcBef>
+                <a:spcPct val="0"/>
+              </a:spcBef>
+              <a:buNone/>
+              <a:defRPr sz="4800" kern="1200" spc="-50" baseline="0">
+                <a:solidFill>
+                  <a:schemeClr val="tx1">
+                    <a:lumMod val="75000"/>
+                    <a:lumOff val="25000"/>
+                  </a:schemeClr>
+                </a:solidFill>
+                <a:latin typeface="+mj-lt"/>
+                <a:ea typeface="+mj-ea"/>
+                <a:cs typeface="+mj-cs"/>
+              </a:defRPr>
+            </a:lvl1pPr>
+          </a:lstStyle>
+          <a:p>
+            <a:endParaRPr lang="it-IT" dirty="0">
+              <a:latin typeface="+mn-lt"/>
+            </a:endParaRPr>
+          </a:p>
+        </p:txBody>
+      </p:sp>
+      <p:pic>
+        <p:nvPicPr>
+          <p:cNvPr id="4" name="Picture 3"/>
+          <p:cNvPicPr>
+            <a:picLocks noChangeAspect="1"/>
+          </p:cNvPicPr>
+          <p:nvPr/>
+        </p:nvPicPr>
+        <p:blipFill>
+          <a:blip r:embed="rId3">
+            <a:extLst>
+              <a:ext uri="{28A0092B-C50C-407E-A947-70E740481C1C}">
+                <a14:useLocalDpi xmlns:a14="http://schemas.microsoft.com/office/drawing/2010/main" val="0"/>
+              </a:ext>
+            </a:extLst>
+          </a:blip>
+          <a:stretch>
+            <a:fillRect/>
+          </a:stretch>
+        </p:blipFill>
+        <p:spPr>
+          <a:xfrm>
+            <a:off x="0" y="6426259"/>
+            <a:ext cx="12192000" cy="431741"/>
+          </a:xfrm>
+          <a:prstGeom prst="rect">
+            <a:avLst/>
+          </a:prstGeom>
+        </p:spPr>
+      </p:pic>
+      <p:sp>
+        <p:nvSpPr>
+          <p:cNvPr id="10" name="TextBox 9"/>
+          <p:cNvSpPr txBox="1"/>
+          <p:nvPr/>
+        </p:nvSpPr>
+        <p:spPr>
+          <a:xfrm>
+            <a:off x="4318910" y="5195243"/>
+            <a:ext cx="3554178" cy="461665"/>
+          </a:xfrm>
+          <a:prstGeom prst="rect">
+            <a:avLst/>
+          </a:prstGeom>
+          <a:noFill/>
+        </p:spPr>
+        <p:txBody>
+          <a:bodyPr wrap="none" rtlCol="0">
+            <a:spAutoFit/>
+          </a:bodyPr>
+          <a:lstStyle/>
+          <a:p>
+            <a:r>
+              <a:rPr lang="it-IT" sz="2400" b="1" dirty="0" smtClean="0"/>
+              <a:t>Grazie per l’attenzione!</a:t>
+            </a:r>
+            <a:endParaRPr lang="it-IT" sz="2400" b="1" dirty="0"/>
+          </a:p>
+        </p:txBody>
+      </p:sp>
+      <p:pic>
+        <p:nvPicPr>
+          <p:cNvPr id="11" name="Picture 10"/>
+          <p:cNvPicPr>
+            <a:picLocks noChangeAspect="1"/>
+          </p:cNvPicPr>
+          <p:nvPr/>
+        </p:nvPicPr>
+        <p:blipFill>
+          <a:blip r:embed="rId4">
+            <a:extLst>
+              <a:ext uri="{28A0092B-C50C-407E-A947-70E740481C1C}">
+                <a14:useLocalDpi xmlns:a14="http://schemas.microsoft.com/office/drawing/2010/main" val="0"/>
+              </a:ext>
+            </a:extLst>
+          </a:blip>
+          <a:stretch>
+            <a:fillRect/>
+          </a:stretch>
+        </p:blipFill>
+        <p:spPr>
+          <a:xfrm>
+            <a:off x="3714749" y="1617996"/>
+            <a:ext cx="4762500" cy="3133725"/>
+          </a:xfrm>
+          <a:prstGeom prst="rect">
+            <a:avLst/>
+          </a:prstGeom>
+        </p:spPr>
+      </p:pic>
+    </p:spTree>
+    <p:extLst>
+      <p:ext uri="{BB962C8B-B14F-4D97-AF65-F5344CB8AC3E}">
+        <p14:creationId xmlns:p14="http://schemas.microsoft.com/office/powerpoint/2010/main" val="3575572404"/>
       </p:ext>
     </p:extLst>
   </p:cSld>
@@ -41796,7 +45526,7 @@
         <p:spPr>
           <a:xfrm>
             <a:off x="838200" y="1261428"/>
-            <a:ext cx="6598920" cy="4524315"/>
+            <a:ext cx="6598920" cy="4247317"/>
           </a:xfrm>
           <a:prstGeom prst="rect">
             <a:avLst/>
@@ -41875,7 +45605,7 @@
             </a:r>
             <a:r>
               <a:rPr lang="it-IT" dirty="0" smtClean="0"/>
-              <a:t> sono l’interfaccia dell’applicazione utilizzabili dall’utente e reagiscono in funzione dei cambiamenti sul modello</a:t>
+              <a:t> rappresentano l’interfaccia dell’applicazione e reagiscono ai cambiamenti del modello</a:t>
             </a:r>
           </a:p>
           <a:p>
@@ -41900,7 +45630,7 @@
             </a:r>
             <a:r>
               <a:rPr lang="it-IT" dirty="0" smtClean="0"/>
-              <a:t> ricevono ed interpretano le richieste effettuate dall’utente</a:t>
+              <a:t> ricevono ed interpretano le richieste</a:t>
             </a:r>
           </a:p>
           <a:p>
@@ -41917,7 +45647,7 @@
             </a:pPr>
             <a:r>
               <a:rPr lang="it-IT" dirty="0" smtClean="0"/>
-              <a:t>In pratica sono utilizzate variazioni architetturali come il </a:t>
+              <a:t>Sono utilizzati pattern come il </a:t>
             </a:r>
             <a:r>
               <a:rPr lang="it-IT" b="1" dirty="0" smtClean="0"/>
@@ -42129,19 +45859,27 @@
           <a:p>
             <a:r>
               <a:rPr lang="it-IT" dirty="0" smtClean="0"/>
-              <a:t>Estensione della tecnica ATDD</a:t>
+              <a:t>Estensione della tecnica </a:t>
+            </a:r>
+            <a:r>
+              <a:rPr lang="it-IT" b="1" dirty="0" smtClean="0"/>
+              <a:t>ATDD</a:t>
             </a:r>
           </a:p>
           <a:p>
             <a:r>
               <a:rPr lang="it-IT" dirty="0"/>
-              <a:t>Gli scenari sviluppati rappresentano la documentazione del progetto – Live </a:t>
+              <a:t>Gli scenari sviluppati rappresentano la documentazione del progetto – </a:t>
             </a:r>
             <a:r>
-              <a:rPr lang="it-IT" dirty="0" err="1"/>
+              <a:rPr lang="it-IT" b="1" dirty="0"/>
+              <a:t>Live </a:t>
+            </a:r>
+            <a:r>
+              <a:rPr lang="it-IT" b="1" dirty="0" err="1"/>
               <a:t>Documentation</a:t>
             </a:r>
-            <a:endParaRPr lang="it-IT" dirty="0"/>
+            <a:endParaRPr lang="it-IT" b="1" dirty="0"/>
           </a:p>
           <a:p>
             <a:endParaRPr lang="it-IT" dirty="0" smtClean="0"/>

--- a/Presentazione.pptx
+++ b/Presentazione.pptx
@@ -4,6 +4,9 @@
   <p:sldMasterIdLst>
     <p:sldMasterId id="2147483774" r:id="rId1"/>
   </p:sldMasterIdLst>
+  <p:notesMasterIdLst>
+    <p:notesMasterId r:id="rId24"/>
+  </p:notesMasterIdLst>
   <p:sldIdLst>
     <p:sldId id="256" r:id="rId2"/>
     <p:sldId id="257" r:id="rId3"/>
@@ -3241,15 +3244,15 @@
 </file>
 
 <file path=ppt/diagrams/colors2.xml><?xml version="1.0" encoding="utf-8"?>
-<dgm:colorsDef xmlns:dgm="http://schemas.openxmlformats.org/drawingml/2006/diagram" xmlns:a="http://schemas.openxmlformats.org/drawingml/2006/main" uniqueId="urn:microsoft.com/office/officeart/2005/8/colors/accent1_2">
+<dgm:colorsDef xmlns:dgm="http://schemas.openxmlformats.org/drawingml/2006/diagram" xmlns:a="http://schemas.openxmlformats.org/drawingml/2006/main" uniqueId="urn:microsoft.com/office/officeart/2005/8/colors/colorful4">
   <dgm:title val=""/>
   <dgm:desc val=""/>
   <dgm:catLst>
-    <dgm:cat type="accent1" pri="11200"/>
+    <dgm:cat type="colorful" pri="10400"/>
   </dgm:catLst>
   <dgm:styleLbl name="node0">
     <dgm:fillClrLst meth="repeat">
-      <a:schemeClr val="accent1"/>
+      <a:schemeClr val="accent3"/>
     </dgm:fillClrLst>
     <dgm:linClrLst meth="repeat">
       <a:schemeClr val="lt1"/>
@@ -3259,21 +3262,37 @@
     <dgm:txFillClrLst/>
     <dgm:txEffectClrLst/>
   </dgm:styleLbl>
+  <dgm:styleLbl name="node1">
+    <dgm:fillClrLst>
+      <a:schemeClr val="accent4"/>
+      <a:schemeClr val="accent5"/>
+    </dgm:fillClrLst>
+    <dgm:linClrLst meth="repeat">
+      <a:schemeClr val="lt1"/>
+    </dgm:linClrLst>
+    <dgm:effectClrLst/>
+    <dgm:txLinClrLst/>
+    <dgm:txFillClrLst/>
+    <dgm:txEffectClrLst/>
+  </dgm:styleLbl>
   <dgm:styleLbl name="alignNode1">
-    <dgm:fillClrLst meth="repeat">
-      <a:schemeClr val="accent1"/>
-    </dgm:fillClrLst>
-    <dgm:linClrLst meth="repeat">
-      <a:schemeClr val="accent1"/>
+    <dgm:fillClrLst>
+      <a:schemeClr val="accent4"/>
+      <a:schemeClr val="accent5"/>
+    </dgm:fillClrLst>
+    <dgm:linClrLst>
+      <a:schemeClr val="accent4"/>
+      <a:schemeClr val="accent5"/>
     </dgm:linClrLst>
     <dgm:effectClrLst/>
     <dgm:txLinClrLst/>
     <dgm:txFillClrLst/>
     <dgm:txEffectClrLst/>
   </dgm:styleLbl>
-  <dgm:styleLbl name="node1">
-    <dgm:fillClrLst meth="repeat">
-      <a:schemeClr val="accent1"/>
+  <dgm:styleLbl name="lnNode1">
+    <dgm:fillClrLst>
+      <a:schemeClr val="accent4"/>
+      <a:schemeClr val="accent5"/>
     </dgm:fillClrLst>
     <dgm:linClrLst meth="repeat">
       <a:schemeClr val="lt1"/>
@@ -3283,23 +3302,14 @@
     <dgm:txFillClrLst/>
     <dgm:txEffectClrLst/>
   </dgm:styleLbl>
-  <dgm:styleLbl name="lnNode1">
-    <dgm:fillClrLst meth="repeat">
-      <a:schemeClr val="accent1"/>
-    </dgm:fillClrLst>
-    <dgm:linClrLst meth="repeat">
-      <a:schemeClr val="lt1"/>
-    </dgm:linClrLst>
-    <dgm:effectClrLst/>
-    <dgm:txLinClrLst/>
-    <dgm:txFillClrLst/>
-    <dgm:txEffectClrLst/>
-  </dgm:styleLbl>
   <dgm:styleLbl name="vennNode1">
-    <dgm:fillClrLst meth="repeat">
-      <a:schemeClr val="accent1">
+    <dgm:fillClrLst>
+      <a:schemeClr val="accent4">
         <a:alpha val="50000"/>
       </a:schemeClr>
+      <a:schemeClr val="accent5">
+        <a:alpha val="50000"/>
+      </a:schemeClr>
     </dgm:fillClrLst>
     <dgm:linClrLst meth="repeat">
       <a:schemeClr val="lt1"/>
@@ -3310,7 +3320,31 @@
     <dgm:txEffectClrLst/>
   </dgm:styleLbl>
   <dgm:styleLbl name="node2">
-    <dgm:fillClrLst meth="repeat">
+    <dgm:fillClrLst>
+      <a:schemeClr val="accent5"/>
+    </dgm:fillClrLst>
+    <dgm:linClrLst meth="repeat">
+      <a:schemeClr val="lt1"/>
+    </dgm:linClrLst>
+    <dgm:effectClrLst/>
+    <dgm:txLinClrLst/>
+    <dgm:txFillClrLst/>
+    <dgm:txEffectClrLst/>
+  </dgm:styleLbl>
+  <dgm:styleLbl name="node3">
+    <dgm:fillClrLst>
+      <a:schemeClr val="accent6"/>
+    </dgm:fillClrLst>
+    <dgm:linClrLst meth="repeat">
+      <a:schemeClr val="lt1"/>
+    </dgm:linClrLst>
+    <dgm:effectClrLst/>
+    <dgm:txLinClrLst/>
+    <dgm:txFillClrLst/>
+    <dgm:txEffectClrLst/>
+  </dgm:styleLbl>
+  <dgm:styleLbl name="node4">
+    <dgm:fillClrLst>
       <a:schemeClr val="accent1"/>
     </dgm:fillClrLst>
     <dgm:linClrLst meth="repeat">
@@ -3321,33 +3355,12 @@
     <dgm:txFillClrLst/>
     <dgm:txEffectClrLst/>
   </dgm:styleLbl>
-  <dgm:styleLbl name="node3">
-    <dgm:fillClrLst meth="repeat">
-      <a:schemeClr val="accent1"/>
-    </dgm:fillClrLst>
-    <dgm:linClrLst meth="repeat">
-      <a:schemeClr val="lt1"/>
-    </dgm:linClrLst>
-    <dgm:effectClrLst/>
-    <dgm:txLinClrLst/>
-    <dgm:txFillClrLst/>
-    <dgm:txEffectClrLst/>
-  </dgm:styleLbl>
-  <dgm:styleLbl name="node4">
-    <dgm:fillClrLst meth="repeat">
-      <a:schemeClr val="accent1"/>
-    </dgm:fillClrLst>
-    <dgm:linClrLst meth="repeat">
-      <a:schemeClr val="lt1"/>
-    </dgm:linClrLst>
-    <dgm:effectClrLst/>
-    <dgm:txLinClrLst/>
-    <dgm:txFillClrLst/>
-    <dgm:txEffectClrLst/>
-  </dgm:styleLbl>
   <dgm:styleLbl name="fgImgPlace1">
-    <dgm:fillClrLst meth="repeat">
-      <a:schemeClr val="accent1">
+    <dgm:fillClrLst>
+      <a:schemeClr val="accent4">
+        <a:tint val="50000"/>
+      </a:schemeClr>
+      <a:schemeClr val="accent5">
         <a:tint val="50000"/>
       </a:schemeClr>
     </dgm:fillClrLst>
@@ -3362,9 +3375,12 @@
     <dgm:txEffectClrLst/>
   </dgm:styleLbl>
   <dgm:styleLbl name="alignImgPlace1">
-    <dgm:fillClrLst meth="repeat">
-      <a:schemeClr val="accent1">
+    <dgm:fillClrLst>
+      <a:schemeClr val="accent4">
         <a:tint val="50000"/>
+      </a:schemeClr>
+      <a:schemeClr val="accent5">
+        <a:tint val="20000"/>
       </a:schemeClr>
     </dgm:fillClrLst>
     <dgm:linClrLst meth="repeat">
@@ -3378,9 +3394,12 @@
     <dgm:txEffectClrLst/>
   </dgm:styleLbl>
   <dgm:styleLbl name="bgImgPlace1">
-    <dgm:fillClrLst meth="repeat">
-      <a:schemeClr val="accent1">
+    <dgm:fillClrLst>
+      <a:schemeClr val="accent4">
         <a:tint val="50000"/>
+      </a:schemeClr>
+      <a:schemeClr val="accent5">
+        <a:tint val="20000"/>
       </a:schemeClr>
     </dgm:fillClrLst>
     <dgm:linClrLst meth="repeat">
@@ -3394,15 +3413,12 @@
     <dgm:txEffectClrLst/>
   </dgm:styleLbl>
   <dgm:styleLbl name="sibTrans2D1">
-    <dgm:fillClrLst meth="repeat">
-      <a:schemeClr val="accent1">
-        <a:tint val="60000"/>
-      </a:schemeClr>
-    </dgm:fillClrLst>
-    <dgm:linClrLst meth="repeat">
-      <a:schemeClr val="accent1">
-        <a:tint val="60000"/>
-      </a:schemeClr>
+    <dgm:fillClrLst>
+      <a:schemeClr val="accent4"/>
+      <a:schemeClr val="accent5"/>
+    </dgm:fillClrLst>
+    <dgm:linClrLst meth="repeat">
+      <a:schemeClr val="lt1"/>
     </dgm:linClrLst>
     <dgm:effectClrLst/>
     <dgm:txLinClrLst/>
@@ -3410,43 +3426,40 @@
     <dgm:txEffectClrLst/>
   </dgm:styleLbl>
   <dgm:styleLbl name="fgSibTrans2D1">
-    <dgm:fillClrLst meth="repeat">
-      <a:schemeClr val="accent1">
-        <a:tint val="60000"/>
-      </a:schemeClr>
-    </dgm:fillClrLst>
-    <dgm:linClrLst meth="repeat">
-      <a:schemeClr val="accent1">
-        <a:tint val="60000"/>
-      </a:schemeClr>
-    </dgm:linClrLst>
-    <dgm:effectClrLst/>
-    <dgm:txLinClrLst/>
-    <dgm:txFillClrLst/>
+    <dgm:fillClrLst>
+      <a:schemeClr val="accent4"/>
+      <a:schemeClr val="accent5"/>
+    </dgm:fillClrLst>
+    <dgm:linClrLst meth="repeat">
+      <a:schemeClr val="lt1"/>
+    </dgm:linClrLst>
+    <dgm:effectClrLst/>
+    <dgm:txLinClrLst/>
+    <dgm:txFillClrLst meth="repeat">
+      <a:schemeClr val="lt1"/>
+    </dgm:txFillClrLst>
     <dgm:txEffectClrLst/>
   </dgm:styleLbl>
   <dgm:styleLbl name="bgSibTrans2D1">
-    <dgm:fillClrLst meth="repeat">
-      <a:schemeClr val="accent1">
-        <a:tint val="60000"/>
-      </a:schemeClr>
-    </dgm:fillClrLst>
-    <dgm:linClrLst meth="repeat">
-      <a:schemeClr val="accent1">
-        <a:tint val="60000"/>
-      </a:schemeClr>
-    </dgm:linClrLst>
-    <dgm:effectClrLst/>
-    <dgm:txLinClrLst/>
-    <dgm:txFillClrLst/>
+    <dgm:fillClrLst>
+      <a:schemeClr val="accent4"/>
+      <a:schemeClr val="accent5"/>
+    </dgm:fillClrLst>
+    <dgm:linClrLst meth="repeat">
+      <a:schemeClr val="lt1"/>
+    </dgm:linClrLst>
+    <dgm:effectClrLst/>
+    <dgm:txLinClrLst/>
+    <dgm:txFillClrLst meth="repeat">
+      <a:schemeClr val="lt1"/>
+    </dgm:txFillClrLst>
     <dgm:txEffectClrLst/>
   </dgm:styleLbl>
   <dgm:styleLbl name="sibTrans1D1">
-    <dgm:fillClrLst meth="repeat">
-      <a:schemeClr val="accent1"/>
-    </dgm:fillClrLst>
-    <dgm:linClrLst meth="repeat">
-      <a:schemeClr val="accent1"/>
+    <dgm:fillClrLst/>
+    <dgm:linClrLst>
+      <a:schemeClr val="accent4"/>
+      <a:schemeClr val="accent5"/>
     </dgm:linClrLst>
     <dgm:effectClrLst/>
     <dgm:txLinClrLst/>
@@ -3457,10 +3470,10 @@
   </dgm:styleLbl>
   <dgm:styleLbl name="callout">
     <dgm:fillClrLst meth="repeat">
-      <a:schemeClr val="accent1"/>
-    </dgm:fillClrLst>
-    <dgm:linClrLst meth="repeat">
-      <a:schemeClr val="accent1">
+      <a:schemeClr val="accent4"/>
+    </dgm:fillClrLst>
+    <dgm:linClrLst meth="repeat">
+      <a:schemeClr val="accent4">
         <a:tint val="50000"/>
       </a:schemeClr>
     </dgm:linClrLst>
@@ -3473,6 +3486,46 @@
   </dgm:styleLbl>
   <dgm:styleLbl name="asst0">
     <dgm:fillClrLst meth="repeat">
+      <a:schemeClr val="accent4"/>
+    </dgm:fillClrLst>
+    <dgm:linClrLst meth="repeat">
+      <a:schemeClr val="lt1">
+        <a:shade val="80000"/>
+      </a:schemeClr>
+    </dgm:linClrLst>
+    <dgm:effectClrLst/>
+    <dgm:txLinClrLst/>
+    <dgm:txFillClrLst/>
+    <dgm:txEffectClrLst/>
+  </dgm:styleLbl>
+  <dgm:styleLbl name="asst1">
+    <dgm:fillClrLst meth="repeat">
+      <a:schemeClr val="accent5"/>
+    </dgm:fillClrLst>
+    <dgm:linClrLst meth="repeat">
+      <a:schemeClr val="lt1">
+        <a:shade val="80000"/>
+      </a:schemeClr>
+    </dgm:linClrLst>
+    <dgm:effectClrLst/>
+    <dgm:txLinClrLst/>
+    <dgm:txFillClrLst/>
+    <dgm:txEffectClrLst/>
+  </dgm:styleLbl>
+  <dgm:styleLbl name="asst2">
+    <dgm:fillClrLst>
+      <a:schemeClr val="accent6"/>
+    </dgm:fillClrLst>
+    <dgm:linClrLst meth="repeat">
+      <a:schemeClr val="lt1"/>
+    </dgm:linClrLst>
+    <dgm:effectClrLst/>
+    <dgm:txLinClrLst/>
+    <dgm:txFillClrLst/>
+    <dgm:txEffectClrLst/>
+  </dgm:styleLbl>
+  <dgm:styleLbl name="asst3">
+    <dgm:fillClrLst>
       <a:schemeClr val="accent1"/>
     </dgm:fillClrLst>
     <dgm:linClrLst meth="repeat">
@@ -3483,9 +3536,9 @@
     <dgm:txFillClrLst/>
     <dgm:txEffectClrLst/>
   </dgm:styleLbl>
-  <dgm:styleLbl name="asst1">
-    <dgm:fillClrLst meth="repeat">
-      <a:schemeClr val="accent1"/>
+  <dgm:styleLbl name="asst4">
+    <dgm:fillClrLst>
+      <a:schemeClr val="accent2"/>
     </dgm:fillClrLst>
     <dgm:linClrLst meth="repeat">
       <a:schemeClr val="lt1"/>
@@ -3495,52 +3548,12 @@
     <dgm:txFillClrLst/>
     <dgm:txEffectClrLst/>
   </dgm:styleLbl>
-  <dgm:styleLbl name="asst2">
-    <dgm:fillClrLst meth="repeat">
-      <a:schemeClr val="accent1"/>
+  <dgm:styleLbl name="parChTrans2D1">
+    <dgm:fillClrLst meth="repeat">
+      <a:schemeClr val="accent4"/>
     </dgm:fillClrLst>
     <dgm:linClrLst meth="repeat">
       <a:schemeClr val="lt1"/>
-    </dgm:linClrLst>
-    <dgm:effectClrLst/>
-    <dgm:txLinClrLst/>
-    <dgm:txFillClrLst/>
-    <dgm:txEffectClrLst/>
-  </dgm:styleLbl>
-  <dgm:styleLbl name="asst3">
-    <dgm:fillClrLst meth="repeat">
-      <a:schemeClr val="accent1"/>
-    </dgm:fillClrLst>
-    <dgm:linClrLst meth="repeat">
-      <a:schemeClr val="lt1"/>
-    </dgm:linClrLst>
-    <dgm:effectClrLst/>
-    <dgm:txLinClrLst/>
-    <dgm:txFillClrLst/>
-    <dgm:txEffectClrLst/>
-  </dgm:styleLbl>
-  <dgm:styleLbl name="asst4">
-    <dgm:fillClrLst meth="repeat">
-      <a:schemeClr val="accent1"/>
-    </dgm:fillClrLst>
-    <dgm:linClrLst meth="repeat">
-      <a:schemeClr val="lt1"/>
-    </dgm:linClrLst>
-    <dgm:effectClrLst/>
-    <dgm:txLinClrLst/>
-    <dgm:txFillClrLst/>
-    <dgm:txEffectClrLst/>
-  </dgm:styleLbl>
-  <dgm:styleLbl name="parChTrans2D1">
-    <dgm:fillClrLst meth="repeat">
-      <a:schemeClr val="accent1">
-        <a:tint val="60000"/>
-      </a:schemeClr>
-    </dgm:fillClrLst>
-    <dgm:linClrLst meth="repeat">
-      <a:schemeClr val="accent1">
-        <a:tint val="60000"/>
-      </a:schemeClr>
     </dgm:linClrLst>
     <dgm:effectClrLst/>
     <dgm:txLinClrLst/>
@@ -3551,10 +3564,34 @@
   </dgm:styleLbl>
   <dgm:styleLbl name="parChTrans2D2">
     <dgm:fillClrLst meth="repeat">
-      <a:schemeClr val="accent1"/>
-    </dgm:fillClrLst>
-    <dgm:linClrLst meth="repeat">
-      <a:schemeClr val="accent1"/>
+      <a:schemeClr val="accent5"/>
+    </dgm:fillClrLst>
+    <dgm:linClrLst meth="repeat">
+      <a:schemeClr val="lt1"/>
+    </dgm:linClrLst>
+    <dgm:effectClrLst/>
+    <dgm:txLinClrLst/>
+    <dgm:txFillClrLst/>
+    <dgm:txEffectClrLst/>
+  </dgm:styleLbl>
+  <dgm:styleLbl name="parChTrans2D3">
+    <dgm:fillClrLst meth="repeat">
+      <a:schemeClr val="accent5"/>
+    </dgm:fillClrLst>
+    <dgm:linClrLst meth="repeat">
+      <a:schemeClr val="lt1"/>
+    </dgm:linClrLst>
+    <dgm:effectClrLst/>
+    <dgm:txLinClrLst/>
+    <dgm:txFillClrLst/>
+    <dgm:txEffectClrLst/>
+  </dgm:styleLbl>
+  <dgm:styleLbl name="parChTrans2D4">
+    <dgm:fillClrLst meth="repeat">
+      <a:schemeClr val="accent6"/>
+    </dgm:fillClrLst>
+    <dgm:linClrLst meth="repeat">
+      <a:schemeClr val="lt1"/>
     </dgm:linClrLst>
     <dgm:effectClrLst/>
     <dgm:txLinClrLst/>
@@ -3563,12 +3600,369 @@
     </dgm:txFillClrLst>
     <dgm:txEffectClrLst/>
   </dgm:styleLbl>
-  <dgm:styleLbl name="parChTrans2D3">
-    <dgm:fillClrLst meth="repeat">
+  <dgm:styleLbl name="parChTrans1D1">
+    <dgm:fillClrLst meth="repeat">
+      <a:schemeClr val="accent4"/>
+    </dgm:fillClrLst>
+    <dgm:linClrLst meth="repeat">
+      <a:schemeClr val="accent4"/>
+    </dgm:linClrLst>
+    <dgm:effectClrLst/>
+    <dgm:txLinClrLst/>
+    <dgm:txFillClrLst meth="repeat">
+      <a:schemeClr val="tx1"/>
+    </dgm:txFillClrLst>
+    <dgm:txEffectClrLst/>
+  </dgm:styleLbl>
+  <dgm:styleLbl name="parChTrans1D2">
+    <dgm:fillClrLst meth="repeat">
+      <a:schemeClr val="accent4">
+        <a:tint val="90000"/>
+      </a:schemeClr>
+    </dgm:fillClrLst>
+    <dgm:linClrLst meth="repeat">
+      <a:schemeClr val="accent5"/>
+    </dgm:linClrLst>
+    <dgm:effectClrLst/>
+    <dgm:txLinClrLst/>
+    <dgm:txFillClrLst meth="repeat">
+      <a:schemeClr val="tx1"/>
+    </dgm:txFillClrLst>
+    <dgm:txEffectClrLst/>
+  </dgm:styleLbl>
+  <dgm:styleLbl name="parChTrans1D3">
+    <dgm:fillClrLst meth="repeat">
+      <a:schemeClr val="accent4">
+        <a:tint val="70000"/>
+      </a:schemeClr>
+    </dgm:fillClrLst>
+    <dgm:linClrLst meth="repeat">
+      <a:schemeClr val="accent6"/>
+    </dgm:linClrLst>
+    <dgm:effectClrLst/>
+    <dgm:txLinClrLst/>
+    <dgm:txFillClrLst meth="repeat">
+      <a:schemeClr val="tx1"/>
+    </dgm:txFillClrLst>
+    <dgm:txEffectClrLst/>
+  </dgm:styleLbl>
+  <dgm:styleLbl name="parChTrans1D4">
+    <dgm:fillClrLst meth="repeat">
+      <a:schemeClr val="accent4">
+        <a:tint val="50000"/>
+      </a:schemeClr>
+    </dgm:fillClrLst>
+    <dgm:linClrLst meth="repeat">
       <a:schemeClr val="accent1"/>
-    </dgm:fillClrLst>
-    <dgm:linClrLst meth="repeat">
+    </dgm:linClrLst>
+    <dgm:effectClrLst/>
+    <dgm:txLinClrLst/>
+    <dgm:txFillClrLst meth="repeat">
+      <a:schemeClr val="tx1"/>
+    </dgm:txFillClrLst>
+    <dgm:txEffectClrLst/>
+  </dgm:styleLbl>
+  <dgm:styleLbl name="fgAcc1">
+    <dgm:fillClrLst meth="repeat">
+      <a:schemeClr val="lt1">
+        <a:alpha val="90000"/>
+      </a:schemeClr>
+    </dgm:fillClrLst>
+    <dgm:linClrLst>
+      <a:schemeClr val="accent4"/>
+      <a:schemeClr val="accent5"/>
+    </dgm:linClrLst>
+    <dgm:effectClrLst/>
+    <dgm:txLinClrLst/>
+    <dgm:txFillClrLst meth="repeat">
+      <a:schemeClr val="dk1"/>
+    </dgm:txFillClrLst>
+    <dgm:txEffectClrLst/>
+  </dgm:styleLbl>
+  <dgm:styleLbl name="conFgAcc1">
+    <dgm:fillClrLst meth="repeat">
+      <a:schemeClr val="lt1">
+        <a:alpha val="90000"/>
+      </a:schemeClr>
+    </dgm:fillClrLst>
+    <dgm:linClrLst>
+      <a:schemeClr val="accent4"/>
+      <a:schemeClr val="accent5"/>
+    </dgm:linClrLst>
+    <dgm:effectClrLst/>
+    <dgm:txLinClrLst/>
+    <dgm:txFillClrLst meth="repeat">
+      <a:schemeClr val="dk1"/>
+    </dgm:txFillClrLst>
+    <dgm:txEffectClrLst/>
+  </dgm:styleLbl>
+  <dgm:styleLbl name="alignAcc1">
+    <dgm:fillClrLst meth="repeat">
+      <a:schemeClr val="lt1">
+        <a:alpha val="90000"/>
+      </a:schemeClr>
+    </dgm:fillClrLst>
+    <dgm:linClrLst>
+      <a:schemeClr val="accent4"/>
+      <a:schemeClr val="accent5"/>
+    </dgm:linClrLst>
+    <dgm:effectClrLst/>
+    <dgm:txLinClrLst/>
+    <dgm:txFillClrLst meth="repeat">
+      <a:schemeClr val="dk1"/>
+    </dgm:txFillClrLst>
+    <dgm:txEffectClrLst/>
+  </dgm:styleLbl>
+  <dgm:styleLbl name="trAlignAcc1">
+    <dgm:fillClrLst meth="repeat">
+      <a:schemeClr val="lt1">
+        <a:alpha val="40000"/>
+      </a:schemeClr>
+    </dgm:fillClrLst>
+    <dgm:linClrLst meth="repeat">
+      <a:schemeClr val="accent4"/>
+    </dgm:linClrLst>
+    <dgm:effectClrLst/>
+    <dgm:txLinClrLst/>
+    <dgm:txFillClrLst meth="repeat">
+      <a:schemeClr val="dk1"/>
+    </dgm:txFillClrLst>
+    <dgm:txEffectClrLst/>
+  </dgm:styleLbl>
+  <dgm:styleLbl name="bgAcc1">
+    <dgm:fillClrLst meth="repeat">
+      <a:schemeClr val="lt1">
+        <a:alpha val="90000"/>
+      </a:schemeClr>
+    </dgm:fillClrLst>
+    <dgm:linClrLst>
+      <a:schemeClr val="accent4"/>
+      <a:schemeClr val="accent5"/>
+    </dgm:linClrLst>
+    <dgm:effectClrLst/>
+    <dgm:txLinClrLst/>
+    <dgm:txFillClrLst meth="repeat">
+      <a:schemeClr val="dk1"/>
+    </dgm:txFillClrLst>
+    <dgm:txEffectClrLst/>
+  </dgm:styleLbl>
+  <dgm:styleLbl name="solidFgAcc1">
+    <dgm:fillClrLst meth="repeat">
+      <a:schemeClr val="lt1"/>
+    </dgm:fillClrLst>
+    <dgm:linClrLst>
+      <a:schemeClr val="accent4"/>
+      <a:schemeClr val="accent5"/>
+    </dgm:linClrLst>
+    <dgm:effectClrLst/>
+    <dgm:txLinClrLst/>
+    <dgm:txFillClrLst meth="repeat">
+      <a:schemeClr val="dk1"/>
+    </dgm:txFillClrLst>
+    <dgm:txEffectClrLst/>
+  </dgm:styleLbl>
+  <dgm:styleLbl name="solidAlignAcc1">
+    <dgm:fillClrLst meth="repeat">
+      <a:schemeClr val="lt1"/>
+    </dgm:fillClrLst>
+    <dgm:linClrLst>
+      <a:schemeClr val="accent4"/>
+      <a:schemeClr val="accent5"/>
+    </dgm:linClrLst>
+    <dgm:effectClrLst/>
+    <dgm:txLinClrLst/>
+    <dgm:txFillClrLst meth="repeat">
+      <a:schemeClr val="dk1"/>
+    </dgm:txFillClrLst>
+    <dgm:txEffectClrLst/>
+  </dgm:styleLbl>
+  <dgm:styleLbl name="solidBgAcc1">
+    <dgm:fillClrLst meth="repeat">
+      <a:schemeClr val="lt1"/>
+    </dgm:fillClrLst>
+    <dgm:linClrLst>
+      <a:schemeClr val="accent4"/>
+      <a:schemeClr val="accent5"/>
+    </dgm:linClrLst>
+    <dgm:effectClrLst/>
+    <dgm:txLinClrLst/>
+    <dgm:txFillClrLst meth="repeat">
+      <a:schemeClr val="dk1"/>
+    </dgm:txFillClrLst>
+    <dgm:txEffectClrLst/>
+  </dgm:styleLbl>
+  <dgm:styleLbl name="fgAccFollowNode1">
+    <dgm:fillClrLst>
+      <a:schemeClr val="accent4">
+        <a:tint val="40000"/>
+        <a:alpha val="90000"/>
+      </a:schemeClr>
+      <a:schemeClr val="accent5">
+        <a:tint val="40000"/>
+        <a:alpha val="90000"/>
+      </a:schemeClr>
+    </dgm:fillClrLst>
+    <dgm:linClrLst>
+      <a:schemeClr val="accent4">
+        <a:tint val="40000"/>
+        <a:alpha val="90000"/>
+      </a:schemeClr>
+      <a:schemeClr val="accent5">
+        <a:tint val="40000"/>
+        <a:alpha val="90000"/>
+      </a:schemeClr>
+    </dgm:linClrLst>
+    <dgm:effectClrLst/>
+    <dgm:txLinClrLst/>
+    <dgm:txFillClrLst meth="repeat">
+      <a:schemeClr val="dk1"/>
+    </dgm:txFillClrLst>
+    <dgm:txEffectClrLst/>
+  </dgm:styleLbl>
+  <dgm:styleLbl name="alignAccFollowNode1">
+    <dgm:fillClrLst>
+      <a:schemeClr val="accent4">
+        <a:tint val="40000"/>
+        <a:alpha val="90000"/>
+      </a:schemeClr>
+      <a:schemeClr val="accent5">
+        <a:tint val="40000"/>
+        <a:alpha val="90000"/>
+      </a:schemeClr>
+    </dgm:fillClrLst>
+    <dgm:linClrLst>
+      <a:schemeClr val="accent4">
+        <a:tint val="40000"/>
+        <a:alpha val="90000"/>
+      </a:schemeClr>
+      <a:schemeClr val="accent5">
+        <a:tint val="40000"/>
+        <a:alpha val="90000"/>
+      </a:schemeClr>
+    </dgm:linClrLst>
+    <dgm:effectClrLst/>
+    <dgm:txLinClrLst/>
+    <dgm:txFillClrLst meth="repeat">
+      <a:schemeClr val="dk1"/>
+    </dgm:txFillClrLst>
+    <dgm:txEffectClrLst/>
+  </dgm:styleLbl>
+  <dgm:styleLbl name="bgAccFollowNode1">
+    <dgm:fillClrLst>
+      <a:schemeClr val="accent4">
+        <a:tint val="40000"/>
+        <a:alpha val="90000"/>
+      </a:schemeClr>
+      <a:schemeClr val="accent5">
+        <a:tint val="40000"/>
+        <a:alpha val="90000"/>
+      </a:schemeClr>
+    </dgm:fillClrLst>
+    <dgm:linClrLst>
+      <a:schemeClr val="accent4">
+        <a:tint val="40000"/>
+        <a:alpha val="90000"/>
+      </a:schemeClr>
+      <a:schemeClr val="accent5">
+        <a:tint val="40000"/>
+        <a:alpha val="90000"/>
+      </a:schemeClr>
+    </dgm:linClrLst>
+    <dgm:effectClrLst/>
+    <dgm:txLinClrLst/>
+    <dgm:txFillClrLst meth="repeat">
+      <a:schemeClr val="dk1"/>
+    </dgm:txFillClrLst>
+    <dgm:txEffectClrLst/>
+  </dgm:styleLbl>
+  <dgm:styleLbl name="fgAcc0">
+    <dgm:fillClrLst meth="repeat">
+      <a:schemeClr val="lt1">
+        <a:alpha val="90000"/>
+      </a:schemeClr>
+    </dgm:fillClrLst>
+    <dgm:linClrLst>
+      <a:schemeClr val="accent3"/>
+    </dgm:linClrLst>
+    <dgm:effectClrLst/>
+    <dgm:txLinClrLst/>
+    <dgm:txFillClrLst meth="repeat">
+      <a:schemeClr val="dk1"/>
+    </dgm:txFillClrLst>
+    <dgm:txEffectClrLst/>
+  </dgm:styleLbl>
+  <dgm:styleLbl name="fgAcc2">
+    <dgm:fillClrLst meth="repeat">
+      <a:schemeClr val="lt1">
+        <a:alpha val="90000"/>
+      </a:schemeClr>
+    </dgm:fillClrLst>
+    <dgm:linClrLst>
+      <a:schemeClr val="accent5"/>
+    </dgm:linClrLst>
+    <dgm:effectClrLst/>
+    <dgm:txLinClrLst/>
+    <dgm:txFillClrLst meth="repeat">
+      <a:schemeClr val="dk1"/>
+    </dgm:txFillClrLst>
+    <dgm:txEffectClrLst/>
+  </dgm:styleLbl>
+  <dgm:styleLbl name="fgAcc3">
+    <dgm:fillClrLst meth="repeat">
+      <a:schemeClr val="lt1">
+        <a:alpha val="90000"/>
+      </a:schemeClr>
+    </dgm:fillClrLst>
+    <dgm:linClrLst>
+      <a:schemeClr val="accent6"/>
+    </dgm:linClrLst>
+    <dgm:effectClrLst/>
+    <dgm:txLinClrLst/>
+    <dgm:txFillClrLst meth="repeat">
+      <a:schemeClr val="dk1"/>
+    </dgm:txFillClrLst>
+    <dgm:txEffectClrLst/>
+  </dgm:styleLbl>
+  <dgm:styleLbl name="fgAcc4">
+    <dgm:fillClrLst meth="repeat">
+      <a:schemeClr val="lt1">
+        <a:alpha val="90000"/>
+      </a:schemeClr>
+    </dgm:fillClrLst>
+    <dgm:linClrLst>
       <a:schemeClr val="accent1"/>
+    </dgm:linClrLst>
+    <dgm:effectClrLst/>
+    <dgm:txLinClrLst/>
+    <dgm:txFillClrLst meth="repeat">
+      <a:schemeClr val="dk1"/>
+    </dgm:txFillClrLst>
+    <dgm:txEffectClrLst/>
+  </dgm:styleLbl>
+  <dgm:styleLbl name="bgShp">
+    <dgm:fillClrLst meth="repeat">
+      <a:schemeClr val="accent4">
+        <a:tint val="40000"/>
+      </a:schemeClr>
+    </dgm:fillClrLst>
+    <dgm:linClrLst meth="repeat">
+      <a:schemeClr val="dk1"/>
+    </dgm:linClrLst>
+    <dgm:effectClrLst/>
+    <dgm:txLinClrLst/>
+    <dgm:txFillClrLst meth="repeat">
+      <a:schemeClr val="dk1"/>
+    </dgm:txFillClrLst>
+    <dgm:txEffectClrLst/>
+  </dgm:styleLbl>
+  <dgm:styleLbl name="dkBgShp">
+    <dgm:fillClrLst meth="repeat">
+      <a:schemeClr val="accent4">
+        <a:shade val="90000"/>
+      </a:schemeClr>
+    </dgm:fillClrLst>
+    <dgm:linClrLst meth="repeat">
+      <a:schemeClr val="dk1"/>
     </dgm:linClrLst>
     <dgm:effectClrLst/>
     <dgm:txLinClrLst/>
@@ -3577,12 +3971,15 @@
     </dgm:txFillClrLst>
     <dgm:txEffectClrLst/>
   </dgm:styleLbl>
-  <dgm:styleLbl name="parChTrans2D4">
-    <dgm:fillClrLst meth="repeat">
-      <a:schemeClr val="accent1"/>
-    </dgm:fillClrLst>
-    <dgm:linClrLst meth="repeat">
-      <a:schemeClr val="accent1"/>
+  <dgm:styleLbl name="trBgShp">
+    <dgm:fillClrLst meth="repeat">
+      <a:schemeClr val="accent4">
+        <a:tint val="50000"/>
+        <a:alpha val="40000"/>
+      </a:schemeClr>
+    </dgm:fillClrLst>
+    <dgm:linClrLst meth="repeat">
+      <a:schemeClr val="accent4"/>
     </dgm:linClrLst>
     <dgm:effectClrLst/>
     <dgm:txLinClrLst/>
@@ -3591,369 +3988,10 @@
     </dgm:txFillClrLst>
     <dgm:txEffectClrLst/>
   </dgm:styleLbl>
-  <dgm:styleLbl name="parChTrans1D1">
-    <dgm:fillClrLst meth="repeat">
-      <a:schemeClr val="accent1"/>
-    </dgm:fillClrLst>
-    <dgm:linClrLst meth="repeat">
-      <a:schemeClr val="accent1">
-        <a:shade val="60000"/>
-      </a:schemeClr>
-    </dgm:linClrLst>
-    <dgm:effectClrLst/>
-    <dgm:txLinClrLst/>
-    <dgm:txFillClrLst meth="repeat">
-      <a:schemeClr val="tx1"/>
-    </dgm:txFillClrLst>
-    <dgm:txEffectClrLst/>
-  </dgm:styleLbl>
-  <dgm:styleLbl name="parChTrans1D2">
-    <dgm:fillClrLst meth="repeat">
-      <a:schemeClr val="accent1"/>
-    </dgm:fillClrLst>
-    <dgm:linClrLst meth="repeat">
-      <a:schemeClr val="accent1">
-        <a:shade val="60000"/>
-      </a:schemeClr>
-    </dgm:linClrLst>
-    <dgm:effectClrLst/>
-    <dgm:txLinClrLst/>
-    <dgm:txFillClrLst meth="repeat">
-      <a:schemeClr val="tx1"/>
-    </dgm:txFillClrLst>
-    <dgm:txEffectClrLst/>
-  </dgm:styleLbl>
-  <dgm:styleLbl name="parChTrans1D3">
-    <dgm:fillClrLst meth="repeat">
-      <a:schemeClr val="accent1"/>
-    </dgm:fillClrLst>
-    <dgm:linClrLst meth="repeat">
-      <a:schemeClr val="accent1">
-        <a:shade val="80000"/>
-      </a:schemeClr>
-    </dgm:linClrLst>
-    <dgm:effectClrLst/>
-    <dgm:txLinClrLst/>
-    <dgm:txFillClrLst meth="repeat">
-      <a:schemeClr val="tx1"/>
-    </dgm:txFillClrLst>
-    <dgm:txEffectClrLst/>
-  </dgm:styleLbl>
-  <dgm:styleLbl name="parChTrans1D4">
-    <dgm:fillClrLst meth="repeat">
-      <a:schemeClr val="accent1"/>
-    </dgm:fillClrLst>
-    <dgm:linClrLst meth="repeat">
-      <a:schemeClr val="accent1">
-        <a:shade val="80000"/>
-      </a:schemeClr>
-    </dgm:linClrLst>
-    <dgm:effectClrLst/>
-    <dgm:txLinClrLst/>
-    <dgm:txFillClrLst meth="repeat">
-      <a:schemeClr val="tx1"/>
-    </dgm:txFillClrLst>
-    <dgm:txEffectClrLst/>
-  </dgm:styleLbl>
-  <dgm:styleLbl name="fgAcc1">
-    <dgm:fillClrLst meth="repeat">
-      <a:schemeClr val="lt1">
-        <a:alpha val="90000"/>
-      </a:schemeClr>
-    </dgm:fillClrLst>
-    <dgm:linClrLst meth="repeat">
-      <a:schemeClr val="accent1"/>
-    </dgm:linClrLst>
-    <dgm:effectClrLst/>
-    <dgm:txLinClrLst/>
-    <dgm:txFillClrLst meth="repeat">
-      <a:schemeClr val="dk1"/>
-    </dgm:txFillClrLst>
-    <dgm:txEffectClrLst/>
-  </dgm:styleLbl>
-  <dgm:styleLbl name="conFgAcc1">
-    <dgm:fillClrLst meth="repeat">
-      <a:schemeClr val="lt1">
-        <a:alpha val="90000"/>
-      </a:schemeClr>
-    </dgm:fillClrLst>
-    <dgm:linClrLst meth="repeat">
-      <a:schemeClr val="accent1"/>
-    </dgm:linClrLst>
-    <dgm:effectClrLst/>
-    <dgm:txLinClrLst/>
-    <dgm:txFillClrLst meth="repeat">
-      <a:schemeClr val="dk1"/>
-    </dgm:txFillClrLst>
-    <dgm:txEffectClrLst/>
-  </dgm:styleLbl>
-  <dgm:styleLbl name="alignAcc1">
-    <dgm:fillClrLst meth="repeat">
-      <a:schemeClr val="lt1">
-        <a:alpha val="90000"/>
-      </a:schemeClr>
-    </dgm:fillClrLst>
-    <dgm:linClrLst meth="repeat">
-      <a:schemeClr val="accent1"/>
-    </dgm:linClrLst>
-    <dgm:effectClrLst/>
-    <dgm:txLinClrLst/>
-    <dgm:txFillClrLst meth="repeat">
-      <a:schemeClr val="dk1"/>
-    </dgm:txFillClrLst>
-    <dgm:txEffectClrLst/>
-  </dgm:styleLbl>
-  <dgm:styleLbl name="trAlignAcc1">
-    <dgm:fillClrLst meth="repeat">
-      <a:schemeClr val="lt1">
-        <a:alpha val="40000"/>
-      </a:schemeClr>
-    </dgm:fillClrLst>
-    <dgm:linClrLst meth="repeat">
-      <a:schemeClr val="accent1"/>
-    </dgm:linClrLst>
-    <dgm:effectClrLst/>
-    <dgm:txLinClrLst/>
-    <dgm:txFillClrLst meth="repeat">
-      <a:schemeClr val="dk1"/>
-    </dgm:txFillClrLst>
-    <dgm:txEffectClrLst/>
-  </dgm:styleLbl>
-  <dgm:styleLbl name="bgAcc1">
-    <dgm:fillClrLst meth="repeat">
-      <a:schemeClr val="lt1">
-        <a:alpha val="90000"/>
-      </a:schemeClr>
-    </dgm:fillClrLst>
-    <dgm:linClrLst meth="repeat">
-      <a:schemeClr val="accent1"/>
-    </dgm:linClrLst>
-    <dgm:effectClrLst/>
-    <dgm:txLinClrLst/>
-    <dgm:txFillClrLst meth="repeat">
-      <a:schemeClr val="dk1"/>
-    </dgm:txFillClrLst>
-    <dgm:txEffectClrLst/>
-  </dgm:styleLbl>
-  <dgm:styleLbl name="solidFgAcc1">
-    <dgm:fillClrLst meth="repeat">
-      <a:schemeClr val="lt1"/>
-    </dgm:fillClrLst>
-    <dgm:linClrLst meth="repeat">
-      <a:schemeClr val="accent1"/>
-    </dgm:linClrLst>
-    <dgm:effectClrLst/>
-    <dgm:txLinClrLst/>
-    <dgm:txFillClrLst meth="repeat">
-      <a:schemeClr val="dk1"/>
-    </dgm:txFillClrLst>
-    <dgm:txEffectClrLst/>
-  </dgm:styleLbl>
-  <dgm:styleLbl name="solidAlignAcc1">
-    <dgm:fillClrLst meth="repeat">
-      <a:schemeClr val="lt1"/>
-    </dgm:fillClrLst>
-    <dgm:linClrLst meth="repeat">
-      <a:schemeClr val="accent1"/>
-    </dgm:linClrLst>
-    <dgm:effectClrLst/>
-    <dgm:txLinClrLst/>
-    <dgm:txFillClrLst meth="repeat">
-      <a:schemeClr val="dk1"/>
-    </dgm:txFillClrLst>
-    <dgm:txEffectClrLst/>
-  </dgm:styleLbl>
-  <dgm:styleLbl name="solidBgAcc1">
-    <dgm:fillClrLst meth="repeat">
-      <a:schemeClr val="lt1"/>
-    </dgm:fillClrLst>
-    <dgm:linClrLst meth="repeat">
-      <a:schemeClr val="accent1"/>
-    </dgm:linClrLst>
-    <dgm:effectClrLst/>
-    <dgm:txLinClrLst/>
-    <dgm:txFillClrLst meth="repeat">
-      <a:schemeClr val="dk1"/>
-    </dgm:txFillClrLst>
-    <dgm:txEffectClrLst/>
-  </dgm:styleLbl>
-  <dgm:styleLbl name="fgAccFollowNode1">
-    <dgm:fillClrLst meth="repeat">
-      <a:schemeClr val="accent1">
-        <a:alpha val="90000"/>
+  <dgm:styleLbl name="fgShp">
+    <dgm:fillClrLst meth="repeat">
+      <a:schemeClr val="accent4">
         <a:tint val="40000"/>
-      </a:schemeClr>
-    </dgm:fillClrLst>
-    <dgm:linClrLst meth="repeat">
-      <a:schemeClr val="accent1">
-        <a:alpha val="90000"/>
-        <a:tint val="40000"/>
-      </a:schemeClr>
-    </dgm:linClrLst>
-    <dgm:effectClrLst/>
-    <dgm:txLinClrLst/>
-    <dgm:txFillClrLst meth="repeat">
-      <a:schemeClr val="dk1"/>
-    </dgm:txFillClrLst>
-    <dgm:txEffectClrLst/>
-  </dgm:styleLbl>
-  <dgm:styleLbl name="alignAccFollowNode1">
-    <dgm:fillClrLst meth="repeat">
-      <a:schemeClr val="accent1">
-        <a:alpha val="90000"/>
-        <a:tint val="40000"/>
-      </a:schemeClr>
-    </dgm:fillClrLst>
-    <dgm:linClrLst meth="repeat">
-      <a:schemeClr val="accent1">
-        <a:alpha val="90000"/>
-        <a:tint val="40000"/>
-      </a:schemeClr>
-    </dgm:linClrLst>
-    <dgm:effectClrLst/>
-    <dgm:txLinClrLst/>
-    <dgm:txFillClrLst meth="repeat">
-      <a:schemeClr val="dk1"/>
-    </dgm:txFillClrLst>
-    <dgm:txEffectClrLst/>
-  </dgm:styleLbl>
-  <dgm:styleLbl name="bgAccFollowNode1">
-    <dgm:fillClrLst meth="repeat">
-      <a:schemeClr val="accent1">
-        <a:alpha val="90000"/>
-        <a:tint val="40000"/>
-      </a:schemeClr>
-    </dgm:fillClrLst>
-    <dgm:linClrLst meth="repeat">
-      <a:schemeClr val="accent1">
-        <a:alpha val="90000"/>
-        <a:tint val="40000"/>
-      </a:schemeClr>
-    </dgm:linClrLst>
-    <dgm:effectClrLst/>
-    <dgm:txLinClrLst/>
-    <dgm:txFillClrLst meth="repeat">
-      <a:schemeClr val="dk1"/>
-    </dgm:txFillClrLst>
-    <dgm:txEffectClrLst/>
-  </dgm:styleLbl>
-  <dgm:styleLbl name="fgAcc0">
-    <dgm:fillClrLst meth="repeat">
-      <a:schemeClr val="lt1">
-        <a:alpha val="90000"/>
-      </a:schemeClr>
-    </dgm:fillClrLst>
-    <dgm:linClrLst meth="repeat">
-      <a:schemeClr val="accent1"/>
-    </dgm:linClrLst>
-    <dgm:effectClrLst/>
-    <dgm:txLinClrLst/>
-    <dgm:txFillClrLst meth="repeat">
-      <a:schemeClr val="dk1"/>
-    </dgm:txFillClrLst>
-    <dgm:txEffectClrLst/>
-  </dgm:styleLbl>
-  <dgm:styleLbl name="fgAcc2">
-    <dgm:fillClrLst meth="repeat">
-      <a:schemeClr val="lt1">
-        <a:alpha val="90000"/>
-      </a:schemeClr>
-    </dgm:fillClrLst>
-    <dgm:linClrLst meth="repeat">
-      <a:schemeClr val="accent1"/>
-    </dgm:linClrLst>
-    <dgm:effectClrLst/>
-    <dgm:txLinClrLst/>
-    <dgm:txFillClrLst meth="repeat">
-      <a:schemeClr val="dk1"/>
-    </dgm:txFillClrLst>
-    <dgm:txEffectClrLst/>
-  </dgm:styleLbl>
-  <dgm:styleLbl name="fgAcc3">
-    <dgm:fillClrLst meth="repeat">
-      <a:schemeClr val="lt1">
-        <a:alpha val="90000"/>
-      </a:schemeClr>
-    </dgm:fillClrLst>
-    <dgm:linClrLst meth="repeat">
-      <a:schemeClr val="accent1"/>
-    </dgm:linClrLst>
-    <dgm:effectClrLst/>
-    <dgm:txLinClrLst/>
-    <dgm:txFillClrLst meth="repeat">
-      <a:schemeClr val="dk1"/>
-    </dgm:txFillClrLst>
-    <dgm:txEffectClrLst/>
-  </dgm:styleLbl>
-  <dgm:styleLbl name="fgAcc4">
-    <dgm:fillClrLst meth="repeat">
-      <a:schemeClr val="lt1">
-        <a:alpha val="90000"/>
-      </a:schemeClr>
-    </dgm:fillClrLst>
-    <dgm:linClrLst meth="repeat">
-      <a:schemeClr val="accent1"/>
-    </dgm:linClrLst>
-    <dgm:effectClrLst/>
-    <dgm:txLinClrLst/>
-    <dgm:txFillClrLst meth="repeat">
-      <a:schemeClr val="dk1"/>
-    </dgm:txFillClrLst>
-    <dgm:txEffectClrLst/>
-  </dgm:styleLbl>
-  <dgm:styleLbl name="bgShp">
-    <dgm:fillClrLst meth="repeat">
-      <a:schemeClr val="accent1">
-        <a:tint val="40000"/>
-      </a:schemeClr>
-    </dgm:fillClrLst>
-    <dgm:linClrLst meth="repeat">
-      <a:schemeClr val="accent1"/>
-    </dgm:linClrLst>
-    <dgm:effectClrLst/>
-    <dgm:txLinClrLst/>
-    <dgm:txFillClrLst meth="repeat">
-      <a:schemeClr val="dk1"/>
-    </dgm:txFillClrLst>
-    <dgm:txEffectClrLst/>
-  </dgm:styleLbl>
-  <dgm:styleLbl name="dkBgShp">
-    <dgm:fillClrLst meth="repeat">
-      <a:schemeClr val="accent1">
-        <a:shade val="80000"/>
-      </a:schemeClr>
-    </dgm:fillClrLst>
-    <dgm:linClrLst meth="repeat">
-      <a:schemeClr val="accent1"/>
-    </dgm:linClrLst>
-    <dgm:effectClrLst/>
-    <dgm:txLinClrLst/>
-    <dgm:txFillClrLst meth="repeat">
-      <a:schemeClr val="lt1"/>
-    </dgm:txFillClrLst>
-    <dgm:txEffectClrLst/>
-  </dgm:styleLbl>
-  <dgm:styleLbl name="trBgShp">
-    <dgm:fillClrLst meth="repeat">
-      <a:schemeClr val="accent1">
-        <a:tint val="50000"/>
-        <a:alpha val="40000"/>
-      </a:schemeClr>
-    </dgm:fillClrLst>
-    <dgm:linClrLst meth="repeat">
-      <a:schemeClr val="accent1"/>
-    </dgm:linClrLst>
-    <dgm:effectClrLst/>
-    <dgm:txLinClrLst/>
-    <dgm:txFillClrLst meth="repeat">
-      <a:schemeClr val="lt1"/>
-    </dgm:txFillClrLst>
-    <dgm:txEffectClrLst/>
-  </dgm:styleLbl>
-  <dgm:styleLbl name="fgShp">
-    <dgm:fillClrLst meth="repeat">
-      <a:schemeClr val="accent1">
-        <a:tint val="60000"/>
       </a:schemeClr>
     </dgm:fillClrLst>
     <dgm:linClrLst meth="repeat">
@@ -9292,7 +9330,16 @@
     </dgm:pt>
     <dgm:pt modelId="{54E24B65-6465-4F75-8BEE-919FF1098C83}">
       <dgm:prSet phldrT="[Text]"/>
-      <dgm:spPr/>
+      <dgm:spPr>
+        <a:solidFill>
+          <a:schemeClr val="bg1"/>
+        </a:solidFill>
+        <a:ln w="38100">
+          <a:solidFill>
+            <a:srgbClr val="7030A0"/>
+          </a:solidFill>
+        </a:ln>
+      </dgm:spPr>
       <dgm:t>
         <a:bodyPr/>
         <a:lstStyle/>
@@ -9300,14 +9347,14 @@
           <a:r>
             <a:rPr lang="it-IT" dirty="0" err="1" smtClean="0">
               <a:solidFill>
-                <a:schemeClr val="bg1"/>
+                <a:schemeClr val="tx1"/>
               </a:solidFill>
             </a:rPr>
             <a:t>Refactor</a:t>
           </a:r>
           <a:endParaRPr lang="it-IT" dirty="0">
             <a:solidFill>
-              <a:schemeClr val="bg1"/>
+              <a:schemeClr val="tx1"/>
             </a:solidFill>
           </a:endParaRPr>
         </a:p>
@@ -9337,7 +9384,19 @@
     </dgm:pt>
     <dgm:pt modelId="{8CE81F24-1D63-4AB2-B5A9-45CCB3115C6F}">
       <dgm:prSet phldrT="[Text]"/>
-      <dgm:spPr/>
+      <dgm:spPr>
+        <a:solidFill>
+          <a:schemeClr val="bg1"/>
+        </a:solidFill>
+        <a:ln w="38100">
+          <a:solidFill>
+            <a:schemeClr val="tx1">
+              <a:lumMod val="50000"/>
+              <a:lumOff val="50000"/>
+            </a:schemeClr>
+          </a:solidFill>
+        </a:ln>
+      </dgm:spPr>
       <dgm:t>
         <a:bodyPr/>
         <a:lstStyle/>
@@ -9376,16 +9435,33 @@
     </dgm:pt>
     <dgm:pt modelId="{64F319F4-81A6-4A0D-A9D3-FEE88FAE7D84}">
       <dgm:prSet phldrT="[Text]"/>
-      <dgm:spPr/>
+      <dgm:spPr>
+        <a:solidFill>
+          <a:schemeClr val="bg1"/>
+        </a:solidFill>
+        <a:ln w="38100">
+          <a:solidFill>
+            <a:srgbClr val="FF0000"/>
+          </a:solidFill>
+        </a:ln>
+      </dgm:spPr>
       <dgm:t>
         <a:bodyPr/>
         <a:lstStyle/>
         <a:p>
           <a:r>
-            <a:rPr lang="it-IT" dirty="0" smtClean="0"/>
+            <a:rPr lang="it-IT" dirty="0" smtClean="0">
+              <a:solidFill>
+                <a:schemeClr val="tx1"/>
+              </a:solidFill>
+            </a:rPr>
             <a:t>Definizione dei test</a:t>
           </a:r>
-          <a:endParaRPr lang="it-IT" dirty="0"/>
+          <a:endParaRPr lang="it-IT" dirty="0">
+            <a:solidFill>
+              <a:schemeClr val="tx1"/>
+            </a:solidFill>
+          </a:endParaRPr>
         </a:p>
       </dgm:t>
     </dgm:pt>
@@ -9413,28 +9489,57 @@
     </dgm:pt>
     <dgm:pt modelId="{88EB1FBE-BB86-43F1-8BE1-23D3316AE3D5}">
       <dgm:prSet phldrT="[Text]"/>
-      <dgm:spPr/>
+      <dgm:spPr>
+        <a:solidFill>
+          <a:schemeClr val="bg1"/>
+        </a:solidFill>
+        <a:ln w="38100">
+          <a:solidFill>
+            <a:srgbClr val="00B050"/>
+          </a:solidFill>
+        </a:ln>
+      </dgm:spPr>
       <dgm:t>
         <a:bodyPr/>
         <a:lstStyle/>
         <a:p>
           <a:r>
-            <a:rPr lang="it-IT" dirty="0" err="1" smtClean="0"/>
+            <a:rPr lang="it-IT" dirty="0" err="1" smtClean="0">
+              <a:solidFill>
+                <a:schemeClr val="tx1"/>
+              </a:solidFill>
+            </a:rPr>
             <a:t>Make</a:t>
           </a:r>
           <a:r>
-            <a:rPr lang="it-IT" dirty="0" smtClean="0"/>
+            <a:rPr lang="it-IT" dirty="0" smtClean="0">
+              <a:solidFill>
+                <a:schemeClr val="tx1"/>
+              </a:solidFill>
+            </a:rPr>
             <a:t> </a:t>
           </a:r>
           <a:r>
-            <a:rPr lang="it-IT" dirty="0" err="1" smtClean="0"/>
+            <a:rPr lang="it-IT" dirty="0" err="1" smtClean="0">
+              <a:solidFill>
+                <a:schemeClr val="tx1"/>
+              </a:solidFill>
+            </a:rPr>
             <a:t>it</a:t>
           </a:r>
           <a:r>
-            <a:rPr lang="it-IT" dirty="0" smtClean="0"/>
+            <a:rPr lang="it-IT" dirty="0" smtClean="0">
+              <a:solidFill>
+                <a:schemeClr val="tx1"/>
+              </a:solidFill>
+            </a:rPr>
             <a:t> green</a:t>
           </a:r>
-          <a:endParaRPr lang="it-IT" dirty="0"/>
+          <a:endParaRPr lang="it-IT" dirty="0">
+            <a:solidFill>
+              <a:schemeClr val="tx1"/>
+            </a:solidFill>
+          </a:endParaRPr>
         </a:p>
       </dgm:t>
     </dgm:pt>
@@ -9574,7 +9679,7 @@
   <dgm:whole/>
   <dgm:extLst>
     <a:ext uri="http://schemas.microsoft.com/office/drawing/2008/diagram">
-      <dsp:dataModelExt xmlns:dsp="http://schemas.microsoft.com/office/drawing/2008/diagram" relId="rId8" minVer="http://schemas.openxmlformats.org/drawingml/2006/diagram"/>
+      <dsp:dataModelExt xmlns:dsp="http://schemas.microsoft.com/office/drawing/2008/diagram" relId="rId6" minVer="http://schemas.openxmlformats.org/drawingml/2006/diagram"/>
     </a:ext>
   </dgm:extLst>
 </dgm:dataModel>
@@ -10401,424 +10506,18 @@
         </a:p>
       </dgm:t>
     </dgm:pt>
-    <dgm:pt modelId="{24E4BE44-2D45-4731-8D8B-63D05DB69178}">
-      <dgm:prSet phldrT="[Text]"/>
-      <dgm:spPr/>
-      <dgm:t>
-        <a:bodyPr/>
-        <a:lstStyle/>
-        <a:p>
-          <a:r>
-            <a:rPr lang="it-IT" dirty="0" smtClean="0"/>
-            <a:t>Ruby on </a:t>
-          </a:r>
-          <a:r>
-            <a:rPr lang="it-IT" dirty="0" err="1" smtClean="0"/>
-            <a:t>Rails</a:t>
-          </a:r>
-          <a:endParaRPr lang="it-IT" dirty="0"/>
-        </a:p>
-      </dgm:t>
-    </dgm:pt>
-    <dgm:pt modelId="{AE7BE79A-7CF5-45E6-B934-E4AC77DEED8C}" type="parTrans" cxnId="{65676341-7E9C-4283-B84B-B54D713F54BB}">
-      <dgm:prSet/>
-      <dgm:spPr/>
-      <dgm:t>
-        <a:bodyPr/>
-        <a:lstStyle/>
-        <a:p>
-          <a:endParaRPr lang="it-IT"/>
-        </a:p>
-      </dgm:t>
-    </dgm:pt>
-    <dgm:pt modelId="{7DBAB43D-69EE-42E8-9D1D-9B07169BB653}" type="sibTrans" cxnId="{65676341-7E9C-4283-B84B-B54D713F54BB}">
-      <dgm:prSet/>
-      <dgm:spPr/>
-      <dgm:t>
-        <a:bodyPr/>
-        <a:lstStyle/>
-        <a:p>
-          <a:endParaRPr lang="it-IT"/>
-        </a:p>
-      </dgm:t>
-    </dgm:pt>
-    <dgm:pt modelId="{FFAEC13D-EDA4-4CF9-AF6D-1C7ED4118453}">
-      <dgm:prSet phldrT="[Text]"/>
-      <dgm:spPr/>
-      <dgm:t>
-        <a:bodyPr/>
-        <a:lstStyle/>
-        <a:p>
-          <a:r>
-            <a:rPr lang="it-IT" dirty="0" err="1" smtClean="0"/>
-            <a:t>Rspec</a:t>
-          </a:r>
-          <a:r>
-            <a:rPr lang="it-IT" dirty="0" smtClean="0"/>
-            <a:t> </a:t>
-          </a:r>
-          <a:r>
-            <a:rPr lang="it-IT" dirty="0" err="1" smtClean="0"/>
-            <a:t>Expectations</a:t>
-          </a:r>
-          <a:endParaRPr lang="it-IT" dirty="0"/>
-        </a:p>
-      </dgm:t>
-    </dgm:pt>
-    <dgm:pt modelId="{5DB2870D-748C-4FD4-B620-D630C69144D6}" type="parTrans" cxnId="{35B2F350-AD1F-4A1D-9E44-0A553523D000}">
-      <dgm:prSet/>
-      <dgm:spPr/>
-      <dgm:t>
-        <a:bodyPr/>
-        <a:lstStyle/>
-        <a:p>
-          <a:endParaRPr lang="it-IT"/>
-        </a:p>
-      </dgm:t>
-    </dgm:pt>
-    <dgm:pt modelId="{0388CB98-6F82-4B70-B527-9A051CC9BAC7}" type="sibTrans" cxnId="{35B2F350-AD1F-4A1D-9E44-0A553523D000}">
-      <dgm:prSet/>
-      <dgm:spPr/>
-      <dgm:t>
-        <a:bodyPr/>
-        <a:lstStyle/>
-        <a:p>
-          <a:endParaRPr lang="it-IT"/>
-        </a:p>
-      </dgm:t>
-    </dgm:pt>
-    <dgm:pt modelId="{8370A280-D612-479C-93C0-00FFE8E63675}">
-      <dgm:prSet phldrT="[Text]" custT="1"/>
-      <dgm:spPr/>
-      <dgm:t>
-        <a:bodyPr/>
-        <a:lstStyle/>
-        <a:p>
-          <a:r>
-            <a:rPr lang="it-IT" sz="2800" dirty="0" err="1" smtClean="0"/>
-            <a:t>Coypu</a:t>
-          </a:r>
-          <a:endParaRPr lang="it-IT" sz="2800" dirty="0"/>
-        </a:p>
-      </dgm:t>
-    </dgm:pt>
-    <dgm:pt modelId="{98782E46-D816-48BC-A1C3-E5534B00DB16}" type="parTrans" cxnId="{58A98C04-1FD8-4AF3-9E7A-FD46ECF0DE20}">
-      <dgm:prSet/>
-      <dgm:spPr/>
-      <dgm:t>
-        <a:bodyPr/>
-        <a:lstStyle/>
-        <a:p>
-          <a:endParaRPr lang="it-IT"/>
-        </a:p>
-      </dgm:t>
-    </dgm:pt>
-    <dgm:pt modelId="{BD93FD1C-244F-4C6E-A856-C68DB9A05E32}" type="sibTrans" cxnId="{58A98C04-1FD8-4AF3-9E7A-FD46ECF0DE20}">
-      <dgm:prSet/>
-      <dgm:spPr/>
-      <dgm:t>
-        <a:bodyPr/>
-        <a:lstStyle/>
-        <a:p>
-          <a:endParaRPr lang="it-IT"/>
-        </a:p>
-      </dgm:t>
-    </dgm:pt>
-    <dgm:pt modelId="{F839EF10-196D-4901-AF5F-1AA24E3AA716}">
-      <dgm:prSet phldrT="[Text]"/>
-      <dgm:spPr/>
-      <dgm:t>
-        <a:bodyPr/>
-        <a:lstStyle/>
-        <a:p>
-          <a:r>
-            <a:rPr lang="it-IT" dirty="0" err="1" smtClean="0"/>
-            <a:t>Cucumber</a:t>
-          </a:r>
-          <a:endParaRPr lang="it-IT" dirty="0"/>
-        </a:p>
-      </dgm:t>
-    </dgm:pt>
-    <dgm:pt modelId="{57C60786-E147-4F30-B316-E5E7A9609322}" type="parTrans" cxnId="{57020C72-968E-4954-B3D9-4F270CDEDFDB}">
-      <dgm:prSet/>
-      <dgm:spPr/>
-      <dgm:t>
-        <a:bodyPr/>
-        <a:lstStyle/>
-        <a:p>
-          <a:endParaRPr lang="it-IT"/>
-        </a:p>
-      </dgm:t>
-    </dgm:pt>
-    <dgm:pt modelId="{864F1236-3782-47B5-9D1E-A0AE819735FE}" type="sibTrans" cxnId="{57020C72-968E-4954-B3D9-4F270CDEDFDB}">
-      <dgm:prSet/>
-      <dgm:spPr/>
-      <dgm:t>
-        <a:bodyPr/>
-        <a:lstStyle/>
-        <a:p>
-          <a:endParaRPr lang="it-IT"/>
-        </a:p>
-      </dgm:t>
-    </dgm:pt>
-    <dgm:pt modelId="{64A7B550-D128-4743-8A61-025F442C4488}" type="pres">
-      <dgm:prSet presAssocID="{1F242792-F517-4142-BF8D-A1AAE568CF8A}" presName="linearFlow" presStyleCnt="0">
-        <dgm:presLayoutVars>
-          <dgm:dir/>
-          <dgm:resizeHandles val="exact"/>
-        </dgm:presLayoutVars>
-      </dgm:prSet>
-      <dgm:spPr/>
-      <dgm:t>
-        <a:bodyPr/>
-        <a:lstStyle/>
-        <a:p>
-          <a:endParaRPr lang="it-IT"/>
-        </a:p>
-      </dgm:t>
-    </dgm:pt>
-    <dgm:pt modelId="{C9B9A6BC-156A-45A5-9B3B-D86B77DEA697}" type="pres">
-      <dgm:prSet presAssocID="{24E4BE44-2D45-4731-8D8B-63D05DB69178}" presName="composite" presStyleCnt="0"/>
-      <dgm:spPr/>
-    </dgm:pt>
-    <dgm:pt modelId="{9A0561D6-26DB-4516-AE13-0530C221F62E}" type="pres">
-      <dgm:prSet presAssocID="{24E4BE44-2D45-4731-8D8B-63D05DB69178}" presName="imgShp" presStyleLbl="fgImgPlace1" presStyleIdx="0" presStyleCnt="4"/>
-      <dgm:spPr>
-        <a:blipFill dpi="0" rotWithShape="1">
-          <a:blip xmlns:r="http://schemas.openxmlformats.org/officeDocument/2006/relationships" r:embed="rId1" cstate="print">
-            <a:extLst>
-              <a:ext uri="{28A0092B-C50C-407E-A947-70E740481C1C}">
-                <a14:useLocalDpi xmlns:a14="http://schemas.microsoft.com/office/drawing/2010/main" val="0"/>
-              </a:ext>
-            </a:extLst>
-          </a:blip>
-          <a:srcRect/>
-          <a:stretch>
-            <a:fillRect l="4138" r="4138"/>
-          </a:stretch>
-        </a:blipFill>
-      </dgm:spPr>
-      <dgm:t>
-        <a:bodyPr/>
-        <a:lstStyle/>
-        <a:p>
-          <a:endParaRPr lang="it-IT"/>
-        </a:p>
-      </dgm:t>
-    </dgm:pt>
-    <dgm:pt modelId="{19EA5E51-BF0D-47B1-822E-1407A20F1F5A}" type="pres">
-      <dgm:prSet presAssocID="{24E4BE44-2D45-4731-8D8B-63D05DB69178}" presName="txShp" presStyleLbl="node1" presStyleIdx="0" presStyleCnt="4">
-        <dgm:presLayoutVars>
-          <dgm:bulletEnabled val="1"/>
-        </dgm:presLayoutVars>
-      </dgm:prSet>
-      <dgm:spPr/>
-      <dgm:t>
-        <a:bodyPr/>
-        <a:lstStyle/>
-        <a:p>
-          <a:endParaRPr lang="it-IT"/>
-        </a:p>
-      </dgm:t>
-    </dgm:pt>
-    <dgm:pt modelId="{08737D1B-7713-4FE6-A601-B10A322094B1}" type="pres">
-      <dgm:prSet presAssocID="{7DBAB43D-69EE-42E8-9D1D-9B07169BB653}" presName="spacing" presStyleCnt="0"/>
-      <dgm:spPr/>
-    </dgm:pt>
-    <dgm:pt modelId="{D4804EEF-1016-4363-A559-64BE2947A48B}" type="pres">
-      <dgm:prSet presAssocID="{F839EF10-196D-4901-AF5F-1AA24E3AA716}" presName="composite" presStyleCnt="0"/>
-      <dgm:spPr/>
-    </dgm:pt>
-    <dgm:pt modelId="{4CC30A81-C331-4870-B7A9-84C3D76131FD}" type="pres">
-      <dgm:prSet presAssocID="{F839EF10-196D-4901-AF5F-1AA24E3AA716}" presName="imgShp" presStyleLbl="fgImgPlace1" presStyleIdx="1" presStyleCnt="4"/>
-      <dgm:spPr>
-        <a:blipFill>
-          <a:blip xmlns:r="http://schemas.openxmlformats.org/officeDocument/2006/relationships" r:embed="rId2">
-            <a:extLst>
-              <a:ext uri="{28A0092B-C50C-407E-A947-70E740481C1C}">
-                <a14:useLocalDpi xmlns:a14="http://schemas.microsoft.com/office/drawing/2010/main" val="0"/>
-              </a:ext>
-            </a:extLst>
-          </a:blip>
-          <a:srcRect/>
-          <a:stretch>
-            <a:fillRect/>
-          </a:stretch>
-        </a:blipFill>
-      </dgm:spPr>
-      <dgm:t>
-        <a:bodyPr/>
-        <a:lstStyle/>
-        <a:p>
-          <a:endParaRPr lang="it-IT"/>
-        </a:p>
-      </dgm:t>
-    </dgm:pt>
-    <dgm:pt modelId="{37FE9994-A505-4AC7-9957-1B3D2FB3C898}" type="pres">
-      <dgm:prSet presAssocID="{F839EF10-196D-4901-AF5F-1AA24E3AA716}" presName="txShp" presStyleLbl="node1" presStyleIdx="1" presStyleCnt="4">
-        <dgm:presLayoutVars>
-          <dgm:bulletEnabled val="1"/>
-        </dgm:presLayoutVars>
-      </dgm:prSet>
-      <dgm:spPr/>
-      <dgm:t>
-        <a:bodyPr/>
-        <a:lstStyle/>
-        <a:p>
-          <a:endParaRPr lang="it-IT"/>
-        </a:p>
-      </dgm:t>
-    </dgm:pt>
-    <dgm:pt modelId="{C62540CB-E01A-4D98-962E-5B9273A200DE}" type="pres">
-      <dgm:prSet presAssocID="{864F1236-3782-47B5-9D1E-A0AE819735FE}" presName="spacing" presStyleCnt="0"/>
-      <dgm:spPr/>
-    </dgm:pt>
-    <dgm:pt modelId="{3D9AE92A-03B9-4CEA-9DD9-F5DD610D1161}" type="pres">
-      <dgm:prSet presAssocID="{FFAEC13D-EDA4-4CF9-AF6D-1C7ED4118453}" presName="composite" presStyleCnt="0"/>
-      <dgm:spPr/>
-    </dgm:pt>
-    <dgm:pt modelId="{646A4835-9FA7-445C-9AA4-1DF0781DCB04}" type="pres">
-      <dgm:prSet presAssocID="{FFAEC13D-EDA4-4CF9-AF6D-1C7ED4118453}" presName="imgShp" presStyleLbl="fgImgPlace1" presStyleIdx="2" presStyleCnt="4"/>
-      <dgm:spPr>
-        <a:blipFill dpi="0" rotWithShape="1">
-          <a:blip xmlns:r="http://schemas.openxmlformats.org/officeDocument/2006/relationships" r:embed="rId3" cstate="print">
-            <a:extLst>
-              <a:ext uri="{28A0092B-C50C-407E-A947-70E740481C1C}">
-                <a14:useLocalDpi xmlns:a14="http://schemas.microsoft.com/office/drawing/2010/main" val="0"/>
-              </a:ext>
-            </a:extLst>
-          </a:blip>
-          <a:srcRect/>
-          <a:stretch>
-            <a:fillRect t="6338" b="6338"/>
-          </a:stretch>
-        </a:blipFill>
-      </dgm:spPr>
-      <dgm:t>
-        <a:bodyPr/>
-        <a:lstStyle/>
-        <a:p>
-          <a:endParaRPr lang="it-IT"/>
-        </a:p>
-      </dgm:t>
-    </dgm:pt>
-    <dgm:pt modelId="{8AA32794-7267-4FCD-A384-82865F287543}" type="pres">
-      <dgm:prSet presAssocID="{FFAEC13D-EDA4-4CF9-AF6D-1C7ED4118453}" presName="txShp" presStyleLbl="node1" presStyleIdx="2" presStyleCnt="4">
-        <dgm:presLayoutVars>
-          <dgm:bulletEnabled val="1"/>
-        </dgm:presLayoutVars>
-      </dgm:prSet>
-      <dgm:spPr/>
-      <dgm:t>
-        <a:bodyPr/>
-        <a:lstStyle/>
-        <a:p>
-          <a:endParaRPr lang="it-IT"/>
-        </a:p>
-      </dgm:t>
-    </dgm:pt>
-    <dgm:pt modelId="{FB1DF166-6C32-42BB-8C8E-648D96B218AE}" type="pres">
-      <dgm:prSet presAssocID="{0388CB98-6F82-4B70-B527-9A051CC9BAC7}" presName="spacing" presStyleCnt="0"/>
-      <dgm:spPr/>
-    </dgm:pt>
-    <dgm:pt modelId="{B14B1CFA-9540-4BE3-B785-D331FA2B0E03}" type="pres">
-      <dgm:prSet presAssocID="{8370A280-D612-479C-93C0-00FFE8E63675}" presName="composite" presStyleCnt="0"/>
-      <dgm:spPr/>
-    </dgm:pt>
-    <dgm:pt modelId="{2828B773-91B3-41E7-983D-83BEB2AF42FF}" type="pres">
-      <dgm:prSet presAssocID="{8370A280-D612-479C-93C0-00FFE8E63675}" presName="imgShp" presStyleLbl="fgImgPlace1" presStyleIdx="3" presStyleCnt="4"/>
-      <dgm:spPr>
-        <a:blipFill>
-          <a:blip xmlns:r="http://schemas.openxmlformats.org/officeDocument/2006/relationships" r:embed="rId4" cstate="print">
-            <a:extLst>
-              <a:ext uri="{28A0092B-C50C-407E-A947-70E740481C1C}">
-                <a14:useLocalDpi xmlns:a14="http://schemas.microsoft.com/office/drawing/2010/main" val="0"/>
-              </a:ext>
-            </a:extLst>
-          </a:blip>
-          <a:srcRect/>
-          <a:stretch>
-            <a:fillRect/>
-          </a:stretch>
-        </a:blipFill>
-      </dgm:spPr>
-      <dgm:t>
-        <a:bodyPr/>
-        <a:lstStyle/>
-        <a:p>
-          <a:endParaRPr lang="it-IT"/>
-        </a:p>
-      </dgm:t>
-    </dgm:pt>
-    <dgm:pt modelId="{BB92422D-4057-447C-8BF2-9E9E85E4DC56}" type="pres">
-      <dgm:prSet presAssocID="{8370A280-D612-479C-93C0-00FFE8E63675}" presName="txShp" presStyleLbl="node1" presStyleIdx="3" presStyleCnt="4">
-        <dgm:presLayoutVars>
-          <dgm:bulletEnabled val="1"/>
-        </dgm:presLayoutVars>
-      </dgm:prSet>
-      <dgm:spPr/>
-      <dgm:t>
-        <a:bodyPr/>
-        <a:lstStyle/>
-        <a:p>
-          <a:endParaRPr lang="it-IT"/>
-        </a:p>
-      </dgm:t>
-    </dgm:pt>
-  </dgm:ptLst>
-  <dgm:cxnLst>
-    <dgm:cxn modelId="{57020C72-968E-4954-B3D9-4F270CDEDFDB}" srcId="{1F242792-F517-4142-BF8D-A1AAE568CF8A}" destId="{F839EF10-196D-4901-AF5F-1AA24E3AA716}" srcOrd="1" destOrd="0" parTransId="{57C60786-E147-4F30-B316-E5E7A9609322}" sibTransId="{864F1236-3782-47B5-9D1E-A0AE819735FE}"/>
-    <dgm:cxn modelId="{A95A476F-5AFC-47A3-A074-FA8140B88466}" type="presOf" srcId="{24E4BE44-2D45-4731-8D8B-63D05DB69178}" destId="{19EA5E51-BF0D-47B1-822E-1407A20F1F5A}" srcOrd="0" destOrd="0" presId="urn:microsoft.com/office/officeart/2005/8/layout/vList3"/>
-    <dgm:cxn modelId="{35B2F350-AD1F-4A1D-9E44-0A553523D000}" srcId="{1F242792-F517-4142-BF8D-A1AAE568CF8A}" destId="{FFAEC13D-EDA4-4CF9-AF6D-1C7ED4118453}" srcOrd="2" destOrd="0" parTransId="{5DB2870D-748C-4FD4-B620-D630C69144D6}" sibTransId="{0388CB98-6F82-4B70-B527-9A051CC9BAC7}"/>
-    <dgm:cxn modelId="{8CCF89ED-0FE5-42F1-93E3-3EF1F831F27F}" type="presOf" srcId="{8370A280-D612-479C-93C0-00FFE8E63675}" destId="{BB92422D-4057-447C-8BF2-9E9E85E4DC56}" srcOrd="0" destOrd="0" presId="urn:microsoft.com/office/officeart/2005/8/layout/vList3"/>
-    <dgm:cxn modelId="{B0CCD660-4B22-4101-A8CC-85EDF2860AC2}" type="presOf" srcId="{FFAEC13D-EDA4-4CF9-AF6D-1C7ED4118453}" destId="{8AA32794-7267-4FCD-A384-82865F287543}" srcOrd="0" destOrd="0" presId="urn:microsoft.com/office/officeart/2005/8/layout/vList3"/>
-    <dgm:cxn modelId="{7AF3CADD-0E81-46DA-8495-B605BB22B5EA}" type="presOf" srcId="{1F242792-F517-4142-BF8D-A1AAE568CF8A}" destId="{64A7B550-D128-4743-8A61-025F442C4488}" srcOrd="0" destOrd="0" presId="urn:microsoft.com/office/officeart/2005/8/layout/vList3"/>
-    <dgm:cxn modelId="{B7DC0E26-0B68-4C81-A028-6B43F1E72294}" type="presOf" srcId="{F839EF10-196D-4901-AF5F-1AA24E3AA716}" destId="{37FE9994-A505-4AC7-9957-1B3D2FB3C898}" srcOrd="0" destOrd="0" presId="urn:microsoft.com/office/officeart/2005/8/layout/vList3"/>
-    <dgm:cxn modelId="{65676341-7E9C-4283-B84B-B54D713F54BB}" srcId="{1F242792-F517-4142-BF8D-A1AAE568CF8A}" destId="{24E4BE44-2D45-4731-8D8B-63D05DB69178}" srcOrd="0" destOrd="0" parTransId="{AE7BE79A-7CF5-45E6-B934-E4AC77DEED8C}" sibTransId="{7DBAB43D-69EE-42E8-9D1D-9B07169BB653}"/>
-    <dgm:cxn modelId="{58A98C04-1FD8-4AF3-9E7A-FD46ECF0DE20}" srcId="{1F242792-F517-4142-BF8D-A1AAE568CF8A}" destId="{8370A280-D612-479C-93C0-00FFE8E63675}" srcOrd="3" destOrd="0" parTransId="{98782E46-D816-48BC-A1C3-E5534B00DB16}" sibTransId="{BD93FD1C-244F-4C6E-A856-C68DB9A05E32}"/>
-    <dgm:cxn modelId="{92AE361A-5F64-497D-9ECE-33E0309960B9}" type="presParOf" srcId="{64A7B550-D128-4743-8A61-025F442C4488}" destId="{C9B9A6BC-156A-45A5-9B3B-D86B77DEA697}" srcOrd="0" destOrd="0" presId="urn:microsoft.com/office/officeart/2005/8/layout/vList3"/>
-    <dgm:cxn modelId="{4C70D53D-318D-4DDE-9774-2FC9B2B6EAA4}" type="presParOf" srcId="{C9B9A6BC-156A-45A5-9B3B-D86B77DEA697}" destId="{9A0561D6-26DB-4516-AE13-0530C221F62E}" srcOrd="0" destOrd="0" presId="urn:microsoft.com/office/officeart/2005/8/layout/vList3"/>
-    <dgm:cxn modelId="{2737B5A4-4679-4B13-ADA9-88816C7667DD}" type="presParOf" srcId="{C9B9A6BC-156A-45A5-9B3B-D86B77DEA697}" destId="{19EA5E51-BF0D-47B1-822E-1407A20F1F5A}" srcOrd="1" destOrd="0" presId="urn:microsoft.com/office/officeart/2005/8/layout/vList3"/>
-    <dgm:cxn modelId="{7356A6A4-5845-4623-BA2C-EC06DD0B390D}" type="presParOf" srcId="{64A7B550-D128-4743-8A61-025F442C4488}" destId="{08737D1B-7713-4FE6-A601-B10A322094B1}" srcOrd="1" destOrd="0" presId="urn:microsoft.com/office/officeart/2005/8/layout/vList3"/>
-    <dgm:cxn modelId="{5A4A76F5-E4D1-4D8E-A58F-DD5002185651}" type="presParOf" srcId="{64A7B550-D128-4743-8A61-025F442C4488}" destId="{D4804EEF-1016-4363-A559-64BE2947A48B}" srcOrd="2" destOrd="0" presId="urn:microsoft.com/office/officeart/2005/8/layout/vList3"/>
-    <dgm:cxn modelId="{578CEF1A-29ED-45F6-8A45-FE5865A5C933}" type="presParOf" srcId="{D4804EEF-1016-4363-A559-64BE2947A48B}" destId="{4CC30A81-C331-4870-B7A9-84C3D76131FD}" srcOrd="0" destOrd="0" presId="urn:microsoft.com/office/officeart/2005/8/layout/vList3"/>
-    <dgm:cxn modelId="{6BF5255D-42DF-4412-AE56-653EE191E15E}" type="presParOf" srcId="{D4804EEF-1016-4363-A559-64BE2947A48B}" destId="{37FE9994-A505-4AC7-9957-1B3D2FB3C898}" srcOrd="1" destOrd="0" presId="urn:microsoft.com/office/officeart/2005/8/layout/vList3"/>
-    <dgm:cxn modelId="{40BF0817-B06B-42FB-9407-41F2251E9A5A}" type="presParOf" srcId="{64A7B550-D128-4743-8A61-025F442C4488}" destId="{C62540CB-E01A-4D98-962E-5B9273A200DE}" srcOrd="3" destOrd="0" presId="urn:microsoft.com/office/officeart/2005/8/layout/vList3"/>
-    <dgm:cxn modelId="{07AE1AF7-EBE5-4F46-9BF3-A257DF28906B}" type="presParOf" srcId="{64A7B550-D128-4743-8A61-025F442C4488}" destId="{3D9AE92A-03B9-4CEA-9DD9-F5DD610D1161}" srcOrd="4" destOrd="0" presId="urn:microsoft.com/office/officeart/2005/8/layout/vList3"/>
-    <dgm:cxn modelId="{27FA4A04-6630-4E8A-A341-829A8303BF65}" type="presParOf" srcId="{3D9AE92A-03B9-4CEA-9DD9-F5DD610D1161}" destId="{646A4835-9FA7-445C-9AA4-1DF0781DCB04}" srcOrd="0" destOrd="0" presId="urn:microsoft.com/office/officeart/2005/8/layout/vList3"/>
-    <dgm:cxn modelId="{06424C61-9546-4382-9CD8-BDD616C1E890}" type="presParOf" srcId="{3D9AE92A-03B9-4CEA-9DD9-F5DD610D1161}" destId="{8AA32794-7267-4FCD-A384-82865F287543}" srcOrd="1" destOrd="0" presId="urn:microsoft.com/office/officeart/2005/8/layout/vList3"/>
-    <dgm:cxn modelId="{D21C12C3-7A11-41B5-A584-F5E5493C4E56}" type="presParOf" srcId="{64A7B550-D128-4743-8A61-025F442C4488}" destId="{FB1DF166-6C32-42BB-8C8E-648D96B218AE}" srcOrd="5" destOrd="0" presId="urn:microsoft.com/office/officeart/2005/8/layout/vList3"/>
-    <dgm:cxn modelId="{B2EBD5B6-9852-4580-ABF5-0CCFEC12CFD2}" type="presParOf" srcId="{64A7B550-D128-4743-8A61-025F442C4488}" destId="{B14B1CFA-9540-4BE3-B785-D331FA2B0E03}" srcOrd="6" destOrd="0" presId="urn:microsoft.com/office/officeart/2005/8/layout/vList3"/>
-    <dgm:cxn modelId="{96A1A4E8-FA80-49D6-8891-F23CC46CFF9D}" type="presParOf" srcId="{B14B1CFA-9540-4BE3-B785-D331FA2B0E03}" destId="{2828B773-91B3-41E7-983D-83BEB2AF42FF}" srcOrd="0" destOrd="0" presId="urn:microsoft.com/office/officeart/2005/8/layout/vList3"/>
-    <dgm:cxn modelId="{BC41C16B-2A13-4391-837D-F06F2061D0B5}" type="presParOf" srcId="{B14B1CFA-9540-4BE3-B785-D331FA2B0E03}" destId="{BB92422D-4057-447C-8BF2-9E9E85E4DC56}" srcOrd="1" destOrd="0" presId="urn:microsoft.com/office/officeart/2005/8/layout/vList3"/>
-  </dgm:cxnLst>
-  <dgm:bg/>
-  <dgm:whole/>
-  <dgm:extLst>
-    <a:ext uri="http://schemas.microsoft.com/office/drawing/2008/diagram">
-      <dsp:dataModelExt xmlns:dsp="http://schemas.microsoft.com/office/drawing/2008/diagram" relId="rId7" minVer="http://schemas.openxmlformats.org/drawingml/2006/diagram"/>
-    </a:ext>
-  </dgm:extLst>
-</dgm:dataModel>
-</file>
-
-<file path=ppt/diagrams/data12.xml><?xml version="1.0" encoding="utf-8"?>
-<dgm:dataModel xmlns:dgm="http://schemas.openxmlformats.org/drawingml/2006/diagram" xmlns:a="http://schemas.openxmlformats.org/drawingml/2006/main">
-  <dgm:ptLst>
-    <dgm:pt modelId="{1F242792-F517-4142-BF8D-A1AAE568CF8A}" type="doc">
-      <dgm:prSet loTypeId="urn:microsoft.com/office/officeart/2005/8/layout/vList3" loCatId="picture" qsTypeId="urn:microsoft.com/office/officeart/2005/8/quickstyle/simple1" qsCatId="simple" csTypeId="urn:microsoft.com/office/officeart/2005/8/colors/accent1_2" csCatId="accent1" phldr="1"/>
-      <dgm:spPr/>
-      <dgm:t>
-        <a:bodyPr/>
-        <a:lstStyle/>
-        <a:p>
-          <a:endParaRPr lang="it-IT"/>
-        </a:p>
-      </dgm:t>
-    </dgm:pt>
     <dgm:pt modelId="{3E3F29FF-4059-4E43-8E63-387A0A4270DC}">
       <dgm:prSet phldrT="[Text]" custT="1"/>
-      <dgm:spPr/>
+      <dgm:spPr>
+        <a:solidFill>
+          <a:srgbClr val="C00000"/>
+        </a:solidFill>
+        <a:ln w="57150">
+          <a:solidFill>
+            <a:srgbClr val="ED4545"/>
+          </a:solidFill>
+        </a:ln>
+      </dgm:spPr>
       <dgm:t>
         <a:bodyPr/>
         <a:lstStyle/>
@@ -10855,7 +10554,16 @@
     </dgm:pt>
     <dgm:pt modelId="{FFAEC13D-EDA4-4CF9-AF6D-1C7ED4118453}">
       <dgm:prSet phldrT="[Text]" custT="1"/>
-      <dgm:spPr/>
+      <dgm:spPr>
+        <a:solidFill>
+          <a:srgbClr val="C00000"/>
+        </a:solidFill>
+        <a:ln w="57150">
+          <a:solidFill>
+            <a:srgbClr val="ED4545"/>
+          </a:solidFill>
+        </a:ln>
+      </dgm:spPr>
       <dgm:t>
         <a:bodyPr/>
         <a:lstStyle/>
@@ -10900,7 +10608,16 @@
     </dgm:pt>
     <dgm:pt modelId="{F839EF10-196D-4901-AF5F-1AA24E3AA716}">
       <dgm:prSet phldrT="[Text]" custT="1"/>
-      <dgm:spPr/>
+      <dgm:spPr>
+        <a:solidFill>
+          <a:srgbClr val="C00000"/>
+        </a:solidFill>
+        <a:ln w="57150">
+          <a:solidFill>
+            <a:srgbClr val="ED4545"/>
+          </a:solidFill>
+        </a:ln>
+      </dgm:spPr>
       <dgm:t>
         <a:bodyPr/>
         <a:lstStyle/>
@@ -10937,7 +10654,16 @@
     </dgm:pt>
     <dgm:pt modelId="{24E4BE44-2D45-4731-8D8B-63D05DB69178}">
       <dgm:prSet phldrT="[Text]" custT="1"/>
-      <dgm:spPr/>
+      <dgm:spPr>
+        <a:solidFill>
+          <a:srgbClr val="C00000"/>
+        </a:solidFill>
+        <a:ln w="57150">
+          <a:solidFill>
+            <a:srgbClr val="ED4545"/>
+          </a:solidFill>
+        </a:ln>
+      </dgm:spPr>
       <dgm:t>
         <a:bodyPr/>
         <a:lstStyle/>
@@ -11012,6 +10738,9 @@
             <a:fillRect l="4138" r="4138"/>
           </a:stretch>
         </a:blipFill>
+        <a:ln>
+          <a:noFill/>
+        </a:ln>
       </dgm:spPr>
       <dgm:t>
         <a:bodyPr/>
@@ -11060,6 +10789,9 @@
             <a:fillRect/>
           </a:stretch>
         </a:blipFill>
+        <a:ln>
+          <a:noFill/>
+        </a:ln>
       </dgm:spPr>
       <dgm:t>
         <a:bodyPr/>
@@ -11108,6 +10840,9 @@
             <a:fillRect t="6338" b="6338"/>
           </a:stretch>
         </a:blipFill>
+        <a:ln>
+          <a:noFill/>
+        </a:ln>
       </dgm:spPr>
       <dgm:t>
         <a:bodyPr/>
@@ -11156,6 +10891,9 @@
             <a:fillRect t="3539" b="3539"/>
           </a:stretch>
         </a:blipFill>
+        <a:ln>
+          <a:noFill/>
+        </a:ln>
       </dgm:spPr>
       <dgm:t>
         <a:bodyPr/>
@@ -11211,7 +10949,470 @@
   <dgm:whole/>
   <dgm:extLst>
     <a:ext uri="http://schemas.microsoft.com/office/drawing/2008/diagram">
-      <dsp:dataModelExt xmlns:dsp="http://schemas.microsoft.com/office/drawing/2008/diagram" relId="rId13" minVer="http://schemas.openxmlformats.org/drawingml/2006/diagram"/>
+      <dsp:dataModelExt xmlns:dsp="http://schemas.microsoft.com/office/drawing/2008/diagram" relId="rId7" minVer="http://schemas.openxmlformats.org/drawingml/2006/diagram"/>
+    </a:ext>
+  </dgm:extLst>
+</dgm:dataModel>
+</file>
+
+<file path=ppt/diagrams/data12.xml><?xml version="1.0" encoding="utf-8"?>
+<dgm:dataModel xmlns:dgm="http://schemas.openxmlformats.org/drawingml/2006/diagram" xmlns:a="http://schemas.openxmlformats.org/drawingml/2006/main">
+  <dgm:ptLst>
+    <dgm:pt modelId="{1F242792-F517-4142-BF8D-A1AAE568CF8A}" type="doc">
+      <dgm:prSet loTypeId="urn:microsoft.com/office/officeart/2005/8/layout/vList3" loCatId="picture" qsTypeId="urn:microsoft.com/office/officeart/2005/8/quickstyle/simple1" qsCatId="simple" csTypeId="urn:microsoft.com/office/officeart/2005/8/colors/accent1_2" csCatId="accent1" phldr="1"/>
+      <dgm:spPr/>
+      <dgm:t>
+        <a:bodyPr/>
+        <a:lstStyle/>
+        <a:p>
+          <a:endParaRPr lang="it-IT"/>
+        </a:p>
+      </dgm:t>
+    </dgm:pt>
+    <dgm:pt modelId="{24E4BE44-2D45-4731-8D8B-63D05DB69178}">
+      <dgm:prSet phldrT="[Text]"/>
+      <dgm:spPr>
+        <a:solidFill>
+          <a:srgbClr val="C00000"/>
+        </a:solidFill>
+        <a:ln w="57150">
+          <a:solidFill>
+            <a:srgbClr val="ED4545"/>
+          </a:solidFill>
+        </a:ln>
+      </dgm:spPr>
+      <dgm:t>
+        <a:bodyPr/>
+        <a:lstStyle/>
+        <a:p>
+          <a:r>
+            <a:rPr lang="it-IT" dirty="0" smtClean="0"/>
+            <a:t>Ruby on </a:t>
+          </a:r>
+          <a:r>
+            <a:rPr lang="it-IT" dirty="0" err="1" smtClean="0"/>
+            <a:t>Rails</a:t>
+          </a:r>
+          <a:endParaRPr lang="it-IT" dirty="0"/>
+        </a:p>
+      </dgm:t>
+    </dgm:pt>
+    <dgm:pt modelId="{AE7BE79A-7CF5-45E6-B934-E4AC77DEED8C}" type="parTrans" cxnId="{65676341-7E9C-4283-B84B-B54D713F54BB}">
+      <dgm:prSet/>
+      <dgm:spPr/>
+      <dgm:t>
+        <a:bodyPr/>
+        <a:lstStyle/>
+        <a:p>
+          <a:endParaRPr lang="it-IT"/>
+        </a:p>
+      </dgm:t>
+    </dgm:pt>
+    <dgm:pt modelId="{7DBAB43D-69EE-42E8-9D1D-9B07169BB653}" type="sibTrans" cxnId="{65676341-7E9C-4283-B84B-B54D713F54BB}">
+      <dgm:prSet/>
+      <dgm:spPr/>
+      <dgm:t>
+        <a:bodyPr/>
+        <a:lstStyle/>
+        <a:p>
+          <a:endParaRPr lang="it-IT"/>
+        </a:p>
+      </dgm:t>
+    </dgm:pt>
+    <dgm:pt modelId="{FFAEC13D-EDA4-4CF9-AF6D-1C7ED4118453}">
+      <dgm:prSet phldrT="[Text]"/>
+      <dgm:spPr>
+        <a:solidFill>
+          <a:srgbClr val="C00000"/>
+        </a:solidFill>
+        <a:ln w="57150">
+          <a:solidFill>
+            <a:srgbClr val="ED4545"/>
+          </a:solidFill>
+        </a:ln>
+      </dgm:spPr>
+      <dgm:t>
+        <a:bodyPr/>
+        <a:lstStyle/>
+        <a:p>
+          <a:r>
+            <a:rPr lang="it-IT" dirty="0" err="1" smtClean="0"/>
+            <a:t>Rspec</a:t>
+          </a:r>
+          <a:r>
+            <a:rPr lang="it-IT" dirty="0" smtClean="0"/>
+            <a:t> </a:t>
+          </a:r>
+          <a:r>
+            <a:rPr lang="it-IT" dirty="0" err="1" smtClean="0"/>
+            <a:t>Expectations</a:t>
+          </a:r>
+          <a:endParaRPr lang="it-IT" dirty="0"/>
+        </a:p>
+      </dgm:t>
+    </dgm:pt>
+    <dgm:pt modelId="{5DB2870D-748C-4FD4-B620-D630C69144D6}" type="parTrans" cxnId="{35B2F350-AD1F-4A1D-9E44-0A553523D000}">
+      <dgm:prSet/>
+      <dgm:spPr/>
+      <dgm:t>
+        <a:bodyPr/>
+        <a:lstStyle/>
+        <a:p>
+          <a:endParaRPr lang="it-IT"/>
+        </a:p>
+      </dgm:t>
+    </dgm:pt>
+    <dgm:pt modelId="{0388CB98-6F82-4B70-B527-9A051CC9BAC7}" type="sibTrans" cxnId="{35B2F350-AD1F-4A1D-9E44-0A553523D000}">
+      <dgm:prSet/>
+      <dgm:spPr/>
+      <dgm:t>
+        <a:bodyPr/>
+        <a:lstStyle/>
+        <a:p>
+          <a:endParaRPr lang="it-IT"/>
+        </a:p>
+      </dgm:t>
+    </dgm:pt>
+    <dgm:pt modelId="{8370A280-D612-479C-93C0-00FFE8E63675}">
+      <dgm:prSet phldrT="[Text]" custT="1"/>
+      <dgm:spPr>
+        <a:solidFill>
+          <a:srgbClr val="006BAB"/>
+        </a:solidFill>
+        <a:ln w="57150">
+          <a:solidFill>
+            <a:srgbClr val="0099FF"/>
+          </a:solidFill>
+        </a:ln>
+      </dgm:spPr>
+      <dgm:t>
+        <a:bodyPr/>
+        <a:lstStyle/>
+        <a:p>
+          <a:r>
+            <a:rPr lang="it-IT" sz="2800" dirty="0" err="1" smtClean="0"/>
+            <a:t>Coypu</a:t>
+          </a:r>
+          <a:endParaRPr lang="it-IT" sz="2800" dirty="0"/>
+        </a:p>
+      </dgm:t>
+    </dgm:pt>
+    <dgm:pt modelId="{98782E46-D816-48BC-A1C3-E5534B00DB16}" type="parTrans" cxnId="{58A98C04-1FD8-4AF3-9E7A-FD46ECF0DE20}">
+      <dgm:prSet/>
+      <dgm:spPr/>
+      <dgm:t>
+        <a:bodyPr/>
+        <a:lstStyle/>
+        <a:p>
+          <a:endParaRPr lang="it-IT"/>
+        </a:p>
+      </dgm:t>
+    </dgm:pt>
+    <dgm:pt modelId="{BD93FD1C-244F-4C6E-A856-C68DB9A05E32}" type="sibTrans" cxnId="{58A98C04-1FD8-4AF3-9E7A-FD46ECF0DE20}">
+      <dgm:prSet/>
+      <dgm:spPr/>
+      <dgm:t>
+        <a:bodyPr/>
+        <a:lstStyle/>
+        <a:p>
+          <a:endParaRPr lang="it-IT"/>
+        </a:p>
+      </dgm:t>
+    </dgm:pt>
+    <dgm:pt modelId="{F839EF10-196D-4901-AF5F-1AA24E3AA716}">
+      <dgm:prSet phldrT="[Text]"/>
+      <dgm:spPr>
+        <a:solidFill>
+          <a:srgbClr val="C00000"/>
+        </a:solidFill>
+        <a:ln w="57150">
+          <a:solidFill>
+            <a:srgbClr val="ED4545"/>
+          </a:solidFill>
+        </a:ln>
+      </dgm:spPr>
+      <dgm:t>
+        <a:bodyPr/>
+        <a:lstStyle/>
+        <a:p>
+          <a:r>
+            <a:rPr lang="it-IT" dirty="0" err="1" smtClean="0"/>
+            <a:t>Cucumber</a:t>
+          </a:r>
+          <a:endParaRPr lang="it-IT" dirty="0"/>
+        </a:p>
+      </dgm:t>
+    </dgm:pt>
+    <dgm:pt modelId="{57C60786-E147-4F30-B316-E5E7A9609322}" type="parTrans" cxnId="{57020C72-968E-4954-B3D9-4F270CDEDFDB}">
+      <dgm:prSet/>
+      <dgm:spPr/>
+      <dgm:t>
+        <a:bodyPr/>
+        <a:lstStyle/>
+        <a:p>
+          <a:endParaRPr lang="it-IT"/>
+        </a:p>
+      </dgm:t>
+    </dgm:pt>
+    <dgm:pt modelId="{864F1236-3782-47B5-9D1E-A0AE819735FE}" type="sibTrans" cxnId="{57020C72-968E-4954-B3D9-4F270CDEDFDB}">
+      <dgm:prSet/>
+      <dgm:spPr/>
+      <dgm:t>
+        <a:bodyPr/>
+        <a:lstStyle/>
+        <a:p>
+          <a:endParaRPr lang="it-IT"/>
+        </a:p>
+      </dgm:t>
+    </dgm:pt>
+    <dgm:pt modelId="{64A7B550-D128-4743-8A61-025F442C4488}" type="pres">
+      <dgm:prSet presAssocID="{1F242792-F517-4142-BF8D-A1AAE568CF8A}" presName="linearFlow" presStyleCnt="0">
+        <dgm:presLayoutVars>
+          <dgm:dir/>
+          <dgm:resizeHandles val="exact"/>
+        </dgm:presLayoutVars>
+      </dgm:prSet>
+      <dgm:spPr/>
+      <dgm:t>
+        <a:bodyPr/>
+        <a:lstStyle/>
+        <a:p>
+          <a:endParaRPr lang="it-IT"/>
+        </a:p>
+      </dgm:t>
+    </dgm:pt>
+    <dgm:pt modelId="{C9B9A6BC-156A-45A5-9B3B-D86B77DEA697}" type="pres">
+      <dgm:prSet presAssocID="{24E4BE44-2D45-4731-8D8B-63D05DB69178}" presName="composite" presStyleCnt="0"/>
+      <dgm:spPr/>
+    </dgm:pt>
+    <dgm:pt modelId="{9A0561D6-26DB-4516-AE13-0530C221F62E}" type="pres">
+      <dgm:prSet presAssocID="{24E4BE44-2D45-4731-8D8B-63D05DB69178}" presName="imgShp" presStyleLbl="fgImgPlace1" presStyleIdx="0" presStyleCnt="4"/>
+      <dgm:spPr>
+        <a:blipFill dpi="0" rotWithShape="1">
+          <a:blip xmlns:r="http://schemas.openxmlformats.org/officeDocument/2006/relationships" r:embed="rId1" cstate="print">
+            <a:extLst>
+              <a:ext uri="{28A0092B-C50C-407E-A947-70E740481C1C}">
+                <a14:useLocalDpi xmlns:a14="http://schemas.microsoft.com/office/drawing/2010/main" val="0"/>
+              </a:ext>
+            </a:extLst>
+          </a:blip>
+          <a:srcRect/>
+          <a:stretch>
+            <a:fillRect l="4138" r="4138"/>
+          </a:stretch>
+        </a:blipFill>
+        <a:ln>
+          <a:noFill/>
+        </a:ln>
+      </dgm:spPr>
+      <dgm:t>
+        <a:bodyPr/>
+        <a:lstStyle/>
+        <a:p>
+          <a:endParaRPr lang="it-IT"/>
+        </a:p>
+      </dgm:t>
+    </dgm:pt>
+    <dgm:pt modelId="{19EA5E51-BF0D-47B1-822E-1407A20F1F5A}" type="pres">
+      <dgm:prSet presAssocID="{24E4BE44-2D45-4731-8D8B-63D05DB69178}" presName="txShp" presStyleLbl="node1" presStyleIdx="0" presStyleCnt="4">
+        <dgm:presLayoutVars>
+          <dgm:bulletEnabled val="1"/>
+        </dgm:presLayoutVars>
+      </dgm:prSet>
+      <dgm:spPr/>
+      <dgm:t>
+        <a:bodyPr/>
+        <a:lstStyle/>
+        <a:p>
+          <a:endParaRPr lang="it-IT"/>
+        </a:p>
+      </dgm:t>
+    </dgm:pt>
+    <dgm:pt modelId="{08737D1B-7713-4FE6-A601-B10A322094B1}" type="pres">
+      <dgm:prSet presAssocID="{7DBAB43D-69EE-42E8-9D1D-9B07169BB653}" presName="spacing" presStyleCnt="0"/>
+      <dgm:spPr/>
+    </dgm:pt>
+    <dgm:pt modelId="{D4804EEF-1016-4363-A559-64BE2947A48B}" type="pres">
+      <dgm:prSet presAssocID="{F839EF10-196D-4901-AF5F-1AA24E3AA716}" presName="composite" presStyleCnt="0"/>
+      <dgm:spPr/>
+    </dgm:pt>
+    <dgm:pt modelId="{4CC30A81-C331-4870-B7A9-84C3D76131FD}" type="pres">
+      <dgm:prSet presAssocID="{F839EF10-196D-4901-AF5F-1AA24E3AA716}" presName="imgShp" presStyleLbl="fgImgPlace1" presStyleIdx="1" presStyleCnt="4"/>
+      <dgm:spPr>
+        <a:blipFill>
+          <a:blip xmlns:r="http://schemas.openxmlformats.org/officeDocument/2006/relationships" r:embed="rId2">
+            <a:extLst>
+              <a:ext uri="{28A0092B-C50C-407E-A947-70E740481C1C}">
+                <a14:useLocalDpi xmlns:a14="http://schemas.microsoft.com/office/drawing/2010/main" val="0"/>
+              </a:ext>
+            </a:extLst>
+          </a:blip>
+          <a:srcRect/>
+          <a:stretch>
+            <a:fillRect/>
+          </a:stretch>
+        </a:blipFill>
+        <a:ln>
+          <a:noFill/>
+        </a:ln>
+      </dgm:spPr>
+      <dgm:t>
+        <a:bodyPr/>
+        <a:lstStyle/>
+        <a:p>
+          <a:endParaRPr lang="it-IT"/>
+        </a:p>
+      </dgm:t>
+    </dgm:pt>
+    <dgm:pt modelId="{37FE9994-A505-4AC7-9957-1B3D2FB3C898}" type="pres">
+      <dgm:prSet presAssocID="{F839EF10-196D-4901-AF5F-1AA24E3AA716}" presName="txShp" presStyleLbl="node1" presStyleIdx="1" presStyleCnt="4">
+        <dgm:presLayoutVars>
+          <dgm:bulletEnabled val="1"/>
+        </dgm:presLayoutVars>
+      </dgm:prSet>
+      <dgm:spPr/>
+      <dgm:t>
+        <a:bodyPr/>
+        <a:lstStyle/>
+        <a:p>
+          <a:endParaRPr lang="it-IT"/>
+        </a:p>
+      </dgm:t>
+    </dgm:pt>
+    <dgm:pt modelId="{C62540CB-E01A-4D98-962E-5B9273A200DE}" type="pres">
+      <dgm:prSet presAssocID="{864F1236-3782-47B5-9D1E-A0AE819735FE}" presName="spacing" presStyleCnt="0"/>
+      <dgm:spPr/>
+    </dgm:pt>
+    <dgm:pt modelId="{3D9AE92A-03B9-4CEA-9DD9-F5DD610D1161}" type="pres">
+      <dgm:prSet presAssocID="{FFAEC13D-EDA4-4CF9-AF6D-1C7ED4118453}" presName="composite" presStyleCnt="0"/>
+      <dgm:spPr/>
+    </dgm:pt>
+    <dgm:pt modelId="{646A4835-9FA7-445C-9AA4-1DF0781DCB04}" type="pres">
+      <dgm:prSet presAssocID="{FFAEC13D-EDA4-4CF9-AF6D-1C7ED4118453}" presName="imgShp" presStyleLbl="fgImgPlace1" presStyleIdx="2" presStyleCnt="4"/>
+      <dgm:spPr>
+        <a:blipFill dpi="0" rotWithShape="1">
+          <a:blip xmlns:r="http://schemas.openxmlformats.org/officeDocument/2006/relationships" r:embed="rId3" cstate="print">
+            <a:extLst>
+              <a:ext uri="{28A0092B-C50C-407E-A947-70E740481C1C}">
+                <a14:useLocalDpi xmlns:a14="http://schemas.microsoft.com/office/drawing/2010/main" val="0"/>
+              </a:ext>
+            </a:extLst>
+          </a:blip>
+          <a:srcRect/>
+          <a:stretch>
+            <a:fillRect t="6338" b="6338"/>
+          </a:stretch>
+        </a:blipFill>
+        <a:ln>
+          <a:noFill/>
+        </a:ln>
+      </dgm:spPr>
+      <dgm:t>
+        <a:bodyPr/>
+        <a:lstStyle/>
+        <a:p>
+          <a:endParaRPr lang="it-IT"/>
+        </a:p>
+      </dgm:t>
+    </dgm:pt>
+    <dgm:pt modelId="{8AA32794-7267-4FCD-A384-82865F287543}" type="pres">
+      <dgm:prSet presAssocID="{FFAEC13D-EDA4-4CF9-AF6D-1C7ED4118453}" presName="txShp" presStyleLbl="node1" presStyleIdx="2" presStyleCnt="4">
+        <dgm:presLayoutVars>
+          <dgm:bulletEnabled val="1"/>
+        </dgm:presLayoutVars>
+      </dgm:prSet>
+      <dgm:spPr/>
+      <dgm:t>
+        <a:bodyPr/>
+        <a:lstStyle/>
+        <a:p>
+          <a:endParaRPr lang="it-IT"/>
+        </a:p>
+      </dgm:t>
+    </dgm:pt>
+    <dgm:pt modelId="{FB1DF166-6C32-42BB-8C8E-648D96B218AE}" type="pres">
+      <dgm:prSet presAssocID="{0388CB98-6F82-4B70-B527-9A051CC9BAC7}" presName="spacing" presStyleCnt="0"/>
+      <dgm:spPr/>
+    </dgm:pt>
+    <dgm:pt modelId="{B14B1CFA-9540-4BE3-B785-D331FA2B0E03}" type="pres">
+      <dgm:prSet presAssocID="{8370A280-D612-479C-93C0-00FFE8E63675}" presName="composite" presStyleCnt="0"/>
+      <dgm:spPr/>
+    </dgm:pt>
+    <dgm:pt modelId="{2828B773-91B3-41E7-983D-83BEB2AF42FF}" type="pres">
+      <dgm:prSet presAssocID="{8370A280-D612-479C-93C0-00FFE8E63675}" presName="imgShp" presStyleLbl="fgImgPlace1" presStyleIdx="3" presStyleCnt="4"/>
+      <dgm:spPr>
+        <a:blipFill>
+          <a:blip xmlns:r="http://schemas.openxmlformats.org/officeDocument/2006/relationships" r:embed="rId4" cstate="print">
+            <a:extLst>
+              <a:ext uri="{28A0092B-C50C-407E-A947-70E740481C1C}">
+                <a14:useLocalDpi xmlns:a14="http://schemas.microsoft.com/office/drawing/2010/main" val="0"/>
+              </a:ext>
+            </a:extLst>
+          </a:blip>
+          <a:srcRect/>
+          <a:stretch>
+            <a:fillRect/>
+          </a:stretch>
+        </a:blipFill>
+        <a:ln>
+          <a:noFill/>
+        </a:ln>
+      </dgm:spPr>
+      <dgm:t>
+        <a:bodyPr/>
+        <a:lstStyle/>
+        <a:p>
+          <a:endParaRPr lang="it-IT"/>
+        </a:p>
+      </dgm:t>
+    </dgm:pt>
+    <dgm:pt modelId="{BB92422D-4057-447C-8BF2-9E9E85E4DC56}" type="pres">
+      <dgm:prSet presAssocID="{8370A280-D612-479C-93C0-00FFE8E63675}" presName="txShp" presStyleLbl="node1" presStyleIdx="3" presStyleCnt="4">
+        <dgm:presLayoutVars>
+          <dgm:bulletEnabled val="1"/>
+        </dgm:presLayoutVars>
+      </dgm:prSet>
+      <dgm:spPr/>
+      <dgm:t>
+        <a:bodyPr/>
+        <a:lstStyle/>
+        <a:p>
+          <a:endParaRPr lang="it-IT"/>
+        </a:p>
+      </dgm:t>
+    </dgm:pt>
+  </dgm:ptLst>
+  <dgm:cxnLst>
+    <dgm:cxn modelId="{57020C72-968E-4954-B3D9-4F270CDEDFDB}" srcId="{1F242792-F517-4142-BF8D-A1AAE568CF8A}" destId="{F839EF10-196D-4901-AF5F-1AA24E3AA716}" srcOrd="1" destOrd="0" parTransId="{57C60786-E147-4F30-B316-E5E7A9609322}" sibTransId="{864F1236-3782-47B5-9D1E-A0AE819735FE}"/>
+    <dgm:cxn modelId="{A95A476F-5AFC-47A3-A074-FA8140B88466}" type="presOf" srcId="{24E4BE44-2D45-4731-8D8B-63D05DB69178}" destId="{19EA5E51-BF0D-47B1-822E-1407A20F1F5A}" srcOrd="0" destOrd="0" presId="urn:microsoft.com/office/officeart/2005/8/layout/vList3"/>
+    <dgm:cxn modelId="{35B2F350-AD1F-4A1D-9E44-0A553523D000}" srcId="{1F242792-F517-4142-BF8D-A1AAE568CF8A}" destId="{FFAEC13D-EDA4-4CF9-AF6D-1C7ED4118453}" srcOrd="2" destOrd="0" parTransId="{5DB2870D-748C-4FD4-B620-D630C69144D6}" sibTransId="{0388CB98-6F82-4B70-B527-9A051CC9BAC7}"/>
+    <dgm:cxn modelId="{8CCF89ED-0FE5-42F1-93E3-3EF1F831F27F}" type="presOf" srcId="{8370A280-D612-479C-93C0-00FFE8E63675}" destId="{BB92422D-4057-447C-8BF2-9E9E85E4DC56}" srcOrd="0" destOrd="0" presId="urn:microsoft.com/office/officeart/2005/8/layout/vList3"/>
+    <dgm:cxn modelId="{B0CCD660-4B22-4101-A8CC-85EDF2860AC2}" type="presOf" srcId="{FFAEC13D-EDA4-4CF9-AF6D-1C7ED4118453}" destId="{8AA32794-7267-4FCD-A384-82865F287543}" srcOrd="0" destOrd="0" presId="urn:microsoft.com/office/officeart/2005/8/layout/vList3"/>
+    <dgm:cxn modelId="{7AF3CADD-0E81-46DA-8495-B605BB22B5EA}" type="presOf" srcId="{1F242792-F517-4142-BF8D-A1AAE568CF8A}" destId="{64A7B550-D128-4743-8A61-025F442C4488}" srcOrd="0" destOrd="0" presId="urn:microsoft.com/office/officeart/2005/8/layout/vList3"/>
+    <dgm:cxn modelId="{B7DC0E26-0B68-4C81-A028-6B43F1E72294}" type="presOf" srcId="{F839EF10-196D-4901-AF5F-1AA24E3AA716}" destId="{37FE9994-A505-4AC7-9957-1B3D2FB3C898}" srcOrd="0" destOrd="0" presId="urn:microsoft.com/office/officeart/2005/8/layout/vList3"/>
+    <dgm:cxn modelId="{65676341-7E9C-4283-B84B-B54D713F54BB}" srcId="{1F242792-F517-4142-BF8D-A1AAE568CF8A}" destId="{24E4BE44-2D45-4731-8D8B-63D05DB69178}" srcOrd="0" destOrd="0" parTransId="{AE7BE79A-7CF5-45E6-B934-E4AC77DEED8C}" sibTransId="{7DBAB43D-69EE-42E8-9D1D-9B07169BB653}"/>
+    <dgm:cxn modelId="{58A98C04-1FD8-4AF3-9E7A-FD46ECF0DE20}" srcId="{1F242792-F517-4142-BF8D-A1AAE568CF8A}" destId="{8370A280-D612-479C-93C0-00FFE8E63675}" srcOrd="3" destOrd="0" parTransId="{98782E46-D816-48BC-A1C3-E5534B00DB16}" sibTransId="{BD93FD1C-244F-4C6E-A856-C68DB9A05E32}"/>
+    <dgm:cxn modelId="{92AE361A-5F64-497D-9ECE-33E0309960B9}" type="presParOf" srcId="{64A7B550-D128-4743-8A61-025F442C4488}" destId="{C9B9A6BC-156A-45A5-9B3B-D86B77DEA697}" srcOrd="0" destOrd="0" presId="urn:microsoft.com/office/officeart/2005/8/layout/vList3"/>
+    <dgm:cxn modelId="{4C70D53D-318D-4DDE-9774-2FC9B2B6EAA4}" type="presParOf" srcId="{C9B9A6BC-156A-45A5-9B3B-D86B77DEA697}" destId="{9A0561D6-26DB-4516-AE13-0530C221F62E}" srcOrd="0" destOrd="0" presId="urn:microsoft.com/office/officeart/2005/8/layout/vList3"/>
+    <dgm:cxn modelId="{2737B5A4-4679-4B13-ADA9-88816C7667DD}" type="presParOf" srcId="{C9B9A6BC-156A-45A5-9B3B-D86B77DEA697}" destId="{19EA5E51-BF0D-47B1-822E-1407A20F1F5A}" srcOrd="1" destOrd="0" presId="urn:microsoft.com/office/officeart/2005/8/layout/vList3"/>
+    <dgm:cxn modelId="{7356A6A4-5845-4623-BA2C-EC06DD0B390D}" type="presParOf" srcId="{64A7B550-D128-4743-8A61-025F442C4488}" destId="{08737D1B-7713-4FE6-A601-B10A322094B1}" srcOrd="1" destOrd="0" presId="urn:microsoft.com/office/officeart/2005/8/layout/vList3"/>
+    <dgm:cxn modelId="{5A4A76F5-E4D1-4D8E-A58F-DD5002185651}" type="presParOf" srcId="{64A7B550-D128-4743-8A61-025F442C4488}" destId="{D4804EEF-1016-4363-A559-64BE2947A48B}" srcOrd="2" destOrd="0" presId="urn:microsoft.com/office/officeart/2005/8/layout/vList3"/>
+    <dgm:cxn modelId="{578CEF1A-29ED-45F6-8A45-FE5865A5C933}" type="presParOf" srcId="{D4804EEF-1016-4363-A559-64BE2947A48B}" destId="{4CC30A81-C331-4870-B7A9-84C3D76131FD}" srcOrd="0" destOrd="0" presId="urn:microsoft.com/office/officeart/2005/8/layout/vList3"/>
+    <dgm:cxn modelId="{6BF5255D-42DF-4412-AE56-653EE191E15E}" type="presParOf" srcId="{D4804EEF-1016-4363-A559-64BE2947A48B}" destId="{37FE9994-A505-4AC7-9957-1B3D2FB3C898}" srcOrd="1" destOrd="0" presId="urn:microsoft.com/office/officeart/2005/8/layout/vList3"/>
+    <dgm:cxn modelId="{40BF0817-B06B-42FB-9407-41F2251E9A5A}" type="presParOf" srcId="{64A7B550-D128-4743-8A61-025F442C4488}" destId="{C62540CB-E01A-4D98-962E-5B9273A200DE}" srcOrd="3" destOrd="0" presId="urn:microsoft.com/office/officeart/2005/8/layout/vList3"/>
+    <dgm:cxn modelId="{07AE1AF7-EBE5-4F46-9BF3-A257DF28906B}" type="presParOf" srcId="{64A7B550-D128-4743-8A61-025F442C4488}" destId="{3D9AE92A-03B9-4CEA-9DD9-F5DD610D1161}" srcOrd="4" destOrd="0" presId="urn:microsoft.com/office/officeart/2005/8/layout/vList3"/>
+    <dgm:cxn modelId="{27FA4A04-6630-4E8A-A341-829A8303BF65}" type="presParOf" srcId="{3D9AE92A-03B9-4CEA-9DD9-F5DD610D1161}" destId="{646A4835-9FA7-445C-9AA4-1DF0781DCB04}" srcOrd="0" destOrd="0" presId="urn:microsoft.com/office/officeart/2005/8/layout/vList3"/>
+    <dgm:cxn modelId="{06424C61-9546-4382-9CD8-BDD616C1E890}" type="presParOf" srcId="{3D9AE92A-03B9-4CEA-9DD9-F5DD610D1161}" destId="{8AA32794-7267-4FCD-A384-82865F287543}" srcOrd="1" destOrd="0" presId="urn:microsoft.com/office/officeart/2005/8/layout/vList3"/>
+    <dgm:cxn modelId="{D21C12C3-7A11-41B5-A584-F5E5493C4E56}" type="presParOf" srcId="{64A7B550-D128-4743-8A61-025F442C4488}" destId="{FB1DF166-6C32-42BB-8C8E-648D96B218AE}" srcOrd="5" destOrd="0" presId="urn:microsoft.com/office/officeart/2005/8/layout/vList3"/>
+    <dgm:cxn modelId="{B2EBD5B6-9852-4580-ABF5-0CCFEC12CFD2}" type="presParOf" srcId="{64A7B550-D128-4743-8A61-025F442C4488}" destId="{B14B1CFA-9540-4BE3-B785-D331FA2B0E03}" srcOrd="6" destOrd="0" presId="urn:microsoft.com/office/officeart/2005/8/layout/vList3"/>
+    <dgm:cxn modelId="{96A1A4E8-FA80-49D6-8891-F23CC46CFF9D}" type="presParOf" srcId="{B14B1CFA-9540-4BE3-B785-D331FA2B0E03}" destId="{2828B773-91B3-41E7-983D-83BEB2AF42FF}" srcOrd="0" destOrd="0" presId="urn:microsoft.com/office/officeart/2005/8/layout/vList3"/>
+    <dgm:cxn modelId="{BC41C16B-2A13-4391-837D-F06F2061D0B5}" type="presParOf" srcId="{B14B1CFA-9540-4BE3-B785-D331FA2B0E03}" destId="{BB92422D-4057-447C-8BF2-9E9E85E4DC56}" srcOrd="1" destOrd="0" presId="urn:microsoft.com/office/officeart/2005/8/layout/vList3"/>
+  </dgm:cxnLst>
+  <dgm:bg/>
+  <dgm:whole/>
+  <dgm:extLst>
+    <a:ext uri="http://schemas.microsoft.com/office/drawing/2008/diagram">
+      <dsp:dataModelExt xmlns:dsp="http://schemas.microsoft.com/office/drawing/2008/diagram" relId="rId12" minVer="http://schemas.openxmlformats.org/drawingml/2006/diagram"/>
     </a:ext>
   </dgm:extLst>
 </dgm:dataModel>
@@ -11221,7 +11422,7 @@
 <dgm:dataModel xmlns:dgm="http://schemas.openxmlformats.org/drawingml/2006/diagram" xmlns:a="http://schemas.openxmlformats.org/drawingml/2006/main">
   <dgm:ptLst>
     <dgm:pt modelId="{5A610D87-4968-450F-A355-7B149D1DBBF7}" type="doc">
-      <dgm:prSet loTypeId="urn:microsoft.com/office/officeart/2005/8/layout/cycle1" loCatId="cycle" qsTypeId="urn:microsoft.com/office/officeart/2005/8/quickstyle/simple1" qsCatId="simple" csTypeId="urn:microsoft.com/office/officeart/2005/8/colors/accent1_2" csCatId="accent1" phldr="1"/>
+      <dgm:prSet loTypeId="urn:microsoft.com/office/officeart/2005/8/layout/cycle1" loCatId="cycle" qsTypeId="urn:microsoft.com/office/officeart/2005/8/quickstyle/simple4" qsCatId="simple" csTypeId="urn:microsoft.com/office/officeart/2005/8/colors/colorful4" csCatId="colorful" phldr="1"/>
       <dgm:spPr/>
       <dgm:t>
         <a:bodyPr/>
@@ -11239,18 +11440,10 @@
         <a:lstStyle/>
         <a:p>
           <a:r>
-            <a:rPr lang="it-IT" sz="2000" dirty="0" smtClean="0">
-              <a:solidFill>
-                <a:schemeClr val="bg1"/>
-              </a:solidFill>
-            </a:rPr>
+            <a:rPr lang="it-IT" sz="2000" smtClean="0"/>
             <a:t>Scrittura degli scenari</a:t>
           </a:r>
-          <a:endParaRPr lang="it-IT" sz="2000" dirty="0">
-            <a:solidFill>
-              <a:schemeClr val="bg1"/>
-            </a:solidFill>
-          </a:endParaRPr>
+          <a:endParaRPr lang="it-IT" sz="2000" dirty="0"/>
         </a:p>
       </dgm:t>
     </dgm:pt>
@@ -11332,6 +11525,13 @@
     <dgm:pt modelId="{79E857FE-D60B-45A9-9C16-AE81B7F597DC}" type="pres">
       <dgm:prSet presAssocID="{062A198A-B415-4397-A65C-ADDAFFB02A8B}" presName="dummy" presStyleCnt="0"/>
       <dgm:spPr/>
+      <dgm:t>
+        <a:bodyPr/>
+        <a:lstStyle/>
+        <a:p>
+          <a:endParaRPr lang="it-IT"/>
+        </a:p>
+      </dgm:t>
     </dgm:pt>
     <dgm:pt modelId="{EA8D5DC6-1552-4F10-9E80-B73BBE26DF1D}" type="pres">
       <dgm:prSet presAssocID="{062A198A-B415-4397-A65C-ADDAFFB02A8B}" presName="node" presStyleLbl="revTx" presStyleIdx="0" presStyleCnt="2">
@@ -11362,6 +11562,13 @@
     <dgm:pt modelId="{740D73C1-010D-447C-95BD-25885F620C6A}" type="pres">
       <dgm:prSet presAssocID="{54E24B65-6465-4F75-8BEE-919FF1098C83}" presName="dummy" presStyleCnt="0"/>
       <dgm:spPr/>
+      <dgm:t>
+        <a:bodyPr/>
+        <a:lstStyle/>
+        <a:p>
+          <a:endParaRPr lang="it-IT"/>
+        </a:p>
+      </dgm:t>
     </dgm:pt>
     <dgm:pt modelId="{1F3690AB-EDBD-4D8D-88EE-55DB300B514B}" type="pres">
       <dgm:prSet presAssocID="{54E24B65-6465-4F75-8BEE-919FF1098C83}" presName="node" presStyleLbl="revTx" presStyleIdx="1" presStyleCnt="2">
@@ -14673,31 +14880,31 @@
     </dgm:pt>
   </dgm:ptLst>
   <dgm:cxnLst>
-    <dgm:cxn modelId="{1633A6CD-F59F-482B-A821-7C54C90514DF}" srcId="{EEE8A3FA-F383-4D0F-B67A-40AD33C5E313}" destId="{EAE98432-45EF-49FC-84CF-CAFF81DB5CD7}" srcOrd="1" destOrd="0" parTransId="{0B7295D3-AB6A-408E-B4E1-36D0BF9BED6E}" sibTransId="{2057EE9D-E2B0-4FBA-9B4A-EC037242B740}"/>
-    <dgm:cxn modelId="{D533DACE-E590-45E3-8FBD-C376D8BABE43}" srcId="{C7897C54-F800-44B8-B2E0-E3F6280CA0C8}" destId="{D08910FD-7518-4F66-A008-A700BC4D792A}" srcOrd="1" destOrd="0" parTransId="{420E3CF9-BEB1-4403-A388-395BE7079869}" sibTransId="{2D8C8065-B2C4-414A-9D90-BF200C196562}"/>
-    <dgm:cxn modelId="{22553EB2-7FF8-447A-8F66-24BF9170E256}" type="presOf" srcId="{584D404B-212B-4FEB-9BFA-9D2EA4CC31C7}" destId="{84047048-3489-45FD-AD42-23C8F293A5F6}" srcOrd="0" destOrd="1" presId="urn:microsoft.com/office/officeart/2005/8/layout/vList5"/>
     <dgm:cxn modelId="{582372E9-5AA5-4FD6-9726-8F7A03DE974F}" type="presOf" srcId="{60C267EA-503E-40EE-A033-A0D69762F4DE}" destId="{3DCABB5E-815A-4018-894D-BB2152A05B74}" srcOrd="0" destOrd="2" presId="urn:microsoft.com/office/officeart/2005/8/layout/vList5"/>
-    <dgm:cxn modelId="{3A88C447-9A89-4EC9-9943-D4846AD04A36}" srcId="{EEE8A3FA-F383-4D0F-B67A-40AD33C5E313}" destId="{0F152F44-1198-43AC-86E7-8E96A8CB883F}" srcOrd="2" destOrd="0" parTransId="{255219C8-00D9-4D6E-8429-5D9B2A9DD4C9}" sibTransId="{CEEF77D7-AFC1-4328-B282-96AAECA29424}"/>
-    <dgm:cxn modelId="{F339A4E5-37F9-43A7-AC7E-47E72C4207F1}" srcId="{C7897C54-F800-44B8-B2E0-E3F6280CA0C8}" destId="{A0AA2172-E60F-4EE6-997C-5F090CFF3574}" srcOrd="0" destOrd="0" parTransId="{768D02CB-52CC-4206-B8CA-AFA5F65CA0C9}" sibTransId="{F2A80081-5E49-4D88-BBFF-B694C9F0DE43}"/>
-    <dgm:cxn modelId="{8B8C56C6-02E8-4B27-975C-B8C808A6B68F}" type="presOf" srcId="{BC491DEC-2DE0-4650-8339-783DCFD8374B}" destId="{84E8FD5B-F47E-455E-849A-EF1F394AFB08}" srcOrd="0" destOrd="2" presId="urn:microsoft.com/office/officeart/2005/8/layout/vList5"/>
+    <dgm:cxn modelId="{EE3D5F84-4287-4B55-B023-7875064AD5BB}" type="presOf" srcId="{A0AA2172-E60F-4EE6-997C-5F090CFF3574}" destId="{84E8FD5B-F47E-455E-849A-EF1F394AFB08}" srcOrd="0" destOrd="0" presId="urn:microsoft.com/office/officeart/2005/8/layout/vList5"/>
     <dgm:cxn modelId="{A8509B04-2146-4093-952C-B45A98B5261A}" srcId="{EAE98432-45EF-49FC-84CF-CAFF81DB5CD7}" destId="{5CA24573-BC92-4A10-A1B3-2B7F5A92872F}" srcOrd="2" destOrd="0" parTransId="{59C34C33-CF9C-4B06-993D-E9167933D4A6}" sibTransId="{AE0EC781-1BB0-4A1D-BEF1-E22640B4A60A}"/>
-    <dgm:cxn modelId="{C15160EE-E6D8-4FAE-A151-D3A7080B0A99}" srcId="{EEE8A3FA-F383-4D0F-B67A-40AD33C5E313}" destId="{C7897C54-F800-44B8-B2E0-E3F6280CA0C8}" srcOrd="0" destOrd="0" parTransId="{B538B416-3964-486B-B3A4-0CF22326C761}" sibTransId="{8874BCF8-81F5-4A6B-B3C3-5FDED006647A}"/>
-    <dgm:cxn modelId="{0E68D9FF-0B9D-4E81-B687-E83107DD8E8C}" srcId="{EAE98432-45EF-49FC-84CF-CAFF81DB5CD7}" destId="{D0DF8467-DA3A-437F-B3BE-2D4E4C36AE23}" srcOrd="0" destOrd="0" parTransId="{5A2CB50E-3A3A-41B2-B052-07A44CB96E45}" sibTransId="{66DDADC9-0E8B-42D4-B1EA-74A3270B8D9E}"/>
-    <dgm:cxn modelId="{A5F32142-12BC-425D-8490-97E883A97E62}" type="presOf" srcId="{EAE98432-45EF-49FC-84CF-CAFF81DB5CD7}" destId="{D5BA7D7F-A832-4CB0-971D-4F0DE6BF012E}" srcOrd="0" destOrd="0" presId="urn:microsoft.com/office/officeart/2005/8/layout/vList5"/>
-    <dgm:cxn modelId="{DD126B35-DDAF-4A09-98E6-EAAAA1F0C85E}" srcId="{0F152F44-1198-43AC-86E7-8E96A8CB883F}" destId="{60C267EA-503E-40EE-A033-A0D69762F4DE}" srcOrd="2" destOrd="0" parTransId="{C1103FC2-D532-4D8D-9065-6C47D17A2331}" sibTransId="{A3B6FC1C-ECE9-4880-9A67-B011E171FB83}"/>
-    <dgm:cxn modelId="{14D34CDC-DDE0-4DE9-81F7-7B8151BD0D17}" srcId="{0F152F44-1198-43AC-86E7-8E96A8CB883F}" destId="{4A7424E4-33FE-4962-8C87-8F65E64E05A4}" srcOrd="0" destOrd="0" parTransId="{F0B2D6AB-5F2F-4713-B45E-30DA114C481F}" sibTransId="{3C0C09AD-99F4-4527-8671-FA4FF5A98971}"/>
-    <dgm:cxn modelId="{E37B79BA-B76C-4D69-A353-5340A6AD08AA}" srcId="{0F152F44-1198-43AC-86E7-8E96A8CB883F}" destId="{4845582E-F9D1-4286-ABDB-B3C54C3DB8D3}" srcOrd="1" destOrd="0" parTransId="{913AFE42-F589-40C1-85E3-302006921A92}" sibTransId="{1173504A-2DE5-442D-B53D-68F972720833}"/>
-    <dgm:cxn modelId="{B9A64A07-EFE7-47FD-8A42-BDD8168EAEA5}" type="presOf" srcId="{D08910FD-7518-4F66-A008-A700BC4D792A}" destId="{84E8FD5B-F47E-455E-849A-EF1F394AFB08}" srcOrd="0" destOrd="1" presId="urn:microsoft.com/office/officeart/2005/8/layout/vList5"/>
+    <dgm:cxn modelId="{89B2537D-AB1E-482E-BA66-C15EA8A58DDF}" type="presOf" srcId="{4845582E-F9D1-4286-ABDB-B3C54C3DB8D3}" destId="{3DCABB5E-815A-4018-894D-BB2152A05B74}" srcOrd="0" destOrd="1" presId="urn:microsoft.com/office/officeart/2005/8/layout/vList5"/>
     <dgm:cxn modelId="{2389203F-74E3-464B-A439-71969A57CFC9}" type="presOf" srcId="{4A7424E4-33FE-4962-8C87-8F65E64E05A4}" destId="{3DCABB5E-815A-4018-894D-BB2152A05B74}" srcOrd="0" destOrd="0" presId="urn:microsoft.com/office/officeart/2005/8/layout/vList5"/>
-    <dgm:cxn modelId="{BEAC364D-7BE1-44AB-8350-521CDA18CE36}" type="presOf" srcId="{5CA24573-BC92-4A10-A1B3-2B7F5A92872F}" destId="{84047048-3489-45FD-AD42-23C8F293A5F6}" srcOrd="0" destOrd="2" presId="urn:microsoft.com/office/officeart/2005/8/layout/vList5"/>
-    <dgm:cxn modelId="{E521E888-6BF8-47D0-91A9-8DDF6A1AFBE2}" srcId="{C7897C54-F800-44B8-B2E0-E3F6280CA0C8}" destId="{BC491DEC-2DE0-4650-8339-783DCFD8374B}" srcOrd="2" destOrd="0" parTransId="{4ADB86D3-83DC-4CFA-9509-46BE32E09462}" sibTransId="{1AB16834-9CDF-434C-9DE7-82B4383238F5}"/>
     <dgm:cxn modelId="{D5F49355-8AE6-466F-A51C-35CC6EDD7CC8}" type="presOf" srcId="{EEE8A3FA-F383-4D0F-B67A-40AD33C5E313}" destId="{F733AC26-86E5-4483-9535-2A97BBA27B1D}" srcOrd="0" destOrd="0" presId="urn:microsoft.com/office/officeart/2005/8/layout/vList5"/>
     <dgm:cxn modelId="{DBAB86BD-49FE-400F-A142-34120B5BF832}" type="presOf" srcId="{D0DF8467-DA3A-437F-B3BE-2D4E4C36AE23}" destId="{84047048-3489-45FD-AD42-23C8F293A5F6}" srcOrd="0" destOrd="0" presId="urn:microsoft.com/office/officeart/2005/8/layout/vList5"/>
+    <dgm:cxn modelId="{3A88C447-9A89-4EC9-9943-D4846AD04A36}" srcId="{EEE8A3FA-F383-4D0F-B67A-40AD33C5E313}" destId="{0F152F44-1198-43AC-86E7-8E96A8CB883F}" srcOrd="2" destOrd="0" parTransId="{255219C8-00D9-4D6E-8429-5D9B2A9DD4C9}" sibTransId="{CEEF77D7-AFC1-4328-B282-96AAECA29424}"/>
+    <dgm:cxn modelId="{14D34CDC-DDE0-4DE9-81F7-7B8151BD0D17}" srcId="{0F152F44-1198-43AC-86E7-8E96A8CB883F}" destId="{4A7424E4-33FE-4962-8C87-8F65E64E05A4}" srcOrd="0" destOrd="0" parTransId="{F0B2D6AB-5F2F-4713-B45E-30DA114C481F}" sibTransId="{3C0C09AD-99F4-4527-8671-FA4FF5A98971}"/>
+    <dgm:cxn modelId="{C9A65338-A148-4C28-8AAA-65F212680BEF}" type="presOf" srcId="{C7897C54-F800-44B8-B2E0-E3F6280CA0C8}" destId="{F11A811D-BF03-46F9-903E-86A9AAAF8A3D}" srcOrd="0" destOrd="0" presId="urn:microsoft.com/office/officeart/2005/8/layout/vList5"/>
+    <dgm:cxn modelId="{DBF7F01A-A691-4CAE-A333-56E19FE45680}" type="presOf" srcId="{0F152F44-1198-43AC-86E7-8E96A8CB883F}" destId="{B6BE7333-28CC-4023-A7F5-52E95F94DCDE}" srcOrd="0" destOrd="0" presId="urn:microsoft.com/office/officeart/2005/8/layout/vList5"/>
+    <dgm:cxn modelId="{C15160EE-E6D8-4FAE-A151-D3A7080B0A99}" srcId="{EEE8A3FA-F383-4D0F-B67A-40AD33C5E313}" destId="{C7897C54-F800-44B8-B2E0-E3F6280CA0C8}" srcOrd="0" destOrd="0" parTransId="{B538B416-3964-486B-B3A4-0CF22326C761}" sibTransId="{8874BCF8-81F5-4A6B-B3C3-5FDED006647A}"/>
     <dgm:cxn modelId="{815BA048-BA2C-49C2-8729-CDA9C14124A9}" srcId="{EAE98432-45EF-49FC-84CF-CAFF81DB5CD7}" destId="{584D404B-212B-4FEB-9BFA-9D2EA4CC31C7}" srcOrd="1" destOrd="0" parTransId="{A3FB7081-F945-4CAC-9E6B-70C8547FEAD8}" sibTransId="{49635A8B-88F4-4C29-9240-BA68BC13EB53}"/>
-    <dgm:cxn modelId="{89B2537D-AB1E-482E-BA66-C15EA8A58DDF}" type="presOf" srcId="{4845582E-F9D1-4286-ABDB-B3C54C3DB8D3}" destId="{3DCABB5E-815A-4018-894D-BB2152A05B74}" srcOrd="0" destOrd="1" presId="urn:microsoft.com/office/officeart/2005/8/layout/vList5"/>
-    <dgm:cxn modelId="{DBF7F01A-A691-4CAE-A333-56E19FE45680}" type="presOf" srcId="{0F152F44-1198-43AC-86E7-8E96A8CB883F}" destId="{B6BE7333-28CC-4023-A7F5-52E95F94DCDE}" srcOrd="0" destOrd="0" presId="urn:microsoft.com/office/officeart/2005/8/layout/vList5"/>
-    <dgm:cxn modelId="{C9A65338-A148-4C28-8AAA-65F212680BEF}" type="presOf" srcId="{C7897C54-F800-44B8-B2E0-E3F6280CA0C8}" destId="{F11A811D-BF03-46F9-903E-86A9AAAF8A3D}" srcOrd="0" destOrd="0" presId="urn:microsoft.com/office/officeart/2005/8/layout/vList5"/>
-    <dgm:cxn modelId="{EE3D5F84-4287-4B55-B023-7875064AD5BB}" type="presOf" srcId="{A0AA2172-E60F-4EE6-997C-5F090CFF3574}" destId="{84E8FD5B-F47E-455E-849A-EF1F394AFB08}" srcOrd="0" destOrd="0" presId="urn:microsoft.com/office/officeart/2005/8/layout/vList5"/>
+    <dgm:cxn modelId="{1633A6CD-F59F-482B-A821-7C54C90514DF}" srcId="{EEE8A3FA-F383-4D0F-B67A-40AD33C5E313}" destId="{EAE98432-45EF-49FC-84CF-CAFF81DB5CD7}" srcOrd="1" destOrd="0" parTransId="{0B7295D3-AB6A-408E-B4E1-36D0BF9BED6E}" sibTransId="{2057EE9D-E2B0-4FBA-9B4A-EC037242B740}"/>
+    <dgm:cxn modelId="{B9A64A07-EFE7-47FD-8A42-BDD8168EAEA5}" type="presOf" srcId="{D08910FD-7518-4F66-A008-A700BC4D792A}" destId="{84E8FD5B-F47E-455E-849A-EF1F394AFB08}" srcOrd="0" destOrd="1" presId="urn:microsoft.com/office/officeart/2005/8/layout/vList5"/>
+    <dgm:cxn modelId="{D533DACE-E590-45E3-8FBD-C376D8BABE43}" srcId="{C7897C54-F800-44B8-B2E0-E3F6280CA0C8}" destId="{D08910FD-7518-4F66-A008-A700BC4D792A}" srcOrd="1" destOrd="0" parTransId="{420E3CF9-BEB1-4403-A388-395BE7079869}" sibTransId="{2D8C8065-B2C4-414A-9D90-BF200C196562}"/>
+    <dgm:cxn modelId="{8B8C56C6-02E8-4B27-975C-B8C808A6B68F}" type="presOf" srcId="{BC491DEC-2DE0-4650-8339-783DCFD8374B}" destId="{84E8FD5B-F47E-455E-849A-EF1F394AFB08}" srcOrd="0" destOrd="2" presId="urn:microsoft.com/office/officeart/2005/8/layout/vList5"/>
+    <dgm:cxn modelId="{F339A4E5-37F9-43A7-AC7E-47E72C4207F1}" srcId="{C7897C54-F800-44B8-B2E0-E3F6280CA0C8}" destId="{A0AA2172-E60F-4EE6-997C-5F090CFF3574}" srcOrd="0" destOrd="0" parTransId="{768D02CB-52CC-4206-B8CA-AFA5F65CA0C9}" sibTransId="{F2A80081-5E49-4D88-BBFF-B694C9F0DE43}"/>
+    <dgm:cxn modelId="{DD126B35-DDAF-4A09-98E6-EAAAA1F0C85E}" srcId="{0F152F44-1198-43AC-86E7-8E96A8CB883F}" destId="{60C267EA-503E-40EE-A033-A0D69762F4DE}" srcOrd="2" destOrd="0" parTransId="{C1103FC2-D532-4D8D-9065-6C47D17A2331}" sibTransId="{A3B6FC1C-ECE9-4880-9A67-B011E171FB83}"/>
+    <dgm:cxn modelId="{22553EB2-7FF8-447A-8F66-24BF9170E256}" type="presOf" srcId="{584D404B-212B-4FEB-9BFA-9D2EA4CC31C7}" destId="{84047048-3489-45FD-AD42-23C8F293A5F6}" srcOrd="0" destOrd="1" presId="urn:microsoft.com/office/officeart/2005/8/layout/vList5"/>
+    <dgm:cxn modelId="{E521E888-6BF8-47D0-91A9-8DDF6A1AFBE2}" srcId="{C7897C54-F800-44B8-B2E0-E3F6280CA0C8}" destId="{BC491DEC-2DE0-4650-8339-783DCFD8374B}" srcOrd="2" destOrd="0" parTransId="{4ADB86D3-83DC-4CFA-9509-46BE32E09462}" sibTransId="{1AB16834-9CDF-434C-9DE7-82B4383238F5}"/>
+    <dgm:cxn modelId="{E37B79BA-B76C-4D69-A353-5340A6AD08AA}" srcId="{0F152F44-1198-43AC-86E7-8E96A8CB883F}" destId="{4845582E-F9D1-4286-ABDB-B3C54C3DB8D3}" srcOrd="1" destOrd="0" parTransId="{913AFE42-F589-40C1-85E3-302006921A92}" sibTransId="{1173504A-2DE5-442D-B53D-68F972720833}"/>
+    <dgm:cxn modelId="{A5F32142-12BC-425D-8490-97E883A97E62}" type="presOf" srcId="{EAE98432-45EF-49FC-84CF-CAFF81DB5CD7}" destId="{D5BA7D7F-A832-4CB0-971D-4F0DE6BF012E}" srcOrd="0" destOrd="0" presId="urn:microsoft.com/office/officeart/2005/8/layout/vList5"/>
+    <dgm:cxn modelId="{0E68D9FF-0B9D-4E81-B687-E83107DD8E8C}" srcId="{EAE98432-45EF-49FC-84CF-CAFF81DB5CD7}" destId="{D0DF8467-DA3A-437F-B3BE-2D4E4C36AE23}" srcOrd="0" destOrd="0" parTransId="{5A2CB50E-3A3A-41B2-B052-07A44CB96E45}" sibTransId="{66DDADC9-0E8B-42D4-B1EA-74A3270B8D9E}"/>
+    <dgm:cxn modelId="{BEAC364D-7BE1-44AB-8350-521CDA18CE36}" type="presOf" srcId="{5CA24573-BC92-4A10-A1B3-2B7F5A92872F}" destId="{84047048-3489-45FD-AD42-23C8F293A5F6}" srcOrd="0" destOrd="2" presId="urn:microsoft.com/office/officeart/2005/8/layout/vList5"/>
     <dgm:cxn modelId="{4121EC55-83B5-4942-A2B5-6A0641B932C1}" type="presParOf" srcId="{F733AC26-86E5-4483-9535-2A97BBA27B1D}" destId="{180908C7-BEE4-4F09-9D4E-DE602BA01834}" srcOrd="0" destOrd="0" presId="urn:microsoft.com/office/officeart/2005/8/layout/vList5"/>
     <dgm:cxn modelId="{64D2F2A9-7178-4B1E-AAB3-D0CCE39B8351}" type="presParOf" srcId="{180908C7-BEE4-4F09-9D4E-DE602BA01834}" destId="{F11A811D-BF03-46F9-903E-86A9AAAF8A3D}" srcOrd="0" destOrd="0" presId="urn:microsoft.com/office/officeart/2005/8/layout/vList5"/>
     <dgm:cxn modelId="{9EA16BD2-3DD6-4C1B-81CE-4C87DC1F3CCB}" type="presParOf" srcId="{180908C7-BEE4-4F09-9D4E-DE602BA01834}" destId="{84E8FD5B-F47E-455E-849A-EF1F394AFB08}" srcOrd="1" destOrd="0" presId="urn:microsoft.com/office/officeart/2005/8/layout/vList5"/>
@@ -15564,21 +15771,11 @@
           <a:avLst/>
         </a:prstGeom>
         <a:solidFill>
-          <a:schemeClr val="accent1">
-            <a:hueOff val="0"/>
-            <a:satOff val="0"/>
-            <a:lumOff val="0"/>
-            <a:alphaOff val="0"/>
-          </a:schemeClr>
+          <a:schemeClr val="bg1"/>
         </a:solidFill>
-        <a:ln w="12700" cap="flat" cmpd="sng" algn="ctr">
+        <a:ln w="38100" cap="flat" cmpd="sng" algn="ctr">
           <a:solidFill>
-            <a:schemeClr val="lt1">
-              <a:hueOff val="0"/>
-              <a:satOff val="0"/>
-              <a:lumOff val="0"/>
-              <a:alphaOff val="0"/>
-            </a:schemeClr>
+            <a:srgbClr val="FF0000"/>
           </a:solidFill>
           <a:prstDash val="solid"/>
           <a:miter lim="800000"/>
@@ -15617,10 +15814,18 @@
             </a:spcAft>
           </a:pPr>
           <a:r>
-            <a:rPr lang="it-IT" sz="2200" kern="1200" dirty="0" smtClean="0"/>
+            <a:rPr lang="it-IT" sz="2200" kern="1200" dirty="0" smtClean="0">
+              <a:solidFill>
+                <a:schemeClr val="tx1"/>
+              </a:solidFill>
+            </a:rPr>
             <a:t>Definizione dei test</a:t>
           </a:r>
-          <a:endParaRPr lang="it-IT" sz="2200" kern="1200" dirty="0"/>
+          <a:endParaRPr lang="it-IT" sz="2200" kern="1200" dirty="0">
+            <a:solidFill>
+              <a:schemeClr val="tx1"/>
+            </a:solidFill>
+          </a:endParaRPr>
         </a:p>
       </dsp:txBody>
       <dsp:txXfrm>
@@ -15642,111 +15847,11 @@
           <a:avLst/>
         </a:prstGeom>
         <a:solidFill>
-          <a:schemeClr val="accent1">
-            <a:hueOff val="0"/>
-            <a:satOff val="0"/>
-            <a:lumOff val="0"/>
-            <a:alphaOff val="0"/>
-          </a:schemeClr>
+          <a:schemeClr val="bg1"/>
         </a:solidFill>
-        <a:ln w="12700" cap="flat" cmpd="sng" algn="ctr">
+        <a:ln w="38100" cap="flat" cmpd="sng" algn="ctr">
           <a:solidFill>
-            <a:schemeClr val="lt1">
-              <a:hueOff val="0"/>
-              <a:satOff val="0"/>
-              <a:lumOff val="0"/>
-              <a:alphaOff val="0"/>
-            </a:schemeClr>
-          </a:solidFill>
-          <a:prstDash val="solid"/>
-          <a:miter lim="800000"/>
-        </a:ln>
-        <a:effectLst/>
-      </dsp:spPr>
-      <dsp:style>
-        <a:lnRef idx="2">
-          <a:scrgbClr r="0" g="0" b="0"/>
-        </a:lnRef>
-        <a:fillRef idx="1">
-          <a:scrgbClr r="0" g="0" b="0"/>
-        </a:fillRef>
-        <a:effectRef idx="0">
-          <a:scrgbClr r="0" g="0" b="0"/>
-        </a:effectRef>
-        <a:fontRef idx="minor">
-          <a:schemeClr val="lt1"/>
-        </a:fontRef>
-      </dsp:style>
-      <dsp:txBody>
-        <a:bodyPr spcFirstLastPara="0" vert="horz" wrap="square" lIns="83820" tIns="83820" rIns="83820" bIns="83820" numCol="1" spcCol="1270" anchor="ctr" anchorCtr="0">
-          <a:noAutofit/>
-        </a:bodyPr>
-        <a:lstStyle/>
-        <a:p>
-          <a:pPr lvl="0" algn="ctr" defTabSz="977900">
-            <a:lnSpc>
-              <a:spcPct val="90000"/>
-            </a:lnSpc>
-            <a:spcBef>
-              <a:spcPct val="0"/>
-            </a:spcBef>
-            <a:spcAft>
-              <a:spcPct val="35000"/>
-            </a:spcAft>
-          </a:pPr>
-          <a:r>
-            <a:rPr lang="it-IT" sz="2200" kern="1200" dirty="0" err="1" smtClean="0"/>
-            <a:t>Make</a:t>
-          </a:r>
-          <a:r>
-            <a:rPr lang="it-IT" sz="2200" kern="1200" dirty="0" smtClean="0"/>
-            <a:t> </a:t>
-          </a:r>
-          <a:r>
-            <a:rPr lang="it-IT" sz="2200" kern="1200" dirty="0" err="1" smtClean="0"/>
-            <a:t>it</a:t>
-          </a:r>
-          <a:r>
-            <a:rPr lang="it-IT" sz="2200" kern="1200" dirty="0" smtClean="0"/>
-            <a:t> green</a:t>
-          </a:r>
-          <a:endParaRPr lang="it-IT" sz="2200" kern="1200" dirty="0"/>
-        </a:p>
-      </dsp:txBody>
-      <dsp:txXfrm>
-        <a:off x="3216433" y="1040540"/>
-        <a:ext cx="1683521" cy="798560"/>
-      </dsp:txXfrm>
-    </dsp:sp>
-    <dsp:sp modelId="{8A278E51-1E12-41A9-BD6B-71DF311CF274}">
-      <dsp:nvSpPr>
-        <dsp:cNvPr id="0" name=""/>
-        <dsp:cNvSpPr/>
-      </dsp:nvSpPr>
-      <dsp:spPr>
-        <a:xfrm>
-          <a:off x="2176525" y="1994047"/>
-          <a:ext cx="1769921" cy="884960"/>
-        </a:xfrm>
-        <a:prstGeom prst="roundRect">
-          <a:avLst/>
-        </a:prstGeom>
-        <a:solidFill>
-          <a:schemeClr val="accent1">
-            <a:hueOff val="0"/>
-            <a:satOff val="0"/>
-            <a:lumOff val="0"/>
-            <a:alphaOff val="0"/>
-          </a:schemeClr>
-        </a:solidFill>
-        <a:ln w="12700" cap="flat" cmpd="sng" algn="ctr">
-          <a:solidFill>
-            <a:schemeClr val="lt1">
-              <a:hueOff val="0"/>
-              <a:satOff val="0"/>
-              <a:lumOff val="0"/>
-              <a:alphaOff val="0"/>
-            </a:schemeClr>
+            <a:srgbClr val="00B050"/>
           </a:solidFill>
           <a:prstDash val="solid"/>
           <a:miter lim="800000"/>
@@ -15787,14 +15892,114 @@
           <a:r>
             <a:rPr lang="it-IT" sz="2200" kern="1200" dirty="0" err="1" smtClean="0">
               <a:solidFill>
-                <a:schemeClr val="bg1"/>
+                <a:schemeClr val="tx1"/>
+              </a:solidFill>
+            </a:rPr>
+            <a:t>Make</a:t>
+          </a:r>
+          <a:r>
+            <a:rPr lang="it-IT" sz="2200" kern="1200" dirty="0" smtClean="0">
+              <a:solidFill>
+                <a:schemeClr val="tx1"/>
+              </a:solidFill>
+            </a:rPr>
+            <a:t> </a:t>
+          </a:r>
+          <a:r>
+            <a:rPr lang="it-IT" sz="2200" kern="1200" dirty="0" err="1" smtClean="0">
+              <a:solidFill>
+                <a:schemeClr val="tx1"/>
+              </a:solidFill>
+            </a:rPr>
+            <a:t>it</a:t>
+          </a:r>
+          <a:r>
+            <a:rPr lang="it-IT" sz="2200" kern="1200" dirty="0" smtClean="0">
+              <a:solidFill>
+                <a:schemeClr val="tx1"/>
+              </a:solidFill>
+            </a:rPr>
+            <a:t> green</a:t>
+          </a:r>
+          <a:endParaRPr lang="it-IT" sz="2200" kern="1200" dirty="0">
+            <a:solidFill>
+              <a:schemeClr val="tx1"/>
+            </a:solidFill>
+          </a:endParaRPr>
+        </a:p>
+      </dsp:txBody>
+      <dsp:txXfrm>
+        <a:off x="3216433" y="1040540"/>
+        <a:ext cx="1683521" cy="798560"/>
+      </dsp:txXfrm>
+    </dsp:sp>
+    <dsp:sp modelId="{8A278E51-1E12-41A9-BD6B-71DF311CF274}">
+      <dsp:nvSpPr>
+        <dsp:cNvPr id="0" name=""/>
+        <dsp:cNvSpPr/>
+      </dsp:nvSpPr>
+      <dsp:spPr>
+        <a:xfrm>
+          <a:off x="2176525" y="1994047"/>
+          <a:ext cx="1769921" cy="884960"/>
+        </a:xfrm>
+        <a:prstGeom prst="roundRect">
+          <a:avLst/>
+        </a:prstGeom>
+        <a:solidFill>
+          <a:schemeClr val="bg1"/>
+        </a:solidFill>
+        <a:ln w="38100" cap="flat" cmpd="sng" algn="ctr">
+          <a:solidFill>
+            <a:srgbClr val="7030A0"/>
+          </a:solidFill>
+          <a:prstDash val="solid"/>
+          <a:miter lim="800000"/>
+        </a:ln>
+        <a:effectLst/>
+      </dsp:spPr>
+      <dsp:style>
+        <a:lnRef idx="2">
+          <a:scrgbClr r="0" g="0" b="0"/>
+        </a:lnRef>
+        <a:fillRef idx="1">
+          <a:scrgbClr r="0" g="0" b="0"/>
+        </a:fillRef>
+        <a:effectRef idx="0">
+          <a:scrgbClr r="0" g="0" b="0"/>
+        </a:effectRef>
+        <a:fontRef idx="minor">
+          <a:schemeClr val="lt1"/>
+        </a:fontRef>
+      </dsp:style>
+      <dsp:txBody>
+        <a:bodyPr spcFirstLastPara="0" vert="horz" wrap="square" lIns="83820" tIns="83820" rIns="83820" bIns="83820" numCol="1" spcCol="1270" anchor="ctr" anchorCtr="0">
+          <a:noAutofit/>
+        </a:bodyPr>
+        <a:lstStyle/>
+        <a:p>
+          <a:pPr lvl="0" algn="ctr" defTabSz="977900">
+            <a:lnSpc>
+              <a:spcPct val="90000"/>
+            </a:lnSpc>
+            <a:spcBef>
+              <a:spcPct val="0"/>
+            </a:spcBef>
+            <a:spcAft>
+              <a:spcPct val="35000"/>
+            </a:spcAft>
+          </a:pPr>
+          <a:r>
+            <a:rPr lang="it-IT" sz="2200" kern="1200" dirty="0" err="1" smtClean="0">
+              <a:solidFill>
+                <a:schemeClr val="tx1"/>
               </a:solidFill>
             </a:rPr>
             <a:t>Refactor</a:t>
           </a:r>
           <a:endParaRPr lang="it-IT" sz="2200" kern="1200" dirty="0">
             <a:solidFill>
-              <a:schemeClr val="bg1"/>
+              <a:schemeClr val="tx1"/>
             </a:solidFill>
           </a:endParaRPr>
         </a:p>
@@ -15818,20 +16023,13 @@
           <a:avLst/>
         </a:prstGeom>
         <a:solidFill>
-          <a:schemeClr val="accent1">
-            <a:hueOff val="0"/>
-            <a:satOff val="0"/>
-            <a:lumOff val="0"/>
-            <a:alphaOff val="0"/>
-          </a:schemeClr>
+          <a:schemeClr val="bg1"/>
         </a:solidFill>
-        <a:ln w="12700" cap="flat" cmpd="sng" algn="ctr">
+        <a:ln w="38100" cap="flat" cmpd="sng" algn="ctr">
           <a:solidFill>
-            <a:schemeClr val="lt1">
-              <a:hueOff val="0"/>
-              <a:satOff val="0"/>
-              <a:lumOff val="0"/>
-              <a:alphaOff val="0"/>
+            <a:schemeClr val="tx1">
+              <a:lumMod val="50000"/>
+              <a:lumOff val="50000"/>
             </a:schemeClr>
           </a:solidFill>
           <a:prstDash val="solid"/>
@@ -16819,35 +17017,25 @@
       <dsp:cNvGrpSpPr/>
     </dsp:nvGrpSpPr>
     <dsp:grpSpPr/>
-    <dsp:sp modelId="{19EA5E51-BF0D-47B1-822E-1407A20F1F5A}">
+    <dsp:sp modelId="{86FC6D90-A812-41BB-B6F2-2709A8B1A365}">
       <dsp:nvSpPr>
         <dsp:cNvPr id="0" name=""/>
         <dsp:cNvSpPr/>
       </dsp:nvSpPr>
       <dsp:spPr>
         <a:xfrm rot="10800000">
-          <a:off x="1175234" y="419"/>
-          <a:ext cx="4013301" cy="657459"/>
+          <a:off x="1258897" y="893"/>
+          <a:ext cx="4013301" cy="992112"/>
         </a:xfrm>
         <a:prstGeom prst="homePlate">
           <a:avLst/>
         </a:prstGeom>
         <a:solidFill>
-          <a:schemeClr val="accent1">
-            <a:hueOff val="0"/>
-            <a:satOff val="0"/>
-            <a:lumOff val="0"/>
-            <a:alphaOff val="0"/>
-          </a:schemeClr>
+          <a:srgbClr val="C00000"/>
         </a:solidFill>
-        <a:ln w="12700" cap="flat" cmpd="sng" algn="ctr">
+        <a:ln w="57150" cap="flat" cmpd="sng" algn="ctr">
           <a:solidFill>
-            <a:schemeClr val="lt1">
-              <a:hueOff val="0"/>
-              <a:satOff val="0"/>
-              <a:lumOff val="0"/>
-              <a:alphaOff val="0"/>
-            </a:schemeClr>
+            <a:srgbClr val="ED4545"/>
           </a:solidFill>
           <a:prstDash val="solid"/>
           <a:miter lim="800000"/>
@@ -16869,7 +17057,7 @@
         </a:fontRef>
       </dsp:style>
       <dsp:txBody>
-        <a:bodyPr spcFirstLastPara="0" vert="horz" wrap="square" lIns="289922" tIns="106680" rIns="199136" bIns="106680" numCol="1" spcCol="1270" anchor="ctr" anchorCtr="0">
+        <a:bodyPr spcFirstLastPara="0" vert="horz" wrap="square" lIns="437494" tIns="106680" rIns="199136" bIns="106680" numCol="1" spcCol="1270" anchor="ctr" anchorCtr="0">
           <a:noAutofit/>
         </a:bodyPr>
         <a:lstStyle/>
@@ -16897,19 +17085,19 @@
         </a:p>
       </dsp:txBody>
       <dsp:txXfrm rot="10800000">
-        <a:off x="1339599" y="419"/>
-        <a:ext cx="3848936" cy="657459"/>
+        <a:off x="1506925" y="893"/>
+        <a:ext cx="3765273" cy="992112"/>
       </dsp:txXfrm>
     </dsp:sp>
-    <dsp:sp modelId="{9A0561D6-26DB-4516-AE13-0530C221F62E}">
+    <dsp:sp modelId="{DF23AEB3-10F8-417B-B98C-3FD52C1CF145}">
       <dsp:nvSpPr>
         <dsp:cNvPr id="0" name=""/>
         <dsp:cNvSpPr/>
       </dsp:nvSpPr>
       <dsp:spPr>
         <a:xfrm>
-          <a:off x="846504" y="419"/>
-          <a:ext cx="657459" cy="657459"/>
+          <a:off x="762840" y="893"/>
+          <a:ext cx="992112" cy="992112"/>
         </a:xfrm>
         <a:prstGeom prst="ellipse">
           <a:avLst/>
@@ -16928,14 +17116,7 @@
           </a:stretch>
         </a:blipFill>
         <a:ln w="12700" cap="flat" cmpd="sng" algn="ctr">
-          <a:solidFill>
-            <a:schemeClr val="lt1">
-              <a:hueOff val="0"/>
-              <a:satOff val="0"/>
-              <a:lumOff val="0"/>
-              <a:alphaOff val="0"/>
-            </a:schemeClr>
-          </a:solidFill>
+          <a:noFill/>
           <a:prstDash val="solid"/>
           <a:miter lim="800000"/>
         </a:ln>
@@ -16954,35 +17135,25 @@
         <a:fontRef idx="minor"/>
       </dsp:style>
     </dsp:sp>
-    <dsp:sp modelId="{37FE9994-A505-4AC7-9957-1B3D2FB3C898}">
+    <dsp:sp modelId="{CFF8CDC7-F35A-4EFB-990F-5D8C02AD02B0}">
       <dsp:nvSpPr>
         <dsp:cNvPr id="0" name=""/>
         <dsp:cNvSpPr/>
       </dsp:nvSpPr>
       <dsp:spPr>
         <a:xfrm rot="10800000">
-          <a:off x="1175234" y="854136"/>
-          <a:ext cx="4013301" cy="657459"/>
+          <a:off x="1258897" y="1289159"/>
+          <a:ext cx="4013301" cy="992112"/>
         </a:xfrm>
         <a:prstGeom prst="homePlate">
           <a:avLst/>
         </a:prstGeom>
         <a:solidFill>
-          <a:schemeClr val="accent1">
-            <a:hueOff val="0"/>
-            <a:satOff val="0"/>
-            <a:lumOff val="0"/>
-            <a:alphaOff val="0"/>
-          </a:schemeClr>
+          <a:srgbClr val="C00000"/>
         </a:solidFill>
-        <a:ln w="12700" cap="flat" cmpd="sng" algn="ctr">
+        <a:ln w="57150" cap="flat" cmpd="sng" algn="ctr">
           <a:solidFill>
-            <a:schemeClr val="lt1">
-              <a:hueOff val="0"/>
-              <a:satOff val="0"/>
-              <a:lumOff val="0"/>
-              <a:alphaOff val="0"/>
-            </a:schemeClr>
+            <a:srgbClr val="ED4545"/>
           </a:solidFill>
           <a:prstDash val="solid"/>
           <a:miter lim="800000"/>
@@ -17004,7 +17175,7 @@
         </a:fontRef>
       </dsp:style>
       <dsp:txBody>
-        <a:bodyPr spcFirstLastPara="0" vert="horz" wrap="square" lIns="289922" tIns="106680" rIns="199136" bIns="106680" numCol="1" spcCol="1270" anchor="ctr" anchorCtr="0">
+        <a:bodyPr spcFirstLastPara="0" vert="horz" wrap="square" lIns="437494" tIns="106680" rIns="199136" bIns="106680" numCol="1" spcCol="1270" anchor="ctr" anchorCtr="0">
           <a:noAutofit/>
         </a:bodyPr>
         <a:lstStyle/>
@@ -17028,19 +17199,19 @@
         </a:p>
       </dsp:txBody>
       <dsp:txXfrm rot="10800000">
-        <a:off x="1339599" y="854136"/>
-        <a:ext cx="3848936" cy="657459"/>
+        <a:off x="1506925" y="1289159"/>
+        <a:ext cx="3765273" cy="992112"/>
       </dsp:txXfrm>
     </dsp:sp>
-    <dsp:sp modelId="{4CC30A81-C331-4870-B7A9-84C3D76131FD}">
+    <dsp:sp modelId="{BAA94DAA-8DEC-403F-B42D-95B88FFCB425}">
       <dsp:nvSpPr>
         <dsp:cNvPr id="0" name=""/>
         <dsp:cNvSpPr/>
       </dsp:nvSpPr>
       <dsp:spPr>
         <a:xfrm>
-          <a:off x="846504" y="854136"/>
-          <a:ext cx="657459" cy="657459"/>
+          <a:off x="762840" y="1289159"/>
+          <a:ext cx="992112" cy="992112"/>
         </a:xfrm>
         <a:prstGeom prst="ellipse">
           <a:avLst/>
@@ -17059,14 +17230,7 @@
           </a:stretch>
         </a:blipFill>
         <a:ln w="12700" cap="flat" cmpd="sng" algn="ctr">
-          <a:solidFill>
-            <a:schemeClr val="lt1">
-              <a:hueOff val="0"/>
-              <a:satOff val="0"/>
-              <a:lumOff val="0"/>
-              <a:alphaOff val="0"/>
-            </a:schemeClr>
-          </a:solidFill>
+          <a:noFill/>
           <a:prstDash val="solid"/>
           <a:miter lim="800000"/>
         </a:ln>
@@ -17085,35 +17249,25 @@
         <a:fontRef idx="minor"/>
       </dsp:style>
     </dsp:sp>
-    <dsp:sp modelId="{8AA32794-7267-4FCD-A384-82865F287543}">
+    <dsp:sp modelId="{0003C58D-FD99-493C-B780-68AE7F1FEFC1}">
       <dsp:nvSpPr>
         <dsp:cNvPr id="0" name=""/>
         <dsp:cNvSpPr/>
       </dsp:nvSpPr>
       <dsp:spPr>
         <a:xfrm rot="10800000">
-          <a:off x="1175234" y="1707852"/>
-          <a:ext cx="4013301" cy="657459"/>
+          <a:off x="1258897" y="2577425"/>
+          <a:ext cx="4013301" cy="992112"/>
         </a:xfrm>
         <a:prstGeom prst="homePlate">
           <a:avLst/>
         </a:prstGeom>
         <a:solidFill>
-          <a:schemeClr val="accent1">
-            <a:hueOff val="0"/>
-            <a:satOff val="0"/>
-            <a:lumOff val="0"/>
-            <a:alphaOff val="0"/>
-          </a:schemeClr>
+          <a:srgbClr val="C00000"/>
         </a:solidFill>
-        <a:ln w="12700" cap="flat" cmpd="sng" algn="ctr">
+        <a:ln w="57150" cap="flat" cmpd="sng" algn="ctr">
           <a:solidFill>
-            <a:schemeClr val="lt1">
-              <a:hueOff val="0"/>
-              <a:satOff val="0"/>
-              <a:lumOff val="0"/>
-              <a:alphaOff val="0"/>
-            </a:schemeClr>
+            <a:srgbClr val="ED4545"/>
           </a:solidFill>
           <a:prstDash val="solid"/>
           <a:miter lim="800000"/>
@@ -17135,7 +17289,7 @@
         </a:fontRef>
       </dsp:style>
       <dsp:txBody>
-        <a:bodyPr spcFirstLastPara="0" vert="horz" wrap="square" lIns="289922" tIns="106680" rIns="199136" bIns="106680" numCol="1" spcCol="1270" anchor="ctr" anchorCtr="0">
+        <a:bodyPr spcFirstLastPara="0" vert="horz" wrap="square" lIns="437494" tIns="106680" rIns="199136" bIns="106680" numCol="1" spcCol="1270" anchor="ctr" anchorCtr="0">
           <a:noAutofit/>
         </a:bodyPr>
         <a:lstStyle/>
@@ -17167,19 +17321,19 @@
         </a:p>
       </dsp:txBody>
       <dsp:txXfrm rot="10800000">
-        <a:off x="1339599" y="1707852"/>
-        <a:ext cx="3848936" cy="657459"/>
+        <a:off x="1506925" y="2577425"/>
+        <a:ext cx="3765273" cy="992112"/>
       </dsp:txXfrm>
     </dsp:sp>
-    <dsp:sp modelId="{646A4835-9FA7-445C-9AA4-1DF0781DCB04}">
+    <dsp:sp modelId="{BAA3EE14-7788-439F-9D56-07E39F545C1A}">
       <dsp:nvSpPr>
         <dsp:cNvPr id="0" name=""/>
         <dsp:cNvSpPr/>
       </dsp:nvSpPr>
       <dsp:spPr>
         <a:xfrm>
-          <a:off x="846504" y="1707852"/>
-          <a:ext cx="657459" cy="657459"/>
+          <a:off x="762840" y="2577425"/>
+          <a:ext cx="992112" cy="992112"/>
         </a:xfrm>
         <a:prstGeom prst="ellipse">
           <a:avLst/>
@@ -17198,14 +17352,7 @@
           </a:stretch>
         </a:blipFill>
         <a:ln w="12700" cap="flat" cmpd="sng" algn="ctr">
-          <a:solidFill>
-            <a:schemeClr val="lt1">
-              <a:hueOff val="0"/>
-              <a:satOff val="0"/>
-              <a:lumOff val="0"/>
-              <a:alphaOff val="0"/>
-            </a:schemeClr>
-          </a:solidFill>
+          <a:noFill/>
           <a:prstDash val="solid"/>
           <a:miter lim="800000"/>
         </a:ln>
@@ -17224,35 +17371,25 @@
         <a:fontRef idx="minor"/>
       </dsp:style>
     </dsp:sp>
-    <dsp:sp modelId="{BB92422D-4057-447C-8BF2-9E9E85E4DC56}">
+    <dsp:sp modelId="{9D0A278B-2458-40ED-A7E2-F7CFC96E8557}">
       <dsp:nvSpPr>
         <dsp:cNvPr id="0" name=""/>
         <dsp:cNvSpPr/>
       </dsp:nvSpPr>
       <dsp:spPr>
         <a:xfrm rot="10800000">
-          <a:off x="1175234" y="2561569"/>
-          <a:ext cx="4013301" cy="657459"/>
+          <a:off x="1258897" y="3865690"/>
+          <a:ext cx="4013301" cy="992112"/>
         </a:xfrm>
         <a:prstGeom prst="homePlate">
           <a:avLst/>
         </a:prstGeom>
         <a:solidFill>
-          <a:schemeClr val="accent1">
-            <a:hueOff val="0"/>
-            <a:satOff val="0"/>
-            <a:lumOff val="0"/>
-            <a:alphaOff val="0"/>
-          </a:schemeClr>
+          <a:srgbClr val="C00000"/>
         </a:solidFill>
-        <a:ln w="12700" cap="flat" cmpd="sng" algn="ctr">
+        <a:ln w="57150" cap="flat" cmpd="sng" algn="ctr">
           <a:solidFill>
-            <a:schemeClr val="lt1">
-              <a:hueOff val="0"/>
-              <a:satOff val="0"/>
-              <a:lumOff val="0"/>
-              <a:alphaOff val="0"/>
-            </a:schemeClr>
+            <a:srgbClr val="ED4545"/>
           </a:solidFill>
           <a:prstDash val="solid"/>
           <a:miter lim="800000"/>
@@ -17274,7 +17411,7 @@
         </a:fontRef>
       </dsp:style>
       <dsp:txBody>
-        <a:bodyPr spcFirstLastPara="0" vert="horz" wrap="square" lIns="289922" tIns="106680" rIns="199136" bIns="106680" numCol="1" spcCol="1270" anchor="ctr" anchorCtr="0">
+        <a:bodyPr spcFirstLastPara="0" vert="horz" wrap="square" lIns="437494" tIns="106680" rIns="199136" bIns="106680" numCol="1" spcCol="1270" anchor="ctr" anchorCtr="0">
           <a:noAutofit/>
         </a:bodyPr>
         <a:lstStyle/>
@@ -17292,30 +17429,30 @@
           </a:pPr>
           <a:r>
             <a:rPr lang="it-IT" sz="2800" kern="1200" dirty="0" err="1" smtClean="0"/>
-            <a:t>Coypu</a:t>
+            <a:t>Capybara</a:t>
           </a:r>
           <a:endParaRPr lang="it-IT" sz="2800" kern="1200" dirty="0"/>
         </a:p>
       </dsp:txBody>
       <dsp:txXfrm rot="10800000">
-        <a:off x="1339599" y="2561569"/>
-        <a:ext cx="3848936" cy="657459"/>
+        <a:off x="1506925" y="3865690"/>
+        <a:ext cx="3765273" cy="992112"/>
       </dsp:txXfrm>
     </dsp:sp>
-    <dsp:sp modelId="{2828B773-91B3-41E7-983D-83BEB2AF42FF}">
+    <dsp:sp modelId="{CC668ABE-E55A-4FF4-81D2-A10A0EAFC932}">
       <dsp:nvSpPr>
         <dsp:cNvPr id="0" name=""/>
         <dsp:cNvSpPr/>
       </dsp:nvSpPr>
       <dsp:spPr>
         <a:xfrm>
-          <a:off x="846504" y="2561569"/>
-          <a:ext cx="657459" cy="657459"/>
+          <a:off x="762840" y="3865690"/>
+          <a:ext cx="992112" cy="992112"/>
         </a:xfrm>
         <a:prstGeom prst="ellipse">
           <a:avLst/>
         </a:prstGeom>
-        <a:blipFill>
+        <a:blipFill dpi="0" rotWithShape="1">
           <a:blip xmlns:r="http://schemas.openxmlformats.org/officeDocument/2006/relationships" r:embed="rId4" cstate="print">
             <a:extLst>
               <a:ext uri="{28A0092B-C50C-407E-A947-70E740481C1C}">
@@ -17325,18 +17462,11 @@
           </a:blip>
           <a:srcRect/>
           <a:stretch>
-            <a:fillRect/>
+            <a:fillRect t="3539" b="3539"/>
           </a:stretch>
         </a:blipFill>
         <a:ln w="12700" cap="flat" cmpd="sng" algn="ctr">
-          <a:solidFill>
-            <a:schemeClr val="lt1">
-              <a:hueOff val="0"/>
-              <a:satOff val="0"/>
-              <a:lumOff val="0"/>
-              <a:alphaOff val="0"/>
-            </a:schemeClr>
-          </a:solidFill>
+          <a:noFill/>
           <a:prstDash val="solid"/>
           <a:miter lim="800000"/>
         </a:ln>
@@ -17367,35 +17497,25 @@
       <dsp:cNvGrpSpPr/>
     </dsp:nvGrpSpPr>
     <dsp:grpSpPr/>
-    <dsp:sp modelId="{86FC6D90-A812-41BB-B6F2-2709A8B1A365}">
+    <dsp:sp modelId="{19EA5E51-BF0D-47B1-822E-1407A20F1F5A}">
       <dsp:nvSpPr>
         <dsp:cNvPr id="0" name=""/>
         <dsp:cNvSpPr/>
       </dsp:nvSpPr>
       <dsp:spPr>
         <a:xfrm rot="10800000">
-          <a:off x="1175234" y="419"/>
-          <a:ext cx="4013301" cy="657459"/>
+          <a:off x="1258897" y="893"/>
+          <a:ext cx="4013301" cy="992112"/>
         </a:xfrm>
         <a:prstGeom prst="homePlate">
           <a:avLst/>
         </a:prstGeom>
         <a:solidFill>
-          <a:schemeClr val="accent1">
-            <a:hueOff val="0"/>
-            <a:satOff val="0"/>
-            <a:lumOff val="0"/>
-            <a:alphaOff val="0"/>
-          </a:schemeClr>
+          <a:srgbClr val="C00000"/>
         </a:solidFill>
-        <a:ln w="12700" cap="flat" cmpd="sng" algn="ctr">
+        <a:ln w="57150" cap="flat" cmpd="sng" algn="ctr">
           <a:solidFill>
-            <a:schemeClr val="lt1">
-              <a:hueOff val="0"/>
-              <a:satOff val="0"/>
-              <a:lumOff val="0"/>
-              <a:alphaOff val="0"/>
-            </a:schemeClr>
+            <a:srgbClr val="ED4545"/>
           </a:solidFill>
           <a:prstDash val="solid"/>
           <a:miter lim="800000"/>
@@ -17417,7 +17537,7 @@
         </a:fontRef>
       </dsp:style>
       <dsp:txBody>
-        <a:bodyPr spcFirstLastPara="0" vert="horz" wrap="square" lIns="289922" tIns="106680" rIns="199136" bIns="106680" numCol="1" spcCol="1270" anchor="ctr" anchorCtr="0">
+        <a:bodyPr spcFirstLastPara="0" vert="horz" wrap="square" lIns="437494" tIns="106680" rIns="199136" bIns="106680" numCol="1" spcCol="1270" anchor="ctr" anchorCtr="0">
           <a:noAutofit/>
         </a:bodyPr>
         <a:lstStyle/>
@@ -17445,19 +17565,19 @@
         </a:p>
       </dsp:txBody>
       <dsp:txXfrm rot="10800000">
-        <a:off x="1339599" y="419"/>
-        <a:ext cx="3848936" cy="657459"/>
+        <a:off x="1506925" y="893"/>
+        <a:ext cx="3765273" cy="992112"/>
       </dsp:txXfrm>
     </dsp:sp>
-    <dsp:sp modelId="{DF23AEB3-10F8-417B-B98C-3FD52C1CF145}">
+    <dsp:sp modelId="{9A0561D6-26DB-4516-AE13-0530C221F62E}">
       <dsp:nvSpPr>
         <dsp:cNvPr id="0" name=""/>
         <dsp:cNvSpPr/>
       </dsp:nvSpPr>
       <dsp:spPr>
         <a:xfrm>
-          <a:off x="846504" y="419"/>
-          <a:ext cx="657459" cy="657459"/>
+          <a:off x="762840" y="893"/>
+          <a:ext cx="992112" cy="992112"/>
         </a:xfrm>
         <a:prstGeom prst="ellipse">
           <a:avLst/>
@@ -17476,14 +17596,7 @@
           </a:stretch>
         </a:blipFill>
         <a:ln w="12700" cap="flat" cmpd="sng" algn="ctr">
-          <a:solidFill>
-            <a:schemeClr val="lt1">
-              <a:hueOff val="0"/>
-              <a:satOff val="0"/>
-              <a:lumOff val="0"/>
-              <a:alphaOff val="0"/>
-            </a:schemeClr>
-          </a:solidFill>
+          <a:noFill/>
           <a:prstDash val="solid"/>
           <a:miter lim="800000"/>
         </a:ln>
@@ -17502,35 +17615,25 @@
         <a:fontRef idx="minor"/>
       </dsp:style>
     </dsp:sp>
-    <dsp:sp modelId="{CFF8CDC7-F35A-4EFB-990F-5D8C02AD02B0}">
+    <dsp:sp modelId="{37FE9994-A505-4AC7-9957-1B3D2FB3C898}">
       <dsp:nvSpPr>
         <dsp:cNvPr id="0" name=""/>
         <dsp:cNvSpPr/>
       </dsp:nvSpPr>
       <dsp:spPr>
         <a:xfrm rot="10800000">
-          <a:off x="1175234" y="854136"/>
-          <a:ext cx="4013301" cy="657459"/>
+          <a:off x="1258897" y="1289159"/>
+          <a:ext cx="4013301" cy="992112"/>
         </a:xfrm>
         <a:prstGeom prst="homePlate">
           <a:avLst/>
         </a:prstGeom>
         <a:solidFill>
-          <a:schemeClr val="accent1">
-            <a:hueOff val="0"/>
-            <a:satOff val="0"/>
-            <a:lumOff val="0"/>
-            <a:alphaOff val="0"/>
-          </a:schemeClr>
+          <a:srgbClr val="C00000"/>
         </a:solidFill>
-        <a:ln w="12700" cap="flat" cmpd="sng" algn="ctr">
+        <a:ln w="57150" cap="flat" cmpd="sng" algn="ctr">
           <a:solidFill>
-            <a:schemeClr val="lt1">
-              <a:hueOff val="0"/>
-              <a:satOff val="0"/>
-              <a:lumOff val="0"/>
-              <a:alphaOff val="0"/>
-            </a:schemeClr>
+            <a:srgbClr val="ED4545"/>
           </a:solidFill>
           <a:prstDash val="solid"/>
           <a:miter lim="800000"/>
@@ -17552,7 +17655,7 @@
         </a:fontRef>
       </dsp:style>
       <dsp:txBody>
-        <a:bodyPr spcFirstLastPara="0" vert="horz" wrap="square" lIns="289922" tIns="106680" rIns="199136" bIns="106680" numCol="1" spcCol="1270" anchor="ctr" anchorCtr="0">
+        <a:bodyPr spcFirstLastPara="0" vert="horz" wrap="square" lIns="437494" tIns="106680" rIns="199136" bIns="106680" numCol="1" spcCol="1270" anchor="ctr" anchorCtr="0">
           <a:noAutofit/>
         </a:bodyPr>
         <a:lstStyle/>
@@ -17576,19 +17679,19 @@
         </a:p>
       </dsp:txBody>
       <dsp:txXfrm rot="10800000">
-        <a:off x="1339599" y="854136"/>
-        <a:ext cx="3848936" cy="657459"/>
+        <a:off x="1506925" y="1289159"/>
+        <a:ext cx="3765273" cy="992112"/>
       </dsp:txXfrm>
     </dsp:sp>
-    <dsp:sp modelId="{BAA94DAA-8DEC-403F-B42D-95B88FFCB425}">
+    <dsp:sp modelId="{4CC30A81-C331-4870-B7A9-84C3D76131FD}">
       <dsp:nvSpPr>
         <dsp:cNvPr id="0" name=""/>
         <dsp:cNvSpPr/>
       </dsp:nvSpPr>
       <dsp:spPr>
         <a:xfrm>
-          <a:off x="846504" y="854136"/>
-          <a:ext cx="657459" cy="657459"/>
+          <a:off x="762840" y="1289159"/>
+          <a:ext cx="992112" cy="992112"/>
         </a:xfrm>
         <a:prstGeom prst="ellipse">
           <a:avLst/>
@@ -17607,14 +17710,7 @@
           </a:stretch>
         </a:blipFill>
         <a:ln w="12700" cap="flat" cmpd="sng" algn="ctr">
-          <a:solidFill>
-            <a:schemeClr val="lt1">
-              <a:hueOff val="0"/>
-              <a:satOff val="0"/>
-              <a:lumOff val="0"/>
-              <a:alphaOff val="0"/>
-            </a:schemeClr>
-          </a:solidFill>
+          <a:noFill/>
           <a:prstDash val="solid"/>
           <a:miter lim="800000"/>
         </a:ln>
@@ -17633,35 +17729,25 @@
         <a:fontRef idx="minor"/>
       </dsp:style>
     </dsp:sp>
-    <dsp:sp modelId="{0003C58D-FD99-493C-B780-68AE7F1FEFC1}">
+    <dsp:sp modelId="{8AA32794-7267-4FCD-A384-82865F287543}">
       <dsp:nvSpPr>
         <dsp:cNvPr id="0" name=""/>
         <dsp:cNvSpPr/>
       </dsp:nvSpPr>
       <dsp:spPr>
         <a:xfrm rot="10800000">
-          <a:off x="1175234" y="1707852"/>
-          <a:ext cx="4013301" cy="657459"/>
+          <a:off x="1258897" y="2577425"/>
+          <a:ext cx="4013301" cy="992112"/>
         </a:xfrm>
         <a:prstGeom prst="homePlate">
           <a:avLst/>
         </a:prstGeom>
         <a:solidFill>
-          <a:schemeClr val="accent1">
-            <a:hueOff val="0"/>
-            <a:satOff val="0"/>
-            <a:lumOff val="0"/>
-            <a:alphaOff val="0"/>
-          </a:schemeClr>
+          <a:srgbClr val="C00000"/>
         </a:solidFill>
-        <a:ln w="12700" cap="flat" cmpd="sng" algn="ctr">
+        <a:ln w="57150" cap="flat" cmpd="sng" algn="ctr">
           <a:solidFill>
-            <a:schemeClr val="lt1">
-              <a:hueOff val="0"/>
-              <a:satOff val="0"/>
-              <a:lumOff val="0"/>
-              <a:alphaOff val="0"/>
-            </a:schemeClr>
+            <a:srgbClr val="ED4545"/>
           </a:solidFill>
           <a:prstDash val="solid"/>
           <a:miter lim="800000"/>
@@ -17683,7 +17769,7 @@
         </a:fontRef>
       </dsp:style>
       <dsp:txBody>
-        <a:bodyPr spcFirstLastPara="0" vert="horz" wrap="square" lIns="289922" tIns="106680" rIns="199136" bIns="106680" numCol="1" spcCol="1270" anchor="ctr" anchorCtr="0">
+        <a:bodyPr spcFirstLastPara="0" vert="horz" wrap="square" lIns="437494" tIns="106680" rIns="199136" bIns="106680" numCol="1" spcCol="1270" anchor="ctr" anchorCtr="0">
           <a:noAutofit/>
         </a:bodyPr>
         <a:lstStyle/>
@@ -17715,19 +17801,19 @@
         </a:p>
       </dsp:txBody>
       <dsp:txXfrm rot="10800000">
-        <a:off x="1339599" y="1707852"/>
-        <a:ext cx="3848936" cy="657459"/>
+        <a:off x="1506925" y="2577425"/>
+        <a:ext cx="3765273" cy="992112"/>
       </dsp:txXfrm>
     </dsp:sp>
-    <dsp:sp modelId="{BAA3EE14-7788-439F-9D56-07E39F545C1A}">
+    <dsp:sp modelId="{646A4835-9FA7-445C-9AA4-1DF0781DCB04}">
       <dsp:nvSpPr>
         <dsp:cNvPr id="0" name=""/>
         <dsp:cNvSpPr/>
       </dsp:nvSpPr>
       <dsp:spPr>
         <a:xfrm>
-          <a:off x="846504" y="1707852"/>
-          <a:ext cx="657459" cy="657459"/>
+          <a:off x="762840" y="2577425"/>
+          <a:ext cx="992112" cy="992112"/>
         </a:xfrm>
         <a:prstGeom prst="ellipse">
           <a:avLst/>
@@ -17746,14 +17832,7 @@
           </a:stretch>
         </a:blipFill>
         <a:ln w="12700" cap="flat" cmpd="sng" algn="ctr">
-          <a:solidFill>
-            <a:schemeClr val="lt1">
-              <a:hueOff val="0"/>
-              <a:satOff val="0"/>
-              <a:lumOff val="0"/>
-              <a:alphaOff val="0"/>
-            </a:schemeClr>
-          </a:solidFill>
+          <a:noFill/>
           <a:prstDash val="solid"/>
           <a:miter lim="800000"/>
         </a:ln>
@@ -17772,35 +17851,25 @@
         <a:fontRef idx="minor"/>
       </dsp:style>
     </dsp:sp>
-    <dsp:sp modelId="{9D0A278B-2458-40ED-A7E2-F7CFC96E8557}">
+    <dsp:sp modelId="{BB92422D-4057-447C-8BF2-9E9E85E4DC56}">
       <dsp:nvSpPr>
         <dsp:cNvPr id="0" name=""/>
         <dsp:cNvSpPr/>
       </dsp:nvSpPr>
       <dsp:spPr>
         <a:xfrm rot="10800000">
-          <a:off x="1175234" y="2561569"/>
-          <a:ext cx="4013301" cy="657459"/>
+          <a:off x="1258897" y="3865690"/>
+          <a:ext cx="4013301" cy="992112"/>
         </a:xfrm>
         <a:prstGeom prst="homePlate">
           <a:avLst/>
         </a:prstGeom>
         <a:solidFill>
-          <a:schemeClr val="accent1">
-            <a:hueOff val="0"/>
-            <a:satOff val="0"/>
-            <a:lumOff val="0"/>
-            <a:alphaOff val="0"/>
-          </a:schemeClr>
+          <a:srgbClr val="006BAB"/>
         </a:solidFill>
-        <a:ln w="12700" cap="flat" cmpd="sng" algn="ctr">
+        <a:ln w="57150" cap="flat" cmpd="sng" algn="ctr">
           <a:solidFill>
-            <a:schemeClr val="lt1">
-              <a:hueOff val="0"/>
-              <a:satOff val="0"/>
-              <a:lumOff val="0"/>
-              <a:alphaOff val="0"/>
-            </a:schemeClr>
+            <a:srgbClr val="0099FF"/>
           </a:solidFill>
           <a:prstDash val="solid"/>
           <a:miter lim="800000"/>
@@ -17822,7 +17891,7 @@
         </a:fontRef>
       </dsp:style>
       <dsp:txBody>
-        <a:bodyPr spcFirstLastPara="0" vert="horz" wrap="square" lIns="289922" tIns="106680" rIns="199136" bIns="106680" numCol="1" spcCol="1270" anchor="ctr" anchorCtr="0">
+        <a:bodyPr spcFirstLastPara="0" vert="horz" wrap="square" lIns="437494" tIns="106680" rIns="199136" bIns="106680" numCol="1" spcCol="1270" anchor="ctr" anchorCtr="0">
           <a:noAutofit/>
         </a:bodyPr>
         <a:lstStyle/>
@@ -17840,30 +17909,30 @@
           </a:pPr>
           <a:r>
             <a:rPr lang="it-IT" sz="2800" kern="1200" dirty="0" err="1" smtClean="0"/>
-            <a:t>Capybara</a:t>
+            <a:t>Coypu</a:t>
           </a:r>
           <a:endParaRPr lang="it-IT" sz="2800" kern="1200" dirty="0"/>
         </a:p>
       </dsp:txBody>
       <dsp:txXfrm rot="10800000">
-        <a:off x="1339599" y="2561569"/>
-        <a:ext cx="3848936" cy="657459"/>
+        <a:off x="1506925" y="3865690"/>
+        <a:ext cx="3765273" cy="992112"/>
       </dsp:txXfrm>
     </dsp:sp>
-    <dsp:sp modelId="{CC668ABE-E55A-4FF4-81D2-A10A0EAFC932}">
+    <dsp:sp modelId="{2828B773-91B3-41E7-983D-83BEB2AF42FF}">
       <dsp:nvSpPr>
         <dsp:cNvPr id="0" name=""/>
         <dsp:cNvSpPr/>
       </dsp:nvSpPr>
       <dsp:spPr>
         <a:xfrm>
-          <a:off x="846504" y="2561569"/>
-          <a:ext cx="657459" cy="657459"/>
+          <a:off x="762840" y="3865690"/>
+          <a:ext cx="992112" cy="992112"/>
         </a:xfrm>
         <a:prstGeom prst="ellipse">
           <a:avLst/>
         </a:prstGeom>
-        <a:blipFill dpi="0" rotWithShape="1">
+        <a:blipFill>
           <a:blip xmlns:r="http://schemas.openxmlformats.org/officeDocument/2006/relationships" r:embed="rId4" cstate="print">
             <a:extLst>
               <a:ext uri="{28A0092B-C50C-407E-A947-70E740481C1C}">
@@ -17873,18 +17942,11 @@
           </a:blip>
           <a:srcRect/>
           <a:stretch>
-            <a:fillRect t="3539" b="3539"/>
+            <a:fillRect/>
           </a:stretch>
         </a:blipFill>
         <a:ln w="12700" cap="flat" cmpd="sng" algn="ctr">
-          <a:solidFill>
-            <a:schemeClr val="lt1">
-              <a:hueOff val="0"/>
-              <a:satOff val="0"/>
-              <a:lumOff val="0"/>
-              <a:alphaOff val="0"/>
-            </a:schemeClr>
-          </a:solidFill>
+          <a:noFill/>
           <a:prstDash val="solid"/>
           <a:miter lim="800000"/>
         </a:ln>
@@ -17964,18 +18026,10 @@
             </a:spcAft>
           </a:pPr>
           <a:r>
-            <a:rPr lang="it-IT" sz="2000" kern="1200" dirty="0" smtClean="0">
-              <a:solidFill>
-                <a:schemeClr val="bg1"/>
-              </a:solidFill>
-            </a:rPr>
+            <a:rPr lang="it-IT" sz="2000" kern="1200" smtClean="0"/>
             <a:t>Scrittura degli scenari</a:t>
           </a:r>
-          <a:endParaRPr lang="it-IT" sz="2000" kern="1200" dirty="0">
-            <a:solidFill>
-              <a:schemeClr val="bg1"/>
-            </a:solidFill>
-          </a:endParaRPr>
+          <a:endParaRPr lang="it-IT" sz="2000" kern="1200" dirty="0"/>
         </a:p>
       </dsp:txBody>
       <dsp:txXfrm>
@@ -18002,36 +18056,57 @@
             <a:gd name="adj5" fmla="val 11063"/>
           </a:avLst>
         </a:prstGeom>
-        <a:solidFill>
-          <a:schemeClr val="accent1">
-            <a:hueOff val="0"/>
-            <a:satOff val="0"/>
-            <a:lumOff val="0"/>
-            <a:alphaOff val="0"/>
-          </a:schemeClr>
-        </a:solidFill>
-        <a:ln w="12700" cap="flat" cmpd="sng" algn="ctr">
-          <a:solidFill>
-            <a:schemeClr val="lt1">
-              <a:hueOff val="0"/>
-              <a:satOff val="0"/>
-              <a:lumOff val="0"/>
-              <a:alphaOff val="0"/>
-            </a:schemeClr>
-          </a:solidFill>
-          <a:prstDash val="solid"/>
-          <a:miter lim="800000"/>
+        <a:gradFill rotWithShape="0">
+          <a:gsLst>
+            <a:gs pos="0">
+              <a:schemeClr val="accent4">
+                <a:hueOff val="0"/>
+                <a:satOff val="0"/>
+                <a:lumOff val="0"/>
+                <a:alphaOff val="0"/>
+                <a:satMod val="103000"/>
+                <a:lumMod val="102000"/>
+                <a:tint val="94000"/>
+              </a:schemeClr>
+            </a:gs>
+            <a:gs pos="50000">
+              <a:schemeClr val="accent4">
+                <a:hueOff val="0"/>
+                <a:satOff val="0"/>
+                <a:lumOff val="0"/>
+                <a:alphaOff val="0"/>
+                <a:satMod val="110000"/>
+                <a:lumMod val="100000"/>
+                <a:shade val="100000"/>
+              </a:schemeClr>
+            </a:gs>
+            <a:gs pos="100000">
+              <a:schemeClr val="accent4">
+                <a:hueOff val="0"/>
+                <a:satOff val="0"/>
+                <a:lumOff val="0"/>
+                <a:alphaOff val="0"/>
+                <a:lumMod val="99000"/>
+                <a:satMod val="120000"/>
+                <a:shade val="78000"/>
+              </a:schemeClr>
+            </a:gs>
+          </a:gsLst>
+          <a:lin ang="5400000" scaled="0"/>
+        </a:gradFill>
+        <a:ln>
+          <a:noFill/>
         </a:ln>
         <a:effectLst/>
       </dsp:spPr>
       <dsp:style>
-        <a:lnRef idx="2">
+        <a:lnRef idx="0">
           <a:scrgbClr r="0" g="0" b="0"/>
         </a:lnRef>
-        <a:fillRef idx="1">
+        <a:fillRef idx="3">
           <a:scrgbClr r="0" g="0" b="0"/>
         </a:fillRef>
-        <a:effectRef idx="0">
+        <a:effectRef idx="2">
           <a:scrgbClr r="0" g="0" b="0"/>
         </a:effectRef>
         <a:fontRef idx="minor">
@@ -18118,36 +18193,57 @@
             <a:gd name="adj5" fmla="val 11063"/>
           </a:avLst>
         </a:prstGeom>
-        <a:solidFill>
-          <a:schemeClr val="accent1">
-            <a:hueOff val="0"/>
-            <a:satOff val="0"/>
-            <a:lumOff val="0"/>
-            <a:alphaOff val="0"/>
-          </a:schemeClr>
-        </a:solidFill>
-        <a:ln w="12700" cap="flat" cmpd="sng" algn="ctr">
-          <a:solidFill>
-            <a:schemeClr val="lt1">
-              <a:hueOff val="0"/>
-              <a:satOff val="0"/>
-              <a:lumOff val="0"/>
-              <a:alphaOff val="0"/>
-            </a:schemeClr>
-          </a:solidFill>
-          <a:prstDash val="solid"/>
-          <a:miter lim="800000"/>
+        <a:gradFill rotWithShape="0">
+          <a:gsLst>
+            <a:gs pos="0">
+              <a:schemeClr val="accent4">
+                <a:hueOff val="10395692"/>
+                <a:satOff val="-47968"/>
+                <a:lumOff val="1765"/>
+                <a:alphaOff val="0"/>
+                <a:satMod val="103000"/>
+                <a:lumMod val="102000"/>
+                <a:tint val="94000"/>
+              </a:schemeClr>
+            </a:gs>
+            <a:gs pos="50000">
+              <a:schemeClr val="accent4">
+                <a:hueOff val="10395692"/>
+                <a:satOff val="-47968"/>
+                <a:lumOff val="1765"/>
+                <a:alphaOff val="0"/>
+                <a:satMod val="110000"/>
+                <a:lumMod val="100000"/>
+                <a:shade val="100000"/>
+              </a:schemeClr>
+            </a:gs>
+            <a:gs pos="100000">
+              <a:schemeClr val="accent4">
+                <a:hueOff val="10395692"/>
+                <a:satOff val="-47968"/>
+                <a:lumOff val="1765"/>
+                <a:alphaOff val="0"/>
+                <a:lumMod val="99000"/>
+                <a:satMod val="120000"/>
+                <a:shade val="78000"/>
+              </a:schemeClr>
+            </a:gs>
+          </a:gsLst>
+          <a:lin ang="5400000" scaled="0"/>
+        </a:gradFill>
+        <a:ln>
+          <a:noFill/>
         </a:ln>
         <a:effectLst/>
       </dsp:spPr>
       <dsp:style>
-        <a:lnRef idx="2">
+        <a:lnRef idx="0">
           <a:scrgbClr r="0" g="0" b="0"/>
         </a:lnRef>
-        <a:fillRef idx="1">
+        <a:fillRef idx="3">
           <a:scrgbClr r="0" g="0" b="0"/>
         </a:fillRef>
-        <a:effectRef idx="0">
+        <a:effectRef idx="2">
           <a:scrgbClr r="0" g="0" b="0"/>
         </a:effectRef>
         <a:fontRef idx="minor">
@@ -19122,484 +19218,6 @@
       <dsp:cNvGrpSpPr/>
     </dsp:nvGrpSpPr>
     <dsp:grpSpPr/>
-    <dsp:sp modelId="{85B8A7D0-D87E-476D-8CD5-C36200C50AC1}">
-      <dsp:nvSpPr>
-        <dsp:cNvPr id="0" name=""/>
-        <dsp:cNvSpPr/>
-      </dsp:nvSpPr>
-      <dsp:spPr>
-        <a:xfrm>
-          <a:off x="0" y="0"/>
-          <a:ext cx="7429500" cy="1006077"/>
-        </a:xfrm>
-        <a:prstGeom prst="roundRect">
-          <a:avLst>
-            <a:gd name="adj" fmla="val 10000"/>
-          </a:avLst>
-        </a:prstGeom>
-        <a:solidFill>
-          <a:schemeClr val="lt1"/>
-        </a:solidFill>
-        <a:ln w="12700" cap="flat" cmpd="sng" algn="ctr">
-          <a:gradFill>
-            <a:gsLst>
-              <a:gs pos="0">
-                <a:schemeClr val="accent1">
-                  <a:lumMod val="5000"/>
-                  <a:lumOff val="95000"/>
-                </a:schemeClr>
-              </a:gs>
-              <a:gs pos="100000">
-                <a:srgbClr val="B23333"/>
-              </a:gs>
-            </a:gsLst>
-            <a:lin ang="5400000" scaled="1"/>
-          </a:gradFill>
-          <a:prstDash val="solid"/>
-          <a:miter lim="800000"/>
-        </a:ln>
-        <a:effectLst/>
-      </dsp:spPr>
-      <dsp:style>
-        <a:lnRef idx="2">
-          <a:schemeClr val="dk1"/>
-        </a:lnRef>
-        <a:fillRef idx="1">
-          <a:schemeClr val="lt1"/>
-        </a:fillRef>
-        <a:effectRef idx="0">
-          <a:schemeClr val="dk1"/>
-        </a:effectRef>
-        <a:fontRef idx="minor">
-          <a:schemeClr val="dk1"/>
-        </a:fontRef>
-      </dsp:style>
-      <dsp:txBody>
-        <a:bodyPr spcFirstLastPara="0" vert="horz" wrap="square" lIns="83820" tIns="83820" rIns="83820" bIns="83820" numCol="1" spcCol="1270" anchor="ctr" anchorCtr="0">
-          <a:noAutofit/>
-        </a:bodyPr>
-        <a:lstStyle/>
-        <a:p>
-          <a:pPr lvl="0" algn="l" defTabSz="977900">
-            <a:lnSpc>
-              <a:spcPct val="90000"/>
-            </a:lnSpc>
-            <a:spcBef>
-              <a:spcPct val="0"/>
-            </a:spcBef>
-            <a:spcAft>
-              <a:spcPct val="35000"/>
-            </a:spcAft>
-          </a:pPr>
-          <a:r>
-            <a:rPr lang="it-IT" sz="2200" kern="1200" dirty="0" smtClean="0"/>
-            <a:t>ERB</a:t>
-          </a:r>
-        </a:p>
-        <a:p>
-          <a:pPr lvl="0" algn="l" defTabSz="977900">
-            <a:lnSpc>
-              <a:spcPct val="90000"/>
-            </a:lnSpc>
-            <a:spcBef>
-              <a:spcPct val="0"/>
-            </a:spcBef>
-            <a:spcAft>
-              <a:spcPct val="35000"/>
-            </a:spcAft>
-          </a:pPr>
-          <a:r>
-            <a:rPr lang="it-IT" sz="2200" kern="1200" dirty="0" smtClean="0"/>
-            <a:t>HTML, </a:t>
-          </a:r>
-          <a:r>
-            <a:rPr lang="it-IT" sz="2200" kern="1200" dirty="0" err="1" smtClean="0"/>
-            <a:t>Sass</a:t>
-          </a:r>
-          <a:r>
-            <a:rPr lang="it-IT" sz="2200" kern="1200" dirty="0" smtClean="0"/>
-            <a:t>, JavaScript, </a:t>
-          </a:r>
-          <a:r>
-            <a:rPr lang="it-IT" sz="2200" kern="1200" dirty="0" err="1" smtClean="0"/>
-            <a:t>JQuery</a:t>
-          </a:r>
-          <a:r>
-            <a:rPr lang="it-IT" sz="2200" kern="1200" dirty="0" smtClean="0"/>
-            <a:t>, AJAX</a:t>
-          </a:r>
-        </a:p>
-      </dsp:txBody>
-      <dsp:txXfrm>
-        <a:off x="1586507" y="0"/>
-        <a:ext cx="5842992" cy="1006077"/>
-      </dsp:txXfrm>
-    </dsp:sp>
-    <dsp:sp modelId="{0326A0ED-A227-4CDF-9AC3-B9761DF1636A}">
-      <dsp:nvSpPr>
-        <dsp:cNvPr id="0" name=""/>
-        <dsp:cNvSpPr/>
-      </dsp:nvSpPr>
-      <dsp:spPr>
-        <a:xfrm>
-          <a:off x="100607" y="100607"/>
-          <a:ext cx="1485900" cy="804862"/>
-        </a:xfrm>
-        <a:prstGeom prst="roundRect">
-          <a:avLst>
-            <a:gd name="adj" fmla="val 10000"/>
-          </a:avLst>
-        </a:prstGeom>
-        <a:blipFill dpi="0" rotWithShape="1">
-          <a:blip xmlns:r="http://schemas.openxmlformats.org/officeDocument/2006/relationships" r:embed="rId1"/>
-          <a:srcRect/>
-          <a:stretch>
-            <a:fillRect l="24525" r="24525"/>
-          </a:stretch>
-        </a:blipFill>
-        <a:ln w="12700" cap="flat" cmpd="sng" algn="ctr">
-          <a:solidFill>
-            <a:schemeClr val="lt1">
-              <a:hueOff val="0"/>
-              <a:satOff val="0"/>
-              <a:lumOff val="0"/>
-              <a:alphaOff val="0"/>
-            </a:schemeClr>
-          </a:solidFill>
-          <a:prstDash val="solid"/>
-          <a:miter lim="800000"/>
-        </a:ln>
-        <a:effectLst/>
-      </dsp:spPr>
-      <dsp:style>
-        <a:lnRef idx="2">
-          <a:scrgbClr r="0" g="0" b="0"/>
-        </a:lnRef>
-        <a:fillRef idx="1">
-          <a:scrgbClr r="0" g="0" b="0"/>
-        </a:fillRef>
-        <a:effectRef idx="0">
-          <a:scrgbClr r="0" g="0" b="0"/>
-        </a:effectRef>
-        <a:fontRef idx="minor"/>
-      </dsp:style>
-    </dsp:sp>
-    <dsp:sp modelId="{FA36D0CE-3C74-4292-B5FA-58EC36427987}">
-      <dsp:nvSpPr>
-        <dsp:cNvPr id="0" name=""/>
-        <dsp:cNvSpPr/>
-      </dsp:nvSpPr>
-      <dsp:spPr>
-        <a:xfrm>
-          <a:off x="0" y="1106685"/>
-          <a:ext cx="7429500" cy="1006077"/>
-        </a:xfrm>
-        <a:prstGeom prst="roundRect">
-          <a:avLst>
-            <a:gd name="adj" fmla="val 10000"/>
-          </a:avLst>
-        </a:prstGeom>
-        <a:solidFill>
-          <a:schemeClr val="lt1"/>
-        </a:solidFill>
-        <a:ln w="12700" cap="flat" cmpd="sng" algn="ctr">
-          <a:gradFill>
-            <a:gsLst>
-              <a:gs pos="0">
-                <a:schemeClr val="accent1">
-                  <a:lumMod val="5000"/>
-                  <a:lumOff val="95000"/>
-                </a:schemeClr>
-              </a:gs>
-              <a:gs pos="100000">
-                <a:srgbClr val="4FA226"/>
-              </a:gs>
-            </a:gsLst>
-            <a:lin ang="5400000" scaled="1"/>
-          </a:gradFill>
-          <a:prstDash val="solid"/>
-          <a:miter lim="800000"/>
-        </a:ln>
-        <a:effectLst/>
-      </dsp:spPr>
-      <dsp:style>
-        <a:lnRef idx="2">
-          <a:schemeClr val="dk1"/>
-        </a:lnRef>
-        <a:fillRef idx="1">
-          <a:schemeClr val="lt1"/>
-        </a:fillRef>
-        <a:effectRef idx="0">
-          <a:schemeClr val="dk1"/>
-        </a:effectRef>
-        <a:fontRef idx="minor">
-          <a:schemeClr val="dk1"/>
-        </a:fontRef>
-      </dsp:style>
-      <dsp:txBody>
-        <a:bodyPr spcFirstLastPara="0" vert="horz" wrap="square" lIns="83820" tIns="83820" rIns="83820" bIns="83820" numCol="1" spcCol="1270" anchor="ctr" anchorCtr="0">
-          <a:noAutofit/>
-        </a:bodyPr>
-        <a:lstStyle/>
-        <a:p>
-          <a:pPr lvl="0" algn="l" defTabSz="977900">
-            <a:lnSpc>
-              <a:spcPct val="90000"/>
-            </a:lnSpc>
-            <a:spcBef>
-              <a:spcPct val="0"/>
-            </a:spcBef>
-            <a:spcAft>
-              <a:spcPct val="35000"/>
-            </a:spcAft>
-          </a:pPr>
-          <a:r>
-            <a:rPr lang="it-IT" sz="2200" kern="1200" dirty="0" err="1" smtClean="0"/>
-            <a:t>Thymeleaf</a:t>
-          </a:r>
-          <a:endParaRPr lang="it-IT" sz="2200" kern="1200" dirty="0" smtClean="0"/>
-        </a:p>
-        <a:p>
-          <a:pPr lvl="0" algn="l" defTabSz="977900">
-            <a:lnSpc>
-              <a:spcPct val="90000"/>
-            </a:lnSpc>
-            <a:spcBef>
-              <a:spcPct val="0"/>
-            </a:spcBef>
-            <a:spcAft>
-              <a:spcPct val="35000"/>
-            </a:spcAft>
-          </a:pPr>
-          <a:r>
-            <a:rPr lang="it-IT" sz="2200" kern="1200" dirty="0" smtClean="0"/>
-            <a:t>HTML, CSS, …</a:t>
-          </a:r>
-          <a:endParaRPr lang="it-IT" sz="2200" kern="1200" dirty="0"/>
-        </a:p>
-      </dsp:txBody>
-      <dsp:txXfrm>
-        <a:off x="1586507" y="1106685"/>
-        <a:ext cx="5842992" cy="1006077"/>
-      </dsp:txXfrm>
-    </dsp:sp>
-    <dsp:sp modelId="{974CC200-3B9B-4343-98E0-62341794BF16}">
-      <dsp:nvSpPr>
-        <dsp:cNvPr id="0" name=""/>
-        <dsp:cNvSpPr/>
-      </dsp:nvSpPr>
-      <dsp:spPr>
-        <a:xfrm>
-          <a:off x="100607" y="1207293"/>
-          <a:ext cx="1485900" cy="804862"/>
-        </a:xfrm>
-        <a:prstGeom prst="roundRect">
-          <a:avLst>
-            <a:gd name="adj" fmla="val 10000"/>
-          </a:avLst>
-        </a:prstGeom>
-        <a:blipFill dpi="0" rotWithShape="1">
-          <a:blip xmlns:r="http://schemas.openxmlformats.org/officeDocument/2006/relationships" r:embed="rId2">
-            <a:extLst>
-              <a:ext uri="{28A0092B-C50C-407E-A947-70E740481C1C}">
-                <a14:useLocalDpi xmlns:a14="http://schemas.microsoft.com/office/drawing/2010/main" val="0"/>
-              </a:ext>
-            </a:extLst>
-          </a:blip>
-          <a:srcRect/>
-          <a:stretch>
-            <a:fillRect l="22916" r="22916"/>
-          </a:stretch>
-        </a:blipFill>
-        <a:ln w="12700" cap="flat" cmpd="sng" algn="ctr">
-          <a:solidFill>
-            <a:schemeClr val="lt1">
-              <a:hueOff val="0"/>
-              <a:satOff val="0"/>
-              <a:lumOff val="0"/>
-              <a:alphaOff val="0"/>
-            </a:schemeClr>
-          </a:solidFill>
-          <a:prstDash val="solid"/>
-          <a:miter lim="800000"/>
-        </a:ln>
-        <a:effectLst/>
-      </dsp:spPr>
-      <dsp:style>
-        <a:lnRef idx="2">
-          <a:scrgbClr r="0" g="0" b="0"/>
-        </a:lnRef>
-        <a:fillRef idx="1">
-          <a:scrgbClr r="0" g="0" b="0"/>
-        </a:fillRef>
-        <a:effectRef idx="0">
-          <a:scrgbClr r="0" g="0" b="0"/>
-        </a:effectRef>
-        <a:fontRef idx="minor"/>
-      </dsp:style>
-    </dsp:sp>
-    <dsp:sp modelId="{129B5F3E-1A31-4AB9-84A6-9C20B2CA77AE}">
-      <dsp:nvSpPr>
-        <dsp:cNvPr id="0" name=""/>
-        <dsp:cNvSpPr/>
-      </dsp:nvSpPr>
-      <dsp:spPr>
-        <a:xfrm>
-          <a:off x="0" y="2213371"/>
-          <a:ext cx="7429500" cy="1006077"/>
-        </a:xfrm>
-        <a:prstGeom prst="roundRect">
-          <a:avLst>
-            <a:gd name="adj" fmla="val 10000"/>
-          </a:avLst>
-        </a:prstGeom>
-        <a:solidFill>
-          <a:schemeClr val="lt1"/>
-        </a:solidFill>
-        <a:ln w="12700" cap="flat" cmpd="sng" algn="ctr">
-          <a:gradFill>
-            <a:gsLst>
-              <a:gs pos="0">
-                <a:schemeClr val="accent1">
-                  <a:lumMod val="5000"/>
-                  <a:lumOff val="95000"/>
-                </a:schemeClr>
-              </a:gs>
-              <a:gs pos="100000">
-                <a:srgbClr val="006BAB"/>
-              </a:gs>
-            </a:gsLst>
-            <a:lin ang="5400000" scaled="1"/>
-          </a:gradFill>
-          <a:prstDash val="solid"/>
-          <a:miter lim="800000"/>
-        </a:ln>
-        <a:effectLst/>
-      </dsp:spPr>
-      <dsp:style>
-        <a:lnRef idx="2">
-          <a:schemeClr val="dk1"/>
-        </a:lnRef>
-        <a:fillRef idx="1">
-          <a:schemeClr val="lt1"/>
-        </a:fillRef>
-        <a:effectRef idx="0">
-          <a:schemeClr val="dk1"/>
-        </a:effectRef>
-        <a:fontRef idx="minor">
-          <a:schemeClr val="dk1"/>
-        </a:fontRef>
-      </dsp:style>
-      <dsp:txBody>
-        <a:bodyPr spcFirstLastPara="0" vert="horz" wrap="square" lIns="83820" tIns="83820" rIns="83820" bIns="83820" numCol="1" spcCol="1270" anchor="ctr" anchorCtr="0">
-          <a:noAutofit/>
-        </a:bodyPr>
-        <a:lstStyle/>
-        <a:p>
-          <a:pPr lvl="0" algn="l" defTabSz="977900">
-            <a:lnSpc>
-              <a:spcPct val="90000"/>
-            </a:lnSpc>
-            <a:spcBef>
-              <a:spcPct val="0"/>
-            </a:spcBef>
-            <a:spcAft>
-              <a:spcPct val="35000"/>
-            </a:spcAft>
-          </a:pPr>
-          <a:r>
-            <a:rPr lang="it-IT" sz="2200" kern="1200" dirty="0" err="1" smtClean="0"/>
-            <a:t>Razor</a:t>
-          </a:r>
-          <a:endParaRPr lang="it-IT" sz="2200" kern="1200" dirty="0" smtClean="0"/>
-        </a:p>
-        <a:p>
-          <a:pPr lvl="0" algn="l" defTabSz="977900">
-            <a:lnSpc>
-              <a:spcPct val="90000"/>
-            </a:lnSpc>
-            <a:spcBef>
-              <a:spcPct val="0"/>
-            </a:spcBef>
-            <a:spcAft>
-              <a:spcPct val="35000"/>
-            </a:spcAft>
-          </a:pPr>
-          <a:r>
-            <a:rPr lang="it-IT" sz="2200" kern="1200" dirty="0" smtClean="0"/>
-            <a:t>HTML, </a:t>
-          </a:r>
-          <a:r>
-            <a:rPr lang="it-IT" sz="2200" kern="1200" dirty="0" err="1" smtClean="0"/>
-            <a:t>Sass</a:t>
-          </a:r>
-          <a:r>
-            <a:rPr lang="it-IT" sz="2200" kern="1200" dirty="0" smtClean="0"/>
-            <a:t>, …</a:t>
-          </a:r>
-          <a:endParaRPr lang="it-IT" sz="2200" kern="1200" dirty="0"/>
-        </a:p>
-      </dsp:txBody>
-      <dsp:txXfrm>
-        <a:off x="1586507" y="2213371"/>
-        <a:ext cx="5842992" cy="1006077"/>
-      </dsp:txXfrm>
-    </dsp:sp>
-    <dsp:sp modelId="{D6E62CC7-2901-49D6-9BC1-63C5253E95EB}">
-      <dsp:nvSpPr>
-        <dsp:cNvPr id="0" name=""/>
-        <dsp:cNvSpPr/>
-      </dsp:nvSpPr>
-      <dsp:spPr>
-        <a:xfrm>
-          <a:off x="100607" y="2313978"/>
-          <a:ext cx="1485900" cy="804862"/>
-        </a:xfrm>
-        <a:prstGeom prst="roundRect">
-          <a:avLst>
-            <a:gd name="adj" fmla="val 10000"/>
-          </a:avLst>
-        </a:prstGeom>
-        <a:blipFill>
-          <a:blip xmlns:r="http://schemas.openxmlformats.org/officeDocument/2006/relationships" r:embed="rId3">
-            <a:extLst>
-              <a:ext uri="{28A0092B-C50C-407E-A947-70E740481C1C}">
-                <a14:useLocalDpi xmlns:a14="http://schemas.microsoft.com/office/drawing/2010/main" val="0"/>
-              </a:ext>
-            </a:extLst>
-          </a:blip>
-          <a:srcRect/>
-          <a:stretch>
-            <a:fillRect l="-4000" r="-4000"/>
-          </a:stretch>
-        </a:blipFill>
-        <a:ln w="12700" cap="flat" cmpd="sng" algn="ctr">
-          <a:solidFill>
-            <a:schemeClr val="lt1">
-              <a:hueOff val="0"/>
-              <a:satOff val="0"/>
-              <a:lumOff val="0"/>
-              <a:alphaOff val="0"/>
-            </a:schemeClr>
-          </a:solidFill>
-          <a:prstDash val="solid"/>
-          <a:miter lim="800000"/>
-        </a:ln>
-        <a:effectLst/>
-      </dsp:spPr>
-      <dsp:style>
-        <a:lnRef idx="2">
-          <a:scrgbClr r="0" g="0" b="0"/>
-        </a:lnRef>
-        <a:fillRef idx="1">
-          <a:scrgbClr r="0" g="0" b="0"/>
-        </a:fillRef>
-        <a:effectRef idx="0">
-          <a:scrgbClr r="0" g="0" b="0"/>
-        </a:effectRef>
-        <a:fontRef idx="minor"/>
-      </dsp:style>
-    </dsp:sp>
   </dsp:spTree>
 </dsp:drawing>
 </file>
@@ -28045,11 +27663,11 @@
 </file>
 
 <file path=ppt/diagrams/quickStyle2.xml><?xml version="1.0" encoding="utf-8"?>
-<dgm:styleDef xmlns:dgm="http://schemas.openxmlformats.org/drawingml/2006/diagram" xmlns:a="http://schemas.openxmlformats.org/drawingml/2006/main" uniqueId="urn:microsoft.com/office/officeart/2005/8/quickstyle/simple1">
+<dgm:styleDef xmlns:dgm="http://schemas.openxmlformats.org/drawingml/2006/diagram" xmlns:a="http://schemas.openxmlformats.org/drawingml/2006/main" uniqueId="urn:microsoft.com/office/officeart/2005/8/quickstyle/simple4">
   <dgm:title val=""/>
   <dgm:desc val=""/>
   <dgm:catLst>
-    <dgm:cat type="simple" pri="10100"/>
+    <dgm:cat type="simple" pri="10400"/>
   </dgm:catLst>
   <dgm:scene3d>
     <a:camera prst="orthographicFront"/>
@@ -28063,13 +27681,13 @@
     <dgm:sp3d/>
     <dgm:txPr/>
     <dgm:style>
-      <a:lnRef idx="2">
-        <a:scrgbClr r="0" g="0" b="0"/>
-      </a:lnRef>
-      <a:fillRef idx="1">
-        <a:scrgbClr r="0" g="0" b="0"/>
-      </a:fillRef>
-      <a:effectRef idx="0">
+      <a:lnRef idx="0">
+        <a:scrgbClr r="0" g="0" b="0"/>
+      </a:lnRef>
+      <a:fillRef idx="3">
+        <a:scrgbClr r="0" g="0" b="0"/>
+      </a:fillRef>
+      <a:effectRef idx="2">
         <a:scrgbClr r="0" g="0" b="0"/>
       </a:effectRef>
       <a:fontRef idx="minor">
@@ -28085,13 +27703,13 @@
     <dgm:sp3d/>
     <dgm:txPr/>
     <dgm:style>
-      <a:lnRef idx="2">
-        <a:scrgbClr r="0" g="0" b="0"/>
-      </a:lnRef>
-      <a:fillRef idx="1">
-        <a:scrgbClr r="0" g="0" b="0"/>
-      </a:fillRef>
-      <a:effectRef idx="0">
+      <a:lnRef idx="1">
+        <a:scrgbClr r="0" g="0" b="0"/>
+      </a:lnRef>
+      <a:fillRef idx="3">
+        <a:scrgbClr r="0" g="0" b="0"/>
+      </a:fillRef>
+      <a:effectRef idx="2">
         <a:scrgbClr r="0" g="0" b="0"/>
       </a:effectRef>
       <a:fontRef idx="minor">
@@ -28107,10 +27725,10 @@
     <dgm:sp3d/>
     <dgm:txPr/>
     <dgm:style>
-      <a:lnRef idx="2">
-        <a:scrgbClr r="0" g="0" b="0"/>
-      </a:lnRef>
-      <a:fillRef idx="1">
+      <a:lnRef idx="0">
+        <a:scrgbClr r="0" g="0" b="0"/>
+      </a:lnRef>
+      <a:fillRef idx="3">
         <a:scrgbClr r="0" g="0" b="0"/>
       </a:fillRef>
       <a:effectRef idx="0">
@@ -28129,13 +27747,13 @@
     <dgm:sp3d/>
     <dgm:txPr/>
     <dgm:style>
-      <a:lnRef idx="2">
-        <a:scrgbClr r="0" g="0" b="0"/>
-      </a:lnRef>
-      <a:fillRef idx="1">
-        <a:scrgbClr r="0" g="0" b="0"/>
-      </a:fillRef>
-      <a:effectRef idx="0">
+      <a:lnRef idx="1">
+        <a:scrgbClr r="0" g="0" b="0"/>
+      </a:lnRef>
+      <a:fillRef idx="3">
+        <a:scrgbClr r="0" g="0" b="0"/>
+      </a:fillRef>
+      <a:effectRef idx="2">
         <a:scrgbClr r="0" g="0" b="0"/>
       </a:effectRef>
       <a:fontRef idx="minor">
@@ -28151,13 +27769,13 @@
     <dgm:sp3d/>
     <dgm:txPr/>
     <dgm:style>
-      <a:lnRef idx="2">
-        <a:scrgbClr r="0" g="0" b="0"/>
-      </a:lnRef>
-      <a:fillRef idx="1">
-        <a:scrgbClr r="0" g="0" b="0"/>
-      </a:fillRef>
-      <a:effectRef idx="0">
+      <a:lnRef idx="0">
+        <a:scrgbClr r="0" g="0" b="0"/>
+      </a:lnRef>
+      <a:fillRef idx="3">
+        <a:scrgbClr r="0" g="0" b="0"/>
+      </a:fillRef>
+      <a:effectRef idx="2">
         <a:scrgbClr r="0" g="0" b="0"/>
       </a:effectRef>
       <a:fontRef idx="minor">
@@ -28173,13 +27791,13 @@
     <dgm:sp3d/>
     <dgm:txPr/>
     <dgm:style>
-      <a:lnRef idx="2">
-        <a:scrgbClr r="0" g="0" b="0"/>
-      </a:lnRef>
-      <a:fillRef idx="1">
-        <a:scrgbClr r="0" g="0" b="0"/>
-      </a:fillRef>
-      <a:effectRef idx="0">
+      <a:lnRef idx="0">
+        <a:scrgbClr r="0" g="0" b="0"/>
+      </a:lnRef>
+      <a:fillRef idx="3">
+        <a:scrgbClr r="0" g="0" b="0"/>
+      </a:fillRef>
+      <a:effectRef idx="2">
         <a:scrgbClr r="0" g="0" b="0"/>
       </a:effectRef>
       <a:fontRef idx="minor">
@@ -28195,13 +27813,13 @@
     <dgm:sp3d/>
     <dgm:txPr/>
     <dgm:style>
-      <a:lnRef idx="2">
-        <a:scrgbClr r="0" g="0" b="0"/>
-      </a:lnRef>
-      <a:fillRef idx="1">
-        <a:scrgbClr r="0" g="0" b="0"/>
-      </a:fillRef>
-      <a:effectRef idx="0">
+      <a:lnRef idx="0">
+        <a:scrgbClr r="0" g="0" b="0"/>
+      </a:lnRef>
+      <a:fillRef idx="3">
+        <a:scrgbClr r="0" g="0" b="0"/>
+      </a:fillRef>
+      <a:effectRef idx="2">
         <a:scrgbClr r="0" g="0" b="0"/>
       </a:effectRef>
       <a:fontRef idx="minor">
@@ -28217,13 +27835,13 @@
     <dgm:sp3d/>
     <dgm:txPr/>
     <dgm:style>
-      <a:lnRef idx="2">
-        <a:scrgbClr r="0" g="0" b="0"/>
-      </a:lnRef>
-      <a:fillRef idx="1">
-        <a:scrgbClr r="0" g="0" b="0"/>
-      </a:fillRef>
-      <a:effectRef idx="0">
+      <a:lnRef idx="0">
+        <a:scrgbClr r="0" g="0" b="0"/>
+      </a:lnRef>
+      <a:fillRef idx="3">
+        <a:scrgbClr r="0" g="0" b="0"/>
+      </a:fillRef>
+      <a:effectRef idx="2">
         <a:scrgbClr r="0" g="0" b="0"/>
       </a:effectRef>
       <a:fontRef idx="minor">
@@ -28239,13 +27857,13 @@
     <dgm:sp3d/>
     <dgm:txPr/>
     <dgm:style>
-      <a:lnRef idx="2">
+      <a:lnRef idx="0">
         <a:scrgbClr r="0" g="0" b="0"/>
       </a:lnRef>
       <a:fillRef idx="1">
         <a:scrgbClr r="0" g="0" b="0"/>
       </a:fillRef>
-      <a:effectRef idx="0">
+      <a:effectRef idx="2">
         <a:scrgbClr r="0" g="0" b="0"/>
       </a:effectRef>
       <a:fontRef idx="minor"/>
@@ -28259,13 +27877,13 @@
     <dgm:sp3d/>
     <dgm:txPr/>
     <dgm:style>
-      <a:lnRef idx="2">
+      <a:lnRef idx="0">
         <a:scrgbClr r="0" g="0" b="0"/>
       </a:lnRef>
       <a:fillRef idx="1">
         <a:scrgbClr r="0" g="0" b="0"/>
       </a:fillRef>
-      <a:effectRef idx="0">
+      <a:effectRef idx="2">
         <a:scrgbClr r="0" g="0" b="0"/>
       </a:effectRef>
       <a:fontRef idx="minor"/>
@@ -28279,13 +27897,13 @@
     <dgm:sp3d/>
     <dgm:txPr/>
     <dgm:style>
-      <a:lnRef idx="2">
+      <a:lnRef idx="0">
         <a:scrgbClr r="0" g="0" b="0"/>
       </a:lnRef>
       <a:fillRef idx="1">
         <a:scrgbClr r="0" g="0" b="0"/>
       </a:fillRef>
-      <a:effectRef idx="0">
+      <a:effectRef idx="2">
         <a:scrgbClr r="0" g="0" b="0"/>
       </a:effectRef>
       <a:fontRef idx="minor"/>
@@ -28302,10 +27920,10 @@
       <a:lnRef idx="0">
         <a:scrgbClr r="0" g="0" b="0"/>
       </a:lnRef>
-      <a:fillRef idx="1">
-        <a:scrgbClr r="0" g="0" b="0"/>
-      </a:fillRef>
-      <a:effectRef idx="0">
+      <a:fillRef idx="3">
+        <a:scrgbClr r="0" g="0" b="0"/>
+      </a:fillRef>
+      <a:effectRef idx="2">
         <a:scrgbClr r="0" g="0" b="0"/>
       </a:effectRef>
       <a:fontRef idx="minor">
@@ -28324,10 +27942,10 @@
       <a:lnRef idx="0">
         <a:scrgbClr r="0" g="0" b="0"/>
       </a:lnRef>
-      <a:fillRef idx="1">
-        <a:scrgbClr r="0" g="0" b="0"/>
-      </a:fillRef>
-      <a:effectRef idx="0">
+      <a:fillRef idx="3">
+        <a:scrgbClr r="0" g="0" b="0"/>
+      </a:fillRef>
+      <a:effectRef idx="2">
         <a:scrgbClr r="0" g="0" b="0"/>
       </a:effectRef>
       <a:fontRef idx="minor">
@@ -28346,10 +27964,10 @@
       <a:lnRef idx="0">
         <a:scrgbClr r="0" g="0" b="0"/>
       </a:lnRef>
-      <a:fillRef idx="1">
-        <a:scrgbClr r="0" g="0" b="0"/>
-      </a:fillRef>
-      <a:effectRef idx="0">
+      <a:fillRef idx="3">
+        <a:scrgbClr r="0" g="0" b="0"/>
+      </a:fillRef>
+      <a:effectRef idx="2">
         <a:scrgbClr r="0" g="0" b="0"/>
       </a:effectRef>
       <a:fontRef idx="minor">
@@ -28391,7 +28009,7 @@
       <a:fillRef idx="1">
         <a:scrgbClr r="0" g="0" b="0"/>
       </a:fillRef>
-      <a:effectRef idx="0">
+      <a:effectRef idx="1">
         <a:scrgbClr r="0" g="0" b="0"/>
       </a:effectRef>
       <a:fontRef idx="minor"/>
@@ -28405,13 +28023,13 @@
     <dgm:sp3d/>
     <dgm:txPr/>
     <dgm:style>
-      <a:lnRef idx="2">
-        <a:scrgbClr r="0" g="0" b="0"/>
-      </a:lnRef>
-      <a:fillRef idx="1">
-        <a:scrgbClr r="0" g="0" b="0"/>
-      </a:fillRef>
-      <a:effectRef idx="0">
+      <a:lnRef idx="0">
+        <a:scrgbClr r="0" g="0" b="0"/>
+      </a:lnRef>
+      <a:fillRef idx="3">
+        <a:scrgbClr r="0" g="0" b="0"/>
+      </a:fillRef>
+      <a:effectRef idx="2">
         <a:scrgbClr r="0" g="0" b="0"/>
       </a:effectRef>
       <a:fontRef idx="minor">
@@ -28427,13 +28045,13 @@
     <dgm:sp3d/>
     <dgm:txPr/>
     <dgm:style>
-      <a:lnRef idx="2">
-        <a:scrgbClr r="0" g="0" b="0"/>
-      </a:lnRef>
-      <a:fillRef idx="1">
-        <a:scrgbClr r="0" g="0" b="0"/>
-      </a:fillRef>
-      <a:effectRef idx="0">
+      <a:lnRef idx="0">
+        <a:scrgbClr r="0" g="0" b="0"/>
+      </a:lnRef>
+      <a:fillRef idx="3">
+        <a:scrgbClr r="0" g="0" b="0"/>
+      </a:fillRef>
+      <a:effectRef idx="2">
         <a:scrgbClr r="0" g="0" b="0"/>
       </a:effectRef>
       <a:fontRef idx="minor">
@@ -28449,13 +28067,13 @@
     <dgm:sp3d/>
     <dgm:txPr/>
     <dgm:style>
-      <a:lnRef idx="2">
-        <a:scrgbClr r="0" g="0" b="0"/>
-      </a:lnRef>
-      <a:fillRef idx="1">
-        <a:scrgbClr r="0" g="0" b="0"/>
-      </a:fillRef>
-      <a:effectRef idx="0">
+      <a:lnRef idx="0">
+        <a:scrgbClr r="0" g="0" b="0"/>
+      </a:lnRef>
+      <a:fillRef idx="3">
+        <a:scrgbClr r="0" g="0" b="0"/>
+      </a:fillRef>
+      <a:effectRef idx="2">
         <a:scrgbClr r="0" g="0" b="0"/>
       </a:effectRef>
       <a:fontRef idx="minor">
@@ -28471,13 +28089,13 @@
     <dgm:sp3d/>
     <dgm:txPr/>
     <dgm:style>
-      <a:lnRef idx="2">
-        <a:scrgbClr r="0" g="0" b="0"/>
-      </a:lnRef>
-      <a:fillRef idx="1">
-        <a:scrgbClr r="0" g="0" b="0"/>
-      </a:fillRef>
-      <a:effectRef idx="0">
+      <a:lnRef idx="0">
+        <a:scrgbClr r="0" g="0" b="0"/>
+      </a:lnRef>
+      <a:fillRef idx="3">
+        <a:scrgbClr r="0" g="0" b="0"/>
+      </a:fillRef>
+      <a:effectRef idx="2">
         <a:scrgbClr r="0" g="0" b="0"/>
       </a:effectRef>
       <a:fontRef idx="minor">
@@ -28493,13 +28111,13 @@
     <dgm:sp3d/>
     <dgm:txPr/>
     <dgm:style>
-      <a:lnRef idx="2">
-        <a:scrgbClr r="0" g="0" b="0"/>
-      </a:lnRef>
-      <a:fillRef idx="1">
-        <a:scrgbClr r="0" g="0" b="0"/>
-      </a:fillRef>
-      <a:effectRef idx="0">
+      <a:lnRef idx="0">
+        <a:scrgbClr r="0" g="0" b="0"/>
+      </a:lnRef>
+      <a:fillRef idx="3">
+        <a:scrgbClr r="0" g="0" b="0"/>
+      </a:fillRef>
+      <a:effectRef idx="2">
         <a:scrgbClr r="0" g="0" b="0"/>
       </a:effectRef>
       <a:fontRef idx="minor">
@@ -28515,13 +28133,13 @@
     <dgm:sp3d/>
     <dgm:txPr/>
     <dgm:style>
-      <a:lnRef idx="2">
-        <a:scrgbClr r="0" g="0" b="0"/>
-      </a:lnRef>
-      <a:fillRef idx="1">
-        <a:scrgbClr r="0" g="0" b="0"/>
-      </a:fillRef>
-      <a:effectRef idx="0">
+      <a:lnRef idx="0">
+        <a:scrgbClr r="0" g="0" b="0"/>
+      </a:lnRef>
+      <a:fillRef idx="3">
+        <a:scrgbClr r="0" g="0" b="0"/>
+      </a:fillRef>
+      <a:effectRef idx="2">
         <a:scrgbClr r="0" g="0" b="0"/>
       </a:effectRef>
       <a:fontRef idx="minor">
@@ -28537,13 +28155,13 @@
     <dgm:sp3d/>
     <dgm:txPr/>
     <dgm:style>
-      <a:lnRef idx="2">
-        <a:scrgbClr r="0" g="0" b="0"/>
-      </a:lnRef>
-      <a:fillRef idx="1">
-        <a:scrgbClr r="0" g="0" b="0"/>
-      </a:fillRef>
-      <a:effectRef idx="0">
+      <a:lnRef idx="0">
+        <a:scrgbClr r="0" g="0" b="0"/>
+      </a:lnRef>
+      <a:fillRef idx="3">
+        <a:scrgbClr r="0" g="0" b="0"/>
+      </a:fillRef>
+      <a:effectRef idx="2">
         <a:scrgbClr r="0" g="0" b="0"/>
       </a:effectRef>
       <a:fontRef idx="minor">
@@ -28559,13 +28177,13 @@
     <dgm:sp3d/>
     <dgm:txPr/>
     <dgm:style>
-      <a:lnRef idx="2">
-        <a:scrgbClr r="0" g="0" b="0"/>
-      </a:lnRef>
-      <a:fillRef idx="1">
-        <a:scrgbClr r="0" g="0" b="0"/>
-      </a:fillRef>
-      <a:effectRef idx="0">
+      <a:lnRef idx="1">
+        <a:scrgbClr r="0" g="0" b="0"/>
+      </a:lnRef>
+      <a:fillRef idx="3">
+        <a:scrgbClr r="0" g="0" b="0"/>
+      </a:fillRef>
+      <a:effectRef idx="2">
         <a:scrgbClr r="0" g="0" b="0"/>
       </a:effectRef>
       <a:fontRef idx="minor">
@@ -28581,13 +28199,13 @@
     <dgm:sp3d/>
     <dgm:txPr/>
     <dgm:style>
-      <a:lnRef idx="2">
-        <a:scrgbClr r="0" g="0" b="0"/>
-      </a:lnRef>
-      <a:fillRef idx="1">
-        <a:scrgbClr r="0" g="0" b="0"/>
-      </a:fillRef>
-      <a:effectRef idx="0">
+      <a:lnRef idx="1">
+        <a:scrgbClr r="0" g="0" b="0"/>
+      </a:lnRef>
+      <a:fillRef idx="3">
+        <a:scrgbClr r="0" g="0" b="0"/>
+      </a:fillRef>
+      <a:effectRef idx="2">
         <a:scrgbClr r="0" g="0" b="0"/>
       </a:effectRef>
       <a:fontRef idx="minor">
@@ -28603,7 +28221,7 @@
     <dgm:sp3d/>
     <dgm:txPr/>
     <dgm:style>
-      <a:lnRef idx="2">
+      <a:lnRef idx="1">
         <a:scrgbClr r="0" g="0" b="0"/>
       </a:lnRef>
       <a:fillRef idx="0">
@@ -28623,7 +28241,7 @@
     <dgm:sp3d/>
     <dgm:txPr/>
     <dgm:style>
-      <a:lnRef idx="2">
+      <a:lnRef idx="1">
         <a:scrgbClr r="0" g="0" b="0"/>
       </a:lnRef>
       <a:fillRef idx="0">
@@ -28643,7 +28261,7 @@
     <dgm:sp3d/>
     <dgm:txPr/>
     <dgm:style>
-      <a:lnRef idx="2">
+      <a:lnRef idx="1">
         <a:scrgbClr r="0" g="0" b="0"/>
       </a:lnRef>
       <a:fillRef idx="0">
@@ -28663,7 +28281,7 @@
     <dgm:sp3d/>
     <dgm:txPr/>
     <dgm:style>
-      <a:lnRef idx="2">
+      <a:lnRef idx="1">
         <a:scrgbClr r="0" g="0" b="0"/>
       </a:lnRef>
       <a:fillRef idx="0">
@@ -28683,7 +28301,7 @@
     <dgm:sp3d/>
     <dgm:txPr/>
     <dgm:style>
-      <a:lnRef idx="2">
+      <a:lnRef idx="1">
         <a:scrgbClr r="0" g="0" b="0"/>
       </a:lnRef>
       <a:fillRef idx="1">
@@ -28703,7 +28321,7 @@
     <dgm:sp3d/>
     <dgm:txPr/>
     <dgm:style>
-      <a:lnRef idx="2">
+      <a:lnRef idx="1">
         <a:scrgbClr r="0" g="0" b="0"/>
       </a:lnRef>
       <a:fillRef idx="1">
@@ -28723,7 +28341,7 @@
     <dgm:sp3d/>
     <dgm:txPr/>
     <dgm:style>
-      <a:lnRef idx="2">
+      <a:lnRef idx="1">
         <a:scrgbClr r="0" g="0" b="0"/>
       </a:lnRef>
       <a:fillRef idx="1">
@@ -28763,7 +28381,7 @@
     <dgm:sp3d/>
     <dgm:txPr/>
     <dgm:style>
-      <a:lnRef idx="2">
+      <a:lnRef idx="1">
         <a:scrgbClr r="0" g="0" b="0"/>
       </a:lnRef>
       <a:fillRef idx="1">
@@ -28783,7 +28401,7 @@
     <dgm:sp3d/>
     <dgm:txPr/>
     <dgm:style>
-      <a:lnRef idx="2">
+      <a:lnRef idx="1">
         <a:scrgbClr r="0" g="0" b="0"/>
       </a:lnRef>
       <a:fillRef idx="1">
@@ -28803,7 +28421,7 @@
     <dgm:sp3d/>
     <dgm:txPr/>
     <dgm:style>
-      <a:lnRef idx="2">
+      <a:lnRef idx="1">
         <a:scrgbClr r="0" g="0" b="0"/>
       </a:lnRef>
       <a:fillRef idx="1">
@@ -28823,7 +28441,7 @@
     <dgm:sp3d/>
     <dgm:txPr/>
     <dgm:style>
-      <a:lnRef idx="2">
+      <a:lnRef idx="1">
         <a:scrgbClr r="0" g="0" b="0"/>
       </a:lnRef>
       <a:fillRef idx="1">
@@ -28843,7 +28461,7 @@
     <dgm:sp3d/>
     <dgm:txPr/>
     <dgm:style>
-      <a:lnRef idx="2">
+      <a:lnRef idx="1">
         <a:scrgbClr r="0" g="0" b="0"/>
       </a:lnRef>
       <a:fillRef idx="1">
@@ -28863,7 +28481,7 @@
     <dgm:sp3d/>
     <dgm:txPr/>
     <dgm:style>
-      <a:lnRef idx="2">
+      <a:lnRef idx="1">
         <a:scrgbClr r="0" g="0" b="0"/>
       </a:lnRef>
       <a:fillRef idx="1">
@@ -28883,7 +28501,7 @@
     <dgm:sp3d/>
     <dgm:txPr/>
     <dgm:style>
-      <a:lnRef idx="2">
+      <a:lnRef idx="1">
         <a:scrgbClr r="0" g="0" b="0"/>
       </a:lnRef>
       <a:fillRef idx="1">
@@ -28903,7 +28521,7 @@
     <dgm:sp3d/>
     <dgm:txPr/>
     <dgm:style>
-      <a:lnRef idx="2">
+      <a:lnRef idx="1">
         <a:scrgbClr r="0" g="0" b="0"/>
       </a:lnRef>
       <a:fillRef idx="1">
@@ -28923,7 +28541,7 @@
     <dgm:sp3d/>
     <dgm:txPr/>
     <dgm:style>
-      <a:lnRef idx="2">
+      <a:lnRef idx="1">
         <a:scrgbClr r="0" g="0" b="0"/>
       </a:lnRef>
       <a:fillRef idx="1">
@@ -28943,7 +28561,7 @@
     <dgm:sp3d/>
     <dgm:txPr/>
     <dgm:style>
-      <a:lnRef idx="2">
+      <a:lnRef idx="1">
         <a:scrgbClr r="0" g="0" b="0"/>
       </a:lnRef>
       <a:fillRef idx="1">
@@ -28963,7 +28581,7 @@
     <dgm:sp3d/>
     <dgm:txPr/>
     <dgm:style>
-      <a:lnRef idx="2">
+      <a:lnRef idx="1">
         <a:scrgbClr r="0" g="0" b="0"/>
       </a:lnRef>
       <a:fillRef idx="1">
@@ -28989,13 +28607,53 @@
       <a:fillRef idx="1">
         <a:scrgbClr r="0" g="0" b="0"/>
       </a:fillRef>
+      <a:effectRef idx="2">
+        <a:scrgbClr r="0" g="0" b="0"/>
+      </a:effectRef>
+      <a:fontRef idx="minor"/>
+    </dgm:style>
+  </dgm:styleLbl>
+  <dgm:styleLbl name="dkBgShp">
+    <dgm:scene3d>
+      <a:camera prst="orthographicFront"/>
+      <a:lightRig rig="threePt" dir="t"/>
+    </dgm:scene3d>
+    <dgm:sp3d/>
+    <dgm:txPr/>
+    <dgm:style>
+      <a:lnRef idx="0">
+        <a:scrgbClr r="0" g="0" b="0"/>
+      </a:lnRef>
+      <a:fillRef idx="1">
+        <a:scrgbClr r="0" g="0" b="0"/>
+      </a:fillRef>
+      <a:effectRef idx="2">
+        <a:scrgbClr r="0" g="0" b="0"/>
+      </a:effectRef>
+      <a:fontRef idx="minor"/>
+    </dgm:style>
+  </dgm:styleLbl>
+  <dgm:styleLbl name="trBgShp">
+    <dgm:scene3d>
+      <a:camera prst="orthographicFront"/>
+      <a:lightRig rig="threePt" dir="t"/>
+    </dgm:scene3d>
+    <dgm:sp3d/>
+    <dgm:txPr/>
+    <dgm:style>
+      <a:lnRef idx="0">
+        <a:scrgbClr r="0" g="0" b="0"/>
+      </a:lnRef>
+      <a:fillRef idx="1">
+        <a:scrgbClr r="0" g="0" b="0"/>
+      </a:fillRef>
       <a:effectRef idx="0">
         <a:scrgbClr r="0" g="0" b="0"/>
       </a:effectRef>
       <a:fontRef idx="minor"/>
     </dgm:style>
   </dgm:styleLbl>
-  <dgm:styleLbl name="dkBgShp">
+  <dgm:styleLbl name="fgShp">
     <dgm:scene3d>
       <a:camera prst="orthographicFront"/>
       <a:lightRig rig="threePt" dir="t"/>
@@ -29006,50 +28664,10 @@
       <a:lnRef idx="0">
         <a:scrgbClr r="0" g="0" b="0"/>
       </a:lnRef>
-      <a:fillRef idx="1">
-        <a:scrgbClr r="0" g="0" b="0"/>
-      </a:fillRef>
-      <a:effectRef idx="0">
-        <a:scrgbClr r="0" g="0" b="0"/>
-      </a:effectRef>
-      <a:fontRef idx="minor"/>
-    </dgm:style>
-  </dgm:styleLbl>
-  <dgm:styleLbl name="trBgShp">
-    <dgm:scene3d>
-      <a:camera prst="orthographicFront"/>
-      <a:lightRig rig="threePt" dir="t"/>
-    </dgm:scene3d>
-    <dgm:sp3d/>
-    <dgm:txPr/>
-    <dgm:style>
-      <a:lnRef idx="0">
-        <a:scrgbClr r="0" g="0" b="0"/>
-      </a:lnRef>
-      <a:fillRef idx="1">
-        <a:scrgbClr r="0" g="0" b="0"/>
-      </a:fillRef>
-      <a:effectRef idx="0">
-        <a:scrgbClr r="0" g="0" b="0"/>
-      </a:effectRef>
-      <a:fontRef idx="minor"/>
-    </dgm:style>
-  </dgm:styleLbl>
-  <dgm:styleLbl name="fgShp">
-    <dgm:scene3d>
-      <a:camera prst="orthographicFront"/>
-      <a:lightRig rig="threePt" dir="t"/>
-    </dgm:scene3d>
-    <dgm:sp3d/>
-    <dgm:txPr/>
-    <dgm:style>
-      <a:lnRef idx="2">
-        <a:scrgbClr r="0" g="0" b="0"/>
-      </a:lnRef>
-      <a:fillRef idx="1">
-        <a:scrgbClr r="0" g="0" b="0"/>
-      </a:fillRef>
-      <a:effectRef idx="0">
+      <a:fillRef idx="3">
+        <a:scrgbClr r="0" g="0" b="0"/>
+      </a:fillRef>
+      <a:effectRef idx="2">
         <a:scrgbClr r="0" g="0" b="0"/>
       </a:effectRef>
       <a:fontRef idx="minor"/>
@@ -36366,6 +35984,444 @@
     </dgm:style>
   </dgm:styleLbl>
 </dgm:styleDef>
+</file>
+
+<file path=ppt/notesMasters/notesMaster1.xml><?xml version="1.0" encoding="utf-8"?>
+<p:notesMaster xmlns:a="http://schemas.openxmlformats.org/drawingml/2006/main" xmlns:r="http://schemas.openxmlformats.org/officeDocument/2006/relationships" xmlns:p="http://schemas.openxmlformats.org/presentationml/2006/main">
+  <p:cSld>
+    <p:bg>
+      <p:bgRef idx="1001">
+        <a:schemeClr val="bg1"/>
+      </p:bgRef>
+    </p:bg>
+    <p:spTree>
+      <p:nvGrpSpPr>
+        <p:cNvPr id="1" name=""/>
+        <p:cNvGrpSpPr/>
+        <p:nvPr/>
+      </p:nvGrpSpPr>
+      <p:grpSpPr>
+        <a:xfrm>
+          <a:off x="0" y="0"/>
+          <a:ext cx="0" cy="0"/>
+          <a:chOff x="0" y="0"/>
+          <a:chExt cx="0" cy="0"/>
+        </a:xfrm>
+      </p:grpSpPr>
+      <p:sp>
+        <p:nvSpPr>
+          <p:cNvPr id="2" name="Header Placeholder 1"/>
+          <p:cNvSpPr>
+            <a:spLocks noGrp="1"/>
+          </p:cNvSpPr>
+          <p:nvPr>
+            <p:ph type="hdr" sz="quarter"/>
+          </p:nvPr>
+        </p:nvSpPr>
+        <p:spPr>
+          <a:xfrm>
+            <a:off x="0" y="0"/>
+            <a:ext cx="2971800" cy="458788"/>
+          </a:xfrm>
+          <a:prstGeom prst="rect">
+            <a:avLst/>
+          </a:prstGeom>
+        </p:spPr>
+        <p:txBody>
+          <a:bodyPr vert="horz" lIns="91440" tIns="45720" rIns="91440" bIns="45720" rtlCol="0"/>
+          <a:lstStyle>
+            <a:lvl1pPr algn="l">
+              <a:defRPr sz="1200"/>
+            </a:lvl1pPr>
+          </a:lstStyle>
+          <a:p>
+            <a:endParaRPr lang="it-IT"/>
+          </a:p>
+        </p:txBody>
+      </p:sp>
+      <p:sp>
+        <p:nvSpPr>
+          <p:cNvPr id="3" name="Date Placeholder 2"/>
+          <p:cNvSpPr>
+            <a:spLocks noGrp="1"/>
+          </p:cNvSpPr>
+          <p:nvPr>
+            <p:ph type="dt" idx="1"/>
+          </p:nvPr>
+        </p:nvSpPr>
+        <p:spPr>
+          <a:xfrm>
+            <a:off x="3884613" y="0"/>
+            <a:ext cx="2971800" cy="458788"/>
+          </a:xfrm>
+          <a:prstGeom prst="rect">
+            <a:avLst/>
+          </a:prstGeom>
+        </p:spPr>
+        <p:txBody>
+          <a:bodyPr vert="horz" lIns="91440" tIns="45720" rIns="91440" bIns="45720" rtlCol="0"/>
+          <a:lstStyle>
+            <a:lvl1pPr algn="r">
+              <a:defRPr sz="1200"/>
+            </a:lvl1pPr>
+          </a:lstStyle>
+          <a:p>
+            <a:fld id="{EB41810E-5770-4C34-88B5-36E239ECF2AE}" type="datetimeFigureOut">
+              <a:rPr lang="it-IT" smtClean="0"/>
+              <a:t>09/12/2014</a:t>
+            </a:fld>
+            <a:endParaRPr lang="it-IT"/>
+          </a:p>
+        </p:txBody>
+      </p:sp>
+      <p:sp>
+        <p:nvSpPr>
+          <p:cNvPr id="4" name="Slide Image Placeholder 3"/>
+          <p:cNvSpPr>
+            <a:spLocks noGrp="1" noRot="1" noChangeAspect="1"/>
+          </p:cNvSpPr>
+          <p:nvPr>
+            <p:ph type="sldImg" idx="2"/>
+          </p:nvPr>
+        </p:nvSpPr>
+        <p:spPr>
+          <a:xfrm>
+            <a:off x="1371600" y="1143000"/>
+            <a:ext cx="4114800" cy="3086100"/>
+          </a:xfrm>
+          <a:prstGeom prst="rect">
+            <a:avLst/>
+          </a:prstGeom>
+          <a:noFill/>
+          <a:ln w="12700">
+            <a:solidFill>
+              <a:prstClr val="black"/>
+            </a:solidFill>
+          </a:ln>
+        </p:spPr>
+        <p:txBody>
+          <a:bodyPr vert="horz" lIns="91440" tIns="45720" rIns="91440" bIns="45720" rtlCol="0" anchor="ctr"/>
+          <a:lstStyle/>
+          <a:p>
+            <a:endParaRPr lang="it-IT"/>
+          </a:p>
+        </p:txBody>
+      </p:sp>
+      <p:sp>
+        <p:nvSpPr>
+          <p:cNvPr id="5" name="Notes Placeholder 4"/>
+          <p:cNvSpPr>
+            <a:spLocks noGrp="1"/>
+          </p:cNvSpPr>
+          <p:nvPr>
+            <p:ph type="body" sz="quarter" idx="3"/>
+          </p:nvPr>
+        </p:nvSpPr>
+        <p:spPr>
+          <a:xfrm>
+            <a:off x="685800" y="4400550"/>
+            <a:ext cx="5486400" cy="3600450"/>
+          </a:xfrm>
+          <a:prstGeom prst="rect">
+            <a:avLst/>
+          </a:prstGeom>
+        </p:spPr>
+        <p:txBody>
+          <a:bodyPr vert="horz" lIns="91440" tIns="45720" rIns="91440" bIns="45720" rtlCol="0"/>
+          <a:lstStyle/>
+          <a:p>
+            <a:pPr lvl="0"/>
+            <a:r>
+              <a:rPr lang="en-US" smtClean="0"/>
+              <a:t>Click to edit Master text styles</a:t>
+            </a:r>
+          </a:p>
+          <a:p>
+            <a:pPr lvl="1"/>
+            <a:r>
+              <a:rPr lang="en-US" smtClean="0"/>
+              <a:t>Second level</a:t>
+            </a:r>
+          </a:p>
+          <a:p>
+            <a:pPr lvl="2"/>
+            <a:r>
+              <a:rPr lang="en-US" smtClean="0"/>
+              <a:t>Third level</a:t>
+            </a:r>
+          </a:p>
+          <a:p>
+            <a:pPr lvl="3"/>
+            <a:r>
+              <a:rPr lang="en-US" smtClean="0"/>
+              <a:t>Fourth level</a:t>
+            </a:r>
+          </a:p>
+          <a:p>
+            <a:pPr lvl="4"/>
+            <a:r>
+              <a:rPr lang="en-US" smtClean="0"/>
+              <a:t>Fifth level</a:t>
+            </a:r>
+            <a:endParaRPr lang="it-IT"/>
+          </a:p>
+        </p:txBody>
+      </p:sp>
+      <p:sp>
+        <p:nvSpPr>
+          <p:cNvPr id="6" name="Footer Placeholder 5"/>
+          <p:cNvSpPr>
+            <a:spLocks noGrp="1"/>
+          </p:cNvSpPr>
+          <p:nvPr>
+            <p:ph type="ftr" sz="quarter" idx="4"/>
+          </p:nvPr>
+        </p:nvSpPr>
+        <p:spPr>
+          <a:xfrm>
+            <a:off x="0" y="8685213"/>
+            <a:ext cx="2971800" cy="458787"/>
+          </a:xfrm>
+          <a:prstGeom prst="rect">
+            <a:avLst/>
+          </a:prstGeom>
+        </p:spPr>
+        <p:txBody>
+          <a:bodyPr vert="horz" lIns="91440" tIns="45720" rIns="91440" bIns="45720" rtlCol="0" anchor="b"/>
+          <a:lstStyle>
+            <a:lvl1pPr algn="l">
+              <a:defRPr sz="1200"/>
+            </a:lvl1pPr>
+          </a:lstStyle>
+          <a:p>
+            <a:endParaRPr lang="it-IT"/>
+          </a:p>
+        </p:txBody>
+      </p:sp>
+      <p:sp>
+        <p:nvSpPr>
+          <p:cNvPr id="7" name="Slide Number Placeholder 6"/>
+          <p:cNvSpPr>
+            <a:spLocks noGrp="1"/>
+          </p:cNvSpPr>
+          <p:nvPr>
+            <p:ph type="sldNum" sz="quarter" idx="5"/>
+          </p:nvPr>
+        </p:nvSpPr>
+        <p:spPr>
+          <a:xfrm>
+            <a:off x="3884613" y="8685213"/>
+            <a:ext cx="2971800" cy="458787"/>
+          </a:xfrm>
+          <a:prstGeom prst="rect">
+            <a:avLst/>
+          </a:prstGeom>
+        </p:spPr>
+        <p:txBody>
+          <a:bodyPr vert="horz" lIns="91440" tIns="45720" rIns="91440" bIns="45720" rtlCol="0" anchor="b"/>
+          <a:lstStyle>
+            <a:lvl1pPr algn="r">
+              <a:defRPr sz="1200"/>
+            </a:lvl1pPr>
+          </a:lstStyle>
+          <a:p>
+            <a:fld id="{48745AE6-6105-481F-A1F5-4607159C3FB7}" type="slidenum">
+              <a:rPr lang="it-IT" smtClean="0"/>
+              <a:t>‹#›</a:t>
+            </a:fld>
+            <a:endParaRPr lang="it-IT"/>
+          </a:p>
+        </p:txBody>
+      </p:sp>
+    </p:spTree>
+    <p:extLst>
+      <p:ext uri="{BB962C8B-B14F-4D97-AF65-F5344CB8AC3E}">
+        <p14:creationId xmlns:p14="http://schemas.microsoft.com/office/powerpoint/2010/main" val="3715813212"/>
+      </p:ext>
+    </p:extLst>
+  </p:cSld>
+  <p:clrMap bg1="lt1" tx1="dk1" bg2="lt2" tx2="dk2" accent1="accent1" accent2="accent2" accent3="accent3" accent4="accent4" accent5="accent5" accent6="accent6" hlink="hlink" folHlink="folHlink"/>
+  <p:notesStyle>
+    <a:lvl1pPr marL="0" algn="l" defTabSz="914400" rtl="0" eaLnBrk="1" latinLnBrk="0" hangingPunct="1">
+      <a:defRPr sz="1200" kern="1200">
+        <a:solidFill>
+          <a:schemeClr val="tx1"/>
+        </a:solidFill>
+        <a:latin typeface="+mn-lt"/>
+        <a:ea typeface="+mn-ea"/>
+        <a:cs typeface="+mn-cs"/>
+      </a:defRPr>
+    </a:lvl1pPr>
+    <a:lvl2pPr marL="457200" algn="l" defTabSz="914400" rtl="0" eaLnBrk="1" latinLnBrk="0" hangingPunct="1">
+      <a:defRPr sz="1200" kern="1200">
+        <a:solidFill>
+          <a:schemeClr val="tx1"/>
+        </a:solidFill>
+        <a:latin typeface="+mn-lt"/>
+        <a:ea typeface="+mn-ea"/>
+        <a:cs typeface="+mn-cs"/>
+      </a:defRPr>
+    </a:lvl2pPr>
+    <a:lvl3pPr marL="914400" algn="l" defTabSz="914400" rtl="0" eaLnBrk="1" latinLnBrk="0" hangingPunct="1">
+      <a:defRPr sz="1200" kern="1200">
+        <a:solidFill>
+          <a:schemeClr val="tx1"/>
+        </a:solidFill>
+        <a:latin typeface="+mn-lt"/>
+        <a:ea typeface="+mn-ea"/>
+        <a:cs typeface="+mn-cs"/>
+      </a:defRPr>
+    </a:lvl3pPr>
+    <a:lvl4pPr marL="1371600" algn="l" defTabSz="914400" rtl="0" eaLnBrk="1" latinLnBrk="0" hangingPunct="1">
+      <a:defRPr sz="1200" kern="1200">
+        <a:solidFill>
+          <a:schemeClr val="tx1"/>
+        </a:solidFill>
+        <a:latin typeface="+mn-lt"/>
+        <a:ea typeface="+mn-ea"/>
+        <a:cs typeface="+mn-cs"/>
+      </a:defRPr>
+    </a:lvl4pPr>
+    <a:lvl5pPr marL="1828800" algn="l" defTabSz="914400" rtl="0" eaLnBrk="1" latinLnBrk="0" hangingPunct="1">
+      <a:defRPr sz="1200" kern="1200">
+        <a:solidFill>
+          <a:schemeClr val="tx1"/>
+        </a:solidFill>
+        <a:latin typeface="+mn-lt"/>
+        <a:ea typeface="+mn-ea"/>
+        <a:cs typeface="+mn-cs"/>
+      </a:defRPr>
+    </a:lvl5pPr>
+    <a:lvl6pPr marL="2286000" algn="l" defTabSz="914400" rtl="0" eaLnBrk="1" latinLnBrk="0" hangingPunct="1">
+      <a:defRPr sz="1200" kern="1200">
+        <a:solidFill>
+          <a:schemeClr val="tx1"/>
+        </a:solidFill>
+        <a:latin typeface="+mn-lt"/>
+        <a:ea typeface="+mn-ea"/>
+        <a:cs typeface="+mn-cs"/>
+      </a:defRPr>
+    </a:lvl6pPr>
+    <a:lvl7pPr marL="2743200" algn="l" defTabSz="914400" rtl="0" eaLnBrk="1" latinLnBrk="0" hangingPunct="1">
+      <a:defRPr sz="1200" kern="1200">
+        <a:solidFill>
+          <a:schemeClr val="tx1"/>
+        </a:solidFill>
+        <a:latin typeface="+mn-lt"/>
+        <a:ea typeface="+mn-ea"/>
+        <a:cs typeface="+mn-cs"/>
+      </a:defRPr>
+    </a:lvl7pPr>
+    <a:lvl8pPr marL="3200400" algn="l" defTabSz="914400" rtl="0" eaLnBrk="1" latinLnBrk="0" hangingPunct="1">
+      <a:defRPr sz="1200" kern="1200">
+        <a:solidFill>
+          <a:schemeClr val="tx1"/>
+        </a:solidFill>
+        <a:latin typeface="+mn-lt"/>
+        <a:ea typeface="+mn-ea"/>
+        <a:cs typeface="+mn-cs"/>
+      </a:defRPr>
+    </a:lvl8pPr>
+    <a:lvl9pPr marL="3657600" algn="l" defTabSz="914400" rtl="0" eaLnBrk="1" latinLnBrk="0" hangingPunct="1">
+      <a:defRPr sz="1200" kern="1200">
+        <a:solidFill>
+          <a:schemeClr val="tx1"/>
+        </a:solidFill>
+        <a:latin typeface="+mn-lt"/>
+        <a:ea typeface="+mn-ea"/>
+        <a:cs typeface="+mn-cs"/>
+      </a:defRPr>
+    </a:lvl9pPr>
+  </p:notesStyle>
+</p:notesMaster>
+</file>
+
+<file path=ppt/notesSlides/notesSlide1.xml><?xml version="1.0" encoding="utf-8"?>
+<p:notes xmlns:a="http://schemas.openxmlformats.org/drawingml/2006/main" xmlns:r="http://schemas.openxmlformats.org/officeDocument/2006/relationships" xmlns:p="http://schemas.openxmlformats.org/presentationml/2006/main">
+  <p:cSld>
+    <p:spTree>
+      <p:nvGrpSpPr>
+        <p:cNvPr id="1" name=""/>
+        <p:cNvGrpSpPr/>
+        <p:nvPr/>
+      </p:nvGrpSpPr>
+      <p:grpSpPr>
+        <a:xfrm>
+          <a:off x="0" y="0"/>
+          <a:ext cx="0" cy="0"/>
+          <a:chOff x="0" y="0"/>
+          <a:chExt cx="0" cy="0"/>
+        </a:xfrm>
+      </p:grpSpPr>
+      <p:sp>
+        <p:nvSpPr>
+          <p:cNvPr id="2" name="Slide Image Placeholder 1"/>
+          <p:cNvSpPr>
+            <a:spLocks noGrp="1" noRot="1" noChangeAspect="1"/>
+          </p:cNvSpPr>
+          <p:nvPr>
+            <p:ph type="sldImg"/>
+          </p:nvPr>
+        </p:nvSpPr>
+        <p:spPr/>
+      </p:sp>
+      <p:sp>
+        <p:nvSpPr>
+          <p:cNvPr id="3" name="Notes Placeholder 2"/>
+          <p:cNvSpPr>
+            <a:spLocks noGrp="1"/>
+          </p:cNvSpPr>
+          <p:nvPr>
+            <p:ph type="body" idx="1"/>
+          </p:nvPr>
+        </p:nvSpPr>
+        <p:spPr/>
+        <p:txBody>
+          <a:bodyPr/>
+          <a:lstStyle/>
+          <a:p>
+            <a:r>
+              <a:rPr lang="it-IT" smtClean="0"/>
+              <a:t>Prova</a:t>
+            </a:r>
+            <a:endParaRPr lang="it-IT" dirty="0"/>
+          </a:p>
+        </p:txBody>
+      </p:sp>
+      <p:sp>
+        <p:nvSpPr>
+          <p:cNvPr id="4" name="Slide Number Placeholder 3"/>
+          <p:cNvSpPr>
+            <a:spLocks noGrp="1"/>
+          </p:cNvSpPr>
+          <p:nvPr>
+            <p:ph type="sldNum" sz="quarter" idx="10"/>
+          </p:nvPr>
+        </p:nvSpPr>
+        <p:spPr/>
+        <p:txBody>
+          <a:bodyPr/>
+          <a:lstStyle/>
+          <a:p>
+            <a:fld id="{48745AE6-6105-481F-A1F5-4607159C3FB7}" type="slidenum">
+              <a:rPr lang="it-IT" smtClean="0"/>
+              <a:t>21</a:t>
+            </a:fld>
+            <a:endParaRPr lang="it-IT"/>
+          </a:p>
+        </p:txBody>
+      </p:sp>
+    </p:spTree>
+    <p:extLst>
+      <p:ext uri="{BB962C8B-B14F-4D97-AF65-F5344CB8AC3E}">
+        <p14:creationId xmlns:p14="http://schemas.microsoft.com/office/powerpoint/2010/main" val="1864114764"/>
+      </p:ext>
+    </p:extLst>
+  </p:cSld>
+  <p:clrMapOvr>
+    <a:masterClrMapping/>
+  </p:clrMapOvr>
+</p:notes>
 </file>
 
 <file path=ppt/slideLayouts/slideLayout1.xml><?xml version="1.0" encoding="utf-8"?>
@@ -36499,7 +36555,7 @@
           <a:p>
             <a:fld id="{DE691C45-D440-4534-83E5-2177D2428FA3}" type="datetimeFigureOut">
               <a:rPr lang="it-IT" smtClean="0"/>
-              <a:t>08/12/2014</a:t>
+              <a:t>09/12/2014</a:t>
             </a:fld>
             <a:endParaRPr lang="it-IT"/>
           </a:p>
@@ -36669,7 +36725,7 @@
           <a:p>
             <a:fld id="{DE691C45-D440-4534-83E5-2177D2428FA3}" type="datetimeFigureOut">
               <a:rPr lang="it-IT" smtClean="0"/>
-              <a:t>08/12/2014</a:t>
+              <a:t>09/12/2014</a:t>
             </a:fld>
             <a:endParaRPr lang="it-IT"/>
           </a:p>
@@ -36849,7 +36905,7 @@
           <a:p>
             <a:fld id="{DE691C45-D440-4534-83E5-2177D2428FA3}" type="datetimeFigureOut">
               <a:rPr lang="it-IT" smtClean="0"/>
-              <a:t>08/12/2014</a:t>
+              <a:t>09/12/2014</a:t>
             </a:fld>
             <a:endParaRPr lang="it-IT"/>
           </a:p>
@@ -37019,7 +37075,7 @@
           <a:p>
             <a:fld id="{DE691C45-D440-4534-83E5-2177D2428FA3}" type="datetimeFigureOut">
               <a:rPr lang="it-IT" smtClean="0"/>
-              <a:t>08/12/2014</a:t>
+              <a:t>09/12/2014</a:t>
             </a:fld>
             <a:endParaRPr lang="it-IT"/>
           </a:p>
@@ -37270,7 +37326,7 @@
           <a:p>
             <a:fld id="{DE691C45-D440-4534-83E5-2177D2428FA3}" type="datetimeFigureOut">
               <a:rPr lang="it-IT" smtClean="0"/>
-              <a:t>08/12/2014</a:t>
+              <a:t>09/12/2014</a:t>
             </a:fld>
             <a:endParaRPr lang="it-IT"/>
           </a:p>
@@ -37502,7 +37558,7 @@
           <a:p>
             <a:fld id="{DE691C45-D440-4534-83E5-2177D2428FA3}" type="datetimeFigureOut">
               <a:rPr lang="it-IT" smtClean="0"/>
-              <a:t>08/12/2014</a:t>
+              <a:t>09/12/2014</a:t>
             </a:fld>
             <a:endParaRPr lang="it-IT"/>
           </a:p>
@@ -37869,7 +37925,7 @@
           <a:p>
             <a:fld id="{DE691C45-D440-4534-83E5-2177D2428FA3}" type="datetimeFigureOut">
               <a:rPr lang="it-IT" smtClean="0"/>
-              <a:t>08/12/2014</a:t>
+              <a:t>09/12/2014</a:t>
             </a:fld>
             <a:endParaRPr lang="it-IT"/>
           </a:p>
@@ -37987,7 +38043,7 @@
           <a:p>
             <a:fld id="{DE691C45-D440-4534-83E5-2177D2428FA3}" type="datetimeFigureOut">
               <a:rPr lang="it-IT" smtClean="0"/>
-              <a:t>08/12/2014</a:t>
+              <a:t>09/12/2014</a:t>
             </a:fld>
             <a:endParaRPr lang="it-IT"/>
           </a:p>
@@ -38082,7 +38138,7 @@
           <a:p>
             <a:fld id="{DE691C45-D440-4534-83E5-2177D2428FA3}" type="datetimeFigureOut">
               <a:rPr lang="it-IT" smtClean="0"/>
-              <a:t>08/12/2014</a:t>
+              <a:t>09/12/2014</a:t>
             </a:fld>
             <a:endParaRPr lang="it-IT"/>
           </a:p>
@@ -38359,7 +38415,7 @@
           <a:p>
             <a:fld id="{DE691C45-D440-4534-83E5-2177D2428FA3}" type="datetimeFigureOut">
               <a:rPr lang="it-IT" smtClean="0"/>
-              <a:t>08/12/2014</a:t>
+              <a:t>09/12/2014</a:t>
             </a:fld>
             <a:endParaRPr lang="it-IT"/>
           </a:p>
@@ -38616,7 +38672,7 @@
           <a:p>
             <a:fld id="{DE691C45-D440-4534-83E5-2177D2428FA3}" type="datetimeFigureOut">
               <a:rPr lang="it-IT" smtClean="0"/>
-              <a:t>08/12/2014</a:t>
+              <a:t>09/12/2014</a:t>
             </a:fld>
             <a:endParaRPr lang="it-IT"/>
           </a:p>
@@ -38829,7 +38885,7 @@
           <a:p>
             <a:fld id="{DE691C45-D440-4534-83E5-2177D2428FA3}" type="datetimeFigureOut">
               <a:rPr lang="it-IT" smtClean="0"/>
-              <a:t>08/12/2014</a:t>
+              <a:t>09/12/2014</a:t>
             </a:fld>
             <a:endParaRPr lang="it-IT"/>
           </a:p>
@@ -41313,7 +41369,7 @@
         <p:spPr>
           <a:xfrm>
             <a:off x="937260" y="1918661"/>
-            <a:ext cx="3952702" cy="4178067"/>
+            <a:ext cx="3952702" cy="4301177"/>
           </a:xfrm>
           <a:prstGeom prst="rect">
             <a:avLst/>
@@ -41327,27 +41383,27 @@
           <a:lstStyle/>
           <a:p>
             <a:r>
-              <a:rPr lang="it-IT" sz="1600" b="1" dirty="0" smtClean="0"/>
+              <a:rPr lang="it-IT" sz="2000" b="1" dirty="0" smtClean="0"/>
               <a:t>Business </a:t>
             </a:r>
             <a:r>
-              <a:rPr lang="it-IT" sz="1600" b="1" dirty="0" err="1"/>
+              <a:rPr lang="it-IT" sz="2000" b="1" dirty="0" err="1"/>
               <a:t>Readable</a:t>
             </a:r>
             <a:r>
-              <a:rPr lang="it-IT" sz="1600" b="1" dirty="0"/>
+              <a:rPr lang="it-IT" sz="2000" b="1" dirty="0"/>
               <a:t> DSL </a:t>
             </a:r>
             <a:r>
-              <a:rPr lang="it-IT" sz="1600" dirty="0"/>
+              <a:rPr lang="it-IT" sz="2000" dirty="0"/>
               <a:t>(Martin </a:t>
             </a:r>
             <a:r>
-              <a:rPr lang="it-IT" sz="1600" dirty="0" err="1" smtClean="0"/>
+              <a:rPr lang="it-IT" sz="2000" dirty="0" err="1" smtClean="0"/>
               <a:t>Fowler</a:t>
             </a:r>
             <a:r>
-              <a:rPr lang="it-IT" sz="1600" dirty="0" smtClean="0"/>
+              <a:rPr lang="it-IT" sz="2000" dirty="0" smtClean="0"/>
               <a:t>)</a:t>
             </a:r>
           </a:p>
@@ -41357,15 +41413,15 @@
               <a:buChar char="•"/>
             </a:pPr>
             <a:r>
-              <a:rPr lang="it-IT" sz="1600" dirty="0" smtClean="0"/>
+              <a:rPr lang="it-IT" sz="2000" dirty="0" smtClean="0"/>
               <a:t>utilizzato </a:t>
             </a:r>
             <a:r>
-              <a:rPr lang="it-IT" sz="1600" dirty="0"/>
+              <a:rPr lang="it-IT" sz="2000" dirty="0"/>
               <a:t>per la definizione di funzionalità e </a:t>
             </a:r>
             <a:r>
-              <a:rPr lang="it-IT" sz="1600" dirty="0" smtClean="0"/>
+              <a:rPr lang="it-IT" sz="2000" dirty="0" smtClean="0"/>
               <a:t>scenari</a:t>
             </a:r>
           </a:p>
@@ -41375,29 +41431,29 @@
               <a:buChar char="•"/>
             </a:pPr>
             <a:r>
-              <a:rPr lang="it-IT" sz="1600" dirty="0" smtClean="0"/>
+              <a:rPr lang="it-IT" sz="2000" dirty="0" smtClean="0"/>
               <a:t>sviluppato </a:t>
             </a:r>
             <a:r>
-              <a:rPr lang="it-IT" sz="1600" dirty="0"/>
+              <a:rPr lang="it-IT" sz="2000" dirty="0"/>
               <a:t>dal team di </a:t>
             </a:r>
             <a:r>
-              <a:rPr lang="it-IT" sz="1600" dirty="0" err="1" smtClean="0"/>
+              <a:rPr lang="it-IT" sz="2000" dirty="0" err="1" smtClean="0"/>
               <a:t>Cucumber</a:t>
             </a:r>
-            <a:endParaRPr lang="it-IT" sz="1600" dirty="0"/>
+            <a:endParaRPr lang="it-IT" sz="2000" dirty="0"/>
           </a:p>
           <a:p>
-            <a:endParaRPr lang="it-IT" sz="1600" dirty="0"/>
+            <a:endParaRPr lang="it-IT" sz="2000" dirty="0"/>
           </a:p>
           <a:p>
             <a:r>
-              <a:rPr lang="it-IT" sz="1600" dirty="0"/>
+              <a:rPr lang="it-IT" sz="2000" dirty="0"/>
               <a:t>Diversi elementi </a:t>
             </a:r>
             <a:r>
-              <a:rPr lang="it-IT" sz="1600" dirty="0" smtClean="0"/>
+              <a:rPr lang="it-IT" sz="2000" dirty="0" smtClean="0"/>
               <a:t>sintattici</a:t>
             </a:r>
           </a:p>
@@ -41423,16 +41479,9 @@
               <a:buFont typeface="Arial" panose="020B0604020202020204" pitchFamily="34" charset="0"/>
               <a:buChar char="•"/>
             </a:pPr>
-            <a:endParaRPr lang="it-IT" sz="1400" dirty="0"/>
-          </a:p>
-          <a:p>
-            <a:pPr marL="214313" indent="-214313">
-              <a:buFont typeface="Arial" panose="020B0604020202020204" pitchFamily="34" charset="0"/>
-              <a:buChar char="•"/>
-            </a:pPr>
             <a:r>
               <a:rPr lang="it-IT" sz="1400" dirty="0" smtClean="0"/>
-              <a:t>tabelle </a:t>
+              <a:t>Tabelle </a:t>
             </a:r>
             <a:r>
               <a:rPr lang="it-IT" sz="1400" dirty="0"/>
@@ -41456,28 +41505,18 @@
               <a:buFont typeface="Arial" panose="020B0604020202020204" pitchFamily="34" charset="0"/>
               <a:buChar char="•"/>
             </a:pPr>
-            <a:endParaRPr lang="it-IT" sz="1400" dirty="0"/>
-          </a:p>
-          <a:p>
-            <a:pPr marL="214313" indent="-214313">
-              <a:buFont typeface="Arial" panose="020B0604020202020204" pitchFamily="34" charset="0"/>
-              <a:buChar char="•"/>
-            </a:pPr>
+            <a:r>
+              <a:rPr lang="it-IT" sz="1400" dirty="0" smtClean="0"/>
+              <a:t>Tag </a:t>
+            </a:r>
             <a:r>
               <a:rPr lang="it-IT" sz="1400" dirty="0"/>
-              <a:t>Tag per scenari e </a:t>
+              <a:t>per scenari e </a:t>
             </a:r>
             <a:r>
               <a:rPr lang="it-IT" sz="1400" dirty="0" smtClean="0"/>
               <a:t>funzionalità</a:t>
             </a:r>
-          </a:p>
-          <a:p>
-            <a:pPr marL="214313" indent="-214313">
-              <a:buFont typeface="Arial" panose="020B0604020202020204" pitchFamily="34" charset="0"/>
-              <a:buChar char="•"/>
-            </a:pPr>
-            <a:endParaRPr lang="it-IT" sz="1400" dirty="0"/>
           </a:p>
           <a:p>
             <a:pPr marL="214313" indent="-214313">
@@ -41494,17 +41533,11 @@
               <a:buFont typeface="Arial" panose="020B0604020202020204" pitchFamily="34" charset="0"/>
               <a:buChar char="•"/>
             </a:pPr>
-            <a:endParaRPr lang="it-IT" sz="1400" dirty="0"/>
-          </a:p>
-          <a:p>
-            <a:pPr marL="214313" indent="-214313">
-              <a:buFont typeface="Arial" panose="020B0604020202020204" pitchFamily="34" charset="0"/>
-              <a:buChar char="•"/>
-            </a:pPr>
             <a:r>
-              <a:rPr lang="it-IT" sz="1400" dirty="0"/>
+              <a:rPr lang="it-IT" sz="1400" dirty="0" smtClean="0"/>
               <a:t>…</a:t>
             </a:r>
+            <a:endParaRPr lang="it-IT" sz="1400" dirty="0"/>
           </a:p>
           <a:p>
             <a:pPr marL="214313" indent="-214313">
@@ -41952,7 +41985,7 @@
         <p:spPr>
           <a:xfrm>
             <a:off x="937261" y="2046759"/>
-            <a:ext cx="5734637" cy="3293209"/>
+            <a:ext cx="5734637" cy="4093428"/>
           </a:xfrm>
           <a:prstGeom prst="rect">
             <a:avLst/>
@@ -41970,43 +42003,43 @@
               <a:buChar char="•"/>
             </a:pPr>
             <a:r>
-              <a:rPr lang="it-IT" sz="1600" dirty="0"/>
+              <a:rPr lang="it-IT" sz="2000" dirty="0"/>
               <a:t>Supporto a </a:t>
             </a:r>
             <a:r>
-              <a:rPr lang="it-IT" sz="1600" b="1" dirty="0" err="1"/>
+              <a:rPr lang="it-IT" sz="2000" b="1" dirty="0" err="1"/>
               <a:t>Gherkin</a:t>
             </a:r>
             <a:r>
-              <a:rPr lang="it-IT" sz="1600" dirty="0"/>
+              <a:rPr lang="it-IT" sz="2000" dirty="0"/>
               <a:t> da parte di </a:t>
             </a:r>
             <a:r>
-              <a:rPr lang="it-IT" sz="1600" b="1" dirty="0" err="1"/>
+              <a:rPr lang="it-IT" sz="2000" b="1" dirty="0" err="1"/>
               <a:t>Cucumber</a:t>
             </a:r>
             <a:r>
-              <a:rPr lang="it-IT" sz="1600" dirty="0"/>
+              <a:rPr lang="it-IT" sz="2000" dirty="0"/>
               <a:t>, </a:t>
             </a:r>
             <a:r>
-              <a:rPr lang="it-IT" sz="1600" b="1" dirty="0" err="1"/>
+              <a:rPr lang="it-IT" sz="2000" b="1" dirty="0" err="1"/>
               <a:t>Cucumber</a:t>
             </a:r>
             <a:r>
-              <a:rPr lang="it-IT" sz="1600" b="1" dirty="0"/>
+              <a:rPr lang="it-IT" sz="2000" b="1" dirty="0"/>
               <a:t> JVM</a:t>
             </a:r>
             <a:r>
-              <a:rPr lang="it-IT" sz="1600" dirty="0"/>
+              <a:rPr lang="it-IT" sz="2000" dirty="0"/>
               <a:t> e </a:t>
             </a:r>
             <a:r>
-              <a:rPr lang="it-IT" sz="1600" b="1" dirty="0" err="1"/>
+              <a:rPr lang="it-IT" sz="2000" b="1" dirty="0" err="1"/>
               <a:t>SpecFlow</a:t>
             </a:r>
             <a:r>
-              <a:rPr lang="it-IT" sz="1600" dirty="0"/>
+              <a:rPr lang="it-IT" sz="2000" dirty="0"/>
               <a:t>:</a:t>
             </a:r>
           </a:p>
@@ -42015,7 +42048,7 @@
               <a:buFont typeface="Arial" panose="020B0604020202020204" pitchFamily="34" charset="0"/>
               <a:buChar char="•"/>
             </a:pPr>
-            <a:endParaRPr lang="it-IT" sz="1600" dirty="0"/>
+            <a:endParaRPr lang="it-IT" sz="2000" dirty="0"/>
           </a:p>
           <a:p>
             <a:pPr marL="557213" lvl="1" indent="-214313">
@@ -42023,21 +42056,14 @@
               <a:buChar char="•"/>
             </a:pPr>
             <a:r>
-              <a:rPr lang="it-IT" sz="1600" dirty="0"/>
+              <a:rPr lang="it-IT" sz="2000" dirty="0"/>
               <a:t>Implementazione di tutte le funzionalità di </a:t>
             </a:r>
             <a:r>
-              <a:rPr lang="it-IT" sz="1600" dirty="0" err="1"/>
+              <a:rPr lang="it-IT" sz="2000" dirty="0" err="1" smtClean="0"/>
               <a:t>Gherkin</a:t>
             </a:r>
-            <a:endParaRPr lang="it-IT" sz="1600" dirty="0"/>
-          </a:p>
-          <a:p>
-            <a:pPr marL="557213" lvl="1" indent="-214313">
-              <a:buFont typeface="Arial" panose="020B0604020202020204" pitchFamily="34" charset="0"/>
-              <a:buChar char="•"/>
-            </a:pPr>
-            <a:endParaRPr lang="it-IT" sz="1600" dirty="0"/>
+            <a:endParaRPr lang="it-IT" sz="2000" dirty="0"/>
           </a:p>
           <a:p>
             <a:pPr marL="557213" lvl="1" indent="-214313">
@@ -42045,24 +42071,22 @@
               <a:buChar char="•"/>
             </a:pPr>
             <a:r>
-              <a:rPr lang="it-IT" sz="1600" dirty="0"/>
+              <a:rPr lang="it-IT" sz="2000" dirty="0"/>
               <a:t>Minori differenze nel meccanismo di visibilità delle implementazioni dei passi (</a:t>
             </a:r>
             <a:r>
-              <a:rPr lang="it-IT" sz="1600" dirty="0" err="1"/>
+              <a:rPr lang="it-IT" sz="2000" dirty="0" err="1"/>
               <a:t>SpecFlow</a:t>
             </a:r>
             <a:r>
-              <a:rPr lang="it-IT" sz="1600" dirty="0"/>
-              <a:t> è più flessibile)</a:t>
+              <a:rPr lang="it-IT" sz="2000" dirty="0"/>
+              <a:t> è più flessibile</a:t>
             </a:r>
-          </a:p>
-          <a:p>
-            <a:pPr marL="557213" lvl="1" indent="-214313">
-              <a:buFont typeface="Arial" panose="020B0604020202020204" pitchFamily="34" charset="0"/>
-              <a:buChar char="•"/>
-            </a:pPr>
-            <a:endParaRPr lang="it-IT" sz="1600" dirty="0"/>
+            <a:r>
+              <a:rPr lang="it-IT" sz="2000" dirty="0" smtClean="0"/>
+              <a:t>)</a:t>
+            </a:r>
+            <a:endParaRPr lang="it-IT" sz="2000" dirty="0"/>
           </a:p>
           <a:p>
             <a:pPr marL="557213" lvl="1" indent="-214313">
@@ -42070,24 +42094,22 @@
               <a:buChar char="•"/>
             </a:pPr>
             <a:r>
-              <a:rPr lang="it-IT" sz="1600" dirty="0"/>
+              <a:rPr lang="it-IT" sz="2000" dirty="0"/>
               <a:t>Ruby favorisce nettamente </a:t>
             </a:r>
             <a:r>
-              <a:rPr lang="it-IT" sz="1600" dirty="0" err="1"/>
+              <a:rPr lang="it-IT" sz="2000" dirty="0" err="1"/>
               <a:t>Cucumber</a:t>
             </a:r>
             <a:r>
-              <a:rPr lang="it-IT" sz="1600" dirty="0"/>
-              <a:t> tramite una sintassi più immediata e leggibile</a:t>
+              <a:rPr lang="it-IT" sz="2000" dirty="0"/>
+              <a:t> tramite una sintassi più immediata e </a:t>
             </a:r>
-          </a:p>
-          <a:p>
-            <a:pPr marL="557213" lvl="1" indent="-214313">
-              <a:buFont typeface="Arial" panose="020B0604020202020204" pitchFamily="34" charset="0"/>
-              <a:buChar char="•"/>
-            </a:pPr>
-            <a:endParaRPr lang="it-IT" sz="1600" dirty="0"/>
+            <a:r>
+              <a:rPr lang="it-IT" sz="2000" dirty="0" smtClean="0"/>
+              <a:t>leggibile</a:t>
+            </a:r>
+            <a:endParaRPr lang="it-IT" sz="2000" dirty="0"/>
           </a:p>
           <a:p>
             <a:pPr marL="557213" lvl="1" indent="-214313">
@@ -42095,35 +42117,35 @@
               <a:buChar char="•"/>
             </a:pPr>
             <a:r>
-              <a:rPr lang="it-IT" sz="1600" dirty="0" err="1"/>
+              <a:rPr lang="it-IT" sz="2000" dirty="0" err="1"/>
               <a:t>SpecFlow</a:t>
             </a:r>
             <a:r>
-              <a:rPr lang="it-IT" sz="1600" dirty="0"/>
+              <a:rPr lang="it-IT" sz="2000" dirty="0"/>
               <a:t> e </a:t>
             </a:r>
             <a:r>
-              <a:rPr lang="it-IT" sz="1600" dirty="0" err="1"/>
+              <a:rPr lang="it-IT" sz="2000" dirty="0" err="1"/>
               <a:t>Cucumber</a:t>
             </a:r>
             <a:r>
-              <a:rPr lang="it-IT" sz="1600" dirty="0"/>
+              <a:rPr lang="it-IT" sz="2000" dirty="0"/>
               <a:t> </a:t>
             </a:r>
             <a:r>
-              <a:rPr lang="it-IT" sz="1600" dirty="0" smtClean="0"/>
+              <a:rPr lang="it-IT" sz="2000" dirty="0" smtClean="0"/>
               <a:t>meglio </a:t>
             </a:r>
             <a:r>
-              <a:rPr lang="it-IT" sz="1600" dirty="0"/>
+              <a:rPr lang="it-IT" sz="2000" dirty="0"/>
               <a:t>integrati negli IDE rispetto a </a:t>
             </a:r>
             <a:r>
-              <a:rPr lang="it-IT" sz="1600" dirty="0" err="1"/>
+              <a:rPr lang="it-IT" sz="2000" dirty="0" err="1"/>
               <a:t>Cucumber</a:t>
             </a:r>
             <a:r>
-              <a:rPr lang="it-IT" sz="1600" dirty="0"/>
+              <a:rPr lang="it-IT" sz="2000" dirty="0"/>
               <a:t> JVM</a:t>
             </a:r>
           </a:p>
@@ -42977,8 +42999,8 @@
         </p:nvSpPr>
         <p:spPr>
           <a:xfrm>
-            <a:off x="2128238" y="1221962"/>
-            <a:ext cx="4208075" cy="1077218"/>
+            <a:off x="1734524" y="1158172"/>
+            <a:ext cx="5674951" cy="1323439"/>
           </a:xfrm>
           <a:prstGeom prst="rect">
             <a:avLst/>
@@ -42992,7 +43014,7 @@
           <a:p>
             <a:pPr marL="627063" indent="-627063"/>
             <a:r>
-              <a:rPr lang="it-IT" sz="1600" dirty="0">
+              <a:rPr lang="it-IT" sz="2000" dirty="0">
                 <a:solidFill>
                   <a:srgbClr val="A71D5D"/>
                 </a:solidFill>
@@ -43000,7 +43022,7 @@
               <a:t>Funzionalità</a:t>
             </a:r>
             <a:r>
-              <a:rPr lang="it-IT" sz="1600" dirty="0">
+              <a:rPr lang="it-IT" sz="2000" dirty="0">
                 <a:solidFill>
                   <a:srgbClr val="333333"/>
                 </a:solidFill>
@@ -43008,7 +43030,7 @@
               <a:t>:</a:t>
             </a:r>
             <a:r>
-              <a:rPr lang="it-IT" sz="1600" dirty="0">
+              <a:rPr lang="it-IT" sz="2000" dirty="0">
                 <a:solidFill>
                   <a:srgbClr val="DF5000"/>
                 </a:solidFill>
@@ -43016,7 +43038,7 @@
               <a:t> Hello *Blog</a:t>
             </a:r>
             <a:r>
-              <a:rPr lang="it-IT" sz="1600" dirty="0">
+              <a:rPr lang="it-IT" sz="2000" dirty="0">
                 <a:solidFill>
                   <a:srgbClr val="333333"/>
                 </a:solidFill>
@@ -43027,30 +43049,30 @@
           <a:p>
             <a:pPr marL="627063" indent="-627063"/>
             <a:r>
-              <a:rPr lang="it-IT" sz="1600" dirty="0" smtClean="0"/>
+              <a:rPr lang="it-IT" sz="2000" dirty="0" smtClean="0"/>
               <a:t>Per	leggere </a:t>
             </a:r>
             <a:r>
-              <a:rPr lang="it-IT" sz="1600" dirty="0"/>
+              <a:rPr lang="it-IT" sz="2000" dirty="0"/>
               <a:t>i post e visitare il blog</a:t>
             </a:r>
           </a:p>
           <a:p>
             <a:pPr marL="627063" indent="-627063"/>
             <a:r>
-              <a:rPr lang="it-IT" sz="1600" dirty="0" smtClean="0"/>
+              <a:rPr lang="it-IT" sz="2000" dirty="0" smtClean="0"/>
               <a:t>Come	Lettore</a:t>
             </a:r>
-            <a:endParaRPr lang="it-IT" sz="1600" dirty="0"/>
+            <a:endParaRPr lang="it-IT" sz="2000" dirty="0"/>
           </a:p>
           <a:p>
             <a:pPr marL="627063" indent="-627063"/>
             <a:r>
-              <a:rPr lang="it-IT" sz="1600" dirty="0" smtClean="0"/>
+              <a:rPr lang="it-IT" sz="2000" dirty="0" smtClean="0"/>
               <a:t>Vorrei	che </a:t>
             </a:r>
             <a:r>
-              <a:rPr lang="it-IT" sz="1600" dirty="0"/>
+              <a:rPr lang="it-IT" sz="2000" dirty="0"/>
               <a:t>*Blog permettesse la navigazione</a:t>
             </a:r>
           </a:p>
@@ -43653,14 +43675,14 @@
           <p:nvPr>
             <p:extLst>
               <p:ext uri="{D42A27DB-BD31-4B8C-83A1-F6EECF244321}">
-                <p14:modId xmlns:p14="http://schemas.microsoft.com/office/powerpoint/2010/main" val="678367520"/>
+                <p14:modId xmlns:p14="http://schemas.microsoft.com/office/powerpoint/2010/main" val="4118897663"/>
               </p:ext>
             </p:extLst>
           </p:nvPr>
         </p:nvGraphicFramePr>
         <p:xfrm>
           <a:off x="937260" y="3036531"/>
-          <a:ext cx="6429560" cy="2103036"/>
+          <a:ext cx="6429560" cy="2255478"/>
         </p:xfrm>
         <a:graphic>
           <a:graphicData uri="http://schemas.openxmlformats.org/drawingml/2006/table">
@@ -43710,7 +43732,7 @@
                       <a:pPr algn="ctr"/>
                       <a:r>
                         <a:rPr lang="it-IT" sz="1400" b="0" dirty="0" smtClean="0"/>
-                        <a:t>Page Object</a:t>
+                        <a:t>Supporto Page Object</a:t>
                       </a:r>
                       <a:r>
                         <a:rPr lang="it-IT" sz="1400" b="0" baseline="0" dirty="0" smtClean="0"/>
@@ -43797,10 +43819,6 @@
                     <a:lstStyle/>
                     <a:p>
                       <a:pPr algn="ctr"/>
-                      <a:r>
-                        <a:rPr lang="it-IT" sz="1400" dirty="0" smtClean="0"/>
-                        <a:t>x</a:t>
-                      </a:r>
                       <a:endParaRPr lang="it-IT" sz="1400" dirty="0"/>
                     </a:p>
                   </a:txBody>
@@ -44016,7 +44034,7 @@
         <p:spPr>
           <a:xfrm>
             <a:off x="866862" y="1186503"/>
-            <a:ext cx="3548895" cy="1323439"/>
+            <a:ext cx="3548895" cy="1600438"/>
           </a:xfrm>
           <a:prstGeom prst="rect">
             <a:avLst/>
@@ -44029,7 +44047,7 @@
           <a:lstStyle/>
           <a:p>
             <a:r>
-              <a:rPr lang="it-IT" sz="1600" dirty="0">
+              <a:rPr lang="it-IT" dirty="0">
                 <a:solidFill>
                   <a:srgbClr val="A71D5D"/>
                 </a:solidFill>
@@ -44038,7 +44056,7 @@
               <a:t>Funzionalità</a:t>
             </a:r>
             <a:r>
-              <a:rPr lang="it-IT" sz="1600" dirty="0">
+              <a:rPr lang="it-IT" dirty="0">
                 <a:solidFill>
                   <a:srgbClr val="333333"/>
                 </a:solidFill>
@@ -44047,7 +44065,7 @@
               <a:t>:</a:t>
             </a:r>
             <a:r>
-              <a:rPr lang="it-IT" sz="1600" dirty="0">
+              <a:rPr lang="it-IT" dirty="0">
                 <a:solidFill>
                   <a:srgbClr val="DF5000"/>
                 </a:solidFill>
@@ -44134,7 +44152,7 @@
         <p:spPr>
           <a:xfrm>
             <a:off x="4865825" y="1186503"/>
-            <a:ext cx="4065303" cy="1323439"/>
+            <a:ext cx="4065303" cy="1354217"/>
           </a:xfrm>
           <a:prstGeom prst="rect">
             <a:avLst/>
@@ -44147,7 +44165,7 @@
           <a:lstStyle/>
           <a:p>
             <a:r>
-              <a:rPr lang="it-IT" sz="1600" dirty="0">
+              <a:rPr lang="it-IT" dirty="0">
                 <a:solidFill>
                   <a:srgbClr val="A71D5D"/>
                 </a:solidFill>
@@ -44156,7 +44174,7 @@
               <a:t>Funzionalità</a:t>
             </a:r>
             <a:r>
-              <a:rPr lang="it-IT" sz="1600" dirty="0">
+              <a:rPr lang="it-IT" dirty="0">
                 <a:solidFill>
                   <a:srgbClr val="333333"/>
                 </a:solidFill>
@@ -44165,7 +44183,7 @@
               <a:t>:</a:t>
             </a:r>
             <a:r>
-              <a:rPr lang="it-IT" sz="1600" dirty="0">
+              <a:rPr lang="it-IT" dirty="0">
                 <a:solidFill>
                   <a:srgbClr val="DF5000"/>
                 </a:solidFill>
@@ -44320,7 +44338,7 @@
         </p:blipFill>
         <p:spPr>
           <a:xfrm>
-            <a:off x="2210104" y="3651680"/>
+            <a:off x="2210105" y="3881035"/>
             <a:ext cx="319847" cy="241289"/>
           </a:xfrm>
           <a:prstGeom prst="rect">
@@ -44350,7 +44368,7 @@
         </p:blipFill>
         <p:spPr>
           <a:xfrm>
-            <a:off x="3943294" y="4119941"/>
+            <a:off x="3943295" y="4349296"/>
             <a:ext cx="319847" cy="241289"/>
           </a:xfrm>
           <a:prstGeom prst="rect">
@@ -44380,7 +44398,7 @@
         </p:blipFill>
         <p:spPr>
           <a:xfrm>
-            <a:off x="2673748" y="4119940"/>
+            <a:off x="2673749" y="4349295"/>
             <a:ext cx="319847" cy="241289"/>
           </a:xfrm>
           <a:prstGeom prst="rect">
@@ -44410,67 +44428,7 @@
         </p:blipFill>
         <p:spPr>
           <a:xfrm>
-            <a:off x="2210103" y="4748885"/>
-            <a:ext cx="319847" cy="241289"/>
-          </a:xfrm>
-          <a:prstGeom prst="rect">
-            <a:avLst/>
-          </a:prstGeom>
-        </p:spPr>
-      </p:pic>
-      <p:pic>
-        <p:nvPicPr>
-          <p:cNvPr id="20" name="Picture 19"/>
-          <p:cNvPicPr>
-            <a:picLocks noChangeAspect="1"/>
-          </p:cNvPicPr>
-          <p:nvPr/>
-        </p:nvPicPr>
-        <p:blipFill>
-          <a:blip r:embed="rId4" cstate="print">
-            <a:extLst>
-              <a:ext uri="{28A0092B-C50C-407E-A947-70E740481C1C}">
-                <a14:useLocalDpi xmlns:a14="http://schemas.microsoft.com/office/drawing/2010/main" val="0"/>
-              </a:ext>
-            </a:extLst>
-          </a:blip>
-          <a:stretch>
-            <a:fillRect/>
-          </a:stretch>
-        </p:blipFill>
-        <p:spPr>
-          <a:xfrm>
-            <a:off x="5281606" y="3651680"/>
-            <a:ext cx="319847" cy="241289"/>
-          </a:xfrm>
-          <a:prstGeom prst="rect">
-            <a:avLst/>
-          </a:prstGeom>
-        </p:spPr>
-      </p:pic>
-      <p:pic>
-        <p:nvPicPr>
-          <p:cNvPr id="21" name="Picture 20"/>
-          <p:cNvPicPr>
-            <a:picLocks noChangeAspect="1"/>
-          </p:cNvPicPr>
-          <p:nvPr/>
-        </p:nvPicPr>
-        <p:blipFill>
-          <a:blip r:embed="rId4" cstate="print">
-            <a:extLst>
-              <a:ext uri="{28A0092B-C50C-407E-A947-70E740481C1C}">
-                <a14:useLocalDpi xmlns:a14="http://schemas.microsoft.com/office/drawing/2010/main" val="0"/>
-              </a:ext>
-            </a:extLst>
-          </a:blip>
-          <a:stretch>
-            <a:fillRect/>
-          </a:stretch>
-        </p:blipFill>
-        <p:spPr>
-          <a:xfrm>
-            <a:off x="6578631" y="3651680"/>
+            <a:off x="2210104" y="4978240"/>
             <a:ext cx="319847" cy="241289"/>
           </a:xfrm>
           <a:prstGeom prst="rect">
@@ -44500,7 +44458,7 @@
         </p:blipFill>
         <p:spPr>
           <a:xfrm>
-            <a:off x="6578630" y="4119940"/>
+            <a:off x="6578631" y="4349295"/>
             <a:ext cx="319847" cy="241289"/>
           </a:xfrm>
           <a:prstGeom prst="rect">
@@ -44530,7 +44488,7 @@
         </p:blipFill>
         <p:spPr>
           <a:xfrm>
-            <a:off x="6578630" y="4675702"/>
+            <a:off x="6578631" y="4905057"/>
             <a:ext cx="319847" cy="241289"/>
           </a:xfrm>
           <a:prstGeom prst="rect">
@@ -44560,7 +44518,7 @@
         </p:blipFill>
         <p:spPr>
           <a:xfrm>
-            <a:off x="4947061" y="4641422"/>
+            <a:off x="4947062" y="4870777"/>
             <a:ext cx="319847" cy="241289"/>
           </a:xfrm>
           <a:prstGeom prst="rect">
@@ -44590,7 +44548,7 @@
         </p:blipFill>
         <p:spPr>
           <a:xfrm>
-            <a:off x="4959775" y="4119939"/>
+            <a:off x="4959776" y="4349294"/>
             <a:ext cx="319847" cy="241289"/>
           </a:xfrm>
           <a:prstGeom prst="rect">
@@ -44620,7 +44578,7 @@
         </p:blipFill>
         <p:spPr>
           <a:xfrm>
-            <a:off x="4002213" y="3651680"/>
+            <a:off x="4002214" y="3881035"/>
             <a:ext cx="202009" cy="205625"/>
           </a:xfrm>
           <a:prstGeom prst="rect">
@@ -44650,7 +44608,7 @@
         </p:blipFill>
         <p:spPr>
           <a:xfrm>
-            <a:off x="3485401" y="4747472"/>
+            <a:off x="3485402" y="4976827"/>
             <a:ext cx="319847" cy="241289"/>
           </a:xfrm>
           <a:prstGeom prst="rect">
@@ -44724,6 +44682,66 @@
           </a:p>
         </p:txBody>
       </p:sp>
+      <p:pic>
+        <p:nvPicPr>
+          <p:cNvPr id="28" name="Picture 27"/>
+          <p:cNvPicPr>
+            <a:picLocks noChangeAspect="1"/>
+          </p:cNvPicPr>
+          <p:nvPr/>
+        </p:nvPicPr>
+        <p:blipFill>
+          <a:blip r:embed="rId4" cstate="print">
+            <a:extLst>
+              <a:ext uri="{28A0092B-C50C-407E-A947-70E740481C1C}">
+                <a14:useLocalDpi xmlns:a14="http://schemas.microsoft.com/office/drawing/2010/main" val="0"/>
+              </a:ext>
+            </a:extLst>
+          </a:blip>
+          <a:stretch>
+            <a:fillRect/>
+          </a:stretch>
+        </p:blipFill>
+        <p:spPr>
+          <a:xfrm>
+            <a:off x="5281606" y="3881035"/>
+            <a:ext cx="319847" cy="241289"/>
+          </a:xfrm>
+          <a:prstGeom prst="rect">
+            <a:avLst/>
+          </a:prstGeom>
+        </p:spPr>
+      </p:pic>
+      <p:pic>
+        <p:nvPicPr>
+          <p:cNvPr id="29" name="Picture 28"/>
+          <p:cNvPicPr>
+            <a:picLocks noChangeAspect="1"/>
+          </p:cNvPicPr>
+          <p:nvPr/>
+        </p:nvPicPr>
+        <p:blipFill>
+          <a:blip r:embed="rId4" cstate="print">
+            <a:extLst>
+              <a:ext uri="{28A0092B-C50C-407E-A947-70E740481C1C}">
+                <a14:useLocalDpi xmlns:a14="http://schemas.microsoft.com/office/drawing/2010/main" val="0"/>
+              </a:ext>
+            </a:extLst>
+          </a:blip>
+          <a:stretch>
+            <a:fillRect/>
+          </a:stretch>
+        </p:blipFill>
+        <p:spPr>
+          <a:xfrm>
+            <a:off x="6578631" y="3881035"/>
+            <a:ext cx="319847" cy="241289"/>
+          </a:xfrm>
+          <a:prstGeom prst="rect">
+            <a:avLst/>
+          </a:prstGeom>
+        </p:spPr>
+      </p:pic>
     </p:spTree>
     <p:extLst>
       <p:ext uri="{BB962C8B-B14F-4D97-AF65-F5344CB8AC3E}">
@@ -45213,7 +45231,7 @@
         <p:spPr>
           <a:xfrm>
             <a:off x="2033484" y="1076577"/>
-            <a:ext cx="4990790" cy="1077218"/>
+            <a:ext cx="5277727" cy="1107996"/>
           </a:xfrm>
           <a:prstGeom prst="rect">
             <a:avLst/>
@@ -45227,7 +45245,7 @@
           <a:p>
             <a:pPr marL="627063" indent="-627063"/>
             <a:r>
-              <a:rPr lang="it-IT" sz="1600" dirty="0">
+              <a:rPr lang="it-IT" dirty="0">
                 <a:solidFill>
                   <a:srgbClr val="A71D5D"/>
                 </a:solidFill>
@@ -45236,7 +45254,7 @@
               <a:t>Funzionalità</a:t>
             </a:r>
             <a:r>
-              <a:rPr lang="it-IT" sz="1600" dirty="0">
+              <a:rPr lang="it-IT" dirty="0">
                 <a:solidFill>
                   <a:srgbClr val="333333"/>
                 </a:solidFill>
@@ -45245,7 +45263,7 @@
               <a:t>:</a:t>
             </a:r>
             <a:r>
-              <a:rPr lang="it-IT" sz="1600" dirty="0">
+              <a:rPr lang="it-IT" dirty="0">
                 <a:solidFill>
                   <a:srgbClr val="DF5000"/>
                 </a:solidFill>
@@ -45872,7 +45890,7 @@
         <p:spPr>
           <a:xfrm>
             <a:off x="943094" y="918344"/>
-            <a:ext cx="3406140" cy="1323439"/>
+            <a:ext cx="3406140" cy="1354217"/>
           </a:xfrm>
           <a:prstGeom prst="rect">
             <a:avLst/>
@@ -45885,7 +45903,7 @@
           <a:lstStyle/>
           <a:p>
             <a:r>
-              <a:rPr lang="it-IT" sz="1600" dirty="0">
+              <a:rPr lang="it-IT" dirty="0">
                 <a:solidFill>
                   <a:srgbClr val="A71D5D"/>
                 </a:solidFill>
@@ -45894,7 +45912,7 @@
               <a:t>Funzionalità</a:t>
             </a:r>
             <a:r>
-              <a:rPr lang="it-IT" sz="1600" dirty="0">
+              <a:rPr lang="it-IT" dirty="0">
                 <a:solidFill>
                   <a:srgbClr val="333333"/>
                 </a:solidFill>
@@ -45903,7 +45921,7 @@
               <a:t>:</a:t>
             </a:r>
             <a:r>
-              <a:rPr lang="it-IT" sz="1600" dirty="0">
+              <a:rPr lang="it-IT" dirty="0">
                 <a:solidFill>
                   <a:srgbClr val="DF5000"/>
                 </a:solidFill>
@@ -45912,7 +45930,7 @@
               <a:t> </a:t>
             </a:r>
             <a:r>
-              <a:rPr lang="it-IT" sz="1600" dirty="0" err="1">
+              <a:rPr lang="it-IT" dirty="0" err="1">
                 <a:solidFill>
                   <a:srgbClr val="DF5000"/>
                 </a:solidFill>
@@ -45921,7 +45939,7 @@
               <a:t>Easter</a:t>
             </a:r>
             <a:r>
-              <a:rPr lang="it-IT" sz="1600" dirty="0">
+              <a:rPr lang="it-IT" dirty="0">
                 <a:solidFill>
                   <a:srgbClr val="DF5000"/>
                 </a:solidFill>
@@ -45930,7 +45948,7 @@
               <a:t> </a:t>
             </a:r>
             <a:r>
-              <a:rPr lang="it-IT" sz="1600" dirty="0" err="1">
+              <a:rPr lang="it-IT" dirty="0" err="1">
                 <a:solidFill>
                   <a:srgbClr val="DF5000"/>
                 </a:solidFill>
@@ -45938,7 +45956,7 @@
               </a:rPr>
               <a:t>Egging</a:t>
             </a:r>
-            <a:endParaRPr lang="it-IT" sz="1600" dirty="0">
+            <a:endParaRPr lang="it-IT" dirty="0">
               <a:solidFill>
                 <a:srgbClr val="DF5000"/>
               </a:solidFill>
@@ -46017,8 +46035,8 @@
         </p:nvSpPr>
         <p:spPr>
           <a:xfrm>
-            <a:off x="4349234" y="847339"/>
-            <a:ext cx="4107962" cy="1323439"/>
+            <a:off x="4312805" y="935539"/>
+            <a:ext cx="4107962" cy="1354217"/>
           </a:xfrm>
           <a:prstGeom prst="rect">
             <a:avLst/>
@@ -46031,7 +46049,7 @@
           <a:lstStyle/>
           <a:p>
             <a:r>
-              <a:rPr lang="it-IT" sz="1600" dirty="0">
+              <a:rPr lang="it-IT" dirty="0">
                 <a:solidFill>
                   <a:srgbClr val="A71D5D"/>
                 </a:solidFill>
@@ -46040,7 +46058,7 @@
               <a:t>Funzionalità</a:t>
             </a:r>
             <a:r>
-              <a:rPr lang="it-IT" sz="1600" dirty="0">
+              <a:rPr lang="it-IT" dirty="0">
                 <a:solidFill>
                   <a:srgbClr val="333333"/>
                 </a:solidFill>
@@ -46049,7 +46067,7 @@
               <a:t>:</a:t>
             </a:r>
             <a:r>
-              <a:rPr lang="it-IT" sz="1600" dirty="0">
+              <a:rPr lang="it-IT" dirty="0">
                 <a:solidFill>
                   <a:srgbClr val="DF5000"/>
                 </a:solidFill>
@@ -47574,7 +47592,7 @@
         <p:spPr>
           <a:xfrm>
             <a:off x="1789583" y="1074329"/>
-            <a:ext cx="4484835" cy="1323439"/>
+            <a:ext cx="4484835" cy="1600438"/>
           </a:xfrm>
           <a:prstGeom prst="rect">
             <a:avLst/>
@@ -47587,7 +47605,7 @@
           <a:lstStyle/>
           <a:p>
             <a:r>
-              <a:rPr lang="it-IT" sz="1600" dirty="0">
+              <a:rPr lang="it-IT" dirty="0">
                 <a:solidFill>
                   <a:srgbClr val="A71D5D"/>
                 </a:solidFill>
@@ -47596,7 +47614,7 @@
               <a:t>Funzionalità</a:t>
             </a:r>
             <a:r>
-              <a:rPr lang="it-IT" sz="1600" dirty="0">
+              <a:rPr lang="it-IT" dirty="0">
                 <a:solidFill>
                   <a:srgbClr val="333333"/>
                 </a:solidFill>
@@ -47605,7 +47623,7 @@
               <a:t>:</a:t>
             </a:r>
             <a:r>
-              <a:rPr lang="it-IT" sz="1600" dirty="0">
+              <a:rPr lang="it-IT" dirty="0">
                 <a:solidFill>
                   <a:srgbClr val="DF5000"/>
                 </a:solidFill>
@@ -48373,6 +48391,50 @@
           <a:chExt cx="0" cy="0"/>
         </a:xfrm>
       </p:grpSpPr>
+      <p:graphicFrame>
+        <p:nvGraphicFramePr>
+          <p:cNvPr id="10" name="Diagram 9"/>
+          <p:cNvGraphicFramePr/>
+          <p:nvPr>
+            <p:extLst>
+              <p:ext uri="{D42A27DB-BD31-4B8C-83A1-F6EECF244321}">
+                <p14:modId xmlns:p14="http://schemas.microsoft.com/office/powerpoint/2010/main" val="420393895"/>
+              </p:ext>
+            </p:extLst>
+          </p:nvPr>
+        </p:nvGraphicFramePr>
+        <p:xfrm>
+          <a:off x="1801988" y="1186503"/>
+          <a:ext cx="6035040" cy="4858697"/>
+        </p:xfrm>
+        <a:graphic>
+          <a:graphicData uri="http://schemas.openxmlformats.org/drawingml/2006/diagram">
+            <dgm:relIds xmlns:dgm="http://schemas.openxmlformats.org/drawingml/2006/diagram" xmlns:r="http://schemas.openxmlformats.org/officeDocument/2006/relationships" r:dm="rId3" r:lo="rId4" r:qs="rId5" r:cs="rId6"/>
+          </a:graphicData>
+        </a:graphic>
+      </p:graphicFrame>
+      <p:graphicFrame>
+        <p:nvGraphicFramePr>
+          <p:cNvPr id="2" name="Diagram 1"/>
+          <p:cNvGraphicFramePr/>
+          <p:nvPr>
+            <p:extLst>
+              <p:ext uri="{D42A27DB-BD31-4B8C-83A1-F6EECF244321}">
+                <p14:modId xmlns:p14="http://schemas.microsoft.com/office/powerpoint/2010/main" val="1863108683"/>
+              </p:ext>
+            </p:extLst>
+          </p:nvPr>
+        </p:nvGraphicFramePr>
+        <p:xfrm>
+          <a:off x="1791559" y="1186502"/>
+          <a:ext cx="6035040" cy="4858697"/>
+        </p:xfrm>
+        <a:graphic>
+          <a:graphicData uri="http://schemas.openxmlformats.org/drawingml/2006/diagram">
+            <dgm:relIds xmlns:dgm="http://schemas.openxmlformats.org/drawingml/2006/diagram" xmlns:r="http://schemas.openxmlformats.org/officeDocument/2006/relationships" r:dm="rId8" r:lo="rId9" r:qs="rId10" r:cs="rId11"/>
+          </a:graphicData>
+        </a:graphic>
+      </p:graphicFrame>
       <p:pic>
         <p:nvPicPr>
           <p:cNvPr id="6" name="Picture 5"/>
@@ -48382,7 +48444,7 @@
           <p:nvPr/>
         </p:nvPicPr>
         <p:blipFill>
-          <a:blip r:embed="rId2">
+          <a:blip r:embed="rId13">
             <a:extLst>
               <a:ext uri="{28A0092B-C50C-407E-A947-70E740481C1C}">
                 <a14:useLocalDpi xmlns:a14="http://schemas.microsoft.com/office/drawing/2010/main" val="0"/>
@@ -48542,28 +48604,6 @@
           </a:p>
         </p:txBody>
       </p:sp>
-      <p:graphicFrame>
-        <p:nvGraphicFramePr>
-          <p:cNvPr id="2" name="Diagram 1"/>
-          <p:cNvGraphicFramePr/>
-          <p:nvPr>
-            <p:extLst>
-              <p:ext uri="{D42A27DB-BD31-4B8C-83A1-F6EECF244321}">
-                <p14:modId xmlns:p14="http://schemas.microsoft.com/office/powerpoint/2010/main" val="2177732051"/>
-              </p:ext>
-            </p:extLst>
-          </p:nvPr>
-        </p:nvGraphicFramePr>
-        <p:xfrm>
-          <a:off x="1791559" y="1825625"/>
-          <a:ext cx="6035040" cy="3219449"/>
-        </p:xfrm>
-        <a:graphic>
-          <a:graphicData uri="http://schemas.openxmlformats.org/drawingml/2006/diagram">
-            <dgm:relIds xmlns:dgm="http://schemas.openxmlformats.org/drawingml/2006/diagram" xmlns:r="http://schemas.openxmlformats.org/officeDocument/2006/relationships" r:dm="rId3" r:lo="rId4" r:qs="rId5" r:cs="rId6"/>
-          </a:graphicData>
-        </a:graphic>
-      </p:graphicFrame>
       <p:pic>
         <p:nvPicPr>
           <p:cNvPr id="4" name="Picture 3"/>
@@ -48573,7 +48613,7 @@
           <p:nvPr/>
         </p:nvPicPr>
         <p:blipFill>
-          <a:blip r:embed="rId8">
+          <a:blip r:embed="rId14">
             <a:extLst>
               <a:ext uri="{28A0092B-C50C-407E-A947-70E740481C1C}">
                 <a14:useLocalDpi xmlns:a14="http://schemas.microsoft.com/office/drawing/2010/main" val="0"/>
@@ -48594,28 +48634,6 @@
           </a:prstGeom>
         </p:spPr>
       </p:pic>
-      <p:graphicFrame>
-        <p:nvGraphicFramePr>
-          <p:cNvPr id="10" name="Diagram 9"/>
-          <p:cNvGraphicFramePr/>
-          <p:nvPr>
-            <p:extLst>
-              <p:ext uri="{D42A27DB-BD31-4B8C-83A1-F6EECF244321}">
-                <p14:modId xmlns:p14="http://schemas.microsoft.com/office/powerpoint/2010/main" val="1589168366"/>
-              </p:ext>
-            </p:extLst>
-          </p:nvPr>
-        </p:nvGraphicFramePr>
-        <p:xfrm>
-          <a:off x="1801988" y="1825625"/>
-          <a:ext cx="6035040" cy="3219449"/>
-        </p:xfrm>
-        <a:graphic>
-          <a:graphicData uri="http://schemas.openxmlformats.org/drawingml/2006/diagram">
-            <dgm:relIds xmlns:dgm="http://schemas.openxmlformats.org/drawingml/2006/diagram" xmlns:r="http://schemas.openxmlformats.org/officeDocument/2006/relationships" r:dm="rId9" r:lo="rId10" r:qs="rId11" r:cs="rId12"/>
-          </a:graphicData>
-        </a:graphic>
-      </p:graphicFrame>
     </p:spTree>
     <p:extLst>
       <p:ext uri="{BB962C8B-B14F-4D97-AF65-F5344CB8AC3E}">
@@ -48728,10 +48746,10 @@
       </p:par>
     </p:tnLst>
     <p:bldLst>
-      <p:bldGraphic spid="2" grpId="0">
+      <p:bldGraphic spid="10" grpId="0">
         <p:bldAsOne/>
       </p:bldGraphic>
-      <p:bldGraphic spid="10" grpId="0">
+      <p:bldGraphic spid="2" grpId="0">
         <p:bldAsOne/>
       </p:bldGraphic>
     </p:bldLst>
@@ -48959,7 +48977,7 @@
         <p:spPr>
           <a:xfrm>
             <a:off x="1406949" y="4640883"/>
-            <a:ext cx="6380273" cy="769441"/>
+            <a:ext cx="6380273" cy="1384995"/>
           </a:xfrm>
           <a:prstGeom prst="rect">
             <a:avLst/>
@@ -48974,8 +48992,24 @@
           <a:p>
             <a:r>
               <a:rPr lang="it-IT" sz="4400" b="1" dirty="0"/>
-              <a:t>Grazie per l’attenzione!</a:t>
+              <a:t>Grazie per l’attenzione</a:t>
             </a:r>
+            <a:r>
+              <a:rPr lang="it-IT" sz="4400" b="1" dirty="0" smtClean="0"/>
+              <a:t>!</a:t>
+            </a:r>
+          </a:p>
+          <a:p>
+            <a:pPr algn="ctr"/>
+            <a:endParaRPr lang="it-IT" sz="2000" dirty="0" smtClean="0"/>
+          </a:p>
+          <a:p>
+            <a:pPr algn="ctr"/>
+            <a:r>
+              <a:rPr lang="it-IT" sz="2000" dirty="0" smtClean="0"/>
+              <a:t>Domande o commenti?</a:t>
+            </a:r>
+            <a:endParaRPr lang="it-IT" sz="2000" dirty="0"/>
           </a:p>
         </p:txBody>
       </p:sp>
@@ -49148,8 +49182,8 @@
         </p:blipFill>
         <p:spPr>
           <a:xfrm>
-            <a:off x="5852160" y="5183063"/>
-            <a:ext cx="3057525" cy="800100"/>
+            <a:off x="4823460" y="5358217"/>
+            <a:ext cx="4076700" cy="1066800"/>
           </a:xfrm>
           <a:prstGeom prst="rect">
             <a:avLst/>
@@ -49696,6 +49730,28 @@
           <a:chExt cx="0" cy="0"/>
         </a:xfrm>
       </p:grpSpPr>
+      <p:graphicFrame>
+        <p:nvGraphicFramePr>
+          <p:cNvPr id="8" name="Diagram 7"/>
+          <p:cNvGraphicFramePr/>
+          <p:nvPr>
+            <p:extLst>
+              <p:ext uri="{D42A27DB-BD31-4B8C-83A1-F6EECF244321}">
+                <p14:modId xmlns:p14="http://schemas.microsoft.com/office/powerpoint/2010/main" val="2056813754"/>
+              </p:ext>
+            </p:extLst>
+          </p:nvPr>
+        </p:nvGraphicFramePr>
+        <p:xfrm>
+          <a:off x="2806003" y="3227972"/>
+          <a:ext cx="6122973" cy="2879641"/>
+        </p:xfrm>
+        <a:graphic>
+          <a:graphicData uri="http://schemas.openxmlformats.org/drawingml/2006/diagram">
+            <dgm:relIds xmlns:dgm="http://schemas.openxmlformats.org/drawingml/2006/diagram" xmlns:r="http://schemas.openxmlformats.org/officeDocument/2006/relationships" r:dm="rId2" r:lo="rId3" r:qs="rId4" r:cs="rId5"/>
+          </a:graphicData>
+        </a:graphic>
+      </p:graphicFrame>
       <p:sp>
         <p:nvSpPr>
           <p:cNvPr id="3" name="Content Placeholder 2"/>
@@ -49788,7 +49844,7 @@
           <p:nvPr/>
         </p:nvPicPr>
         <p:blipFill>
-          <a:blip r:embed="rId2">
+          <a:blip r:embed="rId7">
             <a:extLst>
               <a:ext uri="{28A0092B-C50C-407E-A947-70E740481C1C}">
                 <a14:useLocalDpi xmlns:a14="http://schemas.microsoft.com/office/drawing/2010/main" val="0"/>
@@ -49818,7 +49874,7 @@
           <p:nvPr/>
         </p:nvPicPr>
         <p:blipFill>
-          <a:blip r:embed="rId3">
+          <a:blip r:embed="rId8">
             <a:extLst>
               <a:ext uri="{28A0092B-C50C-407E-A947-70E740481C1C}">
                 <a14:useLocalDpi xmlns:a14="http://schemas.microsoft.com/office/drawing/2010/main" val="0"/>
@@ -49888,34 +49944,12 @@
       </p:sp>
       <p:graphicFrame>
         <p:nvGraphicFramePr>
-          <p:cNvPr id="8" name="Diagram 7"/>
-          <p:cNvGraphicFramePr/>
-          <p:nvPr>
-            <p:extLst>
-              <p:ext uri="{D42A27DB-BD31-4B8C-83A1-F6EECF244321}">
-                <p14:modId xmlns:p14="http://schemas.microsoft.com/office/powerpoint/2010/main" val="2633485282"/>
-              </p:ext>
-            </p:extLst>
-          </p:nvPr>
-        </p:nvGraphicFramePr>
-        <p:xfrm>
-          <a:off x="2806003" y="3227972"/>
-          <a:ext cx="6122973" cy="2879641"/>
-        </p:xfrm>
-        <a:graphic>
-          <a:graphicData uri="http://schemas.openxmlformats.org/drawingml/2006/diagram">
-            <dgm:relIds xmlns:dgm="http://schemas.openxmlformats.org/drawingml/2006/diagram" xmlns:r="http://schemas.openxmlformats.org/officeDocument/2006/relationships" r:dm="rId4" r:lo="rId5" r:qs="rId6" r:cs="rId7"/>
-          </a:graphicData>
-        </a:graphic>
-      </p:graphicFrame>
-      <p:graphicFrame>
-        <p:nvGraphicFramePr>
           <p:cNvPr id="9" name="Diagram 8"/>
           <p:cNvGraphicFramePr/>
           <p:nvPr>
             <p:extLst>
               <p:ext uri="{D42A27DB-BD31-4B8C-83A1-F6EECF244321}">
-                <p14:modId xmlns:p14="http://schemas.microsoft.com/office/powerpoint/2010/main" val="1952129379"/>
+                <p14:modId xmlns:p14="http://schemas.microsoft.com/office/powerpoint/2010/main" val="3314672725"/>
               </p:ext>
             </p:extLst>
           </p:nvPr>
@@ -49952,7 +49986,7 @@
         </p:blipFill>
         <p:spPr>
           <a:xfrm>
-            <a:off x="3099939" y="4301116"/>
+            <a:off x="3036439" y="4374112"/>
             <a:ext cx="863492" cy="716190"/>
           </a:xfrm>
           <a:prstGeom prst="rect">
@@ -50136,7 +50170,7 @@
         <p:spPr>
           <a:xfrm>
             <a:off x="693387" y="1539394"/>
-            <a:ext cx="3862429" cy="3908762"/>
+            <a:ext cx="3862429" cy="5078313"/>
           </a:xfrm>
           <a:prstGeom prst="rect">
             <a:avLst/>
@@ -50154,23 +50188,40 @@
               <a:buChar char="•"/>
             </a:pPr>
             <a:r>
-              <a:rPr lang="it-IT" sz="1600" dirty="0" smtClean="0"/>
+              <a:rPr lang="it-IT" sz="2000" dirty="0" smtClean="0"/>
               <a:t>Sviluppo </a:t>
             </a:r>
             <a:r>
-              <a:rPr lang="it-IT" sz="1600" dirty="0"/>
+              <a:rPr lang="it-IT" sz="2000" dirty="0"/>
               <a:t>e test di tre applicazioni </a:t>
             </a:r>
             <a:r>
-              <a:rPr lang="it-IT" sz="1600" dirty="0" smtClean="0"/>
+              <a:rPr lang="it-IT" sz="2000" dirty="0" smtClean="0"/>
               <a:t>web</a:t>
             </a:r>
             <a:br>
-              <a:rPr lang="it-IT" sz="1600" dirty="0" smtClean="0"/>
+              <a:rPr lang="it-IT" sz="2000" dirty="0" smtClean="0"/>
             </a:br>
             <a:r>
+              <a:rPr lang="it-IT" sz="2000" dirty="0" smtClean="0"/>
+              <a:t>identiche per</a:t>
+            </a:r>
+            <a:endParaRPr lang="it-IT" sz="2000" dirty="0"/>
+          </a:p>
+          <a:p>
+            <a:pPr lvl="1">
+              <a:buClrTx/>
+              <a:buSzPct val="120000"/>
+              <a:buFont typeface="Arial" panose="020B0604020202020204" pitchFamily="34" charset="0"/>
+              <a:buChar char="•"/>
+            </a:pPr>
+            <a:r>
+              <a:rPr lang="it-IT" sz="2000" dirty="0" smtClean="0"/>
+              <a:t> </a:t>
+            </a:r>
+            <a:r>
               <a:rPr lang="it-IT" sz="1600" dirty="0" smtClean="0"/>
-              <a:t>identiche per</a:t>
+              <a:t>Funzionalità</a:t>
             </a:r>
             <a:endParaRPr lang="it-IT" sz="1600" dirty="0"/>
           </a:p>
@@ -50182,10 +50233,18 @@
               <a:buChar char="•"/>
             </a:pPr>
             <a:r>
-              <a:rPr lang="it-IT" sz="1400" dirty="0" smtClean="0"/>
-              <a:t> Funzionalità</a:t>
+              <a:rPr lang="it-IT" sz="1600" dirty="0" smtClean="0"/>
+              <a:t> Interfaccia </a:t>
             </a:r>
-            <a:endParaRPr lang="it-IT" sz="1400" dirty="0"/>
+            <a:r>
+              <a:rPr lang="it-IT" sz="1600" dirty="0"/>
+              <a:t>e </a:t>
+            </a:r>
+            <a:r>
+              <a:rPr lang="it-IT" sz="1600" dirty="0" smtClean="0"/>
+              <a:t>layout</a:t>
+            </a:r>
+            <a:endParaRPr lang="it-IT" sz="1600" dirty="0"/>
           </a:p>
           <a:p>
             <a:pPr lvl="1">
@@ -50195,36 +50254,15 @@
               <a:buChar char="•"/>
             </a:pPr>
             <a:r>
-              <a:rPr lang="it-IT" sz="1400" dirty="0" smtClean="0"/>
-              <a:t> Interfaccia </a:t>
-            </a:r>
-            <a:r>
-              <a:rPr lang="it-IT" sz="1400" dirty="0"/>
-              <a:t>e </a:t>
-            </a:r>
-            <a:r>
-              <a:rPr lang="it-IT" sz="1400" dirty="0" smtClean="0"/>
-              <a:t>layout</a:t>
-            </a:r>
-            <a:endParaRPr lang="it-IT" sz="1400" dirty="0"/>
-          </a:p>
-          <a:p>
-            <a:pPr lvl="1">
-              <a:buClrTx/>
-              <a:buSzPct val="120000"/>
-              <a:buFont typeface="Arial" panose="020B0604020202020204" pitchFamily="34" charset="0"/>
-              <a:buChar char="•"/>
-            </a:pPr>
-            <a:r>
-              <a:rPr lang="it-IT" sz="1400" dirty="0" smtClean="0"/>
+              <a:rPr lang="it-IT" sz="1600" dirty="0" smtClean="0"/>
               <a:t> Tecnologie </a:t>
             </a:r>
             <a:r>
-              <a:rPr lang="it-IT" sz="1400" dirty="0"/>
+              <a:rPr lang="it-IT" sz="1600" dirty="0"/>
               <a:t>«web» </a:t>
             </a:r>
             <a:r>
-              <a:rPr lang="it-IT" sz="1400" dirty="0" smtClean="0"/>
+              <a:rPr lang="it-IT" sz="1600" dirty="0" smtClean="0"/>
               <a:t>utilizzate</a:t>
             </a:r>
           </a:p>
@@ -50235,7 +50273,7 @@
               <a:buFont typeface="Arial" panose="020B0604020202020204" pitchFamily="34" charset="0"/>
               <a:buChar char="•"/>
             </a:pPr>
-            <a:endParaRPr lang="it-IT" sz="1400" dirty="0"/>
+            <a:endParaRPr lang="it-IT" sz="2000" dirty="0"/>
           </a:p>
           <a:p>
             <a:pPr marL="285750" indent="-285750">
@@ -50245,30 +50283,30 @@
               <a:buChar char="•"/>
             </a:pPr>
             <a:r>
-              <a:rPr lang="it-IT" sz="1600" dirty="0" smtClean="0"/>
+              <a:rPr lang="it-IT" sz="2000" dirty="0" smtClean="0"/>
               <a:t>Sviluppate </a:t>
             </a:r>
             <a:r>
-              <a:rPr lang="it-IT" sz="1600" dirty="0"/>
+              <a:rPr lang="it-IT" sz="2000" dirty="0"/>
               <a:t>tramite </a:t>
             </a:r>
             <a:r>
-              <a:rPr lang="it-IT" sz="1600" dirty="0" smtClean="0"/>
+              <a:rPr lang="it-IT" sz="2000" dirty="0" smtClean="0"/>
               <a:t>ATDD</a:t>
             </a:r>
             <a:br>
-              <a:rPr lang="it-IT" sz="1600" dirty="0" smtClean="0"/>
+              <a:rPr lang="it-IT" sz="2000" dirty="0" smtClean="0"/>
             </a:br>
             <a:r>
-              <a:rPr lang="it-IT" sz="1600" dirty="0" smtClean="0"/>
+              <a:rPr lang="it-IT" sz="2000" dirty="0" smtClean="0"/>
               <a:t>libreria </a:t>
             </a:r>
             <a:r>
-              <a:rPr lang="it-IT" sz="1600" dirty="0"/>
+              <a:rPr lang="it-IT" sz="2000" dirty="0"/>
               <a:t>di test di accettazione </a:t>
             </a:r>
             <a:r>
-              <a:rPr lang="it-IT" sz="1600" dirty="0" smtClean="0"/>
+              <a:rPr lang="it-IT" sz="2000" dirty="0" smtClean="0"/>
               <a:t>comune</a:t>
             </a:r>
           </a:p>
@@ -50279,7 +50317,7 @@
               <a:buFont typeface="Arial" panose="020B0604020202020204" pitchFamily="34" charset="0"/>
               <a:buChar char="•"/>
             </a:pPr>
-            <a:endParaRPr lang="it-IT" sz="1600" dirty="0"/>
+            <a:endParaRPr lang="it-IT" sz="2000" dirty="0"/>
           </a:p>
           <a:p>
             <a:pPr marL="285750" indent="-285750">
@@ -50289,14 +50327,14 @@
               <a:buChar char="•"/>
             </a:pPr>
             <a:r>
-              <a:rPr lang="it-IT" sz="1600" dirty="0" smtClean="0"/>
+              <a:rPr lang="it-IT" sz="2000" dirty="0" smtClean="0"/>
               <a:t>Ogni </a:t>
             </a:r>
             <a:r>
-              <a:rPr lang="it-IT" sz="1600" dirty="0"/>
+              <a:rPr lang="it-IT" sz="2000" dirty="0"/>
               <a:t>iterazione </a:t>
             </a:r>
-            <a:endParaRPr lang="it-IT" sz="1600" dirty="0" smtClean="0"/>
+            <a:endParaRPr lang="it-IT" sz="2000" dirty="0" smtClean="0"/>
           </a:p>
           <a:p>
             <a:pPr marL="742950" lvl="1" indent="-285750">
@@ -50305,7 +50343,7 @@
               <a:buChar char="•"/>
             </a:pPr>
             <a:r>
-              <a:rPr lang="it-IT" sz="1600" dirty="0" smtClean="0"/>
+              <a:rPr lang="it-IT" sz="2000" dirty="0" smtClean="0"/>
               <a:t>una solo storia</a:t>
             </a:r>
           </a:p>
@@ -50316,11 +50354,11 @@
               <a:buChar char="•"/>
             </a:pPr>
             <a:r>
-              <a:rPr lang="it-IT" sz="1600" dirty="0" smtClean="0"/>
+              <a:rPr lang="it-IT" sz="2000" dirty="0" smtClean="0"/>
               <a:t>introduce un </a:t>
             </a:r>
             <a:r>
-              <a:rPr lang="it-IT" sz="1600" dirty="0"/>
+              <a:rPr lang="it-IT" sz="2000" dirty="0"/>
               <a:t>numero ridotto di tecnologie</a:t>
             </a:r>
           </a:p>
@@ -51599,4 +51637,265 @@
     </a:ext>
   </a:extLst>
 </a:theme>
+</file>
+
+<file path=ppt/theme/theme2.xml><?xml version="1.0" encoding="utf-8"?>
+<a:theme xmlns:a="http://schemas.openxmlformats.org/drawingml/2006/main" name="Office Theme">
+  <a:themeElements>
+    <a:clrScheme name="Office">
+      <a:dk1>
+        <a:sysClr val="windowText" lastClr="000000"/>
+      </a:dk1>
+      <a:lt1>
+        <a:sysClr val="window" lastClr="FFFFFF"/>
+      </a:lt1>
+      <a:dk2>
+        <a:srgbClr val="44546A"/>
+      </a:dk2>
+      <a:lt2>
+        <a:srgbClr val="E7E6E6"/>
+      </a:lt2>
+      <a:accent1>
+        <a:srgbClr val="5B9BD5"/>
+      </a:accent1>
+      <a:accent2>
+        <a:srgbClr val="ED7D31"/>
+      </a:accent2>
+      <a:accent3>
+        <a:srgbClr val="A5A5A5"/>
+      </a:accent3>
+      <a:accent4>
+        <a:srgbClr val="FFC000"/>
+      </a:accent4>
+      <a:accent5>
+        <a:srgbClr val="4472C4"/>
+      </a:accent5>
+      <a:accent6>
+        <a:srgbClr val="70AD47"/>
+      </a:accent6>
+      <a:hlink>
+        <a:srgbClr val="0563C1"/>
+      </a:hlink>
+      <a:folHlink>
+        <a:srgbClr val="954F72"/>
+      </a:folHlink>
+    </a:clrScheme>
+    <a:fontScheme name="Office">
+      <a:majorFont>
+        <a:latin typeface="Calibri Light" panose="020F0302020204030204"/>
+        <a:ea typeface=""/>
+        <a:cs typeface=""/>
+        <a:font script="Jpan" typeface="ＭＳ Ｐゴシック"/>
+        <a:font script="Hang" typeface="맑은 고딕"/>
+        <a:font script="Hans" typeface="宋体"/>
+        <a:font script="Hant" typeface="新細明體"/>
+        <a:font script="Arab" typeface="Times New Roman"/>
+        <a:font script="Hebr" typeface="Times New Roman"/>
+        <a:font script="Thai" typeface="Angsana New"/>
+        <a:font script="Ethi" typeface="Nyala"/>
+        <a:font script="Beng" typeface="Vrinda"/>
+        <a:font script="Gujr" typeface="Shruti"/>
+        <a:font script="Khmr" typeface="MoolBoran"/>
+        <a:font script="Knda" typeface="Tunga"/>
+        <a:font script="Guru" typeface="Raavi"/>
+        <a:font script="Cans" typeface="Euphemia"/>
+        <a:font script="Cher" typeface="Plantagenet Cherokee"/>
+        <a:font script="Yiii" typeface="Microsoft Yi Baiti"/>
+        <a:font script="Tibt" typeface="Microsoft Himalaya"/>
+        <a:font script="Thaa" typeface="MV Boli"/>
+        <a:font script="Deva" typeface="Mangal"/>
+        <a:font script="Telu" typeface="Gautami"/>
+        <a:font script="Taml" typeface="Latha"/>
+        <a:font script="Syrc" typeface="Estrangelo Edessa"/>
+        <a:font script="Orya" typeface="Kalinga"/>
+        <a:font script="Mlym" typeface="Kartika"/>
+        <a:font script="Laoo" typeface="DokChampa"/>
+        <a:font script="Sinh" typeface="Iskoola Pota"/>
+        <a:font script="Mong" typeface="Mongolian Baiti"/>
+        <a:font script="Viet" typeface="Times New Roman"/>
+        <a:font script="Uigh" typeface="Microsoft Uighur"/>
+        <a:font script="Geor" typeface="Sylfaen"/>
+      </a:majorFont>
+      <a:minorFont>
+        <a:latin typeface="Calibri" panose="020F0502020204030204"/>
+        <a:ea typeface=""/>
+        <a:cs typeface=""/>
+        <a:font script="Jpan" typeface="ＭＳ Ｐゴシック"/>
+        <a:font script="Hang" typeface="맑은 고딕"/>
+        <a:font script="Hans" typeface="宋体"/>
+        <a:font script="Hant" typeface="新細明體"/>
+        <a:font script="Arab" typeface="Arial"/>
+        <a:font script="Hebr" typeface="Arial"/>
+        <a:font script="Thai" typeface="Cordia New"/>
+        <a:font script="Ethi" typeface="Nyala"/>
+        <a:font script="Beng" typeface="Vrinda"/>
+        <a:font script="Gujr" typeface="Shruti"/>
+        <a:font script="Khmr" typeface="DaunPenh"/>
+        <a:font script="Knda" typeface="Tunga"/>
+        <a:font script="Guru" typeface="Raavi"/>
+        <a:font script="Cans" typeface="Euphemia"/>
+        <a:font script="Cher" typeface="Plantagenet Cherokee"/>
+        <a:font script="Yiii" typeface="Microsoft Yi Baiti"/>
+        <a:font script="Tibt" typeface="Microsoft Himalaya"/>
+        <a:font script="Thaa" typeface="MV Boli"/>
+        <a:font script="Deva" typeface="Mangal"/>
+        <a:font script="Telu" typeface="Gautami"/>
+        <a:font script="Taml" typeface="Latha"/>
+        <a:font script="Syrc" typeface="Estrangelo Edessa"/>
+        <a:font script="Orya" typeface="Kalinga"/>
+        <a:font script="Mlym" typeface="Kartika"/>
+        <a:font script="Laoo" typeface="DokChampa"/>
+        <a:font script="Sinh" typeface="Iskoola Pota"/>
+        <a:font script="Mong" typeface="Mongolian Baiti"/>
+        <a:font script="Viet" typeface="Arial"/>
+        <a:font script="Uigh" typeface="Microsoft Uighur"/>
+        <a:font script="Geor" typeface="Sylfaen"/>
+      </a:minorFont>
+    </a:fontScheme>
+    <a:fmtScheme name="Office">
+      <a:fillStyleLst>
+        <a:solidFill>
+          <a:schemeClr val="phClr"/>
+        </a:solidFill>
+        <a:gradFill rotWithShape="1">
+          <a:gsLst>
+            <a:gs pos="0">
+              <a:schemeClr val="phClr">
+                <a:lumMod val="110000"/>
+                <a:satMod val="105000"/>
+                <a:tint val="67000"/>
+              </a:schemeClr>
+            </a:gs>
+            <a:gs pos="50000">
+              <a:schemeClr val="phClr">
+                <a:lumMod val="105000"/>
+                <a:satMod val="103000"/>
+                <a:tint val="73000"/>
+              </a:schemeClr>
+            </a:gs>
+            <a:gs pos="100000">
+              <a:schemeClr val="phClr">
+                <a:lumMod val="105000"/>
+                <a:satMod val="109000"/>
+                <a:tint val="81000"/>
+              </a:schemeClr>
+            </a:gs>
+          </a:gsLst>
+          <a:lin ang="5400000" scaled="0"/>
+        </a:gradFill>
+        <a:gradFill rotWithShape="1">
+          <a:gsLst>
+            <a:gs pos="0">
+              <a:schemeClr val="phClr">
+                <a:satMod val="103000"/>
+                <a:lumMod val="102000"/>
+                <a:tint val="94000"/>
+              </a:schemeClr>
+            </a:gs>
+            <a:gs pos="50000">
+              <a:schemeClr val="phClr">
+                <a:satMod val="110000"/>
+                <a:lumMod val="100000"/>
+                <a:shade val="100000"/>
+              </a:schemeClr>
+            </a:gs>
+            <a:gs pos="100000">
+              <a:schemeClr val="phClr">
+                <a:lumMod val="99000"/>
+                <a:satMod val="120000"/>
+                <a:shade val="78000"/>
+              </a:schemeClr>
+            </a:gs>
+          </a:gsLst>
+          <a:lin ang="5400000" scaled="0"/>
+        </a:gradFill>
+      </a:fillStyleLst>
+      <a:lnStyleLst>
+        <a:ln w="6350" cap="flat" cmpd="sng" algn="ctr">
+          <a:solidFill>
+            <a:schemeClr val="phClr"/>
+          </a:solidFill>
+          <a:prstDash val="solid"/>
+          <a:miter lim="800000"/>
+        </a:ln>
+        <a:ln w="12700" cap="flat" cmpd="sng" algn="ctr">
+          <a:solidFill>
+            <a:schemeClr val="phClr"/>
+          </a:solidFill>
+          <a:prstDash val="solid"/>
+          <a:miter lim="800000"/>
+        </a:ln>
+        <a:ln w="19050" cap="flat" cmpd="sng" algn="ctr">
+          <a:solidFill>
+            <a:schemeClr val="phClr"/>
+          </a:solidFill>
+          <a:prstDash val="solid"/>
+          <a:miter lim="800000"/>
+        </a:ln>
+      </a:lnStyleLst>
+      <a:effectStyleLst>
+        <a:effectStyle>
+          <a:effectLst/>
+        </a:effectStyle>
+        <a:effectStyle>
+          <a:effectLst/>
+        </a:effectStyle>
+        <a:effectStyle>
+          <a:effectLst>
+            <a:outerShdw blurRad="57150" dist="19050" dir="5400000" algn="ctr" rotWithShape="0">
+              <a:srgbClr val="000000">
+                <a:alpha val="63000"/>
+              </a:srgbClr>
+            </a:outerShdw>
+          </a:effectLst>
+        </a:effectStyle>
+      </a:effectStyleLst>
+      <a:bgFillStyleLst>
+        <a:solidFill>
+          <a:schemeClr val="phClr"/>
+        </a:solidFill>
+        <a:solidFill>
+          <a:schemeClr val="phClr">
+            <a:tint val="95000"/>
+            <a:satMod val="170000"/>
+          </a:schemeClr>
+        </a:solidFill>
+        <a:gradFill rotWithShape="1">
+          <a:gsLst>
+            <a:gs pos="0">
+              <a:schemeClr val="phClr">
+                <a:tint val="93000"/>
+                <a:satMod val="150000"/>
+                <a:shade val="98000"/>
+                <a:lumMod val="102000"/>
+              </a:schemeClr>
+            </a:gs>
+            <a:gs pos="50000">
+              <a:schemeClr val="phClr">
+                <a:tint val="98000"/>
+                <a:satMod val="130000"/>
+                <a:shade val="90000"/>
+                <a:lumMod val="103000"/>
+              </a:schemeClr>
+            </a:gs>
+            <a:gs pos="100000">
+              <a:schemeClr val="phClr">
+                <a:shade val="63000"/>
+                <a:satMod val="120000"/>
+              </a:schemeClr>
+            </a:gs>
+          </a:gsLst>
+          <a:lin ang="5400000" scaled="0"/>
+        </a:gradFill>
+      </a:bgFillStyleLst>
+    </a:fmtScheme>
+  </a:themeElements>
+  <a:objectDefaults/>
+  <a:extraClrSchemeLst/>
+  <a:extLst>
+    <a:ext uri="{05A4C25C-085E-4340-85A3-A5531E510DB2}">
+      <thm15:themeFamily xmlns:thm15="http://schemas.microsoft.com/office/thememl/2012/main" name="Office Theme" id="{62F939B6-93AF-4DB8-9C6B-D6C7DFDC589F}" vid="{4A3C46E8-61CC-4603-A589-7422A47A8E4A}"/>
+    </a:ext>
+  </a:extLst>
+</a:theme>
 </file>
--- a/Presentazione.pptx
+++ b/Presentazione.pptx
@@ -3244,75 +3244,68 @@
 </file>
 
 <file path=ppt/diagrams/colors2.xml><?xml version="1.0" encoding="utf-8"?>
-<dgm:colorsDef xmlns:dgm="http://schemas.openxmlformats.org/drawingml/2006/diagram" xmlns:a="http://schemas.openxmlformats.org/drawingml/2006/main" uniqueId="urn:microsoft.com/office/officeart/2005/8/colors/colorful4">
+<dgm:colorsDef xmlns:dgm="http://schemas.openxmlformats.org/drawingml/2006/diagram" xmlns:a="http://schemas.openxmlformats.org/drawingml/2006/main" uniqueId="urn:microsoft.com/office/officeart/2005/8/colors/accent0_3">
   <dgm:title val=""/>
   <dgm:desc val=""/>
   <dgm:catLst>
-    <dgm:cat type="colorful" pri="10400"/>
+    <dgm:cat type="mainScheme" pri="10300"/>
   </dgm:catLst>
   <dgm:styleLbl name="node0">
     <dgm:fillClrLst meth="repeat">
-      <a:schemeClr val="accent3"/>
-    </dgm:fillClrLst>
-    <dgm:linClrLst meth="repeat">
-      <a:schemeClr val="lt1"/>
+      <a:schemeClr val="dk2"/>
+    </dgm:fillClrLst>
+    <dgm:linClrLst meth="repeat">
+      <a:schemeClr val="lt2"/>
     </dgm:linClrLst>
     <dgm:effectClrLst/>
     <dgm:txLinClrLst/>
     <dgm:txFillClrLst/>
     <dgm:txEffectClrLst/>
   </dgm:styleLbl>
+  <dgm:styleLbl name="alignNode1">
+    <dgm:fillClrLst meth="repeat">
+      <a:schemeClr val="dk2"/>
+    </dgm:fillClrLst>
+    <dgm:linClrLst meth="repeat">
+      <a:schemeClr val="dk2"/>
+    </dgm:linClrLst>
+    <dgm:effectClrLst/>
+    <dgm:txLinClrLst/>
+    <dgm:txFillClrLst/>
+    <dgm:txEffectClrLst/>
+  </dgm:styleLbl>
   <dgm:styleLbl name="node1">
-    <dgm:fillClrLst>
-      <a:schemeClr val="accent4"/>
-      <a:schemeClr val="accent5"/>
-    </dgm:fillClrLst>
-    <dgm:linClrLst meth="repeat">
-      <a:schemeClr val="lt1"/>
+    <dgm:fillClrLst meth="repeat">
+      <a:schemeClr val="dk2"/>
+    </dgm:fillClrLst>
+    <dgm:linClrLst meth="repeat">
+      <a:schemeClr val="lt2"/>
     </dgm:linClrLst>
     <dgm:effectClrLst/>
     <dgm:txLinClrLst/>
     <dgm:txFillClrLst/>
     <dgm:txEffectClrLst/>
   </dgm:styleLbl>
-  <dgm:styleLbl name="alignNode1">
-    <dgm:fillClrLst>
-      <a:schemeClr val="accent4"/>
-      <a:schemeClr val="accent5"/>
-    </dgm:fillClrLst>
-    <dgm:linClrLst>
-      <a:schemeClr val="accent4"/>
-      <a:schemeClr val="accent5"/>
+  <dgm:styleLbl name="lnNode1">
+    <dgm:fillClrLst meth="repeat">
+      <a:schemeClr val="dk2"/>
+    </dgm:fillClrLst>
+    <dgm:linClrLst meth="repeat">
+      <a:schemeClr val="lt2"/>
     </dgm:linClrLst>
     <dgm:effectClrLst/>
     <dgm:txLinClrLst/>
     <dgm:txFillClrLst/>
     <dgm:txEffectClrLst/>
   </dgm:styleLbl>
-  <dgm:styleLbl name="lnNode1">
-    <dgm:fillClrLst>
-      <a:schemeClr val="accent4"/>
-      <a:schemeClr val="accent5"/>
-    </dgm:fillClrLst>
-    <dgm:linClrLst meth="repeat">
-      <a:schemeClr val="lt1"/>
-    </dgm:linClrLst>
-    <dgm:effectClrLst/>
-    <dgm:txLinClrLst/>
-    <dgm:txFillClrLst/>
-    <dgm:txEffectClrLst/>
-  </dgm:styleLbl>
   <dgm:styleLbl name="vennNode1">
-    <dgm:fillClrLst>
-      <a:schemeClr val="accent4">
+    <dgm:fillClrLst meth="repeat">
+      <a:schemeClr val="dk2">
         <a:alpha val="50000"/>
       </a:schemeClr>
-      <a:schemeClr val="accent5">
-        <a:alpha val="50000"/>
-      </a:schemeClr>
-    </dgm:fillClrLst>
-    <dgm:linClrLst meth="repeat">
-      <a:schemeClr val="lt1"/>
+    </dgm:fillClrLst>
+    <dgm:linClrLst meth="repeat">
+      <a:schemeClr val="lt2"/>
     </dgm:linClrLst>
     <dgm:effectClrLst/>
     <dgm:txLinClrLst/>
@@ -3320,11 +3313,11 @@
     <dgm:txEffectClrLst/>
   </dgm:styleLbl>
   <dgm:styleLbl name="node2">
-    <dgm:fillClrLst>
-      <a:schemeClr val="accent5"/>
-    </dgm:fillClrLst>
-    <dgm:linClrLst meth="repeat">
-      <a:schemeClr val="lt1"/>
+    <dgm:fillClrLst meth="repeat">
+      <a:schemeClr val="dk2"/>
+    </dgm:fillClrLst>
+    <dgm:linClrLst meth="repeat">
+      <a:schemeClr val="lt2"/>
     </dgm:linClrLst>
     <dgm:effectClrLst/>
     <dgm:txLinClrLst/>
@@ -3332,11 +3325,11 @@
     <dgm:txEffectClrLst/>
   </dgm:styleLbl>
   <dgm:styleLbl name="node3">
-    <dgm:fillClrLst>
-      <a:schemeClr val="accent6"/>
-    </dgm:fillClrLst>
-    <dgm:linClrLst meth="repeat">
-      <a:schemeClr val="lt1"/>
+    <dgm:fillClrLst meth="repeat">
+      <a:schemeClr val="dk2"/>
+    </dgm:fillClrLst>
+    <dgm:linClrLst meth="repeat">
+      <a:schemeClr val="lt2"/>
     </dgm:linClrLst>
     <dgm:effectClrLst/>
     <dgm:txLinClrLst/>
@@ -3344,11 +3337,11 @@
     <dgm:txEffectClrLst/>
   </dgm:styleLbl>
   <dgm:styleLbl name="node4">
-    <dgm:fillClrLst>
-      <a:schemeClr val="accent1"/>
-    </dgm:fillClrLst>
-    <dgm:linClrLst meth="repeat">
-      <a:schemeClr val="lt1"/>
+    <dgm:fillClrLst meth="repeat">
+      <a:schemeClr val="dk2"/>
+    </dgm:fillClrLst>
+    <dgm:linClrLst meth="repeat">
+      <a:schemeClr val="lt2"/>
     </dgm:linClrLst>
     <dgm:effectClrLst/>
     <dgm:txLinClrLst/>
@@ -3356,16 +3349,589 @@
     <dgm:txEffectClrLst/>
   </dgm:styleLbl>
   <dgm:styleLbl name="fgImgPlace1">
-    <dgm:fillClrLst>
-      <a:schemeClr val="accent4">
+    <dgm:fillClrLst meth="repeat">
+      <a:schemeClr val="dk2">
         <a:tint val="50000"/>
       </a:schemeClr>
-      <a:schemeClr val="accent5">
+    </dgm:fillClrLst>
+    <dgm:linClrLst meth="repeat">
+      <a:schemeClr val="lt2"/>
+    </dgm:linClrLst>
+    <dgm:effectClrLst/>
+    <dgm:txLinClrLst/>
+    <dgm:txFillClrLst meth="repeat">
+      <a:schemeClr val="lt2"/>
+    </dgm:txFillClrLst>
+    <dgm:txEffectClrLst/>
+  </dgm:styleLbl>
+  <dgm:styleLbl name="alignImgPlace1">
+    <dgm:fillClrLst meth="repeat">
+      <a:schemeClr val="dk2">
         <a:tint val="50000"/>
       </a:schemeClr>
     </dgm:fillClrLst>
     <dgm:linClrLst meth="repeat">
-      <a:schemeClr val="lt1"/>
+      <a:schemeClr val="dk2">
+        <a:shade val="80000"/>
+      </a:schemeClr>
+    </dgm:linClrLst>
+    <dgm:effectClrLst/>
+    <dgm:txLinClrLst/>
+    <dgm:txFillClrLst meth="repeat">
+      <a:schemeClr val="lt2"/>
+    </dgm:txFillClrLst>
+    <dgm:txEffectClrLst/>
+  </dgm:styleLbl>
+  <dgm:styleLbl name="bgImgPlace1">
+    <dgm:fillClrLst meth="repeat">
+      <a:schemeClr val="dk2">
+        <a:tint val="50000"/>
+      </a:schemeClr>
+    </dgm:fillClrLst>
+    <dgm:linClrLst meth="repeat">
+      <a:schemeClr val="dk2">
+        <a:shade val="80000"/>
+      </a:schemeClr>
+    </dgm:linClrLst>
+    <dgm:effectClrLst/>
+    <dgm:txLinClrLst/>
+    <dgm:txFillClrLst meth="repeat">
+      <a:schemeClr val="lt2"/>
+    </dgm:txFillClrLst>
+    <dgm:txEffectClrLst/>
+  </dgm:styleLbl>
+  <dgm:styleLbl name="sibTrans2D1">
+    <dgm:fillClrLst meth="repeat">
+      <a:schemeClr val="dk2">
+        <a:tint val="60000"/>
+      </a:schemeClr>
+    </dgm:fillClrLst>
+    <dgm:linClrLst meth="repeat">
+      <a:schemeClr val="dk2">
+        <a:tint val="60000"/>
+      </a:schemeClr>
+    </dgm:linClrLst>
+    <dgm:effectClrLst/>
+    <dgm:txLinClrLst/>
+    <dgm:txFillClrLst/>
+    <dgm:txEffectClrLst/>
+  </dgm:styleLbl>
+  <dgm:styleLbl name="fgSibTrans2D1">
+    <dgm:fillClrLst meth="repeat">
+      <a:schemeClr val="dk2">
+        <a:tint val="60000"/>
+      </a:schemeClr>
+    </dgm:fillClrLst>
+    <dgm:linClrLst meth="repeat">
+      <a:schemeClr val="dk2">
+        <a:tint val="60000"/>
+      </a:schemeClr>
+    </dgm:linClrLst>
+    <dgm:effectClrLst/>
+    <dgm:txLinClrLst/>
+    <dgm:txFillClrLst/>
+    <dgm:txEffectClrLst/>
+  </dgm:styleLbl>
+  <dgm:styleLbl name="bgSibTrans2D1">
+    <dgm:fillClrLst meth="repeat">
+      <a:schemeClr val="dk2">
+        <a:tint val="60000"/>
+      </a:schemeClr>
+    </dgm:fillClrLst>
+    <dgm:linClrLst meth="repeat">
+      <a:schemeClr val="dk2">
+        <a:tint val="60000"/>
+      </a:schemeClr>
+    </dgm:linClrLst>
+    <dgm:effectClrLst/>
+    <dgm:txLinClrLst/>
+    <dgm:txFillClrLst/>
+    <dgm:txEffectClrLst/>
+  </dgm:styleLbl>
+  <dgm:styleLbl name="sibTrans1D1">
+    <dgm:fillClrLst meth="repeat">
+      <a:schemeClr val="dk2"/>
+    </dgm:fillClrLst>
+    <dgm:linClrLst meth="repeat">
+      <a:schemeClr val="dk2"/>
+    </dgm:linClrLst>
+    <dgm:effectClrLst/>
+    <dgm:txLinClrLst/>
+    <dgm:txFillClrLst meth="repeat">
+      <a:schemeClr val="lt2"/>
+    </dgm:txFillClrLst>
+    <dgm:txEffectClrLst/>
+  </dgm:styleLbl>
+  <dgm:styleLbl name="callout">
+    <dgm:fillClrLst meth="repeat">
+      <a:schemeClr val="dk2"/>
+    </dgm:fillClrLst>
+    <dgm:linClrLst meth="repeat">
+      <a:schemeClr val="dk2">
+        <a:tint val="50000"/>
+      </a:schemeClr>
+    </dgm:linClrLst>
+    <dgm:effectClrLst/>
+    <dgm:txLinClrLst/>
+    <dgm:txFillClrLst meth="repeat">
+      <a:schemeClr val="lt2"/>
+    </dgm:txFillClrLst>
+    <dgm:txEffectClrLst/>
+  </dgm:styleLbl>
+  <dgm:styleLbl name="asst0">
+    <dgm:fillClrLst meth="repeat">
+      <a:schemeClr val="dk2"/>
+    </dgm:fillClrLst>
+    <dgm:linClrLst meth="repeat">
+      <a:schemeClr val="lt2"/>
+    </dgm:linClrLst>
+    <dgm:effectClrLst/>
+    <dgm:txLinClrLst/>
+    <dgm:txFillClrLst/>
+    <dgm:txEffectClrLst/>
+  </dgm:styleLbl>
+  <dgm:styleLbl name="asst1">
+    <dgm:fillClrLst meth="repeat">
+      <a:schemeClr val="dk2"/>
+    </dgm:fillClrLst>
+    <dgm:linClrLst meth="repeat">
+      <a:schemeClr val="lt2"/>
+    </dgm:linClrLst>
+    <dgm:effectClrLst/>
+    <dgm:txLinClrLst/>
+    <dgm:txFillClrLst/>
+    <dgm:txEffectClrLst/>
+  </dgm:styleLbl>
+  <dgm:styleLbl name="asst2">
+    <dgm:fillClrLst meth="repeat">
+      <a:schemeClr val="dk2"/>
+    </dgm:fillClrLst>
+    <dgm:linClrLst meth="repeat">
+      <a:schemeClr val="lt2"/>
+    </dgm:linClrLst>
+    <dgm:effectClrLst/>
+    <dgm:txLinClrLst/>
+    <dgm:txFillClrLst/>
+    <dgm:txEffectClrLst/>
+  </dgm:styleLbl>
+  <dgm:styleLbl name="asst3">
+    <dgm:fillClrLst meth="repeat">
+      <a:schemeClr val="dk2"/>
+    </dgm:fillClrLst>
+    <dgm:linClrLst meth="repeat">
+      <a:schemeClr val="lt2"/>
+    </dgm:linClrLst>
+    <dgm:effectClrLst/>
+    <dgm:txLinClrLst/>
+    <dgm:txFillClrLst/>
+    <dgm:txEffectClrLst/>
+  </dgm:styleLbl>
+  <dgm:styleLbl name="asst4">
+    <dgm:fillClrLst meth="repeat">
+      <a:schemeClr val="dk2"/>
+    </dgm:fillClrLst>
+    <dgm:linClrLst meth="repeat">
+      <a:schemeClr val="lt2"/>
+    </dgm:linClrLst>
+    <dgm:effectClrLst/>
+    <dgm:txLinClrLst/>
+    <dgm:txFillClrLst/>
+    <dgm:txEffectClrLst/>
+  </dgm:styleLbl>
+  <dgm:styleLbl name="parChTrans2D1">
+    <dgm:fillClrLst meth="repeat">
+      <a:schemeClr val="dk2">
+        <a:tint val="60000"/>
+      </a:schemeClr>
+    </dgm:fillClrLst>
+    <dgm:linClrLst meth="repeat">
+      <a:schemeClr val="dk2">
+        <a:tint val="60000"/>
+      </a:schemeClr>
+    </dgm:linClrLst>
+    <dgm:effectClrLst/>
+    <dgm:txLinClrLst/>
+    <dgm:txFillClrLst meth="repeat">
+      <a:schemeClr val="lt2"/>
+    </dgm:txFillClrLst>
+    <dgm:txEffectClrLst/>
+  </dgm:styleLbl>
+  <dgm:styleLbl name="parChTrans2D2">
+    <dgm:fillClrLst meth="repeat">
+      <a:schemeClr val="dk2"/>
+    </dgm:fillClrLst>
+    <dgm:linClrLst meth="repeat">
+      <a:schemeClr val="dk2"/>
+    </dgm:linClrLst>
+    <dgm:effectClrLst/>
+    <dgm:txLinClrLst/>
+    <dgm:txFillClrLst meth="repeat">
+      <a:schemeClr val="lt2"/>
+    </dgm:txFillClrLst>
+    <dgm:txEffectClrLst/>
+  </dgm:styleLbl>
+  <dgm:styleLbl name="parChTrans2D3">
+    <dgm:fillClrLst meth="repeat">
+      <a:schemeClr val="dk2"/>
+    </dgm:fillClrLst>
+    <dgm:linClrLst meth="repeat">
+      <a:schemeClr val="dk2"/>
+    </dgm:linClrLst>
+    <dgm:effectClrLst/>
+    <dgm:txLinClrLst/>
+    <dgm:txFillClrLst meth="repeat">
+      <a:schemeClr val="lt2"/>
+    </dgm:txFillClrLst>
+    <dgm:txEffectClrLst/>
+  </dgm:styleLbl>
+  <dgm:styleLbl name="parChTrans2D4">
+    <dgm:fillClrLst meth="repeat">
+      <a:schemeClr val="dk2"/>
+    </dgm:fillClrLst>
+    <dgm:linClrLst meth="repeat">
+      <a:schemeClr val="dk2"/>
+    </dgm:linClrLst>
+    <dgm:effectClrLst/>
+    <dgm:txLinClrLst/>
+    <dgm:txFillClrLst meth="repeat">
+      <a:schemeClr val="lt2"/>
+    </dgm:txFillClrLst>
+    <dgm:txEffectClrLst/>
+  </dgm:styleLbl>
+  <dgm:styleLbl name="parChTrans1D1">
+    <dgm:fillClrLst meth="repeat">
+      <a:schemeClr val="dk2"/>
+    </dgm:fillClrLst>
+    <dgm:linClrLst meth="repeat">
+      <a:schemeClr val="dk2">
+        <a:shade val="60000"/>
+      </a:schemeClr>
+    </dgm:linClrLst>
+    <dgm:effectClrLst/>
+    <dgm:txLinClrLst/>
+    <dgm:txFillClrLst meth="repeat">
+      <a:schemeClr val="tx1"/>
+    </dgm:txFillClrLst>
+    <dgm:txEffectClrLst/>
+  </dgm:styleLbl>
+  <dgm:styleLbl name="parChTrans1D2">
+    <dgm:fillClrLst meth="repeat">
+      <a:schemeClr val="dk2"/>
+    </dgm:fillClrLst>
+    <dgm:linClrLst meth="repeat">
+      <a:schemeClr val="dk2">
+        <a:shade val="60000"/>
+      </a:schemeClr>
+    </dgm:linClrLst>
+    <dgm:effectClrLst/>
+    <dgm:txLinClrLst/>
+    <dgm:txFillClrLst meth="repeat">
+      <a:schemeClr val="tx1"/>
+    </dgm:txFillClrLst>
+    <dgm:txEffectClrLst/>
+  </dgm:styleLbl>
+  <dgm:styleLbl name="parChTrans1D3">
+    <dgm:fillClrLst meth="repeat">
+      <a:schemeClr val="dk2"/>
+    </dgm:fillClrLst>
+    <dgm:linClrLst meth="repeat">
+      <a:schemeClr val="dk2">
+        <a:shade val="80000"/>
+      </a:schemeClr>
+    </dgm:linClrLst>
+    <dgm:effectClrLst/>
+    <dgm:txLinClrLst/>
+    <dgm:txFillClrLst meth="repeat">
+      <a:schemeClr val="tx1"/>
+    </dgm:txFillClrLst>
+    <dgm:txEffectClrLst/>
+  </dgm:styleLbl>
+  <dgm:styleLbl name="parChTrans1D4">
+    <dgm:fillClrLst meth="repeat">
+      <a:schemeClr val="dk2"/>
+    </dgm:fillClrLst>
+    <dgm:linClrLst meth="repeat">
+      <a:schemeClr val="dk2">
+        <a:shade val="80000"/>
+      </a:schemeClr>
+    </dgm:linClrLst>
+    <dgm:effectClrLst/>
+    <dgm:txLinClrLst/>
+    <dgm:txFillClrLst meth="repeat">
+      <a:schemeClr val="tx1"/>
+    </dgm:txFillClrLst>
+    <dgm:txEffectClrLst/>
+  </dgm:styleLbl>
+  <dgm:styleLbl name="fgAcc1">
+    <dgm:fillClrLst meth="repeat">
+      <a:schemeClr val="lt2">
+        <a:alpha val="90000"/>
+      </a:schemeClr>
+    </dgm:fillClrLst>
+    <dgm:linClrLst meth="repeat">
+      <a:schemeClr val="dk2"/>
+    </dgm:linClrLst>
+    <dgm:effectClrLst/>
+    <dgm:txLinClrLst/>
+    <dgm:txFillClrLst meth="repeat">
+      <a:schemeClr val="dk1"/>
+    </dgm:txFillClrLst>
+    <dgm:txEffectClrLst/>
+  </dgm:styleLbl>
+  <dgm:styleLbl name="conFgAcc1">
+    <dgm:fillClrLst meth="repeat">
+      <a:schemeClr val="lt2">
+        <a:alpha val="90000"/>
+      </a:schemeClr>
+    </dgm:fillClrLst>
+    <dgm:linClrLst meth="repeat">
+      <a:schemeClr val="dk2"/>
+    </dgm:linClrLst>
+    <dgm:effectClrLst/>
+    <dgm:txLinClrLst/>
+    <dgm:txFillClrLst meth="repeat">
+      <a:schemeClr val="dk1"/>
+    </dgm:txFillClrLst>
+    <dgm:txEffectClrLst/>
+  </dgm:styleLbl>
+  <dgm:styleLbl name="alignAcc1">
+    <dgm:fillClrLst meth="repeat">
+      <a:schemeClr val="lt2">
+        <a:alpha val="90000"/>
+      </a:schemeClr>
+    </dgm:fillClrLst>
+    <dgm:linClrLst meth="repeat">
+      <a:schemeClr val="dk2"/>
+    </dgm:linClrLst>
+    <dgm:effectClrLst/>
+    <dgm:txLinClrLst/>
+    <dgm:txFillClrLst meth="repeat">
+      <a:schemeClr val="dk1"/>
+    </dgm:txFillClrLst>
+    <dgm:txEffectClrLst/>
+  </dgm:styleLbl>
+  <dgm:styleLbl name="trAlignAcc1">
+    <dgm:fillClrLst meth="repeat">
+      <a:schemeClr val="lt2">
+        <a:alpha val="40000"/>
+      </a:schemeClr>
+    </dgm:fillClrLst>
+    <dgm:linClrLst meth="repeat">
+      <a:schemeClr val="dk2"/>
+    </dgm:linClrLst>
+    <dgm:effectClrLst/>
+    <dgm:txLinClrLst/>
+    <dgm:txFillClrLst meth="repeat">
+      <a:schemeClr val="dk1"/>
+    </dgm:txFillClrLst>
+    <dgm:txEffectClrLst/>
+  </dgm:styleLbl>
+  <dgm:styleLbl name="bgAcc1">
+    <dgm:fillClrLst meth="repeat">
+      <a:schemeClr val="lt2">
+        <a:alpha val="90000"/>
+      </a:schemeClr>
+    </dgm:fillClrLst>
+    <dgm:linClrLst meth="repeat">
+      <a:schemeClr val="dk2"/>
+    </dgm:linClrLst>
+    <dgm:effectClrLst/>
+    <dgm:txLinClrLst/>
+    <dgm:txFillClrLst meth="repeat">
+      <a:schemeClr val="dk1"/>
+    </dgm:txFillClrLst>
+    <dgm:txEffectClrLst/>
+  </dgm:styleLbl>
+  <dgm:styleLbl name="solidFgAcc1">
+    <dgm:fillClrLst meth="repeat">
+      <a:schemeClr val="lt2"/>
+    </dgm:fillClrLst>
+    <dgm:linClrLst meth="repeat">
+      <a:schemeClr val="dk2"/>
+    </dgm:linClrLst>
+    <dgm:effectClrLst/>
+    <dgm:txLinClrLst/>
+    <dgm:txFillClrLst meth="repeat">
+      <a:schemeClr val="dk1"/>
+    </dgm:txFillClrLst>
+    <dgm:txEffectClrLst/>
+  </dgm:styleLbl>
+  <dgm:styleLbl name="solidAlignAcc1">
+    <dgm:fillClrLst meth="repeat">
+      <a:schemeClr val="lt2"/>
+    </dgm:fillClrLst>
+    <dgm:linClrLst meth="repeat">
+      <a:schemeClr val="dk2"/>
+    </dgm:linClrLst>
+    <dgm:effectClrLst/>
+    <dgm:txLinClrLst/>
+    <dgm:txFillClrLst meth="repeat">
+      <a:schemeClr val="dk1"/>
+    </dgm:txFillClrLst>
+    <dgm:txEffectClrLst/>
+  </dgm:styleLbl>
+  <dgm:styleLbl name="solidBgAcc1">
+    <dgm:fillClrLst meth="repeat">
+      <a:schemeClr val="lt2"/>
+    </dgm:fillClrLst>
+    <dgm:linClrLst meth="repeat">
+      <a:schemeClr val="dk2"/>
+    </dgm:linClrLst>
+    <dgm:effectClrLst/>
+    <dgm:txLinClrLst/>
+    <dgm:txFillClrLst meth="repeat">
+      <a:schemeClr val="dk1"/>
+    </dgm:txFillClrLst>
+    <dgm:txEffectClrLst/>
+  </dgm:styleLbl>
+  <dgm:styleLbl name="fgAccFollowNode1">
+    <dgm:fillClrLst meth="repeat">
+      <a:schemeClr val="dk2">
+        <a:alpha val="90000"/>
+        <a:tint val="40000"/>
+      </a:schemeClr>
+    </dgm:fillClrLst>
+    <dgm:linClrLst meth="repeat">
+      <a:schemeClr val="dk2">
+        <a:alpha val="90000"/>
+        <a:tint val="40000"/>
+      </a:schemeClr>
+    </dgm:linClrLst>
+    <dgm:effectClrLst/>
+    <dgm:txLinClrLst/>
+    <dgm:txFillClrLst meth="repeat">
+      <a:schemeClr val="dk1"/>
+    </dgm:txFillClrLst>
+    <dgm:txEffectClrLst/>
+  </dgm:styleLbl>
+  <dgm:styleLbl name="alignAccFollowNode1">
+    <dgm:fillClrLst meth="repeat">
+      <a:schemeClr val="dk2">
+        <a:alpha val="90000"/>
+        <a:tint val="40000"/>
+      </a:schemeClr>
+    </dgm:fillClrLst>
+    <dgm:linClrLst meth="repeat">
+      <a:schemeClr val="dk2">
+        <a:alpha val="90000"/>
+        <a:tint val="40000"/>
+      </a:schemeClr>
+    </dgm:linClrLst>
+    <dgm:effectClrLst/>
+    <dgm:txLinClrLst/>
+    <dgm:txFillClrLst meth="repeat">
+      <a:schemeClr val="dk1"/>
+    </dgm:txFillClrLst>
+    <dgm:txEffectClrLst/>
+  </dgm:styleLbl>
+  <dgm:styleLbl name="bgAccFollowNode1">
+    <dgm:fillClrLst meth="repeat">
+      <a:schemeClr val="dk2">
+        <a:alpha val="90000"/>
+        <a:tint val="40000"/>
+      </a:schemeClr>
+    </dgm:fillClrLst>
+    <dgm:linClrLst meth="repeat">
+      <a:schemeClr val="dk2">
+        <a:alpha val="90000"/>
+        <a:tint val="40000"/>
+      </a:schemeClr>
+    </dgm:linClrLst>
+    <dgm:effectClrLst/>
+    <dgm:txLinClrLst/>
+    <dgm:txFillClrLst meth="repeat">
+      <a:schemeClr val="dk1"/>
+    </dgm:txFillClrLst>
+    <dgm:txEffectClrLst/>
+  </dgm:styleLbl>
+  <dgm:styleLbl name="fgAcc0">
+    <dgm:fillClrLst meth="repeat">
+      <a:schemeClr val="lt2">
+        <a:alpha val="90000"/>
+      </a:schemeClr>
+    </dgm:fillClrLst>
+    <dgm:linClrLst meth="repeat">
+      <a:schemeClr val="dk2"/>
+    </dgm:linClrLst>
+    <dgm:effectClrLst/>
+    <dgm:txLinClrLst/>
+    <dgm:txFillClrLst meth="repeat">
+      <a:schemeClr val="dk1"/>
+    </dgm:txFillClrLst>
+    <dgm:txEffectClrLst/>
+  </dgm:styleLbl>
+  <dgm:styleLbl name="fgAcc2">
+    <dgm:fillClrLst meth="repeat">
+      <a:schemeClr val="lt2">
+        <a:alpha val="90000"/>
+      </a:schemeClr>
+    </dgm:fillClrLst>
+    <dgm:linClrLst meth="repeat">
+      <a:schemeClr val="dk2"/>
+    </dgm:linClrLst>
+    <dgm:effectClrLst/>
+    <dgm:txLinClrLst/>
+    <dgm:txFillClrLst meth="repeat">
+      <a:schemeClr val="dk1"/>
+    </dgm:txFillClrLst>
+    <dgm:txEffectClrLst/>
+  </dgm:styleLbl>
+  <dgm:styleLbl name="fgAcc3">
+    <dgm:fillClrLst meth="repeat">
+      <a:schemeClr val="lt2">
+        <a:alpha val="90000"/>
+      </a:schemeClr>
+    </dgm:fillClrLst>
+    <dgm:linClrLst meth="repeat">
+      <a:schemeClr val="dk2"/>
+    </dgm:linClrLst>
+    <dgm:effectClrLst/>
+    <dgm:txLinClrLst/>
+    <dgm:txFillClrLst meth="repeat">
+      <a:schemeClr val="dk1"/>
+    </dgm:txFillClrLst>
+    <dgm:txEffectClrLst/>
+  </dgm:styleLbl>
+  <dgm:styleLbl name="fgAcc4">
+    <dgm:fillClrLst meth="repeat">
+      <a:schemeClr val="lt2">
+        <a:alpha val="90000"/>
+      </a:schemeClr>
+    </dgm:fillClrLst>
+    <dgm:linClrLst meth="repeat">
+      <a:schemeClr val="dk2"/>
+    </dgm:linClrLst>
+    <dgm:effectClrLst/>
+    <dgm:txLinClrLst/>
+    <dgm:txFillClrLst meth="repeat">
+      <a:schemeClr val="dk1"/>
+    </dgm:txFillClrLst>
+    <dgm:txEffectClrLst/>
+  </dgm:styleLbl>
+  <dgm:styleLbl name="bgShp">
+    <dgm:fillClrLst meth="repeat">
+      <a:schemeClr val="dk2">
+        <a:tint val="40000"/>
+      </a:schemeClr>
+    </dgm:fillClrLst>
+    <dgm:linClrLst meth="repeat">
+      <a:schemeClr val="dk2"/>
+    </dgm:linClrLst>
+    <dgm:effectClrLst/>
+    <dgm:txLinClrLst/>
+    <dgm:txFillClrLst meth="repeat">
+      <a:schemeClr val="dk1"/>
+    </dgm:txFillClrLst>
+    <dgm:txEffectClrLst/>
+  </dgm:styleLbl>
+  <dgm:styleLbl name="dkBgShp">
+    <dgm:fillClrLst meth="repeat">
+      <a:schemeClr val="dk2">
+        <a:shade val="80000"/>
+      </a:schemeClr>
+    </dgm:fillClrLst>
+    <dgm:linClrLst meth="repeat">
+      <a:schemeClr val="dk2"/>
     </dgm:linClrLst>
     <dgm:effectClrLst/>
     <dgm:txLinClrLst/>
@@ -3374,17 +3940,15 @@
     </dgm:txFillClrLst>
     <dgm:txEffectClrLst/>
   </dgm:styleLbl>
-  <dgm:styleLbl name="alignImgPlace1">
-    <dgm:fillClrLst>
-      <a:schemeClr val="accent4">
+  <dgm:styleLbl name="trBgShp">
+    <dgm:fillClrLst meth="repeat">
+      <a:schemeClr val="dk2">
         <a:tint val="50000"/>
+        <a:alpha val="40000"/>
       </a:schemeClr>
-      <a:schemeClr val="accent5">
-        <a:tint val="20000"/>
-      </a:schemeClr>
-    </dgm:fillClrLst>
-    <dgm:linClrLst meth="repeat">
-      <a:schemeClr val="lt1"/>
+    </dgm:fillClrLst>
+    <dgm:linClrLst meth="repeat">
+      <a:schemeClr val="dk2"/>
     </dgm:linClrLst>
     <dgm:effectClrLst/>
     <dgm:txLinClrLst/>
@@ -3393,284 +3957,14 @@
     </dgm:txFillClrLst>
     <dgm:txEffectClrLst/>
   </dgm:styleLbl>
-  <dgm:styleLbl name="bgImgPlace1">
-    <dgm:fillClrLst>
-      <a:schemeClr val="accent4">
-        <a:tint val="50000"/>
+  <dgm:styleLbl name="fgShp">
+    <dgm:fillClrLst meth="repeat">
+      <a:schemeClr val="dk2">
+        <a:tint val="60000"/>
       </a:schemeClr>
-      <a:schemeClr val="accent5">
-        <a:tint val="20000"/>
-      </a:schemeClr>
-    </dgm:fillClrLst>
-    <dgm:linClrLst meth="repeat">
-      <a:schemeClr val="lt1"/>
-    </dgm:linClrLst>
-    <dgm:effectClrLst/>
-    <dgm:txLinClrLst/>
-    <dgm:txFillClrLst meth="repeat">
-      <a:schemeClr val="lt1"/>
-    </dgm:txFillClrLst>
-    <dgm:txEffectClrLst/>
-  </dgm:styleLbl>
-  <dgm:styleLbl name="sibTrans2D1">
-    <dgm:fillClrLst>
-      <a:schemeClr val="accent4"/>
-      <a:schemeClr val="accent5"/>
-    </dgm:fillClrLst>
-    <dgm:linClrLst meth="repeat">
-      <a:schemeClr val="lt1"/>
-    </dgm:linClrLst>
-    <dgm:effectClrLst/>
-    <dgm:txLinClrLst/>
-    <dgm:txFillClrLst/>
-    <dgm:txEffectClrLst/>
-  </dgm:styleLbl>
-  <dgm:styleLbl name="fgSibTrans2D1">
-    <dgm:fillClrLst>
-      <a:schemeClr val="accent4"/>
-      <a:schemeClr val="accent5"/>
-    </dgm:fillClrLst>
-    <dgm:linClrLst meth="repeat">
-      <a:schemeClr val="lt1"/>
-    </dgm:linClrLst>
-    <dgm:effectClrLst/>
-    <dgm:txLinClrLst/>
-    <dgm:txFillClrLst meth="repeat">
-      <a:schemeClr val="lt1"/>
-    </dgm:txFillClrLst>
-    <dgm:txEffectClrLst/>
-  </dgm:styleLbl>
-  <dgm:styleLbl name="bgSibTrans2D1">
-    <dgm:fillClrLst>
-      <a:schemeClr val="accent4"/>
-      <a:schemeClr val="accent5"/>
-    </dgm:fillClrLst>
-    <dgm:linClrLst meth="repeat">
-      <a:schemeClr val="lt1"/>
-    </dgm:linClrLst>
-    <dgm:effectClrLst/>
-    <dgm:txLinClrLst/>
-    <dgm:txFillClrLst meth="repeat">
-      <a:schemeClr val="lt1"/>
-    </dgm:txFillClrLst>
-    <dgm:txEffectClrLst/>
-  </dgm:styleLbl>
-  <dgm:styleLbl name="sibTrans1D1">
-    <dgm:fillClrLst/>
-    <dgm:linClrLst>
-      <a:schemeClr val="accent4"/>
-      <a:schemeClr val="accent5"/>
-    </dgm:linClrLst>
-    <dgm:effectClrLst/>
-    <dgm:txLinClrLst/>
-    <dgm:txFillClrLst meth="repeat">
-      <a:schemeClr val="tx1"/>
-    </dgm:txFillClrLst>
-    <dgm:txEffectClrLst/>
-  </dgm:styleLbl>
-  <dgm:styleLbl name="callout">
-    <dgm:fillClrLst meth="repeat">
-      <a:schemeClr val="accent4"/>
-    </dgm:fillClrLst>
-    <dgm:linClrLst meth="repeat">
-      <a:schemeClr val="accent4">
-        <a:tint val="50000"/>
-      </a:schemeClr>
-    </dgm:linClrLst>
-    <dgm:effectClrLst/>
-    <dgm:txLinClrLst/>
-    <dgm:txFillClrLst meth="repeat">
-      <a:schemeClr val="tx1"/>
-    </dgm:txFillClrLst>
-    <dgm:txEffectClrLst/>
-  </dgm:styleLbl>
-  <dgm:styleLbl name="asst0">
-    <dgm:fillClrLst meth="repeat">
-      <a:schemeClr val="accent4"/>
-    </dgm:fillClrLst>
-    <dgm:linClrLst meth="repeat">
-      <a:schemeClr val="lt1">
-        <a:shade val="80000"/>
-      </a:schemeClr>
-    </dgm:linClrLst>
-    <dgm:effectClrLst/>
-    <dgm:txLinClrLst/>
-    <dgm:txFillClrLst/>
-    <dgm:txEffectClrLst/>
-  </dgm:styleLbl>
-  <dgm:styleLbl name="asst1">
-    <dgm:fillClrLst meth="repeat">
-      <a:schemeClr val="accent5"/>
-    </dgm:fillClrLst>
-    <dgm:linClrLst meth="repeat">
-      <a:schemeClr val="lt1">
-        <a:shade val="80000"/>
-      </a:schemeClr>
-    </dgm:linClrLst>
-    <dgm:effectClrLst/>
-    <dgm:txLinClrLst/>
-    <dgm:txFillClrLst/>
-    <dgm:txEffectClrLst/>
-  </dgm:styleLbl>
-  <dgm:styleLbl name="asst2">
-    <dgm:fillClrLst>
-      <a:schemeClr val="accent6"/>
-    </dgm:fillClrLst>
-    <dgm:linClrLst meth="repeat">
-      <a:schemeClr val="lt1"/>
-    </dgm:linClrLst>
-    <dgm:effectClrLst/>
-    <dgm:txLinClrLst/>
-    <dgm:txFillClrLst/>
-    <dgm:txEffectClrLst/>
-  </dgm:styleLbl>
-  <dgm:styleLbl name="asst3">
-    <dgm:fillClrLst>
-      <a:schemeClr val="accent1"/>
-    </dgm:fillClrLst>
-    <dgm:linClrLst meth="repeat">
-      <a:schemeClr val="lt1"/>
-    </dgm:linClrLst>
-    <dgm:effectClrLst/>
-    <dgm:txLinClrLst/>
-    <dgm:txFillClrLst/>
-    <dgm:txEffectClrLst/>
-  </dgm:styleLbl>
-  <dgm:styleLbl name="asst4">
-    <dgm:fillClrLst>
-      <a:schemeClr val="accent2"/>
-    </dgm:fillClrLst>
-    <dgm:linClrLst meth="repeat">
-      <a:schemeClr val="lt1"/>
-    </dgm:linClrLst>
-    <dgm:effectClrLst/>
-    <dgm:txLinClrLst/>
-    <dgm:txFillClrLst/>
-    <dgm:txEffectClrLst/>
-  </dgm:styleLbl>
-  <dgm:styleLbl name="parChTrans2D1">
-    <dgm:fillClrLst meth="repeat">
-      <a:schemeClr val="accent4"/>
-    </dgm:fillClrLst>
-    <dgm:linClrLst meth="repeat">
-      <a:schemeClr val="lt1"/>
-    </dgm:linClrLst>
-    <dgm:effectClrLst/>
-    <dgm:txLinClrLst/>
-    <dgm:txFillClrLst meth="repeat">
-      <a:schemeClr val="lt1"/>
-    </dgm:txFillClrLst>
-    <dgm:txEffectClrLst/>
-  </dgm:styleLbl>
-  <dgm:styleLbl name="parChTrans2D2">
-    <dgm:fillClrLst meth="repeat">
-      <a:schemeClr val="accent5"/>
-    </dgm:fillClrLst>
-    <dgm:linClrLst meth="repeat">
-      <a:schemeClr val="lt1"/>
-    </dgm:linClrLst>
-    <dgm:effectClrLst/>
-    <dgm:txLinClrLst/>
-    <dgm:txFillClrLst/>
-    <dgm:txEffectClrLst/>
-  </dgm:styleLbl>
-  <dgm:styleLbl name="parChTrans2D3">
-    <dgm:fillClrLst meth="repeat">
-      <a:schemeClr val="accent5"/>
-    </dgm:fillClrLst>
-    <dgm:linClrLst meth="repeat">
-      <a:schemeClr val="lt1"/>
-    </dgm:linClrLst>
-    <dgm:effectClrLst/>
-    <dgm:txLinClrLst/>
-    <dgm:txFillClrLst/>
-    <dgm:txEffectClrLst/>
-  </dgm:styleLbl>
-  <dgm:styleLbl name="parChTrans2D4">
-    <dgm:fillClrLst meth="repeat">
-      <a:schemeClr val="accent6"/>
-    </dgm:fillClrLst>
-    <dgm:linClrLst meth="repeat">
-      <a:schemeClr val="lt1"/>
-    </dgm:linClrLst>
-    <dgm:effectClrLst/>
-    <dgm:txLinClrLst/>
-    <dgm:txFillClrLst meth="repeat">
-      <a:schemeClr val="lt1"/>
-    </dgm:txFillClrLst>
-    <dgm:txEffectClrLst/>
-  </dgm:styleLbl>
-  <dgm:styleLbl name="parChTrans1D1">
-    <dgm:fillClrLst meth="repeat">
-      <a:schemeClr val="accent4"/>
-    </dgm:fillClrLst>
-    <dgm:linClrLst meth="repeat">
-      <a:schemeClr val="accent4"/>
-    </dgm:linClrLst>
-    <dgm:effectClrLst/>
-    <dgm:txLinClrLst/>
-    <dgm:txFillClrLst meth="repeat">
-      <a:schemeClr val="tx1"/>
-    </dgm:txFillClrLst>
-    <dgm:txEffectClrLst/>
-  </dgm:styleLbl>
-  <dgm:styleLbl name="parChTrans1D2">
-    <dgm:fillClrLst meth="repeat">
-      <a:schemeClr val="accent4">
-        <a:tint val="90000"/>
-      </a:schemeClr>
-    </dgm:fillClrLst>
-    <dgm:linClrLst meth="repeat">
-      <a:schemeClr val="accent5"/>
-    </dgm:linClrLst>
-    <dgm:effectClrLst/>
-    <dgm:txLinClrLst/>
-    <dgm:txFillClrLst meth="repeat">
-      <a:schemeClr val="tx1"/>
-    </dgm:txFillClrLst>
-    <dgm:txEffectClrLst/>
-  </dgm:styleLbl>
-  <dgm:styleLbl name="parChTrans1D3">
-    <dgm:fillClrLst meth="repeat">
-      <a:schemeClr val="accent4">
-        <a:tint val="70000"/>
-      </a:schemeClr>
-    </dgm:fillClrLst>
-    <dgm:linClrLst meth="repeat">
-      <a:schemeClr val="accent6"/>
-    </dgm:linClrLst>
-    <dgm:effectClrLst/>
-    <dgm:txLinClrLst/>
-    <dgm:txFillClrLst meth="repeat">
-      <a:schemeClr val="tx1"/>
-    </dgm:txFillClrLst>
-    <dgm:txEffectClrLst/>
-  </dgm:styleLbl>
-  <dgm:styleLbl name="parChTrans1D4">
-    <dgm:fillClrLst meth="repeat">
-      <a:schemeClr val="accent4">
-        <a:tint val="50000"/>
-      </a:schemeClr>
-    </dgm:fillClrLst>
-    <dgm:linClrLst meth="repeat">
-      <a:schemeClr val="accent1"/>
-    </dgm:linClrLst>
-    <dgm:effectClrLst/>
-    <dgm:txLinClrLst/>
-    <dgm:txFillClrLst meth="repeat">
-      <a:schemeClr val="tx1"/>
-    </dgm:txFillClrLst>
-    <dgm:txEffectClrLst/>
-  </dgm:styleLbl>
-  <dgm:styleLbl name="fgAcc1">
-    <dgm:fillClrLst meth="repeat">
-      <a:schemeClr val="lt1">
-        <a:alpha val="90000"/>
-      </a:schemeClr>
-    </dgm:fillClrLst>
-    <dgm:linClrLst>
-      <a:schemeClr val="accent4"/>
-      <a:schemeClr val="accent5"/>
+    </dgm:fillClrLst>
+    <dgm:linClrLst meth="repeat">
+      <a:schemeClr val="lt2"/>
     </dgm:linClrLst>
     <dgm:effectClrLst/>
     <dgm:txLinClrLst/>
@@ -3679,334 +3973,9 @@
     </dgm:txFillClrLst>
     <dgm:txEffectClrLst/>
   </dgm:styleLbl>
-  <dgm:styleLbl name="conFgAcc1">
-    <dgm:fillClrLst meth="repeat">
-      <a:schemeClr val="lt1">
-        <a:alpha val="90000"/>
-      </a:schemeClr>
-    </dgm:fillClrLst>
-    <dgm:linClrLst>
-      <a:schemeClr val="accent4"/>
-      <a:schemeClr val="accent5"/>
-    </dgm:linClrLst>
-    <dgm:effectClrLst/>
-    <dgm:txLinClrLst/>
-    <dgm:txFillClrLst meth="repeat">
-      <a:schemeClr val="dk1"/>
-    </dgm:txFillClrLst>
-    <dgm:txEffectClrLst/>
-  </dgm:styleLbl>
-  <dgm:styleLbl name="alignAcc1">
-    <dgm:fillClrLst meth="repeat">
-      <a:schemeClr val="lt1">
-        <a:alpha val="90000"/>
-      </a:schemeClr>
-    </dgm:fillClrLst>
-    <dgm:linClrLst>
-      <a:schemeClr val="accent4"/>
-      <a:schemeClr val="accent5"/>
-    </dgm:linClrLst>
-    <dgm:effectClrLst/>
-    <dgm:txLinClrLst/>
-    <dgm:txFillClrLst meth="repeat">
-      <a:schemeClr val="dk1"/>
-    </dgm:txFillClrLst>
-    <dgm:txEffectClrLst/>
-  </dgm:styleLbl>
-  <dgm:styleLbl name="trAlignAcc1">
-    <dgm:fillClrLst meth="repeat">
-      <a:schemeClr val="lt1">
-        <a:alpha val="40000"/>
-      </a:schemeClr>
-    </dgm:fillClrLst>
-    <dgm:linClrLst meth="repeat">
-      <a:schemeClr val="accent4"/>
-    </dgm:linClrLst>
-    <dgm:effectClrLst/>
-    <dgm:txLinClrLst/>
-    <dgm:txFillClrLst meth="repeat">
-      <a:schemeClr val="dk1"/>
-    </dgm:txFillClrLst>
-    <dgm:txEffectClrLst/>
-  </dgm:styleLbl>
-  <dgm:styleLbl name="bgAcc1">
-    <dgm:fillClrLst meth="repeat">
-      <a:schemeClr val="lt1">
-        <a:alpha val="90000"/>
-      </a:schemeClr>
-    </dgm:fillClrLst>
-    <dgm:linClrLst>
-      <a:schemeClr val="accent4"/>
-      <a:schemeClr val="accent5"/>
-    </dgm:linClrLst>
-    <dgm:effectClrLst/>
-    <dgm:txLinClrLst/>
-    <dgm:txFillClrLst meth="repeat">
-      <a:schemeClr val="dk1"/>
-    </dgm:txFillClrLst>
-    <dgm:txEffectClrLst/>
-  </dgm:styleLbl>
-  <dgm:styleLbl name="solidFgAcc1">
-    <dgm:fillClrLst meth="repeat">
-      <a:schemeClr val="lt1"/>
-    </dgm:fillClrLst>
-    <dgm:linClrLst>
-      <a:schemeClr val="accent4"/>
-      <a:schemeClr val="accent5"/>
-    </dgm:linClrLst>
-    <dgm:effectClrLst/>
-    <dgm:txLinClrLst/>
-    <dgm:txFillClrLst meth="repeat">
-      <a:schemeClr val="dk1"/>
-    </dgm:txFillClrLst>
-    <dgm:txEffectClrLst/>
-  </dgm:styleLbl>
-  <dgm:styleLbl name="solidAlignAcc1">
-    <dgm:fillClrLst meth="repeat">
-      <a:schemeClr val="lt1"/>
-    </dgm:fillClrLst>
-    <dgm:linClrLst>
-      <a:schemeClr val="accent4"/>
-      <a:schemeClr val="accent5"/>
-    </dgm:linClrLst>
-    <dgm:effectClrLst/>
-    <dgm:txLinClrLst/>
-    <dgm:txFillClrLst meth="repeat">
-      <a:schemeClr val="dk1"/>
-    </dgm:txFillClrLst>
-    <dgm:txEffectClrLst/>
-  </dgm:styleLbl>
-  <dgm:styleLbl name="solidBgAcc1">
-    <dgm:fillClrLst meth="repeat">
-      <a:schemeClr val="lt1"/>
-    </dgm:fillClrLst>
-    <dgm:linClrLst>
-      <a:schemeClr val="accent4"/>
-      <a:schemeClr val="accent5"/>
-    </dgm:linClrLst>
-    <dgm:effectClrLst/>
-    <dgm:txLinClrLst/>
-    <dgm:txFillClrLst meth="repeat">
-      <a:schemeClr val="dk1"/>
-    </dgm:txFillClrLst>
-    <dgm:txEffectClrLst/>
-  </dgm:styleLbl>
-  <dgm:styleLbl name="fgAccFollowNode1">
-    <dgm:fillClrLst>
-      <a:schemeClr val="accent4">
-        <a:tint val="40000"/>
-        <a:alpha val="90000"/>
-      </a:schemeClr>
-      <a:schemeClr val="accent5">
-        <a:tint val="40000"/>
-        <a:alpha val="90000"/>
-      </a:schemeClr>
-    </dgm:fillClrLst>
-    <dgm:linClrLst>
-      <a:schemeClr val="accent4">
-        <a:tint val="40000"/>
-        <a:alpha val="90000"/>
-      </a:schemeClr>
-      <a:schemeClr val="accent5">
-        <a:tint val="40000"/>
-        <a:alpha val="90000"/>
-      </a:schemeClr>
-    </dgm:linClrLst>
-    <dgm:effectClrLst/>
-    <dgm:txLinClrLst/>
-    <dgm:txFillClrLst meth="repeat">
-      <a:schemeClr val="dk1"/>
-    </dgm:txFillClrLst>
-    <dgm:txEffectClrLst/>
-  </dgm:styleLbl>
-  <dgm:styleLbl name="alignAccFollowNode1">
-    <dgm:fillClrLst>
-      <a:schemeClr val="accent4">
-        <a:tint val="40000"/>
-        <a:alpha val="90000"/>
-      </a:schemeClr>
-      <a:schemeClr val="accent5">
-        <a:tint val="40000"/>
-        <a:alpha val="90000"/>
-      </a:schemeClr>
-    </dgm:fillClrLst>
-    <dgm:linClrLst>
-      <a:schemeClr val="accent4">
-        <a:tint val="40000"/>
-        <a:alpha val="90000"/>
-      </a:schemeClr>
-      <a:schemeClr val="accent5">
-        <a:tint val="40000"/>
-        <a:alpha val="90000"/>
-      </a:schemeClr>
-    </dgm:linClrLst>
-    <dgm:effectClrLst/>
-    <dgm:txLinClrLst/>
-    <dgm:txFillClrLst meth="repeat">
-      <a:schemeClr val="dk1"/>
-    </dgm:txFillClrLst>
-    <dgm:txEffectClrLst/>
-  </dgm:styleLbl>
-  <dgm:styleLbl name="bgAccFollowNode1">
-    <dgm:fillClrLst>
-      <a:schemeClr val="accent4">
-        <a:tint val="40000"/>
-        <a:alpha val="90000"/>
-      </a:schemeClr>
-      <a:schemeClr val="accent5">
-        <a:tint val="40000"/>
-        <a:alpha val="90000"/>
-      </a:schemeClr>
-    </dgm:fillClrLst>
-    <dgm:linClrLst>
-      <a:schemeClr val="accent4">
-        <a:tint val="40000"/>
-        <a:alpha val="90000"/>
-      </a:schemeClr>
-      <a:schemeClr val="accent5">
-        <a:tint val="40000"/>
-        <a:alpha val="90000"/>
-      </a:schemeClr>
-    </dgm:linClrLst>
-    <dgm:effectClrLst/>
-    <dgm:txLinClrLst/>
-    <dgm:txFillClrLst meth="repeat">
-      <a:schemeClr val="dk1"/>
-    </dgm:txFillClrLst>
-    <dgm:txEffectClrLst/>
-  </dgm:styleLbl>
-  <dgm:styleLbl name="fgAcc0">
-    <dgm:fillClrLst meth="repeat">
-      <a:schemeClr val="lt1">
-        <a:alpha val="90000"/>
-      </a:schemeClr>
-    </dgm:fillClrLst>
-    <dgm:linClrLst>
-      <a:schemeClr val="accent3"/>
-    </dgm:linClrLst>
-    <dgm:effectClrLst/>
-    <dgm:txLinClrLst/>
-    <dgm:txFillClrLst meth="repeat">
-      <a:schemeClr val="dk1"/>
-    </dgm:txFillClrLst>
-    <dgm:txEffectClrLst/>
-  </dgm:styleLbl>
-  <dgm:styleLbl name="fgAcc2">
-    <dgm:fillClrLst meth="repeat">
-      <a:schemeClr val="lt1">
-        <a:alpha val="90000"/>
-      </a:schemeClr>
-    </dgm:fillClrLst>
-    <dgm:linClrLst>
-      <a:schemeClr val="accent5"/>
-    </dgm:linClrLst>
-    <dgm:effectClrLst/>
-    <dgm:txLinClrLst/>
-    <dgm:txFillClrLst meth="repeat">
-      <a:schemeClr val="dk1"/>
-    </dgm:txFillClrLst>
-    <dgm:txEffectClrLst/>
-  </dgm:styleLbl>
-  <dgm:styleLbl name="fgAcc3">
-    <dgm:fillClrLst meth="repeat">
-      <a:schemeClr val="lt1">
-        <a:alpha val="90000"/>
-      </a:schemeClr>
-    </dgm:fillClrLst>
-    <dgm:linClrLst>
-      <a:schemeClr val="accent6"/>
-    </dgm:linClrLst>
-    <dgm:effectClrLst/>
-    <dgm:txLinClrLst/>
-    <dgm:txFillClrLst meth="repeat">
-      <a:schemeClr val="dk1"/>
-    </dgm:txFillClrLst>
-    <dgm:txEffectClrLst/>
-  </dgm:styleLbl>
-  <dgm:styleLbl name="fgAcc4">
-    <dgm:fillClrLst meth="repeat">
-      <a:schemeClr val="lt1">
-        <a:alpha val="90000"/>
-      </a:schemeClr>
-    </dgm:fillClrLst>
-    <dgm:linClrLst>
-      <a:schemeClr val="accent1"/>
-    </dgm:linClrLst>
-    <dgm:effectClrLst/>
-    <dgm:txLinClrLst/>
-    <dgm:txFillClrLst meth="repeat">
-      <a:schemeClr val="dk1"/>
-    </dgm:txFillClrLst>
-    <dgm:txEffectClrLst/>
-  </dgm:styleLbl>
-  <dgm:styleLbl name="bgShp">
-    <dgm:fillClrLst meth="repeat">
-      <a:schemeClr val="accent4">
-        <a:tint val="40000"/>
-      </a:schemeClr>
-    </dgm:fillClrLst>
-    <dgm:linClrLst meth="repeat">
-      <a:schemeClr val="dk1"/>
-    </dgm:linClrLst>
-    <dgm:effectClrLst/>
-    <dgm:txLinClrLst/>
-    <dgm:txFillClrLst meth="repeat">
-      <a:schemeClr val="dk1"/>
-    </dgm:txFillClrLst>
-    <dgm:txEffectClrLst/>
-  </dgm:styleLbl>
-  <dgm:styleLbl name="dkBgShp">
-    <dgm:fillClrLst meth="repeat">
-      <a:schemeClr val="accent4">
-        <a:shade val="90000"/>
-      </a:schemeClr>
-    </dgm:fillClrLst>
-    <dgm:linClrLst meth="repeat">
-      <a:schemeClr val="dk1"/>
-    </dgm:linClrLst>
-    <dgm:effectClrLst/>
-    <dgm:txLinClrLst/>
-    <dgm:txFillClrLst meth="repeat">
-      <a:schemeClr val="lt1"/>
-    </dgm:txFillClrLst>
-    <dgm:txEffectClrLst/>
-  </dgm:styleLbl>
-  <dgm:styleLbl name="trBgShp">
-    <dgm:fillClrLst meth="repeat">
-      <a:schemeClr val="accent4">
-        <a:tint val="50000"/>
-        <a:alpha val="40000"/>
-      </a:schemeClr>
-    </dgm:fillClrLst>
-    <dgm:linClrLst meth="repeat">
-      <a:schemeClr val="accent4"/>
-    </dgm:linClrLst>
-    <dgm:effectClrLst/>
-    <dgm:txLinClrLst/>
-    <dgm:txFillClrLst meth="repeat">
-      <a:schemeClr val="lt1"/>
-    </dgm:txFillClrLst>
-    <dgm:txEffectClrLst/>
-  </dgm:styleLbl>
-  <dgm:styleLbl name="fgShp">
-    <dgm:fillClrLst meth="repeat">
-      <a:schemeClr val="accent4">
-        <a:tint val="40000"/>
-      </a:schemeClr>
-    </dgm:fillClrLst>
-    <dgm:linClrLst meth="repeat">
-      <a:schemeClr val="lt1"/>
-    </dgm:linClrLst>
-    <dgm:effectClrLst/>
-    <dgm:txLinClrLst/>
-    <dgm:txFillClrLst meth="repeat">
-      <a:schemeClr val="dk1"/>
-    </dgm:txFillClrLst>
-    <dgm:txEffectClrLst/>
-  </dgm:styleLbl>
   <dgm:styleLbl name="revTx">
     <dgm:fillClrLst meth="repeat">
-      <a:schemeClr val="lt1">
+      <a:schemeClr val="lt2">
         <a:alpha val="0"/>
       </a:schemeClr>
     </dgm:fillClrLst>
@@ -9679,7 +9648,7 @@
   <dgm:whole/>
   <dgm:extLst>
     <a:ext uri="http://schemas.microsoft.com/office/drawing/2008/diagram">
-      <dsp:dataModelExt xmlns:dsp="http://schemas.microsoft.com/office/drawing/2008/diagram" relId="rId6" minVer="http://schemas.openxmlformats.org/drawingml/2006/diagram"/>
+      <dsp:dataModelExt xmlns:dsp="http://schemas.microsoft.com/office/drawing/2008/diagram" relId="rId7" minVer="http://schemas.openxmlformats.org/drawingml/2006/diagram"/>
     </a:ext>
   </dgm:extLst>
 </dgm:dataModel>
@@ -10486,7 +10455,7 @@
   <dgm:whole/>
   <dgm:extLst>
     <a:ext uri="http://schemas.microsoft.com/office/drawing/2008/diagram">
-      <dsp:dataModelExt xmlns:dsp="http://schemas.microsoft.com/office/drawing/2008/diagram" relId="rId6" minVer="http://schemas.openxmlformats.org/drawingml/2006/diagram"/>
+      <dsp:dataModelExt xmlns:dsp="http://schemas.microsoft.com/office/drawing/2008/diagram" relId="rId7" minVer="http://schemas.openxmlformats.org/drawingml/2006/diagram"/>
     </a:ext>
   </dgm:extLst>
 </dgm:dataModel>
@@ -11422,7 +11391,7 @@
 <dgm:dataModel xmlns:dgm="http://schemas.openxmlformats.org/drawingml/2006/diagram" xmlns:a="http://schemas.openxmlformats.org/drawingml/2006/main">
   <dgm:ptLst>
     <dgm:pt modelId="{5A610D87-4968-450F-A355-7B149D1DBBF7}" type="doc">
-      <dgm:prSet loTypeId="urn:microsoft.com/office/officeart/2005/8/layout/cycle1" loCatId="cycle" qsTypeId="urn:microsoft.com/office/officeart/2005/8/quickstyle/simple4" qsCatId="simple" csTypeId="urn:microsoft.com/office/officeart/2005/8/colors/colorful4" csCatId="colorful" phldr="1"/>
+      <dgm:prSet loTypeId="urn:microsoft.com/office/officeart/2005/8/layout/cycle1" loCatId="cycle" qsTypeId="urn:microsoft.com/office/officeart/2005/8/quickstyle/simple4" qsCatId="simple" csTypeId="urn:microsoft.com/office/officeart/2005/8/colors/accent0_3" csCatId="mainScheme" phldr="1"/>
       <dgm:spPr/>
       <dgm:t>
         <a:bodyPr/>
@@ -11616,7 +11585,7 @@
   <dgm:whole/>
   <dgm:extLst>
     <a:ext uri="http://schemas.microsoft.com/office/drawing/2008/diagram">
-      <dsp:dataModelExt xmlns:dsp="http://schemas.microsoft.com/office/drawing/2008/diagram" relId="rId13" minVer="http://schemas.openxmlformats.org/drawingml/2006/diagram"/>
+      <dsp:dataModelExt xmlns:dsp="http://schemas.microsoft.com/office/drawing/2008/diagram" relId="rId14" minVer="http://schemas.openxmlformats.org/drawingml/2006/diagram"/>
     </a:ext>
   </dgm:extLst>
 </dgm:dataModel>
@@ -12287,7 +12256,7 @@
   <dgm:whole/>
   <dgm:extLst>
     <a:ext uri="http://schemas.microsoft.com/office/drawing/2008/diagram">
-      <dsp:dataModelExt xmlns:dsp="http://schemas.microsoft.com/office/drawing/2008/diagram" relId="rId6" minVer="http://schemas.openxmlformats.org/drawingml/2006/diagram"/>
+      <dsp:dataModelExt xmlns:dsp="http://schemas.microsoft.com/office/drawing/2008/diagram" relId="rId7" minVer="http://schemas.openxmlformats.org/drawingml/2006/diagram"/>
     </a:ext>
   </dgm:extLst>
 </dgm:dataModel>
@@ -14921,7 +14890,7 @@
   <dgm:whole/>
   <dgm:extLst>
     <a:ext uri="http://schemas.microsoft.com/office/drawing/2008/diagram">
-      <dsp:dataModelExt xmlns:dsp="http://schemas.microsoft.com/office/drawing/2008/diagram" relId="rId6" minVer="http://schemas.openxmlformats.org/drawingml/2006/diagram"/>
+      <dsp:dataModelExt xmlns:dsp="http://schemas.microsoft.com/office/drawing/2008/diagram" relId="rId7" minVer="http://schemas.openxmlformats.org/drawingml/2006/diagram"/>
     </a:ext>
   </dgm:extLst>
 </dgm:dataModel>
@@ -15697,7 +15666,7 @@
   <dgm:whole/>
   <dgm:extLst>
     <a:ext uri="http://schemas.microsoft.com/office/drawing/2008/diagram">
-      <dsp:dataModelExt xmlns:dsp="http://schemas.microsoft.com/office/drawing/2008/diagram" relId="rId6" minVer="http://schemas.openxmlformats.org/drawingml/2006/diagram"/>
+      <dsp:dataModelExt xmlns:dsp="http://schemas.microsoft.com/office/drawing/2008/diagram" relId="rId7" minVer="http://schemas.openxmlformats.org/drawingml/2006/diagram"/>
     </a:ext>
   </dgm:extLst>
 </dgm:dataModel>
@@ -18059,7 +18028,7 @@
         <a:gradFill rotWithShape="0">
           <a:gsLst>
             <a:gs pos="0">
-              <a:schemeClr val="accent4">
+              <a:schemeClr val="dk2">
                 <a:hueOff val="0"/>
                 <a:satOff val="0"/>
                 <a:lumOff val="0"/>
@@ -18070,7 +18039,7 @@
               </a:schemeClr>
             </a:gs>
             <a:gs pos="50000">
-              <a:schemeClr val="accent4">
+              <a:schemeClr val="dk2">
                 <a:hueOff val="0"/>
                 <a:satOff val="0"/>
                 <a:lumOff val="0"/>
@@ -18081,7 +18050,7 @@
               </a:schemeClr>
             </a:gs>
             <a:gs pos="100000">
-              <a:schemeClr val="accent4">
+              <a:schemeClr val="dk2">
                 <a:hueOff val="0"/>
                 <a:satOff val="0"/>
                 <a:lumOff val="0"/>
@@ -18196,10 +18165,10 @@
         <a:gradFill rotWithShape="0">
           <a:gsLst>
             <a:gs pos="0">
-              <a:schemeClr val="accent4">
-                <a:hueOff val="10395692"/>
-                <a:satOff val="-47968"/>
-                <a:lumOff val="1765"/>
+              <a:schemeClr val="dk2">
+                <a:hueOff val="0"/>
+                <a:satOff val="0"/>
+                <a:lumOff val="0"/>
                 <a:alphaOff val="0"/>
                 <a:satMod val="103000"/>
                 <a:lumMod val="102000"/>
@@ -18207,10 +18176,10 @@
               </a:schemeClr>
             </a:gs>
             <a:gs pos="50000">
-              <a:schemeClr val="accent4">
-                <a:hueOff val="10395692"/>
-                <a:satOff val="-47968"/>
-                <a:lumOff val="1765"/>
+              <a:schemeClr val="dk2">
+                <a:hueOff val="0"/>
+                <a:satOff val="0"/>
+                <a:lumOff val="0"/>
                 <a:alphaOff val="0"/>
                 <a:satMod val="110000"/>
                 <a:lumMod val="100000"/>
@@ -18218,10 +18187,10 @@
               </a:schemeClr>
             </a:gs>
             <a:gs pos="100000">
-              <a:schemeClr val="accent4">
-                <a:hueOff val="10395692"/>
-                <a:satOff val="-47968"/>
-                <a:lumOff val="1765"/>
+              <a:schemeClr val="dk2">
+                <a:hueOff val="0"/>
+                <a:satOff val="0"/>
+                <a:lumOff val="0"/>
                 <a:alphaOff val="0"/>
                 <a:lumMod val="99000"/>
                 <a:satMod val="120000"/>
@@ -36380,9 +36349,793 @@
           <a:bodyPr/>
           <a:lstStyle/>
           <a:p>
+            <a:pPr marL="171450" indent="-171450">
+              <a:buFont typeface="Arial" panose="020B0604020202020204" pitchFamily="34" charset="0"/>
+              <a:buChar char="•"/>
+            </a:pPr>
             <a:r>
+              <a:rPr lang="it-IT" dirty="0" smtClean="0"/>
+              <a:t>Introduzione</a:t>
+            </a:r>
+            <a:r>
+              <a:rPr lang="it-IT" baseline="0" dirty="0" smtClean="0"/>
+              <a:t> obbiettivi</a:t>
+            </a:r>
+            <a:endParaRPr lang="it-IT" dirty="0"/>
+          </a:p>
+        </p:txBody>
+      </p:sp>
+      <p:sp>
+        <p:nvSpPr>
+          <p:cNvPr id="4" name="Slide Number Placeholder 3"/>
+          <p:cNvSpPr>
+            <a:spLocks noGrp="1"/>
+          </p:cNvSpPr>
+          <p:nvPr>
+            <p:ph type="sldNum" sz="quarter" idx="10"/>
+          </p:nvPr>
+        </p:nvSpPr>
+        <p:spPr/>
+        <p:txBody>
+          <a:bodyPr/>
+          <a:lstStyle/>
+          <a:p>
+            <a:fld id="{48745AE6-6105-481F-A1F5-4607159C3FB7}" type="slidenum">
               <a:rPr lang="it-IT" smtClean="0"/>
-              <a:t>Prova</a:t>
+              <a:t>1</a:t>
+            </a:fld>
+            <a:endParaRPr lang="it-IT"/>
+          </a:p>
+        </p:txBody>
+      </p:sp>
+    </p:spTree>
+    <p:extLst>
+      <p:ext uri="{BB962C8B-B14F-4D97-AF65-F5344CB8AC3E}">
+        <p14:creationId xmlns:p14="http://schemas.microsoft.com/office/powerpoint/2010/main" val="4163277451"/>
+      </p:ext>
+    </p:extLst>
+  </p:cSld>
+  <p:clrMapOvr>
+    <a:masterClrMapping/>
+  </p:clrMapOvr>
+</p:notes>
+</file>
+
+<file path=ppt/notesSlides/notesSlide10.xml><?xml version="1.0" encoding="utf-8"?>
+<p:notes xmlns:a="http://schemas.openxmlformats.org/drawingml/2006/main" xmlns:r="http://schemas.openxmlformats.org/officeDocument/2006/relationships" xmlns:p="http://schemas.openxmlformats.org/presentationml/2006/main">
+  <p:cSld>
+    <p:spTree>
+      <p:nvGrpSpPr>
+        <p:cNvPr id="1" name=""/>
+        <p:cNvGrpSpPr/>
+        <p:nvPr/>
+      </p:nvGrpSpPr>
+      <p:grpSpPr>
+        <a:xfrm>
+          <a:off x="0" y="0"/>
+          <a:ext cx="0" cy="0"/>
+          <a:chOff x="0" y="0"/>
+          <a:chExt cx="0" cy="0"/>
+        </a:xfrm>
+      </p:grpSpPr>
+      <p:sp>
+        <p:nvSpPr>
+          <p:cNvPr id="2" name="Slide Image Placeholder 1"/>
+          <p:cNvSpPr>
+            <a:spLocks noGrp="1" noRot="1" noChangeAspect="1"/>
+          </p:cNvSpPr>
+          <p:nvPr>
+            <p:ph type="sldImg"/>
+          </p:nvPr>
+        </p:nvSpPr>
+        <p:spPr/>
+      </p:sp>
+      <p:sp>
+        <p:nvSpPr>
+          <p:cNvPr id="3" name="Notes Placeholder 2"/>
+          <p:cNvSpPr>
+            <a:spLocks noGrp="1"/>
+          </p:cNvSpPr>
+          <p:nvPr>
+            <p:ph type="body" idx="1"/>
+          </p:nvPr>
+        </p:nvSpPr>
+        <p:spPr/>
+        <p:txBody>
+          <a:bodyPr/>
+          <a:lstStyle/>
+          <a:p>
+            <a:pPr marL="171450" indent="-171450">
+              <a:buFont typeface="Arial" panose="020B0604020202020204" pitchFamily="34" charset="0"/>
+              <a:buChar char="•"/>
+            </a:pPr>
+            <a:r>
+              <a:rPr lang="it-IT" dirty="0" smtClean="0"/>
+              <a:t>Definizione di un</a:t>
+            </a:r>
+            <a:r>
+              <a:rPr lang="it-IT" baseline="0" dirty="0" smtClean="0"/>
+              <a:t> canale di comunicazione</a:t>
+            </a:r>
+          </a:p>
+          <a:p>
+            <a:pPr marL="171450" indent="-171450">
+              <a:buFont typeface="Arial" panose="020B0604020202020204" pitchFamily="34" charset="0"/>
+              <a:buChar char="•"/>
+            </a:pPr>
+            <a:r>
+              <a:rPr lang="it-IT" baseline="0" dirty="0" smtClean="0"/>
+              <a:t>Similitudine con {test, invocazione dei metodi, asserzione}</a:t>
+            </a:r>
+          </a:p>
+        </p:txBody>
+      </p:sp>
+      <p:sp>
+        <p:nvSpPr>
+          <p:cNvPr id="4" name="Slide Number Placeholder 3"/>
+          <p:cNvSpPr>
+            <a:spLocks noGrp="1"/>
+          </p:cNvSpPr>
+          <p:nvPr>
+            <p:ph type="sldNum" sz="quarter" idx="10"/>
+          </p:nvPr>
+        </p:nvSpPr>
+        <p:spPr/>
+        <p:txBody>
+          <a:bodyPr/>
+          <a:lstStyle/>
+          <a:p>
+            <a:fld id="{48745AE6-6105-481F-A1F5-4607159C3FB7}" type="slidenum">
+              <a:rPr lang="it-IT" smtClean="0"/>
+              <a:t>14</a:t>
+            </a:fld>
+            <a:endParaRPr lang="it-IT"/>
+          </a:p>
+        </p:txBody>
+      </p:sp>
+    </p:spTree>
+    <p:extLst>
+      <p:ext uri="{BB962C8B-B14F-4D97-AF65-F5344CB8AC3E}">
+        <p14:creationId xmlns:p14="http://schemas.microsoft.com/office/powerpoint/2010/main" val="2380265579"/>
+      </p:ext>
+    </p:extLst>
+  </p:cSld>
+  <p:clrMapOvr>
+    <a:masterClrMapping/>
+  </p:clrMapOvr>
+</p:notes>
+</file>
+
+<file path=ppt/notesSlides/notesSlide11.xml><?xml version="1.0" encoding="utf-8"?>
+<p:notes xmlns:a="http://schemas.openxmlformats.org/drawingml/2006/main" xmlns:r="http://schemas.openxmlformats.org/officeDocument/2006/relationships" xmlns:p="http://schemas.openxmlformats.org/presentationml/2006/main">
+  <p:cSld>
+    <p:spTree>
+      <p:nvGrpSpPr>
+        <p:cNvPr id="1" name=""/>
+        <p:cNvGrpSpPr/>
+        <p:nvPr/>
+      </p:nvGrpSpPr>
+      <p:grpSpPr>
+        <a:xfrm>
+          <a:off x="0" y="0"/>
+          <a:ext cx="0" cy="0"/>
+          <a:chOff x="0" y="0"/>
+          <a:chExt cx="0" cy="0"/>
+        </a:xfrm>
+      </p:grpSpPr>
+      <p:sp>
+        <p:nvSpPr>
+          <p:cNvPr id="2" name="Slide Image Placeholder 1"/>
+          <p:cNvSpPr>
+            <a:spLocks noGrp="1" noRot="1" noChangeAspect="1"/>
+          </p:cNvSpPr>
+          <p:nvPr>
+            <p:ph type="sldImg"/>
+          </p:nvPr>
+        </p:nvSpPr>
+        <p:spPr/>
+      </p:sp>
+      <p:sp>
+        <p:nvSpPr>
+          <p:cNvPr id="3" name="Notes Placeholder 2"/>
+          <p:cNvSpPr>
+            <a:spLocks noGrp="1"/>
+          </p:cNvSpPr>
+          <p:nvPr>
+            <p:ph type="body" idx="1"/>
+          </p:nvPr>
+        </p:nvSpPr>
+        <p:spPr/>
+        <p:txBody>
+          <a:bodyPr/>
+          <a:lstStyle/>
+          <a:p>
+            <a:pPr marL="171450" indent="-171450">
+              <a:buFont typeface="Arial" panose="020B0604020202020204" pitchFamily="34" charset="0"/>
+              <a:buChar char="•"/>
+            </a:pPr>
+            <a:r>
+              <a:rPr lang="it-IT" dirty="0" smtClean="0"/>
+              <a:t>Compito principale, esecuzione dei passi</a:t>
+            </a:r>
+          </a:p>
+          <a:p>
+            <a:pPr marL="171450" indent="-171450">
+              <a:buFont typeface="Arial" panose="020B0604020202020204" pitchFamily="34" charset="0"/>
+              <a:buChar char="•"/>
+            </a:pPr>
+            <a:r>
+              <a:rPr lang="it-IT" dirty="0" smtClean="0"/>
+              <a:t>Compiti secondari, funzionalità </a:t>
+            </a:r>
+            <a:r>
+              <a:rPr lang="it-IT" dirty="0" err="1" smtClean="0"/>
+              <a:t>Gherkin</a:t>
+            </a:r>
+            <a:endParaRPr lang="it-IT" dirty="0" smtClean="0"/>
+          </a:p>
+          <a:p>
+            <a:pPr marL="171450" indent="-171450">
+              <a:buFont typeface="Arial" panose="020B0604020202020204" pitchFamily="34" charset="0"/>
+              <a:buChar char="•"/>
+            </a:pPr>
+            <a:r>
+              <a:rPr lang="it-IT" dirty="0" smtClean="0"/>
+              <a:t>Differenze </a:t>
+            </a:r>
+            <a:r>
+              <a:rPr lang="it-IT" dirty="0" err="1" smtClean="0"/>
+              <a:t>Cuc</a:t>
+            </a:r>
+            <a:r>
+              <a:rPr lang="it-IT" dirty="0" smtClean="0"/>
+              <a:t>,</a:t>
+            </a:r>
+            <a:r>
+              <a:rPr lang="it-IT" baseline="0" dirty="0" smtClean="0"/>
+              <a:t> </a:t>
+            </a:r>
+            <a:r>
+              <a:rPr lang="it-IT" baseline="0" dirty="0" err="1" smtClean="0"/>
+              <a:t>Cuc</a:t>
+            </a:r>
+            <a:r>
+              <a:rPr lang="it-IT" baseline="0" dirty="0" smtClean="0"/>
+              <a:t> JVM e </a:t>
+            </a:r>
+            <a:r>
+              <a:rPr lang="it-IT" baseline="0" dirty="0" err="1" smtClean="0"/>
+              <a:t>SpecFlow</a:t>
+            </a:r>
+            <a:endParaRPr lang="it-IT" dirty="0"/>
+          </a:p>
+        </p:txBody>
+      </p:sp>
+      <p:sp>
+        <p:nvSpPr>
+          <p:cNvPr id="4" name="Slide Number Placeholder 3"/>
+          <p:cNvSpPr>
+            <a:spLocks noGrp="1"/>
+          </p:cNvSpPr>
+          <p:nvPr>
+            <p:ph type="sldNum" sz="quarter" idx="10"/>
+          </p:nvPr>
+        </p:nvSpPr>
+        <p:spPr/>
+        <p:txBody>
+          <a:bodyPr/>
+          <a:lstStyle/>
+          <a:p>
+            <a:fld id="{48745AE6-6105-481F-A1F5-4607159C3FB7}" type="slidenum">
+              <a:rPr lang="it-IT" smtClean="0"/>
+              <a:t>15</a:t>
+            </a:fld>
+            <a:endParaRPr lang="it-IT"/>
+          </a:p>
+        </p:txBody>
+      </p:sp>
+    </p:spTree>
+    <p:extLst>
+      <p:ext uri="{BB962C8B-B14F-4D97-AF65-F5344CB8AC3E}">
+        <p14:creationId xmlns:p14="http://schemas.microsoft.com/office/powerpoint/2010/main" val="86384827"/>
+      </p:ext>
+    </p:extLst>
+  </p:cSld>
+  <p:clrMapOvr>
+    <a:masterClrMapping/>
+  </p:clrMapOvr>
+</p:notes>
+</file>
+
+<file path=ppt/notesSlides/notesSlide12.xml><?xml version="1.0" encoding="utf-8"?>
+<p:notes xmlns:a="http://schemas.openxmlformats.org/drawingml/2006/main" xmlns:r="http://schemas.openxmlformats.org/officeDocument/2006/relationships" xmlns:p="http://schemas.openxmlformats.org/presentationml/2006/main">
+  <p:cSld>
+    <p:spTree>
+      <p:nvGrpSpPr>
+        <p:cNvPr id="1" name=""/>
+        <p:cNvGrpSpPr/>
+        <p:nvPr/>
+      </p:nvGrpSpPr>
+      <p:grpSpPr>
+        <a:xfrm>
+          <a:off x="0" y="0"/>
+          <a:ext cx="0" cy="0"/>
+          <a:chOff x="0" y="0"/>
+          <a:chExt cx="0" cy="0"/>
+        </a:xfrm>
+      </p:grpSpPr>
+      <p:sp>
+        <p:nvSpPr>
+          <p:cNvPr id="2" name="Slide Image Placeholder 1"/>
+          <p:cNvSpPr>
+            <a:spLocks noGrp="1" noRot="1" noChangeAspect="1"/>
+          </p:cNvSpPr>
+          <p:nvPr>
+            <p:ph type="sldImg"/>
+          </p:nvPr>
+        </p:nvSpPr>
+        <p:spPr/>
+      </p:sp>
+      <p:sp>
+        <p:nvSpPr>
+          <p:cNvPr id="3" name="Notes Placeholder 2"/>
+          <p:cNvSpPr>
+            <a:spLocks noGrp="1"/>
+          </p:cNvSpPr>
+          <p:nvPr>
+            <p:ph type="body" idx="1"/>
+          </p:nvPr>
+        </p:nvSpPr>
+        <p:spPr/>
+        <p:txBody>
+          <a:bodyPr/>
+          <a:lstStyle/>
+          <a:p>
+            <a:r>
+              <a:rPr lang="it-IT" dirty="0" smtClean="0"/>
+              <a:t>Configurazione applicazioni</a:t>
+            </a:r>
+          </a:p>
+          <a:p>
+            <a:r>
+              <a:rPr lang="it-IT" dirty="0" smtClean="0"/>
+              <a:t>Lettura tabella</a:t>
+            </a:r>
+            <a:endParaRPr lang="it-IT" dirty="0"/>
+          </a:p>
+        </p:txBody>
+      </p:sp>
+      <p:sp>
+        <p:nvSpPr>
+          <p:cNvPr id="4" name="Slide Number Placeholder 3"/>
+          <p:cNvSpPr>
+            <a:spLocks noGrp="1"/>
+          </p:cNvSpPr>
+          <p:nvPr>
+            <p:ph type="sldNum" sz="quarter" idx="10"/>
+          </p:nvPr>
+        </p:nvSpPr>
+        <p:spPr/>
+        <p:txBody>
+          <a:bodyPr/>
+          <a:lstStyle/>
+          <a:p>
+            <a:fld id="{48745AE6-6105-481F-A1F5-4607159C3FB7}" type="slidenum">
+              <a:rPr lang="it-IT" smtClean="0"/>
+              <a:t>16</a:t>
+            </a:fld>
+            <a:endParaRPr lang="it-IT"/>
+          </a:p>
+        </p:txBody>
+      </p:sp>
+    </p:spTree>
+    <p:extLst>
+      <p:ext uri="{BB962C8B-B14F-4D97-AF65-F5344CB8AC3E}">
+        <p14:creationId xmlns:p14="http://schemas.microsoft.com/office/powerpoint/2010/main" val="3157219141"/>
+      </p:ext>
+    </p:extLst>
+  </p:cSld>
+  <p:clrMapOvr>
+    <a:masterClrMapping/>
+  </p:clrMapOvr>
+</p:notes>
+</file>
+
+<file path=ppt/notesSlides/notesSlide13.xml><?xml version="1.0" encoding="utf-8"?>
+<p:notes xmlns:a="http://schemas.openxmlformats.org/drawingml/2006/main" xmlns:r="http://schemas.openxmlformats.org/officeDocument/2006/relationships" xmlns:p="http://schemas.openxmlformats.org/presentationml/2006/main">
+  <p:cSld>
+    <p:spTree>
+      <p:nvGrpSpPr>
+        <p:cNvPr id="1" name=""/>
+        <p:cNvGrpSpPr/>
+        <p:nvPr/>
+      </p:nvGrpSpPr>
+      <p:grpSpPr>
+        <a:xfrm>
+          <a:off x="0" y="0"/>
+          <a:ext cx="0" cy="0"/>
+          <a:chOff x="0" y="0"/>
+          <a:chExt cx="0" cy="0"/>
+        </a:xfrm>
+      </p:grpSpPr>
+      <p:sp>
+        <p:nvSpPr>
+          <p:cNvPr id="2" name="Slide Image Placeholder 1"/>
+          <p:cNvSpPr>
+            <a:spLocks noGrp="1" noRot="1" noChangeAspect="1"/>
+          </p:cNvSpPr>
+          <p:nvPr>
+            <p:ph type="sldImg"/>
+          </p:nvPr>
+        </p:nvSpPr>
+        <p:spPr/>
+      </p:sp>
+      <p:sp>
+        <p:nvSpPr>
+          <p:cNvPr id="3" name="Notes Placeholder 2"/>
+          <p:cNvSpPr>
+            <a:spLocks noGrp="1"/>
+          </p:cNvSpPr>
+          <p:nvPr>
+            <p:ph type="body" idx="1"/>
+          </p:nvPr>
+        </p:nvSpPr>
+        <p:spPr/>
+        <p:txBody>
+          <a:bodyPr/>
+          <a:lstStyle/>
+          <a:p>
+            <a:r>
+              <a:rPr lang="it-IT" dirty="0" smtClean="0"/>
+              <a:t>Lettura Funzionalità</a:t>
+            </a:r>
+          </a:p>
+          <a:p>
+            <a:r>
+              <a:rPr lang="it-IT" dirty="0" smtClean="0"/>
+              <a:t>Lettura</a:t>
+            </a:r>
+            <a:r>
+              <a:rPr lang="it-IT" baseline="0" dirty="0" smtClean="0"/>
+              <a:t> tabella – no </a:t>
+            </a:r>
+            <a:r>
+              <a:rPr lang="it-IT" baseline="0" dirty="0" err="1" smtClean="0"/>
+              <a:t>PageObject</a:t>
+            </a:r>
+            <a:endParaRPr lang="it-IT" dirty="0"/>
+          </a:p>
+        </p:txBody>
+      </p:sp>
+      <p:sp>
+        <p:nvSpPr>
+          <p:cNvPr id="4" name="Slide Number Placeholder 3"/>
+          <p:cNvSpPr>
+            <a:spLocks noGrp="1"/>
+          </p:cNvSpPr>
+          <p:nvPr>
+            <p:ph type="sldNum" sz="quarter" idx="10"/>
+          </p:nvPr>
+        </p:nvSpPr>
+        <p:spPr/>
+        <p:txBody>
+          <a:bodyPr/>
+          <a:lstStyle/>
+          <a:p>
+            <a:fld id="{48745AE6-6105-481F-A1F5-4607159C3FB7}" type="slidenum">
+              <a:rPr lang="it-IT" smtClean="0"/>
+              <a:t>17</a:t>
+            </a:fld>
+            <a:endParaRPr lang="it-IT"/>
+          </a:p>
+        </p:txBody>
+      </p:sp>
+    </p:spTree>
+    <p:extLst>
+      <p:ext uri="{BB962C8B-B14F-4D97-AF65-F5344CB8AC3E}">
+        <p14:creationId xmlns:p14="http://schemas.microsoft.com/office/powerpoint/2010/main" val="89659221"/>
+      </p:ext>
+    </p:extLst>
+  </p:cSld>
+  <p:clrMapOvr>
+    <a:masterClrMapping/>
+  </p:clrMapOvr>
+</p:notes>
+</file>
+
+<file path=ppt/notesSlides/notesSlide14.xml><?xml version="1.0" encoding="utf-8"?>
+<p:notes xmlns:a="http://schemas.openxmlformats.org/drawingml/2006/main" xmlns:r="http://schemas.openxmlformats.org/officeDocument/2006/relationships" xmlns:p="http://schemas.openxmlformats.org/presentationml/2006/main">
+  <p:cSld>
+    <p:spTree>
+      <p:nvGrpSpPr>
+        <p:cNvPr id="1" name=""/>
+        <p:cNvGrpSpPr/>
+        <p:nvPr/>
+      </p:nvGrpSpPr>
+      <p:grpSpPr>
+        <a:xfrm>
+          <a:off x="0" y="0"/>
+          <a:ext cx="0" cy="0"/>
+          <a:chOff x="0" y="0"/>
+          <a:chExt cx="0" cy="0"/>
+        </a:xfrm>
+      </p:grpSpPr>
+      <p:sp>
+        <p:nvSpPr>
+          <p:cNvPr id="2" name="Slide Image Placeholder 1"/>
+          <p:cNvSpPr>
+            <a:spLocks noGrp="1" noRot="1" noChangeAspect="1"/>
+          </p:cNvSpPr>
+          <p:nvPr>
+            <p:ph type="sldImg"/>
+          </p:nvPr>
+        </p:nvSpPr>
+        <p:spPr/>
+      </p:sp>
+      <p:sp>
+        <p:nvSpPr>
+          <p:cNvPr id="3" name="Notes Placeholder 2"/>
+          <p:cNvSpPr>
+            <a:spLocks noGrp="1"/>
+          </p:cNvSpPr>
+          <p:nvPr>
+            <p:ph type="body" idx="1"/>
+          </p:nvPr>
+        </p:nvSpPr>
+        <p:spPr/>
+        <p:txBody>
+          <a:bodyPr/>
+          <a:lstStyle/>
+          <a:p>
+            <a:r>
+              <a:rPr lang="it-IT" dirty="0" smtClean="0"/>
+              <a:t>W3C</a:t>
+            </a:r>
+            <a:r>
+              <a:rPr lang="it-IT" baseline="0" dirty="0" smtClean="0"/>
+              <a:t> accessibilità</a:t>
+            </a:r>
+          </a:p>
+          <a:p>
+            <a:r>
+              <a:rPr lang="it-IT" dirty="0" smtClean="0"/>
+              <a:t>Funzionalità</a:t>
+            </a:r>
+          </a:p>
+          <a:p>
+            <a:r>
+              <a:rPr lang="it-IT" dirty="0" err="1" smtClean="0"/>
+              <a:t>Inline</a:t>
+            </a:r>
+            <a:r>
+              <a:rPr lang="it-IT" dirty="0" smtClean="0"/>
+              <a:t> vs Fogli di stile</a:t>
+            </a:r>
+            <a:endParaRPr lang="it-IT" dirty="0"/>
+          </a:p>
+        </p:txBody>
+      </p:sp>
+      <p:sp>
+        <p:nvSpPr>
+          <p:cNvPr id="4" name="Slide Number Placeholder 3"/>
+          <p:cNvSpPr>
+            <a:spLocks noGrp="1"/>
+          </p:cNvSpPr>
+          <p:nvPr>
+            <p:ph type="sldNum" sz="quarter" idx="10"/>
+          </p:nvPr>
+        </p:nvSpPr>
+        <p:spPr/>
+        <p:txBody>
+          <a:bodyPr/>
+          <a:lstStyle/>
+          <a:p>
+            <a:fld id="{48745AE6-6105-481F-A1F5-4607159C3FB7}" type="slidenum">
+              <a:rPr lang="it-IT" smtClean="0"/>
+              <a:t>18</a:t>
+            </a:fld>
+            <a:endParaRPr lang="it-IT"/>
+          </a:p>
+        </p:txBody>
+      </p:sp>
+    </p:spTree>
+    <p:extLst>
+      <p:ext uri="{BB962C8B-B14F-4D97-AF65-F5344CB8AC3E}">
+        <p14:creationId xmlns:p14="http://schemas.microsoft.com/office/powerpoint/2010/main" val="2061985168"/>
+      </p:ext>
+    </p:extLst>
+  </p:cSld>
+  <p:clrMapOvr>
+    <a:masterClrMapping/>
+  </p:clrMapOvr>
+</p:notes>
+</file>
+
+<file path=ppt/notesSlides/notesSlide15.xml><?xml version="1.0" encoding="utf-8"?>
+<p:notes xmlns:a="http://schemas.openxmlformats.org/drawingml/2006/main" xmlns:r="http://schemas.openxmlformats.org/officeDocument/2006/relationships" xmlns:p="http://schemas.openxmlformats.org/presentationml/2006/main">
+  <p:cSld>
+    <p:spTree>
+      <p:nvGrpSpPr>
+        <p:cNvPr id="1" name=""/>
+        <p:cNvGrpSpPr/>
+        <p:nvPr/>
+      </p:nvGrpSpPr>
+      <p:grpSpPr>
+        <a:xfrm>
+          <a:off x="0" y="0"/>
+          <a:ext cx="0" cy="0"/>
+          <a:chOff x="0" y="0"/>
+          <a:chExt cx="0" cy="0"/>
+        </a:xfrm>
+      </p:grpSpPr>
+      <p:sp>
+        <p:nvSpPr>
+          <p:cNvPr id="2" name="Slide Image Placeholder 1"/>
+          <p:cNvSpPr>
+            <a:spLocks noGrp="1" noRot="1" noChangeAspect="1"/>
+          </p:cNvSpPr>
+          <p:nvPr>
+            <p:ph type="sldImg"/>
+          </p:nvPr>
+        </p:nvSpPr>
+        <p:spPr/>
+      </p:sp>
+      <p:sp>
+        <p:nvSpPr>
+          <p:cNvPr id="3" name="Notes Placeholder 2"/>
+          <p:cNvSpPr>
+            <a:spLocks noGrp="1"/>
+          </p:cNvSpPr>
+          <p:nvPr>
+            <p:ph type="body" idx="1"/>
+          </p:nvPr>
+        </p:nvSpPr>
+        <p:spPr/>
+        <p:txBody>
+          <a:bodyPr/>
+          <a:lstStyle/>
+          <a:p>
+            <a:r>
+              <a:rPr lang="it-IT" dirty="0" smtClean="0"/>
+              <a:t>Lettura funzionalità,</a:t>
+            </a:r>
+            <a:r>
+              <a:rPr lang="it-IT" baseline="0" dirty="0" smtClean="0"/>
+              <a:t> differenze latenza</a:t>
+            </a:r>
+            <a:endParaRPr lang="it-IT" dirty="0"/>
+          </a:p>
+        </p:txBody>
+      </p:sp>
+      <p:sp>
+        <p:nvSpPr>
+          <p:cNvPr id="4" name="Slide Number Placeholder 3"/>
+          <p:cNvSpPr>
+            <a:spLocks noGrp="1"/>
+          </p:cNvSpPr>
+          <p:nvPr>
+            <p:ph type="sldNum" sz="quarter" idx="10"/>
+          </p:nvPr>
+        </p:nvSpPr>
+        <p:spPr/>
+        <p:txBody>
+          <a:bodyPr/>
+          <a:lstStyle/>
+          <a:p>
+            <a:fld id="{48745AE6-6105-481F-A1F5-4607159C3FB7}" type="slidenum">
+              <a:rPr lang="it-IT" smtClean="0"/>
+              <a:t>19</a:t>
+            </a:fld>
+            <a:endParaRPr lang="it-IT"/>
+          </a:p>
+        </p:txBody>
+      </p:sp>
+    </p:spTree>
+    <p:extLst>
+      <p:ext uri="{BB962C8B-B14F-4D97-AF65-F5344CB8AC3E}">
+        <p14:creationId xmlns:p14="http://schemas.microsoft.com/office/powerpoint/2010/main" val="1254704087"/>
+      </p:ext>
+    </p:extLst>
+  </p:cSld>
+  <p:clrMapOvr>
+    <a:masterClrMapping/>
+  </p:clrMapOvr>
+</p:notes>
+</file>
+
+<file path=ppt/notesSlides/notesSlide16.xml><?xml version="1.0" encoding="utf-8"?>
+<p:notes xmlns:a="http://schemas.openxmlformats.org/drawingml/2006/main" xmlns:r="http://schemas.openxmlformats.org/officeDocument/2006/relationships" xmlns:p="http://schemas.openxmlformats.org/presentationml/2006/main">
+  <p:cSld>
+    <p:spTree>
+      <p:nvGrpSpPr>
+        <p:cNvPr id="1" name=""/>
+        <p:cNvGrpSpPr/>
+        <p:nvPr/>
+      </p:nvGrpSpPr>
+      <p:grpSpPr>
+        <a:xfrm>
+          <a:off x="0" y="0"/>
+          <a:ext cx="0" cy="0"/>
+          <a:chOff x="0" y="0"/>
+          <a:chExt cx="0" cy="0"/>
+        </a:xfrm>
+      </p:grpSpPr>
+      <p:sp>
+        <p:nvSpPr>
+          <p:cNvPr id="2" name="Slide Image Placeholder 1"/>
+          <p:cNvSpPr>
+            <a:spLocks noGrp="1" noRot="1" noChangeAspect="1"/>
+          </p:cNvSpPr>
+          <p:nvPr>
+            <p:ph type="sldImg"/>
+          </p:nvPr>
+        </p:nvSpPr>
+        <p:spPr/>
+      </p:sp>
+      <p:sp>
+        <p:nvSpPr>
+          <p:cNvPr id="3" name="Notes Placeholder 2"/>
+          <p:cNvSpPr>
+            <a:spLocks noGrp="1"/>
+          </p:cNvSpPr>
+          <p:nvPr>
+            <p:ph type="body" idx="1"/>
+          </p:nvPr>
+        </p:nvSpPr>
+        <p:spPr/>
+        <p:txBody>
+          <a:bodyPr/>
+          <a:lstStyle/>
+          <a:p>
+            <a:pPr marL="171450" indent="-171450">
+              <a:buFont typeface="Arial" panose="020B0604020202020204" pitchFamily="34" charset="0"/>
+              <a:buChar char="•"/>
+            </a:pPr>
+            <a:r>
+              <a:rPr lang="it-IT" dirty="0" err="1" smtClean="0"/>
+              <a:t>Stack</a:t>
+            </a:r>
+            <a:r>
+              <a:rPr lang="it-IT" dirty="0" smtClean="0"/>
+              <a:t> ideale</a:t>
+            </a:r>
+          </a:p>
+          <a:p>
+            <a:pPr marL="171450" indent="-171450">
+              <a:buFont typeface="Arial" panose="020B0604020202020204" pitchFamily="34" charset="0"/>
+              <a:buChar char="•"/>
+            </a:pPr>
+            <a:r>
+              <a:rPr lang="it-IT" dirty="0" smtClean="0"/>
+              <a:t>Semplicità</a:t>
+            </a:r>
+            <a:r>
+              <a:rPr lang="it-IT" baseline="0" dirty="0" smtClean="0"/>
+              <a:t> dell’applicazione</a:t>
+            </a:r>
+          </a:p>
+          <a:p>
+            <a:pPr marL="171450" indent="-171450">
+              <a:buFont typeface="Arial" panose="020B0604020202020204" pitchFamily="34" charset="0"/>
+              <a:buChar char="•"/>
+            </a:pPr>
+            <a:r>
+              <a:rPr lang="it-IT" baseline="0" dirty="0" smtClean="0"/>
+              <a:t>Semplicità e leggibilità dei test</a:t>
+            </a:r>
+          </a:p>
+          <a:p>
+            <a:pPr marL="171450" indent="-171450">
+              <a:buFont typeface="Arial" panose="020B0604020202020204" pitchFamily="34" charset="0"/>
+              <a:buChar char="•"/>
+            </a:pPr>
+            <a:r>
+              <a:rPr lang="it-IT" baseline="0" dirty="0" err="1" smtClean="0"/>
+              <a:t>Stack</a:t>
+            </a:r>
+            <a:r>
+              <a:rPr lang="it-IT" baseline="0" dirty="0" smtClean="0"/>
+              <a:t> subottimale</a:t>
             </a:r>
             <a:endParaRPr lang="it-IT" dirty="0"/>
           </a:p>
@@ -36415,6 +37168,1018 @@
     <p:extLst>
       <p:ext uri="{BB962C8B-B14F-4D97-AF65-F5344CB8AC3E}">
         <p14:creationId xmlns:p14="http://schemas.microsoft.com/office/powerpoint/2010/main" val="1864114764"/>
+      </p:ext>
+    </p:extLst>
+  </p:cSld>
+  <p:clrMapOvr>
+    <a:masterClrMapping/>
+  </p:clrMapOvr>
+</p:notes>
+</file>
+
+<file path=ppt/notesSlides/notesSlide2.xml><?xml version="1.0" encoding="utf-8"?>
+<p:notes xmlns:a="http://schemas.openxmlformats.org/drawingml/2006/main" xmlns:r="http://schemas.openxmlformats.org/officeDocument/2006/relationships" xmlns:p="http://schemas.openxmlformats.org/presentationml/2006/main">
+  <p:cSld>
+    <p:spTree>
+      <p:nvGrpSpPr>
+        <p:cNvPr id="1" name=""/>
+        <p:cNvGrpSpPr/>
+        <p:nvPr/>
+      </p:nvGrpSpPr>
+      <p:grpSpPr>
+        <a:xfrm>
+          <a:off x="0" y="0"/>
+          <a:ext cx="0" cy="0"/>
+          <a:chOff x="0" y="0"/>
+          <a:chExt cx="0" cy="0"/>
+        </a:xfrm>
+      </p:grpSpPr>
+      <p:sp>
+        <p:nvSpPr>
+          <p:cNvPr id="2" name="Slide Image Placeholder 1"/>
+          <p:cNvSpPr>
+            <a:spLocks noGrp="1" noRot="1" noChangeAspect="1"/>
+          </p:cNvSpPr>
+          <p:nvPr>
+            <p:ph type="sldImg"/>
+          </p:nvPr>
+        </p:nvSpPr>
+        <p:spPr/>
+      </p:sp>
+      <p:sp>
+        <p:nvSpPr>
+          <p:cNvPr id="3" name="Notes Placeholder 2"/>
+          <p:cNvSpPr>
+            <a:spLocks noGrp="1"/>
+          </p:cNvSpPr>
+          <p:nvPr>
+            <p:ph type="body" idx="1"/>
+          </p:nvPr>
+        </p:nvSpPr>
+        <p:spPr/>
+        <p:txBody>
+          <a:bodyPr/>
+          <a:lstStyle/>
+          <a:p>
+            <a:pPr marL="171450" indent="-171450">
+              <a:buFont typeface="Arial" panose="020B0604020202020204" pitchFamily="34" charset="0"/>
+              <a:buChar char="•"/>
+            </a:pPr>
+            <a:r>
+              <a:rPr lang="it-IT" dirty="0" smtClean="0"/>
+              <a:t>Ispirazione originale</a:t>
+            </a:r>
+          </a:p>
+          <a:p>
+            <a:pPr marL="171450" indent="-171450">
+              <a:buFont typeface="Arial" panose="020B0604020202020204" pitchFamily="34" charset="0"/>
+              <a:buChar char="•"/>
+            </a:pPr>
+            <a:r>
+              <a:rPr lang="it-IT" dirty="0" smtClean="0"/>
+              <a:t>Focus</a:t>
+            </a:r>
+          </a:p>
+          <a:p>
+            <a:pPr marL="171450" indent="-171450">
+              <a:buFont typeface="Arial" panose="020B0604020202020204" pitchFamily="34" charset="0"/>
+              <a:buChar char="•"/>
+            </a:pPr>
+            <a:r>
+              <a:rPr lang="it-IT" dirty="0" smtClean="0"/>
+              <a:t>Contesto</a:t>
+            </a:r>
+            <a:r>
+              <a:rPr lang="it-IT" baseline="0" dirty="0" smtClean="0"/>
+              <a:t> web dinamico</a:t>
+            </a:r>
+          </a:p>
+          <a:p>
+            <a:pPr marL="171450" indent="-171450">
+              <a:buFont typeface="Arial" panose="020B0604020202020204" pitchFamily="34" charset="0"/>
+              <a:buChar char="•"/>
+            </a:pPr>
+            <a:r>
+              <a:rPr lang="it-IT" baseline="0" dirty="0" smtClean="0"/>
+              <a:t>Innovazioni importanti</a:t>
+            </a:r>
+          </a:p>
+          <a:p>
+            <a:pPr marL="171450" indent="-171450">
+              <a:buFont typeface="Arial" panose="020B0604020202020204" pitchFamily="34" charset="0"/>
+              <a:buChar char="•"/>
+            </a:pPr>
+            <a:r>
+              <a:rPr lang="it-IT" baseline="0" dirty="0" smtClean="0"/>
+              <a:t>Diverso focus</a:t>
+            </a:r>
+            <a:endParaRPr lang="it-IT" dirty="0"/>
+          </a:p>
+        </p:txBody>
+      </p:sp>
+      <p:sp>
+        <p:nvSpPr>
+          <p:cNvPr id="4" name="Slide Number Placeholder 3"/>
+          <p:cNvSpPr>
+            <a:spLocks noGrp="1"/>
+          </p:cNvSpPr>
+          <p:nvPr>
+            <p:ph type="sldNum" sz="quarter" idx="10"/>
+          </p:nvPr>
+        </p:nvSpPr>
+        <p:spPr/>
+        <p:txBody>
+          <a:bodyPr/>
+          <a:lstStyle/>
+          <a:p>
+            <a:fld id="{48745AE6-6105-481F-A1F5-4607159C3FB7}" type="slidenum">
+              <a:rPr lang="it-IT" smtClean="0"/>
+              <a:t>2</a:t>
+            </a:fld>
+            <a:endParaRPr lang="it-IT"/>
+          </a:p>
+        </p:txBody>
+      </p:sp>
+    </p:spTree>
+    <p:extLst>
+      <p:ext uri="{BB962C8B-B14F-4D97-AF65-F5344CB8AC3E}">
+        <p14:creationId xmlns:p14="http://schemas.microsoft.com/office/powerpoint/2010/main" val="3252132047"/>
+      </p:ext>
+    </p:extLst>
+  </p:cSld>
+  <p:clrMapOvr>
+    <a:masterClrMapping/>
+  </p:clrMapOvr>
+</p:notes>
+</file>
+
+<file path=ppt/notesSlides/notesSlide3.xml><?xml version="1.0" encoding="utf-8"?>
+<p:notes xmlns:a="http://schemas.openxmlformats.org/drawingml/2006/main" xmlns:r="http://schemas.openxmlformats.org/officeDocument/2006/relationships" xmlns:p="http://schemas.openxmlformats.org/presentationml/2006/main">
+  <p:cSld>
+    <p:spTree>
+      <p:nvGrpSpPr>
+        <p:cNvPr id="1" name=""/>
+        <p:cNvGrpSpPr/>
+        <p:nvPr/>
+      </p:nvGrpSpPr>
+      <p:grpSpPr>
+        <a:xfrm>
+          <a:off x="0" y="0"/>
+          <a:ext cx="0" cy="0"/>
+          <a:chOff x="0" y="0"/>
+          <a:chExt cx="0" cy="0"/>
+        </a:xfrm>
+      </p:grpSpPr>
+      <p:sp>
+        <p:nvSpPr>
+          <p:cNvPr id="2" name="Slide Image Placeholder 1"/>
+          <p:cNvSpPr>
+            <a:spLocks noGrp="1" noRot="1" noChangeAspect="1"/>
+          </p:cNvSpPr>
+          <p:nvPr>
+            <p:ph type="sldImg"/>
+          </p:nvPr>
+        </p:nvSpPr>
+        <p:spPr/>
+      </p:sp>
+      <p:sp>
+        <p:nvSpPr>
+          <p:cNvPr id="3" name="Notes Placeholder 2"/>
+          <p:cNvSpPr>
+            <a:spLocks noGrp="1"/>
+          </p:cNvSpPr>
+          <p:nvPr>
+            <p:ph type="body" idx="1"/>
+          </p:nvPr>
+        </p:nvSpPr>
+        <p:spPr/>
+        <p:txBody>
+          <a:bodyPr/>
+          <a:lstStyle/>
+          <a:p>
+            <a:pPr marL="171450" indent="-171450">
+              <a:buFont typeface="Arial" panose="020B0604020202020204" pitchFamily="34" charset="0"/>
+              <a:buChar char="•"/>
+            </a:pPr>
+            <a:r>
+              <a:rPr lang="it-IT" dirty="0" smtClean="0"/>
+              <a:t>Pattern architetturale</a:t>
+            </a:r>
+          </a:p>
+          <a:p>
+            <a:pPr marL="171450" indent="-171450">
+              <a:buFont typeface="Arial" panose="020B0604020202020204" pitchFamily="34" charset="0"/>
+              <a:buChar char="•"/>
+            </a:pPr>
+            <a:r>
+              <a:rPr lang="it-IT" dirty="0" smtClean="0"/>
+              <a:t>Modello, </a:t>
+            </a:r>
+            <a:r>
+              <a:rPr lang="it-IT" dirty="0" err="1" smtClean="0"/>
+              <a:t>dbms</a:t>
+            </a:r>
+            <a:r>
+              <a:rPr lang="it-IT" baseline="0" dirty="0" smtClean="0"/>
+              <a:t>, </a:t>
+            </a:r>
+            <a:r>
+              <a:rPr lang="it-IT" baseline="0" dirty="0" err="1" smtClean="0"/>
+              <a:t>orm</a:t>
+            </a:r>
+            <a:endParaRPr lang="it-IT" baseline="0" dirty="0" smtClean="0"/>
+          </a:p>
+          <a:p>
+            <a:pPr marL="171450" indent="-171450">
+              <a:buFont typeface="Arial" panose="020B0604020202020204" pitchFamily="34" charset="0"/>
+              <a:buChar char="•"/>
+            </a:pPr>
+            <a:r>
+              <a:rPr lang="it-IT" baseline="0" dirty="0" smtClean="0"/>
+              <a:t>Viste, HTML</a:t>
+            </a:r>
+          </a:p>
+          <a:p>
+            <a:pPr marL="171450" indent="-171450">
+              <a:buFont typeface="Arial" panose="020B0604020202020204" pitchFamily="34" charset="0"/>
+              <a:buChar char="•"/>
+            </a:pPr>
+            <a:r>
+              <a:rPr lang="it-IT" baseline="0" dirty="0" smtClean="0"/>
+              <a:t>Controlli, logica applicazione</a:t>
+            </a:r>
+          </a:p>
+          <a:p>
+            <a:pPr marL="171450" indent="-171450">
+              <a:buFont typeface="Arial" panose="020B0604020202020204" pitchFamily="34" charset="0"/>
+              <a:buChar char="•"/>
+            </a:pPr>
+            <a:r>
+              <a:rPr lang="it-IT" baseline="0" dirty="0" smtClean="0"/>
+              <a:t>In pratica</a:t>
+            </a:r>
+          </a:p>
+          <a:p>
+            <a:pPr marL="171450" indent="-171450">
+              <a:buFont typeface="Arial" panose="020B0604020202020204" pitchFamily="34" charset="0"/>
+              <a:buChar char="•"/>
+            </a:pPr>
+            <a:r>
+              <a:rPr lang="it-IT" baseline="0" dirty="0" smtClean="0"/>
+              <a:t>MVP, diverse interpretazioni</a:t>
+            </a:r>
+            <a:endParaRPr lang="it-IT" dirty="0"/>
+          </a:p>
+        </p:txBody>
+      </p:sp>
+      <p:sp>
+        <p:nvSpPr>
+          <p:cNvPr id="4" name="Slide Number Placeholder 3"/>
+          <p:cNvSpPr>
+            <a:spLocks noGrp="1"/>
+          </p:cNvSpPr>
+          <p:nvPr>
+            <p:ph type="sldNum" sz="quarter" idx="10"/>
+          </p:nvPr>
+        </p:nvSpPr>
+        <p:spPr/>
+        <p:txBody>
+          <a:bodyPr/>
+          <a:lstStyle/>
+          <a:p>
+            <a:fld id="{48745AE6-6105-481F-A1F5-4607159C3FB7}" type="slidenum">
+              <a:rPr lang="it-IT" smtClean="0"/>
+              <a:t>3</a:t>
+            </a:fld>
+            <a:endParaRPr lang="it-IT"/>
+          </a:p>
+        </p:txBody>
+      </p:sp>
+    </p:spTree>
+    <p:extLst>
+      <p:ext uri="{BB962C8B-B14F-4D97-AF65-F5344CB8AC3E}">
+        <p14:creationId xmlns:p14="http://schemas.microsoft.com/office/powerpoint/2010/main" val="712964397"/>
+      </p:ext>
+    </p:extLst>
+  </p:cSld>
+  <p:clrMapOvr>
+    <a:masterClrMapping/>
+  </p:clrMapOvr>
+</p:notes>
+</file>
+
+<file path=ppt/notesSlides/notesSlide4.xml><?xml version="1.0" encoding="utf-8"?>
+<p:notes xmlns:a="http://schemas.openxmlformats.org/drawingml/2006/main" xmlns:r="http://schemas.openxmlformats.org/officeDocument/2006/relationships" xmlns:p="http://schemas.openxmlformats.org/presentationml/2006/main">
+  <p:cSld>
+    <p:spTree>
+      <p:nvGrpSpPr>
+        <p:cNvPr id="1" name=""/>
+        <p:cNvGrpSpPr/>
+        <p:nvPr/>
+      </p:nvGrpSpPr>
+      <p:grpSpPr>
+        <a:xfrm>
+          <a:off x="0" y="0"/>
+          <a:ext cx="0" cy="0"/>
+          <a:chOff x="0" y="0"/>
+          <a:chExt cx="0" cy="0"/>
+        </a:xfrm>
+      </p:grpSpPr>
+      <p:sp>
+        <p:nvSpPr>
+          <p:cNvPr id="2" name="Slide Image Placeholder 1"/>
+          <p:cNvSpPr>
+            <a:spLocks noGrp="1" noRot="1" noChangeAspect="1"/>
+          </p:cNvSpPr>
+          <p:nvPr>
+            <p:ph type="sldImg"/>
+          </p:nvPr>
+        </p:nvSpPr>
+        <p:spPr/>
+      </p:sp>
+      <p:sp>
+        <p:nvSpPr>
+          <p:cNvPr id="3" name="Notes Placeholder 2"/>
+          <p:cNvSpPr>
+            <a:spLocks noGrp="1"/>
+          </p:cNvSpPr>
+          <p:nvPr>
+            <p:ph type="body" idx="1"/>
+          </p:nvPr>
+        </p:nvSpPr>
+        <p:spPr/>
+        <p:txBody>
+          <a:bodyPr/>
+          <a:lstStyle/>
+          <a:p>
+            <a:pPr marL="171450" marR="0" indent="-171450" algn="l" defTabSz="914400" rtl="0" eaLnBrk="1" fontAlgn="auto" latinLnBrk="0" hangingPunct="1">
+              <a:lnSpc>
+                <a:spcPct val="100000"/>
+              </a:lnSpc>
+              <a:spcBef>
+                <a:spcPts val="0"/>
+              </a:spcBef>
+              <a:spcAft>
+                <a:spcPts val="0"/>
+              </a:spcAft>
+              <a:buClrTx/>
+              <a:buSzTx/>
+              <a:buFont typeface="Arial" panose="020B0604020202020204" pitchFamily="34" charset="0"/>
+              <a:buChar char="•"/>
+              <a:tabLst/>
+              <a:defRPr/>
+            </a:pPr>
+            <a:r>
+              <a:rPr lang="it-IT" dirty="0" smtClean="0"/>
+              <a:t>Descrizione processo, </a:t>
+            </a:r>
+            <a:r>
+              <a:rPr lang="it-IT" dirty="0" smtClean="0"/>
+              <a:t>sviluppo cooperativo</a:t>
+            </a:r>
+          </a:p>
+          <a:p>
+            <a:pPr marL="171450" marR="0" indent="-171450" algn="l" defTabSz="914400" rtl="0" eaLnBrk="1" fontAlgn="auto" latinLnBrk="0" hangingPunct="1">
+              <a:lnSpc>
+                <a:spcPct val="100000"/>
+              </a:lnSpc>
+              <a:spcBef>
+                <a:spcPts val="0"/>
+              </a:spcBef>
+              <a:spcAft>
+                <a:spcPts val="0"/>
+              </a:spcAft>
+              <a:buClrTx/>
+              <a:buSzTx/>
+              <a:buFont typeface="Arial" panose="020B0604020202020204" pitchFamily="34" charset="0"/>
+              <a:buChar char="•"/>
+              <a:tabLst/>
+              <a:defRPr/>
+            </a:pPr>
+            <a:r>
+              <a:rPr lang="it-IT" dirty="0" smtClean="0"/>
+              <a:t>Live </a:t>
+            </a:r>
+            <a:r>
+              <a:rPr lang="it-IT" dirty="0" err="1" smtClean="0"/>
+              <a:t>documentation</a:t>
+            </a:r>
+            <a:endParaRPr lang="it-IT" dirty="0" smtClean="0"/>
+          </a:p>
+          <a:p>
+            <a:endParaRPr lang="it-IT" dirty="0"/>
+          </a:p>
+        </p:txBody>
+      </p:sp>
+      <p:sp>
+        <p:nvSpPr>
+          <p:cNvPr id="4" name="Slide Number Placeholder 3"/>
+          <p:cNvSpPr>
+            <a:spLocks noGrp="1"/>
+          </p:cNvSpPr>
+          <p:nvPr>
+            <p:ph type="sldNum" sz="quarter" idx="10"/>
+          </p:nvPr>
+        </p:nvSpPr>
+        <p:spPr/>
+        <p:txBody>
+          <a:bodyPr/>
+          <a:lstStyle/>
+          <a:p>
+            <a:fld id="{48745AE6-6105-481F-A1F5-4607159C3FB7}" type="slidenum">
+              <a:rPr lang="it-IT" smtClean="0"/>
+              <a:t>4</a:t>
+            </a:fld>
+            <a:endParaRPr lang="it-IT"/>
+          </a:p>
+        </p:txBody>
+      </p:sp>
+    </p:spTree>
+    <p:extLst>
+      <p:ext uri="{BB962C8B-B14F-4D97-AF65-F5344CB8AC3E}">
+        <p14:creationId xmlns:p14="http://schemas.microsoft.com/office/powerpoint/2010/main" val="3291503950"/>
+      </p:ext>
+    </p:extLst>
+  </p:cSld>
+  <p:clrMapOvr>
+    <a:masterClrMapping/>
+  </p:clrMapOvr>
+</p:notes>
+</file>
+
+<file path=ppt/notesSlides/notesSlide5.xml><?xml version="1.0" encoding="utf-8"?>
+<p:notes xmlns:a="http://schemas.openxmlformats.org/drawingml/2006/main" xmlns:r="http://schemas.openxmlformats.org/officeDocument/2006/relationships" xmlns:p="http://schemas.openxmlformats.org/presentationml/2006/main">
+  <p:cSld>
+    <p:spTree>
+      <p:nvGrpSpPr>
+        <p:cNvPr id="1" name=""/>
+        <p:cNvGrpSpPr/>
+        <p:nvPr/>
+      </p:nvGrpSpPr>
+      <p:grpSpPr>
+        <a:xfrm>
+          <a:off x="0" y="0"/>
+          <a:ext cx="0" cy="0"/>
+          <a:chOff x="0" y="0"/>
+          <a:chExt cx="0" cy="0"/>
+        </a:xfrm>
+      </p:grpSpPr>
+      <p:sp>
+        <p:nvSpPr>
+          <p:cNvPr id="2" name="Slide Image Placeholder 1"/>
+          <p:cNvSpPr>
+            <a:spLocks noGrp="1" noRot="1" noChangeAspect="1"/>
+          </p:cNvSpPr>
+          <p:nvPr>
+            <p:ph type="sldImg"/>
+          </p:nvPr>
+        </p:nvSpPr>
+        <p:spPr/>
+      </p:sp>
+      <p:sp>
+        <p:nvSpPr>
+          <p:cNvPr id="3" name="Notes Placeholder 2"/>
+          <p:cNvSpPr>
+            <a:spLocks noGrp="1"/>
+          </p:cNvSpPr>
+          <p:nvPr>
+            <p:ph type="body" idx="1"/>
+          </p:nvPr>
+        </p:nvSpPr>
+        <p:spPr/>
+        <p:txBody>
+          <a:bodyPr/>
+          <a:lstStyle/>
+          <a:p>
+            <a:pPr marL="171450" indent="-171450">
+              <a:buFont typeface="Arial" panose="020B0604020202020204" pitchFamily="34" charset="0"/>
+              <a:buChar char="•"/>
+            </a:pPr>
+            <a:r>
+              <a:rPr lang="it-IT" dirty="0" smtClean="0"/>
+              <a:t>Semplificare sviluppo</a:t>
+            </a:r>
+            <a:r>
+              <a:rPr lang="it-IT" baseline="0" dirty="0" smtClean="0"/>
+              <a:t> test di accettazione</a:t>
+            </a:r>
+          </a:p>
+          <a:p>
+            <a:pPr marL="171450" indent="-171450">
+              <a:buFont typeface="Arial" panose="020B0604020202020204" pitchFamily="34" charset="0"/>
+              <a:buChar char="•"/>
+            </a:pPr>
+            <a:r>
+              <a:rPr lang="it-IT" baseline="0" dirty="0" smtClean="0"/>
+              <a:t>Miglior confronto</a:t>
+            </a:r>
+            <a:endParaRPr lang="it-IT" dirty="0"/>
+          </a:p>
+        </p:txBody>
+      </p:sp>
+      <p:sp>
+        <p:nvSpPr>
+          <p:cNvPr id="4" name="Slide Number Placeholder 3"/>
+          <p:cNvSpPr>
+            <a:spLocks noGrp="1"/>
+          </p:cNvSpPr>
+          <p:nvPr>
+            <p:ph type="sldNum" sz="quarter" idx="10"/>
+          </p:nvPr>
+        </p:nvSpPr>
+        <p:spPr/>
+        <p:txBody>
+          <a:bodyPr/>
+          <a:lstStyle/>
+          <a:p>
+            <a:fld id="{48745AE6-6105-481F-A1F5-4607159C3FB7}" type="slidenum">
+              <a:rPr lang="it-IT" smtClean="0"/>
+              <a:t>5</a:t>
+            </a:fld>
+            <a:endParaRPr lang="it-IT"/>
+          </a:p>
+        </p:txBody>
+      </p:sp>
+    </p:spTree>
+    <p:extLst>
+      <p:ext uri="{BB962C8B-B14F-4D97-AF65-F5344CB8AC3E}">
+        <p14:creationId xmlns:p14="http://schemas.microsoft.com/office/powerpoint/2010/main" val="1284027543"/>
+      </p:ext>
+    </p:extLst>
+  </p:cSld>
+  <p:clrMapOvr>
+    <a:masterClrMapping/>
+  </p:clrMapOvr>
+</p:notes>
+</file>
+
+<file path=ppt/notesSlides/notesSlide6.xml><?xml version="1.0" encoding="utf-8"?>
+<p:notes xmlns:a="http://schemas.openxmlformats.org/drawingml/2006/main" xmlns:r="http://schemas.openxmlformats.org/officeDocument/2006/relationships" xmlns:p="http://schemas.openxmlformats.org/presentationml/2006/main">
+  <p:cSld>
+    <p:spTree>
+      <p:nvGrpSpPr>
+        <p:cNvPr id="1" name=""/>
+        <p:cNvGrpSpPr/>
+        <p:nvPr/>
+      </p:nvGrpSpPr>
+      <p:grpSpPr>
+        <a:xfrm>
+          <a:off x="0" y="0"/>
+          <a:ext cx="0" cy="0"/>
+          <a:chOff x="0" y="0"/>
+          <a:chExt cx="0" cy="0"/>
+        </a:xfrm>
+      </p:grpSpPr>
+      <p:sp>
+        <p:nvSpPr>
+          <p:cNvPr id="2" name="Slide Image Placeholder 1"/>
+          <p:cNvSpPr>
+            <a:spLocks noGrp="1" noRot="1" noChangeAspect="1"/>
+          </p:cNvSpPr>
+          <p:nvPr>
+            <p:ph type="sldImg"/>
+          </p:nvPr>
+        </p:nvSpPr>
+        <p:spPr/>
+      </p:sp>
+      <p:sp>
+        <p:nvSpPr>
+          <p:cNvPr id="3" name="Notes Placeholder 2"/>
+          <p:cNvSpPr>
+            <a:spLocks noGrp="1"/>
+          </p:cNvSpPr>
+          <p:nvPr>
+            <p:ph type="body" idx="1"/>
+          </p:nvPr>
+        </p:nvSpPr>
+        <p:spPr/>
+        <p:txBody>
+          <a:bodyPr/>
+          <a:lstStyle/>
+          <a:p>
+            <a:pPr marL="171450" indent="-171450">
+              <a:buFont typeface="Arial" panose="020B0604020202020204" pitchFamily="34" charset="0"/>
+              <a:buChar char="•"/>
+            </a:pPr>
+            <a:r>
+              <a:rPr lang="it-IT" dirty="0" err="1" smtClean="0"/>
+              <a:t>Helper</a:t>
+            </a:r>
+            <a:endParaRPr lang="it-IT" dirty="0" smtClean="0"/>
+          </a:p>
+          <a:p>
+            <a:pPr marL="171450" indent="-171450">
+              <a:buFont typeface="Arial" panose="020B0604020202020204" pitchFamily="34" charset="0"/>
+              <a:buChar char="•"/>
+            </a:pPr>
+            <a:r>
+              <a:rPr lang="it-IT" dirty="0" err="1" smtClean="0"/>
+              <a:t>Linq</a:t>
+            </a:r>
+            <a:r>
+              <a:rPr lang="it-IT" dirty="0" smtClean="0"/>
+              <a:t> – Bootstrap (pagine web</a:t>
+            </a:r>
+            <a:r>
+              <a:rPr lang="it-IT" baseline="0" dirty="0" smtClean="0"/>
+              <a:t> responsive)</a:t>
+            </a:r>
+            <a:endParaRPr lang="it-IT" dirty="0" smtClean="0"/>
+          </a:p>
+          <a:p>
+            <a:pPr marL="171450" indent="-171450">
+              <a:buFont typeface="Arial" panose="020B0604020202020204" pitchFamily="34" charset="0"/>
+              <a:buChar char="•"/>
+            </a:pPr>
+            <a:r>
+              <a:rPr lang="it-IT" dirty="0" err="1" smtClean="0"/>
+              <a:t>Thymeleaf</a:t>
+            </a:r>
+            <a:endParaRPr lang="it-IT" dirty="0"/>
+          </a:p>
+        </p:txBody>
+      </p:sp>
+      <p:sp>
+        <p:nvSpPr>
+          <p:cNvPr id="4" name="Slide Number Placeholder 3"/>
+          <p:cNvSpPr>
+            <a:spLocks noGrp="1"/>
+          </p:cNvSpPr>
+          <p:nvPr>
+            <p:ph type="sldNum" sz="quarter" idx="10"/>
+          </p:nvPr>
+        </p:nvSpPr>
+        <p:spPr/>
+        <p:txBody>
+          <a:bodyPr/>
+          <a:lstStyle/>
+          <a:p>
+            <a:fld id="{48745AE6-6105-481F-A1F5-4607159C3FB7}" type="slidenum">
+              <a:rPr lang="it-IT" smtClean="0"/>
+              <a:t>10</a:t>
+            </a:fld>
+            <a:endParaRPr lang="it-IT"/>
+          </a:p>
+        </p:txBody>
+      </p:sp>
+    </p:spTree>
+    <p:extLst>
+      <p:ext uri="{BB962C8B-B14F-4D97-AF65-F5344CB8AC3E}">
+        <p14:creationId xmlns:p14="http://schemas.microsoft.com/office/powerpoint/2010/main" val="2747778364"/>
+      </p:ext>
+    </p:extLst>
+  </p:cSld>
+  <p:clrMapOvr>
+    <a:masterClrMapping/>
+  </p:clrMapOvr>
+</p:notes>
+</file>
+
+<file path=ppt/notesSlides/notesSlide7.xml><?xml version="1.0" encoding="utf-8"?>
+<p:notes xmlns:a="http://schemas.openxmlformats.org/drawingml/2006/main" xmlns:r="http://schemas.openxmlformats.org/officeDocument/2006/relationships" xmlns:p="http://schemas.openxmlformats.org/presentationml/2006/main">
+  <p:cSld>
+    <p:spTree>
+      <p:nvGrpSpPr>
+        <p:cNvPr id="1" name=""/>
+        <p:cNvGrpSpPr/>
+        <p:nvPr/>
+      </p:nvGrpSpPr>
+      <p:grpSpPr>
+        <a:xfrm>
+          <a:off x="0" y="0"/>
+          <a:ext cx="0" cy="0"/>
+          <a:chOff x="0" y="0"/>
+          <a:chExt cx="0" cy="0"/>
+        </a:xfrm>
+      </p:grpSpPr>
+      <p:sp>
+        <p:nvSpPr>
+          <p:cNvPr id="2" name="Slide Image Placeholder 1"/>
+          <p:cNvSpPr>
+            <a:spLocks noGrp="1" noRot="1" noChangeAspect="1"/>
+          </p:cNvSpPr>
+          <p:nvPr>
+            <p:ph type="sldImg"/>
+          </p:nvPr>
+        </p:nvSpPr>
+        <p:spPr/>
+      </p:sp>
+      <p:sp>
+        <p:nvSpPr>
+          <p:cNvPr id="3" name="Notes Placeholder 2"/>
+          <p:cNvSpPr>
+            <a:spLocks noGrp="1"/>
+          </p:cNvSpPr>
+          <p:nvPr>
+            <p:ph type="body" idx="1"/>
+          </p:nvPr>
+        </p:nvSpPr>
+        <p:spPr/>
+        <p:txBody>
+          <a:bodyPr/>
+          <a:lstStyle/>
+          <a:p>
+            <a:pPr marL="171450" indent="-171450">
+              <a:buFont typeface="Arial" panose="020B0604020202020204" pitchFamily="34" charset="0"/>
+              <a:buChar char="•"/>
+            </a:pPr>
+            <a:r>
+              <a:rPr lang="it-IT" dirty="0" smtClean="0"/>
+              <a:t>Numerosi </a:t>
+            </a:r>
+            <a:r>
+              <a:rPr lang="it-IT" dirty="0" err="1" smtClean="0"/>
+              <a:t>tool</a:t>
+            </a:r>
+            <a:r>
+              <a:rPr lang="it-IT" dirty="0" smtClean="0"/>
+              <a:t> esistenti</a:t>
+            </a:r>
+          </a:p>
+          <a:p>
+            <a:pPr marL="171450" indent="-171450">
+              <a:buFont typeface="Arial" panose="020B0604020202020204" pitchFamily="34" charset="0"/>
+              <a:buChar char="•"/>
+            </a:pPr>
+            <a:r>
+              <a:rPr lang="it-IT" dirty="0" smtClean="0"/>
+              <a:t>Limitare la scelta</a:t>
+            </a:r>
+            <a:endParaRPr lang="it-IT" dirty="0"/>
+          </a:p>
+        </p:txBody>
+      </p:sp>
+      <p:sp>
+        <p:nvSpPr>
+          <p:cNvPr id="4" name="Slide Number Placeholder 3"/>
+          <p:cNvSpPr>
+            <a:spLocks noGrp="1"/>
+          </p:cNvSpPr>
+          <p:nvPr>
+            <p:ph type="sldNum" sz="quarter" idx="10"/>
+          </p:nvPr>
+        </p:nvSpPr>
+        <p:spPr/>
+        <p:txBody>
+          <a:bodyPr/>
+          <a:lstStyle/>
+          <a:p>
+            <a:fld id="{48745AE6-6105-481F-A1F5-4607159C3FB7}" type="slidenum">
+              <a:rPr lang="it-IT" smtClean="0"/>
+              <a:t>11</a:t>
+            </a:fld>
+            <a:endParaRPr lang="it-IT"/>
+          </a:p>
+        </p:txBody>
+      </p:sp>
+    </p:spTree>
+    <p:extLst>
+      <p:ext uri="{BB962C8B-B14F-4D97-AF65-F5344CB8AC3E}">
+        <p14:creationId xmlns:p14="http://schemas.microsoft.com/office/powerpoint/2010/main" val="317480957"/>
+      </p:ext>
+    </p:extLst>
+  </p:cSld>
+  <p:clrMapOvr>
+    <a:masterClrMapping/>
+  </p:clrMapOvr>
+</p:notes>
+</file>
+
+<file path=ppt/notesSlides/notesSlide8.xml><?xml version="1.0" encoding="utf-8"?>
+<p:notes xmlns:a="http://schemas.openxmlformats.org/drawingml/2006/main" xmlns:r="http://schemas.openxmlformats.org/officeDocument/2006/relationships" xmlns:p="http://schemas.openxmlformats.org/presentationml/2006/main">
+  <p:cSld>
+    <p:spTree>
+      <p:nvGrpSpPr>
+        <p:cNvPr id="1" name=""/>
+        <p:cNvGrpSpPr/>
+        <p:nvPr/>
+      </p:nvGrpSpPr>
+      <p:grpSpPr>
+        <a:xfrm>
+          <a:off x="0" y="0"/>
+          <a:ext cx="0" cy="0"/>
+          <a:chOff x="0" y="0"/>
+          <a:chExt cx="0" cy="0"/>
+        </a:xfrm>
+      </p:grpSpPr>
+      <p:sp>
+        <p:nvSpPr>
+          <p:cNvPr id="2" name="Slide Image Placeholder 1"/>
+          <p:cNvSpPr>
+            <a:spLocks noGrp="1" noRot="1" noChangeAspect="1"/>
+          </p:cNvSpPr>
+          <p:nvPr>
+            <p:ph type="sldImg"/>
+          </p:nvPr>
+        </p:nvSpPr>
+        <p:spPr/>
+      </p:sp>
+      <p:sp>
+        <p:nvSpPr>
+          <p:cNvPr id="3" name="Notes Placeholder 2"/>
+          <p:cNvSpPr>
+            <a:spLocks noGrp="1"/>
+          </p:cNvSpPr>
+          <p:nvPr>
+            <p:ph type="body" idx="1"/>
+          </p:nvPr>
+        </p:nvSpPr>
+        <p:spPr/>
+        <p:txBody>
+          <a:bodyPr/>
+          <a:lstStyle/>
+          <a:p>
+            <a:r>
+              <a:rPr lang="it-IT" dirty="0" smtClean="0"/>
+              <a:t>Breve descrizione, approfondita</a:t>
+            </a:r>
+            <a:r>
+              <a:rPr lang="it-IT" baseline="0" dirty="0" smtClean="0"/>
+              <a:t> in seguito</a:t>
+            </a:r>
+            <a:endParaRPr lang="it-IT" dirty="0"/>
+          </a:p>
+        </p:txBody>
+      </p:sp>
+      <p:sp>
+        <p:nvSpPr>
+          <p:cNvPr id="4" name="Slide Number Placeholder 3"/>
+          <p:cNvSpPr>
+            <a:spLocks noGrp="1"/>
+          </p:cNvSpPr>
+          <p:nvPr>
+            <p:ph type="sldNum" sz="quarter" idx="10"/>
+          </p:nvPr>
+        </p:nvSpPr>
+        <p:spPr/>
+        <p:txBody>
+          <a:bodyPr/>
+          <a:lstStyle/>
+          <a:p>
+            <a:fld id="{48745AE6-6105-481F-A1F5-4607159C3FB7}" type="slidenum">
+              <a:rPr lang="it-IT" smtClean="0"/>
+              <a:t>12</a:t>
+            </a:fld>
+            <a:endParaRPr lang="it-IT"/>
+          </a:p>
+        </p:txBody>
+      </p:sp>
+    </p:spTree>
+    <p:extLst>
+      <p:ext uri="{BB962C8B-B14F-4D97-AF65-F5344CB8AC3E}">
+        <p14:creationId xmlns:p14="http://schemas.microsoft.com/office/powerpoint/2010/main" val="3094890688"/>
+      </p:ext>
+    </p:extLst>
+  </p:cSld>
+  <p:clrMapOvr>
+    <a:masterClrMapping/>
+  </p:clrMapOvr>
+</p:notes>
+</file>
+
+<file path=ppt/notesSlides/notesSlide9.xml><?xml version="1.0" encoding="utf-8"?>
+<p:notes xmlns:a="http://schemas.openxmlformats.org/drawingml/2006/main" xmlns:r="http://schemas.openxmlformats.org/officeDocument/2006/relationships" xmlns:p="http://schemas.openxmlformats.org/presentationml/2006/main">
+  <p:cSld>
+    <p:spTree>
+      <p:nvGrpSpPr>
+        <p:cNvPr id="1" name=""/>
+        <p:cNvGrpSpPr/>
+        <p:nvPr/>
+      </p:nvGrpSpPr>
+      <p:grpSpPr>
+        <a:xfrm>
+          <a:off x="0" y="0"/>
+          <a:ext cx="0" cy="0"/>
+          <a:chOff x="0" y="0"/>
+          <a:chExt cx="0" cy="0"/>
+        </a:xfrm>
+      </p:grpSpPr>
+      <p:sp>
+        <p:nvSpPr>
+          <p:cNvPr id="2" name="Slide Image Placeholder 1"/>
+          <p:cNvSpPr>
+            <a:spLocks noGrp="1" noRot="1" noChangeAspect="1"/>
+          </p:cNvSpPr>
+          <p:nvPr>
+            <p:ph type="sldImg"/>
+          </p:nvPr>
+        </p:nvSpPr>
+        <p:spPr/>
+      </p:sp>
+      <p:sp>
+        <p:nvSpPr>
+          <p:cNvPr id="3" name="Notes Placeholder 2"/>
+          <p:cNvSpPr>
+            <a:spLocks noGrp="1"/>
+          </p:cNvSpPr>
+          <p:nvPr>
+            <p:ph type="body" idx="1"/>
+          </p:nvPr>
+        </p:nvSpPr>
+        <p:spPr/>
+        <p:txBody>
+          <a:bodyPr/>
+          <a:lstStyle/>
+          <a:p>
+            <a:pPr marL="171450" indent="-171450">
+              <a:buFont typeface="Arial" panose="020B0604020202020204" pitchFamily="34" charset="0"/>
+              <a:buChar char="•"/>
+            </a:pPr>
+            <a:r>
+              <a:rPr lang="it-IT" dirty="0" smtClean="0"/>
+              <a:t>Browser </a:t>
+            </a:r>
+            <a:r>
+              <a:rPr lang="it-IT" dirty="0" err="1" smtClean="0"/>
+              <a:t>Headless</a:t>
+            </a:r>
+            <a:endParaRPr lang="it-IT" dirty="0" smtClean="0"/>
+          </a:p>
+          <a:p>
+            <a:pPr marL="171450" indent="-171450">
+              <a:buFont typeface="Arial" panose="020B0604020202020204" pitchFamily="34" charset="0"/>
+              <a:buChar char="•"/>
+            </a:pPr>
+            <a:r>
+              <a:rPr lang="it-IT" dirty="0" smtClean="0"/>
+              <a:t>Capi</a:t>
+            </a:r>
+            <a:r>
+              <a:rPr lang="it-IT" baseline="0" dirty="0" smtClean="0"/>
+              <a:t> dello </a:t>
+            </a:r>
+            <a:r>
+              <a:rPr lang="it-IT" baseline="0" dirty="0" err="1" smtClean="0"/>
+              <a:t>stack</a:t>
+            </a:r>
+            <a:r>
+              <a:rPr lang="it-IT" baseline="0" dirty="0" smtClean="0"/>
+              <a:t> fissi</a:t>
+            </a:r>
+          </a:p>
+          <a:p>
+            <a:pPr marL="171450" indent="-171450">
+              <a:buFont typeface="Arial" panose="020B0604020202020204" pitchFamily="34" charset="0"/>
+              <a:buChar char="•"/>
+            </a:pPr>
+            <a:r>
+              <a:rPr lang="it-IT" baseline="0" dirty="0" smtClean="0"/>
+              <a:t>Minime differenze nei </a:t>
+            </a:r>
+            <a:r>
+              <a:rPr lang="it-IT" baseline="0" dirty="0" err="1" smtClean="0"/>
+              <a:t>framework</a:t>
+            </a:r>
+            <a:r>
+              <a:rPr lang="it-IT" baseline="0" dirty="0" smtClean="0"/>
+              <a:t> per il </a:t>
+            </a:r>
+            <a:r>
+              <a:rPr lang="it-IT" baseline="0" dirty="0" err="1" smtClean="0"/>
+              <a:t>bdd</a:t>
+            </a:r>
+            <a:endParaRPr lang="it-IT" baseline="0" dirty="0" smtClean="0"/>
+          </a:p>
+          <a:p>
+            <a:pPr marL="171450" indent="-171450">
+              <a:buFont typeface="Arial" panose="020B0604020202020204" pitchFamily="34" charset="0"/>
+              <a:buChar char="•"/>
+            </a:pPr>
+            <a:r>
+              <a:rPr lang="it-IT" baseline="0" dirty="0" smtClean="0"/>
+              <a:t>Variabilità e sperimentazione per l’automazione</a:t>
+            </a:r>
+            <a:endParaRPr lang="it-IT" dirty="0"/>
+          </a:p>
+        </p:txBody>
+      </p:sp>
+      <p:sp>
+        <p:nvSpPr>
+          <p:cNvPr id="4" name="Slide Number Placeholder 3"/>
+          <p:cNvSpPr>
+            <a:spLocks noGrp="1"/>
+          </p:cNvSpPr>
+          <p:nvPr>
+            <p:ph type="sldNum" sz="quarter" idx="10"/>
+          </p:nvPr>
+        </p:nvSpPr>
+        <p:spPr/>
+        <p:txBody>
+          <a:bodyPr/>
+          <a:lstStyle/>
+          <a:p>
+            <a:fld id="{48745AE6-6105-481F-A1F5-4607159C3FB7}" type="slidenum">
+              <a:rPr lang="it-IT" smtClean="0"/>
+              <a:t>13</a:t>
+            </a:fld>
+            <a:endParaRPr lang="it-IT"/>
+          </a:p>
+        </p:txBody>
+      </p:sp>
+    </p:spTree>
+    <p:extLst>
+      <p:ext uri="{BB962C8B-B14F-4D97-AF65-F5344CB8AC3E}">
+        <p14:creationId xmlns:p14="http://schemas.microsoft.com/office/powerpoint/2010/main" val="1676094702"/>
       </p:ext>
     </p:extLst>
   </p:cSld>
@@ -39299,7 +41064,7 @@
           <p:nvPr/>
         </p:nvPicPr>
         <p:blipFill>
-          <a:blip r:embed="rId2">
+          <a:blip r:embed="rId3">
             <a:extLst>
               <a:ext uri="{28A0092B-C50C-407E-A947-70E740481C1C}">
                 <a14:useLocalDpi xmlns:a14="http://schemas.microsoft.com/office/drawing/2010/main" val="0"/>
@@ -39329,7 +41094,7 @@
           <p:nvPr/>
         </p:nvPicPr>
         <p:blipFill>
-          <a:blip r:embed="rId3" cstate="print">
+          <a:blip r:embed="rId4" cstate="print">
             <a:extLst>
               <a:ext uri="{28A0092B-C50C-407E-A947-70E740481C1C}">
                 <a14:useLocalDpi xmlns:a14="http://schemas.microsoft.com/office/drawing/2010/main" val="0"/>
@@ -39419,7 +41184,7 @@
           <p:nvPr/>
         </p:nvPicPr>
         <p:blipFill>
-          <a:blip r:embed="rId4">
+          <a:blip r:embed="rId5">
             <a:extLst>
               <a:ext uri="{28A0092B-C50C-407E-A947-70E740481C1C}">
                 <a14:useLocalDpi xmlns:a14="http://schemas.microsoft.com/office/drawing/2010/main" val="0"/>
@@ -39493,7 +41258,7 @@
           <p:nvPr/>
         </p:nvPicPr>
         <p:blipFill>
-          <a:blip r:embed="rId5">
+          <a:blip r:embed="rId6">
             <a:extLst>
               <a:ext uri="{28A0092B-C50C-407E-A947-70E740481C1C}">
                 <a14:useLocalDpi xmlns:a14="http://schemas.microsoft.com/office/drawing/2010/main" val="0"/>
@@ -39523,7 +41288,7 @@
           <p:nvPr/>
         </p:nvPicPr>
         <p:blipFill>
-          <a:blip r:embed="rId2">
+          <a:blip r:embed="rId3">
             <a:extLst>
               <a:ext uri="{28A0092B-C50C-407E-A947-70E740481C1C}">
                 <a14:useLocalDpi xmlns:a14="http://schemas.microsoft.com/office/drawing/2010/main" val="0"/>
@@ -39693,7 +41458,7 @@
             </a:avLst>
           </a:prstGeom>
           <a:blipFill dpi="0" rotWithShape="1">
-            <a:blip r:embed="rId2"/>
+            <a:blip r:embed="rId3"/>
             <a:srcRect/>
             <a:stretch>
               <a:fillRect l="24525" r="24525"/>
@@ -39751,7 +41516,7 @@
             </a:avLst>
           </a:prstGeom>
           <a:blipFill dpi="0" rotWithShape="1">
-            <a:blip r:embed="rId3">
+            <a:blip r:embed="rId4">
               <a:extLst>
                 <a:ext uri="{28A0092B-C50C-407E-A947-70E740481C1C}">
                   <a14:useLocalDpi xmlns:a14="http://schemas.microsoft.com/office/drawing/2010/main" val="0"/>
@@ -39807,7 +41572,7 @@
           <p:nvPr/>
         </p:nvPicPr>
         <p:blipFill>
-          <a:blip r:embed="rId4">
+          <a:blip r:embed="rId5">
             <a:extLst>
               <a:ext uri="{28A0092B-C50C-407E-A947-70E740481C1C}">
                 <a14:useLocalDpi xmlns:a14="http://schemas.microsoft.com/office/drawing/2010/main" val="0"/>
@@ -39845,7 +41610,7 @@
             </a:avLst>
           </a:prstGeom>
           <a:blipFill>
-            <a:blip r:embed="rId5">
+            <a:blip r:embed="rId6">
               <a:extLst>
                 <a:ext uri="{28A0092B-C50C-407E-A947-70E740481C1C}">
                   <a14:useLocalDpi xmlns:a14="http://schemas.microsoft.com/office/drawing/2010/main" val="0"/>
@@ -39901,7 +41666,7 @@
           <p:nvPr/>
         </p:nvPicPr>
         <p:blipFill>
-          <a:blip r:embed="rId6">
+          <a:blip r:embed="rId7">
             <a:extLst>
               <a:ext uri="{28A0092B-C50C-407E-A947-70E740481C1C}">
                 <a14:useLocalDpi xmlns:a14="http://schemas.microsoft.com/office/drawing/2010/main" val="0"/>
@@ -39931,7 +41696,7 @@
           <p:nvPr/>
         </p:nvPicPr>
         <p:blipFill>
-          <a:blip r:embed="rId7">
+          <a:blip r:embed="rId8">
             <a:extLst>
               <a:ext uri="{28A0092B-C50C-407E-A947-70E740481C1C}">
                 <a14:useLocalDpi xmlns:a14="http://schemas.microsoft.com/office/drawing/2010/main" val="0"/>
@@ -40318,7 +42083,7 @@
           <p:nvPr/>
         </p:nvPicPr>
         <p:blipFill>
-          <a:blip r:embed="rId8" cstate="print">
+          <a:blip r:embed="rId9" cstate="print">
             <a:extLst>
               <a:ext uri="{28A0092B-C50C-407E-A947-70E740481C1C}">
                 <a14:useLocalDpi xmlns:a14="http://schemas.microsoft.com/office/drawing/2010/main" val="0"/>
@@ -40348,7 +42113,7 @@
           <p:nvPr/>
         </p:nvPicPr>
         <p:blipFill>
-          <a:blip r:embed="rId8" cstate="print">
+          <a:blip r:embed="rId9" cstate="print">
             <a:extLst>
               <a:ext uri="{28A0092B-C50C-407E-A947-70E740481C1C}">
                 <a14:useLocalDpi xmlns:a14="http://schemas.microsoft.com/office/drawing/2010/main" val="0"/>
@@ -40378,7 +42143,7 @@
           <p:nvPr/>
         </p:nvPicPr>
         <p:blipFill>
-          <a:blip r:embed="rId8" cstate="print">
+          <a:blip r:embed="rId9" cstate="print">
             <a:extLst>
               <a:ext uri="{28A0092B-C50C-407E-A947-70E740481C1C}">
                 <a14:useLocalDpi xmlns:a14="http://schemas.microsoft.com/office/drawing/2010/main" val="0"/>
@@ -40408,7 +42173,7 @@
           <p:nvPr/>
         </p:nvPicPr>
         <p:blipFill>
-          <a:blip r:embed="rId9" cstate="print">
+          <a:blip r:embed="rId10" cstate="print">
             <a:extLst>
               <a:ext uri="{28A0092B-C50C-407E-A947-70E740481C1C}">
                 <a14:useLocalDpi xmlns:a14="http://schemas.microsoft.com/office/drawing/2010/main" val="0"/>
@@ -40438,7 +42203,7 @@
           <p:nvPr/>
         </p:nvPicPr>
         <p:blipFill>
-          <a:blip r:embed="rId9" cstate="print">
+          <a:blip r:embed="rId10" cstate="print">
             <a:extLst>
               <a:ext uri="{28A0092B-C50C-407E-A947-70E740481C1C}">
                 <a14:useLocalDpi xmlns:a14="http://schemas.microsoft.com/office/drawing/2010/main" val="0"/>
@@ -40468,7 +42233,7 @@
           <p:nvPr/>
         </p:nvPicPr>
         <p:blipFill>
-          <a:blip r:embed="rId9" cstate="print">
+          <a:blip r:embed="rId10" cstate="print">
             <a:extLst>
               <a:ext uri="{28A0092B-C50C-407E-A947-70E740481C1C}">
                 <a14:useLocalDpi xmlns:a14="http://schemas.microsoft.com/office/drawing/2010/main" val="0"/>
@@ -40498,7 +42263,7 @@
           <p:nvPr/>
         </p:nvPicPr>
         <p:blipFill>
-          <a:blip r:embed="rId8" cstate="print">
+          <a:blip r:embed="rId9" cstate="print">
             <a:extLst>
               <a:ext uri="{28A0092B-C50C-407E-A947-70E740481C1C}">
                 <a14:useLocalDpi xmlns:a14="http://schemas.microsoft.com/office/drawing/2010/main" val="0"/>
@@ -40528,7 +42293,7 @@
           <p:nvPr/>
         </p:nvPicPr>
         <p:blipFill>
-          <a:blip r:embed="rId8" cstate="print">
+          <a:blip r:embed="rId9" cstate="print">
             <a:extLst>
               <a:ext uri="{28A0092B-C50C-407E-A947-70E740481C1C}">
                 <a14:useLocalDpi xmlns:a14="http://schemas.microsoft.com/office/drawing/2010/main" val="0"/>
@@ -40558,7 +42323,7 @@
           <p:nvPr/>
         </p:nvPicPr>
         <p:blipFill>
-          <a:blip r:embed="rId8" cstate="print">
+          <a:blip r:embed="rId9" cstate="print">
             <a:extLst>
               <a:ext uri="{28A0092B-C50C-407E-A947-70E740481C1C}">
                 <a14:useLocalDpi xmlns:a14="http://schemas.microsoft.com/office/drawing/2010/main" val="0"/>
@@ -40675,7 +42440,7 @@
         </p:xfrm>
         <a:graphic>
           <a:graphicData uri="http://schemas.openxmlformats.org/drawingml/2006/diagram">
-            <dgm:relIds xmlns:dgm="http://schemas.openxmlformats.org/drawingml/2006/diagram" xmlns:r="http://schemas.openxmlformats.org/officeDocument/2006/relationships" r:dm="rId2" r:lo="rId3" r:qs="rId4" r:cs="rId5"/>
+            <dgm:relIds xmlns:dgm="http://schemas.openxmlformats.org/drawingml/2006/diagram" xmlns:r="http://schemas.openxmlformats.org/officeDocument/2006/relationships" r:dm="rId3" r:lo="rId4" r:qs="rId5" r:cs="rId6"/>
           </a:graphicData>
         </a:graphic>
       </p:graphicFrame>
@@ -40688,7 +42453,7 @@
           <p:nvPr/>
         </p:nvPicPr>
         <p:blipFill>
-          <a:blip r:embed="rId7">
+          <a:blip r:embed="rId8">
             <a:extLst>
               <a:ext uri="{28A0092B-C50C-407E-A947-70E740481C1C}">
                 <a14:useLocalDpi xmlns:a14="http://schemas.microsoft.com/office/drawing/2010/main" val="0"/>
@@ -40718,7 +42483,7 @@
           <p:nvPr/>
         </p:nvPicPr>
         <p:blipFill>
-          <a:blip r:embed="rId8">
+          <a:blip r:embed="rId9">
             <a:extLst>
               <a:ext uri="{28A0092B-C50C-407E-A947-70E740481C1C}">
                 <a14:useLocalDpi xmlns:a14="http://schemas.microsoft.com/office/drawing/2010/main" val="0"/>
@@ -40879,7 +42644,7 @@
         </p:xfrm>
         <a:graphic>
           <a:graphicData uri="http://schemas.openxmlformats.org/drawingml/2006/diagram">
-            <dgm:relIds xmlns:dgm="http://schemas.openxmlformats.org/drawingml/2006/diagram" xmlns:r="http://schemas.openxmlformats.org/officeDocument/2006/relationships" r:dm="rId2" r:lo="rId3" r:qs="rId4" r:cs="rId5"/>
+            <dgm:relIds xmlns:dgm="http://schemas.openxmlformats.org/drawingml/2006/diagram" xmlns:r="http://schemas.openxmlformats.org/officeDocument/2006/relationships" r:dm="rId3" r:lo="rId4" r:qs="rId5" r:cs="rId6"/>
           </a:graphicData>
         </a:graphic>
       </p:graphicFrame>
@@ -40892,7 +42657,7 @@
           <p:nvPr/>
         </p:nvPicPr>
         <p:blipFill>
-          <a:blip r:embed="rId7">
+          <a:blip r:embed="rId8">
             <a:extLst>
               <a:ext uri="{28A0092B-C50C-407E-A947-70E740481C1C}">
                 <a14:useLocalDpi xmlns:a14="http://schemas.microsoft.com/office/drawing/2010/main" val="0"/>
@@ -40922,7 +42687,7 @@
           <p:nvPr/>
         </p:nvPicPr>
         <p:blipFill>
-          <a:blip r:embed="rId8">
+          <a:blip r:embed="rId9">
             <a:extLst>
               <a:ext uri="{28A0092B-C50C-407E-A947-70E740481C1C}">
                 <a14:useLocalDpi xmlns:a14="http://schemas.microsoft.com/office/drawing/2010/main" val="0"/>
@@ -41099,7 +42864,7 @@
         </p:xfrm>
         <a:graphic>
           <a:graphicData uri="http://schemas.openxmlformats.org/drawingml/2006/diagram">
-            <dgm:relIds xmlns:dgm="http://schemas.openxmlformats.org/drawingml/2006/diagram" xmlns:r="http://schemas.openxmlformats.org/officeDocument/2006/relationships" r:dm="rId2" r:lo="rId3" r:qs="rId4" r:cs="rId5"/>
+            <dgm:relIds xmlns:dgm="http://schemas.openxmlformats.org/drawingml/2006/diagram" xmlns:r="http://schemas.openxmlformats.org/officeDocument/2006/relationships" r:dm="rId3" r:lo="rId4" r:qs="rId5" r:cs="rId6"/>
           </a:graphicData>
         </a:graphic>
       </p:graphicFrame>
@@ -41112,7 +42877,7 @@
           <p:nvPr/>
         </p:nvPicPr>
         <p:blipFill>
-          <a:blip r:embed="rId7">
+          <a:blip r:embed="rId8">
             <a:extLst>
               <a:ext uri="{28A0092B-C50C-407E-A947-70E740481C1C}">
                 <a14:useLocalDpi xmlns:a14="http://schemas.microsoft.com/office/drawing/2010/main" val="0"/>
@@ -41142,7 +42907,7 @@
           <p:nvPr/>
         </p:nvPicPr>
         <p:blipFill>
-          <a:blip r:embed="rId8">
+          <a:blip r:embed="rId9">
             <a:extLst>
               <a:ext uri="{28A0092B-C50C-407E-A947-70E740481C1C}">
                 <a14:useLocalDpi xmlns:a14="http://schemas.microsoft.com/office/drawing/2010/main" val="0"/>
@@ -41752,7 +43517,7 @@
           <p:nvPr/>
         </p:nvPicPr>
         <p:blipFill>
-          <a:blip r:embed="rId2">
+          <a:blip r:embed="rId3">
             <a:extLst>
               <a:ext uri="{28A0092B-C50C-407E-A947-70E740481C1C}">
                 <a14:useLocalDpi xmlns:a14="http://schemas.microsoft.com/office/drawing/2010/main" val="0"/>
@@ -41782,7 +43547,7 @@
           <p:nvPr/>
         </p:nvPicPr>
         <p:blipFill>
-          <a:blip r:embed="rId3">
+          <a:blip r:embed="rId4">
             <a:extLst>
               <a:ext uri="{28A0092B-C50C-407E-A947-70E740481C1C}">
                 <a14:useLocalDpi xmlns:a14="http://schemas.microsoft.com/office/drawing/2010/main" val="0"/>
@@ -42160,7 +43925,7 @@
           <p:nvPr/>
         </p:nvPicPr>
         <p:blipFill>
-          <a:blip r:embed="rId2">
+          <a:blip r:embed="rId3">
             <a:extLst>
               <a:ext uri="{28A0092B-C50C-407E-A947-70E740481C1C}">
                 <a14:useLocalDpi xmlns:a14="http://schemas.microsoft.com/office/drawing/2010/main" val="0"/>
@@ -42195,7 +43960,7 @@
           <p:nvPr/>
         </p:nvPicPr>
         <p:blipFill>
-          <a:blip r:embed="rId3">
+          <a:blip r:embed="rId4">
             <a:extLst>
               <a:ext uri="{28A0092B-C50C-407E-A947-70E740481C1C}">
                 <a14:useLocalDpi xmlns:a14="http://schemas.microsoft.com/office/drawing/2010/main" val="0"/>
@@ -42230,7 +43995,7 @@
           <p:nvPr/>
         </p:nvPicPr>
         <p:blipFill>
-          <a:blip r:embed="rId4">
+          <a:blip r:embed="rId5">
             <a:extLst>
               <a:ext uri="{28A0092B-C50C-407E-A947-70E740481C1C}">
                 <a14:useLocalDpi xmlns:a14="http://schemas.microsoft.com/office/drawing/2010/main" val="0"/>
@@ -42265,7 +44030,7 @@
           <p:nvPr/>
         </p:nvPicPr>
         <p:blipFill>
-          <a:blip r:embed="rId5">
+          <a:blip r:embed="rId6">
             <a:extLst>
               <a:ext uri="{28A0092B-C50C-407E-A947-70E740481C1C}">
                 <a14:useLocalDpi xmlns:a14="http://schemas.microsoft.com/office/drawing/2010/main" val="0"/>
@@ -42295,7 +44060,7 @@
           <p:nvPr/>
         </p:nvPicPr>
         <p:blipFill>
-          <a:blip r:embed="rId6">
+          <a:blip r:embed="rId7">
             <a:extLst>
               <a:ext uri="{28A0092B-C50C-407E-A947-70E740481C1C}">
                 <a14:useLocalDpi xmlns:a14="http://schemas.microsoft.com/office/drawing/2010/main" val="0"/>
@@ -42895,7 +44660,7 @@
           <p:nvPr/>
         </p:nvPicPr>
         <p:blipFill>
-          <a:blip r:embed="rId2">
+          <a:blip r:embed="rId3">
             <a:extLst>
               <a:ext uri="{28A0092B-C50C-407E-A947-70E740481C1C}">
                 <a14:useLocalDpi xmlns:a14="http://schemas.microsoft.com/office/drawing/2010/main" val="0"/>
@@ -42930,7 +44695,7 @@
           <p:nvPr/>
         </p:nvPicPr>
         <p:blipFill>
-          <a:blip r:embed="rId3" cstate="print">
+          <a:blip r:embed="rId4" cstate="print">
             <a:extLst>
               <a:ext uri="{28A0092B-C50C-407E-A947-70E740481C1C}">
                 <a14:useLocalDpi xmlns:a14="http://schemas.microsoft.com/office/drawing/2010/main" val="0"/>
@@ -42965,7 +44730,7 @@
           <p:nvPr/>
         </p:nvPicPr>
         <p:blipFill>
-          <a:blip r:embed="rId4" cstate="print">
+          <a:blip r:embed="rId5" cstate="print">
             <a:extLst>
               <a:ext uri="{28A0092B-C50C-407E-A947-70E740481C1C}">
                 <a14:useLocalDpi xmlns:a14="http://schemas.microsoft.com/office/drawing/2010/main" val="0"/>
@@ -43087,7 +44852,7 @@
           <p:nvPr/>
         </p:nvPicPr>
         <p:blipFill>
-          <a:blip r:embed="rId5">
+          <a:blip r:embed="rId6">
             <a:extLst>
               <a:ext uri="{28A0092B-C50C-407E-A947-70E740481C1C}">
                 <a14:useLocalDpi xmlns:a14="http://schemas.microsoft.com/office/drawing/2010/main" val="0"/>
@@ -43117,7 +44882,7 @@
           <p:nvPr/>
         </p:nvPicPr>
         <p:blipFill>
-          <a:blip r:embed="rId6">
+          <a:blip r:embed="rId7">
             <a:extLst>
               <a:ext uri="{28A0092B-C50C-407E-A947-70E740481C1C}">
                 <a14:useLocalDpi xmlns:a14="http://schemas.microsoft.com/office/drawing/2010/main" val="0"/>
@@ -43147,7 +44912,7 @@
           <p:nvPr/>
         </p:nvPicPr>
         <p:blipFill>
-          <a:blip r:embed="rId7" cstate="print">
+          <a:blip r:embed="rId8" cstate="print">
             <a:extLst>
               <a:ext uri="{28A0092B-C50C-407E-A947-70E740481C1C}">
                 <a14:useLocalDpi xmlns:a14="http://schemas.microsoft.com/office/drawing/2010/main" val="0"/>
@@ -43177,7 +44942,7 @@
           <p:nvPr/>
         </p:nvPicPr>
         <p:blipFill>
-          <a:blip r:embed="rId8" cstate="print">
+          <a:blip r:embed="rId9" cstate="print">
             <a:extLst>
               <a:ext uri="{28A0092B-C50C-407E-A947-70E740481C1C}">
                 <a14:useLocalDpi xmlns:a14="http://schemas.microsoft.com/office/drawing/2010/main" val="0"/>
@@ -43207,7 +44972,7 @@
           <p:nvPr/>
         </p:nvPicPr>
         <p:blipFill>
-          <a:blip r:embed="rId7" cstate="print">
+          <a:blip r:embed="rId8" cstate="print">
             <a:extLst>
               <a:ext uri="{28A0092B-C50C-407E-A947-70E740481C1C}">
                 <a14:useLocalDpi xmlns:a14="http://schemas.microsoft.com/office/drawing/2010/main" val="0"/>
@@ -43237,7 +45002,7 @@
           <p:nvPr/>
         </p:nvPicPr>
         <p:blipFill>
-          <a:blip r:embed="rId7" cstate="print">
+          <a:blip r:embed="rId8" cstate="print">
             <a:extLst>
               <a:ext uri="{28A0092B-C50C-407E-A947-70E740481C1C}">
                 <a14:useLocalDpi xmlns:a14="http://schemas.microsoft.com/office/drawing/2010/main" val="0"/>
@@ -43267,7 +45032,7 @@
           <p:nvPr/>
         </p:nvPicPr>
         <p:blipFill>
-          <a:blip r:embed="rId7" cstate="print">
+          <a:blip r:embed="rId8" cstate="print">
             <a:extLst>
               <a:ext uri="{28A0092B-C50C-407E-A947-70E740481C1C}">
                 <a14:useLocalDpi xmlns:a14="http://schemas.microsoft.com/office/drawing/2010/main" val="0"/>
@@ -43297,7 +45062,7 @@
           <p:nvPr/>
         </p:nvPicPr>
         <p:blipFill>
-          <a:blip r:embed="rId7" cstate="print">
+          <a:blip r:embed="rId8" cstate="print">
             <a:extLst>
               <a:ext uri="{28A0092B-C50C-407E-A947-70E740481C1C}">
                 <a14:useLocalDpi xmlns:a14="http://schemas.microsoft.com/office/drawing/2010/main" val="0"/>
@@ -43327,7 +45092,7 @@
           <p:nvPr/>
         </p:nvPicPr>
         <p:blipFill>
-          <a:blip r:embed="rId7" cstate="print">
+          <a:blip r:embed="rId8" cstate="print">
             <a:extLst>
               <a:ext uri="{28A0092B-C50C-407E-A947-70E740481C1C}">
                 <a14:useLocalDpi xmlns:a14="http://schemas.microsoft.com/office/drawing/2010/main" val="0"/>
@@ -43357,7 +45122,7 @@
           <p:nvPr/>
         </p:nvPicPr>
         <p:blipFill>
-          <a:blip r:embed="rId7" cstate="print">
+          <a:blip r:embed="rId8" cstate="print">
             <a:extLst>
               <a:ext uri="{28A0092B-C50C-407E-A947-70E740481C1C}">
                 <a14:useLocalDpi xmlns:a14="http://schemas.microsoft.com/office/drawing/2010/main" val="0"/>
@@ -43387,7 +45152,7 @@
           <p:nvPr/>
         </p:nvPicPr>
         <p:blipFill>
-          <a:blip r:embed="rId7" cstate="print">
+          <a:blip r:embed="rId8" cstate="print">
             <a:extLst>
               <a:ext uri="{28A0092B-C50C-407E-A947-70E740481C1C}">
                 <a14:useLocalDpi xmlns:a14="http://schemas.microsoft.com/office/drawing/2010/main" val="0"/>
@@ -43417,7 +45182,7 @@
           <p:nvPr/>
         </p:nvPicPr>
         <p:blipFill>
-          <a:blip r:embed="rId8" cstate="print">
+          <a:blip r:embed="rId9" cstate="print">
             <a:extLst>
               <a:ext uri="{28A0092B-C50C-407E-A947-70E740481C1C}">
                 <a14:useLocalDpi xmlns:a14="http://schemas.microsoft.com/office/drawing/2010/main" val="0"/>
@@ -43447,7 +45212,7 @@
           <p:nvPr/>
         </p:nvPicPr>
         <p:blipFill>
-          <a:blip r:embed="rId8" cstate="print">
+          <a:blip r:embed="rId9" cstate="print">
             <a:extLst>
               <a:ext uri="{28A0092B-C50C-407E-A947-70E740481C1C}">
                 <a14:useLocalDpi xmlns:a14="http://schemas.microsoft.com/office/drawing/2010/main" val="0"/>
@@ -43477,7 +45242,7 @@
           <p:nvPr/>
         </p:nvPicPr>
         <p:blipFill>
-          <a:blip r:embed="rId8" cstate="print">
+          <a:blip r:embed="rId9" cstate="print">
             <a:extLst>
               <a:ext uri="{28A0092B-C50C-407E-A947-70E740481C1C}">
                 <a14:useLocalDpi xmlns:a14="http://schemas.microsoft.com/office/drawing/2010/main" val="0"/>
@@ -44265,7 +46030,7 @@
           <p:nvPr/>
         </p:nvPicPr>
         <p:blipFill>
-          <a:blip r:embed="rId2">
+          <a:blip r:embed="rId3">
             <a:extLst>
               <a:ext uri="{28A0092B-C50C-407E-A947-70E740481C1C}">
                 <a14:useLocalDpi xmlns:a14="http://schemas.microsoft.com/office/drawing/2010/main" val="0"/>
@@ -44295,7 +46060,7 @@
           <p:nvPr/>
         </p:nvPicPr>
         <p:blipFill>
-          <a:blip r:embed="rId3">
+          <a:blip r:embed="rId4">
             <a:extLst>
               <a:ext uri="{28A0092B-C50C-407E-A947-70E740481C1C}">
                 <a14:useLocalDpi xmlns:a14="http://schemas.microsoft.com/office/drawing/2010/main" val="0"/>
@@ -44325,7 +46090,7 @@
           <p:nvPr/>
         </p:nvPicPr>
         <p:blipFill>
-          <a:blip r:embed="rId4" cstate="print">
+          <a:blip r:embed="rId5" cstate="print">
             <a:extLst>
               <a:ext uri="{28A0092B-C50C-407E-A947-70E740481C1C}">
                 <a14:useLocalDpi xmlns:a14="http://schemas.microsoft.com/office/drawing/2010/main" val="0"/>
@@ -44355,7 +46120,7 @@
           <p:nvPr/>
         </p:nvPicPr>
         <p:blipFill>
-          <a:blip r:embed="rId4" cstate="print">
+          <a:blip r:embed="rId5" cstate="print">
             <a:extLst>
               <a:ext uri="{28A0092B-C50C-407E-A947-70E740481C1C}">
                 <a14:useLocalDpi xmlns:a14="http://schemas.microsoft.com/office/drawing/2010/main" val="0"/>
@@ -44385,7 +46150,7 @@
           <p:nvPr/>
         </p:nvPicPr>
         <p:blipFill>
-          <a:blip r:embed="rId4" cstate="print">
+          <a:blip r:embed="rId5" cstate="print">
             <a:extLst>
               <a:ext uri="{28A0092B-C50C-407E-A947-70E740481C1C}">
                 <a14:useLocalDpi xmlns:a14="http://schemas.microsoft.com/office/drawing/2010/main" val="0"/>
@@ -44415,7 +46180,7 @@
           <p:nvPr/>
         </p:nvPicPr>
         <p:blipFill>
-          <a:blip r:embed="rId4" cstate="print">
+          <a:blip r:embed="rId5" cstate="print">
             <a:extLst>
               <a:ext uri="{28A0092B-C50C-407E-A947-70E740481C1C}">
                 <a14:useLocalDpi xmlns:a14="http://schemas.microsoft.com/office/drawing/2010/main" val="0"/>
@@ -44445,7 +46210,7 @@
           <p:nvPr/>
         </p:nvPicPr>
         <p:blipFill>
-          <a:blip r:embed="rId4" cstate="print">
+          <a:blip r:embed="rId5" cstate="print">
             <a:extLst>
               <a:ext uri="{28A0092B-C50C-407E-A947-70E740481C1C}">
                 <a14:useLocalDpi xmlns:a14="http://schemas.microsoft.com/office/drawing/2010/main" val="0"/>
@@ -44475,7 +46240,7 @@
           <p:nvPr/>
         </p:nvPicPr>
         <p:blipFill>
-          <a:blip r:embed="rId4" cstate="print">
+          <a:blip r:embed="rId5" cstate="print">
             <a:extLst>
               <a:ext uri="{28A0092B-C50C-407E-A947-70E740481C1C}">
                 <a14:useLocalDpi xmlns:a14="http://schemas.microsoft.com/office/drawing/2010/main" val="0"/>
@@ -44505,7 +46270,7 @@
           <p:nvPr/>
         </p:nvPicPr>
         <p:blipFill>
-          <a:blip r:embed="rId4" cstate="print">
+          <a:blip r:embed="rId5" cstate="print">
             <a:extLst>
               <a:ext uri="{28A0092B-C50C-407E-A947-70E740481C1C}">
                 <a14:useLocalDpi xmlns:a14="http://schemas.microsoft.com/office/drawing/2010/main" val="0"/>
@@ -44535,7 +46300,7 @@
           <p:nvPr/>
         </p:nvPicPr>
         <p:blipFill>
-          <a:blip r:embed="rId4" cstate="print">
+          <a:blip r:embed="rId5" cstate="print">
             <a:extLst>
               <a:ext uri="{28A0092B-C50C-407E-A947-70E740481C1C}">
                 <a14:useLocalDpi xmlns:a14="http://schemas.microsoft.com/office/drawing/2010/main" val="0"/>
@@ -44565,7 +46330,7 @@
           <p:nvPr/>
         </p:nvPicPr>
         <p:blipFill>
-          <a:blip r:embed="rId5" cstate="print">
+          <a:blip r:embed="rId6" cstate="print">
             <a:extLst>
               <a:ext uri="{28A0092B-C50C-407E-A947-70E740481C1C}">
                 <a14:useLocalDpi xmlns:a14="http://schemas.microsoft.com/office/drawing/2010/main" val="0"/>
@@ -44595,7 +46360,7 @@
           <p:nvPr/>
         </p:nvPicPr>
         <p:blipFill>
-          <a:blip r:embed="rId4" cstate="print">
+          <a:blip r:embed="rId5" cstate="print">
             <a:extLst>
               <a:ext uri="{28A0092B-C50C-407E-A947-70E740481C1C}">
                 <a14:useLocalDpi xmlns:a14="http://schemas.microsoft.com/office/drawing/2010/main" val="0"/>
@@ -44625,7 +46390,7 @@
           <p:nvPr/>
         </p:nvPicPr>
         <p:blipFill>
-          <a:blip r:embed="rId6" cstate="print">
+          <a:blip r:embed="rId7" cstate="print">
             <a:extLst>
               <a:ext uri="{28A0092B-C50C-407E-A947-70E740481C1C}">
                 <a14:useLocalDpi xmlns:a14="http://schemas.microsoft.com/office/drawing/2010/main" val="0"/>
@@ -44691,7 +46456,7 @@
           <p:nvPr/>
         </p:nvPicPr>
         <p:blipFill>
-          <a:blip r:embed="rId4" cstate="print">
+          <a:blip r:embed="rId5" cstate="print">
             <a:extLst>
               <a:ext uri="{28A0092B-C50C-407E-A947-70E740481C1C}">
                 <a14:useLocalDpi xmlns:a14="http://schemas.microsoft.com/office/drawing/2010/main" val="0"/>
@@ -44721,7 +46486,7 @@
           <p:nvPr/>
         </p:nvPicPr>
         <p:blipFill>
-          <a:blip r:embed="rId4" cstate="print">
+          <a:blip r:embed="rId5" cstate="print">
             <a:extLst>
               <a:ext uri="{28A0092B-C50C-407E-A947-70E740481C1C}">
                 <a14:useLocalDpi xmlns:a14="http://schemas.microsoft.com/office/drawing/2010/main" val="0"/>
@@ -45313,7 +47078,7 @@
           <p:nvPr/>
         </p:nvPicPr>
         <p:blipFill>
-          <a:blip r:embed="rId2" cstate="print">
+          <a:blip r:embed="rId3" cstate="print">
             <a:extLst>
               <a:ext uri="{28A0092B-C50C-407E-A947-70E740481C1C}">
                 <a14:useLocalDpi xmlns:a14="http://schemas.microsoft.com/office/drawing/2010/main" val="0"/>
@@ -45343,7 +47108,7 @@
           <p:nvPr/>
         </p:nvPicPr>
         <p:blipFill>
-          <a:blip r:embed="rId3">
+          <a:blip r:embed="rId4">
             <a:extLst>
               <a:ext uri="{28A0092B-C50C-407E-A947-70E740481C1C}">
                 <a14:useLocalDpi xmlns:a14="http://schemas.microsoft.com/office/drawing/2010/main" val="0"/>
@@ -45373,7 +47138,7 @@
           <p:nvPr/>
         </p:nvPicPr>
         <p:blipFill>
-          <a:blip r:embed="rId4">
+          <a:blip r:embed="rId5">
             <a:extLst>
               <a:ext uri="{28A0092B-C50C-407E-A947-70E740481C1C}">
                 <a14:useLocalDpi xmlns:a14="http://schemas.microsoft.com/office/drawing/2010/main" val="0"/>
@@ -45403,7 +47168,7 @@
           <p:nvPr/>
         </p:nvPicPr>
         <p:blipFill>
-          <a:blip r:embed="rId5" cstate="print">
+          <a:blip r:embed="rId6" cstate="print">
             <a:extLst>
               <a:ext uri="{28A0092B-C50C-407E-A947-70E740481C1C}">
                 <a14:useLocalDpi xmlns:a14="http://schemas.microsoft.com/office/drawing/2010/main" val="0"/>
@@ -46151,7 +47916,7 @@
           <p:nvPr/>
         </p:nvPicPr>
         <p:blipFill>
-          <a:blip r:embed="rId2" cstate="print">
+          <a:blip r:embed="rId3" cstate="print">
             <a:extLst>
               <a:ext uri="{28A0092B-C50C-407E-A947-70E740481C1C}">
                 <a14:useLocalDpi xmlns:a14="http://schemas.microsoft.com/office/drawing/2010/main" val="0"/>
@@ -46181,7 +47946,7 @@
           <p:nvPr/>
         </p:nvPicPr>
         <p:blipFill>
-          <a:blip r:embed="rId3">
+          <a:blip r:embed="rId4">
             <a:extLst>
               <a:ext uri="{28A0092B-C50C-407E-A947-70E740481C1C}">
                 <a14:useLocalDpi xmlns:a14="http://schemas.microsoft.com/office/drawing/2010/main" val="0"/>
@@ -46211,7 +47976,7 @@
           <p:nvPr/>
         </p:nvPicPr>
         <p:blipFill>
-          <a:blip r:embed="rId4">
+          <a:blip r:embed="rId5">
             <a:extLst>
               <a:ext uri="{28A0092B-C50C-407E-A947-70E740481C1C}">
                 <a14:useLocalDpi xmlns:a14="http://schemas.microsoft.com/office/drawing/2010/main" val="0"/>
@@ -46241,7 +48006,7 @@
           <p:nvPr/>
         </p:nvPicPr>
         <p:blipFill>
-          <a:blip r:embed="rId5" cstate="print">
+          <a:blip r:embed="rId6" cstate="print">
             <a:extLst>
               <a:ext uri="{28A0092B-C50C-407E-A947-70E740481C1C}">
                 <a14:useLocalDpi xmlns:a14="http://schemas.microsoft.com/office/drawing/2010/main" val="0"/>
@@ -46271,7 +48036,7 @@
           <p:nvPr/>
         </p:nvPicPr>
         <p:blipFill>
-          <a:blip r:embed="rId6" cstate="print">
+          <a:blip r:embed="rId7" cstate="print">
             <a:extLst>
               <a:ext uri="{28A0092B-C50C-407E-A947-70E740481C1C}">
                 <a14:useLocalDpi xmlns:a14="http://schemas.microsoft.com/office/drawing/2010/main" val="0"/>
@@ -46301,7 +48066,7 @@
           <p:nvPr/>
         </p:nvPicPr>
         <p:blipFill>
-          <a:blip r:embed="rId7" cstate="print">
+          <a:blip r:embed="rId8" cstate="print">
             <a:extLst>
               <a:ext uri="{28A0092B-C50C-407E-A947-70E740481C1C}">
                 <a14:useLocalDpi xmlns:a14="http://schemas.microsoft.com/office/drawing/2010/main" val="0"/>
@@ -46331,7 +48096,7 @@
           <p:nvPr/>
         </p:nvPicPr>
         <p:blipFill>
-          <a:blip r:embed="rId6" cstate="print">
+          <a:blip r:embed="rId7" cstate="print">
             <a:extLst>
               <a:ext uri="{28A0092B-C50C-407E-A947-70E740481C1C}">
                 <a14:useLocalDpi xmlns:a14="http://schemas.microsoft.com/office/drawing/2010/main" val="0"/>
@@ -46361,7 +48126,7 @@
           <p:nvPr/>
         </p:nvPicPr>
         <p:blipFill>
-          <a:blip r:embed="rId6" cstate="print">
+          <a:blip r:embed="rId7" cstate="print">
             <a:extLst>
               <a:ext uri="{28A0092B-C50C-407E-A947-70E740481C1C}">
                 <a14:useLocalDpi xmlns:a14="http://schemas.microsoft.com/office/drawing/2010/main" val="0"/>
@@ -46391,7 +48156,7 @@
           <p:nvPr/>
         </p:nvPicPr>
         <p:blipFill>
-          <a:blip r:embed="rId6" cstate="print">
+          <a:blip r:embed="rId7" cstate="print">
             <a:extLst>
               <a:ext uri="{28A0092B-C50C-407E-A947-70E740481C1C}">
                 <a14:useLocalDpi xmlns:a14="http://schemas.microsoft.com/office/drawing/2010/main" val="0"/>
@@ -46421,7 +48186,7 @@
           <p:nvPr/>
         </p:nvPicPr>
         <p:blipFill>
-          <a:blip r:embed="rId8" cstate="print">
+          <a:blip r:embed="rId9" cstate="print">
             <a:extLst>
               <a:ext uri="{28A0092B-C50C-407E-A947-70E740481C1C}">
                 <a14:useLocalDpi xmlns:a14="http://schemas.microsoft.com/office/drawing/2010/main" val="0"/>
@@ -46451,7 +48216,7 @@
           <p:nvPr/>
         </p:nvPicPr>
         <p:blipFill>
-          <a:blip r:embed="rId8" cstate="print">
+          <a:blip r:embed="rId9" cstate="print">
             <a:extLst>
               <a:ext uri="{28A0092B-C50C-407E-A947-70E740481C1C}">
                 <a14:useLocalDpi xmlns:a14="http://schemas.microsoft.com/office/drawing/2010/main" val="0"/>
@@ -46481,7 +48246,7 @@
           <p:nvPr/>
         </p:nvPicPr>
         <p:blipFill>
-          <a:blip r:embed="rId8" cstate="print">
+          <a:blip r:embed="rId9" cstate="print">
             <a:extLst>
               <a:ext uri="{28A0092B-C50C-407E-A947-70E740481C1C}">
                 <a14:useLocalDpi xmlns:a14="http://schemas.microsoft.com/office/drawing/2010/main" val="0"/>
@@ -46511,7 +48276,7 @@
           <p:nvPr/>
         </p:nvPicPr>
         <p:blipFill>
-          <a:blip r:embed="rId8" cstate="print">
+          <a:blip r:embed="rId9" cstate="print">
             <a:extLst>
               <a:ext uri="{28A0092B-C50C-407E-A947-70E740481C1C}">
                 <a14:useLocalDpi xmlns:a14="http://schemas.microsoft.com/office/drawing/2010/main" val="0"/>
@@ -46541,7 +48306,7 @@
           <p:nvPr/>
         </p:nvPicPr>
         <p:blipFill>
-          <a:blip r:embed="rId9">
+          <a:blip r:embed="rId10">
             <a:extLst>
               <a:ext uri="{28A0092B-C50C-407E-A947-70E740481C1C}">
                 <a14:useLocalDpi xmlns:a14="http://schemas.microsoft.com/office/drawing/2010/main" val="0"/>
@@ -46571,7 +48336,7 @@
           <p:nvPr/>
         </p:nvPicPr>
         <p:blipFill>
-          <a:blip r:embed="rId10">
+          <a:blip r:embed="rId11">
             <a:extLst>
               <a:ext uri="{28A0092B-C50C-407E-A947-70E740481C1C}">
                 <a14:useLocalDpi xmlns:a14="http://schemas.microsoft.com/office/drawing/2010/main" val="0"/>
@@ -46601,7 +48366,7 @@
           <p:nvPr/>
         </p:nvPicPr>
         <p:blipFill>
-          <a:blip r:embed="rId8" cstate="print">
+          <a:blip r:embed="rId9" cstate="print">
             <a:extLst>
               <a:ext uri="{28A0092B-C50C-407E-A947-70E740481C1C}">
                 <a14:useLocalDpi xmlns:a14="http://schemas.microsoft.com/office/drawing/2010/main" val="0"/>
@@ -46631,7 +48396,7 @@
           <p:nvPr/>
         </p:nvPicPr>
         <p:blipFill>
-          <a:blip r:embed="rId11">
+          <a:blip r:embed="rId12">
             <a:extLst>
               <a:ext uri="{28A0092B-C50C-407E-A947-70E740481C1C}">
                 <a14:useLocalDpi xmlns:a14="http://schemas.microsoft.com/office/drawing/2010/main" val="0"/>
@@ -46661,7 +48426,7 @@
           <p:nvPr/>
         </p:nvPicPr>
         <p:blipFill>
-          <a:blip r:embed="rId12" cstate="print">
+          <a:blip r:embed="rId13" cstate="print">
             <a:extLst>
               <a:ext uri="{28A0092B-C50C-407E-A947-70E740481C1C}">
                 <a14:useLocalDpi xmlns:a14="http://schemas.microsoft.com/office/drawing/2010/main" val="0"/>
@@ -46839,7 +48604,7 @@
           <p:nvPr/>
         </p:nvPicPr>
         <p:blipFill>
-          <a:blip r:embed="rId2">
+          <a:blip r:embed="rId3">
             <a:extLst>
               <a:ext uri="{28A0092B-C50C-407E-A947-70E740481C1C}">
                 <a14:useLocalDpi xmlns:a14="http://schemas.microsoft.com/office/drawing/2010/main" val="0"/>
@@ -47180,7 +48945,7 @@
           <p:nvPr/>
         </p:nvPicPr>
         <p:blipFill>
-          <a:blip r:embed="rId3">
+          <a:blip r:embed="rId4">
             <a:extLst>
               <a:ext uri="{28A0092B-C50C-407E-A947-70E740481C1C}">
                 <a14:useLocalDpi xmlns:a14="http://schemas.microsoft.com/office/drawing/2010/main" val="0"/>
@@ -49139,7 +50904,7 @@
           <p:nvPr/>
         </p:nvPicPr>
         <p:blipFill>
-          <a:blip r:embed="rId2">
+          <a:blip r:embed="rId3">
             <a:extLst>
               <a:ext uri="{28A0092B-C50C-407E-A947-70E740481C1C}">
                 <a14:useLocalDpi xmlns:a14="http://schemas.microsoft.com/office/drawing/2010/main" val="0"/>
@@ -49169,7 +50934,7 @@
           <p:nvPr/>
         </p:nvPicPr>
         <p:blipFill>
-          <a:blip r:embed="rId3">
+          <a:blip r:embed="rId4">
             <a:extLst>
               <a:ext uri="{28A0092B-C50C-407E-A947-70E740481C1C}">
                 <a14:useLocalDpi xmlns:a14="http://schemas.microsoft.com/office/drawing/2010/main" val="0"/>
@@ -49578,7 +51343,7 @@
           <p:nvPr/>
         </p:nvPicPr>
         <p:blipFill>
-          <a:blip r:embed="rId4">
+          <a:blip r:embed="rId5">
             <a:extLst>
               <a:ext uri="{28A0092B-C50C-407E-A947-70E740481C1C}">
                 <a14:useLocalDpi xmlns:a14="http://schemas.microsoft.com/office/drawing/2010/main" val="0"/>
@@ -49608,7 +51373,7 @@
           <p:nvPr/>
         </p:nvPicPr>
         <p:blipFill>
-          <a:blip r:embed="rId5">
+          <a:blip r:embed="rId6">
             <a:extLst>
               <a:ext uri="{28A0092B-C50C-407E-A947-70E740481C1C}">
                 <a14:useLocalDpi xmlns:a14="http://schemas.microsoft.com/office/drawing/2010/main" val="0"/>
@@ -49748,7 +51513,7 @@
         </p:xfrm>
         <a:graphic>
           <a:graphicData uri="http://schemas.openxmlformats.org/drawingml/2006/diagram">
-            <dgm:relIds xmlns:dgm="http://schemas.openxmlformats.org/drawingml/2006/diagram" xmlns:r="http://schemas.openxmlformats.org/officeDocument/2006/relationships" r:dm="rId2" r:lo="rId3" r:qs="rId4" r:cs="rId5"/>
+            <dgm:relIds xmlns:dgm="http://schemas.openxmlformats.org/drawingml/2006/diagram" xmlns:r="http://schemas.openxmlformats.org/officeDocument/2006/relationships" r:dm="rId3" r:lo="rId4" r:qs="rId5" r:cs="rId6"/>
           </a:graphicData>
         </a:graphic>
       </p:graphicFrame>
@@ -49844,7 +51609,7 @@
           <p:nvPr/>
         </p:nvPicPr>
         <p:blipFill>
-          <a:blip r:embed="rId7">
+          <a:blip r:embed="rId8">
             <a:extLst>
               <a:ext uri="{28A0092B-C50C-407E-A947-70E740481C1C}">
                 <a14:useLocalDpi xmlns:a14="http://schemas.microsoft.com/office/drawing/2010/main" val="0"/>
@@ -49874,7 +51639,7 @@
           <p:nvPr/>
         </p:nvPicPr>
         <p:blipFill>
-          <a:blip r:embed="rId8">
+          <a:blip r:embed="rId9">
             <a:extLst>
               <a:ext uri="{28A0092B-C50C-407E-A947-70E740481C1C}">
                 <a14:useLocalDpi xmlns:a14="http://schemas.microsoft.com/office/drawing/2010/main" val="0"/>
@@ -49949,7 +51714,7 @@
           <p:nvPr>
             <p:extLst>
               <p:ext uri="{D42A27DB-BD31-4B8C-83A1-F6EECF244321}">
-                <p14:modId xmlns:p14="http://schemas.microsoft.com/office/powerpoint/2010/main" val="3314672725"/>
+                <p14:modId xmlns:p14="http://schemas.microsoft.com/office/powerpoint/2010/main" val="968736321"/>
               </p:ext>
             </p:extLst>
           </p:nvPr>
@@ -49960,7 +51725,7 @@
         </p:xfrm>
         <a:graphic>
           <a:graphicData uri="http://schemas.openxmlformats.org/drawingml/2006/diagram">
-            <dgm:relIds xmlns:dgm="http://schemas.openxmlformats.org/drawingml/2006/diagram" xmlns:r="http://schemas.openxmlformats.org/officeDocument/2006/relationships" r:dm="rId9" r:lo="rId10" r:qs="rId11" r:cs="rId12"/>
+            <dgm:relIds xmlns:dgm="http://schemas.openxmlformats.org/drawingml/2006/diagram" xmlns:r="http://schemas.openxmlformats.org/officeDocument/2006/relationships" r:dm="rId10" r:lo="rId11" r:qs="rId12" r:cs="rId13"/>
           </a:graphicData>
         </a:graphic>
       </p:graphicFrame>
@@ -49973,7 +51738,7 @@
           <p:nvPr/>
         </p:nvPicPr>
         <p:blipFill>
-          <a:blip r:embed="rId14">
+          <a:blip r:embed="rId15">
             <a:extLst>
               <a:ext uri="{28A0092B-C50C-407E-A947-70E740481C1C}">
                 <a14:useLocalDpi xmlns:a14="http://schemas.microsoft.com/office/drawing/2010/main" val="0"/>
@@ -50059,7 +51824,7 @@
         </p:xfrm>
         <a:graphic>
           <a:graphicData uri="http://schemas.openxmlformats.org/drawingml/2006/diagram">
-            <dgm:relIds xmlns:dgm="http://schemas.openxmlformats.org/drawingml/2006/diagram" xmlns:r="http://schemas.openxmlformats.org/officeDocument/2006/relationships" r:dm="rId2" r:lo="rId3" r:qs="rId4" r:cs="rId5"/>
+            <dgm:relIds xmlns:dgm="http://schemas.openxmlformats.org/drawingml/2006/diagram" xmlns:r="http://schemas.openxmlformats.org/officeDocument/2006/relationships" r:dm="rId3" r:lo="rId4" r:qs="rId5" r:cs="rId6"/>
           </a:graphicData>
         </a:graphic>
       </p:graphicFrame>
@@ -50072,7 +51837,7 @@
           <p:nvPr/>
         </p:nvPicPr>
         <p:blipFill>
-          <a:blip r:embed="rId7">
+          <a:blip r:embed="rId8">
             <a:extLst>
               <a:ext uri="{28A0092B-C50C-407E-A947-70E740481C1C}">
                 <a14:useLocalDpi xmlns:a14="http://schemas.microsoft.com/office/drawing/2010/main" val="0"/>
@@ -50102,7 +51867,7 @@
           <p:nvPr/>
         </p:nvPicPr>
         <p:blipFill>
-          <a:blip r:embed="rId8">
+          <a:blip r:embed="rId9">
             <a:extLst>
               <a:ext uri="{28A0092B-C50C-407E-A947-70E740481C1C}">
                 <a14:useLocalDpi xmlns:a14="http://schemas.microsoft.com/office/drawing/2010/main" val="0"/>

--- a/Presentazione.pptx
+++ b/Presentazione.pptx
@@ -19211,6 +19211,420 @@
       <dsp:cNvGrpSpPr/>
     </dsp:nvGrpSpPr>
     <dsp:grpSpPr/>
+    <dsp:sp modelId="{85B8A7D0-D87E-476D-8CD5-C36200C50AC1}">
+      <dsp:nvSpPr>
+        <dsp:cNvPr id="0" name=""/>
+        <dsp:cNvSpPr/>
+      </dsp:nvSpPr>
+      <dsp:spPr>
+        <a:xfrm>
+          <a:off x="0" y="0"/>
+          <a:ext cx="7429500" cy="1006077"/>
+        </a:xfrm>
+        <a:prstGeom prst="roundRect">
+          <a:avLst>
+            <a:gd name="adj" fmla="val 10000"/>
+          </a:avLst>
+        </a:prstGeom>
+        <a:solidFill>
+          <a:schemeClr val="lt1"/>
+        </a:solidFill>
+        <a:ln w="12700" cap="flat" cmpd="sng" algn="ctr">
+          <a:gradFill>
+            <a:gsLst>
+              <a:gs pos="0">
+                <a:schemeClr val="accent1">
+                  <a:lumMod val="5000"/>
+                  <a:lumOff val="95000"/>
+                </a:schemeClr>
+              </a:gs>
+              <a:gs pos="100000">
+                <a:srgbClr val="B23333"/>
+              </a:gs>
+            </a:gsLst>
+            <a:lin ang="5400000" scaled="1"/>
+          </a:gradFill>
+          <a:prstDash val="solid"/>
+          <a:miter lim="800000"/>
+        </a:ln>
+        <a:effectLst/>
+      </dsp:spPr>
+      <dsp:style>
+        <a:lnRef idx="2">
+          <a:schemeClr val="dk1"/>
+        </a:lnRef>
+        <a:fillRef idx="1">
+          <a:schemeClr val="lt1"/>
+        </a:fillRef>
+        <a:effectRef idx="0">
+          <a:schemeClr val="dk1"/>
+        </a:effectRef>
+        <a:fontRef idx="minor">
+          <a:schemeClr val="dk1"/>
+        </a:fontRef>
+      </dsp:style>
+      <dsp:txBody>
+        <a:bodyPr spcFirstLastPara="0" vert="horz" wrap="square" lIns="83820" tIns="83820" rIns="83820" bIns="83820" numCol="1" spcCol="1270" anchor="ctr" anchorCtr="0">
+          <a:noAutofit/>
+        </a:bodyPr>
+        <a:lstStyle/>
+        <a:p>
+          <a:pPr lvl="0" algn="l" defTabSz="977900">
+            <a:lnSpc>
+              <a:spcPct val="90000"/>
+            </a:lnSpc>
+            <a:spcBef>
+              <a:spcPct val="0"/>
+            </a:spcBef>
+            <a:spcAft>
+              <a:spcPct val="35000"/>
+            </a:spcAft>
+          </a:pPr>
+          <a:r>
+            <a:rPr lang="it-IT" sz="2200" kern="1200" dirty="0" err="1" smtClean="0"/>
+            <a:t>RubyMine</a:t>
+          </a:r>
+          <a:endParaRPr lang="it-IT" sz="2200" kern="1200" dirty="0" smtClean="0"/>
+        </a:p>
+      </dsp:txBody>
+      <dsp:txXfrm>
+        <a:off x="1586507" y="0"/>
+        <a:ext cx="5842992" cy="1006077"/>
+      </dsp:txXfrm>
+    </dsp:sp>
+    <dsp:sp modelId="{0326A0ED-A227-4CDF-9AC3-B9761DF1636A}">
+      <dsp:nvSpPr>
+        <dsp:cNvPr id="0" name=""/>
+        <dsp:cNvSpPr/>
+      </dsp:nvSpPr>
+      <dsp:spPr>
+        <a:xfrm>
+          <a:off x="100607" y="100607"/>
+          <a:ext cx="1485900" cy="804862"/>
+        </a:xfrm>
+        <a:prstGeom prst="roundRect">
+          <a:avLst>
+            <a:gd name="adj" fmla="val 10000"/>
+          </a:avLst>
+        </a:prstGeom>
+        <a:blipFill dpi="0" rotWithShape="1">
+          <a:blip xmlns:r="http://schemas.openxmlformats.org/officeDocument/2006/relationships" r:embed="rId1"/>
+          <a:srcRect/>
+          <a:stretch>
+            <a:fillRect l="24525" r="24525"/>
+          </a:stretch>
+        </a:blipFill>
+        <a:ln w="12700" cap="flat" cmpd="sng" algn="ctr">
+          <a:solidFill>
+            <a:schemeClr val="lt1">
+              <a:hueOff val="0"/>
+              <a:satOff val="0"/>
+              <a:lumOff val="0"/>
+              <a:alphaOff val="0"/>
+            </a:schemeClr>
+          </a:solidFill>
+          <a:prstDash val="solid"/>
+          <a:miter lim="800000"/>
+        </a:ln>
+        <a:effectLst/>
+      </dsp:spPr>
+      <dsp:style>
+        <a:lnRef idx="2">
+          <a:scrgbClr r="0" g="0" b="0"/>
+        </a:lnRef>
+        <a:fillRef idx="1">
+          <a:scrgbClr r="0" g="0" b="0"/>
+        </a:fillRef>
+        <a:effectRef idx="0">
+          <a:scrgbClr r="0" g="0" b="0"/>
+        </a:effectRef>
+        <a:fontRef idx="minor"/>
+      </dsp:style>
+    </dsp:sp>
+    <dsp:sp modelId="{FA36D0CE-3C74-4292-B5FA-58EC36427987}">
+      <dsp:nvSpPr>
+        <dsp:cNvPr id="0" name=""/>
+        <dsp:cNvSpPr/>
+      </dsp:nvSpPr>
+      <dsp:spPr>
+        <a:xfrm>
+          <a:off x="0" y="1106685"/>
+          <a:ext cx="7429500" cy="1006077"/>
+        </a:xfrm>
+        <a:prstGeom prst="roundRect">
+          <a:avLst>
+            <a:gd name="adj" fmla="val 10000"/>
+          </a:avLst>
+        </a:prstGeom>
+        <a:solidFill>
+          <a:schemeClr val="lt1"/>
+        </a:solidFill>
+        <a:ln w="12700" cap="flat" cmpd="sng" algn="ctr">
+          <a:gradFill>
+            <a:gsLst>
+              <a:gs pos="0">
+                <a:schemeClr val="accent1">
+                  <a:lumMod val="5000"/>
+                  <a:lumOff val="95000"/>
+                </a:schemeClr>
+              </a:gs>
+              <a:gs pos="100000">
+                <a:srgbClr val="4FA226"/>
+              </a:gs>
+            </a:gsLst>
+            <a:lin ang="5400000" scaled="1"/>
+          </a:gradFill>
+          <a:prstDash val="solid"/>
+          <a:miter lim="800000"/>
+        </a:ln>
+        <a:effectLst/>
+      </dsp:spPr>
+      <dsp:style>
+        <a:lnRef idx="2">
+          <a:schemeClr val="dk1"/>
+        </a:lnRef>
+        <a:fillRef idx="1">
+          <a:schemeClr val="lt1"/>
+        </a:fillRef>
+        <a:effectRef idx="0">
+          <a:schemeClr val="dk1"/>
+        </a:effectRef>
+        <a:fontRef idx="minor">
+          <a:schemeClr val="dk1"/>
+        </a:fontRef>
+      </dsp:style>
+      <dsp:txBody>
+        <a:bodyPr spcFirstLastPara="0" vert="horz" wrap="square" lIns="83820" tIns="83820" rIns="83820" bIns="83820" numCol="1" spcCol="1270" anchor="ctr" anchorCtr="0">
+          <a:noAutofit/>
+        </a:bodyPr>
+        <a:lstStyle/>
+        <a:p>
+          <a:pPr lvl="0" algn="l" defTabSz="977900">
+            <a:lnSpc>
+              <a:spcPct val="90000"/>
+            </a:lnSpc>
+            <a:spcBef>
+              <a:spcPct val="0"/>
+            </a:spcBef>
+            <a:spcAft>
+              <a:spcPct val="35000"/>
+            </a:spcAft>
+          </a:pPr>
+          <a:r>
+            <a:rPr lang="it-IT" sz="2200" kern="1200" dirty="0" err="1" smtClean="0"/>
+            <a:t>Eclipse</a:t>
+          </a:r>
+          <a:r>
+            <a:rPr lang="it-IT" sz="2200" kern="1200" dirty="0" smtClean="0"/>
+            <a:t> Luna + Spring </a:t>
+          </a:r>
+          <a:r>
+            <a:rPr lang="it-IT" sz="2200" kern="1200" dirty="0" err="1" smtClean="0"/>
+            <a:t>Tool</a:t>
+          </a:r>
+          <a:r>
+            <a:rPr lang="it-IT" sz="2200" kern="1200" dirty="0" smtClean="0"/>
+            <a:t> Suite</a:t>
+          </a:r>
+          <a:endParaRPr lang="it-IT" sz="2200" kern="1200" dirty="0"/>
+        </a:p>
+      </dsp:txBody>
+      <dsp:txXfrm>
+        <a:off x="1586507" y="1106685"/>
+        <a:ext cx="5842992" cy="1006077"/>
+      </dsp:txXfrm>
+    </dsp:sp>
+    <dsp:sp modelId="{974CC200-3B9B-4343-98E0-62341794BF16}">
+      <dsp:nvSpPr>
+        <dsp:cNvPr id="0" name=""/>
+        <dsp:cNvSpPr/>
+      </dsp:nvSpPr>
+      <dsp:spPr>
+        <a:xfrm>
+          <a:off x="100607" y="1207293"/>
+          <a:ext cx="1485900" cy="804862"/>
+        </a:xfrm>
+        <a:prstGeom prst="roundRect">
+          <a:avLst>
+            <a:gd name="adj" fmla="val 10000"/>
+          </a:avLst>
+        </a:prstGeom>
+        <a:blipFill dpi="0" rotWithShape="1">
+          <a:blip xmlns:r="http://schemas.openxmlformats.org/officeDocument/2006/relationships" r:embed="rId2">
+            <a:extLst>
+              <a:ext uri="{28A0092B-C50C-407E-A947-70E740481C1C}">
+                <a14:useLocalDpi xmlns:a14="http://schemas.microsoft.com/office/drawing/2010/main" val="0"/>
+              </a:ext>
+            </a:extLst>
+          </a:blip>
+          <a:srcRect/>
+          <a:stretch>
+            <a:fillRect l="22916" r="22916"/>
+          </a:stretch>
+        </a:blipFill>
+        <a:ln w="12700" cap="flat" cmpd="sng" algn="ctr">
+          <a:solidFill>
+            <a:schemeClr val="lt1">
+              <a:hueOff val="0"/>
+              <a:satOff val="0"/>
+              <a:lumOff val="0"/>
+              <a:alphaOff val="0"/>
+            </a:schemeClr>
+          </a:solidFill>
+          <a:prstDash val="solid"/>
+          <a:miter lim="800000"/>
+        </a:ln>
+        <a:effectLst/>
+      </dsp:spPr>
+      <dsp:style>
+        <a:lnRef idx="2">
+          <a:scrgbClr r="0" g="0" b="0"/>
+        </a:lnRef>
+        <a:fillRef idx="1">
+          <a:scrgbClr r="0" g="0" b="0"/>
+        </a:fillRef>
+        <a:effectRef idx="0">
+          <a:scrgbClr r="0" g="0" b="0"/>
+        </a:effectRef>
+        <a:fontRef idx="minor"/>
+      </dsp:style>
+    </dsp:sp>
+    <dsp:sp modelId="{129B5F3E-1A31-4AB9-84A6-9C20B2CA77AE}">
+      <dsp:nvSpPr>
+        <dsp:cNvPr id="0" name=""/>
+        <dsp:cNvSpPr/>
+      </dsp:nvSpPr>
+      <dsp:spPr>
+        <a:xfrm>
+          <a:off x="0" y="2213371"/>
+          <a:ext cx="7429500" cy="1006077"/>
+        </a:xfrm>
+        <a:prstGeom prst="roundRect">
+          <a:avLst>
+            <a:gd name="adj" fmla="val 10000"/>
+          </a:avLst>
+        </a:prstGeom>
+        <a:solidFill>
+          <a:schemeClr val="lt1"/>
+        </a:solidFill>
+        <a:ln w="12700" cap="flat" cmpd="sng" algn="ctr">
+          <a:gradFill>
+            <a:gsLst>
+              <a:gs pos="0">
+                <a:schemeClr val="accent1">
+                  <a:lumMod val="5000"/>
+                  <a:lumOff val="95000"/>
+                </a:schemeClr>
+              </a:gs>
+              <a:gs pos="100000">
+                <a:srgbClr val="006BAB"/>
+              </a:gs>
+            </a:gsLst>
+            <a:lin ang="5400000" scaled="1"/>
+          </a:gradFill>
+          <a:prstDash val="solid"/>
+          <a:miter lim="800000"/>
+        </a:ln>
+        <a:effectLst/>
+      </dsp:spPr>
+      <dsp:style>
+        <a:lnRef idx="2">
+          <a:schemeClr val="dk1"/>
+        </a:lnRef>
+        <a:fillRef idx="1">
+          <a:schemeClr val="lt1"/>
+        </a:fillRef>
+        <a:effectRef idx="0">
+          <a:schemeClr val="dk1"/>
+        </a:effectRef>
+        <a:fontRef idx="minor">
+          <a:schemeClr val="dk1"/>
+        </a:fontRef>
+      </dsp:style>
+      <dsp:txBody>
+        <a:bodyPr spcFirstLastPara="0" vert="horz" wrap="square" lIns="83820" tIns="83820" rIns="83820" bIns="83820" numCol="1" spcCol="1270" anchor="ctr" anchorCtr="0">
+          <a:noAutofit/>
+        </a:bodyPr>
+        <a:lstStyle/>
+        <a:p>
+          <a:pPr lvl="0" algn="l" defTabSz="977900">
+            <a:lnSpc>
+              <a:spcPct val="90000"/>
+            </a:lnSpc>
+            <a:spcBef>
+              <a:spcPct val="0"/>
+            </a:spcBef>
+            <a:spcAft>
+              <a:spcPct val="35000"/>
+            </a:spcAft>
+          </a:pPr>
+          <a:r>
+            <a:rPr lang="it-IT" sz="2200" kern="1200" dirty="0" smtClean="0"/>
+            <a:t>Visual Studio 2013 Ultimate Ed.</a:t>
+          </a:r>
+          <a:endParaRPr lang="it-IT" sz="2200" kern="1200" dirty="0"/>
+        </a:p>
+      </dsp:txBody>
+      <dsp:txXfrm>
+        <a:off x="1586507" y="2213371"/>
+        <a:ext cx="5842992" cy="1006077"/>
+      </dsp:txXfrm>
+    </dsp:sp>
+    <dsp:sp modelId="{D6E62CC7-2901-49D6-9BC1-63C5253E95EB}">
+      <dsp:nvSpPr>
+        <dsp:cNvPr id="0" name=""/>
+        <dsp:cNvSpPr/>
+      </dsp:nvSpPr>
+      <dsp:spPr>
+        <a:xfrm>
+          <a:off x="100607" y="2313978"/>
+          <a:ext cx="1485900" cy="804862"/>
+        </a:xfrm>
+        <a:prstGeom prst="roundRect">
+          <a:avLst>
+            <a:gd name="adj" fmla="val 10000"/>
+          </a:avLst>
+        </a:prstGeom>
+        <a:blipFill>
+          <a:blip xmlns:r="http://schemas.openxmlformats.org/officeDocument/2006/relationships" r:embed="rId3">
+            <a:extLst>
+              <a:ext uri="{28A0092B-C50C-407E-A947-70E740481C1C}">
+                <a14:useLocalDpi xmlns:a14="http://schemas.microsoft.com/office/drawing/2010/main" val="0"/>
+              </a:ext>
+            </a:extLst>
+          </a:blip>
+          <a:srcRect/>
+          <a:stretch>
+            <a:fillRect l="-4000" r="-4000"/>
+          </a:stretch>
+        </a:blipFill>
+        <a:ln w="12700" cap="flat" cmpd="sng" algn="ctr">
+          <a:solidFill>
+            <a:schemeClr val="lt1">
+              <a:hueOff val="0"/>
+              <a:satOff val="0"/>
+              <a:lumOff val="0"/>
+              <a:alphaOff val="0"/>
+            </a:schemeClr>
+          </a:solidFill>
+          <a:prstDash val="solid"/>
+          <a:miter lim="800000"/>
+        </a:ln>
+        <a:effectLst/>
+      </dsp:spPr>
+      <dsp:style>
+        <a:lnRef idx="2">
+          <a:scrgbClr r="0" g="0" b="0"/>
+        </a:lnRef>
+        <a:fillRef idx="1">
+          <a:scrgbClr r="0" g="0" b="0"/>
+        </a:fillRef>
+        <a:effectRef idx="0">
+          <a:scrgbClr r="0" g="0" b="0"/>
+        </a:effectRef>
+        <a:fontRef idx="minor"/>
+      </dsp:style>
+    </dsp:sp>
   </dsp:spTree>
 </dsp:drawing>
 </file>
@@ -36465,7 +36879,17 @@
             </a:pPr>
             <a:r>
               <a:rPr lang="it-IT" baseline="0" dirty="0" smtClean="0"/>
-              <a:t>Similitudine con {test, invocazione dei metodi, asserzione}</a:t>
+              <a:t>Similitudine con {setup, invocazione dei metodi, asserzione}</a:t>
+            </a:r>
+          </a:p>
+          <a:p>
+            <a:pPr marL="171450" indent="-171450">
+              <a:buFont typeface="Arial" panose="020B0604020202020204" pitchFamily="34" charset="0"/>
+              <a:buChar char="•"/>
+            </a:pPr>
+            <a:r>
+              <a:rPr lang="it-IT" baseline="0" dirty="0" smtClean="0"/>
+              <a:t>No elementi sintattici</a:t>
             </a:r>
           </a:p>
         </p:txBody>
@@ -36995,6 +37419,10 @@
           <a:bodyPr/>
           <a:lstStyle/>
           <a:p>
+            <a:pPr marL="171450" indent="-171450">
+              <a:buFont typeface="Arial" panose="020B0604020202020204" pitchFamily="34" charset="0"/>
+              <a:buChar char="•"/>
+            </a:pPr>
             <a:r>
               <a:rPr lang="it-IT" dirty="0" smtClean="0"/>
               <a:t>Lettura funzionalità,</a:t>
@@ -37002,6 +37430,44 @@
             <a:r>
               <a:rPr lang="it-IT" baseline="0" dirty="0" smtClean="0"/>
               <a:t> differenze latenza</a:t>
+            </a:r>
+          </a:p>
+          <a:p>
+            <a:pPr marL="171450" indent="-171450">
+              <a:buFont typeface="Arial" panose="020B0604020202020204" pitchFamily="34" charset="0"/>
+              <a:buChar char="•"/>
+            </a:pPr>
+            <a:r>
+              <a:rPr lang="it-IT" baseline="0" dirty="0" smtClean="0"/>
+              <a:t>Attese implicite – Esplicite</a:t>
+            </a:r>
+          </a:p>
+          <a:p>
+            <a:pPr marL="171450" indent="-171450">
+              <a:buFont typeface="Arial" panose="020B0604020202020204" pitchFamily="34" charset="0"/>
+              <a:buChar char="•"/>
+            </a:pPr>
+            <a:r>
+              <a:rPr lang="it-IT" baseline="0" dirty="0" smtClean="0"/>
+              <a:t>Lettura tabella</a:t>
+            </a:r>
+          </a:p>
+          <a:p>
+            <a:pPr marL="628650" lvl="1" indent="-171450">
+              <a:buFont typeface="Arial" panose="020B0604020202020204" pitchFamily="34" charset="0"/>
+              <a:buChar char="•"/>
+            </a:pPr>
+            <a:r>
+              <a:rPr lang="it-IT" baseline="0" dirty="0" smtClean="0"/>
+              <a:t>In </a:t>
+            </a:r>
+            <a:r>
+              <a:rPr lang="it-IT" baseline="0" dirty="0" err="1" smtClean="0"/>
+              <a:t>Capybara</a:t>
+            </a:r>
+            <a:r>
+              <a:rPr lang="it-IT" baseline="0" dirty="0" smtClean="0"/>
+              <a:t> tutto potrebbe essere asincrono</a:t>
             </a:r>
             <a:endParaRPr lang="it-IT" dirty="0"/>
           </a:p>
@@ -48805,7 +49271,7 @@
           <a:p>
             <a:pPr lvl="2"/>
             <a:r>
-              <a:rPr lang="it-IT" sz="1600" b="1" dirty="0" smtClean="0"/>
+              <a:rPr lang="it-IT" b="1" dirty="0" smtClean="0"/>
               <a:t>manutenibilità</a:t>
             </a:r>
             <a:r>
@@ -48911,11 +49377,11 @@
           <a:p>
             <a:pPr lvl="1"/>
             <a:r>
-              <a:rPr lang="it-IT" sz="1600" dirty="0" smtClean="0"/>
+              <a:rPr lang="it-IT" sz="2000" dirty="0" smtClean="0"/>
               <a:t>implementazione di </a:t>
             </a:r>
             <a:r>
-              <a:rPr lang="it-IT" sz="1600" b="1" dirty="0" smtClean="0"/>
+              <a:rPr lang="it-IT" sz="2000" b="1" dirty="0" smtClean="0"/>
               <a:t>test di accettazione</a:t>
             </a:r>
           </a:p>

--- a/Presentazione.pptx
+++ b/Presentazione.pptx
@@ -36763,18 +36763,10 @@
           <a:bodyPr/>
           <a:lstStyle/>
           <a:p>
-            <a:pPr marL="171450" indent="-171450">
+            <a:pPr marL="0" indent="0">
               <a:buFont typeface="Arial" panose="020B0604020202020204" pitchFamily="34" charset="0"/>
-              <a:buChar char="•"/>
+              <a:buNone/>
             </a:pPr>
-            <a:r>
-              <a:rPr lang="it-IT" dirty="0" smtClean="0"/>
-              <a:t>Introduzione</a:t>
-            </a:r>
-            <a:r>
-              <a:rPr lang="it-IT" baseline="0" dirty="0" smtClean="0"/>
-              <a:t> obbiettivi</a:t>
-            </a:r>
             <a:endParaRPr lang="it-IT" dirty="0"/>
           </a:p>
         </p:txBody>
